--- a/GitHub Japan Marketing Strategy.pptx
+++ b/GitHub Japan Marketing Strategy.pptx
@@ -4134,7 +4134,29 @@
                 <a:ea typeface="Arial" charset="0"/>
                 <a:cs typeface="Arial" charset="0"/>
               </a:rPr>
-              <a:t>had a brand awareness and user base in commercial segment from the very beginning, but need more awareness on the B2B side to expand the business</a:t>
+              <a:t>had a brand awareness and user base in </a:t>
+            </a:r>
+            <a:r>
+              <a:rPr lang="en-US" altLang="ja-JP" sz="1500" dirty="0" smtClean="0">
+                <a:solidFill>
+                  <a:schemeClr val="tx1"/>
+                </a:solidFill>
+                <a:latin typeface="Arial" charset="0"/>
+                <a:ea typeface="Arial" charset="0"/>
+                <a:cs typeface="Arial" charset="0"/>
+              </a:rPr>
+              <a:t>consumer </a:t>
+            </a:r>
+            <a:r>
+              <a:rPr lang="en-US" altLang="ja-JP" sz="1500" dirty="0">
+                <a:solidFill>
+                  <a:schemeClr val="tx1"/>
+                </a:solidFill>
+                <a:latin typeface="Arial" charset="0"/>
+                <a:ea typeface="Arial" charset="0"/>
+                <a:cs typeface="Arial" charset="0"/>
+              </a:rPr>
+              <a:t>segment from the very beginning, but need more awareness on the B2B side to expand the business</a:t>
             </a:r>
             <a:r>
               <a:rPr lang="en-US" altLang="ja-JP" sz="1500" dirty="0" smtClean="0">
@@ -4362,16 +4384,51 @@
                 <a:ea typeface="Arial" charset="0"/>
                 <a:cs typeface="Arial" charset="0"/>
               </a:rPr>
-              <a:t>ubversion still get a strong presence in enterprise segment.</a:t>
+              <a:t>ubversion still get a strong presence in </a:t>
             </a:r>
-            <a:endParaRPr lang="en-US" altLang="ja-JP" sz="1500" dirty="0" smtClean="0">
-              <a:solidFill>
-                <a:schemeClr val="tx1"/>
-              </a:solidFill>
-              <a:latin typeface="Arial" charset="0"/>
-              <a:ea typeface="Arial" charset="0"/>
-              <a:cs typeface="Arial" charset="0"/>
-            </a:endParaRPr>
+            <a:r>
+              <a:rPr lang="en-US" altLang="ja-JP" sz="1500" dirty="0" smtClean="0">
+                <a:solidFill>
+                  <a:schemeClr val="tx1"/>
+                </a:solidFill>
+                <a:latin typeface="Arial" charset="0"/>
+                <a:ea typeface="Arial" charset="0"/>
+                <a:cs typeface="Arial" charset="0"/>
+              </a:rPr>
+              <a:t/>
+            </a:r>
+            <a:br>
+              <a:rPr lang="en-US" altLang="ja-JP" sz="1500" dirty="0" smtClean="0">
+                <a:solidFill>
+                  <a:schemeClr val="tx1"/>
+                </a:solidFill>
+                <a:latin typeface="Arial" charset="0"/>
+                <a:ea typeface="Arial" charset="0"/>
+                <a:cs typeface="Arial" charset="0"/>
+              </a:rPr>
+            </a:br>
+            <a:r>
+              <a:rPr lang="en-US" altLang="ja-JP" sz="1500" dirty="0" smtClean="0">
+                <a:solidFill>
+                  <a:schemeClr val="tx1"/>
+                </a:solidFill>
+                <a:latin typeface="Arial" charset="0"/>
+                <a:ea typeface="Arial" charset="0"/>
+                <a:cs typeface="Arial" charset="0"/>
+              </a:rPr>
+              <a:t>Enterprise </a:t>
+            </a:r>
+            <a:r>
+              <a:rPr lang="en-US" altLang="ja-JP" sz="1500" dirty="0" smtClean="0">
+                <a:solidFill>
+                  <a:schemeClr val="tx1"/>
+                </a:solidFill>
+                <a:latin typeface="Arial" charset="0"/>
+                <a:ea typeface="Arial" charset="0"/>
+                <a:cs typeface="Arial" charset="0"/>
+              </a:rPr>
+              <a:t>segment.</a:t>
+            </a:r>
           </a:p>
           <a:p>
             <a:pPr>
@@ -4412,17 +4469,6 @@
               <a:t>version control </a:t>
             </a:r>
             <a:r>
-              <a:rPr lang="en-US" altLang="ja-JP" sz="1500" dirty="0" err="1" smtClean="0">
-                <a:solidFill>
-                  <a:schemeClr val="tx1"/>
-                </a:solidFill>
-                <a:latin typeface="Arial" charset="0"/>
-                <a:ea typeface="Arial" charset="0"/>
-                <a:cs typeface="Arial" charset="0"/>
-              </a:rPr>
-              <a:t>sytems</a:t>
-            </a:r>
-            <a:r>
               <a:rPr lang="en-US" altLang="ja-JP" sz="1500" dirty="0" smtClean="0">
                 <a:solidFill>
                   <a:schemeClr val="tx1"/>
@@ -4431,7 +4477,7 @@
                 <a:ea typeface="Arial" charset="0"/>
                 <a:cs typeface="Arial" charset="0"/>
               </a:rPr>
-              <a:t> </a:t>
+              <a:t>systems </a:t>
             </a:r>
             <a:r>
               <a:rPr lang="en-US" altLang="ja-JP" sz="1500" dirty="0" smtClean="0">
@@ -6393,12 +6439,12 @@
               <a:buChar char="•"/>
             </a:pPr>
             <a:r>
-              <a:rPr lang="en-US" altLang="ja-JP" sz="1200" dirty="0" err="1" smtClean="0">
+              <a:rPr lang="en-US" altLang="ja-JP" sz="1200" dirty="0" smtClean="0">
                 <a:latin typeface="Arial" charset="0"/>
                 <a:ea typeface="Arial" charset="0"/>
                 <a:cs typeface="Arial" charset="0"/>
               </a:rPr>
-              <a:t>GitHub.com</a:t>
+              <a:t>GitHub </a:t>
             </a:r>
             <a:r>
               <a:rPr lang="en-US" altLang="ja-JP" sz="1200" dirty="0" smtClean="0">
@@ -6406,7 +6452,7 @@
                 <a:ea typeface="Arial" charset="0"/>
                 <a:cs typeface="Arial" charset="0"/>
               </a:rPr>
-              <a:t>, GitHub Enterprise</a:t>
+              <a:t>Enterprise</a:t>
             </a:r>
             <a:endParaRPr kumimoji="0" lang="en-US" altLang="ja-JP" sz="1200" dirty="0">
               <a:latin typeface="Arial" charset="0"/>
@@ -6439,7 +6485,15 @@
                 <a:ea typeface="Arial" charset="0"/>
                 <a:cs typeface="Arial" charset="0"/>
               </a:rPr>
-              <a:t>Internet Companies</a:t>
+              <a:t>Internet </a:t>
+            </a:r>
+            <a:r>
+              <a:rPr lang="en-US" altLang="ja-JP" sz="1200" dirty="0" smtClean="0">
+                <a:latin typeface="Arial" charset="0"/>
+                <a:ea typeface="Arial" charset="0"/>
+                <a:cs typeface="Arial" charset="0"/>
+              </a:rPr>
+              <a:t>Companies, Software driven companies across all industries</a:t>
             </a:r>
             <a:endParaRPr lang="en-US" altLang="ja-JP" sz="1200" dirty="0">
               <a:latin typeface="Arial" charset="0"/>
@@ -6559,7 +6613,7 @@
                 <a:ea typeface="Arial" charset="0"/>
                 <a:cs typeface="Arial" charset="0"/>
               </a:rPr>
-              <a:t>ACV </a:t>
+              <a:t>ARR </a:t>
             </a:r>
             <a:r>
               <a:rPr lang="en-US" altLang="ja-JP" sz="1200" dirty="0">
@@ -6578,25 +6632,6 @@
               <a:t>???</a:t>
             </a:r>
             <a:endParaRPr lang="en-US" altLang="ja-JP" sz="1200" dirty="0">
-              <a:latin typeface="Arial" charset="0"/>
-              <a:ea typeface="Arial" charset="0"/>
-              <a:cs typeface="Arial" charset="0"/>
-            </a:endParaRPr>
-          </a:p>
-          <a:p>
-            <a:pPr marL="838179" lvl="1" indent="-228594">
-              <a:buFont typeface="Arial" charset="0"/>
-              <a:buChar char="•"/>
-            </a:pPr>
-            <a:r>
-              <a:rPr lang="en-US" altLang="ja-JP" sz="1200" dirty="0" smtClean="0">
-                <a:latin typeface="Arial" charset="0"/>
-                <a:ea typeface="Arial" charset="0"/>
-                <a:cs typeface="Arial" charset="0"/>
-              </a:rPr>
-              <a:t>Sales PPL: ???</a:t>
-            </a:r>
-            <a:endParaRPr lang="ja-JP" altLang="en-US" sz="1200" dirty="0">
               <a:latin typeface="Arial" charset="0"/>
               <a:ea typeface="Arial" charset="0"/>
               <a:cs typeface="Arial" charset="0"/>
@@ -6685,14 +6720,14 @@
           <p:nvPr>
             <p:extLst>
               <p:ext uri="{D42A27DB-BD31-4B8C-83A1-F6EECF244321}">
-                <p14:modId xmlns:p14="http://schemas.microsoft.com/office/powerpoint/2010/main" val="2099877034"/>
+                <p14:modId xmlns:p14="http://schemas.microsoft.com/office/powerpoint/2010/main" val="1999474590"/>
               </p:ext>
             </p:extLst>
           </p:nvPr>
         </p:nvGraphicFramePr>
         <p:xfrm>
           <a:off x="6322854" y="1342958"/>
-          <a:ext cx="5750771" cy="2194560"/>
+          <a:ext cx="5750771" cy="2042160"/>
         </p:xfrm>
         <a:graphic>
           <a:graphicData uri="http://schemas.openxmlformats.org/drawingml/2006/table">
@@ -6904,12 +6939,12 @@
                         <a:defRPr/>
                       </a:pPr>
                       <a:r>
-                        <a:rPr kumimoji="1" lang="en-US" altLang="ja-JP" sz="1000" dirty="0" err="1" smtClean="0">
+                        <a:rPr kumimoji="1" lang="en-US" altLang="ja-JP" sz="1000" dirty="0" smtClean="0">
                           <a:latin typeface="Arial" charset="0"/>
                           <a:ea typeface="Arial" charset="0"/>
                           <a:cs typeface="Arial" charset="0"/>
                         </a:rPr>
-                        <a:t>GitHub.com</a:t>
+                        <a:t>GitHub</a:t>
                       </a:r>
                       <a:r>
                         <a:rPr kumimoji="1" lang="en-US" altLang="ja-JP" sz="1000" baseline="0" dirty="0" smtClean="0">
@@ -6917,7 +6952,15 @@
                           <a:ea typeface="Arial" charset="0"/>
                           <a:cs typeface="Arial" charset="0"/>
                         </a:rPr>
-                        <a:t> can </a:t>
+                        <a:t> Enterprise </a:t>
+                      </a:r>
+                      <a:r>
+                        <a:rPr kumimoji="1" lang="en-US" altLang="ja-JP" sz="1000" baseline="0" dirty="0" smtClean="0">
+                          <a:latin typeface="Arial" charset="0"/>
+                          <a:ea typeface="Arial" charset="0"/>
+                          <a:cs typeface="Arial" charset="0"/>
+                        </a:rPr>
+                        <a:t>can </a:t>
                       </a:r>
                       <a:r>
                         <a:rPr kumimoji="1" lang="en-US" altLang="ja-JP" sz="1000" dirty="0" smtClean="0">
@@ -7362,7 +7405,7 @@
                           <a:ea typeface="Arial" charset="0"/>
                           <a:cs typeface="Arial" charset="0"/>
                         </a:rPr>
-                        <a:t>GithHub.com</a:t>
+                        <a:t>GithHub</a:t>
                       </a:r>
                       <a:r>
                         <a:rPr kumimoji="1" lang="en-US" altLang="ja-JP" sz="1000" baseline="0" dirty="0" smtClean="0">
@@ -7370,7 +7413,15 @@
                           <a:ea typeface="Arial" charset="0"/>
                           <a:cs typeface="Arial" charset="0"/>
                         </a:rPr>
-                        <a:t> can put product code in one place and all of systems are on their own infrastructure</a:t>
+                        <a:t> </a:t>
+                      </a:r>
+                      <a:r>
+                        <a:rPr kumimoji="1" lang="en-US" altLang="ja-JP" sz="1000" baseline="0" dirty="0" smtClean="0">
+                          <a:latin typeface="Arial" charset="0"/>
+                          <a:ea typeface="Arial" charset="0"/>
+                          <a:cs typeface="Arial" charset="0"/>
+                        </a:rPr>
+                        <a:t>can put product code in one place and all of systems are on their own infrastructure</a:t>
                       </a:r>
                       <a:endParaRPr kumimoji="1" lang="ja-JP" altLang="en-US" sz="1000" dirty="0">
                         <a:latin typeface="Arial" charset="0"/>
@@ -9037,7 +9088,7 @@
         </p:nvSpPr>
         <p:spPr>
           <a:xfrm rot="20584952">
-            <a:off x="4524411" y="3801293"/>
+            <a:off x="3740982" y="1016882"/>
             <a:ext cx="3511296" cy="716526"/>
           </a:xfrm>
           <a:prstGeom prst="roundRect">

--- a/GitHub Japan Marketing Strategy.pptx
+++ b/GitHub Japan Marketing Strategy.pptx
@@ -4386,17 +4386,6 @@
               </a:rPr>
               <a:t>ubversion still get a strong presence in </a:t>
             </a:r>
-            <a:r>
-              <a:rPr lang="en-US" altLang="ja-JP" sz="1500" dirty="0" smtClean="0">
-                <a:solidFill>
-                  <a:schemeClr val="tx1"/>
-                </a:solidFill>
-                <a:latin typeface="Arial" charset="0"/>
-                <a:ea typeface="Arial" charset="0"/>
-                <a:cs typeface="Arial" charset="0"/>
-              </a:rPr>
-              <a:t/>
-            </a:r>
             <a:br>
               <a:rPr lang="en-US" altLang="ja-JP" sz="1500" dirty="0" smtClean="0">
                 <a:solidFill>
@@ -4416,18 +4405,7 @@
                 <a:ea typeface="Arial" charset="0"/>
                 <a:cs typeface="Arial" charset="0"/>
               </a:rPr>
-              <a:t>Enterprise </a:t>
-            </a:r>
-            <a:r>
-              <a:rPr lang="en-US" altLang="ja-JP" sz="1500" dirty="0" smtClean="0">
-                <a:solidFill>
-                  <a:schemeClr val="tx1"/>
-                </a:solidFill>
-                <a:latin typeface="Arial" charset="0"/>
-                <a:ea typeface="Arial" charset="0"/>
-                <a:cs typeface="Arial" charset="0"/>
-              </a:rPr>
-              <a:t>segment.</a:t>
+              <a:t>Enterprise segment.</a:t>
             </a:r>
           </a:p>
           <a:p>
@@ -4466,29 +4444,7 @@
                 <a:ea typeface="Arial" charset="0"/>
                 <a:cs typeface="Arial" charset="0"/>
               </a:rPr>
-              <a:t>version control </a:t>
-            </a:r>
-            <a:r>
-              <a:rPr lang="en-US" altLang="ja-JP" sz="1500" dirty="0" smtClean="0">
-                <a:solidFill>
-                  <a:schemeClr val="tx1"/>
-                </a:solidFill>
-                <a:latin typeface="Arial" charset="0"/>
-                <a:ea typeface="Arial" charset="0"/>
-                <a:cs typeface="Arial" charset="0"/>
-              </a:rPr>
-              <a:t>systems </a:t>
-            </a:r>
-            <a:r>
-              <a:rPr lang="en-US" altLang="ja-JP" sz="1500" dirty="0" smtClean="0">
-                <a:solidFill>
-                  <a:schemeClr val="tx1"/>
-                </a:solidFill>
-                <a:latin typeface="Arial" charset="0"/>
-                <a:ea typeface="Arial" charset="0"/>
-                <a:cs typeface="Arial" charset="0"/>
-              </a:rPr>
-              <a:t>package</a:t>
+              <a:t>version control systems package</a:t>
             </a:r>
             <a:r>
               <a:rPr lang="en-US" altLang="ja-JP" sz="1500" dirty="0">
@@ -6444,15 +6400,7 @@
                 <a:ea typeface="Arial" charset="0"/>
                 <a:cs typeface="Arial" charset="0"/>
               </a:rPr>
-              <a:t>GitHub </a:t>
-            </a:r>
-            <a:r>
-              <a:rPr lang="en-US" altLang="ja-JP" sz="1200" dirty="0" smtClean="0">
-                <a:latin typeface="Arial" charset="0"/>
-                <a:ea typeface="Arial" charset="0"/>
-                <a:cs typeface="Arial" charset="0"/>
-              </a:rPr>
-              <a:t>Enterprise</a:t>
+              <a:t>GitHub Enterprise</a:t>
             </a:r>
             <a:endParaRPr kumimoji="0" lang="en-US" altLang="ja-JP" sz="1200" dirty="0">
               <a:latin typeface="Arial" charset="0"/>
@@ -6485,15 +6433,7 @@
                 <a:ea typeface="Arial" charset="0"/>
                 <a:cs typeface="Arial" charset="0"/>
               </a:rPr>
-              <a:t>Internet </a:t>
-            </a:r>
-            <a:r>
-              <a:rPr lang="en-US" altLang="ja-JP" sz="1200" dirty="0" smtClean="0">
-                <a:latin typeface="Arial" charset="0"/>
-                <a:ea typeface="Arial" charset="0"/>
-                <a:cs typeface="Arial" charset="0"/>
-              </a:rPr>
-              <a:t>Companies, Software driven companies across all industries</a:t>
+              <a:t>Internet Companies, Software driven companies across all industries</a:t>
             </a:r>
             <a:endParaRPr lang="en-US" altLang="ja-JP" sz="1200" dirty="0">
               <a:latin typeface="Arial" charset="0"/>
@@ -6952,15 +6892,7 @@
                           <a:ea typeface="Arial" charset="0"/>
                           <a:cs typeface="Arial" charset="0"/>
                         </a:rPr>
-                        <a:t> Enterprise </a:t>
-                      </a:r>
-                      <a:r>
-                        <a:rPr kumimoji="1" lang="en-US" altLang="ja-JP" sz="1000" baseline="0" dirty="0" smtClean="0">
-                          <a:latin typeface="Arial" charset="0"/>
-                          <a:ea typeface="Arial" charset="0"/>
-                          <a:cs typeface="Arial" charset="0"/>
-                        </a:rPr>
-                        <a:t>can </a:t>
+                        <a:t> Enterprise can </a:t>
                       </a:r>
                       <a:r>
                         <a:rPr kumimoji="1" lang="en-US" altLang="ja-JP" sz="1000" dirty="0" smtClean="0">
@@ -7413,15 +7345,7 @@
                           <a:ea typeface="Arial" charset="0"/>
                           <a:cs typeface="Arial" charset="0"/>
                         </a:rPr>
-                        <a:t> </a:t>
-                      </a:r>
-                      <a:r>
-                        <a:rPr kumimoji="1" lang="en-US" altLang="ja-JP" sz="1000" baseline="0" dirty="0" smtClean="0">
-                          <a:latin typeface="Arial" charset="0"/>
-                          <a:ea typeface="Arial" charset="0"/>
-                          <a:cs typeface="Arial" charset="0"/>
-                        </a:rPr>
-                        <a:t>can put product code in one place and all of systems are on their own infrastructure</a:t>
+                        <a:t> can put product code in one place and all of systems are on their own infrastructure</a:t>
                       </a:r>
                       <a:endParaRPr kumimoji="1" lang="ja-JP" altLang="en-US" sz="1000" dirty="0">
                         <a:latin typeface="Arial" charset="0"/>
@@ -9088,7 +9012,7 @@
         </p:nvSpPr>
         <p:spPr>
           <a:xfrm rot="20584952">
-            <a:off x="3740982" y="1016882"/>
+            <a:off x="4470129" y="3165869"/>
             <a:ext cx="3511296" cy="716526"/>
           </a:xfrm>
           <a:prstGeom prst="roundRect">
@@ -25394,7 +25318,7 @@
           <p:nvPr>
             <p:extLst>
               <p:ext uri="{D42A27DB-BD31-4B8C-83A1-F6EECF244321}">
-                <p14:modId xmlns:p14="http://schemas.microsoft.com/office/powerpoint/2010/main" val="1642898747"/>
+                <p14:modId xmlns:p14="http://schemas.microsoft.com/office/powerpoint/2010/main" val="731021583"/>
               </p:ext>
             </p:extLst>
           </p:nvPr>
@@ -25509,7 +25433,39 @@
                           <a:ea typeface="Arial" charset="0"/>
                           <a:cs typeface="Arial" charset="0"/>
                         </a:rPr>
-                        <a:t>in-house Developers in internet companies/larger enterprises or financial services companies</a:t>
+                        <a:t>in-house Developers in internet </a:t>
+                      </a:r>
+                      <a:r>
+                        <a:rPr kumimoji="1" lang="en-US" altLang="ja-JP" sz="1700" dirty="0" smtClean="0">
+                          <a:latin typeface="Arial" charset="0"/>
+                          <a:ea typeface="Arial" charset="0"/>
+                          <a:cs typeface="Arial" charset="0"/>
+                        </a:rPr>
+                        <a:t>companies/software</a:t>
+                      </a:r>
+                      <a:r>
+                        <a:rPr kumimoji="1" lang="en-US" altLang="ja-JP" sz="1700" baseline="0" dirty="0" smtClean="0">
+                          <a:latin typeface="Arial" charset="0"/>
+                          <a:ea typeface="Arial" charset="0"/>
+                          <a:cs typeface="Arial" charset="0"/>
+                        </a:rPr>
+                        <a:t> driven</a:t>
+                      </a:r>
+                      <a:r>
+                        <a:rPr kumimoji="1" lang="en-US" altLang="ja-JP" sz="1700" dirty="0" smtClean="0">
+                          <a:latin typeface="Arial" charset="0"/>
+                          <a:ea typeface="Arial" charset="0"/>
+                          <a:cs typeface="Arial" charset="0"/>
+                        </a:rPr>
+                        <a:t> </a:t>
+                      </a:r>
+                      <a:r>
+                        <a:rPr kumimoji="1" lang="en-US" altLang="ja-JP" sz="1700" dirty="0" smtClean="0">
+                          <a:latin typeface="Arial" charset="0"/>
+                          <a:ea typeface="Arial" charset="0"/>
+                          <a:cs typeface="Arial" charset="0"/>
+                        </a:rPr>
+                        <a:t>enterprises or financial services companies</a:t>
                       </a:r>
                       <a:endParaRPr kumimoji="1" lang="ja-JP" altLang="en-US" sz="1700" dirty="0">
                         <a:latin typeface="Arial" charset="0"/>
@@ -25598,7 +25554,15 @@
                           <a:ea typeface="Arial" charset="0"/>
                           <a:cs typeface="Arial" charset="0"/>
                         </a:rPr>
-                        <a:t> source code with </a:t>
+                        <a:t> </a:t>
+                      </a:r>
+                      <a:r>
+                        <a:rPr kumimoji="1" lang="en-US" altLang="ja-JP" sz="1700" baseline="0" dirty="0" smtClean="0">
+                          <a:latin typeface="Arial" charset="0"/>
+                          <a:ea typeface="Arial" charset="0"/>
+                          <a:cs typeface="Arial" charset="0"/>
+                        </a:rPr>
+                        <a:t>source code with </a:t>
                       </a:r>
                       <a:r>
                         <a:rPr kumimoji="1" lang="en-US" altLang="ja-JP" sz="1700" dirty="0" smtClean="0">
@@ -25790,25 +25754,6 @@
                         <a:buChar char="•"/>
                       </a:pPr>
                       <a:r>
-                        <a:rPr kumimoji="1" lang="en-US" altLang="ja-JP" sz="1700" dirty="0" err="1" smtClean="0">
-                          <a:latin typeface="Arial" charset="0"/>
-                          <a:ea typeface="Arial" charset="0"/>
-                          <a:cs typeface="Arial" charset="0"/>
-                        </a:rPr>
-                        <a:t>GitHub.com</a:t>
-                      </a:r>
-                      <a:endParaRPr kumimoji="1" lang="en-US" altLang="ja-JP" sz="1700" dirty="0" smtClean="0">
-                        <a:latin typeface="Arial" charset="0"/>
-                        <a:ea typeface="Arial" charset="0"/>
-                        <a:cs typeface="Arial" charset="0"/>
-                      </a:endParaRPr>
-                    </a:p>
-                    <a:p>
-                      <a:pPr marL="171450" indent="-171450">
-                        <a:buFont typeface="Arial" charset="0"/>
-                        <a:buChar char="•"/>
-                      </a:pPr>
-                      <a:r>
                         <a:rPr kumimoji="1" lang="en-US" altLang="ja-JP" sz="1700" dirty="0" smtClean="0">
                           <a:latin typeface="Arial" charset="0"/>
                           <a:ea typeface="Arial" charset="0"/>
@@ -25823,6 +25768,20 @@
                           <a:cs typeface="Arial" charset="0"/>
                         </a:rPr>
                         <a:t> Enterprise</a:t>
+                      </a:r>
+                    </a:p>
+                    <a:p>
+                      <a:pPr marL="171450" indent="-171450">
+                        <a:buFont typeface="Arial" charset="0"/>
+                        <a:buChar char="•"/>
+                      </a:pPr>
+                      <a:r>
+                        <a:rPr kumimoji="1" lang="en-US" altLang="ja-JP" sz="1700" dirty="0" err="1" smtClean="0">
+                          <a:latin typeface="Arial" charset="0"/>
+                          <a:ea typeface="Arial" charset="0"/>
+                          <a:cs typeface="Arial" charset="0"/>
+                        </a:rPr>
+                        <a:t>GitHub.com</a:t>
                       </a:r>
                       <a:endParaRPr kumimoji="1" lang="ja-JP" altLang="en-US" sz="1700" dirty="0">
                         <a:latin typeface="Arial" charset="0"/>

--- a/GitHub Japan Marketing Strategy.pptx
+++ b/GitHub Japan Marketing Strategy.pptx
@@ -5,7 +5,7 @@
     <p:sldMasterId id="2147483717" r:id="rId1"/>
   </p:sldMasterIdLst>
   <p:notesMasterIdLst>
-    <p:notesMasterId r:id="rId12"/>
+    <p:notesMasterId r:id="rId14"/>
   </p:notesMasterIdLst>
   <p:sldIdLst>
     <p:sldId id="268" r:id="rId2"/>
@@ -13,11 +13,13 @@
     <p:sldId id="272" r:id="rId4"/>
     <p:sldId id="258" r:id="rId5"/>
     <p:sldId id="269" r:id="rId6"/>
-    <p:sldId id="266" r:id="rId7"/>
-    <p:sldId id="267" r:id="rId8"/>
-    <p:sldId id="263" r:id="rId9"/>
-    <p:sldId id="260" r:id="rId10"/>
-    <p:sldId id="271" r:id="rId11"/>
+    <p:sldId id="274" r:id="rId7"/>
+    <p:sldId id="273" r:id="rId8"/>
+    <p:sldId id="266" r:id="rId9"/>
+    <p:sldId id="267" r:id="rId10"/>
+    <p:sldId id="263" r:id="rId11"/>
+    <p:sldId id="260" r:id="rId12"/>
+    <p:sldId id="271" r:id="rId13"/>
   </p:sldIdLst>
   <p:sldSz cx="12192000" cy="6858000"/>
   <p:notesSz cx="6858000" cy="9144000"/>
@@ -124,6 +126,363 @@
 </p:presentation>
 </file>
 
+<file path=ppt/charts/chart1.xml><?xml version="1.0" encoding="utf-8"?>
+<c:chartSpace xmlns:c="http://schemas.openxmlformats.org/drawingml/2006/chart" xmlns:a="http://schemas.openxmlformats.org/drawingml/2006/main" xmlns:r="http://schemas.openxmlformats.org/officeDocument/2006/relationships">
+  <c:date1904 val="0"/>
+  <c:lang val="ja-JP"/>
+  <c:roundedCorners val="0"/>
+  <mc:AlternateContent xmlns:mc="http://schemas.openxmlformats.org/markup-compatibility/2006">
+    <mc:Choice xmlns:c14="http://schemas.microsoft.com/office/drawing/2007/8/2/chart" Requires="c14">
+      <c14:style val="102"/>
+    </mc:Choice>
+    <mc:Fallback>
+      <c:style val="2"/>
+    </mc:Fallback>
+  </mc:AlternateContent>
+  <c:chart>
+    <c:title>
+      <c:tx>
+        <c:rich>
+          <a:bodyPr rot="0" spcFirstLastPara="1" vertOverflow="ellipsis" vert="horz" wrap="square" anchor="ctr" anchorCtr="1"/>
+          <a:lstStyle/>
+          <a:p>
+            <a:pPr>
+              <a:defRPr sz="1400" b="0" i="0" u="none" strike="noStrike" kern="1200" spc="0" baseline="0">
+                <a:solidFill>
+                  <a:schemeClr val="tx1">
+                    <a:lumMod val="65000"/>
+                    <a:lumOff val="35000"/>
+                  </a:schemeClr>
+                </a:solidFill>
+                <a:latin typeface="+mn-lt"/>
+                <a:ea typeface="+mn-ea"/>
+                <a:cs typeface="+mn-cs"/>
+              </a:defRPr>
+            </a:pPr>
+            <a:r>
+              <a:rPr lang="en-US">
+                <a:latin typeface="Arial" charset="0"/>
+                <a:ea typeface="Arial" charset="0"/>
+                <a:cs typeface="Arial" charset="0"/>
+              </a:rPr>
+              <a:t>2Q Plan ($K)</a:t>
+            </a:r>
+          </a:p>
+        </c:rich>
+      </c:tx>
+      <c:layout/>
+      <c:overlay val="0"/>
+      <c:spPr>
+        <a:noFill/>
+        <a:ln w="25400">
+          <a:noFill/>
+        </a:ln>
+      </c:spPr>
+    </c:title>
+    <c:autoTitleDeleted val="0"/>
+    <c:plotArea>
+      <c:layout/>
+      <c:pieChart>
+        <c:varyColors val="1"/>
+        <c:ser>
+          <c:idx val="0"/>
+          <c:order val="0"/>
+          <c:tx>
+            <c:strRef>
+              <c:f>Q2_Graph!$E$1</c:f>
+              <c:strCache>
+                <c:ptCount val="1"/>
+                <c:pt idx="0">
+                  <c:v>1Q Plan ($K)</c:v>
+                </c:pt>
+              </c:strCache>
+            </c:strRef>
+          </c:tx>
+          <c:dPt>
+            <c:idx val="0"/>
+            <c:bubble3D val="0"/>
+            <c:spPr>
+              <a:solidFill>
+                <a:schemeClr val="accent1"/>
+              </a:solidFill>
+              <a:ln w="19050">
+                <a:solidFill>
+                  <a:schemeClr val="lt1"/>
+                </a:solidFill>
+              </a:ln>
+              <a:effectLst/>
+            </c:spPr>
+          </c:dPt>
+          <c:dPt>
+            <c:idx val="1"/>
+            <c:bubble3D val="0"/>
+            <c:spPr>
+              <a:solidFill>
+                <a:schemeClr val="accent2"/>
+              </a:solidFill>
+              <a:ln w="19050">
+                <a:solidFill>
+                  <a:schemeClr val="lt1"/>
+                </a:solidFill>
+              </a:ln>
+              <a:effectLst/>
+            </c:spPr>
+          </c:dPt>
+          <c:dPt>
+            <c:idx val="2"/>
+            <c:bubble3D val="0"/>
+            <c:spPr>
+              <a:solidFill>
+                <a:schemeClr val="accent3"/>
+              </a:solidFill>
+              <a:ln w="19050">
+                <a:solidFill>
+                  <a:schemeClr val="lt1"/>
+                </a:solidFill>
+              </a:ln>
+              <a:effectLst/>
+            </c:spPr>
+          </c:dPt>
+          <c:dPt>
+            <c:idx val="3"/>
+            <c:bubble3D val="0"/>
+            <c:spPr>
+              <a:solidFill>
+                <a:schemeClr val="accent4"/>
+              </a:solidFill>
+              <a:ln w="19050">
+                <a:solidFill>
+                  <a:schemeClr val="lt1"/>
+                </a:solidFill>
+              </a:ln>
+              <a:effectLst/>
+            </c:spPr>
+          </c:dPt>
+          <c:dPt>
+            <c:idx val="4"/>
+            <c:bubble3D val="0"/>
+            <c:spPr>
+              <a:solidFill>
+                <a:schemeClr val="accent5"/>
+              </a:solidFill>
+              <a:ln w="19050">
+                <a:solidFill>
+                  <a:schemeClr val="lt1"/>
+                </a:solidFill>
+              </a:ln>
+              <a:effectLst/>
+            </c:spPr>
+          </c:dPt>
+          <c:dPt>
+            <c:idx val="5"/>
+            <c:bubble3D val="0"/>
+            <c:spPr>
+              <a:solidFill>
+                <a:schemeClr val="accent6"/>
+              </a:solidFill>
+              <a:ln w="19050">
+                <a:solidFill>
+                  <a:schemeClr val="lt1"/>
+                </a:solidFill>
+              </a:ln>
+              <a:effectLst/>
+            </c:spPr>
+          </c:dPt>
+          <c:dLbls>
+            <c:spPr>
+              <a:noFill/>
+              <a:ln w="25400">
+                <a:noFill/>
+              </a:ln>
+            </c:spPr>
+            <c:txPr>
+              <a:bodyPr rot="0" spcFirstLastPara="1" vertOverflow="ellipsis" vert="horz" wrap="square" lIns="38100" tIns="19050" rIns="38100" bIns="19050" anchor="ctr" anchorCtr="1">
+                <a:spAutoFit/>
+              </a:bodyPr>
+              <a:lstStyle/>
+              <a:p>
+                <a:pPr>
+                  <a:defRPr sz="900" b="0" i="0" u="none" strike="noStrike" kern="1200" baseline="0">
+                    <a:solidFill>
+                      <a:schemeClr val="tx1">
+                        <a:lumMod val="75000"/>
+                        <a:lumOff val="25000"/>
+                      </a:schemeClr>
+                    </a:solidFill>
+                    <a:latin typeface="+mn-lt"/>
+                    <a:ea typeface="+mn-ea"/>
+                    <a:cs typeface="+mn-cs"/>
+                  </a:defRPr>
+                </a:pPr>
+                <a:endParaRPr lang="ja-JP"/>
+              </a:p>
+            </c:txPr>
+            <c:dLblPos val="inEnd"/>
+            <c:showLegendKey val="0"/>
+            <c:showVal val="0"/>
+            <c:showCatName val="0"/>
+            <c:showSerName val="0"/>
+            <c:showPercent val="1"/>
+            <c:showBubbleSize val="0"/>
+            <c:showLeaderLines val="1"/>
+            <c:leaderLines>
+              <c:spPr>
+                <a:ln w="9525" cap="flat" cmpd="sng" algn="ctr">
+                  <a:solidFill>
+                    <a:schemeClr val="tx1">
+                      <a:lumMod val="35000"/>
+                      <a:lumOff val="65000"/>
+                    </a:schemeClr>
+                  </a:solidFill>
+                  <a:round/>
+                </a:ln>
+                <a:effectLst/>
+              </c:spPr>
+            </c:leaderLines>
+            <c:extLst>
+              <c:ext xmlns:c15="http://schemas.microsoft.com/office/drawing/2012/chart" uri="{CE6537A1-D6FC-4f65-9D91-7224C49458BB}">
+                <c15:layout/>
+              </c:ext>
+            </c:extLst>
+          </c:dLbls>
+          <c:cat>
+            <c:strRef>
+              <c:f>Q2_Graph!$D$2:$D$7</c:f>
+              <c:strCache>
+                <c:ptCount val="6"/>
+                <c:pt idx="0">
+                  <c:v>Digital</c:v>
+                </c:pt>
+                <c:pt idx="1">
+                  <c:v>Event/Seminar</c:v>
+                </c:pt>
+                <c:pt idx="2">
+                  <c:v>Tele</c:v>
+                </c:pt>
+                <c:pt idx="3">
+                  <c:v>Contents</c:v>
+                </c:pt>
+                <c:pt idx="4">
+                  <c:v>Agency Fee</c:v>
+                </c:pt>
+                <c:pt idx="5">
+                  <c:v>Misc</c:v>
+                </c:pt>
+              </c:strCache>
+            </c:strRef>
+          </c:cat>
+          <c:val>
+            <c:numRef>
+              <c:f>Q2_Graph!$E$2:$E$7</c:f>
+              <c:numCache>
+                <c:formatCode>General</c:formatCode>
+                <c:ptCount val="6"/>
+                <c:pt idx="0">
+                  <c:v>95.0</c:v>
+                </c:pt>
+                <c:pt idx="1">
+                  <c:v>67.5</c:v>
+                </c:pt>
+                <c:pt idx="2">
+                  <c:v>13.0</c:v>
+                </c:pt>
+                <c:pt idx="3">
+                  <c:v>13.0</c:v>
+                </c:pt>
+                <c:pt idx="4">
+                  <c:v>58.0</c:v>
+                </c:pt>
+                <c:pt idx="5">
+                  <c:v>5.0</c:v>
+                </c:pt>
+              </c:numCache>
+            </c:numRef>
+          </c:val>
+        </c:ser>
+        <c:dLbls>
+          <c:showLegendKey val="0"/>
+          <c:showVal val="0"/>
+          <c:showCatName val="0"/>
+          <c:showSerName val="0"/>
+          <c:showPercent val="0"/>
+          <c:showBubbleSize val="0"/>
+          <c:showLeaderLines val="1"/>
+        </c:dLbls>
+        <c:firstSliceAng val="0"/>
+      </c:pieChart>
+      <c:spPr>
+        <a:noFill/>
+        <a:ln w="25400">
+          <a:noFill/>
+        </a:ln>
+      </c:spPr>
+    </c:plotArea>
+    <c:legend>
+      <c:legendPos val="b"/>
+      <c:layout/>
+      <c:overlay val="0"/>
+      <c:spPr>
+        <a:noFill/>
+        <a:ln w="25400">
+          <a:noFill/>
+        </a:ln>
+      </c:spPr>
+      <c:txPr>
+        <a:bodyPr rot="0" spcFirstLastPara="1" vertOverflow="ellipsis" vert="horz" wrap="square" anchor="ctr" anchorCtr="1"/>
+        <a:lstStyle/>
+        <a:p>
+          <a:pPr>
+            <a:defRPr sz="900" b="0" i="0" u="none" strike="noStrike" kern="1200" baseline="0">
+              <a:solidFill>
+                <a:schemeClr val="tx1">
+                  <a:lumMod val="65000"/>
+                  <a:lumOff val="35000"/>
+                </a:schemeClr>
+              </a:solidFill>
+              <a:latin typeface="+mn-lt"/>
+              <a:ea typeface="+mn-ea"/>
+              <a:cs typeface="+mn-cs"/>
+            </a:defRPr>
+          </a:pPr>
+          <a:endParaRPr lang="ja-JP"/>
+        </a:p>
+      </c:txPr>
+    </c:legend>
+    <c:plotVisOnly val="1"/>
+    <c:dispBlanksAs val="gap"/>
+    <c:showDLblsOverMax val="0"/>
+  </c:chart>
+  <c:spPr>
+    <a:solidFill>
+      <a:schemeClr val="bg1"/>
+    </a:solidFill>
+    <a:ln w="9525" cap="flat" cmpd="sng" algn="ctr">
+      <a:solidFill>
+        <a:schemeClr val="tx1">
+          <a:lumMod val="15000"/>
+          <a:lumOff val="85000"/>
+        </a:schemeClr>
+      </a:solidFill>
+      <a:round/>
+    </a:ln>
+    <a:effectLst/>
+  </c:spPr>
+  <c:txPr>
+    <a:bodyPr/>
+    <a:lstStyle/>
+    <a:p>
+      <a:pPr>
+        <a:defRPr/>
+      </a:pPr>
+      <a:endParaRPr lang="ja-JP"/>
+    </a:p>
+  </c:txPr>
+  <c:externalData r:id="rId1">
+    <c:autoUpdate val="0"/>
+  </c:externalData>
+</c:chartSpace>
+</file>
+
 <file path=ppt/notesMasters/notesMaster1.xml><?xml version="1.0" encoding="utf-8"?>
 <p:notesMaster xmlns:a="http://schemas.openxmlformats.org/drawingml/2006/main" xmlns:r="http://schemas.openxmlformats.org/officeDocument/2006/relationships" xmlns:p="http://schemas.openxmlformats.org/presentationml/2006/main">
   <p:cSld>
@@ -206,7 +565,7 @@
           <a:p>
             <a:fld id="{FFFEC453-E2FF-B741-A9EA-9192FC291631}" type="datetimeFigureOut">
               <a:rPr kumimoji="1" lang="ja-JP" altLang="en-US" smtClean="0"/>
-              <a:t>2017/3/13</a:t>
+              <a:t>2017/3/14</a:t>
             </a:fld>
             <a:endParaRPr kumimoji="1" lang="ja-JP" altLang="en-US"/>
           </a:p>
@@ -872,28 +1231,7 @@
           <a:bodyPr/>
           <a:lstStyle/>
           <a:p>
-            <a:pPr marL="8335" marR="0" lvl="0" indent="-8335" algn="l" defTabSz="914400" rtl="0" eaLnBrk="1" fontAlgn="auto" latinLnBrk="0" hangingPunct="1">
-              <a:lnSpc>
-                <a:spcPct val="100000"/>
-              </a:lnSpc>
-              <a:spcBef>
-                <a:spcPts val="0"/>
-              </a:spcBef>
-              <a:spcAft>
-                <a:spcPts val="0"/>
-              </a:spcAft>
-              <a:buClrTx/>
-              <a:buSzPct val="25000"/>
-              <a:buFontTx/>
-              <a:buNone/>
-              <a:tabLst/>
-              <a:defRPr/>
-            </a:pPr>
-            <a:endParaRPr lang="en-US" altLang="ja-JP" sz="2000" dirty="0" smtClean="0">
-              <a:latin typeface="Arial" charset="0"/>
-              <a:ea typeface="Arial" charset="0"/>
-              <a:cs typeface="Arial" charset="0"/>
-            </a:endParaRPr>
+            <a:endParaRPr kumimoji="1" lang="ja-JP" altLang="en-US" dirty="0"/>
           </a:p>
         </p:txBody>
       </p:sp>
@@ -913,26 +1251,17 @@
           <a:lstStyle/>
           <a:p>
             <a:fld id="{4CF00E19-F562-4142-A0E8-E8BCB60B6EB5}" type="slidenum">
-              <a:rPr lang="en-US" smtClean="0">
-                <a:solidFill>
-                  <a:prstClr val="black"/>
-                </a:solidFill>
-              </a:rPr>
-              <a:pPr/>
+              <a:rPr lang="en-US" smtClean="0"/>
               <a:t>6</a:t>
             </a:fld>
-            <a:endParaRPr lang="en-US" dirty="0">
-              <a:solidFill>
-                <a:prstClr val="black"/>
-              </a:solidFill>
-            </a:endParaRPr>
+            <a:endParaRPr lang="en-US" dirty="0"/>
           </a:p>
         </p:txBody>
       </p:sp>
     </p:spTree>
     <p:extLst>
       <p:ext uri="{BB962C8B-B14F-4D97-AF65-F5344CB8AC3E}">
-        <p14:creationId xmlns:p14="http://schemas.microsoft.com/office/powerpoint/2010/main" val="965247819"/>
+        <p14:creationId xmlns:p14="http://schemas.microsoft.com/office/powerpoint/2010/main" val="697546737"/>
       </p:ext>
     </p:extLst>
   </p:cSld>
@@ -943,6 +1272,90 @@
 </file>
 
 <file path=ppt/notesSlides/notesSlide5.xml><?xml version="1.0" encoding="utf-8"?>
+<p:notes xmlns:a="http://schemas.openxmlformats.org/drawingml/2006/main" xmlns:r="http://schemas.openxmlformats.org/officeDocument/2006/relationships" xmlns:p="http://schemas.openxmlformats.org/presentationml/2006/main">
+  <p:cSld>
+    <p:spTree>
+      <p:nvGrpSpPr>
+        <p:cNvPr id="1" name=""/>
+        <p:cNvGrpSpPr/>
+        <p:nvPr/>
+      </p:nvGrpSpPr>
+      <p:grpSpPr>
+        <a:xfrm>
+          <a:off x="0" y="0"/>
+          <a:ext cx="0" cy="0"/>
+          <a:chOff x="0" y="0"/>
+          <a:chExt cx="0" cy="0"/>
+        </a:xfrm>
+      </p:grpSpPr>
+      <p:sp>
+        <p:nvSpPr>
+          <p:cNvPr id="2" name="スライド イメージ プレースホルダー 1"/>
+          <p:cNvSpPr>
+            <a:spLocks noGrp="1" noRot="1" noChangeAspect="1"/>
+          </p:cNvSpPr>
+          <p:nvPr>
+            <p:ph type="sldImg"/>
+          </p:nvPr>
+        </p:nvSpPr>
+        <p:spPr/>
+      </p:sp>
+      <p:sp>
+        <p:nvSpPr>
+          <p:cNvPr id="3" name="ノート プレースホルダー 2"/>
+          <p:cNvSpPr>
+            <a:spLocks noGrp="1"/>
+          </p:cNvSpPr>
+          <p:nvPr>
+            <p:ph type="body" idx="1"/>
+          </p:nvPr>
+        </p:nvSpPr>
+        <p:spPr/>
+        <p:txBody>
+          <a:bodyPr/>
+          <a:lstStyle/>
+          <a:p>
+            <a:endParaRPr kumimoji="1" lang="ja-JP" altLang="en-US"/>
+          </a:p>
+        </p:txBody>
+      </p:sp>
+      <p:sp>
+        <p:nvSpPr>
+          <p:cNvPr id="4" name="スライド番号プレースホルダー 3"/>
+          <p:cNvSpPr>
+            <a:spLocks noGrp="1"/>
+          </p:cNvSpPr>
+          <p:nvPr>
+            <p:ph type="sldNum" sz="quarter" idx="10"/>
+          </p:nvPr>
+        </p:nvSpPr>
+        <p:spPr/>
+        <p:txBody>
+          <a:bodyPr/>
+          <a:lstStyle/>
+          <a:p>
+            <a:fld id="{4CF00E19-F562-4142-A0E8-E8BCB60B6EB5}" type="slidenum">
+              <a:rPr lang="en-US" smtClean="0"/>
+              <a:t>7</a:t>
+            </a:fld>
+            <a:endParaRPr lang="en-US" dirty="0"/>
+          </a:p>
+        </p:txBody>
+      </p:sp>
+    </p:spTree>
+    <p:extLst>
+      <p:ext uri="{BB962C8B-B14F-4D97-AF65-F5344CB8AC3E}">
+        <p14:creationId xmlns:p14="http://schemas.microsoft.com/office/powerpoint/2010/main" val="1781875328"/>
+      </p:ext>
+    </p:extLst>
+  </p:cSld>
+  <p:clrMapOvr>
+    <a:masterClrMapping/>
+  </p:clrMapOvr>
+</p:notes>
+</file>
+
+<file path=ppt/notesSlides/notesSlide6.xml><?xml version="1.0" encoding="utf-8"?>
 <p:notes xmlns:a="http://schemas.openxmlformats.org/drawingml/2006/main" xmlns:r="http://schemas.openxmlformats.org/officeDocument/2006/relationships" xmlns:p="http://schemas.openxmlformats.org/presentationml/2006/main">
   <p:cSld>
     <p:spTree>
@@ -1033,7 +1446,121 @@
                 </a:solidFill>
               </a:rPr>
               <a:pPr/>
-              <a:t>9</a:t>
+              <a:t>8</a:t>
+            </a:fld>
+            <a:endParaRPr lang="en-US" dirty="0">
+              <a:solidFill>
+                <a:prstClr val="black"/>
+              </a:solidFill>
+            </a:endParaRPr>
+          </a:p>
+        </p:txBody>
+      </p:sp>
+    </p:spTree>
+    <p:extLst>
+      <p:ext uri="{BB962C8B-B14F-4D97-AF65-F5344CB8AC3E}">
+        <p14:creationId xmlns:p14="http://schemas.microsoft.com/office/powerpoint/2010/main" val="965247819"/>
+      </p:ext>
+    </p:extLst>
+  </p:cSld>
+  <p:clrMapOvr>
+    <a:masterClrMapping/>
+  </p:clrMapOvr>
+</p:notes>
+</file>
+
+<file path=ppt/notesSlides/notesSlide7.xml><?xml version="1.0" encoding="utf-8"?>
+<p:notes xmlns:a="http://schemas.openxmlformats.org/drawingml/2006/main" xmlns:r="http://schemas.openxmlformats.org/officeDocument/2006/relationships" xmlns:p="http://schemas.openxmlformats.org/presentationml/2006/main">
+  <p:cSld>
+    <p:spTree>
+      <p:nvGrpSpPr>
+        <p:cNvPr id="1" name=""/>
+        <p:cNvGrpSpPr/>
+        <p:nvPr/>
+      </p:nvGrpSpPr>
+      <p:grpSpPr>
+        <a:xfrm>
+          <a:off x="0" y="0"/>
+          <a:ext cx="0" cy="0"/>
+          <a:chOff x="0" y="0"/>
+          <a:chExt cx="0" cy="0"/>
+        </a:xfrm>
+      </p:grpSpPr>
+      <p:sp>
+        <p:nvSpPr>
+          <p:cNvPr id="2" name="スライド イメージ プレースホルダー 1"/>
+          <p:cNvSpPr>
+            <a:spLocks noGrp="1" noRot="1" noChangeAspect="1"/>
+          </p:cNvSpPr>
+          <p:nvPr>
+            <p:ph type="sldImg"/>
+          </p:nvPr>
+        </p:nvSpPr>
+        <p:spPr/>
+      </p:sp>
+      <p:sp>
+        <p:nvSpPr>
+          <p:cNvPr id="3" name="ノート プレースホルダー 2"/>
+          <p:cNvSpPr>
+            <a:spLocks noGrp="1"/>
+          </p:cNvSpPr>
+          <p:nvPr>
+            <p:ph type="body" idx="1"/>
+          </p:nvPr>
+        </p:nvSpPr>
+        <p:spPr/>
+        <p:txBody>
+          <a:bodyPr/>
+          <a:lstStyle/>
+          <a:p>
+            <a:pPr marL="8335" marR="0" lvl="0" indent="-8335" algn="l" defTabSz="914400" rtl="0" eaLnBrk="1" fontAlgn="auto" latinLnBrk="0" hangingPunct="1">
+              <a:lnSpc>
+                <a:spcPct val="100000"/>
+              </a:lnSpc>
+              <a:spcBef>
+                <a:spcPts val="0"/>
+              </a:spcBef>
+              <a:spcAft>
+                <a:spcPts val="0"/>
+              </a:spcAft>
+              <a:buClrTx/>
+              <a:buSzPct val="25000"/>
+              <a:buFontTx/>
+              <a:buNone/>
+              <a:tabLst/>
+              <a:defRPr/>
+            </a:pPr>
+            <a:endParaRPr lang="en-US" altLang="ja-JP" sz="2000" dirty="0" smtClean="0">
+              <a:latin typeface="Arial" charset="0"/>
+              <a:ea typeface="Arial" charset="0"/>
+              <a:cs typeface="Arial" charset="0"/>
+            </a:endParaRPr>
+          </a:p>
+        </p:txBody>
+      </p:sp>
+      <p:sp>
+        <p:nvSpPr>
+          <p:cNvPr id="4" name="スライド番号プレースホルダー 3"/>
+          <p:cNvSpPr>
+            <a:spLocks noGrp="1"/>
+          </p:cNvSpPr>
+          <p:nvPr>
+            <p:ph type="sldNum" sz="quarter" idx="10"/>
+          </p:nvPr>
+        </p:nvSpPr>
+        <p:spPr/>
+        <p:txBody>
+          <a:bodyPr/>
+          <a:lstStyle/>
+          <a:p>
+            <a:fld id="{4CF00E19-F562-4142-A0E8-E8BCB60B6EB5}" type="slidenum">
+              <a:rPr lang="en-US" smtClean="0">
+                <a:solidFill>
+                  <a:prstClr val="black"/>
+                </a:solidFill>
+              </a:rPr>
+              <a:pPr/>
+              <a:t>11</a:t>
             </a:fld>
             <a:endParaRPr lang="en-US" dirty="0">
               <a:solidFill>
@@ -1352,8 +1879,8 @@
         </p:nvSpPr>
         <p:spPr>
           <a:xfrm>
-            <a:off x="3723484" y="6490230"/>
-            <a:ext cx="410749" cy="123111"/>
+            <a:off x="11647754" y="6596555"/>
+            <a:ext cx="410749" cy="138499"/>
           </a:xfrm>
           <a:prstGeom prst="rect">
             <a:avLst/>
@@ -1366,20 +1893,24 @@
           <a:lstStyle/>
           <a:p>
             <a:fld id="{655362CE-4ABE-4CB4-8947-B1242CDD9D94}" type="slidenum">
-              <a:rPr kumimoji="0" lang="en-US" sz="800" smtClean="0">
+              <a:rPr kumimoji="0" lang="en-US" sz="900" smtClean="0">
                 <a:solidFill>
                   <a:srgbClr val="5A5A5A"/>
                 </a:solidFill>
-                <a:cs typeface="Arial" panose="020B0604020202020204" pitchFamily="34" charset="0"/>
+                <a:latin typeface="Arial" charset="0"/>
+                <a:ea typeface="Arial" charset="0"/>
+                <a:cs typeface="Arial" charset="0"/>
               </a:rPr>
               <a:pPr/>
               <a:t>‹#›</a:t>
             </a:fld>
-            <a:endParaRPr kumimoji="0" lang="en-US" sz="800" dirty="0">
+            <a:endParaRPr kumimoji="0" lang="en-US" sz="900" dirty="0">
               <a:solidFill>
                 <a:srgbClr val="5A5A5A"/>
               </a:solidFill>
-              <a:cs typeface="Arial" panose="020B0604020202020204" pitchFamily="34" charset="0"/>
+              <a:latin typeface="Arial" charset="0"/>
+              <a:ea typeface="Arial" charset="0"/>
+              <a:cs typeface="Arial" charset="0"/>
             </a:endParaRPr>
           </a:p>
         </p:txBody>
@@ -1392,8 +1923,8 @@
         </p:nvSpPr>
         <p:spPr>
           <a:xfrm>
-            <a:off x="3454930" y="6490230"/>
-            <a:ext cx="261527" cy="123111"/>
+            <a:off x="11291779" y="6596555"/>
+            <a:ext cx="380848" cy="138499"/>
           </a:xfrm>
           <a:prstGeom prst="rect">
             <a:avLst/>
@@ -1406,19 +1937,23 @@
           <a:lstStyle/>
           <a:p>
             <a:r>
-              <a:rPr kumimoji="0" lang="en-US" sz="800" dirty="0" smtClean="0">
+              <a:rPr kumimoji="0" lang="en-US" sz="900" dirty="0" smtClean="0">
                 <a:solidFill>
                   <a:srgbClr val="5A5A5A"/>
                 </a:solidFill>
-                <a:cs typeface="Arial" panose="020B0604020202020204" pitchFamily="34" charset="0"/>
+                <a:latin typeface="Arial" charset="0"/>
+                <a:ea typeface="Arial" charset="0"/>
+                <a:cs typeface="Arial" charset="0"/>
               </a:rPr>
               <a:t>Page</a:t>
             </a:r>
-            <a:endParaRPr kumimoji="0" lang="en-US" sz="800" dirty="0">
+            <a:endParaRPr kumimoji="0" lang="en-US" sz="900" dirty="0">
               <a:solidFill>
                 <a:srgbClr val="5A5A5A"/>
               </a:solidFill>
-              <a:cs typeface="Arial" panose="020B0604020202020204" pitchFamily="34" charset="0"/>
+              <a:latin typeface="Arial" charset="0"/>
+              <a:ea typeface="Arial" charset="0"/>
+              <a:cs typeface="Arial" charset="0"/>
             </a:endParaRPr>
           </a:p>
         </p:txBody>
@@ -1733,14 +2268,14 @@
       </p:sp>
       <p:sp>
         <p:nvSpPr>
-          <p:cNvPr id="10" name="Rectangle 9"/>
+          <p:cNvPr id="8" name="Rectangle 9"/>
           <p:cNvSpPr/>
           <p:nvPr userDrawn="1"/>
         </p:nvSpPr>
         <p:spPr>
           <a:xfrm>
-            <a:off x="3723484" y="6490230"/>
-            <a:ext cx="410749" cy="123111"/>
+            <a:off x="11647754" y="6596555"/>
+            <a:ext cx="410749" cy="138499"/>
           </a:xfrm>
           <a:prstGeom prst="rect">
             <a:avLst/>
@@ -1753,34 +2288,38 @@
           <a:lstStyle/>
           <a:p>
             <a:fld id="{655362CE-4ABE-4CB4-8947-B1242CDD9D94}" type="slidenum">
-              <a:rPr kumimoji="0" lang="en-US" sz="800" smtClean="0">
+              <a:rPr kumimoji="0" lang="en-US" sz="900" smtClean="0">
                 <a:solidFill>
                   <a:srgbClr val="5A5A5A"/>
                 </a:solidFill>
-                <a:cs typeface="Arial" panose="020B0604020202020204" pitchFamily="34" charset="0"/>
+                <a:latin typeface="Arial" charset="0"/>
+                <a:ea typeface="Arial" charset="0"/>
+                <a:cs typeface="Arial" charset="0"/>
               </a:rPr>
               <a:pPr/>
               <a:t>‹#›</a:t>
             </a:fld>
-            <a:endParaRPr kumimoji="0" lang="en-US" sz="800" dirty="0">
+            <a:endParaRPr kumimoji="0" lang="en-US" sz="900" dirty="0">
               <a:solidFill>
                 <a:srgbClr val="5A5A5A"/>
               </a:solidFill>
-              <a:cs typeface="Arial" panose="020B0604020202020204" pitchFamily="34" charset="0"/>
+              <a:latin typeface="Arial" charset="0"/>
+              <a:ea typeface="Arial" charset="0"/>
+              <a:cs typeface="Arial" charset="0"/>
             </a:endParaRPr>
           </a:p>
         </p:txBody>
       </p:sp>
       <p:sp>
         <p:nvSpPr>
-          <p:cNvPr id="15" name="Rectangle 14"/>
+          <p:cNvPr id="9" name="Rectangle 14"/>
           <p:cNvSpPr/>
           <p:nvPr userDrawn="1"/>
         </p:nvSpPr>
         <p:spPr>
           <a:xfrm>
-            <a:off x="3454930" y="6490230"/>
-            <a:ext cx="261527" cy="123111"/>
+            <a:off x="11291779" y="6596555"/>
+            <a:ext cx="380848" cy="138499"/>
           </a:xfrm>
           <a:prstGeom prst="rect">
             <a:avLst/>
@@ -1793,19 +2332,23 @@
           <a:lstStyle/>
           <a:p>
             <a:r>
-              <a:rPr kumimoji="0" lang="en-US" sz="800" dirty="0" smtClean="0">
+              <a:rPr kumimoji="0" lang="en-US" sz="900" dirty="0" smtClean="0">
                 <a:solidFill>
                   <a:srgbClr val="5A5A5A"/>
                 </a:solidFill>
-                <a:cs typeface="Arial" panose="020B0604020202020204" pitchFamily="34" charset="0"/>
+                <a:latin typeface="Arial" charset="0"/>
+                <a:ea typeface="Arial" charset="0"/>
+                <a:cs typeface="Arial" charset="0"/>
               </a:rPr>
               <a:t>Page</a:t>
             </a:r>
-            <a:endParaRPr kumimoji="0" lang="en-US" sz="800" dirty="0">
+            <a:endParaRPr kumimoji="0" lang="en-US" sz="900" dirty="0">
               <a:solidFill>
                 <a:srgbClr val="5A5A5A"/>
               </a:solidFill>
-              <a:cs typeface="Arial" panose="020B0604020202020204" pitchFamily="34" charset="0"/>
+              <a:latin typeface="Arial" charset="0"/>
+              <a:ea typeface="Arial" charset="0"/>
+              <a:cs typeface="Arial" charset="0"/>
             </a:endParaRPr>
           </a:p>
         </p:txBody>
@@ -2120,14 +2663,14 @@
       </p:sp>
       <p:sp>
         <p:nvSpPr>
-          <p:cNvPr id="10" name="Rectangle 9"/>
+          <p:cNvPr id="8" name="Rectangle 9"/>
           <p:cNvSpPr/>
           <p:nvPr userDrawn="1"/>
         </p:nvSpPr>
         <p:spPr>
           <a:xfrm>
-            <a:off x="3723484" y="6490230"/>
-            <a:ext cx="410749" cy="123111"/>
+            <a:off x="11647754" y="6596555"/>
+            <a:ext cx="410749" cy="138499"/>
           </a:xfrm>
           <a:prstGeom prst="rect">
             <a:avLst/>
@@ -2140,34 +2683,38 @@
           <a:lstStyle/>
           <a:p>
             <a:fld id="{655362CE-4ABE-4CB4-8947-B1242CDD9D94}" type="slidenum">
-              <a:rPr kumimoji="0" lang="en-US" sz="800" smtClean="0">
+              <a:rPr kumimoji="0" lang="en-US" sz="900" smtClean="0">
                 <a:solidFill>
                   <a:srgbClr val="5A5A5A"/>
                 </a:solidFill>
-                <a:cs typeface="Arial" panose="020B0604020202020204" pitchFamily="34" charset="0"/>
+                <a:latin typeface="Arial" charset="0"/>
+                <a:ea typeface="Arial" charset="0"/>
+                <a:cs typeface="Arial" charset="0"/>
               </a:rPr>
               <a:pPr/>
               <a:t>‹#›</a:t>
             </a:fld>
-            <a:endParaRPr kumimoji="0" lang="en-US" sz="800" dirty="0">
+            <a:endParaRPr kumimoji="0" lang="en-US" sz="900" dirty="0">
               <a:solidFill>
                 <a:srgbClr val="5A5A5A"/>
               </a:solidFill>
-              <a:cs typeface="Arial" panose="020B0604020202020204" pitchFamily="34" charset="0"/>
+              <a:latin typeface="Arial" charset="0"/>
+              <a:ea typeface="Arial" charset="0"/>
+              <a:cs typeface="Arial" charset="0"/>
             </a:endParaRPr>
           </a:p>
         </p:txBody>
       </p:sp>
       <p:sp>
         <p:nvSpPr>
-          <p:cNvPr id="15" name="Rectangle 14"/>
+          <p:cNvPr id="9" name="Rectangle 14"/>
           <p:cNvSpPr/>
           <p:nvPr userDrawn="1"/>
         </p:nvSpPr>
         <p:spPr>
           <a:xfrm>
-            <a:off x="3454930" y="6490230"/>
-            <a:ext cx="261527" cy="123111"/>
+            <a:off x="11291779" y="6596555"/>
+            <a:ext cx="380848" cy="138499"/>
           </a:xfrm>
           <a:prstGeom prst="rect">
             <a:avLst/>
@@ -2180,19 +2727,23 @@
           <a:lstStyle/>
           <a:p>
             <a:r>
-              <a:rPr kumimoji="0" lang="en-US" sz="800" dirty="0" smtClean="0">
+              <a:rPr kumimoji="0" lang="en-US" sz="900" dirty="0" smtClean="0">
                 <a:solidFill>
                   <a:srgbClr val="5A5A5A"/>
                 </a:solidFill>
-                <a:cs typeface="Arial" panose="020B0604020202020204" pitchFamily="34" charset="0"/>
+                <a:latin typeface="Arial" charset="0"/>
+                <a:ea typeface="Arial" charset="0"/>
+                <a:cs typeface="Arial" charset="0"/>
               </a:rPr>
               <a:t>Page</a:t>
             </a:r>
-            <a:endParaRPr kumimoji="0" lang="en-US" sz="800" dirty="0">
+            <a:endParaRPr kumimoji="0" lang="en-US" sz="900" dirty="0">
               <a:solidFill>
                 <a:srgbClr val="5A5A5A"/>
               </a:solidFill>
-              <a:cs typeface="Arial" panose="020B0604020202020204" pitchFamily="34" charset="0"/>
+              <a:latin typeface="Arial" charset="0"/>
+              <a:ea typeface="Arial" charset="0"/>
+              <a:cs typeface="Arial" charset="0"/>
             </a:endParaRPr>
           </a:p>
         </p:txBody>
@@ -2244,14 +2795,14 @@
       </p:grpSpPr>
       <p:sp>
         <p:nvSpPr>
-          <p:cNvPr id="10" name="Rectangle 9"/>
+          <p:cNvPr id="4" name="Rectangle 9"/>
           <p:cNvSpPr/>
           <p:nvPr userDrawn="1"/>
         </p:nvSpPr>
         <p:spPr>
           <a:xfrm>
-            <a:off x="3723484" y="6490230"/>
-            <a:ext cx="410749" cy="123111"/>
+            <a:off x="11647754" y="6596555"/>
+            <a:ext cx="410749" cy="138499"/>
           </a:xfrm>
           <a:prstGeom prst="rect">
             <a:avLst/>
@@ -2264,34 +2815,38 @@
           <a:lstStyle/>
           <a:p>
             <a:fld id="{655362CE-4ABE-4CB4-8947-B1242CDD9D94}" type="slidenum">
-              <a:rPr kumimoji="0" lang="en-US" sz="800" smtClean="0">
+              <a:rPr kumimoji="0" lang="en-US" sz="900" smtClean="0">
                 <a:solidFill>
                   <a:srgbClr val="5A5A5A"/>
                 </a:solidFill>
-                <a:cs typeface="Arial" panose="020B0604020202020204" pitchFamily="34" charset="0"/>
+                <a:latin typeface="Arial" charset="0"/>
+                <a:ea typeface="Arial" charset="0"/>
+                <a:cs typeface="Arial" charset="0"/>
               </a:rPr>
               <a:pPr/>
               <a:t>‹#›</a:t>
             </a:fld>
-            <a:endParaRPr kumimoji="0" lang="en-US" sz="800" dirty="0">
+            <a:endParaRPr kumimoji="0" lang="en-US" sz="900" dirty="0">
               <a:solidFill>
                 <a:srgbClr val="5A5A5A"/>
               </a:solidFill>
-              <a:cs typeface="Arial" panose="020B0604020202020204" pitchFamily="34" charset="0"/>
+              <a:latin typeface="Arial" charset="0"/>
+              <a:ea typeface="Arial" charset="0"/>
+              <a:cs typeface="Arial" charset="0"/>
             </a:endParaRPr>
           </a:p>
         </p:txBody>
       </p:sp>
       <p:sp>
         <p:nvSpPr>
-          <p:cNvPr id="11" name="Rectangle 10"/>
+          <p:cNvPr id="5" name="Rectangle 14"/>
           <p:cNvSpPr/>
           <p:nvPr userDrawn="1"/>
         </p:nvSpPr>
         <p:spPr>
           <a:xfrm>
-            <a:off x="3454930" y="6490230"/>
-            <a:ext cx="261527" cy="123111"/>
+            <a:off x="11291779" y="6596555"/>
+            <a:ext cx="380848" cy="138499"/>
           </a:xfrm>
           <a:prstGeom prst="rect">
             <a:avLst/>
@@ -2304,19 +2859,23 @@
           <a:lstStyle/>
           <a:p>
             <a:r>
-              <a:rPr kumimoji="0" lang="en-US" sz="800" dirty="0" smtClean="0">
+              <a:rPr kumimoji="0" lang="en-US" sz="900" dirty="0" smtClean="0">
                 <a:solidFill>
                   <a:srgbClr val="5A5A5A"/>
                 </a:solidFill>
-                <a:cs typeface="Arial" panose="020B0604020202020204" pitchFamily="34" charset="0"/>
+                <a:latin typeface="Arial" charset="0"/>
+                <a:ea typeface="Arial" charset="0"/>
+                <a:cs typeface="Arial" charset="0"/>
               </a:rPr>
               <a:t>Page</a:t>
             </a:r>
-            <a:endParaRPr kumimoji="0" lang="en-US" sz="800" dirty="0">
+            <a:endParaRPr kumimoji="0" lang="en-US" sz="900" dirty="0">
               <a:solidFill>
                 <a:srgbClr val="5A5A5A"/>
               </a:solidFill>
-              <a:cs typeface="Arial" panose="020B0604020202020204" pitchFamily="34" charset="0"/>
+              <a:latin typeface="Arial" charset="0"/>
+              <a:ea typeface="Arial" charset="0"/>
+              <a:cs typeface="Arial" charset="0"/>
             </a:endParaRPr>
           </a:p>
         </p:txBody>
@@ -2525,7 +3084,7 @@
           <a:p>
             <a:fld id="{0AB07F87-E0B4-8949-A90A-54340C823909}" type="datetimeFigureOut">
               <a:rPr kumimoji="1" lang="ja-JP" altLang="en-US" smtClean="0"/>
-              <a:t>2017/3/13</a:t>
+              <a:t>2017/3/14</a:t>
             </a:fld>
             <a:endParaRPr kumimoji="1" lang="ja-JP" altLang="en-US"/>
           </a:p>
@@ -2564,7 +3123,7 @@
             </a:lvl1pPr>
           </a:lstStyle>
           <a:p>
-            <a:endParaRPr kumimoji="1" lang="ja-JP" altLang="en-US"/>
+            <a:endParaRPr kumimoji="1" lang="ja-JP" altLang="en-US" dirty="0"/>
           </a:p>
         </p:txBody>
       </p:sp>
@@ -2601,11 +3160,7 @@
             </a:lvl1pPr>
           </a:lstStyle>
           <a:p>
-            <a:fld id="{3ECC67CA-5368-BC48-AE27-74B10D8053E7}" type="slidenum">
-              <a:rPr kumimoji="1" lang="ja-JP" altLang="en-US" smtClean="0"/>
-              <a:t>‹#›</a:t>
-            </a:fld>
-            <a:endParaRPr kumimoji="1" lang="ja-JP" altLang="en-US"/>
+            <a:endParaRPr kumimoji="1" lang="ja-JP" altLang="en-US" dirty="0"/>
           </a:p>
         </p:txBody>
       </p:sp>
@@ -3000,6 +3555,1141 @@
 </file>
 
 <file path=ppt/slides/slide10.xml><?xml version="1.0" encoding="utf-8"?>
+<p:sld xmlns:a="http://schemas.openxmlformats.org/drawingml/2006/main" xmlns:r="http://schemas.openxmlformats.org/officeDocument/2006/relationships" xmlns:p="http://schemas.openxmlformats.org/presentationml/2006/main">
+  <p:cSld>
+    <p:spTree>
+      <p:nvGrpSpPr>
+        <p:cNvPr id="1" name=""/>
+        <p:cNvGrpSpPr/>
+        <p:nvPr/>
+      </p:nvGrpSpPr>
+      <p:grpSpPr>
+        <a:xfrm>
+          <a:off x="0" y="0"/>
+          <a:ext cx="0" cy="0"/>
+          <a:chOff x="0" y="0"/>
+          <a:chExt cx="0" cy="0"/>
+        </a:xfrm>
+      </p:grpSpPr>
+      <p:sp>
+        <p:nvSpPr>
+          <p:cNvPr id="2" name="Title 1"/>
+          <p:cNvSpPr>
+            <a:spLocks noGrp="1"/>
+          </p:cNvSpPr>
+          <p:nvPr>
+            <p:ph type="title"/>
+          </p:nvPr>
+        </p:nvSpPr>
+        <p:spPr>
+          <a:xfrm>
+            <a:off x="322023" y="328628"/>
+            <a:ext cx="11426632" cy="605294"/>
+          </a:xfrm>
+        </p:spPr>
+        <p:txBody>
+          <a:bodyPr/>
+          <a:lstStyle/>
+          <a:p>
+            <a:r>
+              <a:rPr kumimoji="1" lang="en-US" altLang="ja-JP" sz="3600" b="1" dirty="0" smtClean="0">
+                <a:solidFill>
+                  <a:srgbClr val="00B0F0"/>
+                </a:solidFill>
+                <a:latin typeface="Arial" charset="0"/>
+                <a:ea typeface="Arial" charset="0"/>
+                <a:cs typeface="Arial" charset="0"/>
+              </a:rPr>
+              <a:t>Persona</a:t>
+            </a:r>
+            <a:endParaRPr kumimoji="1" lang="ja-JP" altLang="en-US" sz="2933" b="1" dirty="0">
+              <a:solidFill>
+                <a:srgbClr val="00B0F0"/>
+              </a:solidFill>
+              <a:latin typeface="Arial" charset="0"/>
+              <a:ea typeface="Arial" charset="0"/>
+              <a:cs typeface="Arial" charset="0"/>
+            </a:endParaRPr>
+          </a:p>
+        </p:txBody>
+      </p:sp>
+      <p:sp>
+        <p:nvSpPr>
+          <p:cNvPr id="5" name="Text Placeholder 3"/>
+          <p:cNvSpPr>
+            <a:spLocks noGrp="1"/>
+          </p:cNvSpPr>
+          <p:nvPr>
+            <p:ph type="body" sz="quarter" idx="11"/>
+          </p:nvPr>
+        </p:nvSpPr>
+        <p:spPr>
+          <a:xfrm>
+            <a:off x="322023" y="2952711"/>
+            <a:ext cx="5859321" cy="3200876"/>
+          </a:xfrm>
+        </p:spPr>
+        <p:txBody>
+          <a:bodyPr/>
+          <a:lstStyle/>
+          <a:p>
+            <a:pPr marL="0" indent="0">
+              <a:buNone/>
+            </a:pPr>
+            <a:r>
+              <a:rPr lang="en-US" altLang="ja-JP" sz="2000" b="1" dirty="0">
+                <a:solidFill>
+                  <a:schemeClr val="tx1"/>
+                </a:solidFill>
+                <a:latin typeface="Arial" charset="0"/>
+                <a:ea typeface="Arial" charset="0"/>
+                <a:cs typeface="Arial" charset="0"/>
+              </a:rPr>
+              <a:t>in-house Developers in </a:t>
+            </a:r>
+            <a:r>
+              <a:rPr lang="en-US" altLang="ja-JP" sz="2000" b="1" dirty="0" smtClean="0">
+                <a:solidFill>
+                  <a:schemeClr val="tx1"/>
+                </a:solidFill>
+                <a:latin typeface="Arial" charset="0"/>
+                <a:ea typeface="Arial" charset="0"/>
+                <a:cs typeface="Arial" charset="0"/>
+              </a:rPr>
+              <a:t>larger companies:</a:t>
+            </a:r>
+          </a:p>
+          <a:p>
+            <a:pPr marL="0" indent="0">
+              <a:buNone/>
+            </a:pPr>
+            <a:r>
+              <a:rPr lang="en-US" altLang="ja-JP" dirty="0" smtClean="0">
+                <a:solidFill>
+                  <a:schemeClr val="tx1"/>
+                </a:solidFill>
+                <a:latin typeface="Arial" charset="0"/>
+                <a:ea typeface="Arial" charset="0"/>
+                <a:cs typeface="Arial" charset="0"/>
+              </a:rPr>
+              <a:t>Who is </a:t>
+            </a:r>
+            <a:r>
+              <a:rPr lang="en-US" altLang="ja-JP" dirty="0">
+                <a:solidFill>
+                  <a:schemeClr val="tx1"/>
+                </a:solidFill>
+                <a:latin typeface="Arial" charset="0"/>
+                <a:ea typeface="Arial" charset="0"/>
+                <a:cs typeface="Arial" charset="0"/>
+              </a:rPr>
+              <a:t>involved in the innovation, design, coding, testing and maintenance for both front-end and back-end development depending on the needs and resources of a project</a:t>
+            </a:r>
+            <a:r>
+              <a:rPr lang="en-US" altLang="ja-JP" dirty="0" smtClean="0">
+                <a:solidFill>
+                  <a:schemeClr val="tx1"/>
+                </a:solidFill>
+                <a:latin typeface="Arial" charset="0"/>
+                <a:ea typeface="Arial" charset="0"/>
+                <a:cs typeface="Arial" charset="0"/>
+              </a:rPr>
+              <a:t>.</a:t>
+            </a:r>
+          </a:p>
+          <a:p>
+            <a:pPr marL="0" indent="0">
+              <a:buNone/>
+            </a:pPr>
+            <a:r>
+              <a:rPr lang="en-US" altLang="ja-JP" dirty="0" smtClean="0">
+                <a:solidFill>
+                  <a:schemeClr val="tx1"/>
+                </a:solidFill>
+                <a:latin typeface="Arial" charset="0"/>
+                <a:ea typeface="Arial" charset="0"/>
+                <a:cs typeface="Arial" charset="0"/>
+              </a:rPr>
+              <a:t>He </a:t>
+            </a:r>
+            <a:r>
+              <a:rPr lang="en-US" altLang="ja-JP" dirty="0">
+                <a:solidFill>
+                  <a:schemeClr val="tx1"/>
+                </a:solidFill>
+                <a:latin typeface="Arial" charset="0"/>
+                <a:ea typeface="Arial" charset="0"/>
+                <a:cs typeface="Arial" charset="0"/>
+              </a:rPr>
+              <a:t>mainly codes in C# or Java for customer-facing applications. He also uses HTML/CSS, JavaScript, and some PHP for smaller web or mobile projects. Nick also integrates with back-end web-services, APIs, legacy applications, databases and packaged </a:t>
+            </a:r>
+            <a:r>
+              <a:rPr lang="en-US" altLang="ja-JP" dirty="0" smtClean="0">
+                <a:solidFill>
+                  <a:schemeClr val="tx1"/>
+                </a:solidFill>
+                <a:latin typeface="Arial" charset="0"/>
+                <a:ea typeface="Arial" charset="0"/>
+                <a:cs typeface="Arial" charset="0"/>
+              </a:rPr>
+              <a:t>applications.</a:t>
+            </a:r>
+          </a:p>
+          <a:p>
+            <a:pPr marL="0" indent="0">
+              <a:buNone/>
+            </a:pPr>
+            <a:r>
+              <a:rPr lang="en-US" altLang="ja-JP" dirty="0" smtClean="0">
+                <a:solidFill>
+                  <a:schemeClr val="tx1"/>
+                </a:solidFill>
+                <a:latin typeface="Arial" charset="0"/>
+                <a:ea typeface="Arial" charset="0"/>
+                <a:cs typeface="Arial" charset="0"/>
+              </a:rPr>
+              <a:t>He </a:t>
+            </a:r>
+            <a:r>
+              <a:rPr lang="en-US" altLang="ja-JP" dirty="0">
+                <a:solidFill>
+                  <a:schemeClr val="tx1"/>
+                </a:solidFill>
+                <a:latin typeface="Arial" charset="0"/>
+                <a:ea typeface="Arial" charset="0"/>
+                <a:cs typeface="Arial" charset="0"/>
+              </a:rPr>
+              <a:t>wants to get work done quickly and with minimal interruptions. He wants tools that allow more effective collaboration and communication</a:t>
+            </a:r>
+            <a:r>
+              <a:rPr lang="en-US" altLang="ja-JP" dirty="0" smtClean="0">
+                <a:solidFill>
+                  <a:schemeClr val="tx1"/>
+                </a:solidFill>
+                <a:latin typeface="Arial" charset="0"/>
+                <a:ea typeface="Arial" charset="0"/>
+                <a:cs typeface="Arial" charset="0"/>
+              </a:rPr>
+              <a:t>.</a:t>
+            </a:r>
+          </a:p>
+        </p:txBody>
+      </p:sp>
+      <p:sp>
+        <p:nvSpPr>
+          <p:cNvPr id="18" name="Text Placeholder 3"/>
+          <p:cNvSpPr>
+            <a:spLocks noGrp="1"/>
+          </p:cNvSpPr>
+          <p:nvPr>
+            <p:ph type="body" sz="quarter" idx="12"/>
+          </p:nvPr>
+        </p:nvSpPr>
+        <p:spPr>
+          <a:xfrm>
+            <a:off x="6940362" y="2952711"/>
+            <a:ext cx="5093141" cy="3816429"/>
+          </a:xfrm>
+        </p:spPr>
+        <p:txBody>
+          <a:bodyPr/>
+          <a:lstStyle/>
+          <a:p>
+            <a:pPr marL="0" indent="0">
+              <a:lnSpc>
+                <a:spcPct val="100000"/>
+              </a:lnSpc>
+              <a:buNone/>
+            </a:pPr>
+            <a:r>
+              <a:rPr lang="en-US" altLang="ja-JP" sz="1800" b="1" dirty="0">
+                <a:solidFill>
+                  <a:schemeClr val="tx1"/>
+                </a:solidFill>
+                <a:latin typeface="Arial" charset="0"/>
+                <a:ea typeface="Arial" charset="0"/>
+                <a:cs typeface="Arial" charset="0"/>
+              </a:rPr>
+              <a:t>Client Challenges </a:t>
+            </a:r>
+            <a:endParaRPr lang="en-US" altLang="ja-JP" sz="1800" dirty="0">
+              <a:solidFill>
+                <a:schemeClr val="tx1"/>
+              </a:solidFill>
+              <a:latin typeface="Arial" charset="0"/>
+              <a:ea typeface="Arial" charset="0"/>
+              <a:cs typeface="Arial" charset="0"/>
+            </a:endParaRPr>
+          </a:p>
+          <a:p>
+            <a:pPr marL="285750" indent="-285750">
+              <a:lnSpc>
+                <a:spcPct val="100000"/>
+              </a:lnSpc>
+              <a:buFont typeface="Wingdings" charset="2"/>
+              <a:buChar char="p"/>
+            </a:pPr>
+            <a:r>
+              <a:rPr lang="en-US" altLang="ja-JP" sz="1600" dirty="0">
+                <a:solidFill>
+                  <a:schemeClr val="tx1"/>
+                </a:solidFill>
+                <a:latin typeface="Arial" charset="0"/>
+                <a:ea typeface="Arial" charset="0"/>
+                <a:cs typeface="Arial" charset="0"/>
+              </a:rPr>
+              <a:t>Deal with delays and bottlenecks across the software delivery lifecycle, </a:t>
+            </a:r>
+            <a:r>
+              <a:rPr lang="en-US" altLang="ja-JP" sz="1600" dirty="0" smtClean="0">
+                <a:solidFill>
+                  <a:schemeClr val="tx1"/>
+                </a:solidFill>
+                <a:latin typeface="Arial" charset="0"/>
+                <a:ea typeface="Arial" charset="0"/>
+                <a:cs typeface="Arial" charset="0"/>
+              </a:rPr>
+              <a:t>achieve </a:t>
+            </a:r>
+            <a:r>
+              <a:rPr lang="en-US" altLang="ja-JP" sz="1600" dirty="0">
+                <a:solidFill>
+                  <a:schemeClr val="tx1"/>
+                </a:solidFill>
+                <a:latin typeface="Arial" charset="0"/>
+                <a:ea typeface="Arial" charset="0"/>
+                <a:cs typeface="Arial" charset="0"/>
+              </a:rPr>
+              <a:t>faster response times for defect analysis and </a:t>
+            </a:r>
+            <a:r>
+              <a:rPr lang="en-US" altLang="ja-JP" sz="1600" dirty="0" smtClean="0">
+                <a:solidFill>
+                  <a:schemeClr val="tx1"/>
+                </a:solidFill>
+                <a:latin typeface="Arial" charset="0"/>
+                <a:ea typeface="Arial" charset="0"/>
+                <a:cs typeface="Arial" charset="0"/>
+              </a:rPr>
+              <a:t>remediation.</a:t>
+            </a:r>
+            <a:endParaRPr lang="en-US" altLang="ja-JP" sz="1600" dirty="0">
+              <a:solidFill>
+                <a:schemeClr val="tx1"/>
+              </a:solidFill>
+              <a:latin typeface="Arial" charset="0"/>
+              <a:ea typeface="Arial" charset="0"/>
+              <a:cs typeface="Arial" charset="0"/>
+            </a:endParaRPr>
+          </a:p>
+          <a:p>
+            <a:pPr marL="285750" indent="-285750">
+              <a:lnSpc>
+                <a:spcPct val="100000"/>
+              </a:lnSpc>
+              <a:buFont typeface="Wingdings" charset="2"/>
+              <a:buChar char="p"/>
+            </a:pPr>
+            <a:r>
+              <a:rPr lang="en-US" altLang="ja-JP" sz="1600" dirty="0">
+                <a:solidFill>
+                  <a:schemeClr val="tx1"/>
+                </a:solidFill>
+                <a:latin typeface="Arial" charset="0"/>
+                <a:ea typeface="Arial" charset="0"/>
+                <a:cs typeface="Arial" charset="0"/>
+              </a:rPr>
+              <a:t>Communicate effectively with clients and co-workers; working remotely with colleagues.</a:t>
+            </a:r>
+          </a:p>
+          <a:p>
+            <a:pPr marL="285750" indent="-285750">
+              <a:lnSpc>
+                <a:spcPct val="100000"/>
+              </a:lnSpc>
+              <a:buFont typeface="Wingdings" charset="2"/>
+              <a:buChar char="p"/>
+            </a:pPr>
+            <a:r>
+              <a:rPr lang="en-US" altLang="ja-JP" sz="1600" dirty="0">
+                <a:solidFill>
+                  <a:schemeClr val="tx1"/>
+                </a:solidFill>
+                <a:latin typeface="Arial" charset="0"/>
+                <a:ea typeface="Arial" charset="0"/>
+                <a:cs typeface="Arial" charset="0"/>
+              </a:rPr>
+              <a:t>Work with multiple tools across multiple projects.</a:t>
+            </a:r>
+            <a:endParaRPr lang="en-US" altLang="ja-JP" sz="1600" dirty="0" smtClean="0">
+              <a:solidFill>
+                <a:schemeClr val="tx1"/>
+              </a:solidFill>
+              <a:latin typeface="Arial" charset="0"/>
+              <a:ea typeface="Arial" charset="0"/>
+              <a:cs typeface="Arial" charset="0"/>
+            </a:endParaRPr>
+          </a:p>
+          <a:p>
+            <a:pPr marL="285750" indent="-285750">
+              <a:lnSpc>
+                <a:spcPct val="100000"/>
+              </a:lnSpc>
+              <a:buFont typeface="Wingdings" charset="2"/>
+              <a:buChar char="p"/>
+            </a:pPr>
+            <a:r>
+              <a:rPr lang="en-US" altLang="ja-JP" sz="1600" dirty="0">
+                <a:solidFill>
+                  <a:schemeClr val="tx1"/>
+                </a:solidFill>
+                <a:latin typeface="Arial" charset="0"/>
+                <a:ea typeface="Arial" charset="0"/>
+                <a:cs typeface="Arial" charset="0"/>
+              </a:rPr>
+              <a:t>Keep things in-sync across multiple projects.</a:t>
+            </a:r>
+          </a:p>
+        </p:txBody>
+      </p:sp>
+      <p:pic>
+        <p:nvPicPr>
+          <p:cNvPr id="3" name="図 2"/>
+          <p:cNvPicPr>
+            <a:picLocks noChangeAspect="1"/>
+          </p:cNvPicPr>
+          <p:nvPr/>
+        </p:nvPicPr>
+        <p:blipFill>
+          <a:blip r:embed="rId2"/>
+          <a:stretch>
+            <a:fillRect/>
+          </a:stretch>
+        </p:blipFill>
+        <p:spPr>
+          <a:xfrm>
+            <a:off x="322023" y="1152977"/>
+            <a:ext cx="1896813" cy="1580678"/>
+          </a:xfrm>
+          <a:prstGeom prst="rect">
+            <a:avLst/>
+          </a:prstGeom>
+        </p:spPr>
+      </p:pic>
+    </p:spTree>
+    <p:extLst>
+      <p:ext uri="{BB962C8B-B14F-4D97-AF65-F5344CB8AC3E}">
+        <p14:creationId xmlns:p14="http://schemas.microsoft.com/office/powerpoint/2010/main" val="1854431012"/>
+      </p:ext>
+    </p:extLst>
+  </p:cSld>
+  <p:clrMapOvr>
+    <a:masterClrMapping/>
+  </p:clrMapOvr>
+  <p:timing>
+    <p:tnLst>
+      <p:par>
+        <p:cTn id="1" dur="indefinite" restart="never" nodeType="tmRoot"/>
+      </p:par>
+    </p:tnLst>
+  </p:timing>
+</p:sld>
+</file>
+
+<file path=ppt/slides/slide11.xml><?xml version="1.0" encoding="utf-8"?>
+<p:sld xmlns:a="http://schemas.openxmlformats.org/drawingml/2006/main" xmlns:r="http://schemas.openxmlformats.org/officeDocument/2006/relationships" xmlns:p="http://schemas.openxmlformats.org/presentationml/2006/main">
+  <p:cSld>
+    <p:spTree>
+      <p:nvGrpSpPr>
+        <p:cNvPr id="1" name=""/>
+        <p:cNvGrpSpPr/>
+        <p:nvPr/>
+      </p:nvGrpSpPr>
+      <p:grpSpPr>
+        <a:xfrm>
+          <a:off x="0" y="0"/>
+          <a:ext cx="0" cy="0"/>
+          <a:chOff x="0" y="0"/>
+          <a:chExt cx="0" cy="0"/>
+        </a:xfrm>
+      </p:grpSpPr>
+      <p:sp>
+        <p:nvSpPr>
+          <p:cNvPr id="2" name="Title 1"/>
+          <p:cNvSpPr>
+            <a:spLocks noGrp="1"/>
+          </p:cNvSpPr>
+          <p:nvPr>
+            <p:ph type="title"/>
+          </p:nvPr>
+        </p:nvSpPr>
+        <p:spPr>
+          <a:xfrm>
+            <a:off x="322023" y="328627"/>
+            <a:ext cx="11426632" cy="605294"/>
+          </a:xfrm>
+        </p:spPr>
+        <p:txBody>
+          <a:bodyPr/>
+          <a:lstStyle/>
+          <a:p>
+            <a:r>
+              <a:rPr kumimoji="1" lang="en-US" altLang="ja-JP" sz="3600" b="1" dirty="0" smtClean="0">
+                <a:solidFill>
+                  <a:srgbClr val="00B0F0"/>
+                </a:solidFill>
+                <a:latin typeface="Arial" charset="0"/>
+                <a:ea typeface="Arial" charset="0"/>
+                <a:cs typeface="Arial" charset="0"/>
+              </a:rPr>
+              <a:t>Value Proposition</a:t>
+            </a:r>
+            <a:endParaRPr lang="en-US" altLang="ja-JP" sz="3600" b="1" dirty="0">
+              <a:solidFill>
+                <a:srgbClr val="00B0F0"/>
+              </a:solidFill>
+              <a:latin typeface="Arial" charset="0"/>
+              <a:ea typeface="Arial" charset="0"/>
+              <a:cs typeface="Arial" charset="0"/>
+            </a:endParaRPr>
+          </a:p>
+        </p:txBody>
+      </p:sp>
+      <p:graphicFrame>
+        <p:nvGraphicFramePr>
+          <p:cNvPr id="5" name="表 4"/>
+          <p:cNvGraphicFramePr>
+            <a:graphicFrameLocks noGrp="1"/>
+          </p:cNvGraphicFramePr>
+          <p:nvPr>
+            <p:extLst>
+              <p:ext uri="{D42A27DB-BD31-4B8C-83A1-F6EECF244321}">
+                <p14:modId xmlns:p14="http://schemas.microsoft.com/office/powerpoint/2010/main" val="731021583"/>
+              </p:ext>
+            </p:extLst>
+          </p:nvPr>
+        </p:nvGraphicFramePr>
+        <p:xfrm>
+          <a:off x="349455" y="1228634"/>
+          <a:ext cx="11260382" cy="5010424"/>
+        </p:xfrm>
+        <a:graphic>
+          <a:graphicData uri="http://schemas.openxmlformats.org/drawingml/2006/table">
+            <a:tbl>
+              <a:tblPr firstRow="1" bandRow="1">
+                <a:tableStyleId>{7DF18680-E054-41AD-8BC1-D1AEF772440D}</a:tableStyleId>
+              </a:tblPr>
+              <a:tblGrid>
+                <a:gridCol w="5630191"/>
+                <a:gridCol w="5630191"/>
+              </a:tblGrid>
+              <a:tr h="280126">
+                <a:tc>
+                  <a:txBody>
+                    <a:bodyPr/>
+                    <a:lstStyle/>
+                    <a:p>
+                      <a:endParaRPr kumimoji="1" lang="ja-JP" altLang="en-US" sz="1600" dirty="0">
+                        <a:latin typeface="Arial" charset="0"/>
+                        <a:ea typeface="Arial" charset="0"/>
+                        <a:cs typeface="Arial" charset="0"/>
+                      </a:endParaRPr>
+                    </a:p>
+                  </a:txBody>
+                  <a:tcPr marL="121920" marR="121920" marT="60960" marB="60960"/>
+                </a:tc>
+                <a:tc>
+                  <a:txBody>
+                    <a:bodyPr/>
+                    <a:lstStyle/>
+                    <a:p>
+                      <a:endParaRPr kumimoji="1" lang="ja-JP" altLang="en-US" sz="1600" dirty="0">
+                        <a:latin typeface="Arial" charset="0"/>
+                        <a:ea typeface="Arial" charset="0"/>
+                        <a:cs typeface="Arial" charset="0"/>
+                      </a:endParaRPr>
+                    </a:p>
+                  </a:txBody>
+                  <a:tcPr marL="121920" marR="121920" marT="60960" marB="60960"/>
+                </a:tc>
+              </a:tr>
+              <a:tr h="763442">
+                <a:tc>
+                  <a:txBody>
+                    <a:bodyPr/>
+                    <a:lstStyle/>
+                    <a:p>
+                      <a:r>
+                        <a:rPr kumimoji="1" lang="en-US" altLang="ja-JP" sz="1700" b="1" dirty="0" smtClean="0">
+                          <a:latin typeface="Arial" charset="0"/>
+                          <a:ea typeface="Arial" charset="0"/>
+                          <a:cs typeface="Arial" charset="0"/>
+                        </a:rPr>
+                        <a:t>To the</a:t>
+                      </a:r>
+                      <a:endParaRPr kumimoji="1" lang="en-US" altLang="ja-JP" sz="1700" b="1" baseline="0" dirty="0" smtClean="0">
+                        <a:latin typeface="Arial" charset="0"/>
+                        <a:ea typeface="Arial" charset="0"/>
+                        <a:cs typeface="Arial" charset="0"/>
+                      </a:endParaRPr>
+                    </a:p>
+                    <a:p>
+                      <a:r>
+                        <a:rPr kumimoji="1" lang="en-US" altLang="ja-JP" sz="1700" baseline="0" dirty="0" smtClean="0">
+                          <a:latin typeface="Arial" charset="0"/>
+                          <a:ea typeface="Arial" charset="0"/>
+                          <a:cs typeface="Arial" charset="0"/>
+                        </a:rPr>
+                        <a:t>(role)</a:t>
+                      </a:r>
+                      <a:endParaRPr kumimoji="1" lang="ja-JP" altLang="en-US" sz="1700" dirty="0">
+                        <a:latin typeface="Arial" charset="0"/>
+                        <a:ea typeface="Arial" charset="0"/>
+                        <a:cs typeface="Arial" charset="0"/>
+                      </a:endParaRPr>
+                    </a:p>
+                  </a:txBody>
+                  <a:tcPr/>
+                </a:tc>
+                <a:tc>
+                  <a:txBody>
+                    <a:bodyPr/>
+                    <a:lstStyle/>
+                    <a:p>
+                      <a:pPr marL="0" marR="0" indent="0" algn="l" defTabSz="1219170" rtl="0" eaLnBrk="1" fontAlgn="auto" latinLnBrk="0" hangingPunct="1">
+                        <a:lnSpc>
+                          <a:spcPct val="100000"/>
+                        </a:lnSpc>
+                        <a:spcBef>
+                          <a:spcPts val="0"/>
+                        </a:spcBef>
+                        <a:spcAft>
+                          <a:spcPts val="0"/>
+                        </a:spcAft>
+                        <a:buClrTx/>
+                        <a:buSzTx/>
+                        <a:buFontTx/>
+                        <a:buNone/>
+                        <a:tabLst/>
+                        <a:defRPr/>
+                      </a:pPr>
+                      <a:r>
+                        <a:rPr kumimoji="1" lang="en-US" altLang="ja-JP" sz="1700" dirty="0" smtClean="0">
+                          <a:latin typeface="Arial" charset="0"/>
+                          <a:ea typeface="Arial" charset="0"/>
+                          <a:cs typeface="Arial" charset="0"/>
+                        </a:rPr>
+                        <a:t>in-house Developers in internet companies/software</a:t>
+                      </a:r>
+                      <a:r>
+                        <a:rPr kumimoji="1" lang="en-US" altLang="ja-JP" sz="1700" baseline="0" dirty="0" smtClean="0">
+                          <a:latin typeface="Arial" charset="0"/>
+                          <a:ea typeface="Arial" charset="0"/>
+                          <a:cs typeface="Arial" charset="0"/>
+                        </a:rPr>
+                        <a:t> driven</a:t>
+                      </a:r>
+                      <a:r>
+                        <a:rPr kumimoji="1" lang="en-US" altLang="ja-JP" sz="1700" dirty="0" smtClean="0">
+                          <a:latin typeface="Arial" charset="0"/>
+                          <a:ea typeface="Arial" charset="0"/>
+                          <a:cs typeface="Arial" charset="0"/>
+                        </a:rPr>
+                        <a:t> enterprises or financial services companies</a:t>
+                      </a:r>
+                      <a:endParaRPr kumimoji="1" lang="ja-JP" altLang="en-US" sz="1700" dirty="0">
+                        <a:latin typeface="Arial" charset="0"/>
+                        <a:ea typeface="Arial" charset="0"/>
+                        <a:cs typeface="Arial" charset="0"/>
+                      </a:endParaRPr>
+                    </a:p>
+                  </a:txBody>
+                  <a:tcPr marL="121920" marR="121920" marT="60960" marB="60960"/>
+                </a:tc>
+              </a:tr>
+              <a:tr h="1027943">
+                <a:tc>
+                  <a:txBody>
+                    <a:bodyPr/>
+                    <a:lstStyle/>
+                    <a:p>
+                      <a:r>
+                        <a:rPr kumimoji="1" lang="en-US" altLang="ja-JP" sz="1700" b="1" dirty="0" smtClean="0">
+                          <a:latin typeface="Arial" charset="0"/>
+                          <a:ea typeface="Arial" charset="0"/>
+                          <a:cs typeface="Arial" charset="0"/>
+                        </a:rPr>
+                        <a:t>Who wants to</a:t>
+                      </a:r>
+                    </a:p>
+                    <a:p>
+                      <a:r>
+                        <a:rPr kumimoji="1" lang="en-US" altLang="ja-JP" sz="1700" dirty="0" smtClean="0">
+                          <a:latin typeface="Arial" charset="0"/>
+                          <a:ea typeface="Arial" charset="0"/>
+                          <a:cs typeface="Arial" charset="0"/>
+                        </a:rPr>
+                        <a:t>(buyer aspiration based on capabilities in this dimension</a:t>
+                      </a:r>
+                      <a:r>
+                        <a:rPr kumimoji="1" lang="en-US" altLang="ja-JP" sz="1700" baseline="0" dirty="0" smtClean="0">
+                          <a:latin typeface="Arial" charset="0"/>
+                          <a:ea typeface="Arial" charset="0"/>
+                          <a:cs typeface="Arial" charset="0"/>
+                        </a:rPr>
+                        <a:t> of proficiency and current buying behavior)</a:t>
+                      </a:r>
+                      <a:endParaRPr kumimoji="1" lang="ja-JP" altLang="en-US" sz="1700" dirty="0">
+                        <a:latin typeface="Arial" charset="0"/>
+                        <a:ea typeface="Arial" charset="0"/>
+                        <a:cs typeface="Arial" charset="0"/>
+                      </a:endParaRPr>
+                    </a:p>
+                  </a:txBody>
+                  <a:tcPr/>
+                </a:tc>
+                <a:tc>
+                  <a:txBody>
+                    <a:bodyPr/>
+                    <a:lstStyle/>
+                    <a:p>
+                      <a:pPr marL="0" marR="0" indent="0" algn="l" defTabSz="914400" rtl="0" eaLnBrk="1" fontAlgn="auto" latinLnBrk="0" hangingPunct="1">
+                        <a:lnSpc>
+                          <a:spcPct val="100000"/>
+                        </a:lnSpc>
+                        <a:spcBef>
+                          <a:spcPts val="0"/>
+                        </a:spcBef>
+                        <a:spcAft>
+                          <a:spcPts val="0"/>
+                        </a:spcAft>
+                        <a:buClrTx/>
+                        <a:buSzTx/>
+                        <a:buFont typeface="Arial" charset="0"/>
+                        <a:buNone/>
+                        <a:tabLst/>
+                        <a:defRPr/>
+                      </a:pPr>
+                      <a:r>
+                        <a:rPr kumimoji="1" lang="en-US" altLang="ja-JP" sz="1700" dirty="0" smtClean="0">
+                          <a:latin typeface="Arial" charset="0"/>
+                          <a:ea typeface="Arial" charset="0"/>
+                          <a:cs typeface="Arial" charset="0"/>
+                        </a:rPr>
+                        <a:t>share</a:t>
+                      </a:r>
+                      <a:r>
+                        <a:rPr kumimoji="1" lang="en-US" altLang="ja-JP" sz="1700" baseline="0" dirty="0" smtClean="0">
+                          <a:latin typeface="Arial" charset="0"/>
+                          <a:ea typeface="Arial" charset="0"/>
+                          <a:cs typeface="Arial" charset="0"/>
+                        </a:rPr>
+                        <a:t> source code with </a:t>
+                      </a:r>
+                      <a:r>
+                        <a:rPr kumimoji="1" lang="en-US" altLang="ja-JP" sz="1700" dirty="0" smtClean="0">
+                          <a:latin typeface="Arial" charset="0"/>
+                          <a:ea typeface="Arial" charset="0"/>
+                          <a:cs typeface="Arial" charset="0"/>
+                        </a:rPr>
+                        <a:t>extremely high performance</a:t>
+                      </a:r>
+                      <a:r>
+                        <a:rPr kumimoji="1" lang="en-US" altLang="ja-JP" sz="1700" baseline="0" dirty="0" smtClean="0">
+                          <a:latin typeface="Arial" charset="0"/>
+                          <a:ea typeface="Arial" charset="0"/>
+                          <a:cs typeface="Arial" charset="0"/>
+                        </a:rPr>
+                        <a:t> system, also wants to feel “The human side of software” in their product development process (= social coding) when working on a team</a:t>
+                      </a:r>
+                      <a:endParaRPr kumimoji="1" lang="ja-JP" altLang="en-US" sz="1700" dirty="0">
+                        <a:latin typeface="Arial" charset="0"/>
+                        <a:ea typeface="Arial" charset="0"/>
+                        <a:cs typeface="Arial" charset="0"/>
+                      </a:endParaRPr>
+                    </a:p>
+                  </a:txBody>
+                  <a:tcPr marL="121920" marR="121920" marT="60960" marB="60960"/>
+                </a:tc>
+              </a:tr>
+              <a:tr h="751615">
+                <a:tc>
+                  <a:txBody>
+                    <a:bodyPr/>
+                    <a:lstStyle/>
+                    <a:p>
+                      <a:r>
+                        <a:rPr kumimoji="1" lang="en-US" altLang="ja-JP" sz="1700" b="1" dirty="0" smtClean="0">
+                          <a:latin typeface="Arial" charset="0"/>
+                          <a:ea typeface="Arial" charset="0"/>
+                          <a:cs typeface="Arial" charset="0"/>
+                        </a:rPr>
+                        <a:t>GitHub is the only partner that can</a:t>
+                      </a:r>
+                    </a:p>
+                    <a:p>
+                      <a:r>
+                        <a:rPr kumimoji="1" lang="en-US" altLang="ja-JP" sz="1700" dirty="0" smtClean="0">
+                          <a:latin typeface="Arial" charset="0"/>
+                          <a:ea typeface="Arial" charset="0"/>
+                          <a:cs typeface="Arial" charset="0"/>
+                        </a:rPr>
+                        <a:t>(differentiated benefits)</a:t>
+                      </a:r>
+                      <a:endParaRPr kumimoji="1" lang="ja-JP" altLang="en-US" sz="1700" dirty="0">
+                        <a:latin typeface="Arial" charset="0"/>
+                        <a:ea typeface="Arial" charset="0"/>
+                        <a:cs typeface="Arial" charset="0"/>
+                      </a:endParaRPr>
+                    </a:p>
+                  </a:txBody>
+                  <a:tcPr/>
+                </a:tc>
+                <a:tc>
+                  <a:txBody>
+                    <a:bodyPr/>
+                    <a:lstStyle/>
+                    <a:p>
+                      <a:pPr marL="0" marR="0" indent="0" algn="l" defTabSz="914400" rtl="0" eaLnBrk="1" fontAlgn="auto" latinLnBrk="0" hangingPunct="1">
+                        <a:lnSpc>
+                          <a:spcPct val="100000"/>
+                        </a:lnSpc>
+                        <a:spcBef>
+                          <a:spcPts val="0"/>
+                        </a:spcBef>
+                        <a:spcAft>
+                          <a:spcPts val="0"/>
+                        </a:spcAft>
+                        <a:buClrTx/>
+                        <a:buSzTx/>
+                        <a:buFontTx/>
+                        <a:buNone/>
+                        <a:tabLst/>
+                        <a:defRPr/>
+                      </a:pPr>
+                      <a:r>
+                        <a:rPr kumimoji="1" lang="en-US" altLang="ja-JP" sz="1700" dirty="0" smtClean="0">
+                          <a:latin typeface="Arial" charset="0"/>
+                          <a:ea typeface="Arial" charset="0"/>
+                          <a:cs typeface="Arial" charset="0"/>
+                        </a:rPr>
+                        <a:t>provide extremely</a:t>
+                      </a:r>
+                      <a:r>
+                        <a:rPr kumimoji="1" lang="en-US" altLang="ja-JP" sz="1700" baseline="0" dirty="0" smtClean="0">
+                          <a:latin typeface="Arial" charset="0"/>
+                          <a:ea typeface="Arial" charset="0"/>
+                          <a:cs typeface="Arial" charset="0"/>
+                        </a:rPr>
+                        <a:t> high performance “</a:t>
+                      </a:r>
+                      <a:r>
+                        <a:rPr kumimoji="1" lang="en-US" altLang="ja-JP" sz="1700" dirty="0" smtClean="0">
+                          <a:latin typeface="Arial" charset="0"/>
+                          <a:ea typeface="Arial" charset="0"/>
+                          <a:cs typeface="Arial" charset="0"/>
+                        </a:rPr>
+                        <a:t>virtual appliance</a:t>
+                      </a:r>
+                      <a:r>
+                        <a:rPr kumimoji="1" lang="en-US" altLang="ja-JP" sz="1700" baseline="0" dirty="0" smtClean="0">
+                          <a:latin typeface="Arial" charset="0"/>
+                          <a:ea typeface="Arial" charset="0"/>
+                          <a:cs typeface="Arial" charset="0"/>
+                        </a:rPr>
+                        <a:t>” system</a:t>
+                      </a:r>
+                      <a:r>
+                        <a:rPr kumimoji="1" lang="en-US" altLang="ja-JP" sz="1700" dirty="0" smtClean="0">
+                          <a:latin typeface="Arial" charset="0"/>
+                          <a:ea typeface="Arial" charset="0"/>
+                          <a:cs typeface="Arial" charset="0"/>
+                        </a:rPr>
+                        <a:t> wit</a:t>
+                      </a:r>
+                      <a:r>
+                        <a:rPr kumimoji="1" lang="en-US" altLang="ja-JP" sz="1700" baseline="0" dirty="0" smtClean="0">
+                          <a:latin typeface="Arial" charset="0"/>
+                          <a:ea typeface="Arial" charset="0"/>
+                          <a:cs typeface="Arial" charset="0"/>
+                        </a:rPr>
+                        <a:t>h very low </a:t>
+                      </a:r>
+                      <a:r>
+                        <a:rPr kumimoji="1" lang="en-US" altLang="ja-JP" sz="1700" dirty="0" smtClean="0">
+                          <a:latin typeface="Arial" charset="0"/>
+                          <a:ea typeface="Arial" charset="0"/>
+                          <a:cs typeface="Arial" charset="0"/>
+                        </a:rPr>
+                        <a:t>administrative overhead</a:t>
+                      </a:r>
+                      <a:endParaRPr kumimoji="1" lang="ja-JP" altLang="en-US" sz="1700" dirty="0">
+                        <a:latin typeface="Arial" charset="0"/>
+                        <a:ea typeface="Arial" charset="0"/>
+                        <a:cs typeface="Arial" charset="0"/>
+                      </a:endParaRPr>
+                    </a:p>
+                  </a:txBody>
+                  <a:tcPr marL="121920" marR="121920" marT="60960" marB="60960"/>
+                </a:tc>
+              </a:tr>
+              <a:tr h="767310">
+                <a:tc>
+                  <a:txBody>
+                    <a:bodyPr/>
+                    <a:lstStyle/>
+                    <a:p>
+                      <a:r>
+                        <a:rPr kumimoji="1" lang="en-US" altLang="ja-JP" sz="1700" b="1" dirty="0" smtClean="0">
+                          <a:latin typeface="Arial" charset="0"/>
+                          <a:ea typeface="Arial" charset="0"/>
+                          <a:cs typeface="Arial" charset="0"/>
+                        </a:rPr>
+                        <a:t>through our</a:t>
+                      </a:r>
+                    </a:p>
+                    <a:p>
+                      <a:r>
+                        <a:rPr kumimoji="1" lang="en-US" altLang="ja-JP" sz="1700" dirty="0" smtClean="0">
+                          <a:latin typeface="Arial" charset="0"/>
+                          <a:ea typeface="Arial" charset="0"/>
+                          <a:cs typeface="Arial" charset="0"/>
+                        </a:rPr>
+                        <a:t>(lead-with offering)</a:t>
+                      </a:r>
+                      <a:endParaRPr kumimoji="1" lang="ja-JP" altLang="en-US" sz="1700" dirty="0">
+                        <a:latin typeface="Arial" charset="0"/>
+                        <a:ea typeface="Arial" charset="0"/>
+                        <a:cs typeface="Arial" charset="0"/>
+                      </a:endParaRPr>
+                    </a:p>
+                  </a:txBody>
+                  <a:tcPr/>
+                </a:tc>
+                <a:tc>
+                  <a:txBody>
+                    <a:bodyPr/>
+                    <a:lstStyle/>
+                    <a:p>
+                      <a:pPr marL="171450" indent="-171450">
+                        <a:buFont typeface="Arial" charset="0"/>
+                        <a:buChar char="•"/>
+                      </a:pPr>
+                      <a:r>
+                        <a:rPr kumimoji="1" lang="en-US" altLang="ja-JP" sz="1700" dirty="0" smtClean="0">
+                          <a:latin typeface="Arial" charset="0"/>
+                          <a:ea typeface="Arial" charset="0"/>
+                          <a:cs typeface="Arial" charset="0"/>
+                        </a:rPr>
+                        <a:t>GitHub</a:t>
+                      </a:r>
+                      <a:r>
+                        <a:rPr kumimoji="1" lang="en-US" altLang="ja-JP" sz="1700" baseline="0" dirty="0" smtClean="0">
+                          <a:latin typeface="Arial" charset="0"/>
+                          <a:ea typeface="Arial" charset="0"/>
+                          <a:cs typeface="Arial" charset="0"/>
+                        </a:rPr>
+                        <a:t> Enterprise</a:t>
+                      </a:r>
+                    </a:p>
+                    <a:p>
+                      <a:pPr marL="171450" indent="-171450">
+                        <a:buFont typeface="Arial" charset="0"/>
+                        <a:buChar char="•"/>
+                      </a:pPr>
+                      <a:r>
+                        <a:rPr kumimoji="1" lang="en-US" altLang="ja-JP" sz="1700" dirty="0" err="1" smtClean="0">
+                          <a:latin typeface="Arial" charset="0"/>
+                          <a:ea typeface="Arial" charset="0"/>
+                          <a:cs typeface="Arial" charset="0"/>
+                        </a:rPr>
+                        <a:t>GitHub.com</a:t>
+                      </a:r>
+                      <a:endParaRPr kumimoji="1" lang="ja-JP" altLang="en-US" sz="1700" dirty="0">
+                        <a:latin typeface="Arial" charset="0"/>
+                        <a:ea typeface="Arial" charset="0"/>
+                        <a:cs typeface="Arial" charset="0"/>
+                      </a:endParaRPr>
+                    </a:p>
+                  </a:txBody>
+                  <a:tcPr marL="121920" marR="121920" marT="60960" marB="60960"/>
+                </a:tc>
+              </a:tr>
+              <a:tr h="1204057">
+                <a:tc>
+                  <a:txBody>
+                    <a:bodyPr/>
+                    <a:lstStyle/>
+                    <a:p>
+                      <a:r>
+                        <a:rPr kumimoji="1" lang="en-US" altLang="ja-JP" sz="1700" b="1" dirty="0" smtClean="0">
+                          <a:latin typeface="Arial" charset="0"/>
+                          <a:ea typeface="Arial" charset="0"/>
+                          <a:cs typeface="Arial" charset="0"/>
+                        </a:rPr>
+                        <a:t>because</a:t>
+                      </a:r>
+                    </a:p>
+                    <a:p>
+                      <a:r>
+                        <a:rPr kumimoji="1" lang="en-US" altLang="ja-JP" sz="1700" dirty="0" smtClean="0">
+                          <a:latin typeface="Arial" charset="0"/>
+                          <a:ea typeface="Arial" charset="0"/>
+                          <a:cs typeface="Arial" charset="0"/>
+                        </a:rPr>
+                        <a:t>(proof points)</a:t>
+                      </a:r>
+                      <a:endParaRPr kumimoji="1" lang="ja-JP" altLang="en-US" sz="1700" b="0" dirty="0">
+                        <a:latin typeface="Arial" charset="0"/>
+                        <a:ea typeface="Arial" charset="0"/>
+                        <a:cs typeface="Arial" charset="0"/>
+                      </a:endParaRPr>
+                    </a:p>
+                  </a:txBody>
+                  <a:tcPr/>
+                </a:tc>
+                <a:tc>
+                  <a:txBody>
+                    <a:bodyPr/>
+                    <a:lstStyle/>
+                    <a:p>
+                      <a:pPr marL="0" marR="0" indent="0" algn="l" defTabSz="914400" rtl="0" eaLnBrk="1" fontAlgn="auto" latinLnBrk="0" hangingPunct="1">
+                        <a:lnSpc>
+                          <a:spcPct val="100000"/>
+                        </a:lnSpc>
+                        <a:spcBef>
+                          <a:spcPts val="0"/>
+                        </a:spcBef>
+                        <a:spcAft>
+                          <a:spcPts val="0"/>
+                        </a:spcAft>
+                        <a:buClrTx/>
+                        <a:buSzTx/>
+                        <a:buFont typeface="Arial" charset="0"/>
+                        <a:buNone/>
+                        <a:tabLst/>
+                        <a:defRPr/>
+                      </a:pPr>
+                      <a:r>
+                        <a:rPr kumimoji="1" lang="en-US" altLang="ja-JP" sz="1700" kern="1200" dirty="0" smtClean="0">
+                          <a:effectLst/>
+                          <a:latin typeface="Arial" charset="0"/>
+                          <a:ea typeface="Arial" charset="0"/>
+                          <a:cs typeface="Arial" charset="0"/>
+                        </a:rPr>
+                        <a:t>GitHub is trusted by more than 100,000 organizations worldwide</a:t>
+                      </a:r>
+                      <a:r>
+                        <a:rPr kumimoji="1" lang="en-US" altLang="ja-JP" sz="1700" kern="1200" baseline="0" dirty="0" smtClean="0">
+                          <a:effectLst/>
+                          <a:latin typeface="Arial" charset="0"/>
+                          <a:ea typeface="Arial" charset="0"/>
+                          <a:cs typeface="Arial" charset="0"/>
+                        </a:rPr>
+                        <a:t> including Japan </a:t>
+                      </a:r>
+                      <a:r>
+                        <a:rPr kumimoji="1" lang="en-US" altLang="ja-JP" sz="1700" kern="1200" dirty="0" smtClean="0">
+                          <a:effectLst/>
+                          <a:latin typeface="Arial" charset="0"/>
+                          <a:ea typeface="Arial" charset="0"/>
+                          <a:cs typeface="Arial" charset="0"/>
+                        </a:rPr>
+                        <a:t>top</a:t>
+                      </a:r>
+                      <a:r>
+                        <a:rPr kumimoji="1" lang="en-US" altLang="ja-JP" sz="1700" kern="1200" baseline="0" dirty="0" smtClean="0">
+                          <a:effectLst/>
+                          <a:latin typeface="Arial" charset="0"/>
+                          <a:ea typeface="Arial" charset="0"/>
+                          <a:cs typeface="Arial" charset="0"/>
+                        </a:rPr>
+                        <a:t> leading internet companies such as GREE, Yahoo! JAPAN, </a:t>
+                      </a:r>
+                      <a:r>
+                        <a:rPr kumimoji="1" lang="en-US" altLang="ja-JP" sz="1700" kern="1200" baseline="0" dirty="0" err="1" smtClean="0">
+                          <a:effectLst/>
+                          <a:latin typeface="Arial" charset="0"/>
+                          <a:ea typeface="Arial" charset="0"/>
+                          <a:cs typeface="Arial" charset="0"/>
+                        </a:rPr>
+                        <a:t>DeNA</a:t>
+                      </a:r>
+                      <a:r>
+                        <a:rPr kumimoji="1" lang="en-US" altLang="ja-JP" sz="1700" kern="1200" baseline="0" dirty="0" smtClean="0">
+                          <a:effectLst/>
+                          <a:latin typeface="Arial" charset="0"/>
+                          <a:ea typeface="Arial" charset="0"/>
+                          <a:cs typeface="Arial" charset="0"/>
+                        </a:rPr>
+                        <a:t>, </a:t>
+                      </a:r>
+                      <a:r>
+                        <a:rPr kumimoji="1" lang="en-US" altLang="ja-JP" sz="1700" kern="1200" baseline="0" dirty="0" err="1" smtClean="0">
+                          <a:effectLst/>
+                          <a:latin typeface="Arial" charset="0"/>
+                          <a:ea typeface="Arial" charset="0"/>
+                          <a:cs typeface="Arial" charset="0"/>
+                        </a:rPr>
+                        <a:t>Cookpad</a:t>
+                      </a:r>
+                      <a:r>
+                        <a:rPr kumimoji="1" lang="en-US" altLang="ja-JP" sz="1700" kern="1200" baseline="0" dirty="0" smtClean="0">
+                          <a:effectLst/>
+                          <a:latin typeface="Arial" charset="0"/>
+                          <a:ea typeface="Arial" charset="0"/>
+                          <a:cs typeface="Arial" charset="0"/>
+                        </a:rPr>
+                        <a:t>, LINE, </a:t>
+                      </a:r>
+                      <a:r>
+                        <a:rPr kumimoji="1" lang="en-US" altLang="ja-JP" sz="1700" kern="1200" baseline="0" dirty="0" err="1" smtClean="0">
+                          <a:effectLst/>
+                          <a:latin typeface="Arial" charset="0"/>
+                          <a:ea typeface="Arial" charset="0"/>
+                          <a:cs typeface="Arial" charset="0"/>
+                        </a:rPr>
+                        <a:t>CyberAgent</a:t>
+                      </a:r>
+                      <a:endParaRPr kumimoji="1" lang="en-US" altLang="ja-JP" sz="1700" b="0" i="0" kern="1200" dirty="0" smtClean="0">
+                        <a:solidFill>
+                          <a:schemeClr val="dk1"/>
+                        </a:solidFill>
+                        <a:effectLst/>
+                        <a:latin typeface="Arial" charset="0"/>
+                        <a:ea typeface="Arial" charset="0"/>
+                        <a:cs typeface="Arial" charset="0"/>
+                      </a:endParaRPr>
+                    </a:p>
+                  </a:txBody>
+                  <a:tcPr marL="121920" marR="121920" marT="60960" marB="60960"/>
+                </a:tc>
+              </a:tr>
+            </a:tbl>
+          </a:graphicData>
+        </a:graphic>
+      </p:graphicFrame>
+    </p:spTree>
+    <p:extLst>
+      <p:ext uri="{BB962C8B-B14F-4D97-AF65-F5344CB8AC3E}">
+        <p14:creationId xmlns:p14="http://schemas.microsoft.com/office/powerpoint/2010/main" val="1866779859"/>
+      </p:ext>
+    </p:extLst>
+  </p:cSld>
+  <p:clrMapOvr>
+    <a:masterClrMapping/>
+  </p:clrMapOvr>
+  <p:timing>
+    <p:tnLst>
+      <p:par>
+        <p:cTn id="1" dur="indefinite" restart="never" nodeType="tmRoot"/>
+      </p:par>
+    </p:tnLst>
+  </p:timing>
+</p:sld>
+</file>
+
+<file path=ppt/slides/slide12.xml><?xml version="1.0" encoding="utf-8"?>
 <p:sld xmlns:a="http://schemas.openxmlformats.org/drawingml/2006/main" xmlns:r="http://schemas.openxmlformats.org/officeDocument/2006/relationships" xmlns:p="http://schemas.openxmlformats.org/presentationml/2006/main">
   <p:cSld>
     <p:spTree>
@@ -24280,6 +25970,3490 @@
           <a:chExt cx="0" cy="0"/>
         </a:xfrm>
       </p:grpSpPr>
+      <p:graphicFrame>
+        <p:nvGraphicFramePr>
+          <p:cNvPr id="12" name="表 11"/>
+          <p:cNvGraphicFramePr>
+            <a:graphicFrameLocks noGrp="1"/>
+          </p:cNvGraphicFramePr>
+          <p:nvPr>
+            <p:extLst>
+              <p:ext uri="{D42A27DB-BD31-4B8C-83A1-F6EECF244321}">
+                <p14:modId xmlns:p14="http://schemas.microsoft.com/office/powerpoint/2010/main" val="1934570179"/>
+              </p:ext>
+            </p:extLst>
+          </p:nvPr>
+        </p:nvGraphicFramePr>
+        <p:xfrm>
+          <a:off x="1236977" y="1733477"/>
+          <a:ext cx="8741500" cy="3710394"/>
+        </p:xfrm>
+        <a:graphic>
+          <a:graphicData uri="http://schemas.openxmlformats.org/drawingml/2006/table">
+            <a:tbl>
+              <a:tblPr>
+                <a:tableStyleId>{D7AC3CCA-C797-4891-BE02-D94E43425B78}</a:tableStyleId>
+              </a:tblPr>
+              <a:tblGrid>
+                <a:gridCol w="6303020"/>
+                <a:gridCol w="2438480"/>
+              </a:tblGrid>
+              <a:tr h="412266">
+                <a:tc>
+                  <a:txBody>
+                    <a:bodyPr/>
+                    <a:lstStyle/>
+                    <a:p>
+                      <a:pPr algn="l" fontAlgn="b"/>
+                      <a:endParaRPr lang="en-US" sz="2000" b="0" i="0" u="none" strike="noStrike" dirty="0">
+                        <a:solidFill>
+                          <a:srgbClr val="000000"/>
+                        </a:solidFill>
+                        <a:effectLst/>
+                        <a:latin typeface="Arial" charset="0"/>
+                        <a:ea typeface="Arial" charset="0"/>
+                        <a:cs typeface="Arial" charset="0"/>
+                      </a:endParaRPr>
+                    </a:p>
+                  </a:txBody>
+                  <a:tcPr marL="6350" marR="6350" marT="6350" marB="0" anchor="b">
+                    <a:noFill/>
+                  </a:tcPr>
+                </a:tc>
+                <a:tc>
+                  <a:txBody>
+                    <a:bodyPr/>
+                    <a:lstStyle/>
+                    <a:p>
+                      <a:pPr algn="r" fontAlgn="b"/>
+                      <a:r>
+                        <a:rPr lang="is-IS" sz="2000" u="none" strike="noStrike" dirty="0" smtClean="0">
+                          <a:effectLst/>
+                          <a:latin typeface="Arial" charset="0"/>
+                          <a:ea typeface="Arial" charset="0"/>
+                          <a:cs typeface="Arial" charset="0"/>
+                        </a:rPr>
+                        <a:t>K$</a:t>
+                      </a:r>
+                      <a:endParaRPr lang="is-IS" sz="2000" b="0" i="0" u="none" strike="noStrike" dirty="0">
+                        <a:solidFill>
+                          <a:srgbClr val="000000"/>
+                        </a:solidFill>
+                        <a:effectLst/>
+                        <a:latin typeface="Arial" charset="0"/>
+                        <a:ea typeface="Arial" charset="0"/>
+                        <a:cs typeface="Arial" charset="0"/>
+                      </a:endParaRPr>
+                    </a:p>
+                  </a:txBody>
+                  <a:tcPr marL="6350" marR="6350" marT="6350" marB="0" anchor="b">
+                    <a:noFill/>
+                  </a:tcPr>
+                </a:tc>
+              </a:tr>
+              <a:tr h="412266">
+                <a:tc>
+                  <a:txBody>
+                    <a:bodyPr/>
+                    <a:lstStyle/>
+                    <a:p>
+                      <a:pPr algn="l" fontAlgn="b"/>
+                      <a:r>
+                        <a:rPr lang="en-US" sz="2000" u="none" strike="noStrike" dirty="0">
+                          <a:effectLst/>
+                          <a:latin typeface="Arial" charset="0"/>
+                          <a:ea typeface="Arial" charset="0"/>
+                          <a:cs typeface="Arial" charset="0"/>
+                        </a:rPr>
+                        <a:t>ARR </a:t>
+                      </a:r>
+                      <a:r>
+                        <a:rPr lang="en-US" sz="2000" u="none" strike="noStrike" dirty="0" err="1">
+                          <a:effectLst/>
+                          <a:latin typeface="Arial" charset="0"/>
+                          <a:ea typeface="Arial" charset="0"/>
+                          <a:cs typeface="Arial" charset="0"/>
+                        </a:rPr>
+                        <a:t>Traget</a:t>
+                      </a:r>
+                      <a:endParaRPr lang="en-US" sz="2000" b="0" i="0" u="none" strike="noStrike" dirty="0">
+                        <a:solidFill>
+                          <a:srgbClr val="000000"/>
+                        </a:solidFill>
+                        <a:effectLst/>
+                        <a:latin typeface="Arial" charset="0"/>
+                        <a:ea typeface="Arial" charset="0"/>
+                        <a:cs typeface="Arial" charset="0"/>
+                      </a:endParaRPr>
+                    </a:p>
+                  </a:txBody>
+                  <a:tcPr marL="6350" marR="6350" marT="6350" marB="0" anchor="b"/>
+                </a:tc>
+                <a:tc>
+                  <a:txBody>
+                    <a:bodyPr/>
+                    <a:lstStyle/>
+                    <a:p>
+                      <a:pPr algn="r" fontAlgn="b"/>
+                      <a:r>
+                        <a:rPr lang="is-IS" sz="2000" u="none" strike="noStrike" dirty="0" smtClean="0">
+                          <a:effectLst/>
+                          <a:latin typeface="Arial" charset="0"/>
+                          <a:ea typeface="Arial" charset="0"/>
+                          <a:cs typeface="Arial" charset="0"/>
+                        </a:rPr>
+                        <a:t>XX</a:t>
+                      </a:r>
+                      <a:endParaRPr lang="is-IS" sz="2000" b="0" i="0" u="none" strike="noStrike" dirty="0">
+                        <a:solidFill>
+                          <a:srgbClr val="000000"/>
+                        </a:solidFill>
+                        <a:effectLst/>
+                        <a:latin typeface="Arial" charset="0"/>
+                        <a:ea typeface="Arial" charset="0"/>
+                        <a:cs typeface="Arial" charset="0"/>
+                      </a:endParaRPr>
+                    </a:p>
+                  </a:txBody>
+                  <a:tcPr marL="6350" marR="6350" marT="6350" marB="0" anchor="b"/>
+                </a:tc>
+              </a:tr>
+              <a:tr h="412266">
+                <a:tc>
+                  <a:txBody>
+                    <a:bodyPr/>
+                    <a:lstStyle/>
+                    <a:p>
+                      <a:pPr algn="l" fontAlgn="b"/>
+                      <a:r>
+                        <a:rPr lang="en-US" sz="2000" u="none" strike="noStrike" dirty="0">
+                          <a:effectLst/>
+                          <a:latin typeface="Arial" charset="0"/>
+                          <a:ea typeface="Arial" charset="0"/>
+                          <a:cs typeface="Arial" charset="0"/>
+                        </a:rPr>
+                        <a:t>Average Deal Size</a:t>
+                      </a:r>
+                      <a:endParaRPr lang="en-US" sz="2000" b="0" i="0" u="none" strike="noStrike" dirty="0">
+                        <a:solidFill>
+                          <a:srgbClr val="000000"/>
+                        </a:solidFill>
+                        <a:effectLst/>
+                        <a:latin typeface="Arial" charset="0"/>
+                        <a:ea typeface="Arial" charset="0"/>
+                        <a:cs typeface="Arial" charset="0"/>
+                      </a:endParaRPr>
+                    </a:p>
+                  </a:txBody>
+                  <a:tcPr marL="6350" marR="6350" marT="6350" marB="0" anchor="b"/>
+                </a:tc>
+                <a:tc>
+                  <a:txBody>
+                    <a:bodyPr/>
+                    <a:lstStyle/>
+                    <a:p>
+                      <a:pPr algn="r" fontAlgn="b"/>
+                      <a:endParaRPr lang="is-IS" sz="2000" b="0" i="0" u="none" strike="noStrike" dirty="0">
+                        <a:solidFill>
+                          <a:srgbClr val="000000"/>
+                        </a:solidFill>
+                        <a:effectLst/>
+                        <a:latin typeface="Arial" charset="0"/>
+                        <a:ea typeface="Arial" charset="0"/>
+                        <a:cs typeface="Arial" charset="0"/>
+                      </a:endParaRPr>
+                    </a:p>
+                  </a:txBody>
+                  <a:tcPr marL="6350" marR="6350" marT="6350" marB="0" anchor="b"/>
+                </a:tc>
+              </a:tr>
+              <a:tr h="412266">
+                <a:tc>
+                  <a:txBody>
+                    <a:bodyPr/>
+                    <a:lstStyle/>
+                    <a:p>
+                      <a:pPr algn="l" fontAlgn="b"/>
+                      <a:r>
+                        <a:rPr lang="en-US" sz="2000" u="none" strike="noStrike" dirty="0">
+                          <a:effectLst/>
+                          <a:latin typeface="Arial" charset="0"/>
+                          <a:ea typeface="Arial" charset="0"/>
+                          <a:cs typeface="Arial" charset="0"/>
+                        </a:rPr>
+                        <a:t>Required Pipeline (x4)</a:t>
+                      </a:r>
+                      <a:endParaRPr lang="en-US" sz="2000" b="0" i="0" u="none" strike="noStrike" dirty="0">
+                        <a:solidFill>
+                          <a:srgbClr val="000000"/>
+                        </a:solidFill>
+                        <a:effectLst/>
+                        <a:latin typeface="Arial" charset="0"/>
+                        <a:ea typeface="Arial" charset="0"/>
+                        <a:cs typeface="Arial" charset="0"/>
+                      </a:endParaRPr>
+                    </a:p>
+                  </a:txBody>
+                  <a:tcPr marL="6350" marR="6350" marT="6350" marB="0" anchor="b"/>
+                </a:tc>
+                <a:tc>
+                  <a:txBody>
+                    <a:bodyPr/>
+                    <a:lstStyle/>
+                    <a:p>
+                      <a:pPr algn="r" fontAlgn="b"/>
+                      <a:endParaRPr lang="is-IS" sz="2000" b="0" i="0" u="none" strike="noStrike" dirty="0">
+                        <a:solidFill>
+                          <a:srgbClr val="000000"/>
+                        </a:solidFill>
+                        <a:effectLst/>
+                        <a:latin typeface="Arial" charset="0"/>
+                        <a:ea typeface="Arial" charset="0"/>
+                        <a:cs typeface="Arial" charset="0"/>
+                      </a:endParaRPr>
+                    </a:p>
+                  </a:txBody>
+                  <a:tcPr marL="6350" marR="6350" marT="6350" marB="0" anchor="b"/>
+                </a:tc>
+              </a:tr>
+              <a:tr h="412266">
+                <a:tc>
+                  <a:txBody>
+                    <a:bodyPr/>
+                    <a:lstStyle/>
+                    <a:p>
+                      <a:pPr algn="l" fontAlgn="b"/>
+                      <a:r>
+                        <a:rPr lang="en-US" sz="2000" u="none" strike="noStrike" dirty="0">
+                          <a:effectLst/>
+                          <a:latin typeface="Arial" charset="0"/>
+                          <a:ea typeface="Arial" charset="0"/>
+                          <a:cs typeface="Arial" charset="0"/>
+                        </a:rPr>
+                        <a:t>Required </a:t>
+                      </a:r>
+                      <a:r>
+                        <a:rPr lang="en-US" sz="2000" u="none" strike="noStrike" dirty="0" err="1">
+                          <a:effectLst/>
+                          <a:latin typeface="Arial" charset="0"/>
+                          <a:ea typeface="Arial" charset="0"/>
+                          <a:cs typeface="Arial" charset="0"/>
+                        </a:rPr>
+                        <a:t>Oppty</a:t>
+                      </a:r>
+                      <a:endParaRPr lang="en-US" sz="2000" b="0" i="0" u="none" strike="noStrike" dirty="0">
+                        <a:solidFill>
+                          <a:srgbClr val="000000"/>
+                        </a:solidFill>
+                        <a:effectLst/>
+                        <a:latin typeface="Arial" charset="0"/>
+                        <a:ea typeface="Arial" charset="0"/>
+                        <a:cs typeface="Arial" charset="0"/>
+                      </a:endParaRPr>
+                    </a:p>
+                  </a:txBody>
+                  <a:tcPr marL="6350" marR="6350" marT="6350" marB="0" anchor="b"/>
+                </a:tc>
+                <a:tc>
+                  <a:txBody>
+                    <a:bodyPr/>
+                    <a:lstStyle/>
+                    <a:p>
+                      <a:pPr algn="r" fontAlgn="b"/>
+                      <a:endParaRPr lang="fi-FI" sz="2000" b="0" i="0" u="none" strike="noStrike" dirty="0">
+                        <a:solidFill>
+                          <a:srgbClr val="000000"/>
+                        </a:solidFill>
+                        <a:effectLst/>
+                        <a:latin typeface="Arial" charset="0"/>
+                        <a:ea typeface="Arial" charset="0"/>
+                        <a:cs typeface="Arial" charset="0"/>
+                      </a:endParaRPr>
+                    </a:p>
+                  </a:txBody>
+                  <a:tcPr marL="6350" marR="6350" marT="6350" marB="0" anchor="b"/>
+                </a:tc>
+              </a:tr>
+              <a:tr h="412266">
+                <a:tc>
+                  <a:txBody>
+                    <a:bodyPr/>
+                    <a:lstStyle/>
+                    <a:p>
+                      <a:pPr algn="l" fontAlgn="b"/>
+                      <a:r>
+                        <a:rPr lang="en-US" sz="2000" u="none" strike="noStrike">
+                          <a:effectLst/>
+                          <a:latin typeface="Arial" charset="0"/>
+                          <a:ea typeface="Arial" charset="0"/>
+                          <a:cs typeface="Arial" charset="0"/>
+                        </a:rPr>
+                        <a:t>Beginning Pipeline Inventory</a:t>
+                      </a:r>
+                      <a:endParaRPr lang="en-US" sz="2000" b="0" i="0" u="none" strike="noStrike">
+                        <a:solidFill>
+                          <a:srgbClr val="000000"/>
+                        </a:solidFill>
+                        <a:effectLst/>
+                        <a:latin typeface="Arial" charset="0"/>
+                        <a:ea typeface="Arial" charset="0"/>
+                        <a:cs typeface="Arial" charset="0"/>
+                      </a:endParaRPr>
+                    </a:p>
+                  </a:txBody>
+                  <a:tcPr marL="6350" marR="6350" marT="6350" marB="0" anchor="b"/>
+                </a:tc>
+                <a:tc>
+                  <a:txBody>
+                    <a:bodyPr/>
+                    <a:lstStyle/>
+                    <a:p>
+                      <a:pPr algn="r" fontAlgn="b"/>
+                      <a:endParaRPr lang="en-US" sz="2000" b="0" i="0" u="none" strike="noStrike" dirty="0">
+                        <a:solidFill>
+                          <a:srgbClr val="000000"/>
+                        </a:solidFill>
+                        <a:effectLst/>
+                        <a:latin typeface="Arial" charset="0"/>
+                        <a:ea typeface="Arial" charset="0"/>
+                        <a:cs typeface="Arial" charset="0"/>
+                      </a:endParaRPr>
+                    </a:p>
+                  </a:txBody>
+                  <a:tcPr marL="6350" marR="6350" marT="6350" marB="0" anchor="b"/>
+                </a:tc>
+              </a:tr>
+              <a:tr h="412266">
+                <a:tc>
+                  <a:txBody>
+                    <a:bodyPr/>
+                    <a:lstStyle/>
+                    <a:p>
+                      <a:pPr algn="l" fontAlgn="b"/>
+                      <a:r>
+                        <a:rPr lang="en-US" sz="2000" u="none" strike="noStrike">
+                          <a:effectLst/>
+                          <a:latin typeface="Arial" charset="0"/>
+                          <a:ea typeface="Arial" charset="0"/>
+                          <a:cs typeface="Arial" charset="0"/>
+                        </a:rPr>
+                        <a:t>Pipeline Generation needed (=PPL Gap)</a:t>
+                      </a:r>
+                      <a:endParaRPr lang="en-US" sz="2000" b="0" i="0" u="none" strike="noStrike">
+                        <a:solidFill>
+                          <a:srgbClr val="000000"/>
+                        </a:solidFill>
+                        <a:effectLst/>
+                        <a:latin typeface="Arial" charset="0"/>
+                        <a:ea typeface="Arial" charset="0"/>
+                        <a:cs typeface="Arial" charset="0"/>
+                      </a:endParaRPr>
+                    </a:p>
+                  </a:txBody>
+                  <a:tcPr marL="6350" marR="6350" marT="6350" marB="0" anchor="b"/>
+                </a:tc>
+                <a:tc>
+                  <a:txBody>
+                    <a:bodyPr/>
+                    <a:lstStyle/>
+                    <a:p>
+                      <a:pPr algn="r" fontAlgn="b"/>
+                      <a:endParaRPr lang="is-IS" sz="2000" b="0" i="0" u="none" strike="noStrike" dirty="0">
+                        <a:solidFill>
+                          <a:srgbClr val="000000"/>
+                        </a:solidFill>
+                        <a:effectLst/>
+                        <a:latin typeface="Arial" charset="0"/>
+                        <a:ea typeface="Arial" charset="0"/>
+                        <a:cs typeface="Arial" charset="0"/>
+                      </a:endParaRPr>
+                    </a:p>
+                  </a:txBody>
+                  <a:tcPr marL="6350" marR="6350" marT="6350" marB="0" anchor="b"/>
+                </a:tc>
+              </a:tr>
+              <a:tr h="412266">
+                <a:tc>
+                  <a:txBody>
+                    <a:bodyPr/>
+                    <a:lstStyle/>
+                    <a:p>
+                      <a:pPr algn="l" fontAlgn="b"/>
+                      <a:r>
+                        <a:rPr lang="en-US" sz="2000" u="none" strike="noStrike">
+                          <a:effectLst/>
+                          <a:latin typeface="Arial" charset="0"/>
+                          <a:ea typeface="Arial" charset="0"/>
+                          <a:cs typeface="Arial" charset="0"/>
+                        </a:rPr>
+                        <a:t>Marketing Contribution (K$)</a:t>
+                      </a:r>
+                      <a:endParaRPr lang="en-US" sz="2000" b="0" i="0" u="none" strike="noStrike">
+                        <a:solidFill>
+                          <a:srgbClr val="000000"/>
+                        </a:solidFill>
+                        <a:effectLst/>
+                        <a:latin typeface="Arial" charset="0"/>
+                        <a:ea typeface="Arial" charset="0"/>
+                        <a:cs typeface="Arial" charset="0"/>
+                      </a:endParaRPr>
+                    </a:p>
+                  </a:txBody>
+                  <a:tcPr marL="6350" marR="6350" marT="6350" marB="0" anchor="b"/>
+                </a:tc>
+                <a:tc>
+                  <a:txBody>
+                    <a:bodyPr/>
+                    <a:lstStyle/>
+                    <a:p>
+                      <a:pPr algn="r" fontAlgn="b"/>
+                      <a:endParaRPr lang="fi-FI" sz="2000" b="0" i="0" u="none" strike="noStrike" dirty="0">
+                        <a:solidFill>
+                          <a:srgbClr val="000000"/>
+                        </a:solidFill>
+                        <a:effectLst/>
+                        <a:latin typeface="Arial" charset="0"/>
+                        <a:ea typeface="Arial" charset="0"/>
+                        <a:cs typeface="Arial" charset="0"/>
+                      </a:endParaRPr>
+                    </a:p>
+                  </a:txBody>
+                  <a:tcPr marL="6350" marR="6350" marT="6350" marB="0" anchor="b"/>
+                </a:tc>
+              </a:tr>
+              <a:tr h="412266">
+                <a:tc>
+                  <a:txBody>
+                    <a:bodyPr/>
+                    <a:lstStyle/>
+                    <a:p>
+                      <a:pPr algn="l" fontAlgn="b"/>
+                      <a:r>
+                        <a:rPr lang="en-US" sz="2000" u="none" strike="noStrike">
+                          <a:effectLst/>
+                          <a:latin typeface="Arial" charset="0"/>
+                          <a:ea typeface="Arial" charset="0"/>
+                          <a:cs typeface="Arial" charset="0"/>
+                        </a:rPr>
+                        <a:t>Marketing Contribution (# Oppty)</a:t>
+                      </a:r>
+                      <a:endParaRPr lang="en-US" sz="2000" b="0" i="0" u="none" strike="noStrike">
+                        <a:solidFill>
+                          <a:srgbClr val="000000"/>
+                        </a:solidFill>
+                        <a:effectLst/>
+                        <a:latin typeface="Arial" charset="0"/>
+                        <a:ea typeface="Arial" charset="0"/>
+                        <a:cs typeface="Arial" charset="0"/>
+                      </a:endParaRPr>
+                    </a:p>
+                  </a:txBody>
+                  <a:tcPr marL="6350" marR="6350" marT="6350" marB="0" anchor="b"/>
+                </a:tc>
+                <a:tc>
+                  <a:txBody>
+                    <a:bodyPr/>
+                    <a:lstStyle/>
+                    <a:p>
+                      <a:pPr algn="r" fontAlgn="b"/>
+                      <a:endParaRPr lang="is-IS" sz="2000" b="0" i="0" u="none" strike="noStrike" dirty="0">
+                        <a:solidFill>
+                          <a:srgbClr val="000000"/>
+                        </a:solidFill>
+                        <a:effectLst/>
+                        <a:latin typeface="Arial" charset="0"/>
+                        <a:ea typeface="Arial" charset="0"/>
+                        <a:cs typeface="Arial" charset="0"/>
+                      </a:endParaRPr>
+                    </a:p>
+                  </a:txBody>
+                  <a:tcPr marL="6350" marR="6350" marT="6350" marB="0" anchor="b"/>
+                </a:tc>
+              </a:tr>
+            </a:tbl>
+          </a:graphicData>
+        </a:graphic>
+      </p:graphicFrame>
+      <p:sp>
+        <p:nvSpPr>
+          <p:cNvPr id="2" name="Title 1"/>
+          <p:cNvSpPr>
+            <a:spLocks noGrp="1"/>
+          </p:cNvSpPr>
+          <p:nvPr>
+            <p:ph type="title"/>
+          </p:nvPr>
+        </p:nvSpPr>
+        <p:spPr>
+          <a:xfrm>
+            <a:off x="322023" y="328628"/>
+            <a:ext cx="11426632" cy="605294"/>
+          </a:xfrm>
+        </p:spPr>
+        <p:txBody>
+          <a:bodyPr/>
+          <a:lstStyle/>
+          <a:p>
+            <a:r>
+              <a:rPr lang="en-US" altLang="ja-JP" sz="3200" b="1" dirty="0" smtClean="0">
+                <a:solidFill>
+                  <a:srgbClr val="00B0F0"/>
+                </a:solidFill>
+                <a:latin typeface="Arial" charset="0"/>
+                <a:ea typeface="Arial" charset="0"/>
+                <a:cs typeface="Arial" charset="0"/>
+              </a:rPr>
+              <a:t>2017 Japan Revenue </a:t>
+            </a:r>
+            <a:r>
+              <a:rPr lang="en-US" altLang="ja-JP" sz="3200" b="1" dirty="0">
+                <a:solidFill>
+                  <a:srgbClr val="00B0F0"/>
+                </a:solidFill>
+                <a:latin typeface="Arial" charset="0"/>
+                <a:ea typeface="Arial" charset="0"/>
+                <a:cs typeface="Arial" charset="0"/>
+              </a:rPr>
+              <a:t>Target </a:t>
+            </a:r>
+            <a:r>
+              <a:rPr lang="en-US" altLang="ja-JP" sz="3200" b="1" dirty="0" smtClean="0">
+                <a:solidFill>
+                  <a:srgbClr val="00B0F0"/>
+                </a:solidFill>
+                <a:latin typeface="Arial" charset="0"/>
+                <a:ea typeface="Arial" charset="0"/>
+                <a:cs typeface="Arial" charset="0"/>
+              </a:rPr>
+              <a:t>&amp; Marketing </a:t>
+            </a:r>
+            <a:r>
+              <a:rPr lang="en-US" altLang="ja-JP" sz="3200" b="1" dirty="0">
+                <a:solidFill>
+                  <a:srgbClr val="00B0F0"/>
+                </a:solidFill>
+                <a:latin typeface="Arial" charset="0"/>
+                <a:ea typeface="Arial" charset="0"/>
+                <a:cs typeface="Arial" charset="0"/>
+              </a:rPr>
+              <a:t>Contribution</a:t>
+            </a:r>
+            <a:endParaRPr lang="en-US" altLang="ja-JP" sz="3200" b="1" dirty="0">
+              <a:solidFill>
+                <a:srgbClr val="00B0F0"/>
+              </a:solidFill>
+              <a:latin typeface="Arial" charset="0"/>
+              <a:ea typeface="Arial" charset="0"/>
+              <a:cs typeface="Arial" charset="0"/>
+            </a:endParaRPr>
+          </a:p>
+        </p:txBody>
+      </p:sp>
+      <p:sp>
+        <p:nvSpPr>
+          <p:cNvPr id="6" name="Rectangle 9"/>
+          <p:cNvSpPr/>
+          <p:nvPr/>
+        </p:nvSpPr>
+        <p:spPr>
+          <a:xfrm>
+            <a:off x="11647754" y="6596555"/>
+            <a:ext cx="410749" cy="138499"/>
+          </a:xfrm>
+          <a:prstGeom prst="rect">
+            <a:avLst/>
+          </a:prstGeom>
+        </p:spPr>
+        <p:txBody>
+          <a:bodyPr wrap="square" lIns="0" tIns="0" rIns="0" bIns="0">
+            <a:spAutoFit/>
+          </a:bodyPr>
+          <a:lstStyle/>
+          <a:p>
+            <a:fld id="{655362CE-4ABE-4CB4-8947-B1242CDD9D94}" type="slidenum">
+              <a:rPr kumimoji="0" lang="en-US" sz="900" smtClean="0">
+                <a:solidFill>
+                  <a:srgbClr val="5A5A5A"/>
+                </a:solidFill>
+                <a:latin typeface="Arial" charset="0"/>
+                <a:ea typeface="Arial" charset="0"/>
+                <a:cs typeface="Arial" charset="0"/>
+              </a:rPr>
+              <a:pPr/>
+              <a:t>6</a:t>
+            </a:fld>
+            <a:endParaRPr kumimoji="0" lang="en-US" sz="900" dirty="0">
+              <a:solidFill>
+                <a:srgbClr val="5A5A5A"/>
+              </a:solidFill>
+              <a:latin typeface="Arial" charset="0"/>
+              <a:ea typeface="Arial" charset="0"/>
+              <a:cs typeface="Arial" charset="0"/>
+            </a:endParaRPr>
+          </a:p>
+        </p:txBody>
+      </p:sp>
+      <p:sp>
+        <p:nvSpPr>
+          <p:cNvPr id="7" name="Rectangle 14"/>
+          <p:cNvSpPr/>
+          <p:nvPr/>
+        </p:nvSpPr>
+        <p:spPr>
+          <a:xfrm>
+            <a:off x="11291779" y="6596555"/>
+            <a:ext cx="380848" cy="138499"/>
+          </a:xfrm>
+          <a:prstGeom prst="rect">
+            <a:avLst/>
+          </a:prstGeom>
+        </p:spPr>
+        <p:txBody>
+          <a:bodyPr wrap="square" lIns="0" tIns="0" rIns="0" bIns="0">
+            <a:spAutoFit/>
+          </a:bodyPr>
+          <a:lstStyle/>
+          <a:p>
+            <a:r>
+              <a:rPr kumimoji="0" lang="en-US" sz="900" dirty="0" smtClean="0">
+                <a:solidFill>
+                  <a:srgbClr val="5A5A5A"/>
+                </a:solidFill>
+                <a:latin typeface="Arial" charset="0"/>
+                <a:ea typeface="Arial" charset="0"/>
+                <a:cs typeface="Arial" charset="0"/>
+              </a:rPr>
+              <a:t>Page</a:t>
+            </a:r>
+            <a:endParaRPr kumimoji="0" lang="en-US" sz="900" dirty="0">
+              <a:solidFill>
+                <a:srgbClr val="5A5A5A"/>
+              </a:solidFill>
+              <a:latin typeface="Arial" charset="0"/>
+              <a:ea typeface="Arial" charset="0"/>
+              <a:cs typeface="Arial" charset="0"/>
+            </a:endParaRPr>
+          </a:p>
+        </p:txBody>
+      </p:sp>
+      <p:sp>
+        <p:nvSpPr>
+          <p:cNvPr id="8" name="Rectangle 9"/>
+          <p:cNvSpPr/>
+          <p:nvPr/>
+        </p:nvSpPr>
+        <p:spPr>
+          <a:xfrm>
+            <a:off x="11800154" y="6748955"/>
+            <a:ext cx="410749" cy="138499"/>
+          </a:xfrm>
+          <a:prstGeom prst="rect">
+            <a:avLst/>
+          </a:prstGeom>
+        </p:spPr>
+        <p:txBody>
+          <a:bodyPr wrap="square" lIns="0" tIns="0" rIns="0" bIns="0">
+            <a:spAutoFit/>
+          </a:bodyPr>
+          <a:lstStyle/>
+          <a:p>
+            <a:fld id="{655362CE-4ABE-4CB4-8947-B1242CDD9D94}" type="slidenum">
+              <a:rPr kumimoji="0" lang="en-US" sz="900" smtClean="0">
+                <a:solidFill>
+                  <a:srgbClr val="5A5A5A"/>
+                </a:solidFill>
+                <a:latin typeface="Arial" charset="0"/>
+                <a:ea typeface="Arial" charset="0"/>
+                <a:cs typeface="Arial" charset="0"/>
+              </a:rPr>
+              <a:pPr/>
+              <a:t>6</a:t>
+            </a:fld>
+            <a:endParaRPr kumimoji="0" lang="en-US" sz="900" dirty="0">
+              <a:solidFill>
+                <a:srgbClr val="5A5A5A"/>
+              </a:solidFill>
+              <a:latin typeface="Arial" charset="0"/>
+              <a:ea typeface="Arial" charset="0"/>
+              <a:cs typeface="Arial" charset="0"/>
+            </a:endParaRPr>
+          </a:p>
+        </p:txBody>
+      </p:sp>
+      <p:sp>
+        <p:nvSpPr>
+          <p:cNvPr id="10" name="角丸四角形 9"/>
+          <p:cNvSpPr/>
+          <p:nvPr/>
+        </p:nvSpPr>
+        <p:spPr>
+          <a:xfrm rot="20584952">
+            <a:off x="4524411" y="3801293"/>
+            <a:ext cx="3511296" cy="716526"/>
+          </a:xfrm>
+          <a:prstGeom prst="roundRect">
+            <a:avLst/>
+          </a:prstGeom>
+          <a:solidFill>
+            <a:schemeClr val="accent2"/>
+          </a:solidFill>
+          <a:ln>
+            <a:noFill/>
+          </a:ln>
+        </p:spPr>
+        <p:style>
+          <a:lnRef idx="2">
+            <a:schemeClr val="accent1">
+              <a:shade val="50000"/>
+            </a:schemeClr>
+          </a:lnRef>
+          <a:fillRef idx="1">
+            <a:schemeClr val="accent1"/>
+          </a:fillRef>
+          <a:effectRef idx="0">
+            <a:schemeClr val="accent1"/>
+          </a:effectRef>
+          <a:fontRef idx="minor">
+            <a:schemeClr val="lt1"/>
+          </a:fontRef>
+        </p:style>
+        <p:txBody>
+          <a:bodyPr rtlCol="0" anchor="ctr"/>
+          <a:lstStyle/>
+          <a:p>
+            <a:pPr algn="ctr"/>
+            <a:r>
+              <a:rPr kumimoji="1" lang="en-US" altLang="ja-JP" sz="2800" dirty="0" smtClean="0">
+                <a:latin typeface="Arial" charset="0"/>
+                <a:ea typeface="Arial" charset="0"/>
+                <a:cs typeface="Arial" charset="0"/>
+              </a:rPr>
+              <a:t>WIP</a:t>
+            </a:r>
+            <a:endParaRPr kumimoji="1" lang="ja-JP" altLang="en-US" sz="2800" dirty="0">
+              <a:latin typeface="Arial" charset="0"/>
+              <a:ea typeface="Arial" charset="0"/>
+              <a:cs typeface="Arial" charset="0"/>
+            </a:endParaRPr>
+          </a:p>
+        </p:txBody>
+      </p:sp>
+    </p:spTree>
+    <p:extLst>
+      <p:ext uri="{BB962C8B-B14F-4D97-AF65-F5344CB8AC3E}">
+        <p14:creationId xmlns:p14="http://schemas.microsoft.com/office/powerpoint/2010/main" val="841811139"/>
+      </p:ext>
+    </p:extLst>
+  </p:cSld>
+  <p:clrMapOvr>
+    <a:masterClrMapping/>
+  </p:clrMapOvr>
+  <p:timing>
+    <p:tnLst>
+      <p:par>
+        <p:cTn id="1" dur="indefinite" restart="never" nodeType="tmRoot"/>
+      </p:par>
+    </p:tnLst>
+  </p:timing>
+</p:sld>
+</file>
+
+<file path=ppt/slides/slide7.xml><?xml version="1.0" encoding="utf-8"?>
+<p:sld xmlns:a="http://schemas.openxmlformats.org/drawingml/2006/main" xmlns:r="http://schemas.openxmlformats.org/officeDocument/2006/relationships" xmlns:p="http://schemas.openxmlformats.org/presentationml/2006/main">
+  <p:cSld>
+    <p:spTree>
+      <p:nvGrpSpPr>
+        <p:cNvPr id="1" name=""/>
+        <p:cNvGrpSpPr/>
+        <p:nvPr/>
+      </p:nvGrpSpPr>
+      <p:grpSpPr>
+        <a:xfrm>
+          <a:off x="0" y="0"/>
+          <a:ext cx="0" cy="0"/>
+          <a:chOff x="0" y="0"/>
+          <a:chExt cx="0" cy="0"/>
+        </a:xfrm>
+      </p:grpSpPr>
+      <p:sp>
+        <p:nvSpPr>
+          <p:cNvPr id="2" name="Title 1"/>
+          <p:cNvSpPr>
+            <a:spLocks noGrp="1"/>
+          </p:cNvSpPr>
+          <p:nvPr>
+            <p:ph type="title"/>
+          </p:nvPr>
+        </p:nvSpPr>
+        <p:spPr>
+          <a:xfrm>
+            <a:off x="322023" y="328627"/>
+            <a:ext cx="11426632" cy="605294"/>
+          </a:xfrm>
+        </p:spPr>
+        <p:txBody>
+          <a:bodyPr/>
+          <a:lstStyle/>
+          <a:p>
+            <a:r>
+              <a:rPr lang="en-US" altLang="ja-JP" sz="3200" b="1" dirty="0" smtClean="0">
+                <a:solidFill>
+                  <a:srgbClr val="00B0F0"/>
+                </a:solidFill>
+                <a:latin typeface="Arial" charset="0"/>
+                <a:ea typeface="Arial" charset="0"/>
+                <a:cs typeface="Arial" charset="0"/>
+              </a:rPr>
+              <a:t>2017Q2 Japan Marketing  Budgeting</a:t>
+            </a:r>
+            <a:endParaRPr lang="en-US" altLang="ja-JP" sz="3200" b="1" dirty="0">
+              <a:solidFill>
+                <a:srgbClr val="00B0F0"/>
+              </a:solidFill>
+              <a:latin typeface="Arial" charset="0"/>
+              <a:ea typeface="Arial" charset="0"/>
+              <a:cs typeface="Arial" charset="0"/>
+            </a:endParaRPr>
+          </a:p>
+        </p:txBody>
+      </p:sp>
+      <p:sp>
+        <p:nvSpPr>
+          <p:cNvPr id="3" name="テキスト ボックス 2"/>
+          <p:cNvSpPr txBox="1"/>
+          <p:nvPr/>
+        </p:nvSpPr>
+        <p:spPr>
+          <a:xfrm>
+            <a:off x="322024" y="2997117"/>
+            <a:ext cx="4445049" cy="297454"/>
+          </a:xfrm>
+          <a:prstGeom prst="rect">
+            <a:avLst/>
+          </a:prstGeom>
+          <a:noFill/>
+        </p:spPr>
+        <p:txBody>
+          <a:bodyPr wrap="square" rtlCol="0">
+            <a:spAutoFit/>
+          </a:bodyPr>
+          <a:lstStyle/>
+          <a:p>
+            <a:r>
+              <a:rPr lang="en-US" altLang="ja-JP" sz="1333" b="1" dirty="0">
+                <a:solidFill>
+                  <a:schemeClr val="bg1"/>
+                </a:solidFill>
+              </a:rPr>
+              <a:t>1Q2017 </a:t>
+            </a:r>
+            <a:r>
+              <a:rPr lang="en-US" altLang="ja-JP" sz="1333" b="1" dirty="0">
+                <a:solidFill>
+                  <a:schemeClr val="bg1"/>
+                </a:solidFill>
+              </a:rPr>
+              <a:t>Cloud Program Framework Budget Plan</a:t>
+            </a:r>
+            <a:endParaRPr lang="ja-JP" altLang="en-US" sz="1333" b="1" dirty="0">
+              <a:solidFill>
+                <a:schemeClr val="bg1"/>
+              </a:solidFill>
+            </a:endParaRPr>
+          </a:p>
+        </p:txBody>
+      </p:sp>
+      <p:sp>
+        <p:nvSpPr>
+          <p:cNvPr id="6" name="テキスト ボックス 5"/>
+          <p:cNvSpPr txBox="1"/>
+          <p:nvPr/>
+        </p:nvSpPr>
+        <p:spPr>
+          <a:xfrm>
+            <a:off x="322022" y="1051902"/>
+            <a:ext cx="3993945" cy="297454"/>
+          </a:xfrm>
+          <a:prstGeom prst="rect">
+            <a:avLst/>
+          </a:prstGeom>
+          <a:noFill/>
+        </p:spPr>
+        <p:txBody>
+          <a:bodyPr wrap="square" rtlCol="0">
+            <a:spAutoFit/>
+          </a:bodyPr>
+          <a:lstStyle/>
+          <a:p>
+            <a:r>
+              <a:rPr lang="en-US" altLang="ja-JP" sz="1333" b="1" dirty="0">
+                <a:solidFill>
+                  <a:schemeClr val="bg1"/>
+                </a:solidFill>
+              </a:rPr>
+              <a:t>2017 Cloud Ad Spending Plan</a:t>
+            </a:r>
+            <a:endParaRPr lang="ja-JP" altLang="en-US" sz="1333" b="1" dirty="0">
+              <a:solidFill>
+                <a:schemeClr val="bg1"/>
+              </a:solidFill>
+            </a:endParaRPr>
+          </a:p>
+        </p:txBody>
+      </p:sp>
+      <p:graphicFrame>
+        <p:nvGraphicFramePr>
+          <p:cNvPr id="5" name="表 4"/>
+          <p:cNvGraphicFramePr>
+            <a:graphicFrameLocks noGrp="1"/>
+          </p:cNvGraphicFramePr>
+          <p:nvPr>
+            <p:extLst>
+              <p:ext uri="{D42A27DB-BD31-4B8C-83A1-F6EECF244321}">
+                <p14:modId xmlns:p14="http://schemas.microsoft.com/office/powerpoint/2010/main" val="765839796"/>
+              </p:ext>
+            </p:extLst>
+          </p:nvPr>
+        </p:nvGraphicFramePr>
+        <p:xfrm>
+          <a:off x="322023" y="2000804"/>
+          <a:ext cx="6674200" cy="3580130"/>
+        </p:xfrm>
+        <a:graphic>
+          <a:graphicData uri="http://schemas.openxmlformats.org/drawingml/2006/table">
+            <a:tbl>
+              <a:tblPr/>
+              <a:tblGrid>
+                <a:gridCol w="3834370"/>
+                <a:gridCol w="1543897"/>
+                <a:gridCol w="1295933"/>
+              </a:tblGrid>
+              <a:tr h="419100">
+                <a:tc>
+                  <a:txBody>
+                    <a:bodyPr/>
+                    <a:lstStyle/>
+                    <a:p>
+                      <a:pPr algn="ctr" rtl="0" fontAlgn="ctr"/>
+                      <a:r>
+                        <a:rPr lang="en-US" sz="1400" b="1" i="0" u="none" strike="noStrike" dirty="0">
+                          <a:solidFill>
+                            <a:srgbClr val="5A5A5A"/>
+                          </a:solidFill>
+                          <a:effectLst/>
+                          <a:latin typeface="Arial" charset="0"/>
+                          <a:ea typeface="Arial" charset="0"/>
+                          <a:cs typeface="Arial" charset="0"/>
+                        </a:rPr>
+                        <a:t>Category Details</a:t>
+                      </a:r>
+                    </a:p>
+                  </a:txBody>
+                  <a:tcPr marL="6350" marR="6350" marT="6350" marB="0" anchor="ctr">
+                    <a:lnL w="12700" cap="flat" cmpd="sng" algn="ctr">
+                      <a:solidFill>
+                        <a:srgbClr val="5A5A5A"/>
+                      </a:solidFill>
+                      <a:prstDash val="solid"/>
+                      <a:round/>
+                      <a:headEnd type="none" w="med" len="med"/>
+                      <a:tailEnd type="none" w="med" len="med"/>
+                    </a:lnL>
+                    <a:lnR w="12700" cap="flat" cmpd="sng" algn="ctr">
+                      <a:solidFill>
+                        <a:srgbClr val="5A5A5A"/>
+                      </a:solidFill>
+                      <a:prstDash val="solid"/>
+                      <a:round/>
+                      <a:headEnd type="none" w="med" len="med"/>
+                      <a:tailEnd type="none" w="med" len="med"/>
+                    </a:lnR>
+                    <a:lnT w="12700" cap="flat" cmpd="sng" algn="ctr">
+                      <a:solidFill>
+                        <a:srgbClr val="5A5A5A"/>
+                      </a:solidFill>
+                      <a:prstDash val="solid"/>
+                      <a:round/>
+                      <a:headEnd type="none" w="med" len="med"/>
+                      <a:tailEnd type="none" w="med" len="med"/>
+                    </a:lnT>
+                    <a:lnB w="19050" cap="flat" cmpd="sng" algn="ctr">
+                      <a:solidFill>
+                        <a:srgbClr val="5A5A5A"/>
+                      </a:solidFill>
+                      <a:prstDash val="solid"/>
+                      <a:round/>
+                      <a:headEnd type="none" w="med" len="med"/>
+                      <a:tailEnd type="none" w="med" len="med"/>
+                    </a:lnB>
+                    <a:solidFill>
+                      <a:srgbClr val="C8D2D2"/>
+                    </a:solidFill>
+                  </a:tcPr>
+                </a:tc>
+                <a:tc>
+                  <a:txBody>
+                    <a:bodyPr/>
+                    <a:lstStyle/>
+                    <a:p>
+                      <a:pPr algn="ctr" rtl="0" fontAlgn="ctr"/>
+                      <a:r>
+                        <a:rPr lang="en-US" sz="1400" b="1" i="0" u="none" strike="noStrike" dirty="0">
+                          <a:solidFill>
+                            <a:srgbClr val="5A5A5A"/>
+                          </a:solidFill>
+                          <a:effectLst/>
+                          <a:latin typeface="Arial" charset="0"/>
+                          <a:ea typeface="Arial" charset="0"/>
+                          <a:cs typeface="Arial" charset="0"/>
+                        </a:rPr>
+                        <a:t>2Q Budget</a:t>
+                      </a:r>
+                      <a:br>
+                        <a:rPr lang="en-US" sz="1400" b="1" i="0" u="none" strike="noStrike" dirty="0">
+                          <a:solidFill>
+                            <a:srgbClr val="5A5A5A"/>
+                          </a:solidFill>
+                          <a:effectLst/>
+                          <a:latin typeface="Arial" charset="0"/>
+                          <a:ea typeface="Arial" charset="0"/>
+                          <a:cs typeface="Arial" charset="0"/>
+                        </a:rPr>
+                      </a:br>
+                      <a:r>
+                        <a:rPr lang="en-US" sz="1400" b="1" i="0" u="none" strike="noStrike" dirty="0">
+                          <a:solidFill>
+                            <a:srgbClr val="5A5A5A"/>
+                          </a:solidFill>
+                          <a:effectLst/>
+                          <a:latin typeface="Arial" charset="0"/>
+                          <a:ea typeface="Arial" charset="0"/>
+                          <a:cs typeface="Arial" charset="0"/>
+                        </a:rPr>
+                        <a:t>($K)</a:t>
+                      </a:r>
+                    </a:p>
+                  </a:txBody>
+                  <a:tcPr marL="6350" marR="6350" marT="6350" marB="0" anchor="ctr">
+                    <a:lnL w="12700" cap="flat" cmpd="sng" algn="ctr">
+                      <a:solidFill>
+                        <a:srgbClr val="5A5A5A"/>
+                      </a:solidFill>
+                      <a:prstDash val="solid"/>
+                      <a:round/>
+                      <a:headEnd type="none" w="med" len="med"/>
+                      <a:tailEnd type="none" w="med" len="med"/>
+                    </a:lnL>
+                    <a:lnR w="12700" cap="flat" cmpd="sng" algn="ctr">
+                      <a:solidFill>
+                        <a:srgbClr val="5A5A5A"/>
+                      </a:solidFill>
+                      <a:prstDash val="solid"/>
+                      <a:round/>
+                      <a:headEnd type="none" w="med" len="med"/>
+                      <a:tailEnd type="none" w="med" len="med"/>
+                    </a:lnR>
+                    <a:lnT w="12700" cap="flat" cmpd="sng" algn="ctr">
+                      <a:solidFill>
+                        <a:srgbClr val="5A5A5A"/>
+                      </a:solidFill>
+                      <a:prstDash val="solid"/>
+                      <a:round/>
+                      <a:headEnd type="none" w="med" len="med"/>
+                      <a:tailEnd type="none" w="med" len="med"/>
+                    </a:lnT>
+                    <a:lnB w="19050" cap="flat" cmpd="sng" algn="ctr">
+                      <a:solidFill>
+                        <a:srgbClr val="5A5A5A"/>
+                      </a:solidFill>
+                      <a:prstDash val="solid"/>
+                      <a:round/>
+                      <a:headEnd type="none" w="med" len="med"/>
+                      <a:tailEnd type="none" w="med" len="med"/>
+                    </a:lnB>
+                    <a:solidFill>
+                      <a:srgbClr val="C8D2D2"/>
+                    </a:solidFill>
+                  </a:tcPr>
+                </a:tc>
+                <a:tc>
+                  <a:txBody>
+                    <a:bodyPr/>
+                    <a:lstStyle/>
+                    <a:p>
+                      <a:pPr algn="ctr" rtl="0" fontAlgn="ctr"/>
+                      <a:r>
+                        <a:rPr lang="en-US" sz="1400" b="1" i="0" u="none" strike="noStrike" dirty="0">
+                          <a:solidFill>
+                            <a:srgbClr val="5A5A5A"/>
+                          </a:solidFill>
+                          <a:effectLst/>
+                          <a:latin typeface="Arial" charset="0"/>
+                          <a:ea typeface="Arial" charset="0"/>
+                          <a:cs typeface="Arial" charset="0"/>
+                        </a:rPr>
+                        <a:t>Portion</a:t>
+                      </a:r>
+                    </a:p>
+                  </a:txBody>
+                  <a:tcPr marL="6350" marR="6350" marT="6350" marB="0" anchor="ctr">
+                    <a:lnL w="12700" cap="flat" cmpd="sng" algn="ctr">
+                      <a:solidFill>
+                        <a:srgbClr val="5A5A5A"/>
+                      </a:solidFill>
+                      <a:prstDash val="solid"/>
+                      <a:round/>
+                      <a:headEnd type="none" w="med" len="med"/>
+                      <a:tailEnd type="none" w="med" len="med"/>
+                    </a:lnL>
+                    <a:lnR w="12700" cap="flat" cmpd="sng" algn="ctr">
+                      <a:solidFill>
+                        <a:srgbClr val="5A5A5A"/>
+                      </a:solidFill>
+                      <a:prstDash val="solid"/>
+                      <a:round/>
+                      <a:headEnd type="none" w="med" len="med"/>
+                      <a:tailEnd type="none" w="med" len="med"/>
+                    </a:lnR>
+                    <a:lnT w="12700" cap="flat" cmpd="sng" algn="ctr">
+                      <a:solidFill>
+                        <a:srgbClr val="5A5A5A"/>
+                      </a:solidFill>
+                      <a:prstDash val="solid"/>
+                      <a:round/>
+                      <a:headEnd type="none" w="med" len="med"/>
+                      <a:tailEnd type="none" w="med" len="med"/>
+                    </a:lnT>
+                    <a:lnB w="19050" cap="flat" cmpd="sng" algn="ctr">
+                      <a:solidFill>
+                        <a:srgbClr val="5A5A5A"/>
+                      </a:solidFill>
+                      <a:prstDash val="solid"/>
+                      <a:round/>
+                      <a:headEnd type="none" w="med" len="med"/>
+                      <a:tailEnd type="none" w="med" len="med"/>
+                    </a:lnB>
+                    <a:solidFill>
+                      <a:srgbClr val="C8D2D2"/>
+                    </a:solidFill>
+                  </a:tcPr>
+                </a:tc>
+              </a:tr>
+              <a:tr h="203200">
+                <a:tc>
+                  <a:txBody>
+                    <a:bodyPr/>
+                    <a:lstStyle/>
+                    <a:p>
+                      <a:pPr algn="l" rtl="0" fontAlgn="ctr"/>
+                      <a:r>
+                        <a:rPr lang="en-US" sz="1400" b="0" i="0" u="none" strike="noStrike" dirty="0">
+                          <a:solidFill>
+                            <a:srgbClr val="5A5A5A"/>
+                          </a:solidFill>
+                          <a:effectLst/>
+                          <a:latin typeface="Arial" charset="0"/>
+                          <a:ea typeface="Arial" charset="0"/>
+                          <a:cs typeface="Arial" charset="0"/>
+                        </a:rPr>
+                        <a:t>SEM, MTI</a:t>
+                      </a:r>
+                    </a:p>
+                  </a:txBody>
+                  <a:tcPr marL="6350" marR="6350" marT="6350" marB="0" anchor="ctr">
+                    <a:lnL w="12700" cap="flat" cmpd="sng" algn="ctr">
+                      <a:solidFill>
+                        <a:srgbClr val="5A5A5A"/>
+                      </a:solidFill>
+                      <a:prstDash val="solid"/>
+                      <a:round/>
+                      <a:headEnd type="none" w="med" len="med"/>
+                      <a:tailEnd type="none" w="med" len="med"/>
+                    </a:lnL>
+                    <a:lnR w="12700" cap="flat" cmpd="sng" algn="ctr">
+                      <a:solidFill>
+                        <a:srgbClr val="5A5A5A"/>
+                      </a:solidFill>
+                      <a:prstDash val="solid"/>
+                      <a:round/>
+                      <a:headEnd type="none" w="med" len="med"/>
+                      <a:tailEnd type="none" w="med" len="med"/>
+                    </a:lnR>
+                    <a:lnT w="19050" cap="flat" cmpd="sng" algn="ctr">
+                      <a:solidFill>
+                        <a:srgbClr val="5A5A5A"/>
+                      </a:solidFill>
+                      <a:prstDash val="solid"/>
+                      <a:round/>
+                      <a:headEnd type="none" w="med" len="med"/>
+                      <a:tailEnd type="none" w="med" len="med"/>
+                    </a:lnT>
+                    <a:lnB w="12700" cap="flat" cmpd="sng" algn="ctr">
+                      <a:solidFill>
+                        <a:srgbClr val="5A5A5A"/>
+                      </a:solidFill>
+                      <a:prstDash val="solid"/>
+                      <a:round/>
+                      <a:headEnd type="none" w="med" len="med"/>
+                      <a:tailEnd type="none" w="med" len="med"/>
+                    </a:lnB>
+                    <a:solidFill>
+                      <a:srgbClr val="EBEEEE"/>
+                    </a:solidFill>
+                  </a:tcPr>
+                </a:tc>
+                <a:tc>
+                  <a:txBody>
+                    <a:bodyPr/>
+                    <a:lstStyle/>
+                    <a:p>
+                      <a:pPr algn="r" rtl="0" fontAlgn="ctr"/>
+                      <a:r>
+                        <a:rPr lang="is-IS" sz="1400" b="0" i="0" u="none" strike="noStrike">
+                          <a:solidFill>
+                            <a:srgbClr val="5A5A5A"/>
+                          </a:solidFill>
+                          <a:effectLst/>
+                          <a:latin typeface="Arial" charset="0"/>
+                          <a:ea typeface="Arial" charset="0"/>
+                          <a:cs typeface="Arial" charset="0"/>
+                        </a:rPr>
+                        <a:t>13 </a:t>
+                      </a:r>
+                    </a:p>
+                  </a:txBody>
+                  <a:tcPr marL="6350" marR="6350" marT="6350" marB="0" anchor="ctr">
+                    <a:lnL w="12700" cap="flat" cmpd="sng" algn="ctr">
+                      <a:solidFill>
+                        <a:srgbClr val="5A5A5A"/>
+                      </a:solidFill>
+                      <a:prstDash val="solid"/>
+                      <a:round/>
+                      <a:headEnd type="none" w="med" len="med"/>
+                      <a:tailEnd type="none" w="med" len="med"/>
+                    </a:lnL>
+                    <a:lnR w="12700" cap="flat" cmpd="sng" algn="ctr">
+                      <a:solidFill>
+                        <a:srgbClr val="5A5A5A"/>
+                      </a:solidFill>
+                      <a:prstDash val="solid"/>
+                      <a:round/>
+                      <a:headEnd type="none" w="med" len="med"/>
+                      <a:tailEnd type="none" w="med" len="med"/>
+                    </a:lnR>
+                    <a:lnT w="19050" cap="flat" cmpd="sng" algn="ctr">
+                      <a:solidFill>
+                        <a:srgbClr val="5A5A5A"/>
+                      </a:solidFill>
+                      <a:prstDash val="solid"/>
+                      <a:round/>
+                      <a:headEnd type="none" w="med" len="med"/>
+                      <a:tailEnd type="none" w="med" len="med"/>
+                    </a:lnT>
+                    <a:lnB w="12700" cap="flat" cmpd="sng" algn="ctr">
+                      <a:solidFill>
+                        <a:srgbClr val="5A5A5A"/>
+                      </a:solidFill>
+                      <a:prstDash val="solid"/>
+                      <a:round/>
+                      <a:headEnd type="none" w="med" len="med"/>
+                      <a:tailEnd type="none" w="med" len="med"/>
+                    </a:lnB>
+                    <a:solidFill>
+                      <a:srgbClr val="EBEEEE"/>
+                    </a:solidFill>
+                  </a:tcPr>
+                </a:tc>
+                <a:tc>
+                  <a:txBody>
+                    <a:bodyPr/>
+                    <a:lstStyle/>
+                    <a:p>
+                      <a:pPr algn="r" rtl="0" fontAlgn="ctr"/>
+                      <a:r>
+                        <a:rPr lang="mr-IN" sz="1400" b="0" i="0" u="none" strike="noStrike">
+                          <a:solidFill>
+                            <a:srgbClr val="5A5A5A"/>
+                          </a:solidFill>
+                          <a:effectLst/>
+                          <a:latin typeface="Arial" charset="0"/>
+                          <a:ea typeface="Arial" charset="0"/>
+                          <a:cs typeface="Arial" charset="0"/>
+                        </a:rPr>
+                        <a:t>5%</a:t>
+                      </a:r>
+                    </a:p>
+                  </a:txBody>
+                  <a:tcPr marL="6350" marR="6350" marT="6350" marB="0" anchor="ctr">
+                    <a:lnL w="12700" cap="flat" cmpd="sng" algn="ctr">
+                      <a:solidFill>
+                        <a:srgbClr val="5A5A5A"/>
+                      </a:solidFill>
+                      <a:prstDash val="solid"/>
+                      <a:round/>
+                      <a:headEnd type="none" w="med" len="med"/>
+                      <a:tailEnd type="none" w="med" len="med"/>
+                    </a:lnL>
+                    <a:lnR w="12700" cap="flat" cmpd="sng" algn="ctr">
+                      <a:solidFill>
+                        <a:srgbClr val="5A5A5A"/>
+                      </a:solidFill>
+                      <a:prstDash val="solid"/>
+                      <a:round/>
+                      <a:headEnd type="none" w="med" len="med"/>
+                      <a:tailEnd type="none" w="med" len="med"/>
+                    </a:lnR>
+                    <a:lnT w="19050" cap="flat" cmpd="sng" algn="ctr">
+                      <a:solidFill>
+                        <a:srgbClr val="5A5A5A"/>
+                      </a:solidFill>
+                      <a:prstDash val="solid"/>
+                      <a:round/>
+                      <a:headEnd type="none" w="med" len="med"/>
+                      <a:tailEnd type="none" w="med" len="med"/>
+                    </a:lnT>
+                    <a:lnB w="12700" cap="flat" cmpd="sng" algn="ctr">
+                      <a:solidFill>
+                        <a:srgbClr val="5A5A5A"/>
+                      </a:solidFill>
+                      <a:prstDash val="solid"/>
+                      <a:round/>
+                      <a:headEnd type="none" w="med" len="med"/>
+                      <a:tailEnd type="none" w="med" len="med"/>
+                    </a:lnB>
+                    <a:solidFill>
+                      <a:srgbClr val="EBEEEE"/>
+                    </a:solidFill>
+                  </a:tcPr>
+                </a:tc>
+              </a:tr>
+              <a:tr h="190500">
+                <a:tc>
+                  <a:txBody>
+                    <a:bodyPr/>
+                    <a:lstStyle/>
+                    <a:p>
+                      <a:pPr algn="l" rtl="0" fontAlgn="ctr"/>
+                      <a:r>
+                        <a:rPr lang="en-US" sz="1400" b="0" i="0" u="none" strike="noStrike">
+                          <a:solidFill>
+                            <a:srgbClr val="5A5A5A"/>
+                          </a:solidFill>
+                          <a:effectLst/>
+                          <a:latin typeface="Arial" charset="0"/>
+                          <a:ea typeface="Arial" charset="0"/>
+                          <a:cs typeface="Arial" charset="0"/>
+                        </a:rPr>
+                        <a:t>Facebook, Facebook Ad, Social Article</a:t>
+                      </a:r>
+                    </a:p>
+                  </a:txBody>
+                  <a:tcPr marL="6350" marR="6350" marT="6350" marB="0" anchor="ctr">
+                    <a:lnL w="12700" cap="flat" cmpd="sng" algn="ctr">
+                      <a:solidFill>
+                        <a:srgbClr val="5A5A5A"/>
+                      </a:solidFill>
+                      <a:prstDash val="solid"/>
+                      <a:round/>
+                      <a:headEnd type="none" w="med" len="med"/>
+                      <a:tailEnd type="none" w="med" len="med"/>
+                    </a:lnL>
+                    <a:lnR w="12700" cap="flat" cmpd="sng" algn="ctr">
+                      <a:solidFill>
+                        <a:srgbClr val="5A5A5A"/>
+                      </a:solidFill>
+                      <a:prstDash val="solid"/>
+                      <a:round/>
+                      <a:headEnd type="none" w="med" len="med"/>
+                      <a:tailEnd type="none" w="med" len="med"/>
+                    </a:lnR>
+                    <a:lnT w="12700" cap="flat" cmpd="sng" algn="ctr">
+                      <a:solidFill>
+                        <a:srgbClr val="5A5A5A"/>
+                      </a:solidFill>
+                      <a:prstDash val="solid"/>
+                      <a:round/>
+                      <a:headEnd type="none" w="med" len="med"/>
+                      <a:tailEnd type="none" w="med" len="med"/>
+                    </a:lnT>
+                    <a:lnB w="12700" cap="flat" cmpd="sng" algn="ctr">
+                      <a:solidFill>
+                        <a:srgbClr val="5A5A5A"/>
+                      </a:solidFill>
+                      <a:prstDash val="solid"/>
+                      <a:round/>
+                      <a:headEnd type="none" w="med" len="med"/>
+                      <a:tailEnd type="none" w="med" len="med"/>
+                    </a:lnB>
+                    <a:solidFill>
+                      <a:srgbClr val="EBEEEE"/>
+                    </a:solidFill>
+                  </a:tcPr>
+                </a:tc>
+                <a:tc>
+                  <a:txBody>
+                    <a:bodyPr/>
+                    <a:lstStyle/>
+                    <a:p>
+                      <a:pPr algn="r" rtl="0" fontAlgn="ctr"/>
+                      <a:r>
+                        <a:rPr lang="en-US" altLang="ja-JP" sz="1400" b="0" i="0" u="none" strike="noStrike" dirty="0">
+                          <a:solidFill>
+                            <a:srgbClr val="5A5A5A"/>
+                          </a:solidFill>
+                          <a:effectLst/>
+                          <a:latin typeface="Arial" charset="0"/>
+                          <a:ea typeface="Arial" charset="0"/>
+                          <a:cs typeface="Arial" charset="0"/>
+                        </a:rPr>
+                        <a:t>8 </a:t>
+                      </a:r>
+                    </a:p>
+                  </a:txBody>
+                  <a:tcPr marL="6350" marR="6350" marT="6350" marB="0" anchor="ctr">
+                    <a:lnL w="12700" cap="flat" cmpd="sng" algn="ctr">
+                      <a:solidFill>
+                        <a:srgbClr val="5A5A5A"/>
+                      </a:solidFill>
+                      <a:prstDash val="solid"/>
+                      <a:round/>
+                      <a:headEnd type="none" w="med" len="med"/>
+                      <a:tailEnd type="none" w="med" len="med"/>
+                    </a:lnL>
+                    <a:lnR w="12700" cap="flat" cmpd="sng" algn="ctr">
+                      <a:solidFill>
+                        <a:srgbClr val="5A5A5A"/>
+                      </a:solidFill>
+                      <a:prstDash val="solid"/>
+                      <a:round/>
+                      <a:headEnd type="none" w="med" len="med"/>
+                      <a:tailEnd type="none" w="med" len="med"/>
+                    </a:lnR>
+                    <a:lnT w="12700" cap="flat" cmpd="sng" algn="ctr">
+                      <a:solidFill>
+                        <a:srgbClr val="5A5A5A"/>
+                      </a:solidFill>
+                      <a:prstDash val="solid"/>
+                      <a:round/>
+                      <a:headEnd type="none" w="med" len="med"/>
+                      <a:tailEnd type="none" w="med" len="med"/>
+                    </a:lnT>
+                    <a:lnB w="12700" cap="flat" cmpd="sng" algn="ctr">
+                      <a:solidFill>
+                        <a:srgbClr val="5A5A5A"/>
+                      </a:solidFill>
+                      <a:prstDash val="solid"/>
+                      <a:round/>
+                      <a:headEnd type="none" w="med" len="med"/>
+                      <a:tailEnd type="none" w="med" len="med"/>
+                    </a:lnB>
+                    <a:solidFill>
+                      <a:srgbClr val="EBEEEE"/>
+                    </a:solidFill>
+                  </a:tcPr>
+                </a:tc>
+                <a:tc>
+                  <a:txBody>
+                    <a:bodyPr/>
+                    <a:lstStyle/>
+                    <a:p>
+                      <a:pPr algn="r" rtl="0" fontAlgn="ctr"/>
+                      <a:r>
+                        <a:rPr lang="mr-IN" sz="1400" b="0" i="0" u="none" strike="noStrike">
+                          <a:solidFill>
+                            <a:srgbClr val="5A5A5A"/>
+                          </a:solidFill>
+                          <a:effectLst/>
+                          <a:latin typeface="Arial" charset="0"/>
+                          <a:ea typeface="Arial" charset="0"/>
+                          <a:cs typeface="Arial" charset="0"/>
+                        </a:rPr>
+                        <a:t>3%</a:t>
+                      </a:r>
+                    </a:p>
+                  </a:txBody>
+                  <a:tcPr marL="6350" marR="6350" marT="6350" marB="0" anchor="ctr">
+                    <a:lnL w="12700" cap="flat" cmpd="sng" algn="ctr">
+                      <a:solidFill>
+                        <a:srgbClr val="5A5A5A"/>
+                      </a:solidFill>
+                      <a:prstDash val="solid"/>
+                      <a:round/>
+                      <a:headEnd type="none" w="med" len="med"/>
+                      <a:tailEnd type="none" w="med" len="med"/>
+                    </a:lnL>
+                    <a:lnR w="12700" cap="flat" cmpd="sng" algn="ctr">
+                      <a:solidFill>
+                        <a:srgbClr val="5A5A5A"/>
+                      </a:solidFill>
+                      <a:prstDash val="solid"/>
+                      <a:round/>
+                      <a:headEnd type="none" w="med" len="med"/>
+                      <a:tailEnd type="none" w="med" len="med"/>
+                    </a:lnR>
+                    <a:lnT w="12700" cap="flat" cmpd="sng" algn="ctr">
+                      <a:solidFill>
+                        <a:srgbClr val="5A5A5A"/>
+                      </a:solidFill>
+                      <a:prstDash val="solid"/>
+                      <a:round/>
+                      <a:headEnd type="none" w="med" len="med"/>
+                      <a:tailEnd type="none" w="med" len="med"/>
+                    </a:lnT>
+                    <a:lnB w="12700" cap="flat" cmpd="sng" algn="ctr">
+                      <a:solidFill>
+                        <a:srgbClr val="5A5A5A"/>
+                      </a:solidFill>
+                      <a:prstDash val="solid"/>
+                      <a:round/>
+                      <a:headEnd type="none" w="med" len="med"/>
+                      <a:tailEnd type="none" w="med" len="med"/>
+                    </a:lnB>
+                    <a:solidFill>
+                      <a:srgbClr val="EBEEEE"/>
+                    </a:solidFill>
+                  </a:tcPr>
+                </a:tc>
+              </a:tr>
+              <a:tr h="368300">
+                <a:tc>
+                  <a:txBody>
+                    <a:bodyPr/>
+                    <a:lstStyle/>
+                    <a:p>
+                      <a:pPr algn="l" rtl="0" fontAlgn="ctr"/>
+                      <a:r>
+                        <a:rPr lang="en-US" sz="1400" b="0" i="0" u="none" strike="noStrike">
+                          <a:solidFill>
+                            <a:srgbClr val="5A5A5A"/>
+                          </a:solidFill>
+                          <a:effectLst/>
+                          <a:latin typeface="Arial" charset="0"/>
+                          <a:ea typeface="Arial" charset="0"/>
+                          <a:cs typeface="Arial" charset="0"/>
+                        </a:rPr>
+                        <a:t>3rd Party Media, Web Seminars, Contents Syndication, Banners, SEM, MTI </a:t>
+                      </a:r>
+                    </a:p>
+                  </a:txBody>
+                  <a:tcPr marL="6350" marR="6350" marT="6350" marB="0" anchor="ctr">
+                    <a:lnL w="12700" cap="flat" cmpd="sng" algn="ctr">
+                      <a:solidFill>
+                        <a:srgbClr val="5A5A5A"/>
+                      </a:solidFill>
+                      <a:prstDash val="solid"/>
+                      <a:round/>
+                      <a:headEnd type="none" w="med" len="med"/>
+                      <a:tailEnd type="none" w="med" len="med"/>
+                    </a:lnL>
+                    <a:lnR w="12700" cap="flat" cmpd="sng" algn="ctr">
+                      <a:solidFill>
+                        <a:srgbClr val="5A5A5A"/>
+                      </a:solidFill>
+                      <a:prstDash val="solid"/>
+                      <a:round/>
+                      <a:headEnd type="none" w="med" len="med"/>
+                      <a:tailEnd type="none" w="med" len="med"/>
+                    </a:lnR>
+                    <a:lnT w="12700" cap="flat" cmpd="sng" algn="ctr">
+                      <a:solidFill>
+                        <a:srgbClr val="5A5A5A"/>
+                      </a:solidFill>
+                      <a:prstDash val="solid"/>
+                      <a:round/>
+                      <a:headEnd type="none" w="med" len="med"/>
+                      <a:tailEnd type="none" w="med" len="med"/>
+                    </a:lnT>
+                    <a:lnB w="12700" cap="flat" cmpd="sng" algn="ctr">
+                      <a:solidFill>
+                        <a:srgbClr val="5A5A5A"/>
+                      </a:solidFill>
+                      <a:prstDash val="solid"/>
+                      <a:round/>
+                      <a:headEnd type="none" w="med" len="med"/>
+                      <a:tailEnd type="none" w="med" len="med"/>
+                    </a:lnB>
+                    <a:solidFill>
+                      <a:srgbClr val="F5F7F7"/>
+                    </a:solidFill>
+                  </a:tcPr>
+                </a:tc>
+                <a:tc>
+                  <a:txBody>
+                    <a:bodyPr/>
+                    <a:lstStyle/>
+                    <a:p>
+                      <a:pPr algn="r" rtl="0" fontAlgn="ctr"/>
+                      <a:r>
+                        <a:rPr lang="is-IS" sz="1400" b="0" i="0" u="none" strike="noStrike" dirty="0">
+                          <a:solidFill>
+                            <a:srgbClr val="5A5A5A"/>
+                          </a:solidFill>
+                          <a:effectLst/>
+                          <a:latin typeface="Arial" charset="0"/>
+                          <a:ea typeface="Arial" charset="0"/>
+                          <a:cs typeface="Arial" charset="0"/>
+                        </a:rPr>
+                        <a:t>63 </a:t>
+                      </a:r>
+                    </a:p>
+                  </a:txBody>
+                  <a:tcPr marL="6350" marR="6350" marT="6350" marB="0" anchor="ctr">
+                    <a:lnL w="12700" cap="flat" cmpd="sng" algn="ctr">
+                      <a:solidFill>
+                        <a:srgbClr val="5A5A5A"/>
+                      </a:solidFill>
+                      <a:prstDash val="solid"/>
+                      <a:round/>
+                      <a:headEnd type="none" w="med" len="med"/>
+                      <a:tailEnd type="none" w="med" len="med"/>
+                    </a:lnL>
+                    <a:lnR w="12700" cap="flat" cmpd="sng" algn="ctr">
+                      <a:solidFill>
+                        <a:srgbClr val="5A5A5A"/>
+                      </a:solidFill>
+                      <a:prstDash val="solid"/>
+                      <a:round/>
+                      <a:headEnd type="none" w="med" len="med"/>
+                      <a:tailEnd type="none" w="med" len="med"/>
+                    </a:lnR>
+                    <a:lnT w="12700" cap="flat" cmpd="sng" algn="ctr">
+                      <a:solidFill>
+                        <a:srgbClr val="5A5A5A"/>
+                      </a:solidFill>
+                      <a:prstDash val="solid"/>
+                      <a:round/>
+                      <a:headEnd type="none" w="med" len="med"/>
+                      <a:tailEnd type="none" w="med" len="med"/>
+                    </a:lnT>
+                    <a:lnB w="12700" cap="flat" cmpd="sng" algn="ctr">
+                      <a:solidFill>
+                        <a:srgbClr val="5A5A5A"/>
+                      </a:solidFill>
+                      <a:prstDash val="solid"/>
+                      <a:round/>
+                      <a:headEnd type="none" w="med" len="med"/>
+                      <a:tailEnd type="none" w="med" len="med"/>
+                    </a:lnB>
+                    <a:solidFill>
+                      <a:srgbClr val="F5F7F7"/>
+                    </a:solidFill>
+                  </a:tcPr>
+                </a:tc>
+                <a:tc>
+                  <a:txBody>
+                    <a:bodyPr/>
+                    <a:lstStyle/>
+                    <a:p>
+                      <a:pPr algn="r" rtl="0" fontAlgn="ctr"/>
+                      <a:r>
+                        <a:rPr lang="mr-IN" sz="1400" b="0" i="0" u="none" strike="noStrike">
+                          <a:solidFill>
+                            <a:srgbClr val="5A5A5A"/>
+                          </a:solidFill>
+                          <a:effectLst/>
+                          <a:latin typeface="Arial" charset="0"/>
+                          <a:ea typeface="Arial" charset="0"/>
+                          <a:cs typeface="Arial" charset="0"/>
+                        </a:rPr>
+                        <a:t>25%</a:t>
+                      </a:r>
+                    </a:p>
+                  </a:txBody>
+                  <a:tcPr marL="6350" marR="6350" marT="6350" marB="0" anchor="ctr">
+                    <a:lnL w="12700" cap="flat" cmpd="sng" algn="ctr">
+                      <a:solidFill>
+                        <a:srgbClr val="5A5A5A"/>
+                      </a:solidFill>
+                      <a:prstDash val="solid"/>
+                      <a:round/>
+                      <a:headEnd type="none" w="med" len="med"/>
+                      <a:tailEnd type="none" w="med" len="med"/>
+                    </a:lnL>
+                    <a:lnR w="12700" cap="flat" cmpd="sng" algn="ctr">
+                      <a:solidFill>
+                        <a:srgbClr val="5A5A5A"/>
+                      </a:solidFill>
+                      <a:prstDash val="solid"/>
+                      <a:round/>
+                      <a:headEnd type="none" w="med" len="med"/>
+                      <a:tailEnd type="none" w="med" len="med"/>
+                    </a:lnR>
+                    <a:lnT w="12700" cap="flat" cmpd="sng" algn="ctr">
+                      <a:solidFill>
+                        <a:srgbClr val="5A5A5A"/>
+                      </a:solidFill>
+                      <a:prstDash val="solid"/>
+                      <a:round/>
+                      <a:headEnd type="none" w="med" len="med"/>
+                      <a:tailEnd type="none" w="med" len="med"/>
+                    </a:lnT>
+                    <a:lnB w="12700" cap="flat" cmpd="sng" algn="ctr">
+                      <a:solidFill>
+                        <a:srgbClr val="5A5A5A"/>
+                      </a:solidFill>
+                      <a:prstDash val="solid"/>
+                      <a:round/>
+                      <a:headEnd type="none" w="med" len="med"/>
+                      <a:tailEnd type="none" w="med" len="med"/>
+                    </a:lnB>
+                    <a:solidFill>
+                      <a:srgbClr val="F5F7F7"/>
+                    </a:solidFill>
+                  </a:tcPr>
+                </a:tc>
+              </a:tr>
+              <a:tr h="368300">
+                <a:tc>
+                  <a:txBody>
+                    <a:bodyPr/>
+                    <a:lstStyle/>
+                    <a:p>
+                      <a:pPr algn="l" rtl="0" fontAlgn="ctr"/>
+                      <a:r>
+                        <a:rPr lang="en-US" sz="1400" b="0" i="0" u="none" strike="noStrike">
+                          <a:solidFill>
+                            <a:srgbClr val="5A5A5A"/>
+                          </a:solidFill>
+                          <a:effectLst/>
+                          <a:latin typeface="Arial" charset="0"/>
+                          <a:ea typeface="Arial" charset="0"/>
+                          <a:cs typeface="Arial" charset="0"/>
+                        </a:rPr>
+                        <a:t>github.co.jp page updates and maintenance</a:t>
+                      </a:r>
+                    </a:p>
+                  </a:txBody>
+                  <a:tcPr marL="6350" marR="6350" marT="6350" marB="0" anchor="ctr">
+                    <a:lnL w="12700" cap="flat" cmpd="sng" algn="ctr">
+                      <a:solidFill>
+                        <a:srgbClr val="5A5A5A"/>
+                      </a:solidFill>
+                      <a:prstDash val="solid"/>
+                      <a:round/>
+                      <a:headEnd type="none" w="med" len="med"/>
+                      <a:tailEnd type="none" w="med" len="med"/>
+                    </a:lnL>
+                    <a:lnR w="12700" cap="flat" cmpd="sng" algn="ctr">
+                      <a:solidFill>
+                        <a:srgbClr val="5A5A5A"/>
+                      </a:solidFill>
+                      <a:prstDash val="solid"/>
+                      <a:round/>
+                      <a:headEnd type="none" w="med" len="med"/>
+                      <a:tailEnd type="none" w="med" len="med"/>
+                    </a:lnR>
+                    <a:lnT w="12700" cap="flat" cmpd="sng" algn="ctr">
+                      <a:solidFill>
+                        <a:srgbClr val="5A5A5A"/>
+                      </a:solidFill>
+                      <a:prstDash val="solid"/>
+                      <a:round/>
+                      <a:headEnd type="none" w="med" len="med"/>
+                      <a:tailEnd type="none" w="med" len="med"/>
+                    </a:lnT>
+                    <a:lnB w="12700" cap="flat" cmpd="sng" algn="ctr">
+                      <a:solidFill>
+                        <a:srgbClr val="5A5A5A"/>
+                      </a:solidFill>
+                      <a:prstDash val="solid"/>
+                      <a:round/>
+                      <a:headEnd type="none" w="med" len="med"/>
+                      <a:tailEnd type="none" w="med" len="med"/>
+                    </a:lnB>
+                    <a:solidFill>
+                      <a:srgbClr val="EBEEEE"/>
+                    </a:solidFill>
+                  </a:tcPr>
+                </a:tc>
+                <a:tc>
+                  <a:txBody>
+                    <a:bodyPr/>
+                    <a:lstStyle/>
+                    <a:p>
+                      <a:pPr algn="r" rtl="0" fontAlgn="ctr"/>
+                      <a:r>
+                        <a:rPr lang="is-IS" sz="1400" b="0" i="0" u="none" strike="noStrike" dirty="0">
+                          <a:solidFill>
+                            <a:srgbClr val="5A5A5A"/>
+                          </a:solidFill>
+                          <a:effectLst/>
+                          <a:latin typeface="Arial" charset="0"/>
+                          <a:ea typeface="Arial" charset="0"/>
+                          <a:cs typeface="Arial" charset="0"/>
+                        </a:rPr>
+                        <a:t>13 </a:t>
+                      </a:r>
+                    </a:p>
+                  </a:txBody>
+                  <a:tcPr marL="6350" marR="6350" marT="6350" marB="0" anchor="ctr">
+                    <a:lnL w="12700" cap="flat" cmpd="sng" algn="ctr">
+                      <a:solidFill>
+                        <a:srgbClr val="5A5A5A"/>
+                      </a:solidFill>
+                      <a:prstDash val="solid"/>
+                      <a:round/>
+                      <a:headEnd type="none" w="med" len="med"/>
+                      <a:tailEnd type="none" w="med" len="med"/>
+                    </a:lnL>
+                    <a:lnR w="12700" cap="flat" cmpd="sng" algn="ctr">
+                      <a:solidFill>
+                        <a:srgbClr val="5A5A5A"/>
+                      </a:solidFill>
+                      <a:prstDash val="solid"/>
+                      <a:round/>
+                      <a:headEnd type="none" w="med" len="med"/>
+                      <a:tailEnd type="none" w="med" len="med"/>
+                    </a:lnR>
+                    <a:lnT w="12700" cap="flat" cmpd="sng" algn="ctr">
+                      <a:solidFill>
+                        <a:srgbClr val="5A5A5A"/>
+                      </a:solidFill>
+                      <a:prstDash val="solid"/>
+                      <a:round/>
+                      <a:headEnd type="none" w="med" len="med"/>
+                      <a:tailEnd type="none" w="med" len="med"/>
+                    </a:lnT>
+                    <a:lnB w="12700" cap="flat" cmpd="sng" algn="ctr">
+                      <a:solidFill>
+                        <a:srgbClr val="5A5A5A"/>
+                      </a:solidFill>
+                      <a:prstDash val="solid"/>
+                      <a:round/>
+                      <a:headEnd type="none" w="med" len="med"/>
+                      <a:tailEnd type="none" w="med" len="med"/>
+                    </a:lnB>
+                    <a:solidFill>
+                      <a:srgbClr val="EBEEEE"/>
+                    </a:solidFill>
+                  </a:tcPr>
+                </a:tc>
+                <a:tc>
+                  <a:txBody>
+                    <a:bodyPr/>
+                    <a:lstStyle/>
+                    <a:p>
+                      <a:pPr algn="r" rtl="0" fontAlgn="ctr"/>
+                      <a:r>
+                        <a:rPr lang="mr-IN" sz="1400" b="0" i="0" u="none" strike="noStrike">
+                          <a:solidFill>
+                            <a:srgbClr val="5A5A5A"/>
+                          </a:solidFill>
+                          <a:effectLst/>
+                          <a:latin typeface="Arial" charset="0"/>
+                          <a:ea typeface="Arial" charset="0"/>
+                          <a:cs typeface="Arial" charset="0"/>
+                        </a:rPr>
+                        <a:t>5%</a:t>
+                      </a:r>
+                    </a:p>
+                  </a:txBody>
+                  <a:tcPr marL="6350" marR="6350" marT="6350" marB="0" anchor="ctr">
+                    <a:lnL w="12700" cap="flat" cmpd="sng" algn="ctr">
+                      <a:solidFill>
+                        <a:srgbClr val="5A5A5A"/>
+                      </a:solidFill>
+                      <a:prstDash val="solid"/>
+                      <a:round/>
+                      <a:headEnd type="none" w="med" len="med"/>
+                      <a:tailEnd type="none" w="med" len="med"/>
+                    </a:lnL>
+                    <a:lnR w="12700" cap="flat" cmpd="sng" algn="ctr">
+                      <a:solidFill>
+                        <a:srgbClr val="5A5A5A"/>
+                      </a:solidFill>
+                      <a:prstDash val="solid"/>
+                      <a:round/>
+                      <a:headEnd type="none" w="med" len="med"/>
+                      <a:tailEnd type="none" w="med" len="med"/>
+                    </a:lnR>
+                    <a:lnT w="12700" cap="flat" cmpd="sng" algn="ctr">
+                      <a:solidFill>
+                        <a:srgbClr val="5A5A5A"/>
+                      </a:solidFill>
+                      <a:prstDash val="solid"/>
+                      <a:round/>
+                      <a:headEnd type="none" w="med" len="med"/>
+                      <a:tailEnd type="none" w="med" len="med"/>
+                    </a:lnT>
+                    <a:lnB w="12700" cap="flat" cmpd="sng" algn="ctr">
+                      <a:solidFill>
+                        <a:srgbClr val="5A5A5A"/>
+                      </a:solidFill>
+                      <a:prstDash val="solid"/>
+                      <a:round/>
+                      <a:headEnd type="none" w="med" len="med"/>
+                      <a:tailEnd type="none" w="med" len="med"/>
+                    </a:lnB>
+                    <a:solidFill>
+                      <a:srgbClr val="EBEEEE"/>
+                    </a:solidFill>
+                  </a:tcPr>
+                </a:tc>
+              </a:tr>
+              <a:tr h="190500">
+                <a:tc>
+                  <a:txBody>
+                    <a:bodyPr/>
+                    <a:lstStyle/>
+                    <a:p>
+                      <a:pPr algn="l" rtl="0" fontAlgn="ctr"/>
+                      <a:r>
+                        <a:rPr lang="en-US" sz="1400" b="0" i="0" u="none" strike="noStrike">
+                          <a:solidFill>
+                            <a:srgbClr val="5A5A5A"/>
+                          </a:solidFill>
+                          <a:effectLst/>
+                          <a:latin typeface="Arial" charset="0"/>
+                          <a:ea typeface="Arial" charset="0"/>
+                          <a:cs typeface="Arial" charset="0"/>
+                        </a:rPr>
+                        <a:t>Signature Event prep</a:t>
+                      </a:r>
+                    </a:p>
+                  </a:txBody>
+                  <a:tcPr marL="6350" marR="6350" marT="6350" marB="0" anchor="ctr">
+                    <a:lnL w="12700" cap="flat" cmpd="sng" algn="ctr">
+                      <a:solidFill>
+                        <a:srgbClr val="5A5A5A"/>
+                      </a:solidFill>
+                      <a:prstDash val="solid"/>
+                      <a:round/>
+                      <a:headEnd type="none" w="med" len="med"/>
+                      <a:tailEnd type="none" w="med" len="med"/>
+                    </a:lnL>
+                    <a:lnR w="12700" cap="flat" cmpd="sng" algn="ctr">
+                      <a:solidFill>
+                        <a:srgbClr val="5A5A5A"/>
+                      </a:solidFill>
+                      <a:prstDash val="solid"/>
+                      <a:round/>
+                      <a:headEnd type="none" w="med" len="med"/>
+                      <a:tailEnd type="none" w="med" len="med"/>
+                    </a:lnR>
+                    <a:lnT w="12700" cap="flat" cmpd="sng" algn="ctr">
+                      <a:solidFill>
+                        <a:srgbClr val="5A5A5A"/>
+                      </a:solidFill>
+                      <a:prstDash val="solid"/>
+                      <a:round/>
+                      <a:headEnd type="none" w="med" len="med"/>
+                      <a:tailEnd type="none" w="med" len="med"/>
+                    </a:lnT>
+                    <a:lnB w="12700" cap="flat" cmpd="sng" algn="ctr">
+                      <a:solidFill>
+                        <a:srgbClr val="5A5A5A"/>
+                      </a:solidFill>
+                      <a:prstDash val="solid"/>
+                      <a:round/>
+                      <a:headEnd type="none" w="med" len="med"/>
+                      <a:tailEnd type="none" w="med" len="med"/>
+                    </a:lnB>
+                    <a:solidFill>
+                      <a:srgbClr val="F5F7F7"/>
+                    </a:solidFill>
+                  </a:tcPr>
+                </a:tc>
+                <a:tc>
+                  <a:txBody>
+                    <a:bodyPr/>
+                    <a:lstStyle/>
+                    <a:p>
+                      <a:pPr algn="r" rtl="0" fontAlgn="ctr"/>
+                      <a:r>
+                        <a:rPr lang="en-US" altLang="ja-JP" sz="1400" b="0" i="0" u="none" strike="noStrike">
+                          <a:solidFill>
+                            <a:srgbClr val="5A5A5A"/>
+                          </a:solidFill>
+                          <a:effectLst/>
+                          <a:latin typeface="Arial" charset="0"/>
+                          <a:ea typeface="Arial" charset="0"/>
+                          <a:cs typeface="Arial" charset="0"/>
+                        </a:rPr>
+                        <a:t>5 </a:t>
+                      </a:r>
+                    </a:p>
+                  </a:txBody>
+                  <a:tcPr marL="6350" marR="6350" marT="6350" marB="0" anchor="ctr">
+                    <a:lnL w="12700" cap="flat" cmpd="sng" algn="ctr">
+                      <a:solidFill>
+                        <a:srgbClr val="5A5A5A"/>
+                      </a:solidFill>
+                      <a:prstDash val="solid"/>
+                      <a:round/>
+                      <a:headEnd type="none" w="med" len="med"/>
+                      <a:tailEnd type="none" w="med" len="med"/>
+                    </a:lnL>
+                    <a:lnR w="12700" cap="flat" cmpd="sng" algn="ctr">
+                      <a:solidFill>
+                        <a:srgbClr val="5A5A5A"/>
+                      </a:solidFill>
+                      <a:prstDash val="solid"/>
+                      <a:round/>
+                      <a:headEnd type="none" w="med" len="med"/>
+                      <a:tailEnd type="none" w="med" len="med"/>
+                    </a:lnR>
+                    <a:lnT w="12700" cap="flat" cmpd="sng" algn="ctr">
+                      <a:solidFill>
+                        <a:srgbClr val="5A5A5A"/>
+                      </a:solidFill>
+                      <a:prstDash val="solid"/>
+                      <a:round/>
+                      <a:headEnd type="none" w="med" len="med"/>
+                      <a:tailEnd type="none" w="med" len="med"/>
+                    </a:lnT>
+                    <a:lnB w="12700" cap="flat" cmpd="sng" algn="ctr">
+                      <a:solidFill>
+                        <a:srgbClr val="5A5A5A"/>
+                      </a:solidFill>
+                      <a:prstDash val="solid"/>
+                      <a:round/>
+                      <a:headEnd type="none" w="med" len="med"/>
+                      <a:tailEnd type="none" w="med" len="med"/>
+                    </a:lnB>
+                    <a:solidFill>
+                      <a:srgbClr val="F5F7F7"/>
+                    </a:solidFill>
+                  </a:tcPr>
+                </a:tc>
+                <a:tc>
+                  <a:txBody>
+                    <a:bodyPr/>
+                    <a:lstStyle/>
+                    <a:p>
+                      <a:pPr algn="r" rtl="0" fontAlgn="ctr"/>
+                      <a:r>
+                        <a:rPr lang="mr-IN" sz="1400" b="0" i="0" u="none" strike="noStrike" dirty="0">
+                          <a:solidFill>
+                            <a:srgbClr val="5A5A5A"/>
+                          </a:solidFill>
+                          <a:effectLst/>
+                          <a:latin typeface="Arial" charset="0"/>
+                          <a:ea typeface="Arial" charset="0"/>
+                          <a:cs typeface="Arial" charset="0"/>
+                        </a:rPr>
+                        <a:t>2%</a:t>
+                      </a:r>
+                    </a:p>
+                  </a:txBody>
+                  <a:tcPr marL="6350" marR="6350" marT="6350" marB="0" anchor="ctr">
+                    <a:lnL w="12700" cap="flat" cmpd="sng" algn="ctr">
+                      <a:solidFill>
+                        <a:srgbClr val="5A5A5A"/>
+                      </a:solidFill>
+                      <a:prstDash val="solid"/>
+                      <a:round/>
+                      <a:headEnd type="none" w="med" len="med"/>
+                      <a:tailEnd type="none" w="med" len="med"/>
+                    </a:lnL>
+                    <a:lnR w="12700" cap="flat" cmpd="sng" algn="ctr">
+                      <a:solidFill>
+                        <a:srgbClr val="5A5A5A"/>
+                      </a:solidFill>
+                      <a:prstDash val="solid"/>
+                      <a:round/>
+                      <a:headEnd type="none" w="med" len="med"/>
+                      <a:tailEnd type="none" w="med" len="med"/>
+                    </a:lnR>
+                    <a:lnT w="12700" cap="flat" cmpd="sng" algn="ctr">
+                      <a:solidFill>
+                        <a:srgbClr val="5A5A5A"/>
+                      </a:solidFill>
+                      <a:prstDash val="solid"/>
+                      <a:round/>
+                      <a:headEnd type="none" w="med" len="med"/>
+                      <a:tailEnd type="none" w="med" len="med"/>
+                    </a:lnT>
+                    <a:lnB w="12700" cap="flat" cmpd="sng" algn="ctr">
+                      <a:solidFill>
+                        <a:srgbClr val="5A5A5A"/>
+                      </a:solidFill>
+                      <a:prstDash val="solid"/>
+                      <a:round/>
+                      <a:headEnd type="none" w="med" len="med"/>
+                      <a:tailEnd type="none" w="med" len="med"/>
+                    </a:lnB>
+                    <a:solidFill>
+                      <a:srgbClr val="F5F7F7"/>
+                    </a:solidFill>
+                  </a:tcPr>
+                </a:tc>
+              </a:tr>
+              <a:tr h="368300">
+                <a:tc>
+                  <a:txBody>
+                    <a:bodyPr/>
+                    <a:lstStyle/>
+                    <a:p>
+                      <a:pPr algn="l" rtl="0" fontAlgn="ctr"/>
+                      <a:r>
+                        <a:rPr lang="en-US" sz="1400" b="0" i="0" u="none" strike="noStrike">
+                          <a:solidFill>
+                            <a:srgbClr val="5A5A5A"/>
+                          </a:solidFill>
+                          <a:effectLst/>
+                          <a:latin typeface="Arial" charset="0"/>
+                          <a:ea typeface="Arial" charset="0"/>
+                          <a:cs typeface="Arial" charset="0"/>
+                        </a:rPr>
+                        <a:t>3rd Party Sponsorships</a:t>
+                      </a:r>
+                    </a:p>
+                  </a:txBody>
+                  <a:tcPr marL="6350" marR="6350" marT="6350" marB="0" anchor="ctr">
+                    <a:lnL w="12700" cap="flat" cmpd="sng" algn="ctr">
+                      <a:solidFill>
+                        <a:srgbClr val="5A5A5A"/>
+                      </a:solidFill>
+                      <a:prstDash val="solid"/>
+                      <a:round/>
+                      <a:headEnd type="none" w="med" len="med"/>
+                      <a:tailEnd type="none" w="med" len="med"/>
+                    </a:lnL>
+                    <a:lnR w="12700" cap="flat" cmpd="sng" algn="ctr">
+                      <a:solidFill>
+                        <a:srgbClr val="5A5A5A"/>
+                      </a:solidFill>
+                      <a:prstDash val="solid"/>
+                      <a:round/>
+                      <a:headEnd type="none" w="med" len="med"/>
+                      <a:tailEnd type="none" w="med" len="med"/>
+                    </a:lnR>
+                    <a:lnT w="12700" cap="flat" cmpd="sng" algn="ctr">
+                      <a:solidFill>
+                        <a:srgbClr val="5A5A5A"/>
+                      </a:solidFill>
+                      <a:prstDash val="solid"/>
+                      <a:round/>
+                      <a:headEnd type="none" w="med" len="med"/>
+                      <a:tailEnd type="none" w="med" len="med"/>
+                    </a:lnT>
+                    <a:lnB w="12700" cap="flat" cmpd="sng" algn="ctr">
+                      <a:solidFill>
+                        <a:srgbClr val="5A5A5A"/>
+                      </a:solidFill>
+                      <a:prstDash val="solid"/>
+                      <a:round/>
+                      <a:headEnd type="none" w="med" len="med"/>
+                      <a:tailEnd type="none" w="med" len="med"/>
+                    </a:lnB>
+                    <a:solidFill>
+                      <a:srgbClr val="EBEEEE"/>
+                    </a:solidFill>
+                  </a:tcPr>
+                </a:tc>
+                <a:tc>
+                  <a:txBody>
+                    <a:bodyPr/>
+                    <a:lstStyle/>
+                    <a:p>
+                      <a:pPr algn="r" rtl="0" fontAlgn="ctr"/>
+                      <a:r>
+                        <a:rPr lang="en-US" altLang="ja-JP" sz="1400" b="0" i="0" u="none" strike="noStrike">
+                          <a:solidFill>
+                            <a:srgbClr val="5A5A5A"/>
+                          </a:solidFill>
+                          <a:effectLst/>
+                          <a:latin typeface="Arial" charset="0"/>
+                          <a:ea typeface="Arial" charset="0"/>
+                          <a:cs typeface="Arial" charset="0"/>
+                        </a:rPr>
+                        <a:t>38 </a:t>
+                      </a:r>
+                    </a:p>
+                  </a:txBody>
+                  <a:tcPr marL="6350" marR="6350" marT="6350" marB="0" anchor="ctr">
+                    <a:lnL w="12700" cap="flat" cmpd="sng" algn="ctr">
+                      <a:solidFill>
+                        <a:srgbClr val="5A5A5A"/>
+                      </a:solidFill>
+                      <a:prstDash val="solid"/>
+                      <a:round/>
+                      <a:headEnd type="none" w="med" len="med"/>
+                      <a:tailEnd type="none" w="med" len="med"/>
+                    </a:lnL>
+                    <a:lnR w="12700" cap="flat" cmpd="sng" algn="ctr">
+                      <a:solidFill>
+                        <a:srgbClr val="5A5A5A"/>
+                      </a:solidFill>
+                      <a:prstDash val="solid"/>
+                      <a:round/>
+                      <a:headEnd type="none" w="med" len="med"/>
+                      <a:tailEnd type="none" w="med" len="med"/>
+                    </a:lnR>
+                    <a:lnT w="12700" cap="flat" cmpd="sng" algn="ctr">
+                      <a:solidFill>
+                        <a:srgbClr val="5A5A5A"/>
+                      </a:solidFill>
+                      <a:prstDash val="solid"/>
+                      <a:round/>
+                      <a:headEnd type="none" w="med" len="med"/>
+                      <a:tailEnd type="none" w="med" len="med"/>
+                    </a:lnT>
+                    <a:lnB w="12700" cap="flat" cmpd="sng" algn="ctr">
+                      <a:solidFill>
+                        <a:srgbClr val="5A5A5A"/>
+                      </a:solidFill>
+                      <a:prstDash val="solid"/>
+                      <a:round/>
+                      <a:headEnd type="none" w="med" len="med"/>
+                      <a:tailEnd type="none" w="med" len="med"/>
+                    </a:lnB>
+                    <a:solidFill>
+                      <a:srgbClr val="EBEEEE"/>
+                    </a:solidFill>
+                  </a:tcPr>
+                </a:tc>
+                <a:tc>
+                  <a:txBody>
+                    <a:bodyPr/>
+                    <a:lstStyle/>
+                    <a:p>
+                      <a:pPr algn="r" rtl="0" fontAlgn="ctr"/>
+                      <a:r>
+                        <a:rPr lang="mr-IN" sz="1400" b="0" i="0" u="none" strike="noStrike">
+                          <a:solidFill>
+                            <a:srgbClr val="5A5A5A"/>
+                          </a:solidFill>
+                          <a:effectLst/>
+                          <a:latin typeface="Arial" charset="0"/>
+                          <a:ea typeface="Arial" charset="0"/>
+                          <a:cs typeface="Arial" charset="0"/>
+                        </a:rPr>
+                        <a:t>15%</a:t>
+                      </a:r>
+                    </a:p>
+                  </a:txBody>
+                  <a:tcPr marL="6350" marR="6350" marT="6350" marB="0" anchor="ctr">
+                    <a:lnL w="12700" cap="flat" cmpd="sng" algn="ctr">
+                      <a:solidFill>
+                        <a:srgbClr val="5A5A5A"/>
+                      </a:solidFill>
+                      <a:prstDash val="solid"/>
+                      <a:round/>
+                      <a:headEnd type="none" w="med" len="med"/>
+                      <a:tailEnd type="none" w="med" len="med"/>
+                    </a:lnL>
+                    <a:lnR w="12700" cap="flat" cmpd="sng" algn="ctr">
+                      <a:solidFill>
+                        <a:srgbClr val="5A5A5A"/>
+                      </a:solidFill>
+                      <a:prstDash val="solid"/>
+                      <a:round/>
+                      <a:headEnd type="none" w="med" len="med"/>
+                      <a:tailEnd type="none" w="med" len="med"/>
+                    </a:lnR>
+                    <a:lnT w="12700" cap="flat" cmpd="sng" algn="ctr">
+                      <a:solidFill>
+                        <a:srgbClr val="5A5A5A"/>
+                      </a:solidFill>
+                      <a:prstDash val="solid"/>
+                      <a:round/>
+                      <a:headEnd type="none" w="med" len="med"/>
+                      <a:tailEnd type="none" w="med" len="med"/>
+                    </a:lnT>
+                    <a:lnB w="12700" cap="flat" cmpd="sng" algn="ctr">
+                      <a:solidFill>
+                        <a:srgbClr val="5A5A5A"/>
+                      </a:solidFill>
+                      <a:prstDash val="solid"/>
+                      <a:round/>
+                      <a:headEnd type="none" w="med" len="med"/>
+                      <a:tailEnd type="none" w="med" len="med"/>
+                    </a:lnB>
+                    <a:solidFill>
+                      <a:srgbClr val="EBEEEE"/>
+                    </a:solidFill>
+                  </a:tcPr>
+                </a:tc>
+              </a:tr>
+              <a:tr h="190500">
+                <a:tc>
+                  <a:txBody>
+                    <a:bodyPr/>
+                    <a:lstStyle/>
+                    <a:p>
+                      <a:pPr algn="l" rtl="0" fontAlgn="ctr"/>
+                      <a:r>
+                        <a:rPr lang="en-US" sz="1400" b="0" i="0" u="none" strike="noStrike">
+                          <a:solidFill>
+                            <a:srgbClr val="5A5A5A"/>
+                          </a:solidFill>
+                          <a:effectLst/>
+                          <a:latin typeface="Arial" charset="0"/>
+                          <a:ea typeface="Arial" charset="0"/>
+                          <a:cs typeface="Arial" charset="0"/>
+                        </a:rPr>
+                        <a:t>Small Seminars</a:t>
+                      </a:r>
+                    </a:p>
+                  </a:txBody>
+                  <a:tcPr marL="6350" marR="6350" marT="6350" marB="0" anchor="ctr">
+                    <a:lnL w="12700" cap="flat" cmpd="sng" algn="ctr">
+                      <a:solidFill>
+                        <a:srgbClr val="5A5A5A"/>
+                      </a:solidFill>
+                      <a:prstDash val="solid"/>
+                      <a:round/>
+                      <a:headEnd type="none" w="med" len="med"/>
+                      <a:tailEnd type="none" w="med" len="med"/>
+                    </a:lnL>
+                    <a:lnR w="12700" cap="flat" cmpd="sng" algn="ctr">
+                      <a:solidFill>
+                        <a:srgbClr val="5A5A5A"/>
+                      </a:solidFill>
+                      <a:prstDash val="solid"/>
+                      <a:round/>
+                      <a:headEnd type="none" w="med" len="med"/>
+                      <a:tailEnd type="none" w="med" len="med"/>
+                    </a:lnR>
+                    <a:lnT w="12700" cap="flat" cmpd="sng" algn="ctr">
+                      <a:solidFill>
+                        <a:srgbClr val="5A5A5A"/>
+                      </a:solidFill>
+                      <a:prstDash val="solid"/>
+                      <a:round/>
+                      <a:headEnd type="none" w="med" len="med"/>
+                      <a:tailEnd type="none" w="med" len="med"/>
+                    </a:lnT>
+                    <a:lnB w="12700" cap="flat" cmpd="sng" algn="ctr">
+                      <a:solidFill>
+                        <a:srgbClr val="5A5A5A"/>
+                      </a:solidFill>
+                      <a:prstDash val="solid"/>
+                      <a:round/>
+                      <a:headEnd type="none" w="med" len="med"/>
+                      <a:tailEnd type="none" w="med" len="med"/>
+                    </a:lnB>
+                    <a:solidFill>
+                      <a:srgbClr val="F5F7F7"/>
+                    </a:solidFill>
+                  </a:tcPr>
+                </a:tc>
+                <a:tc>
+                  <a:txBody>
+                    <a:bodyPr/>
+                    <a:lstStyle/>
+                    <a:p>
+                      <a:pPr algn="r" rtl="0" fontAlgn="ctr"/>
+                      <a:r>
+                        <a:rPr lang="is-IS" sz="1400" b="0" i="0" u="none" strike="noStrike">
+                          <a:solidFill>
+                            <a:srgbClr val="5A5A5A"/>
+                          </a:solidFill>
+                          <a:effectLst/>
+                          <a:latin typeface="Arial" charset="0"/>
+                          <a:ea typeface="Arial" charset="0"/>
+                          <a:cs typeface="Arial" charset="0"/>
+                        </a:rPr>
+                        <a:t>25 </a:t>
+                      </a:r>
+                    </a:p>
+                  </a:txBody>
+                  <a:tcPr marL="6350" marR="6350" marT="6350" marB="0" anchor="ctr">
+                    <a:lnL w="12700" cap="flat" cmpd="sng" algn="ctr">
+                      <a:solidFill>
+                        <a:srgbClr val="5A5A5A"/>
+                      </a:solidFill>
+                      <a:prstDash val="solid"/>
+                      <a:round/>
+                      <a:headEnd type="none" w="med" len="med"/>
+                      <a:tailEnd type="none" w="med" len="med"/>
+                    </a:lnL>
+                    <a:lnR w="12700" cap="flat" cmpd="sng" algn="ctr">
+                      <a:solidFill>
+                        <a:srgbClr val="5A5A5A"/>
+                      </a:solidFill>
+                      <a:prstDash val="solid"/>
+                      <a:round/>
+                      <a:headEnd type="none" w="med" len="med"/>
+                      <a:tailEnd type="none" w="med" len="med"/>
+                    </a:lnR>
+                    <a:lnT w="12700" cap="flat" cmpd="sng" algn="ctr">
+                      <a:solidFill>
+                        <a:srgbClr val="5A5A5A"/>
+                      </a:solidFill>
+                      <a:prstDash val="solid"/>
+                      <a:round/>
+                      <a:headEnd type="none" w="med" len="med"/>
+                      <a:tailEnd type="none" w="med" len="med"/>
+                    </a:lnT>
+                    <a:lnB w="12700" cap="flat" cmpd="sng" algn="ctr">
+                      <a:solidFill>
+                        <a:srgbClr val="5A5A5A"/>
+                      </a:solidFill>
+                      <a:prstDash val="solid"/>
+                      <a:round/>
+                      <a:headEnd type="none" w="med" len="med"/>
+                      <a:tailEnd type="none" w="med" len="med"/>
+                    </a:lnB>
+                    <a:solidFill>
+                      <a:srgbClr val="F5F7F7"/>
+                    </a:solidFill>
+                  </a:tcPr>
+                </a:tc>
+                <a:tc>
+                  <a:txBody>
+                    <a:bodyPr/>
+                    <a:lstStyle/>
+                    <a:p>
+                      <a:pPr algn="r" rtl="0" fontAlgn="ctr"/>
+                      <a:r>
+                        <a:rPr lang="mr-IN" sz="1400" b="0" i="0" u="none" strike="noStrike" dirty="0">
+                          <a:solidFill>
+                            <a:srgbClr val="5A5A5A"/>
+                          </a:solidFill>
+                          <a:effectLst/>
+                          <a:latin typeface="Arial" charset="0"/>
+                          <a:ea typeface="Arial" charset="0"/>
+                          <a:cs typeface="Arial" charset="0"/>
+                        </a:rPr>
+                        <a:t>10%</a:t>
+                      </a:r>
+                    </a:p>
+                  </a:txBody>
+                  <a:tcPr marL="6350" marR="6350" marT="6350" marB="0" anchor="ctr">
+                    <a:lnL w="12700" cap="flat" cmpd="sng" algn="ctr">
+                      <a:solidFill>
+                        <a:srgbClr val="5A5A5A"/>
+                      </a:solidFill>
+                      <a:prstDash val="solid"/>
+                      <a:round/>
+                      <a:headEnd type="none" w="med" len="med"/>
+                      <a:tailEnd type="none" w="med" len="med"/>
+                    </a:lnL>
+                    <a:lnR w="12700" cap="flat" cmpd="sng" algn="ctr">
+                      <a:solidFill>
+                        <a:srgbClr val="5A5A5A"/>
+                      </a:solidFill>
+                      <a:prstDash val="solid"/>
+                      <a:round/>
+                      <a:headEnd type="none" w="med" len="med"/>
+                      <a:tailEnd type="none" w="med" len="med"/>
+                    </a:lnR>
+                    <a:lnT w="12700" cap="flat" cmpd="sng" algn="ctr">
+                      <a:solidFill>
+                        <a:srgbClr val="5A5A5A"/>
+                      </a:solidFill>
+                      <a:prstDash val="solid"/>
+                      <a:round/>
+                      <a:headEnd type="none" w="med" len="med"/>
+                      <a:tailEnd type="none" w="med" len="med"/>
+                    </a:lnT>
+                    <a:lnB w="12700" cap="flat" cmpd="sng" algn="ctr">
+                      <a:solidFill>
+                        <a:srgbClr val="5A5A5A"/>
+                      </a:solidFill>
+                      <a:prstDash val="solid"/>
+                      <a:round/>
+                      <a:headEnd type="none" w="med" len="med"/>
+                      <a:tailEnd type="none" w="med" len="med"/>
+                    </a:lnB>
+                    <a:solidFill>
+                      <a:srgbClr val="F5F7F7"/>
+                    </a:solidFill>
+                  </a:tcPr>
+                </a:tc>
+              </a:tr>
+              <a:tr h="190500">
+                <a:tc>
+                  <a:txBody>
+                    <a:bodyPr/>
+                    <a:lstStyle/>
+                    <a:p>
+                      <a:pPr algn="l" rtl="0" fontAlgn="ctr"/>
+                      <a:r>
+                        <a:rPr lang="en-US" sz="1400" b="0" i="0" u="none" strike="noStrike">
+                          <a:solidFill>
+                            <a:srgbClr val="5A5A5A"/>
+                          </a:solidFill>
+                          <a:effectLst/>
+                          <a:latin typeface="Arial" charset="0"/>
+                          <a:ea typeface="Arial" charset="0"/>
+                          <a:cs typeface="Arial" charset="0"/>
+                        </a:rPr>
+                        <a:t>New Assets &amp; Translations</a:t>
+                      </a:r>
+                    </a:p>
+                  </a:txBody>
+                  <a:tcPr marL="6350" marR="6350" marT="6350" marB="0" anchor="ctr">
+                    <a:lnL w="12700" cap="flat" cmpd="sng" algn="ctr">
+                      <a:solidFill>
+                        <a:srgbClr val="5A5A5A"/>
+                      </a:solidFill>
+                      <a:prstDash val="solid"/>
+                      <a:round/>
+                      <a:headEnd type="none" w="med" len="med"/>
+                      <a:tailEnd type="none" w="med" len="med"/>
+                    </a:lnL>
+                    <a:lnR w="12700" cap="flat" cmpd="sng" algn="ctr">
+                      <a:solidFill>
+                        <a:srgbClr val="5A5A5A"/>
+                      </a:solidFill>
+                      <a:prstDash val="solid"/>
+                      <a:round/>
+                      <a:headEnd type="none" w="med" len="med"/>
+                      <a:tailEnd type="none" w="med" len="med"/>
+                    </a:lnR>
+                    <a:lnT w="12700" cap="flat" cmpd="sng" algn="ctr">
+                      <a:solidFill>
+                        <a:srgbClr val="5A5A5A"/>
+                      </a:solidFill>
+                      <a:prstDash val="solid"/>
+                      <a:round/>
+                      <a:headEnd type="none" w="med" len="med"/>
+                      <a:tailEnd type="none" w="med" len="med"/>
+                    </a:lnT>
+                    <a:lnB w="12700" cap="flat" cmpd="sng" algn="ctr">
+                      <a:solidFill>
+                        <a:srgbClr val="5A5A5A"/>
+                      </a:solidFill>
+                      <a:prstDash val="solid"/>
+                      <a:round/>
+                      <a:headEnd type="none" w="med" len="med"/>
+                      <a:tailEnd type="none" w="med" len="med"/>
+                    </a:lnB>
+                    <a:solidFill>
+                      <a:srgbClr val="EBEEEE"/>
+                    </a:solidFill>
+                  </a:tcPr>
+                </a:tc>
+                <a:tc>
+                  <a:txBody>
+                    <a:bodyPr/>
+                    <a:lstStyle/>
+                    <a:p>
+                      <a:pPr algn="r" rtl="0" fontAlgn="ctr"/>
+                      <a:r>
+                        <a:rPr lang="is-IS" sz="1400" b="0" i="0" u="none" strike="noStrike">
+                          <a:solidFill>
+                            <a:srgbClr val="5A5A5A"/>
+                          </a:solidFill>
+                          <a:effectLst/>
+                          <a:latin typeface="Arial" charset="0"/>
+                          <a:ea typeface="Arial" charset="0"/>
+                          <a:cs typeface="Arial" charset="0"/>
+                        </a:rPr>
+                        <a:t>13 </a:t>
+                      </a:r>
+                    </a:p>
+                  </a:txBody>
+                  <a:tcPr marL="6350" marR="6350" marT="6350" marB="0" anchor="ctr">
+                    <a:lnL w="12700" cap="flat" cmpd="sng" algn="ctr">
+                      <a:solidFill>
+                        <a:srgbClr val="5A5A5A"/>
+                      </a:solidFill>
+                      <a:prstDash val="solid"/>
+                      <a:round/>
+                      <a:headEnd type="none" w="med" len="med"/>
+                      <a:tailEnd type="none" w="med" len="med"/>
+                    </a:lnL>
+                    <a:lnR w="12700" cap="flat" cmpd="sng" algn="ctr">
+                      <a:solidFill>
+                        <a:srgbClr val="5A5A5A"/>
+                      </a:solidFill>
+                      <a:prstDash val="solid"/>
+                      <a:round/>
+                      <a:headEnd type="none" w="med" len="med"/>
+                      <a:tailEnd type="none" w="med" len="med"/>
+                    </a:lnR>
+                    <a:lnT w="12700" cap="flat" cmpd="sng" algn="ctr">
+                      <a:solidFill>
+                        <a:srgbClr val="5A5A5A"/>
+                      </a:solidFill>
+                      <a:prstDash val="solid"/>
+                      <a:round/>
+                      <a:headEnd type="none" w="med" len="med"/>
+                      <a:tailEnd type="none" w="med" len="med"/>
+                    </a:lnT>
+                    <a:lnB w="12700" cap="flat" cmpd="sng" algn="ctr">
+                      <a:solidFill>
+                        <a:srgbClr val="5A5A5A"/>
+                      </a:solidFill>
+                      <a:prstDash val="solid"/>
+                      <a:round/>
+                      <a:headEnd type="none" w="med" len="med"/>
+                      <a:tailEnd type="none" w="med" len="med"/>
+                    </a:lnB>
+                    <a:solidFill>
+                      <a:srgbClr val="EBEEEE"/>
+                    </a:solidFill>
+                  </a:tcPr>
+                </a:tc>
+                <a:tc>
+                  <a:txBody>
+                    <a:bodyPr/>
+                    <a:lstStyle/>
+                    <a:p>
+                      <a:pPr algn="r" rtl="0" fontAlgn="ctr"/>
+                      <a:r>
+                        <a:rPr lang="mr-IN" sz="1400" b="0" i="0" u="none" strike="noStrike" dirty="0">
+                          <a:solidFill>
+                            <a:srgbClr val="5A5A5A"/>
+                          </a:solidFill>
+                          <a:effectLst/>
+                          <a:latin typeface="Arial" charset="0"/>
+                          <a:ea typeface="Arial" charset="0"/>
+                          <a:cs typeface="Arial" charset="0"/>
+                        </a:rPr>
+                        <a:t>5%</a:t>
+                      </a:r>
+                    </a:p>
+                  </a:txBody>
+                  <a:tcPr marL="6350" marR="6350" marT="6350" marB="0" anchor="ctr">
+                    <a:lnL w="12700" cap="flat" cmpd="sng" algn="ctr">
+                      <a:solidFill>
+                        <a:srgbClr val="5A5A5A"/>
+                      </a:solidFill>
+                      <a:prstDash val="solid"/>
+                      <a:round/>
+                      <a:headEnd type="none" w="med" len="med"/>
+                      <a:tailEnd type="none" w="med" len="med"/>
+                    </a:lnL>
+                    <a:lnR w="12700" cap="flat" cmpd="sng" algn="ctr">
+                      <a:solidFill>
+                        <a:srgbClr val="5A5A5A"/>
+                      </a:solidFill>
+                      <a:prstDash val="solid"/>
+                      <a:round/>
+                      <a:headEnd type="none" w="med" len="med"/>
+                      <a:tailEnd type="none" w="med" len="med"/>
+                    </a:lnR>
+                    <a:lnT w="12700" cap="flat" cmpd="sng" algn="ctr">
+                      <a:solidFill>
+                        <a:srgbClr val="5A5A5A"/>
+                      </a:solidFill>
+                      <a:prstDash val="solid"/>
+                      <a:round/>
+                      <a:headEnd type="none" w="med" len="med"/>
+                      <a:tailEnd type="none" w="med" len="med"/>
+                    </a:lnT>
+                    <a:lnB w="12700" cap="flat" cmpd="sng" algn="ctr">
+                      <a:solidFill>
+                        <a:srgbClr val="5A5A5A"/>
+                      </a:solidFill>
+                      <a:prstDash val="solid"/>
+                      <a:round/>
+                      <a:headEnd type="none" w="med" len="med"/>
+                      <a:tailEnd type="none" w="med" len="med"/>
+                    </a:lnB>
+                    <a:solidFill>
+                      <a:srgbClr val="EBEEEE"/>
+                    </a:solidFill>
+                  </a:tcPr>
+                </a:tc>
+              </a:tr>
+              <a:tr h="190500">
+                <a:tc>
+                  <a:txBody>
+                    <a:bodyPr/>
+                    <a:lstStyle/>
+                    <a:p>
+                      <a:pPr algn="l" rtl="0" fontAlgn="ctr"/>
+                      <a:r>
+                        <a:rPr lang="en-US" sz="1400" b="0" i="0" u="none" strike="noStrike">
+                          <a:solidFill>
+                            <a:srgbClr val="5A5A5A"/>
+                          </a:solidFill>
+                          <a:effectLst/>
+                          <a:latin typeface="Arial" charset="0"/>
+                          <a:ea typeface="Arial" charset="0"/>
+                          <a:cs typeface="Arial" charset="0"/>
+                        </a:rPr>
+                        <a:t>External Tele Agency (Outbound Call) </a:t>
+                      </a:r>
+                    </a:p>
+                  </a:txBody>
+                  <a:tcPr marL="6350" marR="6350" marT="6350" marB="0" anchor="ctr">
+                    <a:lnL w="12700" cap="flat" cmpd="sng" algn="ctr">
+                      <a:solidFill>
+                        <a:srgbClr val="5A5A5A"/>
+                      </a:solidFill>
+                      <a:prstDash val="solid"/>
+                      <a:round/>
+                      <a:headEnd type="none" w="med" len="med"/>
+                      <a:tailEnd type="none" w="med" len="med"/>
+                    </a:lnL>
+                    <a:lnR w="12700" cap="flat" cmpd="sng" algn="ctr">
+                      <a:solidFill>
+                        <a:srgbClr val="5A5A5A"/>
+                      </a:solidFill>
+                      <a:prstDash val="solid"/>
+                      <a:round/>
+                      <a:headEnd type="none" w="med" len="med"/>
+                      <a:tailEnd type="none" w="med" len="med"/>
+                    </a:lnR>
+                    <a:lnT w="12700" cap="flat" cmpd="sng" algn="ctr">
+                      <a:solidFill>
+                        <a:srgbClr val="5A5A5A"/>
+                      </a:solidFill>
+                      <a:prstDash val="solid"/>
+                      <a:round/>
+                      <a:headEnd type="none" w="med" len="med"/>
+                      <a:tailEnd type="none" w="med" len="med"/>
+                    </a:lnT>
+                    <a:lnB w="12700" cap="flat" cmpd="sng" algn="ctr">
+                      <a:solidFill>
+                        <a:srgbClr val="5A5A5A"/>
+                      </a:solidFill>
+                      <a:prstDash val="solid"/>
+                      <a:round/>
+                      <a:headEnd type="none" w="med" len="med"/>
+                      <a:tailEnd type="none" w="med" len="med"/>
+                    </a:lnB>
+                    <a:solidFill>
+                      <a:srgbClr val="F5F7F7"/>
+                    </a:solidFill>
+                  </a:tcPr>
+                </a:tc>
+                <a:tc>
+                  <a:txBody>
+                    <a:bodyPr/>
+                    <a:lstStyle/>
+                    <a:p>
+                      <a:pPr algn="r" rtl="0" fontAlgn="ctr"/>
+                      <a:r>
+                        <a:rPr lang="is-IS" sz="1400" b="0" i="0" u="none" strike="noStrike">
+                          <a:solidFill>
+                            <a:srgbClr val="5A5A5A"/>
+                          </a:solidFill>
+                          <a:effectLst/>
+                          <a:latin typeface="Arial" charset="0"/>
+                          <a:ea typeface="Arial" charset="0"/>
+                          <a:cs typeface="Arial" charset="0"/>
+                        </a:rPr>
+                        <a:t>13 </a:t>
+                      </a:r>
+                    </a:p>
+                  </a:txBody>
+                  <a:tcPr marL="6350" marR="6350" marT="6350" marB="0" anchor="ctr">
+                    <a:lnL w="12700" cap="flat" cmpd="sng" algn="ctr">
+                      <a:solidFill>
+                        <a:srgbClr val="5A5A5A"/>
+                      </a:solidFill>
+                      <a:prstDash val="solid"/>
+                      <a:round/>
+                      <a:headEnd type="none" w="med" len="med"/>
+                      <a:tailEnd type="none" w="med" len="med"/>
+                    </a:lnL>
+                    <a:lnR w="12700" cap="flat" cmpd="sng" algn="ctr">
+                      <a:solidFill>
+                        <a:srgbClr val="5A5A5A"/>
+                      </a:solidFill>
+                      <a:prstDash val="solid"/>
+                      <a:round/>
+                      <a:headEnd type="none" w="med" len="med"/>
+                      <a:tailEnd type="none" w="med" len="med"/>
+                    </a:lnR>
+                    <a:lnT w="12700" cap="flat" cmpd="sng" algn="ctr">
+                      <a:solidFill>
+                        <a:srgbClr val="5A5A5A"/>
+                      </a:solidFill>
+                      <a:prstDash val="solid"/>
+                      <a:round/>
+                      <a:headEnd type="none" w="med" len="med"/>
+                      <a:tailEnd type="none" w="med" len="med"/>
+                    </a:lnT>
+                    <a:lnB w="12700" cap="flat" cmpd="sng" algn="ctr">
+                      <a:solidFill>
+                        <a:srgbClr val="5A5A5A"/>
+                      </a:solidFill>
+                      <a:prstDash val="solid"/>
+                      <a:round/>
+                      <a:headEnd type="none" w="med" len="med"/>
+                      <a:tailEnd type="none" w="med" len="med"/>
+                    </a:lnB>
+                    <a:solidFill>
+                      <a:srgbClr val="F5F7F7"/>
+                    </a:solidFill>
+                  </a:tcPr>
+                </a:tc>
+                <a:tc>
+                  <a:txBody>
+                    <a:bodyPr/>
+                    <a:lstStyle/>
+                    <a:p>
+                      <a:pPr algn="r" rtl="0" fontAlgn="ctr"/>
+                      <a:r>
+                        <a:rPr lang="mr-IN" sz="1400" b="0" i="0" u="none" strike="noStrike" dirty="0">
+                          <a:solidFill>
+                            <a:srgbClr val="5A5A5A"/>
+                          </a:solidFill>
+                          <a:effectLst/>
+                          <a:latin typeface="Arial" charset="0"/>
+                          <a:ea typeface="Arial" charset="0"/>
+                          <a:cs typeface="Arial" charset="0"/>
+                        </a:rPr>
+                        <a:t>5%</a:t>
+                      </a:r>
+                    </a:p>
+                  </a:txBody>
+                  <a:tcPr marL="6350" marR="6350" marT="6350" marB="0" anchor="ctr">
+                    <a:lnL w="12700" cap="flat" cmpd="sng" algn="ctr">
+                      <a:solidFill>
+                        <a:srgbClr val="5A5A5A"/>
+                      </a:solidFill>
+                      <a:prstDash val="solid"/>
+                      <a:round/>
+                      <a:headEnd type="none" w="med" len="med"/>
+                      <a:tailEnd type="none" w="med" len="med"/>
+                    </a:lnL>
+                    <a:lnR w="12700" cap="flat" cmpd="sng" algn="ctr">
+                      <a:solidFill>
+                        <a:srgbClr val="5A5A5A"/>
+                      </a:solidFill>
+                      <a:prstDash val="solid"/>
+                      <a:round/>
+                      <a:headEnd type="none" w="med" len="med"/>
+                      <a:tailEnd type="none" w="med" len="med"/>
+                    </a:lnR>
+                    <a:lnT w="12700" cap="flat" cmpd="sng" algn="ctr">
+                      <a:solidFill>
+                        <a:srgbClr val="5A5A5A"/>
+                      </a:solidFill>
+                      <a:prstDash val="solid"/>
+                      <a:round/>
+                      <a:headEnd type="none" w="med" len="med"/>
+                      <a:tailEnd type="none" w="med" len="med"/>
+                    </a:lnT>
+                    <a:lnB w="12700" cap="flat" cmpd="sng" algn="ctr">
+                      <a:solidFill>
+                        <a:srgbClr val="5A5A5A"/>
+                      </a:solidFill>
+                      <a:prstDash val="solid"/>
+                      <a:round/>
+                      <a:headEnd type="none" w="med" len="med"/>
+                      <a:tailEnd type="none" w="med" len="med"/>
+                    </a:lnB>
+                    <a:solidFill>
+                      <a:srgbClr val="F5F7F7"/>
+                    </a:solidFill>
+                  </a:tcPr>
+                </a:tc>
+              </a:tr>
+              <a:tr h="190500">
+                <a:tc>
+                  <a:txBody>
+                    <a:bodyPr/>
+                    <a:lstStyle/>
+                    <a:p>
+                      <a:pPr algn="l" rtl="0" fontAlgn="ctr"/>
+                      <a:r>
+                        <a:rPr lang="en-US" sz="1400" b="0" i="0" u="none" strike="noStrike">
+                          <a:solidFill>
+                            <a:srgbClr val="5A5A5A"/>
+                          </a:solidFill>
+                          <a:effectLst/>
+                          <a:latin typeface="Arial" charset="0"/>
+                          <a:ea typeface="Arial" charset="0"/>
+                          <a:cs typeface="Arial" charset="0"/>
+                        </a:rPr>
+                        <a:t>Agency Fee</a:t>
+                      </a:r>
+                    </a:p>
+                  </a:txBody>
+                  <a:tcPr marL="6350" marR="6350" marT="6350" marB="0" anchor="ctr">
+                    <a:lnL w="12700" cap="flat" cmpd="sng" algn="ctr">
+                      <a:solidFill>
+                        <a:srgbClr val="5A5A5A"/>
+                      </a:solidFill>
+                      <a:prstDash val="solid"/>
+                      <a:round/>
+                      <a:headEnd type="none" w="med" len="med"/>
+                      <a:tailEnd type="none" w="med" len="med"/>
+                    </a:lnL>
+                    <a:lnR w="12700" cap="flat" cmpd="sng" algn="ctr">
+                      <a:solidFill>
+                        <a:srgbClr val="5A5A5A"/>
+                      </a:solidFill>
+                      <a:prstDash val="solid"/>
+                      <a:round/>
+                      <a:headEnd type="none" w="med" len="med"/>
+                      <a:tailEnd type="none" w="med" len="med"/>
+                    </a:lnR>
+                    <a:lnT w="12700" cap="flat" cmpd="sng" algn="ctr">
+                      <a:solidFill>
+                        <a:srgbClr val="5A5A5A"/>
+                      </a:solidFill>
+                      <a:prstDash val="solid"/>
+                      <a:round/>
+                      <a:headEnd type="none" w="med" len="med"/>
+                      <a:tailEnd type="none" w="med" len="med"/>
+                    </a:lnT>
+                    <a:lnB w="12700" cap="flat" cmpd="sng" algn="ctr">
+                      <a:solidFill>
+                        <a:srgbClr val="5A5A5A"/>
+                      </a:solidFill>
+                      <a:prstDash val="solid"/>
+                      <a:round/>
+                      <a:headEnd type="none" w="med" len="med"/>
+                      <a:tailEnd type="none" w="med" len="med"/>
+                    </a:lnB>
+                    <a:solidFill>
+                      <a:srgbClr val="EBEEEE"/>
+                    </a:solidFill>
+                  </a:tcPr>
+                </a:tc>
+                <a:tc>
+                  <a:txBody>
+                    <a:bodyPr/>
+                    <a:lstStyle/>
+                    <a:p>
+                      <a:pPr algn="r" rtl="0" fontAlgn="ctr"/>
+                      <a:r>
+                        <a:rPr lang="ru-RU" sz="1400" b="0" i="0" u="none" strike="noStrike">
+                          <a:solidFill>
+                            <a:srgbClr val="5A5A5A"/>
+                          </a:solidFill>
+                          <a:effectLst/>
+                          <a:latin typeface="Arial" charset="0"/>
+                          <a:ea typeface="Arial" charset="0"/>
+                          <a:cs typeface="Arial" charset="0"/>
+                        </a:rPr>
+                        <a:t>58 </a:t>
+                      </a:r>
+                    </a:p>
+                  </a:txBody>
+                  <a:tcPr marL="6350" marR="6350" marT="6350" marB="0" anchor="ctr">
+                    <a:lnL w="12700" cap="flat" cmpd="sng" algn="ctr">
+                      <a:solidFill>
+                        <a:srgbClr val="5A5A5A"/>
+                      </a:solidFill>
+                      <a:prstDash val="solid"/>
+                      <a:round/>
+                      <a:headEnd type="none" w="med" len="med"/>
+                      <a:tailEnd type="none" w="med" len="med"/>
+                    </a:lnL>
+                    <a:lnR w="12700" cap="flat" cmpd="sng" algn="ctr">
+                      <a:solidFill>
+                        <a:srgbClr val="5A5A5A"/>
+                      </a:solidFill>
+                      <a:prstDash val="solid"/>
+                      <a:round/>
+                      <a:headEnd type="none" w="med" len="med"/>
+                      <a:tailEnd type="none" w="med" len="med"/>
+                    </a:lnR>
+                    <a:lnT w="12700" cap="flat" cmpd="sng" algn="ctr">
+                      <a:solidFill>
+                        <a:srgbClr val="5A5A5A"/>
+                      </a:solidFill>
+                      <a:prstDash val="solid"/>
+                      <a:round/>
+                      <a:headEnd type="none" w="med" len="med"/>
+                      <a:tailEnd type="none" w="med" len="med"/>
+                    </a:lnT>
+                    <a:lnB w="12700" cap="flat" cmpd="sng" algn="ctr">
+                      <a:solidFill>
+                        <a:srgbClr val="5A5A5A"/>
+                      </a:solidFill>
+                      <a:prstDash val="solid"/>
+                      <a:round/>
+                      <a:headEnd type="none" w="med" len="med"/>
+                      <a:tailEnd type="none" w="med" len="med"/>
+                    </a:lnB>
+                    <a:solidFill>
+                      <a:srgbClr val="EBEEEE"/>
+                    </a:solidFill>
+                  </a:tcPr>
+                </a:tc>
+                <a:tc>
+                  <a:txBody>
+                    <a:bodyPr/>
+                    <a:lstStyle/>
+                    <a:p>
+                      <a:pPr algn="r" rtl="0" fontAlgn="ctr"/>
+                      <a:r>
+                        <a:rPr lang="mr-IN" sz="1400" b="0" i="0" u="none" strike="noStrike">
+                          <a:solidFill>
+                            <a:srgbClr val="5A5A5A"/>
+                          </a:solidFill>
+                          <a:effectLst/>
+                          <a:latin typeface="Arial" charset="0"/>
+                          <a:ea typeface="Arial" charset="0"/>
+                          <a:cs typeface="Arial" charset="0"/>
+                        </a:rPr>
+                        <a:t>23%</a:t>
+                      </a:r>
+                    </a:p>
+                  </a:txBody>
+                  <a:tcPr marL="6350" marR="6350" marT="6350" marB="0" anchor="ctr">
+                    <a:lnL w="12700" cap="flat" cmpd="sng" algn="ctr">
+                      <a:solidFill>
+                        <a:srgbClr val="5A5A5A"/>
+                      </a:solidFill>
+                      <a:prstDash val="solid"/>
+                      <a:round/>
+                      <a:headEnd type="none" w="med" len="med"/>
+                      <a:tailEnd type="none" w="med" len="med"/>
+                    </a:lnL>
+                    <a:lnR w="12700" cap="flat" cmpd="sng" algn="ctr">
+                      <a:solidFill>
+                        <a:srgbClr val="5A5A5A"/>
+                      </a:solidFill>
+                      <a:prstDash val="solid"/>
+                      <a:round/>
+                      <a:headEnd type="none" w="med" len="med"/>
+                      <a:tailEnd type="none" w="med" len="med"/>
+                    </a:lnR>
+                    <a:lnT w="12700" cap="flat" cmpd="sng" algn="ctr">
+                      <a:solidFill>
+                        <a:srgbClr val="5A5A5A"/>
+                      </a:solidFill>
+                      <a:prstDash val="solid"/>
+                      <a:round/>
+                      <a:headEnd type="none" w="med" len="med"/>
+                      <a:tailEnd type="none" w="med" len="med"/>
+                    </a:lnT>
+                    <a:lnB w="12700" cap="flat" cmpd="sng" algn="ctr">
+                      <a:solidFill>
+                        <a:srgbClr val="5A5A5A"/>
+                      </a:solidFill>
+                      <a:prstDash val="solid"/>
+                      <a:round/>
+                      <a:headEnd type="none" w="med" len="med"/>
+                      <a:tailEnd type="none" w="med" len="med"/>
+                    </a:lnB>
+                    <a:solidFill>
+                      <a:srgbClr val="EBEEEE"/>
+                    </a:solidFill>
+                  </a:tcPr>
+                </a:tc>
+              </a:tr>
+              <a:tr h="190500">
+                <a:tc>
+                  <a:txBody>
+                    <a:bodyPr/>
+                    <a:lstStyle/>
+                    <a:p>
+                      <a:pPr algn="l" rtl="0" fontAlgn="ctr"/>
+                      <a:r>
+                        <a:rPr lang="en-US" sz="1400" b="0" i="0" u="none" strike="noStrike">
+                          <a:solidFill>
+                            <a:srgbClr val="5A5A5A"/>
+                          </a:solidFill>
+                          <a:effectLst/>
+                          <a:latin typeface="Arial" charset="0"/>
+                          <a:ea typeface="Arial" charset="0"/>
+                          <a:cs typeface="Arial" charset="0"/>
+                        </a:rPr>
+                        <a:t>IOT tax used for miscellaneous activities</a:t>
+                      </a:r>
+                    </a:p>
+                  </a:txBody>
+                  <a:tcPr marL="6350" marR="6350" marT="6350" marB="0" anchor="ctr">
+                    <a:lnL w="12700" cap="flat" cmpd="sng" algn="ctr">
+                      <a:solidFill>
+                        <a:srgbClr val="5A5A5A"/>
+                      </a:solidFill>
+                      <a:prstDash val="solid"/>
+                      <a:round/>
+                      <a:headEnd type="none" w="med" len="med"/>
+                      <a:tailEnd type="none" w="med" len="med"/>
+                    </a:lnL>
+                    <a:lnR w="12700" cap="flat" cmpd="sng" algn="ctr">
+                      <a:solidFill>
+                        <a:srgbClr val="5A5A5A"/>
+                      </a:solidFill>
+                      <a:prstDash val="solid"/>
+                      <a:round/>
+                      <a:headEnd type="none" w="med" len="med"/>
+                      <a:tailEnd type="none" w="med" len="med"/>
+                    </a:lnR>
+                    <a:lnT w="12700" cap="flat" cmpd="sng" algn="ctr">
+                      <a:solidFill>
+                        <a:srgbClr val="5A5A5A"/>
+                      </a:solidFill>
+                      <a:prstDash val="solid"/>
+                      <a:round/>
+                      <a:headEnd type="none" w="med" len="med"/>
+                      <a:tailEnd type="none" w="med" len="med"/>
+                    </a:lnT>
+                    <a:lnB w="12700" cap="flat" cmpd="sng" algn="ctr">
+                      <a:solidFill>
+                        <a:srgbClr val="5A5A5A"/>
+                      </a:solidFill>
+                      <a:prstDash val="solid"/>
+                      <a:round/>
+                      <a:headEnd type="none" w="med" len="med"/>
+                      <a:tailEnd type="none" w="med" len="med"/>
+                    </a:lnB>
+                    <a:solidFill>
+                      <a:srgbClr val="F5F7F7"/>
+                    </a:solidFill>
+                  </a:tcPr>
+                </a:tc>
+                <a:tc>
+                  <a:txBody>
+                    <a:bodyPr/>
+                    <a:lstStyle/>
+                    <a:p>
+                      <a:pPr algn="r" rtl="0" fontAlgn="ctr"/>
+                      <a:r>
+                        <a:rPr lang="en-US" altLang="ja-JP" sz="1400" b="0" i="0" u="none" strike="noStrike">
+                          <a:solidFill>
+                            <a:srgbClr val="5A5A5A"/>
+                          </a:solidFill>
+                          <a:effectLst/>
+                          <a:latin typeface="Arial" charset="0"/>
+                          <a:ea typeface="Arial" charset="0"/>
+                          <a:cs typeface="Arial" charset="0"/>
+                        </a:rPr>
+                        <a:t>5 </a:t>
+                      </a:r>
+                    </a:p>
+                  </a:txBody>
+                  <a:tcPr marL="6350" marR="6350" marT="6350" marB="0" anchor="ctr">
+                    <a:lnL w="12700" cap="flat" cmpd="sng" algn="ctr">
+                      <a:solidFill>
+                        <a:srgbClr val="5A5A5A"/>
+                      </a:solidFill>
+                      <a:prstDash val="solid"/>
+                      <a:round/>
+                      <a:headEnd type="none" w="med" len="med"/>
+                      <a:tailEnd type="none" w="med" len="med"/>
+                    </a:lnL>
+                    <a:lnR w="12700" cap="flat" cmpd="sng" algn="ctr">
+                      <a:solidFill>
+                        <a:srgbClr val="5A5A5A"/>
+                      </a:solidFill>
+                      <a:prstDash val="solid"/>
+                      <a:round/>
+                      <a:headEnd type="none" w="med" len="med"/>
+                      <a:tailEnd type="none" w="med" len="med"/>
+                    </a:lnR>
+                    <a:lnT w="12700" cap="flat" cmpd="sng" algn="ctr">
+                      <a:solidFill>
+                        <a:srgbClr val="5A5A5A"/>
+                      </a:solidFill>
+                      <a:prstDash val="solid"/>
+                      <a:round/>
+                      <a:headEnd type="none" w="med" len="med"/>
+                      <a:tailEnd type="none" w="med" len="med"/>
+                    </a:lnT>
+                    <a:lnB w="12700" cap="flat" cmpd="sng" algn="ctr">
+                      <a:solidFill>
+                        <a:srgbClr val="5A5A5A"/>
+                      </a:solidFill>
+                      <a:prstDash val="solid"/>
+                      <a:round/>
+                      <a:headEnd type="none" w="med" len="med"/>
+                      <a:tailEnd type="none" w="med" len="med"/>
+                    </a:lnB>
+                    <a:solidFill>
+                      <a:srgbClr val="F5F7F7"/>
+                    </a:solidFill>
+                  </a:tcPr>
+                </a:tc>
+                <a:tc>
+                  <a:txBody>
+                    <a:bodyPr/>
+                    <a:lstStyle/>
+                    <a:p>
+                      <a:pPr algn="r" rtl="0" fontAlgn="ctr"/>
+                      <a:r>
+                        <a:rPr lang="mr-IN" sz="1400" b="0" i="0" u="none" strike="noStrike" dirty="0">
+                          <a:solidFill>
+                            <a:srgbClr val="5A5A5A"/>
+                          </a:solidFill>
+                          <a:effectLst/>
+                          <a:latin typeface="Arial" charset="0"/>
+                          <a:ea typeface="Arial" charset="0"/>
+                          <a:cs typeface="Arial" charset="0"/>
+                        </a:rPr>
+                        <a:t>2%</a:t>
+                      </a:r>
+                    </a:p>
+                  </a:txBody>
+                  <a:tcPr marL="6350" marR="6350" marT="6350" marB="0" anchor="ctr">
+                    <a:lnL w="12700" cap="flat" cmpd="sng" algn="ctr">
+                      <a:solidFill>
+                        <a:srgbClr val="5A5A5A"/>
+                      </a:solidFill>
+                      <a:prstDash val="solid"/>
+                      <a:round/>
+                      <a:headEnd type="none" w="med" len="med"/>
+                      <a:tailEnd type="none" w="med" len="med"/>
+                    </a:lnL>
+                    <a:lnR w="12700" cap="flat" cmpd="sng" algn="ctr">
+                      <a:solidFill>
+                        <a:srgbClr val="5A5A5A"/>
+                      </a:solidFill>
+                      <a:prstDash val="solid"/>
+                      <a:round/>
+                      <a:headEnd type="none" w="med" len="med"/>
+                      <a:tailEnd type="none" w="med" len="med"/>
+                    </a:lnR>
+                    <a:lnT w="12700" cap="flat" cmpd="sng" algn="ctr">
+                      <a:solidFill>
+                        <a:srgbClr val="5A5A5A"/>
+                      </a:solidFill>
+                      <a:prstDash val="solid"/>
+                      <a:round/>
+                      <a:headEnd type="none" w="med" len="med"/>
+                      <a:tailEnd type="none" w="med" len="med"/>
+                    </a:lnT>
+                    <a:lnB w="12700" cap="flat" cmpd="sng" algn="ctr">
+                      <a:solidFill>
+                        <a:srgbClr val="5A5A5A"/>
+                      </a:solidFill>
+                      <a:prstDash val="solid"/>
+                      <a:round/>
+                      <a:headEnd type="none" w="med" len="med"/>
+                      <a:tailEnd type="none" w="med" len="med"/>
+                    </a:lnB>
+                    <a:solidFill>
+                      <a:srgbClr val="F5F7F7"/>
+                    </a:solidFill>
+                  </a:tcPr>
+                </a:tc>
+              </a:tr>
+              <a:tr h="177800">
+                <a:tc>
+                  <a:txBody>
+                    <a:bodyPr/>
+                    <a:lstStyle/>
+                    <a:p>
+                      <a:pPr algn="ctr" rtl="0" fontAlgn="ctr"/>
+                      <a:r>
+                        <a:rPr lang="ja-JP" altLang="en-US" sz="1400" b="1" i="0" u="none" strike="noStrike">
+                          <a:solidFill>
+                            <a:srgbClr val="5A5A5A"/>
+                          </a:solidFill>
+                          <a:effectLst/>
+                          <a:latin typeface="Arial" charset="0"/>
+                          <a:ea typeface="Arial" charset="0"/>
+                          <a:cs typeface="Arial" charset="0"/>
+                        </a:rPr>
+                        <a:t>　</a:t>
+                      </a:r>
+                    </a:p>
+                  </a:txBody>
+                  <a:tcPr marL="6350" marR="6350" marT="6350" marB="0" anchor="ctr">
+                    <a:lnL>
+                      <a:noFill/>
+                    </a:lnL>
+                    <a:lnR w="12700" cap="flat" cmpd="sng" algn="ctr">
+                      <a:solidFill>
+                        <a:srgbClr val="5A5A5A"/>
+                      </a:solidFill>
+                      <a:prstDash val="solid"/>
+                      <a:round/>
+                      <a:headEnd type="none" w="med" len="med"/>
+                      <a:tailEnd type="none" w="med" len="med"/>
+                    </a:lnR>
+                    <a:lnT w="12700" cap="flat" cmpd="sng" algn="ctr">
+                      <a:solidFill>
+                        <a:srgbClr val="5A5A5A"/>
+                      </a:solidFill>
+                      <a:prstDash val="solid"/>
+                      <a:round/>
+                      <a:headEnd type="none" w="med" len="med"/>
+                      <a:tailEnd type="none" w="med" len="med"/>
+                    </a:lnT>
+                    <a:lnB w="12700" cap="flat" cmpd="sng" algn="ctr">
+                      <a:solidFill>
+                        <a:srgbClr val="5A5A5A"/>
+                      </a:solidFill>
+                      <a:prstDash val="solid"/>
+                      <a:round/>
+                      <a:headEnd type="none" w="med" len="med"/>
+                      <a:tailEnd type="none" w="med" len="med"/>
+                    </a:lnB>
+                    <a:solidFill>
+                      <a:srgbClr val="F5F7F7"/>
+                    </a:solidFill>
+                  </a:tcPr>
+                </a:tc>
+                <a:tc>
+                  <a:txBody>
+                    <a:bodyPr/>
+                    <a:lstStyle/>
+                    <a:p>
+                      <a:pPr algn="r" rtl="0" fontAlgn="ctr"/>
+                      <a:r>
+                        <a:rPr lang="is-IS" sz="1400" b="1" i="0" u="none" strike="noStrike">
+                          <a:solidFill>
+                            <a:srgbClr val="5A5A5A"/>
+                          </a:solidFill>
+                          <a:effectLst/>
+                          <a:latin typeface="Arial" charset="0"/>
+                          <a:ea typeface="Arial" charset="0"/>
+                          <a:cs typeface="Arial" charset="0"/>
+                        </a:rPr>
+                        <a:t>250</a:t>
+                      </a:r>
+                    </a:p>
+                  </a:txBody>
+                  <a:tcPr marL="6350" marR="6350" marT="6350" marB="0" anchor="ctr">
+                    <a:lnL w="12700" cap="flat" cmpd="sng" algn="ctr">
+                      <a:solidFill>
+                        <a:srgbClr val="5A5A5A"/>
+                      </a:solidFill>
+                      <a:prstDash val="solid"/>
+                      <a:round/>
+                      <a:headEnd type="none" w="med" len="med"/>
+                      <a:tailEnd type="none" w="med" len="med"/>
+                    </a:lnL>
+                    <a:lnR w="12700" cap="flat" cmpd="sng" algn="ctr">
+                      <a:solidFill>
+                        <a:srgbClr val="5A5A5A"/>
+                      </a:solidFill>
+                      <a:prstDash val="solid"/>
+                      <a:round/>
+                      <a:headEnd type="none" w="med" len="med"/>
+                      <a:tailEnd type="none" w="med" len="med"/>
+                    </a:lnR>
+                    <a:lnT w="12700" cap="flat" cmpd="sng" algn="ctr">
+                      <a:solidFill>
+                        <a:srgbClr val="5A5A5A"/>
+                      </a:solidFill>
+                      <a:prstDash val="solid"/>
+                      <a:round/>
+                      <a:headEnd type="none" w="med" len="med"/>
+                      <a:tailEnd type="none" w="med" len="med"/>
+                    </a:lnT>
+                    <a:lnB w="12700" cap="flat" cmpd="sng" algn="ctr">
+                      <a:solidFill>
+                        <a:srgbClr val="5A5A5A"/>
+                      </a:solidFill>
+                      <a:prstDash val="solid"/>
+                      <a:round/>
+                      <a:headEnd type="none" w="med" len="med"/>
+                      <a:tailEnd type="none" w="med" len="med"/>
+                    </a:lnB>
+                    <a:solidFill>
+                      <a:srgbClr val="F5F7F7"/>
+                    </a:solidFill>
+                  </a:tcPr>
+                </a:tc>
+                <a:tc>
+                  <a:txBody>
+                    <a:bodyPr/>
+                    <a:lstStyle/>
+                    <a:p>
+                      <a:pPr algn="r" rtl="0" fontAlgn="ctr"/>
+                      <a:r>
+                        <a:rPr lang="mr-IN" sz="1400" b="1" i="0" u="none" strike="noStrike" dirty="0">
+                          <a:solidFill>
+                            <a:srgbClr val="5A5A5A"/>
+                          </a:solidFill>
+                          <a:effectLst/>
+                          <a:latin typeface="Arial" charset="0"/>
+                          <a:ea typeface="Arial" charset="0"/>
+                          <a:cs typeface="Arial" charset="0"/>
+                        </a:rPr>
+                        <a:t>100%</a:t>
+                      </a:r>
+                    </a:p>
+                  </a:txBody>
+                  <a:tcPr marL="6350" marR="6350" marT="6350" marB="0" anchor="ctr">
+                    <a:lnL w="12700" cap="flat" cmpd="sng" algn="ctr">
+                      <a:solidFill>
+                        <a:srgbClr val="5A5A5A"/>
+                      </a:solidFill>
+                      <a:prstDash val="solid"/>
+                      <a:round/>
+                      <a:headEnd type="none" w="med" len="med"/>
+                      <a:tailEnd type="none" w="med" len="med"/>
+                    </a:lnL>
+                    <a:lnR w="12700" cap="flat" cmpd="sng" algn="ctr">
+                      <a:solidFill>
+                        <a:srgbClr val="5A5A5A"/>
+                      </a:solidFill>
+                      <a:prstDash val="solid"/>
+                      <a:round/>
+                      <a:headEnd type="none" w="med" len="med"/>
+                      <a:tailEnd type="none" w="med" len="med"/>
+                    </a:lnR>
+                    <a:lnT w="12700" cap="flat" cmpd="sng" algn="ctr">
+                      <a:solidFill>
+                        <a:srgbClr val="5A5A5A"/>
+                      </a:solidFill>
+                      <a:prstDash val="solid"/>
+                      <a:round/>
+                      <a:headEnd type="none" w="med" len="med"/>
+                      <a:tailEnd type="none" w="med" len="med"/>
+                    </a:lnT>
+                    <a:lnB w="12700" cap="flat" cmpd="sng" algn="ctr">
+                      <a:solidFill>
+                        <a:srgbClr val="5A5A5A"/>
+                      </a:solidFill>
+                      <a:prstDash val="solid"/>
+                      <a:round/>
+                      <a:headEnd type="none" w="med" len="med"/>
+                      <a:tailEnd type="none" w="med" len="med"/>
+                    </a:lnB>
+                    <a:solidFill>
+                      <a:srgbClr val="F5F7F7"/>
+                    </a:solidFill>
+                  </a:tcPr>
+                </a:tc>
+              </a:tr>
+            </a:tbl>
+          </a:graphicData>
+        </a:graphic>
+      </p:graphicFrame>
+      <p:graphicFrame>
+        <p:nvGraphicFramePr>
+          <p:cNvPr id="12" name="グラフ 11"/>
+          <p:cNvGraphicFramePr>
+            <a:graphicFrameLocks/>
+          </p:cNvGraphicFramePr>
+          <p:nvPr>
+            <p:extLst>
+              <p:ext uri="{D42A27DB-BD31-4B8C-83A1-F6EECF244321}">
+                <p14:modId xmlns:p14="http://schemas.microsoft.com/office/powerpoint/2010/main" val="1599954901"/>
+              </p:ext>
+            </p:extLst>
+          </p:nvPr>
+        </p:nvGraphicFramePr>
+        <p:xfrm>
+          <a:off x="7299434" y="2000804"/>
+          <a:ext cx="4568092" cy="2747108"/>
+        </p:xfrm>
+        <a:graphic>
+          <a:graphicData uri="http://schemas.openxmlformats.org/drawingml/2006/chart">
+            <c:chart xmlns:c="http://schemas.openxmlformats.org/drawingml/2006/chart" xmlns:r="http://schemas.openxmlformats.org/officeDocument/2006/relationships" r:id="rId3"/>
+          </a:graphicData>
+        </a:graphic>
+      </p:graphicFrame>
+    </p:spTree>
+    <p:extLst>
+      <p:ext uri="{BB962C8B-B14F-4D97-AF65-F5344CB8AC3E}">
+        <p14:creationId xmlns:p14="http://schemas.microsoft.com/office/powerpoint/2010/main" val="1572227088"/>
+      </p:ext>
+    </p:extLst>
+  </p:cSld>
+  <p:clrMapOvr>
+    <a:masterClrMapping/>
+  </p:clrMapOvr>
+  <p:timing>
+    <p:tnLst>
+      <p:par>
+        <p:cTn id="1" dur="indefinite" restart="never" nodeType="tmRoot"/>
+      </p:par>
+    </p:tnLst>
+  </p:timing>
+</p:sld>
+</file>
+
+<file path=ppt/slides/slide8.xml><?xml version="1.0" encoding="utf-8"?>
+<p:sld xmlns:a="http://schemas.openxmlformats.org/drawingml/2006/main" xmlns:r="http://schemas.openxmlformats.org/officeDocument/2006/relationships" xmlns:p="http://schemas.openxmlformats.org/presentationml/2006/main">
+  <p:cSld>
+    <p:spTree>
+      <p:nvGrpSpPr>
+        <p:cNvPr id="1" name=""/>
+        <p:cNvGrpSpPr/>
+        <p:nvPr/>
+      </p:nvGrpSpPr>
+      <p:grpSpPr>
+        <a:xfrm>
+          <a:off x="0" y="0"/>
+          <a:ext cx="0" cy="0"/>
+          <a:chOff x="0" y="0"/>
+          <a:chExt cx="0" cy="0"/>
+        </a:xfrm>
+      </p:grpSpPr>
       <p:sp>
         <p:nvSpPr>
           <p:cNvPr id="2" name="Title 1"/>
@@ -24324,52 +29498,6 @@
       </p:sp>
       <p:sp>
         <p:nvSpPr>
-          <p:cNvPr id="8" name="正方形/長方形 7"/>
-          <p:cNvSpPr/>
-          <p:nvPr/>
-        </p:nvSpPr>
-        <p:spPr>
-          <a:xfrm>
-            <a:off x="651753" y="6456285"/>
-            <a:ext cx="3433864" cy="282102"/>
-          </a:xfrm>
-          <a:prstGeom prst="rect">
-            <a:avLst/>
-          </a:prstGeom>
-          <a:solidFill>
-            <a:srgbClr val="FFFFFF"/>
-          </a:solidFill>
-          <a:ln>
-            <a:noFill/>
-          </a:ln>
-        </p:spPr>
-        <p:style>
-          <a:lnRef idx="2">
-            <a:schemeClr val="accent1">
-              <a:shade val="50000"/>
-            </a:schemeClr>
-          </a:lnRef>
-          <a:fillRef idx="1">
-            <a:schemeClr val="accent1"/>
-          </a:fillRef>
-          <a:effectRef idx="0">
-            <a:schemeClr val="accent1"/>
-          </a:effectRef>
-          <a:fontRef idx="minor">
-            <a:schemeClr val="lt1"/>
-          </a:fontRef>
-        </p:style>
-        <p:txBody>
-          <a:bodyPr rtlCol="0" anchor="ctr"/>
-          <a:lstStyle/>
-          <a:p>
-            <a:pPr algn="ctr"/>
-            <a:endParaRPr kumimoji="1" lang="ja-JP" altLang="en-US"/>
-          </a:p>
-        </p:txBody>
-      </p:sp>
-      <p:sp>
-        <p:nvSpPr>
           <p:cNvPr id="4" name="テキスト ボックス 3"/>
           <p:cNvSpPr txBox="1"/>
           <p:nvPr/>
@@ -24377,7 +29505,7 @@
         <p:spPr>
           <a:xfrm>
             <a:off x="322023" y="1309477"/>
-            <a:ext cx="11426632" cy="5355312"/>
+            <a:ext cx="11426632" cy="4801314"/>
           </a:xfrm>
           <a:prstGeom prst="rect">
             <a:avLst/>
@@ -24395,7 +29523,7 @@
               <a:buChar char="•"/>
             </a:pPr>
             <a:r>
-              <a:rPr lang="en-US" altLang="ja-JP" b="1" dirty="0" smtClean="0">
+              <a:rPr lang="en-US" altLang="ja-JP" sz="1700" b="1" dirty="0" smtClean="0">
                 <a:latin typeface="Arial" charset="0"/>
                 <a:ea typeface="Arial" charset="0"/>
                 <a:cs typeface="Arial" charset="0"/>
@@ -24409,7 +29537,7 @@
               <a:buChar char="•"/>
             </a:pPr>
             <a:r>
-              <a:rPr lang="en-US" altLang="ja-JP" dirty="0" smtClean="0">
+              <a:rPr lang="en-US" altLang="ja-JP" sz="1700" dirty="0" smtClean="0">
                 <a:latin typeface="Arial" charset="0"/>
                 <a:ea typeface="Arial" charset="0"/>
                 <a:cs typeface="Arial" charset="0"/>
@@ -24423,7 +29551,7 @@
               <a:buChar char="•"/>
             </a:pPr>
             <a:r>
-              <a:rPr lang="en-US" altLang="ja-JP" b="1" dirty="0" smtClean="0">
+              <a:rPr lang="en-US" altLang="ja-JP" sz="1700" b="1" dirty="0" smtClean="0">
                 <a:latin typeface="Arial" charset="0"/>
                 <a:ea typeface="Arial" charset="0"/>
                 <a:cs typeface="Arial" charset="0"/>
@@ -24437,7 +29565,7 @@
               <a:buChar char="•"/>
             </a:pPr>
             <a:r>
-              <a:rPr lang="en-US" altLang="ja-JP" dirty="0" smtClean="0">
+              <a:rPr lang="en-US" altLang="ja-JP" sz="1700" dirty="0" smtClean="0">
                 <a:latin typeface="Arial" charset="0"/>
                 <a:ea typeface="Arial" charset="0"/>
                 <a:cs typeface="Arial" charset="0"/>
@@ -24451,7 +29579,7 @@
               <a:buChar char="•"/>
             </a:pPr>
             <a:r>
-              <a:rPr lang="en-US" altLang="ja-JP" dirty="0" smtClean="0">
+              <a:rPr lang="en-US" altLang="ja-JP" sz="1700" dirty="0" smtClean="0">
                 <a:latin typeface="Arial" charset="0"/>
                 <a:ea typeface="Arial" charset="0"/>
                 <a:cs typeface="Arial" charset="0"/>
@@ -24465,7 +29593,7 @@
               <a:buChar char="•"/>
             </a:pPr>
             <a:r>
-              <a:rPr lang="en-US" altLang="ja-JP" b="1" dirty="0">
+              <a:rPr lang="en-US" altLang="ja-JP" sz="1700" b="1" dirty="0">
                 <a:latin typeface="Arial" charset="0"/>
                 <a:ea typeface="Arial" charset="0"/>
                 <a:cs typeface="Arial" charset="0"/>
@@ -24479,14 +29607,14 @@
               <a:buChar char="•"/>
             </a:pPr>
             <a:r>
-              <a:rPr lang="en-US" altLang="ja-JP" dirty="0">
+              <a:rPr lang="en-US" altLang="ja-JP" sz="1700" dirty="0">
                 <a:latin typeface="Arial" charset="0"/>
                 <a:ea typeface="Arial" charset="0"/>
                 <a:cs typeface="Arial" charset="0"/>
               </a:rPr>
               <a:t>What is primary KPI for Marketing? </a:t>
             </a:r>
-            <a:endParaRPr lang="en-US" altLang="ja-JP" dirty="0" smtClean="0">
+            <a:endParaRPr lang="en-US" altLang="ja-JP" sz="1700" dirty="0" smtClean="0">
               <a:latin typeface="Arial" charset="0"/>
               <a:ea typeface="Arial" charset="0"/>
               <a:cs typeface="Arial" charset="0"/>
@@ -24498,7 +29626,7 @@
               <a:buChar char="•"/>
             </a:pPr>
             <a:r>
-              <a:rPr lang="en-US" altLang="ja-JP" b="1" dirty="0" smtClean="0">
+              <a:rPr lang="en-US" altLang="ja-JP" sz="1700" b="1" dirty="0" smtClean="0">
                 <a:latin typeface="Arial" charset="0"/>
                 <a:ea typeface="Arial" charset="0"/>
                 <a:cs typeface="Arial" charset="0"/>
@@ -24512,7 +29640,7 @@
               <a:buChar char="•"/>
             </a:pPr>
             <a:r>
-              <a:rPr lang="en-US" altLang="ja-JP" dirty="0" smtClean="0">
+              <a:rPr lang="en-US" altLang="ja-JP" sz="1700" dirty="0" smtClean="0">
                 <a:latin typeface="Arial" charset="0"/>
                 <a:ea typeface="Arial" charset="0"/>
                 <a:cs typeface="Arial" charset="0"/>
@@ -24526,7 +29654,7 @@
               <a:buChar char="•"/>
             </a:pPr>
             <a:r>
-              <a:rPr lang="en-US" altLang="ja-JP" b="1" dirty="0" smtClean="0">
+              <a:rPr lang="en-US" altLang="ja-JP" sz="1700" b="1" dirty="0" smtClean="0">
                 <a:latin typeface="Arial" charset="0"/>
                 <a:ea typeface="Arial" charset="0"/>
                 <a:cs typeface="Arial" charset="0"/>
@@ -24540,7 +29668,7 @@
               <a:buChar char="•"/>
             </a:pPr>
             <a:r>
-              <a:rPr lang="en-US" altLang="ja-JP" dirty="0" smtClean="0">
+              <a:rPr lang="en-US" altLang="ja-JP" sz="1700" dirty="0" smtClean="0">
                 <a:latin typeface="Arial" charset="0"/>
                 <a:ea typeface="Arial" charset="0"/>
                 <a:cs typeface="Arial" charset="0"/>
@@ -24548,7 +29676,7 @@
               <a:t>How do you buy paid medias such as display ads, paid </a:t>
             </a:r>
             <a:r>
-              <a:rPr lang="en-US" altLang="ja-JP" dirty="0">
+              <a:rPr lang="en-US" altLang="ja-JP" sz="1700" dirty="0">
                 <a:latin typeface="Arial" charset="0"/>
                 <a:ea typeface="Arial" charset="0"/>
                 <a:cs typeface="Arial" charset="0"/>
@@ -24556,7 +29684,7 @@
               <a:t>s</a:t>
             </a:r>
             <a:r>
-              <a:rPr lang="en-US" altLang="ja-JP" dirty="0" smtClean="0">
+              <a:rPr lang="en-US" altLang="ja-JP" sz="1700" dirty="0" smtClean="0">
                 <a:latin typeface="Arial" charset="0"/>
                 <a:ea typeface="Arial" charset="0"/>
                 <a:cs typeface="Arial" charset="0"/>
@@ -24570,7 +29698,7 @@
               <a:buChar char="•"/>
             </a:pPr>
             <a:r>
-              <a:rPr lang="en-US" altLang="ja-JP" b="1" dirty="0" smtClean="0">
+              <a:rPr lang="en-US" altLang="ja-JP" sz="1700" b="1" dirty="0" smtClean="0">
                 <a:latin typeface="Arial" charset="0"/>
                 <a:ea typeface="Arial" charset="0"/>
                 <a:cs typeface="Arial" charset="0"/>
@@ -24584,14 +29712,14 @@
               <a:buChar char="•"/>
             </a:pPr>
             <a:r>
-              <a:rPr lang="en-US" altLang="ja-JP" dirty="0" smtClean="0">
+              <a:rPr lang="en-US" altLang="ja-JP" sz="1700" dirty="0" smtClean="0">
                 <a:latin typeface="Arial" charset="0"/>
                 <a:ea typeface="Arial" charset="0"/>
                 <a:cs typeface="Arial" charset="0"/>
               </a:rPr>
               <a:t>How do you manage Geo specific customer data?  Any centralized database?</a:t>
             </a:r>
-            <a:endParaRPr kumimoji="1" lang="en-US" altLang="ja-JP" dirty="0" smtClean="0">
+            <a:endParaRPr kumimoji="1" lang="en-US" altLang="ja-JP" sz="1700" dirty="0" smtClean="0">
               <a:latin typeface="Arial" charset="0"/>
               <a:ea typeface="Arial" charset="0"/>
               <a:cs typeface="Arial" charset="0"/>
@@ -24603,7 +29731,7 @@
               <a:buChar char="•"/>
             </a:pPr>
             <a:r>
-              <a:rPr lang="en-US" altLang="ja-JP" b="1" dirty="0" smtClean="0">
+              <a:rPr lang="en-US" altLang="ja-JP" sz="1700" b="1" dirty="0" smtClean="0">
                 <a:latin typeface="Arial" charset="0"/>
                 <a:ea typeface="Arial" charset="0"/>
                 <a:cs typeface="Arial" charset="0"/>
@@ -24617,7 +29745,7 @@
               <a:buChar char="•"/>
             </a:pPr>
             <a:r>
-              <a:rPr lang="en-US" altLang="ja-JP" dirty="0" smtClean="0">
+              <a:rPr lang="en-US" altLang="ja-JP" sz="1700" dirty="0" smtClean="0">
                 <a:latin typeface="Arial" charset="0"/>
                 <a:ea typeface="Arial" charset="0"/>
                 <a:cs typeface="Arial" charset="0"/>
@@ -24625,7 +29753,7 @@
               <a:t>Is there any </a:t>
             </a:r>
             <a:r>
-              <a:rPr lang="en-US" altLang="ja-JP" dirty="0">
+              <a:rPr lang="en-US" altLang="ja-JP" sz="1700" dirty="0">
                 <a:latin typeface="Arial" charset="0"/>
                 <a:ea typeface="Arial" charset="0"/>
                 <a:cs typeface="Arial" charset="0"/>
@@ -24633,7 +29761,7 @@
               <a:t>c</a:t>
             </a:r>
             <a:r>
-              <a:rPr lang="en-US" altLang="ja-JP" dirty="0" smtClean="0">
+              <a:rPr lang="en-US" altLang="ja-JP" sz="1700" dirty="0" smtClean="0">
                 <a:latin typeface="Arial" charset="0"/>
                 <a:ea typeface="Arial" charset="0"/>
                 <a:cs typeface="Arial" charset="0"/>
@@ -24641,7 +29769,7 @@
               <a:t>entralized function for MI? How do Geo marketing get local market </a:t>
             </a:r>
             <a:r>
-              <a:rPr lang="en-US" altLang="ja-JP" dirty="0">
+              <a:rPr lang="en-US" altLang="ja-JP" sz="1700" dirty="0">
                 <a:latin typeface="Arial" charset="0"/>
                 <a:ea typeface="Arial" charset="0"/>
                 <a:cs typeface="Arial" charset="0"/>
@@ -24649,7 +29777,7 @@
               <a:t>Insights/research </a:t>
             </a:r>
             <a:r>
-              <a:rPr lang="en-US" altLang="ja-JP" dirty="0" smtClean="0">
+              <a:rPr lang="en-US" altLang="ja-JP" sz="1700" dirty="0" smtClean="0">
                 <a:latin typeface="Arial" charset="0"/>
                 <a:ea typeface="Arial" charset="0"/>
                 <a:cs typeface="Arial" charset="0"/>
@@ -24663,7 +29791,7 @@
               <a:buChar char="•"/>
             </a:pPr>
             <a:r>
-              <a:rPr kumimoji="1" lang="en-US" altLang="ja-JP" b="1" dirty="0" smtClean="0">
+              <a:rPr kumimoji="1" lang="en-US" altLang="ja-JP" sz="1700" b="1" dirty="0" smtClean="0">
                 <a:latin typeface="Arial" charset="0"/>
                 <a:ea typeface="Arial" charset="0"/>
                 <a:cs typeface="Arial" charset="0"/>
@@ -24677,14 +29805,14 @@
               <a:buChar char="•"/>
             </a:pPr>
             <a:r>
-              <a:rPr lang="en-US" altLang="ja-JP" dirty="0" smtClean="0">
+              <a:rPr lang="en-US" altLang="ja-JP" sz="1700" dirty="0" smtClean="0">
                 <a:latin typeface="Arial" charset="0"/>
                 <a:ea typeface="Arial" charset="0"/>
                 <a:cs typeface="Arial" charset="0"/>
               </a:rPr>
               <a:t>Is there any inside sales functions?</a:t>
             </a:r>
-            <a:endParaRPr kumimoji="1" lang="ja-JP" altLang="en-US" dirty="0">
+            <a:endParaRPr kumimoji="1" lang="ja-JP" altLang="en-US" sz="1700" dirty="0">
               <a:latin typeface="Arial" charset="0"/>
               <a:ea typeface="Arial" charset="0"/>
               <a:cs typeface="Arial" charset="0"/>
@@ -24712,7 +29840,7 @@
 </p:sld>
 </file>
 
-<file path=ppt/slides/slide7.xml><?xml version="1.0" encoding="utf-8"?>
+<file path=ppt/slides/slide9.xml><?xml version="1.0" encoding="utf-8"?>
 <p:sld xmlns:a="http://schemas.openxmlformats.org/drawingml/2006/main" xmlns:r="http://schemas.openxmlformats.org/officeDocument/2006/relationships" xmlns:p="http://schemas.openxmlformats.org/presentationml/2006/main">
   <p:cSld>
     <p:spTree>
@@ -24799,1158 +29927,6 @@
     <p:extLst>
       <p:ext uri="{BB962C8B-B14F-4D97-AF65-F5344CB8AC3E}">
         <p14:creationId xmlns:p14="http://schemas.microsoft.com/office/powerpoint/2010/main" val="1572702477"/>
-      </p:ext>
-    </p:extLst>
-  </p:cSld>
-  <p:clrMapOvr>
-    <a:masterClrMapping/>
-  </p:clrMapOvr>
-</p:sld>
-</file>
-
-<file path=ppt/slides/slide8.xml><?xml version="1.0" encoding="utf-8"?>
-<p:sld xmlns:a="http://schemas.openxmlformats.org/drawingml/2006/main" xmlns:r="http://schemas.openxmlformats.org/officeDocument/2006/relationships" xmlns:p="http://schemas.openxmlformats.org/presentationml/2006/main">
-  <p:cSld>
-    <p:spTree>
-      <p:nvGrpSpPr>
-        <p:cNvPr id="1" name=""/>
-        <p:cNvGrpSpPr/>
-        <p:nvPr/>
-      </p:nvGrpSpPr>
-      <p:grpSpPr>
-        <a:xfrm>
-          <a:off x="0" y="0"/>
-          <a:ext cx="0" cy="0"/>
-          <a:chOff x="0" y="0"/>
-          <a:chExt cx="0" cy="0"/>
-        </a:xfrm>
-      </p:grpSpPr>
-      <p:sp>
-        <p:nvSpPr>
-          <p:cNvPr id="2" name="Title 1"/>
-          <p:cNvSpPr>
-            <a:spLocks noGrp="1"/>
-          </p:cNvSpPr>
-          <p:nvPr>
-            <p:ph type="title"/>
-          </p:nvPr>
-        </p:nvSpPr>
-        <p:spPr>
-          <a:xfrm>
-            <a:off x="322023" y="328628"/>
-            <a:ext cx="11426632" cy="605294"/>
-          </a:xfrm>
-        </p:spPr>
-        <p:txBody>
-          <a:bodyPr/>
-          <a:lstStyle/>
-          <a:p>
-            <a:r>
-              <a:rPr kumimoji="1" lang="en-US" altLang="ja-JP" sz="3600" b="1" dirty="0" smtClean="0">
-                <a:solidFill>
-                  <a:srgbClr val="00B0F0"/>
-                </a:solidFill>
-                <a:latin typeface="Arial" charset="0"/>
-                <a:ea typeface="Arial" charset="0"/>
-                <a:cs typeface="Arial" charset="0"/>
-              </a:rPr>
-              <a:t>Persona</a:t>
-            </a:r>
-            <a:endParaRPr kumimoji="1" lang="ja-JP" altLang="en-US" sz="2933" b="1" dirty="0">
-              <a:solidFill>
-                <a:srgbClr val="00B0F0"/>
-              </a:solidFill>
-              <a:latin typeface="Arial" charset="0"/>
-              <a:ea typeface="Arial" charset="0"/>
-              <a:cs typeface="Arial" charset="0"/>
-            </a:endParaRPr>
-          </a:p>
-        </p:txBody>
-      </p:sp>
-      <p:sp>
-        <p:nvSpPr>
-          <p:cNvPr id="5" name="Text Placeholder 3"/>
-          <p:cNvSpPr>
-            <a:spLocks noGrp="1"/>
-          </p:cNvSpPr>
-          <p:nvPr>
-            <p:ph type="body" sz="quarter" idx="11"/>
-          </p:nvPr>
-        </p:nvSpPr>
-        <p:spPr>
-          <a:xfrm>
-            <a:off x="322023" y="2952711"/>
-            <a:ext cx="5859321" cy="3200876"/>
-          </a:xfrm>
-        </p:spPr>
-        <p:txBody>
-          <a:bodyPr/>
-          <a:lstStyle/>
-          <a:p>
-            <a:pPr marL="0" indent="0">
-              <a:buNone/>
-            </a:pPr>
-            <a:r>
-              <a:rPr lang="en-US" altLang="ja-JP" sz="2000" b="1" dirty="0">
-                <a:solidFill>
-                  <a:schemeClr val="tx1"/>
-                </a:solidFill>
-                <a:latin typeface="Arial" charset="0"/>
-                <a:ea typeface="Arial" charset="0"/>
-                <a:cs typeface="Arial" charset="0"/>
-              </a:rPr>
-              <a:t>in-house Developers in </a:t>
-            </a:r>
-            <a:r>
-              <a:rPr lang="en-US" altLang="ja-JP" sz="2000" b="1" dirty="0" smtClean="0">
-                <a:solidFill>
-                  <a:schemeClr val="tx1"/>
-                </a:solidFill>
-                <a:latin typeface="Arial" charset="0"/>
-                <a:ea typeface="Arial" charset="0"/>
-                <a:cs typeface="Arial" charset="0"/>
-              </a:rPr>
-              <a:t>larger companies:</a:t>
-            </a:r>
-          </a:p>
-          <a:p>
-            <a:pPr marL="0" indent="0">
-              <a:buNone/>
-            </a:pPr>
-            <a:r>
-              <a:rPr lang="en-US" altLang="ja-JP" dirty="0" smtClean="0">
-                <a:solidFill>
-                  <a:schemeClr val="tx1"/>
-                </a:solidFill>
-                <a:latin typeface="Arial" charset="0"/>
-                <a:ea typeface="Arial" charset="0"/>
-                <a:cs typeface="Arial" charset="0"/>
-              </a:rPr>
-              <a:t>Who is </a:t>
-            </a:r>
-            <a:r>
-              <a:rPr lang="en-US" altLang="ja-JP" dirty="0">
-                <a:solidFill>
-                  <a:schemeClr val="tx1"/>
-                </a:solidFill>
-                <a:latin typeface="Arial" charset="0"/>
-                <a:ea typeface="Arial" charset="0"/>
-                <a:cs typeface="Arial" charset="0"/>
-              </a:rPr>
-              <a:t>involved in the innovation, design, coding, testing and maintenance for both front-end and back-end development depending on the needs and resources of a project</a:t>
-            </a:r>
-            <a:r>
-              <a:rPr lang="en-US" altLang="ja-JP" dirty="0" smtClean="0">
-                <a:solidFill>
-                  <a:schemeClr val="tx1"/>
-                </a:solidFill>
-                <a:latin typeface="Arial" charset="0"/>
-                <a:ea typeface="Arial" charset="0"/>
-                <a:cs typeface="Arial" charset="0"/>
-              </a:rPr>
-              <a:t>.</a:t>
-            </a:r>
-          </a:p>
-          <a:p>
-            <a:pPr marL="0" indent="0">
-              <a:buNone/>
-            </a:pPr>
-            <a:r>
-              <a:rPr lang="en-US" altLang="ja-JP" dirty="0" smtClean="0">
-                <a:solidFill>
-                  <a:schemeClr val="tx1"/>
-                </a:solidFill>
-                <a:latin typeface="Arial" charset="0"/>
-                <a:ea typeface="Arial" charset="0"/>
-                <a:cs typeface="Arial" charset="0"/>
-              </a:rPr>
-              <a:t>He </a:t>
-            </a:r>
-            <a:r>
-              <a:rPr lang="en-US" altLang="ja-JP" dirty="0">
-                <a:solidFill>
-                  <a:schemeClr val="tx1"/>
-                </a:solidFill>
-                <a:latin typeface="Arial" charset="0"/>
-                <a:ea typeface="Arial" charset="0"/>
-                <a:cs typeface="Arial" charset="0"/>
-              </a:rPr>
-              <a:t>mainly codes in C# or Java for customer-facing applications. He also uses HTML/CSS, JavaScript, and some PHP for smaller web or mobile projects. Nick also integrates with back-end web-services, APIs, legacy applications, databases and packaged </a:t>
-            </a:r>
-            <a:r>
-              <a:rPr lang="en-US" altLang="ja-JP" dirty="0" smtClean="0">
-                <a:solidFill>
-                  <a:schemeClr val="tx1"/>
-                </a:solidFill>
-                <a:latin typeface="Arial" charset="0"/>
-                <a:ea typeface="Arial" charset="0"/>
-                <a:cs typeface="Arial" charset="0"/>
-              </a:rPr>
-              <a:t>applications.</a:t>
-            </a:r>
-          </a:p>
-          <a:p>
-            <a:pPr marL="0" indent="0">
-              <a:buNone/>
-            </a:pPr>
-            <a:r>
-              <a:rPr lang="en-US" altLang="ja-JP" dirty="0" smtClean="0">
-                <a:solidFill>
-                  <a:schemeClr val="tx1"/>
-                </a:solidFill>
-                <a:latin typeface="Arial" charset="0"/>
-                <a:ea typeface="Arial" charset="0"/>
-                <a:cs typeface="Arial" charset="0"/>
-              </a:rPr>
-              <a:t>He </a:t>
-            </a:r>
-            <a:r>
-              <a:rPr lang="en-US" altLang="ja-JP" dirty="0">
-                <a:solidFill>
-                  <a:schemeClr val="tx1"/>
-                </a:solidFill>
-                <a:latin typeface="Arial" charset="0"/>
-                <a:ea typeface="Arial" charset="0"/>
-                <a:cs typeface="Arial" charset="0"/>
-              </a:rPr>
-              <a:t>wants to get work done quickly and with minimal interruptions. He wants tools that allow more effective collaboration and communication</a:t>
-            </a:r>
-            <a:r>
-              <a:rPr lang="en-US" altLang="ja-JP" dirty="0" smtClean="0">
-                <a:solidFill>
-                  <a:schemeClr val="tx1"/>
-                </a:solidFill>
-                <a:latin typeface="Arial" charset="0"/>
-                <a:ea typeface="Arial" charset="0"/>
-                <a:cs typeface="Arial" charset="0"/>
-              </a:rPr>
-              <a:t>.</a:t>
-            </a:r>
-          </a:p>
-        </p:txBody>
-      </p:sp>
-      <p:sp>
-        <p:nvSpPr>
-          <p:cNvPr id="18" name="Text Placeholder 3"/>
-          <p:cNvSpPr>
-            <a:spLocks noGrp="1"/>
-          </p:cNvSpPr>
-          <p:nvPr>
-            <p:ph type="body" sz="quarter" idx="12"/>
-          </p:nvPr>
-        </p:nvSpPr>
-        <p:spPr>
-          <a:xfrm>
-            <a:off x="6940362" y="2952711"/>
-            <a:ext cx="5093141" cy="3816429"/>
-          </a:xfrm>
-        </p:spPr>
-        <p:txBody>
-          <a:bodyPr/>
-          <a:lstStyle/>
-          <a:p>
-            <a:pPr marL="0" indent="0">
-              <a:lnSpc>
-                <a:spcPct val="100000"/>
-              </a:lnSpc>
-              <a:buNone/>
-            </a:pPr>
-            <a:r>
-              <a:rPr lang="en-US" altLang="ja-JP" sz="1800" b="1" dirty="0">
-                <a:solidFill>
-                  <a:schemeClr val="tx1"/>
-                </a:solidFill>
-                <a:latin typeface="Arial" charset="0"/>
-                <a:ea typeface="Arial" charset="0"/>
-                <a:cs typeface="Arial" charset="0"/>
-              </a:rPr>
-              <a:t>Client Challenges </a:t>
-            </a:r>
-            <a:endParaRPr lang="en-US" altLang="ja-JP" sz="1800" dirty="0">
-              <a:solidFill>
-                <a:schemeClr val="tx1"/>
-              </a:solidFill>
-              <a:latin typeface="Arial" charset="0"/>
-              <a:ea typeface="Arial" charset="0"/>
-              <a:cs typeface="Arial" charset="0"/>
-            </a:endParaRPr>
-          </a:p>
-          <a:p>
-            <a:pPr marL="285750" indent="-285750">
-              <a:lnSpc>
-                <a:spcPct val="100000"/>
-              </a:lnSpc>
-              <a:buFont typeface="Wingdings" charset="2"/>
-              <a:buChar char="p"/>
-            </a:pPr>
-            <a:r>
-              <a:rPr lang="en-US" altLang="ja-JP" sz="1600" dirty="0">
-                <a:solidFill>
-                  <a:schemeClr val="tx1"/>
-                </a:solidFill>
-                <a:latin typeface="Arial" charset="0"/>
-                <a:ea typeface="Arial" charset="0"/>
-                <a:cs typeface="Arial" charset="0"/>
-              </a:rPr>
-              <a:t>Deal with delays and bottlenecks across the software delivery lifecycle, </a:t>
-            </a:r>
-            <a:r>
-              <a:rPr lang="en-US" altLang="ja-JP" sz="1600" dirty="0" smtClean="0">
-                <a:solidFill>
-                  <a:schemeClr val="tx1"/>
-                </a:solidFill>
-                <a:latin typeface="Arial" charset="0"/>
-                <a:ea typeface="Arial" charset="0"/>
-                <a:cs typeface="Arial" charset="0"/>
-              </a:rPr>
-              <a:t>achieve </a:t>
-            </a:r>
-            <a:r>
-              <a:rPr lang="en-US" altLang="ja-JP" sz="1600" dirty="0">
-                <a:solidFill>
-                  <a:schemeClr val="tx1"/>
-                </a:solidFill>
-                <a:latin typeface="Arial" charset="0"/>
-                <a:ea typeface="Arial" charset="0"/>
-                <a:cs typeface="Arial" charset="0"/>
-              </a:rPr>
-              <a:t>faster response times for defect analysis and </a:t>
-            </a:r>
-            <a:r>
-              <a:rPr lang="en-US" altLang="ja-JP" sz="1600" dirty="0" smtClean="0">
-                <a:solidFill>
-                  <a:schemeClr val="tx1"/>
-                </a:solidFill>
-                <a:latin typeface="Arial" charset="0"/>
-                <a:ea typeface="Arial" charset="0"/>
-                <a:cs typeface="Arial" charset="0"/>
-              </a:rPr>
-              <a:t>remediation.</a:t>
-            </a:r>
-            <a:endParaRPr lang="en-US" altLang="ja-JP" sz="1600" dirty="0">
-              <a:solidFill>
-                <a:schemeClr val="tx1"/>
-              </a:solidFill>
-              <a:latin typeface="Arial" charset="0"/>
-              <a:ea typeface="Arial" charset="0"/>
-              <a:cs typeface="Arial" charset="0"/>
-            </a:endParaRPr>
-          </a:p>
-          <a:p>
-            <a:pPr marL="285750" indent="-285750">
-              <a:lnSpc>
-                <a:spcPct val="100000"/>
-              </a:lnSpc>
-              <a:buFont typeface="Wingdings" charset="2"/>
-              <a:buChar char="p"/>
-            </a:pPr>
-            <a:r>
-              <a:rPr lang="en-US" altLang="ja-JP" sz="1600" dirty="0">
-                <a:solidFill>
-                  <a:schemeClr val="tx1"/>
-                </a:solidFill>
-                <a:latin typeface="Arial" charset="0"/>
-                <a:ea typeface="Arial" charset="0"/>
-                <a:cs typeface="Arial" charset="0"/>
-              </a:rPr>
-              <a:t>Communicate effectively with clients and co-workers; working remotely with colleagues.</a:t>
-            </a:r>
-          </a:p>
-          <a:p>
-            <a:pPr marL="285750" indent="-285750">
-              <a:lnSpc>
-                <a:spcPct val="100000"/>
-              </a:lnSpc>
-              <a:buFont typeface="Wingdings" charset="2"/>
-              <a:buChar char="p"/>
-            </a:pPr>
-            <a:r>
-              <a:rPr lang="en-US" altLang="ja-JP" sz="1600" dirty="0">
-                <a:solidFill>
-                  <a:schemeClr val="tx1"/>
-                </a:solidFill>
-                <a:latin typeface="Arial" charset="0"/>
-                <a:ea typeface="Arial" charset="0"/>
-                <a:cs typeface="Arial" charset="0"/>
-              </a:rPr>
-              <a:t>Work with multiple tools across multiple projects.</a:t>
-            </a:r>
-            <a:endParaRPr lang="en-US" altLang="ja-JP" sz="1600" dirty="0" smtClean="0">
-              <a:solidFill>
-                <a:schemeClr val="tx1"/>
-              </a:solidFill>
-              <a:latin typeface="Arial" charset="0"/>
-              <a:ea typeface="Arial" charset="0"/>
-              <a:cs typeface="Arial" charset="0"/>
-            </a:endParaRPr>
-          </a:p>
-          <a:p>
-            <a:pPr marL="285750" indent="-285750">
-              <a:lnSpc>
-                <a:spcPct val="100000"/>
-              </a:lnSpc>
-              <a:buFont typeface="Wingdings" charset="2"/>
-              <a:buChar char="p"/>
-            </a:pPr>
-            <a:r>
-              <a:rPr lang="en-US" altLang="ja-JP" sz="1600" dirty="0">
-                <a:solidFill>
-                  <a:schemeClr val="tx1"/>
-                </a:solidFill>
-                <a:latin typeface="Arial" charset="0"/>
-                <a:ea typeface="Arial" charset="0"/>
-                <a:cs typeface="Arial" charset="0"/>
-              </a:rPr>
-              <a:t>Keep things in-sync across multiple projects.</a:t>
-            </a:r>
-          </a:p>
-        </p:txBody>
-      </p:sp>
-      <p:pic>
-        <p:nvPicPr>
-          <p:cNvPr id="3" name="図 2"/>
-          <p:cNvPicPr>
-            <a:picLocks noChangeAspect="1"/>
-          </p:cNvPicPr>
-          <p:nvPr/>
-        </p:nvPicPr>
-        <p:blipFill>
-          <a:blip r:embed="rId2"/>
-          <a:stretch>
-            <a:fillRect/>
-          </a:stretch>
-        </p:blipFill>
-        <p:spPr>
-          <a:xfrm>
-            <a:off x="322023" y="1152977"/>
-            <a:ext cx="1896813" cy="1580678"/>
-          </a:xfrm>
-          <a:prstGeom prst="rect">
-            <a:avLst/>
-          </a:prstGeom>
-        </p:spPr>
-      </p:pic>
-    </p:spTree>
-    <p:extLst>
-      <p:ext uri="{BB962C8B-B14F-4D97-AF65-F5344CB8AC3E}">
-        <p14:creationId xmlns:p14="http://schemas.microsoft.com/office/powerpoint/2010/main" val="1854431012"/>
-      </p:ext>
-    </p:extLst>
-  </p:cSld>
-  <p:clrMapOvr>
-    <a:masterClrMapping/>
-  </p:clrMapOvr>
-  <p:timing>
-    <p:tnLst>
-      <p:par>
-        <p:cTn id="1" dur="indefinite" restart="never" nodeType="tmRoot"/>
-      </p:par>
-    </p:tnLst>
-  </p:timing>
-</p:sld>
-</file>
-
-<file path=ppt/slides/slide9.xml><?xml version="1.0" encoding="utf-8"?>
-<p:sld xmlns:a="http://schemas.openxmlformats.org/drawingml/2006/main" xmlns:r="http://schemas.openxmlformats.org/officeDocument/2006/relationships" xmlns:p="http://schemas.openxmlformats.org/presentationml/2006/main">
-  <p:cSld>
-    <p:spTree>
-      <p:nvGrpSpPr>
-        <p:cNvPr id="1" name=""/>
-        <p:cNvGrpSpPr/>
-        <p:nvPr/>
-      </p:nvGrpSpPr>
-      <p:grpSpPr>
-        <a:xfrm>
-          <a:off x="0" y="0"/>
-          <a:ext cx="0" cy="0"/>
-          <a:chOff x="0" y="0"/>
-          <a:chExt cx="0" cy="0"/>
-        </a:xfrm>
-      </p:grpSpPr>
-      <p:sp>
-        <p:nvSpPr>
-          <p:cNvPr id="2" name="Title 1"/>
-          <p:cNvSpPr>
-            <a:spLocks noGrp="1"/>
-          </p:cNvSpPr>
-          <p:nvPr>
-            <p:ph type="title"/>
-          </p:nvPr>
-        </p:nvSpPr>
-        <p:spPr>
-          <a:xfrm>
-            <a:off x="322023" y="328627"/>
-            <a:ext cx="11426632" cy="605294"/>
-          </a:xfrm>
-        </p:spPr>
-        <p:txBody>
-          <a:bodyPr/>
-          <a:lstStyle/>
-          <a:p>
-            <a:r>
-              <a:rPr kumimoji="1" lang="en-US" altLang="ja-JP" sz="3600" b="1" dirty="0" smtClean="0">
-                <a:solidFill>
-                  <a:srgbClr val="00B0F0"/>
-                </a:solidFill>
-                <a:latin typeface="Arial" charset="0"/>
-                <a:ea typeface="Arial" charset="0"/>
-                <a:cs typeface="Arial" charset="0"/>
-              </a:rPr>
-              <a:t>Value Proposition</a:t>
-            </a:r>
-            <a:endParaRPr lang="en-US" altLang="ja-JP" sz="3600" b="1" dirty="0">
-              <a:solidFill>
-                <a:srgbClr val="00B0F0"/>
-              </a:solidFill>
-              <a:latin typeface="Arial" charset="0"/>
-              <a:ea typeface="Arial" charset="0"/>
-              <a:cs typeface="Arial" charset="0"/>
-            </a:endParaRPr>
-          </a:p>
-        </p:txBody>
-      </p:sp>
-      <p:graphicFrame>
-        <p:nvGraphicFramePr>
-          <p:cNvPr id="5" name="表 4"/>
-          <p:cNvGraphicFramePr>
-            <a:graphicFrameLocks noGrp="1"/>
-          </p:cNvGraphicFramePr>
-          <p:nvPr>
-            <p:extLst>
-              <p:ext uri="{D42A27DB-BD31-4B8C-83A1-F6EECF244321}">
-                <p14:modId xmlns:p14="http://schemas.microsoft.com/office/powerpoint/2010/main" val="731021583"/>
-              </p:ext>
-            </p:extLst>
-          </p:nvPr>
-        </p:nvGraphicFramePr>
-        <p:xfrm>
-          <a:off x="349455" y="1228634"/>
-          <a:ext cx="11260382" cy="5010424"/>
-        </p:xfrm>
-        <a:graphic>
-          <a:graphicData uri="http://schemas.openxmlformats.org/drawingml/2006/table">
-            <a:tbl>
-              <a:tblPr firstRow="1" bandRow="1">
-                <a:tableStyleId>{7DF18680-E054-41AD-8BC1-D1AEF772440D}</a:tableStyleId>
-              </a:tblPr>
-              <a:tblGrid>
-                <a:gridCol w="5630191"/>
-                <a:gridCol w="5630191"/>
-              </a:tblGrid>
-              <a:tr h="280126">
-                <a:tc>
-                  <a:txBody>
-                    <a:bodyPr/>
-                    <a:lstStyle/>
-                    <a:p>
-                      <a:endParaRPr kumimoji="1" lang="ja-JP" altLang="en-US" sz="1600" dirty="0">
-                        <a:latin typeface="Arial" charset="0"/>
-                        <a:ea typeface="Arial" charset="0"/>
-                        <a:cs typeface="Arial" charset="0"/>
-                      </a:endParaRPr>
-                    </a:p>
-                  </a:txBody>
-                  <a:tcPr marL="121920" marR="121920" marT="60960" marB="60960"/>
-                </a:tc>
-                <a:tc>
-                  <a:txBody>
-                    <a:bodyPr/>
-                    <a:lstStyle/>
-                    <a:p>
-                      <a:endParaRPr kumimoji="1" lang="ja-JP" altLang="en-US" sz="1600" dirty="0">
-                        <a:latin typeface="Arial" charset="0"/>
-                        <a:ea typeface="Arial" charset="0"/>
-                        <a:cs typeface="Arial" charset="0"/>
-                      </a:endParaRPr>
-                    </a:p>
-                  </a:txBody>
-                  <a:tcPr marL="121920" marR="121920" marT="60960" marB="60960"/>
-                </a:tc>
-              </a:tr>
-              <a:tr h="763442">
-                <a:tc>
-                  <a:txBody>
-                    <a:bodyPr/>
-                    <a:lstStyle/>
-                    <a:p>
-                      <a:r>
-                        <a:rPr kumimoji="1" lang="en-US" altLang="ja-JP" sz="1700" b="1" dirty="0" smtClean="0">
-                          <a:latin typeface="Arial" charset="0"/>
-                          <a:ea typeface="Arial" charset="0"/>
-                          <a:cs typeface="Arial" charset="0"/>
-                        </a:rPr>
-                        <a:t>To the</a:t>
-                      </a:r>
-                      <a:endParaRPr kumimoji="1" lang="en-US" altLang="ja-JP" sz="1700" b="1" baseline="0" dirty="0" smtClean="0">
-                        <a:latin typeface="Arial" charset="0"/>
-                        <a:ea typeface="Arial" charset="0"/>
-                        <a:cs typeface="Arial" charset="0"/>
-                      </a:endParaRPr>
-                    </a:p>
-                    <a:p>
-                      <a:r>
-                        <a:rPr kumimoji="1" lang="en-US" altLang="ja-JP" sz="1700" baseline="0" dirty="0" smtClean="0">
-                          <a:latin typeface="Arial" charset="0"/>
-                          <a:ea typeface="Arial" charset="0"/>
-                          <a:cs typeface="Arial" charset="0"/>
-                        </a:rPr>
-                        <a:t>(role)</a:t>
-                      </a:r>
-                      <a:endParaRPr kumimoji="1" lang="ja-JP" altLang="en-US" sz="1700" dirty="0">
-                        <a:latin typeface="Arial" charset="0"/>
-                        <a:ea typeface="Arial" charset="0"/>
-                        <a:cs typeface="Arial" charset="0"/>
-                      </a:endParaRPr>
-                    </a:p>
-                  </a:txBody>
-                  <a:tcPr/>
-                </a:tc>
-                <a:tc>
-                  <a:txBody>
-                    <a:bodyPr/>
-                    <a:lstStyle/>
-                    <a:p>
-                      <a:pPr marL="0" marR="0" indent="0" algn="l" defTabSz="1219170" rtl="0" eaLnBrk="1" fontAlgn="auto" latinLnBrk="0" hangingPunct="1">
-                        <a:lnSpc>
-                          <a:spcPct val="100000"/>
-                        </a:lnSpc>
-                        <a:spcBef>
-                          <a:spcPts val="0"/>
-                        </a:spcBef>
-                        <a:spcAft>
-                          <a:spcPts val="0"/>
-                        </a:spcAft>
-                        <a:buClrTx/>
-                        <a:buSzTx/>
-                        <a:buFontTx/>
-                        <a:buNone/>
-                        <a:tabLst/>
-                        <a:defRPr/>
-                      </a:pPr>
-                      <a:r>
-                        <a:rPr kumimoji="1" lang="en-US" altLang="ja-JP" sz="1700" dirty="0" smtClean="0">
-                          <a:latin typeface="Arial" charset="0"/>
-                          <a:ea typeface="Arial" charset="0"/>
-                          <a:cs typeface="Arial" charset="0"/>
-                        </a:rPr>
-                        <a:t>in-house Developers in internet </a:t>
-                      </a:r>
-                      <a:r>
-                        <a:rPr kumimoji="1" lang="en-US" altLang="ja-JP" sz="1700" dirty="0" smtClean="0">
-                          <a:latin typeface="Arial" charset="0"/>
-                          <a:ea typeface="Arial" charset="0"/>
-                          <a:cs typeface="Arial" charset="0"/>
-                        </a:rPr>
-                        <a:t>companies/software</a:t>
-                      </a:r>
-                      <a:r>
-                        <a:rPr kumimoji="1" lang="en-US" altLang="ja-JP" sz="1700" baseline="0" dirty="0" smtClean="0">
-                          <a:latin typeface="Arial" charset="0"/>
-                          <a:ea typeface="Arial" charset="0"/>
-                          <a:cs typeface="Arial" charset="0"/>
-                        </a:rPr>
-                        <a:t> driven</a:t>
-                      </a:r>
-                      <a:r>
-                        <a:rPr kumimoji="1" lang="en-US" altLang="ja-JP" sz="1700" dirty="0" smtClean="0">
-                          <a:latin typeface="Arial" charset="0"/>
-                          <a:ea typeface="Arial" charset="0"/>
-                          <a:cs typeface="Arial" charset="0"/>
-                        </a:rPr>
-                        <a:t> </a:t>
-                      </a:r>
-                      <a:r>
-                        <a:rPr kumimoji="1" lang="en-US" altLang="ja-JP" sz="1700" dirty="0" smtClean="0">
-                          <a:latin typeface="Arial" charset="0"/>
-                          <a:ea typeface="Arial" charset="0"/>
-                          <a:cs typeface="Arial" charset="0"/>
-                        </a:rPr>
-                        <a:t>enterprises or financial services companies</a:t>
-                      </a:r>
-                      <a:endParaRPr kumimoji="1" lang="ja-JP" altLang="en-US" sz="1700" dirty="0">
-                        <a:latin typeface="Arial" charset="0"/>
-                        <a:ea typeface="Arial" charset="0"/>
-                        <a:cs typeface="Arial" charset="0"/>
-                      </a:endParaRPr>
-                    </a:p>
-                  </a:txBody>
-                  <a:tcPr marL="121920" marR="121920" marT="60960" marB="60960"/>
-                </a:tc>
-              </a:tr>
-              <a:tr h="1027943">
-                <a:tc>
-                  <a:txBody>
-                    <a:bodyPr/>
-                    <a:lstStyle/>
-                    <a:p>
-                      <a:r>
-                        <a:rPr kumimoji="1" lang="en-US" altLang="ja-JP" sz="1700" b="1" dirty="0" smtClean="0">
-                          <a:latin typeface="Arial" charset="0"/>
-                          <a:ea typeface="Arial" charset="0"/>
-                          <a:cs typeface="Arial" charset="0"/>
-                        </a:rPr>
-                        <a:t>Who wants to</a:t>
-                      </a:r>
-                    </a:p>
-                    <a:p>
-                      <a:r>
-                        <a:rPr kumimoji="1" lang="en-US" altLang="ja-JP" sz="1700" dirty="0" smtClean="0">
-                          <a:latin typeface="Arial" charset="0"/>
-                          <a:ea typeface="Arial" charset="0"/>
-                          <a:cs typeface="Arial" charset="0"/>
-                        </a:rPr>
-                        <a:t>(buyer aspiration based on capabilities in this dimension</a:t>
-                      </a:r>
-                      <a:r>
-                        <a:rPr kumimoji="1" lang="en-US" altLang="ja-JP" sz="1700" baseline="0" dirty="0" smtClean="0">
-                          <a:latin typeface="Arial" charset="0"/>
-                          <a:ea typeface="Arial" charset="0"/>
-                          <a:cs typeface="Arial" charset="0"/>
-                        </a:rPr>
-                        <a:t> of proficiency and current buying behavior)</a:t>
-                      </a:r>
-                      <a:endParaRPr kumimoji="1" lang="ja-JP" altLang="en-US" sz="1700" dirty="0">
-                        <a:latin typeface="Arial" charset="0"/>
-                        <a:ea typeface="Arial" charset="0"/>
-                        <a:cs typeface="Arial" charset="0"/>
-                      </a:endParaRPr>
-                    </a:p>
-                  </a:txBody>
-                  <a:tcPr/>
-                </a:tc>
-                <a:tc>
-                  <a:txBody>
-                    <a:bodyPr/>
-                    <a:lstStyle/>
-                    <a:p>
-                      <a:pPr marL="0" marR="0" indent="0" algn="l" defTabSz="914400" rtl="0" eaLnBrk="1" fontAlgn="auto" latinLnBrk="0" hangingPunct="1">
-                        <a:lnSpc>
-                          <a:spcPct val="100000"/>
-                        </a:lnSpc>
-                        <a:spcBef>
-                          <a:spcPts val="0"/>
-                        </a:spcBef>
-                        <a:spcAft>
-                          <a:spcPts val="0"/>
-                        </a:spcAft>
-                        <a:buClrTx/>
-                        <a:buSzTx/>
-                        <a:buFont typeface="Arial" charset="0"/>
-                        <a:buNone/>
-                        <a:tabLst/>
-                        <a:defRPr/>
-                      </a:pPr>
-                      <a:r>
-                        <a:rPr kumimoji="1" lang="en-US" altLang="ja-JP" sz="1700" dirty="0" smtClean="0">
-                          <a:latin typeface="Arial" charset="0"/>
-                          <a:ea typeface="Arial" charset="0"/>
-                          <a:cs typeface="Arial" charset="0"/>
-                        </a:rPr>
-                        <a:t>share</a:t>
-                      </a:r>
-                      <a:r>
-                        <a:rPr kumimoji="1" lang="en-US" altLang="ja-JP" sz="1700" baseline="0" dirty="0" smtClean="0">
-                          <a:latin typeface="Arial" charset="0"/>
-                          <a:ea typeface="Arial" charset="0"/>
-                          <a:cs typeface="Arial" charset="0"/>
-                        </a:rPr>
-                        <a:t> </a:t>
-                      </a:r>
-                      <a:r>
-                        <a:rPr kumimoji="1" lang="en-US" altLang="ja-JP" sz="1700" baseline="0" dirty="0" smtClean="0">
-                          <a:latin typeface="Arial" charset="0"/>
-                          <a:ea typeface="Arial" charset="0"/>
-                          <a:cs typeface="Arial" charset="0"/>
-                        </a:rPr>
-                        <a:t>source code with </a:t>
-                      </a:r>
-                      <a:r>
-                        <a:rPr kumimoji="1" lang="en-US" altLang="ja-JP" sz="1700" dirty="0" smtClean="0">
-                          <a:latin typeface="Arial" charset="0"/>
-                          <a:ea typeface="Arial" charset="0"/>
-                          <a:cs typeface="Arial" charset="0"/>
-                        </a:rPr>
-                        <a:t>extremely high performance</a:t>
-                      </a:r>
-                      <a:r>
-                        <a:rPr kumimoji="1" lang="en-US" altLang="ja-JP" sz="1700" baseline="0" dirty="0" smtClean="0">
-                          <a:latin typeface="Arial" charset="0"/>
-                          <a:ea typeface="Arial" charset="0"/>
-                          <a:cs typeface="Arial" charset="0"/>
-                        </a:rPr>
-                        <a:t> system, also wants to feel “The human side of software” in their product development process (= social coding) when working on a team</a:t>
-                      </a:r>
-                      <a:endParaRPr kumimoji="1" lang="ja-JP" altLang="en-US" sz="1700" dirty="0">
-                        <a:latin typeface="Arial" charset="0"/>
-                        <a:ea typeface="Arial" charset="0"/>
-                        <a:cs typeface="Arial" charset="0"/>
-                      </a:endParaRPr>
-                    </a:p>
-                  </a:txBody>
-                  <a:tcPr marL="121920" marR="121920" marT="60960" marB="60960"/>
-                </a:tc>
-              </a:tr>
-              <a:tr h="751615">
-                <a:tc>
-                  <a:txBody>
-                    <a:bodyPr/>
-                    <a:lstStyle/>
-                    <a:p>
-                      <a:r>
-                        <a:rPr kumimoji="1" lang="en-US" altLang="ja-JP" sz="1700" b="1" dirty="0" smtClean="0">
-                          <a:latin typeface="Arial" charset="0"/>
-                          <a:ea typeface="Arial" charset="0"/>
-                          <a:cs typeface="Arial" charset="0"/>
-                        </a:rPr>
-                        <a:t>GitHub is the only partner that can</a:t>
-                      </a:r>
-                    </a:p>
-                    <a:p>
-                      <a:r>
-                        <a:rPr kumimoji="1" lang="en-US" altLang="ja-JP" sz="1700" dirty="0" smtClean="0">
-                          <a:latin typeface="Arial" charset="0"/>
-                          <a:ea typeface="Arial" charset="0"/>
-                          <a:cs typeface="Arial" charset="0"/>
-                        </a:rPr>
-                        <a:t>(differentiated benefits)</a:t>
-                      </a:r>
-                      <a:endParaRPr kumimoji="1" lang="ja-JP" altLang="en-US" sz="1700" dirty="0">
-                        <a:latin typeface="Arial" charset="0"/>
-                        <a:ea typeface="Arial" charset="0"/>
-                        <a:cs typeface="Arial" charset="0"/>
-                      </a:endParaRPr>
-                    </a:p>
-                  </a:txBody>
-                  <a:tcPr/>
-                </a:tc>
-                <a:tc>
-                  <a:txBody>
-                    <a:bodyPr/>
-                    <a:lstStyle/>
-                    <a:p>
-                      <a:pPr marL="0" marR="0" indent="0" algn="l" defTabSz="914400" rtl="0" eaLnBrk="1" fontAlgn="auto" latinLnBrk="0" hangingPunct="1">
-                        <a:lnSpc>
-                          <a:spcPct val="100000"/>
-                        </a:lnSpc>
-                        <a:spcBef>
-                          <a:spcPts val="0"/>
-                        </a:spcBef>
-                        <a:spcAft>
-                          <a:spcPts val="0"/>
-                        </a:spcAft>
-                        <a:buClrTx/>
-                        <a:buSzTx/>
-                        <a:buFontTx/>
-                        <a:buNone/>
-                        <a:tabLst/>
-                        <a:defRPr/>
-                      </a:pPr>
-                      <a:r>
-                        <a:rPr kumimoji="1" lang="en-US" altLang="ja-JP" sz="1700" dirty="0" smtClean="0">
-                          <a:latin typeface="Arial" charset="0"/>
-                          <a:ea typeface="Arial" charset="0"/>
-                          <a:cs typeface="Arial" charset="0"/>
-                        </a:rPr>
-                        <a:t>provide extremely</a:t>
-                      </a:r>
-                      <a:r>
-                        <a:rPr kumimoji="1" lang="en-US" altLang="ja-JP" sz="1700" baseline="0" dirty="0" smtClean="0">
-                          <a:latin typeface="Arial" charset="0"/>
-                          <a:ea typeface="Arial" charset="0"/>
-                          <a:cs typeface="Arial" charset="0"/>
-                        </a:rPr>
-                        <a:t> high performance “</a:t>
-                      </a:r>
-                      <a:r>
-                        <a:rPr kumimoji="1" lang="en-US" altLang="ja-JP" sz="1700" dirty="0" smtClean="0">
-                          <a:latin typeface="Arial" charset="0"/>
-                          <a:ea typeface="Arial" charset="0"/>
-                          <a:cs typeface="Arial" charset="0"/>
-                        </a:rPr>
-                        <a:t>virtual appliance</a:t>
-                      </a:r>
-                      <a:r>
-                        <a:rPr kumimoji="1" lang="en-US" altLang="ja-JP" sz="1700" baseline="0" dirty="0" smtClean="0">
-                          <a:latin typeface="Arial" charset="0"/>
-                          <a:ea typeface="Arial" charset="0"/>
-                          <a:cs typeface="Arial" charset="0"/>
-                        </a:rPr>
-                        <a:t>” system</a:t>
-                      </a:r>
-                      <a:r>
-                        <a:rPr kumimoji="1" lang="en-US" altLang="ja-JP" sz="1700" dirty="0" smtClean="0">
-                          <a:latin typeface="Arial" charset="0"/>
-                          <a:ea typeface="Arial" charset="0"/>
-                          <a:cs typeface="Arial" charset="0"/>
-                        </a:rPr>
-                        <a:t> wit</a:t>
-                      </a:r>
-                      <a:r>
-                        <a:rPr kumimoji="1" lang="en-US" altLang="ja-JP" sz="1700" baseline="0" dirty="0" smtClean="0">
-                          <a:latin typeface="Arial" charset="0"/>
-                          <a:ea typeface="Arial" charset="0"/>
-                          <a:cs typeface="Arial" charset="0"/>
-                        </a:rPr>
-                        <a:t>h very low </a:t>
-                      </a:r>
-                      <a:r>
-                        <a:rPr kumimoji="1" lang="en-US" altLang="ja-JP" sz="1700" dirty="0" smtClean="0">
-                          <a:latin typeface="Arial" charset="0"/>
-                          <a:ea typeface="Arial" charset="0"/>
-                          <a:cs typeface="Arial" charset="0"/>
-                        </a:rPr>
-                        <a:t>administrative overhead</a:t>
-                      </a:r>
-                      <a:endParaRPr kumimoji="1" lang="ja-JP" altLang="en-US" sz="1700" dirty="0">
-                        <a:latin typeface="Arial" charset="0"/>
-                        <a:ea typeface="Arial" charset="0"/>
-                        <a:cs typeface="Arial" charset="0"/>
-                      </a:endParaRPr>
-                    </a:p>
-                  </a:txBody>
-                  <a:tcPr marL="121920" marR="121920" marT="60960" marB="60960"/>
-                </a:tc>
-              </a:tr>
-              <a:tr h="767310">
-                <a:tc>
-                  <a:txBody>
-                    <a:bodyPr/>
-                    <a:lstStyle/>
-                    <a:p>
-                      <a:r>
-                        <a:rPr kumimoji="1" lang="en-US" altLang="ja-JP" sz="1700" b="1" dirty="0" smtClean="0">
-                          <a:latin typeface="Arial" charset="0"/>
-                          <a:ea typeface="Arial" charset="0"/>
-                          <a:cs typeface="Arial" charset="0"/>
-                        </a:rPr>
-                        <a:t>through our</a:t>
-                      </a:r>
-                    </a:p>
-                    <a:p>
-                      <a:r>
-                        <a:rPr kumimoji="1" lang="en-US" altLang="ja-JP" sz="1700" dirty="0" smtClean="0">
-                          <a:latin typeface="Arial" charset="0"/>
-                          <a:ea typeface="Arial" charset="0"/>
-                          <a:cs typeface="Arial" charset="0"/>
-                        </a:rPr>
-                        <a:t>(lead-with offering)</a:t>
-                      </a:r>
-                      <a:endParaRPr kumimoji="1" lang="ja-JP" altLang="en-US" sz="1700" dirty="0">
-                        <a:latin typeface="Arial" charset="0"/>
-                        <a:ea typeface="Arial" charset="0"/>
-                        <a:cs typeface="Arial" charset="0"/>
-                      </a:endParaRPr>
-                    </a:p>
-                  </a:txBody>
-                  <a:tcPr/>
-                </a:tc>
-                <a:tc>
-                  <a:txBody>
-                    <a:bodyPr/>
-                    <a:lstStyle/>
-                    <a:p>
-                      <a:pPr marL="171450" indent="-171450">
-                        <a:buFont typeface="Arial" charset="0"/>
-                        <a:buChar char="•"/>
-                      </a:pPr>
-                      <a:r>
-                        <a:rPr kumimoji="1" lang="en-US" altLang="ja-JP" sz="1700" dirty="0" smtClean="0">
-                          <a:latin typeface="Arial" charset="0"/>
-                          <a:ea typeface="Arial" charset="0"/>
-                          <a:cs typeface="Arial" charset="0"/>
-                        </a:rPr>
-                        <a:t>GitHub</a:t>
-                      </a:r>
-                      <a:r>
-                        <a:rPr kumimoji="1" lang="en-US" altLang="ja-JP" sz="1700" baseline="0" dirty="0" smtClean="0">
-                          <a:latin typeface="Arial" charset="0"/>
-                          <a:ea typeface="Arial" charset="0"/>
-                          <a:cs typeface="Arial" charset="0"/>
-                        </a:rPr>
-                        <a:t> Enterprise</a:t>
-                      </a:r>
-                    </a:p>
-                    <a:p>
-                      <a:pPr marL="171450" indent="-171450">
-                        <a:buFont typeface="Arial" charset="0"/>
-                        <a:buChar char="•"/>
-                      </a:pPr>
-                      <a:r>
-                        <a:rPr kumimoji="1" lang="en-US" altLang="ja-JP" sz="1700" dirty="0" err="1" smtClean="0">
-                          <a:latin typeface="Arial" charset="0"/>
-                          <a:ea typeface="Arial" charset="0"/>
-                          <a:cs typeface="Arial" charset="0"/>
-                        </a:rPr>
-                        <a:t>GitHub.com</a:t>
-                      </a:r>
-                      <a:endParaRPr kumimoji="1" lang="ja-JP" altLang="en-US" sz="1700" dirty="0">
-                        <a:latin typeface="Arial" charset="0"/>
-                        <a:ea typeface="Arial" charset="0"/>
-                        <a:cs typeface="Arial" charset="0"/>
-                      </a:endParaRPr>
-                    </a:p>
-                  </a:txBody>
-                  <a:tcPr marL="121920" marR="121920" marT="60960" marB="60960"/>
-                </a:tc>
-              </a:tr>
-              <a:tr h="1204057">
-                <a:tc>
-                  <a:txBody>
-                    <a:bodyPr/>
-                    <a:lstStyle/>
-                    <a:p>
-                      <a:r>
-                        <a:rPr kumimoji="1" lang="en-US" altLang="ja-JP" sz="1700" b="1" dirty="0" smtClean="0">
-                          <a:latin typeface="Arial" charset="0"/>
-                          <a:ea typeface="Arial" charset="0"/>
-                          <a:cs typeface="Arial" charset="0"/>
-                        </a:rPr>
-                        <a:t>because</a:t>
-                      </a:r>
-                    </a:p>
-                    <a:p>
-                      <a:r>
-                        <a:rPr kumimoji="1" lang="en-US" altLang="ja-JP" sz="1700" dirty="0" smtClean="0">
-                          <a:latin typeface="Arial" charset="0"/>
-                          <a:ea typeface="Arial" charset="0"/>
-                          <a:cs typeface="Arial" charset="0"/>
-                        </a:rPr>
-                        <a:t>(proof points)</a:t>
-                      </a:r>
-                      <a:endParaRPr kumimoji="1" lang="ja-JP" altLang="en-US" sz="1700" b="0" dirty="0">
-                        <a:latin typeface="Arial" charset="0"/>
-                        <a:ea typeface="Arial" charset="0"/>
-                        <a:cs typeface="Arial" charset="0"/>
-                      </a:endParaRPr>
-                    </a:p>
-                  </a:txBody>
-                  <a:tcPr/>
-                </a:tc>
-                <a:tc>
-                  <a:txBody>
-                    <a:bodyPr/>
-                    <a:lstStyle/>
-                    <a:p>
-                      <a:pPr marL="0" marR="0" indent="0" algn="l" defTabSz="914400" rtl="0" eaLnBrk="1" fontAlgn="auto" latinLnBrk="0" hangingPunct="1">
-                        <a:lnSpc>
-                          <a:spcPct val="100000"/>
-                        </a:lnSpc>
-                        <a:spcBef>
-                          <a:spcPts val="0"/>
-                        </a:spcBef>
-                        <a:spcAft>
-                          <a:spcPts val="0"/>
-                        </a:spcAft>
-                        <a:buClrTx/>
-                        <a:buSzTx/>
-                        <a:buFont typeface="Arial" charset="0"/>
-                        <a:buNone/>
-                        <a:tabLst/>
-                        <a:defRPr/>
-                      </a:pPr>
-                      <a:r>
-                        <a:rPr kumimoji="1" lang="en-US" altLang="ja-JP" sz="1700" kern="1200" dirty="0" smtClean="0">
-                          <a:effectLst/>
-                          <a:latin typeface="Arial" charset="0"/>
-                          <a:ea typeface="Arial" charset="0"/>
-                          <a:cs typeface="Arial" charset="0"/>
-                        </a:rPr>
-                        <a:t>GitHub is trusted by more than 100,000 organizations worldwide</a:t>
-                      </a:r>
-                      <a:r>
-                        <a:rPr kumimoji="1" lang="en-US" altLang="ja-JP" sz="1700" kern="1200" baseline="0" dirty="0" smtClean="0">
-                          <a:effectLst/>
-                          <a:latin typeface="Arial" charset="0"/>
-                          <a:ea typeface="Arial" charset="0"/>
-                          <a:cs typeface="Arial" charset="0"/>
-                        </a:rPr>
-                        <a:t> including Japan </a:t>
-                      </a:r>
-                      <a:r>
-                        <a:rPr kumimoji="1" lang="en-US" altLang="ja-JP" sz="1700" kern="1200" dirty="0" smtClean="0">
-                          <a:effectLst/>
-                          <a:latin typeface="Arial" charset="0"/>
-                          <a:ea typeface="Arial" charset="0"/>
-                          <a:cs typeface="Arial" charset="0"/>
-                        </a:rPr>
-                        <a:t>top</a:t>
-                      </a:r>
-                      <a:r>
-                        <a:rPr kumimoji="1" lang="en-US" altLang="ja-JP" sz="1700" kern="1200" baseline="0" dirty="0" smtClean="0">
-                          <a:effectLst/>
-                          <a:latin typeface="Arial" charset="0"/>
-                          <a:ea typeface="Arial" charset="0"/>
-                          <a:cs typeface="Arial" charset="0"/>
-                        </a:rPr>
-                        <a:t> leading internet companies such as GREE, Yahoo! JAPAN, </a:t>
-                      </a:r>
-                      <a:r>
-                        <a:rPr kumimoji="1" lang="en-US" altLang="ja-JP" sz="1700" kern="1200" baseline="0" dirty="0" err="1" smtClean="0">
-                          <a:effectLst/>
-                          <a:latin typeface="Arial" charset="0"/>
-                          <a:ea typeface="Arial" charset="0"/>
-                          <a:cs typeface="Arial" charset="0"/>
-                        </a:rPr>
-                        <a:t>DeNA</a:t>
-                      </a:r>
-                      <a:r>
-                        <a:rPr kumimoji="1" lang="en-US" altLang="ja-JP" sz="1700" kern="1200" baseline="0" dirty="0" smtClean="0">
-                          <a:effectLst/>
-                          <a:latin typeface="Arial" charset="0"/>
-                          <a:ea typeface="Arial" charset="0"/>
-                          <a:cs typeface="Arial" charset="0"/>
-                        </a:rPr>
-                        <a:t>, </a:t>
-                      </a:r>
-                      <a:r>
-                        <a:rPr kumimoji="1" lang="en-US" altLang="ja-JP" sz="1700" kern="1200" baseline="0" dirty="0" err="1" smtClean="0">
-                          <a:effectLst/>
-                          <a:latin typeface="Arial" charset="0"/>
-                          <a:ea typeface="Arial" charset="0"/>
-                          <a:cs typeface="Arial" charset="0"/>
-                        </a:rPr>
-                        <a:t>Cookpad</a:t>
-                      </a:r>
-                      <a:r>
-                        <a:rPr kumimoji="1" lang="en-US" altLang="ja-JP" sz="1700" kern="1200" baseline="0" dirty="0" smtClean="0">
-                          <a:effectLst/>
-                          <a:latin typeface="Arial" charset="0"/>
-                          <a:ea typeface="Arial" charset="0"/>
-                          <a:cs typeface="Arial" charset="0"/>
-                        </a:rPr>
-                        <a:t>, LINE, </a:t>
-                      </a:r>
-                      <a:r>
-                        <a:rPr kumimoji="1" lang="en-US" altLang="ja-JP" sz="1700" kern="1200" baseline="0" dirty="0" err="1" smtClean="0">
-                          <a:effectLst/>
-                          <a:latin typeface="Arial" charset="0"/>
-                          <a:ea typeface="Arial" charset="0"/>
-                          <a:cs typeface="Arial" charset="0"/>
-                        </a:rPr>
-                        <a:t>CyberAgent</a:t>
-                      </a:r>
-                      <a:endParaRPr kumimoji="1" lang="en-US" altLang="ja-JP" sz="1700" b="0" i="0" kern="1200" dirty="0" smtClean="0">
-                        <a:solidFill>
-                          <a:schemeClr val="dk1"/>
-                        </a:solidFill>
-                        <a:effectLst/>
-                        <a:latin typeface="Arial" charset="0"/>
-                        <a:ea typeface="Arial" charset="0"/>
-                        <a:cs typeface="Arial" charset="0"/>
-                      </a:endParaRPr>
-                    </a:p>
-                  </a:txBody>
-                  <a:tcPr marL="121920" marR="121920" marT="60960" marB="60960"/>
-                </a:tc>
-              </a:tr>
-            </a:tbl>
-          </a:graphicData>
-        </a:graphic>
-      </p:graphicFrame>
-    </p:spTree>
-    <p:extLst>
-      <p:ext uri="{BB962C8B-B14F-4D97-AF65-F5344CB8AC3E}">
-        <p14:creationId xmlns:p14="http://schemas.microsoft.com/office/powerpoint/2010/main" val="1866779859"/>
       </p:ext>
     </p:extLst>
   </p:cSld>

--- a/GitHub Japan Marketing Strategy.pptx
+++ b/GitHub Japan Marketing Strategy.pptx
@@ -170,7 +170,6 @@
           </a:p>
         </c:rich>
       </c:tx>
-      <c:layout/>
       <c:overlay val="0"/>
       <c:spPr>
         <a:noFill/>
@@ -340,9 +339,7 @@
               </c:spPr>
             </c:leaderLines>
             <c:extLst>
-              <c:ext xmlns:c15="http://schemas.microsoft.com/office/drawing/2012/chart" uri="{CE6537A1-D6FC-4f65-9D91-7224C49458BB}">
-                <c15:layout/>
-              </c:ext>
+              <c:ext xmlns:c15="http://schemas.microsoft.com/office/drawing/2012/chart" uri="{CE6537A1-D6FC-4f65-9D91-7224C49458BB}"/>
             </c:extLst>
           </c:dLbls>
           <c:cat>
@@ -419,7 +416,6 @@
     </c:plotArea>
     <c:legend>
       <c:legendPos val="b"/>
-      <c:layout/>
       <c:overlay val="0"/>
       <c:spPr>
         <a:noFill/>
@@ -6156,7 +6152,29 @@
                 <a:ea typeface="Arial" charset="0"/>
                 <a:cs typeface="Arial" charset="0"/>
               </a:rPr>
-              <a:t>subversion </a:t>
+              <a:t>subversion and </a:t>
+            </a:r>
+            <a:r>
+              <a:rPr lang="en-US" altLang="ja-JP" sz="1500" dirty="0" err="1" smtClean="0">
+                <a:solidFill>
+                  <a:schemeClr val="tx1"/>
+                </a:solidFill>
+                <a:latin typeface="Arial" charset="0"/>
+                <a:ea typeface="Arial" charset="0"/>
+                <a:cs typeface="Arial" charset="0"/>
+              </a:rPr>
+              <a:t>GitLab</a:t>
+            </a:r>
+            <a:r>
+              <a:rPr lang="en-US" altLang="ja-JP" sz="1500" dirty="0" smtClean="0">
+                <a:solidFill>
+                  <a:schemeClr val="tx1"/>
+                </a:solidFill>
+                <a:latin typeface="Arial" charset="0"/>
+                <a:ea typeface="Arial" charset="0"/>
+                <a:cs typeface="Arial" charset="0"/>
+              </a:rPr>
+              <a:t> </a:t>
             </a:r>
             <a:r>
               <a:rPr lang="en-US" altLang="ja-JP" sz="1500" dirty="0">
@@ -26538,14 +26556,6 @@
               </a:rPr>
               <a:t>Contribution</a:t>
             </a:r>
-            <a:endParaRPr lang="en-US" altLang="ja-JP" sz="3200" b="1" dirty="0">
-              <a:solidFill>
-                <a:srgbClr val="00B0F0"/>
-              </a:solidFill>
-              <a:latin typeface="Arial" charset="0"/>
-              <a:ea typeface="Arial" charset="0"/>
-              <a:cs typeface="Arial" charset="0"/>
-            </a:endParaRPr>
           </a:p>
         </p:txBody>
       </p:sp>
@@ -26845,15 +26855,7 @@
                   <a:schemeClr val="bg1"/>
                 </a:solidFill>
               </a:rPr>
-              <a:t>1Q2017 </a:t>
-            </a:r>
-            <a:r>
-              <a:rPr lang="en-US" altLang="ja-JP" sz="1333" b="1" dirty="0">
-                <a:solidFill>
-                  <a:schemeClr val="bg1"/>
-                </a:solidFill>
-              </a:rPr>
-              <a:t>Cloud Program Framework Budget Plan</a:t>
+              <a:t>1Q2017 Cloud Program Framework Budget Plan</a:t>
             </a:r>
             <a:endParaRPr lang="ja-JP" altLang="en-US" sz="1333" b="1" dirty="0">
               <a:solidFill>

--- a/GitHub Japan Marketing Strategy.pptx
+++ b/GitHub Japan Marketing Strategy.pptx
@@ -170,6 +170,7 @@
           </a:p>
         </c:rich>
       </c:tx>
+      <c:layout/>
       <c:overlay val="0"/>
       <c:spPr>
         <a:noFill/>
@@ -339,7 +340,9 @@
               </c:spPr>
             </c:leaderLines>
             <c:extLst>
-              <c:ext xmlns:c15="http://schemas.microsoft.com/office/drawing/2012/chart" uri="{CE6537A1-D6FC-4f65-9D91-7224C49458BB}"/>
+              <c:ext xmlns:c15="http://schemas.microsoft.com/office/drawing/2012/chart" uri="{CE6537A1-D6FC-4f65-9D91-7224C49458BB}">
+                <c15:layout/>
+              </c:ext>
             </c:extLst>
           </c:dLbls>
           <c:cat>
@@ -416,6 +419,7 @@
     </c:plotArea>
     <c:legend>
       <c:legendPos val="b"/>
+      <c:layout/>
       <c:overlay val="0"/>
       <c:spPr>
         <a:noFill/>
@@ -561,7 +565,7 @@
           <a:p>
             <a:fld id="{FFFEC453-E2FF-B741-A9EA-9192FC291631}" type="datetimeFigureOut">
               <a:rPr kumimoji="1" lang="ja-JP" altLang="en-US" smtClean="0"/>
-              <a:t>2017/3/14</a:t>
+              <a:t>2017/3/15</a:t>
             </a:fld>
             <a:endParaRPr kumimoji="1" lang="ja-JP" altLang="en-US"/>
           </a:p>
@@ -3080,7 +3084,7 @@
           <a:p>
             <a:fld id="{0AB07F87-E0B4-8949-A90A-54340C823909}" type="datetimeFigureOut">
               <a:rPr kumimoji="1" lang="ja-JP" altLang="en-US" smtClean="0"/>
-              <a:t>2017/3/14</a:t>
+              <a:t>2017/3/15</a:t>
             </a:fld>
             <a:endParaRPr kumimoji="1" lang="ja-JP" altLang="en-US"/>
           </a:p>
@@ -10816,14 +10820,14 @@
           <p:nvPr>
             <p:extLst>
               <p:ext uri="{D42A27DB-BD31-4B8C-83A1-F6EECF244321}">
-                <p14:modId xmlns:p14="http://schemas.microsoft.com/office/powerpoint/2010/main" val="1449417281"/>
+                <p14:modId xmlns:p14="http://schemas.microsoft.com/office/powerpoint/2010/main" val="1506563451"/>
               </p:ext>
             </p:extLst>
           </p:nvPr>
         </p:nvGraphicFramePr>
         <p:xfrm>
           <a:off x="322023" y="1124858"/>
-          <a:ext cx="11426632" cy="4992782"/>
+          <a:ext cx="11543914" cy="5146342"/>
         </p:xfrm>
         <a:graphic>
           <a:graphicData uri="http://schemas.openxmlformats.org/drawingml/2006/table">
@@ -10832,21 +10836,21 @@
                 <a:tableStyleId>{35758FB7-9AC5-4552-8A53-C91805E547FA}</a:tableStyleId>
               </a:tblPr>
               <a:tblGrid>
-                <a:gridCol w="458680"/>
-                <a:gridCol w="447493"/>
-                <a:gridCol w="790571"/>
-                <a:gridCol w="820403"/>
-                <a:gridCol w="745822"/>
-                <a:gridCol w="775654"/>
-                <a:gridCol w="860060"/>
-                <a:gridCol w="650477"/>
-                <a:gridCol w="803741"/>
-                <a:gridCol w="807305"/>
-                <a:gridCol w="844730"/>
-                <a:gridCol w="855424"/>
-                <a:gridCol w="855424"/>
-                <a:gridCol w="934993"/>
-                <a:gridCol w="775855"/>
+                <a:gridCol w="488354"/>
+                <a:gridCol w="476443"/>
+                <a:gridCol w="841716"/>
+                <a:gridCol w="873478"/>
+                <a:gridCol w="794072"/>
+                <a:gridCol w="825834"/>
+                <a:gridCol w="915700"/>
+                <a:gridCol w="692559"/>
+                <a:gridCol w="855738"/>
+                <a:gridCol w="859532"/>
+                <a:gridCol w="899378"/>
+                <a:gridCol w="910764"/>
+                <a:gridCol w="749376"/>
+                <a:gridCol w="534922"/>
+                <a:gridCol w="826048"/>
               </a:tblGrid>
               <a:tr h="243834">
                 <a:tc rowSpan="2" gridSpan="2">
@@ -13862,7 +13866,7 @@
                   <a:tcPr marL="19050" marR="19050" marT="19050" marB="19050" horzOverflow="overflow"/>
                 </a:tc>
               </a:tr>
-              <a:tr h="838891">
+              <a:tr h="992451">
                 <a:tc gridSpan="2">
                   <a:txBody>
                     <a:bodyPr/>
@@ -14125,7 +14129,7 @@
                         <a:buNone/>
                         <a:tabLst/>
                       </a:pPr>
-                      <a:endParaRPr kumimoji="0" lang="ja-JP" altLang="en-US" sz="2000" b="0" i="0" u="none" strike="noStrike" cap="none" normalizeH="0" baseline="0" dirty="0" smtClean="0">
+                      <a:endParaRPr kumimoji="0" lang="ja-JP" altLang="en-US" sz="1200" b="0" i="0" u="none" strike="noStrike" cap="none" normalizeH="0" baseline="0" dirty="0" smtClean="0">
                         <a:ln>
                           <a:noFill/>
                         </a:ln>
@@ -14133,8 +14137,9 @@
                           <a:schemeClr val="tx1"/>
                         </a:solidFill>
                         <a:effectLst/>
-                        <a:latin typeface="Arial" pitchFamily="34" charset="0"/>
-                        <a:ea typeface="ＭＳ Ｐゴシック" pitchFamily="50" charset="-128"/>
+                        <a:latin typeface="Arial" charset="0"/>
+                        <a:ea typeface="Arial" charset="0"/>
+                        <a:cs typeface="Arial" charset="0"/>
                       </a:endParaRPr>
                     </a:p>
                   </a:txBody>
@@ -14258,22 +14263,61 @@
                         <a:buNone/>
                         <a:tabLst/>
                       </a:pPr>
-                      <a:endParaRPr kumimoji="0" lang="ja-JP" altLang="en-US" sz="2000" b="0" i="0" u="none" strike="noStrike" cap="none" normalizeH="0" baseline="0" dirty="0" smtClean="0">
-                        <a:ln>
-                          <a:noFill/>
-                        </a:ln>
-                        <a:solidFill>
-                          <a:schemeClr val="tx1"/>
-                        </a:solidFill>
-                        <a:effectLst/>
-                        <a:latin typeface="Arial" pitchFamily="34" charset="0"/>
-                        <a:ea typeface="ＭＳ Ｐゴシック" pitchFamily="50" charset="-128"/>
-                      </a:endParaRPr>
+                      <a:r>
+                        <a:rPr kumimoji="0" lang="en-US" altLang="ja-JP" sz="1200" b="0" i="0" u="none" strike="noStrike" cap="none" normalizeH="0" baseline="0" dirty="0" smtClean="0">
+                          <a:ln>
+                            <a:noFill/>
+                          </a:ln>
+                          <a:solidFill>
+                            <a:schemeClr val="tx1"/>
+                          </a:solidFill>
+                          <a:effectLst/>
+                          <a:latin typeface="Arial" charset="0"/>
+                          <a:ea typeface="Arial" charset="0"/>
+                          <a:cs typeface="Arial" charset="0"/>
+                        </a:rPr>
+                        <a:t>GitHub Satellite 2017 London</a:t>
+                      </a:r>
+                    </a:p>
+                    <a:p>
+                      <a:pPr marL="0" marR="0" lvl="0" indent="0" algn="l" defTabSz="914400" rtl="0" eaLnBrk="1" fontAlgn="base" latinLnBrk="0" hangingPunct="1">
+                        <a:lnSpc>
+                          <a:spcPct val="100000"/>
+                        </a:lnSpc>
+                        <a:spcBef>
+                          <a:spcPct val="20000"/>
+                        </a:spcBef>
+                        <a:spcAft>
+                          <a:spcPct val="0"/>
+                        </a:spcAft>
+                        <a:buClr>
+                          <a:schemeClr val="accent1"/>
+                        </a:buClr>
+                        <a:buSzTx/>
+                        <a:buFontTx/>
+                        <a:buNone/>
+                        <a:tabLst/>
+                      </a:pPr>
+                      <a:r>
+                        <a:rPr kumimoji="0" lang="en-US" altLang="ja-JP" sz="1200" b="0" i="0" u="none" strike="noStrike" cap="none" normalizeH="0" baseline="0" dirty="0" smtClean="0">
+                          <a:ln>
+                            <a:noFill/>
+                          </a:ln>
+                          <a:solidFill>
+                            <a:schemeClr val="tx1"/>
+                          </a:solidFill>
+                          <a:effectLst/>
+                          <a:latin typeface="Arial" charset="0"/>
+                          <a:ea typeface="Arial" charset="0"/>
+                          <a:cs typeface="Arial" charset="0"/>
+                        </a:rPr>
+                        <a:t>May 22-23</a:t>
+                      </a:r>
                     </a:p>
                   </a:txBody>
                   <a:tcPr marL="19050" marR="19050" marT="19050" marB="19050" horzOverflow="overflow">
                     <a:solidFill>
-                      <a:schemeClr val="bg1"/>
+                      <a:srgbClr val="00D2D1"/>
                     </a:solidFill>
                   </a:tcPr>
                 </a:tc>
@@ -14391,7 +14435,7 @@
                         <a:buNone/>
                         <a:tabLst/>
                       </a:pPr>
-                      <a:endParaRPr kumimoji="0" lang="ja-JP" altLang="en-US" sz="2000" b="0" i="0" u="none" strike="noStrike" cap="none" normalizeH="0" baseline="0" dirty="0" smtClean="0">
+                      <a:endParaRPr kumimoji="0" lang="ja-JP" altLang="en-US" sz="1200" b="0" i="0" u="none" strike="noStrike" cap="none" normalizeH="0" baseline="0" dirty="0" smtClean="0">
                         <a:ln>
                           <a:noFill/>
                         </a:ln>
@@ -14399,8 +14443,9 @@
                           <a:schemeClr val="tx1"/>
                         </a:solidFill>
                         <a:effectLst/>
-                        <a:latin typeface="Arial" pitchFamily="34" charset="0"/>
-                        <a:ea typeface="ＭＳ Ｐゴシック" pitchFamily="50" charset="-128"/>
+                        <a:latin typeface="Arial" charset="0"/>
+                        <a:ea typeface="Arial" charset="0"/>
+                        <a:cs typeface="Arial" charset="0"/>
                       </a:endParaRPr>
                     </a:p>
                   </a:txBody>
@@ -14524,7 +14569,7 @@
                         <a:buNone/>
                         <a:tabLst/>
                       </a:pPr>
-                      <a:endParaRPr kumimoji="0" lang="ja-JP" altLang="en-US" sz="2000" b="0" i="0" u="none" strike="noStrike" cap="none" normalizeH="0" baseline="0" dirty="0" smtClean="0">
+                      <a:endParaRPr kumimoji="0" lang="ja-JP" altLang="en-US" sz="1200" b="0" i="0" u="none" strike="noStrike" cap="none" normalizeH="0" baseline="0" dirty="0" smtClean="0">
                         <a:ln>
                           <a:noFill/>
                         </a:ln>
@@ -14532,8 +14577,9 @@
                           <a:schemeClr val="tx1"/>
                         </a:solidFill>
                         <a:effectLst/>
-                        <a:latin typeface="Arial" pitchFamily="34" charset="0"/>
-                        <a:ea typeface="ＭＳ Ｐゴシック" pitchFamily="50" charset="-128"/>
+                        <a:latin typeface="Arial" charset="0"/>
+                        <a:ea typeface="Arial" charset="0"/>
+                        <a:cs typeface="Arial" charset="0"/>
                       </a:endParaRPr>
                     </a:p>
                   </a:txBody>
@@ -14657,7 +14703,7 @@
                         <a:buNone/>
                         <a:tabLst/>
                       </a:pPr>
-                      <a:endParaRPr kumimoji="0" lang="ja-JP" altLang="en-US" sz="2000" b="0" i="0" u="none" strike="noStrike" cap="none" normalizeH="0" baseline="0" dirty="0" smtClean="0">
+                      <a:endParaRPr kumimoji="0" lang="ja-JP" altLang="en-US" sz="1200" b="0" i="0" u="none" strike="noStrike" cap="none" normalizeH="0" baseline="0" dirty="0" smtClean="0">
                         <a:ln>
                           <a:noFill/>
                         </a:ln>
@@ -14665,8 +14711,9 @@
                           <a:schemeClr val="tx1"/>
                         </a:solidFill>
                         <a:effectLst/>
-                        <a:latin typeface="Arial" pitchFamily="34" charset="0"/>
-                        <a:ea typeface="ＭＳ Ｐゴシック" pitchFamily="50" charset="-128"/>
+                        <a:latin typeface="Arial" charset="0"/>
+                        <a:ea typeface="Arial" charset="0"/>
+                        <a:cs typeface="Arial" charset="0"/>
                       </a:endParaRPr>
                     </a:p>
                   </a:txBody>
@@ -14790,7 +14837,7 @@
                         <a:buNone/>
                         <a:tabLst/>
                       </a:pPr>
-                      <a:endParaRPr kumimoji="0" lang="ja-JP" altLang="en-US" sz="1600" b="0" i="0" u="none" strike="noStrike" cap="none" normalizeH="0" baseline="0" dirty="0" smtClean="0">
+                      <a:endParaRPr kumimoji="0" lang="ja-JP" altLang="en-US" sz="1200" b="0" i="0" u="none" strike="noStrike" cap="none" normalizeH="0" baseline="0" dirty="0" smtClean="0">
                         <a:ln>
                           <a:noFill/>
                         </a:ln>
@@ -14798,8 +14845,9 @@
                           <a:schemeClr val="tx1"/>
                         </a:solidFill>
                         <a:effectLst/>
-                        <a:latin typeface="Arial" pitchFamily="34" charset="0"/>
-                        <a:ea typeface="ＭＳ Ｐゴシック" pitchFamily="50" charset="-128"/>
+                        <a:latin typeface="Arial" charset="0"/>
+                        <a:ea typeface="Arial" charset="0"/>
+                        <a:cs typeface="Arial" charset="0"/>
                       </a:endParaRPr>
                     </a:p>
                   </a:txBody>
@@ -14933,11 +14981,39 @@
                             <a:schemeClr val="tx1"/>
                           </a:solidFill>
                           <a:effectLst/>
-                          <a:latin typeface="Arial" pitchFamily="34" charset="0"/>
-                          <a:ea typeface="ＭＳ Ｐゴシック" pitchFamily="50" charset="-128"/>
+                          <a:latin typeface="Arial" charset="0"/>
+                          <a:ea typeface="Arial" charset="0"/>
+                          <a:cs typeface="Arial" charset="0"/>
                         </a:rPr>
-                        <a:t>GitHub Universe</a:t>
+                        <a:t>GitHub </a:t>
                       </a:r>
+                      <a:r>
+                        <a:rPr kumimoji="0" lang="en-US" altLang="ja-JP" sz="1200" b="0" i="0" u="none" strike="noStrike" cap="none" normalizeH="0" baseline="0" dirty="0" smtClean="0">
+                          <a:ln>
+                            <a:noFill/>
+                          </a:ln>
+                          <a:solidFill>
+                            <a:schemeClr val="tx1"/>
+                          </a:solidFill>
+                          <a:effectLst/>
+                          <a:latin typeface="Arial" charset="0"/>
+                          <a:ea typeface="Arial" charset="0"/>
+                          <a:cs typeface="Arial" charset="0"/>
+                        </a:rPr>
+                        <a:t>Universe 2017</a:t>
+                      </a:r>
+                      <a:endParaRPr kumimoji="0" lang="en-US" altLang="ja-JP" sz="1200" b="0" i="0" u="none" strike="noStrike" cap="none" normalizeH="0" baseline="0" dirty="0" smtClean="0">
+                        <a:ln>
+                          <a:noFill/>
+                        </a:ln>
+                        <a:solidFill>
+                          <a:schemeClr val="tx1"/>
+                        </a:solidFill>
+                        <a:effectLst/>
+                        <a:latin typeface="Arial" charset="0"/>
+                        <a:ea typeface="Arial" charset="0"/>
+                        <a:cs typeface="Arial" charset="0"/>
+                      </a:endParaRPr>
                     </a:p>
                     <a:p>
                       <a:pPr marL="0" marR="0" lvl="0" indent="0" algn="l" defTabSz="914400" rtl="0" eaLnBrk="1" fontAlgn="base" latinLnBrk="0" hangingPunct="1">
@@ -14968,8 +15044,9 @@
                             <a:schemeClr val="tx1"/>
                           </a:solidFill>
                           <a:effectLst/>
-                          <a:latin typeface="Arial" pitchFamily="34" charset="0"/>
-                          <a:ea typeface="ＭＳ Ｐゴシック" pitchFamily="50" charset="-128"/>
+                          <a:latin typeface="Arial" charset="0"/>
+                          <a:ea typeface="Arial" charset="0"/>
+                          <a:cs typeface="Arial" charset="0"/>
                         </a:rPr>
                         <a:t>October 10-12</a:t>
                       </a:r>
@@ -14981,8 +15058,9 @@
                           <a:schemeClr val="tx1"/>
                         </a:solidFill>
                         <a:effectLst/>
-                        <a:latin typeface="Arial" pitchFamily="34" charset="0"/>
-                        <a:ea typeface="ＭＳ Ｐゴシック" pitchFamily="50" charset="-128"/>
+                        <a:latin typeface="Arial" charset="0"/>
+                        <a:ea typeface="Arial" charset="0"/>
+                        <a:cs typeface="Arial" charset="0"/>
                       </a:endParaRPr>
                     </a:p>
                   </a:txBody>
@@ -15106,7 +15184,7 @@
                         <a:buNone/>
                         <a:tabLst/>
                       </a:pPr>
-                      <a:endParaRPr kumimoji="0" lang="ja-JP" altLang="en-US" sz="2000" b="0" i="0" u="none" strike="noStrike" cap="none" normalizeH="0" baseline="0" dirty="0" smtClean="0">
+                      <a:endParaRPr kumimoji="0" lang="ja-JP" altLang="en-US" sz="1200" b="0" i="0" u="none" strike="noStrike" cap="none" normalizeH="0" baseline="0" dirty="0" smtClean="0">
                         <a:ln>
                           <a:noFill/>
                         </a:ln>
@@ -15114,8 +15192,9 @@
                           <a:schemeClr val="tx1"/>
                         </a:solidFill>
                         <a:effectLst/>
-                        <a:latin typeface="Arial" pitchFamily="34" charset="0"/>
-                        <a:ea typeface="ＭＳ Ｐゴシック" pitchFamily="50" charset="-128"/>
+                        <a:latin typeface="Arial" charset="0"/>
+                        <a:ea typeface="Arial" charset="0"/>
+                        <a:cs typeface="Arial" charset="0"/>
                       </a:endParaRPr>
                     </a:p>
                   </a:txBody>
@@ -15239,7 +15318,7 @@
                         <a:buNone/>
                         <a:tabLst/>
                       </a:pPr>
-                      <a:endParaRPr kumimoji="0" lang="ja-JP" altLang="en-US" sz="2000" b="0" i="0" u="none" strike="noStrike" cap="none" normalizeH="0" baseline="0" dirty="0" smtClean="0">
+                      <a:endParaRPr kumimoji="0" lang="ja-JP" altLang="en-US" sz="1200" b="0" i="0" u="none" strike="noStrike" cap="none" normalizeH="0" baseline="0" dirty="0" smtClean="0">
                         <a:ln>
                           <a:noFill/>
                         </a:ln>
@@ -15247,8 +15326,9 @@
                           <a:schemeClr val="tx1"/>
                         </a:solidFill>
                         <a:effectLst/>
-                        <a:latin typeface="Arial" pitchFamily="34" charset="0"/>
-                        <a:ea typeface="ＭＳ Ｐゴシック" pitchFamily="50" charset="-128"/>
+                        <a:latin typeface="Arial" charset="0"/>
+                        <a:ea typeface="Arial" charset="0"/>
+                        <a:cs typeface="Arial" charset="0"/>
                       </a:endParaRPr>
                     </a:p>
                   </a:txBody>
@@ -15372,7 +15452,7 @@
                         <a:buNone/>
                         <a:tabLst/>
                       </a:pPr>
-                      <a:endParaRPr kumimoji="0" lang="ja-JP" altLang="en-US" sz="2000" b="0" i="0" u="none" strike="noStrike" cap="none" normalizeH="0" baseline="0" dirty="0" smtClean="0">
+                      <a:endParaRPr kumimoji="0" lang="ja-JP" altLang="en-US" sz="1200" b="0" i="0" u="none" strike="noStrike" cap="none" normalizeH="0" baseline="0" dirty="0" smtClean="0">
                         <a:ln>
                           <a:noFill/>
                         </a:ln>
@@ -15380,8 +15460,9 @@
                           <a:schemeClr val="tx1"/>
                         </a:solidFill>
                         <a:effectLst/>
-                        <a:latin typeface="Arial" pitchFamily="34" charset="0"/>
-                        <a:ea typeface="ＭＳ Ｐゴシック" pitchFamily="50" charset="-128"/>
+                        <a:latin typeface="Arial" charset="0"/>
+                        <a:ea typeface="Arial" charset="0"/>
+                        <a:cs typeface="Arial" charset="0"/>
                       </a:endParaRPr>
                     </a:p>
                   </a:txBody>
@@ -15414,7 +15495,7 @@
                         <a:buNone/>
                         <a:tabLst/>
                       </a:pPr>
-                      <a:endParaRPr kumimoji="0" lang="ja-JP" altLang="en-US" sz="2000" b="0" i="0" u="none" strike="noStrike" cap="none" normalizeH="0" baseline="0" dirty="0" smtClean="0">
+                      <a:endParaRPr kumimoji="0" lang="ja-JP" altLang="en-US" sz="1200" b="0" i="0" u="none" strike="noStrike" cap="none" normalizeH="0" baseline="0" dirty="0" smtClean="0">
                         <a:ln>
                           <a:noFill/>
                         </a:ln>
@@ -15422,8 +15503,9 @@
                           <a:schemeClr val="tx1"/>
                         </a:solidFill>
                         <a:effectLst/>
-                        <a:latin typeface="Arial" pitchFamily="34" charset="0"/>
-                        <a:ea typeface="ＭＳ Ｐゴシック" pitchFamily="50" charset="-128"/>
+                        <a:latin typeface="Arial" charset="0"/>
+                        <a:ea typeface="Arial" charset="0"/>
+                        <a:cs typeface="Arial" charset="0"/>
                       </a:endParaRPr>
                     </a:p>
                   </a:txBody>
@@ -15456,7 +15538,7 @@
                         <a:buNone/>
                         <a:tabLst/>
                       </a:pPr>
-                      <a:endParaRPr kumimoji="0" lang="ja-JP" altLang="en-US" sz="2000" b="0" i="0" u="none" strike="noStrike" cap="none" normalizeH="0" baseline="0" dirty="0" smtClean="0">
+                      <a:endParaRPr kumimoji="0" lang="ja-JP" altLang="en-US" sz="1200" b="0" i="0" u="none" strike="noStrike" cap="none" normalizeH="0" baseline="0" dirty="0" smtClean="0">
                         <a:ln>
                           <a:noFill/>
                         </a:ln>
@@ -15464,8 +15546,9 @@
                           <a:schemeClr val="tx1"/>
                         </a:solidFill>
                         <a:effectLst/>
-                        <a:latin typeface="Arial" pitchFamily="34" charset="0"/>
-                        <a:ea typeface="ＭＳ Ｐゴシック" pitchFamily="50" charset="-128"/>
+                        <a:latin typeface="Arial" charset="0"/>
+                        <a:ea typeface="Arial" charset="0"/>
+                        <a:cs typeface="Arial" charset="0"/>
                       </a:endParaRPr>
                     </a:p>
                   </a:txBody>
@@ -15499,20 +15582,6 @@
                         <a:tabLst/>
                       </a:pPr>
                       <a:r>
-                        <a:rPr kumimoji="0" lang="en-US" altLang="ja-JP" sz="1200" b="0" i="0" u="none" strike="noStrike" cap="none" normalizeH="0" baseline="0" dirty="0" smtClean="0">
-                          <a:ln>
-                            <a:noFill/>
-                          </a:ln>
-                          <a:solidFill>
-                            <a:schemeClr val="tx1"/>
-                          </a:solidFill>
-                          <a:effectLst/>
-                          <a:latin typeface="Arial" pitchFamily="34" charset="0"/>
-                          <a:ea typeface="ＭＳ Ｐゴシック" pitchFamily="50" charset="-128"/>
-                        </a:rPr>
-                        <a:t>GitHub Universe </a:t>
-                      </a:r>
-                      <a:r>
                         <a:rPr kumimoji="0" lang="en-US" altLang="ja-JP" sz="1200" b="1" i="0" u="none" strike="noStrike" cap="none" normalizeH="0" baseline="0" dirty="0" smtClean="0">
                           <a:ln>
                             <a:noFill/>
@@ -15521,11 +15590,24 @@
                             <a:schemeClr val="tx1"/>
                           </a:solidFill>
                           <a:effectLst/>
-                          <a:latin typeface="Arial" pitchFamily="34" charset="0"/>
-                          <a:ea typeface="ＭＳ Ｐゴシック" pitchFamily="50" charset="-128"/>
+                          <a:latin typeface="Arial" charset="0"/>
+                          <a:ea typeface="Arial" charset="0"/>
+                          <a:cs typeface="Arial" charset="0"/>
                         </a:rPr>
-                        <a:t>Japan ?</a:t>
+                        <a:t>GitHub Satellite 2018 Tokyo</a:t>
                       </a:r>
+                      <a:endParaRPr kumimoji="0" lang="en-US" altLang="ja-JP" sz="1200" b="1" i="0" u="none" strike="noStrike" cap="none" normalizeH="0" baseline="0" dirty="0" smtClean="0">
+                        <a:ln>
+                          <a:noFill/>
+                        </a:ln>
+                        <a:solidFill>
+                          <a:schemeClr val="tx1"/>
+                        </a:solidFill>
+                        <a:effectLst/>
+                        <a:latin typeface="Arial" charset="0"/>
+                        <a:ea typeface="Arial" charset="0"/>
+                        <a:cs typeface="Arial" charset="0"/>
+                      </a:endParaRPr>
                     </a:p>
                     <a:p>
                       <a:pPr marL="0" marR="0" lvl="0" indent="0" algn="l" defTabSz="914400" rtl="0" eaLnBrk="1" fontAlgn="base" latinLnBrk="0" hangingPunct="1">
@@ -15555,8 +15637,9 @@
                             <a:schemeClr val="tx1"/>
                           </a:solidFill>
                           <a:effectLst/>
-                          <a:latin typeface="Arial" pitchFamily="34" charset="0"/>
-                          <a:ea typeface="ＭＳ Ｐゴシック" pitchFamily="50" charset="-128"/>
+                          <a:latin typeface="Arial" charset="0"/>
+                          <a:ea typeface="Arial" charset="0"/>
+                          <a:cs typeface="Arial" charset="0"/>
                         </a:rPr>
                         <a:t>April 5-6</a:t>
                       </a:r>
@@ -15832,7 +15915,7 @@
                         <a:buNone/>
                         <a:tabLst/>
                       </a:pPr>
-                      <a:endParaRPr kumimoji="0" lang="ja-JP" altLang="en-US" sz="2000" b="0" i="0" u="none" strike="noStrike" cap="none" normalizeH="0" baseline="0" dirty="0" smtClean="0">
+                      <a:endParaRPr kumimoji="0" lang="ja-JP" altLang="en-US" sz="1200" b="0" i="0" u="none" strike="noStrike" cap="none" normalizeH="0" baseline="0" dirty="0" smtClean="0">
                         <a:ln>
                           <a:noFill/>
                         </a:ln>
@@ -15840,8 +15923,9 @@
                           <a:schemeClr val="tx1"/>
                         </a:solidFill>
                         <a:effectLst/>
-                        <a:latin typeface="Arial" pitchFamily="34" charset="0"/>
-                        <a:ea typeface="ＭＳ Ｐゴシック" pitchFamily="50" charset="-128"/>
+                        <a:latin typeface="Arial" charset="0"/>
+                        <a:ea typeface="Arial" charset="0"/>
+                        <a:cs typeface="Arial" charset="0"/>
                       </a:endParaRPr>
                     </a:p>
                   </a:txBody>
@@ -15965,7 +16049,7 @@
                         <a:buNone/>
                         <a:tabLst/>
                       </a:pPr>
-                      <a:endParaRPr kumimoji="0" lang="ja-JP" altLang="en-US" sz="2000" b="0" i="0" u="none" strike="noStrike" cap="none" normalizeH="0" baseline="0" smtClean="0">
+                      <a:endParaRPr kumimoji="0" lang="ja-JP" altLang="en-US" sz="1200" b="0" i="0" u="none" strike="noStrike" cap="none" normalizeH="0" baseline="0" dirty="0" smtClean="0">
                         <a:ln>
                           <a:noFill/>
                         </a:ln>
@@ -15973,14 +16057,15 @@
                           <a:schemeClr val="tx1"/>
                         </a:solidFill>
                         <a:effectLst/>
-                        <a:latin typeface="Arial" pitchFamily="34" charset="0"/>
-                        <a:ea typeface="ＭＳ Ｐゴシック" pitchFamily="50" charset="-128"/>
+                        <a:latin typeface="Arial" charset="0"/>
+                        <a:ea typeface="Arial" charset="0"/>
+                        <a:cs typeface="Arial" charset="0"/>
                       </a:endParaRPr>
                     </a:p>
                   </a:txBody>
                   <a:tcPr marL="19050" marR="19050" marT="19050" marB="19050" horzOverflow="overflow">
                     <a:solidFill>
-                      <a:schemeClr val="bg1"/>
+                      <a:srgbClr val="00D2D1"/>
                     </a:solidFill>
                   </a:tcPr>
                 </a:tc>
@@ -16098,7 +16183,7 @@
                         <a:buNone/>
                         <a:tabLst/>
                       </a:pPr>
-                      <a:endParaRPr kumimoji="0" lang="ja-JP" altLang="en-US" sz="2000" b="0" i="0" u="none" strike="noStrike" cap="none" normalizeH="0" baseline="0" dirty="0" smtClean="0">
+                      <a:endParaRPr kumimoji="0" lang="ja-JP" altLang="en-US" sz="1200" b="0" i="0" u="none" strike="noStrike" cap="none" normalizeH="0" baseline="0" dirty="0" smtClean="0">
                         <a:ln>
                           <a:noFill/>
                         </a:ln>
@@ -16106,8 +16191,9 @@
                           <a:schemeClr val="tx1"/>
                         </a:solidFill>
                         <a:effectLst/>
-                        <a:latin typeface="Arial" pitchFamily="34" charset="0"/>
-                        <a:ea typeface="ＭＳ Ｐゴシック" pitchFamily="50" charset="-128"/>
+                        <a:latin typeface="Arial" charset="0"/>
+                        <a:ea typeface="Arial" charset="0"/>
+                        <a:cs typeface="Arial" charset="0"/>
                       </a:endParaRPr>
                     </a:p>
                   </a:txBody>
@@ -16231,7 +16317,7 @@
                         <a:buNone/>
                         <a:tabLst/>
                       </a:pPr>
-                      <a:endParaRPr kumimoji="0" lang="ja-JP" altLang="en-US" sz="2000" b="0" i="0" u="none" strike="noStrike" cap="none" normalizeH="0" baseline="0" smtClean="0">
+                      <a:endParaRPr kumimoji="0" lang="ja-JP" altLang="en-US" sz="1200" b="0" i="0" u="none" strike="noStrike" cap="none" normalizeH="0" baseline="0" smtClean="0">
                         <a:ln>
                           <a:noFill/>
                         </a:ln>
@@ -16239,8 +16325,9 @@
                           <a:schemeClr val="tx1"/>
                         </a:solidFill>
                         <a:effectLst/>
-                        <a:latin typeface="Arial" pitchFamily="34" charset="0"/>
-                        <a:ea typeface="ＭＳ Ｐゴシック" pitchFamily="50" charset="-128"/>
+                        <a:latin typeface="Arial" charset="0"/>
+                        <a:ea typeface="Arial" charset="0"/>
+                        <a:cs typeface="Arial" charset="0"/>
                       </a:endParaRPr>
                     </a:p>
                   </a:txBody>
@@ -16364,7 +16451,7 @@
                         <a:buNone/>
                         <a:tabLst/>
                       </a:pPr>
-                      <a:endParaRPr kumimoji="0" lang="ja-JP" altLang="en-US" sz="2000" b="0" i="0" u="none" strike="noStrike" cap="none" normalizeH="0" baseline="0" dirty="0" smtClean="0">
+                      <a:endParaRPr kumimoji="0" lang="ja-JP" altLang="en-US" sz="1200" b="0" i="0" u="none" strike="noStrike" cap="none" normalizeH="0" baseline="0" dirty="0" smtClean="0">
                         <a:ln>
                           <a:noFill/>
                         </a:ln>
@@ -16372,8 +16459,9 @@
                           <a:schemeClr val="tx1"/>
                         </a:solidFill>
                         <a:effectLst/>
-                        <a:latin typeface="Arial" pitchFamily="34" charset="0"/>
-                        <a:ea typeface="ＭＳ Ｐゴシック" pitchFamily="50" charset="-128"/>
+                        <a:latin typeface="Arial" charset="0"/>
+                        <a:ea typeface="Arial" charset="0"/>
+                        <a:cs typeface="Arial" charset="0"/>
                       </a:endParaRPr>
                     </a:p>
                   </a:txBody>
@@ -16497,7 +16585,7 @@
                         <a:buNone/>
                         <a:tabLst/>
                       </a:pPr>
-                      <a:endParaRPr kumimoji="0" lang="ja-JP" altLang="en-US" sz="2000" b="0" i="0" u="none" strike="noStrike" cap="none" normalizeH="0" baseline="0" dirty="0" smtClean="0">
+                      <a:endParaRPr kumimoji="0" lang="ja-JP" altLang="en-US" sz="1200" b="0" i="0" u="none" strike="noStrike" cap="none" normalizeH="0" baseline="0" dirty="0" smtClean="0">
                         <a:ln>
                           <a:noFill/>
                         </a:ln>
@@ -16505,8 +16593,9 @@
                           <a:schemeClr val="tx1"/>
                         </a:solidFill>
                         <a:effectLst/>
-                        <a:latin typeface="Arial" pitchFamily="34" charset="0"/>
-                        <a:ea typeface="ＭＳ Ｐゴシック" pitchFamily="50" charset="-128"/>
+                        <a:latin typeface="Arial" charset="0"/>
+                        <a:ea typeface="Arial" charset="0"/>
+                        <a:cs typeface="Arial" charset="0"/>
                       </a:endParaRPr>
                     </a:p>
                   </a:txBody>
@@ -16630,7 +16719,7 @@
                         <a:buNone/>
                         <a:tabLst/>
                       </a:pPr>
-                      <a:endParaRPr kumimoji="0" lang="ja-JP" altLang="en-US" sz="2000" b="0" i="0" u="none" strike="noStrike" cap="none" normalizeH="0" baseline="0" dirty="0" smtClean="0">
+                      <a:endParaRPr kumimoji="0" lang="ja-JP" altLang="en-US" sz="1200" b="0" i="0" u="none" strike="noStrike" cap="none" normalizeH="0" baseline="0" dirty="0" smtClean="0">
                         <a:ln>
                           <a:noFill/>
                         </a:ln>
@@ -16638,8 +16727,9 @@
                           <a:schemeClr val="tx1"/>
                         </a:solidFill>
                         <a:effectLst/>
-                        <a:latin typeface="Arial" pitchFamily="34" charset="0"/>
-                        <a:ea typeface="ＭＳ Ｐゴシック" pitchFamily="50" charset="-128"/>
+                        <a:latin typeface="Arial" charset="0"/>
+                        <a:ea typeface="Arial" charset="0"/>
+                        <a:cs typeface="Arial" charset="0"/>
                       </a:endParaRPr>
                     </a:p>
                   </a:txBody>
@@ -16763,7 +16853,7 @@
                         <a:buNone/>
                         <a:tabLst/>
                       </a:pPr>
-                      <a:endParaRPr kumimoji="0" lang="ja-JP" altLang="en-US" sz="2000" b="0" i="0" u="none" strike="noStrike" cap="none" normalizeH="0" baseline="0" smtClean="0">
+                      <a:endParaRPr kumimoji="0" lang="ja-JP" altLang="en-US" sz="1200" b="0" i="0" u="none" strike="noStrike" cap="none" normalizeH="0" baseline="0" smtClean="0">
                         <a:ln>
                           <a:noFill/>
                         </a:ln>
@@ -16771,8 +16861,9 @@
                           <a:schemeClr val="tx1"/>
                         </a:solidFill>
                         <a:effectLst/>
-                        <a:latin typeface="Arial" pitchFamily="34" charset="0"/>
-                        <a:ea typeface="ＭＳ Ｐゴシック" pitchFamily="50" charset="-128"/>
+                        <a:latin typeface="Arial" charset="0"/>
+                        <a:ea typeface="Arial" charset="0"/>
+                        <a:cs typeface="Arial" charset="0"/>
                       </a:endParaRPr>
                     </a:p>
                   </a:txBody>
@@ -16896,7 +16987,7 @@
                         <a:buNone/>
                         <a:tabLst/>
                       </a:pPr>
-                      <a:endParaRPr kumimoji="0" lang="ja-JP" altLang="en-US" sz="2000" b="0" i="0" u="none" strike="noStrike" cap="none" normalizeH="0" baseline="0" dirty="0" smtClean="0">
+                      <a:endParaRPr kumimoji="0" lang="ja-JP" altLang="en-US" sz="1200" b="0" i="0" u="none" strike="noStrike" cap="none" normalizeH="0" baseline="0" dirty="0" smtClean="0">
                         <a:ln>
                           <a:noFill/>
                         </a:ln>
@@ -16904,8 +16995,9 @@
                           <a:schemeClr val="tx1"/>
                         </a:solidFill>
                         <a:effectLst/>
-                        <a:latin typeface="Arial" pitchFamily="34" charset="0"/>
-                        <a:ea typeface="ＭＳ Ｐゴシック" pitchFamily="50" charset="-128"/>
+                        <a:latin typeface="Arial" charset="0"/>
+                        <a:ea typeface="Arial" charset="0"/>
+                        <a:cs typeface="Arial" charset="0"/>
                       </a:endParaRPr>
                     </a:p>
                   </a:txBody>
@@ -17029,7 +17121,7 @@
                         <a:buNone/>
                         <a:tabLst/>
                       </a:pPr>
-                      <a:endParaRPr kumimoji="0" lang="ja-JP" altLang="en-US" sz="2000" b="0" i="0" u="none" strike="noStrike" cap="none" normalizeH="0" baseline="0" dirty="0" smtClean="0">
+                      <a:endParaRPr kumimoji="0" lang="ja-JP" altLang="en-US" sz="1200" b="0" i="0" u="none" strike="noStrike" cap="none" normalizeH="0" baseline="0" dirty="0" smtClean="0">
                         <a:ln>
                           <a:noFill/>
                         </a:ln>
@@ -17037,8 +17129,9 @@
                           <a:schemeClr val="tx1"/>
                         </a:solidFill>
                         <a:effectLst/>
-                        <a:latin typeface="Arial" pitchFamily="34" charset="0"/>
-                        <a:ea typeface="ＭＳ Ｐゴシック" pitchFamily="50" charset="-128"/>
+                        <a:latin typeface="Arial" charset="0"/>
+                        <a:ea typeface="Arial" charset="0"/>
+                        <a:cs typeface="Arial" charset="0"/>
                       </a:endParaRPr>
                     </a:p>
                   </a:txBody>
@@ -17071,7 +17164,7 @@
                         <a:buNone/>
                         <a:tabLst/>
                       </a:pPr>
-                      <a:endParaRPr kumimoji="0" lang="ja-JP" altLang="en-US" sz="2000" b="0" i="0" u="none" strike="noStrike" cap="none" normalizeH="0" baseline="0" dirty="0" smtClean="0">
+                      <a:endParaRPr kumimoji="0" lang="ja-JP" altLang="en-US" sz="1200" b="0" i="0" u="none" strike="noStrike" cap="none" normalizeH="0" baseline="0" dirty="0" smtClean="0">
                         <a:ln>
                           <a:noFill/>
                         </a:ln>
@@ -17079,8 +17172,9 @@
                           <a:schemeClr val="tx1"/>
                         </a:solidFill>
                         <a:effectLst/>
-                        <a:latin typeface="Arial" pitchFamily="34" charset="0"/>
-                        <a:ea typeface="ＭＳ Ｐゴシック" pitchFamily="50" charset="-128"/>
+                        <a:latin typeface="Arial" charset="0"/>
+                        <a:ea typeface="Arial" charset="0"/>
+                        <a:cs typeface="Arial" charset="0"/>
                       </a:endParaRPr>
                     </a:p>
                   </a:txBody>
@@ -17113,7 +17207,7 @@
                         <a:buNone/>
                         <a:tabLst/>
                       </a:pPr>
-                      <a:endParaRPr kumimoji="0" lang="ja-JP" altLang="en-US" sz="2000" b="0" i="0" u="none" strike="noStrike" cap="none" normalizeH="0" baseline="0" dirty="0" smtClean="0">
+                      <a:endParaRPr kumimoji="0" lang="ja-JP" altLang="en-US" sz="1200" b="0" i="0" u="none" strike="noStrike" cap="none" normalizeH="0" baseline="0" dirty="0" smtClean="0">
                         <a:ln>
                           <a:noFill/>
                         </a:ln>
@@ -17121,8 +17215,9 @@
                           <a:schemeClr val="tx1"/>
                         </a:solidFill>
                         <a:effectLst/>
-                        <a:latin typeface="Arial" pitchFamily="34" charset="0"/>
-                        <a:ea typeface="ＭＳ Ｐゴシック" pitchFamily="50" charset="-128"/>
+                        <a:latin typeface="Arial" charset="0"/>
+                        <a:ea typeface="Arial" charset="0"/>
+                        <a:cs typeface="Arial" charset="0"/>
                       </a:endParaRPr>
                     </a:p>
                   </a:txBody>
@@ -17155,7 +17250,7 @@
                         <a:buNone/>
                         <a:tabLst/>
                       </a:pPr>
-                      <a:endParaRPr kumimoji="0" lang="ja-JP" altLang="en-US" sz="2000" b="0" i="0" u="none" strike="noStrike" cap="none" normalizeH="0" baseline="0" dirty="0" smtClean="0">
+                      <a:endParaRPr kumimoji="0" lang="ja-JP" altLang="en-US" sz="1200" b="0" i="0" u="none" strike="noStrike" cap="none" normalizeH="0" baseline="0" dirty="0" smtClean="0">
                         <a:ln>
                           <a:noFill/>
                         </a:ln>
@@ -17163,8 +17258,9 @@
                           <a:schemeClr val="tx1"/>
                         </a:solidFill>
                         <a:effectLst/>
-                        <a:latin typeface="Arial" pitchFamily="34" charset="0"/>
-                        <a:ea typeface="ＭＳ Ｐゴシック" pitchFamily="50" charset="-128"/>
+                        <a:latin typeface="Arial" charset="0"/>
+                        <a:ea typeface="Arial" charset="0"/>
+                        <a:cs typeface="Arial" charset="0"/>
                       </a:endParaRPr>
                     </a:p>
                   </a:txBody>
@@ -17566,7 +17662,7 @@
                         <a:buNone/>
                         <a:tabLst/>
                       </a:pPr>
-                      <a:endParaRPr kumimoji="0" lang="ja-JP" altLang="en-US" sz="2000" b="0" i="0" u="none" strike="noStrike" cap="none" normalizeH="0" baseline="0" dirty="0" smtClean="0">
+                      <a:endParaRPr kumimoji="0" lang="ja-JP" altLang="en-US" sz="1200" b="0" i="0" u="none" strike="noStrike" cap="none" normalizeH="0" baseline="0" dirty="0" smtClean="0">
                         <a:ln>
                           <a:noFill/>
                         </a:ln>
@@ -17574,8 +17670,9 @@
                           <a:schemeClr val="tx1"/>
                         </a:solidFill>
                         <a:effectLst/>
-                        <a:latin typeface="Arial" pitchFamily="34" charset="0"/>
-                        <a:ea typeface="ＭＳ Ｐゴシック" pitchFamily="50" charset="-128"/>
+                        <a:latin typeface="Arial" charset="0"/>
+                        <a:ea typeface="Arial" charset="0"/>
+                        <a:cs typeface="Arial" charset="0"/>
                       </a:endParaRPr>
                     </a:p>
                   </a:txBody>
@@ -17699,7 +17796,7 @@
                         <a:buNone/>
                         <a:tabLst/>
                       </a:pPr>
-                      <a:endParaRPr kumimoji="0" lang="ja-JP" altLang="en-US" sz="2000" b="0" i="0" u="none" strike="noStrike" cap="none" normalizeH="0" baseline="0" smtClean="0">
+                      <a:endParaRPr kumimoji="0" lang="ja-JP" altLang="en-US" sz="1200" b="0" i="0" u="none" strike="noStrike" cap="none" normalizeH="0" baseline="0" dirty="0" smtClean="0">
                         <a:ln>
                           <a:noFill/>
                         </a:ln>
@@ -17707,14 +17804,15 @@
                           <a:schemeClr val="tx1"/>
                         </a:solidFill>
                         <a:effectLst/>
-                        <a:latin typeface="Arial" pitchFamily="34" charset="0"/>
-                        <a:ea typeface="ＭＳ Ｐゴシック" pitchFamily="50" charset="-128"/>
+                        <a:latin typeface="Arial" charset="0"/>
+                        <a:ea typeface="Arial" charset="0"/>
+                        <a:cs typeface="Arial" charset="0"/>
                       </a:endParaRPr>
                     </a:p>
                   </a:txBody>
                   <a:tcPr marL="19050" marR="19050" marT="19050" marB="19050" horzOverflow="overflow">
                     <a:solidFill>
-                      <a:schemeClr val="bg1"/>
+                      <a:srgbClr val="00D2D1"/>
                     </a:solidFill>
                   </a:tcPr>
                 </a:tc>
@@ -17832,7 +17930,7 @@
                         <a:buNone/>
                         <a:tabLst/>
                       </a:pPr>
-                      <a:endParaRPr kumimoji="0" lang="ja-JP" altLang="en-US" sz="2000" b="0" i="0" u="none" strike="noStrike" cap="none" normalizeH="0" baseline="0" dirty="0" smtClean="0">
+                      <a:endParaRPr kumimoji="0" lang="ja-JP" altLang="en-US" sz="1200" b="0" i="0" u="none" strike="noStrike" cap="none" normalizeH="0" baseline="0" dirty="0" smtClean="0">
                         <a:ln>
                           <a:noFill/>
                         </a:ln>
@@ -17840,8 +17938,9 @@
                           <a:schemeClr val="tx1"/>
                         </a:solidFill>
                         <a:effectLst/>
-                        <a:latin typeface="Arial" pitchFamily="34" charset="0"/>
-                        <a:ea typeface="ＭＳ Ｐゴシック" pitchFamily="50" charset="-128"/>
+                        <a:latin typeface="Arial" charset="0"/>
+                        <a:ea typeface="Arial" charset="0"/>
+                        <a:cs typeface="Arial" charset="0"/>
                       </a:endParaRPr>
                     </a:p>
                   </a:txBody>
@@ -17965,7 +18064,7 @@
                         <a:buNone/>
                         <a:tabLst/>
                       </a:pPr>
-                      <a:endParaRPr kumimoji="0" lang="ja-JP" altLang="en-US" sz="2000" b="0" i="0" u="none" strike="noStrike" cap="none" normalizeH="0" baseline="0" dirty="0" smtClean="0">
+                      <a:endParaRPr kumimoji="0" lang="ja-JP" altLang="en-US" sz="1200" b="0" i="0" u="none" strike="noStrike" cap="none" normalizeH="0" baseline="0" dirty="0" smtClean="0">
                         <a:ln>
                           <a:noFill/>
                         </a:ln>
@@ -17973,8 +18072,9 @@
                           <a:schemeClr val="tx1"/>
                         </a:solidFill>
                         <a:effectLst/>
-                        <a:latin typeface="Arial" pitchFamily="34" charset="0"/>
-                        <a:ea typeface="ＭＳ Ｐゴシック" pitchFamily="50" charset="-128"/>
+                        <a:latin typeface="Arial" charset="0"/>
+                        <a:ea typeface="Arial" charset="0"/>
+                        <a:cs typeface="Arial" charset="0"/>
                       </a:endParaRPr>
                     </a:p>
                   </a:txBody>
@@ -18098,7 +18198,7 @@
                         <a:buNone/>
                         <a:tabLst/>
                       </a:pPr>
-                      <a:endParaRPr kumimoji="0" lang="ja-JP" altLang="en-US" sz="2000" b="0" i="0" u="none" strike="noStrike" cap="none" normalizeH="0" baseline="0" dirty="0" smtClean="0">
+                      <a:endParaRPr kumimoji="0" lang="ja-JP" altLang="en-US" sz="1200" b="0" i="0" u="none" strike="noStrike" cap="none" normalizeH="0" baseline="0" dirty="0" smtClean="0">
                         <a:ln>
                           <a:noFill/>
                         </a:ln>
@@ -18106,8 +18206,9 @@
                           <a:schemeClr val="tx1"/>
                         </a:solidFill>
                         <a:effectLst/>
-                        <a:latin typeface="Arial" pitchFamily="34" charset="0"/>
-                        <a:ea typeface="ＭＳ Ｐゴシック" pitchFamily="50" charset="-128"/>
+                        <a:latin typeface="Arial" charset="0"/>
+                        <a:ea typeface="Arial" charset="0"/>
+                        <a:cs typeface="Arial" charset="0"/>
                       </a:endParaRPr>
                     </a:p>
                   </a:txBody>
@@ -18231,7 +18332,7 @@
                         <a:buNone/>
                         <a:tabLst/>
                       </a:pPr>
-                      <a:endParaRPr kumimoji="0" lang="ja-JP" altLang="en-US" sz="2000" b="0" i="0" u="none" strike="noStrike" cap="none" normalizeH="0" baseline="0" dirty="0" smtClean="0">
+                      <a:endParaRPr kumimoji="0" lang="ja-JP" altLang="en-US" sz="1200" b="0" i="0" u="none" strike="noStrike" cap="none" normalizeH="0" baseline="0" dirty="0" smtClean="0">
                         <a:ln>
                           <a:noFill/>
                         </a:ln>
@@ -18239,8 +18340,9 @@
                           <a:schemeClr val="tx1"/>
                         </a:solidFill>
                         <a:effectLst/>
-                        <a:latin typeface="Arial" pitchFamily="34" charset="0"/>
-                        <a:ea typeface="ＭＳ Ｐゴシック" pitchFamily="50" charset="-128"/>
+                        <a:latin typeface="Arial" charset="0"/>
+                        <a:ea typeface="Arial" charset="0"/>
+                        <a:cs typeface="Arial" charset="0"/>
                       </a:endParaRPr>
                     </a:p>
                   </a:txBody>
@@ -18364,7 +18466,7 @@
                         <a:buNone/>
                         <a:tabLst/>
                       </a:pPr>
-                      <a:endParaRPr kumimoji="0" lang="ja-JP" altLang="en-US" sz="2000" b="0" i="0" u="none" strike="noStrike" cap="none" normalizeH="0" baseline="0" dirty="0" smtClean="0">
+                      <a:endParaRPr kumimoji="0" lang="ja-JP" altLang="en-US" sz="1200" b="0" i="0" u="none" strike="noStrike" cap="none" normalizeH="0" baseline="0" dirty="0" smtClean="0">
                         <a:ln>
                           <a:noFill/>
                         </a:ln>
@@ -18372,8 +18474,9 @@
                           <a:schemeClr val="tx1"/>
                         </a:solidFill>
                         <a:effectLst/>
-                        <a:latin typeface="Arial" pitchFamily="34" charset="0"/>
-                        <a:ea typeface="ＭＳ Ｐゴシック" pitchFamily="50" charset="-128"/>
+                        <a:latin typeface="Arial" charset="0"/>
+                        <a:ea typeface="Arial" charset="0"/>
+                        <a:cs typeface="Arial" charset="0"/>
                       </a:endParaRPr>
                     </a:p>
                   </a:txBody>
@@ -18497,7 +18600,7 @@
                         <a:buNone/>
                         <a:tabLst/>
                       </a:pPr>
-                      <a:endParaRPr kumimoji="0" lang="ja-JP" altLang="en-US" sz="2000" b="0" i="0" u="none" strike="noStrike" cap="none" normalizeH="0" baseline="0" smtClean="0">
+                      <a:endParaRPr kumimoji="0" lang="ja-JP" altLang="en-US" sz="1200" b="0" i="0" u="none" strike="noStrike" cap="none" normalizeH="0" baseline="0" smtClean="0">
                         <a:ln>
                           <a:noFill/>
                         </a:ln>
@@ -18505,8 +18608,9 @@
                           <a:schemeClr val="tx1"/>
                         </a:solidFill>
                         <a:effectLst/>
-                        <a:latin typeface="Arial" pitchFamily="34" charset="0"/>
-                        <a:ea typeface="ＭＳ Ｐゴシック" pitchFamily="50" charset="-128"/>
+                        <a:latin typeface="Arial" charset="0"/>
+                        <a:ea typeface="Arial" charset="0"/>
+                        <a:cs typeface="Arial" charset="0"/>
                       </a:endParaRPr>
                     </a:p>
                   </a:txBody>
@@ -18630,7 +18734,7 @@
                         <a:buNone/>
                         <a:tabLst/>
                       </a:pPr>
-                      <a:endParaRPr kumimoji="0" lang="ja-JP" altLang="en-US" sz="2000" b="0" i="0" u="none" strike="noStrike" cap="none" normalizeH="0" baseline="0" dirty="0" smtClean="0">
+                      <a:endParaRPr kumimoji="0" lang="ja-JP" altLang="en-US" sz="1200" b="0" i="0" u="none" strike="noStrike" cap="none" normalizeH="0" baseline="0" dirty="0" smtClean="0">
                         <a:ln>
                           <a:noFill/>
                         </a:ln>
@@ -18638,8 +18742,9 @@
                           <a:schemeClr val="tx1"/>
                         </a:solidFill>
                         <a:effectLst/>
-                        <a:latin typeface="Arial" pitchFamily="34" charset="0"/>
-                        <a:ea typeface="ＭＳ Ｐゴシック" pitchFamily="50" charset="-128"/>
+                        <a:latin typeface="Arial" charset="0"/>
+                        <a:ea typeface="Arial" charset="0"/>
+                        <a:cs typeface="Arial" charset="0"/>
                       </a:endParaRPr>
                     </a:p>
                   </a:txBody>
@@ -18763,7 +18868,7 @@
                         <a:buNone/>
                         <a:tabLst/>
                       </a:pPr>
-                      <a:endParaRPr kumimoji="0" lang="ja-JP" altLang="en-US" sz="2000" b="0" i="0" u="none" strike="noStrike" cap="none" normalizeH="0" baseline="0" dirty="0" smtClean="0">
+                      <a:endParaRPr kumimoji="0" lang="ja-JP" altLang="en-US" sz="1200" b="0" i="0" u="none" strike="noStrike" cap="none" normalizeH="0" baseline="0" dirty="0" smtClean="0">
                         <a:ln>
                           <a:noFill/>
                         </a:ln>
@@ -18771,8 +18876,9 @@
                           <a:schemeClr val="tx1"/>
                         </a:solidFill>
                         <a:effectLst/>
-                        <a:latin typeface="Arial" pitchFamily="34" charset="0"/>
-                        <a:ea typeface="ＭＳ Ｐゴシック" pitchFamily="50" charset="-128"/>
+                        <a:latin typeface="Arial" charset="0"/>
+                        <a:ea typeface="Arial" charset="0"/>
+                        <a:cs typeface="Arial" charset="0"/>
                       </a:endParaRPr>
                     </a:p>
                   </a:txBody>
@@ -18805,7 +18911,7 @@
                         <a:buNone/>
                         <a:tabLst/>
                       </a:pPr>
-                      <a:endParaRPr kumimoji="0" lang="ja-JP" altLang="en-US" sz="2000" b="0" i="0" u="none" strike="noStrike" cap="none" normalizeH="0" baseline="0" dirty="0" smtClean="0">
+                      <a:endParaRPr kumimoji="0" lang="ja-JP" altLang="en-US" sz="1200" b="0" i="0" u="none" strike="noStrike" cap="none" normalizeH="0" baseline="0" dirty="0" smtClean="0">
                         <a:ln>
                           <a:noFill/>
                         </a:ln>
@@ -18813,8 +18919,9 @@
                           <a:schemeClr val="tx1"/>
                         </a:solidFill>
                         <a:effectLst/>
-                        <a:latin typeface="Arial" pitchFamily="34" charset="0"/>
-                        <a:ea typeface="ＭＳ Ｐゴシック" pitchFamily="50" charset="-128"/>
+                        <a:latin typeface="Arial" charset="0"/>
+                        <a:ea typeface="Arial" charset="0"/>
+                        <a:cs typeface="Arial" charset="0"/>
                       </a:endParaRPr>
                     </a:p>
                   </a:txBody>
@@ -18847,7 +18954,7 @@
                         <a:buNone/>
                         <a:tabLst/>
                       </a:pPr>
-                      <a:endParaRPr kumimoji="0" lang="ja-JP" altLang="en-US" sz="2000" b="0" i="0" u="none" strike="noStrike" cap="none" normalizeH="0" baseline="0" dirty="0" smtClean="0">
+                      <a:endParaRPr kumimoji="0" lang="ja-JP" altLang="en-US" sz="1200" b="0" i="0" u="none" strike="noStrike" cap="none" normalizeH="0" baseline="0" dirty="0" smtClean="0">
                         <a:ln>
                           <a:noFill/>
                         </a:ln>
@@ -18855,8 +18962,9 @@
                           <a:schemeClr val="tx1"/>
                         </a:solidFill>
                         <a:effectLst/>
-                        <a:latin typeface="Arial" pitchFamily="34" charset="0"/>
-                        <a:ea typeface="ＭＳ Ｐゴシック" pitchFamily="50" charset="-128"/>
+                        <a:latin typeface="Arial" charset="0"/>
+                        <a:ea typeface="Arial" charset="0"/>
+                        <a:cs typeface="Arial" charset="0"/>
                       </a:endParaRPr>
                     </a:p>
                   </a:txBody>
@@ -18889,7 +18997,7 @@
                         <a:buNone/>
                         <a:tabLst/>
                       </a:pPr>
-                      <a:endParaRPr kumimoji="0" lang="ja-JP" altLang="en-US" sz="2000" b="0" i="0" u="none" strike="noStrike" cap="none" normalizeH="0" baseline="0" dirty="0" smtClean="0">
+                      <a:endParaRPr kumimoji="0" lang="ja-JP" altLang="en-US" sz="1200" b="0" i="0" u="none" strike="noStrike" cap="none" normalizeH="0" baseline="0" dirty="0" smtClean="0">
                         <a:ln>
                           <a:noFill/>
                         </a:ln>
@@ -18897,8 +19005,9 @@
                           <a:schemeClr val="tx1"/>
                         </a:solidFill>
                         <a:effectLst/>
-                        <a:latin typeface="Arial" pitchFamily="34" charset="0"/>
-                        <a:ea typeface="ＭＳ Ｐゴシック" pitchFamily="50" charset="-128"/>
+                        <a:latin typeface="Arial" charset="0"/>
+                        <a:ea typeface="Arial" charset="0"/>
+                        <a:cs typeface="Arial" charset="0"/>
                       </a:endParaRPr>
                     </a:p>
                   </a:txBody>
@@ -19266,7 +19375,7 @@
                         <a:buNone/>
                         <a:tabLst/>
                       </a:pPr>
-                      <a:endParaRPr kumimoji="0" lang="ja-JP" altLang="en-US" sz="2000" b="0" i="0" u="none" strike="noStrike" cap="none" normalizeH="0" baseline="0" dirty="0" smtClean="0">
+                      <a:endParaRPr kumimoji="0" lang="ja-JP" altLang="en-US" sz="1200" b="0" i="0" u="none" strike="noStrike" cap="none" normalizeH="0" baseline="0" dirty="0" smtClean="0">
                         <a:ln>
                           <a:noFill/>
                         </a:ln>
@@ -19274,8 +19383,9 @@
                           <a:schemeClr val="tx1"/>
                         </a:solidFill>
                         <a:effectLst/>
-                        <a:latin typeface="Arial" pitchFamily="34" charset="0"/>
-                        <a:ea typeface="ＭＳ Ｐゴシック" pitchFamily="50" charset="-128"/>
+                        <a:latin typeface="Arial" charset="0"/>
+                        <a:ea typeface="Arial" charset="0"/>
+                        <a:cs typeface="Arial" charset="0"/>
                       </a:endParaRPr>
                     </a:p>
                   </a:txBody>
@@ -19399,7 +19509,7 @@
                         <a:buNone/>
                         <a:tabLst/>
                       </a:pPr>
-                      <a:endParaRPr kumimoji="0" lang="ja-JP" altLang="en-US" sz="2000" b="0" i="0" u="none" strike="noStrike" cap="none" normalizeH="0" baseline="0" dirty="0" smtClean="0">
+                      <a:endParaRPr kumimoji="0" lang="ja-JP" altLang="en-US" sz="1200" b="0" i="0" u="none" strike="noStrike" cap="none" normalizeH="0" baseline="0" dirty="0" smtClean="0">
                         <a:ln>
                           <a:noFill/>
                         </a:ln>
@@ -19407,14 +19517,15 @@
                           <a:schemeClr val="tx1"/>
                         </a:solidFill>
                         <a:effectLst/>
-                        <a:latin typeface="Arial" pitchFamily="34" charset="0"/>
-                        <a:ea typeface="ＭＳ Ｐゴシック" pitchFamily="50" charset="-128"/>
+                        <a:latin typeface="Arial" charset="0"/>
+                        <a:ea typeface="Arial" charset="0"/>
+                        <a:cs typeface="Arial" charset="0"/>
                       </a:endParaRPr>
                     </a:p>
                   </a:txBody>
                   <a:tcPr marL="19050" marR="19050" marT="19050" marB="19050" horzOverflow="overflow">
                     <a:solidFill>
-                      <a:schemeClr val="bg1"/>
+                      <a:srgbClr val="00D2D1"/>
                     </a:solidFill>
                   </a:tcPr>
                 </a:tc>
@@ -19532,7 +19643,7 @@
                         <a:buNone/>
                         <a:tabLst/>
                       </a:pPr>
-                      <a:endParaRPr kumimoji="0" lang="ja-JP" altLang="en-US" sz="2000" b="0" i="0" u="none" strike="noStrike" cap="none" normalizeH="0" baseline="0" dirty="0" smtClean="0">
+                      <a:endParaRPr kumimoji="0" lang="ja-JP" altLang="en-US" sz="1200" b="0" i="0" u="none" strike="noStrike" cap="none" normalizeH="0" baseline="0" dirty="0" smtClean="0">
                         <a:ln>
                           <a:noFill/>
                         </a:ln>
@@ -19540,8 +19651,9 @@
                           <a:schemeClr val="tx1"/>
                         </a:solidFill>
                         <a:effectLst/>
-                        <a:latin typeface="Arial" pitchFamily="34" charset="0"/>
-                        <a:ea typeface="ＭＳ Ｐゴシック" pitchFamily="50" charset="-128"/>
+                        <a:latin typeface="Arial" charset="0"/>
+                        <a:ea typeface="Arial" charset="0"/>
+                        <a:cs typeface="Arial" charset="0"/>
                       </a:endParaRPr>
                     </a:p>
                   </a:txBody>
@@ -19665,7 +19777,7 @@
                         <a:buNone/>
                         <a:tabLst/>
                       </a:pPr>
-                      <a:endParaRPr kumimoji="0" lang="ja-JP" altLang="en-US" sz="2000" b="0" i="0" u="none" strike="noStrike" cap="none" normalizeH="0" baseline="0" dirty="0" smtClean="0">
+                      <a:endParaRPr kumimoji="0" lang="ja-JP" altLang="en-US" sz="1200" b="0" i="0" u="none" strike="noStrike" cap="none" normalizeH="0" baseline="0" dirty="0" smtClean="0">
                         <a:ln>
                           <a:noFill/>
                         </a:ln>
@@ -19673,8 +19785,9 @@
                           <a:schemeClr val="tx1"/>
                         </a:solidFill>
                         <a:effectLst/>
-                        <a:latin typeface="Arial" pitchFamily="34" charset="0"/>
-                        <a:ea typeface="ＭＳ Ｐゴシック" pitchFamily="50" charset="-128"/>
+                        <a:latin typeface="Arial" charset="0"/>
+                        <a:ea typeface="Arial" charset="0"/>
+                        <a:cs typeface="Arial" charset="0"/>
                       </a:endParaRPr>
                     </a:p>
                   </a:txBody>
@@ -19798,7 +19911,7 @@
                         <a:buNone/>
                         <a:tabLst/>
                       </a:pPr>
-                      <a:endParaRPr kumimoji="0" lang="ja-JP" altLang="en-US" sz="2000" b="0" i="0" u="none" strike="noStrike" cap="none" normalizeH="0" baseline="0" dirty="0" smtClean="0">
+                      <a:endParaRPr kumimoji="0" lang="ja-JP" altLang="en-US" sz="1200" b="0" i="0" u="none" strike="noStrike" cap="none" normalizeH="0" baseline="0" dirty="0" smtClean="0">
                         <a:ln>
                           <a:noFill/>
                         </a:ln>
@@ -19806,8 +19919,9 @@
                           <a:schemeClr val="tx1"/>
                         </a:solidFill>
                         <a:effectLst/>
-                        <a:latin typeface="Arial" pitchFamily="34" charset="0"/>
-                        <a:ea typeface="ＭＳ Ｐゴシック" pitchFamily="50" charset="-128"/>
+                        <a:latin typeface="Arial" charset="0"/>
+                        <a:ea typeface="Arial" charset="0"/>
+                        <a:cs typeface="Arial" charset="0"/>
                       </a:endParaRPr>
                     </a:p>
                   </a:txBody>
@@ -19931,7 +20045,7 @@
                         <a:buNone/>
                         <a:tabLst/>
                       </a:pPr>
-                      <a:endParaRPr kumimoji="0" lang="ja-JP" altLang="en-US" sz="2000" b="0" i="0" u="none" strike="noStrike" cap="none" normalizeH="0" baseline="0" dirty="0" smtClean="0">
+                      <a:endParaRPr kumimoji="0" lang="ja-JP" altLang="en-US" sz="1200" b="0" i="0" u="none" strike="noStrike" cap="none" normalizeH="0" baseline="0" dirty="0" smtClean="0">
                         <a:ln>
                           <a:noFill/>
                         </a:ln>
@@ -19939,8 +20053,9 @@
                           <a:schemeClr val="tx1"/>
                         </a:solidFill>
                         <a:effectLst/>
-                        <a:latin typeface="Arial" pitchFamily="34" charset="0"/>
-                        <a:ea typeface="ＭＳ Ｐゴシック" pitchFamily="50" charset="-128"/>
+                        <a:latin typeface="Arial" charset="0"/>
+                        <a:ea typeface="Arial" charset="0"/>
+                        <a:cs typeface="Arial" charset="0"/>
                       </a:endParaRPr>
                     </a:p>
                   </a:txBody>
@@ -20064,7 +20179,7 @@
                         <a:buNone/>
                         <a:tabLst/>
                       </a:pPr>
-                      <a:endParaRPr kumimoji="0" lang="ja-JP" altLang="en-US" sz="2000" b="0" i="0" u="none" strike="noStrike" cap="none" normalizeH="0" baseline="0" dirty="0" smtClean="0">
+                      <a:endParaRPr kumimoji="0" lang="ja-JP" altLang="en-US" sz="1200" b="0" i="0" u="none" strike="noStrike" cap="none" normalizeH="0" baseline="0" dirty="0" smtClean="0">
                         <a:ln>
                           <a:noFill/>
                         </a:ln>
@@ -20072,8 +20187,9 @@
                           <a:schemeClr val="tx1"/>
                         </a:solidFill>
                         <a:effectLst/>
-                        <a:latin typeface="Arial" pitchFamily="34" charset="0"/>
-                        <a:ea typeface="ＭＳ Ｐゴシック" pitchFamily="50" charset="-128"/>
+                        <a:latin typeface="Arial" charset="0"/>
+                        <a:ea typeface="Arial" charset="0"/>
+                        <a:cs typeface="Arial" charset="0"/>
                       </a:endParaRPr>
                     </a:p>
                   </a:txBody>
@@ -20197,7 +20313,7 @@
                         <a:buNone/>
                         <a:tabLst/>
                       </a:pPr>
-                      <a:endParaRPr kumimoji="0" lang="ja-JP" altLang="en-US" sz="2000" b="0" i="0" u="none" strike="noStrike" cap="none" normalizeH="0" baseline="0" dirty="0" smtClean="0">
+                      <a:endParaRPr kumimoji="0" lang="ja-JP" altLang="en-US" sz="1200" b="0" i="0" u="none" strike="noStrike" cap="none" normalizeH="0" baseline="0" dirty="0" smtClean="0">
                         <a:ln>
                           <a:noFill/>
                         </a:ln>
@@ -20205,8 +20321,9 @@
                           <a:schemeClr val="tx1"/>
                         </a:solidFill>
                         <a:effectLst/>
-                        <a:latin typeface="Arial" pitchFamily="34" charset="0"/>
-                        <a:ea typeface="ＭＳ Ｐゴシック" pitchFamily="50" charset="-128"/>
+                        <a:latin typeface="Arial" charset="0"/>
+                        <a:ea typeface="Arial" charset="0"/>
+                        <a:cs typeface="Arial" charset="0"/>
                       </a:endParaRPr>
                     </a:p>
                   </a:txBody>
@@ -20330,7 +20447,7 @@
                         <a:buNone/>
                         <a:tabLst/>
                       </a:pPr>
-                      <a:endParaRPr kumimoji="0" lang="ja-JP" altLang="en-US" sz="2000" b="0" i="0" u="none" strike="noStrike" cap="none" normalizeH="0" baseline="0" dirty="0" smtClean="0">
+                      <a:endParaRPr kumimoji="0" lang="ja-JP" altLang="en-US" sz="1200" b="0" i="0" u="none" strike="noStrike" cap="none" normalizeH="0" baseline="0" dirty="0" smtClean="0">
                         <a:ln>
                           <a:noFill/>
                         </a:ln>
@@ -20338,8 +20455,9 @@
                           <a:schemeClr val="tx1"/>
                         </a:solidFill>
                         <a:effectLst/>
-                        <a:latin typeface="Arial" pitchFamily="34" charset="0"/>
-                        <a:ea typeface="ＭＳ Ｐゴシック" pitchFamily="50" charset="-128"/>
+                        <a:latin typeface="Arial" charset="0"/>
+                        <a:ea typeface="Arial" charset="0"/>
+                        <a:cs typeface="Arial" charset="0"/>
                       </a:endParaRPr>
                     </a:p>
                   </a:txBody>
@@ -20463,7 +20581,7 @@
                         <a:buNone/>
                         <a:tabLst/>
                       </a:pPr>
-                      <a:endParaRPr kumimoji="0" lang="ja-JP" altLang="en-US" sz="2000" b="0" i="0" u="none" strike="noStrike" cap="none" normalizeH="0" baseline="0" dirty="0" smtClean="0">
+                      <a:endParaRPr kumimoji="0" lang="ja-JP" altLang="en-US" sz="1200" b="0" i="0" u="none" strike="noStrike" cap="none" normalizeH="0" baseline="0" dirty="0" smtClean="0">
                         <a:ln>
                           <a:noFill/>
                         </a:ln>
@@ -20471,8 +20589,9 @@
                           <a:schemeClr val="tx1"/>
                         </a:solidFill>
                         <a:effectLst/>
-                        <a:latin typeface="Arial" pitchFamily="34" charset="0"/>
-                        <a:ea typeface="ＭＳ Ｐゴシック" pitchFamily="50" charset="-128"/>
+                        <a:latin typeface="Arial" charset="0"/>
+                        <a:ea typeface="Arial" charset="0"/>
+                        <a:cs typeface="Arial" charset="0"/>
                       </a:endParaRPr>
                     </a:p>
                   </a:txBody>
@@ -20505,7 +20624,7 @@
                         <a:buNone/>
                         <a:tabLst/>
                       </a:pPr>
-                      <a:endParaRPr kumimoji="0" lang="ja-JP" altLang="en-US" sz="2000" b="0" i="0" u="none" strike="noStrike" cap="none" normalizeH="0" baseline="0" dirty="0" smtClean="0">
+                      <a:endParaRPr kumimoji="0" lang="ja-JP" altLang="en-US" sz="1200" b="0" i="0" u="none" strike="noStrike" cap="none" normalizeH="0" baseline="0" dirty="0" smtClean="0">
                         <a:ln>
                           <a:noFill/>
                         </a:ln>
@@ -20513,8 +20632,9 @@
                           <a:schemeClr val="tx1"/>
                         </a:solidFill>
                         <a:effectLst/>
-                        <a:latin typeface="Arial" pitchFamily="34" charset="0"/>
-                        <a:ea typeface="ＭＳ Ｐゴシック" pitchFamily="50" charset="-128"/>
+                        <a:latin typeface="Arial" charset="0"/>
+                        <a:ea typeface="Arial" charset="0"/>
+                        <a:cs typeface="Arial" charset="0"/>
                       </a:endParaRPr>
                     </a:p>
                   </a:txBody>
@@ -20547,7 +20667,7 @@
                         <a:buNone/>
                         <a:tabLst/>
                       </a:pPr>
-                      <a:endParaRPr kumimoji="0" lang="ja-JP" altLang="en-US" sz="2000" b="0" i="0" u="none" strike="noStrike" cap="none" normalizeH="0" baseline="0" dirty="0" smtClean="0">
+                      <a:endParaRPr kumimoji="0" lang="ja-JP" altLang="en-US" sz="1200" b="0" i="0" u="none" strike="noStrike" cap="none" normalizeH="0" baseline="0" dirty="0" smtClean="0">
                         <a:ln>
                           <a:noFill/>
                         </a:ln>
@@ -20555,8 +20675,9 @@
                           <a:schemeClr val="tx1"/>
                         </a:solidFill>
                         <a:effectLst/>
-                        <a:latin typeface="Arial" pitchFamily="34" charset="0"/>
-                        <a:ea typeface="ＭＳ Ｐゴシック" pitchFamily="50" charset="-128"/>
+                        <a:latin typeface="Arial" charset="0"/>
+                        <a:ea typeface="Arial" charset="0"/>
+                        <a:cs typeface="Arial" charset="0"/>
                       </a:endParaRPr>
                     </a:p>
                   </a:txBody>
@@ -20589,7 +20710,7 @@
                         <a:buNone/>
                         <a:tabLst/>
                       </a:pPr>
-                      <a:endParaRPr kumimoji="0" lang="ja-JP" altLang="en-US" sz="2000" b="0" i="0" u="none" strike="noStrike" cap="none" normalizeH="0" baseline="0" dirty="0" smtClean="0">
+                      <a:endParaRPr kumimoji="0" lang="ja-JP" altLang="en-US" sz="1200" b="0" i="0" u="none" strike="noStrike" cap="none" normalizeH="0" baseline="0" dirty="0" smtClean="0">
                         <a:ln>
                           <a:noFill/>
                         </a:ln>
@@ -20597,8 +20718,9 @@
                           <a:schemeClr val="tx1"/>
                         </a:solidFill>
                         <a:effectLst/>
-                        <a:latin typeface="Arial" pitchFamily="34" charset="0"/>
-                        <a:ea typeface="ＭＳ Ｐゴシック" pitchFamily="50" charset="-128"/>
+                        <a:latin typeface="Arial" charset="0"/>
+                        <a:ea typeface="Arial" charset="0"/>
+                        <a:cs typeface="Arial" charset="0"/>
                       </a:endParaRPr>
                     </a:p>
                   </a:txBody>
@@ -20878,7 +21000,7 @@
                         <a:buNone/>
                         <a:tabLst/>
                       </a:pPr>
-                      <a:endParaRPr kumimoji="0" lang="ja-JP" altLang="en-US" sz="2000" b="0" i="0" u="none" strike="noStrike" cap="none" normalizeH="0" baseline="0" dirty="0" smtClean="0">
+                      <a:endParaRPr kumimoji="0" lang="ja-JP" altLang="en-US" sz="1200" b="0" i="0" u="none" strike="noStrike" cap="none" normalizeH="0" baseline="0" dirty="0" smtClean="0">
                         <a:ln>
                           <a:noFill/>
                         </a:ln>
@@ -20886,8 +21008,9 @@
                           <a:schemeClr val="tx1"/>
                         </a:solidFill>
                         <a:effectLst/>
-                        <a:latin typeface="Arial" pitchFamily="34" charset="0"/>
-                        <a:ea typeface="ＭＳ Ｐゴシック" pitchFamily="50" charset="-128"/>
+                        <a:latin typeface="Arial" charset="0"/>
+                        <a:ea typeface="Arial" charset="0"/>
+                        <a:cs typeface="Arial" charset="0"/>
                       </a:endParaRPr>
                     </a:p>
                   </a:txBody>
@@ -21011,7 +21134,7 @@
                         <a:buNone/>
                         <a:tabLst/>
                       </a:pPr>
-                      <a:endParaRPr kumimoji="0" lang="ja-JP" altLang="en-US" sz="2000" b="0" i="0" u="none" strike="noStrike" cap="none" normalizeH="0" baseline="0" dirty="0" smtClean="0">
+                      <a:endParaRPr kumimoji="0" lang="ja-JP" altLang="en-US" sz="1200" b="0" i="0" u="none" strike="noStrike" cap="none" normalizeH="0" baseline="0" dirty="0" smtClean="0">
                         <a:ln>
                           <a:noFill/>
                         </a:ln>
@@ -21019,14 +21142,15 @@
                           <a:schemeClr val="tx1"/>
                         </a:solidFill>
                         <a:effectLst/>
-                        <a:latin typeface="Arial" pitchFamily="34" charset="0"/>
-                        <a:ea typeface="ＭＳ Ｐゴシック" pitchFamily="50" charset="-128"/>
+                        <a:latin typeface="Arial" charset="0"/>
+                        <a:ea typeface="Arial" charset="0"/>
+                        <a:cs typeface="Arial" charset="0"/>
                       </a:endParaRPr>
                     </a:p>
                   </a:txBody>
                   <a:tcPr marL="19050" marR="19050" marT="19050" marB="19050" horzOverflow="overflow">
                     <a:solidFill>
-                      <a:schemeClr val="bg1"/>
+                      <a:srgbClr val="00D2D1"/>
                     </a:solidFill>
                   </a:tcPr>
                 </a:tc>
@@ -21144,7 +21268,7 @@
                         <a:buNone/>
                         <a:tabLst/>
                       </a:pPr>
-                      <a:endParaRPr kumimoji="0" lang="ja-JP" altLang="en-US" sz="2000" b="0" i="0" u="none" strike="noStrike" cap="none" normalizeH="0" baseline="0" dirty="0" smtClean="0">
+                      <a:endParaRPr kumimoji="0" lang="ja-JP" altLang="en-US" sz="1200" b="0" i="0" u="none" strike="noStrike" cap="none" normalizeH="0" baseline="0" dirty="0" smtClean="0">
                         <a:ln>
                           <a:noFill/>
                         </a:ln>
@@ -21152,8 +21276,9 @@
                           <a:schemeClr val="tx1"/>
                         </a:solidFill>
                         <a:effectLst/>
-                        <a:latin typeface="Arial" pitchFamily="34" charset="0"/>
-                        <a:ea typeface="ＭＳ Ｐゴシック" pitchFamily="50" charset="-128"/>
+                        <a:latin typeface="Arial" charset="0"/>
+                        <a:ea typeface="Arial" charset="0"/>
+                        <a:cs typeface="Arial" charset="0"/>
                       </a:endParaRPr>
                     </a:p>
                   </a:txBody>
@@ -21277,7 +21402,7 @@
                         <a:buNone/>
                         <a:tabLst/>
                       </a:pPr>
-                      <a:endParaRPr kumimoji="0" lang="ja-JP" altLang="en-US" sz="2000" b="0" i="0" u="none" strike="noStrike" cap="none" normalizeH="0" baseline="0" dirty="0" smtClean="0">
+                      <a:endParaRPr kumimoji="0" lang="ja-JP" altLang="en-US" sz="1200" b="0" i="0" u="none" strike="noStrike" cap="none" normalizeH="0" baseline="0" dirty="0" smtClean="0">
                         <a:ln>
                           <a:noFill/>
                         </a:ln>
@@ -21285,8 +21410,9 @@
                           <a:schemeClr val="tx1"/>
                         </a:solidFill>
                         <a:effectLst/>
-                        <a:latin typeface="Arial" pitchFamily="34" charset="0"/>
-                        <a:ea typeface="ＭＳ Ｐゴシック" pitchFamily="50" charset="-128"/>
+                        <a:latin typeface="Arial" charset="0"/>
+                        <a:ea typeface="Arial" charset="0"/>
+                        <a:cs typeface="Arial" charset="0"/>
                       </a:endParaRPr>
                     </a:p>
                   </a:txBody>
@@ -21410,7 +21536,7 @@
                         <a:buNone/>
                         <a:tabLst/>
                       </a:pPr>
-                      <a:endParaRPr kumimoji="0" lang="ja-JP" altLang="en-US" sz="2000" b="0" i="0" u="none" strike="noStrike" cap="none" normalizeH="0" baseline="0" dirty="0" smtClean="0">
+                      <a:endParaRPr kumimoji="0" lang="ja-JP" altLang="en-US" sz="1200" b="0" i="0" u="none" strike="noStrike" cap="none" normalizeH="0" baseline="0" dirty="0" smtClean="0">
                         <a:ln>
                           <a:noFill/>
                         </a:ln>
@@ -21418,8 +21544,9 @@
                           <a:schemeClr val="tx1"/>
                         </a:solidFill>
                         <a:effectLst/>
-                        <a:latin typeface="Arial" pitchFamily="34" charset="0"/>
-                        <a:ea typeface="ＭＳ Ｐゴシック" pitchFamily="50" charset="-128"/>
+                        <a:latin typeface="Arial" charset="0"/>
+                        <a:ea typeface="Arial" charset="0"/>
+                        <a:cs typeface="Arial" charset="0"/>
                       </a:endParaRPr>
                     </a:p>
                   </a:txBody>
@@ -21543,7 +21670,7 @@
                         <a:buNone/>
                         <a:tabLst/>
                       </a:pPr>
-                      <a:endParaRPr kumimoji="0" lang="ja-JP" altLang="en-US" sz="2000" b="0" i="0" u="none" strike="noStrike" cap="none" normalizeH="0" baseline="0" dirty="0" smtClean="0">
+                      <a:endParaRPr kumimoji="0" lang="ja-JP" altLang="en-US" sz="1200" b="0" i="0" u="none" strike="noStrike" cap="none" normalizeH="0" baseline="0" dirty="0" smtClean="0">
                         <a:ln>
                           <a:noFill/>
                         </a:ln>
@@ -21551,8 +21678,9 @@
                           <a:schemeClr val="tx1"/>
                         </a:solidFill>
                         <a:effectLst/>
-                        <a:latin typeface="Arial" pitchFamily="34" charset="0"/>
-                        <a:ea typeface="ＭＳ Ｐゴシック" pitchFamily="50" charset="-128"/>
+                        <a:latin typeface="Arial" charset="0"/>
+                        <a:ea typeface="Arial" charset="0"/>
+                        <a:cs typeface="Arial" charset="0"/>
                       </a:endParaRPr>
                     </a:p>
                   </a:txBody>
@@ -21676,7 +21804,7 @@
                         <a:buNone/>
                         <a:tabLst/>
                       </a:pPr>
-                      <a:endParaRPr kumimoji="0" lang="ja-JP" altLang="en-US" sz="2000" b="0" i="0" u="none" strike="noStrike" cap="none" normalizeH="0" baseline="0" dirty="0" smtClean="0">
+                      <a:endParaRPr kumimoji="0" lang="ja-JP" altLang="en-US" sz="1200" b="0" i="0" u="none" strike="noStrike" cap="none" normalizeH="0" baseline="0" dirty="0" smtClean="0">
                         <a:ln>
                           <a:noFill/>
                         </a:ln>
@@ -21684,8 +21812,9 @@
                           <a:schemeClr val="tx1"/>
                         </a:solidFill>
                         <a:effectLst/>
-                        <a:latin typeface="Arial" pitchFamily="34" charset="0"/>
-                        <a:ea typeface="ＭＳ Ｐゴシック" pitchFamily="50" charset="-128"/>
+                        <a:latin typeface="Arial" charset="0"/>
+                        <a:ea typeface="Arial" charset="0"/>
+                        <a:cs typeface="Arial" charset="0"/>
                       </a:endParaRPr>
                     </a:p>
                   </a:txBody>
@@ -21809,7 +21938,7 @@
                         <a:buNone/>
                         <a:tabLst/>
                       </a:pPr>
-                      <a:endParaRPr kumimoji="0" lang="ja-JP" altLang="en-US" sz="2000" b="0" i="0" u="none" strike="noStrike" cap="none" normalizeH="0" baseline="0" dirty="0" smtClean="0">
+                      <a:endParaRPr kumimoji="0" lang="ja-JP" altLang="en-US" sz="1200" b="0" i="0" u="none" strike="noStrike" cap="none" normalizeH="0" baseline="0" dirty="0" smtClean="0">
                         <a:ln>
                           <a:noFill/>
                         </a:ln>
@@ -21817,8 +21946,9 @@
                           <a:schemeClr val="tx1"/>
                         </a:solidFill>
                         <a:effectLst/>
-                        <a:latin typeface="Arial" pitchFamily="34" charset="0"/>
-                        <a:ea typeface="ＭＳ Ｐゴシック" pitchFamily="50" charset="-128"/>
+                        <a:latin typeface="Arial" charset="0"/>
+                        <a:ea typeface="Arial" charset="0"/>
+                        <a:cs typeface="Arial" charset="0"/>
                       </a:endParaRPr>
                     </a:p>
                   </a:txBody>
@@ -21942,7 +22072,7 @@
                         <a:buNone/>
                         <a:tabLst/>
                       </a:pPr>
-                      <a:endParaRPr kumimoji="0" lang="ja-JP" altLang="en-US" sz="2000" b="0" i="0" u="none" strike="noStrike" cap="none" normalizeH="0" baseline="0" dirty="0" smtClean="0">
+                      <a:endParaRPr kumimoji="0" lang="ja-JP" altLang="en-US" sz="1200" b="0" i="0" u="none" strike="noStrike" cap="none" normalizeH="0" baseline="0" dirty="0" smtClean="0">
                         <a:ln>
                           <a:noFill/>
                         </a:ln>
@@ -21950,8 +22080,9 @@
                           <a:schemeClr val="tx1"/>
                         </a:solidFill>
                         <a:effectLst/>
-                        <a:latin typeface="Arial" pitchFamily="34" charset="0"/>
-                        <a:ea typeface="ＭＳ Ｐゴシック" pitchFamily="50" charset="-128"/>
+                        <a:latin typeface="Arial" charset="0"/>
+                        <a:ea typeface="Arial" charset="0"/>
+                        <a:cs typeface="Arial" charset="0"/>
                       </a:endParaRPr>
                     </a:p>
                   </a:txBody>
@@ -22075,7 +22206,7 @@
                         <a:buNone/>
                         <a:tabLst/>
                       </a:pPr>
-                      <a:endParaRPr kumimoji="0" lang="ja-JP" altLang="en-US" sz="2000" b="0" i="0" u="none" strike="noStrike" cap="none" normalizeH="0" baseline="0" dirty="0" smtClean="0">
+                      <a:endParaRPr kumimoji="0" lang="ja-JP" altLang="en-US" sz="1200" b="0" i="0" u="none" strike="noStrike" cap="none" normalizeH="0" baseline="0" dirty="0" smtClean="0">
                         <a:ln>
                           <a:noFill/>
                         </a:ln>
@@ -22083,8 +22214,9 @@
                           <a:schemeClr val="tx1"/>
                         </a:solidFill>
                         <a:effectLst/>
-                        <a:latin typeface="Arial" pitchFamily="34" charset="0"/>
-                        <a:ea typeface="ＭＳ Ｐゴシック" pitchFamily="50" charset="-128"/>
+                        <a:latin typeface="Arial" charset="0"/>
+                        <a:ea typeface="Arial" charset="0"/>
+                        <a:cs typeface="Arial" charset="0"/>
                       </a:endParaRPr>
                     </a:p>
                   </a:txBody>
@@ -22117,7 +22249,7 @@
                         <a:buNone/>
                         <a:tabLst/>
                       </a:pPr>
-                      <a:endParaRPr kumimoji="0" lang="ja-JP" altLang="en-US" sz="2000" b="0" i="0" u="none" strike="noStrike" cap="none" normalizeH="0" baseline="0" dirty="0" smtClean="0">
+                      <a:endParaRPr kumimoji="0" lang="ja-JP" altLang="en-US" sz="1200" b="0" i="0" u="none" strike="noStrike" cap="none" normalizeH="0" baseline="0" dirty="0" smtClean="0">
                         <a:ln>
                           <a:noFill/>
                         </a:ln>
@@ -22125,8 +22257,9 @@
                           <a:schemeClr val="tx1"/>
                         </a:solidFill>
                         <a:effectLst/>
-                        <a:latin typeface="Arial" pitchFamily="34" charset="0"/>
-                        <a:ea typeface="ＭＳ Ｐゴシック" pitchFamily="50" charset="-128"/>
+                        <a:latin typeface="Arial" charset="0"/>
+                        <a:ea typeface="Arial" charset="0"/>
+                        <a:cs typeface="Arial" charset="0"/>
                       </a:endParaRPr>
                     </a:p>
                   </a:txBody>
@@ -22159,7 +22292,7 @@
                         <a:buNone/>
                         <a:tabLst/>
                       </a:pPr>
-                      <a:endParaRPr kumimoji="0" lang="ja-JP" altLang="en-US" sz="2000" b="0" i="0" u="none" strike="noStrike" cap="none" normalizeH="0" baseline="0" dirty="0" smtClean="0">
+                      <a:endParaRPr kumimoji="0" lang="ja-JP" altLang="en-US" sz="1200" b="0" i="0" u="none" strike="noStrike" cap="none" normalizeH="0" baseline="0" dirty="0" smtClean="0">
                         <a:ln>
                           <a:noFill/>
                         </a:ln>
@@ -22167,8 +22300,9 @@
                           <a:schemeClr val="tx1"/>
                         </a:solidFill>
                         <a:effectLst/>
-                        <a:latin typeface="Arial" pitchFamily="34" charset="0"/>
-                        <a:ea typeface="ＭＳ Ｐゴシック" pitchFamily="50" charset="-128"/>
+                        <a:latin typeface="Arial" charset="0"/>
+                        <a:ea typeface="Arial" charset="0"/>
+                        <a:cs typeface="Arial" charset="0"/>
                       </a:endParaRPr>
                     </a:p>
                   </a:txBody>
@@ -22201,7 +22335,7 @@
                         <a:buNone/>
                         <a:tabLst/>
                       </a:pPr>
-                      <a:endParaRPr kumimoji="0" lang="ja-JP" altLang="en-US" sz="2000" b="0" i="0" u="none" strike="noStrike" cap="none" normalizeH="0" baseline="0" dirty="0" smtClean="0">
+                      <a:endParaRPr kumimoji="0" lang="ja-JP" altLang="en-US" sz="1200" b="0" i="0" u="none" strike="noStrike" cap="none" normalizeH="0" baseline="0" dirty="0" smtClean="0">
                         <a:ln>
                           <a:noFill/>
                         </a:ln>
@@ -22209,8 +22343,9 @@
                           <a:schemeClr val="tx1"/>
                         </a:solidFill>
                         <a:effectLst/>
-                        <a:latin typeface="Arial" pitchFamily="34" charset="0"/>
-                        <a:ea typeface="ＭＳ Ｐゴシック" pitchFamily="50" charset="-128"/>
+                        <a:latin typeface="Arial" charset="0"/>
+                        <a:ea typeface="Arial" charset="0"/>
+                        <a:cs typeface="Arial" charset="0"/>
                       </a:endParaRPr>
                     </a:p>
                   </a:txBody>
@@ -22485,7 +22620,7 @@
                         <a:buNone/>
                         <a:tabLst/>
                       </a:pPr>
-                      <a:endParaRPr kumimoji="0" lang="ja-JP" altLang="en-US" sz="2000" b="0" i="0" u="none" strike="noStrike" cap="none" normalizeH="0" baseline="0" dirty="0" smtClean="0">
+                      <a:endParaRPr kumimoji="0" lang="ja-JP" altLang="en-US" sz="1200" b="0" i="0" u="none" strike="noStrike" cap="none" normalizeH="0" baseline="0" dirty="0" smtClean="0">
                         <a:ln>
                           <a:noFill/>
                         </a:ln>
@@ -22493,8 +22628,9 @@
                           <a:schemeClr val="tx1"/>
                         </a:solidFill>
                         <a:effectLst/>
-                        <a:latin typeface="Arial" pitchFamily="34" charset="0"/>
-                        <a:ea typeface="ＭＳ Ｐゴシック" pitchFamily="50" charset="-128"/>
+                        <a:latin typeface="Arial" charset="0"/>
+                        <a:ea typeface="Arial" charset="0"/>
+                        <a:cs typeface="Arial" charset="0"/>
                       </a:endParaRPr>
                     </a:p>
                   </a:txBody>
@@ -22618,7 +22754,7 @@
                         <a:buNone/>
                         <a:tabLst/>
                       </a:pPr>
-                      <a:endParaRPr kumimoji="0" lang="ja-JP" altLang="en-US" sz="2000" b="0" i="0" u="none" strike="noStrike" cap="none" normalizeH="0" baseline="0" dirty="0" smtClean="0">
+                      <a:endParaRPr kumimoji="0" lang="ja-JP" altLang="en-US" sz="1200" b="0" i="0" u="none" strike="noStrike" cap="none" normalizeH="0" baseline="0" dirty="0" smtClean="0">
                         <a:ln>
                           <a:noFill/>
                         </a:ln>
@@ -22626,14 +22762,15 @@
                           <a:schemeClr val="tx1"/>
                         </a:solidFill>
                         <a:effectLst/>
-                        <a:latin typeface="Arial" pitchFamily="34" charset="0"/>
-                        <a:ea typeface="ＭＳ Ｐゴシック" pitchFamily="50" charset="-128"/>
+                        <a:latin typeface="Arial" charset="0"/>
+                        <a:ea typeface="Arial" charset="0"/>
+                        <a:cs typeface="Arial" charset="0"/>
                       </a:endParaRPr>
                     </a:p>
                   </a:txBody>
                   <a:tcPr marL="19050" marR="19050" marT="19050" marB="19050" horzOverflow="overflow">
                     <a:solidFill>
-                      <a:schemeClr val="bg1"/>
+                      <a:srgbClr val="00D2D1"/>
                     </a:solidFill>
                   </a:tcPr>
                 </a:tc>
@@ -22751,7 +22888,7 @@
                         <a:buNone/>
                         <a:tabLst/>
                       </a:pPr>
-                      <a:endParaRPr kumimoji="0" lang="ja-JP" altLang="en-US" sz="2000" b="0" i="0" u="none" strike="noStrike" cap="none" normalizeH="0" baseline="0" dirty="0" smtClean="0">
+                      <a:endParaRPr kumimoji="0" lang="ja-JP" altLang="en-US" sz="1200" b="0" i="0" u="none" strike="noStrike" cap="none" normalizeH="0" baseline="0" dirty="0" smtClean="0">
                         <a:ln>
                           <a:noFill/>
                         </a:ln>
@@ -22759,8 +22896,9 @@
                           <a:schemeClr val="tx1"/>
                         </a:solidFill>
                         <a:effectLst/>
-                        <a:latin typeface="Arial" pitchFamily="34" charset="0"/>
-                        <a:ea typeface="ＭＳ Ｐゴシック" pitchFamily="50" charset="-128"/>
+                        <a:latin typeface="Arial" charset="0"/>
+                        <a:ea typeface="Arial" charset="0"/>
+                        <a:cs typeface="Arial" charset="0"/>
                       </a:endParaRPr>
                     </a:p>
                   </a:txBody>
@@ -22884,7 +23022,7 @@
                         <a:buNone/>
                         <a:tabLst/>
                       </a:pPr>
-                      <a:endParaRPr kumimoji="0" lang="ja-JP" altLang="en-US" sz="2000" b="0" i="0" u="none" strike="noStrike" cap="none" normalizeH="0" baseline="0" dirty="0" smtClean="0">
+                      <a:endParaRPr kumimoji="0" lang="ja-JP" altLang="en-US" sz="1200" b="0" i="0" u="none" strike="noStrike" cap="none" normalizeH="0" baseline="0" dirty="0" smtClean="0">
                         <a:ln>
                           <a:noFill/>
                         </a:ln>
@@ -22892,8 +23030,9 @@
                           <a:schemeClr val="tx1"/>
                         </a:solidFill>
                         <a:effectLst/>
-                        <a:latin typeface="Arial" pitchFamily="34" charset="0"/>
-                        <a:ea typeface="ＭＳ Ｐゴシック" pitchFamily="50" charset="-128"/>
+                        <a:latin typeface="Arial" charset="0"/>
+                        <a:ea typeface="Arial" charset="0"/>
+                        <a:cs typeface="Arial" charset="0"/>
                       </a:endParaRPr>
                     </a:p>
                   </a:txBody>
@@ -23017,7 +23156,7 @@
                         <a:buNone/>
                         <a:tabLst/>
                       </a:pPr>
-                      <a:endParaRPr kumimoji="0" lang="ja-JP" altLang="en-US" sz="2000" b="0" i="0" u="none" strike="noStrike" cap="none" normalizeH="0" baseline="0" dirty="0" smtClean="0">
+                      <a:endParaRPr kumimoji="0" lang="ja-JP" altLang="en-US" sz="1200" b="0" i="0" u="none" strike="noStrike" cap="none" normalizeH="0" baseline="0" dirty="0" smtClean="0">
                         <a:ln>
                           <a:noFill/>
                         </a:ln>
@@ -23025,8 +23164,9 @@
                           <a:schemeClr val="tx1"/>
                         </a:solidFill>
                         <a:effectLst/>
-                        <a:latin typeface="Arial" pitchFamily="34" charset="0"/>
-                        <a:ea typeface="ＭＳ Ｐゴシック" pitchFamily="50" charset="-128"/>
+                        <a:latin typeface="Arial" charset="0"/>
+                        <a:ea typeface="Arial" charset="0"/>
+                        <a:cs typeface="Arial" charset="0"/>
                       </a:endParaRPr>
                     </a:p>
                   </a:txBody>
@@ -23150,7 +23290,7 @@
                         <a:buNone/>
                         <a:tabLst/>
                       </a:pPr>
-                      <a:endParaRPr kumimoji="0" lang="ja-JP" altLang="en-US" sz="2000" b="0" i="0" u="none" strike="noStrike" cap="none" normalizeH="0" baseline="0" dirty="0" smtClean="0">
+                      <a:endParaRPr kumimoji="0" lang="ja-JP" altLang="en-US" sz="1200" b="0" i="0" u="none" strike="noStrike" cap="none" normalizeH="0" baseline="0" dirty="0" smtClean="0">
                         <a:ln>
                           <a:noFill/>
                         </a:ln>
@@ -23158,8 +23298,9 @@
                           <a:schemeClr val="tx1"/>
                         </a:solidFill>
                         <a:effectLst/>
-                        <a:latin typeface="Arial" pitchFamily="34" charset="0"/>
-                        <a:ea typeface="ＭＳ Ｐゴシック" pitchFamily="50" charset="-128"/>
+                        <a:latin typeface="Arial" charset="0"/>
+                        <a:ea typeface="Arial" charset="0"/>
+                        <a:cs typeface="Arial" charset="0"/>
                       </a:endParaRPr>
                     </a:p>
                   </a:txBody>
@@ -23283,7 +23424,7 @@
                         <a:buNone/>
                         <a:tabLst/>
                       </a:pPr>
-                      <a:endParaRPr kumimoji="0" lang="ja-JP" altLang="en-US" sz="2000" b="0" i="0" u="none" strike="noStrike" cap="none" normalizeH="0" baseline="0" dirty="0" smtClean="0">
+                      <a:endParaRPr kumimoji="0" lang="ja-JP" altLang="en-US" sz="1200" b="0" i="0" u="none" strike="noStrike" cap="none" normalizeH="0" baseline="0" dirty="0" smtClean="0">
                         <a:ln>
                           <a:noFill/>
                         </a:ln>
@@ -23291,8 +23432,9 @@
                           <a:schemeClr val="tx1"/>
                         </a:solidFill>
                         <a:effectLst/>
-                        <a:latin typeface="Arial" pitchFamily="34" charset="0"/>
-                        <a:ea typeface="ＭＳ Ｐゴシック" pitchFamily="50" charset="-128"/>
+                        <a:latin typeface="Arial" charset="0"/>
+                        <a:ea typeface="Arial" charset="0"/>
+                        <a:cs typeface="Arial" charset="0"/>
                       </a:endParaRPr>
                     </a:p>
                   </a:txBody>
@@ -23416,7 +23558,7 @@
                         <a:buNone/>
                         <a:tabLst/>
                       </a:pPr>
-                      <a:endParaRPr kumimoji="0" lang="ja-JP" altLang="en-US" sz="2000" b="0" i="0" u="none" strike="noStrike" cap="none" normalizeH="0" baseline="0" dirty="0" smtClean="0">
+                      <a:endParaRPr kumimoji="0" lang="ja-JP" altLang="en-US" sz="1200" b="0" i="0" u="none" strike="noStrike" cap="none" normalizeH="0" baseline="0" dirty="0" smtClean="0">
                         <a:ln>
                           <a:noFill/>
                         </a:ln>
@@ -23424,8 +23566,9 @@
                           <a:schemeClr val="tx1"/>
                         </a:solidFill>
                         <a:effectLst/>
-                        <a:latin typeface="Arial" pitchFamily="34" charset="0"/>
-                        <a:ea typeface="ＭＳ Ｐゴシック" pitchFamily="50" charset="-128"/>
+                        <a:latin typeface="Arial" charset="0"/>
+                        <a:ea typeface="Arial" charset="0"/>
+                        <a:cs typeface="Arial" charset="0"/>
                       </a:endParaRPr>
                     </a:p>
                   </a:txBody>
@@ -23549,7 +23692,7 @@
                         <a:buNone/>
                         <a:tabLst/>
                       </a:pPr>
-                      <a:endParaRPr kumimoji="0" lang="ja-JP" altLang="en-US" sz="2000" b="0" i="0" u="none" strike="noStrike" cap="none" normalizeH="0" baseline="0" dirty="0" smtClean="0">
+                      <a:endParaRPr kumimoji="0" lang="ja-JP" altLang="en-US" sz="1200" b="0" i="0" u="none" strike="noStrike" cap="none" normalizeH="0" baseline="0" dirty="0" smtClean="0">
                         <a:ln>
                           <a:noFill/>
                         </a:ln>
@@ -23557,8 +23700,9 @@
                           <a:schemeClr val="tx1"/>
                         </a:solidFill>
                         <a:effectLst/>
-                        <a:latin typeface="Arial" pitchFamily="34" charset="0"/>
-                        <a:ea typeface="ＭＳ Ｐゴシック" pitchFamily="50" charset="-128"/>
+                        <a:latin typeface="Arial" charset="0"/>
+                        <a:ea typeface="Arial" charset="0"/>
+                        <a:cs typeface="Arial" charset="0"/>
                       </a:endParaRPr>
                     </a:p>
                   </a:txBody>
@@ -23682,7 +23826,7 @@
                         <a:buNone/>
                         <a:tabLst/>
                       </a:pPr>
-                      <a:endParaRPr kumimoji="0" lang="ja-JP" altLang="en-US" sz="2000" b="0" i="0" u="none" strike="noStrike" cap="none" normalizeH="0" baseline="0" dirty="0" smtClean="0">
+                      <a:endParaRPr kumimoji="0" lang="ja-JP" altLang="en-US" sz="1200" b="0" i="0" u="none" strike="noStrike" cap="none" normalizeH="0" baseline="0" dirty="0" smtClean="0">
                         <a:ln>
                           <a:noFill/>
                         </a:ln>
@@ -23690,8 +23834,9 @@
                           <a:schemeClr val="tx1"/>
                         </a:solidFill>
                         <a:effectLst/>
-                        <a:latin typeface="Arial" pitchFamily="34" charset="0"/>
-                        <a:ea typeface="ＭＳ Ｐゴシック" pitchFamily="50" charset="-128"/>
+                        <a:latin typeface="Arial" charset="0"/>
+                        <a:ea typeface="Arial" charset="0"/>
+                        <a:cs typeface="Arial" charset="0"/>
                       </a:endParaRPr>
                     </a:p>
                   </a:txBody>
@@ -23724,7 +23869,7 @@
                         <a:buNone/>
                         <a:tabLst/>
                       </a:pPr>
-                      <a:endParaRPr kumimoji="0" lang="ja-JP" altLang="en-US" sz="2000" b="0" i="0" u="none" strike="noStrike" cap="none" normalizeH="0" baseline="0" dirty="0" smtClean="0">
+                      <a:endParaRPr kumimoji="0" lang="ja-JP" altLang="en-US" sz="1200" b="0" i="0" u="none" strike="noStrike" cap="none" normalizeH="0" baseline="0" dirty="0" smtClean="0">
                         <a:ln>
                           <a:noFill/>
                         </a:ln>
@@ -23732,8 +23877,9 @@
                           <a:schemeClr val="tx1"/>
                         </a:solidFill>
                         <a:effectLst/>
-                        <a:latin typeface="Arial" pitchFamily="34" charset="0"/>
-                        <a:ea typeface="ＭＳ Ｐゴシック" pitchFamily="50" charset="-128"/>
+                        <a:latin typeface="Arial" charset="0"/>
+                        <a:ea typeface="Arial" charset="0"/>
+                        <a:cs typeface="Arial" charset="0"/>
                       </a:endParaRPr>
                     </a:p>
                   </a:txBody>
@@ -23766,7 +23912,7 @@
                         <a:buNone/>
                         <a:tabLst/>
                       </a:pPr>
-                      <a:endParaRPr kumimoji="0" lang="ja-JP" altLang="en-US" sz="2000" b="0" i="0" u="none" strike="noStrike" cap="none" normalizeH="0" baseline="0" dirty="0" smtClean="0">
+                      <a:endParaRPr kumimoji="0" lang="ja-JP" altLang="en-US" sz="1200" b="0" i="0" u="none" strike="noStrike" cap="none" normalizeH="0" baseline="0" dirty="0" smtClean="0">
                         <a:ln>
                           <a:noFill/>
                         </a:ln>
@@ -23774,8 +23920,9 @@
                           <a:schemeClr val="tx1"/>
                         </a:solidFill>
                         <a:effectLst/>
-                        <a:latin typeface="Arial" pitchFamily="34" charset="0"/>
-                        <a:ea typeface="ＭＳ Ｐゴシック" pitchFamily="50" charset="-128"/>
+                        <a:latin typeface="Arial" charset="0"/>
+                        <a:ea typeface="Arial" charset="0"/>
+                        <a:cs typeface="Arial" charset="0"/>
                       </a:endParaRPr>
                     </a:p>
                   </a:txBody>
@@ -23808,7 +23955,7 @@
                         <a:buNone/>
                         <a:tabLst/>
                       </a:pPr>
-                      <a:endParaRPr kumimoji="0" lang="ja-JP" altLang="en-US" sz="2000" b="0" i="0" u="none" strike="noStrike" cap="none" normalizeH="0" baseline="0" dirty="0" smtClean="0">
+                      <a:endParaRPr kumimoji="0" lang="ja-JP" altLang="en-US" sz="1200" b="0" i="0" u="none" strike="noStrike" cap="none" normalizeH="0" baseline="0" dirty="0" smtClean="0">
                         <a:ln>
                           <a:noFill/>
                         </a:ln>
@@ -23816,8 +23963,9 @@
                           <a:schemeClr val="tx1"/>
                         </a:solidFill>
                         <a:effectLst/>
-                        <a:latin typeface="Arial" pitchFamily="34" charset="0"/>
-                        <a:ea typeface="ＭＳ Ｐゴシック" pitchFamily="50" charset="-128"/>
+                        <a:latin typeface="Arial" charset="0"/>
+                        <a:ea typeface="Arial" charset="0"/>
+                        <a:cs typeface="Arial" charset="0"/>
                       </a:endParaRPr>
                     </a:p>
                   </a:txBody>
@@ -24091,7 +24239,7 @@
                         <a:buNone/>
                         <a:tabLst/>
                       </a:pPr>
-                      <a:endParaRPr kumimoji="0" lang="ja-JP" altLang="en-US" sz="2000" b="0" i="0" u="none" strike="noStrike" cap="none" normalizeH="0" baseline="0" smtClean="0">
+                      <a:endParaRPr kumimoji="0" lang="ja-JP" altLang="en-US" sz="1200" b="0" i="0" u="none" strike="noStrike" cap="none" normalizeH="0" baseline="0" smtClean="0">
                         <a:ln>
                           <a:noFill/>
                         </a:ln>
@@ -24099,8 +24247,9 @@
                           <a:schemeClr val="tx1"/>
                         </a:solidFill>
                         <a:effectLst/>
-                        <a:latin typeface="Arial" pitchFamily="34" charset="0"/>
-                        <a:ea typeface="ＭＳ Ｐゴシック" pitchFamily="50" charset="-128"/>
+                        <a:latin typeface="Arial" charset="0"/>
+                        <a:ea typeface="Arial" charset="0"/>
+                        <a:cs typeface="Arial" charset="0"/>
                       </a:endParaRPr>
                     </a:p>
                   </a:txBody>
@@ -24224,7 +24373,7 @@
                         <a:buNone/>
                         <a:tabLst/>
                       </a:pPr>
-                      <a:endParaRPr kumimoji="0" lang="ja-JP" altLang="en-US" sz="2000" b="0" i="0" u="none" strike="noStrike" cap="none" normalizeH="0" baseline="0" dirty="0" smtClean="0">
+                      <a:endParaRPr kumimoji="0" lang="ja-JP" altLang="en-US" sz="1200" b="0" i="0" u="none" strike="noStrike" cap="none" normalizeH="0" baseline="0" dirty="0" smtClean="0">
                         <a:ln>
                           <a:noFill/>
                         </a:ln>
@@ -24232,14 +24381,15 @@
                           <a:schemeClr val="tx1"/>
                         </a:solidFill>
                         <a:effectLst/>
-                        <a:latin typeface="Arial" pitchFamily="34" charset="0"/>
-                        <a:ea typeface="ＭＳ Ｐゴシック" pitchFamily="50" charset="-128"/>
+                        <a:latin typeface="Arial" charset="0"/>
+                        <a:ea typeface="Arial" charset="0"/>
+                        <a:cs typeface="Arial" charset="0"/>
                       </a:endParaRPr>
                     </a:p>
                   </a:txBody>
                   <a:tcPr marL="19050" marR="19050" marT="19050" marB="19050" horzOverflow="overflow">
                     <a:solidFill>
-                      <a:schemeClr val="bg1"/>
+                      <a:srgbClr val="00D2D1"/>
                     </a:solidFill>
                   </a:tcPr>
                 </a:tc>
@@ -24357,7 +24507,7 @@
                         <a:buNone/>
                         <a:tabLst/>
                       </a:pPr>
-                      <a:endParaRPr kumimoji="0" lang="ja-JP" altLang="en-US" sz="2000" b="0" i="0" u="none" strike="noStrike" cap="none" normalizeH="0" baseline="0" smtClean="0">
+                      <a:endParaRPr kumimoji="0" lang="ja-JP" altLang="en-US" sz="1200" b="0" i="0" u="none" strike="noStrike" cap="none" normalizeH="0" baseline="0" smtClean="0">
                         <a:ln>
                           <a:noFill/>
                         </a:ln>
@@ -24365,8 +24515,9 @@
                           <a:schemeClr val="tx1"/>
                         </a:solidFill>
                         <a:effectLst/>
-                        <a:latin typeface="Arial" pitchFamily="34" charset="0"/>
-                        <a:ea typeface="ＭＳ Ｐゴシック" pitchFamily="50" charset="-128"/>
+                        <a:latin typeface="Arial" charset="0"/>
+                        <a:ea typeface="Arial" charset="0"/>
+                        <a:cs typeface="Arial" charset="0"/>
                       </a:endParaRPr>
                     </a:p>
                   </a:txBody>
@@ -24490,7 +24641,7 @@
                         <a:buNone/>
                         <a:tabLst/>
                       </a:pPr>
-                      <a:endParaRPr kumimoji="0" lang="ja-JP" altLang="en-US" sz="2000" b="0" i="0" u="none" strike="noStrike" cap="none" normalizeH="0" baseline="0" smtClean="0">
+                      <a:endParaRPr kumimoji="0" lang="ja-JP" altLang="en-US" sz="1200" b="0" i="0" u="none" strike="noStrike" cap="none" normalizeH="0" baseline="0" smtClean="0">
                         <a:ln>
                           <a:noFill/>
                         </a:ln>
@@ -24498,8 +24649,9 @@
                           <a:schemeClr val="tx1"/>
                         </a:solidFill>
                         <a:effectLst/>
-                        <a:latin typeface="Arial" pitchFamily="34" charset="0"/>
-                        <a:ea typeface="ＭＳ Ｐゴシック" pitchFamily="50" charset="-128"/>
+                        <a:latin typeface="Arial" charset="0"/>
+                        <a:ea typeface="Arial" charset="0"/>
+                        <a:cs typeface="Arial" charset="0"/>
                       </a:endParaRPr>
                     </a:p>
                   </a:txBody>
@@ -24623,7 +24775,7 @@
                         <a:buNone/>
                         <a:tabLst/>
                       </a:pPr>
-                      <a:endParaRPr kumimoji="0" lang="ja-JP" altLang="en-US" sz="2000" b="0" i="0" u="none" strike="noStrike" cap="none" normalizeH="0" baseline="0" smtClean="0">
+                      <a:endParaRPr kumimoji="0" lang="ja-JP" altLang="en-US" sz="1200" b="0" i="0" u="none" strike="noStrike" cap="none" normalizeH="0" baseline="0" smtClean="0">
                         <a:ln>
                           <a:noFill/>
                         </a:ln>
@@ -24631,8 +24783,9 @@
                           <a:schemeClr val="tx1"/>
                         </a:solidFill>
                         <a:effectLst/>
-                        <a:latin typeface="Arial" pitchFamily="34" charset="0"/>
-                        <a:ea typeface="ＭＳ Ｐゴシック" pitchFamily="50" charset="-128"/>
+                        <a:latin typeface="Arial" charset="0"/>
+                        <a:ea typeface="Arial" charset="0"/>
+                        <a:cs typeface="Arial" charset="0"/>
                       </a:endParaRPr>
                     </a:p>
                   </a:txBody>
@@ -24756,7 +24909,7 @@
                         <a:buNone/>
                         <a:tabLst/>
                       </a:pPr>
-                      <a:endParaRPr kumimoji="0" lang="ja-JP" altLang="en-US" sz="2000" b="0" i="0" u="none" strike="noStrike" cap="none" normalizeH="0" baseline="0" smtClean="0">
+                      <a:endParaRPr kumimoji="0" lang="ja-JP" altLang="en-US" sz="1200" b="0" i="0" u="none" strike="noStrike" cap="none" normalizeH="0" baseline="0" smtClean="0">
                         <a:ln>
                           <a:noFill/>
                         </a:ln>
@@ -24764,8 +24917,9 @@
                           <a:schemeClr val="tx1"/>
                         </a:solidFill>
                         <a:effectLst/>
-                        <a:latin typeface="Arial" pitchFamily="34" charset="0"/>
-                        <a:ea typeface="ＭＳ Ｐゴシック" pitchFamily="50" charset="-128"/>
+                        <a:latin typeface="Arial" charset="0"/>
+                        <a:ea typeface="Arial" charset="0"/>
+                        <a:cs typeface="Arial" charset="0"/>
                       </a:endParaRPr>
                     </a:p>
                   </a:txBody>
@@ -24889,7 +25043,7 @@
                         <a:buNone/>
                         <a:tabLst/>
                       </a:pPr>
-                      <a:endParaRPr kumimoji="0" lang="ja-JP" altLang="en-US" sz="2000" b="0" i="0" u="none" strike="noStrike" cap="none" normalizeH="0" baseline="0" dirty="0" smtClean="0">
+                      <a:endParaRPr kumimoji="0" lang="ja-JP" altLang="en-US" sz="1200" b="0" i="0" u="none" strike="noStrike" cap="none" normalizeH="0" baseline="0" dirty="0" smtClean="0">
                         <a:ln>
                           <a:noFill/>
                         </a:ln>
@@ -24897,8 +25051,9 @@
                           <a:schemeClr val="tx1"/>
                         </a:solidFill>
                         <a:effectLst/>
-                        <a:latin typeface="Arial" pitchFamily="34" charset="0"/>
-                        <a:ea typeface="ＭＳ Ｐゴシック" pitchFamily="50" charset="-128"/>
+                        <a:latin typeface="Arial" charset="0"/>
+                        <a:ea typeface="Arial" charset="0"/>
+                        <a:cs typeface="Arial" charset="0"/>
                       </a:endParaRPr>
                     </a:p>
                   </a:txBody>
@@ -25022,7 +25177,7 @@
                         <a:buNone/>
                         <a:tabLst/>
                       </a:pPr>
-                      <a:endParaRPr kumimoji="0" lang="ja-JP" altLang="en-US" sz="2000" b="0" i="0" u="none" strike="noStrike" cap="none" normalizeH="0" baseline="0" smtClean="0">
+                      <a:endParaRPr kumimoji="0" lang="ja-JP" altLang="en-US" sz="1200" b="0" i="0" u="none" strike="noStrike" cap="none" normalizeH="0" baseline="0" smtClean="0">
                         <a:ln>
                           <a:noFill/>
                         </a:ln>
@@ -25030,8 +25185,9 @@
                           <a:schemeClr val="tx1"/>
                         </a:solidFill>
                         <a:effectLst/>
-                        <a:latin typeface="Arial" pitchFamily="34" charset="0"/>
-                        <a:ea typeface="ＭＳ Ｐゴシック" pitchFamily="50" charset="-128"/>
+                        <a:latin typeface="Arial" charset="0"/>
+                        <a:ea typeface="Arial" charset="0"/>
+                        <a:cs typeface="Arial" charset="0"/>
                       </a:endParaRPr>
                     </a:p>
                   </a:txBody>
@@ -25155,7 +25311,7 @@
                         <a:buNone/>
                         <a:tabLst/>
                       </a:pPr>
-                      <a:endParaRPr kumimoji="0" lang="ja-JP" altLang="en-US" sz="2000" b="0" i="0" u="none" strike="noStrike" cap="none" normalizeH="0" baseline="0" dirty="0" smtClean="0">
+                      <a:endParaRPr kumimoji="0" lang="ja-JP" altLang="en-US" sz="1200" b="0" i="0" u="none" strike="noStrike" cap="none" normalizeH="0" baseline="0" dirty="0" smtClean="0">
                         <a:ln>
                           <a:noFill/>
                         </a:ln>
@@ -25163,8 +25319,9 @@
                           <a:schemeClr val="tx1"/>
                         </a:solidFill>
                         <a:effectLst/>
-                        <a:latin typeface="Arial" pitchFamily="34" charset="0"/>
-                        <a:ea typeface="ＭＳ Ｐゴシック" pitchFamily="50" charset="-128"/>
+                        <a:latin typeface="Arial" charset="0"/>
+                        <a:ea typeface="Arial" charset="0"/>
+                        <a:cs typeface="Arial" charset="0"/>
                       </a:endParaRPr>
                     </a:p>
                   </a:txBody>
@@ -25288,7 +25445,7 @@
                         <a:buNone/>
                         <a:tabLst/>
                       </a:pPr>
-                      <a:endParaRPr kumimoji="0" lang="ja-JP" altLang="en-US" sz="2000" b="0" i="0" u="none" strike="noStrike" cap="none" normalizeH="0" baseline="0" dirty="0" smtClean="0">
+                      <a:endParaRPr kumimoji="0" lang="ja-JP" altLang="en-US" sz="1200" b="0" i="0" u="none" strike="noStrike" cap="none" normalizeH="0" baseline="0" dirty="0" smtClean="0">
                         <a:ln>
                           <a:noFill/>
                         </a:ln>
@@ -25296,8 +25453,9 @@
                           <a:schemeClr val="tx1"/>
                         </a:solidFill>
                         <a:effectLst/>
-                        <a:latin typeface="Arial" pitchFamily="34" charset="0"/>
-                        <a:ea typeface="ＭＳ Ｐゴシック" pitchFamily="50" charset="-128"/>
+                        <a:latin typeface="Arial" charset="0"/>
+                        <a:ea typeface="Arial" charset="0"/>
+                        <a:cs typeface="Arial" charset="0"/>
                       </a:endParaRPr>
                     </a:p>
                   </a:txBody>
@@ -25330,7 +25488,7 @@
                         <a:buNone/>
                         <a:tabLst/>
                       </a:pPr>
-                      <a:endParaRPr kumimoji="0" lang="ja-JP" altLang="en-US" sz="2000" b="0" i="0" u="none" strike="noStrike" cap="none" normalizeH="0" baseline="0" dirty="0" smtClean="0">
+                      <a:endParaRPr kumimoji="0" lang="ja-JP" altLang="en-US" sz="1200" b="0" i="0" u="none" strike="noStrike" cap="none" normalizeH="0" baseline="0" dirty="0" smtClean="0">
                         <a:ln>
                           <a:noFill/>
                         </a:ln>
@@ -25338,8 +25496,9 @@
                           <a:schemeClr val="tx1"/>
                         </a:solidFill>
                         <a:effectLst/>
-                        <a:latin typeface="Arial" pitchFamily="34" charset="0"/>
-                        <a:ea typeface="ＭＳ Ｐゴシック" pitchFamily="50" charset="-128"/>
+                        <a:latin typeface="Arial" charset="0"/>
+                        <a:ea typeface="Arial" charset="0"/>
+                        <a:cs typeface="Arial" charset="0"/>
                       </a:endParaRPr>
                     </a:p>
                   </a:txBody>
@@ -25372,7 +25531,7 @@
                         <a:buNone/>
                         <a:tabLst/>
                       </a:pPr>
-                      <a:endParaRPr kumimoji="0" lang="ja-JP" altLang="en-US" sz="2000" b="0" i="0" u="none" strike="noStrike" cap="none" normalizeH="0" baseline="0" dirty="0" smtClean="0">
+                      <a:endParaRPr kumimoji="0" lang="ja-JP" altLang="en-US" sz="1200" b="0" i="0" u="none" strike="noStrike" cap="none" normalizeH="0" baseline="0" dirty="0" smtClean="0">
                         <a:ln>
                           <a:noFill/>
                         </a:ln>
@@ -25380,8 +25539,9 @@
                           <a:schemeClr val="tx1"/>
                         </a:solidFill>
                         <a:effectLst/>
-                        <a:latin typeface="Arial" pitchFamily="34" charset="0"/>
-                        <a:ea typeface="ＭＳ Ｐゴシック" pitchFamily="50" charset="-128"/>
+                        <a:latin typeface="Arial" charset="0"/>
+                        <a:ea typeface="Arial" charset="0"/>
+                        <a:cs typeface="Arial" charset="0"/>
                       </a:endParaRPr>
                     </a:p>
                   </a:txBody>
@@ -25414,7 +25574,7 @@
                         <a:buNone/>
                         <a:tabLst/>
                       </a:pPr>
-                      <a:endParaRPr kumimoji="0" lang="ja-JP" altLang="en-US" sz="2000" b="0" i="0" u="none" strike="noStrike" cap="none" normalizeH="0" baseline="0" dirty="0" smtClean="0">
+                      <a:endParaRPr kumimoji="0" lang="ja-JP" altLang="en-US" sz="1200" b="0" i="0" u="none" strike="noStrike" cap="none" normalizeH="0" baseline="0" dirty="0" smtClean="0">
                         <a:ln>
                           <a:noFill/>
                         </a:ln>
@@ -25422,8 +25582,9 @@
                           <a:schemeClr val="tx1"/>
                         </a:solidFill>
                         <a:effectLst/>
-                        <a:latin typeface="Arial" pitchFamily="34" charset="0"/>
-                        <a:ea typeface="ＭＳ Ｐゴシック" pitchFamily="50" charset="-128"/>
+                        <a:latin typeface="Arial" charset="0"/>
+                        <a:ea typeface="Arial" charset="0"/>
+                        <a:cs typeface="Arial" charset="0"/>
                       </a:endParaRPr>
                     </a:p>
                   </a:txBody>
@@ -25488,7 +25649,7 @@
         </p:nvSpPr>
         <p:spPr>
           <a:xfrm rot="20584952">
-            <a:off x="4524411" y="3801293"/>
+            <a:off x="5117148" y="4134121"/>
             <a:ext cx="3511296" cy="716526"/>
           </a:xfrm>
           <a:prstGeom prst="roundRect">
@@ -25546,7 +25707,7 @@
         </p:nvSpPr>
         <p:spPr>
           <a:xfrm>
-            <a:off x="2209800" y="5725226"/>
+            <a:off x="2979402" y="5831290"/>
             <a:ext cx="1539204" cy="261610"/>
           </a:xfrm>
           <a:prstGeom prst="rect">
@@ -25587,7 +25748,7 @@
         </p:nvSpPr>
         <p:spPr>
           <a:xfrm>
-            <a:off x="4496135" y="5725226"/>
+            <a:off x="5636781" y="5831290"/>
             <a:ext cx="1539204" cy="261610"/>
           </a:xfrm>
           <a:prstGeom prst="rect">
@@ -25628,48 +25789,7 @@
         </p:nvSpPr>
         <p:spPr>
           <a:xfrm>
-            <a:off x="6870739" y="5725226"/>
-            <a:ext cx="1539204" cy="261610"/>
-          </a:xfrm>
-          <a:prstGeom prst="rect">
-            <a:avLst/>
-          </a:prstGeom>
-          <a:noFill/>
-        </p:spPr>
-        <p:txBody>
-          <a:bodyPr wrap="none" rtlCol="0">
-            <a:spAutoFit/>
-          </a:bodyPr>
-          <a:lstStyle/>
-          <a:p>
-            <a:r>
-              <a:rPr kumimoji="1" lang="ja-JP" altLang="en-US" sz="1100" b="1" dirty="0" smtClean="0">
-                <a:latin typeface="Arial" charset="0"/>
-                <a:ea typeface="Arial" charset="0"/>
-                <a:cs typeface="Arial" charset="0"/>
-              </a:rPr>
-              <a:t>★ </a:t>
-            </a:r>
-            <a:r>
-              <a:rPr lang="en-US" altLang="ja-JP" sz="1100" b="1" dirty="0" smtClean="0">
-                <a:latin typeface="Arial" charset="0"/>
-                <a:ea typeface="Arial" charset="0"/>
-                <a:cs typeface="Arial" charset="0"/>
-              </a:rPr>
-              <a:t>Customer Stories</a:t>
-            </a:r>
-          </a:p>
-        </p:txBody>
-      </p:sp>
-      <p:sp>
-        <p:nvSpPr>
-          <p:cNvPr id="9" name="TextBox 31"/>
-          <p:cNvSpPr txBox="1"/>
-          <p:nvPr/>
-        </p:nvSpPr>
-        <p:spPr>
-          <a:xfrm>
-            <a:off x="9372366" y="5725226"/>
+            <a:off x="9063762" y="5831290"/>
             <a:ext cx="1539204" cy="261610"/>
           </a:xfrm>
           <a:prstGeom prst="rect">
@@ -25710,7 +25830,7 @@
         </p:nvCxnSpPr>
         <p:spPr bwMode="auto">
           <a:xfrm>
-            <a:off x="2046768" y="5401524"/>
+            <a:off x="2153098" y="5592913"/>
             <a:ext cx="9574618" cy="0"/>
           </a:xfrm>
           <a:prstGeom prst="straightConnector1">
@@ -25737,7 +25857,7 @@
         </p:nvSpPr>
         <p:spPr>
           <a:xfrm>
-            <a:off x="2046768" y="5139914"/>
+            <a:off x="2046768" y="5310038"/>
             <a:ext cx="3182281" cy="261610"/>
           </a:xfrm>
           <a:prstGeom prst="rect">
@@ -25783,7 +25903,7 @@
         </p:nvCxnSpPr>
         <p:spPr bwMode="auto">
           <a:xfrm>
-            <a:off x="2046768" y="3501840"/>
+            <a:off x="2046768" y="3640066"/>
             <a:ext cx="9574618" cy="0"/>
           </a:xfrm>
           <a:prstGeom prst="straightConnector1">
@@ -25810,8 +25930,70 @@
         </p:nvSpPr>
         <p:spPr>
           <a:xfrm>
-            <a:off x="2043987" y="3175109"/>
-            <a:ext cx="1241045" cy="261610"/>
+            <a:off x="2043987" y="3377133"/>
+            <a:ext cx="4983470" cy="261610"/>
+          </a:xfrm>
+          <a:prstGeom prst="rect">
+            <a:avLst/>
+          </a:prstGeom>
+          <a:noFill/>
+        </p:spPr>
+        <p:txBody>
+          <a:bodyPr wrap="square" rtlCol="0">
+            <a:spAutoFit/>
+          </a:bodyPr>
+          <a:lstStyle/>
+          <a:p>
+            <a:r>
+              <a:rPr kumimoji="1" lang="ja-JP" altLang="en-US" sz="1100" b="1" dirty="0" smtClean="0">
+                <a:latin typeface="Arial" charset="0"/>
+                <a:ea typeface="Arial" charset="0"/>
+                <a:cs typeface="Arial" charset="0"/>
+              </a:rPr>
+              <a:t>★ </a:t>
+            </a:r>
+            <a:r>
+              <a:rPr kumimoji="1" lang="en-US" altLang="ja-JP" sz="1100" b="1" dirty="0" smtClean="0">
+                <a:latin typeface="Arial" charset="0"/>
+                <a:ea typeface="Arial" charset="0"/>
+                <a:cs typeface="Arial" charset="0"/>
+              </a:rPr>
+              <a:t>GitHub Enterprise </a:t>
+            </a:r>
+            <a:r>
+              <a:rPr lang="en-US" altLang="ja-JP" sz="1100" b="1" dirty="0">
+                <a:latin typeface="Arial" charset="0"/>
+                <a:ea typeface="Arial" charset="0"/>
+                <a:cs typeface="Arial" charset="0"/>
+              </a:rPr>
+              <a:t>w</a:t>
+            </a:r>
+            <a:r>
+              <a:rPr lang="en-US" altLang="ja-JP" sz="1100" b="1" dirty="0" smtClean="0">
+                <a:latin typeface="Arial" charset="0"/>
+                <a:ea typeface="Arial" charset="0"/>
+                <a:cs typeface="Arial" charset="0"/>
+              </a:rPr>
+              <a:t>eb seminar series(Live and On-Demand)</a:t>
+            </a:r>
+            <a:endParaRPr lang="en-US" altLang="ja-JP" sz="1100" b="1" dirty="0" smtClean="0">
+              <a:latin typeface="Arial" charset="0"/>
+              <a:ea typeface="Arial" charset="0"/>
+              <a:cs typeface="Arial" charset="0"/>
+            </a:endParaRPr>
+          </a:p>
+        </p:txBody>
+      </p:sp>
+      <p:sp>
+        <p:nvSpPr>
+          <p:cNvPr id="15" name="TextBox 31"/>
+          <p:cNvSpPr txBox="1"/>
+          <p:nvPr/>
+        </p:nvSpPr>
+        <p:spPr>
+          <a:xfrm>
+            <a:off x="6824207" y="4508860"/>
+            <a:ext cx="2970685" cy="261610"/>
           </a:xfrm>
           <a:prstGeom prst="rect">
             <a:avLst/>
@@ -25838,21 +26020,91 @@
                 <a:ea typeface="Arial" charset="0"/>
                 <a:cs typeface="Arial" charset="0"/>
               </a:rPr>
-              <a:t>Web seminar</a:t>
+              <a:t>special feature article on WIRED </a:t>
+            </a:r>
+            <a:r>
+              <a:rPr lang="en-US" altLang="ja-JP" sz="1100" b="1" dirty="0" smtClean="0">
+                <a:latin typeface="Arial" charset="0"/>
+                <a:ea typeface="Arial" charset="0"/>
+                <a:cs typeface="Arial" charset="0"/>
+              </a:rPr>
+              <a:t>Japan</a:t>
             </a:r>
           </a:p>
         </p:txBody>
       </p:sp>
       <p:sp>
         <p:nvSpPr>
-          <p:cNvPr id="15" name="TextBox 31"/>
+          <p:cNvPr id="16" name="TextBox 31"/>
           <p:cNvSpPr txBox="1"/>
           <p:nvPr/>
         </p:nvSpPr>
         <p:spPr>
           <a:xfrm>
-            <a:off x="6895091" y="4423799"/>
-            <a:ext cx="3009157" cy="261610"/>
+            <a:off x="3864573" y="3144762"/>
+            <a:ext cx="3162884" cy="261610"/>
+          </a:xfrm>
+          <a:prstGeom prst="rect">
+            <a:avLst/>
+          </a:prstGeom>
+          <a:noFill/>
+        </p:spPr>
+        <p:txBody>
+          <a:bodyPr wrap="square" rtlCol="0">
+            <a:spAutoFit/>
+          </a:bodyPr>
+          <a:lstStyle/>
+          <a:p>
+            <a:r>
+              <a:rPr kumimoji="1" lang="ja-JP" altLang="en-US" sz="1100" b="1" dirty="0" smtClean="0">
+                <a:latin typeface="Arial" charset="0"/>
+                <a:ea typeface="Arial" charset="0"/>
+                <a:cs typeface="Arial" charset="0"/>
+              </a:rPr>
+              <a:t>★ </a:t>
+            </a:r>
+            <a:r>
+              <a:rPr lang="en-US" altLang="ja-JP" sz="1100" b="1" dirty="0">
+                <a:latin typeface="Arial" charset="0"/>
+                <a:ea typeface="Arial" charset="0"/>
+                <a:cs typeface="Arial" charset="0"/>
+              </a:rPr>
+              <a:t>GitHub Enterprise </a:t>
+            </a:r>
+            <a:r>
+              <a:rPr lang="en-US" altLang="ja-JP" sz="1100" b="1" dirty="0" smtClean="0">
+                <a:latin typeface="Arial" charset="0"/>
+                <a:ea typeface="Arial" charset="0"/>
+                <a:cs typeface="Arial" charset="0"/>
+              </a:rPr>
+              <a:t>Seminar/w </a:t>
+            </a:r>
+            <a:r>
+              <a:rPr lang="en-US" altLang="ja-JP" sz="1100" b="1" dirty="0" smtClean="0">
+                <a:latin typeface="Arial" charset="0"/>
+                <a:ea typeface="Arial" charset="0"/>
+                <a:cs typeface="Arial" charset="0"/>
+              </a:rPr>
+              <a:t>IBM</a:t>
+            </a:r>
+            <a:endParaRPr lang="en-US" altLang="ja-JP" sz="1100" b="1" dirty="0" smtClean="0">
+              <a:latin typeface="Arial" charset="0"/>
+              <a:ea typeface="Arial" charset="0"/>
+              <a:cs typeface="Arial" charset="0"/>
+            </a:endParaRPr>
+          </a:p>
+        </p:txBody>
+      </p:sp>
+      <p:sp>
+        <p:nvSpPr>
+          <p:cNvPr id="17" name="TextBox 31"/>
+          <p:cNvSpPr txBox="1"/>
+          <p:nvPr/>
+        </p:nvSpPr>
+        <p:spPr>
+          <a:xfrm>
+            <a:off x="6406383" y="2355385"/>
+            <a:ext cx="3685624" cy="261610"/>
           </a:xfrm>
           <a:prstGeom prst="rect">
             <a:avLst/>
@@ -25879,7 +26131,7 @@
                 <a:ea typeface="Arial" charset="0"/>
                 <a:cs typeface="Arial" charset="0"/>
               </a:rPr>
-              <a:t>special feature article on WIRED Japan </a:t>
+              <a:t>GitHub Universe 2017 Japan Tour(Client &amp; Media)</a:t>
             </a:r>
             <a:endParaRPr lang="en-US" altLang="ja-JP" sz="1100" b="1" dirty="0">
               <a:latin typeface="Arial" charset="0"/>
@@ -25891,14 +26143,14 @@
       </p:sp>
       <p:sp>
         <p:nvSpPr>
-          <p:cNvPr id="16" name="TextBox 31"/>
+          <p:cNvPr id="19" name="TextBox 31"/>
           <p:cNvSpPr txBox="1"/>
           <p:nvPr/>
         </p:nvSpPr>
         <p:spPr>
           <a:xfrm>
-            <a:off x="3631782" y="2913499"/>
-            <a:ext cx="2064989" cy="261610"/>
+            <a:off x="7183017" y="3144762"/>
+            <a:ext cx="2608406" cy="261610"/>
           </a:xfrm>
           <a:prstGeom prst="rect">
             <a:avLst/>
@@ -25925,7 +26177,7 @@
                 <a:ea typeface="Arial" charset="0"/>
                 <a:cs typeface="Arial" charset="0"/>
               </a:rPr>
-              <a:t>S</a:t>
+              <a:t>GitHub Enterprise </a:t>
             </a:r>
             <a:r>
               <a:rPr lang="en-US" altLang="ja-JP" sz="1100" b="1" dirty="0" smtClean="0">
@@ -25933,17 +26185,646 @@
                 <a:ea typeface="Arial" charset="0"/>
                 <a:cs typeface="Arial" charset="0"/>
               </a:rPr>
-              <a:t>eminar/w </a:t>
+              <a:t>Seminar/w </a:t>
             </a:r>
             <a:r>
-              <a:rPr lang="en-US" altLang="ja-JP" sz="1100" b="1" dirty="0" err="1" smtClean="0">
+              <a:rPr lang="en-US" altLang="ja-JP" sz="1100" b="1" dirty="0" smtClean="0">
                 <a:latin typeface="Arial" charset="0"/>
                 <a:ea typeface="Arial" charset="0"/>
                 <a:cs typeface="Arial" charset="0"/>
               </a:rPr>
-              <a:t>TechAcademy</a:t>
+              <a:t>IBM</a:t>
             </a:r>
             <a:endParaRPr lang="en-US" altLang="ja-JP" sz="1100" b="1" dirty="0" smtClean="0">
+              <a:latin typeface="Arial" charset="0"/>
+              <a:ea typeface="Arial" charset="0"/>
+              <a:cs typeface="Arial" charset="0"/>
+            </a:endParaRPr>
+          </a:p>
+        </p:txBody>
+      </p:sp>
+      <p:sp>
+        <p:nvSpPr>
+          <p:cNvPr id="20" name="TextBox 31"/>
+          <p:cNvSpPr txBox="1"/>
+          <p:nvPr/>
+        </p:nvSpPr>
+        <p:spPr>
+          <a:xfrm>
+            <a:off x="6406383" y="2678161"/>
+            <a:ext cx="3634328" cy="261610"/>
+          </a:xfrm>
+          <a:prstGeom prst="rect">
+            <a:avLst/>
+          </a:prstGeom>
+          <a:noFill/>
+        </p:spPr>
+        <p:txBody>
+          <a:bodyPr wrap="none" rtlCol="0">
+            <a:spAutoFit/>
+          </a:bodyPr>
+          <a:lstStyle/>
+          <a:p>
+            <a:r>
+              <a:rPr kumimoji="1" lang="ja-JP" altLang="en-US" sz="1100" b="1" dirty="0" smtClean="0">
+                <a:latin typeface="Arial" charset="0"/>
+                <a:ea typeface="Arial" charset="0"/>
+                <a:cs typeface="Arial" charset="0"/>
+              </a:rPr>
+              <a:t>★ </a:t>
+            </a:r>
+            <a:r>
+              <a:rPr kumimoji="1" lang="en-US" altLang="ja-JP" sz="1100" b="1" dirty="0" smtClean="0">
+                <a:latin typeface="Arial" charset="0"/>
+                <a:ea typeface="Arial" charset="0"/>
+                <a:cs typeface="Arial" charset="0"/>
+              </a:rPr>
+              <a:t>New Product Launch/Partnership announcement</a:t>
+            </a:r>
+            <a:endParaRPr lang="en-US" altLang="ja-JP" sz="1100" b="1" dirty="0">
+              <a:latin typeface="Arial" charset="0"/>
+              <a:ea typeface="Arial" charset="0"/>
+              <a:cs typeface="Arial" charset="0"/>
+            </a:endParaRPr>
+          </a:p>
+        </p:txBody>
+      </p:sp>
+      <p:sp>
+        <p:nvSpPr>
+          <p:cNvPr id="22" name="TextBox 31"/>
+          <p:cNvSpPr txBox="1"/>
+          <p:nvPr/>
+        </p:nvSpPr>
+        <p:spPr>
+          <a:xfrm>
+            <a:off x="7027457" y="1724638"/>
+            <a:ext cx="1520036" cy="600164"/>
+          </a:xfrm>
+          <a:prstGeom prst="rect">
+            <a:avLst/>
+          </a:prstGeom>
+          <a:noFill/>
+        </p:spPr>
+        <p:txBody>
+          <a:bodyPr wrap="square" rtlCol="0">
+            <a:spAutoFit/>
+          </a:bodyPr>
+          <a:lstStyle/>
+          <a:p>
+            <a:r>
+              <a:rPr kumimoji="1" lang="ja-JP" altLang="en-US" sz="1100" b="1" dirty="0" smtClean="0">
+                <a:latin typeface="Arial" charset="0"/>
+                <a:ea typeface="Arial" charset="0"/>
+                <a:cs typeface="Arial" charset="0"/>
+              </a:rPr>
+              <a:t>★ </a:t>
+            </a:r>
+            <a:r>
+              <a:rPr lang="en-US" altLang="ja-JP" sz="1100" b="1" dirty="0" smtClean="0">
+                <a:latin typeface="Arial" charset="0"/>
+                <a:ea typeface="Arial" charset="0"/>
+                <a:cs typeface="Arial" charset="0"/>
+              </a:rPr>
+              <a:t>GitHub Universe</a:t>
+            </a:r>
+          </a:p>
+          <a:p>
+            <a:r>
+              <a:rPr lang="en-US" altLang="ja-JP" sz="1100" b="1" dirty="0" smtClean="0">
+                <a:latin typeface="Arial" charset="0"/>
+                <a:ea typeface="Arial" charset="0"/>
+                <a:cs typeface="Arial" charset="0"/>
+              </a:rPr>
+              <a:t>2017</a:t>
+            </a:r>
+            <a:r>
+              <a:rPr lang="en-US" altLang="ja-JP" sz="1100" b="1" dirty="0">
+                <a:latin typeface="Arial" charset="0"/>
+                <a:ea typeface="Arial" charset="0"/>
+                <a:cs typeface="Arial" charset="0"/>
+              </a:rPr>
+              <a:t> </a:t>
+            </a:r>
+            <a:r>
+              <a:rPr lang="en-US" altLang="ja-JP" sz="1100" b="1" dirty="0" smtClean="0">
+                <a:latin typeface="Arial" charset="0"/>
+                <a:ea typeface="Arial" charset="0"/>
+                <a:cs typeface="Arial" charset="0"/>
+              </a:rPr>
+              <a:t>Tokyo Save the Date Start</a:t>
+            </a:r>
+          </a:p>
+        </p:txBody>
+      </p:sp>
+      <p:sp>
+        <p:nvSpPr>
+          <p:cNvPr id="23" name="TextBox 31"/>
+          <p:cNvSpPr txBox="1"/>
+          <p:nvPr/>
+        </p:nvSpPr>
+        <p:spPr>
+          <a:xfrm>
+            <a:off x="8827904" y="1724638"/>
+            <a:ext cx="1520036" cy="600164"/>
+          </a:xfrm>
+          <a:prstGeom prst="rect">
+            <a:avLst/>
+          </a:prstGeom>
+          <a:noFill/>
+        </p:spPr>
+        <p:txBody>
+          <a:bodyPr wrap="square" rtlCol="0">
+            <a:spAutoFit/>
+          </a:bodyPr>
+          <a:lstStyle/>
+          <a:p>
+            <a:r>
+              <a:rPr kumimoji="1" lang="ja-JP" altLang="en-US" sz="1100" b="1" dirty="0" smtClean="0">
+                <a:latin typeface="Arial" charset="0"/>
+                <a:ea typeface="Arial" charset="0"/>
+                <a:cs typeface="Arial" charset="0"/>
+              </a:rPr>
+              <a:t>★ </a:t>
+            </a:r>
+            <a:r>
+              <a:rPr lang="en-US" altLang="ja-JP" sz="1100" b="1" dirty="0" smtClean="0">
+                <a:latin typeface="Arial" charset="0"/>
+                <a:ea typeface="Arial" charset="0"/>
+                <a:cs typeface="Arial" charset="0"/>
+              </a:rPr>
+              <a:t>GitHub Universe</a:t>
+            </a:r>
+          </a:p>
+          <a:p>
+            <a:r>
+              <a:rPr lang="en-US" altLang="ja-JP" sz="1100" b="1" dirty="0" smtClean="0">
+                <a:latin typeface="Arial" charset="0"/>
+                <a:ea typeface="Arial" charset="0"/>
+                <a:cs typeface="Arial" charset="0"/>
+              </a:rPr>
+              <a:t>2017</a:t>
+            </a:r>
+            <a:r>
+              <a:rPr lang="en-US" altLang="ja-JP" sz="1100" b="1" dirty="0">
+                <a:latin typeface="Arial" charset="0"/>
+                <a:ea typeface="Arial" charset="0"/>
+                <a:cs typeface="Arial" charset="0"/>
+              </a:rPr>
+              <a:t> </a:t>
+            </a:r>
+            <a:r>
+              <a:rPr lang="en-US" altLang="ja-JP" sz="1100" b="1" dirty="0" smtClean="0">
+                <a:latin typeface="Arial" charset="0"/>
+                <a:ea typeface="Arial" charset="0"/>
+                <a:cs typeface="Arial" charset="0"/>
+              </a:rPr>
+              <a:t>Tokyo Registration Open</a:t>
+            </a:r>
+          </a:p>
+        </p:txBody>
+      </p:sp>
+      <p:sp>
+        <p:nvSpPr>
+          <p:cNvPr id="24" name="TextBox 31"/>
+          <p:cNvSpPr txBox="1"/>
+          <p:nvPr/>
+        </p:nvSpPr>
+        <p:spPr>
+          <a:xfrm>
+            <a:off x="4607198" y="1724638"/>
+            <a:ext cx="1520036" cy="769441"/>
+          </a:xfrm>
+          <a:prstGeom prst="rect">
+            <a:avLst/>
+          </a:prstGeom>
+          <a:noFill/>
+        </p:spPr>
+        <p:txBody>
+          <a:bodyPr wrap="square" rtlCol="0">
+            <a:spAutoFit/>
+          </a:bodyPr>
+          <a:lstStyle/>
+          <a:p>
+            <a:r>
+              <a:rPr kumimoji="1" lang="ja-JP" altLang="en-US" sz="1100" b="1" dirty="0" smtClean="0">
+                <a:latin typeface="Arial" charset="0"/>
+                <a:ea typeface="Arial" charset="0"/>
+                <a:cs typeface="Arial" charset="0"/>
+              </a:rPr>
+              <a:t>★ </a:t>
+            </a:r>
+            <a:r>
+              <a:rPr lang="en-US" altLang="ja-JP" sz="1100" b="1" dirty="0" smtClean="0">
+                <a:latin typeface="Arial" charset="0"/>
+                <a:ea typeface="Arial" charset="0"/>
+                <a:cs typeface="Arial" charset="0"/>
+              </a:rPr>
+              <a:t>GitHub Universe</a:t>
+            </a:r>
+          </a:p>
+          <a:p>
+            <a:r>
+              <a:rPr lang="en-US" altLang="ja-JP" sz="1100" b="1" dirty="0" smtClean="0">
+                <a:latin typeface="Arial" charset="0"/>
+                <a:ea typeface="Arial" charset="0"/>
+                <a:cs typeface="Arial" charset="0"/>
+              </a:rPr>
+              <a:t>2017</a:t>
+            </a:r>
+            <a:r>
+              <a:rPr lang="en-US" altLang="ja-JP" sz="1100" b="1" dirty="0">
+                <a:latin typeface="Arial" charset="0"/>
+                <a:ea typeface="Arial" charset="0"/>
+                <a:cs typeface="Arial" charset="0"/>
+              </a:rPr>
+              <a:t> </a:t>
+            </a:r>
+            <a:r>
+              <a:rPr lang="en-US" altLang="ja-JP" sz="1100" b="1" dirty="0" smtClean="0">
+                <a:latin typeface="Arial" charset="0"/>
+                <a:ea typeface="Arial" charset="0"/>
+                <a:cs typeface="Arial" charset="0"/>
+              </a:rPr>
+              <a:t>Tokyo Sponsorship sales start</a:t>
+            </a:r>
+          </a:p>
+        </p:txBody>
+      </p:sp>
+      <p:sp>
+        <p:nvSpPr>
+          <p:cNvPr id="25" name="TextBox 31"/>
+          <p:cNvSpPr txBox="1"/>
+          <p:nvPr/>
+        </p:nvSpPr>
+        <p:spPr>
+          <a:xfrm>
+            <a:off x="2946957" y="1724638"/>
+            <a:ext cx="1520036" cy="769441"/>
+          </a:xfrm>
+          <a:prstGeom prst="rect">
+            <a:avLst/>
+          </a:prstGeom>
+          <a:noFill/>
+        </p:spPr>
+        <p:txBody>
+          <a:bodyPr wrap="square" rtlCol="0">
+            <a:spAutoFit/>
+          </a:bodyPr>
+          <a:lstStyle/>
+          <a:p>
+            <a:r>
+              <a:rPr kumimoji="1" lang="ja-JP" altLang="en-US" sz="1100" b="1" dirty="0" smtClean="0">
+                <a:latin typeface="Arial" charset="0"/>
+                <a:ea typeface="Arial" charset="0"/>
+                <a:cs typeface="Arial" charset="0"/>
+              </a:rPr>
+              <a:t>★ </a:t>
+            </a:r>
+            <a:r>
+              <a:rPr lang="en-US" altLang="ja-JP" sz="1100" b="1" dirty="0" smtClean="0">
+                <a:latin typeface="Arial" charset="0"/>
+                <a:ea typeface="Arial" charset="0"/>
+                <a:cs typeface="Arial" charset="0"/>
+              </a:rPr>
+              <a:t>GitHub Universe</a:t>
+            </a:r>
+          </a:p>
+          <a:p>
+            <a:r>
+              <a:rPr lang="en-US" altLang="ja-JP" sz="1100" b="1" dirty="0" smtClean="0">
+                <a:latin typeface="Arial" charset="0"/>
+                <a:ea typeface="Arial" charset="0"/>
+                <a:cs typeface="Arial" charset="0"/>
+              </a:rPr>
+              <a:t>2017</a:t>
+            </a:r>
+            <a:r>
+              <a:rPr lang="en-US" altLang="ja-JP" sz="1100" b="1" dirty="0">
+                <a:latin typeface="Arial" charset="0"/>
+                <a:ea typeface="Arial" charset="0"/>
+                <a:cs typeface="Arial" charset="0"/>
+              </a:rPr>
+              <a:t> </a:t>
+            </a:r>
+            <a:r>
+              <a:rPr lang="en-US" altLang="ja-JP" sz="1100" b="1" dirty="0" smtClean="0">
+                <a:latin typeface="Arial" charset="0"/>
+                <a:ea typeface="Arial" charset="0"/>
+                <a:cs typeface="Arial" charset="0"/>
+              </a:rPr>
+              <a:t>Tokyo Sponsorship tapping start</a:t>
+            </a:r>
+          </a:p>
+        </p:txBody>
+      </p:sp>
+      <p:sp>
+        <p:nvSpPr>
+          <p:cNvPr id="26" name="TextBox 31"/>
+          <p:cNvSpPr txBox="1"/>
+          <p:nvPr/>
+        </p:nvSpPr>
+        <p:spPr>
+          <a:xfrm>
+            <a:off x="4607198" y="1729050"/>
+            <a:ext cx="1520036" cy="769441"/>
+          </a:xfrm>
+          <a:prstGeom prst="rect">
+            <a:avLst/>
+          </a:prstGeom>
+          <a:noFill/>
+        </p:spPr>
+        <p:txBody>
+          <a:bodyPr wrap="square" rtlCol="0">
+            <a:spAutoFit/>
+          </a:bodyPr>
+          <a:lstStyle/>
+          <a:p>
+            <a:r>
+              <a:rPr kumimoji="1" lang="ja-JP" altLang="en-US" sz="1100" b="1" dirty="0" smtClean="0">
+                <a:latin typeface="Arial" charset="0"/>
+                <a:ea typeface="Arial" charset="0"/>
+                <a:cs typeface="Arial" charset="0"/>
+              </a:rPr>
+              <a:t>★ </a:t>
+            </a:r>
+            <a:r>
+              <a:rPr lang="en-US" altLang="ja-JP" sz="1100" b="1" dirty="0" smtClean="0">
+                <a:latin typeface="Arial" charset="0"/>
+                <a:ea typeface="Arial" charset="0"/>
+                <a:cs typeface="Arial" charset="0"/>
+              </a:rPr>
+              <a:t>GitHub Universe</a:t>
+            </a:r>
+          </a:p>
+          <a:p>
+            <a:r>
+              <a:rPr lang="en-US" altLang="ja-JP" sz="1100" b="1" dirty="0" smtClean="0">
+                <a:latin typeface="Arial" charset="0"/>
+                <a:ea typeface="Arial" charset="0"/>
+                <a:cs typeface="Arial" charset="0"/>
+              </a:rPr>
+              <a:t>2017</a:t>
+            </a:r>
+            <a:r>
+              <a:rPr lang="en-US" altLang="ja-JP" sz="1100" b="1" dirty="0">
+                <a:latin typeface="Arial" charset="0"/>
+                <a:ea typeface="Arial" charset="0"/>
+                <a:cs typeface="Arial" charset="0"/>
+              </a:rPr>
+              <a:t> </a:t>
+            </a:r>
+            <a:r>
+              <a:rPr lang="en-US" altLang="ja-JP" sz="1100" b="1" dirty="0" smtClean="0">
+                <a:latin typeface="Arial" charset="0"/>
+                <a:ea typeface="Arial" charset="0"/>
+                <a:cs typeface="Arial" charset="0"/>
+              </a:rPr>
+              <a:t>Tokyo Sponsorship sales start</a:t>
+            </a:r>
+          </a:p>
+        </p:txBody>
+      </p:sp>
+      <p:sp>
+        <p:nvSpPr>
+          <p:cNvPr id="27" name="TextBox 31"/>
+          <p:cNvSpPr txBox="1"/>
+          <p:nvPr/>
+        </p:nvSpPr>
+        <p:spPr>
+          <a:xfrm>
+            <a:off x="2578697" y="4105456"/>
+            <a:ext cx="3162884" cy="261610"/>
+          </a:xfrm>
+          <a:prstGeom prst="rect">
+            <a:avLst/>
+          </a:prstGeom>
+          <a:noFill/>
+        </p:spPr>
+        <p:txBody>
+          <a:bodyPr wrap="square" rtlCol="0">
+            <a:spAutoFit/>
+          </a:bodyPr>
+          <a:lstStyle/>
+          <a:p>
+            <a:r>
+              <a:rPr kumimoji="1" lang="ja-JP" altLang="en-US" sz="1100" b="1" dirty="0" smtClean="0">
+                <a:latin typeface="Arial" charset="0"/>
+                <a:ea typeface="Arial" charset="0"/>
+                <a:cs typeface="Arial" charset="0"/>
+              </a:rPr>
+              <a:t>★ </a:t>
+            </a:r>
+            <a:r>
+              <a:rPr lang="en-US" altLang="ja-JP" sz="1100" b="1" dirty="0" smtClean="0">
+                <a:latin typeface="Arial" charset="0"/>
+                <a:ea typeface="Arial" charset="0"/>
+                <a:cs typeface="Arial" charset="0"/>
+              </a:rPr>
+              <a:t>MS </a:t>
+            </a:r>
+            <a:r>
+              <a:rPr lang="pt-BR" altLang="ja-JP" sz="1100" b="1" dirty="0" err="1">
+                <a:latin typeface="Arial" charset="0"/>
+                <a:ea typeface="Arial" charset="0"/>
+                <a:cs typeface="Arial" charset="0"/>
+              </a:rPr>
+              <a:t>de:code</a:t>
+            </a:r>
+            <a:r>
+              <a:rPr lang="pt-BR" altLang="ja-JP" sz="1100" b="1" dirty="0">
+                <a:latin typeface="Arial" charset="0"/>
+                <a:ea typeface="Arial" charset="0"/>
+                <a:cs typeface="Arial" charset="0"/>
+              </a:rPr>
+              <a:t> </a:t>
+            </a:r>
+            <a:r>
+              <a:rPr lang="pt-BR" altLang="ja-JP" sz="1100" b="1" dirty="0" smtClean="0">
+                <a:latin typeface="Arial" charset="0"/>
+                <a:ea typeface="Arial" charset="0"/>
+                <a:cs typeface="Arial" charset="0"/>
+              </a:rPr>
+              <a:t>2017 (May23-24)</a:t>
+            </a:r>
+            <a:endParaRPr lang="en-US" altLang="ja-JP" sz="1100" b="1" dirty="0" smtClean="0">
+              <a:latin typeface="Arial" charset="0"/>
+              <a:ea typeface="Arial" charset="0"/>
+              <a:cs typeface="Arial" charset="0"/>
+            </a:endParaRPr>
+          </a:p>
+        </p:txBody>
+      </p:sp>
+      <p:sp>
+        <p:nvSpPr>
+          <p:cNvPr id="28" name="TextBox 31"/>
+          <p:cNvSpPr txBox="1"/>
+          <p:nvPr/>
+        </p:nvSpPr>
+        <p:spPr>
+          <a:xfrm>
+            <a:off x="9756879" y="3824149"/>
+            <a:ext cx="3023455" cy="261610"/>
+          </a:xfrm>
+          <a:prstGeom prst="rect">
+            <a:avLst/>
+          </a:prstGeom>
+          <a:noFill/>
+        </p:spPr>
+        <p:txBody>
+          <a:bodyPr wrap="square" rtlCol="0">
+            <a:spAutoFit/>
+          </a:bodyPr>
+          <a:lstStyle/>
+          <a:p>
+            <a:r>
+              <a:rPr kumimoji="1" lang="ja-JP" altLang="en-US" sz="1100" b="1" dirty="0" smtClean="0">
+                <a:latin typeface="Arial" charset="0"/>
+                <a:ea typeface="Arial" charset="0"/>
+                <a:cs typeface="Arial" charset="0"/>
+              </a:rPr>
+              <a:t>★</a:t>
+            </a:r>
+            <a:r>
+              <a:rPr lang="en-US" altLang="ja-JP" sz="1100" b="1" dirty="0">
+                <a:latin typeface="Arial" charset="0"/>
+                <a:ea typeface="Arial" charset="0"/>
+                <a:cs typeface="Arial" charset="0"/>
+              </a:rPr>
+              <a:t> Yahoo! </a:t>
+            </a:r>
+            <a:r>
+              <a:rPr lang="en-US" altLang="ja-JP" sz="1100" b="1" dirty="0" smtClean="0">
+                <a:latin typeface="Arial" charset="0"/>
+                <a:ea typeface="Arial" charset="0"/>
+                <a:cs typeface="Arial" charset="0"/>
+              </a:rPr>
+              <a:t>JAPAN Tech </a:t>
+            </a:r>
+            <a:r>
+              <a:rPr lang="en-US" altLang="ja-JP" sz="1100" b="1" dirty="0">
+                <a:latin typeface="Arial" charset="0"/>
+                <a:ea typeface="Arial" charset="0"/>
+                <a:cs typeface="Arial" charset="0"/>
+              </a:rPr>
+              <a:t>Conference </a:t>
+            </a:r>
+            <a:r>
+              <a:rPr lang="en-US" altLang="ja-JP" sz="1100" b="1" dirty="0" smtClean="0">
+                <a:latin typeface="Arial" charset="0"/>
+                <a:ea typeface="Arial" charset="0"/>
+                <a:cs typeface="Arial" charset="0"/>
+              </a:rPr>
+              <a:t>2018</a:t>
+            </a:r>
+            <a:endParaRPr lang="en-US" altLang="ja-JP" sz="1100" b="1" dirty="0">
+              <a:latin typeface="Arial" charset="0"/>
+              <a:ea typeface="Arial" charset="0"/>
+              <a:cs typeface="Arial" charset="0"/>
+            </a:endParaRPr>
+          </a:p>
+        </p:txBody>
+      </p:sp>
+      <p:sp>
+        <p:nvSpPr>
+          <p:cNvPr id="29" name="TextBox 31"/>
+          <p:cNvSpPr txBox="1"/>
+          <p:nvPr/>
+        </p:nvSpPr>
+        <p:spPr>
+          <a:xfrm>
+            <a:off x="9791423" y="4062525"/>
+            <a:ext cx="3023455" cy="261610"/>
+          </a:xfrm>
+          <a:prstGeom prst="rect">
+            <a:avLst/>
+          </a:prstGeom>
+          <a:noFill/>
+        </p:spPr>
+        <p:txBody>
+          <a:bodyPr wrap="square" rtlCol="0">
+            <a:spAutoFit/>
+          </a:bodyPr>
+          <a:lstStyle/>
+          <a:p>
+            <a:r>
+              <a:rPr kumimoji="1" lang="ja-JP" altLang="en-US" sz="1100" b="1" dirty="0" smtClean="0">
+                <a:latin typeface="Arial" charset="0"/>
+                <a:ea typeface="Arial" charset="0"/>
+                <a:cs typeface="Arial" charset="0"/>
+              </a:rPr>
+              <a:t>★</a:t>
+            </a:r>
+            <a:r>
+              <a:rPr lang="en-US" altLang="ja-JP" sz="1100" b="1" dirty="0">
+                <a:latin typeface="Arial" charset="0"/>
+                <a:ea typeface="Arial" charset="0"/>
+                <a:cs typeface="Arial" charset="0"/>
+              </a:rPr>
+              <a:t> </a:t>
+            </a:r>
+            <a:r>
+              <a:rPr lang="en-US" altLang="ja-JP" sz="1100" b="1" dirty="0" smtClean="0">
+                <a:latin typeface="Arial" charset="0"/>
+                <a:ea typeface="Arial" charset="0"/>
+                <a:cs typeface="Arial" charset="0"/>
+              </a:rPr>
+              <a:t>Developers Summit 2018</a:t>
+            </a:r>
+            <a:endParaRPr lang="en-US" altLang="ja-JP" sz="1100" b="1" dirty="0">
+              <a:latin typeface="Arial" charset="0"/>
+              <a:ea typeface="Arial" charset="0"/>
+              <a:cs typeface="Arial" charset="0"/>
+            </a:endParaRPr>
+          </a:p>
+        </p:txBody>
+      </p:sp>
+      <p:sp>
+        <p:nvSpPr>
+          <p:cNvPr id="30" name="TextBox 31"/>
+          <p:cNvSpPr txBox="1"/>
+          <p:nvPr/>
+        </p:nvSpPr>
+        <p:spPr>
+          <a:xfrm>
+            <a:off x="2709019" y="3878443"/>
+            <a:ext cx="3128255" cy="261610"/>
+          </a:xfrm>
+          <a:prstGeom prst="rect">
+            <a:avLst/>
+          </a:prstGeom>
+          <a:noFill/>
+        </p:spPr>
+        <p:txBody>
+          <a:bodyPr wrap="square" rtlCol="0">
+            <a:spAutoFit/>
+          </a:bodyPr>
+          <a:lstStyle/>
+          <a:p>
+            <a:r>
+              <a:rPr kumimoji="1" lang="ja-JP" altLang="en-US" sz="1100" b="1" dirty="0" smtClean="0">
+                <a:latin typeface="Arial" charset="0"/>
+                <a:ea typeface="Arial" charset="0"/>
+                <a:cs typeface="Arial" charset="0"/>
+              </a:rPr>
+              <a:t>★</a:t>
+            </a:r>
+            <a:r>
+              <a:rPr lang="en-US" altLang="ja-JP" sz="1100" b="1" dirty="0">
+                <a:latin typeface="Arial" charset="0"/>
+                <a:ea typeface="Arial" charset="0"/>
+                <a:cs typeface="Arial" charset="0"/>
+              </a:rPr>
+              <a:t> AWS Dev Day Tokyo </a:t>
+            </a:r>
+            <a:r>
+              <a:rPr lang="en-US" altLang="ja-JP" sz="1100" b="1" dirty="0" smtClean="0">
+                <a:latin typeface="Arial" charset="0"/>
+                <a:ea typeface="Arial" charset="0"/>
+                <a:cs typeface="Arial" charset="0"/>
+              </a:rPr>
+              <a:t>2017 (May31-Jun2)</a:t>
+            </a:r>
+            <a:endParaRPr lang="en-US" altLang="ja-JP" sz="1100" b="1" dirty="0">
               <a:latin typeface="Arial" charset="0"/>
               <a:ea typeface="Arial" charset="0"/>
               <a:cs typeface="Arial" charset="0"/>

--- a/GitHub Japan Marketing Strategy.pptx
+++ b/GitHub Japan Marketing Strategy.pptx
@@ -5,7 +5,7 @@
     <p:sldMasterId id="2147483717" r:id="rId1"/>
   </p:sldMasterIdLst>
   <p:notesMasterIdLst>
-    <p:notesMasterId r:id="rId14"/>
+    <p:notesMasterId r:id="rId16"/>
   </p:notesMasterIdLst>
   <p:sldIdLst>
     <p:sldId id="268" r:id="rId2"/>
@@ -13,13 +13,15 @@
     <p:sldId id="272" r:id="rId4"/>
     <p:sldId id="258" r:id="rId5"/>
     <p:sldId id="269" r:id="rId6"/>
-    <p:sldId id="274" r:id="rId7"/>
-    <p:sldId id="273" r:id="rId8"/>
-    <p:sldId id="266" r:id="rId9"/>
-    <p:sldId id="267" r:id="rId10"/>
-    <p:sldId id="263" r:id="rId11"/>
-    <p:sldId id="260" r:id="rId12"/>
-    <p:sldId id="271" r:id="rId13"/>
+    <p:sldId id="273" r:id="rId7"/>
+    <p:sldId id="266" r:id="rId8"/>
+    <p:sldId id="267" r:id="rId9"/>
+    <p:sldId id="263" r:id="rId10"/>
+    <p:sldId id="260" r:id="rId11"/>
+    <p:sldId id="275" r:id="rId12"/>
+    <p:sldId id="276" r:id="rId13"/>
+    <p:sldId id="271" r:id="rId14"/>
+    <p:sldId id="274" r:id="rId15"/>
   </p:sldIdLst>
   <p:sldSz cx="12192000" cy="6858000"/>
   <p:notesSz cx="6858000" cy="9144000"/>
@@ -170,7 +172,6 @@
           </a:p>
         </c:rich>
       </c:tx>
-      <c:layout/>
       <c:overlay val="0"/>
       <c:spPr>
         <a:noFill/>
@@ -340,9 +341,7 @@
               </c:spPr>
             </c:leaderLines>
             <c:extLst>
-              <c:ext xmlns:c15="http://schemas.microsoft.com/office/drawing/2012/chart" uri="{CE6537A1-D6FC-4f65-9D91-7224C49458BB}">
-                <c15:layout/>
-              </c:ext>
+              <c:ext xmlns:c15="http://schemas.microsoft.com/office/drawing/2012/chart" uri="{CE6537A1-D6FC-4f65-9D91-7224C49458BB}"/>
             </c:extLst>
           </c:dLbls>
           <c:cat>
@@ -419,7 +418,6 @@
     </c:plotArea>
     <c:legend>
       <c:legendPos val="b"/>
-      <c:layout/>
       <c:overlay val="0"/>
       <c:spPr>
         <a:noFill/>
@@ -565,7 +563,7 @@
           <a:p>
             <a:fld id="{FFFEC453-E2FF-B741-A9EA-9192FC291631}" type="datetimeFigureOut">
               <a:rPr kumimoji="1" lang="ja-JP" altLang="en-US" smtClean="0"/>
-              <a:t>2017/3/15</a:t>
+              <a:t>2017/3/17</a:t>
             </a:fld>
             <a:endParaRPr kumimoji="1" lang="ja-JP" altLang="en-US"/>
           </a:p>
@@ -1231,7 +1229,7 @@
           <a:bodyPr/>
           <a:lstStyle/>
           <a:p>
-            <a:endParaRPr kumimoji="1" lang="ja-JP" altLang="en-US" dirty="0"/>
+            <a:endParaRPr kumimoji="1" lang="ja-JP" altLang="en-US"/>
           </a:p>
         </p:txBody>
       </p:sp>
@@ -1261,7 +1259,7 @@
     </p:spTree>
     <p:extLst>
       <p:ext uri="{BB962C8B-B14F-4D97-AF65-F5344CB8AC3E}">
-        <p14:creationId xmlns:p14="http://schemas.microsoft.com/office/powerpoint/2010/main" val="697546737"/>
+        <p14:creationId xmlns:p14="http://schemas.microsoft.com/office/powerpoint/2010/main" val="1781875328"/>
       </p:ext>
     </p:extLst>
   </p:cSld>
@@ -1315,7 +1313,28 @@
           <a:bodyPr/>
           <a:lstStyle/>
           <a:p>
-            <a:endParaRPr kumimoji="1" lang="ja-JP" altLang="en-US"/>
+            <a:pPr marL="8335" marR="0" lvl="0" indent="-8335" algn="l" defTabSz="914400" rtl="0" eaLnBrk="1" fontAlgn="auto" latinLnBrk="0" hangingPunct="1">
+              <a:lnSpc>
+                <a:spcPct val="100000"/>
+              </a:lnSpc>
+              <a:spcBef>
+                <a:spcPts val="0"/>
+              </a:spcBef>
+              <a:spcAft>
+                <a:spcPts val="0"/>
+              </a:spcAft>
+              <a:buClrTx/>
+              <a:buSzPct val="25000"/>
+              <a:buFontTx/>
+              <a:buNone/>
+              <a:tabLst/>
+              <a:defRPr/>
+            </a:pPr>
+            <a:endParaRPr lang="en-US" altLang="ja-JP" sz="2000" dirty="0" smtClean="0">
+              <a:latin typeface="Arial" charset="0"/>
+              <a:ea typeface="Arial" charset="0"/>
+              <a:cs typeface="Arial" charset="0"/>
+            </a:endParaRPr>
           </a:p>
         </p:txBody>
       </p:sp>
@@ -1335,17 +1354,26 @@
           <a:lstStyle/>
           <a:p>
             <a:fld id="{4CF00E19-F562-4142-A0E8-E8BCB60B6EB5}" type="slidenum">
-              <a:rPr lang="en-US" smtClean="0"/>
+              <a:rPr lang="en-US" smtClean="0">
+                <a:solidFill>
+                  <a:prstClr val="black"/>
+                </a:solidFill>
+              </a:rPr>
+              <a:pPr/>
               <a:t>7</a:t>
             </a:fld>
-            <a:endParaRPr lang="en-US" dirty="0"/>
+            <a:endParaRPr lang="en-US" dirty="0">
+              <a:solidFill>
+                <a:prstClr val="black"/>
+              </a:solidFill>
+            </a:endParaRPr>
           </a:p>
         </p:txBody>
       </p:sp>
     </p:spTree>
     <p:extLst>
       <p:ext uri="{BB962C8B-B14F-4D97-AF65-F5344CB8AC3E}">
-        <p14:creationId xmlns:p14="http://schemas.microsoft.com/office/powerpoint/2010/main" val="1781875328"/>
+        <p14:creationId xmlns:p14="http://schemas.microsoft.com/office/powerpoint/2010/main" val="965247819"/>
       </p:ext>
     </p:extLst>
   </p:cSld>
@@ -1446,7 +1474,7 @@
                 </a:solidFill>
               </a:rPr>
               <a:pPr/>
-              <a:t>8</a:t>
+              <a:t>10</a:t>
             </a:fld>
             <a:endParaRPr lang="en-US" dirty="0">
               <a:solidFill>
@@ -1459,7 +1487,7 @@
     </p:spTree>
     <p:extLst>
       <p:ext uri="{BB962C8B-B14F-4D97-AF65-F5344CB8AC3E}">
-        <p14:creationId xmlns:p14="http://schemas.microsoft.com/office/powerpoint/2010/main" val="965247819"/>
+        <p14:creationId xmlns:p14="http://schemas.microsoft.com/office/powerpoint/2010/main" val="233007543"/>
       </p:ext>
     </p:extLst>
   </p:cSld>
@@ -1513,28 +1541,7 @@
           <a:bodyPr/>
           <a:lstStyle/>
           <a:p>
-            <a:pPr marL="8335" marR="0" lvl="0" indent="-8335" algn="l" defTabSz="914400" rtl="0" eaLnBrk="1" fontAlgn="auto" latinLnBrk="0" hangingPunct="1">
-              <a:lnSpc>
-                <a:spcPct val="100000"/>
-              </a:lnSpc>
-              <a:spcBef>
-                <a:spcPts val="0"/>
-              </a:spcBef>
-              <a:spcAft>
-                <a:spcPts val="0"/>
-              </a:spcAft>
-              <a:buClrTx/>
-              <a:buSzPct val="25000"/>
-              <a:buFontTx/>
-              <a:buNone/>
-              <a:tabLst/>
-              <a:defRPr/>
-            </a:pPr>
-            <a:endParaRPr lang="en-US" altLang="ja-JP" sz="2000" dirty="0" smtClean="0">
-              <a:latin typeface="Arial" charset="0"/>
-              <a:ea typeface="Arial" charset="0"/>
-              <a:cs typeface="Arial" charset="0"/>
-            </a:endParaRPr>
+            <a:endParaRPr kumimoji="1" lang="ja-JP" altLang="en-US" dirty="0"/>
           </a:p>
         </p:txBody>
       </p:sp>
@@ -1554,26 +1561,17 @@
           <a:lstStyle/>
           <a:p>
             <a:fld id="{4CF00E19-F562-4142-A0E8-E8BCB60B6EB5}" type="slidenum">
-              <a:rPr lang="en-US" smtClean="0">
-                <a:solidFill>
-                  <a:prstClr val="black"/>
-                </a:solidFill>
-              </a:rPr>
-              <a:pPr/>
-              <a:t>11</a:t>
+              <a:rPr lang="en-US" smtClean="0"/>
+              <a:t>14</a:t>
             </a:fld>
-            <a:endParaRPr lang="en-US" dirty="0">
-              <a:solidFill>
-                <a:prstClr val="black"/>
-              </a:solidFill>
-            </a:endParaRPr>
+            <a:endParaRPr lang="en-US" dirty="0"/>
           </a:p>
         </p:txBody>
       </p:sp>
     </p:spTree>
     <p:extLst>
       <p:ext uri="{BB962C8B-B14F-4D97-AF65-F5344CB8AC3E}">
-        <p14:creationId xmlns:p14="http://schemas.microsoft.com/office/powerpoint/2010/main" val="233007543"/>
+        <p14:creationId xmlns:p14="http://schemas.microsoft.com/office/powerpoint/2010/main" val="697546737"/>
       </p:ext>
     </p:extLst>
   </p:cSld>
@@ -3084,7 +3082,7 @@
           <a:p>
             <a:fld id="{0AB07F87-E0B4-8949-A90A-54340C823909}" type="datetimeFigureOut">
               <a:rPr kumimoji="1" lang="ja-JP" altLang="en-US" smtClean="0"/>
-              <a:t>2017/3/15</a:t>
+              <a:t>2017/3/17</a:t>
             </a:fld>
             <a:endParaRPr kumimoji="1" lang="ja-JP" altLang="en-US"/>
           </a:p>
@@ -3555,448 +3553,6 @@
 </file>
 
 <file path=ppt/slides/slide10.xml><?xml version="1.0" encoding="utf-8"?>
-<p:sld xmlns:a="http://schemas.openxmlformats.org/drawingml/2006/main" xmlns:r="http://schemas.openxmlformats.org/officeDocument/2006/relationships" xmlns:p="http://schemas.openxmlformats.org/presentationml/2006/main">
-  <p:cSld>
-    <p:spTree>
-      <p:nvGrpSpPr>
-        <p:cNvPr id="1" name=""/>
-        <p:cNvGrpSpPr/>
-        <p:nvPr/>
-      </p:nvGrpSpPr>
-      <p:grpSpPr>
-        <a:xfrm>
-          <a:off x="0" y="0"/>
-          <a:ext cx="0" cy="0"/>
-          <a:chOff x="0" y="0"/>
-          <a:chExt cx="0" cy="0"/>
-        </a:xfrm>
-      </p:grpSpPr>
-      <p:sp>
-        <p:nvSpPr>
-          <p:cNvPr id="2" name="Title 1"/>
-          <p:cNvSpPr>
-            <a:spLocks noGrp="1"/>
-          </p:cNvSpPr>
-          <p:nvPr>
-            <p:ph type="title"/>
-          </p:nvPr>
-        </p:nvSpPr>
-        <p:spPr>
-          <a:xfrm>
-            <a:off x="322023" y="328628"/>
-            <a:ext cx="11426632" cy="605294"/>
-          </a:xfrm>
-        </p:spPr>
-        <p:txBody>
-          <a:bodyPr/>
-          <a:lstStyle/>
-          <a:p>
-            <a:r>
-              <a:rPr kumimoji="1" lang="en-US" altLang="ja-JP" sz="3600" b="1" dirty="0" smtClean="0">
-                <a:solidFill>
-                  <a:srgbClr val="00B0F0"/>
-                </a:solidFill>
-                <a:latin typeface="Arial" charset="0"/>
-                <a:ea typeface="Arial" charset="0"/>
-                <a:cs typeface="Arial" charset="0"/>
-              </a:rPr>
-              <a:t>Persona</a:t>
-            </a:r>
-            <a:endParaRPr kumimoji="1" lang="ja-JP" altLang="en-US" sz="2933" b="1" dirty="0">
-              <a:solidFill>
-                <a:srgbClr val="00B0F0"/>
-              </a:solidFill>
-              <a:latin typeface="Arial" charset="0"/>
-              <a:ea typeface="Arial" charset="0"/>
-              <a:cs typeface="Arial" charset="0"/>
-            </a:endParaRPr>
-          </a:p>
-        </p:txBody>
-      </p:sp>
-      <p:sp>
-        <p:nvSpPr>
-          <p:cNvPr id="5" name="Text Placeholder 3"/>
-          <p:cNvSpPr>
-            <a:spLocks noGrp="1"/>
-          </p:cNvSpPr>
-          <p:nvPr>
-            <p:ph type="body" sz="quarter" idx="11"/>
-          </p:nvPr>
-        </p:nvSpPr>
-        <p:spPr>
-          <a:xfrm>
-            <a:off x="322023" y="2952711"/>
-            <a:ext cx="5859321" cy="3200876"/>
-          </a:xfrm>
-        </p:spPr>
-        <p:txBody>
-          <a:bodyPr/>
-          <a:lstStyle/>
-          <a:p>
-            <a:pPr marL="0" indent="0">
-              <a:buNone/>
-            </a:pPr>
-            <a:r>
-              <a:rPr lang="en-US" altLang="ja-JP" sz="2000" b="1" dirty="0">
-                <a:solidFill>
-                  <a:schemeClr val="tx1"/>
-                </a:solidFill>
-                <a:latin typeface="Arial" charset="0"/>
-                <a:ea typeface="Arial" charset="0"/>
-                <a:cs typeface="Arial" charset="0"/>
-              </a:rPr>
-              <a:t>in-house Developers in </a:t>
-            </a:r>
-            <a:r>
-              <a:rPr lang="en-US" altLang="ja-JP" sz="2000" b="1" dirty="0" smtClean="0">
-                <a:solidFill>
-                  <a:schemeClr val="tx1"/>
-                </a:solidFill>
-                <a:latin typeface="Arial" charset="0"/>
-                <a:ea typeface="Arial" charset="0"/>
-                <a:cs typeface="Arial" charset="0"/>
-              </a:rPr>
-              <a:t>larger companies:</a:t>
-            </a:r>
-          </a:p>
-          <a:p>
-            <a:pPr marL="0" indent="0">
-              <a:buNone/>
-            </a:pPr>
-            <a:r>
-              <a:rPr lang="en-US" altLang="ja-JP" dirty="0" smtClean="0">
-                <a:solidFill>
-                  <a:schemeClr val="tx1"/>
-                </a:solidFill>
-                <a:latin typeface="Arial" charset="0"/>
-                <a:ea typeface="Arial" charset="0"/>
-                <a:cs typeface="Arial" charset="0"/>
-              </a:rPr>
-              <a:t>Who is </a:t>
-            </a:r>
-            <a:r>
-              <a:rPr lang="en-US" altLang="ja-JP" dirty="0">
-                <a:solidFill>
-                  <a:schemeClr val="tx1"/>
-                </a:solidFill>
-                <a:latin typeface="Arial" charset="0"/>
-                <a:ea typeface="Arial" charset="0"/>
-                <a:cs typeface="Arial" charset="0"/>
-              </a:rPr>
-              <a:t>involved in the innovation, design, coding, testing and maintenance for both front-end and back-end development depending on the needs and resources of a project</a:t>
-            </a:r>
-            <a:r>
-              <a:rPr lang="en-US" altLang="ja-JP" dirty="0" smtClean="0">
-                <a:solidFill>
-                  <a:schemeClr val="tx1"/>
-                </a:solidFill>
-                <a:latin typeface="Arial" charset="0"/>
-                <a:ea typeface="Arial" charset="0"/>
-                <a:cs typeface="Arial" charset="0"/>
-              </a:rPr>
-              <a:t>.</a:t>
-            </a:r>
-          </a:p>
-          <a:p>
-            <a:pPr marL="0" indent="0">
-              <a:buNone/>
-            </a:pPr>
-            <a:r>
-              <a:rPr lang="en-US" altLang="ja-JP" dirty="0" smtClean="0">
-                <a:solidFill>
-                  <a:schemeClr val="tx1"/>
-                </a:solidFill>
-                <a:latin typeface="Arial" charset="0"/>
-                <a:ea typeface="Arial" charset="0"/>
-                <a:cs typeface="Arial" charset="0"/>
-              </a:rPr>
-              <a:t>He </a:t>
-            </a:r>
-            <a:r>
-              <a:rPr lang="en-US" altLang="ja-JP" dirty="0">
-                <a:solidFill>
-                  <a:schemeClr val="tx1"/>
-                </a:solidFill>
-                <a:latin typeface="Arial" charset="0"/>
-                <a:ea typeface="Arial" charset="0"/>
-                <a:cs typeface="Arial" charset="0"/>
-              </a:rPr>
-              <a:t>mainly codes in C# or Java for customer-facing applications. He also uses HTML/CSS, JavaScript, and some PHP for smaller web or mobile projects. Nick also integrates with back-end web-services, APIs, legacy applications, databases and packaged </a:t>
-            </a:r>
-            <a:r>
-              <a:rPr lang="en-US" altLang="ja-JP" dirty="0" smtClean="0">
-                <a:solidFill>
-                  <a:schemeClr val="tx1"/>
-                </a:solidFill>
-                <a:latin typeface="Arial" charset="0"/>
-                <a:ea typeface="Arial" charset="0"/>
-                <a:cs typeface="Arial" charset="0"/>
-              </a:rPr>
-              <a:t>applications.</a:t>
-            </a:r>
-          </a:p>
-          <a:p>
-            <a:pPr marL="0" indent="0">
-              <a:buNone/>
-            </a:pPr>
-            <a:r>
-              <a:rPr lang="en-US" altLang="ja-JP" dirty="0" smtClean="0">
-                <a:solidFill>
-                  <a:schemeClr val="tx1"/>
-                </a:solidFill>
-                <a:latin typeface="Arial" charset="0"/>
-                <a:ea typeface="Arial" charset="0"/>
-                <a:cs typeface="Arial" charset="0"/>
-              </a:rPr>
-              <a:t>He </a:t>
-            </a:r>
-            <a:r>
-              <a:rPr lang="en-US" altLang="ja-JP" dirty="0">
-                <a:solidFill>
-                  <a:schemeClr val="tx1"/>
-                </a:solidFill>
-                <a:latin typeface="Arial" charset="0"/>
-                <a:ea typeface="Arial" charset="0"/>
-                <a:cs typeface="Arial" charset="0"/>
-              </a:rPr>
-              <a:t>wants to get work done quickly and with minimal interruptions. He wants tools that allow more effective collaboration and communication</a:t>
-            </a:r>
-            <a:r>
-              <a:rPr lang="en-US" altLang="ja-JP" dirty="0" smtClean="0">
-                <a:solidFill>
-                  <a:schemeClr val="tx1"/>
-                </a:solidFill>
-                <a:latin typeface="Arial" charset="0"/>
-                <a:ea typeface="Arial" charset="0"/>
-                <a:cs typeface="Arial" charset="0"/>
-              </a:rPr>
-              <a:t>.</a:t>
-            </a:r>
-          </a:p>
-        </p:txBody>
-      </p:sp>
-      <p:sp>
-        <p:nvSpPr>
-          <p:cNvPr id="18" name="Text Placeholder 3"/>
-          <p:cNvSpPr>
-            <a:spLocks noGrp="1"/>
-          </p:cNvSpPr>
-          <p:nvPr>
-            <p:ph type="body" sz="quarter" idx="12"/>
-          </p:nvPr>
-        </p:nvSpPr>
-        <p:spPr>
-          <a:xfrm>
-            <a:off x="6940362" y="2952711"/>
-            <a:ext cx="5093141" cy="3816429"/>
-          </a:xfrm>
-        </p:spPr>
-        <p:txBody>
-          <a:bodyPr/>
-          <a:lstStyle/>
-          <a:p>
-            <a:pPr marL="0" indent="0">
-              <a:lnSpc>
-                <a:spcPct val="100000"/>
-              </a:lnSpc>
-              <a:buNone/>
-            </a:pPr>
-            <a:r>
-              <a:rPr lang="en-US" altLang="ja-JP" sz="1800" b="1" dirty="0">
-                <a:solidFill>
-                  <a:schemeClr val="tx1"/>
-                </a:solidFill>
-                <a:latin typeface="Arial" charset="0"/>
-                <a:ea typeface="Arial" charset="0"/>
-                <a:cs typeface="Arial" charset="0"/>
-              </a:rPr>
-              <a:t>Client Challenges </a:t>
-            </a:r>
-            <a:endParaRPr lang="en-US" altLang="ja-JP" sz="1800" dirty="0">
-              <a:solidFill>
-                <a:schemeClr val="tx1"/>
-              </a:solidFill>
-              <a:latin typeface="Arial" charset="0"/>
-              <a:ea typeface="Arial" charset="0"/>
-              <a:cs typeface="Arial" charset="0"/>
-            </a:endParaRPr>
-          </a:p>
-          <a:p>
-            <a:pPr marL="285750" indent="-285750">
-              <a:lnSpc>
-                <a:spcPct val="100000"/>
-              </a:lnSpc>
-              <a:buFont typeface="Wingdings" charset="2"/>
-              <a:buChar char="p"/>
-            </a:pPr>
-            <a:r>
-              <a:rPr lang="en-US" altLang="ja-JP" sz="1600" dirty="0">
-                <a:solidFill>
-                  <a:schemeClr val="tx1"/>
-                </a:solidFill>
-                <a:latin typeface="Arial" charset="0"/>
-                <a:ea typeface="Arial" charset="0"/>
-                <a:cs typeface="Arial" charset="0"/>
-              </a:rPr>
-              <a:t>Deal with delays and bottlenecks across the software delivery lifecycle, </a:t>
-            </a:r>
-            <a:r>
-              <a:rPr lang="en-US" altLang="ja-JP" sz="1600" dirty="0" smtClean="0">
-                <a:solidFill>
-                  <a:schemeClr val="tx1"/>
-                </a:solidFill>
-                <a:latin typeface="Arial" charset="0"/>
-                <a:ea typeface="Arial" charset="0"/>
-                <a:cs typeface="Arial" charset="0"/>
-              </a:rPr>
-              <a:t>achieve </a:t>
-            </a:r>
-            <a:r>
-              <a:rPr lang="en-US" altLang="ja-JP" sz="1600" dirty="0">
-                <a:solidFill>
-                  <a:schemeClr val="tx1"/>
-                </a:solidFill>
-                <a:latin typeface="Arial" charset="0"/>
-                <a:ea typeface="Arial" charset="0"/>
-                <a:cs typeface="Arial" charset="0"/>
-              </a:rPr>
-              <a:t>faster response times for defect analysis and </a:t>
-            </a:r>
-            <a:r>
-              <a:rPr lang="en-US" altLang="ja-JP" sz="1600" dirty="0" smtClean="0">
-                <a:solidFill>
-                  <a:schemeClr val="tx1"/>
-                </a:solidFill>
-                <a:latin typeface="Arial" charset="0"/>
-                <a:ea typeface="Arial" charset="0"/>
-                <a:cs typeface="Arial" charset="0"/>
-              </a:rPr>
-              <a:t>remediation.</a:t>
-            </a:r>
-            <a:endParaRPr lang="en-US" altLang="ja-JP" sz="1600" dirty="0">
-              <a:solidFill>
-                <a:schemeClr val="tx1"/>
-              </a:solidFill>
-              <a:latin typeface="Arial" charset="0"/>
-              <a:ea typeface="Arial" charset="0"/>
-              <a:cs typeface="Arial" charset="0"/>
-            </a:endParaRPr>
-          </a:p>
-          <a:p>
-            <a:pPr marL="285750" indent="-285750">
-              <a:lnSpc>
-                <a:spcPct val="100000"/>
-              </a:lnSpc>
-              <a:buFont typeface="Wingdings" charset="2"/>
-              <a:buChar char="p"/>
-            </a:pPr>
-            <a:r>
-              <a:rPr lang="en-US" altLang="ja-JP" sz="1600" dirty="0">
-                <a:solidFill>
-                  <a:schemeClr val="tx1"/>
-                </a:solidFill>
-                <a:latin typeface="Arial" charset="0"/>
-                <a:ea typeface="Arial" charset="0"/>
-                <a:cs typeface="Arial" charset="0"/>
-              </a:rPr>
-              <a:t>Communicate effectively with clients and co-workers; working remotely with colleagues.</a:t>
-            </a:r>
-          </a:p>
-          <a:p>
-            <a:pPr marL="285750" indent="-285750">
-              <a:lnSpc>
-                <a:spcPct val="100000"/>
-              </a:lnSpc>
-              <a:buFont typeface="Wingdings" charset="2"/>
-              <a:buChar char="p"/>
-            </a:pPr>
-            <a:r>
-              <a:rPr lang="en-US" altLang="ja-JP" sz="1600" dirty="0">
-                <a:solidFill>
-                  <a:schemeClr val="tx1"/>
-                </a:solidFill>
-                <a:latin typeface="Arial" charset="0"/>
-                <a:ea typeface="Arial" charset="0"/>
-                <a:cs typeface="Arial" charset="0"/>
-              </a:rPr>
-              <a:t>Work with multiple tools across multiple projects.</a:t>
-            </a:r>
-            <a:endParaRPr lang="en-US" altLang="ja-JP" sz="1600" dirty="0" smtClean="0">
-              <a:solidFill>
-                <a:schemeClr val="tx1"/>
-              </a:solidFill>
-              <a:latin typeface="Arial" charset="0"/>
-              <a:ea typeface="Arial" charset="0"/>
-              <a:cs typeface="Arial" charset="0"/>
-            </a:endParaRPr>
-          </a:p>
-          <a:p>
-            <a:pPr marL="285750" indent="-285750">
-              <a:lnSpc>
-                <a:spcPct val="100000"/>
-              </a:lnSpc>
-              <a:buFont typeface="Wingdings" charset="2"/>
-              <a:buChar char="p"/>
-            </a:pPr>
-            <a:r>
-              <a:rPr lang="en-US" altLang="ja-JP" sz="1600" dirty="0">
-                <a:solidFill>
-                  <a:schemeClr val="tx1"/>
-                </a:solidFill>
-                <a:latin typeface="Arial" charset="0"/>
-                <a:ea typeface="Arial" charset="0"/>
-                <a:cs typeface="Arial" charset="0"/>
-              </a:rPr>
-              <a:t>Keep things in-sync across multiple projects.</a:t>
-            </a:r>
-          </a:p>
-        </p:txBody>
-      </p:sp>
-      <p:pic>
-        <p:nvPicPr>
-          <p:cNvPr id="3" name="図 2"/>
-          <p:cNvPicPr>
-            <a:picLocks noChangeAspect="1"/>
-          </p:cNvPicPr>
-          <p:nvPr/>
-        </p:nvPicPr>
-        <p:blipFill>
-          <a:blip r:embed="rId2"/>
-          <a:stretch>
-            <a:fillRect/>
-          </a:stretch>
-        </p:blipFill>
-        <p:spPr>
-          <a:xfrm>
-            <a:off x="322023" y="1152977"/>
-            <a:ext cx="1896813" cy="1580678"/>
-          </a:xfrm>
-          <a:prstGeom prst="rect">
-            <a:avLst/>
-          </a:prstGeom>
-        </p:spPr>
-      </p:pic>
-    </p:spTree>
-    <p:extLst>
-      <p:ext uri="{BB962C8B-B14F-4D97-AF65-F5344CB8AC3E}">
-        <p14:creationId xmlns:p14="http://schemas.microsoft.com/office/powerpoint/2010/main" val="1854431012"/>
-      </p:ext>
-    </p:extLst>
-  </p:cSld>
-  <p:clrMapOvr>
-    <a:masterClrMapping/>
-  </p:clrMapOvr>
-  <p:timing>
-    <p:tnLst>
-      <p:par>
-        <p:cTn id="1" dur="indefinite" restart="never" nodeType="tmRoot"/>
-      </p:par>
-    </p:tnLst>
-  </p:timing>
-</p:sld>
-</file>
-
-<file path=ppt/slides/slide11.xml><?xml version="1.0" encoding="utf-8"?>
 <p:sld xmlns:a="http://schemas.openxmlformats.org/drawingml/2006/main" xmlns:r="http://schemas.openxmlformats.org/officeDocument/2006/relationships" xmlns:p="http://schemas.openxmlformats.org/presentationml/2006/main">
   <p:cSld>
     <p:spTree>
@@ -4689,7 +4245,1577 @@
 </p:sld>
 </file>
 
+<file path=ppt/slides/slide11.xml><?xml version="1.0" encoding="utf-8"?>
+<p:sld xmlns:a="http://schemas.openxmlformats.org/drawingml/2006/main" xmlns:r="http://schemas.openxmlformats.org/officeDocument/2006/relationships" xmlns:p="http://schemas.openxmlformats.org/presentationml/2006/main">
+  <p:cSld>
+    <p:spTree>
+      <p:nvGrpSpPr>
+        <p:cNvPr id="1" name=""/>
+        <p:cNvGrpSpPr/>
+        <p:nvPr/>
+      </p:nvGrpSpPr>
+      <p:grpSpPr>
+        <a:xfrm>
+          <a:off x="0" y="0"/>
+          <a:ext cx="0" cy="0"/>
+          <a:chOff x="0" y="0"/>
+          <a:chExt cx="0" cy="0"/>
+        </a:xfrm>
+      </p:grpSpPr>
+      <p:sp>
+        <p:nvSpPr>
+          <p:cNvPr id="2" name="Title 1"/>
+          <p:cNvSpPr>
+            <a:spLocks noGrp="1"/>
+          </p:cNvSpPr>
+          <p:nvPr>
+            <p:ph type="title"/>
+          </p:nvPr>
+        </p:nvSpPr>
+        <p:spPr>
+          <a:xfrm>
+            <a:off x="373063" y="281839"/>
+            <a:ext cx="11426632" cy="605294"/>
+          </a:xfrm>
+        </p:spPr>
+        <p:txBody>
+          <a:bodyPr/>
+          <a:lstStyle/>
+          <a:p>
+            <a:pPr lvl="1" algn="l" defTabSz="1219170" rtl="0">
+              <a:lnSpc>
+                <a:spcPts val="4000"/>
+              </a:lnSpc>
+              <a:spcBef>
+                <a:spcPct val="0"/>
+              </a:spcBef>
+            </a:pPr>
+            <a:r>
+              <a:rPr kumimoji="1" lang="en-US" altLang="ja-JP" sz="3600" b="1" dirty="0" smtClean="0">
+                <a:solidFill>
+                  <a:srgbClr val="00B0F0"/>
+                </a:solidFill>
+                <a:latin typeface="Arial" charset="0"/>
+                <a:ea typeface="Arial" charset="0"/>
+                <a:cs typeface="Arial" charset="0"/>
+              </a:rPr>
+              <a:t>Decision Making Process in Japan</a:t>
+            </a:r>
+          </a:p>
+        </p:txBody>
+      </p:sp>
+      <p:sp>
+        <p:nvSpPr>
+          <p:cNvPr id="64" name="TextBox 18"/>
+          <p:cNvSpPr txBox="1"/>
+          <p:nvPr/>
+        </p:nvSpPr>
+        <p:spPr>
+          <a:xfrm>
+            <a:off x="373063" y="1309138"/>
+            <a:ext cx="11558588" cy="1369606"/>
+          </a:xfrm>
+          <a:prstGeom prst="rect">
+            <a:avLst/>
+          </a:prstGeom>
+          <a:noFill/>
+          <a:ln>
+            <a:noFill/>
+          </a:ln>
+        </p:spPr>
+        <p:txBody>
+          <a:bodyPr wrap="square" lIns="0" tIns="0" rIns="0" bIns="0" rtlCol="0">
+            <a:spAutoFit/>
+          </a:bodyPr>
+          <a:lstStyle/>
+          <a:p>
+            <a:pPr marL="342891" indent="-342891">
+              <a:spcBef>
+                <a:spcPts val="600"/>
+              </a:spcBef>
+              <a:buFont typeface="Wingdings" panose="05000000000000000000" pitchFamily="2" charset="2"/>
+              <a:buChar char="p"/>
+            </a:pPr>
+            <a:r>
+              <a:rPr lang="en-US" altLang="ja-JP" sz="2100" kern="0" spc="-31" dirty="0">
+                <a:latin typeface="Arial" charset="0"/>
+                <a:ea typeface="Arial" charset="0"/>
+                <a:cs typeface="Arial" charset="0"/>
+              </a:rPr>
+              <a:t>In Japan Market, customers in IT organization of end users often does not have so rich knowledge about infrastructure as those in </a:t>
+            </a:r>
+            <a:r>
+              <a:rPr lang="en-US" altLang="ja-JP" sz="2100" kern="0" spc="-31" dirty="0" smtClean="0">
+                <a:latin typeface="Arial" charset="0"/>
+                <a:ea typeface="Arial" charset="0"/>
+                <a:cs typeface="Arial" charset="0"/>
+              </a:rPr>
+              <a:t>North America</a:t>
+            </a:r>
+            <a:endParaRPr lang="en-US" altLang="ja-JP" sz="2100" kern="0" spc="-31" dirty="0">
+              <a:latin typeface="Arial" charset="0"/>
+              <a:ea typeface="Arial" charset="0"/>
+              <a:cs typeface="Arial" charset="0"/>
+            </a:endParaRPr>
+          </a:p>
+          <a:p>
+            <a:pPr marL="342891" indent="-342891">
+              <a:spcBef>
+                <a:spcPts val="600"/>
+              </a:spcBef>
+              <a:buFont typeface="Wingdings" panose="05000000000000000000" pitchFamily="2" charset="2"/>
+              <a:buChar char="p"/>
+            </a:pPr>
+            <a:r>
+              <a:rPr lang="en-US" altLang="ja-JP" sz="2100" kern="0" spc="-31" dirty="0">
+                <a:latin typeface="Arial" charset="0"/>
+                <a:ea typeface="Arial" charset="0"/>
+                <a:cs typeface="Arial" charset="0"/>
+              </a:rPr>
+              <a:t>Strong IT vendors (including IBM) usually make a long-term contract (more than 5 years) and provided overall IT infrastructure management </a:t>
+            </a:r>
+            <a:r>
+              <a:rPr lang="en-US" altLang="ja-JP" sz="2100" kern="0" spc="-31" dirty="0" smtClean="0">
+                <a:latin typeface="Arial" charset="0"/>
+                <a:ea typeface="Arial" charset="0"/>
+                <a:cs typeface="Arial" charset="0"/>
+              </a:rPr>
+              <a:t>service</a:t>
+            </a:r>
+            <a:endParaRPr lang="ja-JP" altLang="en-US" sz="2100" kern="0" spc="-31" dirty="0" err="1">
+              <a:latin typeface="Arial" charset="0"/>
+              <a:ea typeface="Arial" charset="0"/>
+              <a:cs typeface="Arial" charset="0"/>
+            </a:endParaRPr>
+          </a:p>
+        </p:txBody>
+      </p:sp>
+      <p:grpSp>
+        <p:nvGrpSpPr>
+          <p:cNvPr id="65" name="Group 4"/>
+          <p:cNvGrpSpPr/>
+          <p:nvPr/>
+        </p:nvGrpSpPr>
+        <p:grpSpPr>
+          <a:xfrm>
+            <a:off x="8670930" y="5797992"/>
+            <a:ext cx="500063" cy="714371"/>
+            <a:chOff x="8075613" y="4343400"/>
+            <a:chExt cx="500063" cy="714370"/>
+          </a:xfrm>
+        </p:grpSpPr>
+        <p:sp>
+          <p:nvSpPr>
+            <p:cNvPr id="66" name="Oval 2"/>
+            <p:cNvSpPr/>
+            <p:nvPr/>
+          </p:nvSpPr>
+          <p:spPr>
+            <a:xfrm>
+              <a:off x="8129588" y="4343400"/>
+              <a:ext cx="371475" cy="371475"/>
+            </a:xfrm>
+            <a:prstGeom prst="ellipse">
+              <a:avLst/>
+            </a:prstGeom>
+            <a:solidFill>
+              <a:schemeClr val="tx1"/>
+            </a:solidFill>
+            <a:ln>
+              <a:solidFill>
+                <a:schemeClr val="tx1"/>
+              </a:solidFill>
+            </a:ln>
+            <a:effectLst/>
+          </p:spPr>
+          <p:style>
+            <a:lnRef idx="1">
+              <a:schemeClr val="accent1"/>
+            </a:lnRef>
+            <a:fillRef idx="3">
+              <a:schemeClr val="accent1"/>
+            </a:fillRef>
+            <a:effectRef idx="2">
+              <a:schemeClr val="accent1"/>
+            </a:effectRef>
+            <a:fontRef idx="minor">
+              <a:schemeClr val="lt1"/>
+            </a:fontRef>
+          </p:style>
+          <p:txBody>
+            <a:bodyPr rtlCol="0" anchor="ctr"/>
+            <a:lstStyle/>
+            <a:p>
+              <a:pPr algn="ctr"/>
+              <a:endParaRPr lang="ja-JP" altLang="en-US">
+                <a:solidFill>
+                  <a:prstClr val="white"/>
+                </a:solidFill>
+              </a:endParaRPr>
+            </a:p>
+          </p:txBody>
+        </p:sp>
+        <p:sp>
+          <p:nvSpPr>
+            <p:cNvPr id="67" name="Isosceles Triangle 3"/>
+            <p:cNvSpPr/>
+            <p:nvPr/>
+          </p:nvSpPr>
+          <p:spPr>
+            <a:xfrm>
+              <a:off x="8075613" y="4443408"/>
+              <a:ext cx="500063" cy="614362"/>
+            </a:xfrm>
+            <a:prstGeom prst="triangle">
+              <a:avLst/>
+            </a:prstGeom>
+            <a:solidFill>
+              <a:schemeClr val="tx1"/>
+            </a:solidFill>
+            <a:ln>
+              <a:noFill/>
+            </a:ln>
+            <a:effectLst/>
+          </p:spPr>
+          <p:style>
+            <a:lnRef idx="1">
+              <a:schemeClr val="accent1"/>
+            </a:lnRef>
+            <a:fillRef idx="3">
+              <a:schemeClr val="accent1"/>
+            </a:fillRef>
+            <a:effectRef idx="2">
+              <a:schemeClr val="accent1"/>
+            </a:effectRef>
+            <a:fontRef idx="minor">
+              <a:schemeClr val="lt1"/>
+            </a:fontRef>
+          </p:style>
+          <p:txBody>
+            <a:bodyPr rtlCol="0" anchor="ctr"/>
+            <a:lstStyle/>
+            <a:p>
+              <a:pPr algn="ctr"/>
+              <a:endParaRPr lang="ja-JP" altLang="en-US">
+                <a:solidFill>
+                  <a:prstClr val="white"/>
+                </a:solidFill>
+              </a:endParaRPr>
+            </a:p>
+          </p:txBody>
+        </p:sp>
+      </p:grpSp>
+      <p:grpSp>
+        <p:nvGrpSpPr>
+          <p:cNvPr id="68" name="Group 6"/>
+          <p:cNvGrpSpPr/>
+          <p:nvPr/>
+        </p:nvGrpSpPr>
+        <p:grpSpPr>
+          <a:xfrm>
+            <a:off x="8670931" y="4283515"/>
+            <a:ext cx="500063" cy="714371"/>
+            <a:chOff x="8075613" y="4343400"/>
+            <a:chExt cx="500063" cy="714370"/>
+          </a:xfrm>
+        </p:grpSpPr>
+        <p:sp>
+          <p:nvSpPr>
+            <p:cNvPr id="69" name="Oval 7"/>
+            <p:cNvSpPr/>
+            <p:nvPr/>
+          </p:nvSpPr>
+          <p:spPr>
+            <a:xfrm>
+              <a:off x="8129588" y="4343400"/>
+              <a:ext cx="371475" cy="371475"/>
+            </a:xfrm>
+            <a:prstGeom prst="ellipse">
+              <a:avLst/>
+            </a:prstGeom>
+            <a:solidFill>
+              <a:schemeClr val="tx1"/>
+            </a:solidFill>
+            <a:ln>
+              <a:solidFill>
+                <a:schemeClr val="tx1"/>
+              </a:solidFill>
+            </a:ln>
+            <a:effectLst/>
+          </p:spPr>
+          <p:style>
+            <a:lnRef idx="1">
+              <a:schemeClr val="accent1"/>
+            </a:lnRef>
+            <a:fillRef idx="3">
+              <a:schemeClr val="accent1"/>
+            </a:fillRef>
+            <a:effectRef idx="2">
+              <a:schemeClr val="accent1"/>
+            </a:effectRef>
+            <a:fontRef idx="minor">
+              <a:schemeClr val="lt1"/>
+            </a:fontRef>
+          </p:style>
+          <p:txBody>
+            <a:bodyPr rtlCol="0" anchor="ctr"/>
+            <a:lstStyle/>
+            <a:p>
+              <a:pPr algn="ctr"/>
+              <a:endParaRPr lang="ja-JP" altLang="en-US">
+                <a:solidFill>
+                  <a:prstClr val="white"/>
+                </a:solidFill>
+              </a:endParaRPr>
+            </a:p>
+          </p:txBody>
+        </p:sp>
+        <p:sp>
+          <p:nvSpPr>
+            <p:cNvPr id="70" name="Isosceles Triangle 8"/>
+            <p:cNvSpPr/>
+            <p:nvPr/>
+          </p:nvSpPr>
+          <p:spPr>
+            <a:xfrm>
+              <a:off x="8075613" y="4443408"/>
+              <a:ext cx="500063" cy="614362"/>
+            </a:xfrm>
+            <a:prstGeom prst="triangle">
+              <a:avLst/>
+            </a:prstGeom>
+            <a:solidFill>
+              <a:schemeClr val="tx1"/>
+            </a:solidFill>
+            <a:ln>
+              <a:noFill/>
+            </a:ln>
+            <a:effectLst/>
+          </p:spPr>
+          <p:style>
+            <a:lnRef idx="1">
+              <a:schemeClr val="accent1"/>
+            </a:lnRef>
+            <a:fillRef idx="3">
+              <a:schemeClr val="accent1"/>
+            </a:fillRef>
+            <a:effectRef idx="2">
+              <a:schemeClr val="accent1"/>
+            </a:effectRef>
+            <a:fontRef idx="minor">
+              <a:schemeClr val="lt1"/>
+            </a:fontRef>
+          </p:style>
+          <p:txBody>
+            <a:bodyPr rtlCol="0" anchor="ctr"/>
+            <a:lstStyle/>
+            <a:p>
+              <a:pPr algn="ctr"/>
+              <a:endParaRPr lang="ja-JP" altLang="en-US">
+                <a:solidFill>
+                  <a:prstClr val="white"/>
+                </a:solidFill>
+              </a:endParaRPr>
+            </a:p>
+          </p:txBody>
+        </p:sp>
+      </p:grpSp>
+      <p:grpSp>
+        <p:nvGrpSpPr>
+          <p:cNvPr id="71" name="Group 9"/>
+          <p:cNvGrpSpPr/>
+          <p:nvPr/>
+        </p:nvGrpSpPr>
+        <p:grpSpPr>
+          <a:xfrm>
+            <a:off x="8670930" y="2803917"/>
+            <a:ext cx="500063" cy="714371"/>
+            <a:chOff x="8075613" y="4343400"/>
+            <a:chExt cx="500063" cy="714370"/>
+          </a:xfrm>
+        </p:grpSpPr>
+        <p:sp>
+          <p:nvSpPr>
+            <p:cNvPr id="72" name="Oval 10"/>
+            <p:cNvSpPr/>
+            <p:nvPr/>
+          </p:nvSpPr>
+          <p:spPr>
+            <a:xfrm>
+              <a:off x="8129588" y="4343400"/>
+              <a:ext cx="371475" cy="371475"/>
+            </a:xfrm>
+            <a:prstGeom prst="ellipse">
+              <a:avLst/>
+            </a:prstGeom>
+            <a:solidFill>
+              <a:schemeClr val="tx1"/>
+            </a:solidFill>
+            <a:ln>
+              <a:solidFill>
+                <a:schemeClr val="tx1"/>
+              </a:solidFill>
+            </a:ln>
+            <a:effectLst/>
+          </p:spPr>
+          <p:style>
+            <a:lnRef idx="1">
+              <a:schemeClr val="accent1"/>
+            </a:lnRef>
+            <a:fillRef idx="3">
+              <a:schemeClr val="accent1"/>
+            </a:fillRef>
+            <a:effectRef idx="2">
+              <a:schemeClr val="accent1"/>
+            </a:effectRef>
+            <a:fontRef idx="minor">
+              <a:schemeClr val="lt1"/>
+            </a:fontRef>
+          </p:style>
+          <p:txBody>
+            <a:bodyPr rtlCol="0" anchor="ctr"/>
+            <a:lstStyle/>
+            <a:p>
+              <a:pPr algn="ctr"/>
+              <a:endParaRPr lang="ja-JP" altLang="en-US">
+                <a:solidFill>
+                  <a:prstClr val="white"/>
+                </a:solidFill>
+              </a:endParaRPr>
+            </a:p>
+          </p:txBody>
+        </p:sp>
+        <p:sp>
+          <p:nvSpPr>
+            <p:cNvPr id="73" name="Isosceles Triangle 11"/>
+            <p:cNvSpPr/>
+            <p:nvPr/>
+          </p:nvSpPr>
+          <p:spPr>
+            <a:xfrm>
+              <a:off x="8075613" y="4443408"/>
+              <a:ext cx="500063" cy="614362"/>
+            </a:xfrm>
+            <a:prstGeom prst="triangle">
+              <a:avLst/>
+            </a:prstGeom>
+            <a:solidFill>
+              <a:schemeClr val="tx1"/>
+            </a:solidFill>
+            <a:ln>
+              <a:noFill/>
+            </a:ln>
+            <a:effectLst/>
+          </p:spPr>
+          <p:style>
+            <a:lnRef idx="1">
+              <a:schemeClr val="accent1"/>
+            </a:lnRef>
+            <a:fillRef idx="3">
+              <a:schemeClr val="accent1"/>
+            </a:fillRef>
+            <a:effectRef idx="2">
+              <a:schemeClr val="accent1"/>
+            </a:effectRef>
+            <a:fontRef idx="minor">
+              <a:schemeClr val="lt1"/>
+            </a:fontRef>
+          </p:style>
+          <p:txBody>
+            <a:bodyPr rtlCol="0" anchor="ctr"/>
+            <a:lstStyle/>
+            <a:p>
+              <a:pPr algn="ctr"/>
+              <a:endParaRPr lang="ja-JP" altLang="en-US">
+                <a:solidFill>
+                  <a:prstClr val="white"/>
+                </a:solidFill>
+              </a:endParaRPr>
+            </a:p>
+          </p:txBody>
+        </p:sp>
+      </p:grpSp>
+      <p:pic>
+        <p:nvPicPr>
+          <p:cNvPr id="74" name="Picture 12"/>
+          <p:cNvPicPr>
+            <a:picLocks noChangeAspect="1"/>
+          </p:cNvPicPr>
+          <p:nvPr/>
+        </p:nvPicPr>
+        <p:blipFill>
+          <a:blip r:embed="rId2" cstate="print">
+            <a:extLst>
+              <a:ext uri="{28A0092B-C50C-407E-A947-70E740481C1C}">
+                <a14:useLocalDpi xmlns:a14="http://schemas.microsoft.com/office/drawing/2010/main" val="0"/>
+              </a:ext>
+            </a:extLst>
+          </a:blip>
+          <a:stretch>
+            <a:fillRect/>
+          </a:stretch>
+        </p:blipFill>
+        <p:spPr>
+          <a:xfrm>
+            <a:off x="9884577" y="4102017"/>
+            <a:ext cx="2047075" cy="1151479"/>
+          </a:xfrm>
+          <a:prstGeom prst="rect">
+            <a:avLst/>
+          </a:prstGeom>
+        </p:spPr>
+      </p:pic>
+      <p:sp>
+        <p:nvSpPr>
+          <p:cNvPr id="75" name="TextBox 13"/>
+          <p:cNvSpPr txBox="1"/>
+          <p:nvPr/>
+        </p:nvSpPr>
+        <p:spPr>
+          <a:xfrm>
+            <a:off x="517988" y="3170916"/>
+            <a:ext cx="6684963" cy="2800767"/>
+          </a:xfrm>
+          <a:prstGeom prst="rect">
+            <a:avLst/>
+          </a:prstGeom>
+          <a:noFill/>
+          <a:ln>
+            <a:noFill/>
+          </a:ln>
+        </p:spPr>
+        <p:txBody>
+          <a:bodyPr wrap="square" lIns="0" tIns="0" rIns="0" bIns="0" rtlCol="0">
+            <a:spAutoFit/>
+          </a:bodyPr>
+          <a:lstStyle/>
+          <a:p>
+            <a:pPr marL="342891" indent="-342891">
+              <a:spcBef>
+                <a:spcPts val="900"/>
+              </a:spcBef>
+              <a:buFont typeface="Wingdings" charset="2"/>
+              <a:buChar char="l"/>
+            </a:pPr>
+            <a:r>
+              <a:rPr lang="en-US" altLang="ja-JP" kern="0" spc="-31" dirty="0">
+                <a:latin typeface="Arial" charset="0"/>
+                <a:ea typeface="Arial" charset="0"/>
+                <a:cs typeface="Arial" charset="0"/>
+              </a:rPr>
+              <a:t>IT member and manager in the end customer often do not have a clear authorization to make investment decision.</a:t>
+            </a:r>
+          </a:p>
+          <a:p>
+            <a:pPr marL="342891" indent="-342891">
+              <a:spcBef>
+                <a:spcPts val="900"/>
+              </a:spcBef>
+              <a:buFont typeface="Wingdings" charset="2"/>
+              <a:buChar char="l"/>
+            </a:pPr>
+            <a:r>
+              <a:rPr lang="en-US" altLang="ja-JP" kern="0" spc="-31" dirty="0">
+                <a:latin typeface="Arial" charset="0"/>
+                <a:ea typeface="Arial" charset="0"/>
+                <a:cs typeface="Arial" charset="0"/>
+              </a:rPr>
+              <a:t>“Consensus” in the organization is very important when they decide to invest money for IT Infra.</a:t>
+            </a:r>
+          </a:p>
+          <a:p>
+            <a:pPr marL="342891" indent="-342891">
+              <a:spcBef>
+                <a:spcPts val="900"/>
+              </a:spcBef>
+              <a:buFont typeface="Wingdings" charset="2"/>
+              <a:buChar char="l"/>
+            </a:pPr>
+            <a:r>
+              <a:rPr lang="en-US" altLang="ja-JP" kern="0" spc="-31" dirty="0">
+                <a:latin typeface="Arial" charset="0"/>
+                <a:ea typeface="Arial" charset="0"/>
+                <a:cs typeface="Arial" charset="0"/>
+              </a:rPr>
+              <a:t>Not all IT managers have specific infrastructure knowledge. In case, their main R&amp;R is to manage outsourcing vendor.</a:t>
+            </a:r>
+          </a:p>
+          <a:p>
+            <a:pPr marL="342891" indent="-342891">
+              <a:spcBef>
+                <a:spcPts val="600"/>
+              </a:spcBef>
+              <a:buFont typeface="Wingdings" charset="2"/>
+              <a:buChar char="l"/>
+            </a:pPr>
+            <a:r>
+              <a:rPr lang="en-US" altLang="ja-JP" kern="0" spc="-31" dirty="0">
+                <a:latin typeface="Arial" charset="0"/>
+                <a:ea typeface="Arial" charset="0"/>
+                <a:cs typeface="Arial" charset="0"/>
+              </a:rPr>
+              <a:t>IT vendors have a stronger power in the process of IT infrastructure purchase decision than </a:t>
+            </a:r>
+            <a:r>
+              <a:rPr lang="en-US" altLang="ja-JP" kern="0" spc="-31" dirty="0" smtClean="0">
+                <a:latin typeface="Arial" charset="0"/>
+                <a:ea typeface="Arial" charset="0"/>
+                <a:cs typeface="Arial" charset="0"/>
+              </a:rPr>
+              <a:t>North America, </a:t>
+            </a:r>
+            <a:r>
+              <a:rPr lang="en-US" altLang="ja-JP" kern="0" spc="-31" dirty="0">
+                <a:latin typeface="Arial" charset="0"/>
+                <a:ea typeface="Arial" charset="0"/>
+                <a:cs typeface="Arial" charset="0"/>
+              </a:rPr>
+              <a:t>because specific knowledge are in their organization, not end </a:t>
+            </a:r>
+            <a:r>
+              <a:rPr lang="en-US" altLang="ja-JP" kern="0" spc="-31" dirty="0" smtClean="0">
+                <a:latin typeface="Arial" charset="0"/>
+                <a:ea typeface="Arial" charset="0"/>
+                <a:cs typeface="Arial" charset="0"/>
+              </a:rPr>
+              <a:t>users.</a:t>
+            </a:r>
+            <a:endParaRPr lang="en-US" altLang="ja-JP" kern="0" spc="-31" dirty="0">
+              <a:latin typeface="Arial" charset="0"/>
+              <a:ea typeface="Arial" charset="0"/>
+              <a:cs typeface="Arial" charset="0"/>
+            </a:endParaRPr>
+          </a:p>
+        </p:txBody>
+      </p:sp>
+      <p:cxnSp>
+        <p:nvCxnSpPr>
+          <p:cNvPr id="76" name="Straight Arrow Connector 15"/>
+          <p:cNvCxnSpPr/>
+          <p:nvPr/>
+        </p:nvCxnSpPr>
+        <p:spPr>
+          <a:xfrm flipV="1">
+            <a:off x="8927875" y="3614059"/>
+            <a:ext cx="0" cy="516984"/>
+          </a:xfrm>
+          <a:prstGeom prst="straightConnector1">
+            <a:avLst/>
+          </a:prstGeom>
+          <a:ln>
+            <a:solidFill>
+              <a:schemeClr val="tx1"/>
+            </a:solidFill>
+            <a:tailEnd type="triangle"/>
+          </a:ln>
+        </p:spPr>
+        <p:style>
+          <a:lnRef idx="2">
+            <a:schemeClr val="accent1"/>
+          </a:lnRef>
+          <a:fillRef idx="0">
+            <a:schemeClr val="accent1"/>
+          </a:fillRef>
+          <a:effectRef idx="1">
+            <a:schemeClr val="accent1"/>
+          </a:effectRef>
+          <a:fontRef idx="minor">
+            <a:schemeClr val="tx1"/>
+          </a:fontRef>
+        </p:style>
+      </p:cxnSp>
+      <p:cxnSp>
+        <p:nvCxnSpPr>
+          <p:cNvPr id="77" name="Straight Arrow Connector 17"/>
+          <p:cNvCxnSpPr/>
+          <p:nvPr/>
+        </p:nvCxnSpPr>
+        <p:spPr>
+          <a:xfrm flipV="1">
+            <a:off x="8927875" y="5108349"/>
+            <a:ext cx="0" cy="516984"/>
+          </a:xfrm>
+          <a:prstGeom prst="straightConnector1">
+            <a:avLst/>
+          </a:prstGeom>
+          <a:ln>
+            <a:solidFill>
+              <a:schemeClr val="tx1"/>
+            </a:solidFill>
+            <a:tailEnd type="triangle"/>
+          </a:ln>
+        </p:spPr>
+        <p:style>
+          <a:lnRef idx="2">
+            <a:schemeClr val="accent1"/>
+          </a:lnRef>
+          <a:fillRef idx="0">
+            <a:schemeClr val="accent1"/>
+          </a:fillRef>
+          <a:effectRef idx="1">
+            <a:schemeClr val="accent1"/>
+          </a:effectRef>
+          <a:fontRef idx="minor">
+            <a:schemeClr val="tx1"/>
+          </a:fontRef>
+        </p:style>
+      </p:cxnSp>
+      <p:sp>
+        <p:nvSpPr>
+          <p:cNvPr id="78" name="TextBox 16"/>
+          <p:cNvSpPr txBox="1"/>
+          <p:nvPr/>
+        </p:nvSpPr>
+        <p:spPr>
+          <a:xfrm>
+            <a:off x="7365920" y="3255625"/>
+            <a:ext cx="1726520" cy="276999"/>
+          </a:xfrm>
+          <a:prstGeom prst="rect">
+            <a:avLst/>
+          </a:prstGeom>
+          <a:noFill/>
+          <a:ln>
+            <a:noFill/>
+          </a:ln>
+        </p:spPr>
+        <p:txBody>
+          <a:bodyPr wrap="square" lIns="0" tIns="0" rIns="0" bIns="0" rtlCol="0">
+            <a:spAutoFit/>
+          </a:bodyPr>
+          <a:lstStyle/>
+          <a:p>
+            <a:r>
+              <a:rPr lang="en-US" altLang="ja-JP" b="1" kern="0" spc="-31" dirty="0">
+                <a:solidFill>
+                  <a:schemeClr val="tx2"/>
+                </a:solidFill>
+                <a:latin typeface="Arial" charset="0"/>
+                <a:ea typeface="Arial" charset="0"/>
+                <a:cs typeface="Arial" charset="0"/>
+              </a:rPr>
+              <a:t>CIO</a:t>
+            </a:r>
+            <a:endParaRPr lang="ja-JP" altLang="en-US" b="1" kern="0" spc="-31" dirty="0" err="1">
+              <a:solidFill>
+                <a:schemeClr val="tx2"/>
+              </a:solidFill>
+              <a:latin typeface="Arial" charset="0"/>
+              <a:ea typeface="Arial" charset="0"/>
+              <a:cs typeface="Arial" charset="0"/>
+            </a:endParaRPr>
+          </a:p>
+        </p:txBody>
+      </p:sp>
+      <p:sp>
+        <p:nvSpPr>
+          <p:cNvPr id="79" name="TextBox 19"/>
+          <p:cNvSpPr txBox="1"/>
+          <p:nvPr/>
+        </p:nvSpPr>
+        <p:spPr>
+          <a:xfrm>
+            <a:off x="7365920" y="4316523"/>
+            <a:ext cx="1338997" cy="738664"/>
+          </a:xfrm>
+          <a:prstGeom prst="rect">
+            <a:avLst/>
+          </a:prstGeom>
+          <a:noFill/>
+          <a:ln>
+            <a:noFill/>
+          </a:ln>
+        </p:spPr>
+        <p:txBody>
+          <a:bodyPr wrap="square" lIns="0" tIns="0" rIns="0" bIns="0" rtlCol="0">
+            <a:spAutoFit/>
+          </a:bodyPr>
+          <a:lstStyle/>
+          <a:p>
+            <a:r>
+              <a:rPr lang="en-US" altLang="ja-JP" sz="1200" b="1" kern="0" spc="-31" dirty="0">
+                <a:solidFill>
+                  <a:schemeClr val="tx2"/>
+                </a:solidFill>
+                <a:latin typeface="Arial" charset="0"/>
+                <a:ea typeface="Arial" charset="0"/>
+                <a:cs typeface="Arial" charset="0"/>
+              </a:rPr>
+              <a:t>-IT Architect Manager</a:t>
+            </a:r>
+          </a:p>
+          <a:p>
+            <a:r>
+              <a:rPr lang="en-US" altLang="ja-JP" sz="1200" b="1" kern="0" spc="-31" dirty="0">
+                <a:solidFill>
+                  <a:schemeClr val="tx2"/>
+                </a:solidFill>
+                <a:latin typeface="Arial" charset="0"/>
+                <a:ea typeface="Arial" charset="0"/>
+                <a:cs typeface="Arial" charset="0"/>
+              </a:rPr>
+              <a:t>-IT Application Manager</a:t>
+            </a:r>
+          </a:p>
+        </p:txBody>
+      </p:sp>
+      <p:sp>
+        <p:nvSpPr>
+          <p:cNvPr id="80" name="TextBox 20"/>
+          <p:cNvSpPr txBox="1"/>
+          <p:nvPr/>
+        </p:nvSpPr>
+        <p:spPr>
+          <a:xfrm>
+            <a:off x="7365920" y="6261683"/>
+            <a:ext cx="1726520" cy="276999"/>
+          </a:xfrm>
+          <a:prstGeom prst="rect">
+            <a:avLst/>
+          </a:prstGeom>
+          <a:noFill/>
+          <a:ln>
+            <a:noFill/>
+          </a:ln>
+        </p:spPr>
+        <p:txBody>
+          <a:bodyPr wrap="square" lIns="0" tIns="0" rIns="0" bIns="0" rtlCol="0">
+            <a:spAutoFit/>
+          </a:bodyPr>
+          <a:lstStyle/>
+          <a:p>
+            <a:r>
+              <a:rPr lang="en-US" altLang="ja-JP" b="1" kern="0" spc="-31" dirty="0">
+                <a:solidFill>
+                  <a:schemeClr val="tx2"/>
+                </a:solidFill>
+                <a:latin typeface="Arial" charset="0"/>
+                <a:ea typeface="Arial" charset="0"/>
+                <a:cs typeface="Arial" charset="0"/>
+              </a:rPr>
+              <a:t>IT member</a:t>
+            </a:r>
+            <a:endParaRPr lang="ja-JP" altLang="en-US" b="1" kern="0" spc="-31" dirty="0" err="1">
+              <a:solidFill>
+                <a:schemeClr val="tx2"/>
+              </a:solidFill>
+              <a:latin typeface="Arial" charset="0"/>
+              <a:ea typeface="Arial" charset="0"/>
+              <a:cs typeface="Arial" charset="0"/>
+            </a:endParaRPr>
+          </a:p>
+        </p:txBody>
+      </p:sp>
+      <p:sp>
+        <p:nvSpPr>
+          <p:cNvPr id="81" name="TextBox 21"/>
+          <p:cNvSpPr txBox="1"/>
+          <p:nvPr/>
+        </p:nvSpPr>
+        <p:spPr>
+          <a:xfrm>
+            <a:off x="9358432" y="6354016"/>
+            <a:ext cx="2046515" cy="184666"/>
+          </a:xfrm>
+          <a:prstGeom prst="rect">
+            <a:avLst/>
+          </a:prstGeom>
+          <a:noFill/>
+          <a:ln>
+            <a:noFill/>
+          </a:ln>
+        </p:spPr>
+        <p:txBody>
+          <a:bodyPr wrap="square" lIns="0" tIns="0" rIns="0" bIns="0" rtlCol="0">
+            <a:spAutoFit/>
+          </a:bodyPr>
+          <a:lstStyle/>
+          <a:p>
+            <a:r>
+              <a:rPr lang="en-US" altLang="ja-JP" sz="1200" b="1" kern="0" spc="-31" dirty="0">
+                <a:solidFill>
+                  <a:srgbClr val="83D1F5">
+                    <a:lumMod val="50000"/>
+                  </a:srgbClr>
+                </a:solidFill>
+                <a:latin typeface="Arial" charset="0"/>
+                <a:ea typeface="Arial" charset="0"/>
+                <a:cs typeface="Arial" charset="0"/>
+              </a:rPr>
+              <a:t>No authorization</a:t>
+            </a:r>
+            <a:endParaRPr lang="ja-JP" altLang="en-US" sz="1200" b="1" kern="0" spc="-31" dirty="0" err="1">
+              <a:solidFill>
+                <a:srgbClr val="83D1F5">
+                  <a:lumMod val="50000"/>
+                </a:srgbClr>
+              </a:solidFill>
+              <a:latin typeface="Arial" charset="0"/>
+              <a:ea typeface="Arial" charset="0"/>
+              <a:cs typeface="Arial" charset="0"/>
+            </a:endParaRPr>
+          </a:p>
+        </p:txBody>
+      </p:sp>
+      <p:sp>
+        <p:nvSpPr>
+          <p:cNvPr id="82" name="TextBox 22"/>
+          <p:cNvSpPr txBox="1"/>
+          <p:nvPr/>
+        </p:nvSpPr>
+        <p:spPr>
+          <a:xfrm>
+            <a:off x="7365920" y="5276861"/>
+            <a:ext cx="2046515" cy="369332"/>
+          </a:xfrm>
+          <a:prstGeom prst="rect">
+            <a:avLst/>
+          </a:prstGeom>
+          <a:noFill/>
+          <a:ln>
+            <a:noFill/>
+          </a:ln>
+        </p:spPr>
+        <p:txBody>
+          <a:bodyPr wrap="square" lIns="0" tIns="0" rIns="0" bIns="0" rtlCol="0">
+            <a:spAutoFit/>
+          </a:bodyPr>
+          <a:lstStyle/>
+          <a:p>
+            <a:r>
+              <a:rPr lang="en-US" altLang="ja-JP" sz="1200" b="1" kern="0" spc="-31" dirty="0">
+                <a:solidFill>
+                  <a:srgbClr val="83D1F5">
+                    <a:lumMod val="50000"/>
+                  </a:srgbClr>
+                </a:solidFill>
+                <a:latin typeface="Arial" charset="0"/>
+                <a:ea typeface="Arial" charset="0"/>
+                <a:cs typeface="Arial" charset="0"/>
+              </a:rPr>
+              <a:t>No or small</a:t>
+            </a:r>
+          </a:p>
+          <a:p>
+            <a:r>
+              <a:rPr lang="en-US" altLang="ja-JP" sz="1200" b="1" kern="0" spc="-31" dirty="0">
+                <a:solidFill>
+                  <a:srgbClr val="83D1F5">
+                    <a:lumMod val="50000"/>
+                  </a:srgbClr>
+                </a:solidFill>
+                <a:latin typeface="Arial" charset="0"/>
+                <a:ea typeface="Arial" charset="0"/>
+                <a:cs typeface="Arial" charset="0"/>
+              </a:rPr>
+              <a:t>authorization</a:t>
+            </a:r>
+            <a:endParaRPr lang="ja-JP" altLang="en-US" sz="1200" b="1" kern="0" spc="-31" dirty="0" err="1">
+              <a:solidFill>
+                <a:srgbClr val="83D1F5">
+                  <a:lumMod val="50000"/>
+                </a:srgbClr>
+              </a:solidFill>
+              <a:latin typeface="Arial" charset="0"/>
+              <a:ea typeface="Arial" charset="0"/>
+              <a:cs typeface="Arial" charset="0"/>
+            </a:endParaRPr>
+          </a:p>
+        </p:txBody>
+      </p:sp>
+      <p:sp>
+        <p:nvSpPr>
+          <p:cNvPr id="83" name="TextBox 23"/>
+          <p:cNvSpPr txBox="1"/>
+          <p:nvPr/>
+        </p:nvSpPr>
+        <p:spPr>
+          <a:xfrm>
+            <a:off x="7365921" y="3571089"/>
+            <a:ext cx="1328564" cy="553998"/>
+          </a:xfrm>
+          <a:prstGeom prst="rect">
+            <a:avLst/>
+          </a:prstGeom>
+          <a:noFill/>
+          <a:ln>
+            <a:noFill/>
+          </a:ln>
+        </p:spPr>
+        <p:txBody>
+          <a:bodyPr wrap="square" lIns="0" tIns="0" rIns="0" bIns="0" rtlCol="0">
+            <a:spAutoFit/>
+          </a:bodyPr>
+          <a:lstStyle/>
+          <a:p>
+            <a:r>
+              <a:rPr lang="en-US" altLang="ja-JP" sz="1200" b="1" kern="0" spc="-31" dirty="0">
+                <a:solidFill>
+                  <a:srgbClr val="83D1F5">
+                    <a:lumMod val="50000"/>
+                  </a:srgbClr>
+                </a:solidFill>
+                <a:latin typeface="Arial" charset="0"/>
+                <a:ea typeface="Arial" charset="0"/>
+                <a:cs typeface="Arial" charset="0"/>
+              </a:rPr>
+              <a:t>Decision maker,</a:t>
+            </a:r>
+            <a:br>
+              <a:rPr lang="en-US" altLang="ja-JP" sz="1200" b="1" kern="0" spc="-31" dirty="0">
+                <a:solidFill>
+                  <a:srgbClr val="83D1F5">
+                    <a:lumMod val="50000"/>
+                  </a:srgbClr>
+                </a:solidFill>
+                <a:latin typeface="Arial" charset="0"/>
+                <a:ea typeface="Arial" charset="0"/>
+                <a:cs typeface="Arial" charset="0"/>
+              </a:rPr>
+            </a:br>
+            <a:r>
+              <a:rPr lang="en-US" altLang="ja-JP" sz="1200" b="1" kern="0" spc="-31" dirty="0">
+                <a:solidFill>
+                  <a:srgbClr val="83D1F5">
+                    <a:lumMod val="50000"/>
+                  </a:srgbClr>
+                </a:solidFill>
+                <a:latin typeface="Arial" charset="0"/>
+                <a:ea typeface="Arial" charset="0"/>
+                <a:cs typeface="Arial" charset="0"/>
+              </a:rPr>
+              <a:t>but expect to reach</a:t>
+            </a:r>
+            <a:br>
+              <a:rPr lang="en-US" altLang="ja-JP" sz="1200" b="1" kern="0" spc="-31" dirty="0">
+                <a:solidFill>
+                  <a:srgbClr val="83D1F5">
+                    <a:lumMod val="50000"/>
+                  </a:srgbClr>
+                </a:solidFill>
+                <a:latin typeface="Arial" charset="0"/>
+                <a:ea typeface="Arial" charset="0"/>
+                <a:cs typeface="Arial" charset="0"/>
+              </a:rPr>
+            </a:br>
+            <a:r>
+              <a:rPr lang="en-US" altLang="ja-JP" sz="1200" b="1" kern="0" spc="-31" dirty="0">
+                <a:solidFill>
+                  <a:srgbClr val="83D1F5">
+                    <a:lumMod val="50000"/>
+                  </a:srgbClr>
+                </a:solidFill>
+                <a:latin typeface="Arial" charset="0"/>
+                <a:ea typeface="Arial" charset="0"/>
+                <a:cs typeface="Arial" charset="0"/>
+              </a:rPr>
+              <a:t>consensus</a:t>
+            </a:r>
+            <a:endParaRPr lang="ja-JP" altLang="en-US" sz="1200" b="1" kern="0" spc="-31" dirty="0" err="1">
+              <a:solidFill>
+                <a:srgbClr val="83D1F5">
+                  <a:lumMod val="50000"/>
+                </a:srgbClr>
+              </a:solidFill>
+              <a:latin typeface="Arial" charset="0"/>
+              <a:ea typeface="Arial" charset="0"/>
+              <a:cs typeface="Arial" charset="0"/>
+            </a:endParaRPr>
+          </a:p>
+        </p:txBody>
+      </p:sp>
+      <p:sp>
+        <p:nvSpPr>
+          <p:cNvPr id="84" name="Rectangle 25"/>
+          <p:cNvSpPr/>
+          <p:nvPr/>
+        </p:nvSpPr>
+        <p:spPr>
+          <a:xfrm>
+            <a:off x="10343017" y="5141004"/>
+            <a:ext cx="1291772" cy="359909"/>
+          </a:xfrm>
+          <a:prstGeom prst="rect">
+            <a:avLst/>
+          </a:prstGeom>
+          <a:solidFill>
+            <a:schemeClr val="accent2"/>
+          </a:solidFill>
+          <a:ln w="41275">
+            <a:solidFill>
+              <a:schemeClr val="tx1"/>
+            </a:solidFill>
+          </a:ln>
+          <a:effectLst/>
+        </p:spPr>
+        <p:style>
+          <a:lnRef idx="1">
+            <a:schemeClr val="accent1"/>
+          </a:lnRef>
+          <a:fillRef idx="3">
+            <a:schemeClr val="accent1"/>
+          </a:fillRef>
+          <a:effectRef idx="2">
+            <a:schemeClr val="accent1"/>
+          </a:effectRef>
+          <a:fontRef idx="minor">
+            <a:schemeClr val="lt1"/>
+          </a:fontRef>
+        </p:style>
+        <p:txBody>
+          <a:bodyPr rtlCol="0" anchor="ctr"/>
+          <a:lstStyle/>
+          <a:p>
+            <a:pPr algn="ctr"/>
+            <a:r>
+              <a:rPr lang="en-US" altLang="ja-JP" sz="1400" b="1" dirty="0">
+                <a:solidFill>
+                  <a:schemeClr val="bg1"/>
+                </a:solidFill>
+              </a:rPr>
+              <a:t>IT vendor</a:t>
+            </a:r>
+            <a:endParaRPr lang="ja-JP" altLang="en-US" sz="1400" b="1" dirty="0">
+              <a:solidFill>
+                <a:schemeClr val="bg1"/>
+              </a:solidFill>
+            </a:endParaRPr>
+          </a:p>
+        </p:txBody>
+      </p:sp>
+      <p:cxnSp>
+        <p:nvCxnSpPr>
+          <p:cNvPr id="85" name="Straight Arrow Connector 27"/>
+          <p:cNvCxnSpPr/>
+          <p:nvPr/>
+        </p:nvCxnSpPr>
+        <p:spPr>
+          <a:xfrm>
+            <a:off x="9387462" y="4594588"/>
+            <a:ext cx="672527" cy="0"/>
+          </a:xfrm>
+          <a:prstGeom prst="straightConnector1">
+            <a:avLst/>
+          </a:prstGeom>
+          <a:ln>
+            <a:solidFill>
+              <a:schemeClr val="tx1"/>
+            </a:solidFill>
+            <a:tailEnd type="triangle"/>
+          </a:ln>
+        </p:spPr>
+        <p:style>
+          <a:lnRef idx="2">
+            <a:schemeClr val="accent1"/>
+          </a:lnRef>
+          <a:fillRef idx="0">
+            <a:schemeClr val="accent1"/>
+          </a:fillRef>
+          <a:effectRef idx="1">
+            <a:schemeClr val="accent1"/>
+          </a:effectRef>
+          <a:fontRef idx="minor">
+            <a:schemeClr val="tx1"/>
+          </a:fontRef>
+        </p:style>
+      </p:cxnSp>
+      <p:cxnSp>
+        <p:nvCxnSpPr>
+          <p:cNvPr id="86" name="Straight Arrow Connector 28"/>
+          <p:cNvCxnSpPr/>
+          <p:nvPr/>
+        </p:nvCxnSpPr>
+        <p:spPr>
+          <a:xfrm flipH="1">
+            <a:off x="9374366" y="4803760"/>
+            <a:ext cx="672527" cy="0"/>
+          </a:xfrm>
+          <a:prstGeom prst="straightConnector1">
+            <a:avLst/>
+          </a:prstGeom>
+          <a:ln>
+            <a:solidFill>
+              <a:schemeClr val="tx1"/>
+            </a:solidFill>
+            <a:tailEnd type="triangle"/>
+          </a:ln>
+        </p:spPr>
+        <p:style>
+          <a:lnRef idx="2">
+            <a:schemeClr val="accent1"/>
+          </a:lnRef>
+          <a:fillRef idx="0">
+            <a:schemeClr val="accent1"/>
+          </a:fillRef>
+          <a:effectRef idx="1">
+            <a:schemeClr val="accent1"/>
+          </a:effectRef>
+          <a:fontRef idx="minor">
+            <a:schemeClr val="tx1"/>
+          </a:fontRef>
+        </p:style>
+      </p:cxnSp>
+      <p:sp>
+        <p:nvSpPr>
+          <p:cNvPr id="87" name="TextBox 29"/>
+          <p:cNvSpPr txBox="1"/>
+          <p:nvPr/>
+        </p:nvSpPr>
+        <p:spPr>
+          <a:xfrm>
+            <a:off x="9039199" y="3791126"/>
+            <a:ext cx="1556481" cy="169277"/>
+          </a:xfrm>
+          <a:prstGeom prst="rect">
+            <a:avLst/>
+          </a:prstGeom>
+          <a:noFill/>
+          <a:ln>
+            <a:noFill/>
+          </a:ln>
+        </p:spPr>
+        <p:txBody>
+          <a:bodyPr wrap="square" lIns="0" tIns="0" rIns="0" bIns="0" rtlCol="0">
+            <a:spAutoFit/>
+          </a:bodyPr>
+          <a:lstStyle/>
+          <a:p>
+            <a:r>
+              <a:rPr lang="en-US" altLang="ja-JP" sz="1100" b="1" kern="0" spc="-31" dirty="0">
+                <a:solidFill>
+                  <a:schemeClr val="tx2"/>
+                </a:solidFill>
+                <a:latin typeface="Arial" charset="0"/>
+                <a:ea typeface="Arial" charset="0"/>
+                <a:cs typeface="Arial" charset="0"/>
+              </a:rPr>
+              <a:t>report</a:t>
+            </a:r>
+            <a:endParaRPr lang="ja-JP" altLang="en-US" sz="1100" b="1" kern="0" spc="-31" dirty="0" err="1">
+              <a:solidFill>
+                <a:schemeClr val="tx2"/>
+              </a:solidFill>
+              <a:latin typeface="Arial" charset="0"/>
+              <a:ea typeface="Arial" charset="0"/>
+              <a:cs typeface="Arial" charset="0"/>
+            </a:endParaRPr>
+          </a:p>
+        </p:txBody>
+      </p:sp>
+      <p:sp>
+        <p:nvSpPr>
+          <p:cNvPr id="88" name="TextBox 30"/>
+          <p:cNvSpPr txBox="1"/>
+          <p:nvPr/>
+        </p:nvSpPr>
+        <p:spPr>
+          <a:xfrm>
+            <a:off x="9039200" y="5268863"/>
+            <a:ext cx="1556481" cy="169277"/>
+          </a:xfrm>
+          <a:prstGeom prst="rect">
+            <a:avLst/>
+          </a:prstGeom>
+          <a:noFill/>
+          <a:ln>
+            <a:noFill/>
+          </a:ln>
+        </p:spPr>
+        <p:txBody>
+          <a:bodyPr wrap="square" lIns="0" tIns="0" rIns="0" bIns="0" rtlCol="0">
+            <a:spAutoFit/>
+          </a:bodyPr>
+          <a:lstStyle/>
+          <a:p>
+            <a:r>
+              <a:rPr lang="en-US" altLang="ja-JP" sz="1100" b="1" kern="0" spc="-31" dirty="0">
+                <a:solidFill>
+                  <a:schemeClr val="tx2"/>
+                </a:solidFill>
+                <a:latin typeface="Arial" charset="0"/>
+                <a:ea typeface="Arial" charset="0"/>
+                <a:cs typeface="Arial" charset="0"/>
+              </a:rPr>
+              <a:t>report</a:t>
+            </a:r>
+            <a:endParaRPr lang="ja-JP" altLang="en-US" sz="1100" b="1" kern="0" spc="-31" dirty="0" err="1">
+              <a:solidFill>
+                <a:schemeClr val="tx2"/>
+              </a:solidFill>
+              <a:latin typeface="Arial" charset="0"/>
+              <a:ea typeface="Arial" charset="0"/>
+              <a:cs typeface="Arial" charset="0"/>
+            </a:endParaRPr>
+          </a:p>
+        </p:txBody>
+      </p:sp>
+      <p:sp>
+        <p:nvSpPr>
+          <p:cNvPr id="89" name="TextBox 31"/>
+          <p:cNvSpPr txBox="1"/>
+          <p:nvPr/>
+        </p:nvSpPr>
+        <p:spPr>
+          <a:xfrm>
+            <a:off x="9317704" y="4310690"/>
+            <a:ext cx="1556481" cy="169277"/>
+          </a:xfrm>
+          <a:prstGeom prst="rect">
+            <a:avLst/>
+          </a:prstGeom>
+          <a:noFill/>
+          <a:ln>
+            <a:noFill/>
+          </a:ln>
+        </p:spPr>
+        <p:txBody>
+          <a:bodyPr wrap="square" lIns="0" tIns="0" rIns="0" bIns="0" rtlCol="0">
+            <a:spAutoFit/>
+          </a:bodyPr>
+          <a:lstStyle/>
+          <a:p>
+            <a:r>
+              <a:rPr lang="en-US" altLang="ja-JP" sz="1100" b="1" kern="0" spc="-31" dirty="0">
+                <a:solidFill>
+                  <a:schemeClr val="tx2"/>
+                </a:solidFill>
+                <a:latin typeface="Arial" charset="0"/>
+                <a:ea typeface="Arial" charset="0"/>
+                <a:cs typeface="Arial" charset="0"/>
+              </a:rPr>
+              <a:t>management</a:t>
+            </a:r>
+            <a:endParaRPr lang="ja-JP" altLang="en-US" sz="1100" b="1" kern="0" spc="-31" dirty="0" err="1">
+              <a:solidFill>
+                <a:schemeClr val="tx2"/>
+              </a:solidFill>
+              <a:latin typeface="Arial" charset="0"/>
+              <a:ea typeface="Arial" charset="0"/>
+              <a:cs typeface="Arial" charset="0"/>
+            </a:endParaRPr>
+          </a:p>
+        </p:txBody>
+      </p:sp>
+      <p:sp>
+        <p:nvSpPr>
+          <p:cNvPr id="90" name="TextBox 32"/>
+          <p:cNvSpPr txBox="1"/>
+          <p:nvPr/>
+        </p:nvSpPr>
+        <p:spPr>
+          <a:xfrm>
+            <a:off x="8952209" y="4922082"/>
+            <a:ext cx="1556481" cy="169277"/>
+          </a:xfrm>
+          <a:prstGeom prst="rect">
+            <a:avLst/>
+          </a:prstGeom>
+          <a:noFill/>
+          <a:ln>
+            <a:noFill/>
+          </a:ln>
+        </p:spPr>
+        <p:txBody>
+          <a:bodyPr wrap="square" lIns="0" tIns="0" rIns="0" bIns="0" rtlCol="0">
+            <a:spAutoFit/>
+          </a:bodyPr>
+          <a:lstStyle/>
+          <a:p>
+            <a:pPr algn="ctr"/>
+            <a:r>
+              <a:rPr lang="en-US" altLang="ja-JP" sz="1100" b="1" kern="0" spc="-31" dirty="0">
+                <a:solidFill>
+                  <a:schemeClr val="tx2"/>
+                </a:solidFill>
+                <a:latin typeface="Arial" charset="0"/>
+                <a:ea typeface="Arial" charset="0"/>
+                <a:cs typeface="Arial" charset="0"/>
+              </a:rPr>
+              <a:t>proposal</a:t>
+            </a:r>
+            <a:endParaRPr lang="ja-JP" altLang="en-US" sz="1100" b="1" kern="0" spc="-31" dirty="0" err="1">
+              <a:solidFill>
+                <a:schemeClr val="tx2"/>
+              </a:solidFill>
+              <a:latin typeface="Arial" charset="0"/>
+              <a:ea typeface="Arial" charset="0"/>
+              <a:cs typeface="Arial" charset="0"/>
+            </a:endParaRPr>
+          </a:p>
+        </p:txBody>
+      </p:sp>
+      <p:cxnSp>
+        <p:nvCxnSpPr>
+          <p:cNvPr id="91" name="Elbow Connector 34"/>
+          <p:cNvCxnSpPr/>
+          <p:nvPr/>
+        </p:nvCxnSpPr>
+        <p:spPr>
+          <a:xfrm flipV="1">
+            <a:off x="9223380" y="5627914"/>
+            <a:ext cx="1892523" cy="482817"/>
+          </a:xfrm>
+          <a:prstGeom prst="bentConnector2">
+            <a:avLst/>
+          </a:prstGeom>
+          <a:ln>
+            <a:solidFill>
+              <a:schemeClr val="tx1"/>
+            </a:solidFill>
+            <a:headEnd type="triangle"/>
+            <a:tailEnd type="stealth"/>
+          </a:ln>
+        </p:spPr>
+        <p:style>
+          <a:lnRef idx="2">
+            <a:schemeClr val="accent1"/>
+          </a:lnRef>
+          <a:fillRef idx="0">
+            <a:schemeClr val="accent1"/>
+          </a:fillRef>
+          <a:effectRef idx="1">
+            <a:schemeClr val="accent1"/>
+          </a:effectRef>
+          <a:fontRef idx="minor">
+            <a:schemeClr val="tx1"/>
+          </a:fontRef>
+        </p:style>
+      </p:cxnSp>
+      <p:sp>
+        <p:nvSpPr>
+          <p:cNvPr id="92" name="TextBox 36"/>
+          <p:cNvSpPr txBox="1"/>
+          <p:nvPr/>
+        </p:nvSpPr>
+        <p:spPr>
+          <a:xfrm>
+            <a:off x="9749334" y="5898350"/>
+            <a:ext cx="1556481" cy="169277"/>
+          </a:xfrm>
+          <a:prstGeom prst="rect">
+            <a:avLst/>
+          </a:prstGeom>
+          <a:noFill/>
+          <a:ln>
+            <a:noFill/>
+          </a:ln>
+        </p:spPr>
+        <p:txBody>
+          <a:bodyPr wrap="square" lIns="0" tIns="0" rIns="0" bIns="0" rtlCol="0">
+            <a:spAutoFit/>
+          </a:bodyPr>
+          <a:lstStyle/>
+          <a:p>
+            <a:r>
+              <a:rPr lang="en-US" altLang="ja-JP" sz="1100" b="1" kern="0" spc="-31" dirty="0">
+                <a:solidFill>
+                  <a:schemeClr val="tx2"/>
+                </a:solidFill>
+                <a:latin typeface="Arial" charset="0"/>
+                <a:ea typeface="Arial" charset="0"/>
+                <a:cs typeface="Arial" charset="0"/>
+              </a:rPr>
+              <a:t>Daily Operation</a:t>
+            </a:r>
+            <a:endParaRPr lang="ja-JP" altLang="en-US" sz="1100" b="1" kern="0" spc="-31" dirty="0" err="1">
+              <a:solidFill>
+                <a:schemeClr val="tx2"/>
+              </a:solidFill>
+              <a:latin typeface="Arial" charset="0"/>
+              <a:ea typeface="Arial" charset="0"/>
+              <a:cs typeface="Arial" charset="0"/>
+            </a:endParaRPr>
+          </a:p>
+        </p:txBody>
+      </p:sp>
+    </p:spTree>
+    <p:extLst>
+      <p:ext uri="{BB962C8B-B14F-4D97-AF65-F5344CB8AC3E}">
+        <p14:creationId xmlns:p14="http://schemas.microsoft.com/office/powerpoint/2010/main" val="284871658"/>
+      </p:ext>
+    </p:extLst>
+  </p:cSld>
+  <p:clrMapOvr>
+    <a:masterClrMapping/>
+  </p:clrMapOvr>
+  <p:timing>
+    <p:tnLst>
+      <p:par>
+        <p:cTn id="1" dur="indefinite" restart="never" nodeType="tmRoot"/>
+      </p:par>
+    </p:tnLst>
+  </p:timing>
+</p:sld>
+</file>
+
 <file path=ppt/slides/slide12.xml><?xml version="1.0" encoding="utf-8"?>
+<p:sld xmlns:a="http://schemas.openxmlformats.org/drawingml/2006/main" xmlns:r="http://schemas.openxmlformats.org/officeDocument/2006/relationships" xmlns:p="http://schemas.openxmlformats.org/presentationml/2006/main">
+  <p:cSld>
+    <p:spTree>
+      <p:nvGrpSpPr>
+        <p:cNvPr id="1" name=""/>
+        <p:cNvGrpSpPr/>
+        <p:nvPr/>
+      </p:nvGrpSpPr>
+      <p:grpSpPr>
+        <a:xfrm>
+          <a:off x="0" y="0"/>
+          <a:ext cx="0" cy="0"/>
+          <a:chOff x="0" y="0"/>
+          <a:chExt cx="0" cy="0"/>
+        </a:xfrm>
+      </p:grpSpPr>
+      <p:pic>
+        <p:nvPicPr>
+          <p:cNvPr id="3" name="図 2"/>
+          <p:cNvPicPr>
+            <a:picLocks noChangeAspect="1"/>
+          </p:cNvPicPr>
+          <p:nvPr/>
+        </p:nvPicPr>
+        <p:blipFill>
+          <a:blip r:embed="rId2">
+            <a:extLst>
+              <a:ext uri="{28A0092B-C50C-407E-A947-70E740481C1C}">
+                <a14:useLocalDpi xmlns:a14="http://schemas.microsoft.com/office/drawing/2010/main" val="0"/>
+              </a:ext>
+            </a:extLst>
+          </a:blip>
+          <a:stretch>
+            <a:fillRect/>
+          </a:stretch>
+        </p:blipFill>
+        <p:spPr>
+          <a:xfrm>
+            <a:off x="481512" y="269456"/>
+            <a:ext cx="7258991" cy="6068516"/>
+          </a:xfrm>
+          <a:prstGeom prst="rect">
+            <a:avLst/>
+          </a:prstGeom>
+        </p:spPr>
+      </p:pic>
+    </p:spTree>
+    <p:extLst>
+      <p:ext uri="{BB962C8B-B14F-4D97-AF65-F5344CB8AC3E}">
+        <p14:creationId xmlns:p14="http://schemas.microsoft.com/office/powerpoint/2010/main" val="1096906843"/>
+      </p:ext>
+    </p:extLst>
+  </p:cSld>
+  <p:clrMapOvr>
+    <a:masterClrMapping/>
+  </p:clrMapOvr>
+  <p:timing>
+    <p:tnLst>
+      <p:par>
+        <p:cTn id="1" dur="indefinite" restart="never" nodeType="tmRoot"/>
+      </p:par>
+    </p:tnLst>
+  </p:timing>
+</p:sld>
+</file>
+
+<file path=ppt/slides/slide13.xml><?xml version="1.0" encoding="utf-8"?>
 <p:sld xmlns:a="http://schemas.openxmlformats.org/drawingml/2006/main" xmlns:r="http://schemas.openxmlformats.org/officeDocument/2006/relationships" xmlns:p="http://schemas.openxmlformats.org/presentationml/2006/main">
   <p:cSld>
     <p:spTree>
@@ -4867,6 +5993,755 @@
     <p:extLst>
       <p:ext uri="{BB962C8B-B14F-4D97-AF65-F5344CB8AC3E}">
         <p14:creationId xmlns:p14="http://schemas.microsoft.com/office/powerpoint/2010/main" val="519102711"/>
+      </p:ext>
+    </p:extLst>
+  </p:cSld>
+  <p:clrMapOvr>
+    <a:masterClrMapping/>
+  </p:clrMapOvr>
+  <p:timing>
+    <p:tnLst>
+      <p:par>
+        <p:cTn id="1" dur="indefinite" restart="never" nodeType="tmRoot"/>
+      </p:par>
+    </p:tnLst>
+  </p:timing>
+</p:sld>
+</file>
+
+<file path=ppt/slides/slide14.xml><?xml version="1.0" encoding="utf-8"?>
+<p:sld xmlns:a="http://schemas.openxmlformats.org/drawingml/2006/main" xmlns:r="http://schemas.openxmlformats.org/officeDocument/2006/relationships" xmlns:p="http://schemas.openxmlformats.org/presentationml/2006/main">
+  <p:cSld>
+    <p:spTree>
+      <p:nvGrpSpPr>
+        <p:cNvPr id="1" name=""/>
+        <p:cNvGrpSpPr/>
+        <p:nvPr/>
+      </p:nvGrpSpPr>
+      <p:grpSpPr>
+        <a:xfrm>
+          <a:off x="0" y="0"/>
+          <a:ext cx="0" cy="0"/>
+          <a:chOff x="0" y="0"/>
+          <a:chExt cx="0" cy="0"/>
+        </a:xfrm>
+      </p:grpSpPr>
+      <p:graphicFrame>
+        <p:nvGraphicFramePr>
+          <p:cNvPr id="12" name="表 11"/>
+          <p:cNvGraphicFramePr>
+            <a:graphicFrameLocks noGrp="1"/>
+          </p:cNvGraphicFramePr>
+          <p:nvPr>
+            <p:extLst>
+              <p:ext uri="{D42A27DB-BD31-4B8C-83A1-F6EECF244321}">
+                <p14:modId xmlns:p14="http://schemas.microsoft.com/office/powerpoint/2010/main" val="234482778"/>
+              </p:ext>
+            </p:extLst>
+          </p:nvPr>
+        </p:nvGraphicFramePr>
+        <p:xfrm>
+          <a:off x="1236977" y="1733477"/>
+          <a:ext cx="8741500" cy="3710394"/>
+        </p:xfrm>
+        <a:graphic>
+          <a:graphicData uri="http://schemas.openxmlformats.org/drawingml/2006/table">
+            <a:tbl>
+              <a:tblPr>
+                <a:tableStyleId>{D7AC3CCA-C797-4891-BE02-D94E43425B78}</a:tableStyleId>
+              </a:tblPr>
+              <a:tblGrid>
+                <a:gridCol w="6303020"/>
+                <a:gridCol w="2438480"/>
+              </a:tblGrid>
+              <a:tr h="412266">
+                <a:tc>
+                  <a:txBody>
+                    <a:bodyPr/>
+                    <a:lstStyle/>
+                    <a:p>
+                      <a:pPr algn="l" fontAlgn="b"/>
+                      <a:endParaRPr lang="en-US" sz="2000" b="0" i="0" u="none" strike="noStrike" dirty="0">
+                        <a:solidFill>
+                          <a:srgbClr val="000000"/>
+                        </a:solidFill>
+                        <a:effectLst/>
+                        <a:latin typeface="Arial" charset="0"/>
+                        <a:ea typeface="Arial" charset="0"/>
+                        <a:cs typeface="Arial" charset="0"/>
+                      </a:endParaRPr>
+                    </a:p>
+                  </a:txBody>
+                  <a:tcPr marL="6350" marR="6350" marT="6350" marB="0" anchor="b">
+                    <a:noFill/>
+                  </a:tcPr>
+                </a:tc>
+                <a:tc>
+                  <a:txBody>
+                    <a:bodyPr/>
+                    <a:lstStyle/>
+                    <a:p>
+                      <a:pPr algn="r" fontAlgn="b"/>
+                      <a:r>
+                        <a:rPr lang="is-IS" sz="2000" u="none" strike="noStrike" dirty="0" smtClean="0">
+                          <a:effectLst/>
+                          <a:latin typeface="Arial" charset="0"/>
+                          <a:ea typeface="Arial" charset="0"/>
+                          <a:cs typeface="Arial" charset="0"/>
+                        </a:rPr>
+                        <a:t>K$</a:t>
+                      </a:r>
+                      <a:endParaRPr lang="is-IS" sz="2000" b="0" i="0" u="none" strike="noStrike" dirty="0">
+                        <a:solidFill>
+                          <a:srgbClr val="000000"/>
+                        </a:solidFill>
+                        <a:effectLst/>
+                        <a:latin typeface="Arial" charset="0"/>
+                        <a:ea typeface="Arial" charset="0"/>
+                        <a:cs typeface="Arial" charset="0"/>
+                      </a:endParaRPr>
+                    </a:p>
+                  </a:txBody>
+                  <a:tcPr marL="6350" marR="6350" marT="6350" marB="0" anchor="b">
+                    <a:noFill/>
+                  </a:tcPr>
+                </a:tc>
+              </a:tr>
+              <a:tr h="412266">
+                <a:tc>
+                  <a:txBody>
+                    <a:bodyPr/>
+                    <a:lstStyle/>
+                    <a:p>
+                      <a:pPr algn="l" fontAlgn="b"/>
+                      <a:r>
+                        <a:rPr lang="en-US" sz="2000" u="none" strike="noStrike" dirty="0">
+                          <a:effectLst/>
+                          <a:latin typeface="Arial" charset="0"/>
+                          <a:ea typeface="Arial" charset="0"/>
+                          <a:cs typeface="Arial" charset="0"/>
+                        </a:rPr>
+                        <a:t>ARR </a:t>
+                      </a:r>
+                      <a:r>
+                        <a:rPr lang="en-US" sz="2000" u="none" strike="noStrike" dirty="0" err="1">
+                          <a:effectLst/>
+                          <a:latin typeface="Arial" charset="0"/>
+                          <a:ea typeface="Arial" charset="0"/>
+                          <a:cs typeface="Arial" charset="0"/>
+                        </a:rPr>
+                        <a:t>Traget</a:t>
+                      </a:r>
+                      <a:endParaRPr lang="en-US" sz="2000" b="0" i="0" u="none" strike="noStrike" dirty="0">
+                        <a:solidFill>
+                          <a:srgbClr val="000000"/>
+                        </a:solidFill>
+                        <a:effectLst/>
+                        <a:latin typeface="Arial" charset="0"/>
+                        <a:ea typeface="Arial" charset="0"/>
+                        <a:cs typeface="Arial" charset="0"/>
+                      </a:endParaRPr>
+                    </a:p>
+                  </a:txBody>
+                  <a:tcPr marL="6350" marR="6350" marT="6350" marB="0" anchor="b"/>
+                </a:tc>
+                <a:tc>
+                  <a:txBody>
+                    <a:bodyPr/>
+                    <a:lstStyle/>
+                    <a:p>
+                      <a:pPr algn="r" fontAlgn="b"/>
+                      <a:r>
+                        <a:rPr lang="is-IS" sz="2000" b="0" i="0" u="none" strike="noStrike" dirty="0" smtClean="0">
+                          <a:solidFill>
+                            <a:schemeClr val="dk1"/>
+                          </a:solidFill>
+                          <a:effectLst/>
+                          <a:latin typeface="Arial" charset="0"/>
+                          <a:ea typeface="Arial" charset="0"/>
+                          <a:cs typeface="Arial" charset="0"/>
+                        </a:rPr>
+                        <a:t>10,000</a:t>
+                      </a:r>
+                      <a:endParaRPr lang="is-IS" sz="2000" b="0" i="0" u="none" strike="noStrike" dirty="0">
+                        <a:solidFill>
+                          <a:srgbClr val="000000"/>
+                        </a:solidFill>
+                        <a:effectLst/>
+                        <a:latin typeface="Arial" charset="0"/>
+                        <a:ea typeface="Arial" charset="0"/>
+                        <a:cs typeface="Arial" charset="0"/>
+                      </a:endParaRPr>
+                    </a:p>
+                  </a:txBody>
+                  <a:tcPr marL="6350" marR="6350" marT="6350" marB="0" anchor="b"/>
+                </a:tc>
+              </a:tr>
+              <a:tr h="412266">
+                <a:tc>
+                  <a:txBody>
+                    <a:bodyPr/>
+                    <a:lstStyle/>
+                    <a:p>
+                      <a:pPr algn="l" fontAlgn="b"/>
+                      <a:r>
+                        <a:rPr lang="en-US" sz="2000" u="none" strike="noStrike" dirty="0">
+                          <a:effectLst/>
+                          <a:latin typeface="Arial" charset="0"/>
+                          <a:ea typeface="Arial" charset="0"/>
+                          <a:cs typeface="Arial" charset="0"/>
+                        </a:rPr>
+                        <a:t>Average Deal Size</a:t>
+                      </a:r>
+                      <a:endParaRPr lang="en-US" sz="2000" b="0" i="0" u="none" strike="noStrike" dirty="0">
+                        <a:solidFill>
+                          <a:srgbClr val="000000"/>
+                        </a:solidFill>
+                        <a:effectLst/>
+                        <a:latin typeface="Arial" charset="0"/>
+                        <a:ea typeface="Arial" charset="0"/>
+                        <a:cs typeface="Arial" charset="0"/>
+                      </a:endParaRPr>
+                    </a:p>
+                  </a:txBody>
+                  <a:tcPr marL="6350" marR="6350" marT="6350" marB="0" anchor="b"/>
+                </a:tc>
+                <a:tc>
+                  <a:txBody>
+                    <a:bodyPr/>
+                    <a:lstStyle/>
+                    <a:p>
+                      <a:pPr algn="r" fontAlgn="b"/>
+                      <a:r>
+                        <a:rPr lang="is-IS" sz="2000" b="0" i="0" u="none" strike="noStrike" dirty="0" smtClean="0">
+                          <a:solidFill>
+                            <a:srgbClr val="000000"/>
+                          </a:solidFill>
+                          <a:effectLst/>
+                          <a:latin typeface="Arial" charset="0"/>
+                          <a:ea typeface="Arial" charset="0"/>
+                          <a:cs typeface="Arial" charset="0"/>
+                        </a:rPr>
+                        <a:t>140</a:t>
+                      </a:r>
+                      <a:endParaRPr lang="is-IS" sz="2000" b="0" i="0" u="none" strike="noStrike" dirty="0">
+                        <a:solidFill>
+                          <a:srgbClr val="000000"/>
+                        </a:solidFill>
+                        <a:effectLst/>
+                        <a:latin typeface="Arial" charset="0"/>
+                        <a:ea typeface="Arial" charset="0"/>
+                        <a:cs typeface="Arial" charset="0"/>
+                      </a:endParaRPr>
+                    </a:p>
+                  </a:txBody>
+                  <a:tcPr marL="6350" marR="6350" marT="6350" marB="0" anchor="b"/>
+                </a:tc>
+              </a:tr>
+              <a:tr h="412266">
+                <a:tc>
+                  <a:txBody>
+                    <a:bodyPr/>
+                    <a:lstStyle/>
+                    <a:p>
+                      <a:pPr algn="l" fontAlgn="b"/>
+                      <a:endParaRPr lang="en-US" sz="2000" b="0" i="0" u="none" strike="noStrike" dirty="0">
+                        <a:solidFill>
+                          <a:srgbClr val="000000"/>
+                        </a:solidFill>
+                        <a:effectLst/>
+                        <a:latin typeface="Arial" charset="0"/>
+                        <a:ea typeface="Arial" charset="0"/>
+                        <a:cs typeface="Arial" charset="0"/>
+                      </a:endParaRPr>
+                    </a:p>
+                  </a:txBody>
+                  <a:tcPr marL="6350" marR="6350" marT="6350" marB="0" anchor="b"/>
+                </a:tc>
+                <a:tc>
+                  <a:txBody>
+                    <a:bodyPr/>
+                    <a:lstStyle/>
+                    <a:p>
+                      <a:pPr algn="r" fontAlgn="b"/>
+                      <a:endParaRPr lang="is-IS" sz="2000" b="0" i="0" u="none" strike="noStrike" dirty="0">
+                        <a:solidFill>
+                          <a:srgbClr val="000000"/>
+                        </a:solidFill>
+                        <a:effectLst/>
+                        <a:latin typeface="Arial" charset="0"/>
+                        <a:ea typeface="Arial" charset="0"/>
+                        <a:cs typeface="Arial" charset="0"/>
+                      </a:endParaRPr>
+                    </a:p>
+                  </a:txBody>
+                  <a:tcPr marL="6350" marR="6350" marT="6350" marB="0" anchor="b"/>
+                </a:tc>
+              </a:tr>
+              <a:tr h="412266">
+                <a:tc>
+                  <a:txBody>
+                    <a:bodyPr/>
+                    <a:lstStyle/>
+                    <a:p>
+                      <a:pPr algn="l" fontAlgn="b"/>
+                      <a:endParaRPr lang="en-US" sz="2000" b="0" i="0" u="none" strike="noStrike" dirty="0">
+                        <a:solidFill>
+                          <a:srgbClr val="000000"/>
+                        </a:solidFill>
+                        <a:effectLst/>
+                        <a:latin typeface="Arial" charset="0"/>
+                        <a:ea typeface="Arial" charset="0"/>
+                        <a:cs typeface="Arial" charset="0"/>
+                      </a:endParaRPr>
+                    </a:p>
+                  </a:txBody>
+                  <a:tcPr marL="6350" marR="6350" marT="6350" marB="0" anchor="b"/>
+                </a:tc>
+                <a:tc>
+                  <a:txBody>
+                    <a:bodyPr/>
+                    <a:lstStyle/>
+                    <a:p>
+                      <a:pPr algn="r" fontAlgn="b"/>
+                      <a:endParaRPr lang="fi-FI" sz="2000" b="0" i="0" u="none" strike="noStrike" dirty="0">
+                        <a:solidFill>
+                          <a:srgbClr val="000000"/>
+                        </a:solidFill>
+                        <a:effectLst/>
+                        <a:latin typeface="Arial" charset="0"/>
+                        <a:ea typeface="Arial" charset="0"/>
+                        <a:cs typeface="Arial" charset="0"/>
+                      </a:endParaRPr>
+                    </a:p>
+                  </a:txBody>
+                  <a:tcPr marL="6350" marR="6350" marT="6350" marB="0" anchor="b"/>
+                </a:tc>
+              </a:tr>
+              <a:tr h="412266">
+                <a:tc>
+                  <a:txBody>
+                    <a:bodyPr/>
+                    <a:lstStyle/>
+                    <a:p>
+                      <a:pPr algn="l" fontAlgn="b"/>
+                      <a:endParaRPr lang="en-US" sz="2000" b="0" i="0" u="none" strike="noStrike" dirty="0">
+                        <a:solidFill>
+                          <a:srgbClr val="000000"/>
+                        </a:solidFill>
+                        <a:effectLst/>
+                        <a:latin typeface="Arial" charset="0"/>
+                        <a:ea typeface="Arial" charset="0"/>
+                        <a:cs typeface="Arial" charset="0"/>
+                      </a:endParaRPr>
+                    </a:p>
+                  </a:txBody>
+                  <a:tcPr marL="6350" marR="6350" marT="6350" marB="0" anchor="b"/>
+                </a:tc>
+                <a:tc>
+                  <a:txBody>
+                    <a:bodyPr/>
+                    <a:lstStyle/>
+                    <a:p>
+                      <a:pPr algn="r" fontAlgn="b"/>
+                      <a:endParaRPr lang="en-US" sz="2000" b="0" i="0" u="none" strike="noStrike" dirty="0">
+                        <a:solidFill>
+                          <a:srgbClr val="000000"/>
+                        </a:solidFill>
+                        <a:effectLst/>
+                        <a:latin typeface="Arial" charset="0"/>
+                        <a:ea typeface="Arial" charset="0"/>
+                        <a:cs typeface="Arial" charset="0"/>
+                      </a:endParaRPr>
+                    </a:p>
+                  </a:txBody>
+                  <a:tcPr marL="6350" marR="6350" marT="6350" marB="0" anchor="b"/>
+                </a:tc>
+              </a:tr>
+              <a:tr h="412266">
+                <a:tc>
+                  <a:txBody>
+                    <a:bodyPr/>
+                    <a:lstStyle/>
+                    <a:p>
+                      <a:pPr algn="l" fontAlgn="b"/>
+                      <a:endParaRPr lang="en-US" sz="2000" b="0" i="0" u="none" strike="noStrike">
+                        <a:solidFill>
+                          <a:srgbClr val="000000"/>
+                        </a:solidFill>
+                        <a:effectLst/>
+                        <a:latin typeface="Arial" charset="0"/>
+                        <a:ea typeface="Arial" charset="0"/>
+                        <a:cs typeface="Arial" charset="0"/>
+                      </a:endParaRPr>
+                    </a:p>
+                  </a:txBody>
+                  <a:tcPr marL="6350" marR="6350" marT="6350" marB="0" anchor="b"/>
+                </a:tc>
+                <a:tc>
+                  <a:txBody>
+                    <a:bodyPr/>
+                    <a:lstStyle/>
+                    <a:p>
+                      <a:pPr algn="r" fontAlgn="b"/>
+                      <a:endParaRPr lang="is-IS" sz="2000" b="0" i="0" u="none" strike="noStrike" dirty="0">
+                        <a:solidFill>
+                          <a:srgbClr val="000000"/>
+                        </a:solidFill>
+                        <a:effectLst/>
+                        <a:latin typeface="Arial" charset="0"/>
+                        <a:ea typeface="Arial" charset="0"/>
+                        <a:cs typeface="Arial" charset="0"/>
+                      </a:endParaRPr>
+                    </a:p>
+                  </a:txBody>
+                  <a:tcPr marL="6350" marR="6350" marT="6350" marB="0" anchor="b"/>
+                </a:tc>
+              </a:tr>
+              <a:tr h="412266">
+                <a:tc>
+                  <a:txBody>
+                    <a:bodyPr/>
+                    <a:lstStyle/>
+                    <a:p>
+                      <a:pPr algn="l" fontAlgn="b"/>
+                      <a:endParaRPr lang="en-US" sz="2000" b="0" i="0" u="none" strike="noStrike">
+                        <a:solidFill>
+                          <a:srgbClr val="000000"/>
+                        </a:solidFill>
+                        <a:effectLst/>
+                        <a:latin typeface="Arial" charset="0"/>
+                        <a:ea typeface="Arial" charset="0"/>
+                        <a:cs typeface="Arial" charset="0"/>
+                      </a:endParaRPr>
+                    </a:p>
+                  </a:txBody>
+                  <a:tcPr marL="6350" marR="6350" marT="6350" marB="0" anchor="b"/>
+                </a:tc>
+                <a:tc>
+                  <a:txBody>
+                    <a:bodyPr/>
+                    <a:lstStyle/>
+                    <a:p>
+                      <a:pPr algn="r" fontAlgn="b"/>
+                      <a:endParaRPr lang="fi-FI" sz="2000" b="0" i="0" u="none" strike="noStrike" dirty="0">
+                        <a:solidFill>
+                          <a:srgbClr val="000000"/>
+                        </a:solidFill>
+                        <a:effectLst/>
+                        <a:latin typeface="Arial" charset="0"/>
+                        <a:ea typeface="Arial" charset="0"/>
+                        <a:cs typeface="Arial" charset="0"/>
+                      </a:endParaRPr>
+                    </a:p>
+                  </a:txBody>
+                  <a:tcPr marL="6350" marR="6350" marT="6350" marB="0" anchor="b"/>
+                </a:tc>
+              </a:tr>
+              <a:tr h="412266">
+                <a:tc>
+                  <a:txBody>
+                    <a:bodyPr/>
+                    <a:lstStyle/>
+                    <a:p>
+                      <a:pPr algn="l" fontAlgn="b"/>
+                      <a:endParaRPr lang="en-US" sz="2000" b="0" i="0" u="none" strike="noStrike">
+                        <a:solidFill>
+                          <a:srgbClr val="000000"/>
+                        </a:solidFill>
+                        <a:effectLst/>
+                        <a:latin typeface="Arial" charset="0"/>
+                        <a:ea typeface="Arial" charset="0"/>
+                        <a:cs typeface="Arial" charset="0"/>
+                      </a:endParaRPr>
+                    </a:p>
+                  </a:txBody>
+                  <a:tcPr marL="6350" marR="6350" marT="6350" marB="0" anchor="b"/>
+                </a:tc>
+                <a:tc>
+                  <a:txBody>
+                    <a:bodyPr/>
+                    <a:lstStyle/>
+                    <a:p>
+                      <a:pPr algn="r" fontAlgn="b"/>
+                      <a:endParaRPr lang="is-IS" sz="2000" b="0" i="0" u="none" strike="noStrike" dirty="0">
+                        <a:solidFill>
+                          <a:srgbClr val="000000"/>
+                        </a:solidFill>
+                        <a:effectLst/>
+                        <a:latin typeface="Arial" charset="0"/>
+                        <a:ea typeface="Arial" charset="0"/>
+                        <a:cs typeface="Arial" charset="0"/>
+                      </a:endParaRPr>
+                    </a:p>
+                  </a:txBody>
+                  <a:tcPr marL="6350" marR="6350" marT="6350" marB="0" anchor="b"/>
+                </a:tc>
+              </a:tr>
+            </a:tbl>
+          </a:graphicData>
+        </a:graphic>
+      </p:graphicFrame>
+      <p:sp>
+        <p:nvSpPr>
+          <p:cNvPr id="2" name="Title 1"/>
+          <p:cNvSpPr>
+            <a:spLocks noGrp="1"/>
+          </p:cNvSpPr>
+          <p:nvPr>
+            <p:ph type="title"/>
+          </p:nvPr>
+        </p:nvSpPr>
+        <p:spPr>
+          <a:xfrm>
+            <a:off x="322023" y="328628"/>
+            <a:ext cx="11426632" cy="605294"/>
+          </a:xfrm>
+        </p:spPr>
+        <p:txBody>
+          <a:bodyPr/>
+          <a:lstStyle/>
+          <a:p>
+            <a:r>
+              <a:rPr lang="en-US" altLang="ja-JP" sz="3200" b="1" dirty="0" smtClean="0">
+                <a:solidFill>
+                  <a:srgbClr val="00B0F0"/>
+                </a:solidFill>
+                <a:latin typeface="Arial" charset="0"/>
+                <a:ea typeface="Arial" charset="0"/>
+                <a:cs typeface="Arial" charset="0"/>
+              </a:rPr>
+              <a:t>2017 Japan Revenue </a:t>
+            </a:r>
+            <a:r>
+              <a:rPr lang="en-US" altLang="ja-JP" sz="3200" b="1" dirty="0">
+                <a:solidFill>
+                  <a:srgbClr val="00B0F0"/>
+                </a:solidFill>
+                <a:latin typeface="Arial" charset="0"/>
+                <a:ea typeface="Arial" charset="0"/>
+                <a:cs typeface="Arial" charset="0"/>
+              </a:rPr>
+              <a:t>Target </a:t>
+            </a:r>
+            <a:r>
+              <a:rPr lang="en-US" altLang="ja-JP" sz="3200" b="1" dirty="0" smtClean="0">
+                <a:solidFill>
+                  <a:srgbClr val="00B0F0"/>
+                </a:solidFill>
+                <a:latin typeface="Arial" charset="0"/>
+                <a:ea typeface="Arial" charset="0"/>
+                <a:cs typeface="Arial" charset="0"/>
+              </a:rPr>
+              <a:t>&amp; Marketing </a:t>
+            </a:r>
+            <a:r>
+              <a:rPr lang="en-US" altLang="ja-JP" sz="3200" b="1" dirty="0">
+                <a:solidFill>
+                  <a:srgbClr val="00B0F0"/>
+                </a:solidFill>
+                <a:latin typeface="Arial" charset="0"/>
+                <a:ea typeface="Arial" charset="0"/>
+                <a:cs typeface="Arial" charset="0"/>
+              </a:rPr>
+              <a:t>Contribution</a:t>
+            </a:r>
+          </a:p>
+        </p:txBody>
+      </p:sp>
+      <p:sp>
+        <p:nvSpPr>
+          <p:cNvPr id="6" name="Rectangle 9"/>
+          <p:cNvSpPr/>
+          <p:nvPr/>
+        </p:nvSpPr>
+        <p:spPr>
+          <a:xfrm>
+            <a:off x="11647754" y="6596555"/>
+            <a:ext cx="410749" cy="138499"/>
+          </a:xfrm>
+          <a:prstGeom prst="rect">
+            <a:avLst/>
+          </a:prstGeom>
+        </p:spPr>
+        <p:txBody>
+          <a:bodyPr wrap="square" lIns="0" tIns="0" rIns="0" bIns="0">
+            <a:spAutoFit/>
+          </a:bodyPr>
+          <a:lstStyle/>
+          <a:p>
+            <a:fld id="{655362CE-4ABE-4CB4-8947-B1242CDD9D94}" type="slidenum">
+              <a:rPr kumimoji="0" lang="en-US" sz="900" smtClean="0">
+                <a:solidFill>
+                  <a:srgbClr val="5A5A5A"/>
+                </a:solidFill>
+                <a:latin typeface="Arial" charset="0"/>
+                <a:ea typeface="Arial" charset="0"/>
+                <a:cs typeface="Arial" charset="0"/>
+              </a:rPr>
+              <a:pPr/>
+              <a:t>14</a:t>
+            </a:fld>
+            <a:endParaRPr kumimoji="0" lang="en-US" sz="900" dirty="0">
+              <a:solidFill>
+                <a:srgbClr val="5A5A5A"/>
+              </a:solidFill>
+              <a:latin typeface="Arial" charset="0"/>
+              <a:ea typeface="Arial" charset="0"/>
+              <a:cs typeface="Arial" charset="0"/>
+            </a:endParaRPr>
+          </a:p>
+        </p:txBody>
+      </p:sp>
+      <p:sp>
+        <p:nvSpPr>
+          <p:cNvPr id="7" name="Rectangle 14"/>
+          <p:cNvSpPr/>
+          <p:nvPr/>
+        </p:nvSpPr>
+        <p:spPr>
+          <a:xfrm>
+            <a:off x="11291779" y="6596555"/>
+            <a:ext cx="380848" cy="138499"/>
+          </a:xfrm>
+          <a:prstGeom prst="rect">
+            <a:avLst/>
+          </a:prstGeom>
+        </p:spPr>
+        <p:txBody>
+          <a:bodyPr wrap="square" lIns="0" tIns="0" rIns="0" bIns="0">
+            <a:spAutoFit/>
+          </a:bodyPr>
+          <a:lstStyle/>
+          <a:p>
+            <a:r>
+              <a:rPr kumimoji="0" lang="en-US" sz="900" dirty="0" smtClean="0">
+                <a:solidFill>
+                  <a:srgbClr val="5A5A5A"/>
+                </a:solidFill>
+                <a:latin typeface="Arial" charset="0"/>
+                <a:ea typeface="Arial" charset="0"/>
+                <a:cs typeface="Arial" charset="0"/>
+              </a:rPr>
+              <a:t>Page</a:t>
+            </a:r>
+            <a:endParaRPr kumimoji="0" lang="en-US" sz="900" dirty="0">
+              <a:solidFill>
+                <a:srgbClr val="5A5A5A"/>
+              </a:solidFill>
+              <a:latin typeface="Arial" charset="0"/>
+              <a:ea typeface="Arial" charset="0"/>
+              <a:cs typeface="Arial" charset="0"/>
+            </a:endParaRPr>
+          </a:p>
+        </p:txBody>
+      </p:sp>
+      <p:sp>
+        <p:nvSpPr>
+          <p:cNvPr id="8" name="Rectangle 9"/>
+          <p:cNvSpPr/>
+          <p:nvPr/>
+        </p:nvSpPr>
+        <p:spPr>
+          <a:xfrm>
+            <a:off x="11800154" y="6748955"/>
+            <a:ext cx="410749" cy="138499"/>
+          </a:xfrm>
+          <a:prstGeom prst="rect">
+            <a:avLst/>
+          </a:prstGeom>
+        </p:spPr>
+        <p:txBody>
+          <a:bodyPr wrap="square" lIns="0" tIns="0" rIns="0" bIns="0">
+            <a:spAutoFit/>
+          </a:bodyPr>
+          <a:lstStyle/>
+          <a:p>
+            <a:fld id="{655362CE-4ABE-4CB4-8947-B1242CDD9D94}" type="slidenum">
+              <a:rPr kumimoji="0" lang="en-US" sz="900" smtClean="0">
+                <a:solidFill>
+                  <a:srgbClr val="5A5A5A"/>
+                </a:solidFill>
+                <a:latin typeface="Arial" charset="0"/>
+                <a:ea typeface="Arial" charset="0"/>
+                <a:cs typeface="Arial" charset="0"/>
+              </a:rPr>
+              <a:pPr/>
+              <a:t>14</a:t>
+            </a:fld>
+            <a:endParaRPr kumimoji="0" lang="en-US" sz="900" dirty="0">
+              <a:solidFill>
+                <a:srgbClr val="5A5A5A"/>
+              </a:solidFill>
+              <a:latin typeface="Arial" charset="0"/>
+              <a:ea typeface="Arial" charset="0"/>
+              <a:cs typeface="Arial" charset="0"/>
+            </a:endParaRPr>
+          </a:p>
+        </p:txBody>
+      </p:sp>
+      <p:sp>
+        <p:nvSpPr>
+          <p:cNvPr id="9" name="角丸四角形 8"/>
+          <p:cNvSpPr/>
+          <p:nvPr/>
+        </p:nvSpPr>
+        <p:spPr>
+          <a:xfrm>
+            <a:off x="10302948" y="19943"/>
+            <a:ext cx="1889051" cy="716526"/>
+          </a:xfrm>
+          <a:prstGeom prst="roundRect">
+            <a:avLst/>
+          </a:prstGeom>
+          <a:solidFill>
+            <a:schemeClr val="accent2"/>
+          </a:solidFill>
+          <a:ln>
+            <a:noFill/>
+          </a:ln>
+        </p:spPr>
+        <p:style>
+          <a:lnRef idx="2">
+            <a:schemeClr val="accent1">
+              <a:shade val="50000"/>
+            </a:schemeClr>
+          </a:lnRef>
+          <a:fillRef idx="1">
+            <a:schemeClr val="accent1"/>
+          </a:fillRef>
+          <a:effectRef idx="0">
+            <a:schemeClr val="accent1"/>
+          </a:effectRef>
+          <a:fontRef idx="minor">
+            <a:schemeClr val="lt1"/>
+          </a:fontRef>
+        </p:style>
+        <p:txBody>
+          <a:bodyPr rtlCol="0" anchor="ctr"/>
+          <a:lstStyle/>
+          <a:p>
+            <a:pPr algn="ctr"/>
+            <a:r>
+              <a:rPr kumimoji="1" lang="en-US" altLang="ja-JP" sz="2800" dirty="0" smtClean="0">
+                <a:latin typeface="Arial" charset="0"/>
+                <a:ea typeface="Arial" charset="0"/>
+                <a:cs typeface="Arial" charset="0"/>
+              </a:rPr>
+              <a:t>WIP</a:t>
+            </a:r>
+            <a:endParaRPr kumimoji="1" lang="ja-JP" altLang="en-US" sz="2800" dirty="0">
+              <a:latin typeface="Arial" charset="0"/>
+              <a:ea typeface="Arial" charset="0"/>
+              <a:cs typeface="Arial" charset="0"/>
+            </a:endParaRPr>
+          </a:p>
+        </p:txBody>
+      </p:sp>
+    </p:spTree>
+    <p:extLst>
+      <p:ext uri="{BB962C8B-B14F-4D97-AF65-F5344CB8AC3E}">
+        <p14:creationId xmlns:p14="http://schemas.microsoft.com/office/powerpoint/2010/main" val="841811139"/>
       </p:ext>
     </p:extLst>
   </p:cSld>
@@ -8372,7 +10247,7 @@
           <p:nvPr>
             <p:extLst>
               <p:ext uri="{D42A27DB-BD31-4B8C-83A1-F6EECF244321}">
-                <p14:modId xmlns:p14="http://schemas.microsoft.com/office/powerpoint/2010/main" val="1999474590"/>
+                <p14:modId xmlns:p14="http://schemas.microsoft.com/office/powerpoint/2010/main" val="811096976"/>
               </p:ext>
             </p:extLst>
           </p:nvPr>
@@ -9010,7 +10885,7 @@
                           <a:ea typeface="Arial" charset="0"/>
                           <a:cs typeface="Arial" charset="0"/>
                         </a:rPr>
-                        <a:t>Mid ?</a:t>
+                        <a:t>Low ?</a:t>
                       </a:r>
                       <a:endParaRPr kumimoji="1" lang="ja-JP" altLang="en-US" sz="1000" b="0" dirty="0">
                         <a:latin typeface="Arial" charset="0"/>
@@ -10319,14 +12194,14 @@
           <p:nvPr>
             <p:extLst>
               <p:ext uri="{D42A27DB-BD31-4B8C-83A1-F6EECF244321}">
-                <p14:modId xmlns:p14="http://schemas.microsoft.com/office/powerpoint/2010/main" val="1829083509"/>
+                <p14:modId xmlns:p14="http://schemas.microsoft.com/office/powerpoint/2010/main" val="1240331591"/>
               </p:ext>
             </p:extLst>
           </p:nvPr>
         </p:nvGraphicFramePr>
         <p:xfrm>
           <a:off x="6337130" y="4258394"/>
-          <a:ext cx="4832812" cy="1737360"/>
+          <a:ext cx="4832812" cy="1905000"/>
         </p:xfrm>
         <a:graphic>
           <a:graphicData uri="http://schemas.openxmlformats.org/drawingml/2006/table">
@@ -10550,6 +12425,14 @@
                         </a:rPr>
                         <a:t>Content localization: things like documentation, collateral support</a:t>
                       </a:r>
+                      <a:r>
+                        <a:rPr kumimoji="1" lang="en-US" altLang="ja-JP" sz="1100" baseline="0" dirty="0" smtClean="0">
+                          <a:latin typeface="Arial" charset="0"/>
+                          <a:ea typeface="Arial" charset="0"/>
+                          <a:cs typeface="Arial" charset="0"/>
+                        </a:rPr>
+                        <a:t> and owned web</a:t>
+                      </a:r>
                       <a:endParaRPr kumimoji="1" lang="ja-JP" altLang="en-US" sz="1100" dirty="0">
                         <a:latin typeface="Arial" charset="0"/>
                         <a:ea typeface="Arial" charset="0"/>
@@ -10723,9 +12606,9 @@
           <p:nvPr/>
         </p:nvSpPr>
         <p:spPr>
-          <a:xfrm rot="20584952">
-            <a:off x="4470129" y="3165869"/>
-            <a:ext cx="3511296" cy="716526"/>
+          <a:xfrm>
+            <a:off x="10302948" y="19943"/>
+            <a:ext cx="1889051" cy="716526"/>
           </a:xfrm>
           <a:prstGeom prst="roundRect">
             <a:avLst/>
@@ -14985,35 +16868,8 @@
                           <a:ea typeface="Arial" charset="0"/>
                           <a:cs typeface="Arial" charset="0"/>
                         </a:rPr>
-                        <a:t>GitHub </a:t>
+                        <a:t>GitHub Universe 2017</a:t>
                       </a:r>
-                      <a:r>
-                        <a:rPr kumimoji="0" lang="en-US" altLang="ja-JP" sz="1200" b="0" i="0" u="none" strike="noStrike" cap="none" normalizeH="0" baseline="0" dirty="0" smtClean="0">
-                          <a:ln>
-                            <a:noFill/>
-                          </a:ln>
-                          <a:solidFill>
-                            <a:schemeClr val="tx1"/>
-                          </a:solidFill>
-                          <a:effectLst/>
-                          <a:latin typeface="Arial" charset="0"/>
-                          <a:ea typeface="Arial" charset="0"/>
-                          <a:cs typeface="Arial" charset="0"/>
-                        </a:rPr>
-                        <a:t>Universe 2017</a:t>
-                      </a:r>
-                      <a:endParaRPr kumimoji="0" lang="en-US" altLang="ja-JP" sz="1200" b="0" i="0" u="none" strike="noStrike" cap="none" normalizeH="0" baseline="0" dirty="0" smtClean="0">
-                        <a:ln>
-                          <a:noFill/>
-                        </a:ln>
-                        <a:solidFill>
-                          <a:schemeClr val="tx1"/>
-                        </a:solidFill>
-                        <a:effectLst/>
-                        <a:latin typeface="Arial" charset="0"/>
-                        <a:ea typeface="Arial" charset="0"/>
-                        <a:cs typeface="Arial" charset="0"/>
-                      </a:endParaRPr>
                     </a:p>
                     <a:p>
                       <a:pPr marL="0" marR="0" lvl="0" indent="0" algn="l" defTabSz="914400" rtl="0" eaLnBrk="1" fontAlgn="base" latinLnBrk="0" hangingPunct="1">
@@ -15596,18 +17452,6 @@
                         </a:rPr>
                         <a:t>GitHub Satellite 2018 Tokyo</a:t>
                       </a:r>
-                      <a:endParaRPr kumimoji="0" lang="en-US" altLang="ja-JP" sz="1200" b="1" i="0" u="none" strike="noStrike" cap="none" normalizeH="0" baseline="0" dirty="0" smtClean="0">
-                        <a:ln>
-                          <a:noFill/>
-                        </a:ln>
-                        <a:solidFill>
-                          <a:schemeClr val="tx1"/>
-                        </a:solidFill>
-                        <a:effectLst/>
-                        <a:latin typeface="Arial" charset="0"/>
-                        <a:ea typeface="Arial" charset="0"/>
-                        <a:cs typeface="Arial" charset="0"/>
-                      </a:endParaRPr>
                     </a:p>
                     <a:p>
                       <a:pPr marL="0" marR="0" lvl="0" indent="0" algn="l" defTabSz="914400" rtl="0" eaLnBrk="1" fontAlgn="base" latinLnBrk="0" hangingPunct="1">
@@ -25643,64 +27487,6 @@
       </p:sp>
       <p:sp>
         <p:nvSpPr>
-          <p:cNvPr id="21" name="角丸四角形 20"/>
-          <p:cNvSpPr/>
-          <p:nvPr/>
-        </p:nvSpPr>
-        <p:spPr>
-          <a:xfrm rot="20584952">
-            <a:off x="5117148" y="4134121"/>
-            <a:ext cx="3511296" cy="716526"/>
-          </a:xfrm>
-          <a:prstGeom prst="roundRect">
-            <a:avLst/>
-          </a:prstGeom>
-          <a:solidFill>
-            <a:schemeClr val="accent2"/>
-          </a:solidFill>
-          <a:ln>
-            <a:noFill/>
-          </a:ln>
-        </p:spPr>
-        <p:style>
-          <a:lnRef idx="2">
-            <a:schemeClr val="accent1">
-              <a:shade val="50000"/>
-            </a:schemeClr>
-          </a:lnRef>
-          <a:fillRef idx="1">
-            <a:schemeClr val="accent1"/>
-          </a:fillRef>
-          <a:effectRef idx="0">
-            <a:schemeClr val="accent1"/>
-          </a:effectRef>
-          <a:fontRef idx="minor">
-            <a:schemeClr val="lt1"/>
-          </a:fontRef>
-        </p:style>
-        <p:txBody>
-          <a:bodyPr rtlCol="0" anchor="ctr"/>
-          <a:lstStyle/>
-          <a:p>
-            <a:pPr algn="ctr"/>
-            <a:r>
-              <a:rPr kumimoji="1" lang="en-US" altLang="ja-JP" sz="2800" dirty="0" smtClean="0">
-                <a:latin typeface="Arial" charset="0"/>
-                <a:ea typeface="Arial" charset="0"/>
-                <a:cs typeface="Arial" charset="0"/>
-              </a:rPr>
-              <a:t>WIP</a:t>
-            </a:r>
-            <a:endParaRPr kumimoji="1" lang="ja-JP" altLang="en-US" sz="2800" dirty="0">
-              <a:latin typeface="Arial" charset="0"/>
-              <a:ea typeface="Arial" charset="0"/>
-              <a:cs typeface="Arial" charset="0"/>
-            </a:endParaRPr>
-          </a:p>
-        </p:txBody>
-      </p:sp>
-      <p:sp>
-        <p:nvSpPr>
           <p:cNvPr id="6" name="TextBox 31"/>
           <p:cNvSpPr txBox="1"/>
           <p:nvPr/>
@@ -25976,11 +27762,6 @@
               </a:rPr>
               <a:t>eb seminar series(Live and On-Demand)</a:t>
             </a:r>
-            <a:endParaRPr lang="en-US" altLang="ja-JP" sz="1100" b="1" dirty="0" smtClean="0">
-              <a:latin typeface="Arial" charset="0"/>
-              <a:ea typeface="Arial" charset="0"/>
-              <a:cs typeface="Arial" charset="0"/>
-            </a:endParaRPr>
           </a:p>
         </p:txBody>
       </p:sp>
@@ -26020,15 +27801,7 @@
                 <a:ea typeface="Arial" charset="0"/>
                 <a:cs typeface="Arial" charset="0"/>
               </a:rPr>
-              <a:t>special feature article on WIRED </a:t>
-            </a:r>
-            <a:r>
-              <a:rPr lang="en-US" altLang="ja-JP" sz="1100" b="1" dirty="0" smtClean="0">
-                <a:latin typeface="Arial" charset="0"/>
-                <a:ea typeface="Arial" charset="0"/>
-                <a:cs typeface="Arial" charset="0"/>
-              </a:rPr>
-              <a:t>Japan</a:t>
+              <a:t>special feature article on WIRED Japan</a:t>
             </a:r>
           </a:p>
         </p:txBody>
@@ -26077,21 +27850,8 @@
                 <a:ea typeface="Arial" charset="0"/>
                 <a:cs typeface="Arial" charset="0"/>
               </a:rPr>
-              <a:t>Seminar/w </a:t>
-            </a:r>
-            <a:r>
-              <a:rPr lang="en-US" altLang="ja-JP" sz="1100" b="1" dirty="0" smtClean="0">
-                <a:latin typeface="Arial" charset="0"/>
-                <a:ea typeface="Arial" charset="0"/>
-                <a:cs typeface="Arial" charset="0"/>
-              </a:rPr>
-              <a:t>IBM</a:t>
-            </a:r>
-            <a:endParaRPr lang="en-US" altLang="ja-JP" sz="1100" b="1" dirty="0" smtClean="0">
-              <a:latin typeface="Arial" charset="0"/>
-              <a:ea typeface="Arial" charset="0"/>
-              <a:cs typeface="Arial" charset="0"/>
-            </a:endParaRPr>
+              <a:t>Seminar/w IBM</a:t>
+            </a:r>
           </a:p>
         </p:txBody>
       </p:sp>
@@ -26185,21 +27945,8 @@
                 <a:ea typeface="Arial" charset="0"/>
                 <a:cs typeface="Arial" charset="0"/>
               </a:rPr>
-              <a:t>Seminar/w </a:t>
-            </a:r>
-            <a:r>
-              <a:rPr lang="en-US" altLang="ja-JP" sz="1100" b="1" dirty="0" smtClean="0">
-                <a:latin typeface="Arial" charset="0"/>
-                <a:ea typeface="Arial" charset="0"/>
-                <a:cs typeface="Arial" charset="0"/>
-              </a:rPr>
-              <a:t>IBM</a:t>
-            </a:r>
-            <a:endParaRPr lang="en-US" altLang="ja-JP" sz="1100" b="1" dirty="0" smtClean="0">
-              <a:latin typeface="Arial" charset="0"/>
-              <a:ea typeface="Arial" charset="0"/>
-              <a:cs typeface="Arial" charset="0"/>
-            </a:endParaRPr>
+              <a:t>Seminar/w IBM</a:t>
+            </a:r>
           </a:p>
         </p:txBody>
       </p:sp>
@@ -26832,755 +28579,16 @@
           </a:p>
         </p:txBody>
       </p:sp>
-    </p:spTree>
-    <p:extLst>
-      <p:ext uri="{BB962C8B-B14F-4D97-AF65-F5344CB8AC3E}">
-        <p14:creationId xmlns:p14="http://schemas.microsoft.com/office/powerpoint/2010/main" val="1202493982"/>
-      </p:ext>
-    </p:extLst>
-  </p:cSld>
-  <p:clrMapOvr>
-    <a:masterClrMapping/>
-  </p:clrMapOvr>
-  <p:timing>
-    <p:tnLst>
-      <p:par>
-        <p:cTn id="1" dur="indefinite" restart="never" nodeType="tmRoot"/>
-      </p:par>
-    </p:tnLst>
-  </p:timing>
-</p:sld>
-</file>
-
-<file path=ppt/slides/slide6.xml><?xml version="1.0" encoding="utf-8"?>
-<p:sld xmlns:a="http://schemas.openxmlformats.org/drawingml/2006/main" xmlns:r="http://schemas.openxmlformats.org/officeDocument/2006/relationships" xmlns:p="http://schemas.openxmlformats.org/presentationml/2006/main">
-  <p:cSld>
-    <p:spTree>
-      <p:nvGrpSpPr>
-        <p:cNvPr id="1" name=""/>
-        <p:cNvGrpSpPr/>
-        <p:nvPr/>
-      </p:nvGrpSpPr>
-      <p:grpSpPr>
-        <a:xfrm>
-          <a:off x="0" y="0"/>
-          <a:ext cx="0" cy="0"/>
-          <a:chOff x="0" y="0"/>
-          <a:chExt cx="0" cy="0"/>
-        </a:xfrm>
-      </p:grpSpPr>
-      <p:graphicFrame>
-        <p:nvGraphicFramePr>
-          <p:cNvPr id="12" name="表 11"/>
-          <p:cNvGraphicFramePr>
-            <a:graphicFrameLocks noGrp="1"/>
-          </p:cNvGraphicFramePr>
-          <p:nvPr>
-            <p:extLst>
-              <p:ext uri="{D42A27DB-BD31-4B8C-83A1-F6EECF244321}">
-                <p14:modId xmlns:p14="http://schemas.microsoft.com/office/powerpoint/2010/main" val="1934570179"/>
-              </p:ext>
-            </p:extLst>
-          </p:nvPr>
-        </p:nvGraphicFramePr>
-        <p:xfrm>
-          <a:off x="1236977" y="1733477"/>
-          <a:ext cx="8741500" cy="3710394"/>
-        </p:xfrm>
-        <a:graphic>
-          <a:graphicData uri="http://schemas.openxmlformats.org/drawingml/2006/table">
-            <a:tbl>
-              <a:tblPr>
-                <a:tableStyleId>{D7AC3CCA-C797-4891-BE02-D94E43425B78}</a:tableStyleId>
-              </a:tblPr>
-              <a:tblGrid>
-                <a:gridCol w="6303020"/>
-                <a:gridCol w="2438480"/>
-              </a:tblGrid>
-              <a:tr h="412266">
-                <a:tc>
-                  <a:txBody>
-                    <a:bodyPr/>
-                    <a:lstStyle/>
-                    <a:p>
-                      <a:pPr algn="l" fontAlgn="b"/>
-                      <a:endParaRPr lang="en-US" sz="2000" b="0" i="0" u="none" strike="noStrike" dirty="0">
-                        <a:solidFill>
-                          <a:srgbClr val="000000"/>
-                        </a:solidFill>
-                        <a:effectLst/>
-                        <a:latin typeface="Arial" charset="0"/>
-                        <a:ea typeface="Arial" charset="0"/>
-                        <a:cs typeface="Arial" charset="0"/>
-                      </a:endParaRPr>
-                    </a:p>
-                  </a:txBody>
-                  <a:tcPr marL="6350" marR="6350" marT="6350" marB="0" anchor="b">
-                    <a:noFill/>
-                  </a:tcPr>
-                </a:tc>
-                <a:tc>
-                  <a:txBody>
-                    <a:bodyPr/>
-                    <a:lstStyle/>
-                    <a:p>
-                      <a:pPr algn="r" fontAlgn="b"/>
-                      <a:r>
-                        <a:rPr lang="is-IS" sz="2000" u="none" strike="noStrike" dirty="0" smtClean="0">
-                          <a:effectLst/>
-                          <a:latin typeface="Arial" charset="0"/>
-                          <a:ea typeface="Arial" charset="0"/>
-                          <a:cs typeface="Arial" charset="0"/>
-                        </a:rPr>
-                        <a:t>K$</a:t>
-                      </a:r>
-                      <a:endParaRPr lang="is-IS" sz="2000" b="0" i="0" u="none" strike="noStrike" dirty="0">
-                        <a:solidFill>
-                          <a:srgbClr val="000000"/>
-                        </a:solidFill>
-                        <a:effectLst/>
-                        <a:latin typeface="Arial" charset="0"/>
-                        <a:ea typeface="Arial" charset="0"/>
-                        <a:cs typeface="Arial" charset="0"/>
-                      </a:endParaRPr>
-                    </a:p>
-                  </a:txBody>
-                  <a:tcPr marL="6350" marR="6350" marT="6350" marB="0" anchor="b">
-                    <a:noFill/>
-                  </a:tcPr>
-                </a:tc>
-              </a:tr>
-              <a:tr h="412266">
-                <a:tc>
-                  <a:txBody>
-                    <a:bodyPr/>
-                    <a:lstStyle/>
-                    <a:p>
-                      <a:pPr algn="l" fontAlgn="b"/>
-                      <a:r>
-                        <a:rPr lang="en-US" sz="2000" u="none" strike="noStrike" dirty="0">
-                          <a:effectLst/>
-                          <a:latin typeface="Arial" charset="0"/>
-                          <a:ea typeface="Arial" charset="0"/>
-                          <a:cs typeface="Arial" charset="0"/>
-                        </a:rPr>
-                        <a:t>ARR </a:t>
-                      </a:r>
-                      <a:r>
-                        <a:rPr lang="en-US" sz="2000" u="none" strike="noStrike" dirty="0" err="1">
-                          <a:effectLst/>
-                          <a:latin typeface="Arial" charset="0"/>
-                          <a:ea typeface="Arial" charset="0"/>
-                          <a:cs typeface="Arial" charset="0"/>
-                        </a:rPr>
-                        <a:t>Traget</a:t>
-                      </a:r>
-                      <a:endParaRPr lang="en-US" sz="2000" b="0" i="0" u="none" strike="noStrike" dirty="0">
-                        <a:solidFill>
-                          <a:srgbClr val="000000"/>
-                        </a:solidFill>
-                        <a:effectLst/>
-                        <a:latin typeface="Arial" charset="0"/>
-                        <a:ea typeface="Arial" charset="0"/>
-                        <a:cs typeface="Arial" charset="0"/>
-                      </a:endParaRPr>
-                    </a:p>
-                  </a:txBody>
-                  <a:tcPr marL="6350" marR="6350" marT="6350" marB="0" anchor="b"/>
-                </a:tc>
-                <a:tc>
-                  <a:txBody>
-                    <a:bodyPr/>
-                    <a:lstStyle/>
-                    <a:p>
-                      <a:pPr algn="r" fontAlgn="b"/>
-                      <a:r>
-                        <a:rPr lang="is-IS" sz="2000" u="none" strike="noStrike" dirty="0" smtClean="0">
-                          <a:effectLst/>
-                          <a:latin typeface="Arial" charset="0"/>
-                          <a:ea typeface="Arial" charset="0"/>
-                          <a:cs typeface="Arial" charset="0"/>
-                        </a:rPr>
-                        <a:t>XX</a:t>
-                      </a:r>
-                      <a:endParaRPr lang="is-IS" sz="2000" b="0" i="0" u="none" strike="noStrike" dirty="0">
-                        <a:solidFill>
-                          <a:srgbClr val="000000"/>
-                        </a:solidFill>
-                        <a:effectLst/>
-                        <a:latin typeface="Arial" charset="0"/>
-                        <a:ea typeface="Arial" charset="0"/>
-                        <a:cs typeface="Arial" charset="0"/>
-                      </a:endParaRPr>
-                    </a:p>
-                  </a:txBody>
-                  <a:tcPr marL="6350" marR="6350" marT="6350" marB="0" anchor="b"/>
-                </a:tc>
-              </a:tr>
-              <a:tr h="412266">
-                <a:tc>
-                  <a:txBody>
-                    <a:bodyPr/>
-                    <a:lstStyle/>
-                    <a:p>
-                      <a:pPr algn="l" fontAlgn="b"/>
-                      <a:r>
-                        <a:rPr lang="en-US" sz="2000" u="none" strike="noStrike" dirty="0">
-                          <a:effectLst/>
-                          <a:latin typeface="Arial" charset="0"/>
-                          <a:ea typeface="Arial" charset="0"/>
-                          <a:cs typeface="Arial" charset="0"/>
-                        </a:rPr>
-                        <a:t>Average Deal Size</a:t>
-                      </a:r>
-                      <a:endParaRPr lang="en-US" sz="2000" b="0" i="0" u="none" strike="noStrike" dirty="0">
-                        <a:solidFill>
-                          <a:srgbClr val="000000"/>
-                        </a:solidFill>
-                        <a:effectLst/>
-                        <a:latin typeface="Arial" charset="0"/>
-                        <a:ea typeface="Arial" charset="0"/>
-                        <a:cs typeface="Arial" charset="0"/>
-                      </a:endParaRPr>
-                    </a:p>
-                  </a:txBody>
-                  <a:tcPr marL="6350" marR="6350" marT="6350" marB="0" anchor="b"/>
-                </a:tc>
-                <a:tc>
-                  <a:txBody>
-                    <a:bodyPr/>
-                    <a:lstStyle/>
-                    <a:p>
-                      <a:pPr algn="r" fontAlgn="b"/>
-                      <a:endParaRPr lang="is-IS" sz="2000" b="0" i="0" u="none" strike="noStrike" dirty="0">
-                        <a:solidFill>
-                          <a:srgbClr val="000000"/>
-                        </a:solidFill>
-                        <a:effectLst/>
-                        <a:latin typeface="Arial" charset="0"/>
-                        <a:ea typeface="Arial" charset="0"/>
-                        <a:cs typeface="Arial" charset="0"/>
-                      </a:endParaRPr>
-                    </a:p>
-                  </a:txBody>
-                  <a:tcPr marL="6350" marR="6350" marT="6350" marB="0" anchor="b"/>
-                </a:tc>
-              </a:tr>
-              <a:tr h="412266">
-                <a:tc>
-                  <a:txBody>
-                    <a:bodyPr/>
-                    <a:lstStyle/>
-                    <a:p>
-                      <a:pPr algn="l" fontAlgn="b"/>
-                      <a:r>
-                        <a:rPr lang="en-US" sz="2000" u="none" strike="noStrike" dirty="0">
-                          <a:effectLst/>
-                          <a:latin typeface="Arial" charset="0"/>
-                          <a:ea typeface="Arial" charset="0"/>
-                          <a:cs typeface="Arial" charset="0"/>
-                        </a:rPr>
-                        <a:t>Required Pipeline (x4)</a:t>
-                      </a:r>
-                      <a:endParaRPr lang="en-US" sz="2000" b="0" i="0" u="none" strike="noStrike" dirty="0">
-                        <a:solidFill>
-                          <a:srgbClr val="000000"/>
-                        </a:solidFill>
-                        <a:effectLst/>
-                        <a:latin typeface="Arial" charset="0"/>
-                        <a:ea typeface="Arial" charset="0"/>
-                        <a:cs typeface="Arial" charset="0"/>
-                      </a:endParaRPr>
-                    </a:p>
-                  </a:txBody>
-                  <a:tcPr marL="6350" marR="6350" marT="6350" marB="0" anchor="b"/>
-                </a:tc>
-                <a:tc>
-                  <a:txBody>
-                    <a:bodyPr/>
-                    <a:lstStyle/>
-                    <a:p>
-                      <a:pPr algn="r" fontAlgn="b"/>
-                      <a:endParaRPr lang="is-IS" sz="2000" b="0" i="0" u="none" strike="noStrike" dirty="0">
-                        <a:solidFill>
-                          <a:srgbClr val="000000"/>
-                        </a:solidFill>
-                        <a:effectLst/>
-                        <a:latin typeface="Arial" charset="0"/>
-                        <a:ea typeface="Arial" charset="0"/>
-                        <a:cs typeface="Arial" charset="0"/>
-                      </a:endParaRPr>
-                    </a:p>
-                  </a:txBody>
-                  <a:tcPr marL="6350" marR="6350" marT="6350" marB="0" anchor="b"/>
-                </a:tc>
-              </a:tr>
-              <a:tr h="412266">
-                <a:tc>
-                  <a:txBody>
-                    <a:bodyPr/>
-                    <a:lstStyle/>
-                    <a:p>
-                      <a:pPr algn="l" fontAlgn="b"/>
-                      <a:r>
-                        <a:rPr lang="en-US" sz="2000" u="none" strike="noStrike" dirty="0">
-                          <a:effectLst/>
-                          <a:latin typeface="Arial" charset="0"/>
-                          <a:ea typeface="Arial" charset="0"/>
-                          <a:cs typeface="Arial" charset="0"/>
-                        </a:rPr>
-                        <a:t>Required </a:t>
-                      </a:r>
-                      <a:r>
-                        <a:rPr lang="en-US" sz="2000" u="none" strike="noStrike" dirty="0" err="1">
-                          <a:effectLst/>
-                          <a:latin typeface="Arial" charset="0"/>
-                          <a:ea typeface="Arial" charset="0"/>
-                          <a:cs typeface="Arial" charset="0"/>
-                        </a:rPr>
-                        <a:t>Oppty</a:t>
-                      </a:r>
-                      <a:endParaRPr lang="en-US" sz="2000" b="0" i="0" u="none" strike="noStrike" dirty="0">
-                        <a:solidFill>
-                          <a:srgbClr val="000000"/>
-                        </a:solidFill>
-                        <a:effectLst/>
-                        <a:latin typeface="Arial" charset="0"/>
-                        <a:ea typeface="Arial" charset="0"/>
-                        <a:cs typeface="Arial" charset="0"/>
-                      </a:endParaRPr>
-                    </a:p>
-                  </a:txBody>
-                  <a:tcPr marL="6350" marR="6350" marT="6350" marB="0" anchor="b"/>
-                </a:tc>
-                <a:tc>
-                  <a:txBody>
-                    <a:bodyPr/>
-                    <a:lstStyle/>
-                    <a:p>
-                      <a:pPr algn="r" fontAlgn="b"/>
-                      <a:endParaRPr lang="fi-FI" sz="2000" b="0" i="0" u="none" strike="noStrike" dirty="0">
-                        <a:solidFill>
-                          <a:srgbClr val="000000"/>
-                        </a:solidFill>
-                        <a:effectLst/>
-                        <a:latin typeface="Arial" charset="0"/>
-                        <a:ea typeface="Arial" charset="0"/>
-                        <a:cs typeface="Arial" charset="0"/>
-                      </a:endParaRPr>
-                    </a:p>
-                  </a:txBody>
-                  <a:tcPr marL="6350" marR="6350" marT="6350" marB="0" anchor="b"/>
-                </a:tc>
-              </a:tr>
-              <a:tr h="412266">
-                <a:tc>
-                  <a:txBody>
-                    <a:bodyPr/>
-                    <a:lstStyle/>
-                    <a:p>
-                      <a:pPr algn="l" fontAlgn="b"/>
-                      <a:r>
-                        <a:rPr lang="en-US" sz="2000" u="none" strike="noStrike">
-                          <a:effectLst/>
-                          <a:latin typeface="Arial" charset="0"/>
-                          <a:ea typeface="Arial" charset="0"/>
-                          <a:cs typeface="Arial" charset="0"/>
-                        </a:rPr>
-                        <a:t>Beginning Pipeline Inventory</a:t>
-                      </a:r>
-                      <a:endParaRPr lang="en-US" sz="2000" b="0" i="0" u="none" strike="noStrike">
-                        <a:solidFill>
-                          <a:srgbClr val="000000"/>
-                        </a:solidFill>
-                        <a:effectLst/>
-                        <a:latin typeface="Arial" charset="0"/>
-                        <a:ea typeface="Arial" charset="0"/>
-                        <a:cs typeface="Arial" charset="0"/>
-                      </a:endParaRPr>
-                    </a:p>
-                  </a:txBody>
-                  <a:tcPr marL="6350" marR="6350" marT="6350" marB="0" anchor="b"/>
-                </a:tc>
-                <a:tc>
-                  <a:txBody>
-                    <a:bodyPr/>
-                    <a:lstStyle/>
-                    <a:p>
-                      <a:pPr algn="r" fontAlgn="b"/>
-                      <a:endParaRPr lang="en-US" sz="2000" b="0" i="0" u="none" strike="noStrike" dirty="0">
-                        <a:solidFill>
-                          <a:srgbClr val="000000"/>
-                        </a:solidFill>
-                        <a:effectLst/>
-                        <a:latin typeface="Arial" charset="0"/>
-                        <a:ea typeface="Arial" charset="0"/>
-                        <a:cs typeface="Arial" charset="0"/>
-                      </a:endParaRPr>
-                    </a:p>
-                  </a:txBody>
-                  <a:tcPr marL="6350" marR="6350" marT="6350" marB="0" anchor="b"/>
-                </a:tc>
-              </a:tr>
-              <a:tr h="412266">
-                <a:tc>
-                  <a:txBody>
-                    <a:bodyPr/>
-                    <a:lstStyle/>
-                    <a:p>
-                      <a:pPr algn="l" fontAlgn="b"/>
-                      <a:r>
-                        <a:rPr lang="en-US" sz="2000" u="none" strike="noStrike">
-                          <a:effectLst/>
-                          <a:latin typeface="Arial" charset="0"/>
-                          <a:ea typeface="Arial" charset="0"/>
-                          <a:cs typeface="Arial" charset="0"/>
-                        </a:rPr>
-                        <a:t>Pipeline Generation needed (=PPL Gap)</a:t>
-                      </a:r>
-                      <a:endParaRPr lang="en-US" sz="2000" b="0" i="0" u="none" strike="noStrike">
-                        <a:solidFill>
-                          <a:srgbClr val="000000"/>
-                        </a:solidFill>
-                        <a:effectLst/>
-                        <a:latin typeface="Arial" charset="0"/>
-                        <a:ea typeface="Arial" charset="0"/>
-                        <a:cs typeface="Arial" charset="0"/>
-                      </a:endParaRPr>
-                    </a:p>
-                  </a:txBody>
-                  <a:tcPr marL="6350" marR="6350" marT="6350" marB="0" anchor="b"/>
-                </a:tc>
-                <a:tc>
-                  <a:txBody>
-                    <a:bodyPr/>
-                    <a:lstStyle/>
-                    <a:p>
-                      <a:pPr algn="r" fontAlgn="b"/>
-                      <a:endParaRPr lang="is-IS" sz="2000" b="0" i="0" u="none" strike="noStrike" dirty="0">
-                        <a:solidFill>
-                          <a:srgbClr val="000000"/>
-                        </a:solidFill>
-                        <a:effectLst/>
-                        <a:latin typeface="Arial" charset="0"/>
-                        <a:ea typeface="Arial" charset="0"/>
-                        <a:cs typeface="Arial" charset="0"/>
-                      </a:endParaRPr>
-                    </a:p>
-                  </a:txBody>
-                  <a:tcPr marL="6350" marR="6350" marT="6350" marB="0" anchor="b"/>
-                </a:tc>
-              </a:tr>
-              <a:tr h="412266">
-                <a:tc>
-                  <a:txBody>
-                    <a:bodyPr/>
-                    <a:lstStyle/>
-                    <a:p>
-                      <a:pPr algn="l" fontAlgn="b"/>
-                      <a:r>
-                        <a:rPr lang="en-US" sz="2000" u="none" strike="noStrike">
-                          <a:effectLst/>
-                          <a:latin typeface="Arial" charset="0"/>
-                          <a:ea typeface="Arial" charset="0"/>
-                          <a:cs typeface="Arial" charset="0"/>
-                        </a:rPr>
-                        <a:t>Marketing Contribution (K$)</a:t>
-                      </a:r>
-                      <a:endParaRPr lang="en-US" sz="2000" b="0" i="0" u="none" strike="noStrike">
-                        <a:solidFill>
-                          <a:srgbClr val="000000"/>
-                        </a:solidFill>
-                        <a:effectLst/>
-                        <a:latin typeface="Arial" charset="0"/>
-                        <a:ea typeface="Arial" charset="0"/>
-                        <a:cs typeface="Arial" charset="0"/>
-                      </a:endParaRPr>
-                    </a:p>
-                  </a:txBody>
-                  <a:tcPr marL="6350" marR="6350" marT="6350" marB="0" anchor="b"/>
-                </a:tc>
-                <a:tc>
-                  <a:txBody>
-                    <a:bodyPr/>
-                    <a:lstStyle/>
-                    <a:p>
-                      <a:pPr algn="r" fontAlgn="b"/>
-                      <a:endParaRPr lang="fi-FI" sz="2000" b="0" i="0" u="none" strike="noStrike" dirty="0">
-                        <a:solidFill>
-                          <a:srgbClr val="000000"/>
-                        </a:solidFill>
-                        <a:effectLst/>
-                        <a:latin typeface="Arial" charset="0"/>
-                        <a:ea typeface="Arial" charset="0"/>
-                        <a:cs typeface="Arial" charset="0"/>
-                      </a:endParaRPr>
-                    </a:p>
-                  </a:txBody>
-                  <a:tcPr marL="6350" marR="6350" marT="6350" marB="0" anchor="b"/>
-                </a:tc>
-              </a:tr>
-              <a:tr h="412266">
-                <a:tc>
-                  <a:txBody>
-                    <a:bodyPr/>
-                    <a:lstStyle/>
-                    <a:p>
-                      <a:pPr algn="l" fontAlgn="b"/>
-                      <a:r>
-                        <a:rPr lang="en-US" sz="2000" u="none" strike="noStrike">
-                          <a:effectLst/>
-                          <a:latin typeface="Arial" charset="0"/>
-                          <a:ea typeface="Arial" charset="0"/>
-                          <a:cs typeface="Arial" charset="0"/>
-                        </a:rPr>
-                        <a:t>Marketing Contribution (# Oppty)</a:t>
-                      </a:r>
-                      <a:endParaRPr lang="en-US" sz="2000" b="0" i="0" u="none" strike="noStrike">
-                        <a:solidFill>
-                          <a:srgbClr val="000000"/>
-                        </a:solidFill>
-                        <a:effectLst/>
-                        <a:latin typeface="Arial" charset="0"/>
-                        <a:ea typeface="Arial" charset="0"/>
-                        <a:cs typeface="Arial" charset="0"/>
-                      </a:endParaRPr>
-                    </a:p>
-                  </a:txBody>
-                  <a:tcPr marL="6350" marR="6350" marT="6350" marB="0" anchor="b"/>
-                </a:tc>
-                <a:tc>
-                  <a:txBody>
-                    <a:bodyPr/>
-                    <a:lstStyle/>
-                    <a:p>
-                      <a:pPr algn="r" fontAlgn="b"/>
-                      <a:endParaRPr lang="is-IS" sz="2000" b="0" i="0" u="none" strike="noStrike" dirty="0">
-                        <a:solidFill>
-                          <a:srgbClr val="000000"/>
-                        </a:solidFill>
-                        <a:effectLst/>
-                        <a:latin typeface="Arial" charset="0"/>
-                        <a:ea typeface="Arial" charset="0"/>
-                        <a:cs typeface="Arial" charset="0"/>
-                      </a:endParaRPr>
-                    </a:p>
-                  </a:txBody>
-                  <a:tcPr marL="6350" marR="6350" marT="6350" marB="0" anchor="b"/>
-                </a:tc>
-              </a:tr>
-            </a:tbl>
-          </a:graphicData>
-        </a:graphic>
-      </p:graphicFrame>
       <p:sp>
         <p:nvSpPr>
-          <p:cNvPr id="2" name="Title 1"/>
-          <p:cNvSpPr>
-            <a:spLocks noGrp="1"/>
-          </p:cNvSpPr>
-          <p:nvPr>
-            <p:ph type="title"/>
-          </p:nvPr>
-        </p:nvSpPr>
-        <p:spPr>
-          <a:xfrm>
-            <a:off x="322023" y="328628"/>
-            <a:ext cx="11426632" cy="605294"/>
-          </a:xfrm>
-        </p:spPr>
-        <p:txBody>
-          <a:bodyPr/>
-          <a:lstStyle/>
-          <a:p>
-            <a:r>
-              <a:rPr lang="en-US" altLang="ja-JP" sz="3200" b="1" dirty="0" smtClean="0">
-                <a:solidFill>
-                  <a:srgbClr val="00B0F0"/>
-                </a:solidFill>
-                <a:latin typeface="Arial" charset="0"/>
-                <a:ea typeface="Arial" charset="0"/>
-                <a:cs typeface="Arial" charset="0"/>
-              </a:rPr>
-              <a:t>2017 Japan Revenue </a:t>
-            </a:r>
-            <a:r>
-              <a:rPr lang="en-US" altLang="ja-JP" sz="3200" b="1" dirty="0">
-                <a:solidFill>
-                  <a:srgbClr val="00B0F0"/>
-                </a:solidFill>
-                <a:latin typeface="Arial" charset="0"/>
-                <a:ea typeface="Arial" charset="0"/>
-                <a:cs typeface="Arial" charset="0"/>
-              </a:rPr>
-              <a:t>Target </a:t>
-            </a:r>
-            <a:r>
-              <a:rPr lang="en-US" altLang="ja-JP" sz="3200" b="1" dirty="0" smtClean="0">
-                <a:solidFill>
-                  <a:srgbClr val="00B0F0"/>
-                </a:solidFill>
-                <a:latin typeface="Arial" charset="0"/>
-                <a:ea typeface="Arial" charset="0"/>
-                <a:cs typeface="Arial" charset="0"/>
-              </a:rPr>
-              <a:t>&amp; Marketing </a:t>
-            </a:r>
-            <a:r>
-              <a:rPr lang="en-US" altLang="ja-JP" sz="3200" b="1" dirty="0">
-                <a:solidFill>
-                  <a:srgbClr val="00B0F0"/>
-                </a:solidFill>
-                <a:latin typeface="Arial" charset="0"/>
-                <a:ea typeface="Arial" charset="0"/>
-                <a:cs typeface="Arial" charset="0"/>
-              </a:rPr>
-              <a:t>Contribution</a:t>
-            </a:r>
-          </a:p>
-        </p:txBody>
-      </p:sp>
-      <p:sp>
-        <p:nvSpPr>
-          <p:cNvPr id="6" name="Rectangle 9"/>
+          <p:cNvPr id="31" name="角丸四角形 30"/>
           <p:cNvSpPr/>
           <p:nvPr/>
         </p:nvSpPr>
         <p:spPr>
           <a:xfrm>
-            <a:off x="11647754" y="6596555"/>
-            <a:ext cx="410749" cy="138499"/>
-          </a:xfrm>
-          <a:prstGeom prst="rect">
-            <a:avLst/>
-          </a:prstGeom>
-        </p:spPr>
-        <p:txBody>
-          <a:bodyPr wrap="square" lIns="0" tIns="0" rIns="0" bIns="0">
-            <a:spAutoFit/>
-          </a:bodyPr>
-          <a:lstStyle/>
-          <a:p>
-            <a:fld id="{655362CE-4ABE-4CB4-8947-B1242CDD9D94}" type="slidenum">
-              <a:rPr kumimoji="0" lang="en-US" sz="900" smtClean="0">
-                <a:solidFill>
-                  <a:srgbClr val="5A5A5A"/>
-                </a:solidFill>
-                <a:latin typeface="Arial" charset="0"/>
-                <a:ea typeface="Arial" charset="0"/>
-                <a:cs typeface="Arial" charset="0"/>
-              </a:rPr>
-              <a:pPr/>
-              <a:t>6</a:t>
-            </a:fld>
-            <a:endParaRPr kumimoji="0" lang="en-US" sz="900" dirty="0">
-              <a:solidFill>
-                <a:srgbClr val="5A5A5A"/>
-              </a:solidFill>
-              <a:latin typeface="Arial" charset="0"/>
-              <a:ea typeface="Arial" charset="0"/>
-              <a:cs typeface="Arial" charset="0"/>
-            </a:endParaRPr>
-          </a:p>
-        </p:txBody>
-      </p:sp>
-      <p:sp>
-        <p:nvSpPr>
-          <p:cNvPr id="7" name="Rectangle 14"/>
-          <p:cNvSpPr/>
-          <p:nvPr/>
-        </p:nvSpPr>
-        <p:spPr>
-          <a:xfrm>
-            <a:off x="11291779" y="6596555"/>
-            <a:ext cx="380848" cy="138499"/>
-          </a:xfrm>
-          <a:prstGeom prst="rect">
-            <a:avLst/>
-          </a:prstGeom>
-        </p:spPr>
-        <p:txBody>
-          <a:bodyPr wrap="square" lIns="0" tIns="0" rIns="0" bIns="0">
-            <a:spAutoFit/>
-          </a:bodyPr>
-          <a:lstStyle/>
-          <a:p>
-            <a:r>
-              <a:rPr kumimoji="0" lang="en-US" sz="900" dirty="0" smtClean="0">
-                <a:solidFill>
-                  <a:srgbClr val="5A5A5A"/>
-                </a:solidFill>
-                <a:latin typeface="Arial" charset="0"/>
-                <a:ea typeface="Arial" charset="0"/>
-                <a:cs typeface="Arial" charset="0"/>
-              </a:rPr>
-              <a:t>Page</a:t>
-            </a:r>
-            <a:endParaRPr kumimoji="0" lang="en-US" sz="900" dirty="0">
-              <a:solidFill>
-                <a:srgbClr val="5A5A5A"/>
-              </a:solidFill>
-              <a:latin typeface="Arial" charset="0"/>
-              <a:ea typeface="Arial" charset="0"/>
-              <a:cs typeface="Arial" charset="0"/>
-            </a:endParaRPr>
-          </a:p>
-        </p:txBody>
-      </p:sp>
-      <p:sp>
-        <p:nvSpPr>
-          <p:cNvPr id="8" name="Rectangle 9"/>
-          <p:cNvSpPr/>
-          <p:nvPr/>
-        </p:nvSpPr>
-        <p:spPr>
-          <a:xfrm>
-            <a:off x="11800154" y="6748955"/>
-            <a:ext cx="410749" cy="138499"/>
-          </a:xfrm>
-          <a:prstGeom prst="rect">
-            <a:avLst/>
-          </a:prstGeom>
-        </p:spPr>
-        <p:txBody>
-          <a:bodyPr wrap="square" lIns="0" tIns="0" rIns="0" bIns="0">
-            <a:spAutoFit/>
-          </a:bodyPr>
-          <a:lstStyle/>
-          <a:p>
-            <a:fld id="{655362CE-4ABE-4CB4-8947-B1242CDD9D94}" type="slidenum">
-              <a:rPr kumimoji="0" lang="en-US" sz="900" smtClean="0">
-                <a:solidFill>
-                  <a:srgbClr val="5A5A5A"/>
-                </a:solidFill>
-                <a:latin typeface="Arial" charset="0"/>
-                <a:ea typeface="Arial" charset="0"/>
-                <a:cs typeface="Arial" charset="0"/>
-              </a:rPr>
-              <a:pPr/>
-              <a:t>6</a:t>
-            </a:fld>
-            <a:endParaRPr kumimoji="0" lang="en-US" sz="900" dirty="0">
-              <a:solidFill>
-                <a:srgbClr val="5A5A5A"/>
-              </a:solidFill>
-              <a:latin typeface="Arial" charset="0"/>
-              <a:ea typeface="Arial" charset="0"/>
-              <a:cs typeface="Arial" charset="0"/>
-            </a:endParaRPr>
-          </a:p>
-        </p:txBody>
-      </p:sp>
-      <p:sp>
-        <p:nvSpPr>
-          <p:cNvPr id="10" name="角丸四角形 9"/>
-          <p:cNvSpPr/>
-          <p:nvPr/>
-        </p:nvSpPr>
-        <p:spPr>
-          <a:xfrm rot="20584952">
-            <a:off x="4524411" y="3801293"/>
-            <a:ext cx="3511296" cy="716526"/>
+            <a:off x="10302948" y="19943"/>
+            <a:ext cx="1889051" cy="716526"/>
           </a:xfrm>
           <a:prstGeom prst="roundRect">
             <a:avLst/>
@@ -27632,7 +28640,7 @@
     </p:spTree>
     <p:extLst>
       <p:ext uri="{BB962C8B-B14F-4D97-AF65-F5344CB8AC3E}">
-        <p14:creationId xmlns:p14="http://schemas.microsoft.com/office/powerpoint/2010/main" val="841811139"/>
+        <p14:creationId xmlns:p14="http://schemas.microsoft.com/office/powerpoint/2010/main" val="1202493982"/>
       </p:ext>
     </p:extLst>
   </p:cSld>
@@ -27649,7 +28657,7 @@
 </p:sld>
 </file>
 
-<file path=ppt/slides/slide7.xml><?xml version="1.0" encoding="utf-8"?>
+<file path=ppt/slides/slide6.xml><?xml version="1.0" encoding="utf-8"?>
 <p:sld xmlns:a="http://schemas.openxmlformats.org/drawingml/2006/main" xmlns:r="http://schemas.openxmlformats.org/officeDocument/2006/relationships" xmlns:p="http://schemas.openxmlformats.org/presentationml/2006/main">
   <p:cSld>
     <p:spTree>
@@ -30320,7 +31328,7 @@
 </p:sld>
 </file>
 
-<file path=ppt/slides/slide8.xml><?xml version="1.0" encoding="utf-8"?>
+<file path=ppt/slides/slide7.xml><?xml version="1.0" encoding="utf-8"?>
 <p:sld xmlns:a="http://schemas.openxmlformats.org/drawingml/2006/main" xmlns:r="http://schemas.openxmlformats.org/officeDocument/2006/relationships" xmlns:p="http://schemas.openxmlformats.org/presentationml/2006/main">
   <p:cSld>
     <p:spTree>
@@ -30723,7 +31731,7 @@
 </p:sld>
 </file>
 
-<file path=ppt/slides/slide9.xml><?xml version="1.0" encoding="utf-8"?>
+<file path=ppt/slides/slide8.xml><?xml version="1.0" encoding="utf-8"?>
 <p:sld xmlns:a="http://schemas.openxmlformats.org/drawingml/2006/main" xmlns:r="http://schemas.openxmlformats.org/officeDocument/2006/relationships" xmlns:p="http://schemas.openxmlformats.org/presentationml/2006/main">
   <p:cSld>
     <p:spTree>
@@ -30810,6 +31818,448 @@
     <p:extLst>
       <p:ext uri="{BB962C8B-B14F-4D97-AF65-F5344CB8AC3E}">
         <p14:creationId xmlns:p14="http://schemas.microsoft.com/office/powerpoint/2010/main" val="1572702477"/>
+      </p:ext>
+    </p:extLst>
+  </p:cSld>
+  <p:clrMapOvr>
+    <a:masterClrMapping/>
+  </p:clrMapOvr>
+  <p:timing>
+    <p:tnLst>
+      <p:par>
+        <p:cTn id="1" dur="indefinite" restart="never" nodeType="tmRoot"/>
+      </p:par>
+    </p:tnLst>
+  </p:timing>
+</p:sld>
+</file>
+
+<file path=ppt/slides/slide9.xml><?xml version="1.0" encoding="utf-8"?>
+<p:sld xmlns:a="http://schemas.openxmlformats.org/drawingml/2006/main" xmlns:r="http://schemas.openxmlformats.org/officeDocument/2006/relationships" xmlns:p="http://schemas.openxmlformats.org/presentationml/2006/main">
+  <p:cSld>
+    <p:spTree>
+      <p:nvGrpSpPr>
+        <p:cNvPr id="1" name=""/>
+        <p:cNvGrpSpPr/>
+        <p:nvPr/>
+      </p:nvGrpSpPr>
+      <p:grpSpPr>
+        <a:xfrm>
+          <a:off x="0" y="0"/>
+          <a:ext cx="0" cy="0"/>
+          <a:chOff x="0" y="0"/>
+          <a:chExt cx="0" cy="0"/>
+        </a:xfrm>
+      </p:grpSpPr>
+      <p:sp>
+        <p:nvSpPr>
+          <p:cNvPr id="2" name="Title 1"/>
+          <p:cNvSpPr>
+            <a:spLocks noGrp="1"/>
+          </p:cNvSpPr>
+          <p:nvPr>
+            <p:ph type="title"/>
+          </p:nvPr>
+        </p:nvSpPr>
+        <p:spPr>
+          <a:xfrm>
+            <a:off x="322023" y="328628"/>
+            <a:ext cx="11426632" cy="605294"/>
+          </a:xfrm>
+        </p:spPr>
+        <p:txBody>
+          <a:bodyPr/>
+          <a:lstStyle/>
+          <a:p>
+            <a:r>
+              <a:rPr kumimoji="1" lang="en-US" altLang="ja-JP" sz="3600" b="1" dirty="0" smtClean="0">
+                <a:solidFill>
+                  <a:srgbClr val="00B0F0"/>
+                </a:solidFill>
+                <a:latin typeface="Arial" charset="0"/>
+                <a:ea typeface="Arial" charset="0"/>
+                <a:cs typeface="Arial" charset="0"/>
+              </a:rPr>
+              <a:t>Persona</a:t>
+            </a:r>
+            <a:endParaRPr kumimoji="1" lang="ja-JP" altLang="en-US" sz="2933" b="1" dirty="0">
+              <a:solidFill>
+                <a:srgbClr val="00B0F0"/>
+              </a:solidFill>
+              <a:latin typeface="Arial" charset="0"/>
+              <a:ea typeface="Arial" charset="0"/>
+              <a:cs typeface="Arial" charset="0"/>
+            </a:endParaRPr>
+          </a:p>
+        </p:txBody>
+      </p:sp>
+      <p:sp>
+        <p:nvSpPr>
+          <p:cNvPr id="5" name="Text Placeholder 3"/>
+          <p:cNvSpPr>
+            <a:spLocks noGrp="1"/>
+          </p:cNvSpPr>
+          <p:nvPr>
+            <p:ph type="body" sz="quarter" idx="11"/>
+          </p:nvPr>
+        </p:nvSpPr>
+        <p:spPr>
+          <a:xfrm>
+            <a:off x="322023" y="2952711"/>
+            <a:ext cx="5859321" cy="3200876"/>
+          </a:xfrm>
+        </p:spPr>
+        <p:txBody>
+          <a:bodyPr/>
+          <a:lstStyle/>
+          <a:p>
+            <a:pPr marL="0" indent="0">
+              <a:buNone/>
+            </a:pPr>
+            <a:r>
+              <a:rPr lang="en-US" altLang="ja-JP" sz="2000" b="1" dirty="0">
+                <a:solidFill>
+                  <a:schemeClr val="tx1"/>
+                </a:solidFill>
+                <a:latin typeface="Arial" charset="0"/>
+                <a:ea typeface="Arial" charset="0"/>
+                <a:cs typeface="Arial" charset="0"/>
+              </a:rPr>
+              <a:t>in-house Developers in </a:t>
+            </a:r>
+            <a:r>
+              <a:rPr lang="en-US" altLang="ja-JP" sz="2000" b="1" dirty="0" smtClean="0">
+                <a:solidFill>
+                  <a:schemeClr val="tx1"/>
+                </a:solidFill>
+                <a:latin typeface="Arial" charset="0"/>
+                <a:ea typeface="Arial" charset="0"/>
+                <a:cs typeface="Arial" charset="0"/>
+              </a:rPr>
+              <a:t>larger companies:</a:t>
+            </a:r>
+          </a:p>
+          <a:p>
+            <a:pPr marL="0" indent="0">
+              <a:buNone/>
+            </a:pPr>
+            <a:r>
+              <a:rPr lang="en-US" altLang="ja-JP" dirty="0" smtClean="0">
+                <a:solidFill>
+                  <a:schemeClr val="tx1"/>
+                </a:solidFill>
+                <a:latin typeface="Arial" charset="0"/>
+                <a:ea typeface="Arial" charset="0"/>
+                <a:cs typeface="Arial" charset="0"/>
+              </a:rPr>
+              <a:t>Who is </a:t>
+            </a:r>
+            <a:r>
+              <a:rPr lang="en-US" altLang="ja-JP" dirty="0">
+                <a:solidFill>
+                  <a:schemeClr val="tx1"/>
+                </a:solidFill>
+                <a:latin typeface="Arial" charset="0"/>
+                <a:ea typeface="Arial" charset="0"/>
+                <a:cs typeface="Arial" charset="0"/>
+              </a:rPr>
+              <a:t>involved in the innovation, design, coding, testing and maintenance for both front-end and back-end development depending on the needs and resources of a project</a:t>
+            </a:r>
+            <a:r>
+              <a:rPr lang="en-US" altLang="ja-JP" dirty="0" smtClean="0">
+                <a:solidFill>
+                  <a:schemeClr val="tx1"/>
+                </a:solidFill>
+                <a:latin typeface="Arial" charset="0"/>
+                <a:ea typeface="Arial" charset="0"/>
+                <a:cs typeface="Arial" charset="0"/>
+              </a:rPr>
+              <a:t>.</a:t>
+            </a:r>
+          </a:p>
+          <a:p>
+            <a:pPr marL="0" indent="0">
+              <a:buNone/>
+            </a:pPr>
+            <a:r>
+              <a:rPr lang="en-US" altLang="ja-JP" dirty="0" smtClean="0">
+                <a:solidFill>
+                  <a:schemeClr val="tx1"/>
+                </a:solidFill>
+                <a:latin typeface="Arial" charset="0"/>
+                <a:ea typeface="Arial" charset="0"/>
+                <a:cs typeface="Arial" charset="0"/>
+              </a:rPr>
+              <a:t>He </a:t>
+            </a:r>
+            <a:r>
+              <a:rPr lang="en-US" altLang="ja-JP" dirty="0">
+                <a:solidFill>
+                  <a:schemeClr val="tx1"/>
+                </a:solidFill>
+                <a:latin typeface="Arial" charset="0"/>
+                <a:ea typeface="Arial" charset="0"/>
+                <a:cs typeface="Arial" charset="0"/>
+              </a:rPr>
+              <a:t>mainly codes in C# or Java for customer-facing applications. He also uses HTML/CSS, JavaScript, and some PHP for smaller web or mobile projects. Nick also integrates with back-end web-services, APIs, legacy applications, databases and packaged </a:t>
+            </a:r>
+            <a:r>
+              <a:rPr lang="en-US" altLang="ja-JP" dirty="0" smtClean="0">
+                <a:solidFill>
+                  <a:schemeClr val="tx1"/>
+                </a:solidFill>
+                <a:latin typeface="Arial" charset="0"/>
+                <a:ea typeface="Arial" charset="0"/>
+                <a:cs typeface="Arial" charset="0"/>
+              </a:rPr>
+              <a:t>applications.</a:t>
+            </a:r>
+          </a:p>
+          <a:p>
+            <a:pPr marL="0" indent="0">
+              <a:buNone/>
+            </a:pPr>
+            <a:r>
+              <a:rPr lang="en-US" altLang="ja-JP" dirty="0" smtClean="0">
+                <a:solidFill>
+                  <a:schemeClr val="tx1"/>
+                </a:solidFill>
+                <a:latin typeface="Arial" charset="0"/>
+                <a:ea typeface="Arial" charset="0"/>
+                <a:cs typeface="Arial" charset="0"/>
+              </a:rPr>
+              <a:t>He </a:t>
+            </a:r>
+            <a:r>
+              <a:rPr lang="en-US" altLang="ja-JP" dirty="0">
+                <a:solidFill>
+                  <a:schemeClr val="tx1"/>
+                </a:solidFill>
+                <a:latin typeface="Arial" charset="0"/>
+                <a:ea typeface="Arial" charset="0"/>
+                <a:cs typeface="Arial" charset="0"/>
+              </a:rPr>
+              <a:t>wants to get work done quickly and with minimal interruptions. He wants tools that allow more effective collaboration and communication</a:t>
+            </a:r>
+            <a:r>
+              <a:rPr lang="en-US" altLang="ja-JP" dirty="0" smtClean="0">
+                <a:solidFill>
+                  <a:schemeClr val="tx1"/>
+                </a:solidFill>
+                <a:latin typeface="Arial" charset="0"/>
+                <a:ea typeface="Arial" charset="0"/>
+                <a:cs typeface="Arial" charset="0"/>
+              </a:rPr>
+              <a:t>.</a:t>
+            </a:r>
+          </a:p>
+        </p:txBody>
+      </p:sp>
+      <p:sp>
+        <p:nvSpPr>
+          <p:cNvPr id="18" name="Text Placeholder 3"/>
+          <p:cNvSpPr>
+            <a:spLocks noGrp="1"/>
+          </p:cNvSpPr>
+          <p:nvPr>
+            <p:ph type="body" sz="quarter" idx="12"/>
+          </p:nvPr>
+        </p:nvSpPr>
+        <p:spPr>
+          <a:xfrm>
+            <a:off x="6940362" y="2952711"/>
+            <a:ext cx="5093141" cy="3816429"/>
+          </a:xfrm>
+        </p:spPr>
+        <p:txBody>
+          <a:bodyPr/>
+          <a:lstStyle/>
+          <a:p>
+            <a:pPr marL="0" indent="0">
+              <a:lnSpc>
+                <a:spcPct val="100000"/>
+              </a:lnSpc>
+              <a:buNone/>
+            </a:pPr>
+            <a:r>
+              <a:rPr lang="en-US" altLang="ja-JP" sz="1800" b="1" dirty="0">
+                <a:solidFill>
+                  <a:schemeClr val="tx1"/>
+                </a:solidFill>
+                <a:latin typeface="Arial" charset="0"/>
+                <a:ea typeface="Arial" charset="0"/>
+                <a:cs typeface="Arial" charset="0"/>
+              </a:rPr>
+              <a:t>Client Challenges </a:t>
+            </a:r>
+            <a:endParaRPr lang="en-US" altLang="ja-JP" sz="1800" dirty="0">
+              <a:solidFill>
+                <a:schemeClr val="tx1"/>
+              </a:solidFill>
+              <a:latin typeface="Arial" charset="0"/>
+              <a:ea typeface="Arial" charset="0"/>
+              <a:cs typeface="Arial" charset="0"/>
+            </a:endParaRPr>
+          </a:p>
+          <a:p>
+            <a:pPr marL="285750" indent="-285750">
+              <a:lnSpc>
+                <a:spcPct val="100000"/>
+              </a:lnSpc>
+              <a:buFont typeface="Wingdings" charset="2"/>
+              <a:buChar char="p"/>
+            </a:pPr>
+            <a:r>
+              <a:rPr lang="en-US" altLang="ja-JP" sz="1600" dirty="0">
+                <a:solidFill>
+                  <a:schemeClr val="tx1"/>
+                </a:solidFill>
+                <a:latin typeface="Arial" charset="0"/>
+                <a:ea typeface="Arial" charset="0"/>
+                <a:cs typeface="Arial" charset="0"/>
+              </a:rPr>
+              <a:t>Deal with delays and bottlenecks across the software delivery lifecycle, </a:t>
+            </a:r>
+            <a:r>
+              <a:rPr lang="en-US" altLang="ja-JP" sz="1600" dirty="0" smtClean="0">
+                <a:solidFill>
+                  <a:schemeClr val="tx1"/>
+                </a:solidFill>
+                <a:latin typeface="Arial" charset="0"/>
+                <a:ea typeface="Arial" charset="0"/>
+                <a:cs typeface="Arial" charset="0"/>
+              </a:rPr>
+              <a:t>achieve </a:t>
+            </a:r>
+            <a:r>
+              <a:rPr lang="en-US" altLang="ja-JP" sz="1600" dirty="0">
+                <a:solidFill>
+                  <a:schemeClr val="tx1"/>
+                </a:solidFill>
+                <a:latin typeface="Arial" charset="0"/>
+                <a:ea typeface="Arial" charset="0"/>
+                <a:cs typeface="Arial" charset="0"/>
+              </a:rPr>
+              <a:t>faster response times for defect analysis and </a:t>
+            </a:r>
+            <a:r>
+              <a:rPr lang="en-US" altLang="ja-JP" sz="1600" dirty="0" smtClean="0">
+                <a:solidFill>
+                  <a:schemeClr val="tx1"/>
+                </a:solidFill>
+                <a:latin typeface="Arial" charset="0"/>
+                <a:ea typeface="Arial" charset="0"/>
+                <a:cs typeface="Arial" charset="0"/>
+              </a:rPr>
+              <a:t>remediation.</a:t>
+            </a:r>
+            <a:endParaRPr lang="en-US" altLang="ja-JP" sz="1600" dirty="0">
+              <a:solidFill>
+                <a:schemeClr val="tx1"/>
+              </a:solidFill>
+              <a:latin typeface="Arial" charset="0"/>
+              <a:ea typeface="Arial" charset="0"/>
+              <a:cs typeface="Arial" charset="0"/>
+            </a:endParaRPr>
+          </a:p>
+          <a:p>
+            <a:pPr marL="285750" indent="-285750">
+              <a:lnSpc>
+                <a:spcPct val="100000"/>
+              </a:lnSpc>
+              <a:buFont typeface="Wingdings" charset="2"/>
+              <a:buChar char="p"/>
+            </a:pPr>
+            <a:r>
+              <a:rPr lang="en-US" altLang="ja-JP" sz="1600" dirty="0">
+                <a:solidFill>
+                  <a:schemeClr val="tx1"/>
+                </a:solidFill>
+                <a:latin typeface="Arial" charset="0"/>
+                <a:ea typeface="Arial" charset="0"/>
+                <a:cs typeface="Arial" charset="0"/>
+              </a:rPr>
+              <a:t>Communicate effectively with clients and co-workers; working remotely with colleagues.</a:t>
+            </a:r>
+          </a:p>
+          <a:p>
+            <a:pPr marL="285750" indent="-285750">
+              <a:lnSpc>
+                <a:spcPct val="100000"/>
+              </a:lnSpc>
+              <a:buFont typeface="Wingdings" charset="2"/>
+              <a:buChar char="p"/>
+            </a:pPr>
+            <a:r>
+              <a:rPr lang="en-US" altLang="ja-JP" sz="1600" dirty="0">
+                <a:solidFill>
+                  <a:schemeClr val="tx1"/>
+                </a:solidFill>
+                <a:latin typeface="Arial" charset="0"/>
+                <a:ea typeface="Arial" charset="0"/>
+                <a:cs typeface="Arial" charset="0"/>
+              </a:rPr>
+              <a:t>Work with multiple tools across multiple projects.</a:t>
+            </a:r>
+            <a:endParaRPr lang="en-US" altLang="ja-JP" sz="1600" dirty="0" smtClean="0">
+              <a:solidFill>
+                <a:schemeClr val="tx1"/>
+              </a:solidFill>
+              <a:latin typeface="Arial" charset="0"/>
+              <a:ea typeface="Arial" charset="0"/>
+              <a:cs typeface="Arial" charset="0"/>
+            </a:endParaRPr>
+          </a:p>
+          <a:p>
+            <a:pPr marL="285750" indent="-285750">
+              <a:lnSpc>
+                <a:spcPct val="100000"/>
+              </a:lnSpc>
+              <a:buFont typeface="Wingdings" charset="2"/>
+              <a:buChar char="p"/>
+            </a:pPr>
+            <a:r>
+              <a:rPr lang="en-US" altLang="ja-JP" sz="1600" dirty="0">
+                <a:solidFill>
+                  <a:schemeClr val="tx1"/>
+                </a:solidFill>
+                <a:latin typeface="Arial" charset="0"/>
+                <a:ea typeface="Arial" charset="0"/>
+                <a:cs typeface="Arial" charset="0"/>
+              </a:rPr>
+              <a:t>Keep things in-sync across multiple projects.</a:t>
+            </a:r>
+          </a:p>
+        </p:txBody>
+      </p:sp>
+      <p:pic>
+        <p:nvPicPr>
+          <p:cNvPr id="3" name="図 2"/>
+          <p:cNvPicPr>
+            <a:picLocks noChangeAspect="1"/>
+          </p:cNvPicPr>
+          <p:nvPr/>
+        </p:nvPicPr>
+        <p:blipFill>
+          <a:blip r:embed="rId2"/>
+          <a:stretch>
+            <a:fillRect/>
+          </a:stretch>
+        </p:blipFill>
+        <p:spPr>
+          <a:xfrm>
+            <a:off x="322023" y="1152977"/>
+            <a:ext cx="1896813" cy="1580678"/>
+          </a:xfrm>
+          <a:prstGeom prst="rect">
+            <a:avLst/>
+          </a:prstGeom>
+        </p:spPr>
+      </p:pic>
+    </p:spTree>
+    <p:extLst>
+      <p:ext uri="{BB962C8B-B14F-4D97-AF65-F5344CB8AC3E}">
+        <p14:creationId xmlns:p14="http://schemas.microsoft.com/office/powerpoint/2010/main" val="1854431012"/>
       </p:ext>
     </p:extLst>
   </p:cSld>

--- a/GitHub Japan Marketing Strategy.pptx
+++ b/GitHub Japan Marketing Strategy.pptx
@@ -172,6 +172,7 @@
           </a:p>
         </c:rich>
       </c:tx>
+      <c:layout/>
       <c:overlay val="0"/>
       <c:spPr>
         <a:noFill/>
@@ -341,7 +342,9 @@
               </c:spPr>
             </c:leaderLines>
             <c:extLst>
-              <c:ext xmlns:c15="http://schemas.microsoft.com/office/drawing/2012/chart" uri="{CE6537A1-D6FC-4f65-9D91-7224C49458BB}"/>
+              <c:ext xmlns:c15="http://schemas.microsoft.com/office/drawing/2012/chart" uri="{CE6537A1-D6FC-4f65-9D91-7224C49458BB}">
+                <c15:layout/>
+              </c:ext>
             </c:extLst>
           </c:dLbls>
           <c:cat>
@@ -418,6 +421,7 @@
     </c:plotArea>
     <c:legend>
       <c:legendPos val="b"/>
+      <c:layout/>
       <c:overlay val="0"/>
       <c:spPr>
         <a:noFill/>
@@ -563,7 +567,7 @@
           <a:p>
             <a:fld id="{FFFEC453-E2FF-B741-A9EA-9192FC291631}" type="datetimeFigureOut">
               <a:rPr kumimoji="1" lang="ja-JP" altLang="en-US" smtClean="0"/>
-              <a:t>2017/3/17</a:t>
+              <a:t>2017/3/28</a:t>
             </a:fld>
             <a:endParaRPr kumimoji="1" lang="ja-JP" altLang="en-US"/>
           </a:p>
@@ -3082,7 +3086,7 @@
           <a:p>
             <a:fld id="{0AB07F87-E0B4-8949-A90A-54340C823909}" type="datetimeFigureOut">
               <a:rPr kumimoji="1" lang="ja-JP" altLang="en-US" smtClean="0"/>
-              <a:t>2017/3/17</a:t>
+              <a:t>2017/3/28</a:t>
             </a:fld>
             <a:endParaRPr kumimoji="1" lang="ja-JP" altLang="en-US"/>
           </a:p>
@@ -6625,50 +6629,6 @@
               </a:rPr>
               <a:t>Page</a:t>
             </a:r>
-            <a:endParaRPr kumimoji="0" lang="en-US" sz="900" dirty="0">
-              <a:solidFill>
-                <a:srgbClr val="5A5A5A"/>
-              </a:solidFill>
-              <a:latin typeface="Arial" charset="0"/>
-              <a:ea typeface="Arial" charset="0"/>
-              <a:cs typeface="Arial" charset="0"/>
-            </a:endParaRPr>
-          </a:p>
-        </p:txBody>
-      </p:sp>
-      <p:sp>
-        <p:nvSpPr>
-          <p:cNvPr id="8" name="Rectangle 9"/>
-          <p:cNvSpPr/>
-          <p:nvPr/>
-        </p:nvSpPr>
-        <p:spPr>
-          <a:xfrm>
-            <a:off x="11800154" y="6748955"/>
-            <a:ext cx="410749" cy="138499"/>
-          </a:xfrm>
-          <a:prstGeom prst="rect">
-            <a:avLst/>
-          </a:prstGeom>
-        </p:spPr>
-        <p:txBody>
-          <a:bodyPr wrap="square" lIns="0" tIns="0" rIns="0" bIns="0">
-            <a:spAutoFit/>
-          </a:bodyPr>
-          <a:lstStyle/>
-          <a:p>
-            <a:fld id="{655362CE-4ABE-4CB4-8947-B1242CDD9D94}" type="slidenum">
-              <a:rPr kumimoji="0" lang="en-US" sz="900" smtClean="0">
-                <a:solidFill>
-                  <a:srgbClr val="5A5A5A"/>
-                </a:solidFill>
-                <a:latin typeface="Arial" charset="0"/>
-                <a:ea typeface="Arial" charset="0"/>
-                <a:cs typeface="Arial" charset="0"/>
-              </a:rPr>
-              <a:pPr/>
-              <a:t>14</a:t>
-            </a:fld>
             <a:endParaRPr kumimoji="0" lang="en-US" sz="900" dirty="0">
               <a:solidFill>
                 <a:srgbClr val="5A5A5A"/>

--- a/GitHub Japan Marketing Strategy.pptx
+++ b/GitHub Japan Marketing Strategy.pptx
@@ -567,7 +567,7 @@
           <a:p>
             <a:fld id="{FFFEC453-E2FF-B741-A9EA-9192FC291631}" type="datetimeFigureOut">
               <a:rPr kumimoji="1" lang="ja-JP" altLang="en-US" smtClean="0"/>
-              <a:t>2017/3/28</a:t>
+              <a:t>2017/4/3</a:t>
             </a:fld>
             <a:endParaRPr kumimoji="1" lang="ja-JP" altLang="en-US"/>
           </a:p>
@@ -3086,7 +3086,7 @@
           <a:p>
             <a:fld id="{0AB07F87-E0B4-8949-A90A-54340C823909}" type="datetimeFigureOut">
               <a:rPr kumimoji="1" lang="ja-JP" altLang="en-US" smtClean="0"/>
-              <a:t>2017/3/28</a:t>
+              <a:t>2017/4/3</a:t>
             </a:fld>
             <a:endParaRPr kumimoji="1" lang="ja-JP" altLang="en-US"/>
           </a:p>
@@ -28597,6 +28597,76 @@
           </a:p>
         </p:txBody>
       </p:sp>
+      <p:sp>
+        <p:nvSpPr>
+          <p:cNvPr id="32" name="TextBox 31"/>
+          <p:cNvSpPr txBox="1"/>
+          <p:nvPr/>
+        </p:nvSpPr>
+        <p:spPr>
+          <a:xfrm>
+            <a:off x="1706915" y="3711894"/>
+            <a:ext cx="3128255" cy="261610"/>
+          </a:xfrm>
+          <a:prstGeom prst="rect">
+            <a:avLst/>
+          </a:prstGeom>
+          <a:noFill/>
+        </p:spPr>
+        <p:txBody>
+          <a:bodyPr wrap="square" rtlCol="0">
+            <a:spAutoFit/>
+          </a:bodyPr>
+          <a:lstStyle/>
+          <a:p>
+            <a:r>
+              <a:rPr kumimoji="1" lang="ja-JP" altLang="en-US" sz="1100" b="1" dirty="0" smtClean="0">
+                <a:latin typeface="Arial" charset="0"/>
+                <a:ea typeface="Arial" charset="0"/>
+                <a:cs typeface="Arial" charset="0"/>
+              </a:rPr>
+              <a:t>★</a:t>
+            </a:r>
+            <a:r>
+              <a:rPr lang="en-US" altLang="ja-JP" sz="1100" b="1" dirty="0">
+                <a:latin typeface="Arial" charset="0"/>
+                <a:ea typeface="Arial" charset="0"/>
+                <a:cs typeface="Arial" charset="0"/>
+              </a:rPr>
+              <a:t> </a:t>
+            </a:r>
+            <a:r>
+              <a:rPr lang="en-US" altLang="ja-JP" sz="1100" b="1" dirty="0">
+                <a:latin typeface="Arial" charset="0"/>
+                <a:ea typeface="Arial" charset="0"/>
+                <a:cs typeface="Arial" charset="0"/>
+              </a:rPr>
+              <a:t>DevOps Days Tokyo 2017(</a:t>
+            </a:r>
+            <a:r>
+              <a:rPr lang="en-US" altLang="ja-JP" sz="1100" b="1" dirty="0" smtClean="0">
+                <a:latin typeface="Arial" charset="0"/>
+                <a:ea typeface="Arial" charset="0"/>
+                <a:cs typeface="Arial" charset="0"/>
+              </a:rPr>
+              <a:t>Apr25</a:t>
+            </a:r>
+            <a:r>
+              <a:rPr lang="en-US" altLang="ja-JP" sz="1100" b="1" dirty="0" smtClean="0">
+                <a:latin typeface="Arial" charset="0"/>
+                <a:ea typeface="Arial" charset="0"/>
+                <a:cs typeface="Arial" charset="0"/>
+              </a:rPr>
+              <a:t>)</a:t>
+            </a:r>
+            <a:endParaRPr lang="en-US" altLang="ja-JP" sz="1100" b="1" dirty="0">
+              <a:latin typeface="Arial" charset="0"/>
+              <a:ea typeface="Arial" charset="0"/>
+              <a:cs typeface="Arial" charset="0"/>
+            </a:endParaRPr>
+          </a:p>
+        </p:txBody>
+      </p:sp>
     </p:spTree>
     <p:extLst>
       <p:ext uri="{BB962C8B-B14F-4D97-AF65-F5344CB8AC3E}">

--- a/GitHub Japan Marketing Strategy.pptx
+++ b/GitHub Japan Marketing Strategy.pptx
@@ -567,7 +567,7 @@
           <a:p>
             <a:fld id="{FFFEC453-E2FF-B741-A9EA-9192FC291631}" type="datetimeFigureOut">
               <a:rPr kumimoji="1" lang="ja-JP" altLang="en-US" smtClean="0"/>
-              <a:t>2017/4/3</a:t>
+              <a:t>2017/4/24</a:t>
             </a:fld>
             <a:endParaRPr kumimoji="1" lang="ja-JP" altLang="en-US"/>
           </a:p>
@@ -3086,7 +3086,7 @@
           <a:p>
             <a:fld id="{0AB07F87-E0B4-8949-A90A-54340C823909}" type="datetimeFigureOut">
               <a:rPr kumimoji="1" lang="ja-JP" altLang="en-US" smtClean="0"/>
-              <a:t>2017/4/3</a:t>
+              <a:t>2017/4/24</a:t>
             </a:fld>
             <a:endParaRPr kumimoji="1" lang="ja-JP" altLang="en-US"/>
           </a:p>
@@ -7545,7 +7545,7 @@
         <p:spPr>
           <a:xfrm>
             <a:off x="6586610" y="1597995"/>
-            <a:ext cx="5026270" cy="5062924"/>
+            <a:ext cx="5026270" cy="4855175"/>
           </a:xfrm>
         </p:spPr>
         <p:txBody>
@@ -7580,10 +7580,10 @@
                 <a:ea typeface="Arial" charset="0"/>
                 <a:cs typeface="Arial" charset="0"/>
               </a:rPr>
-              <a:t>75 customers on the B2B side, and tens of thousands of paying users on </a:t>
-            </a:r>
-            <a:r>
-              <a:rPr lang="en-US" altLang="ja-JP" sz="1500" dirty="0" err="1">
+              <a:t>75 customers on the B2B side, </a:t>
+            </a:r>
+            <a:r>
+              <a:rPr lang="en-US" altLang="ja-JP" sz="1500" dirty="0" smtClean="0">
                 <a:solidFill>
                   <a:schemeClr val="tx1"/>
                 </a:solidFill>
@@ -7591,7 +7591,7 @@
                 <a:ea typeface="Arial" charset="0"/>
                 <a:cs typeface="Arial" charset="0"/>
               </a:rPr>
-              <a:t>GitHub.com</a:t>
+              <a:t>and </a:t>
             </a:r>
             <a:r>
               <a:rPr lang="en-US" altLang="ja-JP" sz="1500" dirty="0">
@@ -7602,7 +7602,7 @@
                 <a:ea typeface="Arial" charset="0"/>
                 <a:cs typeface="Arial" charset="0"/>
               </a:rPr>
-              <a:t> and close to 750,000 on </a:t>
+              <a:t>close to 750,000 on </a:t>
             </a:r>
             <a:r>
               <a:rPr lang="en-US" altLang="ja-JP" sz="1500" dirty="0" err="1">
@@ -9413,52 +9413,6 @@
           </a:graphicData>
         </a:graphic>
       </p:graphicFrame>
-      <p:sp>
-        <p:nvSpPr>
-          <p:cNvPr id="14" name="正方形/長方形 13"/>
-          <p:cNvSpPr/>
-          <p:nvPr/>
-        </p:nvSpPr>
-        <p:spPr>
-          <a:xfrm>
-            <a:off x="2005780" y="5997677"/>
-            <a:ext cx="4007950" cy="788503"/>
-          </a:xfrm>
-          <a:prstGeom prst="rect">
-            <a:avLst/>
-          </a:prstGeom>
-          <a:noFill/>
-          <a:ln w="19050">
-            <a:solidFill>
-              <a:srgbClr val="FF0000"/>
-            </a:solidFill>
-          </a:ln>
-        </p:spPr>
-        <p:style>
-          <a:lnRef idx="2">
-            <a:schemeClr val="accent1">
-              <a:shade val="50000"/>
-            </a:schemeClr>
-          </a:lnRef>
-          <a:fillRef idx="1">
-            <a:schemeClr val="accent1"/>
-          </a:fillRef>
-          <a:effectRef idx="0">
-            <a:schemeClr val="accent1"/>
-          </a:effectRef>
-          <a:fontRef idx="minor">
-            <a:schemeClr val="lt1"/>
-          </a:fontRef>
-        </p:style>
-        <p:txBody>
-          <a:bodyPr rtlCol="0" anchor="ctr"/>
-          <a:lstStyle/>
-          <a:p>
-            <a:pPr algn="ctr"/>
-            <a:endParaRPr kumimoji="1" lang="ja-JP" altLang="en-US"/>
-          </a:p>
-        </p:txBody>
-      </p:sp>
       <p:cxnSp>
         <p:nvCxnSpPr>
           <p:cNvPr id="18" name="直線コネクタ 17"/>
@@ -10207,14 +10161,14 @@
           <p:nvPr>
             <p:extLst>
               <p:ext uri="{D42A27DB-BD31-4B8C-83A1-F6EECF244321}">
-                <p14:modId xmlns:p14="http://schemas.microsoft.com/office/powerpoint/2010/main" val="811096976"/>
+                <p14:modId xmlns:p14="http://schemas.microsoft.com/office/powerpoint/2010/main" val="1303236338"/>
               </p:ext>
             </p:extLst>
           </p:nvPr>
         </p:nvGraphicFramePr>
         <p:xfrm>
           <a:off x="6322854" y="1342958"/>
-          <a:ext cx="5750771" cy="2042160"/>
+          <a:ext cx="5750771" cy="2194560"/>
         </p:xfrm>
         <a:graphic>
           <a:graphicData uri="http://schemas.openxmlformats.org/drawingml/2006/table">
@@ -10651,6 +10605,186 @@
                         <a:defRPr/>
                       </a:pPr>
                       <a:r>
+                        <a:rPr kumimoji="1" lang="en-US" altLang="ja-JP" sz="1000" dirty="0" err="1" smtClean="0">
+                          <a:latin typeface="Arial" charset="0"/>
+                          <a:ea typeface="Arial" charset="0"/>
+                          <a:cs typeface="Arial" charset="0"/>
+                        </a:rPr>
+                        <a:t>GithHub</a:t>
+                      </a:r>
+                      <a:r>
+                        <a:rPr kumimoji="1" lang="en-US" altLang="ja-JP" sz="1000" baseline="0" dirty="0" smtClean="0">
+                          <a:latin typeface="Arial" charset="0"/>
+                          <a:ea typeface="Arial" charset="0"/>
+                          <a:cs typeface="Arial" charset="0"/>
+                        </a:rPr>
+                        <a:t> can put product code in one place and all of systems are on their own infrastructure</a:t>
+                      </a:r>
+                      <a:endParaRPr kumimoji="1" lang="ja-JP" altLang="en-US" sz="1000" dirty="0">
+                        <a:latin typeface="Arial" charset="0"/>
+                        <a:ea typeface="Arial" charset="0"/>
+                        <a:cs typeface="Arial" charset="0"/>
+                      </a:endParaRPr>
+                    </a:p>
+                  </a:txBody>
+                  <a:tcPr marL="121920" marR="121920" marT="60960" marB="60960"/>
+                </a:tc>
+                <a:tc>
+                  <a:txBody>
+                    <a:bodyPr/>
+                    <a:lstStyle/>
+                    <a:p>
+                      <a:pPr marL="228600" indent="-228600">
+                        <a:buFont typeface="+mj-lt"/>
+                        <a:buAutoNum type="arabicPeriod"/>
+                      </a:pPr>
+                      <a:r>
+                        <a:rPr kumimoji="1" lang="en-US" altLang="ja-JP" sz="1000" dirty="0" smtClean="0">
+                          <a:latin typeface="Arial" charset="0"/>
+                          <a:ea typeface="Arial" charset="0"/>
+                          <a:cs typeface="Arial" charset="0"/>
+                        </a:rPr>
+                        <a:t>Online</a:t>
+                      </a:r>
+                    </a:p>
+                    <a:p>
+                      <a:pPr marL="228600" indent="-228600">
+                        <a:buFont typeface="+mj-lt"/>
+                        <a:buAutoNum type="arabicPeriod"/>
+                      </a:pPr>
+                      <a:r>
+                        <a:rPr kumimoji="1" lang="en-US" altLang="ja-JP" sz="1000" dirty="0" smtClean="0">
+                          <a:latin typeface="Arial" charset="0"/>
+                          <a:ea typeface="Arial" charset="0"/>
+                          <a:cs typeface="Arial" charset="0"/>
+                        </a:rPr>
+                        <a:t>Business</a:t>
+                      </a:r>
+                      <a:r>
+                        <a:rPr kumimoji="1" lang="en-US" altLang="ja-JP" sz="1000" baseline="0" dirty="0" smtClean="0">
+                          <a:latin typeface="Arial" charset="0"/>
+                          <a:ea typeface="Arial" charset="0"/>
+                          <a:cs typeface="Arial" charset="0"/>
+                        </a:rPr>
+                        <a:t> Partners</a:t>
+                      </a:r>
+                      <a:endParaRPr kumimoji="1" lang="en-US" altLang="ja-JP" sz="1000" dirty="0" smtClean="0">
+                        <a:latin typeface="Arial" charset="0"/>
+                        <a:ea typeface="Arial" charset="0"/>
+                        <a:cs typeface="Arial" charset="0"/>
+                      </a:endParaRPr>
+                    </a:p>
+                  </a:txBody>
+                  <a:tcPr marL="121920" marR="121920" marT="60960" marB="60960"/>
+                </a:tc>
+              </a:tr>
+              <a:tr h="369000">
+                <a:tc>
+                  <a:txBody>
+                    <a:bodyPr/>
+                    <a:lstStyle/>
+                    <a:p>
+                      <a:pPr algn="ctr"/>
+                      <a:r>
+                        <a:rPr kumimoji="1" lang="de-DE" altLang="ja-JP" sz="1000" b="1" dirty="0" smtClean="0">
+                          <a:solidFill>
+                            <a:schemeClr val="dk1"/>
+                          </a:solidFill>
+                          <a:latin typeface="Arial" charset="0"/>
+                          <a:ea typeface="Arial" charset="0"/>
+                          <a:cs typeface="Arial" charset="0"/>
+                        </a:rPr>
+                        <a:t>(C)</a:t>
+                      </a:r>
+                      <a:endParaRPr kumimoji="1" lang="ja-JP" altLang="en-US" sz="1000" b="1" dirty="0">
+                        <a:solidFill>
+                          <a:schemeClr val="bg1"/>
+                        </a:solidFill>
+                        <a:latin typeface="Arial" charset="0"/>
+                        <a:ea typeface="Arial" charset="0"/>
+                        <a:cs typeface="Arial" charset="0"/>
+                      </a:endParaRPr>
+                    </a:p>
+                  </a:txBody>
+                  <a:tcPr marL="121920" marR="121920" marT="60960" marB="60960">
+                    <a:solidFill>
+                      <a:schemeClr val="accent4">
+                        <a:lumMod val="40000"/>
+                        <a:lumOff val="60000"/>
+                      </a:schemeClr>
+                    </a:solidFill>
+                  </a:tcPr>
+                </a:tc>
+                <a:tc>
+                  <a:txBody>
+                    <a:bodyPr/>
+                    <a:lstStyle/>
+                    <a:p>
+                      <a:pPr marL="0" marR="0" indent="0" algn="l" defTabSz="914400" rtl="0" eaLnBrk="1" fontAlgn="auto" latinLnBrk="0" hangingPunct="1">
+                        <a:lnSpc>
+                          <a:spcPct val="100000"/>
+                        </a:lnSpc>
+                        <a:spcBef>
+                          <a:spcPts val="0"/>
+                        </a:spcBef>
+                        <a:spcAft>
+                          <a:spcPts val="0"/>
+                        </a:spcAft>
+                        <a:buClrTx/>
+                        <a:buSzTx/>
+                        <a:buFontTx/>
+                        <a:buNone/>
+                        <a:tabLst/>
+                        <a:defRPr/>
+                      </a:pPr>
+                      <a:r>
+                        <a:rPr kumimoji="1" lang="en-US" altLang="ja-JP" sz="1000" b="0" dirty="0" smtClean="0">
+                          <a:latin typeface="Arial" charset="0"/>
+                          <a:ea typeface="Arial" charset="0"/>
+                          <a:cs typeface="Arial" charset="0"/>
+                        </a:rPr>
+                        <a:t>Low </a:t>
+                      </a:r>
+                      <a:r>
+                        <a:rPr kumimoji="1" lang="en-US" altLang="ja-JP" sz="1000" b="0" dirty="0" smtClean="0">
+                          <a:latin typeface="Arial" charset="0"/>
+                          <a:ea typeface="Arial" charset="0"/>
+                          <a:cs typeface="Arial" charset="0"/>
+                        </a:rPr>
+                        <a:t>?</a:t>
+                      </a:r>
+                      <a:endParaRPr kumimoji="1" lang="ja-JP" altLang="en-US" sz="1000" b="0" dirty="0" smtClean="0">
+                        <a:latin typeface="Arial" charset="0"/>
+                        <a:ea typeface="Arial" charset="0"/>
+                        <a:cs typeface="Arial" charset="0"/>
+                      </a:endParaRPr>
+                    </a:p>
+                  </a:txBody>
+                  <a:tcPr marL="121920" marR="121920" marT="60960" marB="60960"/>
+                </a:tc>
+                <a:tc>
+                  <a:txBody>
+                    <a:bodyPr/>
+                    <a:lstStyle/>
+                    <a:p>
+                      <a:pPr marL="0" marR="0" indent="0" algn="l" defTabSz="914400" rtl="0" eaLnBrk="1" fontAlgn="auto" latinLnBrk="0" hangingPunct="1">
+                        <a:lnSpc>
+                          <a:spcPct val="100000"/>
+                        </a:lnSpc>
+                        <a:spcBef>
+                          <a:spcPts val="0"/>
+                        </a:spcBef>
+                        <a:spcAft>
+                          <a:spcPts val="0"/>
+                        </a:spcAft>
+                        <a:buClrTx/>
+                        <a:buSzTx/>
+                        <a:buFontTx/>
+                        <a:buNone/>
+                        <a:tabLst/>
+                        <a:defRPr/>
+                      </a:pPr>
+                      <a:r>
                         <a:rPr kumimoji="1" lang="en-US" altLang="ja-JP" sz="1000" dirty="0" smtClean="0">
                           <a:latin typeface="Arial" charset="0"/>
                           <a:ea typeface="Arial" charset="0"/>
@@ -10780,162 +10914,6 @@
                   <a:tcPr marL="121920" marR="121920" marT="60960" marB="60960"/>
                 </a:tc>
               </a:tr>
-              <a:tr h="369000">
-                <a:tc>
-                  <a:txBody>
-                    <a:bodyPr/>
-                    <a:lstStyle/>
-                    <a:p>
-                      <a:pPr algn="ctr"/>
-                      <a:r>
-                        <a:rPr kumimoji="1" lang="de-DE" altLang="ja-JP" sz="1000" b="1" dirty="0" smtClean="0">
-                          <a:solidFill>
-                            <a:schemeClr val="dk1"/>
-                          </a:solidFill>
-                          <a:latin typeface="Arial" charset="0"/>
-                          <a:ea typeface="Arial" charset="0"/>
-                          <a:cs typeface="Arial" charset="0"/>
-                        </a:rPr>
-                        <a:t>(C)</a:t>
-                      </a:r>
-                      <a:endParaRPr kumimoji="1" lang="ja-JP" altLang="en-US" sz="1000" b="1" dirty="0">
-                        <a:solidFill>
-                          <a:schemeClr val="bg1"/>
-                        </a:solidFill>
-                        <a:latin typeface="Arial" charset="0"/>
-                        <a:ea typeface="Arial" charset="0"/>
-                        <a:cs typeface="Arial" charset="0"/>
-                      </a:endParaRPr>
-                    </a:p>
-                  </a:txBody>
-                  <a:tcPr marL="121920" marR="121920" marT="60960" marB="60960">
-                    <a:solidFill>
-                      <a:schemeClr val="accent4">
-                        <a:lumMod val="40000"/>
-                        <a:lumOff val="60000"/>
-                      </a:schemeClr>
-                    </a:solidFill>
-                  </a:tcPr>
-                </a:tc>
-                <a:tc>
-                  <a:txBody>
-                    <a:bodyPr/>
-                    <a:lstStyle/>
-                    <a:p>
-                      <a:pPr marL="0" marR="0" indent="0" algn="l" defTabSz="914400" rtl="0" eaLnBrk="1" fontAlgn="auto" latinLnBrk="0" hangingPunct="1">
-                        <a:lnSpc>
-                          <a:spcPct val="100000"/>
-                        </a:lnSpc>
-                        <a:spcBef>
-                          <a:spcPts val="0"/>
-                        </a:spcBef>
-                        <a:spcAft>
-                          <a:spcPts val="0"/>
-                        </a:spcAft>
-                        <a:buClrTx/>
-                        <a:buSzTx/>
-                        <a:buFontTx/>
-                        <a:buNone/>
-                        <a:tabLst/>
-                        <a:defRPr/>
-                      </a:pPr>
-                      <a:r>
-                        <a:rPr kumimoji="1" lang="en-US" altLang="ja-JP" sz="1000" b="0" dirty="0" smtClean="0">
-                          <a:latin typeface="Arial" charset="0"/>
-                          <a:ea typeface="Arial" charset="0"/>
-                          <a:cs typeface="Arial" charset="0"/>
-                        </a:rPr>
-                        <a:t>Low ?</a:t>
-                      </a:r>
-                      <a:endParaRPr kumimoji="1" lang="ja-JP" altLang="en-US" sz="1000" b="0" dirty="0">
-                        <a:latin typeface="Arial" charset="0"/>
-                        <a:ea typeface="Arial" charset="0"/>
-                        <a:cs typeface="Arial" charset="0"/>
-                      </a:endParaRPr>
-                    </a:p>
-                  </a:txBody>
-                  <a:tcPr marL="121920" marR="121920" marT="60960" marB="60960"/>
-                </a:tc>
-                <a:tc>
-                  <a:txBody>
-                    <a:bodyPr/>
-                    <a:lstStyle/>
-                    <a:p>
-                      <a:pPr marL="0" marR="0" indent="0" algn="l" defTabSz="914400" rtl="0" eaLnBrk="1" fontAlgn="auto" latinLnBrk="0" hangingPunct="1">
-                        <a:lnSpc>
-                          <a:spcPct val="100000"/>
-                        </a:lnSpc>
-                        <a:spcBef>
-                          <a:spcPts val="0"/>
-                        </a:spcBef>
-                        <a:spcAft>
-                          <a:spcPts val="0"/>
-                        </a:spcAft>
-                        <a:buClrTx/>
-                        <a:buSzTx/>
-                        <a:buFontTx/>
-                        <a:buNone/>
-                        <a:tabLst/>
-                        <a:defRPr/>
-                      </a:pPr>
-                      <a:r>
-                        <a:rPr kumimoji="1" lang="en-US" altLang="ja-JP" sz="1000" dirty="0" err="1" smtClean="0">
-                          <a:latin typeface="Arial" charset="0"/>
-                          <a:ea typeface="Arial" charset="0"/>
-                          <a:cs typeface="Arial" charset="0"/>
-                        </a:rPr>
-                        <a:t>GithHub</a:t>
-                      </a:r>
-                      <a:r>
-                        <a:rPr kumimoji="1" lang="en-US" altLang="ja-JP" sz="1000" baseline="0" dirty="0" smtClean="0">
-                          <a:latin typeface="Arial" charset="0"/>
-                          <a:ea typeface="Arial" charset="0"/>
-                          <a:cs typeface="Arial" charset="0"/>
-                        </a:rPr>
-                        <a:t> can put product code in one place and all of systems are on their own infrastructure</a:t>
-                      </a:r>
-                      <a:endParaRPr kumimoji="1" lang="ja-JP" altLang="en-US" sz="1000" dirty="0">
-                        <a:latin typeface="Arial" charset="0"/>
-                        <a:ea typeface="Arial" charset="0"/>
-                        <a:cs typeface="Arial" charset="0"/>
-                      </a:endParaRPr>
-                    </a:p>
-                  </a:txBody>
-                  <a:tcPr marL="121920" marR="121920" marT="60960" marB="60960"/>
-                </a:tc>
-                <a:tc>
-                  <a:txBody>
-                    <a:bodyPr/>
-                    <a:lstStyle/>
-                    <a:p>
-                      <a:r>
-                        <a:rPr kumimoji="1" lang="en-US" altLang="ja-JP" sz="1000" dirty="0" smtClean="0">
-                          <a:latin typeface="Arial" charset="0"/>
-                          <a:ea typeface="Arial" charset="0"/>
-                          <a:cs typeface="Arial" charset="0"/>
-                        </a:rPr>
-                        <a:t>Online</a:t>
-                      </a:r>
-                    </a:p>
-                    <a:p>
-                      <a:r>
-                        <a:rPr kumimoji="1" lang="en-US" altLang="ja-JP" sz="1000" dirty="0" smtClean="0">
-                          <a:latin typeface="Arial" charset="0"/>
-                          <a:ea typeface="Arial" charset="0"/>
-                          <a:cs typeface="Arial" charset="0"/>
-                        </a:rPr>
-                        <a:t>(Self Service)</a:t>
-                      </a:r>
-                      <a:endParaRPr kumimoji="1" lang="ja-JP" altLang="en-US" sz="1000" dirty="0">
-                        <a:latin typeface="Arial" charset="0"/>
-                        <a:ea typeface="Arial" charset="0"/>
-                        <a:cs typeface="Arial" charset="0"/>
-                      </a:endParaRPr>
-                    </a:p>
-                  </a:txBody>
-                  <a:tcPr marL="121920" marR="121920" marT="60960" marB="60960"/>
-                </a:tc>
-              </a:tr>
             </a:tbl>
           </a:graphicData>
         </a:graphic>
@@ -11283,7 +11261,7 @@
           <p:nvPr>
             <p:extLst>
               <p:ext uri="{D42A27DB-BD31-4B8C-83A1-F6EECF244321}">
-                <p14:modId xmlns:p14="http://schemas.microsoft.com/office/powerpoint/2010/main" val="761337375"/>
+                <p14:modId xmlns:p14="http://schemas.microsoft.com/office/powerpoint/2010/main" val="1244497887"/>
               </p:ext>
             </p:extLst>
           </p:nvPr>
@@ -11447,7 +11425,15 @@
                           <a:ea typeface="Arial" charset="0"/>
                           <a:cs typeface="Arial" charset="0"/>
                         </a:rPr>
-                        <a:t> Service</a:t>
+                        <a:t> </a:t>
+                      </a:r>
+                      <a:r>
+                        <a:rPr kumimoji="1" lang="en-US" altLang="ja-JP" sz="1000" baseline="0" dirty="0" smtClean="0">
+                          <a:latin typeface="Arial" charset="0"/>
+                          <a:ea typeface="Arial" charset="0"/>
+                          <a:cs typeface="Arial" charset="0"/>
+                        </a:rPr>
+                        <a:t>Service?</a:t>
                       </a:r>
                       <a:endParaRPr kumimoji="1" lang="ja-JP" altLang="en-US" sz="1000" b="1" dirty="0">
                         <a:latin typeface="Arial" charset="0"/>
@@ -11886,7 +11872,7 @@
                           <a:ea typeface="Arial" charset="0"/>
                           <a:cs typeface="Arial" charset="0"/>
                         </a:rPr>
-                        <a:t>(B)</a:t>
+                        <a:t>(C)</a:t>
                       </a:r>
                       <a:endParaRPr kumimoji="1" lang="ja-JP" altLang="en-US" sz="1000" b="1" dirty="0" smtClean="0">
                         <a:solidFill>
@@ -11901,8 +11887,8 @@
                   <a:tcPr marL="121920" marR="121920" marT="60960" marB="60960">
                     <a:solidFill>
                       <a:schemeClr val="accent4">
-                        <a:lumMod val="60000"/>
-                        <a:lumOff val="40000"/>
+                        <a:lumMod val="40000"/>
+                        <a:lumOff val="60000"/>
                       </a:schemeClr>
                     </a:solidFill>
                   </a:tcPr>
@@ -12041,7 +12027,7 @@
                           <a:ea typeface="Arial" charset="0"/>
                           <a:cs typeface="Arial" charset="0"/>
                         </a:rPr>
-                        <a:t>(C)</a:t>
+                        <a:t>(B)</a:t>
                       </a:r>
                       <a:endParaRPr kumimoji="1" lang="ja-JP" altLang="en-US" sz="1000" b="1" dirty="0" smtClean="0">
                         <a:solidFill>
@@ -12056,8 +12042,8 @@
                   <a:tcPr marL="121920" marR="121920" marT="60960" marB="60960">
                     <a:solidFill>
                       <a:schemeClr val="accent4">
-                        <a:lumMod val="40000"/>
-                        <a:lumOff val="60000"/>
+                        <a:lumMod val="60000"/>
+                        <a:lumOff val="40000"/>
                       </a:schemeClr>
                     </a:solidFill>
                   </a:tcPr>
@@ -28633,15 +28619,7 @@
                 <a:ea typeface="Arial" charset="0"/>
                 <a:cs typeface="Arial" charset="0"/>
               </a:rPr>
-              <a:t> </a:t>
-            </a:r>
-            <a:r>
-              <a:rPr lang="en-US" altLang="ja-JP" sz="1100" b="1" dirty="0">
-                <a:latin typeface="Arial" charset="0"/>
-                <a:ea typeface="Arial" charset="0"/>
-                <a:cs typeface="Arial" charset="0"/>
-              </a:rPr>
-              <a:t>DevOps Days Tokyo 2017(</a:t>
+              <a:t> DevOps Days Tokyo 2017(</a:t>
             </a:r>
             <a:r>
               <a:rPr lang="en-US" altLang="ja-JP" sz="1100" b="1" dirty="0" smtClean="0">
@@ -28649,15 +28627,7 @@
                 <a:ea typeface="Arial" charset="0"/>
                 <a:cs typeface="Arial" charset="0"/>
               </a:rPr>
-              <a:t>Apr25</a:t>
-            </a:r>
-            <a:r>
-              <a:rPr lang="en-US" altLang="ja-JP" sz="1100" b="1" dirty="0" smtClean="0">
-                <a:latin typeface="Arial" charset="0"/>
-                <a:ea typeface="Arial" charset="0"/>
-                <a:cs typeface="Arial" charset="0"/>
-              </a:rPr>
-              <a:t>)</a:t>
+              <a:t>Apr25)</a:t>
             </a:r>
             <a:endParaRPr lang="en-US" altLang="ja-JP" sz="1100" b="1" dirty="0">
               <a:latin typeface="Arial" charset="0"/>
@@ -31936,7 +31906,7 @@
         <p:spPr>
           <a:xfrm>
             <a:off x="322023" y="2952711"/>
-            <a:ext cx="5859321" cy="3200876"/>
+            <a:ext cx="5859321" cy="3422475"/>
           </a:xfrm>
         </p:spPr>
         <p:txBody>
@@ -32031,7 +32001,40 @@
                 <a:ea typeface="Arial" charset="0"/>
                 <a:cs typeface="Arial" charset="0"/>
               </a:rPr>
-              <a:t>mainly codes in C# or Java for customer-facing applications. He also uses HTML/CSS, JavaScript, and some PHP for smaller web or mobile projects. Nick also integrates with back-end web-services, APIs, legacy applications, databases and packaged </a:t>
+              <a:t>mainly codes in C# or Java for customer-facing applications. He also uses HTML/CSS, JavaScript, and some PHP for smaller web or mobile projects. </a:t>
+            </a:r>
+            <a:r>
+              <a:rPr lang="en-US" altLang="ja-JP" dirty="0" smtClean="0">
+                <a:solidFill>
+                  <a:schemeClr val="tx1"/>
+                </a:solidFill>
+                <a:latin typeface="Arial" charset="0"/>
+                <a:ea typeface="Arial" charset="0"/>
+                <a:cs typeface="Arial" charset="0"/>
+              </a:rPr>
+              <a:t>He</a:t>
+            </a:r>
+            <a:r>
+              <a:rPr lang="en-US" altLang="ja-JP" dirty="0" smtClean="0">
+                <a:solidFill>
+                  <a:schemeClr val="tx1"/>
+                </a:solidFill>
+                <a:latin typeface="Arial" charset="0"/>
+                <a:ea typeface="Arial" charset="0"/>
+                <a:cs typeface="Arial" charset="0"/>
+              </a:rPr>
+              <a:t> </a:t>
+            </a:r>
+            <a:r>
+              <a:rPr lang="en-US" altLang="ja-JP" dirty="0">
+                <a:solidFill>
+                  <a:schemeClr val="tx1"/>
+                </a:solidFill>
+                <a:latin typeface="Arial" charset="0"/>
+                <a:ea typeface="Arial" charset="0"/>
+                <a:cs typeface="Arial" charset="0"/>
+              </a:rPr>
+              <a:t>also integrates with back-end web-services, APIs, legacy applications, databases and packaged </a:t>
             </a:r>
             <a:r>
               <a:rPr lang="en-US" altLang="ja-JP" dirty="0" smtClean="0">

--- a/GitHub Japan Marketing Strategy.pptx
+++ b/GitHub Japan Marketing Strategy.pptx
@@ -5,23 +5,24 @@
     <p:sldMasterId id="2147483717" r:id="rId1"/>
   </p:sldMasterIdLst>
   <p:notesMasterIdLst>
-    <p:notesMasterId r:id="rId16"/>
+    <p:notesMasterId r:id="rId17"/>
   </p:notesMasterIdLst>
   <p:sldIdLst>
-    <p:sldId id="268" r:id="rId2"/>
-    <p:sldId id="262" r:id="rId3"/>
-    <p:sldId id="272" r:id="rId4"/>
-    <p:sldId id="258" r:id="rId5"/>
-    <p:sldId id="269" r:id="rId6"/>
-    <p:sldId id="273" r:id="rId7"/>
-    <p:sldId id="266" r:id="rId8"/>
-    <p:sldId id="267" r:id="rId9"/>
-    <p:sldId id="263" r:id="rId10"/>
-    <p:sldId id="260" r:id="rId11"/>
-    <p:sldId id="275" r:id="rId12"/>
-    <p:sldId id="276" r:id="rId13"/>
-    <p:sldId id="271" r:id="rId14"/>
-    <p:sldId id="274" r:id="rId15"/>
+    <p:sldId id="277" r:id="rId2"/>
+    <p:sldId id="268" r:id="rId3"/>
+    <p:sldId id="260" r:id="rId4"/>
+    <p:sldId id="263" r:id="rId5"/>
+    <p:sldId id="262" r:id="rId6"/>
+    <p:sldId id="272" r:id="rId7"/>
+    <p:sldId id="258" r:id="rId8"/>
+    <p:sldId id="269" r:id="rId9"/>
+    <p:sldId id="273" r:id="rId10"/>
+    <p:sldId id="266" r:id="rId11"/>
+    <p:sldId id="267" r:id="rId12"/>
+    <p:sldId id="275" r:id="rId13"/>
+    <p:sldId id="276" r:id="rId14"/>
+    <p:sldId id="271" r:id="rId15"/>
+    <p:sldId id="274" r:id="rId16"/>
   </p:sldIdLst>
   <p:sldSz cx="12192000" cy="6858000"/>
   <p:notesSz cx="6858000" cy="9144000"/>
@@ -567,7 +568,7 @@
           <a:p>
             <a:fld id="{FFFEC453-E2FF-B741-A9EA-9192FC291631}" type="datetimeFigureOut">
               <a:rPr kumimoji="1" lang="ja-JP" altLang="en-US" smtClean="0"/>
-              <a:t>2017/4/24</a:t>
+              <a:t>2017/5/9</a:t>
             </a:fld>
             <a:endParaRPr kumimoji="1" lang="ja-JP" altLang="en-US"/>
           </a:p>
@@ -911,11 +912,28 @@
           <a:bodyPr/>
           <a:lstStyle/>
           <a:p>
-            <a:r>
-              <a:rPr kumimoji="1" lang="en-US" altLang="ja-JP" dirty="0" smtClean="0"/>
-              <a:t>https://www.g2crowd.com/categories/version-control-hosting</a:t>
-            </a:r>
-            <a:endParaRPr kumimoji="1" lang="ja-JP" altLang="en-US" dirty="0"/>
+            <a:pPr marL="8335" marR="0" lvl="0" indent="-8335" algn="l" defTabSz="914400" rtl="0" eaLnBrk="1" fontAlgn="auto" latinLnBrk="0" hangingPunct="1">
+              <a:lnSpc>
+                <a:spcPct val="100000"/>
+              </a:lnSpc>
+              <a:spcBef>
+                <a:spcPts val="0"/>
+              </a:spcBef>
+              <a:spcAft>
+                <a:spcPts val="0"/>
+              </a:spcAft>
+              <a:buClrTx/>
+              <a:buSzPct val="25000"/>
+              <a:buFontTx/>
+              <a:buNone/>
+              <a:tabLst/>
+              <a:defRPr/>
+            </a:pPr>
+            <a:endParaRPr lang="en-US" altLang="ja-JP" sz="2000" dirty="0" smtClean="0">
+              <a:latin typeface="Arial" charset="0"/>
+              <a:ea typeface="Arial" charset="0"/>
+              <a:cs typeface="Arial" charset="0"/>
+            </a:endParaRPr>
           </a:p>
         </p:txBody>
       </p:sp>
@@ -934,18 +952,27 @@
           <a:bodyPr/>
           <a:lstStyle/>
           <a:p>
-            <a:fld id="{9B6451EE-0818-F24E-9A9A-6FA9073EA1A7}" type="slidenum">
-              <a:rPr kumimoji="1" lang="ja-JP" altLang="en-US" smtClean="0"/>
+            <a:fld id="{4CF00E19-F562-4142-A0E8-E8BCB60B6EB5}" type="slidenum">
+              <a:rPr lang="en-US" smtClean="0">
+                <a:solidFill>
+                  <a:prstClr val="black"/>
+                </a:solidFill>
+              </a:rPr>
+              <a:pPr/>
               <a:t>3</a:t>
             </a:fld>
-            <a:endParaRPr kumimoji="1" lang="ja-JP" altLang="en-US"/>
+            <a:endParaRPr lang="en-US" dirty="0">
+              <a:solidFill>
+                <a:prstClr val="black"/>
+              </a:solidFill>
+            </a:endParaRPr>
           </a:p>
         </p:txBody>
       </p:sp>
     </p:spTree>
     <p:extLst>
       <p:ext uri="{BB962C8B-B14F-4D97-AF65-F5344CB8AC3E}">
-        <p14:creationId xmlns:p14="http://schemas.microsoft.com/office/powerpoint/2010/main" val="1871928664"/>
+        <p14:creationId xmlns:p14="http://schemas.microsoft.com/office/powerpoint/2010/main" val="233007543"/>
       </p:ext>
     </p:extLst>
   </p:cSld>
@@ -1001,15 +1028,7 @@
           <a:p>
             <a:r>
               <a:rPr kumimoji="1" lang="en-US" altLang="ja-JP" dirty="0" smtClean="0"/>
-              <a:t>https://</a:t>
-            </a:r>
-            <a:r>
-              <a:rPr kumimoji="1" lang="en-US" altLang="ja-JP" dirty="0" err="1" smtClean="0"/>
-              <a:t>www.statista.com</a:t>
-            </a:r>
-            <a:r>
-              <a:rPr kumimoji="1" lang="en-US" altLang="ja-JP" dirty="0" smtClean="0"/>
-              <a:t>/statistics/264621/market-value-of-the-top-20-internet-companies-in-japan/</a:t>
+              <a:t>https://www.g2crowd.com/categories/version-control-hosting</a:t>
             </a:r>
             <a:endParaRPr kumimoji="1" lang="ja-JP" altLang="en-US" dirty="0"/>
           </a:p>
@@ -1030,29 +1049,18 @@
           <a:bodyPr/>
           <a:lstStyle/>
           <a:p>
-            <a:fld id="{4CF00E19-F562-4142-A0E8-E8BCB60B6EB5}" type="slidenum">
-              <a:rPr lang="en-US" smtClean="0">
-                <a:solidFill>
-                  <a:prstClr val="black"/>
-                </a:solidFill>
-                <a:latin typeface="Calibri"/>
-              </a:rPr>
-              <a:pPr/>
-              <a:t>4</a:t>
+            <a:fld id="{9B6451EE-0818-F24E-9A9A-6FA9073EA1A7}" type="slidenum">
+              <a:rPr kumimoji="1" lang="ja-JP" altLang="en-US" smtClean="0"/>
+              <a:t>6</a:t>
             </a:fld>
-            <a:endParaRPr lang="en-US" dirty="0">
-              <a:solidFill>
-                <a:prstClr val="black"/>
-              </a:solidFill>
-              <a:latin typeface="Calibri"/>
-            </a:endParaRPr>
+            <a:endParaRPr kumimoji="1" lang="ja-JP" altLang="en-US"/>
           </a:p>
         </p:txBody>
       </p:sp>
     </p:spTree>
     <p:extLst>
       <p:ext uri="{BB962C8B-B14F-4D97-AF65-F5344CB8AC3E}">
-        <p14:creationId xmlns:p14="http://schemas.microsoft.com/office/powerpoint/2010/main" val="1953465163"/>
+        <p14:creationId xmlns:p14="http://schemas.microsoft.com/office/powerpoint/2010/main" val="1871928664"/>
       </p:ext>
     </p:extLst>
   </p:cSld>
@@ -1108,6 +1116,113 @@
           <a:p>
             <a:r>
               <a:rPr kumimoji="1" lang="en-US" altLang="ja-JP" dirty="0" smtClean="0"/>
+              <a:t>https://</a:t>
+            </a:r>
+            <a:r>
+              <a:rPr kumimoji="1" lang="en-US" altLang="ja-JP" dirty="0" err="1" smtClean="0"/>
+              <a:t>www.statista.com</a:t>
+            </a:r>
+            <a:r>
+              <a:rPr kumimoji="1" lang="en-US" altLang="ja-JP" dirty="0" smtClean="0"/>
+              <a:t>/statistics/264621/market-value-of-the-top-20-internet-companies-in-japan/</a:t>
+            </a:r>
+            <a:endParaRPr kumimoji="1" lang="ja-JP" altLang="en-US" dirty="0"/>
+          </a:p>
+        </p:txBody>
+      </p:sp>
+      <p:sp>
+        <p:nvSpPr>
+          <p:cNvPr id="4" name="スライド番号プレースホルダー 3"/>
+          <p:cNvSpPr>
+            <a:spLocks noGrp="1"/>
+          </p:cNvSpPr>
+          <p:nvPr>
+            <p:ph type="sldNum" sz="quarter" idx="10"/>
+          </p:nvPr>
+        </p:nvSpPr>
+        <p:spPr/>
+        <p:txBody>
+          <a:bodyPr/>
+          <a:lstStyle/>
+          <a:p>
+            <a:fld id="{4CF00E19-F562-4142-A0E8-E8BCB60B6EB5}" type="slidenum">
+              <a:rPr lang="en-US" smtClean="0">
+                <a:solidFill>
+                  <a:prstClr val="black"/>
+                </a:solidFill>
+                <a:latin typeface="Calibri"/>
+              </a:rPr>
+              <a:pPr/>
+              <a:t>7</a:t>
+            </a:fld>
+            <a:endParaRPr lang="en-US" dirty="0">
+              <a:solidFill>
+                <a:prstClr val="black"/>
+              </a:solidFill>
+              <a:latin typeface="Calibri"/>
+            </a:endParaRPr>
+          </a:p>
+        </p:txBody>
+      </p:sp>
+    </p:spTree>
+    <p:extLst>
+      <p:ext uri="{BB962C8B-B14F-4D97-AF65-F5344CB8AC3E}">
+        <p14:creationId xmlns:p14="http://schemas.microsoft.com/office/powerpoint/2010/main" val="1953465163"/>
+      </p:ext>
+    </p:extLst>
+  </p:cSld>
+  <p:clrMapOvr>
+    <a:masterClrMapping/>
+  </p:clrMapOvr>
+</p:notes>
+</file>
+
+<file path=ppt/notesSlides/notesSlide4.xml><?xml version="1.0" encoding="utf-8"?>
+<p:notes xmlns:a="http://schemas.openxmlformats.org/drawingml/2006/main" xmlns:r="http://schemas.openxmlformats.org/officeDocument/2006/relationships" xmlns:p="http://schemas.openxmlformats.org/presentationml/2006/main">
+  <p:cSld>
+    <p:spTree>
+      <p:nvGrpSpPr>
+        <p:cNvPr id="1" name=""/>
+        <p:cNvGrpSpPr/>
+        <p:nvPr/>
+      </p:nvGrpSpPr>
+      <p:grpSpPr>
+        <a:xfrm>
+          <a:off x="0" y="0"/>
+          <a:ext cx="0" cy="0"/>
+          <a:chOff x="0" y="0"/>
+          <a:chExt cx="0" cy="0"/>
+        </a:xfrm>
+      </p:grpSpPr>
+      <p:sp>
+        <p:nvSpPr>
+          <p:cNvPr id="2" name="スライド イメージ プレースホルダー 1"/>
+          <p:cNvSpPr>
+            <a:spLocks noGrp="1" noRot="1" noChangeAspect="1"/>
+          </p:cNvSpPr>
+          <p:nvPr>
+            <p:ph type="sldImg"/>
+          </p:nvPr>
+        </p:nvSpPr>
+        <p:spPr/>
+      </p:sp>
+      <p:sp>
+        <p:nvSpPr>
+          <p:cNvPr id="3" name="ノート プレースホルダー 2"/>
+          <p:cNvSpPr>
+            <a:spLocks noGrp="1"/>
+          </p:cNvSpPr>
+          <p:nvPr>
+            <p:ph type="body" idx="1"/>
+          </p:nvPr>
+        </p:nvSpPr>
+        <p:spPr/>
+        <p:txBody>
+          <a:bodyPr/>
+          <a:lstStyle/>
+          <a:p>
+            <a:r>
+              <a:rPr kumimoji="1" lang="en-US" altLang="ja-JP" dirty="0" smtClean="0"/>
               <a:t>Local Medias</a:t>
             </a:r>
           </a:p>
@@ -1165,7 +1280,7 @@
                 <a:latin typeface="Calibri"/>
               </a:rPr>
               <a:pPr/>
-              <a:t>5</a:t>
+              <a:t>8</a:t>
             </a:fld>
             <a:endParaRPr lang="en-US" dirty="0">
               <a:solidFill>
@@ -1189,7 +1304,7 @@
 </p:notes>
 </file>
 
-<file path=ppt/notesSlides/notesSlide4.xml><?xml version="1.0" encoding="utf-8"?>
+<file path=ppt/notesSlides/notesSlide5.xml><?xml version="1.0" encoding="utf-8"?>
 <p:notes xmlns:a="http://schemas.openxmlformats.org/drawingml/2006/main" xmlns:r="http://schemas.openxmlformats.org/officeDocument/2006/relationships" xmlns:p="http://schemas.openxmlformats.org/presentationml/2006/main">
   <p:cSld>
     <p:spTree>
@@ -1254,7 +1369,7 @@
           <a:p>
             <a:fld id="{4CF00E19-F562-4142-A0E8-E8BCB60B6EB5}" type="slidenum">
               <a:rPr lang="en-US" smtClean="0"/>
-              <a:t>6</a:t>
+              <a:t>9</a:t>
             </a:fld>
             <a:endParaRPr lang="en-US" dirty="0"/>
           </a:p>
@@ -1264,120 +1379,6 @@
     <p:extLst>
       <p:ext uri="{BB962C8B-B14F-4D97-AF65-F5344CB8AC3E}">
         <p14:creationId xmlns:p14="http://schemas.microsoft.com/office/powerpoint/2010/main" val="1781875328"/>
-      </p:ext>
-    </p:extLst>
-  </p:cSld>
-  <p:clrMapOvr>
-    <a:masterClrMapping/>
-  </p:clrMapOvr>
-</p:notes>
-</file>
-
-<file path=ppt/notesSlides/notesSlide5.xml><?xml version="1.0" encoding="utf-8"?>
-<p:notes xmlns:a="http://schemas.openxmlformats.org/drawingml/2006/main" xmlns:r="http://schemas.openxmlformats.org/officeDocument/2006/relationships" xmlns:p="http://schemas.openxmlformats.org/presentationml/2006/main">
-  <p:cSld>
-    <p:spTree>
-      <p:nvGrpSpPr>
-        <p:cNvPr id="1" name=""/>
-        <p:cNvGrpSpPr/>
-        <p:nvPr/>
-      </p:nvGrpSpPr>
-      <p:grpSpPr>
-        <a:xfrm>
-          <a:off x="0" y="0"/>
-          <a:ext cx="0" cy="0"/>
-          <a:chOff x="0" y="0"/>
-          <a:chExt cx="0" cy="0"/>
-        </a:xfrm>
-      </p:grpSpPr>
-      <p:sp>
-        <p:nvSpPr>
-          <p:cNvPr id="2" name="スライド イメージ プレースホルダー 1"/>
-          <p:cNvSpPr>
-            <a:spLocks noGrp="1" noRot="1" noChangeAspect="1"/>
-          </p:cNvSpPr>
-          <p:nvPr>
-            <p:ph type="sldImg"/>
-          </p:nvPr>
-        </p:nvSpPr>
-        <p:spPr/>
-      </p:sp>
-      <p:sp>
-        <p:nvSpPr>
-          <p:cNvPr id="3" name="ノート プレースホルダー 2"/>
-          <p:cNvSpPr>
-            <a:spLocks noGrp="1"/>
-          </p:cNvSpPr>
-          <p:nvPr>
-            <p:ph type="body" idx="1"/>
-          </p:nvPr>
-        </p:nvSpPr>
-        <p:spPr/>
-        <p:txBody>
-          <a:bodyPr/>
-          <a:lstStyle/>
-          <a:p>
-            <a:pPr marL="8335" marR="0" lvl="0" indent="-8335" algn="l" defTabSz="914400" rtl="0" eaLnBrk="1" fontAlgn="auto" latinLnBrk="0" hangingPunct="1">
-              <a:lnSpc>
-                <a:spcPct val="100000"/>
-              </a:lnSpc>
-              <a:spcBef>
-                <a:spcPts val="0"/>
-              </a:spcBef>
-              <a:spcAft>
-                <a:spcPts val="0"/>
-              </a:spcAft>
-              <a:buClrTx/>
-              <a:buSzPct val="25000"/>
-              <a:buFontTx/>
-              <a:buNone/>
-              <a:tabLst/>
-              <a:defRPr/>
-            </a:pPr>
-            <a:endParaRPr lang="en-US" altLang="ja-JP" sz="2000" dirty="0" smtClean="0">
-              <a:latin typeface="Arial" charset="0"/>
-              <a:ea typeface="Arial" charset="0"/>
-              <a:cs typeface="Arial" charset="0"/>
-            </a:endParaRPr>
-          </a:p>
-        </p:txBody>
-      </p:sp>
-      <p:sp>
-        <p:nvSpPr>
-          <p:cNvPr id="4" name="スライド番号プレースホルダー 3"/>
-          <p:cNvSpPr>
-            <a:spLocks noGrp="1"/>
-          </p:cNvSpPr>
-          <p:nvPr>
-            <p:ph type="sldNum" sz="quarter" idx="10"/>
-          </p:nvPr>
-        </p:nvSpPr>
-        <p:spPr/>
-        <p:txBody>
-          <a:bodyPr/>
-          <a:lstStyle/>
-          <a:p>
-            <a:fld id="{4CF00E19-F562-4142-A0E8-E8BCB60B6EB5}" type="slidenum">
-              <a:rPr lang="en-US" smtClean="0">
-                <a:solidFill>
-                  <a:prstClr val="black"/>
-                </a:solidFill>
-              </a:rPr>
-              <a:pPr/>
-              <a:t>7</a:t>
-            </a:fld>
-            <a:endParaRPr lang="en-US" dirty="0">
-              <a:solidFill>
-                <a:prstClr val="black"/>
-              </a:solidFill>
-            </a:endParaRPr>
-          </a:p>
-        </p:txBody>
-      </p:sp>
-    </p:spTree>
-    <p:extLst>
-      <p:ext uri="{BB962C8B-B14F-4D97-AF65-F5344CB8AC3E}">
-        <p14:creationId xmlns:p14="http://schemas.microsoft.com/office/powerpoint/2010/main" val="965247819"/>
       </p:ext>
     </p:extLst>
   </p:cSld>
@@ -1491,7 +1492,7 @@
     </p:spTree>
     <p:extLst>
       <p:ext uri="{BB962C8B-B14F-4D97-AF65-F5344CB8AC3E}">
-        <p14:creationId xmlns:p14="http://schemas.microsoft.com/office/powerpoint/2010/main" val="233007543"/>
+        <p14:creationId xmlns:p14="http://schemas.microsoft.com/office/powerpoint/2010/main" val="965247819"/>
       </p:ext>
     </p:extLst>
   </p:cSld>
@@ -1566,7 +1567,7 @@
           <a:p>
             <a:fld id="{4CF00E19-F562-4142-A0E8-E8BCB60B6EB5}" type="slidenum">
               <a:rPr lang="en-US" smtClean="0"/>
-              <a:t>14</a:t>
+              <a:t>15</a:t>
             </a:fld>
             <a:endParaRPr lang="en-US" dirty="0"/>
           </a:p>
@@ -3086,7 +3087,7 @@
           <a:p>
             <a:fld id="{0AB07F87-E0B4-8949-A90A-54340C823909}" type="datetimeFigureOut">
               <a:rPr kumimoji="1" lang="ja-JP" altLang="en-US" smtClean="0"/>
-              <a:t>2017/4/24</a:t>
+              <a:t>2017/5/9</a:t>
             </a:fld>
             <a:endParaRPr kumimoji="1" lang="ja-JP" altLang="en-US"/>
           </a:p>
@@ -3482,53 +3483,433 @@
       </p:grpSpPr>
       <p:sp>
         <p:nvSpPr>
-          <p:cNvPr id="2" name="テキスト ボックス 1"/>
-          <p:cNvSpPr txBox="1"/>
-          <p:nvPr/>
+          <p:cNvPr id="2" name="Title 1"/>
+          <p:cNvSpPr>
+            <a:spLocks noGrp="1"/>
+          </p:cNvSpPr>
+          <p:nvPr>
+            <p:ph type="title"/>
+          </p:nvPr>
         </p:nvSpPr>
         <p:spPr>
           <a:xfrm>
-            <a:off x="1435510" y="1406013"/>
-            <a:ext cx="8868696" cy="1077218"/>
+            <a:off x="322023" y="328628"/>
+            <a:ext cx="11426632" cy="605294"/>
           </a:xfrm>
-          <a:prstGeom prst="rect">
-            <a:avLst/>
-          </a:prstGeom>
-          <a:noFill/>
         </p:spPr>
         <p:txBody>
-          <a:bodyPr wrap="square" rtlCol="0">
-            <a:spAutoFit/>
-          </a:bodyPr>
+          <a:bodyPr/>
           <a:lstStyle/>
           <a:p>
             <a:r>
-              <a:rPr kumimoji="1" lang="en-US" altLang="ja-JP" sz="3200" b="1" dirty="0" smtClean="0">
+              <a:rPr kumimoji="1" lang="en-US" altLang="ja-JP" sz="3600" b="1" dirty="0" smtClean="0">
+                <a:solidFill>
+                  <a:srgbClr val="00B0F0"/>
+                </a:solidFill>
                 <a:latin typeface="Arial" charset="0"/>
                 <a:ea typeface="Arial" charset="0"/>
                 <a:cs typeface="Arial" charset="0"/>
               </a:rPr>
-              <a:t>GitHub Japan</a:t>
-            </a:r>
+              <a:t>Why GitHub?</a:t>
+            </a:r>
+            <a:endParaRPr kumimoji="1" lang="ja-JP" altLang="en-US" sz="2933" b="1" dirty="0">
+              <a:solidFill>
+                <a:srgbClr val="00B0F0"/>
+              </a:solidFill>
+              <a:latin typeface="Arial" charset="0"/>
+              <a:ea typeface="Arial" charset="0"/>
+              <a:cs typeface="Arial" charset="0"/>
+            </a:endParaRPr>
           </a:p>
+        </p:txBody>
+      </p:sp>
+      <p:sp>
+        <p:nvSpPr>
+          <p:cNvPr id="5" name="Text Placeholder 3"/>
+          <p:cNvSpPr>
+            <a:spLocks noGrp="1"/>
+          </p:cNvSpPr>
+          <p:nvPr>
+            <p:ph type="body" sz="quarter" idx="11"/>
+          </p:nvPr>
+        </p:nvSpPr>
+        <p:spPr>
+          <a:xfrm>
+            <a:off x="322023" y="1190847"/>
+            <a:ext cx="11426632" cy="4212948"/>
+          </a:xfrm>
+        </p:spPr>
+        <p:txBody>
+          <a:bodyPr/>
+          <a:lstStyle/>
           <a:p>
-            <a:r>
-              <a:rPr kumimoji="1" lang="en-US" altLang="ja-JP" sz="3200" b="1" dirty="0" smtClean="0">
+            <a:pPr marL="0" indent="0">
+              <a:buNone/>
+            </a:pPr>
+            <a:r>
+              <a:rPr lang="en-US" altLang="ja-JP" sz="2400" b="1" dirty="0" smtClean="0">
+                <a:solidFill>
+                  <a:schemeClr val="tx1"/>
+                </a:solidFill>
                 <a:latin typeface="Arial" charset="0"/>
                 <a:ea typeface="Arial" charset="0"/>
                 <a:cs typeface="Arial" charset="0"/>
               </a:rPr>
-              <a:t>Marketing </a:t>
-            </a:r>
-            <a:r>
-              <a:rPr lang="en-US" altLang="ja-JP" sz="3200" b="1" dirty="0" smtClean="0">
+              <a:t>GitHub is</a:t>
+            </a:r>
+          </a:p>
+          <a:p>
+            <a:pPr marL="0" indent="0">
+              <a:buNone/>
+            </a:pPr>
+            <a:r>
+              <a:rPr lang="en-US" altLang="ja-JP" sz="2000" dirty="0">
+                <a:solidFill>
+                  <a:schemeClr val="tx1"/>
+                </a:solidFill>
                 <a:latin typeface="Arial" charset="0"/>
                 <a:ea typeface="Arial" charset="0"/>
                 <a:cs typeface="Arial" charset="0"/>
               </a:rPr>
-              <a:t>Strategy</a:t>
-            </a:r>
-            <a:endParaRPr kumimoji="1" lang="en-US" altLang="ja-JP" sz="3200" b="1" dirty="0" smtClean="0">
+              <a:t>n</a:t>
+            </a:r>
+            <a:r>
+              <a:rPr lang="en-US" altLang="ja-JP" sz="2000" dirty="0" smtClean="0">
+                <a:solidFill>
+                  <a:schemeClr val="tx1"/>
+                </a:solidFill>
+                <a:latin typeface="Arial" charset="0"/>
+                <a:ea typeface="Arial" charset="0"/>
+                <a:cs typeface="Arial" charset="0"/>
+              </a:rPr>
+              <a:t>ot just a software version control systems, but also a new </a:t>
+            </a:r>
+            <a:r>
+              <a:rPr lang="en-US" altLang="ja-JP" sz="2000" u="sng" dirty="0" smtClean="0">
+                <a:solidFill>
+                  <a:schemeClr val="tx1"/>
+                </a:solidFill>
+                <a:latin typeface="Arial" charset="0"/>
+                <a:ea typeface="Arial" charset="0"/>
+                <a:cs typeface="Arial" charset="0"/>
+              </a:rPr>
+              <a:t>communication platform </a:t>
+            </a:r>
+            <a:r>
+              <a:rPr lang="en-US" altLang="ja-JP" sz="2000" dirty="0" smtClean="0">
+                <a:solidFill>
+                  <a:schemeClr val="tx1"/>
+                </a:solidFill>
+                <a:latin typeface="Arial" charset="0"/>
+                <a:ea typeface="Arial" charset="0"/>
+                <a:cs typeface="Arial" charset="0"/>
+              </a:rPr>
+              <a:t>for everybody</a:t>
+            </a:r>
+          </a:p>
+          <a:p>
+            <a:pPr marL="0" indent="0">
+              <a:buNone/>
+            </a:pPr>
+            <a:r>
+              <a:rPr lang="en-US" altLang="ja-JP" sz="2400" b="1" dirty="0" smtClean="0">
+                <a:solidFill>
+                  <a:schemeClr val="tx1"/>
+                </a:solidFill>
+                <a:latin typeface="Arial" charset="0"/>
+                <a:ea typeface="Arial" charset="0"/>
+                <a:cs typeface="Arial" charset="0"/>
+              </a:rPr>
+              <a:t>and </a:t>
+            </a:r>
+            <a:r>
+              <a:rPr lang="en-US" altLang="ja-JP" sz="2400" b="1" dirty="0">
+                <a:solidFill>
+                  <a:schemeClr val="tx1"/>
+                </a:solidFill>
+                <a:latin typeface="Arial" charset="0"/>
+                <a:ea typeface="Arial" charset="0"/>
+                <a:cs typeface="Arial" charset="0"/>
+              </a:rPr>
+              <a:t>I am so interested in </a:t>
+            </a:r>
+            <a:r>
+              <a:rPr lang="en-US" altLang="ja-JP" sz="2400" b="1" dirty="0" smtClean="0">
+                <a:solidFill>
+                  <a:schemeClr val="tx1"/>
+                </a:solidFill>
+                <a:latin typeface="Arial" charset="0"/>
+                <a:ea typeface="Arial" charset="0"/>
+                <a:cs typeface="Arial" charset="0"/>
+              </a:rPr>
+              <a:t>GitHub because</a:t>
+            </a:r>
+          </a:p>
+          <a:p>
+            <a:pPr>
+              <a:buFont typeface="Arial" charset="0"/>
+              <a:buChar char="•"/>
+            </a:pPr>
+            <a:r>
+              <a:rPr lang="en-US" altLang="ja-JP" sz="2000" dirty="0" smtClean="0">
+                <a:solidFill>
+                  <a:schemeClr val="tx1"/>
+                </a:solidFill>
+                <a:latin typeface="Arial" charset="0"/>
+                <a:ea typeface="Arial" charset="0"/>
+                <a:cs typeface="Arial" charset="0"/>
+              </a:rPr>
+              <a:t>Strong </a:t>
+            </a:r>
+            <a:r>
+              <a:rPr lang="en-US" altLang="ja-JP" sz="2000" dirty="0">
+                <a:solidFill>
+                  <a:schemeClr val="tx1"/>
+                </a:solidFill>
+                <a:latin typeface="Arial" charset="0"/>
+                <a:ea typeface="Arial" charset="0"/>
+                <a:cs typeface="Arial" charset="0"/>
+              </a:rPr>
+              <a:t>Product </a:t>
+            </a:r>
+            <a:r>
+              <a:rPr lang="en-US" altLang="ja-JP" sz="2000" dirty="0" smtClean="0">
+                <a:solidFill>
+                  <a:schemeClr val="tx1"/>
+                </a:solidFill>
+                <a:latin typeface="Arial" charset="0"/>
+                <a:ea typeface="Arial" charset="0"/>
+                <a:cs typeface="Arial" charset="0"/>
+              </a:rPr>
+              <a:t>with Strong </a:t>
+            </a:r>
+            <a:r>
+              <a:rPr lang="en-US" altLang="ja-JP" sz="2000" dirty="0">
+                <a:solidFill>
+                  <a:schemeClr val="tx1"/>
+                </a:solidFill>
+                <a:latin typeface="Arial" charset="0"/>
+                <a:ea typeface="Arial" charset="0"/>
+                <a:cs typeface="Arial" charset="0"/>
+              </a:rPr>
+              <a:t>D</a:t>
+            </a:r>
+            <a:r>
+              <a:rPr lang="en-US" altLang="ja-JP" sz="2000" dirty="0" smtClean="0">
+                <a:solidFill>
+                  <a:schemeClr val="tx1"/>
+                </a:solidFill>
+                <a:latin typeface="Arial" charset="0"/>
+                <a:ea typeface="Arial" charset="0"/>
+                <a:cs typeface="Arial" charset="0"/>
+              </a:rPr>
+              <a:t>eveloper </a:t>
+            </a:r>
+            <a:r>
+              <a:rPr lang="en-US" altLang="ja-JP" sz="2000" dirty="0">
+                <a:solidFill>
+                  <a:schemeClr val="tx1"/>
+                </a:solidFill>
+                <a:latin typeface="Arial" charset="0"/>
+                <a:ea typeface="Arial" charset="0"/>
+                <a:cs typeface="Arial" charset="0"/>
+              </a:rPr>
+              <a:t>E</a:t>
+            </a:r>
+            <a:r>
+              <a:rPr lang="en-US" altLang="ja-JP" sz="2000" dirty="0" smtClean="0">
+                <a:solidFill>
+                  <a:schemeClr val="tx1"/>
+                </a:solidFill>
+                <a:latin typeface="Arial" charset="0"/>
+                <a:ea typeface="Arial" charset="0"/>
+                <a:cs typeface="Arial" charset="0"/>
+              </a:rPr>
+              <a:t>ngagement - </a:t>
+            </a:r>
+            <a:r>
+              <a:rPr lang="en-US" altLang="ja-JP" sz="2000" dirty="0">
+                <a:solidFill>
+                  <a:schemeClr val="tx1"/>
+                </a:solidFill>
+                <a:latin typeface="Arial" charset="0"/>
+                <a:ea typeface="Arial" charset="0"/>
+                <a:cs typeface="Arial" charset="0"/>
+              </a:rPr>
+              <a:t>C</a:t>
+            </a:r>
+            <a:r>
+              <a:rPr lang="en-US" altLang="ja-JP" sz="2000" dirty="0" smtClean="0">
+                <a:solidFill>
+                  <a:schemeClr val="tx1"/>
+                </a:solidFill>
+                <a:latin typeface="Arial" charset="0"/>
+                <a:ea typeface="Arial" charset="0"/>
+                <a:cs typeface="Arial" charset="0"/>
+              </a:rPr>
+              <a:t>ompetitive </a:t>
+            </a:r>
+            <a:r>
+              <a:rPr lang="en-US" altLang="ja-JP" sz="2000" dirty="0">
+                <a:solidFill>
+                  <a:schemeClr val="tx1"/>
+                </a:solidFill>
+                <a:latin typeface="Arial" charset="0"/>
+                <a:ea typeface="Arial" charset="0"/>
+                <a:cs typeface="Arial" charset="0"/>
+              </a:rPr>
+              <a:t>market share, huge awareness in consumer segments</a:t>
+            </a:r>
+          </a:p>
+          <a:p>
+            <a:pPr>
+              <a:buFont typeface="Arial" charset="0"/>
+              <a:buChar char="•"/>
+            </a:pPr>
+            <a:r>
+              <a:rPr lang="en-US" altLang="ja-JP" sz="2000" dirty="0">
+                <a:solidFill>
+                  <a:schemeClr val="tx1"/>
+                </a:solidFill>
+                <a:latin typeface="Arial" charset="0"/>
+                <a:ea typeface="Arial" charset="0"/>
+                <a:cs typeface="Arial" charset="0"/>
+              </a:rPr>
+              <a:t>Product Driven </a:t>
+            </a:r>
+            <a:r>
+              <a:rPr lang="en-US" altLang="ja-JP" sz="2000" dirty="0" smtClean="0">
+                <a:solidFill>
+                  <a:schemeClr val="tx1"/>
+                </a:solidFill>
+                <a:latin typeface="Arial" charset="0"/>
+                <a:ea typeface="Arial" charset="0"/>
+                <a:cs typeface="Arial" charset="0"/>
+              </a:rPr>
+              <a:t>Culture </a:t>
+            </a:r>
+            <a:r>
+              <a:rPr lang="en-US" altLang="ja-JP" sz="2000" dirty="0">
+                <a:solidFill>
+                  <a:schemeClr val="tx1"/>
+                </a:solidFill>
+                <a:latin typeface="Arial" charset="0"/>
+                <a:ea typeface="Arial" charset="0"/>
+                <a:cs typeface="Arial" charset="0"/>
+              </a:rPr>
+              <a:t>- </a:t>
+            </a:r>
+            <a:r>
+              <a:rPr lang="en-US" altLang="ja-JP" sz="2000" dirty="0" smtClean="0">
+                <a:solidFill>
+                  <a:schemeClr val="tx1"/>
+                </a:solidFill>
+                <a:latin typeface="Arial" charset="0"/>
+                <a:ea typeface="Arial" charset="0"/>
+                <a:cs typeface="Arial" charset="0"/>
+              </a:rPr>
+              <a:t>Fun </a:t>
+            </a:r>
+            <a:r>
+              <a:rPr lang="en-US" altLang="ja-JP" sz="2000" dirty="0">
+                <a:solidFill>
+                  <a:schemeClr val="tx1"/>
+                </a:solidFill>
+                <a:latin typeface="Arial" charset="0"/>
+                <a:ea typeface="Arial" charset="0"/>
+                <a:cs typeface="Arial" charset="0"/>
+              </a:rPr>
+              <a:t>for </a:t>
+            </a:r>
+            <a:r>
+              <a:rPr lang="en-US" altLang="ja-JP" sz="2000" dirty="0" smtClean="0">
+                <a:solidFill>
+                  <a:schemeClr val="tx1"/>
+                </a:solidFill>
+                <a:latin typeface="Arial" charset="0"/>
+                <a:ea typeface="Arial" charset="0"/>
+                <a:cs typeface="Arial" charset="0"/>
+              </a:rPr>
+              <a:t>Marketing People!</a:t>
+            </a:r>
+            <a:endParaRPr lang="en-US" altLang="ja-JP" sz="2000" dirty="0">
+              <a:solidFill>
+                <a:schemeClr val="tx1"/>
+              </a:solidFill>
+              <a:latin typeface="Arial" charset="0"/>
+              <a:ea typeface="Arial" charset="0"/>
+              <a:cs typeface="Arial" charset="0"/>
+            </a:endParaRPr>
+          </a:p>
+          <a:p>
+            <a:pPr>
+              <a:buFont typeface="Arial" charset="0"/>
+              <a:buChar char="•"/>
+            </a:pPr>
+            <a:r>
+              <a:rPr lang="en-US" altLang="ja-JP" sz="2000" dirty="0" smtClean="0">
+                <a:solidFill>
+                  <a:schemeClr val="tx1"/>
+                </a:solidFill>
+                <a:latin typeface="Arial" charset="0"/>
+                <a:ea typeface="Arial" charset="0"/>
+                <a:cs typeface="Arial" charset="0"/>
+              </a:rPr>
+              <a:t>Deeply impressed by </a:t>
+            </a:r>
+            <a:r>
+              <a:rPr lang="en-US" altLang="ja-JP" sz="2000" dirty="0">
+                <a:solidFill>
+                  <a:schemeClr val="tx1"/>
+                </a:solidFill>
+                <a:latin typeface="Arial" charset="0"/>
+                <a:ea typeface="Arial" charset="0"/>
+                <a:cs typeface="Arial" charset="0"/>
+              </a:rPr>
+              <a:t>corporate </a:t>
+            </a:r>
+            <a:r>
+              <a:rPr lang="en-US" altLang="ja-JP" sz="2000" dirty="0" smtClean="0">
+                <a:solidFill>
+                  <a:schemeClr val="tx1"/>
+                </a:solidFill>
+                <a:latin typeface="Arial" charset="0"/>
+                <a:ea typeface="Arial" charset="0"/>
+                <a:cs typeface="Arial" charset="0"/>
+              </a:rPr>
+              <a:t>philosophy/vision:</a:t>
+            </a:r>
+          </a:p>
+          <a:p>
+            <a:pPr marL="457200" lvl="1" indent="0">
+              <a:buNone/>
+            </a:pPr>
+            <a:r>
+              <a:rPr lang="en-US" altLang="ja-JP" sz="2800" dirty="0" smtClean="0">
+                <a:solidFill>
+                  <a:schemeClr val="tx1"/>
+                </a:solidFill>
+                <a:latin typeface="Arial" charset="0"/>
+                <a:ea typeface="Arial" charset="0"/>
+                <a:cs typeface="Arial" charset="0"/>
+              </a:rPr>
+              <a:t>“</a:t>
+            </a:r>
+            <a:r>
+              <a:rPr lang="en-US" altLang="ja-JP" sz="2800" dirty="0">
+                <a:solidFill>
+                  <a:schemeClr val="tx1"/>
+                </a:solidFill>
+                <a:latin typeface="Arial" charset="0"/>
+                <a:ea typeface="Arial" charset="0"/>
+                <a:cs typeface="Arial" charset="0"/>
+              </a:rPr>
+              <a:t>Our job is to build the future of software together with people who don’t even know they belong in it yet” (Nicole Sanchez)</a:t>
+            </a:r>
+            <a:endParaRPr lang="en-US" altLang="ja-JP" sz="2800" dirty="0" smtClean="0">
+              <a:solidFill>
+                <a:schemeClr val="tx1"/>
+              </a:solidFill>
               <a:latin typeface="Arial" charset="0"/>
               <a:ea typeface="Arial" charset="0"/>
               <a:cs typeface="Arial" charset="0"/>
@@ -3539,7 +3920,7 @@
     </p:spTree>
     <p:extLst>
       <p:ext uri="{BB962C8B-B14F-4D97-AF65-F5344CB8AC3E}">
-        <p14:creationId xmlns:p14="http://schemas.microsoft.com/office/powerpoint/2010/main" val="477850669"/>
+        <p14:creationId xmlns:p14="http://schemas.microsoft.com/office/powerpoint/2010/main" val="1809485829"/>
       </p:ext>
     </p:extLst>
   </p:cSld>
@@ -3585,6 +3966,3074 @@
         </p:nvSpPr>
         <p:spPr>
           <a:xfrm>
+            <a:off x="322023" y="374794"/>
+            <a:ext cx="11426632" cy="512961"/>
+          </a:xfrm>
+        </p:spPr>
+        <p:txBody>
+          <a:bodyPr/>
+          <a:lstStyle/>
+          <a:p>
+            <a:r>
+              <a:rPr kumimoji="1" lang="en-US" altLang="ja-JP" sz="3600" b="1" dirty="0" smtClean="0">
+                <a:solidFill>
+                  <a:srgbClr val="00B0F0"/>
+                </a:solidFill>
+                <a:latin typeface="Arial" charset="0"/>
+                <a:ea typeface="Arial" charset="0"/>
+                <a:cs typeface="Arial" charset="0"/>
+              </a:rPr>
+              <a:t>Questions</a:t>
+            </a:r>
+            <a:endParaRPr kumimoji="1" lang="ja-JP" altLang="en-US" sz="2933" b="1" dirty="0">
+              <a:solidFill>
+                <a:srgbClr val="00B0F0"/>
+              </a:solidFill>
+              <a:latin typeface="Arial" charset="0"/>
+              <a:ea typeface="Arial" charset="0"/>
+              <a:cs typeface="Arial" charset="0"/>
+            </a:endParaRPr>
+          </a:p>
+        </p:txBody>
+      </p:sp>
+      <p:sp>
+        <p:nvSpPr>
+          <p:cNvPr id="4" name="テキスト ボックス 3"/>
+          <p:cNvSpPr txBox="1"/>
+          <p:nvPr/>
+        </p:nvSpPr>
+        <p:spPr>
+          <a:xfrm>
+            <a:off x="322023" y="1309477"/>
+            <a:ext cx="11426632" cy="4801314"/>
+          </a:xfrm>
+          <a:prstGeom prst="rect">
+            <a:avLst/>
+          </a:prstGeom>
+          <a:noFill/>
+        </p:spPr>
+        <p:txBody>
+          <a:bodyPr wrap="square" rtlCol="0">
+            <a:spAutoFit/>
+          </a:bodyPr>
+          <a:lstStyle/>
+          <a:p>
+            <a:pPr marL="285750" indent="-285750">
+              <a:buFont typeface="Arial" charset="0"/>
+              <a:buChar char="•"/>
+            </a:pPr>
+            <a:r>
+              <a:rPr lang="en-US" altLang="ja-JP" sz="1700" b="1" dirty="0" smtClean="0">
+                <a:latin typeface="Arial" charset="0"/>
+                <a:ea typeface="Arial" charset="0"/>
+                <a:cs typeface="Arial" charset="0"/>
+              </a:rPr>
+              <a:t>Planning Cycle</a:t>
+            </a:r>
+          </a:p>
+          <a:p>
+            <a:pPr marL="742950" lvl="1" indent="-285750">
+              <a:buFont typeface="Arial" charset="0"/>
+              <a:buChar char="•"/>
+            </a:pPr>
+            <a:r>
+              <a:rPr lang="en-US" altLang="ja-JP" sz="1700" dirty="0" smtClean="0">
+                <a:latin typeface="Arial" charset="0"/>
+                <a:ea typeface="Arial" charset="0"/>
+                <a:cs typeface="Arial" charset="0"/>
+              </a:rPr>
+              <a:t>3 months(quarterly),6 months(half) or full year?</a:t>
+            </a:r>
+          </a:p>
+          <a:p>
+            <a:pPr marL="285750" indent="-285750">
+              <a:buFont typeface="Arial" charset="0"/>
+              <a:buChar char="•"/>
+            </a:pPr>
+            <a:r>
+              <a:rPr lang="en-US" altLang="ja-JP" sz="1700" b="1" dirty="0" smtClean="0">
+                <a:latin typeface="Arial" charset="0"/>
+                <a:ea typeface="Arial" charset="0"/>
+                <a:cs typeface="Arial" charset="0"/>
+              </a:rPr>
+              <a:t>Marketing Budget</a:t>
+            </a:r>
+          </a:p>
+          <a:p>
+            <a:pPr marL="742950" lvl="1" indent="-285750">
+              <a:buFont typeface="Arial" charset="0"/>
+              <a:buChar char="•"/>
+            </a:pPr>
+            <a:r>
+              <a:rPr lang="en-US" altLang="ja-JP" sz="1700" dirty="0" smtClean="0">
+                <a:latin typeface="Arial" charset="0"/>
+                <a:ea typeface="Arial" charset="0"/>
+                <a:cs typeface="Arial" charset="0"/>
+              </a:rPr>
+              <a:t>How much?</a:t>
+            </a:r>
+          </a:p>
+          <a:p>
+            <a:pPr marL="742950" lvl="1" indent="-285750">
+              <a:buFont typeface="Arial" charset="0"/>
+              <a:buChar char="•"/>
+            </a:pPr>
+            <a:r>
+              <a:rPr lang="en-US" altLang="ja-JP" sz="1700" dirty="0" smtClean="0">
+                <a:latin typeface="Arial" charset="0"/>
+                <a:ea typeface="Arial" charset="0"/>
+                <a:cs typeface="Arial" charset="0"/>
+              </a:rPr>
+              <a:t>Is there any spending skew related to planning cycle?</a:t>
+            </a:r>
+          </a:p>
+          <a:p>
+            <a:pPr marL="285750" indent="-285750">
+              <a:buFont typeface="Arial" charset="0"/>
+              <a:buChar char="•"/>
+            </a:pPr>
+            <a:r>
+              <a:rPr lang="en-US" altLang="ja-JP" sz="1700" b="1" dirty="0">
+                <a:latin typeface="Arial" charset="0"/>
+                <a:ea typeface="Arial" charset="0"/>
+                <a:cs typeface="Arial" charset="0"/>
+              </a:rPr>
+              <a:t>KPI</a:t>
+            </a:r>
+          </a:p>
+          <a:p>
+            <a:pPr marL="742950" lvl="1" indent="-285750">
+              <a:buFont typeface="Arial" charset="0"/>
+              <a:buChar char="•"/>
+            </a:pPr>
+            <a:r>
+              <a:rPr lang="en-US" altLang="ja-JP" sz="1700" dirty="0">
+                <a:latin typeface="Arial" charset="0"/>
+                <a:ea typeface="Arial" charset="0"/>
+                <a:cs typeface="Arial" charset="0"/>
+              </a:rPr>
+              <a:t>What is primary KPI for Marketing? </a:t>
+            </a:r>
+            <a:endParaRPr lang="en-US" altLang="ja-JP" sz="1700" dirty="0" smtClean="0">
+              <a:latin typeface="Arial" charset="0"/>
+              <a:ea typeface="Arial" charset="0"/>
+              <a:cs typeface="Arial" charset="0"/>
+            </a:endParaRPr>
+          </a:p>
+          <a:p>
+            <a:pPr marL="285750" indent="-285750">
+              <a:buFont typeface="Arial" charset="0"/>
+              <a:buChar char="•"/>
+            </a:pPr>
+            <a:r>
+              <a:rPr lang="en-US" altLang="ja-JP" sz="1700" b="1" dirty="0" smtClean="0">
+                <a:latin typeface="Arial" charset="0"/>
+                <a:ea typeface="Arial" charset="0"/>
+                <a:cs typeface="Arial" charset="0"/>
+              </a:rPr>
+              <a:t>Marketing Performance Report</a:t>
+            </a:r>
+          </a:p>
+          <a:p>
+            <a:pPr marL="742950" lvl="1" indent="-285750">
+              <a:buFont typeface="Arial" charset="0"/>
+              <a:buChar char="•"/>
+            </a:pPr>
+            <a:r>
+              <a:rPr lang="en-US" altLang="ja-JP" sz="1700" dirty="0" smtClean="0">
+                <a:latin typeface="Arial" charset="0"/>
+                <a:ea typeface="Arial" charset="0"/>
+                <a:cs typeface="Arial" charset="0"/>
+              </a:rPr>
+              <a:t>How do you capture Marketing performance? Do you use any reporting tools?</a:t>
+            </a:r>
+          </a:p>
+          <a:p>
+            <a:pPr marL="285750" indent="-285750">
+              <a:buFont typeface="Arial" charset="0"/>
+              <a:buChar char="•"/>
+            </a:pPr>
+            <a:r>
+              <a:rPr lang="en-US" altLang="ja-JP" sz="1700" b="1" dirty="0" smtClean="0">
+                <a:latin typeface="Arial" charset="0"/>
+                <a:ea typeface="Arial" charset="0"/>
+                <a:cs typeface="Arial" charset="0"/>
+              </a:rPr>
+              <a:t>Digital Marketing</a:t>
+            </a:r>
+          </a:p>
+          <a:p>
+            <a:pPr marL="742950" lvl="1" indent="-285750">
+              <a:buFont typeface="Arial" charset="0"/>
+              <a:buChar char="•"/>
+            </a:pPr>
+            <a:r>
+              <a:rPr lang="en-US" altLang="ja-JP" sz="1700" dirty="0" smtClean="0">
+                <a:latin typeface="Arial" charset="0"/>
+                <a:ea typeface="Arial" charset="0"/>
+                <a:cs typeface="Arial" charset="0"/>
+              </a:rPr>
+              <a:t>How do you buy paid medias such as display ads, paid </a:t>
+            </a:r>
+            <a:r>
+              <a:rPr lang="en-US" altLang="ja-JP" sz="1700" dirty="0">
+                <a:latin typeface="Arial" charset="0"/>
+                <a:ea typeface="Arial" charset="0"/>
+                <a:cs typeface="Arial" charset="0"/>
+              </a:rPr>
+              <a:t>s</a:t>
+            </a:r>
+            <a:r>
+              <a:rPr lang="en-US" altLang="ja-JP" sz="1700" dirty="0" smtClean="0">
+                <a:latin typeface="Arial" charset="0"/>
+                <a:ea typeface="Arial" charset="0"/>
+                <a:cs typeface="Arial" charset="0"/>
+              </a:rPr>
+              <a:t>earch and sponsorships? Do you do Central buying? </a:t>
+            </a:r>
+          </a:p>
+          <a:p>
+            <a:pPr marL="285750" indent="-285750">
+              <a:buFont typeface="Arial" charset="0"/>
+              <a:buChar char="•"/>
+            </a:pPr>
+            <a:r>
+              <a:rPr lang="en-US" altLang="ja-JP" sz="1700" b="1" dirty="0" smtClean="0">
+                <a:latin typeface="Arial" charset="0"/>
+                <a:ea typeface="Arial" charset="0"/>
+                <a:cs typeface="Arial" charset="0"/>
+              </a:rPr>
+              <a:t>Customer database</a:t>
+            </a:r>
+          </a:p>
+          <a:p>
+            <a:pPr marL="742950" lvl="1" indent="-285750">
+              <a:buFont typeface="Arial" charset="0"/>
+              <a:buChar char="•"/>
+            </a:pPr>
+            <a:r>
+              <a:rPr lang="en-US" altLang="ja-JP" sz="1700" dirty="0" smtClean="0">
+                <a:latin typeface="Arial" charset="0"/>
+                <a:ea typeface="Arial" charset="0"/>
+                <a:cs typeface="Arial" charset="0"/>
+              </a:rPr>
+              <a:t>How do you manage Geo specific customer data?  Any centralized database?</a:t>
+            </a:r>
+            <a:endParaRPr kumimoji="1" lang="en-US" altLang="ja-JP" sz="1700" dirty="0" smtClean="0">
+              <a:latin typeface="Arial" charset="0"/>
+              <a:ea typeface="Arial" charset="0"/>
+              <a:cs typeface="Arial" charset="0"/>
+            </a:endParaRPr>
+          </a:p>
+          <a:p>
+            <a:pPr marL="285750" indent="-285750">
+              <a:buFont typeface="Arial" charset="0"/>
+              <a:buChar char="•"/>
+            </a:pPr>
+            <a:r>
+              <a:rPr lang="en-US" altLang="ja-JP" sz="1700" b="1" dirty="0" smtClean="0">
+                <a:latin typeface="Arial" charset="0"/>
+                <a:ea typeface="Arial" charset="0"/>
+                <a:cs typeface="Arial" charset="0"/>
+              </a:rPr>
+              <a:t>Marketing Intelligence</a:t>
+            </a:r>
+          </a:p>
+          <a:p>
+            <a:pPr marL="742950" lvl="1" indent="-285750">
+              <a:buFont typeface="Arial" charset="0"/>
+              <a:buChar char="•"/>
+            </a:pPr>
+            <a:r>
+              <a:rPr lang="en-US" altLang="ja-JP" sz="1700" dirty="0" smtClean="0">
+                <a:latin typeface="Arial" charset="0"/>
+                <a:ea typeface="Arial" charset="0"/>
+                <a:cs typeface="Arial" charset="0"/>
+              </a:rPr>
+              <a:t>Is there any </a:t>
+            </a:r>
+            <a:r>
+              <a:rPr lang="en-US" altLang="ja-JP" sz="1700" dirty="0">
+                <a:latin typeface="Arial" charset="0"/>
+                <a:ea typeface="Arial" charset="0"/>
+                <a:cs typeface="Arial" charset="0"/>
+              </a:rPr>
+              <a:t>c</a:t>
+            </a:r>
+            <a:r>
+              <a:rPr lang="en-US" altLang="ja-JP" sz="1700" dirty="0" smtClean="0">
+                <a:latin typeface="Arial" charset="0"/>
+                <a:ea typeface="Arial" charset="0"/>
+                <a:cs typeface="Arial" charset="0"/>
+              </a:rPr>
+              <a:t>entralized function for MI? How do Geo marketing get local market </a:t>
+            </a:r>
+            <a:r>
+              <a:rPr lang="en-US" altLang="ja-JP" sz="1700" dirty="0">
+                <a:latin typeface="Arial" charset="0"/>
+                <a:ea typeface="Arial" charset="0"/>
+                <a:cs typeface="Arial" charset="0"/>
+              </a:rPr>
+              <a:t>Insights/research </a:t>
+            </a:r>
+            <a:r>
+              <a:rPr lang="en-US" altLang="ja-JP" sz="1700" dirty="0" smtClean="0">
+                <a:latin typeface="Arial" charset="0"/>
+                <a:ea typeface="Arial" charset="0"/>
+                <a:cs typeface="Arial" charset="0"/>
+              </a:rPr>
+              <a:t>information?</a:t>
+            </a:r>
+          </a:p>
+          <a:p>
+            <a:pPr marL="285750" indent="-285750">
+              <a:buFont typeface="Arial" charset="0"/>
+              <a:buChar char="•"/>
+            </a:pPr>
+            <a:r>
+              <a:rPr kumimoji="1" lang="en-US" altLang="ja-JP" sz="1700" b="1" dirty="0" smtClean="0">
+                <a:latin typeface="Arial" charset="0"/>
+                <a:ea typeface="Arial" charset="0"/>
+                <a:cs typeface="Arial" charset="0"/>
+              </a:rPr>
+              <a:t>Inside Sales</a:t>
+            </a:r>
+          </a:p>
+          <a:p>
+            <a:pPr marL="742950" lvl="1" indent="-285750">
+              <a:buFont typeface="Arial" charset="0"/>
+              <a:buChar char="•"/>
+            </a:pPr>
+            <a:r>
+              <a:rPr lang="en-US" altLang="ja-JP" sz="1700" dirty="0" smtClean="0">
+                <a:latin typeface="Arial" charset="0"/>
+                <a:ea typeface="Arial" charset="0"/>
+                <a:cs typeface="Arial" charset="0"/>
+              </a:rPr>
+              <a:t>Is there any inside sales functions?</a:t>
+            </a:r>
+            <a:endParaRPr kumimoji="1" lang="ja-JP" altLang="en-US" sz="1700" dirty="0">
+              <a:latin typeface="Arial" charset="0"/>
+              <a:ea typeface="Arial" charset="0"/>
+              <a:cs typeface="Arial" charset="0"/>
+            </a:endParaRPr>
+          </a:p>
+        </p:txBody>
+      </p:sp>
+    </p:spTree>
+    <p:extLst>
+      <p:ext uri="{BB962C8B-B14F-4D97-AF65-F5344CB8AC3E}">
+        <p14:creationId xmlns:p14="http://schemas.microsoft.com/office/powerpoint/2010/main" val="1749016565"/>
+      </p:ext>
+    </p:extLst>
+  </p:cSld>
+  <p:clrMapOvr>
+    <a:masterClrMapping/>
+  </p:clrMapOvr>
+  <p:timing>
+    <p:tnLst>
+      <p:par>
+        <p:cTn id="1" dur="indefinite" restart="never" nodeType="tmRoot"/>
+      </p:par>
+    </p:tnLst>
+  </p:timing>
+</p:sld>
+</file>
+
+<file path=ppt/slides/slide11.xml><?xml version="1.0" encoding="utf-8"?>
+<p:sld xmlns:a="http://schemas.openxmlformats.org/drawingml/2006/main" xmlns:r="http://schemas.openxmlformats.org/officeDocument/2006/relationships" xmlns:p="http://schemas.openxmlformats.org/presentationml/2006/main">
+  <p:cSld>
+    <p:spTree>
+      <p:nvGrpSpPr>
+        <p:cNvPr id="1" name=""/>
+        <p:cNvGrpSpPr/>
+        <p:nvPr/>
+      </p:nvGrpSpPr>
+      <p:grpSpPr>
+        <a:xfrm>
+          <a:off x="0" y="0"/>
+          <a:ext cx="0" cy="0"/>
+          <a:chOff x="0" y="0"/>
+          <a:chExt cx="0" cy="0"/>
+        </a:xfrm>
+      </p:grpSpPr>
+      <p:sp>
+        <p:nvSpPr>
+          <p:cNvPr id="3" name="Title 1"/>
+          <p:cNvSpPr txBox="1">
+            <a:spLocks/>
+          </p:cNvSpPr>
+          <p:nvPr/>
+        </p:nvSpPr>
+        <p:spPr>
+          <a:xfrm>
+            <a:off x="322023" y="374794"/>
+            <a:ext cx="11426632" cy="1538883"/>
+          </a:xfrm>
+          <a:prstGeom prst="rect">
+            <a:avLst/>
+          </a:prstGeom>
+        </p:spPr>
+        <p:txBody>
+          <a:bodyPr/>
+          <a:lstStyle>
+            <a:lvl1pPr algn="l" defTabSz="1219170" rtl="0" eaLnBrk="1" latinLnBrk="0" hangingPunct="1">
+              <a:spcBef>
+                <a:spcPct val="0"/>
+              </a:spcBef>
+              <a:buNone/>
+              <a:defRPr sz="5600" kern="1200" baseline="0">
+                <a:solidFill>
+                  <a:srgbClr val="FFFFFF"/>
+                </a:solidFill>
+                <a:latin typeface="+mj-lt"/>
+                <a:ea typeface="+mj-ea"/>
+                <a:cs typeface="+mj-cs"/>
+              </a:defRPr>
+            </a:lvl1pPr>
+          </a:lstStyle>
+          <a:p>
+            <a:pPr marL="0" lvl="1" algn="l" defTabSz="1219170" rtl="0">
+              <a:lnSpc>
+                <a:spcPts val="4000"/>
+              </a:lnSpc>
+              <a:spcBef>
+                <a:spcPct val="0"/>
+              </a:spcBef>
+            </a:pPr>
+            <a:r>
+              <a:rPr kumimoji="1" lang="en-US" altLang="ja-JP" sz="3600" b="1" kern="0" dirty="0" smtClean="0">
+                <a:solidFill>
+                  <a:srgbClr val="00B0F0"/>
+                </a:solidFill>
+                <a:latin typeface="Arial" charset="0"/>
+                <a:ea typeface="Arial" charset="0"/>
+                <a:cs typeface="Arial" charset="0"/>
+              </a:rPr>
+              <a:t>Appendix</a:t>
+            </a:r>
+            <a:endParaRPr kumimoji="1" lang="en-US" altLang="ja-JP" sz="3600" b="1" kern="0" dirty="0">
+              <a:solidFill>
+                <a:srgbClr val="00B0F0"/>
+              </a:solidFill>
+              <a:latin typeface="Arial" charset="0"/>
+              <a:ea typeface="Arial" charset="0"/>
+              <a:cs typeface="Arial" charset="0"/>
+            </a:endParaRPr>
+          </a:p>
+        </p:txBody>
+      </p:sp>
+    </p:spTree>
+    <p:extLst>
+      <p:ext uri="{BB962C8B-B14F-4D97-AF65-F5344CB8AC3E}">
+        <p14:creationId xmlns:p14="http://schemas.microsoft.com/office/powerpoint/2010/main" val="1572702477"/>
+      </p:ext>
+    </p:extLst>
+  </p:cSld>
+  <p:clrMapOvr>
+    <a:masterClrMapping/>
+  </p:clrMapOvr>
+  <p:timing>
+    <p:tnLst>
+      <p:par>
+        <p:cTn id="1" dur="indefinite" restart="never" nodeType="tmRoot"/>
+      </p:par>
+    </p:tnLst>
+  </p:timing>
+</p:sld>
+</file>
+
+<file path=ppt/slides/slide12.xml><?xml version="1.0" encoding="utf-8"?>
+<p:sld xmlns:a="http://schemas.openxmlformats.org/drawingml/2006/main" xmlns:r="http://schemas.openxmlformats.org/officeDocument/2006/relationships" xmlns:p="http://schemas.openxmlformats.org/presentationml/2006/main">
+  <p:cSld>
+    <p:spTree>
+      <p:nvGrpSpPr>
+        <p:cNvPr id="1" name=""/>
+        <p:cNvGrpSpPr/>
+        <p:nvPr/>
+      </p:nvGrpSpPr>
+      <p:grpSpPr>
+        <a:xfrm>
+          <a:off x="0" y="0"/>
+          <a:ext cx="0" cy="0"/>
+          <a:chOff x="0" y="0"/>
+          <a:chExt cx="0" cy="0"/>
+        </a:xfrm>
+      </p:grpSpPr>
+      <p:sp>
+        <p:nvSpPr>
+          <p:cNvPr id="2" name="Title 1"/>
+          <p:cNvSpPr>
+            <a:spLocks noGrp="1"/>
+          </p:cNvSpPr>
+          <p:nvPr>
+            <p:ph type="title"/>
+          </p:nvPr>
+        </p:nvSpPr>
+        <p:spPr>
+          <a:xfrm>
+            <a:off x="373063" y="281839"/>
+            <a:ext cx="11426632" cy="605294"/>
+          </a:xfrm>
+        </p:spPr>
+        <p:txBody>
+          <a:bodyPr/>
+          <a:lstStyle/>
+          <a:p>
+            <a:pPr lvl="1" algn="l" defTabSz="1219170" rtl="0">
+              <a:lnSpc>
+                <a:spcPts val="4000"/>
+              </a:lnSpc>
+              <a:spcBef>
+                <a:spcPct val="0"/>
+              </a:spcBef>
+            </a:pPr>
+            <a:r>
+              <a:rPr kumimoji="1" lang="en-US" altLang="ja-JP" sz="3600" b="1" dirty="0" smtClean="0">
+                <a:solidFill>
+                  <a:srgbClr val="00B0F0"/>
+                </a:solidFill>
+                <a:latin typeface="Arial" charset="0"/>
+                <a:ea typeface="Arial" charset="0"/>
+                <a:cs typeface="Arial" charset="0"/>
+              </a:rPr>
+              <a:t>Decision Making Process in Japan</a:t>
+            </a:r>
+          </a:p>
+        </p:txBody>
+      </p:sp>
+      <p:sp>
+        <p:nvSpPr>
+          <p:cNvPr id="64" name="TextBox 18"/>
+          <p:cNvSpPr txBox="1"/>
+          <p:nvPr/>
+        </p:nvSpPr>
+        <p:spPr>
+          <a:xfrm>
+            <a:off x="373063" y="1309138"/>
+            <a:ext cx="11558588" cy="1369606"/>
+          </a:xfrm>
+          <a:prstGeom prst="rect">
+            <a:avLst/>
+          </a:prstGeom>
+          <a:noFill/>
+          <a:ln>
+            <a:noFill/>
+          </a:ln>
+        </p:spPr>
+        <p:txBody>
+          <a:bodyPr wrap="square" lIns="0" tIns="0" rIns="0" bIns="0" rtlCol="0">
+            <a:spAutoFit/>
+          </a:bodyPr>
+          <a:lstStyle/>
+          <a:p>
+            <a:pPr marL="342891" indent="-342891">
+              <a:spcBef>
+                <a:spcPts val="600"/>
+              </a:spcBef>
+              <a:buFont typeface="Wingdings" panose="05000000000000000000" pitchFamily="2" charset="2"/>
+              <a:buChar char="p"/>
+            </a:pPr>
+            <a:r>
+              <a:rPr lang="en-US" altLang="ja-JP" sz="2100" kern="0" spc="-31" dirty="0">
+                <a:latin typeface="Arial" charset="0"/>
+                <a:ea typeface="Arial" charset="0"/>
+                <a:cs typeface="Arial" charset="0"/>
+              </a:rPr>
+              <a:t>In Japan Market, customers in IT organization of end users often does not have so rich knowledge about infrastructure as those in </a:t>
+            </a:r>
+            <a:r>
+              <a:rPr lang="en-US" altLang="ja-JP" sz="2100" kern="0" spc="-31" dirty="0" smtClean="0">
+                <a:latin typeface="Arial" charset="0"/>
+                <a:ea typeface="Arial" charset="0"/>
+                <a:cs typeface="Arial" charset="0"/>
+              </a:rPr>
+              <a:t>North America</a:t>
+            </a:r>
+            <a:endParaRPr lang="en-US" altLang="ja-JP" sz="2100" kern="0" spc="-31" dirty="0">
+              <a:latin typeface="Arial" charset="0"/>
+              <a:ea typeface="Arial" charset="0"/>
+              <a:cs typeface="Arial" charset="0"/>
+            </a:endParaRPr>
+          </a:p>
+          <a:p>
+            <a:pPr marL="342891" indent="-342891">
+              <a:spcBef>
+                <a:spcPts val="600"/>
+              </a:spcBef>
+              <a:buFont typeface="Wingdings" panose="05000000000000000000" pitchFamily="2" charset="2"/>
+              <a:buChar char="p"/>
+            </a:pPr>
+            <a:r>
+              <a:rPr lang="en-US" altLang="ja-JP" sz="2100" kern="0" spc="-31" dirty="0">
+                <a:latin typeface="Arial" charset="0"/>
+                <a:ea typeface="Arial" charset="0"/>
+                <a:cs typeface="Arial" charset="0"/>
+              </a:rPr>
+              <a:t>Strong IT vendors (including IBM) usually make a long-term contract (more than 5 years) and provided overall IT infrastructure management </a:t>
+            </a:r>
+            <a:r>
+              <a:rPr lang="en-US" altLang="ja-JP" sz="2100" kern="0" spc="-31" dirty="0" smtClean="0">
+                <a:latin typeface="Arial" charset="0"/>
+                <a:ea typeface="Arial" charset="0"/>
+                <a:cs typeface="Arial" charset="0"/>
+              </a:rPr>
+              <a:t>service</a:t>
+            </a:r>
+            <a:endParaRPr lang="ja-JP" altLang="en-US" sz="2100" kern="0" spc="-31" dirty="0" err="1">
+              <a:latin typeface="Arial" charset="0"/>
+              <a:ea typeface="Arial" charset="0"/>
+              <a:cs typeface="Arial" charset="0"/>
+            </a:endParaRPr>
+          </a:p>
+        </p:txBody>
+      </p:sp>
+      <p:grpSp>
+        <p:nvGrpSpPr>
+          <p:cNvPr id="65" name="Group 4"/>
+          <p:cNvGrpSpPr/>
+          <p:nvPr/>
+        </p:nvGrpSpPr>
+        <p:grpSpPr>
+          <a:xfrm>
+            <a:off x="8670930" y="5797992"/>
+            <a:ext cx="500063" cy="714371"/>
+            <a:chOff x="8075613" y="4343400"/>
+            <a:chExt cx="500063" cy="714370"/>
+          </a:xfrm>
+        </p:grpSpPr>
+        <p:sp>
+          <p:nvSpPr>
+            <p:cNvPr id="66" name="Oval 2"/>
+            <p:cNvSpPr/>
+            <p:nvPr/>
+          </p:nvSpPr>
+          <p:spPr>
+            <a:xfrm>
+              <a:off x="8129588" y="4343400"/>
+              <a:ext cx="371475" cy="371475"/>
+            </a:xfrm>
+            <a:prstGeom prst="ellipse">
+              <a:avLst/>
+            </a:prstGeom>
+            <a:solidFill>
+              <a:schemeClr val="tx1"/>
+            </a:solidFill>
+            <a:ln>
+              <a:solidFill>
+                <a:schemeClr val="tx1"/>
+              </a:solidFill>
+            </a:ln>
+            <a:effectLst/>
+          </p:spPr>
+          <p:style>
+            <a:lnRef idx="1">
+              <a:schemeClr val="accent1"/>
+            </a:lnRef>
+            <a:fillRef idx="3">
+              <a:schemeClr val="accent1"/>
+            </a:fillRef>
+            <a:effectRef idx="2">
+              <a:schemeClr val="accent1"/>
+            </a:effectRef>
+            <a:fontRef idx="minor">
+              <a:schemeClr val="lt1"/>
+            </a:fontRef>
+          </p:style>
+          <p:txBody>
+            <a:bodyPr rtlCol="0" anchor="ctr"/>
+            <a:lstStyle/>
+            <a:p>
+              <a:pPr algn="ctr"/>
+              <a:endParaRPr lang="ja-JP" altLang="en-US">
+                <a:solidFill>
+                  <a:prstClr val="white"/>
+                </a:solidFill>
+              </a:endParaRPr>
+            </a:p>
+          </p:txBody>
+        </p:sp>
+        <p:sp>
+          <p:nvSpPr>
+            <p:cNvPr id="67" name="Isosceles Triangle 3"/>
+            <p:cNvSpPr/>
+            <p:nvPr/>
+          </p:nvSpPr>
+          <p:spPr>
+            <a:xfrm>
+              <a:off x="8075613" y="4443408"/>
+              <a:ext cx="500063" cy="614362"/>
+            </a:xfrm>
+            <a:prstGeom prst="triangle">
+              <a:avLst/>
+            </a:prstGeom>
+            <a:solidFill>
+              <a:schemeClr val="tx1"/>
+            </a:solidFill>
+            <a:ln>
+              <a:noFill/>
+            </a:ln>
+            <a:effectLst/>
+          </p:spPr>
+          <p:style>
+            <a:lnRef idx="1">
+              <a:schemeClr val="accent1"/>
+            </a:lnRef>
+            <a:fillRef idx="3">
+              <a:schemeClr val="accent1"/>
+            </a:fillRef>
+            <a:effectRef idx="2">
+              <a:schemeClr val="accent1"/>
+            </a:effectRef>
+            <a:fontRef idx="minor">
+              <a:schemeClr val="lt1"/>
+            </a:fontRef>
+          </p:style>
+          <p:txBody>
+            <a:bodyPr rtlCol="0" anchor="ctr"/>
+            <a:lstStyle/>
+            <a:p>
+              <a:pPr algn="ctr"/>
+              <a:endParaRPr lang="ja-JP" altLang="en-US">
+                <a:solidFill>
+                  <a:prstClr val="white"/>
+                </a:solidFill>
+              </a:endParaRPr>
+            </a:p>
+          </p:txBody>
+        </p:sp>
+      </p:grpSp>
+      <p:grpSp>
+        <p:nvGrpSpPr>
+          <p:cNvPr id="68" name="Group 6"/>
+          <p:cNvGrpSpPr/>
+          <p:nvPr/>
+        </p:nvGrpSpPr>
+        <p:grpSpPr>
+          <a:xfrm>
+            <a:off x="8670931" y="4283515"/>
+            <a:ext cx="500063" cy="714371"/>
+            <a:chOff x="8075613" y="4343400"/>
+            <a:chExt cx="500063" cy="714370"/>
+          </a:xfrm>
+        </p:grpSpPr>
+        <p:sp>
+          <p:nvSpPr>
+            <p:cNvPr id="69" name="Oval 7"/>
+            <p:cNvSpPr/>
+            <p:nvPr/>
+          </p:nvSpPr>
+          <p:spPr>
+            <a:xfrm>
+              <a:off x="8129588" y="4343400"/>
+              <a:ext cx="371475" cy="371475"/>
+            </a:xfrm>
+            <a:prstGeom prst="ellipse">
+              <a:avLst/>
+            </a:prstGeom>
+            <a:solidFill>
+              <a:schemeClr val="tx1"/>
+            </a:solidFill>
+            <a:ln>
+              <a:solidFill>
+                <a:schemeClr val="tx1"/>
+              </a:solidFill>
+            </a:ln>
+            <a:effectLst/>
+          </p:spPr>
+          <p:style>
+            <a:lnRef idx="1">
+              <a:schemeClr val="accent1"/>
+            </a:lnRef>
+            <a:fillRef idx="3">
+              <a:schemeClr val="accent1"/>
+            </a:fillRef>
+            <a:effectRef idx="2">
+              <a:schemeClr val="accent1"/>
+            </a:effectRef>
+            <a:fontRef idx="minor">
+              <a:schemeClr val="lt1"/>
+            </a:fontRef>
+          </p:style>
+          <p:txBody>
+            <a:bodyPr rtlCol="0" anchor="ctr"/>
+            <a:lstStyle/>
+            <a:p>
+              <a:pPr algn="ctr"/>
+              <a:endParaRPr lang="ja-JP" altLang="en-US">
+                <a:solidFill>
+                  <a:prstClr val="white"/>
+                </a:solidFill>
+              </a:endParaRPr>
+            </a:p>
+          </p:txBody>
+        </p:sp>
+        <p:sp>
+          <p:nvSpPr>
+            <p:cNvPr id="70" name="Isosceles Triangle 8"/>
+            <p:cNvSpPr/>
+            <p:nvPr/>
+          </p:nvSpPr>
+          <p:spPr>
+            <a:xfrm>
+              <a:off x="8075613" y="4443408"/>
+              <a:ext cx="500063" cy="614362"/>
+            </a:xfrm>
+            <a:prstGeom prst="triangle">
+              <a:avLst/>
+            </a:prstGeom>
+            <a:solidFill>
+              <a:schemeClr val="tx1"/>
+            </a:solidFill>
+            <a:ln>
+              <a:noFill/>
+            </a:ln>
+            <a:effectLst/>
+          </p:spPr>
+          <p:style>
+            <a:lnRef idx="1">
+              <a:schemeClr val="accent1"/>
+            </a:lnRef>
+            <a:fillRef idx="3">
+              <a:schemeClr val="accent1"/>
+            </a:fillRef>
+            <a:effectRef idx="2">
+              <a:schemeClr val="accent1"/>
+            </a:effectRef>
+            <a:fontRef idx="minor">
+              <a:schemeClr val="lt1"/>
+            </a:fontRef>
+          </p:style>
+          <p:txBody>
+            <a:bodyPr rtlCol="0" anchor="ctr"/>
+            <a:lstStyle/>
+            <a:p>
+              <a:pPr algn="ctr"/>
+              <a:endParaRPr lang="ja-JP" altLang="en-US">
+                <a:solidFill>
+                  <a:prstClr val="white"/>
+                </a:solidFill>
+              </a:endParaRPr>
+            </a:p>
+          </p:txBody>
+        </p:sp>
+      </p:grpSp>
+      <p:grpSp>
+        <p:nvGrpSpPr>
+          <p:cNvPr id="71" name="Group 9"/>
+          <p:cNvGrpSpPr/>
+          <p:nvPr/>
+        </p:nvGrpSpPr>
+        <p:grpSpPr>
+          <a:xfrm>
+            <a:off x="8670930" y="2803917"/>
+            <a:ext cx="500063" cy="714371"/>
+            <a:chOff x="8075613" y="4343400"/>
+            <a:chExt cx="500063" cy="714370"/>
+          </a:xfrm>
+        </p:grpSpPr>
+        <p:sp>
+          <p:nvSpPr>
+            <p:cNvPr id="72" name="Oval 10"/>
+            <p:cNvSpPr/>
+            <p:nvPr/>
+          </p:nvSpPr>
+          <p:spPr>
+            <a:xfrm>
+              <a:off x="8129588" y="4343400"/>
+              <a:ext cx="371475" cy="371475"/>
+            </a:xfrm>
+            <a:prstGeom prst="ellipse">
+              <a:avLst/>
+            </a:prstGeom>
+            <a:solidFill>
+              <a:schemeClr val="tx1"/>
+            </a:solidFill>
+            <a:ln>
+              <a:solidFill>
+                <a:schemeClr val="tx1"/>
+              </a:solidFill>
+            </a:ln>
+            <a:effectLst/>
+          </p:spPr>
+          <p:style>
+            <a:lnRef idx="1">
+              <a:schemeClr val="accent1"/>
+            </a:lnRef>
+            <a:fillRef idx="3">
+              <a:schemeClr val="accent1"/>
+            </a:fillRef>
+            <a:effectRef idx="2">
+              <a:schemeClr val="accent1"/>
+            </a:effectRef>
+            <a:fontRef idx="minor">
+              <a:schemeClr val="lt1"/>
+            </a:fontRef>
+          </p:style>
+          <p:txBody>
+            <a:bodyPr rtlCol="0" anchor="ctr"/>
+            <a:lstStyle/>
+            <a:p>
+              <a:pPr algn="ctr"/>
+              <a:endParaRPr lang="ja-JP" altLang="en-US">
+                <a:solidFill>
+                  <a:prstClr val="white"/>
+                </a:solidFill>
+              </a:endParaRPr>
+            </a:p>
+          </p:txBody>
+        </p:sp>
+        <p:sp>
+          <p:nvSpPr>
+            <p:cNvPr id="73" name="Isosceles Triangle 11"/>
+            <p:cNvSpPr/>
+            <p:nvPr/>
+          </p:nvSpPr>
+          <p:spPr>
+            <a:xfrm>
+              <a:off x="8075613" y="4443408"/>
+              <a:ext cx="500063" cy="614362"/>
+            </a:xfrm>
+            <a:prstGeom prst="triangle">
+              <a:avLst/>
+            </a:prstGeom>
+            <a:solidFill>
+              <a:schemeClr val="tx1"/>
+            </a:solidFill>
+            <a:ln>
+              <a:noFill/>
+            </a:ln>
+            <a:effectLst/>
+          </p:spPr>
+          <p:style>
+            <a:lnRef idx="1">
+              <a:schemeClr val="accent1"/>
+            </a:lnRef>
+            <a:fillRef idx="3">
+              <a:schemeClr val="accent1"/>
+            </a:fillRef>
+            <a:effectRef idx="2">
+              <a:schemeClr val="accent1"/>
+            </a:effectRef>
+            <a:fontRef idx="minor">
+              <a:schemeClr val="lt1"/>
+            </a:fontRef>
+          </p:style>
+          <p:txBody>
+            <a:bodyPr rtlCol="0" anchor="ctr"/>
+            <a:lstStyle/>
+            <a:p>
+              <a:pPr algn="ctr"/>
+              <a:endParaRPr lang="ja-JP" altLang="en-US">
+                <a:solidFill>
+                  <a:prstClr val="white"/>
+                </a:solidFill>
+              </a:endParaRPr>
+            </a:p>
+          </p:txBody>
+        </p:sp>
+      </p:grpSp>
+      <p:pic>
+        <p:nvPicPr>
+          <p:cNvPr id="74" name="Picture 12"/>
+          <p:cNvPicPr>
+            <a:picLocks noChangeAspect="1"/>
+          </p:cNvPicPr>
+          <p:nvPr/>
+        </p:nvPicPr>
+        <p:blipFill>
+          <a:blip r:embed="rId2" cstate="print">
+            <a:extLst>
+              <a:ext uri="{28A0092B-C50C-407E-A947-70E740481C1C}">
+                <a14:useLocalDpi xmlns:a14="http://schemas.microsoft.com/office/drawing/2010/main" val="0"/>
+              </a:ext>
+            </a:extLst>
+          </a:blip>
+          <a:stretch>
+            <a:fillRect/>
+          </a:stretch>
+        </p:blipFill>
+        <p:spPr>
+          <a:xfrm>
+            <a:off x="9884577" y="4102017"/>
+            <a:ext cx="2047075" cy="1151479"/>
+          </a:xfrm>
+          <a:prstGeom prst="rect">
+            <a:avLst/>
+          </a:prstGeom>
+        </p:spPr>
+      </p:pic>
+      <p:sp>
+        <p:nvSpPr>
+          <p:cNvPr id="75" name="TextBox 13"/>
+          <p:cNvSpPr txBox="1"/>
+          <p:nvPr/>
+        </p:nvSpPr>
+        <p:spPr>
+          <a:xfrm>
+            <a:off x="517988" y="3170916"/>
+            <a:ext cx="6684963" cy="2800767"/>
+          </a:xfrm>
+          <a:prstGeom prst="rect">
+            <a:avLst/>
+          </a:prstGeom>
+          <a:noFill/>
+          <a:ln>
+            <a:noFill/>
+          </a:ln>
+        </p:spPr>
+        <p:txBody>
+          <a:bodyPr wrap="square" lIns="0" tIns="0" rIns="0" bIns="0" rtlCol="0">
+            <a:spAutoFit/>
+          </a:bodyPr>
+          <a:lstStyle/>
+          <a:p>
+            <a:pPr marL="342891" indent="-342891">
+              <a:spcBef>
+                <a:spcPts val="900"/>
+              </a:spcBef>
+              <a:buFont typeface="Wingdings" charset="2"/>
+              <a:buChar char="l"/>
+            </a:pPr>
+            <a:r>
+              <a:rPr lang="en-US" altLang="ja-JP" kern="0" spc="-31" dirty="0">
+                <a:latin typeface="Arial" charset="0"/>
+                <a:ea typeface="Arial" charset="0"/>
+                <a:cs typeface="Arial" charset="0"/>
+              </a:rPr>
+              <a:t>IT member and manager in the end customer often do not have a clear authorization to make investment decision.</a:t>
+            </a:r>
+          </a:p>
+          <a:p>
+            <a:pPr marL="342891" indent="-342891">
+              <a:spcBef>
+                <a:spcPts val="900"/>
+              </a:spcBef>
+              <a:buFont typeface="Wingdings" charset="2"/>
+              <a:buChar char="l"/>
+            </a:pPr>
+            <a:r>
+              <a:rPr lang="en-US" altLang="ja-JP" kern="0" spc="-31" dirty="0">
+                <a:latin typeface="Arial" charset="0"/>
+                <a:ea typeface="Arial" charset="0"/>
+                <a:cs typeface="Arial" charset="0"/>
+              </a:rPr>
+              <a:t>“Consensus” in the organization is very important when they decide to invest money for IT Infra.</a:t>
+            </a:r>
+          </a:p>
+          <a:p>
+            <a:pPr marL="342891" indent="-342891">
+              <a:spcBef>
+                <a:spcPts val="900"/>
+              </a:spcBef>
+              <a:buFont typeface="Wingdings" charset="2"/>
+              <a:buChar char="l"/>
+            </a:pPr>
+            <a:r>
+              <a:rPr lang="en-US" altLang="ja-JP" kern="0" spc="-31" dirty="0">
+                <a:latin typeface="Arial" charset="0"/>
+                <a:ea typeface="Arial" charset="0"/>
+                <a:cs typeface="Arial" charset="0"/>
+              </a:rPr>
+              <a:t>Not all IT managers have specific infrastructure knowledge. In case, their main R&amp;R is to manage outsourcing vendor.</a:t>
+            </a:r>
+          </a:p>
+          <a:p>
+            <a:pPr marL="342891" indent="-342891">
+              <a:spcBef>
+                <a:spcPts val="600"/>
+              </a:spcBef>
+              <a:buFont typeface="Wingdings" charset="2"/>
+              <a:buChar char="l"/>
+            </a:pPr>
+            <a:r>
+              <a:rPr lang="en-US" altLang="ja-JP" kern="0" spc="-31" dirty="0">
+                <a:latin typeface="Arial" charset="0"/>
+                <a:ea typeface="Arial" charset="0"/>
+                <a:cs typeface="Arial" charset="0"/>
+              </a:rPr>
+              <a:t>IT vendors have a stronger power in the process of IT infrastructure purchase decision than </a:t>
+            </a:r>
+            <a:r>
+              <a:rPr lang="en-US" altLang="ja-JP" kern="0" spc="-31" dirty="0" smtClean="0">
+                <a:latin typeface="Arial" charset="0"/>
+                <a:ea typeface="Arial" charset="0"/>
+                <a:cs typeface="Arial" charset="0"/>
+              </a:rPr>
+              <a:t>North America, </a:t>
+            </a:r>
+            <a:r>
+              <a:rPr lang="en-US" altLang="ja-JP" kern="0" spc="-31" dirty="0">
+                <a:latin typeface="Arial" charset="0"/>
+                <a:ea typeface="Arial" charset="0"/>
+                <a:cs typeface="Arial" charset="0"/>
+              </a:rPr>
+              <a:t>because specific knowledge are in their organization, not end </a:t>
+            </a:r>
+            <a:r>
+              <a:rPr lang="en-US" altLang="ja-JP" kern="0" spc="-31" dirty="0" smtClean="0">
+                <a:latin typeface="Arial" charset="0"/>
+                <a:ea typeface="Arial" charset="0"/>
+                <a:cs typeface="Arial" charset="0"/>
+              </a:rPr>
+              <a:t>users.</a:t>
+            </a:r>
+            <a:endParaRPr lang="en-US" altLang="ja-JP" kern="0" spc="-31" dirty="0">
+              <a:latin typeface="Arial" charset="0"/>
+              <a:ea typeface="Arial" charset="0"/>
+              <a:cs typeface="Arial" charset="0"/>
+            </a:endParaRPr>
+          </a:p>
+        </p:txBody>
+      </p:sp>
+      <p:cxnSp>
+        <p:nvCxnSpPr>
+          <p:cNvPr id="76" name="Straight Arrow Connector 15"/>
+          <p:cNvCxnSpPr/>
+          <p:nvPr/>
+        </p:nvCxnSpPr>
+        <p:spPr>
+          <a:xfrm flipV="1">
+            <a:off x="8927875" y="3614059"/>
+            <a:ext cx="0" cy="516984"/>
+          </a:xfrm>
+          <a:prstGeom prst="straightConnector1">
+            <a:avLst/>
+          </a:prstGeom>
+          <a:ln>
+            <a:solidFill>
+              <a:schemeClr val="tx1"/>
+            </a:solidFill>
+            <a:tailEnd type="triangle"/>
+          </a:ln>
+        </p:spPr>
+        <p:style>
+          <a:lnRef idx="2">
+            <a:schemeClr val="accent1"/>
+          </a:lnRef>
+          <a:fillRef idx="0">
+            <a:schemeClr val="accent1"/>
+          </a:fillRef>
+          <a:effectRef idx="1">
+            <a:schemeClr val="accent1"/>
+          </a:effectRef>
+          <a:fontRef idx="minor">
+            <a:schemeClr val="tx1"/>
+          </a:fontRef>
+        </p:style>
+      </p:cxnSp>
+      <p:cxnSp>
+        <p:nvCxnSpPr>
+          <p:cNvPr id="77" name="Straight Arrow Connector 17"/>
+          <p:cNvCxnSpPr/>
+          <p:nvPr/>
+        </p:nvCxnSpPr>
+        <p:spPr>
+          <a:xfrm flipV="1">
+            <a:off x="8927875" y="5108349"/>
+            <a:ext cx="0" cy="516984"/>
+          </a:xfrm>
+          <a:prstGeom prst="straightConnector1">
+            <a:avLst/>
+          </a:prstGeom>
+          <a:ln>
+            <a:solidFill>
+              <a:schemeClr val="tx1"/>
+            </a:solidFill>
+            <a:tailEnd type="triangle"/>
+          </a:ln>
+        </p:spPr>
+        <p:style>
+          <a:lnRef idx="2">
+            <a:schemeClr val="accent1"/>
+          </a:lnRef>
+          <a:fillRef idx="0">
+            <a:schemeClr val="accent1"/>
+          </a:fillRef>
+          <a:effectRef idx="1">
+            <a:schemeClr val="accent1"/>
+          </a:effectRef>
+          <a:fontRef idx="minor">
+            <a:schemeClr val="tx1"/>
+          </a:fontRef>
+        </p:style>
+      </p:cxnSp>
+      <p:sp>
+        <p:nvSpPr>
+          <p:cNvPr id="78" name="TextBox 16"/>
+          <p:cNvSpPr txBox="1"/>
+          <p:nvPr/>
+        </p:nvSpPr>
+        <p:spPr>
+          <a:xfrm>
+            <a:off x="7365920" y="3255625"/>
+            <a:ext cx="1726520" cy="276999"/>
+          </a:xfrm>
+          <a:prstGeom prst="rect">
+            <a:avLst/>
+          </a:prstGeom>
+          <a:noFill/>
+          <a:ln>
+            <a:noFill/>
+          </a:ln>
+        </p:spPr>
+        <p:txBody>
+          <a:bodyPr wrap="square" lIns="0" tIns="0" rIns="0" bIns="0" rtlCol="0">
+            <a:spAutoFit/>
+          </a:bodyPr>
+          <a:lstStyle/>
+          <a:p>
+            <a:r>
+              <a:rPr lang="en-US" altLang="ja-JP" b="1" kern="0" spc="-31" dirty="0">
+                <a:solidFill>
+                  <a:schemeClr val="tx2"/>
+                </a:solidFill>
+                <a:latin typeface="Arial" charset="0"/>
+                <a:ea typeface="Arial" charset="0"/>
+                <a:cs typeface="Arial" charset="0"/>
+              </a:rPr>
+              <a:t>CIO</a:t>
+            </a:r>
+            <a:endParaRPr lang="ja-JP" altLang="en-US" b="1" kern="0" spc="-31" dirty="0" err="1">
+              <a:solidFill>
+                <a:schemeClr val="tx2"/>
+              </a:solidFill>
+              <a:latin typeface="Arial" charset="0"/>
+              <a:ea typeface="Arial" charset="0"/>
+              <a:cs typeface="Arial" charset="0"/>
+            </a:endParaRPr>
+          </a:p>
+        </p:txBody>
+      </p:sp>
+      <p:sp>
+        <p:nvSpPr>
+          <p:cNvPr id="79" name="TextBox 19"/>
+          <p:cNvSpPr txBox="1"/>
+          <p:nvPr/>
+        </p:nvSpPr>
+        <p:spPr>
+          <a:xfrm>
+            <a:off x="7365920" y="4316523"/>
+            <a:ext cx="1338997" cy="738664"/>
+          </a:xfrm>
+          <a:prstGeom prst="rect">
+            <a:avLst/>
+          </a:prstGeom>
+          <a:noFill/>
+          <a:ln>
+            <a:noFill/>
+          </a:ln>
+        </p:spPr>
+        <p:txBody>
+          <a:bodyPr wrap="square" lIns="0" tIns="0" rIns="0" bIns="0" rtlCol="0">
+            <a:spAutoFit/>
+          </a:bodyPr>
+          <a:lstStyle/>
+          <a:p>
+            <a:r>
+              <a:rPr lang="en-US" altLang="ja-JP" sz="1200" b="1" kern="0" spc="-31" dirty="0">
+                <a:solidFill>
+                  <a:schemeClr val="tx2"/>
+                </a:solidFill>
+                <a:latin typeface="Arial" charset="0"/>
+                <a:ea typeface="Arial" charset="0"/>
+                <a:cs typeface="Arial" charset="0"/>
+              </a:rPr>
+              <a:t>-IT Architect Manager</a:t>
+            </a:r>
+          </a:p>
+          <a:p>
+            <a:r>
+              <a:rPr lang="en-US" altLang="ja-JP" sz="1200" b="1" kern="0" spc="-31" dirty="0">
+                <a:solidFill>
+                  <a:schemeClr val="tx2"/>
+                </a:solidFill>
+                <a:latin typeface="Arial" charset="0"/>
+                <a:ea typeface="Arial" charset="0"/>
+                <a:cs typeface="Arial" charset="0"/>
+              </a:rPr>
+              <a:t>-IT Application Manager</a:t>
+            </a:r>
+          </a:p>
+        </p:txBody>
+      </p:sp>
+      <p:sp>
+        <p:nvSpPr>
+          <p:cNvPr id="80" name="TextBox 20"/>
+          <p:cNvSpPr txBox="1"/>
+          <p:nvPr/>
+        </p:nvSpPr>
+        <p:spPr>
+          <a:xfrm>
+            <a:off x="7365920" y="6261683"/>
+            <a:ext cx="1726520" cy="276999"/>
+          </a:xfrm>
+          <a:prstGeom prst="rect">
+            <a:avLst/>
+          </a:prstGeom>
+          <a:noFill/>
+          <a:ln>
+            <a:noFill/>
+          </a:ln>
+        </p:spPr>
+        <p:txBody>
+          <a:bodyPr wrap="square" lIns="0" tIns="0" rIns="0" bIns="0" rtlCol="0">
+            <a:spAutoFit/>
+          </a:bodyPr>
+          <a:lstStyle/>
+          <a:p>
+            <a:r>
+              <a:rPr lang="en-US" altLang="ja-JP" b="1" kern="0" spc="-31" dirty="0">
+                <a:solidFill>
+                  <a:schemeClr val="tx2"/>
+                </a:solidFill>
+                <a:latin typeface="Arial" charset="0"/>
+                <a:ea typeface="Arial" charset="0"/>
+                <a:cs typeface="Arial" charset="0"/>
+              </a:rPr>
+              <a:t>IT member</a:t>
+            </a:r>
+            <a:endParaRPr lang="ja-JP" altLang="en-US" b="1" kern="0" spc="-31" dirty="0" err="1">
+              <a:solidFill>
+                <a:schemeClr val="tx2"/>
+              </a:solidFill>
+              <a:latin typeface="Arial" charset="0"/>
+              <a:ea typeface="Arial" charset="0"/>
+              <a:cs typeface="Arial" charset="0"/>
+            </a:endParaRPr>
+          </a:p>
+        </p:txBody>
+      </p:sp>
+      <p:sp>
+        <p:nvSpPr>
+          <p:cNvPr id="81" name="TextBox 21"/>
+          <p:cNvSpPr txBox="1"/>
+          <p:nvPr/>
+        </p:nvSpPr>
+        <p:spPr>
+          <a:xfrm>
+            <a:off x="9358432" y="6354016"/>
+            <a:ext cx="2046515" cy="184666"/>
+          </a:xfrm>
+          <a:prstGeom prst="rect">
+            <a:avLst/>
+          </a:prstGeom>
+          <a:noFill/>
+          <a:ln>
+            <a:noFill/>
+          </a:ln>
+        </p:spPr>
+        <p:txBody>
+          <a:bodyPr wrap="square" lIns="0" tIns="0" rIns="0" bIns="0" rtlCol="0">
+            <a:spAutoFit/>
+          </a:bodyPr>
+          <a:lstStyle/>
+          <a:p>
+            <a:r>
+              <a:rPr lang="en-US" altLang="ja-JP" sz="1200" b="1" kern="0" spc="-31" dirty="0">
+                <a:solidFill>
+                  <a:srgbClr val="83D1F5">
+                    <a:lumMod val="50000"/>
+                  </a:srgbClr>
+                </a:solidFill>
+                <a:latin typeface="Arial" charset="0"/>
+                <a:ea typeface="Arial" charset="0"/>
+                <a:cs typeface="Arial" charset="0"/>
+              </a:rPr>
+              <a:t>No authorization</a:t>
+            </a:r>
+            <a:endParaRPr lang="ja-JP" altLang="en-US" sz="1200" b="1" kern="0" spc="-31" dirty="0" err="1">
+              <a:solidFill>
+                <a:srgbClr val="83D1F5">
+                  <a:lumMod val="50000"/>
+                </a:srgbClr>
+              </a:solidFill>
+              <a:latin typeface="Arial" charset="0"/>
+              <a:ea typeface="Arial" charset="0"/>
+              <a:cs typeface="Arial" charset="0"/>
+            </a:endParaRPr>
+          </a:p>
+        </p:txBody>
+      </p:sp>
+      <p:sp>
+        <p:nvSpPr>
+          <p:cNvPr id="82" name="TextBox 22"/>
+          <p:cNvSpPr txBox="1"/>
+          <p:nvPr/>
+        </p:nvSpPr>
+        <p:spPr>
+          <a:xfrm>
+            <a:off x="7365920" y="5276861"/>
+            <a:ext cx="2046515" cy="369332"/>
+          </a:xfrm>
+          <a:prstGeom prst="rect">
+            <a:avLst/>
+          </a:prstGeom>
+          <a:noFill/>
+          <a:ln>
+            <a:noFill/>
+          </a:ln>
+        </p:spPr>
+        <p:txBody>
+          <a:bodyPr wrap="square" lIns="0" tIns="0" rIns="0" bIns="0" rtlCol="0">
+            <a:spAutoFit/>
+          </a:bodyPr>
+          <a:lstStyle/>
+          <a:p>
+            <a:r>
+              <a:rPr lang="en-US" altLang="ja-JP" sz="1200" b="1" kern="0" spc="-31" dirty="0">
+                <a:solidFill>
+                  <a:srgbClr val="83D1F5">
+                    <a:lumMod val="50000"/>
+                  </a:srgbClr>
+                </a:solidFill>
+                <a:latin typeface="Arial" charset="0"/>
+                <a:ea typeface="Arial" charset="0"/>
+                <a:cs typeface="Arial" charset="0"/>
+              </a:rPr>
+              <a:t>No or small</a:t>
+            </a:r>
+          </a:p>
+          <a:p>
+            <a:r>
+              <a:rPr lang="en-US" altLang="ja-JP" sz="1200" b="1" kern="0" spc="-31" dirty="0">
+                <a:solidFill>
+                  <a:srgbClr val="83D1F5">
+                    <a:lumMod val="50000"/>
+                  </a:srgbClr>
+                </a:solidFill>
+                <a:latin typeface="Arial" charset="0"/>
+                <a:ea typeface="Arial" charset="0"/>
+                <a:cs typeface="Arial" charset="0"/>
+              </a:rPr>
+              <a:t>authorization</a:t>
+            </a:r>
+            <a:endParaRPr lang="ja-JP" altLang="en-US" sz="1200" b="1" kern="0" spc="-31" dirty="0" err="1">
+              <a:solidFill>
+                <a:srgbClr val="83D1F5">
+                  <a:lumMod val="50000"/>
+                </a:srgbClr>
+              </a:solidFill>
+              <a:latin typeface="Arial" charset="0"/>
+              <a:ea typeface="Arial" charset="0"/>
+              <a:cs typeface="Arial" charset="0"/>
+            </a:endParaRPr>
+          </a:p>
+        </p:txBody>
+      </p:sp>
+      <p:sp>
+        <p:nvSpPr>
+          <p:cNvPr id="83" name="TextBox 23"/>
+          <p:cNvSpPr txBox="1"/>
+          <p:nvPr/>
+        </p:nvSpPr>
+        <p:spPr>
+          <a:xfrm>
+            <a:off x="7365921" y="3571089"/>
+            <a:ext cx="1328564" cy="553998"/>
+          </a:xfrm>
+          <a:prstGeom prst="rect">
+            <a:avLst/>
+          </a:prstGeom>
+          <a:noFill/>
+          <a:ln>
+            <a:noFill/>
+          </a:ln>
+        </p:spPr>
+        <p:txBody>
+          <a:bodyPr wrap="square" lIns="0" tIns="0" rIns="0" bIns="0" rtlCol="0">
+            <a:spAutoFit/>
+          </a:bodyPr>
+          <a:lstStyle/>
+          <a:p>
+            <a:r>
+              <a:rPr lang="en-US" altLang="ja-JP" sz="1200" b="1" kern="0" spc="-31" dirty="0">
+                <a:solidFill>
+                  <a:srgbClr val="83D1F5">
+                    <a:lumMod val="50000"/>
+                  </a:srgbClr>
+                </a:solidFill>
+                <a:latin typeface="Arial" charset="0"/>
+                <a:ea typeface="Arial" charset="0"/>
+                <a:cs typeface="Arial" charset="0"/>
+              </a:rPr>
+              <a:t>Decision maker,</a:t>
+            </a:r>
+            <a:br>
+              <a:rPr lang="en-US" altLang="ja-JP" sz="1200" b="1" kern="0" spc="-31" dirty="0">
+                <a:solidFill>
+                  <a:srgbClr val="83D1F5">
+                    <a:lumMod val="50000"/>
+                  </a:srgbClr>
+                </a:solidFill>
+                <a:latin typeface="Arial" charset="0"/>
+                <a:ea typeface="Arial" charset="0"/>
+                <a:cs typeface="Arial" charset="0"/>
+              </a:rPr>
+            </a:br>
+            <a:r>
+              <a:rPr lang="en-US" altLang="ja-JP" sz="1200" b="1" kern="0" spc="-31" dirty="0">
+                <a:solidFill>
+                  <a:srgbClr val="83D1F5">
+                    <a:lumMod val="50000"/>
+                  </a:srgbClr>
+                </a:solidFill>
+                <a:latin typeface="Arial" charset="0"/>
+                <a:ea typeface="Arial" charset="0"/>
+                <a:cs typeface="Arial" charset="0"/>
+              </a:rPr>
+              <a:t>but expect to reach</a:t>
+            </a:r>
+            <a:br>
+              <a:rPr lang="en-US" altLang="ja-JP" sz="1200" b="1" kern="0" spc="-31" dirty="0">
+                <a:solidFill>
+                  <a:srgbClr val="83D1F5">
+                    <a:lumMod val="50000"/>
+                  </a:srgbClr>
+                </a:solidFill>
+                <a:latin typeface="Arial" charset="0"/>
+                <a:ea typeface="Arial" charset="0"/>
+                <a:cs typeface="Arial" charset="0"/>
+              </a:rPr>
+            </a:br>
+            <a:r>
+              <a:rPr lang="en-US" altLang="ja-JP" sz="1200" b="1" kern="0" spc="-31" dirty="0">
+                <a:solidFill>
+                  <a:srgbClr val="83D1F5">
+                    <a:lumMod val="50000"/>
+                  </a:srgbClr>
+                </a:solidFill>
+                <a:latin typeface="Arial" charset="0"/>
+                <a:ea typeface="Arial" charset="0"/>
+                <a:cs typeface="Arial" charset="0"/>
+              </a:rPr>
+              <a:t>consensus</a:t>
+            </a:r>
+            <a:endParaRPr lang="ja-JP" altLang="en-US" sz="1200" b="1" kern="0" spc="-31" dirty="0" err="1">
+              <a:solidFill>
+                <a:srgbClr val="83D1F5">
+                  <a:lumMod val="50000"/>
+                </a:srgbClr>
+              </a:solidFill>
+              <a:latin typeface="Arial" charset="0"/>
+              <a:ea typeface="Arial" charset="0"/>
+              <a:cs typeface="Arial" charset="0"/>
+            </a:endParaRPr>
+          </a:p>
+        </p:txBody>
+      </p:sp>
+      <p:sp>
+        <p:nvSpPr>
+          <p:cNvPr id="84" name="Rectangle 25"/>
+          <p:cNvSpPr/>
+          <p:nvPr/>
+        </p:nvSpPr>
+        <p:spPr>
+          <a:xfrm>
+            <a:off x="10343017" y="5141004"/>
+            <a:ext cx="1291772" cy="359909"/>
+          </a:xfrm>
+          <a:prstGeom prst="rect">
+            <a:avLst/>
+          </a:prstGeom>
+          <a:solidFill>
+            <a:schemeClr val="accent2"/>
+          </a:solidFill>
+          <a:ln w="41275">
+            <a:solidFill>
+              <a:schemeClr val="tx1"/>
+            </a:solidFill>
+          </a:ln>
+          <a:effectLst/>
+        </p:spPr>
+        <p:style>
+          <a:lnRef idx="1">
+            <a:schemeClr val="accent1"/>
+          </a:lnRef>
+          <a:fillRef idx="3">
+            <a:schemeClr val="accent1"/>
+          </a:fillRef>
+          <a:effectRef idx="2">
+            <a:schemeClr val="accent1"/>
+          </a:effectRef>
+          <a:fontRef idx="minor">
+            <a:schemeClr val="lt1"/>
+          </a:fontRef>
+        </p:style>
+        <p:txBody>
+          <a:bodyPr rtlCol="0" anchor="ctr"/>
+          <a:lstStyle/>
+          <a:p>
+            <a:pPr algn="ctr"/>
+            <a:r>
+              <a:rPr lang="en-US" altLang="ja-JP" sz="1400" b="1" dirty="0">
+                <a:solidFill>
+                  <a:schemeClr val="bg1"/>
+                </a:solidFill>
+              </a:rPr>
+              <a:t>IT vendor</a:t>
+            </a:r>
+            <a:endParaRPr lang="ja-JP" altLang="en-US" sz="1400" b="1" dirty="0">
+              <a:solidFill>
+                <a:schemeClr val="bg1"/>
+              </a:solidFill>
+            </a:endParaRPr>
+          </a:p>
+        </p:txBody>
+      </p:sp>
+      <p:cxnSp>
+        <p:nvCxnSpPr>
+          <p:cNvPr id="85" name="Straight Arrow Connector 27"/>
+          <p:cNvCxnSpPr/>
+          <p:nvPr/>
+        </p:nvCxnSpPr>
+        <p:spPr>
+          <a:xfrm>
+            <a:off x="9387462" y="4594588"/>
+            <a:ext cx="672527" cy="0"/>
+          </a:xfrm>
+          <a:prstGeom prst="straightConnector1">
+            <a:avLst/>
+          </a:prstGeom>
+          <a:ln>
+            <a:solidFill>
+              <a:schemeClr val="tx1"/>
+            </a:solidFill>
+            <a:tailEnd type="triangle"/>
+          </a:ln>
+        </p:spPr>
+        <p:style>
+          <a:lnRef idx="2">
+            <a:schemeClr val="accent1"/>
+          </a:lnRef>
+          <a:fillRef idx="0">
+            <a:schemeClr val="accent1"/>
+          </a:fillRef>
+          <a:effectRef idx="1">
+            <a:schemeClr val="accent1"/>
+          </a:effectRef>
+          <a:fontRef idx="minor">
+            <a:schemeClr val="tx1"/>
+          </a:fontRef>
+        </p:style>
+      </p:cxnSp>
+      <p:cxnSp>
+        <p:nvCxnSpPr>
+          <p:cNvPr id="86" name="Straight Arrow Connector 28"/>
+          <p:cNvCxnSpPr/>
+          <p:nvPr/>
+        </p:nvCxnSpPr>
+        <p:spPr>
+          <a:xfrm flipH="1">
+            <a:off x="9374366" y="4803760"/>
+            <a:ext cx="672527" cy="0"/>
+          </a:xfrm>
+          <a:prstGeom prst="straightConnector1">
+            <a:avLst/>
+          </a:prstGeom>
+          <a:ln>
+            <a:solidFill>
+              <a:schemeClr val="tx1"/>
+            </a:solidFill>
+            <a:tailEnd type="triangle"/>
+          </a:ln>
+        </p:spPr>
+        <p:style>
+          <a:lnRef idx="2">
+            <a:schemeClr val="accent1"/>
+          </a:lnRef>
+          <a:fillRef idx="0">
+            <a:schemeClr val="accent1"/>
+          </a:fillRef>
+          <a:effectRef idx="1">
+            <a:schemeClr val="accent1"/>
+          </a:effectRef>
+          <a:fontRef idx="minor">
+            <a:schemeClr val="tx1"/>
+          </a:fontRef>
+        </p:style>
+      </p:cxnSp>
+      <p:sp>
+        <p:nvSpPr>
+          <p:cNvPr id="87" name="TextBox 29"/>
+          <p:cNvSpPr txBox="1"/>
+          <p:nvPr/>
+        </p:nvSpPr>
+        <p:spPr>
+          <a:xfrm>
+            <a:off x="9039199" y="3791126"/>
+            <a:ext cx="1556481" cy="169277"/>
+          </a:xfrm>
+          <a:prstGeom prst="rect">
+            <a:avLst/>
+          </a:prstGeom>
+          <a:noFill/>
+          <a:ln>
+            <a:noFill/>
+          </a:ln>
+        </p:spPr>
+        <p:txBody>
+          <a:bodyPr wrap="square" lIns="0" tIns="0" rIns="0" bIns="0" rtlCol="0">
+            <a:spAutoFit/>
+          </a:bodyPr>
+          <a:lstStyle/>
+          <a:p>
+            <a:r>
+              <a:rPr lang="en-US" altLang="ja-JP" sz="1100" b="1" kern="0" spc="-31" dirty="0">
+                <a:solidFill>
+                  <a:schemeClr val="tx2"/>
+                </a:solidFill>
+                <a:latin typeface="Arial" charset="0"/>
+                <a:ea typeface="Arial" charset="0"/>
+                <a:cs typeface="Arial" charset="0"/>
+              </a:rPr>
+              <a:t>report</a:t>
+            </a:r>
+            <a:endParaRPr lang="ja-JP" altLang="en-US" sz="1100" b="1" kern="0" spc="-31" dirty="0" err="1">
+              <a:solidFill>
+                <a:schemeClr val="tx2"/>
+              </a:solidFill>
+              <a:latin typeface="Arial" charset="0"/>
+              <a:ea typeface="Arial" charset="0"/>
+              <a:cs typeface="Arial" charset="0"/>
+            </a:endParaRPr>
+          </a:p>
+        </p:txBody>
+      </p:sp>
+      <p:sp>
+        <p:nvSpPr>
+          <p:cNvPr id="88" name="TextBox 30"/>
+          <p:cNvSpPr txBox="1"/>
+          <p:nvPr/>
+        </p:nvSpPr>
+        <p:spPr>
+          <a:xfrm>
+            <a:off x="9039200" y="5268863"/>
+            <a:ext cx="1556481" cy="169277"/>
+          </a:xfrm>
+          <a:prstGeom prst="rect">
+            <a:avLst/>
+          </a:prstGeom>
+          <a:noFill/>
+          <a:ln>
+            <a:noFill/>
+          </a:ln>
+        </p:spPr>
+        <p:txBody>
+          <a:bodyPr wrap="square" lIns="0" tIns="0" rIns="0" bIns="0" rtlCol="0">
+            <a:spAutoFit/>
+          </a:bodyPr>
+          <a:lstStyle/>
+          <a:p>
+            <a:r>
+              <a:rPr lang="en-US" altLang="ja-JP" sz="1100" b="1" kern="0" spc="-31" dirty="0">
+                <a:solidFill>
+                  <a:schemeClr val="tx2"/>
+                </a:solidFill>
+                <a:latin typeface="Arial" charset="0"/>
+                <a:ea typeface="Arial" charset="0"/>
+                <a:cs typeface="Arial" charset="0"/>
+              </a:rPr>
+              <a:t>report</a:t>
+            </a:r>
+            <a:endParaRPr lang="ja-JP" altLang="en-US" sz="1100" b="1" kern="0" spc="-31" dirty="0" err="1">
+              <a:solidFill>
+                <a:schemeClr val="tx2"/>
+              </a:solidFill>
+              <a:latin typeface="Arial" charset="0"/>
+              <a:ea typeface="Arial" charset="0"/>
+              <a:cs typeface="Arial" charset="0"/>
+            </a:endParaRPr>
+          </a:p>
+        </p:txBody>
+      </p:sp>
+      <p:sp>
+        <p:nvSpPr>
+          <p:cNvPr id="89" name="TextBox 31"/>
+          <p:cNvSpPr txBox="1"/>
+          <p:nvPr/>
+        </p:nvSpPr>
+        <p:spPr>
+          <a:xfrm>
+            <a:off x="9317704" y="4310690"/>
+            <a:ext cx="1556481" cy="169277"/>
+          </a:xfrm>
+          <a:prstGeom prst="rect">
+            <a:avLst/>
+          </a:prstGeom>
+          <a:noFill/>
+          <a:ln>
+            <a:noFill/>
+          </a:ln>
+        </p:spPr>
+        <p:txBody>
+          <a:bodyPr wrap="square" lIns="0" tIns="0" rIns="0" bIns="0" rtlCol="0">
+            <a:spAutoFit/>
+          </a:bodyPr>
+          <a:lstStyle/>
+          <a:p>
+            <a:r>
+              <a:rPr lang="en-US" altLang="ja-JP" sz="1100" b="1" kern="0" spc="-31" dirty="0">
+                <a:solidFill>
+                  <a:schemeClr val="tx2"/>
+                </a:solidFill>
+                <a:latin typeface="Arial" charset="0"/>
+                <a:ea typeface="Arial" charset="0"/>
+                <a:cs typeface="Arial" charset="0"/>
+              </a:rPr>
+              <a:t>management</a:t>
+            </a:r>
+            <a:endParaRPr lang="ja-JP" altLang="en-US" sz="1100" b="1" kern="0" spc="-31" dirty="0" err="1">
+              <a:solidFill>
+                <a:schemeClr val="tx2"/>
+              </a:solidFill>
+              <a:latin typeface="Arial" charset="0"/>
+              <a:ea typeface="Arial" charset="0"/>
+              <a:cs typeface="Arial" charset="0"/>
+            </a:endParaRPr>
+          </a:p>
+        </p:txBody>
+      </p:sp>
+      <p:sp>
+        <p:nvSpPr>
+          <p:cNvPr id="90" name="TextBox 32"/>
+          <p:cNvSpPr txBox="1"/>
+          <p:nvPr/>
+        </p:nvSpPr>
+        <p:spPr>
+          <a:xfrm>
+            <a:off x="8952209" y="4922082"/>
+            <a:ext cx="1556481" cy="169277"/>
+          </a:xfrm>
+          <a:prstGeom prst="rect">
+            <a:avLst/>
+          </a:prstGeom>
+          <a:noFill/>
+          <a:ln>
+            <a:noFill/>
+          </a:ln>
+        </p:spPr>
+        <p:txBody>
+          <a:bodyPr wrap="square" lIns="0" tIns="0" rIns="0" bIns="0" rtlCol="0">
+            <a:spAutoFit/>
+          </a:bodyPr>
+          <a:lstStyle/>
+          <a:p>
+            <a:pPr algn="ctr"/>
+            <a:r>
+              <a:rPr lang="en-US" altLang="ja-JP" sz="1100" b="1" kern="0" spc="-31" dirty="0">
+                <a:solidFill>
+                  <a:schemeClr val="tx2"/>
+                </a:solidFill>
+                <a:latin typeface="Arial" charset="0"/>
+                <a:ea typeface="Arial" charset="0"/>
+                <a:cs typeface="Arial" charset="0"/>
+              </a:rPr>
+              <a:t>proposal</a:t>
+            </a:r>
+            <a:endParaRPr lang="ja-JP" altLang="en-US" sz="1100" b="1" kern="0" spc="-31" dirty="0" err="1">
+              <a:solidFill>
+                <a:schemeClr val="tx2"/>
+              </a:solidFill>
+              <a:latin typeface="Arial" charset="0"/>
+              <a:ea typeface="Arial" charset="0"/>
+              <a:cs typeface="Arial" charset="0"/>
+            </a:endParaRPr>
+          </a:p>
+        </p:txBody>
+      </p:sp>
+      <p:cxnSp>
+        <p:nvCxnSpPr>
+          <p:cNvPr id="91" name="Elbow Connector 34"/>
+          <p:cNvCxnSpPr/>
+          <p:nvPr/>
+        </p:nvCxnSpPr>
+        <p:spPr>
+          <a:xfrm flipV="1">
+            <a:off x="9223380" y="5627914"/>
+            <a:ext cx="1892523" cy="482817"/>
+          </a:xfrm>
+          <a:prstGeom prst="bentConnector2">
+            <a:avLst/>
+          </a:prstGeom>
+          <a:ln>
+            <a:solidFill>
+              <a:schemeClr val="tx1"/>
+            </a:solidFill>
+            <a:headEnd type="triangle"/>
+            <a:tailEnd type="stealth"/>
+          </a:ln>
+        </p:spPr>
+        <p:style>
+          <a:lnRef idx="2">
+            <a:schemeClr val="accent1"/>
+          </a:lnRef>
+          <a:fillRef idx="0">
+            <a:schemeClr val="accent1"/>
+          </a:fillRef>
+          <a:effectRef idx="1">
+            <a:schemeClr val="accent1"/>
+          </a:effectRef>
+          <a:fontRef idx="minor">
+            <a:schemeClr val="tx1"/>
+          </a:fontRef>
+        </p:style>
+      </p:cxnSp>
+      <p:sp>
+        <p:nvSpPr>
+          <p:cNvPr id="92" name="TextBox 36"/>
+          <p:cNvSpPr txBox="1"/>
+          <p:nvPr/>
+        </p:nvSpPr>
+        <p:spPr>
+          <a:xfrm>
+            <a:off x="9749334" y="5898350"/>
+            <a:ext cx="1556481" cy="169277"/>
+          </a:xfrm>
+          <a:prstGeom prst="rect">
+            <a:avLst/>
+          </a:prstGeom>
+          <a:noFill/>
+          <a:ln>
+            <a:noFill/>
+          </a:ln>
+        </p:spPr>
+        <p:txBody>
+          <a:bodyPr wrap="square" lIns="0" tIns="0" rIns="0" bIns="0" rtlCol="0">
+            <a:spAutoFit/>
+          </a:bodyPr>
+          <a:lstStyle/>
+          <a:p>
+            <a:r>
+              <a:rPr lang="en-US" altLang="ja-JP" sz="1100" b="1" kern="0" spc="-31" dirty="0">
+                <a:solidFill>
+                  <a:schemeClr val="tx2"/>
+                </a:solidFill>
+                <a:latin typeface="Arial" charset="0"/>
+                <a:ea typeface="Arial" charset="0"/>
+                <a:cs typeface="Arial" charset="0"/>
+              </a:rPr>
+              <a:t>Daily Operation</a:t>
+            </a:r>
+            <a:endParaRPr lang="ja-JP" altLang="en-US" sz="1100" b="1" kern="0" spc="-31" dirty="0" err="1">
+              <a:solidFill>
+                <a:schemeClr val="tx2"/>
+              </a:solidFill>
+              <a:latin typeface="Arial" charset="0"/>
+              <a:ea typeface="Arial" charset="0"/>
+              <a:cs typeface="Arial" charset="0"/>
+            </a:endParaRPr>
+          </a:p>
+        </p:txBody>
+      </p:sp>
+    </p:spTree>
+    <p:extLst>
+      <p:ext uri="{BB962C8B-B14F-4D97-AF65-F5344CB8AC3E}">
+        <p14:creationId xmlns:p14="http://schemas.microsoft.com/office/powerpoint/2010/main" val="284871658"/>
+      </p:ext>
+    </p:extLst>
+  </p:cSld>
+  <p:clrMapOvr>
+    <a:masterClrMapping/>
+  </p:clrMapOvr>
+  <p:timing>
+    <p:tnLst>
+      <p:par>
+        <p:cTn id="1" dur="indefinite" restart="never" nodeType="tmRoot"/>
+      </p:par>
+    </p:tnLst>
+  </p:timing>
+</p:sld>
+</file>
+
+<file path=ppt/slides/slide13.xml><?xml version="1.0" encoding="utf-8"?>
+<p:sld xmlns:a="http://schemas.openxmlformats.org/drawingml/2006/main" xmlns:r="http://schemas.openxmlformats.org/officeDocument/2006/relationships" xmlns:p="http://schemas.openxmlformats.org/presentationml/2006/main">
+  <p:cSld>
+    <p:spTree>
+      <p:nvGrpSpPr>
+        <p:cNvPr id="1" name=""/>
+        <p:cNvGrpSpPr/>
+        <p:nvPr/>
+      </p:nvGrpSpPr>
+      <p:grpSpPr>
+        <a:xfrm>
+          <a:off x="0" y="0"/>
+          <a:ext cx="0" cy="0"/>
+          <a:chOff x="0" y="0"/>
+          <a:chExt cx="0" cy="0"/>
+        </a:xfrm>
+      </p:grpSpPr>
+      <p:pic>
+        <p:nvPicPr>
+          <p:cNvPr id="3" name="図 2"/>
+          <p:cNvPicPr>
+            <a:picLocks noChangeAspect="1"/>
+          </p:cNvPicPr>
+          <p:nvPr/>
+        </p:nvPicPr>
+        <p:blipFill>
+          <a:blip r:embed="rId2">
+            <a:extLst>
+              <a:ext uri="{28A0092B-C50C-407E-A947-70E740481C1C}">
+                <a14:useLocalDpi xmlns:a14="http://schemas.microsoft.com/office/drawing/2010/main" val="0"/>
+              </a:ext>
+            </a:extLst>
+          </a:blip>
+          <a:stretch>
+            <a:fillRect/>
+          </a:stretch>
+        </p:blipFill>
+        <p:spPr>
+          <a:xfrm>
+            <a:off x="481512" y="269456"/>
+            <a:ext cx="7258991" cy="6068516"/>
+          </a:xfrm>
+          <a:prstGeom prst="rect">
+            <a:avLst/>
+          </a:prstGeom>
+        </p:spPr>
+      </p:pic>
+    </p:spTree>
+    <p:extLst>
+      <p:ext uri="{BB962C8B-B14F-4D97-AF65-F5344CB8AC3E}">
+        <p14:creationId xmlns:p14="http://schemas.microsoft.com/office/powerpoint/2010/main" val="1096906843"/>
+      </p:ext>
+    </p:extLst>
+  </p:cSld>
+  <p:clrMapOvr>
+    <a:masterClrMapping/>
+  </p:clrMapOvr>
+  <p:timing>
+    <p:tnLst>
+      <p:par>
+        <p:cTn id="1" dur="indefinite" restart="never" nodeType="tmRoot"/>
+      </p:par>
+    </p:tnLst>
+  </p:timing>
+</p:sld>
+</file>
+
+<file path=ppt/slides/slide14.xml><?xml version="1.0" encoding="utf-8"?>
+<p:sld xmlns:a="http://schemas.openxmlformats.org/drawingml/2006/main" xmlns:r="http://schemas.openxmlformats.org/officeDocument/2006/relationships" xmlns:p="http://schemas.openxmlformats.org/presentationml/2006/main">
+  <p:cSld>
+    <p:spTree>
+      <p:nvGrpSpPr>
+        <p:cNvPr id="1" name=""/>
+        <p:cNvGrpSpPr/>
+        <p:nvPr/>
+      </p:nvGrpSpPr>
+      <p:grpSpPr>
+        <a:xfrm>
+          <a:off x="0" y="0"/>
+          <a:ext cx="0" cy="0"/>
+          <a:chOff x="0" y="0"/>
+          <a:chExt cx="0" cy="0"/>
+        </a:xfrm>
+      </p:grpSpPr>
+      <p:sp>
+        <p:nvSpPr>
+          <p:cNvPr id="2" name="Title 1"/>
+          <p:cNvSpPr>
+            <a:spLocks noGrp="1"/>
+          </p:cNvSpPr>
+          <p:nvPr>
+            <p:ph type="title"/>
+          </p:nvPr>
+        </p:nvSpPr>
+        <p:spPr>
+          <a:xfrm>
+            <a:off x="322023" y="299517"/>
+            <a:ext cx="11426632" cy="1118255"/>
+          </a:xfrm>
+        </p:spPr>
+        <p:txBody>
+          <a:bodyPr/>
+          <a:lstStyle/>
+          <a:p>
+            <a:pPr lvl="1" algn="l" defTabSz="1219170" rtl="0">
+              <a:lnSpc>
+                <a:spcPts val="4000"/>
+              </a:lnSpc>
+              <a:spcBef>
+                <a:spcPct val="0"/>
+              </a:spcBef>
+            </a:pPr>
+            <a:r>
+              <a:rPr kumimoji="1" lang="en-US" altLang="ja-JP" sz="3600" b="1" dirty="0" smtClean="0">
+                <a:solidFill>
+                  <a:srgbClr val="00B0F0"/>
+                </a:solidFill>
+                <a:latin typeface="Arial" charset="0"/>
+                <a:ea typeface="Arial" charset="0"/>
+                <a:cs typeface="Arial" charset="0"/>
+              </a:rPr>
+              <a:t>Japan Applications Development and Deployment Market Forecast</a:t>
+            </a:r>
+          </a:p>
+        </p:txBody>
+      </p:sp>
+      <p:sp>
+        <p:nvSpPr>
+          <p:cNvPr id="10" name="Text Box 7"/>
+          <p:cNvSpPr txBox="1">
+            <a:spLocks noChangeArrowheads="1"/>
+          </p:cNvSpPr>
+          <p:nvPr/>
+        </p:nvSpPr>
+        <p:spPr bwMode="auto">
+          <a:xfrm>
+            <a:off x="426196" y="6280160"/>
+            <a:ext cx="4065588" cy="246863"/>
+          </a:xfrm>
+          <a:prstGeom prst="rect">
+            <a:avLst/>
+          </a:prstGeom>
+          <a:noFill/>
+          <a:ln>
+            <a:noFill/>
+          </a:ln>
+          <a:effectLst/>
+          <a:extLst>
+            <a:ext uri="{909E8E84-426E-40DD-AFC4-6F175D3DCCD1}">
+              <a14:hiddenFill xmlns:a14="http://schemas.microsoft.com/office/drawing/2010/main">
+                <a:solidFill>
+                  <a:schemeClr val="accent1"/>
+                </a:solidFill>
+              </a14:hiddenFill>
+            </a:ext>
+            <a:ext uri="{91240B29-F687-4F45-9708-019B960494DF}">
+              <a14:hiddenLine xmlns:a14="http://schemas.microsoft.com/office/drawing/2010/main" w="9525">
+                <a:solidFill>
+                  <a:schemeClr val="tx1"/>
+                </a:solidFill>
+                <a:miter lim="800000"/>
+                <a:headEnd/>
+                <a:tailEnd/>
+              </a14:hiddenLine>
+            </a:ext>
+            <a:ext uri="{AF507438-7753-43E0-B8FC-AC1667EBCBE1}">
+              <a14:hiddenEffects xmlns:a14="http://schemas.microsoft.com/office/drawing/2010/main">
+                <a:effectLst>
+                  <a:outerShdw blurRad="63500" dist="38099" dir="2700000" algn="ctr" rotWithShape="0">
+                    <a:schemeClr val="bg2">
+                      <a:alpha val="74998"/>
+                    </a:schemeClr>
+                  </a:outerShdw>
+                </a:effectLst>
+              </a14:hiddenEffects>
+            </a:ext>
+          </a:extLst>
+        </p:spPr>
+        <p:txBody>
+          <a:bodyPr lIns="92075" tIns="46038" rIns="92075" bIns="46038">
+            <a:spAutoFit/>
+          </a:bodyPr>
+          <a:lstStyle/>
+          <a:p>
+            <a:r>
+              <a:rPr lang="en-US" altLang="ja-JP" sz="1000" dirty="0">
+                <a:solidFill>
+                  <a:srgbClr val="000000"/>
+                </a:solidFill>
+                <a:latin typeface="Arial" charset="0"/>
+                <a:ea typeface="Arial" charset="0"/>
+                <a:cs typeface="Arial" charset="0"/>
+              </a:rPr>
+              <a:t>Source: IDC Japan, December </a:t>
+            </a:r>
+            <a:r>
+              <a:rPr lang="en-US" altLang="ja-JP" sz="1000" dirty="0" smtClean="0">
+                <a:solidFill>
+                  <a:srgbClr val="000000"/>
+                </a:solidFill>
+                <a:latin typeface="Arial" charset="0"/>
+                <a:ea typeface="Arial" charset="0"/>
+                <a:cs typeface="Arial" charset="0"/>
+              </a:rPr>
+              <a:t>2016</a:t>
+            </a:r>
+            <a:endParaRPr lang="en-US" altLang="ja-JP" sz="1000" dirty="0">
+              <a:solidFill>
+                <a:srgbClr val="000000"/>
+              </a:solidFill>
+              <a:latin typeface="Arial" charset="0"/>
+              <a:ea typeface="Arial" charset="0"/>
+              <a:cs typeface="Arial" charset="0"/>
+            </a:endParaRPr>
+          </a:p>
+        </p:txBody>
+      </p:sp>
+      <p:pic>
+        <p:nvPicPr>
+          <p:cNvPr id="4" name="図 3"/>
+          <p:cNvPicPr>
+            <a:picLocks noChangeAspect="1"/>
+          </p:cNvPicPr>
+          <p:nvPr/>
+        </p:nvPicPr>
+        <p:blipFill>
+          <a:blip r:embed="rId2"/>
+          <a:stretch>
+            <a:fillRect/>
+          </a:stretch>
+        </p:blipFill>
+        <p:spPr>
+          <a:xfrm>
+            <a:off x="426196" y="1675094"/>
+            <a:ext cx="9186087" cy="4290804"/>
+          </a:xfrm>
+          <a:prstGeom prst="rect">
+            <a:avLst/>
+          </a:prstGeom>
+        </p:spPr>
+      </p:pic>
+    </p:spTree>
+    <p:extLst>
+      <p:ext uri="{BB962C8B-B14F-4D97-AF65-F5344CB8AC3E}">
+        <p14:creationId xmlns:p14="http://schemas.microsoft.com/office/powerpoint/2010/main" val="519102711"/>
+      </p:ext>
+    </p:extLst>
+  </p:cSld>
+  <p:clrMapOvr>
+    <a:masterClrMapping/>
+  </p:clrMapOvr>
+  <p:timing>
+    <p:tnLst>
+      <p:par>
+        <p:cTn id="1" dur="indefinite" restart="never" nodeType="tmRoot"/>
+      </p:par>
+    </p:tnLst>
+  </p:timing>
+</p:sld>
+</file>
+
+<file path=ppt/slides/slide15.xml><?xml version="1.0" encoding="utf-8"?>
+<p:sld xmlns:a="http://schemas.openxmlformats.org/drawingml/2006/main" xmlns:r="http://schemas.openxmlformats.org/officeDocument/2006/relationships" xmlns:p="http://schemas.openxmlformats.org/presentationml/2006/main">
+  <p:cSld>
+    <p:spTree>
+      <p:nvGrpSpPr>
+        <p:cNvPr id="1" name=""/>
+        <p:cNvGrpSpPr/>
+        <p:nvPr/>
+      </p:nvGrpSpPr>
+      <p:grpSpPr>
+        <a:xfrm>
+          <a:off x="0" y="0"/>
+          <a:ext cx="0" cy="0"/>
+          <a:chOff x="0" y="0"/>
+          <a:chExt cx="0" cy="0"/>
+        </a:xfrm>
+      </p:grpSpPr>
+      <p:graphicFrame>
+        <p:nvGraphicFramePr>
+          <p:cNvPr id="12" name="表 11"/>
+          <p:cNvGraphicFramePr>
+            <a:graphicFrameLocks noGrp="1"/>
+          </p:cNvGraphicFramePr>
+          <p:nvPr>
+            <p:extLst>
+              <p:ext uri="{D42A27DB-BD31-4B8C-83A1-F6EECF244321}">
+                <p14:modId xmlns:p14="http://schemas.microsoft.com/office/powerpoint/2010/main" val="234482778"/>
+              </p:ext>
+            </p:extLst>
+          </p:nvPr>
+        </p:nvGraphicFramePr>
+        <p:xfrm>
+          <a:off x="1236977" y="1733477"/>
+          <a:ext cx="8741500" cy="3710394"/>
+        </p:xfrm>
+        <a:graphic>
+          <a:graphicData uri="http://schemas.openxmlformats.org/drawingml/2006/table">
+            <a:tbl>
+              <a:tblPr>
+                <a:tableStyleId>{D7AC3CCA-C797-4891-BE02-D94E43425B78}</a:tableStyleId>
+              </a:tblPr>
+              <a:tblGrid>
+                <a:gridCol w="6303020"/>
+                <a:gridCol w="2438480"/>
+              </a:tblGrid>
+              <a:tr h="412266">
+                <a:tc>
+                  <a:txBody>
+                    <a:bodyPr/>
+                    <a:lstStyle/>
+                    <a:p>
+                      <a:pPr algn="l" fontAlgn="b"/>
+                      <a:endParaRPr lang="en-US" sz="2000" b="0" i="0" u="none" strike="noStrike" dirty="0">
+                        <a:solidFill>
+                          <a:srgbClr val="000000"/>
+                        </a:solidFill>
+                        <a:effectLst/>
+                        <a:latin typeface="Arial" charset="0"/>
+                        <a:ea typeface="Arial" charset="0"/>
+                        <a:cs typeface="Arial" charset="0"/>
+                      </a:endParaRPr>
+                    </a:p>
+                  </a:txBody>
+                  <a:tcPr marL="6350" marR="6350" marT="6350" marB="0" anchor="b">
+                    <a:noFill/>
+                  </a:tcPr>
+                </a:tc>
+                <a:tc>
+                  <a:txBody>
+                    <a:bodyPr/>
+                    <a:lstStyle/>
+                    <a:p>
+                      <a:pPr algn="r" fontAlgn="b"/>
+                      <a:r>
+                        <a:rPr lang="is-IS" sz="2000" u="none" strike="noStrike" dirty="0" smtClean="0">
+                          <a:effectLst/>
+                          <a:latin typeface="Arial" charset="0"/>
+                          <a:ea typeface="Arial" charset="0"/>
+                          <a:cs typeface="Arial" charset="0"/>
+                        </a:rPr>
+                        <a:t>K$</a:t>
+                      </a:r>
+                      <a:endParaRPr lang="is-IS" sz="2000" b="0" i="0" u="none" strike="noStrike" dirty="0">
+                        <a:solidFill>
+                          <a:srgbClr val="000000"/>
+                        </a:solidFill>
+                        <a:effectLst/>
+                        <a:latin typeface="Arial" charset="0"/>
+                        <a:ea typeface="Arial" charset="0"/>
+                        <a:cs typeface="Arial" charset="0"/>
+                      </a:endParaRPr>
+                    </a:p>
+                  </a:txBody>
+                  <a:tcPr marL="6350" marR="6350" marT="6350" marB="0" anchor="b">
+                    <a:noFill/>
+                  </a:tcPr>
+                </a:tc>
+              </a:tr>
+              <a:tr h="412266">
+                <a:tc>
+                  <a:txBody>
+                    <a:bodyPr/>
+                    <a:lstStyle/>
+                    <a:p>
+                      <a:pPr algn="l" fontAlgn="b"/>
+                      <a:r>
+                        <a:rPr lang="en-US" sz="2000" u="none" strike="noStrike" dirty="0">
+                          <a:effectLst/>
+                          <a:latin typeface="Arial" charset="0"/>
+                          <a:ea typeface="Arial" charset="0"/>
+                          <a:cs typeface="Arial" charset="0"/>
+                        </a:rPr>
+                        <a:t>ARR </a:t>
+                      </a:r>
+                      <a:r>
+                        <a:rPr lang="en-US" sz="2000" u="none" strike="noStrike" dirty="0" err="1">
+                          <a:effectLst/>
+                          <a:latin typeface="Arial" charset="0"/>
+                          <a:ea typeface="Arial" charset="0"/>
+                          <a:cs typeface="Arial" charset="0"/>
+                        </a:rPr>
+                        <a:t>Traget</a:t>
+                      </a:r>
+                      <a:endParaRPr lang="en-US" sz="2000" b="0" i="0" u="none" strike="noStrike" dirty="0">
+                        <a:solidFill>
+                          <a:srgbClr val="000000"/>
+                        </a:solidFill>
+                        <a:effectLst/>
+                        <a:latin typeface="Arial" charset="0"/>
+                        <a:ea typeface="Arial" charset="0"/>
+                        <a:cs typeface="Arial" charset="0"/>
+                      </a:endParaRPr>
+                    </a:p>
+                  </a:txBody>
+                  <a:tcPr marL="6350" marR="6350" marT="6350" marB="0" anchor="b"/>
+                </a:tc>
+                <a:tc>
+                  <a:txBody>
+                    <a:bodyPr/>
+                    <a:lstStyle/>
+                    <a:p>
+                      <a:pPr algn="r" fontAlgn="b"/>
+                      <a:r>
+                        <a:rPr lang="is-IS" sz="2000" b="0" i="0" u="none" strike="noStrike" dirty="0" smtClean="0">
+                          <a:solidFill>
+                            <a:schemeClr val="dk1"/>
+                          </a:solidFill>
+                          <a:effectLst/>
+                          <a:latin typeface="Arial" charset="0"/>
+                          <a:ea typeface="Arial" charset="0"/>
+                          <a:cs typeface="Arial" charset="0"/>
+                        </a:rPr>
+                        <a:t>10,000</a:t>
+                      </a:r>
+                      <a:endParaRPr lang="is-IS" sz="2000" b="0" i="0" u="none" strike="noStrike" dirty="0">
+                        <a:solidFill>
+                          <a:srgbClr val="000000"/>
+                        </a:solidFill>
+                        <a:effectLst/>
+                        <a:latin typeface="Arial" charset="0"/>
+                        <a:ea typeface="Arial" charset="0"/>
+                        <a:cs typeface="Arial" charset="0"/>
+                      </a:endParaRPr>
+                    </a:p>
+                  </a:txBody>
+                  <a:tcPr marL="6350" marR="6350" marT="6350" marB="0" anchor="b"/>
+                </a:tc>
+              </a:tr>
+              <a:tr h="412266">
+                <a:tc>
+                  <a:txBody>
+                    <a:bodyPr/>
+                    <a:lstStyle/>
+                    <a:p>
+                      <a:pPr algn="l" fontAlgn="b"/>
+                      <a:r>
+                        <a:rPr lang="en-US" sz="2000" u="none" strike="noStrike" dirty="0">
+                          <a:effectLst/>
+                          <a:latin typeface="Arial" charset="0"/>
+                          <a:ea typeface="Arial" charset="0"/>
+                          <a:cs typeface="Arial" charset="0"/>
+                        </a:rPr>
+                        <a:t>Average Deal Size</a:t>
+                      </a:r>
+                      <a:endParaRPr lang="en-US" sz="2000" b="0" i="0" u="none" strike="noStrike" dirty="0">
+                        <a:solidFill>
+                          <a:srgbClr val="000000"/>
+                        </a:solidFill>
+                        <a:effectLst/>
+                        <a:latin typeface="Arial" charset="0"/>
+                        <a:ea typeface="Arial" charset="0"/>
+                        <a:cs typeface="Arial" charset="0"/>
+                      </a:endParaRPr>
+                    </a:p>
+                  </a:txBody>
+                  <a:tcPr marL="6350" marR="6350" marT="6350" marB="0" anchor="b"/>
+                </a:tc>
+                <a:tc>
+                  <a:txBody>
+                    <a:bodyPr/>
+                    <a:lstStyle/>
+                    <a:p>
+                      <a:pPr algn="r" fontAlgn="b"/>
+                      <a:r>
+                        <a:rPr lang="is-IS" sz="2000" b="0" i="0" u="none" strike="noStrike" dirty="0" smtClean="0">
+                          <a:solidFill>
+                            <a:srgbClr val="000000"/>
+                          </a:solidFill>
+                          <a:effectLst/>
+                          <a:latin typeface="Arial" charset="0"/>
+                          <a:ea typeface="Arial" charset="0"/>
+                          <a:cs typeface="Arial" charset="0"/>
+                        </a:rPr>
+                        <a:t>140</a:t>
+                      </a:r>
+                      <a:endParaRPr lang="is-IS" sz="2000" b="0" i="0" u="none" strike="noStrike" dirty="0">
+                        <a:solidFill>
+                          <a:srgbClr val="000000"/>
+                        </a:solidFill>
+                        <a:effectLst/>
+                        <a:latin typeface="Arial" charset="0"/>
+                        <a:ea typeface="Arial" charset="0"/>
+                        <a:cs typeface="Arial" charset="0"/>
+                      </a:endParaRPr>
+                    </a:p>
+                  </a:txBody>
+                  <a:tcPr marL="6350" marR="6350" marT="6350" marB="0" anchor="b"/>
+                </a:tc>
+              </a:tr>
+              <a:tr h="412266">
+                <a:tc>
+                  <a:txBody>
+                    <a:bodyPr/>
+                    <a:lstStyle/>
+                    <a:p>
+                      <a:pPr algn="l" fontAlgn="b"/>
+                      <a:endParaRPr lang="en-US" sz="2000" b="0" i="0" u="none" strike="noStrike" dirty="0">
+                        <a:solidFill>
+                          <a:srgbClr val="000000"/>
+                        </a:solidFill>
+                        <a:effectLst/>
+                        <a:latin typeface="Arial" charset="0"/>
+                        <a:ea typeface="Arial" charset="0"/>
+                        <a:cs typeface="Arial" charset="0"/>
+                      </a:endParaRPr>
+                    </a:p>
+                  </a:txBody>
+                  <a:tcPr marL="6350" marR="6350" marT="6350" marB="0" anchor="b"/>
+                </a:tc>
+                <a:tc>
+                  <a:txBody>
+                    <a:bodyPr/>
+                    <a:lstStyle/>
+                    <a:p>
+                      <a:pPr algn="r" fontAlgn="b"/>
+                      <a:endParaRPr lang="is-IS" sz="2000" b="0" i="0" u="none" strike="noStrike" dirty="0">
+                        <a:solidFill>
+                          <a:srgbClr val="000000"/>
+                        </a:solidFill>
+                        <a:effectLst/>
+                        <a:latin typeface="Arial" charset="0"/>
+                        <a:ea typeface="Arial" charset="0"/>
+                        <a:cs typeface="Arial" charset="0"/>
+                      </a:endParaRPr>
+                    </a:p>
+                  </a:txBody>
+                  <a:tcPr marL="6350" marR="6350" marT="6350" marB="0" anchor="b"/>
+                </a:tc>
+              </a:tr>
+              <a:tr h="412266">
+                <a:tc>
+                  <a:txBody>
+                    <a:bodyPr/>
+                    <a:lstStyle/>
+                    <a:p>
+                      <a:pPr algn="l" fontAlgn="b"/>
+                      <a:endParaRPr lang="en-US" sz="2000" b="0" i="0" u="none" strike="noStrike" dirty="0">
+                        <a:solidFill>
+                          <a:srgbClr val="000000"/>
+                        </a:solidFill>
+                        <a:effectLst/>
+                        <a:latin typeface="Arial" charset="0"/>
+                        <a:ea typeface="Arial" charset="0"/>
+                        <a:cs typeface="Arial" charset="0"/>
+                      </a:endParaRPr>
+                    </a:p>
+                  </a:txBody>
+                  <a:tcPr marL="6350" marR="6350" marT="6350" marB="0" anchor="b"/>
+                </a:tc>
+                <a:tc>
+                  <a:txBody>
+                    <a:bodyPr/>
+                    <a:lstStyle/>
+                    <a:p>
+                      <a:pPr algn="r" fontAlgn="b"/>
+                      <a:endParaRPr lang="fi-FI" sz="2000" b="0" i="0" u="none" strike="noStrike" dirty="0">
+                        <a:solidFill>
+                          <a:srgbClr val="000000"/>
+                        </a:solidFill>
+                        <a:effectLst/>
+                        <a:latin typeface="Arial" charset="0"/>
+                        <a:ea typeface="Arial" charset="0"/>
+                        <a:cs typeface="Arial" charset="0"/>
+                      </a:endParaRPr>
+                    </a:p>
+                  </a:txBody>
+                  <a:tcPr marL="6350" marR="6350" marT="6350" marB="0" anchor="b"/>
+                </a:tc>
+              </a:tr>
+              <a:tr h="412266">
+                <a:tc>
+                  <a:txBody>
+                    <a:bodyPr/>
+                    <a:lstStyle/>
+                    <a:p>
+                      <a:pPr algn="l" fontAlgn="b"/>
+                      <a:endParaRPr lang="en-US" sz="2000" b="0" i="0" u="none" strike="noStrike" dirty="0">
+                        <a:solidFill>
+                          <a:srgbClr val="000000"/>
+                        </a:solidFill>
+                        <a:effectLst/>
+                        <a:latin typeface="Arial" charset="0"/>
+                        <a:ea typeface="Arial" charset="0"/>
+                        <a:cs typeface="Arial" charset="0"/>
+                      </a:endParaRPr>
+                    </a:p>
+                  </a:txBody>
+                  <a:tcPr marL="6350" marR="6350" marT="6350" marB="0" anchor="b"/>
+                </a:tc>
+                <a:tc>
+                  <a:txBody>
+                    <a:bodyPr/>
+                    <a:lstStyle/>
+                    <a:p>
+                      <a:pPr algn="r" fontAlgn="b"/>
+                      <a:endParaRPr lang="en-US" sz="2000" b="0" i="0" u="none" strike="noStrike" dirty="0">
+                        <a:solidFill>
+                          <a:srgbClr val="000000"/>
+                        </a:solidFill>
+                        <a:effectLst/>
+                        <a:latin typeface="Arial" charset="0"/>
+                        <a:ea typeface="Arial" charset="0"/>
+                        <a:cs typeface="Arial" charset="0"/>
+                      </a:endParaRPr>
+                    </a:p>
+                  </a:txBody>
+                  <a:tcPr marL="6350" marR="6350" marT="6350" marB="0" anchor="b"/>
+                </a:tc>
+              </a:tr>
+              <a:tr h="412266">
+                <a:tc>
+                  <a:txBody>
+                    <a:bodyPr/>
+                    <a:lstStyle/>
+                    <a:p>
+                      <a:pPr algn="l" fontAlgn="b"/>
+                      <a:endParaRPr lang="en-US" sz="2000" b="0" i="0" u="none" strike="noStrike">
+                        <a:solidFill>
+                          <a:srgbClr val="000000"/>
+                        </a:solidFill>
+                        <a:effectLst/>
+                        <a:latin typeface="Arial" charset="0"/>
+                        <a:ea typeface="Arial" charset="0"/>
+                        <a:cs typeface="Arial" charset="0"/>
+                      </a:endParaRPr>
+                    </a:p>
+                  </a:txBody>
+                  <a:tcPr marL="6350" marR="6350" marT="6350" marB="0" anchor="b"/>
+                </a:tc>
+                <a:tc>
+                  <a:txBody>
+                    <a:bodyPr/>
+                    <a:lstStyle/>
+                    <a:p>
+                      <a:pPr algn="r" fontAlgn="b"/>
+                      <a:endParaRPr lang="is-IS" sz="2000" b="0" i="0" u="none" strike="noStrike" dirty="0">
+                        <a:solidFill>
+                          <a:srgbClr val="000000"/>
+                        </a:solidFill>
+                        <a:effectLst/>
+                        <a:latin typeface="Arial" charset="0"/>
+                        <a:ea typeface="Arial" charset="0"/>
+                        <a:cs typeface="Arial" charset="0"/>
+                      </a:endParaRPr>
+                    </a:p>
+                  </a:txBody>
+                  <a:tcPr marL="6350" marR="6350" marT="6350" marB="0" anchor="b"/>
+                </a:tc>
+              </a:tr>
+              <a:tr h="412266">
+                <a:tc>
+                  <a:txBody>
+                    <a:bodyPr/>
+                    <a:lstStyle/>
+                    <a:p>
+                      <a:pPr algn="l" fontAlgn="b"/>
+                      <a:endParaRPr lang="en-US" sz="2000" b="0" i="0" u="none" strike="noStrike">
+                        <a:solidFill>
+                          <a:srgbClr val="000000"/>
+                        </a:solidFill>
+                        <a:effectLst/>
+                        <a:latin typeface="Arial" charset="0"/>
+                        <a:ea typeface="Arial" charset="0"/>
+                        <a:cs typeface="Arial" charset="0"/>
+                      </a:endParaRPr>
+                    </a:p>
+                  </a:txBody>
+                  <a:tcPr marL="6350" marR="6350" marT="6350" marB="0" anchor="b"/>
+                </a:tc>
+                <a:tc>
+                  <a:txBody>
+                    <a:bodyPr/>
+                    <a:lstStyle/>
+                    <a:p>
+                      <a:pPr algn="r" fontAlgn="b"/>
+                      <a:endParaRPr lang="fi-FI" sz="2000" b="0" i="0" u="none" strike="noStrike" dirty="0">
+                        <a:solidFill>
+                          <a:srgbClr val="000000"/>
+                        </a:solidFill>
+                        <a:effectLst/>
+                        <a:latin typeface="Arial" charset="0"/>
+                        <a:ea typeface="Arial" charset="0"/>
+                        <a:cs typeface="Arial" charset="0"/>
+                      </a:endParaRPr>
+                    </a:p>
+                  </a:txBody>
+                  <a:tcPr marL="6350" marR="6350" marT="6350" marB="0" anchor="b"/>
+                </a:tc>
+              </a:tr>
+              <a:tr h="412266">
+                <a:tc>
+                  <a:txBody>
+                    <a:bodyPr/>
+                    <a:lstStyle/>
+                    <a:p>
+                      <a:pPr algn="l" fontAlgn="b"/>
+                      <a:endParaRPr lang="en-US" sz="2000" b="0" i="0" u="none" strike="noStrike">
+                        <a:solidFill>
+                          <a:srgbClr val="000000"/>
+                        </a:solidFill>
+                        <a:effectLst/>
+                        <a:latin typeface="Arial" charset="0"/>
+                        <a:ea typeface="Arial" charset="0"/>
+                        <a:cs typeface="Arial" charset="0"/>
+                      </a:endParaRPr>
+                    </a:p>
+                  </a:txBody>
+                  <a:tcPr marL="6350" marR="6350" marT="6350" marB="0" anchor="b"/>
+                </a:tc>
+                <a:tc>
+                  <a:txBody>
+                    <a:bodyPr/>
+                    <a:lstStyle/>
+                    <a:p>
+                      <a:pPr algn="r" fontAlgn="b"/>
+                      <a:endParaRPr lang="is-IS" sz="2000" b="0" i="0" u="none" strike="noStrike" dirty="0">
+                        <a:solidFill>
+                          <a:srgbClr val="000000"/>
+                        </a:solidFill>
+                        <a:effectLst/>
+                        <a:latin typeface="Arial" charset="0"/>
+                        <a:ea typeface="Arial" charset="0"/>
+                        <a:cs typeface="Arial" charset="0"/>
+                      </a:endParaRPr>
+                    </a:p>
+                  </a:txBody>
+                  <a:tcPr marL="6350" marR="6350" marT="6350" marB="0" anchor="b"/>
+                </a:tc>
+              </a:tr>
+            </a:tbl>
+          </a:graphicData>
+        </a:graphic>
+      </p:graphicFrame>
+      <p:sp>
+        <p:nvSpPr>
+          <p:cNvPr id="2" name="Title 1"/>
+          <p:cNvSpPr>
+            <a:spLocks noGrp="1"/>
+          </p:cNvSpPr>
+          <p:nvPr>
+            <p:ph type="title"/>
+          </p:nvPr>
+        </p:nvSpPr>
+        <p:spPr>
+          <a:xfrm>
+            <a:off x="322023" y="328628"/>
+            <a:ext cx="11426632" cy="605294"/>
+          </a:xfrm>
+        </p:spPr>
+        <p:txBody>
+          <a:bodyPr/>
+          <a:lstStyle/>
+          <a:p>
+            <a:r>
+              <a:rPr lang="en-US" altLang="ja-JP" sz="3200" b="1" dirty="0" smtClean="0">
+                <a:solidFill>
+                  <a:srgbClr val="00B0F0"/>
+                </a:solidFill>
+                <a:latin typeface="Arial" charset="0"/>
+                <a:ea typeface="Arial" charset="0"/>
+                <a:cs typeface="Arial" charset="0"/>
+              </a:rPr>
+              <a:t>2017 Japan Revenue </a:t>
+            </a:r>
+            <a:r>
+              <a:rPr lang="en-US" altLang="ja-JP" sz="3200" b="1" dirty="0">
+                <a:solidFill>
+                  <a:srgbClr val="00B0F0"/>
+                </a:solidFill>
+                <a:latin typeface="Arial" charset="0"/>
+                <a:ea typeface="Arial" charset="0"/>
+                <a:cs typeface="Arial" charset="0"/>
+              </a:rPr>
+              <a:t>Target </a:t>
+            </a:r>
+            <a:r>
+              <a:rPr lang="en-US" altLang="ja-JP" sz="3200" b="1" dirty="0" smtClean="0">
+                <a:solidFill>
+                  <a:srgbClr val="00B0F0"/>
+                </a:solidFill>
+                <a:latin typeface="Arial" charset="0"/>
+                <a:ea typeface="Arial" charset="0"/>
+                <a:cs typeface="Arial" charset="0"/>
+              </a:rPr>
+              <a:t>&amp; Marketing </a:t>
+            </a:r>
+            <a:r>
+              <a:rPr lang="en-US" altLang="ja-JP" sz="3200" b="1" dirty="0">
+                <a:solidFill>
+                  <a:srgbClr val="00B0F0"/>
+                </a:solidFill>
+                <a:latin typeface="Arial" charset="0"/>
+                <a:ea typeface="Arial" charset="0"/>
+                <a:cs typeface="Arial" charset="0"/>
+              </a:rPr>
+              <a:t>Contribution</a:t>
+            </a:r>
+          </a:p>
+        </p:txBody>
+      </p:sp>
+      <p:sp>
+        <p:nvSpPr>
+          <p:cNvPr id="6" name="Rectangle 9"/>
+          <p:cNvSpPr/>
+          <p:nvPr/>
+        </p:nvSpPr>
+        <p:spPr>
+          <a:xfrm>
+            <a:off x="11647754" y="6596555"/>
+            <a:ext cx="410749" cy="138499"/>
+          </a:xfrm>
+          <a:prstGeom prst="rect">
+            <a:avLst/>
+          </a:prstGeom>
+        </p:spPr>
+        <p:txBody>
+          <a:bodyPr wrap="square" lIns="0" tIns="0" rIns="0" bIns="0">
+            <a:spAutoFit/>
+          </a:bodyPr>
+          <a:lstStyle/>
+          <a:p>
+            <a:fld id="{655362CE-4ABE-4CB4-8947-B1242CDD9D94}" type="slidenum">
+              <a:rPr kumimoji="0" lang="en-US" sz="900" smtClean="0">
+                <a:solidFill>
+                  <a:srgbClr val="5A5A5A"/>
+                </a:solidFill>
+                <a:latin typeface="Arial" charset="0"/>
+                <a:ea typeface="Arial" charset="0"/>
+                <a:cs typeface="Arial" charset="0"/>
+              </a:rPr>
+              <a:pPr/>
+              <a:t>15</a:t>
+            </a:fld>
+            <a:endParaRPr kumimoji="0" lang="en-US" sz="900" dirty="0">
+              <a:solidFill>
+                <a:srgbClr val="5A5A5A"/>
+              </a:solidFill>
+              <a:latin typeface="Arial" charset="0"/>
+              <a:ea typeface="Arial" charset="0"/>
+              <a:cs typeface="Arial" charset="0"/>
+            </a:endParaRPr>
+          </a:p>
+        </p:txBody>
+      </p:sp>
+      <p:sp>
+        <p:nvSpPr>
+          <p:cNvPr id="7" name="Rectangle 14"/>
+          <p:cNvSpPr/>
+          <p:nvPr/>
+        </p:nvSpPr>
+        <p:spPr>
+          <a:xfrm>
+            <a:off x="11291779" y="6596555"/>
+            <a:ext cx="380848" cy="138499"/>
+          </a:xfrm>
+          <a:prstGeom prst="rect">
+            <a:avLst/>
+          </a:prstGeom>
+        </p:spPr>
+        <p:txBody>
+          <a:bodyPr wrap="square" lIns="0" tIns="0" rIns="0" bIns="0">
+            <a:spAutoFit/>
+          </a:bodyPr>
+          <a:lstStyle/>
+          <a:p>
+            <a:r>
+              <a:rPr kumimoji="0" lang="en-US" sz="900" dirty="0" smtClean="0">
+                <a:solidFill>
+                  <a:srgbClr val="5A5A5A"/>
+                </a:solidFill>
+                <a:latin typeface="Arial" charset="0"/>
+                <a:ea typeface="Arial" charset="0"/>
+                <a:cs typeface="Arial" charset="0"/>
+              </a:rPr>
+              <a:t>Page</a:t>
+            </a:r>
+            <a:endParaRPr kumimoji="0" lang="en-US" sz="900" dirty="0">
+              <a:solidFill>
+                <a:srgbClr val="5A5A5A"/>
+              </a:solidFill>
+              <a:latin typeface="Arial" charset="0"/>
+              <a:ea typeface="Arial" charset="0"/>
+              <a:cs typeface="Arial" charset="0"/>
+            </a:endParaRPr>
+          </a:p>
+        </p:txBody>
+      </p:sp>
+      <p:sp>
+        <p:nvSpPr>
+          <p:cNvPr id="9" name="角丸四角形 8"/>
+          <p:cNvSpPr/>
+          <p:nvPr/>
+        </p:nvSpPr>
+        <p:spPr>
+          <a:xfrm>
+            <a:off x="10302948" y="19943"/>
+            <a:ext cx="1889051" cy="716526"/>
+          </a:xfrm>
+          <a:prstGeom prst="roundRect">
+            <a:avLst/>
+          </a:prstGeom>
+          <a:solidFill>
+            <a:schemeClr val="accent2"/>
+          </a:solidFill>
+          <a:ln>
+            <a:noFill/>
+          </a:ln>
+        </p:spPr>
+        <p:style>
+          <a:lnRef idx="2">
+            <a:schemeClr val="accent1">
+              <a:shade val="50000"/>
+            </a:schemeClr>
+          </a:lnRef>
+          <a:fillRef idx="1">
+            <a:schemeClr val="accent1"/>
+          </a:fillRef>
+          <a:effectRef idx="0">
+            <a:schemeClr val="accent1"/>
+          </a:effectRef>
+          <a:fontRef idx="minor">
+            <a:schemeClr val="lt1"/>
+          </a:fontRef>
+        </p:style>
+        <p:txBody>
+          <a:bodyPr rtlCol="0" anchor="ctr"/>
+          <a:lstStyle/>
+          <a:p>
+            <a:pPr algn="ctr"/>
+            <a:r>
+              <a:rPr kumimoji="1" lang="en-US" altLang="ja-JP" sz="2800" dirty="0" smtClean="0">
+                <a:latin typeface="Arial" charset="0"/>
+                <a:ea typeface="Arial" charset="0"/>
+                <a:cs typeface="Arial" charset="0"/>
+              </a:rPr>
+              <a:t>WIP</a:t>
+            </a:r>
+            <a:endParaRPr kumimoji="1" lang="ja-JP" altLang="en-US" sz="2800" dirty="0">
+              <a:latin typeface="Arial" charset="0"/>
+              <a:ea typeface="Arial" charset="0"/>
+              <a:cs typeface="Arial" charset="0"/>
+            </a:endParaRPr>
+          </a:p>
+        </p:txBody>
+      </p:sp>
+    </p:spTree>
+    <p:extLst>
+      <p:ext uri="{BB962C8B-B14F-4D97-AF65-F5344CB8AC3E}">
+        <p14:creationId xmlns:p14="http://schemas.microsoft.com/office/powerpoint/2010/main" val="841811139"/>
+      </p:ext>
+    </p:extLst>
+  </p:cSld>
+  <p:clrMapOvr>
+    <a:masterClrMapping/>
+  </p:clrMapOvr>
+  <p:timing>
+    <p:tnLst>
+      <p:par>
+        <p:cTn id="1" dur="indefinite" restart="never" nodeType="tmRoot"/>
+      </p:par>
+    </p:tnLst>
+  </p:timing>
+</p:sld>
+</file>
+
+<file path=ppt/slides/slide2.xml><?xml version="1.0" encoding="utf-8"?>
+<p:sld xmlns:a="http://schemas.openxmlformats.org/drawingml/2006/main" xmlns:r="http://schemas.openxmlformats.org/officeDocument/2006/relationships" xmlns:p="http://schemas.openxmlformats.org/presentationml/2006/main">
+  <p:cSld>
+    <p:spTree>
+      <p:nvGrpSpPr>
+        <p:cNvPr id="1" name=""/>
+        <p:cNvGrpSpPr/>
+        <p:nvPr/>
+      </p:nvGrpSpPr>
+      <p:grpSpPr>
+        <a:xfrm>
+          <a:off x="0" y="0"/>
+          <a:ext cx="0" cy="0"/>
+          <a:chOff x="0" y="0"/>
+          <a:chExt cx="0" cy="0"/>
+        </a:xfrm>
+      </p:grpSpPr>
+      <p:sp>
+        <p:nvSpPr>
+          <p:cNvPr id="2" name="テキスト ボックス 1"/>
+          <p:cNvSpPr txBox="1"/>
+          <p:nvPr/>
+        </p:nvSpPr>
+        <p:spPr>
+          <a:xfrm>
+            <a:off x="1435510" y="1406013"/>
+            <a:ext cx="8868696" cy="1077218"/>
+          </a:xfrm>
+          <a:prstGeom prst="rect">
+            <a:avLst/>
+          </a:prstGeom>
+          <a:noFill/>
+        </p:spPr>
+        <p:txBody>
+          <a:bodyPr wrap="square" rtlCol="0">
+            <a:spAutoFit/>
+          </a:bodyPr>
+          <a:lstStyle/>
+          <a:p>
+            <a:r>
+              <a:rPr kumimoji="1" lang="en-US" altLang="ja-JP" sz="3200" b="1" dirty="0" smtClean="0">
+                <a:latin typeface="Arial" charset="0"/>
+                <a:ea typeface="Arial" charset="0"/>
+                <a:cs typeface="Arial" charset="0"/>
+              </a:rPr>
+              <a:t>GitHub Japan</a:t>
+            </a:r>
+          </a:p>
+          <a:p>
+            <a:r>
+              <a:rPr kumimoji="1" lang="en-US" altLang="ja-JP" sz="3200" b="1" dirty="0" smtClean="0">
+                <a:latin typeface="Arial" charset="0"/>
+                <a:ea typeface="Arial" charset="0"/>
+                <a:cs typeface="Arial" charset="0"/>
+              </a:rPr>
+              <a:t>Marketing </a:t>
+            </a:r>
+            <a:r>
+              <a:rPr lang="en-US" altLang="ja-JP" sz="3200" b="1" dirty="0" smtClean="0">
+                <a:latin typeface="Arial" charset="0"/>
+                <a:ea typeface="Arial" charset="0"/>
+                <a:cs typeface="Arial" charset="0"/>
+              </a:rPr>
+              <a:t>Strategy</a:t>
+            </a:r>
+            <a:endParaRPr kumimoji="1" lang="en-US" altLang="ja-JP" sz="3200" b="1" dirty="0" smtClean="0">
+              <a:latin typeface="Arial" charset="0"/>
+              <a:ea typeface="Arial" charset="0"/>
+              <a:cs typeface="Arial" charset="0"/>
+            </a:endParaRPr>
+          </a:p>
+        </p:txBody>
+      </p:sp>
+    </p:spTree>
+    <p:extLst>
+      <p:ext uri="{BB962C8B-B14F-4D97-AF65-F5344CB8AC3E}">
+        <p14:creationId xmlns:p14="http://schemas.microsoft.com/office/powerpoint/2010/main" val="477850669"/>
+      </p:ext>
+    </p:extLst>
+  </p:cSld>
+  <p:clrMapOvr>
+    <a:masterClrMapping/>
+  </p:clrMapOvr>
+  <p:timing>
+    <p:tnLst>
+      <p:par>
+        <p:cTn id="1" dur="indefinite" restart="never" nodeType="tmRoot"/>
+      </p:par>
+    </p:tnLst>
+  </p:timing>
+</p:sld>
+</file>
+
+<file path=ppt/slides/slide3.xml><?xml version="1.0" encoding="utf-8"?>
+<p:sld xmlns:a="http://schemas.openxmlformats.org/drawingml/2006/main" xmlns:r="http://schemas.openxmlformats.org/officeDocument/2006/relationships" xmlns:p="http://schemas.openxmlformats.org/presentationml/2006/main">
+  <p:cSld>
+    <p:spTree>
+      <p:nvGrpSpPr>
+        <p:cNvPr id="1" name=""/>
+        <p:cNvGrpSpPr/>
+        <p:nvPr/>
+      </p:nvGrpSpPr>
+      <p:grpSpPr>
+        <a:xfrm>
+          <a:off x="0" y="0"/>
+          <a:ext cx="0" cy="0"/>
+          <a:chOff x="0" y="0"/>
+          <a:chExt cx="0" cy="0"/>
+        </a:xfrm>
+      </p:grpSpPr>
+      <p:sp>
+        <p:nvSpPr>
+          <p:cNvPr id="2" name="Title 1"/>
+          <p:cNvSpPr>
+            <a:spLocks noGrp="1"/>
+          </p:cNvSpPr>
+          <p:nvPr>
+            <p:ph type="title"/>
+          </p:nvPr>
+        </p:nvSpPr>
+        <p:spPr>
+          <a:xfrm>
             <a:off x="322023" y="328627"/>
             <a:ext cx="11426632" cy="605294"/>
           </a:xfrm>
@@ -3624,7 +7073,7 @@
           <p:nvPr>
             <p:extLst>
               <p:ext uri="{D42A27DB-BD31-4B8C-83A1-F6EECF244321}">
-                <p14:modId xmlns:p14="http://schemas.microsoft.com/office/powerpoint/2010/main" val="731021583"/>
+                <p14:modId xmlns:p14="http://schemas.microsoft.com/office/powerpoint/2010/main" val="423559354"/>
               </p:ext>
             </p:extLst>
           </p:nvPr>
@@ -4049,23 +7498,17 @@
                           <a:ea typeface="Arial" charset="0"/>
                           <a:cs typeface="Arial" charset="0"/>
                         </a:rPr>
-                        <a:t> Enterprise</a:t>
+                        <a:t> </a:t>
                       </a:r>
-                    </a:p>
-                    <a:p>
-                      <a:pPr marL="171450" indent="-171450">
-                        <a:buFont typeface="Arial" charset="0"/>
-                        <a:buChar char="•"/>
-                      </a:pPr>
                       <a:r>
-                        <a:rPr kumimoji="1" lang="en-US" altLang="ja-JP" sz="1700" dirty="0" err="1" smtClean="0">
+                        <a:rPr kumimoji="1" lang="en-US" altLang="ja-JP" sz="1700" baseline="0" dirty="0" smtClean="0">
                           <a:latin typeface="Arial" charset="0"/>
                           <a:ea typeface="Arial" charset="0"/>
                           <a:cs typeface="Arial" charset="0"/>
                         </a:rPr>
-                        <a:t>GitHub.com</a:t>
+                        <a:t>Enterprise</a:t>
                       </a:r>
-                      <a:endParaRPr kumimoji="1" lang="ja-JP" altLang="en-US" sz="1700" dirty="0">
+                      <a:endParaRPr kumimoji="1" lang="en-US" altLang="ja-JP" sz="1700" baseline="0" dirty="0" smtClean="0">
                         <a:latin typeface="Arial" charset="0"/>
                         <a:ea typeface="Arial" charset="0"/>
                         <a:cs typeface="Arial" charset="0"/>
@@ -4249,7 +7692,7 @@
 </p:sld>
 </file>
 
-<file path=ppt/slides/slide11.xml><?xml version="1.0" encoding="utf-8"?>
+<file path=ppt/slides/slide4.xml><?xml version="1.0" encoding="utf-8"?>
 <p:sld xmlns:a="http://schemas.openxmlformats.org/drawingml/2006/main" xmlns:r="http://schemas.openxmlformats.org/officeDocument/2006/relationships" xmlns:p="http://schemas.openxmlformats.org/presentationml/2006/main">
   <p:cSld>
     <p:spTree>
@@ -4278,7 +7721,7 @@
         </p:nvSpPr>
         <p:spPr>
           <a:xfrm>
-            <a:off x="373063" y="281839"/>
+            <a:off x="322023" y="328628"/>
             <a:ext cx="11426632" cy="605294"/>
           </a:xfrm>
         </p:spPr>
@@ -4286,14 +7729,6 @@
           <a:bodyPr/>
           <a:lstStyle/>
           <a:p>
-            <a:pPr lvl="1" algn="l" defTabSz="1219170" rtl="0">
-              <a:lnSpc>
-                <a:spcPts val="4000"/>
-              </a:lnSpc>
-              <a:spcBef>
-                <a:spcPct val="0"/>
-              </a:spcBef>
-            </a:pPr>
             <a:r>
               <a:rPr kumimoji="1" lang="en-US" altLang="ja-JP" sz="3600" b="1" dirty="0" smtClean="0">
                 <a:solidFill>
@@ -4303,706 +7738,11 @@
                 <a:ea typeface="Arial" charset="0"/>
                 <a:cs typeface="Arial" charset="0"/>
               </a:rPr>
-              <a:t>Decision Making Process in Japan</a:t>
-            </a:r>
-          </a:p>
-        </p:txBody>
-      </p:sp>
-      <p:sp>
-        <p:nvSpPr>
-          <p:cNvPr id="64" name="TextBox 18"/>
-          <p:cNvSpPr txBox="1"/>
-          <p:nvPr/>
-        </p:nvSpPr>
-        <p:spPr>
-          <a:xfrm>
-            <a:off x="373063" y="1309138"/>
-            <a:ext cx="11558588" cy="1369606"/>
-          </a:xfrm>
-          <a:prstGeom prst="rect">
-            <a:avLst/>
-          </a:prstGeom>
-          <a:noFill/>
-          <a:ln>
-            <a:noFill/>
-          </a:ln>
-        </p:spPr>
-        <p:txBody>
-          <a:bodyPr wrap="square" lIns="0" tIns="0" rIns="0" bIns="0" rtlCol="0">
-            <a:spAutoFit/>
-          </a:bodyPr>
-          <a:lstStyle/>
-          <a:p>
-            <a:pPr marL="342891" indent="-342891">
-              <a:spcBef>
-                <a:spcPts val="600"/>
-              </a:spcBef>
-              <a:buFont typeface="Wingdings" panose="05000000000000000000" pitchFamily="2" charset="2"/>
-              <a:buChar char="p"/>
-            </a:pPr>
-            <a:r>
-              <a:rPr lang="en-US" altLang="ja-JP" sz="2100" kern="0" spc="-31" dirty="0">
-                <a:latin typeface="Arial" charset="0"/>
-                <a:ea typeface="Arial" charset="0"/>
-                <a:cs typeface="Arial" charset="0"/>
-              </a:rPr>
-              <a:t>In Japan Market, customers in IT organization of end users often does not have so rich knowledge about infrastructure as those in </a:t>
-            </a:r>
-            <a:r>
-              <a:rPr lang="en-US" altLang="ja-JP" sz="2100" kern="0" spc="-31" dirty="0" smtClean="0">
-                <a:latin typeface="Arial" charset="0"/>
-                <a:ea typeface="Arial" charset="0"/>
-                <a:cs typeface="Arial" charset="0"/>
-              </a:rPr>
-              <a:t>North America</a:t>
-            </a:r>
-            <a:endParaRPr lang="en-US" altLang="ja-JP" sz="2100" kern="0" spc="-31" dirty="0">
-              <a:latin typeface="Arial" charset="0"/>
-              <a:ea typeface="Arial" charset="0"/>
-              <a:cs typeface="Arial" charset="0"/>
-            </a:endParaRPr>
-          </a:p>
-          <a:p>
-            <a:pPr marL="342891" indent="-342891">
-              <a:spcBef>
-                <a:spcPts val="600"/>
-              </a:spcBef>
-              <a:buFont typeface="Wingdings" panose="05000000000000000000" pitchFamily="2" charset="2"/>
-              <a:buChar char="p"/>
-            </a:pPr>
-            <a:r>
-              <a:rPr lang="en-US" altLang="ja-JP" sz="2100" kern="0" spc="-31" dirty="0">
-                <a:latin typeface="Arial" charset="0"/>
-                <a:ea typeface="Arial" charset="0"/>
-                <a:cs typeface="Arial" charset="0"/>
-              </a:rPr>
-              <a:t>Strong IT vendors (including IBM) usually make a long-term contract (more than 5 years) and provided overall IT infrastructure management </a:t>
-            </a:r>
-            <a:r>
-              <a:rPr lang="en-US" altLang="ja-JP" sz="2100" kern="0" spc="-31" dirty="0" smtClean="0">
-                <a:latin typeface="Arial" charset="0"/>
-                <a:ea typeface="Arial" charset="0"/>
-                <a:cs typeface="Arial" charset="0"/>
-              </a:rPr>
-              <a:t>service</a:t>
-            </a:r>
-            <a:endParaRPr lang="ja-JP" altLang="en-US" sz="2100" kern="0" spc="-31" dirty="0" err="1">
-              <a:latin typeface="Arial" charset="0"/>
-              <a:ea typeface="Arial" charset="0"/>
-              <a:cs typeface="Arial" charset="0"/>
-            </a:endParaRPr>
-          </a:p>
-        </p:txBody>
-      </p:sp>
-      <p:grpSp>
-        <p:nvGrpSpPr>
-          <p:cNvPr id="65" name="Group 4"/>
-          <p:cNvGrpSpPr/>
-          <p:nvPr/>
-        </p:nvGrpSpPr>
-        <p:grpSpPr>
-          <a:xfrm>
-            <a:off x="8670930" y="5797992"/>
-            <a:ext cx="500063" cy="714371"/>
-            <a:chOff x="8075613" y="4343400"/>
-            <a:chExt cx="500063" cy="714370"/>
-          </a:xfrm>
-        </p:grpSpPr>
-        <p:sp>
-          <p:nvSpPr>
-            <p:cNvPr id="66" name="Oval 2"/>
-            <p:cNvSpPr/>
-            <p:nvPr/>
-          </p:nvSpPr>
-          <p:spPr>
-            <a:xfrm>
-              <a:off x="8129588" y="4343400"/>
-              <a:ext cx="371475" cy="371475"/>
-            </a:xfrm>
-            <a:prstGeom prst="ellipse">
-              <a:avLst/>
-            </a:prstGeom>
-            <a:solidFill>
-              <a:schemeClr val="tx1"/>
-            </a:solidFill>
-            <a:ln>
+              <a:t>Persona</a:t>
+            </a:r>
+            <a:endParaRPr kumimoji="1" lang="ja-JP" altLang="en-US" sz="2933" b="1" dirty="0">
               <a:solidFill>
-                <a:schemeClr val="tx1"/>
-              </a:solidFill>
-            </a:ln>
-            <a:effectLst/>
-          </p:spPr>
-          <p:style>
-            <a:lnRef idx="1">
-              <a:schemeClr val="accent1"/>
-            </a:lnRef>
-            <a:fillRef idx="3">
-              <a:schemeClr val="accent1"/>
-            </a:fillRef>
-            <a:effectRef idx="2">
-              <a:schemeClr val="accent1"/>
-            </a:effectRef>
-            <a:fontRef idx="minor">
-              <a:schemeClr val="lt1"/>
-            </a:fontRef>
-          </p:style>
-          <p:txBody>
-            <a:bodyPr rtlCol="0" anchor="ctr"/>
-            <a:lstStyle/>
-            <a:p>
-              <a:pPr algn="ctr"/>
-              <a:endParaRPr lang="ja-JP" altLang="en-US">
-                <a:solidFill>
-                  <a:prstClr val="white"/>
-                </a:solidFill>
-              </a:endParaRPr>
-            </a:p>
-          </p:txBody>
-        </p:sp>
-        <p:sp>
-          <p:nvSpPr>
-            <p:cNvPr id="67" name="Isosceles Triangle 3"/>
-            <p:cNvSpPr/>
-            <p:nvPr/>
-          </p:nvSpPr>
-          <p:spPr>
-            <a:xfrm>
-              <a:off x="8075613" y="4443408"/>
-              <a:ext cx="500063" cy="614362"/>
-            </a:xfrm>
-            <a:prstGeom prst="triangle">
-              <a:avLst/>
-            </a:prstGeom>
-            <a:solidFill>
-              <a:schemeClr val="tx1"/>
-            </a:solidFill>
-            <a:ln>
-              <a:noFill/>
-            </a:ln>
-            <a:effectLst/>
-          </p:spPr>
-          <p:style>
-            <a:lnRef idx="1">
-              <a:schemeClr val="accent1"/>
-            </a:lnRef>
-            <a:fillRef idx="3">
-              <a:schemeClr val="accent1"/>
-            </a:fillRef>
-            <a:effectRef idx="2">
-              <a:schemeClr val="accent1"/>
-            </a:effectRef>
-            <a:fontRef idx="minor">
-              <a:schemeClr val="lt1"/>
-            </a:fontRef>
-          </p:style>
-          <p:txBody>
-            <a:bodyPr rtlCol="0" anchor="ctr"/>
-            <a:lstStyle/>
-            <a:p>
-              <a:pPr algn="ctr"/>
-              <a:endParaRPr lang="ja-JP" altLang="en-US">
-                <a:solidFill>
-                  <a:prstClr val="white"/>
-                </a:solidFill>
-              </a:endParaRPr>
-            </a:p>
-          </p:txBody>
-        </p:sp>
-      </p:grpSp>
-      <p:grpSp>
-        <p:nvGrpSpPr>
-          <p:cNvPr id="68" name="Group 6"/>
-          <p:cNvGrpSpPr/>
-          <p:nvPr/>
-        </p:nvGrpSpPr>
-        <p:grpSpPr>
-          <a:xfrm>
-            <a:off x="8670931" y="4283515"/>
-            <a:ext cx="500063" cy="714371"/>
-            <a:chOff x="8075613" y="4343400"/>
-            <a:chExt cx="500063" cy="714370"/>
-          </a:xfrm>
-        </p:grpSpPr>
-        <p:sp>
-          <p:nvSpPr>
-            <p:cNvPr id="69" name="Oval 7"/>
-            <p:cNvSpPr/>
-            <p:nvPr/>
-          </p:nvSpPr>
-          <p:spPr>
-            <a:xfrm>
-              <a:off x="8129588" y="4343400"/>
-              <a:ext cx="371475" cy="371475"/>
-            </a:xfrm>
-            <a:prstGeom prst="ellipse">
-              <a:avLst/>
-            </a:prstGeom>
-            <a:solidFill>
-              <a:schemeClr val="tx1"/>
-            </a:solidFill>
-            <a:ln>
-              <a:solidFill>
-                <a:schemeClr val="tx1"/>
-              </a:solidFill>
-            </a:ln>
-            <a:effectLst/>
-          </p:spPr>
-          <p:style>
-            <a:lnRef idx="1">
-              <a:schemeClr val="accent1"/>
-            </a:lnRef>
-            <a:fillRef idx="3">
-              <a:schemeClr val="accent1"/>
-            </a:fillRef>
-            <a:effectRef idx="2">
-              <a:schemeClr val="accent1"/>
-            </a:effectRef>
-            <a:fontRef idx="minor">
-              <a:schemeClr val="lt1"/>
-            </a:fontRef>
-          </p:style>
-          <p:txBody>
-            <a:bodyPr rtlCol="0" anchor="ctr"/>
-            <a:lstStyle/>
-            <a:p>
-              <a:pPr algn="ctr"/>
-              <a:endParaRPr lang="ja-JP" altLang="en-US">
-                <a:solidFill>
-                  <a:prstClr val="white"/>
-                </a:solidFill>
-              </a:endParaRPr>
-            </a:p>
-          </p:txBody>
-        </p:sp>
-        <p:sp>
-          <p:nvSpPr>
-            <p:cNvPr id="70" name="Isosceles Triangle 8"/>
-            <p:cNvSpPr/>
-            <p:nvPr/>
-          </p:nvSpPr>
-          <p:spPr>
-            <a:xfrm>
-              <a:off x="8075613" y="4443408"/>
-              <a:ext cx="500063" cy="614362"/>
-            </a:xfrm>
-            <a:prstGeom prst="triangle">
-              <a:avLst/>
-            </a:prstGeom>
-            <a:solidFill>
-              <a:schemeClr val="tx1"/>
-            </a:solidFill>
-            <a:ln>
-              <a:noFill/>
-            </a:ln>
-            <a:effectLst/>
-          </p:spPr>
-          <p:style>
-            <a:lnRef idx="1">
-              <a:schemeClr val="accent1"/>
-            </a:lnRef>
-            <a:fillRef idx="3">
-              <a:schemeClr val="accent1"/>
-            </a:fillRef>
-            <a:effectRef idx="2">
-              <a:schemeClr val="accent1"/>
-            </a:effectRef>
-            <a:fontRef idx="minor">
-              <a:schemeClr val="lt1"/>
-            </a:fontRef>
-          </p:style>
-          <p:txBody>
-            <a:bodyPr rtlCol="0" anchor="ctr"/>
-            <a:lstStyle/>
-            <a:p>
-              <a:pPr algn="ctr"/>
-              <a:endParaRPr lang="ja-JP" altLang="en-US">
-                <a:solidFill>
-                  <a:prstClr val="white"/>
-                </a:solidFill>
-              </a:endParaRPr>
-            </a:p>
-          </p:txBody>
-        </p:sp>
-      </p:grpSp>
-      <p:grpSp>
-        <p:nvGrpSpPr>
-          <p:cNvPr id="71" name="Group 9"/>
-          <p:cNvGrpSpPr/>
-          <p:nvPr/>
-        </p:nvGrpSpPr>
-        <p:grpSpPr>
-          <a:xfrm>
-            <a:off x="8670930" y="2803917"/>
-            <a:ext cx="500063" cy="714371"/>
-            <a:chOff x="8075613" y="4343400"/>
-            <a:chExt cx="500063" cy="714370"/>
-          </a:xfrm>
-        </p:grpSpPr>
-        <p:sp>
-          <p:nvSpPr>
-            <p:cNvPr id="72" name="Oval 10"/>
-            <p:cNvSpPr/>
-            <p:nvPr/>
-          </p:nvSpPr>
-          <p:spPr>
-            <a:xfrm>
-              <a:off x="8129588" y="4343400"/>
-              <a:ext cx="371475" cy="371475"/>
-            </a:xfrm>
-            <a:prstGeom prst="ellipse">
-              <a:avLst/>
-            </a:prstGeom>
-            <a:solidFill>
-              <a:schemeClr val="tx1"/>
-            </a:solidFill>
-            <a:ln>
-              <a:solidFill>
-                <a:schemeClr val="tx1"/>
-              </a:solidFill>
-            </a:ln>
-            <a:effectLst/>
-          </p:spPr>
-          <p:style>
-            <a:lnRef idx="1">
-              <a:schemeClr val="accent1"/>
-            </a:lnRef>
-            <a:fillRef idx="3">
-              <a:schemeClr val="accent1"/>
-            </a:fillRef>
-            <a:effectRef idx="2">
-              <a:schemeClr val="accent1"/>
-            </a:effectRef>
-            <a:fontRef idx="minor">
-              <a:schemeClr val="lt1"/>
-            </a:fontRef>
-          </p:style>
-          <p:txBody>
-            <a:bodyPr rtlCol="0" anchor="ctr"/>
-            <a:lstStyle/>
-            <a:p>
-              <a:pPr algn="ctr"/>
-              <a:endParaRPr lang="ja-JP" altLang="en-US">
-                <a:solidFill>
-                  <a:prstClr val="white"/>
-                </a:solidFill>
-              </a:endParaRPr>
-            </a:p>
-          </p:txBody>
-        </p:sp>
-        <p:sp>
-          <p:nvSpPr>
-            <p:cNvPr id="73" name="Isosceles Triangle 11"/>
-            <p:cNvSpPr/>
-            <p:nvPr/>
-          </p:nvSpPr>
-          <p:spPr>
-            <a:xfrm>
-              <a:off x="8075613" y="4443408"/>
-              <a:ext cx="500063" cy="614362"/>
-            </a:xfrm>
-            <a:prstGeom prst="triangle">
-              <a:avLst/>
-            </a:prstGeom>
-            <a:solidFill>
-              <a:schemeClr val="tx1"/>
-            </a:solidFill>
-            <a:ln>
-              <a:noFill/>
-            </a:ln>
-            <a:effectLst/>
-          </p:spPr>
-          <p:style>
-            <a:lnRef idx="1">
-              <a:schemeClr val="accent1"/>
-            </a:lnRef>
-            <a:fillRef idx="3">
-              <a:schemeClr val="accent1"/>
-            </a:fillRef>
-            <a:effectRef idx="2">
-              <a:schemeClr val="accent1"/>
-            </a:effectRef>
-            <a:fontRef idx="minor">
-              <a:schemeClr val="lt1"/>
-            </a:fontRef>
-          </p:style>
-          <p:txBody>
-            <a:bodyPr rtlCol="0" anchor="ctr"/>
-            <a:lstStyle/>
-            <a:p>
-              <a:pPr algn="ctr"/>
-              <a:endParaRPr lang="ja-JP" altLang="en-US">
-                <a:solidFill>
-                  <a:prstClr val="white"/>
-                </a:solidFill>
-              </a:endParaRPr>
-            </a:p>
-          </p:txBody>
-        </p:sp>
-      </p:grpSp>
-      <p:pic>
-        <p:nvPicPr>
-          <p:cNvPr id="74" name="Picture 12"/>
-          <p:cNvPicPr>
-            <a:picLocks noChangeAspect="1"/>
-          </p:cNvPicPr>
-          <p:nvPr/>
-        </p:nvPicPr>
-        <p:blipFill>
-          <a:blip r:embed="rId2" cstate="print">
-            <a:extLst>
-              <a:ext uri="{28A0092B-C50C-407E-A947-70E740481C1C}">
-                <a14:useLocalDpi xmlns:a14="http://schemas.microsoft.com/office/drawing/2010/main" val="0"/>
-              </a:ext>
-            </a:extLst>
-          </a:blip>
-          <a:stretch>
-            <a:fillRect/>
-          </a:stretch>
-        </p:blipFill>
-        <p:spPr>
-          <a:xfrm>
-            <a:off x="9884577" y="4102017"/>
-            <a:ext cx="2047075" cy="1151479"/>
-          </a:xfrm>
-          <a:prstGeom prst="rect">
-            <a:avLst/>
-          </a:prstGeom>
-        </p:spPr>
-      </p:pic>
-      <p:sp>
-        <p:nvSpPr>
-          <p:cNvPr id="75" name="TextBox 13"/>
-          <p:cNvSpPr txBox="1"/>
-          <p:nvPr/>
-        </p:nvSpPr>
-        <p:spPr>
-          <a:xfrm>
-            <a:off x="517988" y="3170916"/>
-            <a:ext cx="6684963" cy="2800767"/>
-          </a:xfrm>
-          <a:prstGeom prst="rect">
-            <a:avLst/>
-          </a:prstGeom>
-          <a:noFill/>
-          <a:ln>
-            <a:noFill/>
-          </a:ln>
-        </p:spPr>
-        <p:txBody>
-          <a:bodyPr wrap="square" lIns="0" tIns="0" rIns="0" bIns="0" rtlCol="0">
-            <a:spAutoFit/>
-          </a:bodyPr>
-          <a:lstStyle/>
-          <a:p>
-            <a:pPr marL="342891" indent="-342891">
-              <a:spcBef>
-                <a:spcPts val="900"/>
-              </a:spcBef>
-              <a:buFont typeface="Wingdings" charset="2"/>
-              <a:buChar char="l"/>
-            </a:pPr>
-            <a:r>
-              <a:rPr lang="en-US" altLang="ja-JP" kern="0" spc="-31" dirty="0">
-                <a:latin typeface="Arial" charset="0"/>
-                <a:ea typeface="Arial" charset="0"/>
-                <a:cs typeface="Arial" charset="0"/>
-              </a:rPr>
-              <a:t>IT member and manager in the end customer often do not have a clear authorization to make investment decision.</a:t>
-            </a:r>
-          </a:p>
-          <a:p>
-            <a:pPr marL="342891" indent="-342891">
-              <a:spcBef>
-                <a:spcPts val="900"/>
-              </a:spcBef>
-              <a:buFont typeface="Wingdings" charset="2"/>
-              <a:buChar char="l"/>
-            </a:pPr>
-            <a:r>
-              <a:rPr lang="en-US" altLang="ja-JP" kern="0" spc="-31" dirty="0">
-                <a:latin typeface="Arial" charset="0"/>
-                <a:ea typeface="Arial" charset="0"/>
-                <a:cs typeface="Arial" charset="0"/>
-              </a:rPr>
-              <a:t>“Consensus” in the organization is very important when they decide to invest money for IT Infra.</a:t>
-            </a:r>
-          </a:p>
-          <a:p>
-            <a:pPr marL="342891" indent="-342891">
-              <a:spcBef>
-                <a:spcPts val="900"/>
-              </a:spcBef>
-              <a:buFont typeface="Wingdings" charset="2"/>
-              <a:buChar char="l"/>
-            </a:pPr>
-            <a:r>
-              <a:rPr lang="en-US" altLang="ja-JP" kern="0" spc="-31" dirty="0">
-                <a:latin typeface="Arial" charset="0"/>
-                <a:ea typeface="Arial" charset="0"/>
-                <a:cs typeface="Arial" charset="0"/>
-              </a:rPr>
-              <a:t>Not all IT managers have specific infrastructure knowledge. In case, their main R&amp;R is to manage outsourcing vendor.</a:t>
-            </a:r>
-          </a:p>
-          <a:p>
-            <a:pPr marL="342891" indent="-342891">
-              <a:spcBef>
-                <a:spcPts val="600"/>
-              </a:spcBef>
-              <a:buFont typeface="Wingdings" charset="2"/>
-              <a:buChar char="l"/>
-            </a:pPr>
-            <a:r>
-              <a:rPr lang="en-US" altLang="ja-JP" kern="0" spc="-31" dirty="0">
-                <a:latin typeface="Arial" charset="0"/>
-                <a:ea typeface="Arial" charset="0"/>
-                <a:cs typeface="Arial" charset="0"/>
-              </a:rPr>
-              <a:t>IT vendors have a stronger power in the process of IT infrastructure purchase decision than </a:t>
-            </a:r>
-            <a:r>
-              <a:rPr lang="en-US" altLang="ja-JP" kern="0" spc="-31" dirty="0" smtClean="0">
-                <a:latin typeface="Arial" charset="0"/>
-                <a:ea typeface="Arial" charset="0"/>
-                <a:cs typeface="Arial" charset="0"/>
-              </a:rPr>
-              <a:t>North America, </a:t>
-            </a:r>
-            <a:r>
-              <a:rPr lang="en-US" altLang="ja-JP" kern="0" spc="-31" dirty="0">
-                <a:latin typeface="Arial" charset="0"/>
-                <a:ea typeface="Arial" charset="0"/>
-                <a:cs typeface="Arial" charset="0"/>
-              </a:rPr>
-              <a:t>because specific knowledge are in their organization, not end </a:t>
-            </a:r>
-            <a:r>
-              <a:rPr lang="en-US" altLang="ja-JP" kern="0" spc="-31" dirty="0" smtClean="0">
-                <a:latin typeface="Arial" charset="0"/>
-                <a:ea typeface="Arial" charset="0"/>
-                <a:cs typeface="Arial" charset="0"/>
-              </a:rPr>
-              <a:t>users.</a:t>
-            </a:r>
-            <a:endParaRPr lang="en-US" altLang="ja-JP" kern="0" spc="-31" dirty="0">
-              <a:latin typeface="Arial" charset="0"/>
-              <a:ea typeface="Arial" charset="0"/>
-              <a:cs typeface="Arial" charset="0"/>
-            </a:endParaRPr>
-          </a:p>
-        </p:txBody>
-      </p:sp>
-      <p:cxnSp>
-        <p:nvCxnSpPr>
-          <p:cNvPr id="76" name="Straight Arrow Connector 15"/>
-          <p:cNvCxnSpPr/>
-          <p:nvPr/>
-        </p:nvCxnSpPr>
-        <p:spPr>
-          <a:xfrm flipV="1">
-            <a:off x="8927875" y="3614059"/>
-            <a:ext cx="0" cy="516984"/>
-          </a:xfrm>
-          <a:prstGeom prst="straightConnector1">
-            <a:avLst/>
-          </a:prstGeom>
-          <a:ln>
-            <a:solidFill>
-              <a:schemeClr val="tx1"/>
-            </a:solidFill>
-            <a:tailEnd type="triangle"/>
-          </a:ln>
-        </p:spPr>
-        <p:style>
-          <a:lnRef idx="2">
-            <a:schemeClr val="accent1"/>
-          </a:lnRef>
-          <a:fillRef idx="0">
-            <a:schemeClr val="accent1"/>
-          </a:fillRef>
-          <a:effectRef idx="1">
-            <a:schemeClr val="accent1"/>
-          </a:effectRef>
-          <a:fontRef idx="minor">
-            <a:schemeClr val="tx1"/>
-          </a:fontRef>
-        </p:style>
-      </p:cxnSp>
-      <p:cxnSp>
-        <p:nvCxnSpPr>
-          <p:cNvPr id="77" name="Straight Arrow Connector 17"/>
-          <p:cNvCxnSpPr/>
-          <p:nvPr/>
-        </p:nvCxnSpPr>
-        <p:spPr>
-          <a:xfrm flipV="1">
-            <a:off x="8927875" y="5108349"/>
-            <a:ext cx="0" cy="516984"/>
-          </a:xfrm>
-          <a:prstGeom prst="straightConnector1">
-            <a:avLst/>
-          </a:prstGeom>
-          <a:ln>
-            <a:solidFill>
-              <a:schemeClr val="tx1"/>
-            </a:solidFill>
-            <a:tailEnd type="triangle"/>
-          </a:ln>
-        </p:spPr>
-        <p:style>
-          <a:lnRef idx="2">
-            <a:schemeClr val="accent1"/>
-          </a:lnRef>
-          <a:fillRef idx="0">
-            <a:schemeClr val="accent1"/>
-          </a:fillRef>
-          <a:effectRef idx="1">
-            <a:schemeClr val="accent1"/>
-          </a:effectRef>
-          <a:fontRef idx="minor">
-            <a:schemeClr val="tx1"/>
-          </a:fontRef>
-        </p:style>
-      </p:cxnSp>
-      <p:sp>
-        <p:nvSpPr>
-          <p:cNvPr id="78" name="TextBox 16"/>
-          <p:cNvSpPr txBox="1"/>
-          <p:nvPr/>
-        </p:nvSpPr>
-        <p:spPr>
-          <a:xfrm>
-            <a:off x="7365920" y="3255625"/>
-            <a:ext cx="1726520" cy="276999"/>
-          </a:xfrm>
-          <a:prstGeom prst="rect">
-            <a:avLst/>
-          </a:prstGeom>
-          <a:noFill/>
-          <a:ln>
-            <a:noFill/>
-          </a:ln>
-        </p:spPr>
-        <p:txBody>
-          <a:bodyPr wrap="square" lIns="0" tIns="0" rIns="0" bIns="0" rtlCol="0">
-            <a:spAutoFit/>
-          </a:bodyPr>
-          <a:lstStyle/>
-          <a:p>
-            <a:r>
-              <a:rPr lang="en-US" altLang="ja-JP" b="1" kern="0" spc="-31" dirty="0">
-                <a:solidFill>
-                  <a:schemeClr val="tx2"/>
-                </a:solidFill>
-                <a:latin typeface="Arial" charset="0"/>
-                <a:ea typeface="Arial" charset="0"/>
-                <a:cs typeface="Arial" charset="0"/>
-              </a:rPr>
-              <a:t>CIO</a:t>
-            </a:r>
-            <a:endParaRPr lang="ja-JP" altLang="en-US" b="1" kern="0" spc="-31" dirty="0" err="1">
-              <a:solidFill>
-                <a:schemeClr val="tx2"/>
+                <a:srgbClr val="00B0F0"/>
               </a:solidFill>
               <a:latin typeface="Arial" charset="0"/>
               <a:ea typeface="Arial" charset="0"/>
@@ -5013,729 +7753,393 @@
       </p:sp>
       <p:sp>
         <p:nvSpPr>
-          <p:cNvPr id="79" name="TextBox 19"/>
-          <p:cNvSpPr txBox="1"/>
-          <p:nvPr/>
+          <p:cNvPr id="5" name="Text Placeholder 3"/>
+          <p:cNvSpPr>
+            <a:spLocks noGrp="1"/>
+          </p:cNvSpPr>
+          <p:nvPr>
+            <p:ph type="body" sz="quarter" idx="11"/>
+          </p:nvPr>
         </p:nvSpPr>
         <p:spPr>
           <a:xfrm>
-            <a:off x="7365920" y="4316523"/>
-            <a:ext cx="1338997" cy="738664"/>
+            <a:off x="322023" y="2952711"/>
+            <a:ext cx="5859321" cy="3422475"/>
           </a:xfrm>
-          <a:prstGeom prst="rect">
-            <a:avLst/>
-          </a:prstGeom>
-          <a:noFill/>
-          <a:ln>
-            <a:noFill/>
-          </a:ln>
         </p:spPr>
         <p:txBody>
-          <a:bodyPr wrap="square" lIns="0" tIns="0" rIns="0" bIns="0" rtlCol="0">
-            <a:spAutoFit/>
-          </a:bodyPr>
+          <a:bodyPr/>
           <a:lstStyle/>
           <a:p>
-            <a:r>
-              <a:rPr lang="en-US" altLang="ja-JP" sz="1200" b="1" kern="0" spc="-31" dirty="0">
+            <a:pPr marL="0" indent="0">
+              <a:buNone/>
+            </a:pPr>
+            <a:r>
+              <a:rPr lang="en-US" altLang="ja-JP" sz="2000" b="1" dirty="0">
                 <a:solidFill>
-                  <a:schemeClr val="tx2"/>
+                  <a:schemeClr val="tx1"/>
                 </a:solidFill>
                 <a:latin typeface="Arial" charset="0"/>
                 <a:ea typeface="Arial" charset="0"/>
                 <a:cs typeface="Arial" charset="0"/>
               </a:rPr>
-              <a:t>-IT Architect Manager</a:t>
-            </a:r>
-          </a:p>
-          <a:p>
-            <a:r>
-              <a:rPr lang="en-US" altLang="ja-JP" sz="1200" b="1" kern="0" spc="-31" dirty="0">
+              <a:t>in-house Developers in </a:t>
+            </a:r>
+            <a:r>
+              <a:rPr lang="en-US" altLang="ja-JP" sz="2000" b="1" dirty="0" smtClean="0">
                 <a:solidFill>
-                  <a:schemeClr val="tx2"/>
+                  <a:schemeClr val="tx1"/>
                 </a:solidFill>
                 <a:latin typeface="Arial" charset="0"/>
                 <a:ea typeface="Arial" charset="0"/>
                 <a:cs typeface="Arial" charset="0"/>
               </a:rPr>
-              <a:t>-IT Application Manager</a:t>
+              <a:t>larger companies:</a:t>
+            </a:r>
+          </a:p>
+          <a:p>
+            <a:pPr marL="0" indent="0">
+              <a:buNone/>
+            </a:pPr>
+            <a:r>
+              <a:rPr lang="en-US" altLang="ja-JP" dirty="0" smtClean="0">
+                <a:solidFill>
+                  <a:schemeClr val="tx1"/>
+                </a:solidFill>
+                <a:latin typeface="Arial" charset="0"/>
+                <a:ea typeface="Arial" charset="0"/>
+                <a:cs typeface="Arial" charset="0"/>
+              </a:rPr>
+              <a:t>Who is </a:t>
+            </a:r>
+            <a:r>
+              <a:rPr lang="en-US" altLang="ja-JP" dirty="0">
+                <a:solidFill>
+                  <a:schemeClr val="tx1"/>
+                </a:solidFill>
+                <a:latin typeface="Arial" charset="0"/>
+                <a:ea typeface="Arial" charset="0"/>
+                <a:cs typeface="Arial" charset="0"/>
+              </a:rPr>
+              <a:t>involved in the innovation, design, coding, testing and maintenance for both front-end and back-end development depending on the needs and resources of a project</a:t>
+            </a:r>
+            <a:r>
+              <a:rPr lang="en-US" altLang="ja-JP" dirty="0" smtClean="0">
+                <a:solidFill>
+                  <a:schemeClr val="tx1"/>
+                </a:solidFill>
+                <a:latin typeface="Arial" charset="0"/>
+                <a:ea typeface="Arial" charset="0"/>
+                <a:cs typeface="Arial" charset="0"/>
+              </a:rPr>
+              <a:t>.</a:t>
+            </a:r>
+          </a:p>
+          <a:p>
+            <a:pPr marL="0" indent="0">
+              <a:buNone/>
+            </a:pPr>
+            <a:r>
+              <a:rPr lang="en-US" altLang="ja-JP" dirty="0" smtClean="0">
+                <a:solidFill>
+                  <a:schemeClr val="tx1"/>
+                </a:solidFill>
+                <a:latin typeface="Arial" charset="0"/>
+                <a:ea typeface="Arial" charset="0"/>
+                <a:cs typeface="Arial" charset="0"/>
+              </a:rPr>
+              <a:t>He </a:t>
+            </a:r>
+            <a:r>
+              <a:rPr lang="en-US" altLang="ja-JP" dirty="0">
+                <a:solidFill>
+                  <a:schemeClr val="tx1"/>
+                </a:solidFill>
+                <a:latin typeface="Arial" charset="0"/>
+                <a:ea typeface="Arial" charset="0"/>
+                <a:cs typeface="Arial" charset="0"/>
+              </a:rPr>
+              <a:t>mainly codes in C# or Java for customer-facing applications. He also uses HTML/CSS, JavaScript, and some PHP for smaller web or mobile projects. </a:t>
+            </a:r>
+            <a:r>
+              <a:rPr lang="en-US" altLang="ja-JP" dirty="0" smtClean="0">
+                <a:solidFill>
+                  <a:schemeClr val="tx1"/>
+                </a:solidFill>
+                <a:latin typeface="Arial" charset="0"/>
+                <a:ea typeface="Arial" charset="0"/>
+                <a:cs typeface="Arial" charset="0"/>
+              </a:rPr>
+              <a:t>He </a:t>
+            </a:r>
+            <a:r>
+              <a:rPr lang="en-US" altLang="ja-JP" dirty="0">
+                <a:solidFill>
+                  <a:schemeClr val="tx1"/>
+                </a:solidFill>
+                <a:latin typeface="Arial" charset="0"/>
+                <a:ea typeface="Arial" charset="0"/>
+                <a:cs typeface="Arial" charset="0"/>
+              </a:rPr>
+              <a:t>also integrates with back-end web-services, APIs, legacy applications, databases and packaged </a:t>
+            </a:r>
+            <a:r>
+              <a:rPr lang="en-US" altLang="ja-JP" dirty="0" smtClean="0">
+                <a:solidFill>
+                  <a:schemeClr val="tx1"/>
+                </a:solidFill>
+                <a:latin typeface="Arial" charset="0"/>
+                <a:ea typeface="Arial" charset="0"/>
+                <a:cs typeface="Arial" charset="0"/>
+              </a:rPr>
+              <a:t>applications.</a:t>
+            </a:r>
+          </a:p>
+          <a:p>
+            <a:pPr marL="0" indent="0">
+              <a:buNone/>
+            </a:pPr>
+            <a:r>
+              <a:rPr lang="en-US" altLang="ja-JP" dirty="0" smtClean="0">
+                <a:solidFill>
+                  <a:schemeClr val="tx1"/>
+                </a:solidFill>
+                <a:latin typeface="Arial" charset="0"/>
+                <a:ea typeface="Arial" charset="0"/>
+                <a:cs typeface="Arial" charset="0"/>
+              </a:rPr>
+              <a:t>He </a:t>
+            </a:r>
+            <a:r>
+              <a:rPr lang="en-US" altLang="ja-JP" dirty="0">
+                <a:solidFill>
+                  <a:schemeClr val="tx1"/>
+                </a:solidFill>
+                <a:latin typeface="Arial" charset="0"/>
+                <a:ea typeface="Arial" charset="0"/>
+                <a:cs typeface="Arial" charset="0"/>
+              </a:rPr>
+              <a:t>wants to get work done quickly and with minimal interruptions. He wants tools that allow more effective collaboration and communication</a:t>
+            </a:r>
+            <a:r>
+              <a:rPr lang="en-US" altLang="ja-JP" dirty="0" smtClean="0">
+                <a:solidFill>
+                  <a:schemeClr val="tx1"/>
+                </a:solidFill>
+                <a:latin typeface="Arial" charset="0"/>
+                <a:ea typeface="Arial" charset="0"/>
+                <a:cs typeface="Arial" charset="0"/>
+              </a:rPr>
+              <a:t>.</a:t>
             </a:r>
           </a:p>
         </p:txBody>
       </p:sp>
       <p:sp>
         <p:nvSpPr>
-          <p:cNvPr id="80" name="TextBox 20"/>
-          <p:cNvSpPr txBox="1"/>
-          <p:nvPr/>
+          <p:cNvPr id="18" name="Text Placeholder 3"/>
+          <p:cNvSpPr>
+            <a:spLocks noGrp="1"/>
+          </p:cNvSpPr>
+          <p:nvPr>
+            <p:ph type="body" sz="quarter" idx="12"/>
+          </p:nvPr>
         </p:nvSpPr>
         <p:spPr>
           <a:xfrm>
-            <a:off x="7365920" y="6261683"/>
-            <a:ext cx="1726520" cy="276999"/>
+            <a:off x="6940362" y="2952711"/>
+            <a:ext cx="5093141" cy="3816429"/>
           </a:xfrm>
-          <a:prstGeom prst="rect">
-            <a:avLst/>
-          </a:prstGeom>
-          <a:noFill/>
-          <a:ln>
-            <a:noFill/>
-          </a:ln>
         </p:spPr>
         <p:txBody>
-          <a:bodyPr wrap="square" lIns="0" tIns="0" rIns="0" bIns="0" rtlCol="0">
-            <a:spAutoFit/>
-          </a:bodyPr>
+          <a:bodyPr/>
           <a:lstStyle/>
           <a:p>
-            <a:r>
-              <a:rPr lang="en-US" altLang="ja-JP" b="1" kern="0" spc="-31" dirty="0">
+            <a:pPr marL="0" indent="0">
+              <a:lnSpc>
+                <a:spcPct val="100000"/>
+              </a:lnSpc>
+              <a:buNone/>
+            </a:pPr>
+            <a:r>
+              <a:rPr lang="en-US" altLang="ja-JP" sz="1800" b="1" dirty="0">
                 <a:solidFill>
-                  <a:schemeClr val="tx2"/>
+                  <a:schemeClr val="tx1"/>
                 </a:solidFill>
                 <a:latin typeface="Arial" charset="0"/>
                 <a:ea typeface="Arial" charset="0"/>
                 <a:cs typeface="Arial" charset="0"/>
               </a:rPr>
-              <a:t>IT member</a:t>
-            </a:r>
-            <a:endParaRPr lang="ja-JP" altLang="en-US" b="1" kern="0" spc="-31" dirty="0" err="1">
+              <a:t>Client Challenges </a:t>
+            </a:r>
+            <a:endParaRPr lang="en-US" altLang="ja-JP" sz="1800" dirty="0">
               <a:solidFill>
-                <a:schemeClr val="tx2"/>
+                <a:schemeClr val="tx1"/>
               </a:solidFill>
               <a:latin typeface="Arial" charset="0"/>
               <a:ea typeface="Arial" charset="0"/>
               <a:cs typeface="Arial" charset="0"/>
             </a:endParaRPr>
           </a:p>
-        </p:txBody>
-      </p:sp>
-      <p:sp>
-        <p:nvSpPr>
-          <p:cNvPr id="81" name="TextBox 21"/>
-          <p:cNvSpPr txBox="1"/>
-          <p:nvPr/>
-        </p:nvSpPr>
-        <p:spPr>
-          <a:xfrm>
-            <a:off x="9358432" y="6354016"/>
-            <a:ext cx="2046515" cy="184666"/>
-          </a:xfrm>
-          <a:prstGeom prst="rect">
-            <a:avLst/>
-          </a:prstGeom>
-          <a:noFill/>
-          <a:ln>
-            <a:noFill/>
-          </a:ln>
-        </p:spPr>
-        <p:txBody>
-          <a:bodyPr wrap="square" lIns="0" tIns="0" rIns="0" bIns="0" rtlCol="0">
-            <a:spAutoFit/>
-          </a:bodyPr>
-          <a:lstStyle/>
           <a:p>
-            <a:r>
-              <a:rPr lang="en-US" altLang="ja-JP" sz="1200" b="1" kern="0" spc="-31" dirty="0">
+            <a:pPr marL="285750" indent="-285750">
+              <a:lnSpc>
+                <a:spcPct val="100000"/>
+              </a:lnSpc>
+              <a:buFont typeface="Wingdings" charset="2"/>
+              <a:buChar char="p"/>
+            </a:pPr>
+            <a:r>
+              <a:rPr lang="en-US" altLang="ja-JP" sz="1600" dirty="0">
                 <a:solidFill>
-                  <a:srgbClr val="83D1F5">
-                    <a:lumMod val="50000"/>
-                  </a:srgbClr>
+                  <a:schemeClr val="tx1"/>
                 </a:solidFill>
                 <a:latin typeface="Arial" charset="0"/>
                 <a:ea typeface="Arial" charset="0"/>
                 <a:cs typeface="Arial" charset="0"/>
               </a:rPr>
-              <a:t>No authorization</a:t>
-            </a:r>
-            <a:endParaRPr lang="ja-JP" altLang="en-US" sz="1200" b="1" kern="0" spc="-31" dirty="0" err="1">
+              <a:t>Deal with delays and bottlenecks across the software delivery lifecycle, </a:t>
+            </a:r>
+            <a:r>
+              <a:rPr lang="en-US" altLang="ja-JP" sz="1600" dirty="0" smtClean="0">
+                <a:solidFill>
+                  <a:schemeClr val="tx1"/>
+                </a:solidFill>
+                <a:latin typeface="Arial" charset="0"/>
+                <a:ea typeface="Arial" charset="0"/>
+                <a:cs typeface="Arial" charset="0"/>
+              </a:rPr>
+              <a:t>achieve </a:t>
+            </a:r>
+            <a:r>
+              <a:rPr lang="en-US" altLang="ja-JP" sz="1600" dirty="0">
+                <a:solidFill>
+                  <a:schemeClr val="tx1"/>
+                </a:solidFill>
+                <a:latin typeface="Arial" charset="0"/>
+                <a:ea typeface="Arial" charset="0"/>
+                <a:cs typeface="Arial" charset="0"/>
+              </a:rPr>
+              <a:t>faster response times for defect analysis and </a:t>
+            </a:r>
+            <a:r>
+              <a:rPr lang="en-US" altLang="ja-JP" sz="1600" dirty="0" smtClean="0">
+                <a:solidFill>
+                  <a:schemeClr val="tx1"/>
+                </a:solidFill>
+                <a:latin typeface="Arial" charset="0"/>
+                <a:ea typeface="Arial" charset="0"/>
+                <a:cs typeface="Arial" charset="0"/>
+              </a:rPr>
+              <a:t>remediation.</a:t>
+            </a:r>
+            <a:endParaRPr lang="en-US" altLang="ja-JP" sz="1600" dirty="0">
               <a:solidFill>
-                <a:srgbClr val="83D1F5">
-                  <a:lumMod val="50000"/>
-                </a:srgbClr>
+                <a:schemeClr val="tx1"/>
               </a:solidFill>
               <a:latin typeface="Arial" charset="0"/>
               <a:ea typeface="Arial" charset="0"/>
               <a:cs typeface="Arial" charset="0"/>
             </a:endParaRPr>
           </a:p>
-        </p:txBody>
-      </p:sp>
-      <p:sp>
-        <p:nvSpPr>
-          <p:cNvPr id="82" name="TextBox 22"/>
-          <p:cNvSpPr txBox="1"/>
-          <p:nvPr/>
-        </p:nvSpPr>
-        <p:spPr>
-          <a:xfrm>
-            <a:off x="7365920" y="5276861"/>
-            <a:ext cx="2046515" cy="369332"/>
-          </a:xfrm>
-          <a:prstGeom prst="rect">
-            <a:avLst/>
-          </a:prstGeom>
-          <a:noFill/>
-          <a:ln>
-            <a:noFill/>
-          </a:ln>
-        </p:spPr>
-        <p:txBody>
-          <a:bodyPr wrap="square" lIns="0" tIns="0" rIns="0" bIns="0" rtlCol="0">
-            <a:spAutoFit/>
-          </a:bodyPr>
-          <a:lstStyle/>
           <a:p>
-            <a:r>
-              <a:rPr lang="en-US" altLang="ja-JP" sz="1200" b="1" kern="0" spc="-31" dirty="0">
+            <a:pPr marL="285750" indent="-285750">
+              <a:lnSpc>
+                <a:spcPct val="100000"/>
+              </a:lnSpc>
+              <a:buFont typeface="Wingdings" charset="2"/>
+              <a:buChar char="p"/>
+            </a:pPr>
+            <a:r>
+              <a:rPr lang="en-US" altLang="ja-JP" sz="1600" dirty="0">
                 <a:solidFill>
-                  <a:srgbClr val="83D1F5">
-                    <a:lumMod val="50000"/>
-                  </a:srgbClr>
+                  <a:schemeClr val="tx1"/>
                 </a:solidFill>
                 <a:latin typeface="Arial" charset="0"/>
                 <a:ea typeface="Arial" charset="0"/>
                 <a:cs typeface="Arial" charset="0"/>
               </a:rPr>
-              <a:t>No or small</a:t>
+              <a:t>Communicate effectively with clients and co-workers; working remotely with colleagues.</a:t>
             </a:r>
           </a:p>
           <a:p>
-            <a:r>
-              <a:rPr lang="en-US" altLang="ja-JP" sz="1200" b="1" kern="0" spc="-31" dirty="0">
+            <a:pPr marL="285750" indent="-285750">
+              <a:lnSpc>
+                <a:spcPct val="100000"/>
+              </a:lnSpc>
+              <a:buFont typeface="Wingdings" charset="2"/>
+              <a:buChar char="p"/>
+            </a:pPr>
+            <a:r>
+              <a:rPr lang="en-US" altLang="ja-JP" sz="1600" dirty="0">
                 <a:solidFill>
-                  <a:srgbClr val="83D1F5">
-                    <a:lumMod val="50000"/>
-                  </a:srgbClr>
+                  <a:schemeClr val="tx1"/>
                 </a:solidFill>
                 <a:latin typeface="Arial" charset="0"/>
                 <a:ea typeface="Arial" charset="0"/>
                 <a:cs typeface="Arial" charset="0"/>
               </a:rPr>
-              <a:t>authorization</a:t>
-            </a:r>
-            <a:endParaRPr lang="ja-JP" altLang="en-US" sz="1200" b="1" kern="0" spc="-31" dirty="0" err="1">
+              <a:t>Work with multiple tools across multiple projects.</a:t>
+            </a:r>
+            <a:endParaRPr lang="en-US" altLang="ja-JP" sz="1600" dirty="0" smtClean="0">
               <a:solidFill>
-                <a:srgbClr val="83D1F5">
-                  <a:lumMod val="50000"/>
-                </a:srgbClr>
+                <a:schemeClr val="tx1"/>
               </a:solidFill>
               <a:latin typeface="Arial" charset="0"/>
               <a:ea typeface="Arial" charset="0"/>
               <a:cs typeface="Arial" charset="0"/>
             </a:endParaRPr>
           </a:p>
+          <a:p>
+            <a:pPr marL="285750" indent="-285750">
+              <a:lnSpc>
+                <a:spcPct val="100000"/>
+              </a:lnSpc>
+              <a:buFont typeface="Wingdings" charset="2"/>
+              <a:buChar char="p"/>
+            </a:pPr>
+            <a:r>
+              <a:rPr lang="en-US" altLang="ja-JP" sz="1600" dirty="0">
+                <a:solidFill>
+                  <a:schemeClr val="tx1"/>
+                </a:solidFill>
+                <a:latin typeface="Arial" charset="0"/>
+                <a:ea typeface="Arial" charset="0"/>
+                <a:cs typeface="Arial" charset="0"/>
+              </a:rPr>
+              <a:t>Keep things in-sync across multiple projects.</a:t>
+            </a:r>
+          </a:p>
         </p:txBody>
       </p:sp>
-      <p:sp>
-        <p:nvSpPr>
-          <p:cNvPr id="83" name="TextBox 23"/>
-          <p:cNvSpPr txBox="1"/>
+      <p:pic>
+        <p:nvPicPr>
+          <p:cNvPr id="3" name="図 2"/>
+          <p:cNvPicPr>
+            <a:picLocks noChangeAspect="1"/>
+          </p:cNvPicPr>
           <p:nvPr/>
-        </p:nvSpPr>
+        </p:nvPicPr>
+        <p:blipFill>
+          <a:blip r:embed="rId2"/>
+          <a:stretch>
+            <a:fillRect/>
+          </a:stretch>
+        </p:blipFill>
         <p:spPr>
           <a:xfrm>
-            <a:off x="7365921" y="3571089"/>
-            <a:ext cx="1328564" cy="553998"/>
+            <a:off x="322023" y="1152977"/>
+            <a:ext cx="1896813" cy="1580678"/>
           </a:xfrm>
           <a:prstGeom prst="rect">
             <a:avLst/>
           </a:prstGeom>
-          <a:noFill/>
-          <a:ln>
-            <a:noFill/>
-          </a:ln>
         </p:spPr>
-        <p:txBody>
-          <a:bodyPr wrap="square" lIns="0" tIns="0" rIns="0" bIns="0" rtlCol="0">
-            <a:spAutoFit/>
-          </a:bodyPr>
-          <a:lstStyle/>
-          <a:p>
-            <a:r>
-              <a:rPr lang="en-US" altLang="ja-JP" sz="1200" b="1" kern="0" spc="-31" dirty="0">
-                <a:solidFill>
-                  <a:srgbClr val="83D1F5">
-                    <a:lumMod val="50000"/>
-                  </a:srgbClr>
-                </a:solidFill>
-                <a:latin typeface="Arial" charset="0"/>
-                <a:ea typeface="Arial" charset="0"/>
-                <a:cs typeface="Arial" charset="0"/>
-              </a:rPr>
-              <a:t>Decision maker,</a:t>
-            </a:r>
-            <a:br>
-              <a:rPr lang="en-US" altLang="ja-JP" sz="1200" b="1" kern="0" spc="-31" dirty="0">
-                <a:solidFill>
-                  <a:srgbClr val="83D1F5">
-                    <a:lumMod val="50000"/>
-                  </a:srgbClr>
-                </a:solidFill>
-                <a:latin typeface="Arial" charset="0"/>
-                <a:ea typeface="Arial" charset="0"/>
-                <a:cs typeface="Arial" charset="0"/>
-              </a:rPr>
-            </a:br>
-            <a:r>
-              <a:rPr lang="en-US" altLang="ja-JP" sz="1200" b="1" kern="0" spc="-31" dirty="0">
-                <a:solidFill>
-                  <a:srgbClr val="83D1F5">
-                    <a:lumMod val="50000"/>
-                  </a:srgbClr>
-                </a:solidFill>
-                <a:latin typeface="Arial" charset="0"/>
-                <a:ea typeface="Arial" charset="0"/>
-                <a:cs typeface="Arial" charset="0"/>
-              </a:rPr>
-              <a:t>but expect to reach</a:t>
-            </a:r>
-            <a:br>
-              <a:rPr lang="en-US" altLang="ja-JP" sz="1200" b="1" kern="0" spc="-31" dirty="0">
-                <a:solidFill>
-                  <a:srgbClr val="83D1F5">
-                    <a:lumMod val="50000"/>
-                  </a:srgbClr>
-                </a:solidFill>
-                <a:latin typeface="Arial" charset="0"/>
-                <a:ea typeface="Arial" charset="0"/>
-                <a:cs typeface="Arial" charset="0"/>
-              </a:rPr>
-            </a:br>
-            <a:r>
-              <a:rPr lang="en-US" altLang="ja-JP" sz="1200" b="1" kern="0" spc="-31" dirty="0">
-                <a:solidFill>
-                  <a:srgbClr val="83D1F5">
-                    <a:lumMod val="50000"/>
-                  </a:srgbClr>
-                </a:solidFill>
-                <a:latin typeface="Arial" charset="0"/>
-                <a:ea typeface="Arial" charset="0"/>
-                <a:cs typeface="Arial" charset="0"/>
-              </a:rPr>
-              <a:t>consensus</a:t>
-            </a:r>
-            <a:endParaRPr lang="ja-JP" altLang="en-US" sz="1200" b="1" kern="0" spc="-31" dirty="0" err="1">
-              <a:solidFill>
-                <a:srgbClr val="83D1F5">
-                  <a:lumMod val="50000"/>
-                </a:srgbClr>
-              </a:solidFill>
-              <a:latin typeface="Arial" charset="0"/>
-              <a:ea typeface="Arial" charset="0"/>
-              <a:cs typeface="Arial" charset="0"/>
-            </a:endParaRPr>
-          </a:p>
-        </p:txBody>
-      </p:sp>
-      <p:sp>
-        <p:nvSpPr>
-          <p:cNvPr id="84" name="Rectangle 25"/>
-          <p:cNvSpPr/>
-          <p:nvPr/>
-        </p:nvSpPr>
-        <p:spPr>
-          <a:xfrm>
-            <a:off x="10343017" y="5141004"/>
-            <a:ext cx="1291772" cy="359909"/>
-          </a:xfrm>
-          <a:prstGeom prst="rect">
-            <a:avLst/>
-          </a:prstGeom>
-          <a:solidFill>
-            <a:schemeClr val="accent2"/>
-          </a:solidFill>
-          <a:ln w="41275">
-            <a:solidFill>
-              <a:schemeClr val="tx1"/>
-            </a:solidFill>
-          </a:ln>
-          <a:effectLst/>
-        </p:spPr>
-        <p:style>
-          <a:lnRef idx="1">
-            <a:schemeClr val="accent1"/>
-          </a:lnRef>
-          <a:fillRef idx="3">
-            <a:schemeClr val="accent1"/>
-          </a:fillRef>
-          <a:effectRef idx="2">
-            <a:schemeClr val="accent1"/>
-          </a:effectRef>
-          <a:fontRef idx="minor">
-            <a:schemeClr val="lt1"/>
-          </a:fontRef>
-        </p:style>
-        <p:txBody>
-          <a:bodyPr rtlCol="0" anchor="ctr"/>
-          <a:lstStyle/>
-          <a:p>
-            <a:pPr algn="ctr"/>
-            <a:r>
-              <a:rPr lang="en-US" altLang="ja-JP" sz="1400" b="1" dirty="0">
-                <a:solidFill>
-                  <a:schemeClr val="bg1"/>
-                </a:solidFill>
-              </a:rPr>
-              <a:t>IT vendor</a:t>
-            </a:r>
-            <a:endParaRPr lang="ja-JP" altLang="en-US" sz="1400" b="1" dirty="0">
-              <a:solidFill>
-                <a:schemeClr val="bg1"/>
-              </a:solidFill>
-            </a:endParaRPr>
-          </a:p>
-        </p:txBody>
-      </p:sp>
-      <p:cxnSp>
-        <p:nvCxnSpPr>
-          <p:cNvPr id="85" name="Straight Arrow Connector 27"/>
-          <p:cNvCxnSpPr/>
-          <p:nvPr/>
-        </p:nvCxnSpPr>
-        <p:spPr>
-          <a:xfrm>
-            <a:off x="9387462" y="4594588"/>
-            <a:ext cx="672527" cy="0"/>
-          </a:xfrm>
-          <a:prstGeom prst="straightConnector1">
-            <a:avLst/>
-          </a:prstGeom>
-          <a:ln>
-            <a:solidFill>
-              <a:schemeClr val="tx1"/>
-            </a:solidFill>
-            <a:tailEnd type="triangle"/>
-          </a:ln>
-        </p:spPr>
-        <p:style>
-          <a:lnRef idx="2">
-            <a:schemeClr val="accent1"/>
-          </a:lnRef>
-          <a:fillRef idx="0">
-            <a:schemeClr val="accent1"/>
-          </a:fillRef>
-          <a:effectRef idx="1">
-            <a:schemeClr val="accent1"/>
-          </a:effectRef>
-          <a:fontRef idx="minor">
-            <a:schemeClr val="tx1"/>
-          </a:fontRef>
-        </p:style>
-      </p:cxnSp>
-      <p:cxnSp>
-        <p:nvCxnSpPr>
-          <p:cNvPr id="86" name="Straight Arrow Connector 28"/>
-          <p:cNvCxnSpPr/>
-          <p:nvPr/>
-        </p:nvCxnSpPr>
-        <p:spPr>
-          <a:xfrm flipH="1">
-            <a:off x="9374366" y="4803760"/>
-            <a:ext cx="672527" cy="0"/>
-          </a:xfrm>
-          <a:prstGeom prst="straightConnector1">
-            <a:avLst/>
-          </a:prstGeom>
-          <a:ln>
-            <a:solidFill>
-              <a:schemeClr val="tx1"/>
-            </a:solidFill>
-            <a:tailEnd type="triangle"/>
-          </a:ln>
-        </p:spPr>
-        <p:style>
-          <a:lnRef idx="2">
-            <a:schemeClr val="accent1"/>
-          </a:lnRef>
-          <a:fillRef idx="0">
-            <a:schemeClr val="accent1"/>
-          </a:fillRef>
-          <a:effectRef idx="1">
-            <a:schemeClr val="accent1"/>
-          </a:effectRef>
-          <a:fontRef idx="minor">
-            <a:schemeClr val="tx1"/>
-          </a:fontRef>
-        </p:style>
-      </p:cxnSp>
-      <p:sp>
-        <p:nvSpPr>
-          <p:cNvPr id="87" name="TextBox 29"/>
-          <p:cNvSpPr txBox="1"/>
-          <p:nvPr/>
-        </p:nvSpPr>
-        <p:spPr>
-          <a:xfrm>
-            <a:off x="9039199" y="3791126"/>
-            <a:ext cx="1556481" cy="169277"/>
-          </a:xfrm>
-          <a:prstGeom prst="rect">
-            <a:avLst/>
-          </a:prstGeom>
-          <a:noFill/>
-          <a:ln>
-            <a:noFill/>
-          </a:ln>
-        </p:spPr>
-        <p:txBody>
-          <a:bodyPr wrap="square" lIns="0" tIns="0" rIns="0" bIns="0" rtlCol="0">
-            <a:spAutoFit/>
-          </a:bodyPr>
-          <a:lstStyle/>
-          <a:p>
-            <a:r>
-              <a:rPr lang="en-US" altLang="ja-JP" sz="1100" b="1" kern="0" spc="-31" dirty="0">
-                <a:solidFill>
-                  <a:schemeClr val="tx2"/>
-                </a:solidFill>
-                <a:latin typeface="Arial" charset="0"/>
-                <a:ea typeface="Arial" charset="0"/>
-                <a:cs typeface="Arial" charset="0"/>
-              </a:rPr>
-              <a:t>report</a:t>
-            </a:r>
-            <a:endParaRPr lang="ja-JP" altLang="en-US" sz="1100" b="1" kern="0" spc="-31" dirty="0" err="1">
-              <a:solidFill>
-                <a:schemeClr val="tx2"/>
-              </a:solidFill>
-              <a:latin typeface="Arial" charset="0"/>
-              <a:ea typeface="Arial" charset="0"/>
-              <a:cs typeface="Arial" charset="0"/>
-            </a:endParaRPr>
-          </a:p>
-        </p:txBody>
-      </p:sp>
-      <p:sp>
-        <p:nvSpPr>
-          <p:cNvPr id="88" name="TextBox 30"/>
-          <p:cNvSpPr txBox="1"/>
-          <p:nvPr/>
-        </p:nvSpPr>
-        <p:spPr>
-          <a:xfrm>
-            <a:off x="9039200" y="5268863"/>
-            <a:ext cx="1556481" cy="169277"/>
-          </a:xfrm>
-          <a:prstGeom prst="rect">
-            <a:avLst/>
-          </a:prstGeom>
-          <a:noFill/>
-          <a:ln>
-            <a:noFill/>
-          </a:ln>
-        </p:spPr>
-        <p:txBody>
-          <a:bodyPr wrap="square" lIns="0" tIns="0" rIns="0" bIns="0" rtlCol="0">
-            <a:spAutoFit/>
-          </a:bodyPr>
-          <a:lstStyle/>
-          <a:p>
-            <a:r>
-              <a:rPr lang="en-US" altLang="ja-JP" sz="1100" b="1" kern="0" spc="-31" dirty="0">
-                <a:solidFill>
-                  <a:schemeClr val="tx2"/>
-                </a:solidFill>
-                <a:latin typeface="Arial" charset="0"/>
-                <a:ea typeface="Arial" charset="0"/>
-                <a:cs typeface="Arial" charset="0"/>
-              </a:rPr>
-              <a:t>report</a:t>
-            </a:r>
-            <a:endParaRPr lang="ja-JP" altLang="en-US" sz="1100" b="1" kern="0" spc="-31" dirty="0" err="1">
-              <a:solidFill>
-                <a:schemeClr val="tx2"/>
-              </a:solidFill>
-              <a:latin typeface="Arial" charset="0"/>
-              <a:ea typeface="Arial" charset="0"/>
-              <a:cs typeface="Arial" charset="0"/>
-            </a:endParaRPr>
-          </a:p>
-        </p:txBody>
-      </p:sp>
-      <p:sp>
-        <p:nvSpPr>
-          <p:cNvPr id="89" name="TextBox 31"/>
-          <p:cNvSpPr txBox="1"/>
-          <p:nvPr/>
-        </p:nvSpPr>
-        <p:spPr>
-          <a:xfrm>
-            <a:off x="9317704" y="4310690"/>
-            <a:ext cx="1556481" cy="169277"/>
-          </a:xfrm>
-          <a:prstGeom prst="rect">
-            <a:avLst/>
-          </a:prstGeom>
-          <a:noFill/>
-          <a:ln>
-            <a:noFill/>
-          </a:ln>
-        </p:spPr>
-        <p:txBody>
-          <a:bodyPr wrap="square" lIns="0" tIns="0" rIns="0" bIns="0" rtlCol="0">
-            <a:spAutoFit/>
-          </a:bodyPr>
-          <a:lstStyle/>
-          <a:p>
-            <a:r>
-              <a:rPr lang="en-US" altLang="ja-JP" sz="1100" b="1" kern="0" spc="-31" dirty="0">
-                <a:solidFill>
-                  <a:schemeClr val="tx2"/>
-                </a:solidFill>
-                <a:latin typeface="Arial" charset="0"/>
-                <a:ea typeface="Arial" charset="0"/>
-                <a:cs typeface="Arial" charset="0"/>
-              </a:rPr>
-              <a:t>management</a:t>
-            </a:r>
-            <a:endParaRPr lang="ja-JP" altLang="en-US" sz="1100" b="1" kern="0" spc="-31" dirty="0" err="1">
-              <a:solidFill>
-                <a:schemeClr val="tx2"/>
-              </a:solidFill>
-              <a:latin typeface="Arial" charset="0"/>
-              <a:ea typeface="Arial" charset="0"/>
-              <a:cs typeface="Arial" charset="0"/>
-            </a:endParaRPr>
-          </a:p>
-        </p:txBody>
-      </p:sp>
-      <p:sp>
-        <p:nvSpPr>
-          <p:cNvPr id="90" name="TextBox 32"/>
-          <p:cNvSpPr txBox="1"/>
-          <p:nvPr/>
-        </p:nvSpPr>
-        <p:spPr>
-          <a:xfrm>
-            <a:off x="8952209" y="4922082"/>
-            <a:ext cx="1556481" cy="169277"/>
-          </a:xfrm>
-          <a:prstGeom prst="rect">
-            <a:avLst/>
-          </a:prstGeom>
-          <a:noFill/>
-          <a:ln>
-            <a:noFill/>
-          </a:ln>
-        </p:spPr>
-        <p:txBody>
-          <a:bodyPr wrap="square" lIns="0" tIns="0" rIns="0" bIns="0" rtlCol="0">
-            <a:spAutoFit/>
-          </a:bodyPr>
-          <a:lstStyle/>
-          <a:p>
-            <a:pPr algn="ctr"/>
-            <a:r>
-              <a:rPr lang="en-US" altLang="ja-JP" sz="1100" b="1" kern="0" spc="-31" dirty="0">
-                <a:solidFill>
-                  <a:schemeClr val="tx2"/>
-                </a:solidFill>
-                <a:latin typeface="Arial" charset="0"/>
-                <a:ea typeface="Arial" charset="0"/>
-                <a:cs typeface="Arial" charset="0"/>
-              </a:rPr>
-              <a:t>proposal</a:t>
-            </a:r>
-            <a:endParaRPr lang="ja-JP" altLang="en-US" sz="1100" b="1" kern="0" spc="-31" dirty="0" err="1">
-              <a:solidFill>
-                <a:schemeClr val="tx2"/>
-              </a:solidFill>
-              <a:latin typeface="Arial" charset="0"/>
-              <a:ea typeface="Arial" charset="0"/>
-              <a:cs typeface="Arial" charset="0"/>
-            </a:endParaRPr>
-          </a:p>
-        </p:txBody>
-      </p:sp>
-      <p:cxnSp>
-        <p:nvCxnSpPr>
-          <p:cNvPr id="91" name="Elbow Connector 34"/>
-          <p:cNvCxnSpPr/>
-          <p:nvPr/>
-        </p:nvCxnSpPr>
-        <p:spPr>
-          <a:xfrm flipV="1">
-            <a:off x="9223380" y="5627914"/>
-            <a:ext cx="1892523" cy="482817"/>
-          </a:xfrm>
-          <a:prstGeom prst="bentConnector2">
-            <a:avLst/>
-          </a:prstGeom>
-          <a:ln>
-            <a:solidFill>
-              <a:schemeClr val="tx1"/>
-            </a:solidFill>
-            <a:headEnd type="triangle"/>
-            <a:tailEnd type="stealth"/>
-          </a:ln>
-        </p:spPr>
-        <p:style>
-          <a:lnRef idx="2">
-            <a:schemeClr val="accent1"/>
-          </a:lnRef>
-          <a:fillRef idx="0">
-            <a:schemeClr val="accent1"/>
-          </a:fillRef>
-          <a:effectRef idx="1">
-            <a:schemeClr val="accent1"/>
-          </a:effectRef>
-          <a:fontRef idx="minor">
-            <a:schemeClr val="tx1"/>
-          </a:fontRef>
-        </p:style>
-      </p:cxnSp>
-      <p:sp>
-        <p:nvSpPr>
-          <p:cNvPr id="92" name="TextBox 36"/>
-          <p:cNvSpPr txBox="1"/>
-          <p:nvPr/>
-        </p:nvSpPr>
-        <p:spPr>
-          <a:xfrm>
-            <a:off x="9749334" y="5898350"/>
-            <a:ext cx="1556481" cy="169277"/>
-          </a:xfrm>
-          <a:prstGeom prst="rect">
-            <a:avLst/>
-          </a:prstGeom>
-          <a:noFill/>
-          <a:ln>
-            <a:noFill/>
-          </a:ln>
-        </p:spPr>
-        <p:txBody>
-          <a:bodyPr wrap="square" lIns="0" tIns="0" rIns="0" bIns="0" rtlCol="0">
-            <a:spAutoFit/>
-          </a:bodyPr>
-          <a:lstStyle/>
-          <a:p>
-            <a:r>
-              <a:rPr lang="en-US" altLang="ja-JP" sz="1100" b="1" kern="0" spc="-31" dirty="0">
-                <a:solidFill>
-                  <a:schemeClr val="tx2"/>
-                </a:solidFill>
-                <a:latin typeface="Arial" charset="0"/>
-                <a:ea typeface="Arial" charset="0"/>
-                <a:cs typeface="Arial" charset="0"/>
-              </a:rPr>
-              <a:t>Daily Operation</a:t>
-            </a:r>
-            <a:endParaRPr lang="ja-JP" altLang="en-US" sz="1100" b="1" kern="0" spc="-31" dirty="0" err="1">
-              <a:solidFill>
-                <a:schemeClr val="tx2"/>
-              </a:solidFill>
-              <a:latin typeface="Arial" charset="0"/>
-              <a:ea typeface="Arial" charset="0"/>
-              <a:cs typeface="Arial" charset="0"/>
-            </a:endParaRPr>
-          </a:p>
-        </p:txBody>
-      </p:sp>
+      </p:pic>
     </p:spTree>
     <p:extLst>
       <p:ext uri="{BB962C8B-B14F-4D97-AF65-F5344CB8AC3E}">
-        <p14:creationId xmlns:p14="http://schemas.microsoft.com/office/powerpoint/2010/main" val="284871658"/>
+        <p14:creationId xmlns:p14="http://schemas.microsoft.com/office/powerpoint/2010/main" val="1854431012"/>
       </p:ext>
     </p:extLst>
   </p:cSld>
@@ -5752,973 +8156,7 @@
 </p:sld>
 </file>
 
-<file path=ppt/slides/slide12.xml><?xml version="1.0" encoding="utf-8"?>
-<p:sld xmlns:a="http://schemas.openxmlformats.org/drawingml/2006/main" xmlns:r="http://schemas.openxmlformats.org/officeDocument/2006/relationships" xmlns:p="http://schemas.openxmlformats.org/presentationml/2006/main">
-  <p:cSld>
-    <p:spTree>
-      <p:nvGrpSpPr>
-        <p:cNvPr id="1" name=""/>
-        <p:cNvGrpSpPr/>
-        <p:nvPr/>
-      </p:nvGrpSpPr>
-      <p:grpSpPr>
-        <a:xfrm>
-          <a:off x="0" y="0"/>
-          <a:ext cx="0" cy="0"/>
-          <a:chOff x="0" y="0"/>
-          <a:chExt cx="0" cy="0"/>
-        </a:xfrm>
-      </p:grpSpPr>
-      <p:pic>
-        <p:nvPicPr>
-          <p:cNvPr id="3" name="図 2"/>
-          <p:cNvPicPr>
-            <a:picLocks noChangeAspect="1"/>
-          </p:cNvPicPr>
-          <p:nvPr/>
-        </p:nvPicPr>
-        <p:blipFill>
-          <a:blip r:embed="rId2">
-            <a:extLst>
-              <a:ext uri="{28A0092B-C50C-407E-A947-70E740481C1C}">
-                <a14:useLocalDpi xmlns:a14="http://schemas.microsoft.com/office/drawing/2010/main" val="0"/>
-              </a:ext>
-            </a:extLst>
-          </a:blip>
-          <a:stretch>
-            <a:fillRect/>
-          </a:stretch>
-        </p:blipFill>
-        <p:spPr>
-          <a:xfrm>
-            <a:off x="481512" y="269456"/>
-            <a:ext cx="7258991" cy="6068516"/>
-          </a:xfrm>
-          <a:prstGeom prst="rect">
-            <a:avLst/>
-          </a:prstGeom>
-        </p:spPr>
-      </p:pic>
-    </p:spTree>
-    <p:extLst>
-      <p:ext uri="{BB962C8B-B14F-4D97-AF65-F5344CB8AC3E}">
-        <p14:creationId xmlns:p14="http://schemas.microsoft.com/office/powerpoint/2010/main" val="1096906843"/>
-      </p:ext>
-    </p:extLst>
-  </p:cSld>
-  <p:clrMapOvr>
-    <a:masterClrMapping/>
-  </p:clrMapOvr>
-  <p:timing>
-    <p:tnLst>
-      <p:par>
-        <p:cTn id="1" dur="indefinite" restart="never" nodeType="tmRoot"/>
-      </p:par>
-    </p:tnLst>
-  </p:timing>
-</p:sld>
-</file>
-
-<file path=ppt/slides/slide13.xml><?xml version="1.0" encoding="utf-8"?>
-<p:sld xmlns:a="http://schemas.openxmlformats.org/drawingml/2006/main" xmlns:r="http://schemas.openxmlformats.org/officeDocument/2006/relationships" xmlns:p="http://schemas.openxmlformats.org/presentationml/2006/main">
-  <p:cSld>
-    <p:spTree>
-      <p:nvGrpSpPr>
-        <p:cNvPr id="1" name=""/>
-        <p:cNvGrpSpPr/>
-        <p:nvPr/>
-      </p:nvGrpSpPr>
-      <p:grpSpPr>
-        <a:xfrm>
-          <a:off x="0" y="0"/>
-          <a:ext cx="0" cy="0"/>
-          <a:chOff x="0" y="0"/>
-          <a:chExt cx="0" cy="0"/>
-        </a:xfrm>
-      </p:grpSpPr>
-      <p:sp>
-        <p:nvSpPr>
-          <p:cNvPr id="2" name="Title 1"/>
-          <p:cNvSpPr>
-            <a:spLocks noGrp="1"/>
-          </p:cNvSpPr>
-          <p:nvPr>
-            <p:ph type="title"/>
-          </p:nvPr>
-        </p:nvSpPr>
-        <p:spPr>
-          <a:xfrm>
-            <a:off x="322023" y="299517"/>
-            <a:ext cx="11426632" cy="1118255"/>
-          </a:xfrm>
-        </p:spPr>
-        <p:txBody>
-          <a:bodyPr/>
-          <a:lstStyle/>
-          <a:p>
-            <a:pPr lvl="1" algn="l" defTabSz="1219170" rtl="0">
-              <a:lnSpc>
-                <a:spcPts val="4000"/>
-              </a:lnSpc>
-              <a:spcBef>
-                <a:spcPct val="0"/>
-              </a:spcBef>
-            </a:pPr>
-            <a:r>
-              <a:rPr kumimoji="1" lang="en-US" altLang="ja-JP" sz="3600" b="1" dirty="0" smtClean="0">
-                <a:solidFill>
-                  <a:srgbClr val="00B0F0"/>
-                </a:solidFill>
-                <a:latin typeface="Arial" charset="0"/>
-                <a:ea typeface="Arial" charset="0"/>
-                <a:cs typeface="Arial" charset="0"/>
-              </a:rPr>
-              <a:t>Japan Applications Development and Deployment Market Forecast</a:t>
-            </a:r>
-          </a:p>
-        </p:txBody>
-      </p:sp>
-      <p:sp>
-        <p:nvSpPr>
-          <p:cNvPr id="10" name="Text Box 7"/>
-          <p:cNvSpPr txBox="1">
-            <a:spLocks noChangeArrowheads="1"/>
-          </p:cNvSpPr>
-          <p:nvPr/>
-        </p:nvSpPr>
-        <p:spPr bwMode="auto">
-          <a:xfrm>
-            <a:off x="426196" y="6280160"/>
-            <a:ext cx="4065588" cy="246863"/>
-          </a:xfrm>
-          <a:prstGeom prst="rect">
-            <a:avLst/>
-          </a:prstGeom>
-          <a:noFill/>
-          <a:ln>
-            <a:noFill/>
-          </a:ln>
-          <a:effectLst/>
-          <a:extLst>
-            <a:ext uri="{909E8E84-426E-40DD-AFC4-6F175D3DCCD1}">
-              <a14:hiddenFill xmlns:a14="http://schemas.microsoft.com/office/drawing/2010/main">
-                <a:solidFill>
-                  <a:schemeClr val="accent1"/>
-                </a:solidFill>
-              </a14:hiddenFill>
-            </a:ext>
-            <a:ext uri="{91240B29-F687-4F45-9708-019B960494DF}">
-              <a14:hiddenLine xmlns:a14="http://schemas.microsoft.com/office/drawing/2010/main" w="9525">
-                <a:solidFill>
-                  <a:schemeClr val="tx1"/>
-                </a:solidFill>
-                <a:miter lim="800000"/>
-                <a:headEnd/>
-                <a:tailEnd/>
-              </a14:hiddenLine>
-            </a:ext>
-            <a:ext uri="{AF507438-7753-43E0-B8FC-AC1667EBCBE1}">
-              <a14:hiddenEffects xmlns:a14="http://schemas.microsoft.com/office/drawing/2010/main">
-                <a:effectLst>
-                  <a:outerShdw blurRad="63500" dist="38099" dir="2700000" algn="ctr" rotWithShape="0">
-                    <a:schemeClr val="bg2">
-                      <a:alpha val="74998"/>
-                    </a:schemeClr>
-                  </a:outerShdw>
-                </a:effectLst>
-              </a14:hiddenEffects>
-            </a:ext>
-          </a:extLst>
-        </p:spPr>
-        <p:txBody>
-          <a:bodyPr lIns="92075" tIns="46038" rIns="92075" bIns="46038">
-            <a:spAutoFit/>
-          </a:bodyPr>
-          <a:lstStyle/>
-          <a:p>
-            <a:r>
-              <a:rPr lang="en-US" altLang="ja-JP" sz="1000" dirty="0">
-                <a:solidFill>
-                  <a:srgbClr val="000000"/>
-                </a:solidFill>
-                <a:latin typeface="Arial" charset="0"/>
-                <a:ea typeface="Arial" charset="0"/>
-                <a:cs typeface="Arial" charset="0"/>
-              </a:rPr>
-              <a:t>Source: IDC Japan, December </a:t>
-            </a:r>
-            <a:r>
-              <a:rPr lang="en-US" altLang="ja-JP" sz="1000" dirty="0" smtClean="0">
-                <a:solidFill>
-                  <a:srgbClr val="000000"/>
-                </a:solidFill>
-                <a:latin typeface="Arial" charset="0"/>
-                <a:ea typeface="Arial" charset="0"/>
-                <a:cs typeface="Arial" charset="0"/>
-              </a:rPr>
-              <a:t>2016</a:t>
-            </a:r>
-            <a:endParaRPr lang="en-US" altLang="ja-JP" sz="1000" dirty="0">
-              <a:solidFill>
-                <a:srgbClr val="000000"/>
-              </a:solidFill>
-              <a:latin typeface="Arial" charset="0"/>
-              <a:ea typeface="Arial" charset="0"/>
-              <a:cs typeface="Arial" charset="0"/>
-            </a:endParaRPr>
-          </a:p>
-        </p:txBody>
-      </p:sp>
-      <p:pic>
-        <p:nvPicPr>
-          <p:cNvPr id="4" name="図 3"/>
-          <p:cNvPicPr>
-            <a:picLocks noChangeAspect="1"/>
-          </p:cNvPicPr>
-          <p:nvPr/>
-        </p:nvPicPr>
-        <p:blipFill>
-          <a:blip r:embed="rId2"/>
-          <a:stretch>
-            <a:fillRect/>
-          </a:stretch>
-        </p:blipFill>
-        <p:spPr>
-          <a:xfrm>
-            <a:off x="426196" y="1675094"/>
-            <a:ext cx="9186087" cy="4290804"/>
-          </a:xfrm>
-          <a:prstGeom prst="rect">
-            <a:avLst/>
-          </a:prstGeom>
-        </p:spPr>
-      </p:pic>
-    </p:spTree>
-    <p:extLst>
-      <p:ext uri="{BB962C8B-B14F-4D97-AF65-F5344CB8AC3E}">
-        <p14:creationId xmlns:p14="http://schemas.microsoft.com/office/powerpoint/2010/main" val="519102711"/>
-      </p:ext>
-    </p:extLst>
-  </p:cSld>
-  <p:clrMapOvr>
-    <a:masterClrMapping/>
-  </p:clrMapOvr>
-  <p:timing>
-    <p:tnLst>
-      <p:par>
-        <p:cTn id="1" dur="indefinite" restart="never" nodeType="tmRoot"/>
-      </p:par>
-    </p:tnLst>
-  </p:timing>
-</p:sld>
-</file>
-
-<file path=ppt/slides/slide14.xml><?xml version="1.0" encoding="utf-8"?>
-<p:sld xmlns:a="http://schemas.openxmlformats.org/drawingml/2006/main" xmlns:r="http://schemas.openxmlformats.org/officeDocument/2006/relationships" xmlns:p="http://schemas.openxmlformats.org/presentationml/2006/main">
-  <p:cSld>
-    <p:spTree>
-      <p:nvGrpSpPr>
-        <p:cNvPr id="1" name=""/>
-        <p:cNvGrpSpPr/>
-        <p:nvPr/>
-      </p:nvGrpSpPr>
-      <p:grpSpPr>
-        <a:xfrm>
-          <a:off x="0" y="0"/>
-          <a:ext cx="0" cy="0"/>
-          <a:chOff x="0" y="0"/>
-          <a:chExt cx="0" cy="0"/>
-        </a:xfrm>
-      </p:grpSpPr>
-      <p:graphicFrame>
-        <p:nvGraphicFramePr>
-          <p:cNvPr id="12" name="表 11"/>
-          <p:cNvGraphicFramePr>
-            <a:graphicFrameLocks noGrp="1"/>
-          </p:cNvGraphicFramePr>
-          <p:nvPr>
-            <p:extLst>
-              <p:ext uri="{D42A27DB-BD31-4B8C-83A1-F6EECF244321}">
-                <p14:modId xmlns:p14="http://schemas.microsoft.com/office/powerpoint/2010/main" val="234482778"/>
-              </p:ext>
-            </p:extLst>
-          </p:nvPr>
-        </p:nvGraphicFramePr>
-        <p:xfrm>
-          <a:off x="1236977" y="1733477"/>
-          <a:ext cx="8741500" cy="3710394"/>
-        </p:xfrm>
-        <a:graphic>
-          <a:graphicData uri="http://schemas.openxmlformats.org/drawingml/2006/table">
-            <a:tbl>
-              <a:tblPr>
-                <a:tableStyleId>{D7AC3CCA-C797-4891-BE02-D94E43425B78}</a:tableStyleId>
-              </a:tblPr>
-              <a:tblGrid>
-                <a:gridCol w="6303020"/>
-                <a:gridCol w="2438480"/>
-              </a:tblGrid>
-              <a:tr h="412266">
-                <a:tc>
-                  <a:txBody>
-                    <a:bodyPr/>
-                    <a:lstStyle/>
-                    <a:p>
-                      <a:pPr algn="l" fontAlgn="b"/>
-                      <a:endParaRPr lang="en-US" sz="2000" b="0" i="0" u="none" strike="noStrike" dirty="0">
-                        <a:solidFill>
-                          <a:srgbClr val="000000"/>
-                        </a:solidFill>
-                        <a:effectLst/>
-                        <a:latin typeface="Arial" charset="0"/>
-                        <a:ea typeface="Arial" charset="0"/>
-                        <a:cs typeface="Arial" charset="0"/>
-                      </a:endParaRPr>
-                    </a:p>
-                  </a:txBody>
-                  <a:tcPr marL="6350" marR="6350" marT="6350" marB="0" anchor="b">
-                    <a:noFill/>
-                  </a:tcPr>
-                </a:tc>
-                <a:tc>
-                  <a:txBody>
-                    <a:bodyPr/>
-                    <a:lstStyle/>
-                    <a:p>
-                      <a:pPr algn="r" fontAlgn="b"/>
-                      <a:r>
-                        <a:rPr lang="is-IS" sz="2000" u="none" strike="noStrike" dirty="0" smtClean="0">
-                          <a:effectLst/>
-                          <a:latin typeface="Arial" charset="0"/>
-                          <a:ea typeface="Arial" charset="0"/>
-                          <a:cs typeface="Arial" charset="0"/>
-                        </a:rPr>
-                        <a:t>K$</a:t>
-                      </a:r>
-                      <a:endParaRPr lang="is-IS" sz="2000" b="0" i="0" u="none" strike="noStrike" dirty="0">
-                        <a:solidFill>
-                          <a:srgbClr val="000000"/>
-                        </a:solidFill>
-                        <a:effectLst/>
-                        <a:latin typeface="Arial" charset="0"/>
-                        <a:ea typeface="Arial" charset="0"/>
-                        <a:cs typeface="Arial" charset="0"/>
-                      </a:endParaRPr>
-                    </a:p>
-                  </a:txBody>
-                  <a:tcPr marL="6350" marR="6350" marT="6350" marB="0" anchor="b">
-                    <a:noFill/>
-                  </a:tcPr>
-                </a:tc>
-              </a:tr>
-              <a:tr h="412266">
-                <a:tc>
-                  <a:txBody>
-                    <a:bodyPr/>
-                    <a:lstStyle/>
-                    <a:p>
-                      <a:pPr algn="l" fontAlgn="b"/>
-                      <a:r>
-                        <a:rPr lang="en-US" sz="2000" u="none" strike="noStrike" dirty="0">
-                          <a:effectLst/>
-                          <a:latin typeface="Arial" charset="0"/>
-                          <a:ea typeface="Arial" charset="0"/>
-                          <a:cs typeface="Arial" charset="0"/>
-                        </a:rPr>
-                        <a:t>ARR </a:t>
-                      </a:r>
-                      <a:r>
-                        <a:rPr lang="en-US" sz="2000" u="none" strike="noStrike" dirty="0" err="1">
-                          <a:effectLst/>
-                          <a:latin typeface="Arial" charset="0"/>
-                          <a:ea typeface="Arial" charset="0"/>
-                          <a:cs typeface="Arial" charset="0"/>
-                        </a:rPr>
-                        <a:t>Traget</a:t>
-                      </a:r>
-                      <a:endParaRPr lang="en-US" sz="2000" b="0" i="0" u="none" strike="noStrike" dirty="0">
-                        <a:solidFill>
-                          <a:srgbClr val="000000"/>
-                        </a:solidFill>
-                        <a:effectLst/>
-                        <a:latin typeface="Arial" charset="0"/>
-                        <a:ea typeface="Arial" charset="0"/>
-                        <a:cs typeface="Arial" charset="0"/>
-                      </a:endParaRPr>
-                    </a:p>
-                  </a:txBody>
-                  <a:tcPr marL="6350" marR="6350" marT="6350" marB="0" anchor="b"/>
-                </a:tc>
-                <a:tc>
-                  <a:txBody>
-                    <a:bodyPr/>
-                    <a:lstStyle/>
-                    <a:p>
-                      <a:pPr algn="r" fontAlgn="b"/>
-                      <a:r>
-                        <a:rPr lang="is-IS" sz="2000" b="0" i="0" u="none" strike="noStrike" dirty="0" smtClean="0">
-                          <a:solidFill>
-                            <a:schemeClr val="dk1"/>
-                          </a:solidFill>
-                          <a:effectLst/>
-                          <a:latin typeface="Arial" charset="0"/>
-                          <a:ea typeface="Arial" charset="0"/>
-                          <a:cs typeface="Arial" charset="0"/>
-                        </a:rPr>
-                        <a:t>10,000</a:t>
-                      </a:r>
-                      <a:endParaRPr lang="is-IS" sz="2000" b="0" i="0" u="none" strike="noStrike" dirty="0">
-                        <a:solidFill>
-                          <a:srgbClr val="000000"/>
-                        </a:solidFill>
-                        <a:effectLst/>
-                        <a:latin typeface="Arial" charset="0"/>
-                        <a:ea typeface="Arial" charset="0"/>
-                        <a:cs typeface="Arial" charset="0"/>
-                      </a:endParaRPr>
-                    </a:p>
-                  </a:txBody>
-                  <a:tcPr marL="6350" marR="6350" marT="6350" marB="0" anchor="b"/>
-                </a:tc>
-              </a:tr>
-              <a:tr h="412266">
-                <a:tc>
-                  <a:txBody>
-                    <a:bodyPr/>
-                    <a:lstStyle/>
-                    <a:p>
-                      <a:pPr algn="l" fontAlgn="b"/>
-                      <a:r>
-                        <a:rPr lang="en-US" sz="2000" u="none" strike="noStrike" dirty="0">
-                          <a:effectLst/>
-                          <a:latin typeface="Arial" charset="0"/>
-                          <a:ea typeface="Arial" charset="0"/>
-                          <a:cs typeface="Arial" charset="0"/>
-                        </a:rPr>
-                        <a:t>Average Deal Size</a:t>
-                      </a:r>
-                      <a:endParaRPr lang="en-US" sz="2000" b="0" i="0" u="none" strike="noStrike" dirty="0">
-                        <a:solidFill>
-                          <a:srgbClr val="000000"/>
-                        </a:solidFill>
-                        <a:effectLst/>
-                        <a:latin typeface="Arial" charset="0"/>
-                        <a:ea typeface="Arial" charset="0"/>
-                        <a:cs typeface="Arial" charset="0"/>
-                      </a:endParaRPr>
-                    </a:p>
-                  </a:txBody>
-                  <a:tcPr marL="6350" marR="6350" marT="6350" marB="0" anchor="b"/>
-                </a:tc>
-                <a:tc>
-                  <a:txBody>
-                    <a:bodyPr/>
-                    <a:lstStyle/>
-                    <a:p>
-                      <a:pPr algn="r" fontAlgn="b"/>
-                      <a:r>
-                        <a:rPr lang="is-IS" sz="2000" b="0" i="0" u="none" strike="noStrike" dirty="0" smtClean="0">
-                          <a:solidFill>
-                            <a:srgbClr val="000000"/>
-                          </a:solidFill>
-                          <a:effectLst/>
-                          <a:latin typeface="Arial" charset="0"/>
-                          <a:ea typeface="Arial" charset="0"/>
-                          <a:cs typeface="Arial" charset="0"/>
-                        </a:rPr>
-                        <a:t>140</a:t>
-                      </a:r>
-                      <a:endParaRPr lang="is-IS" sz="2000" b="0" i="0" u="none" strike="noStrike" dirty="0">
-                        <a:solidFill>
-                          <a:srgbClr val="000000"/>
-                        </a:solidFill>
-                        <a:effectLst/>
-                        <a:latin typeface="Arial" charset="0"/>
-                        <a:ea typeface="Arial" charset="0"/>
-                        <a:cs typeface="Arial" charset="0"/>
-                      </a:endParaRPr>
-                    </a:p>
-                  </a:txBody>
-                  <a:tcPr marL="6350" marR="6350" marT="6350" marB="0" anchor="b"/>
-                </a:tc>
-              </a:tr>
-              <a:tr h="412266">
-                <a:tc>
-                  <a:txBody>
-                    <a:bodyPr/>
-                    <a:lstStyle/>
-                    <a:p>
-                      <a:pPr algn="l" fontAlgn="b"/>
-                      <a:endParaRPr lang="en-US" sz="2000" b="0" i="0" u="none" strike="noStrike" dirty="0">
-                        <a:solidFill>
-                          <a:srgbClr val="000000"/>
-                        </a:solidFill>
-                        <a:effectLst/>
-                        <a:latin typeface="Arial" charset="0"/>
-                        <a:ea typeface="Arial" charset="0"/>
-                        <a:cs typeface="Arial" charset="0"/>
-                      </a:endParaRPr>
-                    </a:p>
-                  </a:txBody>
-                  <a:tcPr marL="6350" marR="6350" marT="6350" marB="0" anchor="b"/>
-                </a:tc>
-                <a:tc>
-                  <a:txBody>
-                    <a:bodyPr/>
-                    <a:lstStyle/>
-                    <a:p>
-                      <a:pPr algn="r" fontAlgn="b"/>
-                      <a:endParaRPr lang="is-IS" sz="2000" b="0" i="0" u="none" strike="noStrike" dirty="0">
-                        <a:solidFill>
-                          <a:srgbClr val="000000"/>
-                        </a:solidFill>
-                        <a:effectLst/>
-                        <a:latin typeface="Arial" charset="0"/>
-                        <a:ea typeface="Arial" charset="0"/>
-                        <a:cs typeface="Arial" charset="0"/>
-                      </a:endParaRPr>
-                    </a:p>
-                  </a:txBody>
-                  <a:tcPr marL="6350" marR="6350" marT="6350" marB="0" anchor="b"/>
-                </a:tc>
-              </a:tr>
-              <a:tr h="412266">
-                <a:tc>
-                  <a:txBody>
-                    <a:bodyPr/>
-                    <a:lstStyle/>
-                    <a:p>
-                      <a:pPr algn="l" fontAlgn="b"/>
-                      <a:endParaRPr lang="en-US" sz="2000" b="0" i="0" u="none" strike="noStrike" dirty="0">
-                        <a:solidFill>
-                          <a:srgbClr val="000000"/>
-                        </a:solidFill>
-                        <a:effectLst/>
-                        <a:latin typeface="Arial" charset="0"/>
-                        <a:ea typeface="Arial" charset="0"/>
-                        <a:cs typeface="Arial" charset="0"/>
-                      </a:endParaRPr>
-                    </a:p>
-                  </a:txBody>
-                  <a:tcPr marL="6350" marR="6350" marT="6350" marB="0" anchor="b"/>
-                </a:tc>
-                <a:tc>
-                  <a:txBody>
-                    <a:bodyPr/>
-                    <a:lstStyle/>
-                    <a:p>
-                      <a:pPr algn="r" fontAlgn="b"/>
-                      <a:endParaRPr lang="fi-FI" sz="2000" b="0" i="0" u="none" strike="noStrike" dirty="0">
-                        <a:solidFill>
-                          <a:srgbClr val="000000"/>
-                        </a:solidFill>
-                        <a:effectLst/>
-                        <a:latin typeface="Arial" charset="0"/>
-                        <a:ea typeface="Arial" charset="0"/>
-                        <a:cs typeface="Arial" charset="0"/>
-                      </a:endParaRPr>
-                    </a:p>
-                  </a:txBody>
-                  <a:tcPr marL="6350" marR="6350" marT="6350" marB="0" anchor="b"/>
-                </a:tc>
-              </a:tr>
-              <a:tr h="412266">
-                <a:tc>
-                  <a:txBody>
-                    <a:bodyPr/>
-                    <a:lstStyle/>
-                    <a:p>
-                      <a:pPr algn="l" fontAlgn="b"/>
-                      <a:endParaRPr lang="en-US" sz="2000" b="0" i="0" u="none" strike="noStrike" dirty="0">
-                        <a:solidFill>
-                          <a:srgbClr val="000000"/>
-                        </a:solidFill>
-                        <a:effectLst/>
-                        <a:latin typeface="Arial" charset="0"/>
-                        <a:ea typeface="Arial" charset="0"/>
-                        <a:cs typeface="Arial" charset="0"/>
-                      </a:endParaRPr>
-                    </a:p>
-                  </a:txBody>
-                  <a:tcPr marL="6350" marR="6350" marT="6350" marB="0" anchor="b"/>
-                </a:tc>
-                <a:tc>
-                  <a:txBody>
-                    <a:bodyPr/>
-                    <a:lstStyle/>
-                    <a:p>
-                      <a:pPr algn="r" fontAlgn="b"/>
-                      <a:endParaRPr lang="en-US" sz="2000" b="0" i="0" u="none" strike="noStrike" dirty="0">
-                        <a:solidFill>
-                          <a:srgbClr val="000000"/>
-                        </a:solidFill>
-                        <a:effectLst/>
-                        <a:latin typeface="Arial" charset="0"/>
-                        <a:ea typeface="Arial" charset="0"/>
-                        <a:cs typeface="Arial" charset="0"/>
-                      </a:endParaRPr>
-                    </a:p>
-                  </a:txBody>
-                  <a:tcPr marL="6350" marR="6350" marT="6350" marB="0" anchor="b"/>
-                </a:tc>
-              </a:tr>
-              <a:tr h="412266">
-                <a:tc>
-                  <a:txBody>
-                    <a:bodyPr/>
-                    <a:lstStyle/>
-                    <a:p>
-                      <a:pPr algn="l" fontAlgn="b"/>
-                      <a:endParaRPr lang="en-US" sz="2000" b="0" i="0" u="none" strike="noStrike">
-                        <a:solidFill>
-                          <a:srgbClr val="000000"/>
-                        </a:solidFill>
-                        <a:effectLst/>
-                        <a:latin typeface="Arial" charset="0"/>
-                        <a:ea typeface="Arial" charset="0"/>
-                        <a:cs typeface="Arial" charset="0"/>
-                      </a:endParaRPr>
-                    </a:p>
-                  </a:txBody>
-                  <a:tcPr marL="6350" marR="6350" marT="6350" marB="0" anchor="b"/>
-                </a:tc>
-                <a:tc>
-                  <a:txBody>
-                    <a:bodyPr/>
-                    <a:lstStyle/>
-                    <a:p>
-                      <a:pPr algn="r" fontAlgn="b"/>
-                      <a:endParaRPr lang="is-IS" sz="2000" b="0" i="0" u="none" strike="noStrike" dirty="0">
-                        <a:solidFill>
-                          <a:srgbClr val="000000"/>
-                        </a:solidFill>
-                        <a:effectLst/>
-                        <a:latin typeface="Arial" charset="0"/>
-                        <a:ea typeface="Arial" charset="0"/>
-                        <a:cs typeface="Arial" charset="0"/>
-                      </a:endParaRPr>
-                    </a:p>
-                  </a:txBody>
-                  <a:tcPr marL="6350" marR="6350" marT="6350" marB="0" anchor="b"/>
-                </a:tc>
-              </a:tr>
-              <a:tr h="412266">
-                <a:tc>
-                  <a:txBody>
-                    <a:bodyPr/>
-                    <a:lstStyle/>
-                    <a:p>
-                      <a:pPr algn="l" fontAlgn="b"/>
-                      <a:endParaRPr lang="en-US" sz="2000" b="0" i="0" u="none" strike="noStrike">
-                        <a:solidFill>
-                          <a:srgbClr val="000000"/>
-                        </a:solidFill>
-                        <a:effectLst/>
-                        <a:latin typeface="Arial" charset="0"/>
-                        <a:ea typeface="Arial" charset="0"/>
-                        <a:cs typeface="Arial" charset="0"/>
-                      </a:endParaRPr>
-                    </a:p>
-                  </a:txBody>
-                  <a:tcPr marL="6350" marR="6350" marT="6350" marB="0" anchor="b"/>
-                </a:tc>
-                <a:tc>
-                  <a:txBody>
-                    <a:bodyPr/>
-                    <a:lstStyle/>
-                    <a:p>
-                      <a:pPr algn="r" fontAlgn="b"/>
-                      <a:endParaRPr lang="fi-FI" sz="2000" b="0" i="0" u="none" strike="noStrike" dirty="0">
-                        <a:solidFill>
-                          <a:srgbClr val="000000"/>
-                        </a:solidFill>
-                        <a:effectLst/>
-                        <a:latin typeface="Arial" charset="0"/>
-                        <a:ea typeface="Arial" charset="0"/>
-                        <a:cs typeface="Arial" charset="0"/>
-                      </a:endParaRPr>
-                    </a:p>
-                  </a:txBody>
-                  <a:tcPr marL="6350" marR="6350" marT="6350" marB="0" anchor="b"/>
-                </a:tc>
-              </a:tr>
-              <a:tr h="412266">
-                <a:tc>
-                  <a:txBody>
-                    <a:bodyPr/>
-                    <a:lstStyle/>
-                    <a:p>
-                      <a:pPr algn="l" fontAlgn="b"/>
-                      <a:endParaRPr lang="en-US" sz="2000" b="0" i="0" u="none" strike="noStrike">
-                        <a:solidFill>
-                          <a:srgbClr val="000000"/>
-                        </a:solidFill>
-                        <a:effectLst/>
-                        <a:latin typeface="Arial" charset="0"/>
-                        <a:ea typeface="Arial" charset="0"/>
-                        <a:cs typeface="Arial" charset="0"/>
-                      </a:endParaRPr>
-                    </a:p>
-                  </a:txBody>
-                  <a:tcPr marL="6350" marR="6350" marT="6350" marB="0" anchor="b"/>
-                </a:tc>
-                <a:tc>
-                  <a:txBody>
-                    <a:bodyPr/>
-                    <a:lstStyle/>
-                    <a:p>
-                      <a:pPr algn="r" fontAlgn="b"/>
-                      <a:endParaRPr lang="is-IS" sz="2000" b="0" i="0" u="none" strike="noStrike" dirty="0">
-                        <a:solidFill>
-                          <a:srgbClr val="000000"/>
-                        </a:solidFill>
-                        <a:effectLst/>
-                        <a:latin typeface="Arial" charset="0"/>
-                        <a:ea typeface="Arial" charset="0"/>
-                        <a:cs typeface="Arial" charset="0"/>
-                      </a:endParaRPr>
-                    </a:p>
-                  </a:txBody>
-                  <a:tcPr marL="6350" marR="6350" marT="6350" marB="0" anchor="b"/>
-                </a:tc>
-              </a:tr>
-            </a:tbl>
-          </a:graphicData>
-        </a:graphic>
-      </p:graphicFrame>
-      <p:sp>
-        <p:nvSpPr>
-          <p:cNvPr id="2" name="Title 1"/>
-          <p:cNvSpPr>
-            <a:spLocks noGrp="1"/>
-          </p:cNvSpPr>
-          <p:nvPr>
-            <p:ph type="title"/>
-          </p:nvPr>
-        </p:nvSpPr>
-        <p:spPr>
-          <a:xfrm>
-            <a:off x="322023" y="328628"/>
-            <a:ext cx="11426632" cy="605294"/>
-          </a:xfrm>
-        </p:spPr>
-        <p:txBody>
-          <a:bodyPr/>
-          <a:lstStyle/>
-          <a:p>
-            <a:r>
-              <a:rPr lang="en-US" altLang="ja-JP" sz="3200" b="1" dirty="0" smtClean="0">
-                <a:solidFill>
-                  <a:srgbClr val="00B0F0"/>
-                </a:solidFill>
-                <a:latin typeface="Arial" charset="0"/>
-                <a:ea typeface="Arial" charset="0"/>
-                <a:cs typeface="Arial" charset="0"/>
-              </a:rPr>
-              <a:t>2017 Japan Revenue </a:t>
-            </a:r>
-            <a:r>
-              <a:rPr lang="en-US" altLang="ja-JP" sz="3200" b="1" dirty="0">
-                <a:solidFill>
-                  <a:srgbClr val="00B0F0"/>
-                </a:solidFill>
-                <a:latin typeface="Arial" charset="0"/>
-                <a:ea typeface="Arial" charset="0"/>
-                <a:cs typeface="Arial" charset="0"/>
-              </a:rPr>
-              <a:t>Target </a:t>
-            </a:r>
-            <a:r>
-              <a:rPr lang="en-US" altLang="ja-JP" sz="3200" b="1" dirty="0" smtClean="0">
-                <a:solidFill>
-                  <a:srgbClr val="00B0F0"/>
-                </a:solidFill>
-                <a:latin typeface="Arial" charset="0"/>
-                <a:ea typeface="Arial" charset="0"/>
-                <a:cs typeface="Arial" charset="0"/>
-              </a:rPr>
-              <a:t>&amp; Marketing </a:t>
-            </a:r>
-            <a:r>
-              <a:rPr lang="en-US" altLang="ja-JP" sz="3200" b="1" dirty="0">
-                <a:solidFill>
-                  <a:srgbClr val="00B0F0"/>
-                </a:solidFill>
-                <a:latin typeface="Arial" charset="0"/>
-                <a:ea typeface="Arial" charset="0"/>
-                <a:cs typeface="Arial" charset="0"/>
-              </a:rPr>
-              <a:t>Contribution</a:t>
-            </a:r>
-          </a:p>
-        </p:txBody>
-      </p:sp>
-      <p:sp>
-        <p:nvSpPr>
-          <p:cNvPr id="6" name="Rectangle 9"/>
-          <p:cNvSpPr/>
-          <p:nvPr/>
-        </p:nvSpPr>
-        <p:spPr>
-          <a:xfrm>
-            <a:off x="11647754" y="6596555"/>
-            <a:ext cx="410749" cy="138499"/>
-          </a:xfrm>
-          <a:prstGeom prst="rect">
-            <a:avLst/>
-          </a:prstGeom>
-        </p:spPr>
-        <p:txBody>
-          <a:bodyPr wrap="square" lIns="0" tIns="0" rIns="0" bIns="0">
-            <a:spAutoFit/>
-          </a:bodyPr>
-          <a:lstStyle/>
-          <a:p>
-            <a:fld id="{655362CE-4ABE-4CB4-8947-B1242CDD9D94}" type="slidenum">
-              <a:rPr kumimoji="0" lang="en-US" sz="900" smtClean="0">
-                <a:solidFill>
-                  <a:srgbClr val="5A5A5A"/>
-                </a:solidFill>
-                <a:latin typeface="Arial" charset="0"/>
-                <a:ea typeface="Arial" charset="0"/>
-                <a:cs typeface="Arial" charset="0"/>
-              </a:rPr>
-              <a:pPr/>
-              <a:t>14</a:t>
-            </a:fld>
-            <a:endParaRPr kumimoji="0" lang="en-US" sz="900" dirty="0">
-              <a:solidFill>
-                <a:srgbClr val="5A5A5A"/>
-              </a:solidFill>
-              <a:latin typeface="Arial" charset="0"/>
-              <a:ea typeface="Arial" charset="0"/>
-              <a:cs typeface="Arial" charset="0"/>
-            </a:endParaRPr>
-          </a:p>
-        </p:txBody>
-      </p:sp>
-      <p:sp>
-        <p:nvSpPr>
-          <p:cNvPr id="7" name="Rectangle 14"/>
-          <p:cNvSpPr/>
-          <p:nvPr/>
-        </p:nvSpPr>
-        <p:spPr>
-          <a:xfrm>
-            <a:off x="11291779" y="6596555"/>
-            <a:ext cx="380848" cy="138499"/>
-          </a:xfrm>
-          <a:prstGeom prst="rect">
-            <a:avLst/>
-          </a:prstGeom>
-        </p:spPr>
-        <p:txBody>
-          <a:bodyPr wrap="square" lIns="0" tIns="0" rIns="0" bIns="0">
-            <a:spAutoFit/>
-          </a:bodyPr>
-          <a:lstStyle/>
-          <a:p>
-            <a:r>
-              <a:rPr kumimoji="0" lang="en-US" sz="900" dirty="0" smtClean="0">
-                <a:solidFill>
-                  <a:srgbClr val="5A5A5A"/>
-                </a:solidFill>
-                <a:latin typeface="Arial" charset="0"/>
-                <a:ea typeface="Arial" charset="0"/>
-                <a:cs typeface="Arial" charset="0"/>
-              </a:rPr>
-              <a:t>Page</a:t>
-            </a:r>
-            <a:endParaRPr kumimoji="0" lang="en-US" sz="900" dirty="0">
-              <a:solidFill>
-                <a:srgbClr val="5A5A5A"/>
-              </a:solidFill>
-              <a:latin typeface="Arial" charset="0"/>
-              <a:ea typeface="Arial" charset="0"/>
-              <a:cs typeface="Arial" charset="0"/>
-            </a:endParaRPr>
-          </a:p>
-        </p:txBody>
-      </p:sp>
-      <p:sp>
-        <p:nvSpPr>
-          <p:cNvPr id="9" name="角丸四角形 8"/>
-          <p:cNvSpPr/>
-          <p:nvPr/>
-        </p:nvSpPr>
-        <p:spPr>
-          <a:xfrm>
-            <a:off x="10302948" y="19943"/>
-            <a:ext cx="1889051" cy="716526"/>
-          </a:xfrm>
-          <a:prstGeom prst="roundRect">
-            <a:avLst/>
-          </a:prstGeom>
-          <a:solidFill>
-            <a:schemeClr val="accent2"/>
-          </a:solidFill>
-          <a:ln>
-            <a:noFill/>
-          </a:ln>
-        </p:spPr>
-        <p:style>
-          <a:lnRef idx="2">
-            <a:schemeClr val="accent1">
-              <a:shade val="50000"/>
-            </a:schemeClr>
-          </a:lnRef>
-          <a:fillRef idx="1">
-            <a:schemeClr val="accent1"/>
-          </a:fillRef>
-          <a:effectRef idx="0">
-            <a:schemeClr val="accent1"/>
-          </a:effectRef>
-          <a:fontRef idx="minor">
-            <a:schemeClr val="lt1"/>
-          </a:fontRef>
-        </p:style>
-        <p:txBody>
-          <a:bodyPr rtlCol="0" anchor="ctr"/>
-          <a:lstStyle/>
-          <a:p>
-            <a:pPr algn="ctr"/>
-            <a:r>
-              <a:rPr kumimoji="1" lang="en-US" altLang="ja-JP" sz="2800" dirty="0" smtClean="0">
-                <a:latin typeface="Arial" charset="0"/>
-                <a:ea typeface="Arial" charset="0"/>
-                <a:cs typeface="Arial" charset="0"/>
-              </a:rPr>
-              <a:t>WIP</a:t>
-            </a:r>
-            <a:endParaRPr kumimoji="1" lang="ja-JP" altLang="en-US" sz="2800" dirty="0">
-              <a:latin typeface="Arial" charset="0"/>
-              <a:ea typeface="Arial" charset="0"/>
-              <a:cs typeface="Arial" charset="0"/>
-            </a:endParaRPr>
-          </a:p>
-        </p:txBody>
-      </p:sp>
-    </p:spTree>
-    <p:extLst>
-      <p:ext uri="{BB962C8B-B14F-4D97-AF65-F5344CB8AC3E}">
-        <p14:creationId xmlns:p14="http://schemas.microsoft.com/office/powerpoint/2010/main" val="841811139"/>
-      </p:ext>
-    </p:extLst>
-  </p:cSld>
-  <p:clrMapOvr>
-    <a:masterClrMapping/>
-  </p:clrMapOvr>
-  <p:timing>
-    <p:tnLst>
-      <p:par>
-        <p:cTn id="1" dur="indefinite" restart="never" nodeType="tmRoot"/>
-      </p:par>
-    </p:tnLst>
-  </p:timing>
-</p:sld>
-</file>
-
-<file path=ppt/slides/slide2.xml><?xml version="1.0" encoding="utf-8"?>
+<file path=ppt/slides/slide5.xml><?xml version="1.0" encoding="utf-8"?>
 <p:sld xmlns:a="http://schemas.openxmlformats.org/drawingml/2006/main" xmlns:r="http://schemas.openxmlformats.org/officeDocument/2006/relationships" xmlns:p="http://schemas.openxmlformats.org/presentationml/2006/main">
   <p:cSld>
     <p:spTree>
@@ -7401,7 +8839,7 @@
 </p:sld>
 </file>
 
-<file path=ppt/slides/slide3.xml><?xml version="1.0" encoding="utf-8"?>
+<file path=ppt/slides/slide6.xml><?xml version="1.0" encoding="utf-8"?>
 <p:sld xmlns:a="http://schemas.openxmlformats.org/drawingml/2006/main" xmlns:r="http://schemas.openxmlformats.org/officeDocument/2006/relationships" xmlns:p="http://schemas.openxmlformats.org/presentationml/2006/main">
   <p:cSld>
     <p:spTree>
@@ -9502,7 +10940,7 @@
 </p:sld>
 </file>
 
-<file path=ppt/slides/slide4.xml><?xml version="1.0" encoding="utf-8"?>
+<file path=ppt/slides/slide7.xml><?xml version="1.0" encoding="utf-8"?>
 <p:sld xmlns:a="http://schemas.openxmlformats.org/drawingml/2006/main" xmlns:r="http://schemas.openxmlformats.org/officeDocument/2006/relationships" xmlns:p="http://schemas.openxmlformats.org/presentationml/2006/main">
   <p:cSld>
     <p:spTree>
@@ -10743,15 +12181,7 @@
                           <a:ea typeface="Arial" charset="0"/>
                           <a:cs typeface="Arial" charset="0"/>
                         </a:rPr>
-                        <a:t>Low </a:t>
-                      </a:r>
-                      <a:r>
-                        <a:rPr kumimoji="1" lang="en-US" altLang="ja-JP" sz="1000" b="0" dirty="0" smtClean="0">
-                          <a:latin typeface="Arial" charset="0"/>
-                          <a:ea typeface="Arial" charset="0"/>
-                          <a:cs typeface="Arial" charset="0"/>
-                        </a:rPr>
-                        <a:t>?</a:t>
+                        <a:t>Low ?</a:t>
                       </a:r>
                       <a:endParaRPr kumimoji="1" lang="ja-JP" altLang="en-US" sz="1000" b="0" dirty="0" smtClean="0">
                         <a:latin typeface="Arial" charset="0"/>
@@ -11425,15 +12855,7 @@
                           <a:ea typeface="Arial" charset="0"/>
                           <a:cs typeface="Arial" charset="0"/>
                         </a:rPr>
-                        <a:t> </a:t>
-                      </a:r>
-                      <a:r>
-                        <a:rPr kumimoji="1" lang="en-US" altLang="ja-JP" sz="1000" baseline="0" dirty="0" smtClean="0">
-                          <a:latin typeface="Arial" charset="0"/>
-                          <a:ea typeface="Arial" charset="0"/>
-                          <a:cs typeface="Arial" charset="0"/>
-                        </a:rPr>
-                        <a:t>Service?</a:t>
+                        <a:t> Service?</a:t>
                       </a:r>
                       <a:endParaRPr kumimoji="1" lang="ja-JP" altLang="en-US" sz="1000" b="1" dirty="0">
                         <a:latin typeface="Arial" charset="0"/>
@@ -12623,7 +14045,7 @@
 </p:sld>
 </file>
 
-<file path=ppt/slides/slide5.xml><?xml version="1.0" encoding="utf-8"?>
+<file path=ppt/slides/slide8.xml><?xml version="1.0" encoding="utf-8"?>
 <p:sld xmlns:a="http://schemas.openxmlformats.org/drawingml/2006/main" xmlns:r="http://schemas.openxmlformats.org/officeDocument/2006/relationships" xmlns:p="http://schemas.openxmlformats.org/presentationml/2006/main">
   <p:cSld>
     <p:spTree>
@@ -28657,7 +30079,7 @@
 </p:sld>
 </file>
 
-<file path=ppt/slides/slide6.xml><?xml version="1.0" encoding="utf-8"?>
+<file path=ppt/slides/slide9.xml><?xml version="1.0" encoding="utf-8"?>
 <p:sld xmlns:a="http://schemas.openxmlformats.org/drawingml/2006/main" xmlns:r="http://schemas.openxmlformats.org/officeDocument/2006/relationships" xmlns:p="http://schemas.openxmlformats.org/presentationml/2006/main">
   <p:cSld>
     <p:spTree>
@@ -31312,987 +32734,6 @@
     <p:extLst>
       <p:ext uri="{BB962C8B-B14F-4D97-AF65-F5344CB8AC3E}">
         <p14:creationId xmlns:p14="http://schemas.microsoft.com/office/powerpoint/2010/main" val="1572227088"/>
-      </p:ext>
-    </p:extLst>
-  </p:cSld>
-  <p:clrMapOvr>
-    <a:masterClrMapping/>
-  </p:clrMapOvr>
-  <p:timing>
-    <p:tnLst>
-      <p:par>
-        <p:cTn id="1" dur="indefinite" restart="never" nodeType="tmRoot"/>
-      </p:par>
-    </p:tnLst>
-  </p:timing>
-</p:sld>
-</file>
-
-<file path=ppt/slides/slide7.xml><?xml version="1.0" encoding="utf-8"?>
-<p:sld xmlns:a="http://schemas.openxmlformats.org/drawingml/2006/main" xmlns:r="http://schemas.openxmlformats.org/officeDocument/2006/relationships" xmlns:p="http://schemas.openxmlformats.org/presentationml/2006/main">
-  <p:cSld>
-    <p:spTree>
-      <p:nvGrpSpPr>
-        <p:cNvPr id="1" name=""/>
-        <p:cNvGrpSpPr/>
-        <p:nvPr/>
-      </p:nvGrpSpPr>
-      <p:grpSpPr>
-        <a:xfrm>
-          <a:off x="0" y="0"/>
-          <a:ext cx="0" cy="0"/>
-          <a:chOff x="0" y="0"/>
-          <a:chExt cx="0" cy="0"/>
-        </a:xfrm>
-      </p:grpSpPr>
-      <p:sp>
-        <p:nvSpPr>
-          <p:cNvPr id="2" name="Title 1"/>
-          <p:cNvSpPr>
-            <a:spLocks noGrp="1"/>
-          </p:cNvSpPr>
-          <p:nvPr>
-            <p:ph type="title"/>
-          </p:nvPr>
-        </p:nvSpPr>
-        <p:spPr>
-          <a:xfrm>
-            <a:off x="322023" y="374794"/>
-            <a:ext cx="11426632" cy="512961"/>
-          </a:xfrm>
-        </p:spPr>
-        <p:txBody>
-          <a:bodyPr/>
-          <a:lstStyle/>
-          <a:p>
-            <a:r>
-              <a:rPr kumimoji="1" lang="en-US" altLang="ja-JP" sz="3600" b="1" dirty="0" smtClean="0">
-                <a:solidFill>
-                  <a:srgbClr val="00B0F0"/>
-                </a:solidFill>
-                <a:latin typeface="Arial" charset="0"/>
-                <a:ea typeface="Arial" charset="0"/>
-                <a:cs typeface="Arial" charset="0"/>
-              </a:rPr>
-              <a:t>Questions</a:t>
-            </a:r>
-            <a:endParaRPr kumimoji="1" lang="ja-JP" altLang="en-US" sz="2933" b="1" dirty="0">
-              <a:solidFill>
-                <a:srgbClr val="00B0F0"/>
-              </a:solidFill>
-              <a:latin typeface="Arial" charset="0"/>
-              <a:ea typeface="Arial" charset="0"/>
-              <a:cs typeface="Arial" charset="0"/>
-            </a:endParaRPr>
-          </a:p>
-        </p:txBody>
-      </p:sp>
-      <p:sp>
-        <p:nvSpPr>
-          <p:cNvPr id="4" name="テキスト ボックス 3"/>
-          <p:cNvSpPr txBox="1"/>
-          <p:nvPr/>
-        </p:nvSpPr>
-        <p:spPr>
-          <a:xfrm>
-            <a:off x="322023" y="1309477"/>
-            <a:ext cx="11426632" cy="4801314"/>
-          </a:xfrm>
-          <a:prstGeom prst="rect">
-            <a:avLst/>
-          </a:prstGeom>
-          <a:noFill/>
-        </p:spPr>
-        <p:txBody>
-          <a:bodyPr wrap="square" rtlCol="0">
-            <a:spAutoFit/>
-          </a:bodyPr>
-          <a:lstStyle/>
-          <a:p>
-            <a:pPr marL="285750" indent="-285750">
-              <a:buFont typeface="Arial" charset="0"/>
-              <a:buChar char="•"/>
-            </a:pPr>
-            <a:r>
-              <a:rPr lang="en-US" altLang="ja-JP" sz="1700" b="1" dirty="0" smtClean="0">
-                <a:latin typeface="Arial" charset="0"/>
-                <a:ea typeface="Arial" charset="0"/>
-                <a:cs typeface="Arial" charset="0"/>
-              </a:rPr>
-              <a:t>Planning Cycle</a:t>
-            </a:r>
-          </a:p>
-          <a:p>
-            <a:pPr marL="742950" lvl="1" indent="-285750">
-              <a:buFont typeface="Arial" charset="0"/>
-              <a:buChar char="•"/>
-            </a:pPr>
-            <a:r>
-              <a:rPr lang="en-US" altLang="ja-JP" sz="1700" dirty="0" smtClean="0">
-                <a:latin typeface="Arial" charset="0"/>
-                <a:ea typeface="Arial" charset="0"/>
-                <a:cs typeface="Arial" charset="0"/>
-              </a:rPr>
-              <a:t>3 months(quarterly),6 months(half) or full year?</a:t>
-            </a:r>
-          </a:p>
-          <a:p>
-            <a:pPr marL="285750" indent="-285750">
-              <a:buFont typeface="Arial" charset="0"/>
-              <a:buChar char="•"/>
-            </a:pPr>
-            <a:r>
-              <a:rPr lang="en-US" altLang="ja-JP" sz="1700" b="1" dirty="0" smtClean="0">
-                <a:latin typeface="Arial" charset="0"/>
-                <a:ea typeface="Arial" charset="0"/>
-                <a:cs typeface="Arial" charset="0"/>
-              </a:rPr>
-              <a:t>Marketing Budget</a:t>
-            </a:r>
-          </a:p>
-          <a:p>
-            <a:pPr marL="742950" lvl="1" indent="-285750">
-              <a:buFont typeface="Arial" charset="0"/>
-              <a:buChar char="•"/>
-            </a:pPr>
-            <a:r>
-              <a:rPr lang="en-US" altLang="ja-JP" sz="1700" dirty="0" smtClean="0">
-                <a:latin typeface="Arial" charset="0"/>
-                <a:ea typeface="Arial" charset="0"/>
-                <a:cs typeface="Arial" charset="0"/>
-              </a:rPr>
-              <a:t>How much?</a:t>
-            </a:r>
-          </a:p>
-          <a:p>
-            <a:pPr marL="742950" lvl="1" indent="-285750">
-              <a:buFont typeface="Arial" charset="0"/>
-              <a:buChar char="•"/>
-            </a:pPr>
-            <a:r>
-              <a:rPr lang="en-US" altLang="ja-JP" sz="1700" dirty="0" smtClean="0">
-                <a:latin typeface="Arial" charset="0"/>
-                <a:ea typeface="Arial" charset="0"/>
-                <a:cs typeface="Arial" charset="0"/>
-              </a:rPr>
-              <a:t>Is there any spending skew related to planning cycle?</a:t>
-            </a:r>
-          </a:p>
-          <a:p>
-            <a:pPr marL="285750" indent="-285750">
-              <a:buFont typeface="Arial" charset="0"/>
-              <a:buChar char="•"/>
-            </a:pPr>
-            <a:r>
-              <a:rPr lang="en-US" altLang="ja-JP" sz="1700" b="1" dirty="0">
-                <a:latin typeface="Arial" charset="0"/>
-                <a:ea typeface="Arial" charset="0"/>
-                <a:cs typeface="Arial" charset="0"/>
-              </a:rPr>
-              <a:t>KPI</a:t>
-            </a:r>
-          </a:p>
-          <a:p>
-            <a:pPr marL="742950" lvl="1" indent="-285750">
-              <a:buFont typeface="Arial" charset="0"/>
-              <a:buChar char="•"/>
-            </a:pPr>
-            <a:r>
-              <a:rPr lang="en-US" altLang="ja-JP" sz="1700" dirty="0">
-                <a:latin typeface="Arial" charset="0"/>
-                <a:ea typeface="Arial" charset="0"/>
-                <a:cs typeface="Arial" charset="0"/>
-              </a:rPr>
-              <a:t>What is primary KPI for Marketing? </a:t>
-            </a:r>
-            <a:endParaRPr lang="en-US" altLang="ja-JP" sz="1700" dirty="0" smtClean="0">
-              <a:latin typeface="Arial" charset="0"/>
-              <a:ea typeface="Arial" charset="0"/>
-              <a:cs typeface="Arial" charset="0"/>
-            </a:endParaRPr>
-          </a:p>
-          <a:p>
-            <a:pPr marL="285750" indent="-285750">
-              <a:buFont typeface="Arial" charset="0"/>
-              <a:buChar char="•"/>
-            </a:pPr>
-            <a:r>
-              <a:rPr lang="en-US" altLang="ja-JP" sz="1700" b="1" dirty="0" smtClean="0">
-                <a:latin typeface="Arial" charset="0"/>
-                <a:ea typeface="Arial" charset="0"/>
-                <a:cs typeface="Arial" charset="0"/>
-              </a:rPr>
-              <a:t>Marketing Performance Report</a:t>
-            </a:r>
-          </a:p>
-          <a:p>
-            <a:pPr marL="742950" lvl="1" indent="-285750">
-              <a:buFont typeface="Arial" charset="0"/>
-              <a:buChar char="•"/>
-            </a:pPr>
-            <a:r>
-              <a:rPr lang="en-US" altLang="ja-JP" sz="1700" dirty="0" smtClean="0">
-                <a:latin typeface="Arial" charset="0"/>
-                <a:ea typeface="Arial" charset="0"/>
-                <a:cs typeface="Arial" charset="0"/>
-              </a:rPr>
-              <a:t>How do you capture Marketing performance? Do you use any reporting tools?</a:t>
-            </a:r>
-          </a:p>
-          <a:p>
-            <a:pPr marL="285750" indent="-285750">
-              <a:buFont typeface="Arial" charset="0"/>
-              <a:buChar char="•"/>
-            </a:pPr>
-            <a:r>
-              <a:rPr lang="en-US" altLang="ja-JP" sz="1700" b="1" dirty="0" smtClean="0">
-                <a:latin typeface="Arial" charset="0"/>
-                <a:ea typeface="Arial" charset="0"/>
-                <a:cs typeface="Arial" charset="0"/>
-              </a:rPr>
-              <a:t>Digital Marketing</a:t>
-            </a:r>
-          </a:p>
-          <a:p>
-            <a:pPr marL="742950" lvl="1" indent="-285750">
-              <a:buFont typeface="Arial" charset="0"/>
-              <a:buChar char="•"/>
-            </a:pPr>
-            <a:r>
-              <a:rPr lang="en-US" altLang="ja-JP" sz="1700" dirty="0" smtClean="0">
-                <a:latin typeface="Arial" charset="0"/>
-                <a:ea typeface="Arial" charset="0"/>
-                <a:cs typeface="Arial" charset="0"/>
-              </a:rPr>
-              <a:t>How do you buy paid medias such as display ads, paid </a:t>
-            </a:r>
-            <a:r>
-              <a:rPr lang="en-US" altLang="ja-JP" sz="1700" dirty="0">
-                <a:latin typeface="Arial" charset="0"/>
-                <a:ea typeface="Arial" charset="0"/>
-                <a:cs typeface="Arial" charset="0"/>
-              </a:rPr>
-              <a:t>s</a:t>
-            </a:r>
-            <a:r>
-              <a:rPr lang="en-US" altLang="ja-JP" sz="1700" dirty="0" smtClean="0">
-                <a:latin typeface="Arial" charset="0"/>
-                <a:ea typeface="Arial" charset="0"/>
-                <a:cs typeface="Arial" charset="0"/>
-              </a:rPr>
-              <a:t>earch and sponsorships? Do you do Central buying? </a:t>
-            </a:r>
-          </a:p>
-          <a:p>
-            <a:pPr marL="285750" indent="-285750">
-              <a:buFont typeface="Arial" charset="0"/>
-              <a:buChar char="•"/>
-            </a:pPr>
-            <a:r>
-              <a:rPr lang="en-US" altLang="ja-JP" sz="1700" b="1" dirty="0" smtClean="0">
-                <a:latin typeface="Arial" charset="0"/>
-                <a:ea typeface="Arial" charset="0"/>
-                <a:cs typeface="Arial" charset="0"/>
-              </a:rPr>
-              <a:t>Customer database</a:t>
-            </a:r>
-          </a:p>
-          <a:p>
-            <a:pPr marL="742950" lvl="1" indent="-285750">
-              <a:buFont typeface="Arial" charset="0"/>
-              <a:buChar char="•"/>
-            </a:pPr>
-            <a:r>
-              <a:rPr lang="en-US" altLang="ja-JP" sz="1700" dirty="0" smtClean="0">
-                <a:latin typeface="Arial" charset="0"/>
-                <a:ea typeface="Arial" charset="0"/>
-                <a:cs typeface="Arial" charset="0"/>
-              </a:rPr>
-              <a:t>How do you manage Geo specific customer data?  Any centralized database?</a:t>
-            </a:r>
-            <a:endParaRPr kumimoji="1" lang="en-US" altLang="ja-JP" sz="1700" dirty="0" smtClean="0">
-              <a:latin typeface="Arial" charset="0"/>
-              <a:ea typeface="Arial" charset="0"/>
-              <a:cs typeface="Arial" charset="0"/>
-            </a:endParaRPr>
-          </a:p>
-          <a:p>
-            <a:pPr marL="285750" indent="-285750">
-              <a:buFont typeface="Arial" charset="0"/>
-              <a:buChar char="•"/>
-            </a:pPr>
-            <a:r>
-              <a:rPr lang="en-US" altLang="ja-JP" sz="1700" b="1" dirty="0" smtClean="0">
-                <a:latin typeface="Arial" charset="0"/>
-                <a:ea typeface="Arial" charset="0"/>
-                <a:cs typeface="Arial" charset="0"/>
-              </a:rPr>
-              <a:t>Marketing Intelligence</a:t>
-            </a:r>
-          </a:p>
-          <a:p>
-            <a:pPr marL="742950" lvl="1" indent="-285750">
-              <a:buFont typeface="Arial" charset="0"/>
-              <a:buChar char="•"/>
-            </a:pPr>
-            <a:r>
-              <a:rPr lang="en-US" altLang="ja-JP" sz="1700" dirty="0" smtClean="0">
-                <a:latin typeface="Arial" charset="0"/>
-                <a:ea typeface="Arial" charset="0"/>
-                <a:cs typeface="Arial" charset="0"/>
-              </a:rPr>
-              <a:t>Is there any </a:t>
-            </a:r>
-            <a:r>
-              <a:rPr lang="en-US" altLang="ja-JP" sz="1700" dirty="0">
-                <a:latin typeface="Arial" charset="0"/>
-                <a:ea typeface="Arial" charset="0"/>
-                <a:cs typeface="Arial" charset="0"/>
-              </a:rPr>
-              <a:t>c</a:t>
-            </a:r>
-            <a:r>
-              <a:rPr lang="en-US" altLang="ja-JP" sz="1700" dirty="0" smtClean="0">
-                <a:latin typeface="Arial" charset="0"/>
-                <a:ea typeface="Arial" charset="0"/>
-                <a:cs typeface="Arial" charset="0"/>
-              </a:rPr>
-              <a:t>entralized function for MI? How do Geo marketing get local market </a:t>
-            </a:r>
-            <a:r>
-              <a:rPr lang="en-US" altLang="ja-JP" sz="1700" dirty="0">
-                <a:latin typeface="Arial" charset="0"/>
-                <a:ea typeface="Arial" charset="0"/>
-                <a:cs typeface="Arial" charset="0"/>
-              </a:rPr>
-              <a:t>Insights/research </a:t>
-            </a:r>
-            <a:r>
-              <a:rPr lang="en-US" altLang="ja-JP" sz="1700" dirty="0" smtClean="0">
-                <a:latin typeface="Arial" charset="0"/>
-                <a:ea typeface="Arial" charset="0"/>
-                <a:cs typeface="Arial" charset="0"/>
-              </a:rPr>
-              <a:t>information?</a:t>
-            </a:r>
-          </a:p>
-          <a:p>
-            <a:pPr marL="285750" indent="-285750">
-              <a:buFont typeface="Arial" charset="0"/>
-              <a:buChar char="•"/>
-            </a:pPr>
-            <a:r>
-              <a:rPr kumimoji="1" lang="en-US" altLang="ja-JP" sz="1700" b="1" dirty="0" smtClean="0">
-                <a:latin typeface="Arial" charset="0"/>
-                <a:ea typeface="Arial" charset="0"/>
-                <a:cs typeface="Arial" charset="0"/>
-              </a:rPr>
-              <a:t>Inside Sales</a:t>
-            </a:r>
-          </a:p>
-          <a:p>
-            <a:pPr marL="742950" lvl="1" indent="-285750">
-              <a:buFont typeface="Arial" charset="0"/>
-              <a:buChar char="•"/>
-            </a:pPr>
-            <a:r>
-              <a:rPr lang="en-US" altLang="ja-JP" sz="1700" dirty="0" smtClean="0">
-                <a:latin typeface="Arial" charset="0"/>
-                <a:ea typeface="Arial" charset="0"/>
-                <a:cs typeface="Arial" charset="0"/>
-              </a:rPr>
-              <a:t>Is there any inside sales functions?</a:t>
-            </a:r>
-            <a:endParaRPr kumimoji="1" lang="ja-JP" altLang="en-US" sz="1700" dirty="0">
-              <a:latin typeface="Arial" charset="0"/>
-              <a:ea typeface="Arial" charset="0"/>
-              <a:cs typeface="Arial" charset="0"/>
-            </a:endParaRPr>
-          </a:p>
-        </p:txBody>
-      </p:sp>
-    </p:spTree>
-    <p:extLst>
-      <p:ext uri="{BB962C8B-B14F-4D97-AF65-F5344CB8AC3E}">
-        <p14:creationId xmlns:p14="http://schemas.microsoft.com/office/powerpoint/2010/main" val="1749016565"/>
-      </p:ext>
-    </p:extLst>
-  </p:cSld>
-  <p:clrMapOvr>
-    <a:masterClrMapping/>
-  </p:clrMapOvr>
-  <p:timing>
-    <p:tnLst>
-      <p:par>
-        <p:cTn id="1" dur="indefinite" restart="never" nodeType="tmRoot"/>
-      </p:par>
-    </p:tnLst>
-  </p:timing>
-</p:sld>
-</file>
-
-<file path=ppt/slides/slide8.xml><?xml version="1.0" encoding="utf-8"?>
-<p:sld xmlns:a="http://schemas.openxmlformats.org/drawingml/2006/main" xmlns:r="http://schemas.openxmlformats.org/officeDocument/2006/relationships" xmlns:p="http://schemas.openxmlformats.org/presentationml/2006/main">
-  <p:cSld>
-    <p:spTree>
-      <p:nvGrpSpPr>
-        <p:cNvPr id="1" name=""/>
-        <p:cNvGrpSpPr/>
-        <p:nvPr/>
-      </p:nvGrpSpPr>
-      <p:grpSpPr>
-        <a:xfrm>
-          <a:off x="0" y="0"/>
-          <a:ext cx="0" cy="0"/>
-          <a:chOff x="0" y="0"/>
-          <a:chExt cx="0" cy="0"/>
-        </a:xfrm>
-      </p:grpSpPr>
-      <p:sp>
-        <p:nvSpPr>
-          <p:cNvPr id="3" name="Title 1"/>
-          <p:cNvSpPr txBox="1">
-            <a:spLocks/>
-          </p:cNvSpPr>
-          <p:nvPr/>
-        </p:nvSpPr>
-        <p:spPr>
-          <a:xfrm>
-            <a:off x="322023" y="374794"/>
-            <a:ext cx="11426632" cy="1538883"/>
-          </a:xfrm>
-          <a:prstGeom prst="rect">
-            <a:avLst/>
-          </a:prstGeom>
-        </p:spPr>
-        <p:txBody>
-          <a:bodyPr/>
-          <a:lstStyle>
-            <a:lvl1pPr algn="l" defTabSz="1219170" rtl="0" eaLnBrk="1" latinLnBrk="0" hangingPunct="1">
-              <a:spcBef>
-                <a:spcPct val="0"/>
-              </a:spcBef>
-              <a:buNone/>
-              <a:defRPr sz="5600" kern="1200" baseline="0">
-                <a:solidFill>
-                  <a:srgbClr val="FFFFFF"/>
-                </a:solidFill>
-                <a:latin typeface="+mj-lt"/>
-                <a:ea typeface="+mj-ea"/>
-                <a:cs typeface="+mj-cs"/>
-              </a:defRPr>
-            </a:lvl1pPr>
-          </a:lstStyle>
-          <a:p>
-            <a:pPr marL="0" lvl="1" algn="l" defTabSz="1219170" rtl="0">
-              <a:lnSpc>
-                <a:spcPts val="4000"/>
-              </a:lnSpc>
-              <a:spcBef>
-                <a:spcPct val="0"/>
-              </a:spcBef>
-            </a:pPr>
-            <a:r>
-              <a:rPr kumimoji="1" lang="en-US" altLang="ja-JP" sz="3600" b="1" kern="0" dirty="0" smtClean="0">
-                <a:solidFill>
-                  <a:srgbClr val="00B0F0"/>
-                </a:solidFill>
-                <a:latin typeface="Arial" charset="0"/>
-                <a:ea typeface="Arial" charset="0"/>
-                <a:cs typeface="Arial" charset="0"/>
-              </a:rPr>
-              <a:t>Appendix</a:t>
-            </a:r>
-            <a:endParaRPr kumimoji="1" lang="en-US" altLang="ja-JP" sz="3600" b="1" kern="0" dirty="0">
-              <a:solidFill>
-                <a:srgbClr val="00B0F0"/>
-              </a:solidFill>
-              <a:latin typeface="Arial" charset="0"/>
-              <a:ea typeface="Arial" charset="0"/>
-              <a:cs typeface="Arial" charset="0"/>
-            </a:endParaRPr>
-          </a:p>
-        </p:txBody>
-      </p:sp>
-    </p:spTree>
-    <p:extLst>
-      <p:ext uri="{BB962C8B-B14F-4D97-AF65-F5344CB8AC3E}">
-        <p14:creationId xmlns:p14="http://schemas.microsoft.com/office/powerpoint/2010/main" val="1572702477"/>
-      </p:ext>
-    </p:extLst>
-  </p:cSld>
-  <p:clrMapOvr>
-    <a:masterClrMapping/>
-  </p:clrMapOvr>
-  <p:timing>
-    <p:tnLst>
-      <p:par>
-        <p:cTn id="1" dur="indefinite" restart="never" nodeType="tmRoot"/>
-      </p:par>
-    </p:tnLst>
-  </p:timing>
-</p:sld>
-</file>
-
-<file path=ppt/slides/slide9.xml><?xml version="1.0" encoding="utf-8"?>
-<p:sld xmlns:a="http://schemas.openxmlformats.org/drawingml/2006/main" xmlns:r="http://schemas.openxmlformats.org/officeDocument/2006/relationships" xmlns:p="http://schemas.openxmlformats.org/presentationml/2006/main">
-  <p:cSld>
-    <p:spTree>
-      <p:nvGrpSpPr>
-        <p:cNvPr id="1" name=""/>
-        <p:cNvGrpSpPr/>
-        <p:nvPr/>
-      </p:nvGrpSpPr>
-      <p:grpSpPr>
-        <a:xfrm>
-          <a:off x="0" y="0"/>
-          <a:ext cx="0" cy="0"/>
-          <a:chOff x="0" y="0"/>
-          <a:chExt cx="0" cy="0"/>
-        </a:xfrm>
-      </p:grpSpPr>
-      <p:sp>
-        <p:nvSpPr>
-          <p:cNvPr id="2" name="Title 1"/>
-          <p:cNvSpPr>
-            <a:spLocks noGrp="1"/>
-          </p:cNvSpPr>
-          <p:nvPr>
-            <p:ph type="title"/>
-          </p:nvPr>
-        </p:nvSpPr>
-        <p:spPr>
-          <a:xfrm>
-            <a:off x="322023" y="328628"/>
-            <a:ext cx="11426632" cy="605294"/>
-          </a:xfrm>
-        </p:spPr>
-        <p:txBody>
-          <a:bodyPr/>
-          <a:lstStyle/>
-          <a:p>
-            <a:r>
-              <a:rPr kumimoji="1" lang="en-US" altLang="ja-JP" sz="3600" b="1" dirty="0" smtClean="0">
-                <a:solidFill>
-                  <a:srgbClr val="00B0F0"/>
-                </a:solidFill>
-                <a:latin typeface="Arial" charset="0"/>
-                <a:ea typeface="Arial" charset="0"/>
-                <a:cs typeface="Arial" charset="0"/>
-              </a:rPr>
-              <a:t>Persona</a:t>
-            </a:r>
-            <a:endParaRPr kumimoji="1" lang="ja-JP" altLang="en-US" sz="2933" b="1" dirty="0">
-              <a:solidFill>
-                <a:srgbClr val="00B0F0"/>
-              </a:solidFill>
-              <a:latin typeface="Arial" charset="0"/>
-              <a:ea typeface="Arial" charset="0"/>
-              <a:cs typeface="Arial" charset="0"/>
-            </a:endParaRPr>
-          </a:p>
-        </p:txBody>
-      </p:sp>
-      <p:sp>
-        <p:nvSpPr>
-          <p:cNvPr id="5" name="Text Placeholder 3"/>
-          <p:cNvSpPr>
-            <a:spLocks noGrp="1"/>
-          </p:cNvSpPr>
-          <p:nvPr>
-            <p:ph type="body" sz="quarter" idx="11"/>
-          </p:nvPr>
-        </p:nvSpPr>
-        <p:spPr>
-          <a:xfrm>
-            <a:off x="322023" y="2952711"/>
-            <a:ext cx="5859321" cy="3422475"/>
-          </a:xfrm>
-        </p:spPr>
-        <p:txBody>
-          <a:bodyPr/>
-          <a:lstStyle/>
-          <a:p>
-            <a:pPr marL="0" indent="0">
-              <a:buNone/>
-            </a:pPr>
-            <a:r>
-              <a:rPr lang="en-US" altLang="ja-JP" sz="2000" b="1" dirty="0">
-                <a:solidFill>
-                  <a:schemeClr val="tx1"/>
-                </a:solidFill>
-                <a:latin typeface="Arial" charset="0"/>
-                <a:ea typeface="Arial" charset="0"/>
-                <a:cs typeface="Arial" charset="0"/>
-              </a:rPr>
-              <a:t>in-house Developers in </a:t>
-            </a:r>
-            <a:r>
-              <a:rPr lang="en-US" altLang="ja-JP" sz="2000" b="1" dirty="0" smtClean="0">
-                <a:solidFill>
-                  <a:schemeClr val="tx1"/>
-                </a:solidFill>
-                <a:latin typeface="Arial" charset="0"/>
-                <a:ea typeface="Arial" charset="0"/>
-                <a:cs typeface="Arial" charset="0"/>
-              </a:rPr>
-              <a:t>larger companies:</a:t>
-            </a:r>
-          </a:p>
-          <a:p>
-            <a:pPr marL="0" indent="0">
-              <a:buNone/>
-            </a:pPr>
-            <a:r>
-              <a:rPr lang="en-US" altLang="ja-JP" dirty="0" smtClean="0">
-                <a:solidFill>
-                  <a:schemeClr val="tx1"/>
-                </a:solidFill>
-                <a:latin typeface="Arial" charset="0"/>
-                <a:ea typeface="Arial" charset="0"/>
-                <a:cs typeface="Arial" charset="0"/>
-              </a:rPr>
-              <a:t>Who is </a:t>
-            </a:r>
-            <a:r>
-              <a:rPr lang="en-US" altLang="ja-JP" dirty="0">
-                <a:solidFill>
-                  <a:schemeClr val="tx1"/>
-                </a:solidFill>
-                <a:latin typeface="Arial" charset="0"/>
-                <a:ea typeface="Arial" charset="0"/>
-                <a:cs typeface="Arial" charset="0"/>
-              </a:rPr>
-              <a:t>involved in the innovation, design, coding, testing and maintenance for both front-end and back-end development depending on the needs and resources of a project</a:t>
-            </a:r>
-            <a:r>
-              <a:rPr lang="en-US" altLang="ja-JP" dirty="0" smtClean="0">
-                <a:solidFill>
-                  <a:schemeClr val="tx1"/>
-                </a:solidFill>
-                <a:latin typeface="Arial" charset="0"/>
-                <a:ea typeface="Arial" charset="0"/>
-                <a:cs typeface="Arial" charset="0"/>
-              </a:rPr>
-              <a:t>.</a:t>
-            </a:r>
-          </a:p>
-          <a:p>
-            <a:pPr marL="0" indent="0">
-              <a:buNone/>
-            </a:pPr>
-            <a:r>
-              <a:rPr lang="en-US" altLang="ja-JP" dirty="0" smtClean="0">
-                <a:solidFill>
-                  <a:schemeClr val="tx1"/>
-                </a:solidFill>
-                <a:latin typeface="Arial" charset="0"/>
-                <a:ea typeface="Arial" charset="0"/>
-                <a:cs typeface="Arial" charset="0"/>
-              </a:rPr>
-              <a:t>He </a:t>
-            </a:r>
-            <a:r>
-              <a:rPr lang="en-US" altLang="ja-JP" dirty="0">
-                <a:solidFill>
-                  <a:schemeClr val="tx1"/>
-                </a:solidFill>
-                <a:latin typeface="Arial" charset="0"/>
-                <a:ea typeface="Arial" charset="0"/>
-                <a:cs typeface="Arial" charset="0"/>
-              </a:rPr>
-              <a:t>mainly codes in C# or Java for customer-facing applications. He also uses HTML/CSS, JavaScript, and some PHP for smaller web or mobile projects. </a:t>
-            </a:r>
-            <a:r>
-              <a:rPr lang="en-US" altLang="ja-JP" dirty="0" smtClean="0">
-                <a:solidFill>
-                  <a:schemeClr val="tx1"/>
-                </a:solidFill>
-                <a:latin typeface="Arial" charset="0"/>
-                <a:ea typeface="Arial" charset="0"/>
-                <a:cs typeface="Arial" charset="0"/>
-              </a:rPr>
-              <a:t>He</a:t>
-            </a:r>
-            <a:r>
-              <a:rPr lang="en-US" altLang="ja-JP" dirty="0" smtClean="0">
-                <a:solidFill>
-                  <a:schemeClr val="tx1"/>
-                </a:solidFill>
-                <a:latin typeface="Arial" charset="0"/>
-                <a:ea typeface="Arial" charset="0"/>
-                <a:cs typeface="Arial" charset="0"/>
-              </a:rPr>
-              <a:t> </a:t>
-            </a:r>
-            <a:r>
-              <a:rPr lang="en-US" altLang="ja-JP" dirty="0">
-                <a:solidFill>
-                  <a:schemeClr val="tx1"/>
-                </a:solidFill>
-                <a:latin typeface="Arial" charset="0"/>
-                <a:ea typeface="Arial" charset="0"/>
-                <a:cs typeface="Arial" charset="0"/>
-              </a:rPr>
-              <a:t>also integrates with back-end web-services, APIs, legacy applications, databases and packaged </a:t>
-            </a:r>
-            <a:r>
-              <a:rPr lang="en-US" altLang="ja-JP" dirty="0" smtClean="0">
-                <a:solidFill>
-                  <a:schemeClr val="tx1"/>
-                </a:solidFill>
-                <a:latin typeface="Arial" charset="0"/>
-                <a:ea typeface="Arial" charset="0"/>
-                <a:cs typeface="Arial" charset="0"/>
-              </a:rPr>
-              <a:t>applications.</a:t>
-            </a:r>
-          </a:p>
-          <a:p>
-            <a:pPr marL="0" indent="0">
-              <a:buNone/>
-            </a:pPr>
-            <a:r>
-              <a:rPr lang="en-US" altLang="ja-JP" dirty="0" smtClean="0">
-                <a:solidFill>
-                  <a:schemeClr val="tx1"/>
-                </a:solidFill>
-                <a:latin typeface="Arial" charset="0"/>
-                <a:ea typeface="Arial" charset="0"/>
-                <a:cs typeface="Arial" charset="0"/>
-              </a:rPr>
-              <a:t>He </a:t>
-            </a:r>
-            <a:r>
-              <a:rPr lang="en-US" altLang="ja-JP" dirty="0">
-                <a:solidFill>
-                  <a:schemeClr val="tx1"/>
-                </a:solidFill>
-                <a:latin typeface="Arial" charset="0"/>
-                <a:ea typeface="Arial" charset="0"/>
-                <a:cs typeface="Arial" charset="0"/>
-              </a:rPr>
-              <a:t>wants to get work done quickly and with minimal interruptions. He wants tools that allow more effective collaboration and communication</a:t>
-            </a:r>
-            <a:r>
-              <a:rPr lang="en-US" altLang="ja-JP" dirty="0" smtClean="0">
-                <a:solidFill>
-                  <a:schemeClr val="tx1"/>
-                </a:solidFill>
-                <a:latin typeface="Arial" charset="0"/>
-                <a:ea typeface="Arial" charset="0"/>
-                <a:cs typeface="Arial" charset="0"/>
-              </a:rPr>
-              <a:t>.</a:t>
-            </a:r>
-          </a:p>
-        </p:txBody>
-      </p:sp>
-      <p:sp>
-        <p:nvSpPr>
-          <p:cNvPr id="18" name="Text Placeholder 3"/>
-          <p:cNvSpPr>
-            <a:spLocks noGrp="1"/>
-          </p:cNvSpPr>
-          <p:nvPr>
-            <p:ph type="body" sz="quarter" idx="12"/>
-          </p:nvPr>
-        </p:nvSpPr>
-        <p:spPr>
-          <a:xfrm>
-            <a:off x="6940362" y="2952711"/>
-            <a:ext cx="5093141" cy="3816429"/>
-          </a:xfrm>
-        </p:spPr>
-        <p:txBody>
-          <a:bodyPr/>
-          <a:lstStyle/>
-          <a:p>
-            <a:pPr marL="0" indent="0">
-              <a:lnSpc>
-                <a:spcPct val="100000"/>
-              </a:lnSpc>
-              <a:buNone/>
-            </a:pPr>
-            <a:r>
-              <a:rPr lang="en-US" altLang="ja-JP" sz="1800" b="1" dirty="0">
-                <a:solidFill>
-                  <a:schemeClr val="tx1"/>
-                </a:solidFill>
-                <a:latin typeface="Arial" charset="0"/>
-                <a:ea typeface="Arial" charset="0"/>
-                <a:cs typeface="Arial" charset="0"/>
-              </a:rPr>
-              <a:t>Client Challenges </a:t>
-            </a:r>
-            <a:endParaRPr lang="en-US" altLang="ja-JP" sz="1800" dirty="0">
-              <a:solidFill>
-                <a:schemeClr val="tx1"/>
-              </a:solidFill>
-              <a:latin typeface="Arial" charset="0"/>
-              <a:ea typeface="Arial" charset="0"/>
-              <a:cs typeface="Arial" charset="0"/>
-            </a:endParaRPr>
-          </a:p>
-          <a:p>
-            <a:pPr marL="285750" indent="-285750">
-              <a:lnSpc>
-                <a:spcPct val="100000"/>
-              </a:lnSpc>
-              <a:buFont typeface="Wingdings" charset="2"/>
-              <a:buChar char="p"/>
-            </a:pPr>
-            <a:r>
-              <a:rPr lang="en-US" altLang="ja-JP" sz="1600" dirty="0">
-                <a:solidFill>
-                  <a:schemeClr val="tx1"/>
-                </a:solidFill>
-                <a:latin typeface="Arial" charset="0"/>
-                <a:ea typeface="Arial" charset="0"/>
-                <a:cs typeface="Arial" charset="0"/>
-              </a:rPr>
-              <a:t>Deal with delays and bottlenecks across the software delivery lifecycle, </a:t>
-            </a:r>
-            <a:r>
-              <a:rPr lang="en-US" altLang="ja-JP" sz="1600" dirty="0" smtClean="0">
-                <a:solidFill>
-                  <a:schemeClr val="tx1"/>
-                </a:solidFill>
-                <a:latin typeface="Arial" charset="0"/>
-                <a:ea typeface="Arial" charset="0"/>
-                <a:cs typeface="Arial" charset="0"/>
-              </a:rPr>
-              <a:t>achieve </a:t>
-            </a:r>
-            <a:r>
-              <a:rPr lang="en-US" altLang="ja-JP" sz="1600" dirty="0">
-                <a:solidFill>
-                  <a:schemeClr val="tx1"/>
-                </a:solidFill>
-                <a:latin typeface="Arial" charset="0"/>
-                <a:ea typeface="Arial" charset="0"/>
-                <a:cs typeface="Arial" charset="0"/>
-              </a:rPr>
-              <a:t>faster response times for defect analysis and </a:t>
-            </a:r>
-            <a:r>
-              <a:rPr lang="en-US" altLang="ja-JP" sz="1600" dirty="0" smtClean="0">
-                <a:solidFill>
-                  <a:schemeClr val="tx1"/>
-                </a:solidFill>
-                <a:latin typeface="Arial" charset="0"/>
-                <a:ea typeface="Arial" charset="0"/>
-                <a:cs typeface="Arial" charset="0"/>
-              </a:rPr>
-              <a:t>remediation.</a:t>
-            </a:r>
-            <a:endParaRPr lang="en-US" altLang="ja-JP" sz="1600" dirty="0">
-              <a:solidFill>
-                <a:schemeClr val="tx1"/>
-              </a:solidFill>
-              <a:latin typeface="Arial" charset="0"/>
-              <a:ea typeface="Arial" charset="0"/>
-              <a:cs typeface="Arial" charset="0"/>
-            </a:endParaRPr>
-          </a:p>
-          <a:p>
-            <a:pPr marL="285750" indent="-285750">
-              <a:lnSpc>
-                <a:spcPct val="100000"/>
-              </a:lnSpc>
-              <a:buFont typeface="Wingdings" charset="2"/>
-              <a:buChar char="p"/>
-            </a:pPr>
-            <a:r>
-              <a:rPr lang="en-US" altLang="ja-JP" sz="1600" dirty="0">
-                <a:solidFill>
-                  <a:schemeClr val="tx1"/>
-                </a:solidFill>
-                <a:latin typeface="Arial" charset="0"/>
-                <a:ea typeface="Arial" charset="0"/>
-                <a:cs typeface="Arial" charset="0"/>
-              </a:rPr>
-              <a:t>Communicate effectively with clients and co-workers; working remotely with colleagues.</a:t>
-            </a:r>
-          </a:p>
-          <a:p>
-            <a:pPr marL="285750" indent="-285750">
-              <a:lnSpc>
-                <a:spcPct val="100000"/>
-              </a:lnSpc>
-              <a:buFont typeface="Wingdings" charset="2"/>
-              <a:buChar char="p"/>
-            </a:pPr>
-            <a:r>
-              <a:rPr lang="en-US" altLang="ja-JP" sz="1600" dirty="0">
-                <a:solidFill>
-                  <a:schemeClr val="tx1"/>
-                </a:solidFill>
-                <a:latin typeface="Arial" charset="0"/>
-                <a:ea typeface="Arial" charset="0"/>
-                <a:cs typeface="Arial" charset="0"/>
-              </a:rPr>
-              <a:t>Work with multiple tools across multiple projects.</a:t>
-            </a:r>
-            <a:endParaRPr lang="en-US" altLang="ja-JP" sz="1600" dirty="0" smtClean="0">
-              <a:solidFill>
-                <a:schemeClr val="tx1"/>
-              </a:solidFill>
-              <a:latin typeface="Arial" charset="0"/>
-              <a:ea typeface="Arial" charset="0"/>
-              <a:cs typeface="Arial" charset="0"/>
-            </a:endParaRPr>
-          </a:p>
-          <a:p>
-            <a:pPr marL="285750" indent="-285750">
-              <a:lnSpc>
-                <a:spcPct val="100000"/>
-              </a:lnSpc>
-              <a:buFont typeface="Wingdings" charset="2"/>
-              <a:buChar char="p"/>
-            </a:pPr>
-            <a:r>
-              <a:rPr lang="en-US" altLang="ja-JP" sz="1600" dirty="0">
-                <a:solidFill>
-                  <a:schemeClr val="tx1"/>
-                </a:solidFill>
-                <a:latin typeface="Arial" charset="0"/>
-                <a:ea typeface="Arial" charset="0"/>
-                <a:cs typeface="Arial" charset="0"/>
-              </a:rPr>
-              <a:t>Keep things in-sync across multiple projects.</a:t>
-            </a:r>
-          </a:p>
-        </p:txBody>
-      </p:sp>
-      <p:pic>
-        <p:nvPicPr>
-          <p:cNvPr id="3" name="図 2"/>
-          <p:cNvPicPr>
-            <a:picLocks noChangeAspect="1"/>
-          </p:cNvPicPr>
-          <p:nvPr/>
-        </p:nvPicPr>
-        <p:blipFill>
-          <a:blip r:embed="rId2"/>
-          <a:stretch>
-            <a:fillRect/>
-          </a:stretch>
-        </p:blipFill>
-        <p:spPr>
-          <a:xfrm>
-            <a:off x="322023" y="1152977"/>
-            <a:ext cx="1896813" cy="1580678"/>
-          </a:xfrm>
-          <a:prstGeom prst="rect">
-            <a:avLst/>
-          </a:prstGeom>
-        </p:spPr>
-      </p:pic>
-    </p:spTree>
-    <p:extLst>
-      <p:ext uri="{BB962C8B-B14F-4D97-AF65-F5344CB8AC3E}">
-        <p14:creationId xmlns:p14="http://schemas.microsoft.com/office/powerpoint/2010/main" val="1854431012"/>
       </p:ext>
     </p:extLst>
   </p:cSld>

--- a/GitHub Japan Marketing Strategy.pptx
+++ b/GitHub Japan Marketing Strategy.pptx
@@ -5,24 +5,25 @@
     <p:sldMasterId id="2147483717" r:id="rId1"/>
   </p:sldMasterIdLst>
   <p:notesMasterIdLst>
-    <p:notesMasterId r:id="rId17"/>
+    <p:notesMasterId r:id="rId18"/>
   </p:notesMasterIdLst>
   <p:sldIdLst>
     <p:sldId id="277" r:id="rId2"/>
-    <p:sldId id="268" r:id="rId3"/>
-    <p:sldId id="260" r:id="rId4"/>
-    <p:sldId id="263" r:id="rId5"/>
-    <p:sldId id="262" r:id="rId6"/>
-    <p:sldId id="272" r:id="rId7"/>
-    <p:sldId id="258" r:id="rId8"/>
-    <p:sldId id="269" r:id="rId9"/>
-    <p:sldId id="273" r:id="rId10"/>
-    <p:sldId id="266" r:id="rId11"/>
-    <p:sldId id="267" r:id="rId12"/>
-    <p:sldId id="275" r:id="rId13"/>
-    <p:sldId id="276" r:id="rId14"/>
-    <p:sldId id="271" r:id="rId15"/>
-    <p:sldId id="274" r:id="rId16"/>
+    <p:sldId id="278" r:id="rId3"/>
+    <p:sldId id="268" r:id="rId4"/>
+    <p:sldId id="260" r:id="rId5"/>
+    <p:sldId id="263" r:id="rId6"/>
+    <p:sldId id="262" r:id="rId7"/>
+    <p:sldId id="272" r:id="rId8"/>
+    <p:sldId id="258" r:id="rId9"/>
+    <p:sldId id="269" r:id="rId10"/>
+    <p:sldId id="273" r:id="rId11"/>
+    <p:sldId id="266" r:id="rId12"/>
+    <p:sldId id="267" r:id="rId13"/>
+    <p:sldId id="275" r:id="rId14"/>
+    <p:sldId id="276" r:id="rId15"/>
+    <p:sldId id="271" r:id="rId16"/>
+    <p:sldId id="274" r:id="rId17"/>
   </p:sldIdLst>
   <p:sldSz cx="12192000" cy="6858000"/>
   <p:notesSz cx="6858000" cy="9144000"/>
@@ -568,7 +569,7 @@
           <a:p>
             <a:fld id="{FFFEC453-E2FF-B741-A9EA-9192FC291631}" type="datetimeFigureOut">
               <a:rPr kumimoji="1" lang="ja-JP" altLang="en-US" smtClean="0"/>
-              <a:t>2017/5/9</a:t>
+              <a:t>2017/5/10</a:t>
             </a:fld>
             <a:endParaRPr kumimoji="1" lang="ja-JP" altLang="en-US"/>
           </a:p>
@@ -959,7 +960,7 @@
                 </a:solidFill>
               </a:rPr>
               <a:pPr/>
-              <a:t>3</a:t>
+              <a:t>4</a:t>
             </a:fld>
             <a:endParaRPr lang="en-US" dirty="0">
               <a:solidFill>
@@ -1051,7 +1052,7 @@
           <a:p>
             <a:fld id="{9B6451EE-0818-F24E-9A9A-6FA9073EA1A7}" type="slidenum">
               <a:rPr kumimoji="1" lang="ja-JP" altLang="en-US" smtClean="0"/>
-              <a:t>6</a:t>
+              <a:t>7</a:t>
             </a:fld>
             <a:endParaRPr kumimoji="1" lang="ja-JP" altLang="en-US"/>
           </a:p>
@@ -1153,7 +1154,7 @@
                 <a:latin typeface="Calibri"/>
               </a:rPr>
               <a:pPr/>
-              <a:t>7</a:t>
+              <a:t>8</a:t>
             </a:fld>
             <a:endParaRPr lang="en-US" dirty="0">
               <a:solidFill>
@@ -1280,7 +1281,7 @@
                 <a:latin typeface="Calibri"/>
               </a:rPr>
               <a:pPr/>
-              <a:t>8</a:t>
+              <a:t>9</a:t>
             </a:fld>
             <a:endParaRPr lang="en-US" dirty="0">
               <a:solidFill>
@@ -1369,7 +1370,7 @@
           <a:p>
             <a:fld id="{4CF00E19-F562-4142-A0E8-E8BCB60B6EB5}" type="slidenum">
               <a:rPr lang="en-US" smtClean="0"/>
-              <a:t>9</a:t>
+              <a:t>10</a:t>
             </a:fld>
             <a:endParaRPr lang="en-US" dirty="0"/>
           </a:p>
@@ -1479,7 +1480,7 @@
                 </a:solidFill>
               </a:rPr>
               <a:pPr/>
-              <a:t>10</a:t>
+              <a:t>11</a:t>
             </a:fld>
             <a:endParaRPr lang="en-US" dirty="0">
               <a:solidFill>
@@ -1567,7 +1568,7 @@
           <a:p>
             <a:fld id="{4CF00E19-F562-4142-A0E8-E8BCB60B6EB5}" type="slidenum">
               <a:rPr lang="en-US" smtClean="0"/>
-              <a:t>15</a:t>
+              <a:t>16</a:t>
             </a:fld>
             <a:endParaRPr lang="en-US" dirty="0"/>
           </a:p>
@@ -3087,7 +3088,7 @@
           <a:p>
             <a:fld id="{0AB07F87-E0B4-8949-A90A-54340C823909}" type="datetimeFigureOut">
               <a:rPr kumimoji="1" lang="ja-JP" altLang="en-US" smtClean="0"/>
-              <a:t>2017/5/9</a:t>
+              <a:t>2017/5/10</a:t>
             </a:fld>
             <a:endParaRPr kumimoji="1" lang="ja-JP" altLang="en-US"/>
           </a:p>
@@ -3966,6 +3967,2677 @@
         </p:nvSpPr>
         <p:spPr>
           <a:xfrm>
+            <a:off x="322023" y="328627"/>
+            <a:ext cx="11426632" cy="605294"/>
+          </a:xfrm>
+        </p:spPr>
+        <p:txBody>
+          <a:bodyPr/>
+          <a:lstStyle/>
+          <a:p>
+            <a:r>
+              <a:rPr lang="en-US" altLang="ja-JP" sz="3200" b="1" dirty="0" smtClean="0">
+                <a:solidFill>
+                  <a:srgbClr val="00B0F0"/>
+                </a:solidFill>
+                <a:latin typeface="Arial" charset="0"/>
+                <a:ea typeface="Arial" charset="0"/>
+                <a:cs typeface="Arial" charset="0"/>
+              </a:rPr>
+              <a:t>2017Q2 Japan Marketing  Budgeting</a:t>
+            </a:r>
+            <a:endParaRPr lang="en-US" altLang="ja-JP" sz="3200" b="1" dirty="0">
+              <a:solidFill>
+                <a:srgbClr val="00B0F0"/>
+              </a:solidFill>
+              <a:latin typeface="Arial" charset="0"/>
+              <a:ea typeface="Arial" charset="0"/>
+              <a:cs typeface="Arial" charset="0"/>
+            </a:endParaRPr>
+          </a:p>
+        </p:txBody>
+      </p:sp>
+      <p:sp>
+        <p:nvSpPr>
+          <p:cNvPr id="3" name="テキスト ボックス 2"/>
+          <p:cNvSpPr txBox="1"/>
+          <p:nvPr/>
+        </p:nvSpPr>
+        <p:spPr>
+          <a:xfrm>
+            <a:off x="322024" y="2997117"/>
+            <a:ext cx="4445049" cy="297454"/>
+          </a:xfrm>
+          <a:prstGeom prst="rect">
+            <a:avLst/>
+          </a:prstGeom>
+          <a:noFill/>
+        </p:spPr>
+        <p:txBody>
+          <a:bodyPr wrap="square" rtlCol="0">
+            <a:spAutoFit/>
+          </a:bodyPr>
+          <a:lstStyle/>
+          <a:p>
+            <a:r>
+              <a:rPr lang="en-US" altLang="ja-JP" sz="1333" b="1" dirty="0">
+                <a:solidFill>
+                  <a:schemeClr val="bg1"/>
+                </a:solidFill>
+              </a:rPr>
+              <a:t>1Q2017 Cloud Program Framework Budget Plan</a:t>
+            </a:r>
+            <a:endParaRPr lang="ja-JP" altLang="en-US" sz="1333" b="1" dirty="0">
+              <a:solidFill>
+                <a:schemeClr val="bg1"/>
+              </a:solidFill>
+            </a:endParaRPr>
+          </a:p>
+        </p:txBody>
+      </p:sp>
+      <p:sp>
+        <p:nvSpPr>
+          <p:cNvPr id="6" name="テキスト ボックス 5"/>
+          <p:cNvSpPr txBox="1"/>
+          <p:nvPr/>
+        </p:nvSpPr>
+        <p:spPr>
+          <a:xfrm>
+            <a:off x="322022" y="1051902"/>
+            <a:ext cx="3993945" cy="297454"/>
+          </a:xfrm>
+          <a:prstGeom prst="rect">
+            <a:avLst/>
+          </a:prstGeom>
+          <a:noFill/>
+        </p:spPr>
+        <p:txBody>
+          <a:bodyPr wrap="square" rtlCol="0">
+            <a:spAutoFit/>
+          </a:bodyPr>
+          <a:lstStyle/>
+          <a:p>
+            <a:r>
+              <a:rPr lang="en-US" altLang="ja-JP" sz="1333" b="1" dirty="0">
+                <a:solidFill>
+                  <a:schemeClr val="bg1"/>
+                </a:solidFill>
+              </a:rPr>
+              <a:t>2017 Cloud Ad Spending Plan</a:t>
+            </a:r>
+            <a:endParaRPr lang="ja-JP" altLang="en-US" sz="1333" b="1" dirty="0">
+              <a:solidFill>
+                <a:schemeClr val="bg1"/>
+              </a:solidFill>
+            </a:endParaRPr>
+          </a:p>
+        </p:txBody>
+      </p:sp>
+      <p:graphicFrame>
+        <p:nvGraphicFramePr>
+          <p:cNvPr id="5" name="表 4"/>
+          <p:cNvGraphicFramePr>
+            <a:graphicFrameLocks noGrp="1"/>
+          </p:cNvGraphicFramePr>
+          <p:nvPr>
+            <p:extLst>
+              <p:ext uri="{D42A27DB-BD31-4B8C-83A1-F6EECF244321}">
+                <p14:modId xmlns:p14="http://schemas.microsoft.com/office/powerpoint/2010/main" val="765839796"/>
+              </p:ext>
+            </p:extLst>
+          </p:nvPr>
+        </p:nvGraphicFramePr>
+        <p:xfrm>
+          <a:off x="322023" y="2000804"/>
+          <a:ext cx="6674200" cy="3580130"/>
+        </p:xfrm>
+        <a:graphic>
+          <a:graphicData uri="http://schemas.openxmlformats.org/drawingml/2006/table">
+            <a:tbl>
+              <a:tblPr/>
+              <a:tblGrid>
+                <a:gridCol w="3834370"/>
+                <a:gridCol w="1543897"/>
+                <a:gridCol w="1295933"/>
+              </a:tblGrid>
+              <a:tr h="419100">
+                <a:tc>
+                  <a:txBody>
+                    <a:bodyPr/>
+                    <a:lstStyle/>
+                    <a:p>
+                      <a:pPr algn="ctr" rtl="0" fontAlgn="ctr"/>
+                      <a:r>
+                        <a:rPr lang="en-US" sz="1400" b="1" i="0" u="none" strike="noStrike" dirty="0">
+                          <a:solidFill>
+                            <a:srgbClr val="5A5A5A"/>
+                          </a:solidFill>
+                          <a:effectLst/>
+                          <a:latin typeface="Arial" charset="0"/>
+                          <a:ea typeface="Arial" charset="0"/>
+                          <a:cs typeface="Arial" charset="0"/>
+                        </a:rPr>
+                        <a:t>Category Details</a:t>
+                      </a:r>
+                    </a:p>
+                  </a:txBody>
+                  <a:tcPr marL="6350" marR="6350" marT="6350" marB="0" anchor="ctr">
+                    <a:lnL w="12700" cap="flat" cmpd="sng" algn="ctr">
+                      <a:solidFill>
+                        <a:srgbClr val="5A5A5A"/>
+                      </a:solidFill>
+                      <a:prstDash val="solid"/>
+                      <a:round/>
+                      <a:headEnd type="none" w="med" len="med"/>
+                      <a:tailEnd type="none" w="med" len="med"/>
+                    </a:lnL>
+                    <a:lnR w="12700" cap="flat" cmpd="sng" algn="ctr">
+                      <a:solidFill>
+                        <a:srgbClr val="5A5A5A"/>
+                      </a:solidFill>
+                      <a:prstDash val="solid"/>
+                      <a:round/>
+                      <a:headEnd type="none" w="med" len="med"/>
+                      <a:tailEnd type="none" w="med" len="med"/>
+                    </a:lnR>
+                    <a:lnT w="12700" cap="flat" cmpd="sng" algn="ctr">
+                      <a:solidFill>
+                        <a:srgbClr val="5A5A5A"/>
+                      </a:solidFill>
+                      <a:prstDash val="solid"/>
+                      <a:round/>
+                      <a:headEnd type="none" w="med" len="med"/>
+                      <a:tailEnd type="none" w="med" len="med"/>
+                    </a:lnT>
+                    <a:lnB w="19050" cap="flat" cmpd="sng" algn="ctr">
+                      <a:solidFill>
+                        <a:srgbClr val="5A5A5A"/>
+                      </a:solidFill>
+                      <a:prstDash val="solid"/>
+                      <a:round/>
+                      <a:headEnd type="none" w="med" len="med"/>
+                      <a:tailEnd type="none" w="med" len="med"/>
+                    </a:lnB>
+                    <a:solidFill>
+                      <a:srgbClr val="C8D2D2"/>
+                    </a:solidFill>
+                  </a:tcPr>
+                </a:tc>
+                <a:tc>
+                  <a:txBody>
+                    <a:bodyPr/>
+                    <a:lstStyle/>
+                    <a:p>
+                      <a:pPr algn="ctr" rtl="0" fontAlgn="ctr"/>
+                      <a:r>
+                        <a:rPr lang="en-US" sz="1400" b="1" i="0" u="none" strike="noStrike" dirty="0">
+                          <a:solidFill>
+                            <a:srgbClr val="5A5A5A"/>
+                          </a:solidFill>
+                          <a:effectLst/>
+                          <a:latin typeface="Arial" charset="0"/>
+                          <a:ea typeface="Arial" charset="0"/>
+                          <a:cs typeface="Arial" charset="0"/>
+                        </a:rPr>
+                        <a:t>2Q Budget</a:t>
+                      </a:r>
+                      <a:br>
+                        <a:rPr lang="en-US" sz="1400" b="1" i="0" u="none" strike="noStrike" dirty="0">
+                          <a:solidFill>
+                            <a:srgbClr val="5A5A5A"/>
+                          </a:solidFill>
+                          <a:effectLst/>
+                          <a:latin typeface="Arial" charset="0"/>
+                          <a:ea typeface="Arial" charset="0"/>
+                          <a:cs typeface="Arial" charset="0"/>
+                        </a:rPr>
+                      </a:br>
+                      <a:r>
+                        <a:rPr lang="en-US" sz="1400" b="1" i="0" u="none" strike="noStrike" dirty="0">
+                          <a:solidFill>
+                            <a:srgbClr val="5A5A5A"/>
+                          </a:solidFill>
+                          <a:effectLst/>
+                          <a:latin typeface="Arial" charset="0"/>
+                          <a:ea typeface="Arial" charset="0"/>
+                          <a:cs typeface="Arial" charset="0"/>
+                        </a:rPr>
+                        <a:t>($K)</a:t>
+                      </a:r>
+                    </a:p>
+                  </a:txBody>
+                  <a:tcPr marL="6350" marR="6350" marT="6350" marB="0" anchor="ctr">
+                    <a:lnL w="12700" cap="flat" cmpd="sng" algn="ctr">
+                      <a:solidFill>
+                        <a:srgbClr val="5A5A5A"/>
+                      </a:solidFill>
+                      <a:prstDash val="solid"/>
+                      <a:round/>
+                      <a:headEnd type="none" w="med" len="med"/>
+                      <a:tailEnd type="none" w="med" len="med"/>
+                    </a:lnL>
+                    <a:lnR w="12700" cap="flat" cmpd="sng" algn="ctr">
+                      <a:solidFill>
+                        <a:srgbClr val="5A5A5A"/>
+                      </a:solidFill>
+                      <a:prstDash val="solid"/>
+                      <a:round/>
+                      <a:headEnd type="none" w="med" len="med"/>
+                      <a:tailEnd type="none" w="med" len="med"/>
+                    </a:lnR>
+                    <a:lnT w="12700" cap="flat" cmpd="sng" algn="ctr">
+                      <a:solidFill>
+                        <a:srgbClr val="5A5A5A"/>
+                      </a:solidFill>
+                      <a:prstDash val="solid"/>
+                      <a:round/>
+                      <a:headEnd type="none" w="med" len="med"/>
+                      <a:tailEnd type="none" w="med" len="med"/>
+                    </a:lnT>
+                    <a:lnB w="19050" cap="flat" cmpd="sng" algn="ctr">
+                      <a:solidFill>
+                        <a:srgbClr val="5A5A5A"/>
+                      </a:solidFill>
+                      <a:prstDash val="solid"/>
+                      <a:round/>
+                      <a:headEnd type="none" w="med" len="med"/>
+                      <a:tailEnd type="none" w="med" len="med"/>
+                    </a:lnB>
+                    <a:solidFill>
+                      <a:srgbClr val="C8D2D2"/>
+                    </a:solidFill>
+                  </a:tcPr>
+                </a:tc>
+                <a:tc>
+                  <a:txBody>
+                    <a:bodyPr/>
+                    <a:lstStyle/>
+                    <a:p>
+                      <a:pPr algn="ctr" rtl="0" fontAlgn="ctr"/>
+                      <a:r>
+                        <a:rPr lang="en-US" sz="1400" b="1" i="0" u="none" strike="noStrike" dirty="0">
+                          <a:solidFill>
+                            <a:srgbClr val="5A5A5A"/>
+                          </a:solidFill>
+                          <a:effectLst/>
+                          <a:latin typeface="Arial" charset="0"/>
+                          <a:ea typeface="Arial" charset="0"/>
+                          <a:cs typeface="Arial" charset="0"/>
+                        </a:rPr>
+                        <a:t>Portion</a:t>
+                      </a:r>
+                    </a:p>
+                  </a:txBody>
+                  <a:tcPr marL="6350" marR="6350" marT="6350" marB="0" anchor="ctr">
+                    <a:lnL w="12700" cap="flat" cmpd="sng" algn="ctr">
+                      <a:solidFill>
+                        <a:srgbClr val="5A5A5A"/>
+                      </a:solidFill>
+                      <a:prstDash val="solid"/>
+                      <a:round/>
+                      <a:headEnd type="none" w="med" len="med"/>
+                      <a:tailEnd type="none" w="med" len="med"/>
+                    </a:lnL>
+                    <a:lnR w="12700" cap="flat" cmpd="sng" algn="ctr">
+                      <a:solidFill>
+                        <a:srgbClr val="5A5A5A"/>
+                      </a:solidFill>
+                      <a:prstDash val="solid"/>
+                      <a:round/>
+                      <a:headEnd type="none" w="med" len="med"/>
+                      <a:tailEnd type="none" w="med" len="med"/>
+                    </a:lnR>
+                    <a:lnT w="12700" cap="flat" cmpd="sng" algn="ctr">
+                      <a:solidFill>
+                        <a:srgbClr val="5A5A5A"/>
+                      </a:solidFill>
+                      <a:prstDash val="solid"/>
+                      <a:round/>
+                      <a:headEnd type="none" w="med" len="med"/>
+                      <a:tailEnd type="none" w="med" len="med"/>
+                    </a:lnT>
+                    <a:lnB w="19050" cap="flat" cmpd="sng" algn="ctr">
+                      <a:solidFill>
+                        <a:srgbClr val="5A5A5A"/>
+                      </a:solidFill>
+                      <a:prstDash val="solid"/>
+                      <a:round/>
+                      <a:headEnd type="none" w="med" len="med"/>
+                      <a:tailEnd type="none" w="med" len="med"/>
+                    </a:lnB>
+                    <a:solidFill>
+                      <a:srgbClr val="C8D2D2"/>
+                    </a:solidFill>
+                  </a:tcPr>
+                </a:tc>
+              </a:tr>
+              <a:tr h="203200">
+                <a:tc>
+                  <a:txBody>
+                    <a:bodyPr/>
+                    <a:lstStyle/>
+                    <a:p>
+                      <a:pPr algn="l" rtl="0" fontAlgn="ctr"/>
+                      <a:r>
+                        <a:rPr lang="en-US" sz="1400" b="0" i="0" u="none" strike="noStrike" dirty="0">
+                          <a:solidFill>
+                            <a:srgbClr val="5A5A5A"/>
+                          </a:solidFill>
+                          <a:effectLst/>
+                          <a:latin typeface="Arial" charset="0"/>
+                          <a:ea typeface="Arial" charset="0"/>
+                          <a:cs typeface="Arial" charset="0"/>
+                        </a:rPr>
+                        <a:t>SEM, MTI</a:t>
+                      </a:r>
+                    </a:p>
+                  </a:txBody>
+                  <a:tcPr marL="6350" marR="6350" marT="6350" marB="0" anchor="ctr">
+                    <a:lnL w="12700" cap="flat" cmpd="sng" algn="ctr">
+                      <a:solidFill>
+                        <a:srgbClr val="5A5A5A"/>
+                      </a:solidFill>
+                      <a:prstDash val="solid"/>
+                      <a:round/>
+                      <a:headEnd type="none" w="med" len="med"/>
+                      <a:tailEnd type="none" w="med" len="med"/>
+                    </a:lnL>
+                    <a:lnR w="12700" cap="flat" cmpd="sng" algn="ctr">
+                      <a:solidFill>
+                        <a:srgbClr val="5A5A5A"/>
+                      </a:solidFill>
+                      <a:prstDash val="solid"/>
+                      <a:round/>
+                      <a:headEnd type="none" w="med" len="med"/>
+                      <a:tailEnd type="none" w="med" len="med"/>
+                    </a:lnR>
+                    <a:lnT w="19050" cap="flat" cmpd="sng" algn="ctr">
+                      <a:solidFill>
+                        <a:srgbClr val="5A5A5A"/>
+                      </a:solidFill>
+                      <a:prstDash val="solid"/>
+                      <a:round/>
+                      <a:headEnd type="none" w="med" len="med"/>
+                      <a:tailEnd type="none" w="med" len="med"/>
+                    </a:lnT>
+                    <a:lnB w="12700" cap="flat" cmpd="sng" algn="ctr">
+                      <a:solidFill>
+                        <a:srgbClr val="5A5A5A"/>
+                      </a:solidFill>
+                      <a:prstDash val="solid"/>
+                      <a:round/>
+                      <a:headEnd type="none" w="med" len="med"/>
+                      <a:tailEnd type="none" w="med" len="med"/>
+                    </a:lnB>
+                    <a:solidFill>
+                      <a:srgbClr val="EBEEEE"/>
+                    </a:solidFill>
+                  </a:tcPr>
+                </a:tc>
+                <a:tc>
+                  <a:txBody>
+                    <a:bodyPr/>
+                    <a:lstStyle/>
+                    <a:p>
+                      <a:pPr algn="r" rtl="0" fontAlgn="ctr"/>
+                      <a:r>
+                        <a:rPr lang="is-IS" sz="1400" b="0" i="0" u="none" strike="noStrike">
+                          <a:solidFill>
+                            <a:srgbClr val="5A5A5A"/>
+                          </a:solidFill>
+                          <a:effectLst/>
+                          <a:latin typeface="Arial" charset="0"/>
+                          <a:ea typeface="Arial" charset="0"/>
+                          <a:cs typeface="Arial" charset="0"/>
+                        </a:rPr>
+                        <a:t>13 </a:t>
+                      </a:r>
+                    </a:p>
+                  </a:txBody>
+                  <a:tcPr marL="6350" marR="6350" marT="6350" marB="0" anchor="ctr">
+                    <a:lnL w="12700" cap="flat" cmpd="sng" algn="ctr">
+                      <a:solidFill>
+                        <a:srgbClr val="5A5A5A"/>
+                      </a:solidFill>
+                      <a:prstDash val="solid"/>
+                      <a:round/>
+                      <a:headEnd type="none" w="med" len="med"/>
+                      <a:tailEnd type="none" w="med" len="med"/>
+                    </a:lnL>
+                    <a:lnR w="12700" cap="flat" cmpd="sng" algn="ctr">
+                      <a:solidFill>
+                        <a:srgbClr val="5A5A5A"/>
+                      </a:solidFill>
+                      <a:prstDash val="solid"/>
+                      <a:round/>
+                      <a:headEnd type="none" w="med" len="med"/>
+                      <a:tailEnd type="none" w="med" len="med"/>
+                    </a:lnR>
+                    <a:lnT w="19050" cap="flat" cmpd="sng" algn="ctr">
+                      <a:solidFill>
+                        <a:srgbClr val="5A5A5A"/>
+                      </a:solidFill>
+                      <a:prstDash val="solid"/>
+                      <a:round/>
+                      <a:headEnd type="none" w="med" len="med"/>
+                      <a:tailEnd type="none" w="med" len="med"/>
+                    </a:lnT>
+                    <a:lnB w="12700" cap="flat" cmpd="sng" algn="ctr">
+                      <a:solidFill>
+                        <a:srgbClr val="5A5A5A"/>
+                      </a:solidFill>
+                      <a:prstDash val="solid"/>
+                      <a:round/>
+                      <a:headEnd type="none" w="med" len="med"/>
+                      <a:tailEnd type="none" w="med" len="med"/>
+                    </a:lnB>
+                    <a:solidFill>
+                      <a:srgbClr val="EBEEEE"/>
+                    </a:solidFill>
+                  </a:tcPr>
+                </a:tc>
+                <a:tc>
+                  <a:txBody>
+                    <a:bodyPr/>
+                    <a:lstStyle/>
+                    <a:p>
+                      <a:pPr algn="r" rtl="0" fontAlgn="ctr"/>
+                      <a:r>
+                        <a:rPr lang="mr-IN" sz="1400" b="0" i="0" u="none" strike="noStrike">
+                          <a:solidFill>
+                            <a:srgbClr val="5A5A5A"/>
+                          </a:solidFill>
+                          <a:effectLst/>
+                          <a:latin typeface="Arial" charset="0"/>
+                          <a:ea typeface="Arial" charset="0"/>
+                          <a:cs typeface="Arial" charset="0"/>
+                        </a:rPr>
+                        <a:t>5%</a:t>
+                      </a:r>
+                    </a:p>
+                  </a:txBody>
+                  <a:tcPr marL="6350" marR="6350" marT="6350" marB="0" anchor="ctr">
+                    <a:lnL w="12700" cap="flat" cmpd="sng" algn="ctr">
+                      <a:solidFill>
+                        <a:srgbClr val="5A5A5A"/>
+                      </a:solidFill>
+                      <a:prstDash val="solid"/>
+                      <a:round/>
+                      <a:headEnd type="none" w="med" len="med"/>
+                      <a:tailEnd type="none" w="med" len="med"/>
+                    </a:lnL>
+                    <a:lnR w="12700" cap="flat" cmpd="sng" algn="ctr">
+                      <a:solidFill>
+                        <a:srgbClr val="5A5A5A"/>
+                      </a:solidFill>
+                      <a:prstDash val="solid"/>
+                      <a:round/>
+                      <a:headEnd type="none" w="med" len="med"/>
+                      <a:tailEnd type="none" w="med" len="med"/>
+                    </a:lnR>
+                    <a:lnT w="19050" cap="flat" cmpd="sng" algn="ctr">
+                      <a:solidFill>
+                        <a:srgbClr val="5A5A5A"/>
+                      </a:solidFill>
+                      <a:prstDash val="solid"/>
+                      <a:round/>
+                      <a:headEnd type="none" w="med" len="med"/>
+                      <a:tailEnd type="none" w="med" len="med"/>
+                    </a:lnT>
+                    <a:lnB w="12700" cap="flat" cmpd="sng" algn="ctr">
+                      <a:solidFill>
+                        <a:srgbClr val="5A5A5A"/>
+                      </a:solidFill>
+                      <a:prstDash val="solid"/>
+                      <a:round/>
+                      <a:headEnd type="none" w="med" len="med"/>
+                      <a:tailEnd type="none" w="med" len="med"/>
+                    </a:lnB>
+                    <a:solidFill>
+                      <a:srgbClr val="EBEEEE"/>
+                    </a:solidFill>
+                  </a:tcPr>
+                </a:tc>
+              </a:tr>
+              <a:tr h="190500">
+                <a:tc>
+                  <a:txBody>
+                    <a:bodyPr/>
+                    <a:lstStyle/>
+                    <a:p>
+                      <a:pPr algn="l" rtl="0" fontAlgn="ctr"/>
+                      <a:r>
+                        <a:rPr lang="en-US" sz="1400" b="0" i="0" u="none" strike="noStrike">
+                          <a:solidFill>
+                            <a:srgbClr val="5A5A5A"/>
+                          </a:solidFill>
+                          <a:effectLst/>
+                          <a:latin typeface="Arial" charset="0"/>
+                          <a:ea typeface="Arial" charset="0"/>
+                          <a:cs typeface="Arial" charset="0"/>
+                        </a:rPr>
+                        <a:t>Facebook, Facebook Ad, Social Article</a:t>
+                      </a:r>
+                    </a:p>
+                  </a:txBody>
+                  <a:tcPr marL="6350" marR="6350" marT="6350" marB="0" anchor="ctr">
+                    <a:lnL w="12700" cap="flat" cmpd="sng" algn="ctr">
+                      <a:solidFill>
+                        <a:srgbClr val="5A5A5A"/>
+                      </a:solidFill>
+                      <a:prstDash val="solid"/>
+                      <a:round/>
+                      <a:headEnd type="none" w="med" len="med"/>
+                      <a:tailEnd type="none" w="med" len="med"/>
+                    </a:lnL>
+                    <a:lnR w="12700" cap="flat" cmpd="sng" algn="ctr">
+                      <a:solidFill>
+                        <a:srgbClr val="5A5A5A"/>
+                      </a:solidFill>
+                      <a:prstDash val="solid"/>
+                      <a:round/>
+                      <a:headEnd type="none" w="med" len="med"/>
+                      <a:tailEnd type="none" w="med" len="med"/>
+                    </a:lnR>
+                    <a:lnT w="12700" cap="flat" cmpd="sng" algn="ctr">
+                      <a:solidFill>
+                        <a:srgbClr val="5A5A5A"/>
+                      </a:solidFill>
+                      <a:prstDash val="solid"/>
+                      <a:round/>
+                      <a:headEnd type="none" w="med" len="med"/>
+                      <a:tailEnd type="none" w="med" len="med"/>
+                    </a:lnT>
+                    <a:lnB w="12700" cap="flat" cmpd="sng" algn="ctr">
+                      <a:solidFill>
+                        <a:srgbClr val="5A5A5A"/>
+                      </a:solidFill>
+                      <a:prstDash val="solid"/>
+                      <a:round/>
+                      <a:headEnd type="none" w="med" len="med"/>
+                      <a:tailEnd type="none" w="med" len="med"/>
+                    </a:lnB>
+                    <a:solidFill>
+                      <a:srgbClr val="EBEEEE"/>
+                    </a:solidFill>
+                  </a:tcPr>
+                </a:tc>
+                <a:tc>
+                  <a:txBody>
+                    <a:bodyPr/>
+                    <a:lstStyle/>
+                    <a:p>
+                      <a:pPr algn="r" rtl="0" fontAlgn="ctr"/>
+                      <a:r>
+                        <a:rPr lang="en-US" altLang="ja-JP" sz="1400" b="0" i="0" u="none" strike="noStrike" dirty="0">
+                          <a:solidFill>
+                            <a:srgbClr val="5A5A5A"/>
+                          </a:solidFill>
+                          <a:effectLst/>
+                          <a:latin typeface="Arial" charset="0"/>
+                          <a:ea typeface="Arial" charset="0"/>
+                          <a:cs typeface="Arial" charset="0"/>
+                        </a:rPr>
+                        <a:t>8 </a:t>
+                      </a:r>
+                    </a:p>
+                  </a:txBody>
+                  <a:tcPr marL="6350" marR="6350" marT="6350" marB="0" anchor="ctr">
+                    <a:lnL w="12700" cap="flat" cmpd="sng" algn="ctr">
+                      <a:solidFill>
+                        <a:srgbClr val="5A5A5A"/>
+                      </a:solidFill>
+                      <a:prstDash val="solid"/>
+                      <a:round/>
+                      <a:headEnd type="none" w="med" len="med"/>
+                      <a:tailEnd type="none" w="med" len="med"/>
+                    </a:lnL>
+                    <a:lnR w="12700" cap="flat" cmpd="sng" algn="ctr">
+                      <a:solidFill>
+                        <a:srgbClr val="5A5A5A"/>
+                      </a:solidFill>
+                      <a:prstDash val="solid"/>
+                      <a:round/>
+                      <a:headEnd type="none" w="med" len="med"/>
+                      <a:tailEnd type="none" w="med" len="med"/>
+                    </a:lnR>
+                    <a:lnT w="12700" cap="flat" cmpd="sng" algn="ctr">
+                      <a:solidFill>
+                        <a:srgbClr val="5A5A5A"/>
+                      </a:solidFill>
+                      <a:prstDash val="solid"/>
+                      <a:round/>
+                      <a:headEnd type="none" w="med" len="med"/>
+                      <a:tailEnd type="none" w="med" len="med"/>
+                    </a:lnT>
+                    <a:lnB w="12700" cap="flat" cmpd="sng" algn="ctr">
+                      <a:solidFill>
+                        <a:srgbClr val="5A5A5A"/>
+                      </a:solidFill>
+                      <a:prstDash val="solid"/>
+                      <a:round/>
+                      <a:headEnd type="none" w="med" len="med"/>
+                      <a:tailEnd type="none" w="med" len="med"/>
+                    </a:lnB>
+                    <a:solidFill>
+                      <a:srgbClr val="EBEEEE"/>
+                    </a:solidFill>
+                  </a:tcPr>
+                </a:tc>
+                <a:tc>
+                  <a:txBody>
+                    <a:bodyPr/>
+                    <a:lstStyle/>
+                    <a:p>
+                      <a:pPr algn="r" rtl="0" fontAlgn="ctr"/>
+                      <a:r>
+                        <a:rPr lang="mr-IN" sz="1400" b="0" i="0" u="none" strike="noStrike">
+                          <a:solidFill>
+                            <a:srgbClr val="5A5A5A"/>
+                          </a:solidFill>
+                          <a:effectLst/>
+                          <a:latin typeface="Arial" charset="0"/>
+                          <a:ea typeface="Arial" charset="0"/>
+                          <a:cs typeface="Arial" charset="0"/>
+                        </a:rPr>
+                        <a:t>3%</a:t>
+                      </a:r>
+                    </a:p>
+                  </a:txBody>
+                  <a:tcPr marL="6350" marR="6350" marT="6350" marB="0" anchor="ctr">
+                    <a:lnL w="12700" cap="flat" cmpd="sng" algn="ctr">
+                      <a:solidFill>
+                        <a:srgbClr val="5A5A5A"/>
+                      </a:solidFill>
+                      <a:prstDash val="solid"/>
+                      <a:round/>
+                      <a:headEnd type="none" w="med" len="med"/>
+                      <a:tailEnd type="none" w="med" len="med"/>
+                    </a:lnL>
+                    <a:lnR w="12700" cap="flat" cmpd="sng" algn="ctr">
+                      <a:solidFill>
+                        <a:srgbClr val="5A5A5A"/>
+                      </a:solidFill>
+                      <a:prstDash val="solid"/>
+                      <a:round/>
+                      <a:headEnd type="none" w="med" len="med"/>
+                      <a:tailEnd type="none" w="med" len="med"/>
+                    </a:lnR>
+                    <a:lnT w="12700" cap="flat" cmpd="sng" algn="ctr">
+                      <a:solidFill>
+                        <a:srgbClr val="5A5A5A"/>
+                      </a:solidFill>
+                      <a:prstDash val="solid"/>
+                      <a:round/>
+                      <a:headEnd type="none" w="med" len="med"/>
+                      <a:tailEnd type="none" w="med" len="med"/>
+                    </a:lnT>
+                    <a:lnB w="12700" cap="flat" cmpd="sng" algn="ctr">
+                      <a:solidFill>
+                        <a:srgbClr val="5A5A5A"/>
+                      </a:solidFill>
+                      <a:prstDash val="solid"/>
+                      <a:round/>
+                      <a:headEnd type="none" w="med" len="med"/>
+                      <a:tailEnd type="none" w="med" len="med"/>
+                    </a:lnB>
+                    <a:solidFill>
+                      <a:srgbClr val="EBEEEE"/>
+                    </a:solidFill>
+                  </a:tcPr>
+                </a:tc>
+              </a:tr>
+              <a:tr h="368300">
+                <a:tc>
+                  <a:txBody>
+                    <a:bodyPr/>
+                    <a:lstStyle/>
+                    <a:p>
+                      <a:pPr algn="l" rtl="0" fontAlgn="ctr"/>
+                      <a:r>
+                        <a:rPr lang="en-US" sz="1400" b="0" i="0" u="none" strike="noStrike">
+                          <a:solidFill>
+                            <a:srgbClr val="5A5A5A"/>
+                          </a:solidFill>
+                          <a:effectLst/>
+                          <a:latin typeface="Arial" charset="0"/>
+                          <a:ea typeface="Arial" charset="0"/>
+                          <a:cs typeface="Arial" charset="0"/>
+                        </a:rPr>
+                        <a:t>3rd Party Media, Web Seminars, Contents Syndication, Banners, SEM, MTI </a:t>
+                      </a:r>
+                    </a:p>
+                  </a:txBody>
+                  <a:tcPr marL="6350" marR="6350" marT="6350" marB="0" anchor="ctr">
+                    <a:lnL w="12700" cap="flat" cmpd="sng" algn="ctr">
+                      <a:solidFill>
+                        <a:srgbClr val="5A5A5A"/>
+                      </a:solidFill>
+                      <a:prstDash val="solid"/>
+                      <a:round/>
+                      <a:headEnd type="none" w="med" len="med"/>
+                      <a:tailEnd type="none" w="med" len="med"/>
+                    </a:lnL>
+                    <a:lnR w="12700" cap="flat" cmpd="sng" algn="ctr">
+                      <a:solidFill>
+                        <a:srgbClr val="5A5A5A"/>
+                      </a:solidFill>
+                      <a:prstDash val="solid"/>
+                      <a:round/>
+                      <a:headEnd type="none" w="med" len="med"/>
+                      <a:tailEnd type="none" w="med" len="med"/>
+                    </a:lnR>
+                    <a:lnT w="12700" cap="flat" cmpd="sng" algn="ctr">
+                      <a:solidFill>
+                        <a:srgbClr val="5A5A5A"/>
+                      </a:solidFill>
+                      <a:prstDash val="solid"/>
+                      <a:round/>
+                      <a:headEnd type="none" w="med" len="med"/>
+                      <a:tailEnd type="none" w="med" len="med"/>
+                    </a:lnT>
+                    <a:lnB w="12700" cap="flat" cmpd="sng" algn="ctr">
+                      <a:solidFill>
+                        <a:srgbClr val="5A5A5A"/>
+                      </a:solidFill>
+                      <a:prstDash val="solid"/>
+                      <a:round/>
+                      <a:headEnd type="none" w="med" len="med"/>
+                      <a:tailEnd type="none" w="med" len="med"/>
+                    </a:lnB>
+                    <a:solidFill>
+                      <a:srgbClr val="F5F7F7"/>
+                    </a:solidFill>
+                  </a:tcPr>
+                </a:tc>
+                <a:tc>
+                  <a:txBody>
+                    <a:bodyPr/>
+                    <a:lstStyle/>
+                    <a:p>
+                      <a:pPr algn="r" rtl="0" fontAlgn="ctr"/>
+                      <a:r>
+                        <a:rPr lang="is-IS" sz="1400" b="0" i="0" u="none" strike="noStrike" dirty="0">
+                          <a:solidFill>
+                            <a:srgbClr val="5A5A5A"/>
+                          </a:solidFill>
+                          <a:effectLst/>
+                          <a:latin typeface="Arial" charset="0"/>
+                          <a:ea typeface="Arial" charset="0"/>
+                          <a:cs typeface="Arial" charset="0"/>
+                        </a:rPr>
+                        <a:t>63 </a:t>
+                      </a:r>
+                    </a:p>
+                  </a:txBody>
+                  <a:tcPr marL="6350" marR="6350" marT="6350" marB="0" anchor="ctr">
+                    <a:lnL w="12700" cap="flat" cmpd="sng" algn="ctr">
+                      <a:solidFill>
+                        <a:srgbClr val="5A5A5A"/>
+                      </a:solidFill>
+                      <a:prstDash val="solid"/>
+                      <a:round/>
+                      <a:headEnd type="none" w="med" len="med"/>
+                      <a:tailEnd type="none" w="med" len="med"/>
+                    </a:lnL>
+                    <a:lnR w="12700" cap="flat" cmpd="sng" algn="ctr">
+                      <a:solidFill>
+                        <a:srgbClr val="5A5A5A"/>
+                      </a:solidFill>
+                      <a:prstDash val="solid"/>
+                      <a:round/>
+                      <a:headEnd type="none" w="med" len="med"/>
+                      <a:tailEnd type="none" w="med" len="med"/>
+                    </a:lnR>
+                    <a:lnT w="12700" cap="flat" cmpd="sng" algn="ctr">
+                      <a:solidFill>
+                        <a:srgbClr val="5A5A5A"/>
+                      </a:solidFill>
+                      <a:prstDash val="solid"/>
+                      <a:round/>
+                      <a:headEnd type="none" w="med" len="med"/>
+                      <a:tailEnd type="none" w="med" len="med"/>
+                    </a:lnT>
+                    <a:lnB w="12700" cap="flat" cmpd="sng" algn="ctr">
+                      <a:solidFill>
+                        <a:srgbClr val="5A5A5A"/>
+                      </a:solidFill>
+                      <a:prstDash val="solid"/>
+                      <a:round/>
+                      <a:headEnd type="none" w="med" len="med"/>
+                      <a:tailEnd type="none" w="med" len="med"/>
+                    </a:lnB>
+                    <a:solidFill>
+                      <a:srgbClr val="F5F7F7"/>
+                    </a:solidFill>
+                  </a:tcPr>
+                </a:tc>
+                <a:tc>
+                  <a:txBody>
+                    <a:bodyPr/>
+                    <a:lstStyle/>
+                    <a:p>
+                      <a:pPr algn="r" rtl="0" fontAlgn="ctr"/>
+                      <a:r>
+                        <a:rPr lang="mr-IN" sz="1400" b="0" i="0" u="none" strike="noStrike">
+                          <a:solidFill>
+                            <a:srgbClr val="5A5A5A"/>
+                          </a:solidFill>
+                          <a:effectLst/>
+                          <a:latin typeface="Arial" charset="0"/>
+                          <a:ea typeface="Arial" charset="0"/>
+                          <a:cs typeface="Arial" charset="0"/>
+                        </a:rPr>
+                        <a:t>25%</a:t>
+                      </a:r>
+                    </a:p>
+                  </a:txBody>
+                  <a:tcPr marL="6350" marR="6350" marT="6350" marB="0" anchor="ctr">
+                    <a:lnL w="12700" cap="flat" cmpd="sng" algn="ctr">
+                      <a:solidFill>
+                        <a:srgbClr val="5A5A5A"/>
+                      </a:solidFill>
+                      <a:prstDash val="solid"/>
+                      <a:round/>
+                      <a:headEnd type="none" w="med" len="med"/>
+                      <a:tailEnd type="none" w="med" len="med"/>
+                    </a:lnL>
+                    <a:lnR w="12700" cap="flat" cmpd="sng" algn="ctr">
+                      <a:solidFill>
+                        <a:srgbClr val="5A5A5A"/>
+                      </a:solidFill>
+                      <a:prstDash val="solid"/>
+                      <a:round/>
+                      <a:headEnd type="none" w="med" len="med"/>
+                      <a:tailEnd type="none" w="med" len="med"/>
+                    </a:lnR>
+                    <a:lnT w="12700" cap="flat" cmpd="sng" algn="ctr">
+                      <a:solidFill>
+                        <a:srgbClr val="5A5A5A"/>
+                      </a:solidFill>
+                      <a:prstDash val="solid"/>
+                      <a:round/>
+                      <a:headEnd type="none" w="med" len="med"/>
+                      <a:tailEnd type="none" w="med" len="med"/>
+                    </a:lnT>
+                    <a:lnB w="12700" cap="flat" cmpd="sng" algn="ctr">
+                      <a:solidFill>
+                        <a:srgbClr val="5A5A5A"/>
+                      </a:solidFill>
+                      <a:prstDash val="solid"/>
+                      <a:round/>
+                      <a:headEnd type="none" w="med" len="med"/>
+                      <a:tailEnd type="none" w="med" len="med"/>
+                    </a:lnB>
+                    <a:solidFill>
+                      <a:srgbClr val="F5F7F7"/>
+                    </a:solidFill>
+                  </a:tcPr>
+                </a:tc>
+              </a:tr>
+              <a:tr h="368300">
+                <a:tc>
+                  <a:txBody>
+                    <a:bodyPr/>
+                    <a:lstStyle/>
+                    <a:p>
+                      <a:pPr algn="l" rtl="0" fontAlgn="ctr"/>
+                      <a:r>
+                        <a:rPr lang="en-US" sz="1400" b="0" i="0" u="none" strike="noStrike">
+                          <a:solidFill>
+                            <a:srgbClr val="5A5A5A"/>
+                          </a:solidFill>
+                          <a:effectLst/>
+                          <a:latin typeface="Arial" charset="0"/>
+                          <a:ea typeface="Arial" charset="0"/>
+                          <a:cs typeface="Arial" charset="0"/>
+                        </a:rPr>
+                        <a:t>github.co.jp page updates and maintenance</a:t>
+                      </a:r>
+                    </a:p>
+                  </a:txBody>
+                  <a:tcPr marL="6350" marR="6350" marT="6350" marB="0" anchor="ctr">
+                    <a:lnL w="12700" cap="flat" cmpd="sng" algn="ctr">
+                      <a:solidFill>
+                        <a:srgbClr val="5A5A5A"/>
+                      </a:solidFill>
+                      <a:prstDash val="solid"/>
+                      <a:round/>
+                      <a:headEnd type="none" w="med" len="med"/>
+                      <a:tailEnd type="none" w="med" len="med"/>
+                    </a:lnL>
+                    <a:lnR w="12700" cap="flat" cmpd="sng" algn="ctr">
+                      <a:solidFill>
+                        <a:srgbClr val="5A5A5A"/>
+                      </a:solidFill>
+                      <a:prstDash val="solid"/>
+                      <a:round/>
+                      <a:headEnd type="none" w="med" len="med"/>
+                      <a:tailEnd type="none" w="med" len="med"/>
+                    </a:lnR>
+                    <a:lnT w="12700" cap="flat" cmpd="sng" algn="ctr">
+                      <a:solidFill>
+                        <a:srgbClr val="5A5A5A"/>
+                      </a:solidFill>
+                      <a:prstDash val="solid"/>
+                      <a:round/>
+                      <a:headEnd type="none" w="med" len="med"/>
+                      <a:tailEnd type="none" w="med" len="med"/>
+                    </a:lnT>
+                    <a:lnB w="12700" cap="flat" cmpd="sng" algn="ctr">
+                      <a:solidFill>
+                        <a:srgbClr val="5A5A5A"/>
+                      </a:solidFill>
+                      <a:prstDash val="solid"/>
+                      <a:round/>
+                      <a:headEnd type="none" w="med" len="med"/>
+                      <a:tailEnd type="none" w="med" len="med"/>
+                    </a:lnB>
+                    <a:solidFill>
+                      <a:srgbClr val="EBEEEE"/>
+                    </a:solidFill>
+                  </a:tcPr>
+                </a:tc>
+                <a:tc>
+                  <a:txBody>
+                    <a:bodyPr/>
+                    <a:lstStyle/>
+                    <a:p>
+                      <a:pPr algn="r" rtl="0" fontAlgn="ctr"/>
+                      <a:r>
+                        <a:rPr lang="is-IS" sz="1400" b="0" i="0" u="none" strike="noStrike" dirty="0">
+                          <a:solidFill>
+                            <a:srgbClr val="5A5A5A"/>
+                          </a:solidFill>
+                          <a:effectLst/>
+                          <a:latin typeface="Arial" charset="0"/>
+                          <a:ea typeface="Arial" charset="0"/>
+                          <a:cs typeface="Arial" charset="0"/>
+                        </a:rPr>
+                        <a:t>13 </a:t>
+                      </a:r>
+                    </a:p>
+                  </a:txBody>
+                  <a:tcPr marL="6350" marR="6350" marT="6350" marB="0" anchor="ctr">
+                    <a:lnL w="12700" cap="flat" cmpd="sng" algn="ctr">
+                      <a:solidFill>
+                        <a:srgbClr val="5A5A5A"/>
+                      </a:solidFill>
+                      <a:prstDash val="solid"/>
+                      <a:round/>
+                      <a:headEnd type="none" w="med" len="med"/>
+                      <a:tailEnd type="none" w="med" len="med"/>
+                    </a:lnL>
+                    <a:lnR w="12700" cap="flat" cmpd="sng" algn="ctr">
+                      <a:solidFill>
+                        <a:srgbClr val="5A5A5A"/>
+                      </a:solidFill>
+                      <a:prstDash val="solid"/>
+                      <a:round/>
+                      <a:headEnd type="none" w="med" len="med"/>
+                      <a:tailEnd type="none" w="med" len="med"/>
+                    </a:lnR>
+                    <a:lnT w="12700" cap="flat" cmpd="sng" algn="ctr">
+                      <a:solidFill>
+                        <a:srgbClr val="5A5A5A"/>
+                      </a:solidFill>
+                      <a:prstDash val="solid"/>
+                      <a:round/>
+                      <a:headEnd type="none" w="med" len="med"/>
+                      <a:tailEnd type="none" w="med" len="med"/>
+                    </a:lnT>
+                    <a:lnB w="12700" cap="flat" cmpd="sng" algn="ctr">
+                      <a:solidFill>
+                        <a:srgbClr val="5A5A5A"/>
+                      </a:solidFill>
+                      <a:prstDash val="solid"/>
+                      <a:round/>
+                      <a:headEnd type="none" w="med" len="med"/>
+                      <a:tailEnd type="none" w="med" len="med"/>
+                    </a:lnB>
+                    <a:solidFill>
+                      <a:srgbClr val="EBEEEE"/>
+                    </a:solidFill>
+                  </a:tcPr>
+                </a:tc>
+                <a:tc>
+                  <a:txBody>
+                    <a:bodyPr/>
+                    <a:lstStyle/>
+                    <a:p>
+                      <a:pPr algn="r" rtl="0" fontAlgn="ctr"/>
+                      <a:r>
+                        <a:rPr lang="mr-IN" sz="1400" b="0" i="0" u="none" strike="noStrike">
+                          <a:solidFill>
+                            <a:srgbClr val="5A5A5A"/>
+                          </a:solidFill>
+                          <a:effectLst/>
+                          <a:latin typeface="Arial" charset="0"/>
+                          <a:ea typeface="Arial" charset="0"/>
+                          <a:cs typeface="Arial" charset="0"/>
+                        </a:rPr>
+                        <a:t>5%</a:t>
+                      </a:r>
+                    </a:p>
+                  </a:txBody>
+                  <a:tcPr marL="6350" marR="6350" marT="6350" marB="0" anchor="ctr">
+                    <a:lnL w="12700" cap="flat" cmpd="sng" algn="ctr">
+                      <a:solidFill>
+                        <a:srgbClr val="5A5A5A"/>
+                      </a:solidFill>
+                      <a:prstDash val="solid"/>
+                      <a:round/>
+                      <a:headEnd type="none" w="med" len="med"/>
+                      <a:tailEnd type="none" w="med" len="med"/>
+                    </a:lnL>
+                    <a:lnR w="12700" cap="flat" cmpd="sng" algn="ctr">
+                      <a:solidFill>
+                        <a:srgbClr val="5A5A5A"/>
+                      </a:solidFill>
+                      <a:prstDash val="solid"/>
+                      <a:round/>
+                      <a:headEnd type="none" w="med" len="med"/>
+                      <a:tailEnd type="none" w="med" len="med"/>
+                    </a:lnR>
+                    <a:lnT w="12700" cap="flat" cmpd="sng" algn="ctr">
+                      <a:solidFill>
+                        <a:srgbClr val="5A5A5A"/>
+                      </a:solidFill>
+                      <a:prstDash val="solid"/>
+                      <a:round/>
+                      <a:headEnd type="none" w="med" len="med"/>
+                      <a:tailEnd type="none" w="med" len="med"/>
+                    </a:lnT>
+                    <a:lnB w="12700" cap="flat" cmpd="sng" algn="ctr">
+                      <a:solidFill>
+                        <a:srgbClr val="5A5A5A"/>
+                      </a:solidFill>
+                      <a:prstDash val="solid"/>
+                      <a:round/>
+                      <a:headEnd type="none" w="med" len="med"/>
+                      <a:tailEnd type="none" w="med" len="med"/>
+                    </a:lnB>
+                    <a:solidFill>
+                      <a:srgbClr val="EBEEEE"/>
+                    </a:solidFill>
+                  </a:tcPr>
+                </a:tc>
+              </a:tr>
+              <a:tr h="190500">
+                <a:tc>
+                  <a:txBody>
+                    <a:bodyPr/>
+                    <a:lstStyle/>
+                    <a:p>
+                      <a:pPr algn="l" rtl="0" fontAlgn="ctr"/>
+                      <a:r>
+                        <a:rPr lang="en-US" sz="1400" b="0" i="0" u="none" strike="noStrike">
+                          <a:solidFill>
+                            <a:srgbClr val="5A5A5A"/>
+                          </a:solidFill>
+                          <a:effectLst/>
+                          <a:latin typeface="Arial" charset="0"/>
+                          <a:ea typeface="Arial" charset="0"/>
+                          <a:cs typeface="Arial" charset="0"/>
+                        </a:rPr>
+                        <a:t>Signature Event prep</a:t>
+                      </a:r>
+                    </a:p>
+                  </a:txBody>
+                  <a:tcPr marL="6350" marR="6350" marT="6350" marB="0" anchor="ctr">
+                    <a:lnL w="12700" cap="flat" cmpd="sng" algn="ctr">
+                      <a:solidFill>
+                        <a:srgbClr val="5A5A5A"/>
+                      </a:solidFill>
+                      <a:prstDash val="solid"/>
+                      <a:round/>
+                      <a:headEnd type="none" w="med" len="med"/>
+                      <a:tailEnd type="none" w="med" len="med"/>
+                    </a:lnL>
+                    <a:lnR w="12700" cap="flat" cmpd="sng" algn="ctr">
+                      <a:solidFill>
+                        <a:srgbClr val="5A5A5A"/>
+                      </a:solidFill>
+                      <a:prstDash val="solid"/>
+                      <a:round/>
+                      <a:headEnd type="none" w="med" len="med"/>
+                      <a:tailEnd type="none" w="med" len="med"/>
+                    </a:lnR>
+                    <a:lnT w="12700" cap="flat" cmpd="sng" algn="ctr">
+                      <a:solidFill>
+                        <a:srgbClr val="5A5A5A"/>
+                      </a:solidFill>
+                      <a:prstDash val="solid"/>
+                      <a:round/>
+                      <a:headEnd type="none" w="med" len="med"/>
+                      <a:tailEnd type="none" w="med" len="med"/>
+                    </a:lnT>
+                    <a:lnB w="12700" cap="flat" cmpd="sng" algn="ctr">
+                      <a:solidFill>
+                        <a:srgbClr val="5A5A5A"/>
+                      </a:solidFill>
+                      <a:prstDash val="solid"/>
+                      <a:round/>
+                      <a:headEnd type="none" w="med" len="med"/>
+                      <a:tailEnd type="none" w="med" len="med"/>
+                    </a:lnB>
+                    <a:solidFill>
+                      <a:srgbClr val="F5F7F7"/>
+                    </a:solidFill>
+                  </a:tcPr>
+                </a:tc>
+                <a:tc>
+                  <a:txBody>
+                    <a:bodyPr/>
+                    <a:lstStyle/>
+                    <a:p>
+                      <a:pPr algn="r" rtl="0" fontAlgn="ctr"/>
+                      <a:r>
+                        <a:rPr lang="en-US" altLang="ja-JP" sz="1400" b="0" i="0" u="none" strike="noStrike">
+                          <a:solidFill>
+                            <a:srgbClr val="5A5A5A"/>
+                          </a:solidFill>
+                          <a:effectLst/>
+                          <a:latin typeface="Arial" charset="0"/>
+                          <a:ea typeface="Arial" charset="0"/>
+                          <a:cs typeface="Arial" charset="0"/>
+                        </a:rPr>
+                        <a:t>5 </a:t>
+                      </a:r>
+                    </a:p>
+                  </a:txBody>
+                  <a:tcPr marL="6350" marR="6350" marT="6350" marB="0" anchor="ctr">
+                    <a:lnL w="12700" cap="flat" cmpd="sng" algn="ctr">
+                      <a:solidFill>
+                        <a:srgbClr val="5A5A5A"/>
+                      </a:solidFill>
+                      <a:prstDash val="solid"/>
+                      <a:round/>
+                      <a:headEnd type="none" w="med" len="med"/>
+                      <a:tailEnd type="none" w="med" len="med"/>
+                    </a:lnL>
+                    <a:lnR w="12700" cap="flat" cmpd="sng" algn="ctr">
+                      <a:solidFill>
+                        <a:srgbClr val="5A5A5A"/>
+                      </a:solidFill>
+                      <a:prstDash val="solid"/>
+                      <a:round/>
+                      <a:headEnd type="none" w="med" len="med"/>
+                      <a:tailEnd type="none" w="med" len="med"/>
+                    </a:lnR>
+                    <a:lnT w="12700" cap="flat" cmpd="sng" algn="ctr">
+                      <a:solidFill>
+                        <a:srgbClr val="5A5A5A"/>
+                      </a:solidFill>
+                      <a:prstDash val="solid"/>
+                      <a:round/>
+                      <a:headEnd type="none" w="med" len="med"/>
+                      <a:tailEnd type="none" w="med" len="med"/>
+                    </a:lnT>
+                    <a:lnB w="12700" cap="flat" cmpd="sng" algn="ctr">
+                      <a:solidFill>
+                        <a:srgbClr val="5A5A5A"/>
+                      </a:solidFill>
+                      <a:prstDash val="solid"/>
+                      <a:round/>
+                      <a:headEnd type="none" w="med" len="med"/>
+                      <a:tailEnd type="none" w="med" len="med"/>
+                    </a:lnB>
+                    <a:solidFill>
+                      <a:srgbClr val="F5F7F7"/>
+                    </a:solidFill>
+                  </a:tcPr>
+                </a:tc>
+                <a:tc>
+                  <a:txBody>
+                    <a:bodyPr/>
+                    <a:lstStyle/>
+                    <a:p>
+                      <a:pPr algn="r" rtl="0" fontAlgn="ctr"/>
+                      <a:r>
+                        <a:rPr lang="mr-IN" sz="1400" b="0" i="0" u="none" strike="noStrike" dirty="0">
+                          <a:solidFill>
+                            <a:srgbClr val="5A5A5A"/>
+                          </a:solidFill>
+                          <a:effectLst/>
+                          <a:latin typeface="Arial" charset="0"/>
+                          <a:ea typeface="Arial" charset="0"/>
+                          <a:cs typeface="Arial" charset="0"/>
+                        </a:rPr>
+                        <a:t>2%</a:t>
+                      </a:r>
+                    </a:p>
+                  </a:txBody>
+                  <a:tcPr marL="6350" marR="6350" marT="6350" marB="0" anchor="ctr">
+                    <a:lnL w="12700" cap="flat" cmpd="sng" algn="ctr">
+                      <a:solidFill>
+                        <a:srgbClr val="5A5A5A"/>
+                      </a:solidFill>
+                      <a:prstDash val="solid"/>
+                      <a:round/>
+                      <a:headEnd type="none" w="med" len="med"/>
+                      <a:tailEnd type="none" w="med" len="med"/>
+                    </a:lnL>
+                    <a:lnR w="12700" cap="flat" cmpd="sng" algn="ctr">
+                      <a:solidFill>
+                        <a:srgbClr val="5A5A5A"/>
+                      </a:solidFill>
+                      <a:prstDash val="solid"/>
+                      <a:round/>
+                      <a:headEnd type="none" w="med" len="med"/>
+                      <a:tailEnd type="none" w="med" len="med"/>
+                    </a:lnR>
+                    <a:lnT w="12700" cap="flat" cmpd="sng" algn="ctr">
+                      <a:solidFill>
+                        <a:srgbClr val="5A5A5A"/>
+                      </a:solidFill>
+                      <a:prstDash val="solid"/>
+                      <a:round/>
+                      <a:headEnd type="none" w="med" len="med"/>
+                      <a:tailEnd type="none" w="med" len="med"/>
+                    </a:lnT>
+                    <a:lnB w="12700" cap="flat" cmpd="sng" algn="ctr">
+                      <a:solidFill>
+                        <a:srgbClr val="5A5A5A"/>
+                      </a:solidFill>
+                      <a:prstDash val="solid"/>
+                      <a:round/>
+                      <a:headEnd type="none" w="med" len="med"/>
+                      <a:tailEnd type="none" w="med" len="med"/>
+                    </a:lnB>
+                    <a:solidFill>
+                      <a:srgbClr val="F5F7F7"/>
+                    </a:solidFill>
+                  </a:tcPr>
+                </a:tc>
+              </a:tr>
+              <a:tr h="368300">
+                <a:tc>
+                  <a:txBody>
+                    <a:bodyPr/>
+                    <a:lstStyle/>
+                    <a:p>
+                      <a:pPr algn="l" rtl="0" fontAlgn="ctr"/>
+                      <a:r>
+                        <a:rPr lang="en-US" sz="1400" b="0" i="0" u="none" strike="noStrike">
+                          <a:solidFill>
+                            <a:srgbClr val="5A5A5A"/>
+                          </a:solidFill>
+                          <a:effectLst/>
+                          <a:latin typeface="Arial" charset="0"/>
+                          <a:ea typeface="Arial" charset="0"/>
+                          <a:cs typeface="Arial" charset="0"/>
+                        </a:rPr>
+                        <a:t>3rd Party Sponsorships</a:t>
+                      </a:r>
+                    </a:p>
+                  </a:txBody>
+                  <a:tcPr marL="6350" marR="6350" marT="6350" marB="0" anchor="ctr">
+                    <a:lnL w="12700" cap="flat" cmpd="sng" algn="ctr">
+                      <a:solidFill>
+                        <a:srgbClr val="5A5A5A"/>
+                      </a:solidFill>
+                      <a:prstDash val="solid"/>
+                      <a:round/>
+                      <a:headEnd type="none" w="med" len="med"/>
+                      <a:tailEnd type="none" w="med" len="med"/>
+                    </a:lnL>
+                    <a:lnR w="12700" cap="flat" cmpd="sng" algn="ctr">
+                      <a:solidFill>
+                        <a:srgbClr val="5A5A5A"/>
+                      </a:solidFill>
+                      <a:prstDash val="solid"/>
+                      <a:round/>
+                      <a:headEnd type="none" w="med" len="med"/>
+                      <a:tailEnd type="none" w="med" len="med"/>
+                    </a:lnR>
+                    <a:lnT w="12700" cap="flat" cmpd="sng" algn="ctr">
+                      <a:solidFill>
+                        <a:srgbClr val="5A5A5A"/>
+                      </a:solidFill>
+                      <a:prstDash val="solid"/>
+                      <a:round/>
+                      <a:headEnd type="none" w="med" len="med"/>
+                      <a:tailEnd type="none" w="med" len="med"/>
+                    </a:lnT>
+                    <a:lnB w="12700" cap="flat" cmpd="sng" algn="ctr">
+                      <a:solidFill>
+                        <a:srgbClr val="5A5A5A"/>
+                      </a:solidFill>
+                      <a:prstDash val="solid"/>
+                      <a:round/>
+                      <a:headEnd type="none" w="med" len="med"/>
+                      <a:tailEnd type="none" w="med" len="med"/>
+                    </a:lnB>
+                    <a:solidFill>
+                      <a:srgbClr val="EBEEEE"/>
+                    </a:solidFill>
+                  </a:tcPr>
+                </a:tc>
+                <a:tc>
+                  <a:txBody>
+                    <a:bodyPr/>
+                    <a:lstStyle/>
+                    <a:p>
+                      <a:pPr algn="r" rtl="0" fontAlgn="ctr"/>
+                      <a:r>
+                        <a:rPr lang="en-US" altLang="ja-JP" sz="1400" b="0" i="0" u="none" strike="noStrike">
+                          <a:solidFill>
+                            <a:srgbClr val="5A5A5A"/>
+                          </a:solidFill>
+                          <a:effectLst/>
+                          <a:latin typeface="Arial" charset="0"/>
+                          <a:ea typeface="Arial" charset="0"/>
+                          <a:cs typeface="Arial" charset="0"/>
+                        </a:rPr>
+                        <a:t>38 </a:t>
+                      </a:r>
+                    </a:p>
+                  </a:txBody>
+                  <a:tcPr marL="6350" marR="6350" marT="6350" marB="0" anchor="ctr">
+                    <a:lnL w="12700" cap="flat" cmpd="sng" algn="ctr">
+                      <a:solidFill>
+                        <a:srgbClr val="5A5A5A"/>
+                      </a:solidFill>
+                      <a:prstDash val="solid"/>
+                      <a:round/>
+                      <a:headEnd type="none" w="med" len="med"/>
+                      <a:tailEnd type="none" w="med" len="med"/>
+                    </a:lnL>
+                    <a:lnR w="12700" cap="flat" cmpd="sng" algn="ctr">
+                      <a:solidFill>
+                        <a:srgbClr val="5A5A5A"/>
+                      </a:solidFill>
+                      <a:prstDash val="solid"/>
+                      <a:round/>
+                      <a:headEnd type="none" w="med" len="med"/>
+                      <a:tailEnd type="none" w="med" len="med"/>
+                    </a:lnR>
+                    <a:lnT w="12700" cap="flat" cmpd="sng" algn="ctr">
+                      <a:solidFill>
+                        <a:srgbClr val="5A5A5A"/>
+                      </a:solidFill>
+                      <a:prstDash val="solid"/>
+                      <a:round/>
+                      <a:headEnd type="none" w="med" len="med"/>
+                      <a:tailEnd type="none" w="med" len="med"/>
+                    </a:lnT>
+                    <a:lnB w="12700" cap="flat" cmpd="sng" algn="ctr">
+                      <a:solidFill>
+                        <a:srgbClr val="5A5A5A"/>
+                      </a:solidFill>
+                      <a:prstDash val="solid"/>
+                      <a:round/>
+                      <a:headEnd type="none" w="med" len="med"/>
+                      <a:tailEnd type="none" w="med" len="med"/>
+                    </a:lnB>
+                    <a:solidFill>
+                      <a:srgbClr val="EBEEEE"/>
+                    </a:solidFill>
+                  </a:tcPr>
+                </a:tc>
+                <a:tc>
+                  <a:txBody>
+                    <a:bodyPr/>
+                    <a:lstStyle/>
+                    <a:p>
+                      <a:pPr algn="r" rtl="0" fontAlgn="ctr"/>
+                      <a:r>
+                        <a:rPr lang="mr-IN" sz="1400" b="0" i="0" u="none" strike="noStrike">
+                          <a:solidFill>
+                            <a:srgbClr val="5A5A5A"/>
+                          </a:solidFill>
+                          <a:effectLst/>
+                          <a:latin typeface="Arial" charset="0"/>
+                          <a:ea typeface="Arial" charset="0"/>
+                          <a:cs typeface="Arial" charset="0"/>
+                        </a:rPr>
+                        <a:t>15%</a:t>
+                      </a:r>
+                    </a:p>
+                  </a:txBody>
+                  <a:tcPr marL="6350" marR="6350" marT="6350" marB="0" anchor="ctr">
+                    <a:lnL w="12700" cap="flat" cmpd="sng" algn="ctr">
+                      <a:solidFill>
+                        <a:srgbClr val="5A5A5A"/>
+                      </a:solidFill>
+                      <a:prstDash val="solid"/>
+                      <a:round/>
+                      <a:headEnd type="none" w="med" len="med"/>
+                      <a:tailEnd type="none" w="med" len="med"/>
+                    </a:lnL>
+                    <a:lnR w="12700" cap="flat" cmpd="sng" algn="ctr">
+                      <a:solidFill>
+                        <a:srgbClr val="5A5A5A"/>
+                      </a:solidFill>
+                      <a:prstDash val="solid"/>
+                      <a:round/>
+                      <a:headEnd type="none" w="med" len="med"/>
+                      <a:tailEnd type="none" w="med" len="med"/>
+                    </a:lnR>
+                    <a:lnT w="12700" cap="flat" cmpd="sng" algn="ctr">
+                      <a:solidFill>
+                        <a:srgbClr val="5A5A5A"/>
+                      </a:solidFill>
+                      <a:prstDash val="solid"/>
+                      <a:round/>
+                      <a:headEnd type="none" w="med" len="med"/>
+                      <a:tailEnd type="none" w="med" len="med"/>
+                    </a:lnT>
+                    <a:lnB w="12700" cap="flat" cmpd="sng" algn="ctr">
+                      <a:solidFill>
+                        <a:srgbClr val="5A5A5A"/>
+                      </a:solidFill>
+                      <a:prstDash val="solid"/>
+                      <a:round/>
+                      <a:headEnd type="none" w="med" len="med"/>
+                      <a:tailEnd type="none" w="med" len="med"/>
+                    </a:lnB>
+                    <a:solidFill>
+                      <a:srgbClr val="EBEEEE"/>
+                    </a:solidFill>
+                  </a:tcPr>
+                </a:tc>
+              </a:tr>
+              <a:tr h="190500">
+                <a:tc>
+                  <a:txBody>
+                    <a:bodyPr/>
+                    <a:lstStyle/>
+                    <a:p>
+                      <a:pPr algn="l" rtl="0" fontAlgn="ctr"/>
+                      <a:r>
+                        <a:rPr lang="en-US" sz="1400" b="0" i="0" u="none" strike="noStrike">
+                          <a:solidFill>
+                            <a:srgbClr val="5A5A5A"/>
+                          </a:solidFill>
+                          <a:effectLst/>
+                          <a:latin typeface="Arial" charset="0"/>
+                          <a:ea typeface="Arial" charset="0"/>
+                          <a:cs typeface="Arial" charset="0"/>
+                        </a:rPr>
+                        <a:t>Small Seminars</a:t>
+                      </a:r>
+                    </a:p>
+                  </a:txBody>
+                  <a:tcPr marL="6350" marR="6350" marT="6350" marB="0" anchor="ctr">
+                    <a:lnL w="12700" cap="flat" cmpd="sng" algn="ctr">
+                      <a:solidFill>
+                        <a:srgbClr val="5A5A5A"/>
+                      </a:solidFill>
+                      <a:prstDash val="solid"/>
+                      <a:round/>
+                      <a:headEnd type="none" w="med" len="med"/>
+                      <a:tailEnd type="none" w="med" len="med"/>
+                    </a:lnL>
+                    <a:lnR w="12700" cap="flat" cmpd="sng" algn="ctr">
+                      <a:solidFill>
+                        <a:srgbClr val="5A5A5A"/>
+                      </a:solidFill>
+                      <a:prstDash val="solid"/>
+                      <a:round/>
+                      <a:headEnd type="none" w="med" len="med"/>
+                      <a:tailEnd type="none" w="med" len="med"/>
+                    </a:lnR>
+                    <a:lnT w="12700" cap="flat" cmpd="sng" algn="ctr">
+                      <a:solidFill>
+                        <a:srgbClr val="5A5A5A"/>
+                      </a:solidFill>
+                      <a:prstDash val="solid"/>
+                      <a:round/>
+                      <a:headEnd type="none" w="med" len="med"/>
+                      <a:tailEnd type="none" w="med" len="med"/>
+                    </a:lnT>
+                    <a:lnB w="12700" cap="flat" cmpd="sng" algn="ctr">
+                      <a:solidFill>
+                        <a:srgbClr val="5A5A5A"/>
+                      </a:solidFill>
+                      <a:prstDash val="solid"/>
+                      <a:round/>
+                      <a:headEnd type="none" w="med" len="med"/>
+                      <a:tailEnd type="none" w="med" len="med"/>
+                    </a:lnB>
+                    <a:solidFill>
+                      <a:srgbClr val="F5F7F7"/>
+                    </a:solidFill>
+                  </a:tcPr>
+                </a:tc>
+                <a:tc>
+                  <a:txBody>
+                    <a:bodyPr/>
+                    <a:lstStyle/>
+                    <a:p>
+                      <a:pPr algn="r" rtl="0" fontAlgn="ctr"/>
+                      <a:r>
+                        <a:rPr lang="is-IS" sz="1400" b="0" i="0" u="none" strike="noStrike">
+                          <a:solidFill>
+                            <a:srgbClr val="5A5A5A"/>
+                          </a:solidFill>
+                          <a:effectLst/>
+                          <a:latin typeface="Arial" charset="0"/>
+                          <a:ea typeface="Arial" charset="0"/>
+                          <a:cs typeface="Arial" charset="0"/>
+                        </a:rPr>
+                        <a:t>25 </a:t>
+                      </a:r>
+                    </a:p>
+                  </a:txBody>
+                  <a:tcPr marL="6350" marR="6350" marT="6350" marB="0" anchor="ctr">
+                    <a:lnL w="12700" cap="flat" cmpd="sng" algn="ctr">
+                      <a:solidFill>
+                        <a:srgbClr val="5A5A5A"/>
+                      </a:solidFill>
+                      <a:prstDash val="solid"/>
+                      <a:round/>
+                      <a:headEnd type="none" w="med" len="med"/>
+                      <a:tailEnd type="none" w="med" len="med"/>
+                    </a:lnL>
+                    <a:lnR w="12700" cap="flat" cmpd="sng" algn="ctr">
+                      <a:solidFill>
+                        <a:srgbClr val="5A5A5A"/>
+                      </a:solidFill>
+                      <a:prstDash val="solid"/>
+                      <a:round/>
+                      <a:headEnd type="none" w="med" len="med"/>
+                      <a:tailEnd type="none" w="med" len="med"/>
+                    </a:lnR>
+                    <a:lnT w="12700" cap="flat" cmpd="sng" algn="ctr">
+                      <a:solidFill>
+                        <a:srgbClr val="5A5A5A"/>
+                      </a:solidFill>
+                      <a:prstDash val="solid"/>
+                      <a:round/>
+                      <a:headEnd type="none" w="med" len="med"/>
+                      <a:tailEnd type="none" w="med" len="med"/>
+                    </a:lnT>
+                    <a:lnB w="12700" cap="flat" cmpd="sng" algn="ctr">
+                      <a:solidFill>
+                        <a:srgbClr val="5A5A5A"/>
+                      </a:solidFill>
+                      <a:prstDash val="solid"/>
+                      <a:round/>
+                      <a:headEnd type="none" w="med" len="med"/>
+                      <a:tailEnd type="none" w="med" len="med"/>
+                    </a:lnB>
+                    <a:solidFill>
+                      <a:srgbClr val="F5F7F7"/>
+                    </a:solidFill>
+                  </a:tcPr>
+                </a:tc>
+                <a:tc>
+                  <a:txBody>
+                    <a:bodyPr/>
+                    <a:lstStyle/>
+                    <a:p>
+                      <a:pPr algn="r" rtl="0" fontAlgn="ctr"/>
+                      <a:r>
+                        <a:rPr lang="mr-IN" sz="1400" b="0" i="0" u="none" strike="noStrike" dirty="0">
+                          <a:solidFill>
+                            <a:srgbClr val="5A5A5A"/>
+                          </a:solidFill>
+                          <a:effectLst/>
+                          <a:latin typeface="Arial" charset="0"/>
+                          <a:ea typeface="Arial" charset="0"/>
+                          <a:cs typeface="Arial" charset="0"/>
+                        </a:rPr>
+                        <a:t>10%</a:t>
+                      </a:r>
+                    </a:p>
+                  </a:txBody>
+                  <a:tcPr marL="6350" marR="6350" marT="6350" marB="0" anchor="ctr">
+                    <a:lnL w="12700" cap="flat" cmpd="sng" algn="ctr">
+                      <a:solidFill>
+                        <a:srgbClr val="5A5A5A"/>
+                      </a:solidFill>
+                      <a:prstDash val="solid"/>
+                      <a:round/>
+                      <a:headEnd type="none" w="med" len="med"/>
+                      <a:tailEnd type="none" w="med" len="med"/>
+                    </a:lnL>
+                    <a:lnR w="12700" cap="flat" cmpd="sng" algn="ctr">
+                      <a:solidFill>
+                        <a:srgbClr val="5A5A5A"/>
+                      </a:solidFill>
+                      <a:prstDash val="solid"/>
+                      <a:round/>
+                      <a:headEnd type="none" w="med" len="med"/>
+                      <a:tailEnd type="none" w="med" len="med"/>
+                    </a:lnR>
+                    <a:lnT w="12700" cap="flat" cmpd="sng" algn="ctr">
+                      <a:solidFill>
+                        <a:srgbClr val="5A5A5A"/>
+                      </a:solidFill>
+                      <a:prstDash val="solid"/>
+                      <a:round/>
+                      <a:headEnd type="none" w="med" len="med"/>
+                      <a:tailEnd type="none" w="med" len="med"/>
+                    </a:lnT>
+                    <a:lnB w="12700" cap="flat" cmpd="sng" algn="ctr">
+                      <a:solidFill>
+                        <a:srgbClr val="5A5A5A"/>
+                      </a:solidFill>
+                      <a:prstDash val="solid"/>
+                      <a:round/>
+                      <a:headEnd type="none" w="med" len="med"/>
+                      <a:tailEnd type="none" w="med" len="med"/>
+                    </a:lnB>
+                    <a:solidFill>
+                      <a:srgbClr val="F5F7F7"/>
+                    </a:solidFill>
+                  </a:tcPr>
+                </a:tc>
+              </a:tr>
+              <a:tr h="190500">
+                <a:tc>
+                  <a:txBody>
+                    <a:bodyPr/>
+                    <a:lstStyle/>
+                    <a:p>
+                      <a:pPr algn="l" rtl="0" fontAlgn="ctr"/>
+                      <a:r>
+                        <a:rPr lang="en-US" sz="1400" b="0" i="0" u="none" strike="noStrike">
+                          <a:solidFill>
+                            <a:srgbClr val="5A5A5A"/>
+                          </a:solidFill>
+                          <a:effectLst/>
+                          <a:latin typeface="Arial" charset="0"/>
+                          <a:ea typeface="Arial" charset="0"/>
+                          <a:cs typeface="Arial" charset="0"/>
+                        </a:rPr>
+                        <a:t>New Assets &amp; Translations</a:t>
+                      </a:r>
+                    </a:p>
+                  </a:txBody>
+                  <a:tcPr marL="6350" marR="6350" marT="6350" marB="0" anchor="ctr">
+                    <a:lnL w="12700" cap="flat" cmpd="sng" algn="ctr">
+                      <a:solidFill>
+                        <a:srgbClr val="5A5A5A"/>
+                      </a:solidFill>
+                      <a:prstDash val="solid"/>
+                      <a:round/>
+                      <a:headEnd type="none" w="med" len="med"/>
+                      <a:tailEnd type="none" w="med" len="med"/>
+                    </a:lnL>
+                    <a:lnR w="12700" cap="flat" cmpd="sng" algn="ctr">
+                      <a:solidFill>
+                        <a:srgbClr val="5A5A5A"/>
+                      </a:solidFill>
+                      <a:prstDash val="solid"/>
+                      <a:round/>
+                      <a:headEnd type="none" w="med" len="med"/>
+                      <a:tailEnd type="none" w="med" len="med"/>
+                    </a:lnR>
+                    <a:lnT w="12700" cap="flat" cmpd="sng" algn="ctr">
+                      <a:solidFill>
+                        <a:srgbClr val="5A5A5A"/>
+                      </a:solidFill>
+                      <a:prstDash val="solid"/>
+                      <a:round/>
+                      <a:headEnd type="none" w="med" len="med"/>
+                      <a:tailEnd type="none" w="med" len="med"/>
+                    </a:lnT>
+                    <a:lnB w="12700" cap="flat" cmpd="sng" algn="ctr">
+                      <a:solidFill>
+                        <a:srgbClr val="5A5A5A"/>
+                      </a:solidFill>
+                      <a:prstDash val="solid"/>
+                      <a:round/>
+                      <a:headEnd type="none" w="med" len="med"/>
+                      <a:tailEnd type="none" w="med" len="med"/>
+                    </a:lnB>
+                    <a:solidFill>
+                      <a:srgbClr val="EBEEEE"/>
+                    </a:solidFill>
+                  </a:tcPr>
+                </a:tc>
+                <a:tc>
+                  <a:txBody>
+                    <a:bodyPr/>
+                    <a:lstStyle/>
+                    <a:p>
+                      <a:pPr algn="r" rtl="0" fontAlgn="ctr"/>
+                      <a:r>
+                        <a:rPr lang="is-IS" sz="1400" b="0" i="0" u="none" strike="noStrike">
+                          <a:solidFill>
+                            <a:srgbClr val="5A5A5A"/>
+                          </a:solidFill>
+                          <a:effectLst/>
+                          <a:latin typeface="Arial" charset="0"/>
+                          <a:ea typeface="Arial" charset="0"/>
+                          <a:cs typeface="Arial" charset="0"/>
+                        </a:rPr>
+                        <a:t>13 </a:t>
+                      </a:r>
+                    </a:p>
+                  </a:txBody>
+                  <a:tcPr marL="6350" marR="6350" marT="6350" marB="0" anchor="ctr">
+                    <a:lnL w="12700" cap="flat" cmpd="sng" algn="ctr">
+                      <a:solidFill>
+                        <a:srgbClr val="5A5A5A"/>
+                      </a:solidFill>
+                      <a:prstDash val="solid"/>
+                      <a:round/>
+                      <a:headEnd type="none" w="med" len="med"/>
+                      <a:tailEnd type="none" w="med" len="med"/>
+                    </a:lnL>
+                    <a:lnR w="12700" cap="flat" cmpd="sng" algn="ctr">
+                      <a:solidFill>
+                        <a:srgbClr val="5A5A5A"/>
+                      </a:solidFill>
+                      <a:prstDash val="solid"/>
+                      <a:round/>
+                      <a:headEnd type="none" w="med" len="med"/>
+                      <a:tailEnd type="none" w="med" len="med"/>
+                    </a:lnR>
+                    <a:lnT w="12700" cap="flat" cmpd="sng" algn="ctr">
+                      <a:solidFill>
+                        <a:srgbClr val="5A5A5A"/>
+                      </a:solidFill>
+                      <a:prstDash val="solid"/>
+                      <a:round/>
+                      <a:headEnd type="none" w="med" len="med"/>
+                      <a:tailEnd type="none" w="med" len="med"/>
+                    </a:lnT>
+                    <a:lnB w="12700" cap="flat" cmpd="sng" algn="ctr">
+                      <a:solidFill>
+                        <a:srgbClr val="5A5A5A"/>
+                      </a:solidFill>
+                      <a:prstDash val="solid"/>
+                      <a:round/>
+                      <a:headEnd type="none" w="med" len="med"/>
+                      <a:tailEnd type="none" w="med" len="med"/>
+                    </a:lnB>
+                    <a:solidFill>
+                      <a:srgbClr val="EBEEEE"/>
+                    </a:solidFill>
+                  </a:tcPr>
+                </a:tc>
+                <a:tc>
+                  <a:txBody>
+                    <a:bodyPr/>
+                    <a:lstStyle/>
+                    <a:p>
+                      <a:pPr algn="r" rtl="0" fontAlgn="ctr"/>
+                      <a:r>
+                        <a:rPr lang="mr-IN" sz="1400" b="0" i="0" u="none" strike="noStrike" dirty="0">
+                          <a:solidFill>
+                            <a:srgbClr val="5A5A5A"/>
+                          </a:solidFill>
+                          <a:effectLst/>
+                          <a:latin typeface="Arial" charset="0"/>
+                          <a:ea typeface="Arial" charset="0"/>
+                          <a:cs typeface="Arial" charset="0"/>
+                        </a:rPr>
+                        <a:t>5%</a:t>
+                      </a:r>
+                    </a:p>
+                  </a:txBody>
+                  <a:tcPr marL="6350" marR="6350" marT="6350" marB="0" anchor="ctr">
+                    <a:lnL w="12700" cap="flat" cmpd="sng" algn="ctr">
+                      <a:solidFill>
+                        <a:srgbClr val="5A5A5A"/>
+                      </a:solidFill>
+                      <a:prstDash val="solid"/>
+                      <a:round/>
+                      <a:headEnd type="none" w="med" len="med"/>
+                      <a:tailEnd type="none" w="med" len="med"/>
+                    </a:lnL>
+                    <a:lnR w="12700" cap="flat" cmpd="sng" algn="ctr">
+                      <a:solidFill>
+                        <a:srgbClr val="5A5A5A"/>
+                      </a:solidFill>
+                      <a:prstDash val="solid"/>
+                      <a:round/>
+                      <a:headEnd type="none" w="med" len="med"/>
+                      <a:tailEnd type="none" w="med" len="med"/>
+                    </a:lnR>
+                    <a:lnT w="12700" cap="flat" cmpd="sng" algn="ctr">
+                      <a:solidFill>
+                        <a:srgbClr val="5A5A5A"/>
+                      </a:solidFill>
+                      <a:prstDash val="solid"/>
+                      <a:round/>
+                      <a:headEnd type="none" w="med" len="med"/>
+                      <a:tailEnd type="none" w="med" len="med"/>
+                    </a:lnT>
+                    <a:lnB w="12700" cap="flat" cmpd="sng" algn="ctr">
+                      <a:solidFill>
+                        <a:srgbClr val="5A5A5A"/>
+                      </a:solidFill>
+                      <a:prstDash val="solid"/>
+                      <a:round/>
+                      <a:headEnd type="none" w="med" len="med"/>
+                      <a:tailEnd type="none" w="med" len="med"/>
+                    </a:lnB>
+                    <a:solidFill>
+                      <a:srgbClr val="EBEEEE"/>
+                    </a:solidFill>
+                  </a:tcPr>
+                </a:tc>
+              </a:tr>
+              <a:tr h="190500">
+                <a:tc>
+                  <a:txBody>
+                    <a:bodyPr/>
+                    <a:lstStyle/>
+                    <a:p>
+                      <a:pPr algn="l" rtl="0" fontAlgn="ctr"/>
+                      <a:r>
+                        <a:rPr lang="en-US" sz="1400" b="0" i="0" u="none" strike="noStrike">
+                          <a:solidFill>
+                            <a:srgbClr val="5A5A5A"/>
+                          </a:solidFill>
+                          <a:effectLst/>
+                          <a:latin typeface="Arial" charset="0"/>
+                          <a:ea typeface="Arial" charset="0"/>
+                          <a:cs typeface="Arial" charset="0"/>
+                        </a:rPr>
+                        <a:t>External Tele Agency (Outbound Call) </a:t>
+                      </a:r>
+                    </a:p>
+                  </a:txBody>
+                  <a:tcPr marL="6350" marR="6350" marT="6350" marB="0" anchor="ctr">
+                    <a:lnL w="12700" cap="flat" cmpd="sng" algn="ctr">
+                      <a:solidFill>
+                        <a:srgbClr val="5A5A5A"/>
+                      </a:solidFill>
+                      <a:prstDash val="solid"/>
+                      <a:round/>
+                      <a:headEnd type="none" w="med" len="med"/>
+                      <a:tailEnd type="none" w="med" len="med"/>
+                    </a:lnL>
+                    <a:lnR w="12700" cap="flat" cmpd="sng" algn="ctr">
+                      <a:solidFill>
+                        <a:srgbClr val="5A5A5A"/>
+                      </a:solidFill>
+                      <a:prstDash val="solid"/>
+                      <a:round/>
+                      <a:headEnd type="none" w="med" len="med"/>
+                      <a:tailEnd type="none" w="med" len="med"/>
+                    </a:lnR>
+                    <a:lnT w="12700" cap="flat" cmpd="sng" algn="ctr">
+                      <a:solidFill>
+                        <a:srgbClr val="5A5A5A"/>
+                      </a:solidFill>
+                      <a:prstDash val="solid"/>
+                      <a:round/>
+                      <a:headEnd type="none" w="med" len="med"/>
+                      <a:tailEnd type="none" w="med" len="med"/>
+                    </a:lnT>
+                    <a:lnB w="12700" cap="flat" cmpd="sng" algn="ctr">
+                      <a:solidFill>
+                        <a:srgbClr val="5A5A5A"/>
+                      </a:solidFill>
+                      <a:prstDash val="solid"/>
+                      <a:round/>
+                      <a:headEnd type="none" w="med" len="med"/>
+                      <a:tailEnd type="none" w="med" len="med"/>
+                    </a:lnB>
+                    <a:solidFill>
+                      <a:srgbClr val="F5F7F7"/>
+                    </a:solidFill>
+                  </a:tcPr>
+                </a:tc>
+                <a:tc>
+                  <a:txBody>
+                    <a:bodyPr/>
+                    <a:lstStyle/>
+                    <a:p>
+                      <a:pPr algn="r" rtl="0" fontAlgn="ctr"/>
+                      <a:r>
+                        <a:rPr lang="is-IS" sz="1400" b="0" i="0" u="none" strike="noStrike">
+                          <a:solidFill>
+                            <a:srgbClr val="5A5A5A"/>
+                          </a:solidFill>
+                          <a:effectLst/>
+                          <a:latin typeface="Arial" charset="0"/>
+                          <a:ea typeface="Arial" charset="0"/>
+                          <a:cs typeface="Arial" charset="0"/>
+                        </a:rPr>
+                        <a:t>13 </a:t>
+                      </a:r>
+                    </a:p>
+                  </a:txBody>
+                  <a:tcPr marL="6350" marR="6350" marT="6350" marB="0" anchor="ctr">
+                    <a:lnL w="12700" cap="flat" cmpd="sng" algn="ctr">
+                      <a:solidFill>
+                        <a:srgbClr val="5A5A5A"/>
+                      </a:solidFill>
+                      <a:prstDash val="solid"/>
+                      <a:round/>
+                      <a:headEnd type="none" w="med" len="med"/>
+                      <a:tailEnd type="none" w="med" len="med"/>
+                    </a:lnL>
+                    <a:lnR w="12700" cap="flat" cmpd="sng" algn="ctr">
+                      <a:solidFill>
+                        <a:srgbClr val="5A5A5A"/>
+                      </a:solidFill>
+                      <a:prstDash val="solid"/>
+                      <a:round/>
+                      <a:headEnd type="none" w="med" len="med"/>
+                      <a:tailEnd type="none" w="med" len="med"/>
+                    </a:lnR>
+                    <a:lnT w="12700" cap="flat" cmpd="sng" algn="ctr">
+                      <a:solidFill>
+                        <a:srgbClr val="5A5A5A"/>
+                      </a:solidFill>
+                      <a:prstDash val="solid"/>
+                      <a:round/>
+                      <a:headEnd type="none" w="med" len="med"/>
+                      <a:tailEnd type="none" w="med" len="med"/>
+                    </a:lnT>
+                    <a:lnB w="12700" cap="flat" cmpd="sng" algn="ctr">
+                      <a:solidFill>
+                        <a:srgbClr val="5A5A5A"/>
+                      </a:solidFill>
+                      <a:prstDash val="solid"/>
+                      <a:round/>
+                      <a:headEnd type="none" w="med" len="med"/>
+                      <a:tailEnd type="none" w="med" len="med"/>
+                    </a:lnB>
+                    <a:solidFill>
+                      <a:srgbClr val="F5F7F7"/>
+                    </a:solidFill>
+                  </a:tcPr>
+                </a:tc>
+                <a:tc>
+                  <a:txBody>
+                    <a:bodyPr/>
+                    <a:lstStyle/>
+                    <a:p>
+                      <a:pPr algn="r" rtl="0" fontAlgn="ctr"/>
+                      <a:r>
+                        <a:rPr lang="mr-IN" sz="1400" b="0" i="0" u="none" strike="noStrike" dirty="0">
+                          <a:solidFill>
+                            <a:srgbClr val="5A5A5A"/>
+                          </a:solidFill>
+                          <a:effectLst/>
+                          <a:latin typeface="Arial" charset="0"/>
+                          <a:ea typeface="Arial" charset="0"/>
+                          <a:cs typeface="Arial" charset="0"/>
+                        </a:rPr>
+                        <a:t>5%</a:t>
+                      </a:r>
+                    </a:p>
+                  </a:txBody>
+                  <a:tcPr marL="6350" marR="6350" marT="6350" marB="0" anchor="ctr">
+                    <a:lnL w="12700" cap="flat" cmpd="sng" algn="ctr">
+                      <a:solidFill>
+                        <a:srgbClr val="5A5A5A"/>
+                      </a:solidFill>
+                      <a:prstDash val="solid"/>
+                      <a:round/>
+                      <a:headEnd type="none" w="med" len="med"/>
+                      <a:tailEnd type="none" w="med" len="med"/>
+                    </a:lnL>
+                    <a:lnR w="12700" cap="flat" cmpd="sng" algn="ctr">
+                      <a:solidFill>
+                        <a:srgbClr val="5A5A5A"/>
+                      </a:solidFill>
+                      <a:prstDash val="solid"/>
+                      <a:round/>
+                      <a:headEnd type="none" w="med" len="med"/>
+                      <a:tailEnd type="none" w="med" len="med"/>
+                    </a:lnR>
+                    <a:lnT w="12700" cap="flat" cmpd="sng" algn="ctr">
+                      <a:solidFill>
+                        <a:srgbClr val="5A5A5A"/>
+                      </a:solidFill>
+                      <a:prstDash val="solid"/>
+                      <a:round/>
+                      <a:headEnd type="none" w="med" len="med"/>
+                      <a:tailEnd type="none" w="med" len="med"/>
+                    </a:lnT>
+                    <a:lnB w="12700" cap="flat" cmpd="sng" algn="ctr">
+                      <a:solidFill>
+                        <a:srgbClr val="5A5A5A"/>
+                      </a:solidFill>
+                      <a:prstDash val="solid"/>
+                      <a:round/>
+                      <a:headEnd type="none" w="med" len="med"/>
+                      <a:tailEnd type="none" w="med" len="med"/>
+                    </a:lnB>
+                    <a:solidFill>
+                      <a:srgbClr val="F5F7F7"/>
+                    </a:solidFill>
+                  </a:tcPr>
+                </a:tc>
+              </a:tr>
+              <a:tr h="190500">
+                <a:tc>
+                  <a:txBody>
+                    <a:bodyPr/>
+                    <a:lstStyle/>
+                    <a:p>
+                      <a:pPr algn="l" rtl="0" fontAlgn="ctr"/>
+                      <a:r>
+                        <a:rPr lang="en-US" sz="1400" b="0" i="0" u="none" strike="noStrike">
+                          <a:solidFill>
+                            <a:srgbClr val="5A5A5A"/>
+                          </a:solidFill>
+                          <a:effectLst/>
+                          <a:latin typeface="Arial" charset="0"/>
+                          <a:ea typeface="Arial" charset="0"/>
+                          <a:cs typeface="Arial" charset="0"/>
+                        </a:rPr>
+                        <a:t>Agency Fee</a:t>
+                      </a:r>
+                    </a:p>
+                  </a:txBody>
+                  <a:tcPr marL="6350" marR="6350" marT="6350" marB="0" anchor="ctr">
+                    <a:lnL w="12700" cap="flat" cmpd="sng" algn="ctr">
+                      <a:solidFill>
+                        <a:srgbClr val="5A5A5A"/>
+                      </a:solidFill>
+                      <a:prstDash val="solid"/>
+                      <a:round/>
+                      <a:headEnd type="none" w="med" len="med"/>
+                      <a:tailEnd type="none" w="med" len="med"/>
+                    </a:lnL>
+                    <a:lnR w="12700" cap="flat" cmpd="sng" algn="ctr">
+                      <a:solidFill>
+                        <a:srgbClr val="5A5A5A"/>
+                      </a:solidFill>
+                      <a:prstDash val="solid"/>
+                      <a:round/>
+                      <a:headEnd type="none" w="med" len="med"/>
+                      <a:tailEnd type="none" w="med" len="med"/>
+                    </a:lnR>
+                    <a:lnT w="12700" cap="flat" cmpd="sng" algn="ctr">
+                      <a:solidFill>
+                        <a:srgbClr val="5A5A5A"/>
+                      </a:solidFill>
+                      <a:prstDash val="solid"/>
+                      <a:round/>
+                      <a:headEnd type="none" w="med" len="med"/>
+                      <a:tailEnd type="none" w="med" len="med"/>
+                    </a:lnT>
+                    <a:lnB w="12700" cap="flat" cmpd="sng" algn="ctr">
+                      <a:solidFill>
+                        <a:srgbClr val="5A5A5A"/>
+                      </a:solidFill>
+                      <a:prstDash val="solid"/>
+                      <a:round/>
+                      <a:headEnd type="none" w="med" len="med"/>
+                      <a:tailEnd type="none" w="med" len="med"/>
+                    </a:lnB>
+                    <a:solidFill>
+                      <a:srgbClr val="EBEEEE"/>
+                    </a:solidFill>
+                  </a:tcPr>
+                </a:tc>
+                <a:tc>
+                  <a:txBody>
+                    <a:bodyPr/>
+                    <a:lstStyle/>
+                    <a:p>
+                      <a:pPr algn="r" rtl="0" fontAlgn="ctr"/>
+                      <a:r>
+                        <a:rPr lang="ru-RU" sz="1400" b="0" i="0" u="none" strike="noStrike">
+                          <a:solidFill>
+                            <a:srgbClr val="5A5A5A"/>
+                          </a:solidFill>
+                          <a:effectLst/>
+                          <a:latin typeface="Arial" charset="0"/>
+                          <a:ea typeface="Arial" charset="0"/>
+                          <a:cs typeface="Arial" charset="0"/>
+                        </a:rPr>
+                        <a:t>58 </a:t>
+                      </a:r>
+                    </a:p>
+                  </a:txBody>
+                  <a:tcPr marL="6350" marR="6350" marT="6350" marB="0" anchor="ctr">
+                    <a:lnL w="12700" cap="flat" cmpd="sng" algn="ctr">
+                      <a:solidFill>
+                        <a:srgbClr val="5A5A5A"/>
+                      </a:solidFill>
+                      <a:prstDash val="solid"/>
+                      <a:round/>
+                      <a:headEnd type="none" w="med" len="med"/>
+                      <a:tailEnd type="none" w="med" len="med"/>
+                    </a:lnL>
+                    <a:lnR w="12700" cap="flat" cmpd="sng" algn="ctr">
+                      <a:solidFill>
+                        <a:srgbClr val="5A5A5A"/>
+                      </a:solidFill>
+                      <a:prstDash val="solid"/>
+                      <a:round/>
+                      <a:headEnd type="none" w="med" len="med"/>
+                      <a:tailEnd type="none" w="med" len="med"/>
+                    </a:lnR>
+                    <a:lnT w="12700" cap="flat" cmpd="sng" algn="ctr">
+                      <a:solidFill>
+                        <a:srgbClr val="5A5A5A"/>
+                      </a:solidFill>
+                      <a:prstDash val="solid"/>
+                      <a:round/>
+                      <a:headEnd type="none" w="med" len="med"/>
+                      <a:tailEnd type="none" w="med" len="med"/>
+                    </a:lnT>
+                    <a:lnB w="12700" cap="flat" cmpd="sng" algn="ctr">
+                      <a:solidFill>
+                        <a:srgbClr val="5A5A5A"/>
+                      </a:solidFill>
+                      <a:prstDash val="solid"/>
+                      <a:round/>
+                      <a:headEnd type="none" w="med" len="med"/>
+                      <a:tailEnd type="none" w="med" len="med"/>
+                    </a:lnB>
+                    <a:solidFill>
+                      <a:srgbClr val="EBEEEE"/>
+                    </a:solidFill>
+                  </a:tcPr>
+                </a:tc>
+                <a:tc>
+                  <a:txBody>
+                    <a:bodyPr/>
+                    <a:lstStyle/>
+                    <a:p>
+                      <a:pPr algn="r" rtl="0" fontAlgn="ctr"/>
+                      <a:r>
+                        <a:rPr lang="mr-IN" sz="1400" b="0" i="0" u="none" strike="noStrike">
+                          <a:solidFill>
+                            <a:srgbClr val="5A5A5A"/>
+                          </a:solidFill>
+                          <a:effectLst/>
+                          <a:latin typeface="Arial" charset="0"/>
+                          <a:ea typeface="Arial" charset="0"/>
+                          <a:cs typeface="Arial" charset="0"/>
+                        </a:rPr>
+                        <a:t>23%</a:t>
+                      </a:r>
+                    </a:p>
+                  </a:txBody>
+                  <a:tcPr marL="6350" marR="6350" marT="6350" marB="0" anchor="ctr">
+                    <a:lnL w="12700" cap="flat" cmpd="sng" algn="ctr">
+                      <a:solidFill>
+                        <a:srgbClr val="5A5A5A"/>
+                      </a:solidFill>
+                      <a:prstDash val="solid"/>
+                      <a:round/>
+                      <a:headEnd type="none" w="med" len="med"/>
+                      <a:tailEnd type="none" w="med" len="med"/>
+                    </a:lnL>
+                    <a:lnR w="12700" cap="flat" cmpd="sng" algn="ctr">
+                      <a:solidFill>
+                        <a:srgbClr val="5A5A5A"/>
+                      </a:solidFill>
+                      <a:prstDash val="solid"/>
+                      <a:round/>
+                      <a:headEnd type="none" w="med" len="med"/>
+                      <a:tailEnd type="none" w="med" len="med"/>
+                    </a:lnR>
+                    <a:lnT w="12700" cap="flat" cmpd="sng" algn="ctr">
+                      <a:solidFill>
+                        <a:srgbClr val="5A5A5A"/>
+                      </a:solidFill>
+                      <a:prstDash val="solid"/>
+                      <a:round/>
+                      <a:headEnd type="none" w="med" len="med"/>
+                      <a:tailEnd type="none" w="med" len="med"/>
+                    </a:lnT>
+                    <a:lnB w="12700" cap="flat" cmpd="sng" algn="ctr">
+                      <a:solidFill>
+                        <a:srgbClr val="5A5A5A"/>
+                      </a:solidFill>
+                      <a:prstDash val="solid"/>
+                      <a:round/>
+                      <a:headEnd type="none" w="med" len="med"/>
+                      <a:tailEnd type="none" w="med" len="med"/>
+                    </a:lnB>
+                    <a:solidFill>
+                      <a:srgbClr val="EBEEEE"/>
+                    </a:solidFill>
+                  </a:tcPr>
+                </a:tc>
+              </a:tr>
+              <a:tr h="190500">
+                <a:tc>
+                  <a:txBody>
+                    <a:bodyPr/>
+                    <a:lstStyle/>
+                    <a:p>
+                      <a:pPr algn="l" rtl="0" fontAlgn="ctr"/>
+                      <a:r>
+                        <a:rPr lang="en-US" sz="1400" b="0" i="0" u="none" strike="noStrike">
+                          <a:solidFill>
+                            <a:srgbClr val="5A5A5A"/>
+                          </a:solidFill>
+                          <a:effectLst/>
+                          <a:latin typeface="Arial" charset="0"/>
+                          <a:ea typeface="Arial" charset="0"/>
+                          <a:cs typeface="Arial" charset="0"/>
+                        </a:rPr>
+                        <a:t>IOT tax used for miscellaneous activities</a:t>
+                      </a:r>
+                    </a:p>
+                  </a:txBody>
+                  <a:tcPr marL="6350" marR="6350" marT="6350" marB="0" anchor="ctr">
+                    <a:lnL w="12700" cap="flat" cmpd="sng" algn="ctr">
+                      <a:solidFill>
+                        <a:srgbClr val="5A5A5A"/>
+                      </a:solidFill>
+                      <a:prstDash val="solid"/>
+                      <a:round/>
+                      <a:headEnd type="none" w="med" len="med"/>
+                      <a:tailEnd type="none" w="med" len="med"/>
+                    </a:lnL>
+                    <a:lnR w="12700" cap="flat" cmpd="sng" algn="ctr">
+                      <a:solidFill>
+                        <a:srgbClr val="5A5A5A"/>
+                      </a:solidFill>
+                      <a:prstDash val="solid"/>
+                      <a:round/>
+                      <a:headEnd type="none" w="med" len="med"/>
+                      <a:tailEnd type="none" w="med" len="med"/>
+                    </a:lnR>
+                    <a:lnT w="12700" cap="flat" cmpd="sng" algn="ctr">
+                      <a:solidFill>
+                        <a:srgbClr val="5A5A5A"/>
+                      </a:solidFill>
+                      <a:prstDash val="solid"/>
+                      <a:round/>
+                      <a:headEnd type="none" w="med" len="med"/>
+                      <a:tailEnd type="none" w="med" len="med"/>
+                    </a:lnT>
+                    <a:lnB w="12700" cap="flat" cmpd="sng" algn="ctr">
+                      <a:solidFill>
+                        <a:srgbClr val="5A5A5A"/>
+                      </a:solidFill>
+                      <a:prstDash val="solid"/>
+                      <a:round/>
+                      <a:headEnd type="none" w="med" len="med"/>
+                      <a:tailEnd type="none" w="med" len="med"/>
+                    </a:lnB>
+                    <a:solidFill>
+                      <a:srgbClr val="F5F7F7"/>
+                    </a:solidFill>
+                  </a:tcPr>
+                </a:tc>
+                <a:tc>
+                  <a:txBody>
+                    <a:bodyPr/>
+                    <a:lstStyle/>
+                    <a:p>
+                      <a:pPr algn="r" rtl="0" fontAlgn="ctr"/>
+                      <a:r>
+                        <a:rPr lang="en-US" altLang="ja-JP" sz="1400" b="0" i="0" u="none" strike="noStrike">
+                          <a:solidFill>
+                            <a:srgbClr val="5A5A5A"/>
+                          </a:solidFill>
+                          <a:effectLst/>
+                          <a:latin typeface="Arial" charset="0"/>
+                          <a:ea typeface="Arial" charset="0"/>
+                          <a:cs typeface="Arial" charset="0"/>
+                        </a:rPr>
+                        <a:t>5 </a:t>
+                      </a:r>
+                    </a:p>
+                  </a:txBody>
+                  <a:tcPr marL="6350" marR="6350" marT="6350" marB="0" anchor="ctr">
+                    <a:lnL w="12700" cap="flat" cmpd="sng" algn="ctr">
+                      <a:solidFill>
+                        <a:srgbClr val="5A5A5A"/>
+                      </a:solidFill>
+                      <a:prstDash val="solid"/>
+                      <a:round/>
+                      <a:headEnd type="none" w="med" len="med"/>
+                      <a:tailEnd type="none" w="med" len="med"/>
+                    </a:lnL>
+                    <a:lnR w="12700" cap="flat" cmpd="sng" algn="ctr">
+                      <a:solidFill>
+                        <a:srgbClr val="5A5A5A"/>
+                      </a:solidFill>
+                      <a:prstDash val="solid"/>
+                      <a:round/>
+                      <a:headEnd type="none" w="med" len="med"/>
+                      <a:tailEnd type="none" w="med" len="med"/>
+                    </a:lnR>
+                    <a:lnT w="12700" cap="flat" cmpd="sng" algn="ctr">
+                      <a:solidFill>
+                        <a:srgbClr val="5A5A5A"/>
+                      </a:solidFill>
+                      <a:prstDash val="solid"/>
+                      <a:round/>
+                      <a:headEnd type="none" w="med" len="med"/>
+                      <a:tailEnd type="none" w="med" len="med"/>
+                    </a:lnT>
+                    <a:lnB w="12700" cap="flat" cmpd="sng" algn="ctr">
+                      <a:solidFill>
+                        <a:srgbClr val="5A5A5A"/>
+                      </a:solidFill>
+                      <a:prstDash val="solid"/>
+                      <a:round/>
+                      <a:headEnd type="none" w="med" len="med"/>
+                      <a:tailEnd type="none" w="med" len="med"/>
+                    </a:lnB>
+                    <a:solidFill>
+                      <a:srgbClr val="F5F7F7"/>
+                    </a:solidFill>
+                  </a:tcPr>
+                </a:tc>
+                <a:tc>
+                  <a:txBody>
+                    <a:bodyPr/>
+                    <a:lstStyle/>
+                    <a:p>
+                      <a:pPr algn="r" rtl="0" fontAlgn="ctr"/>
+                      <a:r>
+                        <a:rPr lang="mr-IN" sz="1400" b="0" i="0" u="none" strike="noStrike" dirty="0">
+                          <a:solidFill>
+                            <a:srgbClr val="5A5A5A"/>
+                          </a:solidFill>
+                          <a:effectLst/>
+                          <a:latin typeface="Arial" charset="0"/>
+                          <a:ea typeface="Arial" charset="0"/>
+                          <a:cs typeface="Arial" charset="0"/>
+                        </a:rPr>
+                        <a:t>2%</a:t>
+                      </a:r>
+                    </a:p>
+                  </a:txBody>
+                  <a:tcPr marL="6350" marR="6350" marT="6350" marB="0" anchor="ctr">
+                    <a:lnL w="12700" cap="flat" cmpd="sng" algn="ctr">
+                      <a:solidFill>
+                        <a:srgbClr val="5A5A5A"/>
+                      </a:solidFill>
+                      <a:prstDash val="solid"/>
+                      <a:round/>
+                      <a:headEnd type="none" w="med" len="med"/>
+                      <a:tailEnd type="none" w="med" len="med"/>
+                    </a:lnL>
+                    <a:lnR w="12700" cap="flat" cmpd="sng" algn="ctr">
+                      <a:solidFill>
+                        <a:srgbClr val="5A5A5A"/>
+                      </a:solidFill>
+                      <a:prstDash val="solid"/>
+                      <a:round/>
+                      <a:headEnd type="none" w="med" len="med"/>
+                      <a:tailEnd type="none" w="med" len="med"/>
+                    </a:lnR>
+                    <a:lnT w="12700" cap="flat" cmpd="sng" algn="ctr">
+                      <a:solidFill>
+                        <a:srgbClr val="5A5A5A"/>
+                      </a:solidFill>
+                      <a:prstDash val="solid"/>
+                      <a:round/>
+                      <a:headEnd type="none" w="med" len="med"/>
+                      <a:tailEnd type="none" w="med" len="med"/>
+                    </a:lnT>
+                    <a:lnB w="12700" cap="flat" cmpd="sng" algn="ctr">
+                      <a:solidFill>
+                        <a:srgbClr val="5A5A5A"/>
+                      </a:solidFill>
+                      <a:prstDash val="solid"/>
+                      <a:round/>
+                      <a:headEnd type="none" w="med" len="med"/>
+                      <a:tailEnd type="none" w="med" len="med"/>
+                    </a:lnB>
+                    <a:solidFill>
+                      <a:srgbClr val="F5F7F7"/>
+                    </a:solidFill>
+                  </a:tcPr>
+                </a:tc>
+              </a:tr>
+              <a:tr h="177800">
+                <a:tc>
+                  <a:txBody>
+                    <a:bodyPr/>
+                    <a:lstStyle/>
+                    <a:p>
+                      <a:pPr algn="ctr" rtl="0" fontAlgn="ctr"/>
+                      <a:r>
+                        <a:rPr lang="ja-JP" altLang="en-US" sz="1400" b="1" i="0" u="none" strike="noStrike">
+                          <a:solidFill>
+                            <a:srgbClr val="5A5A5A"/>
+                          </a:solidFill>
+                          <a:effectLst/>
+                          <a:latin typeface="Arial" charset="0"/>
+                          <a:ea typeface="Arial" charset="0"/>
+                          <a:cs typeface="Arial" charset="0"/>
+                        </a:rPr>
+                        <a:t>　</a:t>
+                      </a:r>
+                    </a:p>
+                  </a:txBody>
+                  <a:tcPr marL="6350" marR="6350" marT="6350" marB="0" anchor="ctr">
+                    <a:lnL>
+                      <a:noFill/>
+                    </a:lnL>
+                    <a:lnR w="12700" cap="flat" cmpd="sng" algn="ctr">
+                      <a:solidFill>
+                        <a:srgbClr val="5A5A5A"/>
+                      </a:solidFill>
+                      <a:prstDash val="solid"/>
+                      <a:round/>
+                      <a:headEnd type="none" w="med" len="med"/>
+                      <a:tailEnd type="none" w="med" len="med"/>
+                    </a:lnR>
+                    <a:lnT w="12700" cap="flat" cmpd="sng" algn="ctr">
+                      <a:solidFill>
+                        <a:srgbClr val="5A5A5A"/>
+                      </a:solidFill>
+                      <a:prstDash val="solid"/>
+                      <a:round/>
+                      <a:headEnd type="none" w="med" len="med"/>
+                      <a:tailEnd type="none" w="med" len="med"/>
+                    </a:lnT>
+                    <a:lnB w="12700" cap="flat" cmpd="sng" algn="ctr">
+                      <a:solidFill>
+                        <a:srgbClr val="5A5A5A"/>
+                      </a:solidFill>
+                      <a:prstDash val="solid"/>
+                      <a:round/>
+                      <a:headEnd type="none" w="med" len="med"/>
+                      <a:tailEnd type="none" w="med" len="med"/>
+                    </a:lnB>
+                    <a:solidFill>
+                      <a:srgbClr val="F5F7F7"/>
+                    </a:solidFill>
+                  </a:tcPr>
+                </a:tc>
+                <a:tc>
+                  <a:txBody>
+                    <a:bodyPr/>
+                    <a:lstStyle/>
+                    <a:p>
+                      <a:pPr algn="r" rtl="0" fontAlgn="ctr"/>
+                      <a:r>
+                        <a:rPr lang="is-IS" sz="1400" b="1" i="0" u="none" strike="noStrike">
+                          <a:solidFill>
+                            <a:srgbClr val="5A5A5A"/>
+                          </a:solidFill>
+                          <a:effectLst/>
+                          <a:latin typeface="Arial" charset="0"/>
+                          <a:ea typeface="Arial" charset="0"/>
+                          <a:cs typeface="Arial" charset="0"/>
+                        </a:rPr>
+                        <a:t>250</a:t>
+                      </a:r>
+                    </a:p>
+                  </a:txBody>
+                  <a:tcPr marL="6350" marR="6350" marT="6350" marB="0" anchor="ctr">
+                    <a:lnL w="12700" cap="flat" cmpd="sng" algn="ctr">
+                      <a:solidFill>
+                        <a:srgbClr val="5A5A5A"/>
+                      </a:solidFill>
+                      <a:prstDash val="solid"/>
+                      <a:round/>
+                      <a:headEnd type="none" w="med" len="med"/>
+                      <a:tailEnd type="none" w="med" len="med"/>
+                    </a:lnL>
+                    <a:lnR w="12700" cap="flat" cmpd="sng" algn="ctr">
+                      <a:solidFill>
+                        <a:srgbClr val="5A5A5A"/>
+                      </a:solidFill>
+                      <a:prstDash val="solid"/>
+                      <a:round/>
+                      <a:headEnd type="none" w="med" len="med"/>
+                      <a:tailEnd type="none" w="med" len="med"/>
+                    </a:lnR>
+                    <a:lnT w="12700" cap="flat" cmpd="sng" algn="ctr">
+                      <a:solidFill>
+                        <a:srgbClr val="5A5A5A"/>
+                      </a:solidFill>
+                      <a:prstDash val="solid"/>
+                      <a:round/>
+                      <a:headEnd type="none" w="med" len="med"/>
+                      <a:tailEnd type="none" w="med" len="med"/>
+                    </a:lnT>
+                    <a:lnB w="12700" cap="flat" cmpd="sng" algn="ctr">
+                      <a:solidFill>
+                        <a:srgbClr val="5A5A5A"/>
+                      </a:solidFill>
+                      <a:prstDash val="solid"/>
+                      <a:round/>
+                      <a:headEnd type="none" w="med" len="med"/>
+                      <a:tailEnd type="none" w="med" len="med"/>
+                    </a:lnB>
+                    <a:solidFill>
+                      <a:srgbClr val="F5F7F7"/>
+                    </a:solidFill>
+                  </a:tcPr>
+                </a:tc>
+                <a:tc>
+                  <a:txBody>
+                    <a:bodyPr/>
+                    <a:lstStyle/>
+                    <a:p>
+                      <a:pPr algn="r" rtl="0" fontAlgn="ctr"/>
+                      <a:r>
+                        <a:rPr lang="mr-IN" sz="1400" b="1" i="0" u="none" strike="noStrike" dirty="0">
+                          <a:solidFill>
+                            <a:srgbClr val="5A5A5A"/>
+                          </a:solidFill>
+                          <a:effectLst/>
+                          <a:latin typeface="Arial" charset="0"/>
+                          <a:ea typeface="Arial" charset="0"/>
+                          <a:cs typeface="Arial" charset="0"/>
+                        </a:rPr>
+                        <a:t>100%</a:t>
+                      </a:r>
+                    </a:p>
+                  </a:txBody>
+                  <a:tcPr marL="6350" marR="6350" marT="6350" marB="0" anchor="ctr">
+                    <a:lnL w="12700" cap="flat" cmpd="sng" algn="ctr">
+                      <a:solidFill>
+                        <a:srgbClr val="5A5A5A"/>
+                      </a:solidFill>
+                      <a:prstDash val="solid"/>
+                      <a:round/>
+                      <a:headEnd type="none" w="med" len="med"/>
+                      <a:tailEnd type="none" w="med" len="med"/>
+                    </a:lnL>
+                    <a:lnR w="12700" cap="flat" cmpd="sng" algn="ctr">
+                      <a:solidFill>
+                        <a:srgbClr val="5A5A5A"/>
+                      </a:solidFill>
+                      <a:prstDash val="solid"/>
+                      <a:round/>
+                      <a:headEnd type="none" w="med" len="med"/>
+                      <a:tailEnd type="none" w="med" len="med"/>
+                    </a:lnR>
+                    <a:lnT w="12700" cap="flat" cmpd="sng" algn="ctr">
+                      <a:solidFill>
+                        <a:srgbClr val="5A5A5A"/>
+                      </a:solidFill>
+                      <a:prstDash val="solid"/>
+                      <a:round/>
+                      <a:headEnd type="none" w="med" len="med"/>
+                      <a:tailEnd type="none" w="med" len="med"/>
+                    </a:lnT>
+                    <a:lnB w="12700" cap="flat" cmpd="sng" algn="ctr">
+                      <a:solidFill>
+                        <a:srgbClr val="5A5A5A"/>
+                      </a:solidFill>
+                      <a:prstDash val="solid"/>
+                      <a:round/>
+                      <a:headEnd type="none" w="med" len="med"/>
+                      <a:tailEnd type="none" w="med" len="med"/>
+                    </a:lnB>
+                    <a:solidFill>
+                      <a:srgbClr val="F5F7F7"/>
+                    </a:solidFill>
+                  </a:tcPr>
+                </a:tc>
+              </a:tr>
+            </a:tbl>
+          </a:graphicData>
+        </a:graphic>
+      </p:graphicFrame>
+      <p:graphicFrame>
+        <p:nvGraphicFramePr>
+          <p:cNvPr id="12" name="グラフ 11"/>
+          <p:cNvGraphicFramePr>
+            <a:graphicFrameLocks/>
+          </p:cNvGraphicFramePr>
+          <p:nvPr>
+            <p:extLst>
+              <p:ext uri="{D42A27DB-BD31-4B8C-83A1-F6EECF244321}">
+                <p14:modId xmlns:p14="http://schemas.microsoft.com/office/powerpoint/2010/main" val="1599954901"/>
+              </p:ext>
+            </p:extLst>
+          </p:nvPr>
+        </p:nvGraphicFramePr>
+        <p:xfrm>
+          <a:off x="7299434" y="2000804"/>
+          <a:ext cx="4568092" cy="2747108"/>
+        </p:xfrm>
+        <a:graphic>
+          <a:graphicData uri="http://schemas.openxmlformats.org/drawingml/2006/chart">
+            <c:chart xmlns:c="http://schemas.openxmlformats.org/drawingml/2006/chart" xmlns:r="http://schemas.openxmlformats.org/officeDocument/2006/relationships" r:id="rId3"/>
+          </a:graphicData>
+        </a:graphic>
+      </p:graphicFrame>
+    </p:spTree>
+    <p:extLst>
+      <p:ext uri="{BB962C8B-B14F-4D97-AF65-F5344CB8AC3E}">
+        <p14:creationId xmlns:p14="http://schemas.microsoft.com/office/powerpoint/2010/main" val="1572227088"/>
+      </p:ext>
+    </p:extLst>
+  </p:cSld>
+  <p:clrMapOvr>
+    <a:masterClrMapping/>
+  </p:clrMapOvr>
+  <p:timing>
+    <p:tnLst>
+      <p:par>
+        <p:cTn id="1" dur="indefinite" restart="never" nodeType="tmRoot"/>
+      </p:par>
+    </p:tnLst>
+  </p:timing>
+</p:sld>
+</file>
+
+<file path=ppt/slides/slide11.xml><?xml version="1.0" encoding="utf-8"?>
+<p:sld xmlns:a="http://schemas.openxmlformats.org/drawingml/2006/main" xmlns:r="http://schemas.openxmlformats.org/officeDocument/2006/relationships" xmlns:p="http://schemas.openxmlformats.org/presentationml/2006/main">
+  <p:cSld>
+    <p:spTree>
+      <p:nvGrpSpPr>
+        <p:cNvPr id="1" name=""/>
+        <p:cNvGrpSpPr/>
+        <p:nvPr/>
+      </p:nvGrpSpPr>
+      <p:grpSpPr>
+        <a:xfrm>
+          <a:off x="0" y="0"/>
+          <a:ext cx="0" cy="0"/>
+          <a:chOff x="0" y="0"/>
+          <a:chExt cx="0" cy="0"/>
+        </a:xfrm>
+      </p:grpSpPr>
+      <p:sp>
+        <p:nvSpPr>
+          <p:cNvPr id="2" name="Title 1"/>
+          <p:cNvSpPr>
+            <a:spLocks noGrp="1"/>
+          </p:cNvSpPr>
+          <p:nvPr>
+            <p:ph type="title"/>
+          </p:nvPr>
+        </p:nvSpPr>
+        <p:spPr>
+          <a:xfrm>
             <a:off x="322023" y="374794"/>
             <a:ext cx="11426632" cy="512961"/>
           </a:xfrm>
@@ -4340,7 +7012,7 @@
 </p:sld>
 </file>
 
-<file path=ppt/slides/slide11.xml><?xml version="1.0" encoding="utf-8"?>
+<file path=ppt/slides/slide12.xml><?xml version="1.0" encoding="utf-8"?>
 <p:sld xmlns:a="http://schemas.openxmlformats.org/drawingml/2006/main" xmlns:r="http://schemas.openxmlformats.org/officeDocument/2006/relationships" xmlns:p="http://schemas.openxmlformats.org/presentationml/2006/main">
   <p:cSld>
     <p:spTree>
@@ -4443,7 +7115,7 @@
 </p:sld>
 </file>
 
-<file path=ppt/slides/slide12.xml><?xml version="1.0" encoding="utf-8"?>
+<file path=ppt/slides/slide13.xml><?xml version="1.0" encoding="utf-8"?>
 <p:sld xmlns:a="http://schemas.openxmlformats.org/drawingml/2006/main" xmlns:r="http://schemas.openxmlformats.org/officeDocument/2006/relationships" xmlns:p="http://schemas.openxmlformats.org/presentationml/2006/main">
   <p:cSld>
     <p:spTree>
@@ -5946,7 +8618,7 @@
 </p:sld>
 </file>
 
-<file path=ppt/slides/slide13.xml><?xml version="1.0" encoding="utf-8"?>
+<file path=ppt/slides/slide14.xml><?xml version="1.0" encoding="utf-8"?>
 <p:sld xmlns:a="http://schemas.openxmlformats.org/drawingml/2006/main" xmlns:r="http://schemas.openxmlformats.org/officeDocument/2006/relationships" xmlns:p="http://schemas.openxmlformats.org/presentationml/2006/main">
   <p:cSld>
     <p:spTree>
@@ -6013,7 +8685,7 @@
 </p:sld>
 </file>
 
-<file path=ppt/slides/slide14.xml><?xml version="1.0" encoding="utf-8"?>
+<file path=ppt/slides/slide15.xml><?xml version="1.0" encoding="utf-8"?>
 <p:sld xmlns:a="http://schemas.openxmlformats.org/drawingml/2006/main" xmlns:r="http://schemas.openxmlformats.org/officeDocument/2006/relationships" xmlns:p="http://schemas.openxmlformats.org/presentationml/2006/main">
   <p:cSld>
     <p:spTree>
@@ -6207,7 +8879,7 @@
 </p:sld>
 </file>
 
-<file path=ppt/slides/slide15.xml><?xml version="1.0" encoding="utf-8"?>
+<file path=ppt/slides/slide16.xml><?xml version="1.0" encoding="utf-8"?>
 <p:sld xmlns:a="http://schemas.openxmlformats.org/drawingml/2006/main" xmlns:r="http://schemas.openxmlformats.org/officeDocument/2006/relationships" xmlns:p="http://schemas.openxmlformats.org/presentationml/2006/main">
   <p:cSld>
     <p:spTree>
@@ -6778,7 +9450,7 @@
                 <a:cs typeface="Arial" charset="0"/>
               </a:rPr>
               <a:pPr/>
-              <a:t>15</a:t>
+              <a:t>16</a:t>
             </a:fld>
             <a:endParaRPr kumimoji="0" lang="en-US" sz="900" dirty="0">
               <a:solidFill>
@@ -6931,6 +9603,381 @@
       </p:grpSpPr>
       <p:sp>
         <p:nvSpPr>
+          <p:cNvPr id="2" name="Title 1"/>
+          <p:cNvSpPr>
+            <a:spLocks noGrp="1"/>
+          </p:cNvSpPr>
+          <p:nvPr>
+            <p:ph type="title"/>
+          </p:nvPr>
+        </p:nvSpPr>
+        <p:spPr>
+          <a:xfrm>
+            <a:off x="322023" y="328628"/>
+            <a:ext cx="11426632" cy="605294"/>
+          </a:xfrm>
+        </p:spPr>
+        <p:txBody>
+          <a:bodyPr/>
+          <a:lstStyle/>
+          <a:p>
+            <a:r>
+              <a:rPr kumimoji="1" lang="en-US" altLang="ja-JP" sz="3600" b="1" dirty="0" smtClean="0">
+                <a:solidFill>
+                  <a:srgbClr val="00B0F0"/>
+                </a:solidFill>
+                <a:latin typeface="Arial" charset="0"/>
+                <a:ea typeface="Arial" charset="0"/>
+                <a:cs typeface="Arial" charset="0"/>
+              </a:rPr>
+              <a:t>Why </a:t>
+            </a:r>
+            <a:r>
+              <a:rPr lang="en-US" altLang="ja-JP" sz="3600" b="1" dirty="0" smtClean="0">
+                <a:solidFill>
+                  <a:srgbClr val="00B0F0"/>
+                </a:solidFill>
+                <a:latin typeface="Arial" charset="0"/>
+                <a:ea typeface="Arial" charset="0"/>
+                <a:cs typeface="Arial" charset="0"/>
+              </a:rPr>
+              <a:t>OSS</a:t>
+            </a:r>
+            <a:r>
+              <a:rPr kumimoji="1" lang="en-US" altLang="ja-JP" sz="3600" b="1" dirty="0" smtClean="0">
+                <a:solidFill>
+                  <a:srgbClr val="00B0F0"/>
+                </a:solidFill>
+                <a:latin typeface="Arial" charset="0"/>
+                <a:ea typeface="Arial" charset="0"/>
+                <a:cs typeface="Arial" charset="0"/>
+              </a:rPr>
+              <a:t>?</a:t>
+            </a:r>
+            <a:endParaRPr kumimoji="1" lang="ja-JP" altLang="en-US" sz="2933" b="1" dirty="0">
+              <a:solidFill>
+                <a:srgbClr val="00B0F0"/>
+              </a:solidFill>
+              <a:latin typeface="Arial" charset="0"/>
+              <a:ea typeface="Arial" charset="0"/>
+              <a:cs typeface="Arial" charset="0"/>
+            </a:endParaRPr>
+          </a:p>
+        </p:txBody>
+      </p:sp>
+      <p:sp>
+        <p:nvSpPr>
+          <p:cNvPr id="5" name="Text Placeholder 3"/>
+          <p:cNvSpPr>
+            <a:spLocks noGrp="1"/>
+          </p:cNvSpPr>
+          <p:nvPr>
+            <p:ph type="body" sz="quarter" idx="11"/>
+          </p:nvPr>
+        </p:nvSpPr>
+        <p:spPr>
+          <a:xfrm>
+            <a:off x="322023" y="1190847"/>
+            <a:ext cx="11426632" cy="2757678"/>
+          </a:xfrm>
+        </p:spPr>
+        <p:txBody>
+          <a:bodyPr/>
+          <a:lstStyle/>
+          <a:p>
+            <a:pPr marL="0" indent="0">
+              <a:buNone/>
+            </a:pPr>
+            <a:r>
+              <a:rPr lang="en-US" altLang="ja-JP" sz="2400" b="1" dirty="0" smtClean="0">
+                <a:solidFill>
+                  <a:schemeClr val="tx1"/>
+                </a:solidFill>
+                <a:latin typeface="Arial" charset="0"/>
+                <a:ea typeface="Arial" charset="0"/>
+                <a:cs typeface="Arial" charset="0"/>
+              </a:rPr>
+              <a:t>OSS</a:t>
+            </a:r>
+            <a:r>
+              <a:rPr lang="en-US" altLang="ja-JP" sz="2400" b="1" dirty="0" smtClean="0">
+                <a:solidFill>
+                  <a:schemeClr val="tx1"/>
+                </a:solidFill>
+                <a:latin typeface="Arial" charset="0"/>
+                <a:ea typeface="Arial" charset="0"/>
+                <a:cs typeface="Arial" charset="0"/>
+              </a:rPr>
+              <a:t> is</a:t>
+            </a:r>
+            <a:endParaRPr lang="en-US" altLang="ja-JP" sz="2400" b="1" dirty="0">
+              <a:solidFill>
+                <a:schemeClr val="tx1"/>
+              </a:solidFill>
+              <a:latin typeface="Arial" charset="0"/>
+              <a:ea typeface="Arial" charset="0"/>
+              <a:cs typeface="Arial" charset="0"/>
+            </a:endParaRPr>
+          </a:p>
+          <a:p>
+            <a:pPr marL="0" indent="0">
+              <a:buNone/>
+            </a:pPr>
+            <a:r>
+              <a:rPr lang="en-US" altLang="ja-JP" sz="2000" dirty="0" smtClean="0">
+                <a:solidFill>
+                  <a:schemeClr val="tx1"/>
+                </a:solidFill>
+                <a:latin typeface="Arial" charset="0"/>
+                <a:ea typeface="Arial" charset="0"/>
+                <a:cs typeface="Arial" charset="0"/>
+              </a:rPr>
+              <a:t>Key Driver to </a:t>
+            </a:r>
+            <a:r>
+              <a:rPr lang="en-US" altLang="ja-JP" sz="2000" dirty="0">
+                <a:solidFill>
+                  <a:schemeClr val="tx1"/>
+                </a:solidFill>
+                <a:latin typeface="Arial" charset="0"/>
+                <a:ea typeface="Arial" charset="0"/>
+                <a:cs typeface="Arial" charset="0"/>
+              </a:rPr>
+              <a:t>grow and evolve </a:t>
+            </a:r>
+            <a:r>
+              <a:rPr lang="en-US" altLang="ja-JP" sz="2000" dirty="0" smtClean="0">
+                <a:solidFill>
+                  <a:schemeClr val="tx1"/>
+                </a:solidFill>
+                <a:latin typeface="Arial" charset="0"/>
+                <a:ea typeface="Arial" charset="0"/>
+                <a:cs typeface="Arial" charset="0"/>
+              </a:rPr>
+              <a:t>company’s eco-system</a:t>
+            </a:r>
+            <a:r>
+              <a:rPr lang="en-US" altLang="ja-JP" sz="2000" dirty="0">
+                <a:solidFill>
+                  <a:schemeClr val="tx1"/>
+                </a:solidFill>
+                <a:latin typeface="Arial" charset="0"/>
+                <a:ea typeface="Arial" charset="0"/>
+                <a:cs typeface="Arial" charset="0"/>
+              </a:rPr>
+              <a:t>, which </a:t>
+            </a:r>
+            <a:r>
+              <a:rPr lang="en-US" altLang="ja-JP" sz="2000" dirty="0" smtClean="0">
+                <a:solidFill>
+                  <a:schemeClr val="tx1"/>
+                </a:solidFill>
+                <a:latin typeface="Arial" charset="0"/>
+                <a:ea typeface="Arial" charset="0"/>
+                <a:cs typeface="Arial" charset="0"/>
+              </a:rPr>
+              <a:t>allow organization to become more flexible, capable </a:t>
+            </a:r>
+            <a:r>
+              <a:rPr lang="en-US" altLang="ja-JP" sz="2000" dirty="0">
+                <a:solidFill>
+                  <a:schemeClr val="tx1"/>
+                </a:solidFill>
+                <a:latin typeface="Arial" charset="0"/>
+                <a:ea typeface="Arial" charset="0"/>
+                <a:cs typeface="Arial" charset="0"/>
+              </a:rPr>
+              <a:t>of quickly responding to new challenges and capitalizing on new </a:t>
+            </a:r>
+            <a:r>
+              <a:rPr lang="en-US" altLang="ja-JP" sz="2000" dirty="0" smtClean="0">
+                <a:solidFill>
+                  <a:schemeClr val="tx1"/>
+                </a:solidFill>
+                <a:latin typeface="Arial" charset="0"/>
+                <a:ea typeface="Arial" charset="0"/>
+                <a:cs typeface="Arial" charset="0"/>
+              </a:rPr>
+              <a:t>opportunities</a:t>
+            </a:r>
+            <a:endParaRPr lang="en-US" altLang="ja-JP" sz="2400" b="1" dirty="0" smtClean="0">
+              <a:solidFill>
+                <a:schemeClr val="tx1"/>
+              </a:solidFill>
+              <a:latin typeface="Arial" charset="0"/>
+              <a:ea typeface="Arial" charset="0"/>
+              <a:cs typeface="Arial" charset="0"/>
+            </a:endParaRPr>
+          </a:p>
+          <a:p>
+            <a:pPr marL="0" indent="0">
+              <a:buNone/>
+            </a:pPr>
+            <a:r>
+              <a:rPr lang="en-US" altLang="ja-JP" sz="2400" b="1" dirty="0" smtClean="0">
+                <a:solidFill>
+                  <a:schemeClr val="tx1"/>
+                </a:solidFill>
+                <a:latin typeface="Arial" charset="0"/>
+                <a:ea typeface="Arial" charset="0"/>
+                <a:cs typeface="Arial" charset="0"/>
+              </a:rPr>
+              <a:t>and </a:t>
+            </a:r>
+            <a:r>
+              <a:rPr lang="en-US" altLang="ja-JP" sz="2400" b="1" dirty="0">
+                <a:solidFill>
+                  <a:schemeClr val="tx1"/>
+                </a:solidFill>
+                <a:latin typeface="Arial" charset="0"/>
+                <a:ea typeface="Arial" charset="0"/>
+                <a:cs typeface="Arial" charset="0"/>
+              </a:rPr>
+              <a:t>I am so interested in </a:t>
+            </a:r>
+            <a:r>
+              <a:rPr lang="en-US" altLang="ja-JP" sz="2400" b="1" dirty="0" smtClean="0">
+                <a:solidFill>
+                  <a:schemeClr val="tx1"/>
+                </a:solidFill>
+                <a:latin typeface="Arial" charset="0"/>
+                <a:ea typeface="Arial" charset="0"/>
+                <a:cs typeface="Arial" charset="0"/>
+              </a:rPr>
+              <a:t>OSS</a:t>
+            </a:r>
+            <a:r>
+              <a:rPr lang="en-US" altLang="ja-JP" sz="2400" b="1" dirty="0" smtClean="0">
+                <a:solidFill>
+                  <a:schemeClr val="tx1"/>
+                </a:solidFill>
+                <a:latin typeface="Arial" charset="0"/>
+                <a:ea typeface="Arial" charset="0"/>
+                <a:cs typeface="Arial" charset="0"/>
+              </a:rPr>
+              <a:t> </a:t>
+            </a:r>
+            <a:r>
+              <a:rPr lang="en-US" altLang="ja-JP" sz="2400" b="1" dirty="0" smtClean="0">
+                <a:solidFill>
+                  <a:schemeClr val="tx1"/>
+                </a:solidFill>
+                <a:latin typeface="Arial" charset="0"/>
+                <a:ea typeface="Arial" charset="0"/>
+                <a:cs typeface="Arial" charset="0"/>
+              </a:rPr>
+              <a:t>because</a:t>
+            </a:r>
+          </a:p>
+          <a:p>
+            <a:pPr marL="0" indent="0">
+              <a:buNone/>
+            </a:pPr>
+            <a:r>
+              <a:rPr lang="en-US" altLang="ja-JP" sz="2000" dirty="0" smtClean="0">
+                <a:solidFill>
+                  <a:schemeClr val="tx1"/>
+                </a:solidFill>
+                <a:latin typeface="Arial" charset="0"/>
+                <a:ea typeface="Arial" charset="0"/>
+                <a:cs typeface="Arial" charset="0"/>
+              </a:rPr>
+              <a:t>OSS </a:t>
+            </a:r>
+            <a:r>
+              <a:rPr lang="en-US" altLang="ja-JP" sz="2000" dirty="0">
+                <a:solidFill>
+                  <a:schemeClr val="tx1"/>
+                </a:solidFill>
+                <a:latin typeface="Arial" charset="0"/>
+                <a:ea typeface="Arial" charset="0"/>
+                <a:cs typeface="Arial" charset="0"/>
+              </a:rPr>
+              <a:t>as a viral marketing </a:t>
+            </a:r>
+            <a:r>
+              <a:rPr lang="en-US" altLang="ja-JP" sz="2000" dirty="0" smtClean="0">
+                <a:solidFill>
+                  <a:schemeClr val="tx1"/>
+                </a:solidFill>
+                <a:latin typeface="Arial" charset="0"/>
+                <a:ea typeface="Arial" charset="0"/>
+                <a:cs typeface="Arial" charset="0"/>
+              </a:rPr>
+              <a:t>channel - When </a:t>
+            </a:r>
+            <a:r>
+              <a:rPr lang="en-US" altLang="ja-JP" sz="2000" dirty="0">
+                <a:solidFill>
+                  <a:schemeClr val="tx1"/>
+                </a:solidFill>
+                <a:latin typeface="Arial" charset="0"/>
+                <a:ea typeface="Arial" charset="0"/>
+                <a:cs typeface="Arial" charset="0"/>
+              </a:rPr>
+              <a:t>developers open-source their components and applications they also bring new developers to you, the whole process becomes self-sustainable, viral, and turns into a marketing </a:t>
+            </a:r>
+            <a:r>
+              <a:rPr lang="en-US" altLang="ja-JP" sz="2000" dirty="0" smtClean="0">
+                <a:solidFill>
+                  <a:schemeClr val="tx1"/>
+                </a:solidFill>
+                <a:latin typeface="Arial" charset="0"/>
+                <a:ea typeface="Arial" charset="0"/>
+                <a:cs typeface="Arial" charset="0"/>
+              </a:rPr>
+              <a:t>avalanche</a:t>
+            </a:r>
+            <a:endParaRPr lang="en-US" altLang="ja-JP" sz="2000" dirty="0">
+              <a:solidFill>
+                <a:schemeClr val="tx1"/>
+              </a:solidFill>
+              <a:latin typeface="Arial" charset="0"/>
+              <a:ea typeface="Arial" charset="0"/>
+              <a:cs typeface="Arial" charset="0"/>
+            </a:endParaRPr>
+          </a:p>
+        </p:txBody>
+      </p:sp>
+    </p:spTree>
+    <p:extLst>
+      <p:ext uri="{BB962C8B-B14F-4D97-AF65-F5344CB8AC3E}">
+        <p14:creationId xmlns:p14="http://schemas.microsoft.com/office/powerpoint/2010/main" val="1127121638"/>
+      </p:ext>
+    </p:extLst>
+  </p:cSld>
+  <p:clrMapOvr>
+    <a:masterClrMapping/>
+  </p:clrMapOvr>
+  <p:timing>
+    <p:tnLst>
+      <p:par>
+        <p:cTn id="1" dur="indefinite" restart="never" nodeType="tmRoot"/>
+      </p:par>
+    </p:tnLst>
+  </p:timing>
+</p:sld>
+</file>
+
+<file path=ppt/slides/slide3.xml><?xml version="1.0" encoding="utf-8"?>
+<p:sld xmlns:a="http://schemas.openxmlformats.org/drawingml/2006/main" xmlns:r="http://schemas.openxmlformats.org/officeDocument/2006/relationships" xmlns:p="http://schemas.openxmlformats.org/presentationml/2006/main">
+  <p:cSld>
+    <p:spTree>
+      <p:nvGrpSpPr>
+        <p:cNvPr id="1" name=""/>
+        <p:cNvGrpSpPr/>
+        <p:nvPr/>
+      </p:nvGrpSpPr>
+      <p:grpSpPr>
+        <a:xfrm>
+          <a:off x="0" y="0"/>
+          <a:ext cx="0" cy="0"/>
+          <a:chOff x="0" y="0"/>
+          <a:chExt cx="0" cy="0"/>
+        </a:xfrm>
+      </p:grpSpPr>
+      <p:sp>
+        <p:nvSpPr>
           <p:cNvPr id="2" name="テキスト ボックス 1"/>
           <p:cNvSpPr txBox="1"/>
           <p:nvPr/>
@@ -7005,7 +10052,7 @@
 </p:sld>
 </file>
 
-<file path=ppt/slides/slide3.xml><?xml version="1.0" encoding="utf-8"?>
+<file path=ppt/slides/slide4.xml><?xml version="1.0" encoding="utf-8"?>
 <p:sld xmlns:a="http://schemas.openxmlformats.org/drawingml/2006/main" xmlns:r="http://schemas.openxmlformats.org/officeDocument/2006/relationships" xmlns:p="http://schemas.openxmlformats.org/presentationml/2006/main">
   <p:cSld>
     <p:spTree>
@@ -7498,21 +10545,8 @@
                           <a:ea typeface="Arial" charset="0"/>
                           <a:cs typeface="Arial" charset="0"/>
                         </a:rPr>
-                        <a:t> </a:t>
+                        <a:t> Enterprise</a:t>
                       </a:r>
-                      <a:r>
-                        <a:rPr kumimoji="1" lang="en-US" altLang="ja-JP" sz="1700" baseline="0" dirty="0" smtClean="0">
-                          <a:latin typeface="Arial" charset="0"/>
-                          <a:ea typeface="Arial" charset="0"/>
-                          <a:cs typeface="Arial" charset="0"/>
-                        </a:rPr>
-                        <a:t>Enterprise</a:t>
-                      </a:r>
-                      <a:endParaRPr kumimoji="1" lang="en-US" altLang="ja-JP" sz="1700" baseline="0" dirty="0" smtClean="0">
-                        <a:latin typeface="Arial" charset="0"/>
-                        <a:ea typeface="Arial" charset="0"/>
-                        <a:cs typeface="Arial" charset="0"/>
-                      </a:endParaRPr>
                     </a:p>
                   </a:txBody>
                   <a:tcPr marL="121920" marR="121920" marT="60960" marB="60960"/>
@@ -7692,7 +10726,7 @@
 </p:sld>
 </file>
 
-<file path=ppt/slides/slide4.xml><?xml version="1.0" encoding="utf-8"?>
+<file path=ppt/slides/slide5.xml><?xml version="1.0" encoding="utf-8"?>
 <p:sld xmlns:a="http://schemas.openxmlformats.org/drawingml/2006/main" xmlns:r="http://schemas.openxmlformats.org/officeDocument/2006/relationships" xmlns:p="http://schemas.openxmlformats.org/presentationml/2006/main">
   <p:cSld>
     <p:spTree>
@@ -8156,7 +11190,7 @@
 </p:sld>
 </file>
 
-<file path=ppt/slides/slide5.xml><?xml version="1.0" encoding="utf-8"?>
+<file path=ppt/slides/slide6.xml><?xml version="1.0" encoding="utf-8"?>
 <p:sld xmlns:a="http://schemas.openxmlformats.org/drawingml/2006/main" xmlns:r="http://schemas.openxmlformats.org/officeDocument/2006/relationships" xmlns:p="http://schemas.openxmlformats.org/presentationml/2006/main">
   <p:cSld>
     <p:spTree>
@@ -8839,7 +11873,7 @@
 </p:sld>
 </file>
 
-<file path=ppt/slides/slide6.xml><?xml version="1.0" encoding="utf-8"?>
+<file path=ppt/slides/slide7.xml><?xml version="1.0" encoding="utf-8"?>
 <p:sld xmlns:a="http://schemas.openxmlformats.org/drawingml/2006/main" xmlns:r="http://schemas.openxmlformats.org/officeDocument/2006/relationships" xmlns:p="http://schemas.openxmlformats.org/presentationml/2006/main">
   <p:cSld>
     <p:spTree>
@@ -10940,7 +13974,7 @@
 </p:sld>
 </file>
 
-<file path=ppt/slides/slide7.xml><?xml version="1.0" encoding="utf-8"?>
+<file path=ppt/slides/slide8.xml><?xml version="1.0" encoding="utf-8"?>
 <p:sld xmlns:a="http://schemas.openxmlformats.org/drawingml/2006/main" xmlns:r="http://schemas.openxmlformats.org/officeDocument/2006/relationships" xmlns:p="http://schemas.openxmlformats.org/presentationml/2006/main">
   <p:cSld>
     <p:spTree>
@@ -14045,7 +17079,7 @@
 </p:sld>
 </file>
 
-<file path=ppt/slides/slide8.xml><?xml version="1.0" encoding="utf-8"?>
+<file path=ppt/slides/slide9.xml><?xml version="1.0" encoding="utf-8"?>
 <p:sld xmlns:a="http://schemas.openxmlformats.org/drawingml/2006/main" xmlns:r="http://schemas.openxmlformats.org/officeDocument/2006/relationships" xmlns:p="http://schemas.openxmlformats.org/presentationml/2006/main">
   <p:cSld>
     <p:spTree>
@@ -30063,2677 +33097,6 @@
     <p:extLst>
       <p:ext uri="{BB962C8B-B14F-4D97-AF65-F5344CB8AC3E}">
         <p14:creationId xmlns:p14="http://schemas.microsoft.com/office/powerpoint/2010/main" val="1202493982"/>
-      </p:ext>
-    </p:extLst>
-  </p:cSld>
-  <p:clrMapOvr>
-    <a:masterClrMapping/>
-  </p:clrMapOvr>
-  <p:timing>
-    <p:tnLst>
-      <p:par>
-        <p:cTn id="1" dur="indefinite" restart="never" nodeType="tmRoot"/>
-      </p:par>
-    </p:tnLst>
-  </p:timing>
-</p:sld>
-</file>
-
-<file path=ppt/slides/slide9.xml><?xml version="1.0" encoding="utf-8"?>
-<p:sld xmlns:a="http://schemas.openxmlformats.org/drawingml/2006/main" xmlns:r="http://schemas.openxmlformats.org/officeDocument/2006/relationships" xmlns:p="http://schemas.openxmlformats.org/presentationml/2006/main">
-  <p:cSld>
-    <p:spTree>
-      <p:nvGrpSpPr>
-        <p:cNvPr id="1" name=""/>
-        <p:cNvGrpSpPr/>
-        <p:nvPr/>
-      </p:nvGrpSpPr>
-      <p:grpSpPr>
-        <a:xfrm>
-          <a:off x="0" y="0"/>
-          <a:ext cx="0" cy="0"/>
-          <a:chOff x="0" y="0"/>
-          <a:chExt cx="0" cy="0"/>
-        </a:xfrm>
-      </p:grpSpPr>
-      <p:sp>
-        <p:nvSpPr>
-          <p:cNvPr id="2" name="Title 1"/>
-          <p:cNvSpPr>
-            <a:spLocks noGrp="1"/>
-          </p:cNvSpPr>
-          <p:nvPr>
-            <p:ph type="title"/>
-          </p:nvPr>
-        </p:nvSpPr>
-        <p:spPr>
-          <a:xfrm>
-            <a:off x="322023" y="328627"/>
-            <a:ext cx="11426632" cy="605294"/>
-          </a:xfrm>
-        </p:spPr>
-        <p:txBody>
-          <a:bodyPr/>
-          <a:lstStyle/>
-          <a:p>
-            <a:r>
-              <a:rPr lang="en-US" altLang="ja-JP" sz="3200" b="1" dirty="0" smtClean="0">
-                <a:solidFill>
-                  <a:srgbClr val="00B0F0"/>
-                </a:solidFill>
-                <a:latin typeface="Arial" charset="0"/>
-                <a:ea typeface="Arial" charset="0"/>
-                <a:cs typeface="Arial" charset="0"/>
-              </a:rPr>
-              <a:t>2017Q2 Japan Marketing  Budgeting</a:t>
-            </a:r>
-            <a:endParaRPr lang="en-US" altLang="ja-JP" sz="3200" b="1" dirty="0">
-              <a:solidFill>
-                <a:srgbClr val="00B0F0"/>
-              </a:solidFill>
-              <a:latin typeface="Arial" charset="0"/>
-              <a:ea typeface="Arial" charset="0"/>
-              <a:cs typeface="Arial" charset="0"/>
-            </a:endParaRPr>
-          </a:p>
-        </p:txBody>
-      </p:sp>
-      <p:sp>
-        <p:nvSpPr>
-          <p:cNvPr id="3" name="テキスト ボックス 2"/>
-          <p:cNvSpPr txBox="1"/>
-          <p:nvPr/>
-        </p:nvSpPr>
-        <p:spPr>
-          <a:xfrm>
-            <a:off x="322024" y="2997117"/>
-            <a:ext cx="4445049" cy="297454"/>
-          </a:xfrm>
-          <a:prstGeom prst="rect">
-            <a:avLst/>
-          </a:prstGeom>
-          <a:noFill/>
-        </p:spPr>
-        <p:txBody>
-          <a:bodyPr wrap="square" rtlCol="0">
-            <a:spAutoFit/>
-          </a:bodyPr>
-          <a:lstStyle/>
-          <a:p>
-            <a:r>
-              <a:rPr lang="en-US" altLang="ja-JP" sz="1333" b="1" dirty="0">
-                <a:solidFill>
-                  <a:schemeClr val="bg1"/>
-                </a:solidFill>
-              </a:rPr>
-              <a:t>1Q2017 Cloud Program Framework Budget Plan</a:t>
-            </a:r>
-            <a:endParaRPr lang="ja-JP" altLang="en-US" sz="1333" b="1" dirty="0">
-              <a:solidFill>
-                <a:schemeClr val="bg1"/>
-              </a:solidFill>
-            </a:endParaRPr>
-          </a:p>
-        </p:txBody>
-      </p:sp>
-      <p:sp>
-        <p:nvSpPr>
-          <p:cNvPr id="6" name="テキスト ボックス 5"/>
-          <p:cNvSpPr txBox="1"/>
-          <p:nvPr/>
-        </p:nvSpPr>
-        <p:spPr>
-          <a:xfrm>
-            <a:off x="322022" y="1051902"/>
-            <a:ext cx="3993945" cy="297454"/>
-          </a:xfrm>
-          <a:prstGeom prst="rect">
-            <a:avLst/>
-          </a:prstGeom>
-          <a:noFill/>
-        </p:spPr>
-        <p:txBody>
-          <a:bodyPr wrap="square" rtlCol="0">
-            <a:spAutoFit/>
-          </a:bodyPr>
-          <a:lstStyle/>
-          <a:p>
-            <a:r>
-              <a:rPr lang="en-US" altLang="ja-JP" sz="1333" b="1" dirty="0">
-                <a:solidFill>
-                  <a:schemeClr val="bg1"/>
-                </a:solidFill>
-              </a:rPr>
-              <a:t>2017 Cloud Ad Spending Plan</a:t>
-            </a:r>
-            <a:endParaRPr lang="ja-JP" altLang="en-US" sz="1333" b="1" dirty="0">
-              <a:solidFill>
-                <a:schemeClr val="bg1"/>
-              </a:solidFill>
-            </a:endParaRPr>
-          </a:p>
-        </p:txBody>
-      </p:sp>
-      <p:graphicFrame>
-        <p:nvGraphicFramePr>
-          <p:cNvPr id="5" name="表 4"/>
-          <p:cNvGraphicFramePr>
-            <a:graphicFrameLocks noGrp="1"/>
-          </p:cNvGraphicFramePr>
-          <p:nvPr>
-            <p:extLst>
-              <p:ext uri="{D42A27DB-BD31-4B8C-83A1-F6EECF244321}">
-                <p14:modId xmlns:p14="http://schemas.microsoft.com/office/powerpoint/2010/main" val="765839796"/>
-              </p:ext>
-            </p:extLst>
-          </p:nvPr>
-        </p:nvGraphicFramePr>
-        <p:xfrm>
-          <a:off x="322023" y="2000804"/>
-          <a:ext cx="6674200" cy="3580130"/>
-        </p:xfrm>
-        <a:graphic>
-          <a:graphicData uri="http://schemas.openxmlformats.org/drawingml/2006/table">
-            <a:tbl>
-              <a:tblPr/>
-              <a:tblGrid>
-                <a:gridCol w="3834370"/>
-                <a:gridCol w="1543897"/>
-                <a:gridCol w="1295933"/>
-              </a:tblGrid>
-              <a:tr h="419100">
-                <a:tc>
-                  <a:txBody>
-                    <a:bodyPr/>
-                    <a:lstStyle/>
-                    <a:p>
-                      <a:pPr algn="ctr" rtl="0" fontAlgn="ctr"/>
-                      <a:r>
-                        <a:rPr lang="en-US" sz="1400" b="1" i="0" u="none" strike="noStrike" dirty="0">
-                          <a:solidFill>
-                            <a:srgbClr val="5A5A5A"/>
-                          </a:solidFill>
-                          <a:effectLst/>
-                          <a:latin typeface="Arial" charset="0"/>
-                          <a:ea typeface="Arial" charset="0"/>
-                          <a:cs typeface="Arial" charset="0"/>
-                        </a:rPr>
-                        <a:t>Category Details</a:t>
-                      </a:r>
-                    </a:p>
-                  </a:txBody>
-                  <a:tcPr marL="6350" marR="6350" marT="6350" marB="0" anchor="ctr">
-                    <a:lnL w="12700" cap="flat" cmpd="sng" algn="ctr">
-                      <a:solidFill>
-                        <a:srgbClr val="5A5A5A"/>
-                      </a:solidFill>
-                      <a:prstDash val="solid"/>
-                      <a:round/>
-                      <a:headEnd type="none" w="med" len="med"/>
-                      <a:tailEnd type="none" w="med" len="med"/>
-                    </a:lnL>
-                    <a:lnR w="12700" cap="flat" cmpd="sng" algn="ctr">
-                      <a:solidFill>
-                        <a:srgbClr val="5A5A5A"/>
-                      </a:solidFill>
-                      <a:prstDash val="solid"/>
-                      <a:round/>
-                      <a:headEnd type="none" w="med" len="med"/>
-                      <a:tailEnd type="none" w="med" len="med"/>
-                    </a:lnR>
-                    <a:lnT w="12700" cap="flat" cmpd="sng" algn="ctr">
-                      <a:solidFill>
-                        <a:srgbClr val="5A5A5A"/>
-                      </a:solidFill>
-                      <a:prstDash val="solid"/>
-                      <a:round/>
-                      <a:headEnd type="none" w="med" len="med"/>
-                      <a:tailEnd type="none" w="med" len="med"/>
-                    </a:lnT>
-                    <a:lnB w="19050" cap="flat" cmpd="sng" algn="ctr">
-                      <a:solidFill>
-                        <a:srgbClr val="5A5A5A"/>
-                      </a:solidFill>
-                      <a:prstDash val="solid"/>
-                      <a:round/>
-                      <a:headEnd type="none" w="med" len="med"/>
-                      <a:tailEnd type="none" w="med" len="med"/>
-                    </a:lnB>
-                    <a:solidFill>
-                      <a:srgbClr val="C8D2D2"/>
-                    </a:solidFill>
-                  </a:tcPr>
-                </a:tc>
-                <a:tc>
-                  <a:txBody>
-                    <a:bodyPr/>
-                    <a:lstStyle/>
-                    <a:p>
-                      <a:pPr algn="ctr" rtl="0" fontAlgn="ctr"/>
-                      <a:r>
-                        <a:rPr lang="en-US" sz="1400" b="1" i="0" u="none" strike="noStrike" dirty="0">
-                          <a:solidFill>
-                            <a:srgbClr val="5A5A5A"/>
-                          </a:solidFill>
-                          <a:effectLst/>
-                          <a:latin typeface="Arial" charset="0"/>
-                          <a:ea typeface="Arial" charset="0"/>
-                          <a:cs typeface="Arial" charset="0"/>
-                        </a:rPr>
-                        <a:t>2Q Budget</a:t>
-                      </a:r>
-                      <a:br>
-                        <a:rPr lang="en-US" sz="1400" b="1" i="0" u="none" strike="noStrike" dirty="0">
-                          <a:solidFill>
-                            <a:srgbClr val="5A5A5A"/>
-                          </a:solidFill>
-                          <a:effectLst/>
-                          <a:latin typeface="Arial" charset="0"/>
-                          <a:ea typeface="Arial" charset="0"/>
-                          <a:cs typeface="Arial" charset="0"/>
-                        </a:rPr>
-                      </a:br>
-                      <a:r>
-                        <a:rPr lang="en-US" sz="1400" b="1" i="0" u="none" strike="noStrike" dirty="0">
-                          <a:solidFill>
-                            <a:srgbClr val="5A5A5A"/>
-                          </a:solidFill>
-                          <a:effectLst/>
-                          <a:latin typeface="Arial" charset="0"/>
-                          <a:ea typeface="Arial" charset="0"/>
-                          <a:cs typeface="Arial" charset="0"/>
-                        </a:rPr>
-                        <a:t>($K)</a:t>
-                      </a:r>
-                    </a:p>
-                  </a:txBody>
-                  <a:tcPr marL="6350" marR="6350" marT="6350" marB="0" anchor="ctr">
-                    <a:lnL w="12700" cap="flat" cmpd="sng" algn="ctr">
-                      <a:solidFill>
-                        <a:srgbClr val="5A5A5A"/>
-                      </a:solidFill>
-                      <a:prstDash val="solid"/>
-                      <a:round/>
-                      <a:headEnd type="none" w="med" len="med"/>
-                      <a:tailEnd type="none" w="med" len="med"/>
-                    </a:lnL>
-                    <a:lnR w="12700" cap="flat" cmpd="sng" algn="ctr">
-                      <a:solidFill>
-                        <a:srgbClr val="5A5A5A"/>
-                      </a:solidFill>
-                      <a:prstDash val="solid"/>
-                      <a:round/>
-                      <a:headEnd type="none" w="med" len="med"/>
-                      <a:tailEnd type="none" w="med" len="med"/>
-                    </a:lnR>
-                    <a:lnT w="12700" cap="flat" cmpd="sng" algn="ctr">
-                      <a:solidFill>
-                        <a:srgbClr val="5A5A5A"/>
-                      </a:solidFill>
-                      <a:prstDash val="solid"/>
-                      <a:round/>
-                      <a:headEnd type="none" w="med" len="med"/>
-                      <a:tailEnd type="none" w="med" len="med"/>
-                    </a:lnT>
-                    <a:lnB w="19050" cap="flat" cmpd="sng" algn="ctr">
-                      <a:solidFill>
-                        <a:srgbClr val="5A5A5A"/>
-                      </a:solidFill>
-                      <a:prstDash val="solid"/>
-                      <a:round/>
-                      <a:headEnd type="none" w="med" len="med"/>
-                      <a:tailEnd type="none" w="med" len="med"/>
-                    </a:lnB>
-                    <a:solidFill>
-                      <a:srgbClr val="C8D2D2"/>
-                    </a:solidFill>
-                  </a:tcPr>
-                </a:tc>
-                <a:tc>
-                  <a:txBody>
-                    <a:bodyPr/>
-                    <a:lstStyle/>
-                    <a:p>
-                      <a:pPr algn="ctr" rtl="0" fontAlgn="ctr"/>
-                      <a:r>
-                        <a:rPr lang="en-US" sz="1400" b="1" i="0" u="none" strike="noStrike" dirty="0">
-                          <a:solidFill>
-                            <a:srgbClr val="5A5A5A"/>
-                          </a:solidFill>
-                          <a:effectLst/>
-                          <a:latin typeface="Arial" charset="0"/>
-                          <a:ea typeface="Arial" charset="0"/>
-                          <a:cs typeface="Arial" charset="0"/>
-                        </a:rPr>
-                        <a:t>Portion</a:t>
-                      </a:r>
-                    </a:p>
-                  </a:txBody>
-                  <a:tcPr marL="6350" marR="6350" marT="6350" marB="0" anchor="ctr">
-                    <a:lnL w="12700" cap="flat" cmpd="sng" algn="ctr">
-                      <a:solidFill>
-                        <a:srgbClr val="5A5A5A"/>
-                      </a:solidFill>
-                      <a:prstDash val="solid"/>
-                      <a:round/>
-                      <a:headEnd type="none" w="med" len="med"/>
-                      <a:tailEnd type="none" w="med" len="med"/>
-                    </a:lnL>
-                    <a:lnR w="12700" cap="flat" cmpd="sng" algn="ctr">
-                      <a:solidFill>
-                        <a:srgbClr val="5A5A5A"/>
-                      </a:solidFill>
-                      <a:prstDash val="solid"/>
-                      <a:round/>
-                      <a:headEnd type="none" w="med" len="med"/>
-                      <a:tailEnd type="none" w="med" len="med"/>
-                    </a:lnR>
-                    <a:lnT w="12700" cap="flat" cmpd="sng" algn="ctr">
-                      <a:solidFill>
-                        <a:srgbClr val="5A5A5A"/>
-                      </a:solidFill>
-                      <a:prstDash val="solid"/>
-                      <a:round/>
-                      <a:headEnd type="none" w="med" len="med"/>
-                      <a:tailEnd type="none" w="med" len="med"/>
-                    </a:lnT>
-                    <a:lnB w="19050" cap="flat" cmpd="sng" algn="ctr">
-                      <a:solidFill>
-                        <a:srgbClr val="5A5A5A"/>
-                      </a:solidFill>
-                      <a:prstDash val="solid"/>
-                      <a:round/>
-                      <a:headEnd type="none" w="med" len="med"/>
-                      <a:tailEnd type="none" w="med" len="med"/>
-                    </a:lnB>
-                    <a:solidFill>
-                      <a:srgbClr val="C8D2D2"/>
-                    </a:solidFill>
-                  </a:tcPr>
-                </a:tc>
-              </a:tr>
-              <a:tr h="203200">
-                <a:tc>
-                  <a:txBody>
-                    <a:bodyPr/>
-                    <a:lstStyle/>
-                    <a:p>
-                      <a:pPr algn="l" rtl="0" fontAlgn="ctr"/>
-                      <a:r>
-                        <a:rPr lang="en-US" sz="1400" b="0" i="0" u="none" strike="noStrike" dirty="0">
-                          <a:solidFill>
-                            <a:srgbClr val="5A5A5A"/>
-                          </a:solidFill>
-                          <a:effectLst/>
-                          <a:latin typeface="Arial" charset="0"/>
-                          <a:ea typeface="Arial" charset="0"/>
-                          <a:cs typeface="Arial" charset="0"/>
-                        </a:rPr>
-                        <a:t>SEM, MTI</a:t>
-                      </a:r>
-                    </a:p>
-                  </a:txBody>
-                  <a:tcPr marL="6350" marR="6350" marT="6350" marB="0" anchor="ctr">
-                    <a:lnL w="12700" cap="flat" cmpd="sng" algn="ctr">
-                      <a:solidFill>
-                        <a:srgbClr val="5A5A5A"/>
-                      </a:solidFill>
-                      <a:prstDash val="solid"/>
-                      <a:round/>
-                      <a:headEnd type="none" w="med" len="med"/>
-                      <a:tailEnd type="none" w="med" len="med"/>
-                    </a:lnL>
-                    <a:lnR w="12700" cap="flat" cmpd="sng" algn="ctr">
-                      <a:solidFill>
-                        <a:srgbClr val="5A5A5A"/>
-                      </a:solidFill>
-                      <a:prstDash val="solid"/>
-                      <a:round/>
-                      <a:headEnd type="none" w="med" len="med"/>
-                      <a:tailEnd type="none" w="med" len="med"/>
-                    </a:lnR>
-                    <a:lnT w="19050" cap="flat" cmpd="sng" algn="ctr">
-                      <a:solidFill>
-                        <a:srgbClr val="5A5A5A"/>
-                      </a:solidFill>
-                      <a:prstDash val="solid"/>
-                      <a:round/>
-                      <a:headEnd type="none" w="med" len="med"/>
-                      <a:tailEnd type="none" w="med" len="med"/>
-                    </a:lnT>
-                    <a:lnB w="12700" cap="flat" cmpd="sng" algn="ctr">
-                      <a:solidFill>
-                        <a:srgbClr val="5A5A5A"/>
-                      </a:solidFill>
-                      <a:prstDash val="solid"/>
-                      <a:round/>
-                      <a:headEnd type="none" w="med" len="med"/>
-                      <a:tailEnd type="none" w="med" len="med"/>
-                    </a:lnB>
-                    <a:solidFill>
-                      <a:srgbClr val="EBEEEE"/>
-                    </a:solidFill>
-                  </a:tcPr>
-                </a:tc>
-                <a:tc>
-                  <a:txBody>
-                    <a:bodyPr/>
-                    <a:lstStyle/>
-                    <a:p>
-                      <a:pPr algn="r" rtl="0" fontAlgn="ctr"/>
-                      <a:r>
-                        <a:rPr lang="is-IS" sz="1400" b="0" i="0" u="none" strike="noStrike">
-                          <a:solidFill>
-                            <a:srgbClr val="5A5A5A"/>
-                          </a:solidFill>
-                          <a:effectLst/>
-                          <a:latin typeface="Arial" charset="0"/>
-                          <a:ea typeface="Arial" charset="0"/>
-                          <a:cs typeface="Arial" charset="0"/>
-                        </a:rPr>
-                        <a:t>13 </a:t>
-                      </a:r>
-                    </a:p>
-                  </a:txBody>
-                  <a:tcPr marL="6350" marR="6350" marT="6350" marB="0" anchor="ctr">
-                    <a:lnL w="12700" cap="flat" cmpd="sng" algn="ctr">
-                      <a:solidFill>
-                        <a:srgbClr val="5A5A5A"/>
-                      </a:solidFill>
-                      <a:prstDash val="solid"/>
-                      <a:round/>
-                      <a:headEnd type="none" w="med" len="med"/>
-                      <a:tailEnd type="none" w="med" len="med"/>
-                    </a:lnL>
-                    <a:lnR w="12700" cap="flat" cmpd="sng" algn="ctr">
-                      <a:solidFill>
-                        <a:srgbClr val="5A5A5A"/>
-                      </a:solidFill>
-                      <a:prstDash val="solid"/>
-                      <a:round/>
-                      <a:headEnd type="none" w="med" len="med"/>
-                      <a:tailEnd type="none" w="med" len="med"/>
-                    </a:lnR>
-                    <a:lnT w="19050" cap="flat" cmpd="sng" algn="ctr">
-                      <a:solidFill>
-                        <a:srgbClr val="5A5A5A"/>
-                      </a:solidFill>
-                      <a:prstDash val="solid"/>
-                      <a:round/>
-                      <a:headEnd type="none" w="med" len="med"/>
-                      <a:tailEnd type="none" w="med" len="med"/>
-                    </a:lnT>
-                    <a:lnB w="12700" cap="flat" cmpd="sng" algn="ctr">
-                      <a:solidFill>
-                        <a:srgbClr val="5A5A5A"/>
-                      </a:solidFill>
-                      <a:prstDash val="solid"/>
-                      <a:round/>
-                      <a:headEnd type="none" w="med" len="med"/>
-                      <a:tailEnd type="none" w="med" len="med"/>
-                    </a:lnB>
-                    <a:solidFill>
-                      <a:srgbClr val="EBEEEE"/>
-                    </a:solidFill>
-                  </a:tcPr>
-                </a:tc>
-                <a:tc>
-                  <a:txBody>
-                    <a:bodyPr/>
-                    <a:lstStyle/>
-                    <a:p>
-                      <a:pPr algn="r" rtl="0" fontAlgn="ctr"/>
-                      <a:r>
-                        <a:rPr lang="mr-IN" sz="1400" b="0" i="0" u="none" strike="noStrike">
-                          <a:solidFill>
-                            <a:srgbClr val="5A5A5A"/>
-                          </a:solidFill>
-                          <a:effectLst/>
-                          <a:latin typeface="Arial" charset="0"/>
-                          <a:ea typeface="Arial" charset="0"/>
-                          <a:cs typeface="Arial" charset="0"/>
-                        </a:rPr>
-                        <a:t>5%</a:t>
-                      </a:r>
-                    </a:p>
-                  </a:txBody>
-                  <a:tcPr marL="6350" marR="6350" marT="6350" marB="0" anchor="ctr">
-                    <a:lnL w="12700" cap="flat" cmpd="sng" algn="ctr">
-                      <a:solidFill>
-                        <a:srgbClr val="5A5A5A"/>
-                      </a:solidFill>
-                      <a:prstDash val="solid"/>
-                      <a:round/>
-                      <a:headEnd type="none" w="med" len="med"/>
-                      <a:tailEnd type="none" w="med" len="med"/>
-                    </a:lnL>
-                    <a:lnR w="12700" cap="flat" cmpd="sng" algn="ctr">
-                      <a:solidFill>
-                        <a:srgbClr val="5A5A5A"/>
-                      </a:solidFill>
-                      <a:prstDash val="solid"/>
-                      <a:round/>
-                      <a:headEnd type="none" w="med" len="med"/>
-                      <a:tailEnd type="none" w="med" len="med"/>
-                    </a:lnR>
-                    <a:lnT w="19050" cap="flat" cmpd="sng" algn="ctr">
-                      <a:solidFill>
-                        <a:srgbClr val="5A5A5A"/>
-                      </a:solidFill>
-                      <a:prstDash val="solid"/>
-                      <a:round/>
-                      <a:headEnd type="none" w="med" len="med"/>
-                      <a:tailEnd type="none" w="med" len="med"/>
-                    </a:lnT>
-                    <a:lnB w="12700" cap="flat" cmpd="sng" algn="ctr">
-                      <a:solidFill>
-                        <a:srgbClr val="5A5A5A"/>
-                      </a:solidFill>
-                      <a:prstDash val="solid"/>
-                      <a:round/>
-                      <a:headEnd type="none" w="med" len="med"/>
-                      <a:tailEnd type="none" w="med" len="med"/>
-                    </a:lnB>
-                    <a:solidFill>
-                      <a:srgbClr val="EBEEEE"/>
-                    </a:solidFill>
-                  </a:tcPr>
-                </a:tc>
-              </a:tr>
-              <a:tr h="190500">
-                <a:tc>
-                  <a:txBody>
-                    <a:bodyPr/>
-                    <a:lstStyle/>
-                    <a:p>
-                      <a:pPr algn="l" rtl="0" fontAlgn="ctr"/>
-                      <a:r>
-                        <a:rPr lang="en-US" sz="1400" b="0" i="0" u="none" strike="noStrike">
-                          <a:solidFill>
-                            <a:srgbClr val="5A5A5A"/>
-                          </a:solidFill>
-                          <a:effectLst/>
-                          <a:latin typeface="Arial" charset="0"/>
-                          <a:ea typeface="Arial" charset="0"/>
-                          <a:cs typeface="Arial" charset="0"/>
-                        </a:rPr>
-                        <a:t>Facebook, Facebook Ad, Social Article</a:t>
-                      </a:r>
-                    </a:p>
-                  </a:txBody>
-                  <a:tcPr marL="6350" marR="6350" marT="6350" marB="0" anchor="ctr">
-                    <a:lnL w="12700" cap="flat" cmpd="sng" algn="ctr">
-                      <a:solidFill>
-                        <a:srgbClr val="5A5A5A"/>
-                      </a:solidFill>
-                      <a:prstDash val="solid"/>
-                      <a:round/>
-                      <a:headEnd type="none" w="med" len="med"/>
-                      <a:tailEnd type="none" w="med" len="med"/>
-                    </a:lnL>
-                    <a:lnR w="12700" cap="flat" cmpd="sng" algn="ctr">
-                      <a:solidFill>
-                        <a:srgbClr val="5A5A5A"/>
-                      </a:solidFill>
-                      <a:prstDash val="solid"/>
-                      <a:round/>
-                      <a:headEnd type="none" w="med" len="med"/>
-                      <a:tailEnd type="none" w="med" len="med"/>
-                    </a:lnR>
-                    <a:lnT w="12700" cap="flat" cmpd="sng" algn="ctr">
-                      <a:solidFill>
-                        <a:srgbClr val="5A5A5A"/>
-                      </a:solidFill>
-                      <a:prstDash val="solid"/>
-                      <a:round/>
-                      <a:headEnd type="none" w="med" len="med"/>
-                      <a:tailEnd type="none" w="med" len="med"/>
-                    </a:lnT>
-                    <a:lnB w="12700" cap="flat" cmpd="sng" algn="ctr">
-                      <a:solidFill>
-                        <a:srgbClr val="5A5A5A"/>
-                      </a:solidFill>
-                      <a:prstDash val="solid"/>
-                      <a:round/>
-                      <a:headEnd type="none" w="med" len="med"/>
-                      <a:tailEnd type="none" w="med" len="med"/>
-                    </a:lnB>
-                    <a:solidFill>
-                      <a:srgbClr val="EBEEEE"/>
-                    </a:solidFill>
-                  </a:tcPr>
-                </a:tc>
-                <a:tc>
-                  <a:txBody>
-                    <a:bodyPr/>
-                    <a:lstStyle/>
-                    <a:p>
-                      <a:pPr algn="r" rtl="0" fontAlgn="ctr"/>
-                      <a:r>
-                        <a:rPr lang="en-US" altLang="ja-JP" sz="1400" b="0" i="0" u="none" strike="noStrike" dirty="0">
-                          <a:solidFill>
-                            <a:srgbClr val="5A5A5A"/>
-                          </a:solidFill>
-                          <a:effectLst/>
-                          <a:latin typeface="Arial" charset="0"/>
-                          <a:ea typeface="Arial" charset="0"/>
-                          <a:cs typeface="Arial" charset="0"/>
-                        </a:rPr>
-                        <a:t>8 </a:t>
-                      </a:r>
-                    </a:p>
-                  </a:txBody>
-                  <a:tcPr marL="6350" marR="6350" marT="6350" marB="0" anchor="ctr">
-                    <a:lnL w="12700" cap="flat" cmpd="sng" algn="ctr">
-                      <a:solidFill>
-                        <a:srgbClr val="5A5A5A"/>
-                      </a:solidFill>
-                      <a:prstDash val="solid"/>
-                      <a:round/>
-                      <a:headEnd type="none" w="med" len="med"/>
-                      <a:tailEnd type="none" w="med" len="med"/>
-                    </a:lnL>
-                    <a:lnR w="12700" cap="flat" cmpd="sng" algn="ctr">
-                      <a:solidFill>
-                        <a:srgbClr val="5A5A5A"/>
-                      </a:solidFill>
-                      <a:prstDash val="solid"/>
-                      <a:round/>
-                      <a:headEnd type="none" w="med" len="med"/>
-                      <a:tailEnd type="none" w="med" len="med"/>
-                    </a:lnR>
-                    <a:lnT w="12700" cap="flat" cmpd="sng" algn="ctr">
-                      <a:solidFill>
-                        <a:srgbClr val="5A5A5A"/>
-                      </a:solidFill>
-                      <a:prstDash val="solid"/>
-                      <a:round/>
-                      <a:headEnd type="none" w="med" len="med"/>
-                      <a:tailEnd type="none" w="med" len="med"/>
-                    </a:lnT>
-                    <a:lnB w="12700" cap="flat" cmpd="sng" algn="ctr">
-                      <a:solidFill>
-                        <a:srgbClr val="5A5A5A"/>
-                      </a:solidFill>
-                      <a:prstDash val="solid"/>
-                      <a:round/>
-                      <a:headEnd type="none" w="med" len="med"/>
-                      <a:tailEnd type="none" w="med" len="med"/>
-                    </a:lnB>
-                    <a:solidFill>
-                      <a:srgbClr val="EBEEEE"/>
-                    </a:solidFill>
-                  </a:tcPr>
-                </a:tc>
-                <a:tc>
-                  <a:txBody>
-                    <a:bodyPr/>
-                    <a:lstStyle/>
-                    <a:p>
-                      <a:pPr algn="r" rtl="0" fontAlgn="ctr"/>
-                      <a:r>
-                        <a:rPr lang="mr-IN" sz="1400" b="0" i="0" u="none" strike="noStrike">
-                          <a:solidFill>
-                            <a:srgbClr val="5A5A5A"/>
-                          </a:solidFill>
-                          <a:effectLst/>
-                          <a:latin typeface="Arial" charset="0"/>
-                          <a:ea typeface="Arial" charset="0"/>
-                          <a:cs typeface="Arial" charset="0"/>
-                        </a:rPr>
-                        <a:t>3%</a:t>
-                      </a:r>
-                    </a:p>
-                  </a:txBody>
-                  <a:tcPr marL="6350" marR="6350" marT="6350" marB="0" anchor="ctr">
-                    <a:lnL w="12700" cap="flat" cmpd="sng" algn="ctr">
-                      <a:solidFill>
-                        <a:srgbClr val="5A5A5A"/>
-                      </a:solidFill>
-                      <a:prstDash val="solid"/>
-                      <a:round/>
-                      <a:headEnd type="none" w="med" len="med"/>
-                      <a:tailEnd type="none" w="med" len="med"/>
-                    </a:lnL>
-                    <a:lnR w="12700" cap="flat" cmpd="sng" algn="ctr">
-                      <a:solidFill>
-                        <a:srgbClr val="5A5A5A"/>
-                      </a:solidFill>
-                      <a:prstDash val="solid"/>
-                      <a:round/>
-                      <a:headEnd type="none" w="med" len="med"/>
-                      <a:tailEnd type="none" w="med" len="med"/>
-                    </a:lnR>
-                    <a:lnT w="12700" cap="flat" cmpd="sng" algn="ctr">
-                      <a:solidFill>
-                        <a:srgbClr val="5A5A5A"/>
-                      </a:solidFill>
-                      <a:prstDash val="solid"/>
-                      <a:round/>
-                      <a:headEnd type="none" w="med" len="med"/>
-                      <a:tailEnd type="none" w="med" len="med"/>
-                    </a:lnT>
-                    <a:lnB w="12700" cap="flat" cmpd="sng" algn="ctr">
-                      <a:solidFill>
-                        <a:srgbClr val="5A5A5A"/>
-                      </a:solidFill>
-                      <a:prstDash val="solid"/>
-                      <a:round/>
-                      <a:headEnd type="none" w="med" len="med"/>
-                      <a:tailEnd type="none" w="med" len="med"/>
-                    </a:lnB>
-                    <a:solidFill>
-                      <a:srgbClr val="EBEEEE"/>
-                    </a:solidFill>
-                  </a:tcPr>
-                </a:tc>
-              </a:tr>
-              <a:tr h="368300">
-                <a:tc>
-                  <a:txBody>
-                    <a:bodyPr/>
-                    <a:lstStyle/>
-                    <a:p>
-                      <a:pPr algn="l" rtl="0" fontAlgn="ctr"/>
-                      <a:r>
-                        <a:rPr lang="en-US" sz="1400" b="0" i="0" u="none" strike="noStrike">
-                          <a:solidFill>
-                            <a:srgbClr val="5A5A5A"/>
-                          </a:solidFill>
-                          <a:effectLst/>
-                          <a:latin typeface="Arial" charset="0"/>
-                          <a:ea typeface="Arial" charset="0"/>
-                          <a:cs typeface="Arial" charset="0"/>
-                        </a:rPr>
-                        <a:t>3rd Party Media, Web Seminars, Contents Syndication, Banners, SEM, MTI </a:t>
-                      </a:r>
-                    </a:p>
-                  </a:txBody>
-                  <a:tcPr marL="6350" marR="6350" marT="6350" marB="0" anchor="ctr">
-                    <a:lnL w="12700" cap="flat" cmpd="sng" algn="ctr">
-                      <a:solidFill>
-                        <a:srgbClr val="5A5A5A"/>
-                      </a:solidFill>
-                      <a:prstDash val="solid"/>
-                      <a:round/>
-                      <a:headEnd type="none" w="med" len="med"/>
-                      <a:tailEnd type="none" w="med" len="med"/>
-                    </a:lnL>
-                    <a:lnR w="12700" cap="flat" cmpd="sng" algn="ctr">
-                      <a:solidFill>
-                        <a:srgbClr val="5A5A5A"/>
-                      </a:solidFill>
-                      <a:prstDash val="solid"/>
-                      <a:round/>
-                      <a:headEnd type="none" w="med" len="med"/>
-                      <a:tailEnd type="none" w="med" len="med"/>
-                    </a:lnR>
-                    <a:lnT w="12700" cap="flat" cmpd="sng" algn="ctr">
-                      <a:solidFill>
-                        <a:srgbClr val="5A5A5A"/>
-                      </a:solidFill>
-                      <a:prstDash val="solid"/>
-                      <a:round/>
-                      <a:headEnd type="none" w="med" len="med"/>
-                      <a:tailEnd type="none" w="med" len="med"/>
-                    </a:lnT>
-                    <a:lnB w="12700" cap="flat" cmpd="sng" algn="ctr">
-                      <a:solidFill>
-                        <a:srgbClr val="5A5A5A"/>
-                      </a:solidFill>
-                      <a:prstDash val="solid"/>
-                      <a:round/>
-                      <a:headEnd type="none" w="med" len="med"/>
-                      <a:tailEnd type="none" w="med" len="med"/>
-                    </a:lnB>
-                    <a:solidFill>
-                      <a:srgbClr val="F5F7F7"/>
-                    </a:solidFill>
-                  </a:tcPr>
-                </a:tc>
-                <a:tc>
-                  <a:txBody>
-                    <a:bodyPr/>
-                    <a:lstStyle/>
-                    <a:p>
-                      <a:pPr algn="r" rtl="0" fontAlgn="ctr"/>
-                      <a:r>
-                        <a:rPr lang="is-IS" sz="1400" b="0" i="0" u="none" strike="noStrike" dirty="0">
-                          <a:solidFill>
-                            <a:srgbClr val="5A5A5A"/>
-                          </a:solidFill>
-                          <a:effectLst/>
-                          <a:latin typeface="Arial" charset="0"/>
-                          <a:ea typeface="Arial" charset="0"/>
-                          <a:cs typeface="Arial" charset="0"/>
-                        </a:rPr>
-                        <a:t>63 </a:t>
-                      </a:r>
-                    </a:p>
-                  </a:txBody>
-                  <a:tcPr marL="6350" marR="6350" marT="6350" marB="0" anchor="ctr">
-                    <a:lnL w="12700" cap="flat" cmpd="sng" algn="ctr">
-                      <a:solidFill>
-                        <a:srgbClr val="5A5A5A"/>
-                      </a:solidFill>
-                      <a:prstDash val="solid"/>
-                      <a:round/>
-                      <a:headEnd type="none" w="med" len="med"/>
-                      <a:tailEnd type="none" w="med" len="med"/>
-                    </a:lnL>
-                    <a:lnR w="12700" cap="flat" cmpd="sng" algn="ctr">
-                      <a:solidFill>
-                        <a:srgbClr val="5A5A5A"/>
-                      </a:solidFill>
-                      <a:prstDash val="solid"/>
-                      <a:round/>
-                      <a:headEnd type="none" w="med" len="med"/>
-                      <a:tailEnd type="none" w="med" len="med"/>
-                    </a:lnR>
-                    <a:lnT w="12700" cap="flat" cmpd="sng" algn="ctr">
-                      <a:solidFill>
-                        <a:srgbClr val="5A5A5A"/>
-                      </a:solidFill>
-                      <a:prstDash val="solid"/>
-                      <a:round/>
-                      <a:headEnd type="none" w="med" len="med"/>
-                      <a:tailEnd type="none" w="med" len="med"/>
-                    </a:lnT>
-                    <a:lnB w="12700" cap="flat" cmpd="sng" algn="ctr">
-                      <a:solidFill>
-                        <a:srgbClr val="5A5A5A"/>
-                      </a:solidFill>
-                      <a:prstDash val="solid"/>
-                      <a:round/>
-                      <a:headEnd type="none" w="med" len="med"/>
-                      <a:tailEnd type="none" w="med" len="med"/>
-                    </a:lnB>
-                    <a:solidFill>
-                      <a:srgbClr val="F5F7F7"/>
-                    </a:solidFill>
-                  </a:tcPr>
-                </a:tc>
-                <a:tc>
-                  <a:txBody>
-                    <a:bodyPr/>
-                    <a:lstStyle/>
-                    <a:p>
-                      <a:pPr algn="r" rtl="0" fontAlgn="ctr"/>
-                      <a:r>
-                        <a:rPr lang="mr-IN" sz="1400" b="0" i="0" u="none" strike="noStrike">
-                          <a:solidFill>
-                            <a:srgbClr val="5A5A5A"/>
-                          </a:solidFill>
-                          <a:effectLst/>
-                          <a:latin typeface="Arial" charset="0"/>
-                          <a:ea typeface="Arial" charset="0"/>
-                          <a:cs typeface="Arial" charset="0"/>
-                        </a:rPr>
-                        <a:t>25%</a:t>
-                      </a:r>
-                    </a:p>
-                  </a:txBody>
-                  <a:tcPr marL="6350" marR="6350" marT="6350" marB="0" anchor="ctr">
-                    <a:lnL w="12700" cap="flat" cmpd="sng" algn="ctr">
-                      <a:solidFill>
-                        <a:srgbClr val="5A5A5A"/>
-                      </a:solidFill>
-                      <a:prstDash val="solid"/>
-                      <a:round/>
-                      <a:headEnd type="none" w="med" len="med"/>
-                      <a:tailEnd type="none" w="med" len="med"/>
-                    </a:lnL>
-                    <a:lnR w="12700" cap="flat" cmpd="sng" algn="ctr">
-                      <a:solidFill>
-                        <a:srgbClr val="5A5A5A"/>
-                      </a:solidFill>
-                      <a:prstDash val="solid"/>
-                      <a:round/>
-                      <a:headEnd type="none" w="med" len="med"/>
-                      <a:tailEnd type="none" w="med" len="med"/>
-                    </a:lnR>
-                    <a:lnT w="12700" cap="flat" cmpd="sng" algn="ctr">
-                      <a:solidFill>
-                        <a:srgbClr val="5A5A5A"/>
-                      </a:solidFill>
-                      <a:prstDash val="solid"/>
-                      <a:round/>
-                      <a:headEnd type="none" w="med" len="med"/>
-                      <a:tailEnd type="none" w="med" len="med"/>
-                    </a:lnT>
-                    <a:lnB w="12700" cap="flat" cmpd="sng" algn="ctr">
-                      <a:solidFill>
-                        <a:srgbClr val="5A5A5A"/>
-                      </a:solidFill>
-                      <a:prstDash val="solid"/>
-                      <a:round/>
-                      <a:headEnd type="none" w="med" len="med"/>
-                      <a:tailEnd type="none" w="med" len="med"/>
-                    </a:lnB>
-                    <a:solidFill>
-                      <a:srgbClr val="F5F7F7"/>
-                    </a:solidFill>
-                  </a:tcPr>
-                </a:tc>
-              </a:tr>
-              <a:tr h="368300">
-                <a:tc>
-                  <a:txBody>
-                    <a:bodyPr/>
-                    <a:lstStyle/>
-                    <a:p>
-                      <a:pPr algn="l" rtl="0" fontAlgn="ctr"/>
-                      <a:r>
-                        <a:rPr lang="en-US" sz="1400" b="0" i="0" u="none" strike="noStrike">
-                          <a:solidFill>
-                            <a:srgbClr val="5A5A5A"/>
-                          </a:solidFill>
-                          <a:effectLst/>
-                          <a:latin typeface="Arial" charset="0"/>
-                          <a:ea typeface="Arial" charset="0"/>
-                          <a:cs typeface="Arial" charset="0"/>
-                        </a:rPr>
-                        <a:t>github.co.jp page updates and maintenance</a:t>
-                      </a:r>
-                    </a:p>
-                  </a:txBody>
-                  <a:tcPr marL="6350" marR="6350" marT="6350" marB="0" anchor="ctr">
-                    <a:lnL w="12700" cap="flat" cmpd="sng" algn="ctr">
-                      <a:solidFill>
-                        <a:srgbClr val="5A5A5A"/>
-                      </a:solidFill>
-                      <a:prstDash val="solid"/>
-                      <a:round/>
-                      <a:headEnd type="none" w="med" len="med"/>
-                      <a:tailEnd type="none" w="med" len="med"/>
-                    </a:lnL>
-                    <a:lnR w="12700" cap="flat" cmpd="sng" algn="ctr">
-                      <a:solidFill>
-                        <a:srgbClr val="5A5A5A"/>
-                      </a:solidFill>
-                      <a:prstDash val="solid"/>
-                      <a:round/>
-                      <a:headEnd type="none" w="med" len="med"/>
-                      <a:tailEnd type="none" w="med" len="med"/>
-                    </a:lnR>
-                    <a:lnT w="12700" cap="flat" cmpd="sng" algn="ctr">
-                      <a:solidFill>
-                        <a:srgbClr val="5A5A5A"/>
-                      </a:solidFill>
-                      <a:prstDash val="solid"/>
-                      <a:round/>
-                      <a:headEnd type="none" w="med" len="med"/>
-                      <a:tailEnd type="none" w="med" len="med"/>
-                    </a:lnT>
-                    <a:lnB w="12700" cap="flat" cmpd="sng" algn="ctr">
-                      <a:solidFill>
-                        <a:srgbClr val="5A5A5A"/>
-                      </a:solidFill>
-                      <a:prstDash val="solid"/>
-                      <a:round/>
-                      <a:headEnd type="none" w="med" len="med"/>
-                      <a:tailEnd type="none" w="med" len="med"/>
-                    </a:lnB>
-                    <a:solidFill>
-                      <a:srgbClr val="EBEEEE"/>
-                    </a:solidFill>
-                  </a:tcPr>
-                </a:tc>
-                <a:tc>
-                  <a:txBody>
-                    <a:bodyPr/>
-                    <a:lstStyle/>
-                    <a:p>
-                      <a:pPr algn="r" rtl="0" fontAlgn="ctr"/>
-                      <a:r>
-                        <a:rPr lang="is-IS" sz="1400" b="0" i="0" u="none" strike="noStrike" dirty="0">
-                          <a:solidFill>
-                            <a:srgbClr val="5A5A5A"/>
-                          </a:solidFill>
-                          <a:effectLst/>
-                          <a:latin typeface="Arial" charset="0"/>
-                          <a:ea typeface="Arial" charset="0"/>
-                          <a:cs typeface="Arial" charset="0"/>
-                        </a:rPr>
-                        <a:t>13 </a:t>
-                      </a:r>
-                    </a:p>
-                  </a:txBody>
-                  <a:tcPr marL="6350" marR="6350" marT="6350" marB="0" anchor="ctr">
-                    <a:lnL w="12700" cap="flat" cmpd="sng" algn="ctr">
-                      <a:solidFill>
-                        <a:srgbClr val="5A5A5A"/>
-                      </a:solidFill>
-                      <a:prstDash val="solid"/>
-                      <a:round/>
-                      <a:headEnd type="none" w="med" len="med"/>
-                      <a:tailEnd type="none" w="med" len="med"/>
-                    </a:lnL>
-                    <a:lnR w="12700" cap="flat" cmpd="sng" algn="ctr">
-                      <a:solidFill>
-                        <a:srgbClr val="5A5A5A"/>
-                      </a:solidFill>
-                      <a:prstDash val="solid"/>
-                      <a:round/>
-                      <a:headEnd type="none" w="med" len="med"/>
-                      <a:tailEnd type="none" w="med" len="med"/>
-                    </a:lnR>
-                    <a:lnT w="12700" cap="flat" cmpd="sng" algn="ctr">
-                      <a:solidFill>
-                        <a:srgbClr val="5A5A5A"/>
-                      </a:solidFill>
-                      <a:prstDash val="solid"/>
-                      <a:round/>
-                      <a:headEnd type="none" w="med" len="med"/>
-                      <a:tailEnd type="none" w="med" len="med"/>
-                    </a:lnT>
-                    <a:lnB w="12700" cap="flat" cmpd="sng" algn="ctr">
-                      <a:solidFill>
-                        <a:srgbClr val="5A5A5A"/>
-                      </a:solidFill>
-                      <a:prstDash val="solid"/>
-                      <a:round/>
-                      <a:headEnd type="none" w="med" len="med"/>
-                      <a:tailEnd type="none" w="med" len="med"/>
-                    </a:lnB>
-                    <a:solidFill>
-                      <a:srgbClr val="EBEEEE"/>
-                    </a:solidFill>
-                  </a:tcPr>
-                </a:tc>
-                <a:tc>
-                  <a:txBody>
-                    <a:bodyPr/>
-                    <a:lstStyle/>
-                    <a:p>
-                      <a:pPr algn="r" rtl="0" fontAlgn="ctr"/>
-                      <a:r>
-                        <a:rPr lang="mr-IN" sz="1400" b="0" i="0" u="none" strike="noStrike">
-                          <a:solidFill>
-                            <a:srgbClr val="5A5A5A"/>
-                          </a:solidFill>
-                          <a:effectLst/>
-                          <a:latin typeface="Arial" charset="0"/>
-                          <a:ea typeface="Arial" charset="0"/>
-                          <a:cs typeface="Arial" charset="0"/>
-                        </a:rPr>
-                        <a:t>5%</a:t>
-                      </a:r>
-                    </a:p>
-                  </a:txBody>
-                  <a:tcPr marL="6350" marR="6350" marT="6350" marB="0" anchor="ctr">
-                    <a:lnL w="12700" cap="flat" cmpd="sng" algn="ctr">
-                      <a:solidFill>
-                        <a:srgbClr val="5A5A5A"/>
-                      </a:solidFill>
-                      <a:prstDash val="solid"/>
-                      <a:round/>
-                      <a:headEnd type="none" w="med" len="med"/>
-                      <a:tailEnd type="none" w="med" len="med"/>
-                    </a:lnL>
-                    <a:lnR w="12700" cap="flat" cmpd="sng" algn="ctr">
-                      <a:solidFill>
-                        <a:srgbClr val="5A5A5A"/>
-                      </a:solidFill>
-                      <a:prstDash val="solid"/>
-                      <a:round/>
-                      <a:headEnd type="none" w="med" len="med"/>
-                      <a:tailEnd type="none" w="med" len="med"/>
-                    </a:lnR>
-                    <a:lnT w="12700" cap="flat" cmpd="sng" algn="ctr">
-                      <a:solidFill>
-                        <a:srgbClr val="5A5A5A"/>
-                      </a:solidFill>
-                      <a:prstDash val="solid"/>
-                      <a:round/>
-                      <a:headEnd type="none" w="med" len="med"/>
-                      <a:tailEnd type="none" w="med" len="med"/>
-                    </a:lnT>
-                    <a:lnB w="12700" cap="flat" cmpd="sng" algn="ctr">
-                      <a:solidFill>
-                        <a:srgbClr val="5A5A5A"/>
-                      </a:solidFill>
-                      <a:prstDash val="solid"/>
-                      <a:round/>
-                      <a:headEnd type="none" w="med" len="med"/>
-                      <a:tailEnd type="none" w="med" len="med"/>
-                    </a:lnB>
-                    <a:solidFill>
-                      <a:srgbClr val="EBEEEE"/>
-                    </a:solidFill>
-                  </a:tcPr>
-                </a:tc>
-              </a:tr>
-              <a:tr h="190500">
-                <a:tc>
-                  <a:txBody>
-                    <a:bodyPr/>
-                    <a:lstStyle/>
-                    <a:p>
-                      <a:pPr algn="l" rtl="0" fontAlgn="ctr"/>
-                      <a:r>
-                        <a:rPr lang="en-US" sz="1400" b="0" i="0" u="none" strike="noStrike">
-                          <a:solidFill>
-                            <a:srgbClr val="5A5A5A"/>
-                          </a:solidFill>
-                          <a:effectLst/>
-                          <a:latin typeface="Arial" charset="0"/>
-                          <a:ea typeface="Arial" charset="0"/>
-                          <a:cs typeface="Arial" charset="0"/>
-                        </a:rPr>
-                        <a:t>Signature Event prep</a:t>
-                      </a:r>
-                    </a:p>
-                  </a:txBody>
-                  <a:tcPr marL="6350" marR="6350" marT="6350" marB="0" anchor="ctr">
-                    <a:lnL w="12700" cap="flat" cmpd="sng" algn="ctr">
-                      <a:solidFill>
-                        <a:srgbClr val="5A5A5A"/>
-                      </a:solidFill>
-                      <a:prstDash val="solid"/>
-                      <a:round/>
-                      <a:headEnd type="none" w="med" len="med"/>
-                      <a:tailEnd type="none" w="med" len="med"/>
-                    </a:lnL>
-                    <a:lnR w="12700" cap="flat" cmpd="sng" algn="ctr">
-                      <a:solidFill>
-                        <a:srgbClr val="5A5A5A"/>
-                      </a:solidFill>
-                      <a:prstDash val="solid"/>
-                      <a:round/>
-                      <a:headEnd type="none" w="med" len="med"/>
-                      <a:tailEnd type="none" w="med" len="med"/>
-                    </a:lnR>
-                    <a:lnT w="12700" cap="flat" cmpd="sng" algn="ctr">
-                      <a:solidFill>
-                        <a:srgbClr val="5A5A5A"/>
-                      </a:solidFill>
-                      <a:prstDash val="solid"/>
-                      <a:round/>
-                      <a:headEnd type="none" w="med" len="med"/>
-                      <a:tailEnd type="none" w="med" len="med"/>
-                    </a:lnT>
-                    <a:lnB w="12700" cap="flat" cmpd="sng" algn="ctr">
-                      <a:solidFill>
-                        <a:srgbClr val="5A5A5A"/>
-                      </a:solidFill>
-                      <a:prstDash val="solid"/>
-                      <a:round/>
-                      <a:headEnd type="none" w="med" len="med"/>
-                      <a:tailEnd type="none" w="med" len="med"/>
-                    </a:lnB>
-                    <a:solidFill>
-                      <a:srgbClr val="F5F7F7"/>
-                    </a:solidFill>
-                  </a:tcPr>
-                </a:tc>
-                <a:tc>
-                  <a:txBody>
-                    <a:bodyPr/>
-                    <a:lstStyle/>
-                    <a:p>
-                      <a:pPr algn="r" rtl="0" fontAlgn="ctr"/>
-                      <a:r>
-                        <a:rPr lang="en-US" altLang="ja-JP" sz="1400" b="0" i="0" u="none" strike="noStrike">
-                          <a:solidFill>
-                            <a:srgbClr val="5A5A5A"/>
-                          </a:solidFill>
-                          <a:effectLst/>
-                          <a:latin typeface="Arial" charset="0"/>
-                          <a:ea typeface="Arial" charset="0"/>
-                          <a:cs typeface="Arial" charset="0"/>
-                        </a:rPr>
-                        <a:t>5 </a:t>
-                      </a:r>
-                    </a:p>
-                  </a:txBody>
-                  <a:tcPr marL="6350" marR="6350" marT="6350" marB="0" anchor="ctr">
-                    <a:lnL w="12700" cap="flat" cmpd="sng" algn="ctr">
-                      <a:solidFill>
-                        <a:srgbClr val="5A5A5A"/>
-                      </a:solidFill>
-                      <a:prstDash val="solid"/>
-                      <a:round/>
-                      <a:headEnd type="none" w="med" len="med"/>
-                      <a:tailEnd type="none" w="med" len="med"/>
-                    </a:lnL>
-                    <a:lnR w="12700" cap="flat" cmpd="sng" algn="ctr">
-                      <a:solidFill>
-                        <a:srgbClr val="5A5A5A"/>
-                      </a:solidFill>
-                      <a:prstDash val="solid"/>
-                      <a:round/>
-                      <a:headEnd type="none" w="med" len="med"/>
-                      <a:tailEnd type="none" w="med" len="med"/>
-                    </a:lnR>
-                    <a:lnT w="12700" cap="flat" cmpd="sng" algn="ctr">
-                      <a:solidFill>
-                        <a:srgbClr val="5A5A5A"/>
-                      </a:solidFill>
-                      <a:prstDash val="solid"/>
-                      <a:round/>
-                      <a:headEnd type="none" w="med" len="med"/>
-                      <a:tailEnd type="none" w="med" len="med"/>
-                    </a:lnT>
-                    <a:lnB w="12700" cap="flat" cmpd="sng" algn="ctr">
-                      <a:solidFill>
-                        <a:srgbClr val="5A5A5A"/>
-                      </a:solidFill>
-                      <a:prstDash val="solid"/>
-                      <a:round/>
-                      <a:headEnd type="none" w="med" len="med"/>
-                      <a:tailEnd type="none" w="med" len="med"/>
-                    </a:lnB>
-                    <a:solidFill>
-                      <a:srgbClr val="F5F7F7"/>
-                    </a:solidFill>
-                  </a:tcPr>
-                </a:tc>
-                <a:tc>
-                  <a:txBody>
-                    <a:bodyPr/>
-                    <a:lstStyle/>
-                    <a:p>
-                      <a:pPr algn="r" rtl="0" fontAlgn="ctr"/>
-                      <a:r>
-                        <a:rPr lang="mr-IN" sz="1400" b="0" i="0" u="none" strike="noStrike" dirty="0">
-                          <a:solidFill>
-                            <a:srgbClr val="5A5A5A"/>
-                          </a:solidFill>
-                          <a:effectLst/>
-                          <a:latin typeface="Arial" charset="0"/>
-                          <a:ea typeface="Arial" charset="0"/>
-                          <a:cs typeface="Arial" charset="0"/>
-                        </a:rPr>
-                        <a:t>2%</a:t>
-                      </a:r>
-                    </a:p>
-                  </a:txBody>
-                  <a:tcPr marL="6350" marR="6350" marT="6350" marB="0" anchor="ctr">
-                    <a:lnL w="12700" cap="flat" cmpd="sng" algn="ctr">
-                      <a:solidFill>
-                        <a:srgbClr val="5A5A5A"/>
-                      </a:solidFill>
-                      <a:prstDash val="solid"/>
-                      <a:round/>
-                      <a:headEnd type="none" w="med" len="med"/>
-                      <a:tailEnd type="none" w="med" len="med"/>
-                    </a:lnL>
-                    <a:lnR w="12700" cap="flat" cmpd="sng" algn="ctr">
-                      <a:solidFill>
-                        <a:srgbClr val="5A5A5A"/>
-                      </a:solidFill>
-                      <a:prstDash val="solid"/>
-                      <a:round/>
-                      <a:headEnd type="none" w="med" len="med"/>
-                      <a:tailEnd type="none" w="med" len="med"/>
-                    </a:lnR>
-                    <a:lnT w="12700" cap="flat" cmpd="sng" algn="ctr">
-                      <a:solidFill>
-                        <a:srgbClr val="5A5A5A"/>
-                      </a:solidFill>
-                      <a:prstDash val="solid"/>
-                      <a:round/>
-                      <a:headEnd type="none" w="med" len="med"/>
-                      <a:tailEnd type="none" w="med" len="med"/>
-                    </a:lnT>
-                    <a:lnB w="12700" cap="flat" cmpd="sng" algn="ctr">
-                      <a:solidFill>
-                        <a:srgbClr val="5A5A5A"/>
-                      </a:solidFill>
-                      <a:prstDash val="solid"/>
-                      <a:round/>
-                      <a:headEnd type="none" w="med" len="med"/>
-                      <a:tailEnd type="none" w="med" len="med"/>
-                    </a:lnB>
-                    <a:solidFill>
-                      <a:srgbClr val="F5F7F7"/>
-                    </a:solidFill>
-                  </a:tcPr>
-                </a:tc>
-              </a:tr>
-              <a:tr h="368300">
-                <a:tc>
-                  <a:txBody>
-                    <a:bodyPr/>
-                    <a:lstStyle/>
-                    <a:p>
-                      <a:pPr algn="l" rtl="0" fontAlgn="ctr"/>
-                      <a:r>
-                        <a:rPr lang="en-US" sz="1400" b="0" i="0" u="none" strike="noStrike">
-                          <a:solidFill>
-                            <a:srgbClr val="5A5A5A"/>
-                          </a:solidFill>
-                          <a:effectLst/>
-                          <a:latin typeface="Arial" charset="0"/>
-                          <a:ea typeface="Arial" charset="0"/>
-                          <a:cs typeface="Arial" charset="0"/>
-                        </a:rPr>
-                        <a:t>3rd Party Sponsorships</a:t>
-                      </a:r>
-                    </a:p>
-                  </a:txBody>
-                  <a:tcPr marL="6350" marR="6350" marT="6350" marB="0" anchor="ctr">
-                    <a:lnL w="12700" cap="flat" cmpd="sng" algn="ctr">
-                      <a:solidFill>
-                        <a:srgbClr val="5A5A5A"/>
-                      </a:solidFill>
-                      <a:prstDash val="solid"/>
-                      <a:round/>
-                      <a:headEnd type="none" w="med" len="med"/>
-                      <a:tailEnd type="none" w="med" len="med"/>
-                    </a:lnL>
-                    <a:lnR w="12700" cap="flat" cmpd="sng" algn="ctr">
-                      <a:solidFill>
-                        <a:srgbClr val="5A5A5A"/>
-                      </a:solidFill>
-                      <a:prstDash val="solid"/>
-                      <a:round/>
-                      <a:headEnd type="none" w="med" len="med"/>
-                      <a:tailEnd type="none" w="med" len="med"/>
-                    </a:lnR>
-                    <a:lnT w="12700" cap="flat" cmpd="sng" algn="ctr">
-                      <a:solidFill>
-                        <a:srgbClr val="5A5A5A"/>
-                      </a:solidFill>
-                      <a:prstDash val="solid"/>
-                      <a:round/>
-                      <a:headEnd type="none" w="med" len="med"/>
-                      <a:tailEnd type="none" w="med" len="med"/>
-                    </a:lnT>
-                    <a:lnB w="12700" cap="flat" cmpd="sng" algn="ctr">
-                      <a:solidFill>
-                        <a:srgbClr val="5A5A5A"/>
-                      </a:solidFill>
-                      <a:prstDash val="solid"/>
-                      <a:round/>
-                      <a:headEnd type="none" w="med" len="med"/>
-                      <a:tailEnd type="none" w="med" len="med"/>
-                    </a:lnB>
-                    <a:solidFill>
-                      <a:srgbClr val="EBEEEE"/>
-                    </a:solidFill>
-                  </a:tcPr>
-                </a:tc>
-                <a:tc>
-                  <a:txBody>
-                    <a:bodyPr/>
-                    <a:lstStyle/>
-                    <a:p>
-                      <a:pPr algn="r" rtl="0" fontAlgn="ctr"/>
-                      <a:r>
-                        <a:rPr lang="en-US" altLang="ja-JP" sz="1400" b="0" i="0" u="none" strike="noStrike">
-                          <a:solidFill>
-                            <a:srgbClr val="5A5A5A"/>
-                          </a:solidFill>
-                          <a:effectLst/>
-                          <a:latin typeface="Arial" charset="0"/>
-                          <a:ea typeface="Arial" charset="0"/>
-                          <a:cs typeface="Arial" charset="0"/>
-                        </a:rPr>
-                        <a:t>38 </a:t>
-                      </a:r>
-                    </a:p>
-                  </a:txBody>
-                  <a:tcPr marL="6350" marR="6350" marT="6350" marB="0" anchor="ctr">
-                    <a:lnL w="12700" cap="flat" cmpd="sng" algn="ctr">
-                      <a:solidFill>
-                        <a:srgbClr val="5A5A5A"/>
-                      </a:solidFill>
-                      <a:prstDash val="solid"/>
-                      <a:round/>
-                      <a:headEnd type="none" w="med" len="med"/>
-                      <a:tailEnd type="none" w="med" len="med"/>
-                    </a:lnL>
-                    <a:lnR w="12700" cap="flat" cmpd="sng" algn="ctr">
-                      <a:solidFill>
-                        <a:srgbClr val="5A5A5A"/>
-                      </a:solidFill>
-                      <a:prstDash val="solid"/>
-                      <a:round/>
-                      <a:headEnd type="none" w="med" len="med"/>
-                      <a:tailEnd type="none" w="med" len="med"/>
-                    </a:lnR>
-                    <a:lnT w="12700" cap="flat" cmpd="sng" algn="ctr">
-                      <a:solidFill>
-                        <a:srgbClr val="5A5A5A"/>
-                      </a:solidFill>
-                      <a:prstDash val="solid"/>
-                      <a:round/>
-                      <a:headEnd type="none" w="med" len="med"/>
-                      <a:tailEnd type="none" w="med" len="med"/>
-                    </a:lnT>
-                    <a:lnB w="12700" cap="flat" cmpd="sng" algn="ctr">
-                      <a:solidFill>
-                        <a:srgbClr val="5A5A5A"/>
-                      </a:solidFill>
-                      <a:prstDash val="solid"/>
-                      <a:round/>
-                      <a:headEnd type="none" w="med" len="med"/>
-                      <a:tailEnd type="none" w="med" len="med"/>
-                    </a:lnB>
-                    <a:solidFill>
-                      <a:srgbClr val="EBEEEE"/>
-                    </a:solidFill>
-                  </a:tcPr>
-                </a:tc>
-                <a:tc>
-                  <a:txBody>
-                    <a:bodyPr/>
-                    <a:lstStyle/>
-                    <a:p>
-                      <a:pPr algn="r" rtl="0" fontAlgn="ctr"/>
-                      <a:r>
-                        <a:rPr lang="mr-IN" sz="1400" b="0" i="0" u="none" strike="noStrike">
-                          <a:solidFill>
-                            <a:srgbClr val="5A5A5A"/>
-                          </a:solidFill>
-                          <a:effectLst/>
-                          <a:latin typeface="Arial" charset="0"/>
-                          <a:ea typeface="Arial" charset="0"/>
-                          <a:cs typeface="Arial" charset="0"/>
-                        </a:rPr>
-                        <a:t>15%</a:t>
-                      </a:r>
-                    </a:p>
-                  </a:txBody>
-                  <a:tcPr marL="6350" marR="6350" marT="6350" marB="0" anchor="ctr">
-                    <a:lnL w="12700" cap="flat" cmpd="sng" algn="ctr">
-                      <a:solidFill>
-                        <a:srgbClr val="5A5A5A"/>
-                      </a:solidFill>
-                      <a:prstDash val="solid"/>
-                      <a:round/>
-                      <a:headEnd type="none" w="med" len="med"/>
-                      <a:tailEnd type="none" w="med" len="med"/>
-                    </a:lnL>
-                    <a:lnR w="12700" cap="flat" cmpd="sng" algn="ctr">
-                      <a:solidFill>
-                        <a:srgbClr val="5A5A5A"/>
-                      </a:solidFill>
-                      <a:prstDash val="solid"/>
-                      <a:round/>
-                      <a:headEnd type="none" w="med" len="med"/>
-                      <a:tailEnd type="none" w="med" len="med"/>
-                    </a:lnR>
-                    <a:lnT w="12700" cap="flat" cmpd="sng" algn="ctr">
-                      <a:solidFill>
-                        <a:srgbClr val="5A5A5A"/>
-                      </a:solidFill>
-                      <a:prstDash val="solid"/>
-                      <a:round/>
-                      <a:headEnd type="none" w="med" len="med"/>
-                      <a:tailEnd type="none" w="med" len="med"/>
-                    </a:lnT>
-                    <a:lnB w="12700" cap="flat" cmpd="sng" algn="ctr">
-                      <a:solidFill>
-                        <a:srgbClr val="5A5A5A"/>
-                      </a:solidFill>
-                      <a:prstDash val="solid"/>
-                      <a:round/>
-                      <a:headEnd type="none" w="med" len="med"/>
-                      <a:tailEnd type="none" w="med" len="med"/>
-                    </a:lnB>
-                    <a:solidFill>
-                      <a:srgbClr val="EBEEEE"/>
-                    </a:solidFill>
-                  </a:tcPr>
-                </a:tc>
-              </a:tr>
-              <a:tr h="190500">
-                <a:tc>
-                  <a:txBody>
-                    <a:bodyPr/>
-                    <a:lstStyle/>
-                    <a:p>
-                      <a:pPr algn="l" rtl="0" fontAlgn="ctr"/>
-                      <a:r>
-                        <a:rPr lang="en-US" sz="1400" b="0" i="0" u="none" strike="noStrike">
-                          <a:solidFill>
-                            <a:srgbClr val="5A5A5A"/>
-                          </a:solidFill>
-                          <a:effectLst/>
-                          <a:latin typeface="Arial" charset="0"/>
-                          <a:ea typeface="Arial" charset="0"/>
-                          <a:cs typeface="Arial" charset="0"/>
-                        </a:rPr>
-                        <a:t>Small Seminars</a:t>
-                      </a:r>
-                    </a:p>
-                  </a:txBody>
-                  <a:tcPr marL="6350" marR="6350" marT="6350" marB="0" anchor="ctr">
-                    <a:lnL w="12700" cap="flat" cmpd="sng" algn="ctr">
-                      <a:solidFill>
-                        <a:srgbClr val="5A5A5A"/>
-                      </a:solidFill>
-                      <a:prstDash val="solid"/>
-                      <a:round/>
-                      <a:headEnd type="none" w="med" len="med"/>
-                      <a:tailEnd type="none" w="med" len="med"/>
-                    </a:lnL>
-                    <a:lnR w="12700" cap="flat" cmpd="sng" algn="ctr">
-                      <a:solidFill>
-                        <a:srgbClr val="5A5A5A"/>
-                      </a:solidFill>
-                      <a:prstDash val="solid"/>
-                      <a:round/>
-                      <a:headEnd type="none" w="med" len="med"/>
-                      <a:tailEnd type="none" w="med" len="med"/>
-                    </a:lnR>
-                    <a:lnT w="12700" cap="flat" cmpd="sng" algn="ctr">
-                      <a:solidFill>
-                        <a:srgbClr val="5A5A5A"/>
-                      </a:solidFill>
-                      <a:prstDash val="solid"/>
-                      <a:round/>
-                      <a:headEnd type="none" w="med" len="med"/>
-                      <a:tailEnd type="none" w="med" len="med"/>
-                    </a:lnT>
-                    <a:lnB w="12700" cap="flat" cmpd="sng" algn="ctr">
-                      <a:solidFill>
-                        <a:srgbClr val="5A5A5A"/>
-                      </a:solidFill>
-                      <a:prstDash val="solid"/>
-                      <a:round/>
-                      <a:headEnd type="none" w="med" len="med"/>
-                      <a:tailEnd type="none" w="med" len="med"/>
-                    </a:lnB>
-                    <a:solidFill>
-                      <a:srgbClr val="F5F7F7"/>
-                    </a:solidFill>
-                  </a:tcPr>
-                </a:tc>
-                <a:tc>
-                  <a:txBody>
-                    <a:bodyPr/>
-                    <a:lstStyle/>
-                    <a:p>
-                      <a:pPr algn="r" rtl="0" fontAlgn="ctr"/>
-                      <a:r>
-                        <a:rPr lang="is-IS" sz="1400" b="0" i="0" u="none" strike="noStrike">
-                          <a:solidFill>
-                            <a:srgbClr val="5A5A5A"/>
-                          </a:solidFill>
-                          <a:effectLst/>
-                          <a:latin typeface="Arial" charset="0"/>
-                          <a:ea typeface="Arial" charset="0"/>
-                          <a:cs typeface="Arial" charset="0"/>
-                        </a:rPr>
-                        <a:t>25 </a:t>
-                      </a:r>
-                    </a:p>
-                  </a:txBody>
-                  <a:tcPr marL="6350" marR="6350" marT="6350" marB="0" anchor="ctr">
-                    <a:lnL w="12700" cap="flat" cmpd="sng" algn="ctr">
-                      <a:solidFill>
-                        <a:srgbClr val="5A5A5A"/>
-                      </a:solidFill>
-                      <a:prstDash val="solid"/>
-                      <a:round/>
-                      <a:headEnd type="none" w="med" len="med"/>
-                      <a:tailEnd type="none" w="med" len="med"/>
-                    </a:lnL>
-                    <a:lnR w="12700" cap="flat" cmpd="sng" algn="ctr">
-                      <a:solidFill>
-                        <a:srgbClr val="5A5A5A"/>
-                      </a:solidFill>
-                      <a:prstDash val="solid"/>
-                      <a:round/>
-                      <a:headEnd type="none" w="med" len="med"/>
-                      <a:tailEnd type="none" w="med" len="med"/>
-                    </a:lnR>
-                    <a:lnT w="12700" cap="flat" cmpd="sng" algn="ctr">
-                      <a:solidFill>
-                        <a:srgbClr val="5A5A5A"/>
-                      </a:solidFill>
-                      <a:prstDash val="solid"/>
-                      <a:round/>
-                      <a:headEnd type="none" w="med" len="med"/>
-                      <a:tailEnd type="none" w="med" len="med"/>
-                    </a:lnT>
-                    <a:lnB w="12700" cap="flat" cmpd="sng" algn="ctr">
-                      <a:solidFill>
-                        <a:srgbClr val="5A5A5A"/>
-                      </a:solidFill>
-                      <a:prstDash val="solid"/>
-                      <a:round/>
-                      <a:headEnd type="none" w="med" len="med"/>
-                      <a:tailEnd type="none" w="med" len="med"/>
-                    </a:lnB>
-                    <a:solidFill>
-                      <a:srgbClr val="F5F7F7"/>
-                    </a:solidFill>
-                  </a:tcPr>
-                </a:tc>
-                <a:tc>
-                  <a:txBody>
-                    <a:bodyPr/>
-                    <a:lstStyle/>
-                    <a:p>
-                      <a:pPr algn="r" rtl="0" fontAlgn="ctr"/>
-                      <a:r>
-                        <a:rPr lang="mr-IN" sz="1400" b="0" i="0" u="none" strike="noStrike" dirty="0">
-                          <a:solidFill>
-                            <a:srgbClr val="5A5A5A"/>
-                          </a:solidFill>
-                          <a:effectLst/>
-                          <a:latin typeface="Arial" charset="0"/>
-                          <a:ea typeface="Arial" charset="0"/>
-                          <a:cs typeface="Arial" charset="0"/>
-                        </a:rPr>
-                        <a:t>10%</a:t>
-                      </a:r>
-                    </a:p>
-                  </a:txBody>
-                  <a:tcPr marL="6350" marR="6350" marT="6350" marB="0" anchor="ctr">
-                    <a:lnL w="12700" cap="flat" cmpd="sng" algn="ctr">
-                      <a:solidFill>
-                        <a:srgbClr val="5A5A5A"/>
-                      </a:solidFill>
-                      <a:prstDash val="solid"/>
-                      <a:round/>
-                      <a:headEnd type="none" w="med" len="med"/>
-                      <a:tailEnd type="none" w="med" len="med"/>
-                    </a:lnL>
-                    <a:lnR w="12700" cap="flat" cmpd="sng" algn="ctr">
-                      <a:solidFill>
-                        <a:srgbClr val="5A5A5A"/>
-                      </a:solidFill>
-                      <a:prstDash val="solid"/>
-                      <a:round/>
-                      <a:headEnd type="none" w="med" len="med"/>
-                      <a:tailEnd type="none" w="med" len="med"/>
-                    </a:lnR>
-                    <a:lnT w="12700" cap="flat" cmpd="sng" algn="ctr">
-                      <a:solidFill>
-                        <a:srgbClr val="5A5A5A"/>
-                      </a:solidFill>
-                      <a:prstDash val="solid"/>
-                      <a:round/>
-                      <a:headEnd type="none" w="med" len="med"/>
-                      <a:tailEnd type="none" w="med" len="med"/>
-                    </a:lnT>
-                    <a:lnB w="12700" cap="flat" cmpd="sng" algn="ctr">
-                      <a:solidFill>
-                        <a:srgbClr val="5A5A5A"/>
-                      </a:solidFill>
-                      <a:prstDash val="solid"/>
-                      <a:round/>
-                      <a:headEnd type="none" w="med" len="med"/>
-                      <a:tailEnd type="none" w="med" len="med"/>
-                    </a:lnB>
-                    <a:solidFill>
-                      <a:srgbClr val="F5F7F7"/>
-                    </a:solidFill>
-                  </a:tcPr>
-                </a:tc>
-              </a:tr>
-              <a:tr h="190500">
-                <a:tc>
-                  <a:txBody>
-                    <a:bodyPr/>
-                    <a:lstStyle/>
-                    <a:p>
-                      <a:pPr algn="l" rtl="0" fontAlgn="ctr"/>
-                      <a:r>
-                        <a:rPr lang="en-US" sz="1400" b="0" i="0" u="none" strike="noStrike">
-                          <a:solidFill>
-                            <a:srgbClr val="5A5A5A"/>
-                          </a:solidFill>
-                          <a:effectLst/>
-                          <a:latin typeface="Arial" charset="0"/>
-                          <a:ea typeface="Arial" charset="0"/>
-                          <a:cs typeface="Arial" charset="0"/>
-                        </a:rPr>
-                        <a:t>New Assets &amp; Translations</a:t>
-                      </a:r>
-                    </a:p>
-                  </a:txBody>
-                  <a:tcPr marL="6350" marR="6350" marT="6350" marB="0" anchor="ctr">
-                    <a:lnL w="12700" cap="flat" cmpd="sng" algn="ctr">
-                      <a:solidFill>
-                        <a:srgbClr val="5A5A5A"/>
-                      </a:solidFill>
-                      <a:prstDash val="solid"/>
-                      <a:round/>
-                      <a:headEnd type="none" w="med" len="med"/>
-                      <a:tailEnd type="none" w="med" len="med"/>
-                    </a:lnL>
-                    <a:lnR w="12700" cap="flat" cmpd="sng" algn="ctr">
-                      <a:solidFill>
-                        <a:srgbClr val="5A5A5A"/>
-                      </a:solidFill>
-                      <a:prstDash val="solid"/>
-                      <a:round/>
-                      <a:headEnd type="none" w="med" len="med"/>
-                      <a:tailEnd type="none" w="med" len="med"/>
-                    </a:lnR>
-                    <a:lnT w="12700" cap="flat" cmpd="sng" algn="ctr">
-                      <a:solidFill>
-                        <a:srgbClr val="5A5A5A"/>
-                      </a:solidFill>
-                      <a:prstDash val="solid"/>
-                      <a:round/>
-                      <a:headEnd type="none" w="med" len="med"/>
-                      <a:tailEnd type="none" w="med" len="med"/>
-                    </a:lnT>
-                    <a:lnB w="12700" cap="flat" cmpd="sng" algn="ctr">
-                      <a:solidFill>
-                        <a:srgbClr val="5A5A5A"/>
-                      </a:solidFill>
-                      <a:prstDash val="solid"/>
-                      <a:round/>
-                      <a:headEnd type="none" w="med" len="med"/>
-                      <a:tailEnd type="none" w="med" len="med"/>
-                    </a:lnB>
-                    <a:solidFill>
-                      <a:srgbClr val="EBEEEE"/>
-                    </a:solidFill>
-                  </a:tcPr>
-                </a:tc>
-                <a:tc>
-                  <a:txBody>
-                    <a:bodyPr/>
-                    <a:lstStyle/>
-                    <a:p>
-                      <a:pPr algn="r" rtl="0" fontAlgn="ctr"/>
-                      <a:r>
-                        <a:rPr lang="is-IS" sz="1400" b="0" i="0" u="none" strike="noStrike">
-                          <a:solidFill>
-                            <a:srgbClr val="5A5A5A"/>
-                          </a:solidFill>
-                          <a:effectLst/>
-                          <a:latin typeface="Arial" charset="0"/>
-                          <a:ea typeface="Arial" charset="0"/>
-                          <a:cs typeface="Arial" charset="0"/>
-                        </a:rPr>
-                        <a:t>13 </a:t>
-                      </a:r>
-                    </a:p>
-                  </a:txBody>
-                  <a:tcPr marL="6350" marR="6350" marT="6350" marB="0" anchor="ctr">
-                    <a:lnL w="12700" cap="flat" cmpd="sng" algn="ctr">
-                      <a:solidFill>
-                        <a:srgbClr val="5A5A5A"/>
-                      </a:solidFill>
-                      <a:prstDash val="solid"/>
-                      <a:round/>
-                      <a:headEnd type="none" w="med" len="med"/>
-                      <a:tailEnd type="none" w="med" len="med"/>
-                    </a:lnL>
-                    <a:lnR w="12700" cap="flat" cmpd="sng" algn="ctr">
-                      <a:solidFill>
-                        <a:srgbClr val="5A5A5A"/>
-                      </a:solidFill>
-                      <a:prstDash val="solid"/>
-                      <a:round/>
-                      <a:headEnd type="none" w="med" len="med"/>
-                      <a:tailEnd type="none" w="med" len="med"/>
-                    </a:lnR>
-                    <a:lnT w="12700" cap="flat" cmpd="sng" algn="ctr">
-                      <a:solidFill>
-                        <a:srgbClr val="5A5A5A"/>
-                      </a:solidFill>
-                      <a:prstDash val="solid"/>
-                      <a:round/>
-                      <a:headEnd type="none" w="med" len="med"/>
-                      <a:tailEnd type="none" w="med" len="med"/>
-                    </a:lnT>
-                    <a:lnB w="12700" cap="flat" cmpd="sng" algn="ctr">
-                      <a:solidFill>
-                        <a:srgbClr val="5A5A5A"/>
-                      </a:solidFill>
-                      <a:prstDash val="solid"/>
-                      <a:round/>
-                      <a:headEnd type="none" w="med" len="med"/>
-                      <a:tailEnd type="none" w="med" len="med"/>
-                    </a:lnB>
-                    <a:solidFill>
-                      <a:srgbClr val="EBEEEE"/>
-                    </a:solidFill>
-                  </a:tcPr>
-                </a:tc>
-                <a:tc>
-                  <a:txBody>
-                    <a:bodyPr/>
-                    <a:lstStyle/>
-                    <a:p>
-                      <a:pPr algn="r" rtl="0" fontAlgn="ctr"/>
-                      <a:r>
-                        <a:rPr lang="mr-IN" sz="1400" b="0" i="0" u="none" strike="noStrike" dirty="0">
-                          <a:solidFill>
-                            <a:srgbClr val="5A5A5A"/>
-                          </a:solidFill>
-                          <a:effectLst/>
-                          <a:latin typeface="Arial" charset="0"/>
-                          <a:ea typeface="Arial" charset="0"/>
-                          <a:cs typeface="Arial" charset="0"/>
-                        </a:rPr>
-                        <a:t>5%</a:t>
-                      </a:r>
-                    </a:p>
-                  </a:txBody>
-                  <a:tcPr marL="6350" marR="6350" marT="6350" marB="0" anchor="ctr">
-                    <a:lnL w="12700" cap="flat" cmpd="sng" algn="ctr">
-                      <a:solidFill>
-                        <a:srgbClr val="5A5A5A"/>
-                      </a:solidFill>
-                      <a:prstDash val="solid"/>
-                      <a:round/>
-                      <a:headEnd type="none" w="med" len="med"/>
-                      <a:tailEnd type="none" w="med" len="med"/>
-                    </a:lnL>
-                    <a:lnR w="12700" cap="flat" cmpd="sng" algn="ctr">
-                      <a:solidFill>
-                        <a:srgbClr val="5A5A5A"/>
-                      </a:solidFill>
-                      <a:prstDash val="solid"/>
-                      <a:round/>
-                      <a:headEnd type="none" w="med" len="med"/>
-                      <a:tailEnd type="none" w="med" len="med"/>
-                    </a:lnR>
-                    <a:lnT w="12700" cap="flat" cmpd="sng" algn="ctr">
-                      <a:solidFill>
-                        <a:srgbClr val="5A5A5A"/>
-                      </a:solidFill>
-                      <a:prstDash val="solid"/>
-                      <a:round/>
-                      <a:headEnd type="none" w="med" len="med"/>
-                      <a:tailEnd type="none" w="med" len="med"/>
-                    </a:lnT>
-                    <a:lnB w="12700" cap="flat" cmpd="sng" algn="ctr">
-                      <a:solidFill>
-                        <a:srgbClr val="5A5A5A"/>
-                      </a:solidFill>
-                      <a:prstDash val="solid"/>
-                      <a:round/>
-                      <a:headEnd type="none" w="med" len="med"/>
-                      <a:tailEnd type="none" w="med" len="med"/>
-                    </a:lnB>
-                    <a:solidFill>
-                      <a:srgbClr val="EBEEEE"/>
-                    </a:solidFill>
-                  </a:tcPr>
-                </a:tc>
-              </a:tr>
-              <a:tr h="190500">
-                <a:tc>
-                  <a:txBody>
-                    <a:bodyPr/>
-                    <a:lstStyle/>
-                    <a:p>
-                      <a:pPr algn="l" rtl="0" fontAlgn="ctr"/>
-                      <a:r>
-                        <a:rPr lang="en-US" sz="1400" b="0" i="0" u="none" strike="noStrike">
-                          <a:solidFill>
-                            <a:srgbClr val="5A5A5A"/>
-                          </a:solidFill>
-                          <a:effectLst/>
-                          <a:latin typeface="Arial" charset="0"/>
-                          <a:ea typeface="Arial" charset="0"/>
-                          <a:cs typeface="Arial" charset="0"/>
-                        </a:rPr>
-                        <a:t>External Tele Agency (Outbound Call) </a:t>
-                      </a:r>
-                    </a:p>
-                  </a:txBody>
-                  <a:tcPr marL="6350" marR="6350" marT="6350" marB="0" anchor="ctr">
-                    <a:lnL w="12700" cap="flat" cmpd="sng" algn="ctr">
-                      <a:solidFill>
-                        <a:srgbClr val="5A5A5A"/>
-                      </a:solidFill>
-                      <a:prstDash val="solid"/>
-                      <a:round/>
-                      <a:headEnd type="none" w="med" len="med"/>
-                      <a:tailEnd type="none" w="med" len="med"/>
-                    </a:lnL>
-                    <a:lnR w="12700" cap="flat" cmpd="sng" algn="ctr">
-                      <a:solidFill>
-                        <a:srgbClr val="5A5A5A"/>
-                      </a:solidFill>
-                      <a:prstDash val="solid"/>
-                      <a:round/>
-                      <a:headEnd type="none" w="med" len="med"/>
-                      <a:tailEnd type="none" w="med" len="med"/>
-                    </a:lnR>
-                    <a:lnT w="12700" cap="flat" cmpd="sng" algn="ctr">
-                      <a:solidFill>
-                        <a:srgbClr val="5A5A5A"/>
-                      </a:solidFill>
-                      <a:prstDash val="solid"/>
-                      <a:round/>
-                      <a:headEnd type="none" w="med" len="med"/>
-                      <a:tailEnd type="none" w="med" len="med"/>
-                    </a:lnT>
-                    <a:lnB w="12700" cap="flat" cmpd="sng" algn="ctr">
-                      <a:solidFill>
-                        <a:srgbClr val="5A5A5A"/>
-                      </a:solidFill>
-                      <a:prstDash val="solid"/>
-                      <a:round/>
-                      <a:headEnd type="none" w="med" len="med"/>
-                      <a:tailEnd type="none" w="med" len="med"/>
-                    </a:lnB>
-                    <a:solidFill>
-                      <a:srgbClr val="F5F7F7"/>
-                    </a:solidFill>
-                  </a:tcPr>
-                </a:tc>
-                <a:tc>
-                  <a:txBody>
-                    <a:bodyPr/>
-                    <a:lstStyle/>
-                    <a:p>
-                      <a:pPr algn="r" rtl="0" fontAlgn="ctr"/>
-                      <a:r>
-                        <a:rPr lang="is-IS" sz="1400" b="0" i="0" u="none" strike="noStrike">
-                          <a:solidFill>
-                            <a:srgbClr val="5A5A5A"/>
-                          </a:solidFill>
-                          <a:effectLst/>
-                          <a:latin typeface="Arial" charset="0"/>
-                          <a:ea typeface="Arial" charset="0"/>
-                          <a:cs typeface="Arial" charset="0"/>
-                        </a:rPr>
-                        <a:t>13 </a:t>
-                      </a:r>
-                    </a:p>
-                  </a:txBody>
-                  <a:tcPr marL="6350" marR="6350" marT="6350" marB="0" anchor="ctr">
-                    <a:lnL w="12700" cap="flat" cmpd="sng" algn="ctr">
-                      <a:solidFill>
-                        <a:srgbClr val="5A5A5A"/>
-                      </a:solidFill>
-                      <a:prstDash val="solid"/>
-                      <a:round/>
-                      <a:headEnd type="none" w="med" len="med"/>
-                      <a:tailEnd type="none" w="med" len="med"/>
-                    </a:lnL>
-                    <a:lnR w="12700" cap="flat" cmpd="sng" algn="ctr">
-                      <a:solidFill>
-                        <a:srgbClr val="5A5A5A"/>
-                      </a:solidFill>
-                      <a:prstDash val="solid"/>
-                      <a:round/>
-                      <a:headEnd type="none" w="med" len="med"/>
-                      <a:tailEnd type="none" w="med" len="med"/>
-                    </a:lnR>
-                    <a:lnT w="12700" cap="flat" cmpd="sng" algn="ctr">
-                      <a:solidFill>
-                        <a:srgbClr val="5A5A5A"/>
-                      </a:solidFill>
-                      <a:prstDash val="solid"/>
-                      <a:round/>
-                      <a:headEnd type="none" w="med" len="med"/>
-                      <a:tailEnd type="none" w="med" len="med"/>
-                    </a:lnT>
-                    <a:lnB w="12700" cap="flat" cmpd="sng" algn="ctr">
-                      <a:solidFill>
-                        <a:srgbClr val="5A5A5A"/>
-                      </a:solidFill>
-                      <a:prstDash val="solid"/>
-                      <a:round/>
-                      <a:headEnd type="none" w="med" len="med"/>
-                      <a:tailEnd type="none" w="med" len="med"/>
-                    </a:lnB>
-                    <a:solidFill>
-                      <a:srgbClr val="F5F7F7"/>
-                    </a:solidFill>
-                  </a:tcPr>
-                </a:tc>
-                <a:tc>
-                  <a:txBody>
-                    <a:bodyPr/>
-                    <a:lstStyle/>
-                    <a:p>
-                      <a:pPr algn="r" rtl="0" fontAlgn="ctr"/>
-                      <a:r>
-                        <a:rPr lang="mr-IN" sz="1400" b="0" i="0" u="none" strike="noStrike" dirty="0">
-                          <a:solidFill>
-                            <a:srgbClr val="5A5A5A"/>
-                          </a:solidFill>
-                          <a:effectLst/>
-                          <a:latin typeface="Arial" charset="0"/>
-                          <a:ea typeface="Arial" charset="0"/>
-                          <a:cs typeface="Arial" charset="0"/>
-                        </a:rPr>
-                        <a:t>5%</a:t>
-                      </a:r>
-                    </a:p>
-                  </a:txBody>
-                  <a:tcPr marL="6350" marR="6350" marT="6350" marB="0" anchor="ctr">
-                    <a:lnL w="12700" cap="flat" cmpd="sng" algn="ctr">
-                      <a:solidFill>
-                        <a:srgbClr val="5A5A5A"/>
-                      </a:solidFill>
-                      <a:prstDash val="solid"/>
-                      <a:round/>
-                      <a:headEnd type="none" w="med" len="med"/>
-                      <a:tailEnd type="none" w="med" len="med"/>
-                    </a:lnL>
-                    <a:lnR w="12700" cap="flat" cmpd="sng" algn="ctr">
-                      <a:solidFill>
-                        <a:srgbClr val="5A5A5A"/>
-                      </a:solidFill>
-                      <a:prstDash val="solid"/>
-                      <a:round/>
-                      <a:headEnd type="none" w="med" len="med"/>
-                      <a:tailEnd type="none" w="med" len="med"/>
-                    </a:lnR>
-                    <a:lnT w="12700" cap="flat" cmpd="sng" algn="ctr">
-                      <a:solidFill>
-                        <a:srgbClr val="5A5A5A"/>
-                      </a:solidFill>
-                      <a:prstDash val="solid"/>
-                      <a:round/>
-                      <a:headEnd type="none" w="med" len="med"/>
-                      <a:tailEnd type="none" w="med" len="med"/>
-                    </a:lnT>
-                    <a:lnB w="12700" cap="flat" cmpd="sng" algn="ctr">
-                      <a:solidFill>
-                        <a:srgbClr val="5A5A5A"/>
-                      </a:solidFill>
-                      <a:prstDash val="solid"/>
-                      <a:round/>
-                      <a:headEnd type="none" w="med" len="med"/>
-                      <a:tailEnd type="none" w="med" len="med"/>
-                    </a:lnB>
-                    <a:solidFill>
-                      <a:srgbClr val="F5F7F7"/>
-                    </a:solidFill>
-                  </a:tcPr>
-                </a:tc>
-              </a:tr>
-              <a:tr h="190500">
-                <a:tc>
-                  <a:txBody>
-                    <a:bodyPr/>
-                    <a:lstStyle/>
-                    <a:p>
-                      <a:pPr algn="l" rtl="0" fontAlgn="ctr"/>
-                      <a:r>
-                        <a:rPr lang="en-US" sz="1400" b="0" i="0" u="none" strike="noStrike">
-                          <a:solidFill>
-                            <a:srgbClr val="5A5A5A"/>
-                          </a:solidFill>
-                          <a:effectLst/>
-                          <a:latin typeface="Arial" charset="0"/>
-                          <a:ea typeface="Arial" charset="0"/>
-                          <a:cs typeface="Arial" charset="0"/>
-                        </a:rPr>
-                        <a:t>Agency Fee</a:t>
-                      </a:r>
-                    </a:p>
-                  </a:txBody>
-                  <a:tcPr marL="6350" marR="6350" marT="6350" marB="0" anchor="ctr">
-                    <a:lnL w="12700" cap="flat" cmpd="sng" algn="ctr">
-                      <a:solidFill>
-                        <a:srgbClr val="5A5A5A"/>
-                      </a:solidFill>
-                      <a:prstDash val="solid"/>
-                      <a:round/>
-                      <a:headEnd type="none" w="med" len="med"/>
-                      <a:tailEnd type="none" w="med" len="med"/>
-                    </a:lnL>
-                    <a:lnR w="12700" cap="flat" cmpd="sng" algn="ctr">
-                      <a:solidFill>
-                        <a:srgbClr val="5A5A5A"/>
-                      </a:solidFill>
-                      <a:prstDash val="solid"/>
-                      <a:round/>
-                      <a:headEnd type="none" w="med" len="med"/>
-                      <a:tailEnd type="none" w="med" len="med"/>
-                    </a:lnR>
-                    <a:lnT w="12700" cap="flat" cmpd="sng" algn="ctr">
-                      <a:solidFill>
-                        <a:srgbClr val="5A5A5A"/>
-                      </a:solidFill>
-                      <a:prstDash val="solid"/>
-                      <a:round/>
-                      <a:headEnd type="none" w="med" len="med"/>
-                      <a:tailEnd type="none" w="med" len="med"/>
-                    </a:lnT>
-                    <a:lnB w="12700" cap="flat" cmpd="sng" algn="ctr">
-                      <a:solidFill>
-                        <a:srgbClr val="5A5A5A"/>
-                      </a:solidFill>
-                      <a:prstDash val="solid"/>
-                      <a:round/>
-                      <a:headEnd type="none" w="med" len="med"/>
-                      <a:tailEnd type="none" w="med" len="med"/>
-                    </a:lnB>
-                    <a:solidFill>
-                      <a:srgbClr val="EBEEEE"/>
-                    </a:solidFill>
-                  </a:tcPr>
-                </a:tc>
-                <a:tc>
-                  <a:txBody>
-                    <a:bodyPr/>
-                    <a:lstStyle/>
-                    <a:p>
-                      <a:pPr algn="r" rtl="0" fontAlgn="ctr"/>
-                      <a:r>
-                        <a:rPr lang="ru-RU" sz="1400" b="0" i="0" u="none" strike="noStrike">
-                          <a:solidFill>
-                            <a:srgbClr val="5A5A5A"/>
-                          </a:solidFill>
-                          <a:effectLst/>
-                          <a:latin typeface="Arial" charset="0"/>
-                          <a:ea typeface="Arial" charset="0"/>
-                          <a:cs typeface="Arial" charset="0"/>
-                        </a:rPr>
-                        <a:t>58 </a:t>
-                      </a:r>
-                    </a:p>
-                  </a:txBody>
-                  <a:tcPr marL="6350" marR="6350" marT="6350" marB="0" anchor="ctr">
-                    <a:lnL w="12700" cap="flat" cmpd="sng" algn="ctr">
-                      <a:solidFill>
-                        <a:srgbClr val="5A5A5A"/>
-                      </a:solidFill>
-                      <a:prstDash val="solid"/>
-                      <a:round/>
-                      <a:headEnd type="none" w="med" len="med"/>
-                      <a:tailEnd type="none" w="med" len="med"/>
-                    </a:lnL>
-                    <a:lnR w="12700" cap="flat" cmpd="sng" algn="ctr">
-                      <a:solidFill>
-                        <a:srgbClr val="5A5A5A"/>
-                      </a:solidFill>
-                      <a:prstDash val="solid"/>
-                      <a:round/>
-                      <a:headEnd type="none" w="med" len="med"/>
-                      <a:tailEnd type="none" w="med" len="med"/>
-                    </a:lnR>
-                    <a:lnT w="12700" cap="flat" cmpd="sng" algn="ctr">
-                      <a:solidFill>
-                        <a:srgbClr val="5A5A5A"/>
-                      </a:solidFill>
-                      <a:prstDash val="solid"/>
-                      <a:round/>
-                      <a:headEnd type="none" w="med" len="med"/>
-                      <a:tailEnd type="none" w="med" len="med"/>
-                    </a:lnT>
-                    <a:lnB w="12700" cap="flat" cmpd="sng" algn="ctr">
-                      <a:solidFill>
-                        <a:srgbClr val="5A5A5A"/>
-                      </a:solidFill>
-                      <a:prstDash val="solid"/>
-                      <a:round/>
-                      <a:headEnd type="none" w="med" len="med"/>
-                      <a:tailEnd type="none" w="med" len="med"/>
-                    </a:lnB>
-                    <a:solidFill>
-                      <a:srgbClr val="EBEEEE"/>
-                    </a:solidFill>
-                  </a:tcPr>
-                </a:tc>
-                <a:tc>
-                  <a:txBody>
-                    <a:bodyPr/>
-                    <a:lstStyle/>
-                    <a:p>
-                      <a:pPr algn="r" rtl="0" fontAlgn="ctr"/>
-                      <a:r>
-                        <a:rPr lang="mr-IN" sz="1400" b="0" i="0" u="none" strike="noStrike">
-                          <a:solidFill>
-                            <a:srgbClr val="5A5A5A"/>
-                          </a:solidFill>
-                          <a:effectLst/>
-                          <a:latin typeface="Arial" charset="0"/>
-                          <a:ea typeface="Arial" charset="0"/>
-                          <a:cs typeface="Arial" charset="0"/>
-                        </a:rPr>
-                        <a:t>23%</a:t>
-                      </a:r>
-                    </a:p>
-                  </a:txBody>
-                  <a:tcPr marL="6350" marR="6350" marT="6350" marB="0" anchor="ctr">
-                    <a:lnL w="12700" cap="flat" cmpd="sng" algn="ctr">
-                      <a:solidFill>
-                        <a:srgbClr val="5A5A5A"/>
-                      </a:solidFill>
-                      <a:prstDash val="solid"/>
-                      <a:round/>
-                      <a:headEnd type="none" w="med" len="med"/>
-                      <a:tailEnd type="none" w="med" len="med"/>
-                    </a:lnL>
-                    <a:lnR w="12700" cap="flat" cmpd="sng" algn="ctr">
-                      <a:solidFill>
-                        <a:srgbClr val="5A5A5A"/>
-                      </a:solidFill>
-                      <a:prstDash val="solid"/>
-                      <a:round/>
-                      <a:headEnd type="none" w="med" len="med"/>
-                      <a:tailEnd type="none" w="med" len="med"/>
-                    </a:lnR>
-                    <a:lnT w="12700" cap="flat" cmpd="sng" algn="ctr">
-                      <a:solidFill>
-                        <a:srgbClr val="5A5A5A"/>
-                      </a:solidFill>
-                      <a:prstDash val="solid"/>
-                      <a:round/>
-                      <a:headEnd type="none" w="med" len="med"/>
-                      <a:tailEnd type="none" w="med" len="med"/>
-                    </a:lnT>
-                    <a:lnB w="12700" cap="flat" cmpd="sng" algn="ctr">
-                      <a:solidFill>
-                        <a:srgbClr val="5A5A5A"/>
-                      </a:solidFill>
-                      <a:prstDash val="solid"/>
-                      <a:round/>
-                      <a:headEnd type="none" w="med" len="med"/>
-                      <a:tailEnd type="none" w="med" len="med"/>
-                    </a:lnB>
-                    <a:solidFill>
-                      <a:srgbClr val="EBEEEE"/>
-                    </a:solidFill>
-                  </a:tcPr>
-                </a:tc>
-              </a:tr>
-              <a:tr h="190500">
-                <a:tc>
-                  <a:txBody>
-                    <a:bodyPr/>
-                    <a:lstStyle/>
-                    <a:p>
-                      <a:pPr algn="l" rtl="0" fontAlgn="ctr"/>
-                      <a:r>
-                        <a:rPr lang="en-US" sz="1400" b="0" i="0" u="none" strike="noStrike">
-                          <a:solidFill>
-                            <a:srgbClr val="5A5A5A"/>
-                          </a:solidFill>
-                          <a:effectLst/>
-                          <a:latin typeface="Arial" charset="0"/>
-                          <a:ea typeface="Arial" charset="0"/>
-                          <a:cs typeface="Arial" charset="0"/>
-                        </a:rPr>
-                        <a:t>IOT tax used for miscellaneous activities</a:t>
-                      </a:r>
-                    </a:p>
-                  </a:txBody>
-                  <a:tcPr marL="6350" marR="6350" marT="6350" marB="0" anchor="ctr">
-                    <a:lnL w="12700" cap="flat" cmpd="sng" algn="ctr">
-                      <a:solidFill>
-                        <a:srgbClr val="5A5A5A"/>
-                      </a:solidFill>
-                      <a:prstDash val="solid"/>
-                      <a:round/>
-                      <a:headEnd type="none" w="med" len="med"/>
-                      <a:tailEnd type="none" w="med" len="med"/>
-                    </a:lnL>
-                    <a:lnR w="12700" cap="flat" cmpd="sng" algn="ctr">
-                      <a:solidFill>
-                        <a:srgbClr val="5A5A5A"/>
-                      </a:solidFill>
-                      <a:prstDash val="solid"/>
-                      <a:round/>
-                      <a:headEnd type="none" w="med" len="med"/>
-                      <a:tailEnd type="none" w="med" len="med"/>
-                    </a:lnR>
-                    <a:lnT w="12700" cap="flat" cmpd="sng" algn="ctr">
-                      <a:solidFill>
-                        <a:srgbClr val="5A5A5A"/>
-                      </a:solidFill>
-                      <a:prstDash val="solid"/>
-                      <a:round/>
-                      <a:headEnd type="none" w="med" len="med"/>
-                      <a:tailEnd type="none" w="med" len="med"/>
-                    </a:lnT>
-                    <a:lnB w="12700" cap="flat" cmpd="sng" algn="ctr">
-                      <a:solidFill>
-                        <a:srgbClr val="5A5A5A"/>
-                      </a:solidFill>
-                      <a:prstDash val="solid"/>
-                      <a:round/>
-                      <a:headEnd type="none" w="med" len="med"/>
-                      <a:tailEnd type="none" w="med" len="med"/>
-                    </a:lnB>
-                    <a:solidFill>
-                      <a:srgbClr val="F5F7F7"/>
-                    </a:solidFill>
-                  </a:tcPr>
-                </a:tc>
-                <a:tc>
-                  <a:txBody>
-                    <a:bodyPr/>
-                    <a:lstStyle/>
-                    <a:p>
-                      <a:pPr algn="r" rtl="0" fontAlgn="ctr"/>
-                      <a:r>
-                        <a:rPr lang="en-US" altLang="ja-JP" sz="1400" b="0" i="0" u="none" strike="noStrike">
-                          <a:solidFill>
-                            <a:srgbClr val="5A5A5A"/>
-                          </a:solidFill>
-                          <a:effectLst/>
-                          <a:latin typeface="Arial" charset="0"/>
-                          <a:ea typeface="Arial" charset="0"/>
-                          <a:cs typeface="Arial" charset="0"/>
-                        </a:rPr>
-                        <a:t>5 </a:t>
-                      </a:r>
-                    </a:p>
-                  </a:txBody>
-                  <a:tcPr marL="6350" marR="6350" marT="6350" marB="0" anchor="ctr">
-                    <a:lnL w="12700" cap="flat" cmpd="sng" algn="ctr">
-                      <a:solidFill>
-                        <a:srgbClr val="5A5A5A"/>
-                      </a:solidFill>
-                      <a:prstDash val="solid"/>
-                      <a:round/>
-                      <a:headEnd type="none" w="med" len="med"/>
-                      <a:tailEnd type="none" w="med" len="med"/>
-                    </a:lnL>
-                    <a:lnR w="12700" cap="flat" cmpd="sng" algn="ctr">
-                      <a:solidFill>
-                        <a:srgbClr val="5A5A5A"/>
-                      </a:solidFill>
-                      <a:prstDash val="solid"/>
-                      <a:round/>
-                      <a:headEnd type="none" w="med" len="med"/>
-                      <a:tailEnd type="none" w="med" len="med"/>
-                    </a:lnR>
-                    <a:lnT w="12700" cap="flat" cmpd="sng" algn="ctr">
-                      <a:solidFill>
-                        <a:srgbClr val="5A5A5A"/>
-                      </a:solidFill>
-                      <a:prstDash val="solid"/>
-                      <a:round/>
-                      <a:headEnd type="none" w="med" len="med"/>
-                      <a:tailEnd type="none" w="med" len="med"/>
-                    </a:lnT>
-                    <a:lnB w="12700" cap="flat" cmpd="sng" algn="ctr">
-                      <a:solidFill>
-                        <a:srgbClr val="5A5A5A"/>
-                      </a:solidFill>
-                      <a:prstDash val="solid"/>
-                      <a:round/>
-                      <a:headEnd type="none" w="med" len="med"/>
-                      <a:tailEnd type="none" w="med" len="med"/>
-                    </a:lnB>
-                    <a:solidFill>
-                      <a:srgbClr val="F5F7F7"/>
-                    </a:solidFill>
-                  </a:tcPr>
-                </a:tc>
-                <a:tc>
-                  <a:txBody>
-                    <a:bodyPr/>
-                    <a:lstStyle/>
-                    <a:p>
-                      <a:pPr algn="r" rtl="0" fontAlgn="ctr"/>
-                      <a:r>
-                        <a:rPr lang="mr-IN" sz="1400" b="0" i="0" u="none" strike="noStrike" dirty="0">
-                          <a:solidFill>
-                            <a:srgbClr val="5A5A5A"/>
-                          </a:solidFill>
-                          <a:effectLst/>
-                          <a:latin typeface="Arial" charset="0"/>
-                          <a:ea typeface="Arial" charset="0"/>
-                          <a:cs typeface="Arial" charset="0"/>
-                        </a:rPr>
-                        <a:t>2%</a:t>
-                      </a:r>
-                    </a:p>
-                  </a:txBody>
-                  <a:tcPr marL="6350" marR="6350" marT="6350" marB="0" anchor="ctr">
-                    <a:lnL w="12700" cap="flat" cmpd="sng" algn="ctr">
-                      <a:solidFill>
-                        <a:srgbClr val="5A5A5A"/>
-                      </a:solidFill>
-                      <a:prstDash val="solid"/>
-                      <a:round/>
-                      <a:headEnd type="none" w="med" len="med"/>
-                      <a:tailEnd type="none" w="med" len="med"/>
-                    </a:lnL>
-                    <a:lnR w="12700" cap="flat" cmpd="sng" algn="ctr">
-                      <a:solidFill>
-                        <a:srgbClr val="5A5A5A"/>
-                      </a:solidFill>
-                      <a:prstDash val="solid"/>
-                      <a:round/>
-                      <a:headEnd type="none" w="med" len="med"/>
-                      <a:tailEnd type="none" w="med" len="med"/>
-                    </a:lnR>
-                    <a:lnT w="12700" cap="flat" cmpd="sng" algn="ctr">
-                      <a:solidFill>
-                        <a:srgbClr val="5A5A5A"/>
-                      </a:solidFill>
-                      <a:prstDash val="solid"/>
-                      <a:round/>
-                      <a:headEnd type="none" w="med" len="med"/>
-                      <a:tailEnd type="none" w="med" len="med"/>
-                    </a:lnT>
-                    <a:lnB w="12700" cap="flat" cmpd="sng" algn="ctr">
-                      <a:solidFill>
-                        <a:srgbClr val="5A5A5A"/>
-                      </a:solidFill>
-                      <a:prstDash val="solid"/>
-                      <a:round/>
-                      <a:headEnd type="none" w="med" len="med"/>
-                      <a:tailEnd type="none" w="med" len="med"/>
-                    </a:lnB>
-                    <a:solidFill>
-                      <a:srgbClr val="F5F7F7"/>
-                    </a:solidFill>
-                  </a:tcPr>
-                </a:tc>
-              </a:tr>
-              <a:tr h="177800">
-                <a:tc>
-                  <a:txBody>
-                    <a:bodyPr/>
-                    <a:lstStyle/>
-                    <a:p>
-                      <a:pPr algn="ctr" rtl="0" fontAlgn="ctr"/>
-                      <a:r>
-                        <a:rPr lang="ja-JP" altLang="en-US" sz="1400" b="1" i="0" u="none" strike="noStrike">
-                          <a:solidFill>
-                            <a:srgbClr val="5A5A5A"/>
-                          </a:solidFill>
-                          <a:effectLst/>
-                          <a:latin typeface="Arial" charset="0"/>
-                          <a:ea typeface="Arial" charset="0"/>
-                          <a:cs typeface="Arial" charset="0"/>
-                        </a:rPr>
-                        <a:t>　</a:t>
-                      </a:r>
-                    </a:p>
-                  </a:txBody>
-                  <a:tcPr marL="6350" marR="6350" marT="6350" marB="0" anchor="ctr">
-                    <a:lnL>
-                      <a:noFill/>
-                    </a:lnL>
-                    <a:lnR w="12700" cap="flat" cmpd="sng" algn="ctr">
-                      <a:solidFill>
-                        <a:srgbClr val="5A5A5A"/>
-                      </a:solidFill>
-                      <a:prstDash val="solid"/>
-                      <a:round/>
-                      <a:headEnd type="none" w="med" len="med"/>
-                      <a:tailEnd type="none" w="med" len="med"/>
-                    </a:lnR>
-                    <a:lnT w="12700" cap="flat" cmpd="sng" algn="ctr">
-                      <a:solidFill>
-                        <a:srgbClr val="5A5A5A"/>
-                      </a:solidFill>
-                      <a:prstDash val="solid"/>
-                      <a:round/>
-                      <a:headEnd type="none" w="med" len="med"/>
-                      <a:tailEnd type="none" w="med" len="med"/>
-                    </a:lnT>
-                    <a:lnB w="12700" cap="flat" cmpd="sng" algn="ctr">
-                      <a:solidFill>
-                        <a:srgbClr val="5A5A5A"/>
-                      </a:solidFill>
-                      <a:prstDash val="solid"/>
-                      <a:round/>
-                      <a:headEnd type="none" w="med" len="med"/>
-                      <a:tailEnd type="none" w="med" len="med"/>
-                    </a:lnB>
-                    <a:solidFill>
-                      <a:srgbClr val="F5F7F7"/>
-                    </a:solidFill>
-                  </a:tcPr>
-                </a:tc>
-                <a:tc>
-                  <a:txBody>
-                    <a:bodyPr/>
-                    <a:lstStyle/>
-                    <a:p>
-                      <a:pPr algn="r" rtl="0" fontAlgn="ctr"/>
-                      <a:r>
-                        <a:rPr lang="is-IS" sz="1400" b="1" i="0" u="none" strike="noStrike">
-                          <a:solidFill>
-                            <a:srgbClr val="5A5A5A"/>
-                          </a:solidFill>
-                          <a:effectLst/>
-                          <a:latin typeface="Arial" charset="0"/>
-                          <a:ea typeface="Arial" charset="0"/>
-                          <a:cs typeface="Arial" charset="0"/>
-                        </a:rPr>
-                        <a:t>250</a:t>
-                      </a:r>
-                    </a:p>
-                  </a:txBody>
-                  <a:tcPr marL="6350" marR="6350" marT="6350" marB="0" anchor="ctr">
-                    <a:lnL w="12700" cap="flat" cmpd="sng" algn="ctr">
-                      <a:solidFill>
-                        <a:srgbClr val="5A5A5A"/>
-                      </a:solidFill>
-                      <a:prstDash val="solid"/>
-                      <a:round/>
-                      <a:headEnd type="none" w="med" len="med"/>
-                      <a:tailEnd type="none" w="med" len="med"/>
-                    </a:lnL>
-                    <a:lnR w="12700" cap="flat" cmpd="sng" algn="ctr">
-                      <a:solidFill>
-                        <a:srgbClr val="5A5A5A"/>
-                      </a:solidFill>
-                      <a:prstDash val="solid"/>
-                      <a:round/>
-                      <a:headEnd type="none" w="med" len="med"/>
-                      <a:tailEnd type="none" w="med" len="med"/>
-                    </a:lnR>
-                    <a:lnT w="12700" cap="flat" cmpd="sng" algn="ctr">
-                      <a:solidFill>
-                        <a:srgbClr val="5A5A5A"/>
-                      </a:solidFill>
-                      <a:prstDash val="solid"/>
-                      <a:round/>
-                      <a:headEnd type="none" w="med" len="med"/>
-                      <a:tailEnd type="none" w="med" len="med"/>
-                    </a:lnT>
-                    <a:lnB w="12700" cap="flat" cmpd="sng" algn="ctr">
-                      <a:solidFill>
-                        <a:srgbClr val="5A5A5A"/>
-                      </a:solidFill>
-                      <a:prstDash val="solid"/>
-                      <a:round/>
-                      <a:headEnd type="none" w="med" len="med"/>
-                      <a:tailEnd type="none" w="med" len="med"/>
-                    </a:lnB>
-                    <a:solidFill>
-                      <a:srgbClr val="F5F7F7"/>
-                    </a:solidFill>
-                  </a:tcPr>
-                </a:tc>
-                <a:tc>
-                  <a:txBody>
-                    <a:bodyPr/>
-                    <a:lstStyle/>
-                    <a:p>
-                      <a:pPr algn="r" rtl="0" fontAlgn="ctr"/>
-                      <a:r>
-                        <a:rPr lang="mr-IN" sz="1400" b="1" i="0" u="none" strike="noStrike" dirty="0">
-                          <a:solidFill>
-                            <a:srgbClr val="5A5A5A"/>
-                          </a:solidFill>
-                          <a:effectLst/>
-                          <a:latin typeface="Arial" charset="0"/>
-                          <a:ea typeface="Arial" charset="0"/>
-                          <a:cs typeface="Arial" charset="0"/>
-                        </a:rPr>
-                        <a:t>100%</a:t>
-                      </a:r>
-                    </a:p>
-                  </a:txBody>
-                  <a:tcPr marL="6350" marR="6350" marT="6350" marB="0" anchor="ctr">
-                    <a:lnL w="12700" cap="flat" cmpd="sng" algn="ctr">
-                      <a:solidFill>
-                        <a:srgbClr val="5A5A5A"/>
-                      </a:solidFill>
-                      <a:prstDash val="solid"/>
-                      <a:round/>
-                      <a:headEnd type="none" w="med" len="med"/>
-                      <a:tailEnd type="none" w="med" len="med"/>
-                    </a:lnL>
-                    <a:lnR w="12700" cap="flat" cmpd="sng" algn="ctr">
-                      <a:solidFill>
-                        <a:srgbClr val="5A5A5A"/>
-                      </a:solidFill>
-                      <a:prstDash val="solid"/>
-                      <a:round/>
-                      <a:headEnd type="none" w="med" len="med"/>
-                      <a:tailEnd type="none" w="med" len="med"/>
-                    </a:lnR>
-                    <a:lnT w="12700" cap="flat" cmpd="sng" algn="ctr">
-                      <a:solidFill>
-                        <a:srgbClr val="5A5A5A"/>
-                      </a:solidFill>
-                      <a:prstDash val="solid"/>
-                      <a:round/>
-                      <a:headEnd type="none" w="med" len="med"/>
-                      <a:tailEnd type="none" w="med" len="med"/>
-                    </a:lnT>
-                    <a:lnB w="12700" cap="flat" cmpd="sng" algn="ctr">
-                      <a:solidFill>
-                        <a:srgbClr val="5A5A5A"/>
-                      </a:solidFill>
-                      <a:prstDash val="solid"/>
-                      <a:round/>
-                      <a:headEnd type="none" w="med" len="med"/>
-                      <a:tailEnd type="none" w="med" len="med"/>
-                    </a:lnB>
-                    <a:solidFill>
-                      <a:srgbClr val="F5F7F7"/>
-                    </a:solidFill>
-                  </a:tcPr>
-                </a:tc>
-              </a:tr>
-            </a:tbl>
-          </a:graphicData>
-        </a:graphic>
-      </p:graphicFrame>
-      <p:graphicFrame>
-        <p:nvGraphicFramePr>
-          <p:cNvPr id="12" name="グラフ 11"/>
-          <p:cNvGraphicFramePr>
-            <a:graphicFrameLocks/>
-          </p:cNvGraphicFramePr>
-          <p:nvPr>
-            <p:extLst>
-              <p:ext uri="{D42A27DB-BD31-4B8C-83A1-F6EECF244321}">
-                <p14:modId xmlns:p14="http://schemas.microsoft.com/office/powerpoint/2010/main" val="1599954901"/>
-              </p:ext>
-            </p:extLst>
-          </p:nvPr>
-        </p:nvGraphicFramePr>
-        <p:xfrm>
-          <a:off x="7299434" y="2000804"/>
-          <a:ext cx="4568092" cy="2747108"/>
-        </p:xfrm>
-        <a:graphic>
-          <a:graphicData uri="http://schemas.openxmlformats.org/drawingml/2006/chart">
-            <c:chart xmlns:c="http://schemas.openxmlformats.org/drawingml/2006/chart" xmlns:r="http://schemas.openxmlformats.org/officeDocument/2006/relationships" r:id="rId3"/>
-          </a:graphicData>
-        </a:graphic>
-      </p:graphicFrame>
-    </p:spTree>
-    <p:extLst>
-      <p:ext uri="{BB962C8B-B14F-4D97-AF65-F5344CB8AC3E}">
-        <p14:creationId xmlns:p14="http://schemas.microsoft.com/office/powerpoint/2010/main" val="1572227088"/>
       </p:ext>
     </p:extLst>
   </p:cSld>

--- a/GitHub Japan Marketing Strategy.pptx
+++ b/GitHub Japan Marketing Strategy.pptx
@@ -164,12 +164,28 @@
               </a:defRPr>
             </a:pPr>
             <a:r>
-              <a:rPr lang="en-US">
-                <a:latin typeface="Arial" charset="0"/>
-                <a:ea typeface="Arial" charset="0"/>
-                <a:cs typeface="Arial" charset="0"/>
-              </a:rPr>
-              <a:t>2Q Plan ($K)</a:t>
+              <a:rPr lang="en-US" dirty="0">
+                <a:latin typeface="Arial" charset="0"/>
+                <a:ea typeface="Arial" charset="0"/>
+                <a:cs typeface="Arial" charset="0"/>
+              </a:rPr>
+              <a:t>3</a:t>
+            </a:r>
+            <a:r>
+              <a:rPr lang="en-US" dirty="0" smtClean="0">
+                <a:latin typeface="Arial" charset="0"/>
+                <a:ea typeface="Arial" charset="0"/>
+                <a:cs typeface="Arial" charset="0"/>
+              </a:rPr>
+              <a:t>Q </a:t>
+            </a:r>
+            <a:r>
+              <a:rPr lang="en-US" dirty="0">
+                <a:latin typeface="Arial" charset="0"/>
+                <a:ea typeface="Arial" charset="0"/>
+                <a:cs typeface="Arial" charset="0"/>
+              </a:rPr>
+              <a:t>Plan ($K)</a:t>
             </a:r>
           </a:p>
         </c:rich>
@@ -569,7 +585,7 @@
           <a:p>
             <a:fld id="{FFFEC453-E2FF-B741-A9EA-9192FC291631}" type="datetimeFigureOut">
               <a:rPr kumimoji="1" lang="ja-JP" altLang="en-US" smtClean="0"/>
-              <a:t>2017/5/10</a:t>
+              <a:t>2017/5/15</a:t>
             </a:fld>
             <a:endParaRPr kumimoji="1" lang="ja-JP" altLang="en-US"/>
           </a:p>
@@ -3088,7 +3104,7 @@
           <a:p>
             <a:fld id="{0AB07F87-E0B4-8949-A90A-54340C823909}" type="datetimeFigureOut">
               <a:rPr kumimoji="1" lang="ja-JP" altLang="en-US" smtClean="0"/>
-              <a:t>2017/5/10</a:t>
+              <a:t>2017/5/15</a:t>
             </a:fld>
             <a:endParaRPr kumimoji="1" lang="ja-JP" altLang="en-US"/>
           </a:p>
@@ -3586,7 +3602,7 @@
               <a:t>ot just a software version control systems, but also a new </a:t>
             </a:r>
             <a:r>
-              <a:rPr lang="en-US" altLang="ja-JP" sz="2000" u="sng" dirty="0" smtClean="0">
+              <a:rPr lang="en-US" altLang="ja-JP" sz="2000" i="1" dirty="0" smtClean="0">
                 <a:solidFill>
                   <a:schemeClr val="tx1"/>
                 </a:solidFill>
@@ -3768,7 +3784,7 @@
               <a:buChar char="•"/>
             </a:pPr>
             <a:r>
-              <a:rPr lang="en-US" altLang="ja-JP" sz="2000" dirty="0">
+              <a:rPr lang="en-US" altLang="ja-JP" sz="2000" dirty="0" smtClean="0">
                 <a:solidFill>
                   <a:schemeClr val="tx1"/>
                 </a:solidFill>
@@ -3984,7 +4000,18 @@
                 <a:ea typeface="Arial" charset="0"/>
                 <a:cs typeface="Arial" charset="0"/>
               </a:rPr>
-              <a:t>2017Q2 Japan Marketing  Budgeting</a:t>
+              <a:t>2017Q3 </a:t>
+            </a:r>
+            <a:r>
+              <a:rPr lang="en-US" altLang="ja-JP" sz="3200" b="1" dirty="0" smtClean="0">
+                <a:solidFill>
+                  <a:srgbClr val="00B0F0"/>
+                </a:solidFill>
+                <a:latin typeface="Arial" charset="0"/>
+                <a:ea typeface="Arial" charset="0"/>
+                <a:cs typeface="Arial" charset="0"/>
+              </a:rPr>
+              <a:t>Japan Marketing  Budgeting</a:t>
             </a:r>
             <a:endParaRPr lang="en-US" altLang="ja-JP" sz="3200" b="1" dirty="0">
               <a:solidFill>
@@ -4082,7 +4109,7 @@
           <p:nvPr>
             <p:extLst>
               <p:ext uri="{D42A27DB-BD31-4B8C-83A1-F6EECF244321}">
-                <p14:modId xmlns:p14="http://schemas.microsoft.com/office/powerpoint/2010/main" val="765839796"/>
+                <p14:modId xmlns:p14="http://schemas.microsoft.com/office/powerpoint/2010/main" val="1048721365"/>
               </p:ext>
             </p:extLst>
           </p:nvPr>
@@ -4179,7 +4206,31 @@
                           <a:ea typeface="Arial" charset="0"/>
                           <a:cs typeface="Arial" charset="0"/>
                         </a:rPr>
-                        <a:t>2Q Budget</a:t>
+                        <a:t>3</a:t>
+                      </a:r>
+                      <a:r>
+                        <a:rPr lang="en-US" sz="1400" b="1" i="0" u="none" strike="noStrike" dirty="0" smtClean="0">
+                          <a:solidFill>
+                            <a:srgbClr val="5A5A5A"/>
+                          </a:solidFill>
+                          <a:effectLst/>
+                          <a:latin typeface="Arial" charset="0"/>
+                          <a:ea typeface="Arial" charset="0"/>
+                          <a:cs typeface="Arial" charset="0"/>
+                        </a:rPr>
+                        <a:t>Q </a:t>
+                      </a:r>
+                      <a:r>
+                        <a:rPr lang="en-US" sz="1400" b="1" i="0" u="none" strike="noStrike" dirty="0">
+                          <a:solidFill>
+                            <a:srgbClr val="5A5A5A"/>
+                          </a:solidFill>
+                          <a:effectLst/>
+                          <a:latin typeface="Arial" charset="0"/>
+                          <a:ea typeface="Arial" charset="0"/>
+                          <a:cs typeface="Arial" charset="0"/>
+                        </a:rPr>
+                        <a:t>Budget</a:t>
                       </a:r>
                       <a:br>
                         <a:rPr lang="en-US" sz="1400" b="1" i="0" u="none" strike="noStrike" dirty="0">
@@ -6574,7 +6625,7 @@
           <p:nvPr>
             <p:extLst>
               <p:ext uri="{D42A27DB-BD31-4B8C-83A1-F6EECF244321}">
-                <p14:modId xmlns:p14="http://schemas.microsoft.com/office/powerpoint/2010/main" val="1599954901"/>
+                <p14:modId xmlns:p14="http://schemas.microsoft.com/office/powerpoint/2010/main" val="1474802948"/>
               </p:ext>
             </p:extLst>
           </p:nvPr>
@@ -9697,18 +9748,7 @@
                 <a:ea typeface="Arial" charset="0"/>
                 <a:cs typeface="Arial" charset="0"/>
               </a:rPr>
-              <a:t>OSS</a:t>
-            </a:r>
-            <a:r>
-              <a:rPr lang="en-US" altLang="ja-JP" sz="2400" b="1" dirty="0" smtClean="0">
-                <a:solidFill>
-                  <a:schemeClr val="tx1"/>
-                </a:solidFill>
-                <a:latin typeface="Arial" charset="0"/>
-                <a:ea typeface="Arial" charset="0"/>
-                <a:cs typeface="Arial" charset="0"/>
-              </a:rPr>
-              <a:t> is</a:t>
+              <a:t>OSS is</a:t>
             </a:r>
             <a:endParaRPr lang="en-US" altLang="ja-JP" sz="2400" b="1" dirty="0">
               <a:solidFill>
@@ -9844,29 +9884,7 @@
                 <a:ea typeface="Arial" charset="0"/>
                 <a:cs typeface="Arial" charset="0"/>
               </a:rPr>
-              <a:t>OSS</a:t>
-            </a:r>
-            <a:r>
-              <a:rPr lang="en-US" altLang="ja-JP" sz="2400" b="1" dirty="0" smtClean="0">
-                <a:solidFill>
-                  <a:schemeClr val="tx1"/>
-                </a:solidFill>
-                <a:latin typeface="Arial" charset="0"/>
-                <a:ea typeface="Arial" charset="0"/>
-                <a:cs typeface="Arial" charset="0"/>
-              </a:rPr>
-              <a:t> </a:t>
-            </a:r>
-            <a:r>
-              <a:rPr lang="en-US" altLang="ja-JP" sz="2400" b="1" dirty="0" smtClean="0">
-                <a:solidFill>
-                  <a:schemeClr val="tx1"/>
-                </a:solidFill>
-                <a:latin typeface="Arial" charset="0"/>
-                <a:ea typeface="Arial" charset="0"/>
-                <a:cs typeface="Arial" charset="0"/>
-              </a:rPr>
-              <a:t>because</a:t>
+              <a:t>OSS because</a:t>
             </a:r>
           </a:p>
           <a:p>
@@ -9874,7 +9892,7 @@
               <a:buNone/>
             </a:pPr>
             <a:r>
-              <a:rPr lang="en-US" altLang="ja-JP" sz="2000" dirty="0" smtClean="0">
+              <a:rPr lang="en-US" altLang="ja-JP" sz="2000" smtClean="0">
                 <a:solidFill>
                   <a:schemeClr val="tx1"/>
                 </a:solidFill>
@@ -9882,7 +9900,7 @@
                 <a:ea typeface="Arial" charset="0"/>
                 <a:cs typeface="Arial" charset="0"/>
               </a:rPr>
-              <a:t>OSS </a:t>
+              <a:t>OSS can be </a:t>
             </a:r>
             <a:r>
               <a:rPr lang="en-US" altLang="ja-JP" sz="2000" dirty="0">
@@ -9893,7 +9911,7 @@
                 <a:ea typeface="Arial" charset="0"/>
                 <a:cs typeface="Arial" charset="0"/>
               </a:rPr>
-              <a:t>as a viral marketing </a:t>
+              <a:t>a viral marketing </a:t>
             </a:r>
             <a:r>
               <a:rPr lang="en-US" altLang="ja-JP" sz="2000" dirty="0" smtClean="0">
@@ -10098,7 +10116,18 @@
                 <a:ea typeface="Arial" charset="0"/>
                 <a:cs typeface="Arial" charset="0"/>
               </a:rPr>
-              <a:t>Value Proposition</a:t>
+              <a:t>Value </a:t>
+            </a:r>
+            <a:r>
+              <a:rPr kumimoji="1" lang="en-US" altLang="ja-JP" sz="3600" b="1" dirty="0" smtClean="0">
+                <a:solidFill>
+                  <a:srgbClr val="00B0F0"/>
+                </a:solidFill>
+                <a:latin typeface="Arial" charset="0"/>
+                <a:ea typeface="Arial" charset="0"/>
+                <a:cs typeface="Arial" charset="0"/>
+              </a:rPr>
+              <a:t>Proposition: GitHub Enterprise</a:t>
             </a:r>
             <a:endParaRPr lang="en-US" altLang="ja-JP" sz="3600" b="1" dirty="0">
               <a:solidFill>
@@ -10120,13 +10149,13 @@
           <p:nvPr>
             <p:extLst>
               <p:ext uri="{D42A27DB-BD31-4B8C-83A1-F6EECF244321}">
-                <p14:modId xmlns:p14="http://schemas.microsoft.com/office/powerpoint/2010/main" val="423559354"/>
+                <p14:modId xmlns:p14="http://schemas.microsoft.com/office/powerpoint/2010/main" val="354212586"/>
               </p:ext>
             </p:extLst>
           </p:nvPr>
         </p:nvGraphicFramePr>
         <p:xfrm>
-          <a:off x="349455" y="1228634"/>
+          <a:off x="796022" y="1313694"/>
           <a:ext cx="11260382" cy="5010424"/>
         </p:xfrm>
         <a:graphic>
@@ -10235,7 +10264,15 @@
                           <a:ea typeface="Arial" charset="0"/>
                           <a:cs typeface="Arial" charset="0"/>
                         </a:rPr>
-                        <a:t>in-house Developers in internet companies/software</a:t>
+                        <a:t>in-house Developers in internet </a:t>
+                      </a:r>
+                      <a:r>
+                        <a:rPr kumimoji="1" lang="en-US" altLang="ja-JP" sz="1700" dirty="0" smtClean="0">
+                          <a:latin typeface="Arial" charset="0"/>
+                          <a:ea typeface="Arial" charset="0"/>
+                          <a:cs typeface="Arial" charset="0"/>
+                        </a:rPr>
+                        <a:t>based companies</a:t>
                       </a:r>
                       <a:r>
                         <a:rPr kumimoji="1" lang="en-US" altLang="ja-JP" sz="1700" baseline="0" dirty="0" smtClean="0">
@@ -10243,7 +10280,7 @@
                           <a:ea typeface="Arial" charset="0"/>
                           <a:cs typeface="Arial" charset="0"/>
                         </a:rPr>
-                        <a:t> driven</a:t>
+                        <a:t> or </a:t>
                       </a:r>
                       <a:r>
                         <a:rPr kumimoji="1" lang="en-US" altLang="ja-JP" sz="1700" dirty="0" smtClean="0">
@@ -10251,7 +10288,15 @@
                           <a:ea typeface="Arial" charset="0"/>
                           <a:cs typeface="Arial" charset="0"/>
                         </a:rPr>
-                        <a:t> enterprises or financial services companies</a:t>
+                        <a:t>companies</a:t>
+                      </a:r>
+                      <a:r>
+                        <a:rPr kumimoji="1" lang="en-US" altLang="ja-JP" sz="1700" baseline="0" dirty="0" smtClean="0">
+                          <a:latin typeface="Arial" charset="0"/>
+                          <a:ea typeface="Arial" charset="0"/>
+                          <a:cs typeface="Arial" charset="0"/>
+                        </a:rPr>
+                        <a:t> based on software</a:t>
                       </a:r>
                       <a:endParaRPr kumimoji="1" lang="ja-JP" altLang="en-US" sz="1700" dirty="0">
                         <a:latin typeface="Arial" charset="0"/>
@@ -10527,9 +10572,9 @@
                     <a:bodyPr/>
                     <a:lstStyle/>
                     <a:p>
-                      <a:pPr marL="171450" indent="-171450">
+                      <a:pPr marL="0" indent="0">
                         <a:buFont typeface="Arial" charset="0"/>
-                        <a:buChar char="•"/>
+                        <a:buNone/>
                       </a:pPr>
                       <a:r>
                         <a:rPr kumimoji="1" lang="en-US" altLang="ja-JP" sz="1700" dirty="0" smtClean="0">
@@ -10641,7 +10686,25 @@
                           <a:ea typeface="Arial" charset="0"/>
                           <a:cs typeface="Arial" charset="0"/>
                         </a:rPr>
-                        <a:t> leading internet companies such as GREE, Yahoo! JAPAN, </a:t>
+                        <a:t> leading internet </a:t>
+                      </a:r>
+                      <a:r>
+                        <a:rPr kumimoji="1" lang="en-US" altLang="ja-JP" sz="1700" kern="1200" baseline="0" dirty="0" smtClean="0">
+                          <a:effectLst/>
+                          <a:latin typeface="Arial" charset="0"/>
+                          <a:ea typeface="Arial" charset="0"/>
+                          <a:cs typeface="Arial" charset="0"/>
+                        </a:rPr>
+                        <a:t>based companies </a:t>
+                      </a:r>
+                      <a:r>
+                        <a:rPr kumimoji="1" lang="en-US" altLang="ja-JP" sz="1700" kern="1200" baseline="0" dirty="0" smtClean="0">
+                          <a:effectLst/>
+                          <a:latin typeface="Arial" charset="0"/>
+                          <a:ea typeface="Arial" charset="0"/>
+                          <a:cs typeface="Arial" charset="0"/>
+                        </a:rPr>
+                        <a:t>such as GREE, Yahoo! JAPAN, </a:t>
                       </a:r>
                       <a:r>
                         <a:rPr kumimoji="1" lang="en-US" altLang="ja-JP" sz="1700" kern="1200" baseline="0" dirty="0" err="1" smtClean="0">
@@ -10677,7 +10740,16 @@
                           <a:ea typeface="Arial" charset="0"/>
                           <a:cs typeface="Arial" charset="0"/>
                         </a:rPr>
-                        <a:t>, LINE, </a:t>
+                        <a:t>, </a:t>
+                      </a:r>
+                      <a:r>
+                        <a:rPr kumimoji="1" lang="en-US" altLang="ja-JP" sz="1700" kern="1200" baseline="0" dirty="0" smtClean="0">
+                          <a:effectLst/>
+                          <a:latin typeface="Arial" charset="0"/>
+                          <a:ea typeface="Arial" charset="0"/>
+                          <a:cs typeface="Arial" charset="0"/>
+                        </a:rPr>
+                        <a:t>LINE and </a:t>
                       </a:r>
                       <a:r>
                         <a:rPr kumimoji="1" lang="en-US" altLang="ja-JP" sz="1700" kern="1200" baseline="0" dirty="0" err="1" smtClean="0">
@@ -12044,6 +12116,28 @@
               <a:buNone/>
             </a:pPr>
             <a:r>
+              <a:rPr lang="en-US" altLang="ja-JP" sz="1500" dirty="0" smtClean="0">
+                <a:solidFill>
+                  <a:schemeClr val="tx1"/>
+                </a:solidFill>
+                <a:latin typeface="Arial" charset="0"/>
+                <a:ea typeface="Arial" charset="0"/>
+                <a:cs typeface="Arial" charset="0"/>
+              </a:rPr>
+              <a:t>1,400 + </a:t>
+            </a:r>
+            <a:r>
+              <a:rPr lang="en-US" altLang="ja-JP" sz="1500" dirty="0" smtClean="0">
+                <a:solidFill>
+                  <a:schemeClr val="tx1"/>
+                </a:solidFill>
+                <a:latin typeface="Arial" charset="0"/>
+                <a:ea typeface="Arial" charset="0"/>
+                <a:cs typeface="Arial" charset="0"/>
+              </a:rPr>
+              <a:t>customers </a:t>
+            </a:r>
+            <a:r>
               <a:rPr lang="en-US" altLang="ja-JP" sz="1500" dirty="0">
                 <a:solidFill>
                   <a:schemeClr val="tx1"/>
@@ -12052,7 +12146,7 @@
                 <a:ea typeface="Arial" charset="0"/>
                 <a:cs typeface="Arial" charset="0"/>
               </a:rPr>
-              <a:t>75 customers on the B2B side, </a:t>
+              <a:t>on the B2B side, </a:t>
             </a:r>
             <a:r>
               <a:rPr lang="en-US" altLang="ja-JP" sz="1500" dirty="0" smtClean="0">
@@ -12074,7 +12168,29 @@
                 <a:ea typeface="Arial" charset="0"/>
                 <a:cs typeface="Arial" charset="0"/>
               </a:rPr>
-              <a:t>close to 750,000 on </a:t>
+              <a:t>close to </a:t>
+            </a:r>
+            <a:r>
+              <a:rPr lang="en-US" altLang="ja-JP" sz="1500" dirty="0" smtClean="0">
+                <a:solidFill>
+                  <a:schemeClr val="tx1"/>
+                </a:solidFill>
+                <a:latin typeface="Arial" charset="0"/>
+                <a:ea typeface="Arial" charset="0"/>
+                <a:cs typeface="Arial" charset="0"/>
+              </a:rPr>
+              <a:t>300</a:t>
+            </a:r>
+            <a:r>
+              <a:rPr lang="en-US" altLang="ja-JP" sz="1500" dirty="0" smtClean="0">
+                <a:solidFill>
+                  <a:schemeClr val="tx1"/>
+                </a:solidFill>
+                <a:latin typeface="Arial" charset="0"/>
+                <a:ea typeface="Arial" charset="0"/>
+                <a:cs typeface="Arial" charset="0"/>
+              </a:rPr>
+              <a:t>,000 users on </a:t>
             </a:r>
             <a:r>
               <a:rPr lang="en-US" altLang="ja-JP" sz="1500" dirty="0" err="1">
@@ -12279,7 +12395,29 @@
                 <a:ea typeface="Arial" charset="0"/>
                 <a:cs typeface="Arial" charset="0"/>
               </a:rPr>
-              <a:t>systems such as subversion(SVN).The other is direct competition, companies </a:t>
+              <a:t>systems such as </a:t>
+            </a:r>
+            <a:r>
+              <a:rPr lang="en-US" altLang="ja-JP" sz="1500" dirty="0" smtClean="0">
+                <a:solidFill>
+                  <a:schemeClr val="tx1"/>
+                </a:solidFill>
+                <a:latin typeface="Arial" charset="0"/>
+                <a:ea typeface="Arial" charset="0"/>
+                <a:cs typeface="Arial" charset="0"/>
+              </a:rPr>
+              <a:t>subversion (</a:t>
+            </a:r>
+            <a:r>
+              <a:rPr lang="en-US" altLang="ja-JP" sz="1500" dirty="0" smtClean="0">
+                <a:solidFill>
+                  <a:schemeClr val="tx1"/>
+                </a:solidFill>
+                <a:latin typeface="Arial" charset="0"/>
+                <a:ea typeface="Arial" charset="0"/>
+                <a:cs typeface="Arial" charset="0"/>
+              </a:rPr>
+              <a:t>SVN).The other is direct competition, companies </a:t>
             </a:r>
             <a:r>
               <a:rPr lang="en-US" altLang="ja-JP" sz="1500" dirty="0">
@@ -12359,7 +12497,29 @@
                 <a:ea typeface="Arial" charset="0"/>
                 <a:cs typeface="Arial" charset="0"/>
               </a:rPr>
-              <a:t>Legacy competition with subversion(SVN) shows a fierce battle. </a:t>
+              <a:t>Legacy competition with </a:t>
+            </a:r>
+            <a:r>
+              <a:rPr lang="en-US" altLang="ja-JP" sz="1500" dirty="0" smtClean="0">
+                <a:solidFill>
+                  <a:schemeClr val="tx1"/>
+                </a:solidFill>
+                <a:latin typeface="Arial" charset="0"/>
+                <a:ea typeface="Arial" charset="0"/>
+                <a:cs typeface="Arial" charset="0"/>
+              </a:rPr>
+              <a:t>subversion (</a:t>
+            </a:r>
+            <a:r>
+              <a:rPr lang="en-US" altLang="ja-JP" sz="1500" dirty="0" smtClean="0">
+                <a:solidFill>
+                  <a:schemeClr val="tx1"/>
+                </a:solidFill>
+                <a:latin typeface="Arial" charset="0"/>
+                <a:ea typeface="Arial" charset="0"/>
+                <a:cs typeface="Arial" charset="0"/>
+              </a:rPr>
+              <a:t>SVN) shows a fierce battle. </a:t>
             </a:r>
             <a:r>
               <a:rPr lang="en-US" altLang="ja-JP" sz="1500" dirty="0">
@@ -14406,7 +14566,39 @@
                 <a:ea typeface="Arial" charset="0"/>
                 <a:cs typeface="Arial" charset="0"/>
               </a:rPr>
-              <a:t>Internet Companies, Software driven companies across all industries</a:t>
+              <a:t>Internet </a:t>
+            </a:r>
+            <a:r>
+              <a:rPr lang="en-US" altLang="ja-JP" sz="1200" dirty="0" smtClean="0">
+                <a:latin typeface="Arial" charset="0"/>
+                <a:ea typeface="Arial" charset="0"/>
+                <a:cs typeface="Arial" charset="0"/>
+              </a:rPr>
+              <a:t>based Companies</a:t>
+            </a:r>
+            <a:r>
+              <a:rPr lang="en-US" altLang="ja-JP" sz="1200" dirty="0" smtClean="0">
+                <a:latin typeface="Arial" charset="0"/>
+                <a:ea typeface="Arial" charset="0"/>
+                <a:cs typeface="Arial" charset="0"/>
+              </a:rPr>
+              <a:t>, </a:t>
+            </a:r>
+            <a:r>
+              <a:rPr lang="en-US" altLang="ja-JP" sz="1200" dirty="0" smtClean="0">
+                <a:latin typeface="Arial" charset="0"/>
+                <a:ea typeface="Arial" charset="0"/>
+                <a:cs typeface="Arial" charset="0"/>
+              </a:rPr>
+              <a:t>companies based on software regardless of </a:t>
+            </a:r>
+            <a:r>
+              <a:rPr lang="en-US" altLang="ja-JP" sz="1200" dirty="0" smtClean="0">
+                <a:latin typeface="Arial" charset="0"/>
+                <a:ea typeface="Arial" charset="0"/>
+                <a:cs typeface="Arial" charset="0"/>
+              </a:rPr>
+              <a:t>industries</a:t>
             </a:r>
             <a:endParaRPr lang="en-US" altLang="ja-JP" sz="1200" dirty="0">
               <a:latin typeface="Arial" charset="0"/>
@@ -14480,7 +14672,7 @@
                 <a:ea typeface="Arial" charset="0"/>
                 <a:cs typeface="Arial" charset="0"/>
               </a:rPr>
-              <a:t>larger companies</a:t>
+              <a:t>Enterprises</a:t>
             </a:r>
             <a:endParaRPr lang="en-US" altLang="ja-JP" sz="1200" dirty="0">
               <a:latin typeface="Arial" charset="0"/>
@@ -14526,23 +14718,7 @@
                 <a:ea typeface="Arial" charset="0"/>
                 <a:cs typeface="Arial" charset="0"/>
               </a:rPr>
-              <a:t>ARR </a:t>
-            </a:r>
-            <a:r>
-              <a:rPr lang="en-US" altLang="ja-JP" sz="1200" dirty="0">
-                <a:latin typeface="Arial" charset="0"/>
-                <a:ea typeface="Arial" charset="0"/>
-                <a:cs typeface="Arial" charset="0"/>
-              </a:rPr>
-              <a:t>:  </a:t>
-            </a:r>
-            <a:r>
-              <a:rPr lang="en-US" altLang="ja-JP" sz="1200" dirty="0" smtClean="0">
-                <a:latin typeface="Arial" charset="0"/>
-                <a:ea typeface="Arial" charset="0"/>
-                <a:cs typeface="Arial" charset="0"/>
-              </a:rPr>
-              <a:t>???</a:t>
+              <a:t>ACV, # user growth</a:t>
             </a:r>
             <a:endParaRPr lang="en-US" altLang="ja-JP" sz="1200" dirty="0">
               <a:latin typeface="Arial" charset="0"/>
@@ -17105,7 +17281,7 @@
           <p:nvPr>
             <p:extLst>
               <p:ext uri="{D42A27DB-BD31-4B8C-83A1-F6EECF244321}">
-                <p14:modId xmlns:p14="http://schemas.microsoft.com/office/powerpoint/2010/main" val="1506563451"/>
+                <p14:modId xmlns:p14="http://schemas.microsoft.com/office/powerpoint/2010/main" val="649091403"/>
               </p:ext>
             </p:extLst>
           </p:nvPr>
@@ -20736,7 +20912,7 @@
                   </a:txBody>
                   <a:tcPr marL="19050" marR="19050" marT="19050" marB="19050" horzOverflow="overflow">
                     <a:solidFill>
-                      <a:schemeClr val="bg1"/>
+                      <a:schemeClr val="accent4"/>
                     </a:solidFill>
                   </a:tcPr>
                 </a:tc>
@@ -21852,42 +22028,7 @@
                           <a:ea typeface="Arial" charset="0"/>
                           <a:cs typeface="Arial" charset="0"/>
                         </a:rPr>
-                        <a:t>GitHub Satellite 2018 Tokyo</a:t>
-                      </a:r>
-                    </a:p>
-                    <a:p>
-                      <a:pPr marL="0" marR="0" lvl="0" indent="0" algn="l" defTabSz="914400" rtl="0" eaLnBrk="1" fontAlgn="base" latinLnBrk="0" hangingPunct="1">
-                        <a:lnSpc>
-                          <a:spcPct val="100000"/>
-                        </a:lnSpc>
-                        <a:spcBef>
-                          <a:spcPct val="20000"/>
-                        </a:spcBef>
-                        <a:spcAft>
-                          <a:spcPct val="0"/>
-                        </a:spcAft>
-                        <a:buClr>
-                          <a:schemeClr val="accent1"/>
-                        </a:buClr>
-                        <a:buSzTx/>
-                        <a:buFontTx/>
-                        <a:buNone/>
-                        <a:tabLst/>
-                      </a:pPr>
-                      <a:r>
-                        <a:rPr kumimoji="0" lang="en-US" altLang="ja-JP" sz="1200" b="0" i="0" u="none" strike="noStrike" cap="none" normalizeH="0" baseline="0" dirty="0" smtClean="0">
-                          <a:ln>
-                            <a:noFill/>
-                          </a:ln>
-                          <a:solidFill>
-                            <a:schemeClr val="tx1"/>
-                          </a:solidFill>
-                          <a:effectLst/>
-                          <a:latin typeface="Arial" charset="0"/>
-                          <a:ea typeface="Arial" charset="0"/>
-                          <a:cs typeface="Arial" charset="0"/>
-                        </a:rPr>
-                        <a:t>April 5-6</a:t>
+                        <a:t>GitHub Constellation Tokyo 2017</a:t>
                       </a:r>
                     </a:p>
                   </a:txBody>
@@ -22445,7 +22586,7 @@
                   </a:txBody>
                   <a:tcPr marL="19050" marR="19050" marT="19050" marB="19050" horzOverflow="overflow">
                     <a:solidFill>
-                      <a:schemeClr val="bg1"/>
+                      <a:schemeClr val="accent4"/>
                     </a:solidFill>
                   </a:tcPr>
                 </a:tc>
@@ -24192,7 +24333,7 @@
                   </a:txBody>
                   <a:tcPr marL="19050" marR="19050" marT="19050" marB="19050" horzOverflow="overflow">
                     <a:solidFill>
-                      <a:schemeClr val="bg1"/>
+                      <a:schemeClr val="accent4"/>
                     </a:solidFill>
                   </a:tcPr>
                 </a:tc>
@@ -25905,7 +26046,7 @@
                   </a:txBody>
                   <a:tcPr marL="19050" marR="19050" marT="19050" marB="19050" horzOverflow="overflow">
                     <a:solidFill>
-                      <a:schemeClr val="bg1"/>
+                      <a:schemeClr val="accent4"/>
                     </a:solidFill>
                   </a:tcPr>
                 </a:tc>
@@ -27530,7 +27671,7 @@
                   </a:txBody>
                   <a:tcPr marL="19050" marR="19050" marT="19050" marB="19050" horzOverflow="overflow">
                     <a:solidFill>
-                      <a:schemeClr val="bg1"/>
+                      <a:schemeClr val="accent4"/>
                     </a:solidFill>
                   </a:tcPr>
                 </a:tc>
@@ -29150,7 +29291,7 @@
                   </a:txBody>
                   <a:tcPr marL="19050" marR="19050" marT="19050" marB="19050" horzOverflow="overflow">
                     <a:solidFill>
-                      <a:schemeClr val="bg1"/>
+                      <a:schemeClr val="accent4"/>
                     </a:solidFill>
                   </a:tcPr>
                 </a:tc>
@@ -30753,7 +30894,7 @@
                         <a:buNone/>
                         <a:tabLst/>
                       </a:pPr>
-                      <a:endParaRPr kumimoji="0" lang="ja-JP" altLang="en-US" sz="1200" b="0" i="0" u="none" strike="noStrike" cap="none" normalizeH="0" baseline="0" smtClean="0">
+                      <a:endParaRPr kumimoji="0" lang="ja-JP" altLang="en-US" sz="1200" b="0" i="0" u="none" strike="noStrike" cap="none" normalizeH="0" baseline="0" dirty="0" smtClean="0">
                         <a:ln>
                           <a:noFill/>
                         </a:ln>
@@ -30769,7 +30910,7 @@
                   </a:txBody>
                   <a:tcPr marL="19050" marR="19050" marT="19050" marB="19050" horzOverflow="overflow">
                     <a:solidFill>
-                      <a:schemeClr val="bg1"/>
+                      <a:schemeClr val="accent4"/>
                     </a:solidFill>
                   </a:tcPr>
                 </a:tc>
@@ -32406,8 +32547,8 @@
         </p:nvSpPr>
         <p:spPr>
           <a:xfrm>
-            <a:off x="7027457" y="1724638"/>
-            <a:ext cx="1520036" cy="600164"/>
+            <a:off x="7027456" y="1724638"/>
+            <a:ext cx="1800447" cy="600164"/>
           </a:xfrm>
           <a:prstGeom prst="rect">
             <a:avLst/>
@@ -32429,38 +32570,20 @@
               <a:t>★ </a:t>
             </a:r>
             <a:r>
+              <a:rPr lang="en-US" altLang="ja-JP" sz="1100" b="1" dirty="0">
+                <a:latin typeface="Arial" charset="0"/>
+                <a:ea typeface="Arial" charset="0"/>
+                <a:cs typeface="Arial" charset="0"/>
+              </a:rPr>
+              <a:t>GitHub Constellation Tokyo 2017 Save </a:t>
+            </a:r>
+            <a:r>
               <a:rPr lang="en-US" altLang="ja-JP" sz="1100" b="1" dirty="0" smtClean="0">
                 <a:latin typeface="Arial" charset="0"/>
                 <a:ea typeface="Arial" charset="0"/>
                 <a:cs typeface="Arial" charset="0"/>
               </a:rPr>
-              <a:t>GitHub Universe</a:t>
-            </a:r>
-          </a:p>
-          <a:p>
-            <a:r>
-              <a:rPr lang="en-US" altLang="ja-JP" sz="1100" b="1" dirty="0" smtClean="0">
-                <a:latin typeface="Arial" charset="0"/>
-                <a:ea typeface="Arial" charset="0"/>
-                <a:cs typeface="Arial" charset="0"/>
-              </a:rPr>
-              <a:t>2017</a:t>
-            </a:r>
-            <a:r>
-              <a:rPr lang="en-US" altLang="ja-JP" sz="1100" b="1" dirty="0">
-                <a:latin typeface="Arial" charset="0"/>
-                <a:ea typeface="Arial" charset="0"/>
-                <a:cs typeface="Arial" charset="0"/>
-              </a:rPr>
-              <a:t> </a:t>
-            </a:r>
-            <a:r>
-              <a:rPr lang="en-US" altLang="ja-JP" sz="1100" b="1" dirty="0" smtClean="0">
-                <a:latin typeface="Arial" charset="0"/>
-                <a:ea typeface="Arial" charset="0"/>
-                <a:cs typeface="Arial" charset="0"/>
-              </a:rPr>
-              <a:t>Tokyo Save the Date Start</a:t>
+              <a:t>the Date Start</a:t>
             </a:r>
           </a:p>
         </p:txBody>
@@ -32474,7 +32597,7 @@
         <p:spPr>
           <a:xfrm>
             <a:off x="8827904" y="1724638"/>
-            <a:ext cx="1520036" cy="600164"/>
+            <a:ext cx="1775062" cy="600164"/>
           </a:xfrm>
           <a:prstGeom prst="rect">
             <a:avLst/>
@@ -32496,51 +32619,90 @@
               <a:t>★ </a:t>
             </a:r>
             <a:r>
+              <a:rPr lang="en-US" altLang="ja-JP" sz="1100" b="1" dirty="0">
+                <a:latin typeface="Arial" charset="0"/>
+                <a:ea typeface="Arial" charset="0"/>
+                <a:cs typeface="Arial" charset="0"/>
+              </a:rPr>
+              <a:t>GitHub Constellation Tokyo 2017 Registration </a:t>
+            </a:r>
+            <a:r>
               <a:rPr lang="en-US" altLang="ja-JP" sz="1100" b="1" dirty="0" smtClean="0">
                 <a:latin typeface="Arial" charset="0"/>
                 <a:ea typeface="Arial" charset="0"/>
                 <a:cs typeface="Arial" charset="0"/>
               </a:rPr>
-              <a:t>GitHub Universe</a:t>
-            </a:r>
-          </a:p>
-          <a:p>
-            <a:r>
-              <a:rPr lang="en-US" altLang="ja-JP" sz="1100" b="1" dirty="0" smtClean="0">
-                <a:latin typeface="Arial" charset="0"/>
-                <a:ea typeface="Arial" charset="0"/>
-                <a:cs typeface="Arial" charset="0"/>
-              </a:rPr>
-              <a:t>2017</a:t>
-            </a:r>
-            <a:r>
-              <a:rPr lang="en-US" altLang="ja-JP" sz="1100" b="1" dirty="0">
-                <a:latin typeface="Arial" charset="0"/>
-                <a:ea typeface="Arial" charset="0"/>
-                <a:cs typeface="Arial" charset="0"/>
-              </a:rPr>
-              <a:t> </a:t>
-            </a:r>
-            <a:r>
-              <a:rPr lang="en-US" altLang="ja-JP" sz="1100" b="1" dirty="0" smtClean="0">
-                <a:latin typeface="Arial" charset="0"/>
-                <a:ea typeface="Arial" charset="0"/>
-                <a:cs typeface="Arial" charset="0"/>
-              </a:rPr>
-              <a:t>Tokyo Registration Open</a:t>
+              <a:t>Open</a:t>
             </a:r>
           </a:p>
         </p:txBody>
       </p:sp>
       <p:sp>
         <p:nvSpPr>
-          <p:cNvPr id="24" name="TextBox 31"/>
+          <p:cNvPr id="25" name="TextBox 31"/>
           <p:cNvSpPr txBox="1"/>
           <p:nvPr/>
         </p:nvSpPr>
         <p:spPr>
           <a:xfrm>
-            <a:off x="4607198" y="1724638"/>
+            <a:off x="2946956" y="2022356"/>
+            <a:ext cx="1888213" cy="600164"/>
+          </a:xfrm>
+          <a:prstGeom prst="rect">
+            <a:avLst/>
+          </a:prstGeom>
+          <a:noFill/>
+        </p:spPr>
+        <p:txBody>
+          <a:bodyPr wrap="square" rtlCol="0">
+            <a:spAutoFit/>
+          </a:bodyPr>
+          <a:lstStyle/>
+          <a:p>
+            <a:r>
+              <a:rPr kumimoji="1" lang="ja-JP" altLang="en-US" sz="1100" b="1" dirty="0" smtClean="0">
+                <a:latin typeface="Arial" charset="0"/>
+                <a:ea typeface="Arial" charset="0"/>
+                <a:cs typeface="Arial" charset="0"/>
+              </a:rPr>
+              <a:t>★ </a:t>
+            </a:r>
+            <a:r>
+              <a:rPr lang="en-US" altLang="ja-JP" sz="1100" b="1" dirty="0">
+                <a:latin typeface="Arial" charset="0"/>
+                <a:ea typeface="Arial" charset="0"/>
+                <a:cs typeface="Arial" charset="0"/>
+              </a:rPr>
+              <a:t>GitHub Constellation </a:t>
+            </a:r>
+            <a:r>
+              <a:rPr lang="en-US" altLang="ja-JP" sz="1100" b="1" dirty="0" smtClean="0">
+                <a:latin typeface="Arial" charset="0"/>
+                <a:ea typeface="Arial" charset="0"/>
+                <a:cs typeface="Arial" charset="0"/>
+              </a:rPr>
+              <a:t>Tokyo 2017 Sponsorship </a:t>
+            </a:r>
+            <a:r>
+              <a:rPr lang="en-US" altLang="ja-JP" sz="1100" b="1" dirty="0" smtClean="0">
+                <a:latin typeface="Arial" charset="0"/>
+                <a:ea typeface="Arial" charset="0"/>
+                <a:cs typeface="Arial" charset="0"/>
+              </a:rPr>
+              <a:t>tapping start</a:t>
+            </a:r>
+          </a:p>
+        </p:txBody>
+      </p:sp>
+      <p:sp>
+        <p:nvSpPr>
+          <p:cNvPr id="26" name="TextBox 31"/>
+          <p:cNvSpPr txBox="1"/>
+          <p:nvPr/>
+        </p:nvSpPr>
+        <p:spPr>
+          <a:xfrm>
+            <a:off x="4618080" y="1739062"/>
             <a:ext cx="1520036" cy="769441"/>
           </a:xfrm>
           <a:prstGeom prst="rect">
@@ -32563,172 +32725,20 @@
               <a:t>★ </a:t>
             </a:r>
             <a:r>
+              <a:rPr lang="en-US" altLang="ja-JP" sz="1100" b="1" dirty="0">
+                <a:latin typeface="Arial" charset="0"/>
+                <a:ea typeface="Arial" charset="0"/>
+                <a:cs typeface="Arial" charset="0"/>
+              </a:rPr>
+              <a:t>GitHub Constellation Tokyo 2017 Sponsorship </a:t>
+            </a:r>
+            <a:r>
               <a:rPr lang="en-US" altLang="ja-JP" sz="1100" b="1" dirty="0" smtClean="0">
                 <a:latin typeface="Arial" charset="0"/>
                 <a:ea typeface="Arial" charset="0"/>
                 <a:cs typeface="Arial" charset="0"/>
               </a:rPr>
-              <a:t>GitHub Universe</a:t>
-            </a:r>
-          </a:p>
-          <a:p>
-            <a:r>
-              <a:rPr lang="en-US" altLang="ja-JP" sz="1100" b="1" dirty="0" smtClean="0">
-                <a:latin typeface="Arial" charset="0"/>
-                <a:ea typeface="Arial" charset="0"/>
-                <a:cs typeface="Arial" charset="0"/>
-              </a:rPr>
-              <a:t>2017</a:t>
-            </a:r>
-            <a:r>
-              <a:rPr lang="en-US" altLang="ja-JP" sz="1100" b="1" dirty="0">
-                <a:latin typeface="Arial" charset="0"/>
-                <a:ea typeface="Arial" charset="0"/>
-                <a:cs typeface="Arial" charset="0"/>
-              </a:rPr>
-              <a:t> </a:t>
-            </a:r>
-            <a:r>
-              <a:rPr lang="en-US" altLang="ja-JP" sz="1100" b="1" dirty="0" smtClean="0">
-                <a:latin typeface="Arial" charset="0"/>
-                <a:ea typeface="Arial" charset="0"/>
-                <a:cs typeface="Arial" charset="0"/>
-              </a:rPr>
-              <a:t>Tokyo Sponsorship sales start</a:t>
-            </a:r>
-          </a:p>
-        </p:txBody>
-      </p:sp>
-      <p:sp>
-        <p:nvSpPr>
-          <p:cNvPr id="25" name="TextBox 31"/>
-          <p:cNvSpPr txBox="1"/>
-          <p:nvPr/>
-        </p:nvSpPr>
-        <p:spPr>
-          <a:xfrm>
-            <a:off x="2946957" y="1724638"/>
-            <a:ext cx="1520036" cy="769441"/>
-          </a:xfrm>
-          <a:prstGeom prst="rect">
-            <a:avLst/>
-          </a:prstGeom>
-          <a:noFill/>
-        </p:spPr>
-        <p:txBody>
-          <a:bodyPr wrap="square" rtlCol="0">
-            <a:spAutoFit/>
-          </a:bodyPr>
-          <a:lstStyle/>
-          <a:p>
-            <a:r>
-              <a:rPr kumimoji="1" lang="ja-JP" altLang="en-US" sz="1100" b="1" dirty="0" smtClean="0">
-                <a:latin typeface="Arial" charset="0"/>
-                <a:ea typeface="Arial" charset="0"/>
-                <a:cs typeface="Arial" charset="0"/>
-              </a:rPr>
-              <a:t>★ </a:t>
-            </a:r>
-            <a:r>
-              <a:rPr lang="en-US" altLang="ja-JP" sz="1100" b="1" dirty="0" smtClean="0">
-                <a:latin typeface="Arial" charset="0"/>
-                <a:ea typeface="Arial" charset="0"/>
-                <a:cs typeface="Arial" charset="0"/>
-              </a:rPr>
-              <a:t>GitHub Universe</a:t>
-            </a:r>
-          </a:p>
-          <a:p>
-            <a:r>
-              <a:rPr lang="en-US" altLang="ja-JP" sz="1100" b="1" dirty="0" smtClean="0">
-                <a:latin typeface="Arial" charset="0"/>
-                <a:ea typeface="Arial" charset="0"/>
-                <a:cs typeface="Arial" charset="0"/>
-              </a:rPr>
-              <a:t>2017</a:t>
-            </a:r>
-            <a:r>
-              <a:rPr lang="en-US" altLang="ja-JP" sz="1100" b="1" dirty="0">
-                <a:latin typeface="Arial" charset="0"/>
-                <a:ea typeface="Arial" charset="0"/>
-                <a:cs typeface="Arial" charset="0"/>
-              </a:rPr>
-              <a:t> </a:t>
-            </a:r>
-            <a:r>
-              <a:rPr lang="en-US" altLang="ja-JP" sz="1100" b="1" dirty="0" smtClean="0">
-                <a:latin typeface="Arial" charset="0"/>
-                <a:ea typeface="Arial" charset="0"/>
-                <a:cs typeface="Arial" charset="0"/>
-              </a:rPr>
-              <a:t>Tokyo Sponsorship tapping start</a:t>
-            </a:r>
-          </a:p>
-        </p:txBody>
-      </p:sp>
-      <p:sp>
-        <p:nvSpPr>
-          <p:cNvPr id="26" name="TextBox 31"/>
-          <p:cNvSpPr txBox="1"/>
-          <p:nvPr/>
-        </p:nvSpPr>
-        <p:spPr>
-          <a:xfrm>
-            <a:off x="4607198" y="1729050"/>
-            <a:ext cx="1520036" cy="769441"/>
-          </a:xfrm>
-          <a:prstGeom prst="rect">
-            <a:avLst/>
-          </a:prstGeom>
-          <a:noFill/>
-        </p:spPr>
-        <p:txBody>
-          <a:bodyPr wrap="square" rtlCol="0">
-            <a:spAutoFit/>
-          </a:bodyPr>
-          <a:lstStyle/>
-          <a:p>
-            <a:r>
-              <a:rPr kumimoji="1" lang="ja-JP" altLang="en-US" sz="1100" b="1" dirty="0" smtClean="0">
-                <a:latin typeface="Arial" charset="0"/>
-                <a:ea typeface="Arial" charset="0"/>
-                <a:cs typeface="Arial" charset="0"/>
-              </a:rPr>
-              <a:t>★ </a:t>
-            </a:r>
-            <a:r>
-              <a:rPr lang="en-US" altLang="ja-JP" sz="1100" b="1" dirty="0" smtClean="0">
-                <a:latin typeface="Arial" charset="0"/>
-                <a:ea typeface="Arial" charset="0"/>
-                <a:cs typeface="Arial" charset="0"/>
-              </a:rPr>
-              <a:t>GitHub Universe</a:t>
-            </a:r>
-          </a:p>
-          <a:p>
-            <a:r>
-              <a:rPr lang="en-US" altLang="ja-JP" sz="1100" b="1" dirty="0" smtClean="0">
-                <a:latin typeface="Arial" charset="0"/>
-                <a:ea typeface="Arial" charset="0"/>
-                <a:cs typeface="Arial" charset="0"/>
-              </a:rPr>
-              <a:t>2017</a:t>
-            </a:r>
-            <a:r>
-              <a:rPr lang="en-US" altLang="ja-JP" sz="1100" b="1" dirty="0">
-                <a:latin typeface="Arial" charset="0"/>
-                <a:ea typeface="Arial" charset="0"/>
-                <a:cs typeface="Arial" charset="0"/>
-              </a:rPr>
-              <a:t> </a:t>
-            </a:r>
-            <a:r>
-              <a:rPr lang="en-US" altLang="ja-JP" sz="1100" b="1" dirty="0" smtClean="0">
-                <a:latin typeface="Arial" charset="0"/>
-                <a:ea typeface="Arial" charset="0"/>
-                <a:cs typeface="Arial" charset="0"/>
-              </a:rPr>
-              <a:t>Tokyo Sponsorship sales start</a:t>
+              <a:t>sales start</a:t>
             </a:r>
           </a:p>
         </p:txBody>
@@ -33084,6 +33094,106 @@
                 <a:cs typeface="Arial" charset="0"/>
               </a:rPr>
               <a:t>Apr25)</a:t>
+            </a:r>
+            <a:endParaRPr lang="en-US" altLang="ja-JP" sz="1100" b="1" dirty="0">
+              <a:latin typeface="Arial" charset="0"/>
+              <a:ea typeface="Arial" charset="0"/>
+              <a:cs typeface="Arial" charset="0"/>
+            </a:endParaRPr>
+          </a:p>
+        </p:txBody>
+      </p:sp>
+      <p:sp>
+        <p:nvSpPr>
+          <p:cNvPr id="33" name="TextBox 31"/>
+          <p:cNvSpPr txBox="1"/>
+          <p:nvPr/>
+        </p:nvSpPr>
+        <p:spPr>
+          <a:xfrm>
+            <a:off x="2028974" y="2992692"/>
+            <a:ext cx="3162884" cy="261610"/>
+          </a:xfrm>
+          <a:prstGeom prst="rect">
+            <a:avLst/>
+          </a:prstGeom>
+          <a:noFill/>
+        </p:spPr>
+        <p:txBody>
+          <a:bodyPr wrap="square" rtlCol="0">
+            <a:spAutoFit/>
+          </a:bodyPr>
+          <a:lstStyle/>
+          <a:p>
+            <a:r>
+              <a:rPr kumimoji="1" lang="ja-JP" altLang="en-US" sz="1100" b="1" dirty="0" smtClean="0">
+                <a:latin typeface="Arial" charset="0"/>
+                <a:ea typeface="Arial" charset="0"/>
+                <a:cs typeface="Arial" charset="0"/>
+              </a:rPr>
+              <a:t>★ </a:t>
+            </a:r>
+            <a:r>
+              <a:rPr lang="en-US" altLang="ja-JP" sz="1100" b="1" dirty="0" smtClean="0">
+                <a:latin typeface="Arial" charset="0"/>
+                <a:ea typeface="Arial" charset="0"/>
+                <a:cs typeface="Arial" charset="0"/>
+              </a:rPr>
+              <a:t>Patchwork Tokyo(May1)</a:t>
+            </a:r>
+            <a:endParaRPr lang="en-US" altLang="ja-JP" sz="1100" b="1" dirty="0" smtClean="0">
+              <a:latin typeface="Arial" charset="0"/>
+              <a:ea typeface="Arial" charset="0"/>
+              <a:cs typeface="Arial" charset="0"/>
+            </a:endParaRPr>
+          </a:p>
+        </p:txBody>
+      </p:sp>
+      <p:sp>
+        <p:nvSpPr>
+          <p:cNvPr id="34" name="TextBox 31"/>
+          <p:cNvSpPr txBox="1"/>
+          <p:nvPr/>
+        </p:nvSpPr>
+        <p:spPr>
+          <a:xfrm>
+            <a:off x="3035561" y="1579326"/>
+            <a:ext cx="1888213" cy="430887"/>
+          </a:xfrm>
+          <a:prstGeom prst="rect">
+            <a:avLst/>
+          </a:prstGeom>
+          <a:noFill/>
+        </p:spPr>
+        <p:txBody>
+          <a:bodyPr wrap="square" rtlCol="0">
+            <a:spAutoFit/>
+          </a:bodyPr>
+          <a:lstStyle/>
+          <a:p>
+            <a:r>
+              <a:rPr kumimoji="1" lang="ja-JP" altLang="en-US" sz="1100" b="1" dirty="0" smtClean="0">
+                <a:latin typeface="Arial" charset="0"/>
+                <a:ea typeface="Arial" charset="0"/>
+                <a:cs typeface="Arial" charset="0"/>
+              </a:rPr>
+              <a:t>★ </a:t>
+            </a:r>
+            <a:r>
+              <a:rPr lang="en-US" altLang="ja-JP" sz="1100" b="1" dirty="0">
+                <a:latin typeface="Arial" charset="0"/>
+                <a:ea typeface="Arial" charset="0"/>
+                <a:cs typeface="Arial" charset="0"/>
+              </a:rPr>
+              <a:t>GitHub Constellation </a:t>
+            </a:r>
+            <a:r>
+              <a:rPr lang="en-US" altLang="ja-JP" sz="1100" b="1" dirty="0" smtClean="0">
+                <a:latin typeface="Arial" charset="0"/>
+                <a:ea typeface="Arial" charset="0"/>
+                <a:cs typeface="Arial" charset="0"/>
+              </a:rPr>
+              <a:t>Tokyo(June6)</a:t>
             </a:r>
             <a:endParaRPr lang="en-US" altLang="ja-JP" sz="1100" b="1" dirty="0">
               <a:latin typeface="Arial" charset="0"/>

--- a/GitHub Japan Marketing Strategy.pptx
+++ b/GitHub Japan Marketing Strategy.pptx
@@ -18,12 +18,12 @@
     <p:sldId id="258" r:id="rId9"/>
     <p:sldId id="269" r:id="rId10"/>
     <p:sldId id="273" r:id="rId11"/>
-    <p:sldId id="266" r:id="rId12"/>
-    <p:sldId id="267" r:id="rId13"/>
-    <p:sldId id="275" r:id="rId14"/>
-    <p:sldId id="276" r:id="rId15"/>
-    <p:sldId id="271" r:id="rId16"/>
-    <p:sldId id="274" r:id="rId17"/>
+    <p:sldId id="279" r:id="rId12"/>
+    <p:sldId id="266" r:id="rId13"/>
+    <p:sldId id="267" r:id="rId14"/>
+    <p:sldId id="274" r:id="rId15"/>
+    <p:sldId id="276" r:id="rId16"/>
+    <p:sldId id="271" r:id="rId17"/>
   </p:sldIdLst>
   <p:sldSz cx="12192000" cy="6858000"/>
   <p:notesSz cx="6858000" cy="9144000"/>
@@ -585,7 +585,7 @@
           <a:p>
             <a:fld id="{FFFEC453-E2FF-B741-A9EA-9192FC291631}" type="datetimeFigureOut">
               <a:rPr kumimoji="1" lang="ja-JP" altLang="en-US" smtClean="0"/>
-              <a:t>2017/5/15</a:t>
+              <a:t>2017/5/16</a:t>
             </a:fld>
             <a:endParaRPr kumimoji="1" lang="ja-JP" altLang="en-US"/>
           </a:p>
@@ -1496,7 +1496,7 @@
                 </a:solidFill>
               </a:rPr>
               <a:pPr/>
-              <a:t>11</a:t>
+              <a:t>12</a:t>
             </a:fld>
             <a:endParaRPr lang="en-US" dirty="0">
               <a:solidFill>
@@ -1584,7 +1584,7 @@
           <a:p>
             <a:fld id="{4CF00E19-F562-4142-A0E8-E8BCB60B6EB5}" type="slidenum">
               <a:rPr lang="en-US" smtClean="0"/>
-              <a:t>16</a:t>
+              <a:t>14</a:t>
             </a:fld>
             <a:endParaRPr lang="en-US" dirty="0"/>
           </a:p>
@@ -3104,7 +3104,7 @@
           <a:p>
             <a:fld id="{0AB07F87-E0B4-8949-A90A-54340C823909}" type="datetimeFigureOut">
               <a:rPr kumimoji="1" lang="ja-JP" altLang="en-US" smtClean="0"/>
-              <a:t>2017/5/15</a:t>
+              <a:t>2017/5/16</a:t>
             </a:fld>
             <a:endParaRPr kumimoji="1" lang="ja-JP" altLang="en-US"/>
           </a:p>
@@ -3792,18 +3792,7 @@
                 <a:ea typeface="Arial" charset="0"/>
                 <a:cs typeface="Arial" charset="0"/>
               </a:rPr>
-              <a:t>Product Driven </a:t>
-            </a:r>
-            <a:r>
-              <a:rPr lang="en-US" altLang="ja-JP" sz="2000" dirty="0" smtClean="0">
-                <a:solidFill>
-                  <a:schemeClr val="tx1"/>
-                </a:solidFill>
-                <a:latin typeface="Arial" charset="0"/>
-                <a:ea typeface="Arial" charset="0"/>
-                <a:cs typeface="Arial" charset="0"/>
-              </a:rPr>
-              <a:t>Culture </a:t>
+              <a:t>Product Driven Culture </a:t>
             </a:r>
             <a:r>
               <a:rPr lang="en-US" altLang="ja-JP" sz="2000" dirty="0">
@@ -4000,18 +3989,7 @@
                 <a:ea typeface="Arial" charset="0"/>
                 <a:cs typeface="Arial" charset="0"/>
               </a:rPr>
-              <a:t>2017Q3 </a:t>
-            </a:r>
-            <a:r>
-              <a:rPr lang="en-US" altLang="ja-JP" sz="3200" b="1" dirty="0" smtClean="0">
-                <a:solidFill>
-                  <a:srgbClr val="00B0F0"/>
-                </a:solidFill>
-                <a:latin typeface="Arial" charset="0"/>
-                <a:ea typeface="Arial" charset="0"/>
-                <a:cs typeface="Arial" charset="0"/>
-              </a:rPr>
-              <a:t>Japan Marketing  Budgeting</a:t>
+              <a:t>2017Q3 Japan Marketing  Budgeting</a:t>
             </a:r>
             <a:endParaRPr lang="en-US" altLang="ja-JP" sz="3200" b="1" dirty="0">
               <a:solidFill>
@@ -6640,6 +6618,64 @@
           </a:graphicData>
         </a:graphic>
       </p:graphicFrame>
+      <p:sp>
+        <p:nvSpPr>
+          <p:cNvPr id="7" name="角丸四角形 6"/>
+          <p:cNvSpPr/>
+          <p:nvPr/>
+        </p:nvSpPr>
+        <p:spPr>
+          <a:xfrm>
+            <a:off x="10302948" y="19943"/>
+            <a:ext cx="1889051" cy="716526"/>
+          </a:xfrm>
+          <a:prstGeom prst="roundRect">
+            <a:avLst/>
+          </a:prstGeom>
+          <a:solidFill>
+            <a:schemeClr val="accent2"/>
+          </a:solidFill>
+          <a:ln>
+            <a:noFill/>
+          </a:ln>
+        </p:spPr>
+        <p:style>
+          <a:lnRef idx="2">
+            <a:schemeClr val="accent1">
+              <a:shade val="50000"/>
+            </a:schemeClr>
+          </a:lnRef>
+          <a:fillRef idx="1">
+            <a:schemeClr val="accent1"/>
+          </a:fillRef>
+          <a:effectRef idx="0">
+            <a:schemeClr val="accent1"/>
+          </a:effectRef>
+          <a:fontRef idx="minor">
+            <a:schemeClr val="lt1"/>
+          </a:fontRef>
+        </p:style>
+        <p:txBody>
+          <a:bodyPr rtlCol="0" anchor="ctr"/>
+          <a:lstStyle/>
+          <a:p>
+            <a:pPr algn="ctr"/>
+            <a:r>
+              <a:rPr kumimoji="1" lang="en-US" altLang="ja-JP" sz="2800" dirty="0" smtClean="0">
+                <a:latin typeface="Arial" charset="0"/>
+                <a:ea typeface="Arial" charset="0"/>
+                <a:cs typeface="Arial" charset="0"/>
+              </a:rPr>
+              <a:t>WIP</a:t>
+            </a:r>
+            <a:endParaRPr kumimoji="1" lang="ja-JP" altLang="en-US" sz="2800" dirty="0">
+              <a:latin typeface="Arial" charset="0"/>
+              <a:ea typeface="Arial" charset="0"/>
+              <a:cs typeface="Arial" charset="0"/>
+            </a:endParaRPr>
+          </a:p>
+        </p:txBody>
+      </p:sp>
     </p:spTree>
     <p:extLst>
       <p:ext uri="{BB962C8B-B14F-4D97-AF65-F5344CB8AC3E}">
@@ -6661,409 +6697,6 @@
 </file>
 
 <file path=ppt/slides/slide11.xml><?xml version="1.0" encoding="utf-8"?>
-<p:sld xmlns:a="http://schemas.openxmlformats.org/drawingml/2006/main" xmlns:r="http://schemas.openxmlformats.org/officeDocument/2006/relationships" xmlns:p="http://schemas.openxmlformats.org/presentationml/2006/main">
-  <p:cSld>
-    <p:spTree>
-      <p:nvGrpSpPr>
-        <p:cNvPr id="1" name=""/>
-        <p:cNvGrpSpPr/>
-        <p:nvPr/>
-      </p:nvGrpSpPr>
-      <p:grpSpPr>
-        <a:xfrm>
-          <a:off x="0" y="0"/>
-          <a:ext cx="0" cy="0"/>
-          <a:chOff x="0" y="0"/>
-          <a:chExt cx="0" cy="0"/>
-        </a:xfrm>
-      </p:grpSpPr>
-      <p:sp>
-        <p:nvSpPr>
-          <p:cNvPr id="2" name="Title 1"/>
-          <p:cNvSpPr>
-            <a:spLocks noGrp="1"/>
-          </p:cNvSpPr>
-          <p:nvPr>
-            <p:ph type="title"/>
-          </p:nvPr>
-        </p:nvSpPr>
-        <p:spPr>
-          <a:xfrm>
-            <a:off x="322023" y="374794"/>
-            <a:ext cx="11426632" cy="512961"/>
-          </a:xfrm>
-        </p:spPr>
-        <p:txBody>
-          <a:bodyPr/>
-          <a:lstStyle/>
-          <a:p>
-            <a:r>
-              <a:rPr kumimoji="1" lang="en-US" altLang="ja-JP" sz="3600" b="1" dirty="0" smtClean="0">
-                <a:solidFill>
-                  <a:srgbClr val="00B0F0"/>
-                </a:solidFill>
-                <a:latin typeface="Arial" charset="0"/>
-                <a:ea typeface="Arial" charset="0"/>
-                <a:cs typeface="Arial" charset="0"/>
-              </a:rPr>
-              <a:t>Questions</a:t>
-            </a:r>
-            <a:endParaRPr kumimoji="1" lang="ja-JP" altLang="en-US" sz="2933" b="1" dirty="0">
-              <a:solidFill>
-                <a:srgbClr val="00B0F0"/>
-              </a:solidFill>
-              <a:latin typeface="Arial" charset="0"/>
-              <a:ea typeface="Arial" charset="0"/>
-              <a:cs typeface="Arial" charset="0"/>
-            </a:endParaRPr>
-          </a:p>
-        </p:txBody>
-      </p:sp>
-      <p:sp>
-        <p:nvSpPr>
-          <p:cNvPr id="4" name="テキスト ボックス 3"/>
-          <p:cNvSpPr txBox="1"/>
-          <p:nvPr/>
-        </p:nvSpPr>
-        <p:spPr>
-          <a:xfrm>
-            <a:off x="322023" y="1309477"/>
-            <a:ext cx="11426632" cy="4801314"/>
-          </a:xfrm>
-          <a:prstGeom prst="rect">
-            <a:avLst/>
-          </a:prstGeom>
-          <a:noFill/>
-        </p:spPr>
-        <p:txBody>
-          <a:bodyPr wrap="square" rtlCol="0">
-            <a:spAutoFit/>
-          </a:bodyPr>
-          <a:lstStyle/>
-          <a:p>
-            <a:pPr marL="285750" indent="-285750">
-              <a:buFont typeface="Arial" charset="0"/>
-              <a:buChar char="•"/>
-            </a:pPr>
-            <a:r>
-              <a:rPr lang="en-US" altLang="ja-JP" sz="1700" b="1" dirty="0" smtClean="0">
-                <a:latin typeface="Arial" charset="0"/>
-                <a:ea typeface="Arial" charset="0"/>
-                <a:cs typeface="Arial" charset="0"/>
-              </a:rPr>
-              <a:t>Planning Cycle</a:t>
-            </a:r>
-          </a:p>
-          <a:p>
-            <a:pPr marL="742950" lvl="1" indent="-285750">
-              <a:buFont typeface="Arial" charset="0"/>
-              <a:buChar char="•"/>
-            </a:pPr>
-            <a:r>
-              <a:rPr lang="en-US" altLang="ja-JP" sz="1700" dirty="0" smtClean="0">
-                <a:latin typeface="Arial" charset="0"/>
-                <a:ea typeface="Arial" charset="0"/>
-                <a:cs typeface="Arial" charset="0"/>
-              </a:rPr>
-              <a:t>3 months(quarterly),6 months(half) or full year?</a:t>
-            </a:r>
-          </a:p>
-          <a:p>
-            <a:pPr marL="285750" indent="-285750">
-              <a:buFont typeface="Arial" charset="0"/>
-              <a:buChar char="•"/>
-            </a:pPr>
-            <a:r>
-              <a:rPr lang="en-US" altLang="ja-JP" sz="1700" b="1" dirty="0" smtClean="0">
-                <a:latin typeface="Arial" charset="0"/>
-                <a:ea typeface="Arial" charset="0"/>
-                <a:cs typeface="Arial" charset="0"/>
-              </a:rPr>
-              <a:t>Marketing Budget</a:t>
-            </a:r>
-          </a:p>
-          <a:p>
-            <a:pPr marL="742950" lvl="1" indent="-285750">
-              <a:buFont typeface="Arial" charset="0"/>
-              <a:buChar char="•"/>
-            </a:pPr>
-            <a:r>
-              <a:rPr lang="en-US" altLang="ja-JP" sz="1700" dirty="0" smtClean="0">
-                <a:latin typeface="Arial" charset="0"/>
-                <a:ea typeface="Arial" charset="0"/>
-                <a:cs typeface="Arial" charset="0"/>
-              </a:rPr>
-              <a:t>How much?</a:t>
-            </a:r>
-          </a:p>
-          <a:p>
-            <a:pPr marL="742950" lvl="1" indent="-285750">
-              <a:buFont typeface="Arial" charset="0"/>
-              <a:buChar char="•"/>
-            </a:pPr>
-            <a:r>
-              <a:rPr lang="en-US" altLang="ja-JP" sz="1700" dirty="0" smtClean="0">
-                <a:latin typeface="Arial" charset="0"/>
-                <a:ea typeface="Arial" charset="0"/>
-                <a:cs typeface="Arial" charset="0"/>
-              </a:rPr>
-              <a:t>Is there any spending skew related to planning cycle?</a:t>
-            </a:r>
-          </a:p>
-          <a:p>
-            <a:pPr marL="285750" indent="-285750">
-              <a:buFont typeface="Arial" charset="0"/>
-              <a:buChar char="•"/>
-            </a:pPr>
-            <a:r>
-              <a:rPr lang="en-US" altLang="ja-JP" sz="1700" b="1" dirty="0">
-                <a:latin typeface="Arial" charset="0"/>
-                <a:ea typeface="Arial" charset="0"/>
-                <a:cs typeface="Arial" charset="0"/>
-              </a:rPr>
-              <a:t>KPI</a:t>
-            </a:r>
-          </a:p>
-          <a:p>
-            <a:pPr marL="742950" lvl="1" indent="-285750">
-              <a:buFont typeface="Arial" charset="0"/>
-              <a:buChar char="•"/>
-            </a:pPr>
-            <a:r>
-              <a:rPr lang="en-US" altLang="ja-JP" sz="1700" dirty="0">
-                <a:latin typeface="Arial" charset="0"/>
-                <a:ea typeface="Arial" charset="0"/>
-                <a:cs typeface="Arial" charset="0"/>
-              </a:rPr>
-              <a:t>What is primary KPI for Marketing? </a:t>
-            </a:r>
-            <a:endParaRPr lang="en-US" altLang="ja-JP" sz="1700" dirty="0" smtClean="0">
-              <a:latin typeface="Arial" charset="0"/>
-              <a:ea typeface="Arial" charset="0"/>
-              <a:cs typeface="Arial" charset="0"/>
-            </a:endParaRPr>
-          </a:p>
-          <a:p>
-            <a:pPr marL="285750" indent="-285750">
-              <a:buFont typeface="Arial" charset="0"/>
-              <a:buChar char="•"/>
-            </a:pPr>
-            <a:r>
-              <a:rPr lang="en-US" altLang="ja-JP" sz="1700" b="1" dirty="0" smtClean="0">
-                <a:latin typeface="Arial" charset="0"/>
-                <a:ea typeface="Arial" charset="0"/>
-                <a:cs typeface="Arial" charset="0"/>
-              </a:rPr>
-              <a:t>Marketing Performance Report</a:t>
-            </a:r>
-          </a:p>
-          <a:p>
-            <a:pPr marL="742950" lvl="1" indent="-285750">
-              <a:buFont typeface="Arial" charset="0"/>
-              <a:buChar char="•"/>
-            </a:pPr>
-            <a:r>
-              <a:rPr lang="en-US" altLang="ja-JP" sz="1700" dirty="0" smtClean="0">
-                <a:latin typeface="Arial" charset="0"/>
-                <a:ea typeface="Arial" charset="0"/>
-                <a:cs typeface="Arial" charset="0"/>
-              </a:rPr>
-              <a:t>How do you capture Marketing performance? Do you use any reporting tools?</a:t>
-            </a:r>
-          </a:p>
-          <a:p>
-            <a:pPr marL="285750" indent="-285750">
-              <a:buFont typeface="Arial" charset="0"/>
-              <a:buChar char="•"/>
-            </a:pPr>
-            <a:r>
-              <a:rPr lang="en-US" altLang="ja-JP" sz="1700" b="1" dirty="0" smtClean="0">
-                <a:latin typeface="Arial" charset="0"/>
-                <a:ea typeface="Arial" charset="0"/>
-                <a:cs typeface="Arial" charset="0"/>
-              </a:rPr>
-              <a:t>Digital Marketing</a:t>
-            </a:r>
-          </a:p>
-          <a:p>
-            <a:pPr marL="742950" lvl="1" indent="-285750">
-              <a:buFont typeface="Arial" charset="0"/>
-              <a:buChar char="•"/>
-            </a:pPr>
-            <a:r>
-              <a:rPr lang="en-US" altLang="ja-JP" sz="1700" dirty="0" smtClean="0">
-                <a:latin typeface="Arial" charset="0"/>
-                <a:ea typeface="Arial" charset="0"/>
-                <a:cs typeface="Arial" charset="0"/>
-              </a:rPr>
-              <a:t>How do you buy paid medias such as display ads, paid </a:t>
-            </a:r>
-            <a:r>
-              <a:rPr lang="en-US" altLang="ja-JP" sz="1700" dirty="0">
-                <a:latin typeface="Arial" charset="0"/>
-                <a:ea typeface="Arial" charset="0"/>
-                <a:cs typeface="Arial" charset="0"/>
-              </a:rPr>
-              <a:t>s</a:t>
-            </a:r>
-            <a:r>
-              <a:rPr lang="en-US" altLang="ja-JP" sz="1700" dirty="0" smtClean="0">
-                <a:latin typeface="Arial" charset="0"/>
-                <a:ea typeface="Arial" charset="0"/>
-                <a:cs typeface="Arial" charset="0"/>
-              </a:rPr>
-              <a:t>earch and sponsorships? Do you do Central buying? </a:t>
-            </a:r>
-          </a:p>
-          <a:p>
-            <a:pPr marL="285750" indent="-285750">
-              <a:buFont typeface="Arial" charset="0"/>
-              <a:buChar char="•"/>
-            </a:pPr>
-            <a:r>
-              <a:rPr lang="en-US" altLang="ja-JP" sz="1700" b="1" dirty="0" smtClean="0">
-                <a:latin typeface="Arial" charset="0"/>
-                <a:ea typeface="Arial" charset="0"/>
-                <a:cs typeface="Arial" charset="0"/>
-              </a:rPr>
-              <a:t>Customer database</a:t>
-            </a:r>
-          </a:p>
-          <a:p>
-            <a:pPr marL="742950" lvl="1" indent="-285750">
-              <a:buFont typeface="Arial" charset="0"/>
-              <a:buChar char="•"/>
-            </a:pPr>
-            <a:r>
-              <a:rPr lang="en-US" altLang="ja-JP" sz="1700" dirty="0" smtClean="0">
-                <a:latin typeface="Arial" charset="0"/>
-                <a:ea typeface="Arial" charset="0"/>
-                <a:cs typeface="Arial" charset="0"/>
-              </a:rPr>
-              <a:t>How do you manage Geo specific customer data?  Any centralized database?</a:t>
-            </a:r>
-            <a:endParaRPr kumimoji="1" lang="en-US" altLang="ja-JP" sz="1700" dirty="0" smtClean="0">
-              <a:latin typeface="Arial" charset="0"/>
-              <a:ea typeface="Arial" charset="0"/>
-              <a:cs typeface="Arial" charset="0"/>
-            </a:endParaRPr>
-          </a:p>
-          <a:p>
-            <a:pPr marL="285750" indent="-285750">
-              <a:buFont typeface="Arial" charset="0"/>
-              <a:buChar char="•"/>
-            </a:pPr>
-            <a:r>
-              <a:rPr lang="en-US" altLang="ja-JP" sz="1700" b="1" dirty="0" smtClean="0">
-                <a:latin typeface="Arial" charset="0"/>
-                <a:ea typeface="Arial" charset="0"/>
-                <a:cs typeface="Arial" charset="0"/>
-              </a:rPr>
-              <a:t>Marketing Intelligence</a:t>
-            </a:r>
-          </a:p>
-          <a:p>
-            <a:pPr marL="742950" lvl="1" indent="-285750">
-              <a:buFont typeface="Arial" charset="0"/>
-              <a:buChar char="•"/>
-            </a:pPr>
-            <a:r>
-              <a:rPr lang="en-US" altLang="ja-JP" sz="1700" dirty="0" smtClean="0">
-                <a:latin typeface="Arial" charset="0"/>
-                <a:ea typeface="Arial" charset="0"/>
-                <a:cs typeface="Arial" charset="0"/>
-              </a:rPr>
-              <a:t>Is there any </a:t>
-            </a:r>
-            <a:r>
-              <a:rPr lang="en-US" altLang="ja-JP" sz="1700" dirty="0">
-                <a:latin typeface="Arial" charset="0"/>
-                <a:ea typeface="Arial" charset="0"/>
-                <a:cs typeface="Arial" charset="0"/>
-              </a:rPr>
-              <a:t>c</a:t>
-            </a:r>
-            <a:r>
-              <a:rPr lang="en-US" altLang="ja-JP" sz="1700" dirty="0" smtClean="0">
-                <a:latin typeface="Arial" charset="0"/>
-                <a:ea typeface="Arial" charset="0"/>
-                <a:cs typeface="Arial" charset="0"/>
-              </a:rPr>
-              <a:t>entralized function for MI? How do Geo marketing get local market </a:t>
-            </a:r>
-            <a:r>
-              <a:rPr lang="en-US" altLang="ja-JP" sz="1700" dirty="0">
-                <a:latin typeface="Arial" charset="0"/>
-                <a:ea typeface="Arial" charset="0"/>
-                <a:cs typeface="Arial" charset="0"/>
-              </a:rPr>
-              <a:t>Insights/research </a:t>
-            </a:r>
-            <a:r>
-              <a:rPr lang="en-US" altLang="ja-JP" sz="1700" dirty="0" smtClean="0">
-                <a:latin typeface="Arial" charset="0"/>
-                <a:ea typeface="Arial" charset="0"/>
-                <a:cs typeface="Arial" charset="0"/>
-              </a:rPr>
-              <a:t>information?</a:t>
-            </a:r>
-          </a:p>
-          <a:p>
-            <a:pPr marL="285750" indent="-285750">
-              <a:buFont typeface="Arial" charset="0"/>
-              <a:buChar char="•"/>
-            </a:pPr>
-            <a:r>
-              <a:rPr kumimoji="1" lang="en-US" altLang="ja-JP" sz="1700" b="1" dirty="0" smtClean="0">
-                <a:latin typeface="Arial" charset="0"/>
-                <a:ea typeface="Arial" charset="0"/>
-                <a:cs typeface="Arial" charset="0"/>
-              </a:rPr>
-              <a:t>Inside Sales</a:t>
-            </a:r>
-          </a:p>
-          <a:p>
-            <a:pPr marL="742950" lvl="1" indent="-285750">
-              <a:buFont typeface="Arial" charset="0"/>
-              <a:buChar char="•"/>
-            </a:pPr>
-            <a:r>
-              <a:rPr lang="en-US" altLang="ja-JP" sz="1700" dirty="0" smtClean="0">
-                <a:latin typeface="Arial" charset="0"/>
-                <a:ea typeface="Arial" charset="0"/>
-                <a:cs typeface="Arial" charset="0"/>
-              </a:rPr>
-              <a:t>Is there any inside sales functions?</a:t>
-            </a:r>
-            <a:endParaRPr kumimoji="1" lang="ja-JP" altLang="en-US" sz="1700" dirty="0">
-              <a:latin typeface="Arial" charset="0"/>
-              <a:ea typeface="Arial" charset="0"/>
-              <a:cs typeface="Arial" charset="0"/>
-            </a:endParaRPr>
-          </a:p>
-        </p:txBody>
-      </p:sp>
-    </p:spTree>
-    <p:extLst>
-      <p:ext uri="{BB962C8B-B14F-4D97-AF65-F5344CB8AC3E}">
-        <p14:creationId xmlns:p14="http://schemas.microsoft.com/office/powerpoint/2010/main" val="1749016565"/>
-      </p:ext>
-    </p:extLst>
-  </p:cSld>
-  <p:clrMapOvr>
-    <a:masterClrMapping/>
-  </p:clrMapOvr>
-  <p:timing>
-    <p:tnLst>
-      <p:par>
-        <p:cTn id="1" dur="indefinite" restart="never" nodeType="tmRoot"/>
-      </p:par>
-    </p:tnLst>
-  </p:timing>
-</p:sld>
-</file>
-
-<file path=ppt/slides/slide12.xml><?xml version="1.0" encoding="utf-8"?>
 <p:sld xmlns:a="http://schemas.openxmlformats.org/drawingml/2006/main" xmlns:r="http://schemas.openxmlformats.org/officeDocument/2006/relationships" xmlns:p="http://schemas.openxmlformats.org/presentationml/2006/main">
   <p:cSld>
     <p:spTree>
@@ -7133,7 +6766,7 @@
                 <a:ea typeface="Arial" charset="0"/>
                 <a:cs typeface="Arial" charset="0"/>
               </a:rPr>
-              <a:t>Appendix</a:t>
+              <a:t>Community Marketing</a:t>
             </a:r>
             <a:endParaRPr kumimoji="1" lang="en-US" altLang="ja-JP" sz="3600" b="1" kern="0" dirty="0">
               <a:solidFill>
@@ -7146,10 +6779,471 @@
           </a:p>
         </p:txBody>
       </p:sp>
+      <p:sp>
+        <p:nvSpPr>
+          <p:cNvPr id="4" name="角丸四角形 3"/>
+          <p:cNvSpPr/>
+          <p:nvPr/>
+        </p:nvSpPr>
+        <p:spPr>
+          <a:xfrm>
+            <a:off x="10302949" y="10633"/>
+            <a:ext cx="1889051" cy="716526"/>
+          </a:xfrm>
+          <a:prstGeom prst="roundRect">
+            <a:avLst/>
+          </a:prstGeom>
+          <a:solidFill>
+            <a:schemeClr val="accent2"/>
+          </a:solidFill>
+          <a:ln>
+            <a:noFill/>
+          </a:ln>
+        </p:spPr>
+        <p:style>
+          <a:lnRef idx="2">
+            <a:schemeClr val="accent1">
+              <a:shade val="50000"/>
+            </a:schemeClr>
+          </a:lnRef>
+          <a:fillRef idx="1">
+            <a:schemeClr val="accent1"/>
+          </a:fillRef>
+          <a:effectRef idx="0">
+            <a:schemeClr val="accent1"/>
+          </a:effectRef>
+          <a:fontRef idx="minor">
+            <a:schemeClr val="lt1"/>
+          </a:fontRef>
+        </p:style>
+        <p:txBody>
+          <a:bodyPr rtlCol="0" anchor="ctr"/>
+          <a:lstStyle/>
+          <a:p>
+            <a:pPr algn="ctr"/>
+            <a:r>
+              <a:rPr kumimoji="1" lang="en-US" altLang="ja-JP" sz="2800" dirty="0" smtClean="0">
+                <a:latin typeface="Arial" charset="0"/>
+                <a:ea typeface="Arial" charset="0"/>
+                <a:cs typeface="Arial" charset="0"/>
+              </a:rPr>
+              <a:t>WIP</a:t>
+            </a:r>
+            <a:endParaRPr kumimoji="1" lang="ja-JP" altLang="en-US" sz="2800" dirty="0">
+              <a:latin typeface="Arial" charset="0"/>
+              <a:ea typeface="Arial" charset="0"/>
+              <a:cs typeface="Arial" charset="0"/>
+            </a:endParaRPr>
+          </a:p>
+        </p:txBody>
+      </p:sp>
     </p:spTree>
     <p:extLst>
       <p:ext uri="{BB962C8B-B14F-4D97-AF65-F5344CB8AC3E}">
-        <p14:creationId xmlns:p14="http://schemas.microsoft.com/office/powerpoint/2010/main" val="1572702477"/>
+        <p14:creationId xmlns:p14="http://schemas.microsoft.com/office/powerpoint/2010/main" val="962716885"/>
+      </p:ext>
+    </p:extLst>
+  </p:cSld>
+  <p:clrMapOvr>
+    <a:masterClrMapping/>
+  </p:clrMapOvr>
+  <p:timing>
+    <p:tnLst>
+      <p:par>
+        <p:cTn id="1" dur="indefinite" restart="never" nodeType="tmRoot"/>
+      </p:par>
+    </p:tnLst>
+  </p:timing>
+</p:sld>
+</file>
+
+<file path=ppt/slides/slide12.xml><?xml version="1.0" encoding="utf-8"?>
+<p:sld xmlns:a="http://schemas.openxmlformats.org/drawingml/2006/main" xmlns:r="http://schemas.openxmlformats.org/officeDocument/2006/relationships" xmlns:p="http://schemas.openxmlformats.org/presentationml/2006/main">
+  <p:cSld>
+    <p:spTree>
+      <p:nvGrpSpPr>
+        <p:cNvPr id="1" name=""/>
+        <p:cNvGrpSpPr/>
+        <p:nvPr/>
+      </p:nvGrpSpPr>
+      <p:grpSpPr>
+        <a:xfrm>
+          <a:off x="0" y="0"/>
+          <a:ext cx="0" cy="0"/>
+          <a:chOff x="0" y="0"/>
+          <a:chExt cx="0" cy="0"/>
+        </a:xfrm>
+      </p:grpSpPr>
+      <p:sp>
+        <p:nvSpPr>
+          <p:cNvPr id="2" name="Title 1"/>
+          <p:cNvSpPr>
+            <a:spLocks noGrp="1"/>
+          </p:cNvSpPr>
+          <p:nvPr>
+            <p:ph type="title"/>
+          </p:nvPr>
+        </p:nvSpPr>
+        <p:spPr>
+          <a:xfrm>
+            <a:off x="322023" y="374794"/>
+            <a:ext cx="11426632" cy="512961"/>
+          </a:xfrm>
+        </p:spPr>
+        <p:txBody>
+          <a:bodyPr/>
+          <a:lstStyle/>
+          <a:p>
+            <a:r>
+              <a:rPr kumimoji="1" lang="en-US" altLang="ja-JP" sz="3600" b="1" dirty="0" smtClean="0">
+                <a:solidFill>
+                  <a:srgbClr val="00B0F0"/>
+                </a:solidFill>
+                <a:latin typeface="Arial" charset="0"/>
+                <a:ea typeface="Arial" charset="0"/>
+                <a:cs typeface="Arial" charset="0"/>
+              </a:rPr>
+              <a:t>Questions</a:t>
+            </a:r>
+            <a:endParaRPr kumimoji="1" lang="ja-JP" altLang="en-US" sz="2933" b="1" dirty="0">
+              <a:solidFill>
+                <a:srgbClr val="00B0F0"/>
+              </a:solidFill>
+              <a:latin typeface="Arial" charset="0"/>
+              <a:ea typeface="Arial" charset="0"/>
+              <a:cs typeface="Arial" charset="0"/>
+            </a:endParaRPr>
+          </a:p>
+        </p:txBody>
+      </p:sp>
+      <p:sp>
+        <p:nvSpPr>
+          <p:cNvPr id="4" name="テキスト ボックス 3"/>
+          <p:cNvSpPr txBox="1"/>
+          <p:nvPr/>
+        </p:nvSpPr>
+        <p:spPr>
+          <a:xfrm>
+            <a:off x="322023" y="1309477"/>
+            <a:ext cx="11426632" cy="4801314"/>
+          </a:xfrm>
+          <a:prstGeom prst="rect">
+            <a:avLst/>
+          </a:prstGeom>
+          <a:noFill/>
+        </p:spPr>
+        <p:txBody>
+          <a:bodyPr wrap="square" rtlCol="0">
+            <a:spAutoFit/>
+          </a:bodyPr>
+          <a:lstStyle/>
+          <a:p>
+            <a:pPr marL="285750" indent="-285750">
+              <a:buFont typeface="Arial" charset="0"/>
+              <a:buChar char="•"/>
+            </a:pPr>
+            <a:r>
+              <a:rPr lang="en-US" altLang="ja-JP" sz="1700" b="1" dirty="0" smtClean="0">
+                <a:latin typeface="Arial" charset="0"/>
+                <a:ea typeface="Arial" charset="0"/>
+                <a:cs typeface="Arial" charset="0"/>
+              </a:rPr>
+              <a:t>Planning Cycle</a:t>
+            </a:r>
+          </a:p>
+          <a:p>
+            <a:pPr marL="742950" lvl="1" indent="-285750">
+              <a:buFont typeface="Arial" charset="0"/>
+              <a:buChar char="•"/>
+            </a:pPr>
+            <a:r>
+              <a:rPr lang="en-US" altLang="ja-JP" sz="1700" dirty="0" smtClean="0">
+                <a:latin typeface="Arial" charset="0"/>
+                <a:ea typeface="Arial" charset="0"/>
+                <a:cs typeface="Arial" charset="0"/>
+              </a:rPr>
+              <a:t>3 months(quarterly),6 months(half) or full year?</a:t>
+            </a:r>
+          </a:p>
+          <a:p>
+            <a:pPr marL="285750" indent="-285750">
+              <a:buFont typeface="Arial" charset="0"/>
+              <a:buChar char="•"/>
+            </a:pPr>
+            <a:r>
+              <a:rPr lang="en-US" altLang="ja-JP" sz="1700" b="1" dirty="0" smtClean="0">
+                <a:latin typeface="Arial" charset="0"/>
+                <a:ea typeface="Arial" charset="0"/>
+                <a:cs typeface="Arial" charset="0"/>
+              </a:rPr>
+              <a:t>Marketing Budget</a:t>
+            </a:r>
+          </a:p>
+          <a:p>
+            <a:pPr marL="742950" lvl="1" indent="-285750">
+              <a:buFont typeface="Arial" charset="0"/>
+              <a:buChar char="•"/>
+            </a:pPr>
+            <a:r>
+              <a:rPr lang="en-US" altLang="ja-JP" sz="1700" dirty="0" smtClean="0">
+                <a:latin typeface="Arial" charset="0"/>
+                <a:ea typeface="Arial" charset="0"/>
+                <a:cs typeface="Arial" charset="0"/>
+              </a:rPr>
+              <a:t>How much?</a:t>
+            </a:r>
+          </a:p>
+          <a:p>
+            <a:pPr marL="742950" lvl="1" indent="-285750">
+              <a:buFont typeface="Arial" charset="0"/>
+              <a:buChar char="•"/>
+            </a:pPr>
+            <a:r>
+              <a:rPr lang="en-US" altLang="ja-JP" sz="1700" dirty="0" smtClean="0">
+                <a:latin typeface="Arial" charset="0"/>
+                <a:ea typeface="Arial" charset="0"/>
+                <a:cs typeface="Arial" charset="0"/>
+              </a:rPr>
+              <a:t>Is there any spending skew related to planning cycle?</a:t>
+            </a:r>
+          </a:p>
+          <a:p>
+            <a:pPr marL="285750" indent="-285750">
+              <a:buFont typeface="Arial" charset="0"/>
+              <a:buChar char="•"/>
+            </a:pPr>
+            <a:r>
+              <a:rPr lang="en-US" altLang="ja-JP" sz="1700" b="1" dirty="0">
+                <a:latin typeface="Arial" charset="0"/>
+                <a:ea typeface="Arial" charset="0"/>
+                <a:cs typeface="Arial" charset="0"/>
+              </a:rPr>
+              <a:t>KPI</a:t>
+            </a:r>
+          </a:p>
+          <a:p>
+            <a:pPr marL="742950" lvl="1" indent="-285750">
+              <a:buFont typeface="Arial" charset="0"/>
+              <a:buChar char="•"/>
+            </a:pPr>
+            <a:r>
+              <a:rPr lang="en-US" altLang="ja-JP" sz="1700" dirty="0">
+                <a:latin typeface="Arial" charset="0"/>
+                <a:ea typeface="Arial" charset="0"/>
+                <a:cs typeface="Arial" charset="0"/>
+              </a:rPr>
+              <a:t>What is primary KPI for Marketing? </a:t>
+            </a:r>
+            <a:endParaRPr lang="en-US" altLang="ja-JP" sz="1700" dirty="0" smtClean="0">
+              <a:latin typeface="Arial" charset="0"/>
+              <a:ea typeface="Arial" charset="0"/>
+              <a:cs typeface="Arial" charset="0"/>
+            </a:endParaRPr>
+          </a:p>
+          <a:p>
+            <a:pPr marL="285750" indent="-285750">
+              <a:buFont typeface="Arial" charset="0"/>
+              <a:buChar char="•"/>
+            </a:pPr>
+            <a:r>
+              <a:rPr lang="en-US" altLang="ja-JP" sz="1700" b="1" dirty="0" smtClean="0">
+                <a:latin typeface="Arial" charset="0"/>
+                <a:ea typeface="Arial" charset="0"/>
+                <a:cs typeface="Arial" charset="0"/>
+              </a:rPr>
+              <a:t>Marketing Performance Report</a:t>
+            </a:r>
+          </a:p>
+          <a:p>
+            <a:pPr marL="742950" lvl="1" indent="-285750">
+              <a:buFont typeface="Arial" charset="0"/>
+              <a:buChar char="•"/>
+            </a:pPr>
+            <a:r>
+              <a:rPr lang="en-US" altLang="ja-JP" sz="1700" dirty="0" smtClean="0">
+                <a:latin typeface="Arial" charset="0"/>
+                <a:ea typeface="Arial" charset="0"/>
+                <a:cs typeface="Arial" charset="0"/>
+              </a:rPr>
+              <a:t>How do you capture Marketing performance? Do you use any reporting tools?</a:t>
+            </a:r>
+          </a:p>
+          <a:p>
+            <a:pPr marL="285750" indent="-285750">
+              <a:buFont typeface="Arial" charset="0"/>
+              <a:buChar char="•"/>
+            </a:pPr>
+            <a:r>
+              <a:rPr lang="en-US" altLang="ja-JP" sz="1700" b="1" dirty="0" smtClean="0">
+                <a:latin typeface="Arial" charset="0"/>
+                <a:ea typeface="Arial" charset="0"/>
+                <a:cs typeface="Arial" charset="0"/>
+              </a:rPr>
+              <a:t>Digital Marketing</a:t>
+            </a:r>
+          </a:p>
+          <a:p>
+            <a:pPr marL="742950" lvl="1" indent="-285750">
+              <a:buFont typeface="Arial" charset="0"/>
+              <a:buChar char="•"/>
+            </a:pPr>
+            <a:r>
+              <a:rPr lang="en-US" altLang="ja-JP" sz="1700" dirty="0" smtClean="0">
+                <a:latin typeface="Arial" charset="0"/>
+                <a:ea typeface="Arial" charset="0"/>
+                <a:cs typeface="Arial" charset="0"/>
+              </a:rPr>
+              <a:t>How do you buy paid medias such as display ads, paid </a:t>
+            </a:r>
+            <a:r>
+              <a:rPr lang="en-US" altLang="ja-JP" sz="1700" dirty="0">
+                <a:latin typeface="Arial" charset="0"/>
+                <a:ea typeface="Arial" charset="0"/>
+                <a:cs typeface="Arial" charset="0"/>
+              </a:rPr>
+              <a:t>s</a:t>
+            </a:r>
+            <a:r>
+              <a:rPr lang="en-US" altLang="ja-JP" sz="1700" dirty="0" smtClean="0">
+                <a:latin typeface="Arial" charset="0"/>
+                <a:ea typeface="Arial" charset="0"/>
+                <a:cs typeface="Arial" charset="0"/>
+              </a:rPr>
+              <a:t>earch and sponsorships? Do you do Central buying? </a:t>
+            </a:r>
+          </a:p>
+          <a:p>
+            <a:pPr marL="285750" indent="-285750">
+              <a:buFont typeface="Arial" charset="0"/>
+              <a:buChar char="•"/>
+            </a:pPr>
+            <a:r>
+              <a:rPr lang="en-US" altLang="ja-JP" sz="1700" b="1" dirty="0" smtClean="0">
+                <a:latin typeface="Arial" charset="0"/>
+                <a:ea typeface="Arial" charset="0"/>
+                <a:cs typeface="Arial" charset="0"/>
+              </a:rPr>
+              <a:t>Customer database</a:t>
+            </a:r>
+          </a:p>
+          <a:p>
+            <a:pPr marL="742950" lvl="1" indent="-285750">
+              <a:buFont typeface="Arial" charset="0"/>
+              <a:buChar char="•"/>
+            </a:pPr>
+            <a:r>
+              <a:rPr lang="en-US" altLang="ja-JP" sz="1700" dirty="0" smtClean="0">
+                <a:latin typeface="Arial" charset="0"/>
+                <a:ea typeface="Arial" charset="0"/>
+                <a:cs typeface="Arial" charset="0"/>
+              </a:rPr>
+              <a:t>How do you manage Geo specific customer data?  Any centralized database?</a:t>
+            </a:r>
+            <a:endParaRPr kumimoji="1" lang="en-US" altLang="ja-JP" sz="1700" dirty="0" smtClean="0">
+              <a:latin typeface="Arial" charset="0"/>
+              <a:ea typeface="Arial" charset="0"/>
+              <a:cs typeface="Arial" charset="0"/>
+            </a:endParaRPr>
+          </a:p>
+          <a:p>
+            <a:pPr marL="285750" indent="-285750">
+              <a:buFont typeface="Arial" charset="0"/>
+              <a:buChar char="•"/>
+            </a:pPr>
+            <a:r>
+              <a:rPr lang="en-US" altLang="ja-JP" sz="1700" b="1" dirty="0" smtClean="0">
+                <a:latin typeface="Arial" charset="0"/>
+                <a:ea typeface="Arial" charset="0"/>
+                <a:cs typeface="Arial" charset="0"/>
+              </a:rPr>
+              <a:t>Marketing Intelligence</a:t>
+            </a:r>
+          </a:p>
+          <a:p>
+            <a:pPr marL="742950" lvl="1" indent="-285750">
+              <a:buFont typeface="Arial" charset="0"/>
+              <a:buChar char="•"/>
+            </a:pPr>
+            <a:r>
+              <a:rPr lang="en-US" altLang="ja-JP" sz="1700" dirty="0" smtClean="0">
+                <a:latin typeface="Arial" charset="0"/>
+                <a:ea typeface="Arial" charset="0"/>
+                <a:cs typeface="Arial" charset="0"/>
+              </a:rPr>
+              <a:t>Is there any </a:t>
+            </a:r>
+            <a:r>
+              <a:rPr lang="en-US" altLang="ja-JP" sz="1700" dirty="0">
+                <a:latin typeface="Arial" charset="0"/>
+                <a:ea typeface="Arial" charset="0"/>
+                <a:cs typeface="Arial" charset="0"/>
+              </a:rPr>
+              <a:t>c</a:t>
+            </a:r>
+            <a:r>
+              <a:rPr lang="en-US" altLang="ja-JP" sz="1700" dirty="0" smtClean="0">
+                <a:latin typeface="Arial" charset="0"/>
+                <a:ea typeface="Arial" charset="0"/>
+                <a:cs typeface="Arial" charset="0"/>
+              </a:rPr>
+              <a:t>entralized function for MI? How do Geo marketing get local market </a:t>
+            </a:r>
+            <a:r>
+              <a:rPr lang="en-US" altLang="ja-JP" sz="1700" dirty="0">
+                <a:latin typeface="Arial" charset="0"/>
+                <a:ea typeface="Arial" charset="0"/>
+                <a:cs typeface="Arial" charset="0"/>
+              </a:rPr>
+              <a:t>Insights/research </a:t>
+            </a:r>
+            <a:r>
+              <a:rPr lang="en-US" altLang="ja-JP" sz="1700" dirty="0" smtClean="0">
+                <a:latin typeface="Arial" charset="0"/>
+                <a:ea typeface="Arial" charset="0"/>
+                <a:cs typeface="Arial" charset="0"/>
+              </a:rPr>
+              <a:t>information?</a:t>
+            </a:r>
+          </a:p>
+          <a:p>
+            <a:pPr marL="285750" indent="-285750">
+              <a:buFont typeface="Arial" charset="0"/>
+              <a:buChar char="•"/>
+            </a:pPr>
+            <a:r>
+              <a:rPr kumimoji="1" lang="en-US" altLang="ja-JP" sz="1700" b="1" dirty="0" smtClean="0">
+                <a:latin typeface="Arial" charset="0"/>
+                <a:ea typeface="Arial" charset="0"/>
+                <a:cs typeface="Arial" charset="0"/>
+              </a:rPr>
+              <a:t>Inside Sales</a:t>
+            </a:r>
+          </a:p>
+          <a:p>
+            <a:pPr marL="742950" lvl="1" indent="-285750">
+              <a:buFont typeface="Arial" charset="0"/>
+              <a:buChar char="•"/>
+            </a:pPr>
+            <a:r>
+              <a:rPr lang="en-US" altLang="ja-JP" sz="1700" dirty="0" smtClean="0">
+                <a:latin typeface="Arial" charset="0"/>
+                <a:ea typeface="Arial" charset="0"/>
+                <a:cs typeface="Arial" charset="0"/>
+              </a:rPr>
+              <a:t>Is there any inside sales functions?</a:t>
+            </a:r>
+            <a:endParaRPr kumimoji="1" lang="ja-JP" altLang="en-US" sz="1700" dirty="0">
+              <a:latin typeface="Arial" charset="0"/>
+              <a:ea typeface="Arial" charset="0"/>
+              <a:cs typeface="Arial" charset="0"/>
+            </a:endParaRPr>
+          </a:p>
+        </p:txBody>
+      </p:sp>
+    </p:spTree>
+    <p:extLst>
+      <p:ext uri="{BB962C8B-B14F-4D97-AF65-F5344CB8AC3E}">
+        <p14:creationId xmlns:p14="http://schemas.microsoft.com/office/powerpoint/2010/main" val="1749016565"/>
       </p:ext>
     </p:extLst>
   </p:cSld>
@@ -7185,25 +7279,41 @@
       </p:grpSpPr>
       <p:sp>
         <p:nvSpPr>
-          <p:cNvPr id="2" name="Title 1"/>
-          <p:cNvSpPr>
-            <a:spLocks noGrp="1"/>
+          <p:cNvPr id="3" name="Title 1"/>
+          <p:cNvSpPr txBox="1">
+            <a:spLocks/>
           </p:cNvSpPr>
-          <p:nvPr>
-            <p:ph type="title"/>
-          </p:nvPr>
+          <p:nvPr/>
         </p:nvSpPr>
         <p:spPr>
           <a:xfrm>
-            <a:off x="373063" y="281839"/>
-            <a:ext cx="11426632" cy="605294"/>
+            <a:off x="322023" y="374794"/>
+            <a:ext cx="11426632" cy="1538883"/>
           </a:xfrm>
+          <a:prstGeom prst="rect">
+            <a:avLst/>
+          </a:prstGeom>
         </p:spPr>
         <p:txBody>
           <a:bodyPr/>
-          <a:lstStyle/>
+          <a:lstStyle>
+            <a:lvl1pPr algn="l" defTabSz="1219170" rtl="0" eaLnBrk="1" latinLnBrk="0" hangingPunct="1">
+              <a:spcBef>
+                <a:spcPct val="0"/>
+              </a:spcBef>
+              <a:buNone/>
+              <a:defRPr sz="5600" kern="1200" baseline="0">
+                <a:solidFill>
+                  <a:srgbClr val="FFFFFF"/>
+                </a:solidFill>
+                <a:latin typeface="+mj-lt"/>
+                <a:ea typeface="+mj-ea"/>
+                <a:cs typeface="+mj-cs"/>
+              </a:defRPr>
+            </a:lvl1pPr>
+          </a:lstStyle>
           <a:p>
-            <a:pPr lvl="1" algn="l" defTabSz="1219170" rtl="0">
+            <a:pPr marL="0" lvl="1" algn="l" defTabSz="1219170" rtl="0">
               <a:lnSpc>
                 <a:spcPts val="4000"/>
               </a:lnSpc>
@@ -7212,7 +7322,7 @@
               </a:spcBef>
             </a:pPr>
             <a:r>
-              <a:rPr kumimoji="1" lang="en-US" altLang="ja-JP" sz="3600" b="1" dirty="0" smtClean="0">
+              <a:rPr kumimoji="1" lang="en-US" altLang="ja-JP" sz="3600" b="1" kern="0" dirty="0" smtClean="0">
                 <a:solidFill>
                   <a:srgbClr val="00B0F0"/>
                 </a:solidFill>
@@ -7220,1427 +7330,11 @@
                 <a:ea typeface="Arial" charset="0"/>
                 <a:cs typeface="Arial" charset="0"/>
               </a:rPr>
-              <a:t>Decision Making Process in Japan</a:t>
-            </a:r>
-          </a:p>
-        </p:txBody>
-      </p:sp>
-      <p:sp>
-        <p:nvSpPr>
-          <p:cNvPr id="64" name="TextBox 18"/>
-          <p:cNvSpPr txBox="1"/>
-          <p:nvPr/>
-        </p:nvSpPr>
-        <p:spPr>
-          <a:xfrm>
-            <a:off x="373063" y="1309138"/>
-            <a:ext cx="11558588" cy="1369606"/>
-          </a:xfrm>
-          <a:prstGeom prst="rect">
-            <a:avLst/>
-          </a:prstGeom>
-          <a:noFill/>
-          <a:ln>
-            <a:noFill/>
-          </a:ln>
-        </p:spPr>
-        <p:txBody>
-          <a:bodyPr wrap="square" lIns="0" tIns="0" rIns="0" bIns="0" rtlCol="0">
-            <a:spAutoFit/>
-          </a:bodyPr>
-          <a:lstStyle/>
-          <a:p>
-            <a:pPr marL="342891" indent="-342891">
-              <a:spcBef>
-                <a:spcPts val="600"/>
-              </a:spcBef>
-              <a:buFont typeface="Wingdings" panose="05000000000000000000" pitchFamily="2" charset="2"/>
-              <a:buChar char="p"/>
-            </a:pPr>
-            <a:r>
-              <a:rPr lang="en-US" altLang="ja-JP" sz="2100" kern="0" spc="-31" dirty="0">
-                <a:latin typeface="Arial" charset="0"/>
-                <a:ea typeface="Arial" charset="0"/>
-                <a:cs typeface="Arial" charset="0"/>
-              </a:rPr>
-              <a:t>In Japan Market, customers in IT organization of end users often does not have so rich knowledge about infrastructure as those in </a:t>
-            </a:r>
-            <a:r>
-              <a:rPr lang="en-US" altLang="ja-JP" sz="2100" kern="0" spc="-31" dirty="0" smtClean="0">
-                <a:latin typeface="Arial" charset="0"/>
-                <a:ea typeface="Arial" charset="0"/>
-                <a:cs typeface="Arial" charset="0"/>
-              </a:rPr>
-              <a:t>North America</a:t>
-            </a:r>
-            <a:endParaRPr lang="en-US" altLang="ja-JP" sz="2100" kern="0" spc="-31" dirty="0">
-              <a:latin typeface="Arial" charset="0"/>
-              <a:ea typeface="Arial" charset="0"/>
-              <a:cs typeface="Arial" charset="0"/>
-            </a:endParaRPr>
-          </a:p>
-          <a:p>
-            <a:pPr marL="342891" indent="-342891">
-              <a:spcBef>
-                <a:spcPts val="600"/>
-              </a:spcBef>
-              <a:buFont typeface="Wingdings" panose="05000000000000000000" pitchFamily="2" charset="2"/>
-              <a:buChar char="p"/>
-            </a:pPr>
-            <a:r>
-              <a:rPr lang="en-US" altLang="ja-JP" sz="2100" kern="0" spc="-31" dirty="0">
-                <a:latin typeface="Arial" charset="0"/>
-                <a:ea typeface="Arial" charset="0"/>
-                <a:cs typeface="Arial" charset="0"/>
-              </a:rPr>
-              <a:t>Strong IT vendors (including IBM) usually make a long-term contract (more than 5 years) and provided overall IT infrastructure management </a:t>
-            </a:r>
-            <a:r>
-              <a:rPr lang="en-US" altLang="ja-JP" sz="2100" kern="0" spc="-31" dirty="0" smtClean="0">
-                <a:latin typeface="Arial" charset="0"/>
-                <a:ea typeface="Arial" charset="0"/>
-                <a:cs typeface="Arial" charset="0"/>
-              </a:rPr>
-              <a:t>service</a:t>
-            </a:r>
-            <a:endParaRPr lang="ja-JP" altLang="en-US" sz="2100" kern="0" spc="-31" dirty="0" err="1">
-              <a:latin typeface="Arial" charset="0"/>
-              <a:ea typeface="Arial" charset="0"/>
-              <a:cs typeface="Arial" charset="0"/>
-            </a:endParaRPr>
-          </a:p>
-        </p:txBody>
-      </p:sp>
-      <p:grpSp>
-        <p:nvGrpSpPr>
-          <p:cNvPr id="65" name="Group 4"/>
-          <p:cNvGrpSpPr/>
-          <p:nvPr/>
-        </p:nvGrpSpPr>
-        <p:grpSpPr>
-          <a:xfrm>
-            <a:off x="8670930" y="5797992"/>
-            <a:ext cx="500063" cy="714371"/>
-            <a:chOff x="8075613" y="4343400"/>
-            <a:chExt cx="500063" cy="714370"/>
-          </a:xfrm>
-        </p:grpSpPr>
-        <p:sp>
-          <p:nvSpPr>
-            <p:cNvPr id="66" name="Oval 2"/>
-            <p:cNvSpPr/>
-            <p:nvPr/>
-          </p:nvSpPr>
-          <p:spPr>
-            <a:xfrm>
-              <a:off x="8129588" y="4343400"/>
-              <a:ext cx="371475" cy="371475"/>
-            </a:xfrm>
-            <a:prstGeom prst="ellipse">
-              <a:avLst/>
-            </a:prstGeom>
-            <a:solidFill>
-              <a:schemeClr val="tx1"/>
-            </a:solidFill>
-            <a:ln>
+              <a:t>Appendix</a:t>
+            </a:r>
+            <a:endParaRPr kumimoji="1" lang="en-US" altLang="ja-JP" sz="3600" b="1" kern="0" dirty="0">
               <a:solidFill>
-                <a:schemeClr val="tx1"/>
-              </a:solidFill>
-            </a:ln>
-            <a:effectLst/>
-          </p:spPr>
-          <p:style>
-            <a:lnRef idx="1">
-              <a:schemeClr val="accent1"/>
-            </a:lnRef>
-            <a:fillRef idx="3">
-              <a:schemeClr val="accent1"/>
-            </a:fillRef>
-            <a:effectRef idx="2">
-              <a:schemeClr val="accent1"/>
-            </a:effectRef>
-            <a:fontRef idx="minor">
-              <a:schemeClr val="lt1"/>
-            </a:fontRef>
-          </p:style>
-          <p:txBody>
-            <a:bodyPr rtlCol="0" anchor="ctr"/>
-            <a:lstStyle/>
-            <a:p>
-              <a:pPr algn="ctr"/>
-              <a:endParaRPr lang="ja-JP" altLang="en-US">
-                <a:solidFill>
-                  <a:prstClr val="white"/>
-                </a:solidFill>
-              </a:endParaRPr>
-            </a:p>
-          </p:txBody>
-        </p:sp>
-        <p:sp>
-          <p:nvSpPr>
-            <p:cNvPr id="67" name="Isosceles Triangle 3"/>
-            <p:cNvSpPr/>
-            <p:nvPr/>
-          </p:nvSpPr>
-          <p:spPr>
-            <a:xfrm>
-              <a:off x="8075613" y="4443408"/>
-              <a:ext cx="500063" cy="614362"/>
-            </a:xfrm>
-            <a:prstGeom prst="triangle">
-              <a:avLst/>
-            </a:prstGeom>
-            <a:solidFill>
-              <a:schemeClr val="tx1"/>
-            </a:solidFill>
-            <a:ln>
-              <a:noFill/>
-            </a:ln>
-            <a:effectLst/>
-          </p:spPr>
-          <p:style>
-            <a:lnRef idx="1">
-              <a:schemeClr val="accent1"/>
-            </a:lnRef>
-            <a:fillRef idx="3">
-              <a:schemeClr val="accent1"/>
-            </a:fillRef>
-            <a:effectRef idx="2">
-              <a:schemeClr val="accent1"/>
-            </a:effectRef>
-            <a:fontRef idx="minor">
-              <a:schemeClr val="lt1"/>
-            </a:fontRef>
-          </p:style>
-          <p:txBody>
-            <a:bodyPr rtlCol="0" anchor="ctr"/>
-            <a:lstStyle/>
-            <a:p>
-              <a:pPr algn="ctr"/>
-              <a:endParaRPr lang="ja-JP" altLang="en-US">
-                <a:solidFill>
-                  <a:prstClr val="white"/>
-                </a:solidFill>
-              </a:endParaRPr>
-            </a:p>
-          </p:txBody>
-        </p:sp>
-      </p:grpSp>
-      <p:grpSp>
-        <p:nvGrpSpPr>
-          <p:cNvPr id="68" name="Group 6"/>
-          <p:cNvGrpSpPr/>
-          <p:nvPr/>
-        </p:nvGrpSpPr>
-        <p:grpSpPr>
-          <a:xfrm>
-            <a:off x="8670931" y="4283515"/>
-            <a:ext cx="500063" cy="714371"/>
-            <a:chOff x="8075613" y="4343400"/>
-            <a:chExt cx="500063" cy="714370"/>
-          </a:xfrm>
-        </p:grpSpPr>
-        <p:sp>
-          <p:nvSpPr>
-            <p:cNvPr id="69" name="Oval 7"/>
-            <p:cNvSpPr/>
-            <p:nvPr/>
-          </p:nvSpPr>
-          <p:spPr>
-            <a:xfrm>
-              <a:off x="8129588" y="4343400"/>
-              <a:ext cx="371475" cy="371475"/>
-            </a:xfrm>
-            <a:prstGeom prst="ellipse">
-              <a:avLst/>
-            </a:prstGeom>
-            <a:solidFill>
-              <a:schemeClr val="tx1"/>
-            </a:solidFill>
-            <a:ln>
-              <a:solidFill>
-                <a:schemeClr val="tx1"/>
-              </a:solidFill>
-            </a:ln>
-            <a:effectLst/>
-          </p:spPr>
-          <p:style>
-            <a:lnRef idx="1">
-              <a:schemeClr val="accent1"/>
-            </a:lnRef>
-            <a:fillRef idx="3">
-              <a:schemeClr val="accent1"/>
-            </a:fillRef>
-            <a:effectRef idx="2">
-              <a:schemeClr val="accent1"/>
-            </a:effectRef>
-            <a:fontRef idx="minor">
-              <a:schemeClr val="lt1"/>
-            </a:fontRef>
-          </p:style>
-          <p:txBody>
-            <a:bodyPr rtlCol="0" anchor="ctr"/>
-            <a:lstStyle/>
-            <a:p>
-              <a:pPr algn="ctr"/>
-              <a:endParaRPr lang="ja-JP" altLang="en-US">
-                <a:solidFill>
-                  <a:prstClr val="white"/>
-                </a:solidFill>
-              </a:endParaRPr>
-            </a:p>
-          </p:txBody>
-        </p:sp>
-        <p:sp>
-          <p:nvSpPr>
-            <p:cNvPr id="70" name="Isosceles Triangle 8"/>
-            <p:cNvSpPr/>
-            <p:nvPr/>
-          </p:nvSpPr>
-          <p:spPr>
-            <a:xfrm>
-              <a:off x="8075613" y="4443408"/>
-              <a:ext cx="500063" cy="614362"/>
-            </a:xfrm>
-            <a:prstGeom prst="triangle">
-              <a:avLst/>
-            </a:prstGeom>
-            <a:solidFill>
-              <a:schemeClr val="tx1"/>
-            </a:solidFill>
-            <a:ln>
-              <a:noFill/>
-            </a:ln>
-            <a:effectLst/>
-          </p:spPr>
-          <p:style>
-            <a:lnRef idx="1">
-              <a:schemeClr val="accent1"/>
-            </a:lnRef>
-            <a:fillRef idx="3">
-              <a:schemeClr val="accent1"/>
-            </a:fillRef>
-            <a:effectRef idx="2">
-              <a:schemeClr val="accent1"/>
-            </a:effectRef>
-            <a:fontRef idx="minor">
-              <a:schemeClr val="lt1"/>
-            </a:fontRef>
-          </p:style>
-          <p:txBody>
-            <a:bodyPr rtlCol="0" anchor="ctr"/>
-            <a:lstStyle/>
-            <a:p>
-              <a:pPr algn="ctr"/>
-              <a:endParaRPr lang="ja-JP" altLang="en-US">
-                <a:solidFill>
-                  <a:prstClr val="white"/>
-                </a:solidFill>
-              </a:endParaRPr>
-            </a:p>
-          </p:txBody>
-        </p:sp>
-      </p:grpSp>
-      <p:grpSp>
-        <p:nvGrpSpPr>
-          <p:cNvPr id="71" name="Group 9"/>
-          <p:cNvGrpSpPr/>
-          <p:nvPr/>
-        </p:nvGrpSpPr>
-        <p:grpSpPr>
-          <a:xfrm>
-            <a:off x="8670930" y="2803917"/>
-            <a:ext cx="500063" cy="714371"/>
-            <a:chOff x="8075613" y="4343400"/>
-            <a:chExt cx="500063" cy="714370"/>
-          </a:xfrm>
-        </p:grpSpPr>
-        <p:sp>
-          <p:nvSpPr>
-            <p:cNvPr id="72" name="Oval 10"/>
-            <p:cNvSpPr/>
-            <p:nvPr/>
-          </p:nvSpPr>
-          <p:spPr>
-            <a:xfrm>
-              <a:off x="8129588" y="4343400"/>
-              <a:ext cx="371475" cy="371475"/>
-            </a:xfrm>
-            <a:prstGeom prst="ellipse">
-              <a:avLst/>
-            </a:prstGeom>
-            <a:solidFill>
-              <a:schemeClr val="tx1"/>
-            </a:solidFill>
-            <a:ln>
-              <a:solidFill>
-                <a:schemeClr val="tx1"/>
-              </a:solidFill>
-            </a:ln>
-            <a:effectLst/>
-          </p:spPr>
-          <p:style>
-            <a:lnRef idx="1">
-              <a:schemeClr val="accent1"/>
-            </a:lnRef>
-            <a:fillRef idx="3">
-              <a:schemeClr val="accent1"/>
-            </a:fillRef>
-            <a:effectRef idx="2">
-              <a:schemeClr val="accent1"/>
-            </a:effectRef>
-            <a:fontRef idx="minor">
-              <a:schemeClr val="lt1"/>
-            </a:fontRef>
-          </p:style>
-          <p:txBody>
-            <a:bodyPr rtlCol="0" anchor="ctr"/>
-            <a:lstStyle/>
-            <a:p>
-              <a:pPr algn="ctr"/>
-              <a:endParaRPr lang="ja-JP" altLang="en-US">
-                <a:solidFill>
-                  <a:prstClr val="white"/>
-                </a:solidFill>
-              </a:endParaRPr>
-            </a:p>
-          </p:txBody>
-        </p:sp>
-        <p:sp>
-          <p:nvSpPr>
-            <p:cNvPr id="73" name="Isosceles Triangle 11"/>
-            <p:cNvSpPr/>
-            <p:nvPr/>
-          </p:nvSpPr>
-          <p:spPr>
-            <a:xfrm>
-              <a:off x="8075613" y="4443408"/>
-              <a:ext cx="500063" cy="614362"/>
-            </a:xfrm>
-            <a:prstGeom prst="triangle">
-              <a:avLst/>
-            </a:prstGeom>
-            <a:solidFill>
-              <a:schemeClr val="tx1"/>
-            </a:solidFill>
-            <a:ln>
-              <a:noFill/>
-            </a:ln>
-            <a:effectLst/>
-          </p:spPr>
-          <p:style>
-            <a:lnRef idx="1">
-              <a:schemeClr val="accent1"/>
-            </a:lnRef>
-            <a:fillRef idx="3">
-              <a:schemeClr val="accent1"/>
-            </a:fillRef>
-            <a:effectRef idx="2">
-              <a:schemeClr val="accent1"/>
-            </a:effectRef>
-            <a:fontRef idx="minor">
-              <a:schemeClr val="lt1"/>
-            </a:fontRef>
-          </p:style>
-          <p:txBody>
-            <a:bodyPr rtlCol="0" anchor="ctr"/>
-            <a:lstStyle/>
-            <a:p>
-              <a:pPr algn="ctr"/>
-              <a:endParaRPr lang="ja-JP" altLang="en-US">
-                <a:solidFill>
-                  <a:prstClr val="white"/>
-                </a:solidFill>
-              </a:endParaRPr>
-            </a:p>
-          </p:txBody>
-        </p:sp>
-      </p:grpSp>
-      <p:pic>
-        <p:nvPicPr>
-          <p:cNvPr id="74" name="Picture 12"/>
-          <p:cNvPicPr>
-            <a:picLocks noChangeAspect="1"/>
-          </p:cNvPicPr>
-          <p:nvPr/>
-        </p:nvPicPr>
-        <p:blipFill>
-          <a:blip r:embed="rId2" cstate="print">
-            <a:extLst>
-              <a:ext uri="{28A0092B-C50C-407E-A947-70E740481C1C}">
-                <a14:useLocalDpi xmlns:a14="http://schemas.microsoft.com/office/drawing/2010/main" val="0"/>
-              </a:ext>
-            </a:extLst>
-          </a:blip>
-          <a:stretch>
-            <a:fillRect/>
-          </a:stretch>
-        </p:blipFill>
-        <p:spPr>
-          <a:xfrm>
-            <a:off x="9884577" y="4102017"/>
-            <a:ext cx="2047075" cy="1151479"/>
-          </a:xfrm>
-          <a:prstGeom prst="rect">
-            <a:avLst/>
-          </a:prstGeom>
-        </p:spPr>
-      </p:pic>
-      <p:sp>
-        <p:nvSpPr>
-          <p:cNvPr id="75" name="TextBox 13"/>
-          <p:cNvSpPr txBox="1"/>
-          <p:nvPr/>
-        </p:nvSpPr>
-        <p:spPr>
-          <a:xfrm>
-            <a:off x="517988" y="3170916"/>
-            <a:ext cx="6684963" cy="2800767"/>
-          </a:xfrm>
-          <a:prstGeom prst="rect">
-            <a:avLst/>
-          </a:prstGeom>
-          <a:noFill/>
-          <a:ln>
-            <a:noFill/>
-          </a:ln>
-        </p:spPr>
-        <p:txBody>
-          <a:bodyPr wrap="square" lIns="0" tIns="0" rIns="0" bIns="0" rtlCol="0">
-            <a:spAutoFit/>
-          </a:bodyPr>
-          <a:lstStyle/>
-          <a:p>
-            <a:pPr marL="342891" indent="-342891">
-              <a:spcBef>
-                <a:spcPts val="900"/>
-              </a:spcBef>
-              <a:buFont typeface="Wingdings" charset="2"/>
-              <a:buChar char="l"/>
-            </a:pPr>
-            <a:r>
-              <a:rPr lang="en-US" altLang="ja-JP" kern="0" spc="-31" dirty="0">
-                <a:latin typeface="Arial" charset="0"/>
-                <a:ea typeface="Arial" charset="0"/>
-                <a:cs typeface="Arial" charset="0"/>
-              </a:rPr>
-              <a:t>IT member and manager in the end customer often do not have a clear authorization to make investment decision.</a:t>
-            </a:r>
-          </a:p>
-          <a:p>
-            <a:pPr marL="342891" indent="-342891">
-              <a:spcBef>
-                <a:spcPts val="900"/>
-              </a:spcBef>
-              <a:buFont typeface="Wingdings" charset="2"/>
-              <a:buChar char="l"/>
-            </a:pPr>
-            <a:r>
-              <a:rPr lang="en-US" altLang="ja-JP" kern="0" spc="-31" dirty="0">
-                <a:latin typeface="Arial" charset="0"/>
-                <a:ea typeface="Arial" charset="0"/>
-                <a:cs typeface="Arial" charset="0"/>
-              </a:rPr>
-              <a:t>“Consensus” in the organization is very important when they decide to invest money for IT Infra.</a:t>
-            </a:r>
-          </a:p>
-          <a:p>
-            <a:pPr marL="342891" indent="-342891">
-              <a:spcBef>
-                <a:spcPts val="900"/>
-              </a:spcBef>
-              <a:buFont typeface="Wingdings" charset="2"/>
-              <a:buChar char="l"/>
-            </a:pPr>
-            <a:r>
-              <a:rPr lang="en-US" altLang="ja-JP" kern="0" spc="-31" dirty="0">
-                <a:latin typeface="Arial" charset="0"/>
-                <a:ea typeface="Arial" charset="0"/>
-                <a:cs typeface="Arial" charset="0"/>
-              </a:rPr>
-              <a:t>Not all IT managers have specific infrastructure knowledge. In case, their main R&amp;R is to manage outsourcing vendor.</a:t>
-            </a:r>
-          </a:p>
-          <a:p>
-            <a:pPr marL="342891" indent="-342891">
-              <a:spcBef>
-                <a:spcPts val="600"/>
-              </a:spcBef>
-              <a:buFont typeface="Wingdings" charset="2"/>
-              <a:buChar char="l"/>
-            </a:pPr>
-            <a:r>
-              <a:rPr lang="en-US" altLang="ja-JP" kern="0" spc="-31" dirty="0">
-                <a:latin typeface="Arial" charset="0"/>
-                <a:ea typeface="Arial" charset="0"/>
-                <a:cs typeface="Arial" charset="0"/>
-              </a:rPr>
-              <a:t>IT vendors have a stronger power in the process of IT infrastructure purchase decision than </a:t>
-            </a:r>
-            <a:r>
-              <a:rPr lang="en-US" altLang="ja-JP" kern="0" spc="-31" dirty="0" smtClean="0">
-                <a:latin typeface="Arial" charset="0"/>
-                <a:ea typeface="Arial" charset="0"/>
-                <a:cs typeface="Arial" charset="0"/>
-              </a:rPr>
-              <a:t>North America, </a:t>
-            </a:r>
-            <a:r>
-              <a:rPr lang="en-US" altLang="ja-JP" kern="0" spc="-31" dirty="0">
-                <a:latin typeface="Arial" charset="0"/>
-                <a:ea typeface="Arial" charset="0"/>
-                <a:cs typeface="Arial" charset="0"/>
-              </a:rPr>
-              <a:t>because specific knowledge are in their organization, not end </a:t>
-            </a:r>
-            <a:r>
-              <a:rPr lang="en-US" altLang="ja-JP" kern="0" spc="-31" dirty="0" smtClean="0">
-                <a:latin typeface="Arial" charset="0"/>
-                <a:ea typeface="Arial" charset="0"/>
-                <a:cs typeface="Arial" charset="0"/>
-              </a:rPr>
-              <a:t>users.</a:t>
-            </a:r>
-            <a:endParaRPr lang="en-US" altLang="ja-JP" kern="0" spc="-31" dirty="0">
-              <a:latin typeface="Arial" charset="0"/>
-              <a:ea typeface="Arial" charset="0"/>
-              <a:cs typeface="Arial" charset="0"/>
-            </a:endParaRPr>
-          </a:p>
-        </p:txBody>
-      </p:sp>
-      <p:cxnSp>
-        <p:nvCxnSpPr>
-          <p:cNvPr id="76" name="Straight Arrow Connector 15"/>
-          <p:cNvCxnSpPr/>
-          <p:nvPr/>
-        </p:nvCxnSpPr>
-        <p:spPr>
-          <a:xfrm flipV="1">
-            <a:off x="8927875" y="3614059"/>
-            <a:ext cx="0" cy="516984"/>
-          </a:xfrm>
-          <a:prstGeom prst="straightConnector1">
-            <a:avLst/>
-          </a:prstGeom>
-          <a:ln>
-            <a:solidFill>
-              <a:schemeClr val="tx1"/>
-            </a:solidFill>
-            <a:tailEnd type="triangle"/>
-          </a:ln>
-        </p:spPr>
-        <p:style>
-          <a:lnRef idx="2">
-            <a:schemeClr val="accent1"/>
-          </a:lnRef>
-          <a:fillRef idx="0">
-            <a:schemeClr val="accent1"/>
-          </a:fillRef>
-          <a:effectRef idx="1">
-            <a:schemeClr val="accent1"/>
-          </a:effectRef>
-          <a:fontRef idx="minor">
-            <a:schemeClr val="tx1"/>
-          </a:fontRef>
-        </p:style>
-      </p:cxnSp>
-      <p:cxnSp>
-        <p:nvCxnSpPr>
-          <p:cNvPr id="77" name="Straight Arrow Connector 17"/>
-          <p:cNvCxnSpPr/>
-          <p:nvPr/>
-        </p:nvCxnSpPr>
-        <p:spPr>
-          <a:xfrm flipV="1">
-            <a:off x="8927875" y="5108349"/>
-            <a:ext cx="0" cy="516984"/>
-          </a:xfrm>
-          <a:prstGeom prst="straightConnector1">
-            <a:avLst/>
-          </a:prstGeom>
-          <a:ln>
-            <a:solidFill>
-              <a:schemeClr val="tx1"/>
-            </a:solidFill>
-            <a:tailEnd type="triangle"/>
-          </a:ln>
-        </p:spPr>
-        <p:style>
-          <a:lnRef idx="2">
-            <a:schemeClr val="accent1"/>
-          </a:lnRef>
-          <a:fillRef idx="0">
-            <a:schemeClr val="accent1"/>
-          </a:fillRef>
-          <a:effectRef idx="1">
-            <a:schemeClr val="accent1"/>
-          </a:effectRef>
-          <a:fontRef idx="minor">
-            <a:schemeClr val="tx1"/>
-          </a:fontRef>
-        </p:style>
-      </p:cxnSp>
-      <p:sp>
-        <p:nvSpPr>
-          <p:cNvPr id="78" name="TextBox 16"/>
-          <p:cNvSpPr txBox="1"/>
-          <p:nvPr/>
-        </p:nvSpPr>
-        <p:spPr>
-          <a:xfrm>
-            <a:off x="7365920" y="3255625"/>
-            <a:ext cx="1726520" cy="276999"/>
-          </a:xfrm>
-          <a:prstGeom prst="rect">
-            <a:avLst/>
-          </a:prstGeom>
-          <a:noFill/>
-          <a:ln>
-            <a:noFill/>
-          </a:ln>
-        </p:spPr>
-        <p:txBody>
-          <a:bodyPr wrap="square" lIns="0" tIns="0" rIns="0" bIns="0" rtlCol="0">
-            <a:spAutoFit/>
-          </a:bodyPr>
-          <a:lstStyle/>
-          <a:p>
-            <a:r>
-              <a:rPr lang="en-US" altLang="ja-JP" b="1" kern="0" spc="-31" dirty="0">
-                <a:solidFill>
-                  <a:schemeClr val="tx2"/>
-                </a:solidFill>
-                <a:latin typeface="Arial" charset="0"/>
-                <a:ea typeface="Arial" charset="0"/>
-                <a:cs typeface="Arial" charset="0"/>
-              </a:rPr>
-              <a:t>CIO</a:t>
-            </a:r>
-            <a:endParaRPr lang="ja-JP" altLang="en-US" b="1" kern="0" spc="-31" dirty="0" err="1">
-              <a:solidFill>
-                <a:schemeClr val="tx2"/>
-              </a:solidFill>
-              <a:latin typeface="Arial" charset="0"/>
-              <a:ea typeface="Arial" charset="0"/>
-              <a:cs typeface="Arial" charset="0"/>
-            </a:endParaRPr>
-          </a:p>
-        </p:txBody>
-      </p:sp>
-      <p:sp>
-        <p:nvSpPr>
-          <p:cNvPr id="79" name="TextBox 19"/>
-          <p:cNvSpPr txBox="1"/>
-          <p:nvPr/>
-        </p:nvSpPr>
-        <p:spPr>
-          <a:xfrm>
-            <a:off x="7365920" y="4316523"/>
-            <a:ext cx="1338997" cy="738664"/>
-          </a:xfrm>
-          <a:prstGeom prst="rect">
-            <a:avLst/>
-          </a:prstGeom>
-          <a:noFill/>
-          <a:ln>
-            <a:noFill/>
-          </a:ln>
-        </p:spPr>
-        <p:txBody>
-          <a:bodyPr wrap="square" lIns="0" tIns="0" rIns="0" bIns="0" rtlCol="0">
-            <a:spAutoFit/>
-          </a:bodyPr>
-          <a:lstStyle/>
-          <a:p>
-            <a:r>
-              <a:rPr lang="en-US" altLang="ja-JP" sz="1200" b="1" kern="0" spc="-31" dirty="0">
-                <a:solidFill>
-                  <a:schemeClr val="tx2"/>
-                </a:solidFill>
-                <a:latin typeface="Arial" charset="0"/>
-                <a:ea typeface="Arial" charset="0"/>
-                <a:cs typeface="Arial" charset="0"/>
-              </a:rPr>
-              <a:t>-IT Architect Manager</a:t>
-            </a:r>
-          </a:p>
-          <a:p>
-            <a:r>
-              <a:rPr lang="en-US" altLang="ja-JP" sz="1200" b="1" kern="0" spc="-31" dirty="0">
-                <a:solidFill>
-                  <a:schemeClr val="tx2"/>
-                </a:solidFill>
-                <a:latin typeface="Arial" charset="0"/>
-                <a:ea typeface="Arial" charset="0"/>
-                <a:cs typeface="Arial" charset="0"/>
-              </a:rPr>
-              <a:t>-IT Application Manager</a:t>
-            </a:r>
-          </a:p>
-        </p:txBody>
-      </p:sp>
-      <p:sp>
-        <p:nvSpPr>
-          <p:cNvPr id="80" name="TextBox 20"/>
-          <p:cNvSpPr txBox="1"/>
-          <p:nvPr/>
-        </p:nvSpPr>
-        <p:spPr>
-          <a:xfrm>
-            <a:off x="7365920" y="6261683"/>
-            <a:ext cx="1726520" cy="276999"/>
-          </a:xfrm>
-          <a:prstGeom prst="rect">
-            <a:avLst/>
-          </a:prstGeom>
-          <a:noFill/>
-          <a:ln>
-            <a:noFill/>
-          </a:ln>
-        </p:spPr>
-        <p:txBody>
-          <a:bodyPr wrap="square" lIns="0" tIns="0" rIns="0" bIns="0" rtlCol="0">
-            <a:spAutoFit/>
-          </a:bodyPr>
-          <a:lstStyle/>
-          <a:p>
-            <a:r>
-              <a:rPr lang="en-US" altLang="ja-JP" b="1" kern="0" spc="-31" dirty="0">
-                <a:solidFill>
-                  <a:schemeClr val="tx2"/>
-                </a:solidFill>
-                <a:latin typeface="Arial" charset="0"/>
-                <a:ea typeface="Arial" charset="0"/>
-                <a:cs typeface="Arial" charset="0"/>
-              </a:rPr>
-              <a:t>IT member</a:t>
-            </a:r>
-            <a:endParaRPr lang="ja-JP" altLang="en-US" b="1" kern="0" spc="-31" dirty="0" err="1">
-              <a:solidFill>
-                <a:schemeClr val="tx2"/>
-              </a:solidFill>
-              <a:latin typeface="Arial" charset="0"/>
-              <a:ea typeface="Arial" charset="0"/>
-              <a:cs typeface="Arial" charset="0"/>
-            </a:endParaRPr>
-          </a:p>
-        </p:txBody>
-      </p:sp>
-      <p:sp>
-        <p:nvSpPr>
-          <p:cNvPr id="81" name="TextBox 21"/>
-          <p:cNvSpPr txBox="1"/>
-          <p:nvPr/>
-        </p:nvSpPr>
-        <p:spPr>
-          <a:xfrm>
-            <a:off x="9358432" y="6354016"/>
-            <a:ext cx="2046515" cy="184666"/>
-          </a:xfrm>
-          <a:prstGeom prst="rect">
-            <a:avLst/>
-          </a:prstGeom>
-          <a:noFill/>
-          <a:ln>
-            <a:noFill/>
-          </a:ln>
-        </p:spPr>
-        <p:txBody>
-          <a:bodyPr wrap="square" lIns="0" tIns="0" rIns="0" bIns="0" rtlCol="0">
-            <a:spAutoFit/>
-          </a:bodyPr>
-          <a:lstStyle/>
-          <a:p>
-            <a:r>
-              <a:rPr lang="en-US" altLang="ja-JP" sz="1200" b="1" kern="0" spc="-31" dirty="0">
-                <a:solidFill>
-                  <a:srgbClr val="83D1F5">
-                    <a:lumMod val="50000"/>
-                  </a:srgbClr>
-                </a:solidFill>
-                <a:latin typeface="Arial" charset="0"/>
-                <a:ea typeface="Arial" charset="0"/>
-                <a:cs typeface="Arial" charset="0"/>
-              </a:rPr>
-              <a:t>No authorization</a:t>
-            </a:r>
-            <a:endParaRPr lang="ja-JP" altLang="en-US" sz="1200" b="1" kern="0" spc="-31" dirty="0" err="1">
-              <a:solidFill>
-                <a:srgbClr val="83D1F5">
-                  <a:lumMod val="50000"/>
-                </a:srgbClr>
-              </a:solidFill>
-              <a:latin typeface="Arial" charset="0"/>
-              <a:ea typeface="Arial" charset="0"/>
-              <a:cs typeface="Arial" charset="0"/>
-            </a:endParaRPr>
-          </a:p>
-        </p:txBody>
-      </p:sp>
-      <p:sp>
-        <p:nvSpPr>
-          <p:cNvPr id="82" name="TextBox 22"/>
-          <p:cNvSpPr txBox="1"/>
-          <p:nvPr/>
-        </p:nvSpPr>
-        <p:spPr>
-          <a:xfrm>
-            <a:off x="7365920" y="5276861"/>
-            <a:ext cx="2046515" cy="369332"/>
-          </a:xfrm>
-          <a:prstGeom prst="rect">
-            <a:avLst/>
-          </a:prstGeom>
-          <a:noFill/>
-          <a:ln>
-            <a:noFill/>
-          </a:ln>
-        </p:spPr>
-        <p:txBody>
-          <a:bodyPr wrap="square" lIns="0" tIns="0" rIns="0" bIns="0" rtlCol="0">
-            <a:spAutoFit/>
-          </a:bodyPr>
-          <a:lstStyle/>
-          <a:p>
-            <a:r>
-              <a:rPr lang="en-US" altLang="ja-JP" sz="1200" b="1" kern="0" spc="-31" dirty="0">
-                <a:solidFill>
-                  <a:srgbClr val="83D1F5">
-                    <a:lumMod val="50000"/>
-                  </a:srgbClr>
-                </a:solidFill>
-                <a:latin typeface="Arial" charset="0"/>
-                <a:ea typeface="Arial" charset="0"/>
-                <a:cs typeface="Arial" charset="0"/>
-              </a:rPr>
-              <a:t>No or small</a:t>
-            </a:r>
-          </a:p>
-          <a:p>
-            <a:r>
-              <a:rPr lang="en-US" altLang="ja-JP" sz="1200" b="1" kern="0" spc="-31" dirty="0">
-                <a:solidFill>
-                  <a:srgbClr val="83D1F5">
-                    <a:lumMod val="50000"/>
-                  </a:srgbClr>
-                </a:solidFill>
-                <a:latin typeface="Arial" charset="0"/>
-                <a:ea typeface="Arial" charset="0"/>
-                <a:cs typeface="Arial" charset="0"/>
-              </a:rPr>
-              <a:t>authorization</a:t>
-            </a:r>
-            <a:endParaRPr lang="ja-JP" altLang="en-US" sz="1200" b="1" kern="0" spc="-31" dirty="0" err="1">
-              <a:solidFill>
-                <a:srgbClr val="83D1F5">
-                  <a:lumMod val="50000"/>
-                </a:srgbClr>
-              </a:solidFill>
-              <a:latin typeface="Arial" charset="0"/>
-              <a:ea typeface="Arial" charset="0"/>
-              <a:cs typeface="Arial" charset="0"/>
-            </a:endParaRPr>
-          </a:p>
-        </p:txBody>
-      </p:sp>
-      <p:sp>
-        <p:nvSpPr>
-          <p:cNvPr id="83" name="TextBox 23"/>
-          <p:cNvSpPr txBox="1"/>
-          <p:nvPr/>
-        </p:nvSpPr>
-        <p:spPr>
-          <a:xfrm>
-            <a:off x="7365921" y="3571089"/>
-            <a:ext cx="1328564" cy="553998"/>
-          </a:xfrm>
-          <a:prstGeom prst="rect">
-            <a:avLst/>
-          </a:prstGeom>
-          <a:noFill/>
-          <a:ln>
-            <a:noFill/>
-          </a:ln>
-        </p:spPr>
-        <p:txBody>
-          <a:bodyPr wrap="square" lIns="0" tIns="0" rIns="0" bIns="0" rtlCol="0">
-            <a:spAutoFit/>
-          </a:bodyPr>
-          <a:lstStyle/>
-          <a:p>
-            <a:r>
-              <a:rPr lang="en-US" altLang="ja-JP" sz="1200" b="1" kern="0" spc="-31" dirty="0">
-                <a:solidFill>
-                  <a:srgbClr val="83D1F5">
-                    <a:lumMod val="50000"/>
-                  </a:srgbClr>
-                </a:solidFill>
-                <a:latin typeface="Arial" charset="0"/>
-                <a:ea typeface="Arial" charset="0"/>
-                <a:cs typeface="Arial" charset="0"/>
-              </a:rPr>
-              <a:t>Decision maker,</a:t>
-            </a:r>
-            <a:br>
-              <a:rPr lang="en-US" altLang="ja-JP" sz="1200" b="1" kern="0" spc="-31" dirty="0">
-                <a:solidFill>
-                  <a:srgbClr val="83D1F5">
-                    <a:lumMod val="50000"/>
-                  </a:srgbClr>
-                </a:solidFill>
-                <a:latin typeface="Arial" charset="0"/>
-                <a:ea typeface="Arial" charset="0"/>
-                <a:cs typeface="Arial" charset="0"/>
-              </a:rPr>
-            </a:br>
-            <a:r>
-              <a:rPr lang="en-US" altLang="ja-JP" sz="1200" b="1" kern="0" spc="-31" dirty="0">
-                <a:solidFill>
-                  <a:srgbClr val="83D1F5">
-                    <a:lumMod val="50000"/>
-                  </a:srgbClr>
-                </a:solidFill>
-                <a:latin typeface="Arial" charset="0"/>
-                <a:ea typeface="Arial" charset="0"/>
-                <a:cs typeface="Arial" charset="0"/>
-              </a:rPr>
-              <a:t>but expect to reach</a:t>
-            </a:r>
-            <a:br>
-              <a:rPr lang="en-US" altLang="ja-JP" sz="1200" b="1" kern="0" spc="-31" dirty="0">
-                <a:solidFill>
-                  <a:srgbClr val="83D1F5">
-                    <a:lumMod val="50000"/>
-                  </a:srgbClr>
-                </a:solidFill>
-                <a:latin typeface="Arial" charset="0"/>
-                <a:ea typeface="Arial" charset="0"/>
-                <a:cs typeface="Arial" charset="0"/>
-              </a:rPr>
-            </a:br>
-            <a:r>
-              <a:rPr lang="en-US" altLang="ja-JP" sz="1200" b="1" kern="0" spc="-31" dirty="0">
-                <a:solidFill>
-                  <a:srgbClr val="83D1F5">
-                    <a:lumMod val="50000"/>
-                  </a:srgbClr>
-                </a:solidFill>
-                <a:latin typeface="Arial" charset="0"/>
-                <a:ea typeface="Arial" charset="0"/>
-                <a:cs typeface="Arial" charset="0"/>
-              </a:rPr>
-              <a:t>consensus</a:t>
-            </a:r>
-            <a:endParaRPr lang="ja-JP" altLang="en-US" sz="1200" b="1" kern="0" spc="-31" dirty="0" err="1">
-              <a:solidFill>
-                <a:srgbClr val="83D1F5">
-                  <a:lumMod val="50000"/>
-                </a:srgbClr>
-              </a:solidFill>
-              <a:latin typeface="Arial" charset="0"/>
-              <a:ea typeface="Arial" charset="0"/>
-              <a:cs typeface="Arial" charset="0"/>
-            </a:endParaRPr>
-          </a:p>
-        </p:txBody>
-      </p:sp>
-      <p:sp>
-        <p:nvSpPr>
-          <p:cNvPr id="84" name="Rectangle 25"/>
-          <p:cNvSpPr/>
-          <p:nvPr/>
-        </p:nvSpPr>
-        <p:spPr>
-          <a:xfrm>
-            <a:off x="10343017" y="5141004"/>
-            <a:ext cx="1291772" cy="359909"/>
-          </a:xfrm>
-          <a:prstGeom prst="rect">
-            <a:avLst/>
-          </a:prstGeom>
-          <a:solidFill>
-            <a:schemeClr val="accent2"/>
-          </a:solidFill>
-          <a:ln w="41275">
-            <a:solidFill>
-              <a:schemeClr val="tx1"/>
-            </a:solidFill>
-          </a:ln>
-          <a:effectLst/>
-        </p:spPr>
-        <p:style>
-          <a:lnRef idx="1">
-            <a:schemeClr val="accent1"/>
-          </a:lnRef>
-          <a:fillRef idx="3">
-            <a:schemeClr val="accent1"/>
-          </a:fillRef>
-          <a:effectRef idx="2">
-            <a:schemeClr val="accent1"/>
-          </a:effectRef>
-          <a:fontRef idx="minor">
-            <a:schemeClr val="lt1"/>
-          </a:fontRef>
-        </p:style>
-        <p:txBody>
-          <a:bodyPr rtlCol="0" anchor="ctr"/>
-          <a:lstStyle/>
-          <a:p>
-            <a:pPr algn="ctr"/>
-            <a:r>
-              <a:rPr lang="en-US" altLang="ja-JP" sz="1400" b="1" dirty="0">
-                <a:solidFill>
-                  <a:schemeClr val="bg1"/>
-                </a:solidFill>
-              </a:rPr>
-              <a:t>IT vendor</a:t>
-            </a:r>
-            <a:endParaRPr lang="ja-JP" altLang="en-US" sz="1400" b="1" dirty="0">
-              <a:solidFill>
-                <a:schemeClr val="bg1"/>
-              </a:solidFill>
-            </a:endParaRPr>
-          </a:p>
-        </p:txBody>
-      </p:sp>
-      <p:cxnSp>
-        <p:nvCxnSpPr>
-          <p:cNvPr id="85" name="Straight Arrow Connector 27"/>
-          <p:cNvCxnSpPr/>
-          <p:nvPr/>
-        </p:nvCxnSpPr>
-        <p:spPr>
-          <a:xfrm>
-            <a:off x="9387462" y="4594588"/>
-            <a:ext cx="672527" cy="0"/>
-          </a:xfrm>
-          <a:prstGeom prst="straightConnector1">
-            <a:avLst/>
-          </a:prstGeom>
-          <a:ln>
-            <a:solidFill>
-              <a:schemeClr val="tx1"/>
-            </a:solidFill>
-            <a:tailEnd type="triangle"/>
-          </a:ln>
-        </p:spPr>
-        <p:style>
-          <a:lnRef idx="2">
-            <a:schemeClr val="accent1"/>
-          </a:lnRef>
-          <a:fillRef idx="0">
-            <a:schemeClr val="accent1"/>
-          </a:fillRef>
-          <a:effectRef idx="1">
-            <a:schemeClr val="accent1"/>
-          </a:effectRef>
-          <a:fontRef idx="minor">
-            <a:schemeClr val="tx1"/>
-          </a:fontRef>
-        </p:style>
-      </p:cxnSp>
-      <p:cxnSp>
-        <p:nvCxnSpPr>
-          <p:cNvPr id="86" name="Straight Arrow Connector 28"/>
-          <p:cNvCxnSpPr/>
-          <p:nvPr/>
-        </p:nvCxnSpPr>
-        <p:spPr>
-          <a:xfrm flipH="1">
-            <a:off x="9374366" y="4803760"/>
-            <a:ext cx="672527" cy="0"/>
-          </a:xfrm>
-          <a:prstGeom prst="straightConnector1">
-            <a:avLst/>
-          </a:prstGeom>
-          <a:ln>
-            <a:solidFill>
-              <a:schemeClr val="tx1"/>
-            </a:solidFill>
-            <a:tailEnd type="triangle"/>
-          </a:ln>
-        </p:spPr>
-        <p:style>
-          <a:lnRef idx="2">
-            <a:schemeClr val="accent1"/>
-          </a:lnRef>
-          <a:fillRef idx="0">
-            <a:schemeClr val="accent1"/>
-          </a:fillRef>
-          <a:effectRef idx="1">
-            <a:schemeClr val="accent1"/>
-          </a:effectRef>
-          <a:fontRef idx="minor">
-            <a:schemeClr val="tx1"/>
-          </a:fontRef>
-        </p:style>
-      </p:cxnSp>
-      <p:sp>
-        <p:nvSpPr>
-          <p:cNvPr id="87" name="TextBox 29"/>
-          <p:cNvSpPr txBox="1"/>
-          <p:nvPr/>
-        </p:nvSpPr>
-        <p:spPr>
-          <a:xfrm>
-            <a:off x="9039199" y="3791126"/>
-            <a:ext cx="1556481" cy="169277"/>
-          </a:xfrm>
-          <a:prstGeom prst="rect">
-            <a:avLst/>
-          </a:prstGeom>
-          <a:noFill/>
-          <a:ln>
-            <a:noFill/>
-          </a:ln>
-        </p:spPr>
-        <p:txBody>
-          <a:bodyPr wrap="square" lIns="0" tIns="0" rIns="0" bIns="0" rtlCol="0">
-            <a:spAutoFit/>
-          </a:bodyPr>
-          <a:lstStyle/>
-          <a:p>
-            <a:r>
-              <a:rPr lang="en-US" altLang="ja-JP" sz="1100" b="1" kern="0" spc="-31" dirty="0">
-                <a:solidFill>
-                  <a:schemeClr val="tx2"/>
-                </a:solidFill>
-                <a:latin typeface="Arial" charset="0"/>
-                <a:ea typeface="Arial" charset="0"/>
-                <a:cs typeface="Arial" charset="0"/>
-              </a:rPr>
-              <a:t>report</a:t>
-            </a:r>
-            <a:endParaRPr lang="ja-JP" altLang="en-US" sz="1100" b="1" kern="0" spc="-31" dirty="0" err="1">
-              <a:solidFill>
-                <a:schemeClr val="tx2"/>
-              </a:solidFill>
-              <a:latin typeface="Arial" charset="0"/>
-              <a:ea typeface="Arial" charset="0"/>
-              <a:cs typeface="Arial" charset="0"/>
-            </a:endParaRPr>
-          </a:p>
-        </p:txBody>
-      </p:sp>
-      <p:sp>
-        <p:nvSpPr>
-          <p:cNvPr id="88" name="TextBox 30"/>
-          <p:cNvSpPr txBox="1"/>
-          <p:nvPr/>
-        </p:nvSpPr>
-        <p:spPr>
-          <a:xfrm>
-            <a:off x="9039200" y="5268863"/>
-            <a:ext cx="1556481" cy="169277"/>
-          </a:xfrm>
-          <a:prstGeom prst="rect">
-            <a:avLst/>
-          </a:prstGeom>
-          <a:noFill/>
-          <a:ln>
-            <a:noFill/>
-          </a:ln>
-        </p:spPr>
-        <p:txBody>
-          <a:bodyPr wrap="square" lIns="0" tIns="0" rIns="0" bIns="0" rtlCol="0">
-            <a:spAutoFit/>
-          </a:bodyPr>
-          <a:lstStyle/>
-          <a:p>
-            <a:r>
-              <a:rPr lang="en-US" altLang="ja-JP" sz="1100" b="1" kern="0" spc="-31" dirty="0">
-                <a:solidFill>
-                  <a:schemeClr val="tx2"/>
-                </a:solidFill>
-                <a:latin typeface="Arial" charset="0"/>
-                <a:ea typeface="Arial" charset="0"/>
-                <a:cs typeface="Arial" charset="0"/>
-              </a:rPr>
-              <a:t>report</a:t>
-            </a:r>
-            <a:endParaRPr lang="ja-JP" altLang="en-US" sz="1100" b="1" kern="0" spc="-31" dirty="0" err="1">
-              <a:solidFill>
-                <a:schemeClr val="tx2"/>
-              </a:solidFill>
-              <a:latin typeface="Arial" charset="0"/>
-              <a:ea typeface="Arial" charset="0"/>
-              <a:cs typeface="Arial" charset="0"/>
-            </a:endParaRPr>
-          </a:p>
-        </p:txBody>
-      </p:sp>
-      <p:sp>
-        <p:nvSpPr>
-          <p:cNvPr id="89" name="TextBox 31"/>
-          <p:cNvSpPr txBox="1"/>
-          <p:nvPr/>
-        </p:nvSpPr>
-        <p:spPr>
-          <a:xfrm>
-            <a:off x="9317704" y="4310690"/>
-            <a:ext cx="1556481" cy="169277"/>
-          </a:xfrm>
-          <a:prstGeom prst="rect">
-            <a:avLst/>
-          </a:prstGeom>
-          <a:noFill/>
-          <a:ln>
-            <a:noFill/>
-          </a:ln>
-        </p:spPr>
-        <p:txBody>
-          <a:bodyPr wrap="square" lIns="0" tIns="0" rIns="0" bIns="0" rtlCol="0">
-            <a:spAutoFit/>
-          </a:bodyPr>
-          <a:lstStyle/>
-          <a:p>
-            <a:r>
-              <a:rPr lang="en-US" altLang="ja-JP" sz="1100" b="1" kern="0" spc="-31" dirty="0">
-                <a:solidFill>
-                  <a:schemeClr val="tx2"/>
-                </a:solidFill>
-                <a:latin typeface="Arial" charset="0"/>
-                <a:ea typeface="Arial" charset="0"/>
-                <a:cs typeface="Arial" charset="0"/>
-              </a:rPr>
-              <a:t>management</a:t>
-            </a:r>
-            <a:endParaRPr lang="ja-JP" altLang="en-US" sz="1100" b="1" kern="0" spc="-31" dirty="0" err="1">
-              <a:solidFill>
-                <a:schemeClr val="tx2"/>
-              </a:solidFill>
-              <a:latin typeface="Arial" charset="0"/>
-              <a:ea typeface="Arial" charset="0"/>
-              <a:cs typeface="Arial" charset="0"/>
-            </a:endParaRPr>
-          </a:p>
-        </p:txBody>
-      </p:sp>
-      <p:sp>
-        <p:nvSpPr>
-          <p:cNvPr id="90" name="TextBox 32"/>
-          <p:cNvSpPr txBox="1"/>
-          <p:nvPr/>
-        </p:nvSpPr>
-        <p:spPr>
-          <a:xfrm>
-            <a:off x="8952209" y="4922082"/>
-            <a:ext cx="1556481" cy="169277"/>
-          </a:xfrm>
-          <a:prstGeom prst="rect">
-            <a:avLst/>
-          </a:prstGeom>
-          <a:noFill/>
-          <a:ln>
-            <a:noFill/>
-          </a:ln>
-        </p:spPr>
-        <p:txBody>
-          <a:bodyPr wrap="square" lIns="0" tIns="0" rIns="0" bIns="0" rtlCol="0">
-            <a:spAutoFit/>
-          </a:bodyPr>
-          <a:lstStyle/>
-          <a:p>
-            <a:pPr algn="ctr"/>
-            <a:r>
-              <a:rPr lang="en-US" altLang="ja-JP" sz="1100" b="1" kern="0" spc="-31" dirty="0">
-                <a:solidFill>
-                  <a:schemeClr val="tx2"/>
-                </a:solidFill>
-                <a:latin typeface="Arial" charset="0"/>
-                <a:ea typeface="Arial" charset="0"/>
-                <a:cs typeface="Arial" charset="0"/>
-              </a:rPr>
-              <a:t>proposal</a:t>
-            </a:r>
-            <a:endParaRPr lang="ja-JP" altLang="en-US" sz="1100" b="1" kern="0" spc="-31" dirty="0" err="1">
-              <a:solidFill>
-                <a:schemeClr val="tx2"/>
-              </a:solidFill>
-              <a:latin typeface="Arial" charset="0"/>
-              <a:ea typeface="Arial" charset="0"/>
-              <a:cs typeface="Arial" charset="0"/>
-            </a:endParaRPr>
-          </a:p>
-        </p:txBody>
-      </p:sp>
-      <p:cxnSp>
-        <p:nvCxnSpPr>
-          <p:cNvPr id="91" name="Elbow Connector 34"/>
-          <p:cNvCxnSpPr/>
-          <p:nvPr/>
-        </p:nvCxnSpPr>
-        <p:spPr>
-          <a:xfrm flipV="1">
-            <a:off x="9223380" y="5627914"/>
-            <a:ext cx="1892523" cy="482817"/>
-          </a:xfrm>
-          <a:prstGeom prst="bentConnector2">
-            <a:avLst/>
-          </a:prstGeom>
-          <a:ln>
-            <a:solidFill>
-              <a:schemeClr val="tx1"/>
-            </a:solidFill>
-            <a:headEnd type="triangle"/>
-            <a:tailEnd type="stealth"/>
-          </a:ln>
-        </p:spPr>
-        <p:style>
-          <a:lnRef idx="2">
-            <a:schemeClr val="accent1"/>
-          </a:lnRef>
-          <a:fillRef idx="0">
-            <a:schemeClr val="accent1"/>
-          </a:fillRef>
-          <a:effectRef idx="1">
-            <a:schemeClr val="accent1"/>
-          </a:effectRef>
-          <a:fontRef idx="minor">
-            <a:schemeClr val="tx1"/>
-          </a:fontRef>
-        </p:style>
-      </p:cxnSp>
-      <p:sp>
-        <p:nvSpPr>
-          <p:cNvPr id="92" name="TextBox 36"/>
-          <p:cNvSpPr txBox="1"/>
-          <p:nvPr/>
-        </p:nvSpPr>
-        <p:spPr>
-          <a:xfrm>
-            <a:off x="9749334" y="5898350"/>
-            <a:ext cx="1556481" cy="169277"/>
-          </a:xfrm>
-          <a:prstGeom prst="rect">
-            <a:avLst/>
-          </a:prstGeom>
-          <a:noFill/>
-          <a:ln>
-            <a:noFill/>
-          </a:ln>
-        </p:spPr>
-        <p:txBody>
-          <a:bodyPr wrap="square" lIns="0" tIns="0" rIns="0" bIns="0" rtlCol="0">
-            <a:spAutoFit/>
-          </a:bodyPr>
-          <a:lstStyle/>
-          <a:p>
-            <a:r>
-              <a:rPr lang="en-US" altLang="ja-JP" sz="1100" b="1" kern="0" spc="-31" dirty="0">
-                <a:solidFill>
-                  <a:schemeClr val="tx2"/>
-                </a:solidFill>
-                <a:latin typeface="Arial" charset="0"/>
-                <a:ea typeface="Arial" charset="0"/>
-                <a:cs typeface="Arial" charset="0"/>
-              </a:rPr>
-              <a:t>Daily Operation</a:t>
-            </a:r>
-            <a:endParaRPr lang="ja-JP" altLang="en-US" sz="1100" b="1" kern="0" spc="-31" dirty="0" err="1">
-              <a:solidFill>
-                <a:schemeClr val="tx2"/>
+                <a:srgbClr val="00B0F0"/>
               </a:solidFill>
               <a:latin typeface="Arial" charset="0"/>
               <a:ea typeface="Arial" charset="0"/>
@@ -8652,7 +7346,7 @@
     </p:spTree>
     <p:extLst>
       <p:ext uri="{BB962C8B-B14F-4D97-AF65-F5344CB8AC3E}">
-        <p14:creationId xmlns:p14="http://schemas.microsoft.com/office/powerpoint/2010/main" val="284871658"/>
+        <p14:creationId xmlns:p14="http://schemas.microsoft.com/office/powerpoint/2010/main" val="1572702477"/>
       </p:ext>
     </p:extLst>
   </p:cSld>
@@ -8686,267 +7380,6 @@
           <a:chExt cx="0" cy="0"/>
         </a:xfrm>
       </p:grpSpPr>
-      <p:pic>
-        <p:nvPicPr>
-          <p:cNvPr id="3" name="図 2"/>
-          <p:cNvPicPr>
-            <a:picLocks noChangeAspect="1"/>
-          </p:cNvPicPr>
-          <p:nvPr/>
-        </p:nvPicPr>
-        <p:blipFill>
-          <a:blip r:embed="rId2">
-            <a:extLst>
-              <a:ext uri="{28A0092B-C50C-407E-A947-70E740481C1C}">
-                <a14:useLocalDpi xmlns:a14="http://schemas.microsoft.com/office/drawing/2010/main" val="0"/>
-              </a:ext>
-            </a:extLst>
-          </a:blip>
-          <a:stretch>
-            <a:fillRect/>
-          </a:stretch>
-        </p:blipFill>
-        <p:spPr>
-          <a:xfrm>
-            <a:off x="481512" y="269456"/>
-            <a:ext cx="7258991" cy="6068516"/>
-          </a:xfrm>
-          <a:prstGeom prst="rect">
-            <a:avLst/>
-          </a:prstGeom>
-        </p:spPr>
-      </p:pic>
-    </p:spTree>
-    <p:extLst>
-      <p:ext uri="{BB962C8B-B14F-4D97-AF65-F5344CB8AC3E}">
-        <p14:creationId xmlns:p14="http://schemas.microsoft.com/office/powerpoint/2010/main" val="1096906843"/>
-      </p:ext>
-    </p:extLst>
-  </p:cSld>
-  <p:clrMapOvr>
-    <a:masterClrMapping/>
-  </p:clrMapOvr>
-  <p:timing>
-    <p:tnLst>
-      <p:par>
-        <p:cTn id="1" dur="indefinite" restart="never" nodeType="tmRoot"/>
-      </p:par>
-    </p:tnLst>
-  </p:timing>
-</p:sld>
-</file>
-
-<file path=ppt/slides/slide15.xml><?xml version="1.0" encoding="utf-8"?>
-<p:sld xmlns:a="http://schemas.openxmlformats.org/drawingml/2006/main" xmlns:r="http://schemas.openxmlformats.org/officeDocument/2006/relationships" xmlns:p="http://schemas.openxmlformats.org/presentationml/2006/main">
-  <p:cSld>
-    <p:spTree>
-      <p:nvGrpSpPr>
-        <p:cNvPr id="1" name=""/>
-        <p:cNvGrpSpPr/>
-        <p:nvPr/>
-      </p:nvGrpSpPr>
-      <p:grpSpPr>
-        <a:xfrm>
-          <a:off x="0" y="0"/>
-          <a:ext cx="0" cy="0"/>
-          <a:chOff x="0" y="0"/>
-          <a:chExt cx="0" cy="0"/>
-        </a:xfrm>
-      </p:grpSpPr>
-      <p:sp>
-        <p:nvSpPr>
-          <p:cNvPr id="2" name="Title 1"/>
-          <p:cNvSpPr>
-            <a:spLocks noGrp="1"/>
-          </p:cNvSpPr>
-          <p:nvPr>
-            <p:ph type="title"/>
-          </p:nvPr>
-        </p:nvSpPr>
-        <p:spPr>
-          <a:xfrm>
-            <a:off x="322023" y="299517"/>
-            <a:ext cx="11426632" cy="1118255"/>
-          </a:xfrm>
-        </p:spPr>
-        <p:txBody>
-          <a:bodyPr/>
-          <a:lstStyle/>
-          <a:p>
-            <a:pPr lvl="1" algn="l" defTabSz="1219170" rtl="0">
-              <a:lnSpc>
-                <a:spcPts val="4000"/>
-              </a:lnSpc>
-              <a:spcBef>
-                <a:spcPct val="0"/>
-              </a:spcBef>
-            </a:pPr>
-            <a:r>
-              <a:rPr kumimoji="1" lang="en-US" altLang="ja-JP" sz="3600" b="1" dirty="0" smtClean="0">
-                <a:solidFill>
-                  <a:srgbClr val="00B0F0"/>
-                </a:solidFill>
-                <a:latin typeface="Arial" charset="0"/>
-                <a:ea typeface="Arial" charset="0"/>
-                <a:cs typeface="Arial" charset="0"/>
-              </a:rPr>
-              <a:t>Japan Applications Development and Deployment Market Forecast</a:t>
-            </a:r>
-          </a:p>
-        </p:txBody>
-      </p:sp>
-      <p:sp>
-        <p:nvSpPr>
-          <p:cNvPr id="10" name="Text Box 7"/>
-          <p:cNvSpPr txBox="1">
-            <a:spLocks noChangeArrowheads="1"/>
-          </p:cNvSpPr>
-          <p:nvPr/>
-        </p:nvSpPr>
-        <p:spPr bwMode="auto">
-          <a:xfrm>
-            <a:off x="426196" y="6280160"/>
-            <a:ext cx="4065588" cy="246863"/>
-          </a:xfrm>
-          <a:prstGeom prst="rect">
-            <a:avLst/>
-          </a:prstGeom>
-          <a:noFill/>
-          <a:ln>
-            <a:noFill/>
-          </a:ln>
-          <a:effectLst/>
-          <a:extLst>
-            <a:ext uri="{909E8E84-426E-40DD-AFC4-6F175D3DCCD1}">
-              <a14:hiddenFill xmlns:a14="http://schemas.microsoft.com/office/drawing/2010/main">
-                <a:solidFill>
-                  <a:schemeClr val="accent1"/>
-                </a:solidFill>
-              </a14:hiddenFill>
-            </a:ext>
-            <a:ext uri="{91240B29-F687-4F45-9708-019B960494DF}">
-              <a14:hiddenLine xmlns:a14="http://schemas.microsoft.com/office/drawing/2010/main" w="9525">
-                <a:solidFill>
-                  <a:schemeClr val="tx1"/>
-                </a:solidFill>
-                <a:miter lim="800000"/>
-                <a:headEnd/>
-                <a:tailEnd/>
-              </a14:hiddenLine>
-            </a:ext>
-            <a:ext uri="{AF507438-7753-43E0-B8FC-AC1667EBCBE1}">
-              <a14:hiddenEffects xmlns:a14="http://schemas.microsoft.com/office/drawing/2010/main">
-                <a:effectLst>
-                  <a:outerShdw blurRad="63500" dist="38099" dir="2700000" algn="ctr" rotWithShape="0">
-                    <a:schemeClr val="bg2">
-                      <a:alpha val="74998"/>
-                    </a:schemeClr>
-                  </a:outerShdw>
-                </a:effectLst>
-              </a14:hiddenEffects>
-            </a:ext>
-          </a:extLst>
-        </p:spPr>
-        <p:txBody>
-          <a:bodyPr lIns="92075" tIns="46038" rIns="92075" bIns="46038">
-            <a:spAutoFit/>
-          </a:bodyPr>
-          <a:lstStyle/>
-          <a:p>
-            <a:r>
-              <a:rPr lang="en-US" altLang="ja-JP" sz="1000" dirty="0">
-                <a:solidFill>
-                  <a:srgbClr val="000000"/>
-                </a:solidFill>
-                <a:latin typeface="Arial" charset="0"/>
-                <a:ea typeface="Arial" charset="0"/>
-                <a:cs typeface="Arial" charset="0"/>
-              </a:rPr>
-              <a:t>Source: IDC Japan, December </a:t>
-            </a:r>
-            <a:r>
-              <a:rPr lang="en-US" altLang="ja-JP" sz="1000" dirty="0" smtClean="0">
-                <a:solidFill>
-                  <a:srgbClr val="000000"/>
-                </a:solidFill>
-                <a:latin typeface="Arial" charset="0"/>
-                <a:ea typeface="Arial" charset="0"/>
-                <a:cs typeface="Arial" charset="0"/>
-              </a:rPr>
-              <a:t>2016</a:t>
-            </a:r>
-            <a:endParaRPr lang="en-US" altLang="ja-JP" sz="1000" dirty="0">
-              <a:solidFill>
-                <a:srgbClr val="000000"/>
-              </a:solidFill>
-              <a:latin typeface="Arial" charset="0"/>
-              <a:ea typeface="Arial" charset="0"/>
-              <a:cs typeface="Arial" charset="0"/>
-            </a:endParaRPr>
-          </a:p>
-        </p:txBody>
-      </p:sp>
-      <p:pic>
-        <p:nvPicPr>
-          <p:cNvPr id="4" name="図 3"/>
-          <p:cNvPicPr>
-            <a:picLocks noChangeAspect="1"/>
-          </p:cNvPicPr>
-          <p:nvPr/>
-        </p:nvPicPr>
-        <p:blipFill>
-          <a:blip r:embed="rId2"/>
-          <a:stretch>
-            <a:fillRect/>
-          </a:stretch>
-        </p:blipFill>
-        <p:spPr>
-          <a:xfrm>
-            <a:off x="426196" y="1675094"/>
-            <a:ext cx="9186087" cy="4290804"/>
-          </a:xfrm>
-          <a:prstGeom prst="rect">
-            <a:avLst/>
-          </a:prstGeom>
-        </p:spPr>
-      </p:pic>
-    </p:spTree>
-    <p:extLst>
-      <p:ext uri="{BB962C8B-B14F-4D97-AF65-F5344CB8AC3E}">
-        <p14:creationId xmlns:p14="http://schemas.microsoft.com/office/powerpoint/2010/main" val="519102711"/>
-      </p:ext>
-    </p:extLst>
-  </p:cSld>
-  <p:clrMapOvr>
-    <a:masterClrMapping/>
-  </p:clrMapOvr>
-  <p:timing>
-    <p:tnLst>
-      <p:par>
-        <p:cTn id="1" dur="indefinite" restart="never" nodeType="tmRoot"/>
-      </p:par>
-    </p:tnLst>
-  </p:timing>
-</p:sld>
-</file>
-
-<file path=ppt/slides/slide16.xml><?xml version="1.0" encoding="utf-8"?>
-<p:sld xmlns:a="http://schemas.openxmlformats.org/drawingml/2006/main" xmlns:r="http://schemas.openxmlformats.org/officeDocument/2006/relationships" xmlns:p="http://schemas.openxmlformats.org/presentationml/2006/main">
-  <p:cSld>
-    <p:spTree>
-      <p:nvGrpSpPr>
-        <p:cNvPr id="1" name=""/>
-        <p:cNvGrpSpPr/>
-        <p:nvPr/>
-      </p:nvGrpSpPr>
-      <p:grpSpPr>
-        <a:xfrm>
-          <a:off x="0" y="0"/>
-          <a:ext cx="0" cy="0"/>
-          <a:chOff x="0" y="0"/>
-          <a:chExt cx="0" cy="0"/>
-        </a:xfrm>
-      </p:grpSpPr>
       <p:graphicFrame>
         <p:nvGraphicFramePr>
           <p:cNvPr id="12" name="表 11"/>
@@ -8956,7 +7389,7 @@
           <p:nvPr>
             <p:extLst>
               <p:ext uri="{D42A27DB-BD31-4B8C-83A1-F6EECF244321}">
-                <p14:modId xmlns:p14="http://schemas.microsoft.com/office/powerpoint/2010/main" val="234482778"/>
+                <p14:modId xmlns:p14="http://schemas.microsoft.com/office/powerpoint/2010/main" val="570143099"/>
               </p:ext>
             </p:extLst>
           </p:nvPr>
@@ -9036,13 +7469,13 @@
                     <a:p>
                       <a:pPr algn="l" fontAlgn="b"/>
                       <a:r>
-                        <a:rPr lang="en-US" sz="2000" u="none" strike="noStrike" dirty="0">
+                        <a:rPr lang="en-US" sz="2000" u="none" strike="noStrike" dirty="0" smtClean="0">
                           <a:effectLst/>
                           <a:latin typeface="Arial" charset="0"/>
                           <a:ea typeface="Arial" charset="0"/>
                           <a:cs typeface="Arial" charset="0"/>
                         </a:rPr>
-                        <a:t>ARR </a:t>
+                        <a:t>ACV </a:t>
                       </a:r>
                       <a:r>
                         <a:rPr lang="en-US" sz="2000" u="none" strike="noStrike" dirty="0" err="1">
@@ -9072,18 +7505,6 @@
                     <a:lstStyle/>
                     <a:p>
                       <a:pPr algn="r" fontAlgn="b"/>
-                      <a:r>
-                        <a:rPr lang="is-IS" sz="2000" b="0" i="0" u="none" strike="noStrike" dirty="0" smtClean="0">
-                          <a:solidFill>
-                            <a:schemeClr val="dk1"/>
-                          </a:solidFill>
-                          <a:effectLst/>
-                          <a:latin typeface="Arial" charset="0"/>
-                          <a:ea typeface="Arial" charset="0"/>
-                          <a:cs typeface="Arial" charset="0"/>
-                        </a:rPr>
-                        <a:t>10,000</a:t>
-                      </a:r>
                       <a:endParaRPr lang="is-IS" sz="2000" b="0" i="0" u="none" strike="noStrike" dirty="0">
                         <a:solidFill>
                           <a:srgbClr val="000000"/>
@@ -9133,18 +7554,6 @@
                     <a:lstStyle/>
                     <a:p>
                       <a:pPr algn="r" fontAlgn="b"/>
-                      <a:r>
-                        <a:rPr lang="is-IS" sz="2000" b="0" i="0" u="none" strike="noStrike" dirty="0" smtClean="0">
-                          <a:solidFill>
-                            <a:srgbClr val="000000"/>
-                          </a:solidFill>
-                          <a:effectLst/>
-                          <a:latin typeface="Arial" charset="0"/>
-                          <a:ea typeface="Arial" charset="0"/>
-                          <a:cs typeface="Arial" charset="0"/>
-                        </a:rPr>
-                        <a:t>140</a:t>
-                      </a:r>
                       <a:endParaRPr lang="is-IS" sz="2000" b="0" i="0" u="none" strike="noStrike" dirty="0">
                         <a:solidFill>
                           <a:srgbClr val="000000"/>
@@ -9501,7 +7910,7 @@
                 <a:cs typeface="Arial" charset="0"/>
               </a:rPr>
               <a:pPr/>
-              <a:t>16</a:t>
+              <a:t>14</a:t>
             </a:fld>
             <a:endParaRPr kumimoji="0" lang="en-US" sz="900" dirty="0">
               <a:solidFill>
@@ -9619,6 +8028,267 @@
     <p:extLst>
       <p:ext uri="{BB962C8B-B14F-4D97-AF65-F5344CB8AC3E}">
         <p14:creationId xmlns:p14="http://schemas.microsoft.com/office/powerpoint/2010/main" val="841811139"/>
+      </p:ext>
+    </p:extLst>
+  </p:cSld>
+  <p:clrMapOvr>
+    <a:masterClrMapping/>
+  </p:clrMapOvr>
+  <p:timing>
+    <p:tnLst>
+      <p:par>
+        <p:cTn id="1" dur="indefinite" restart="never" nodeType="tmRoot"/>
+      </p:par>
+    </p:tnLst>
+  </p:timing>
+</p:sld>
+</file>
+
+<file path=ppt/slides/slide15.xml><?xml version="1.0" encoding="utf-8"?>
+<p:sld xmlns:a="http://schemas.openxmlformats.org/drawingml/2006/main" xmlns:r="http://schemas.openxmlformats.org/officeDocument/2006/relationships" xmlns:p="http://schemas.openxmlformats.org/presentationml/2006/main">
+  <p:cSld>
+    <p:spTree>
+      <p:nvGrpSpPr>
+        <p:cNvPr id="1" name=""/>
+        <p:cNvGrpSpPr/>
+        <p:nvPr/>
+      </p:nvGrpSpPr>
+      <p:grpSpPr>
+        <a:xfrm>
+          <a:off x="0" y="0"/>
+          <a:ext cx="0" cy="0"/>
+          <a:chOff x="0" y="0"/>
+          <a:chExt cx="0" cy="0"/>
+        </a:xfrm>
+      </p:grpSpPr>
+      <p:pic>
+        <p:nvPicPr>
+          <p:cNvPr id="3" name="図 2"/>
+          <p:cNvPicPr>
+            <a:picLocks noChangeAspect="1"/>
+          </p:cNvPicPr>
+          <p:nvPr/>
+        </p:nvPicPr>
+        <p:blipFill>
+          <a:blip r:embed="rId2">
+            <a:extLst>
+              <a:ext uri="{28A0092B-C50C-407E-A947-70E740481C1C}">
+                <a14:useLocalDpi xmlns:a14="http://schemas.microsoft.com/office/drawing/2010/main" val="0"/>
+              </a:ext>
+            </a:extLst>
+          </a:blip>
+          <a:stretch>
+            <a:fillRect/>
+          </a:stretch>
+        </p:blipFill>
+        <p:spPr>
+          <a:xfrm>
+            <a:off x="481512" y="269456"/>
+            <a:ext cx="7258991" cy="6068516"/>
+          </a:xfrm>
+          <a:prstGeom prst="rect">
+            <a:avLst/>
+          </a:prstGeom>
+        </p:spPr>
+      </p:pic>
+    </p:spTree>
+    <p:extLst>
+      <p:ext uri="{BB962C8B-B14F-4D97-AF65-F5344CB8AC3E}">
+        <p14:creationId xmlns:p14="http://schemas.microsoft.com/office/powerpoint/2010/main" val="1096906843"/>
+      </p:ext>
+    </p:extLst>
+  </p:cSld>
+  <p:clrMapOvr>
+    <a:masterClrMapping/>
+  </p:clrMapOvr>
+  <p:timing>
+    <p:tnLst>
+      <p:par>
+        <p:cTn id="1" dur="indefinite" restart="never" nodeType="tmRoot"/>
+      </p:par>
+    </p:tnLst>
+  </p:timing>
+</p:sld>
+</file>
+
+<file path=ppt/slides/slide16.xml><?xml version="1.0" encoding="utf-8"?>
+<p:sld xmlns:a="http://schemas.openxmlformats.org/drawingml/2006/main" xmlns:r="http://schemas.openxmlformats.org/officeDocument/2006/relationships" xmlns:p="http://schemas.openxmlformats.org/presentationml/2006/main">
+  <p:cSld>
+    <p:spTree>
+      <p:nvGrpSpPr>
+        <p:cNvPr id="1" name=""/>
+        <p:cNvGrpSpPr/>
+        <p:nvPr/>
+      </p:nvGrpSpPr>
+      <p:grpSpPr>
+        <a:xfrm>
+          <a:off x="0" y="0"/>
+          <a:ext cx="0" cy="0"/>
+          <a:chOff x="0" y="0"/>
+          <a:chExt cx="0" cy="0"/>
+        </a:xfrm>
+      </p:grpSpPr>
+      <p:sp>
+        <p:nvSpPr>
+          <p:cNvPr id="2" name="Title 1"/>
+          <p:cNvSpPr>
+            <a:spLocks noGrp="1"/>
+          </p:cNvSpPr>
+          <p:nvPr>
+            <p:ph type="title"/>
+          </p:nvPr>
+        </p:nvSpPr>
+        <p:spPr>
+          <a:xfrm>
+            <a:off x="322023" y="299517"/>
+            <a:ext cx="11426632" cy="1118255"/>
+          </a:xfrm>
+        </p:spPr>
+        <p:txBody>
+          <a:bodyPr/>
+          <a:lstStyle/>
+          <a:p>
+            <a:pPr lvl="1" algn="l" defTabSz="1219170" rtl="0">
+              <a:lnSpc>
+                <a:spcPts val="4000"/>
+              </a:lnSpc>
+              <a:spcBef>
+                <a:spcPct val="0"/>
+              </a:spcBef>
+            </a:pPr>
+            <a:r>
+              <a:rPr kumimoji="1" lang="en-US" altLang="ja-JP" sz="3600" b="1" dirty="0" smtClean="0">
+                <a:solidFill>
+                  <a:srgbClr val="00B0F0"/>
+                </a:solidFill>
+                <a:latin typeface="Arial" charset="0"/>
+                <a:ea typeface="Arial" charset="0"/>
+                <a:cs typeface="Arial" charset="0"/>
+              </a:rPr>
+              <a:t>Japan Applications Development and Deployment Market Forecast</a:t>
+            </a:r>
+          </a:p>
+        </p:txBody>
+      </p:sp>
+      <p:sp>
+        <p:nvSpPr>
+          <p:cNvPr id="10" name="Text Box 7"/>
+          <p:cNvSpPr txBox="1">
+            <a:spLocks noChangeArrowheads="1"/>
+          </p:cNvSpPr>
+          <p:nvPr/>
+        </p:nvSpPr>
+        <p:spPr bwMode="auto">
+          <a:xfrm>
+            <a:off x="426196" y="6280160"/>
+            <a:ext cx="4065588" cy="246863"/>
+          </a:xfrm>
+          <a:prstGeom prst="rect">
+            <a:avLst/>
+          </a:prstGeom>
+          <a:noFill/>
+          <a:ln>
+            <a:noFill/>
+          </a:ln>
+          <a:effectLst/>
+          <a:extLst>
+            <a:ext uri="{909E8E84-426E-40DD-AFC4-6F175D3DCCD1}">
+              <a14:hiddenFill xmlns:a14="http://schemas.microsoft.com/office/drawing/2010/main">
+                <a:solidFill>
+                  <a:schemeClr val="accent1"/>
+                </a:solidFill>
+              </a14:hiddenFill>
+            </a:ext>
+            <a:ext uri="{91240B29-F687-4F45-9708-019B960494DF}">
+              <a14:hiddenLine xmlns:a14="http://schemas.microsoft.com/office/drawing/2010/main" w="9525">
+                <a:solidFill>
+                  <a:schemeClr val="tx1"/>
+                </a:solidFill>
+                <a:miter lim="800000"/>
+                <a:headEnd/>
+                <a:tailEnd/>
+              </a14:hiddenLine>
+            </a:ext>
+            <a:ext uri="{AF507438-7753-43E0-B8FC-AC1667EBCBE1}">
+              <a14:hiddenEffects xmlns:a14="http://schemas.microsoft.com/office/drawing/2010/main">
+                <a:effectLst>
+                  <a:outerShdw blurRad="63500" dist="38099" dir="2700000" algn="ctr" rotWithShape="0">
+                    <a:schemeClr val="bg2">
+                      <a:alpha val="74998"/>
+                    </a:schemeClr>
+                  </a:outerShdw>
+                </a:effectLst>
+              </a14:hiddenEffects>
+            </a:ext>
+          </a:extLst>
+        </p:spPr>
+        <p:txBody>
+          <a:bodyPr lIns="92075" tIns="46038" rIns="92075" bIns="46038">
+            <a:spAutoFit/>
+          </a:bodyPr>
+          <a:lstStyle/>
+          <a:p>
+            <a:r>
+              <a:rPr lang="en-US" altLang="ja-JP" sz="1000" dirty="0">
+                <a:solidFill>
+                  <a:srgbClr val="000000"/>
+                </a:solidFill>
+                <a:latin typeface="Arial" charset="0"/>
+                <a:ea typeface="Arial" charset="0"/>
+                <a:cs typeface="Arial" charset="0"/>
+              </a:rPr>
+              <a:t>Source: IDC Japan, December </a:t>
+            </a:r>
+            <a:r>
+              <a:rPr lang="en-US" altLang="ja-JP" sz="1000" dirty="0" smtClean="0">
+                <a:solidFill>
+                  <a:srgbClr val="000000"/>
+                </a:solidFill>
+                <a:latin typeface="Arial" charset="0"/>
+                <a:ea typeface="Arial" charset="0"/>
+                <a:cs typeface="Arial" charset="0"/>
+              </a:rPr>
+              <a:t>2016</a:t>
+            </a:r>
+            <a:endParaRPr lang="en-US" altLang="ja-JP" sz="1000" dirty="0">
+              <a:solidFill>
+                <a:srgbClr val="000000"/>
+              </a:solidFill>
+              <a:latin typeface="Arial" charset="0"/>
+              <a:ea typeface="Arial" charset="0"/>
+              <a:cs typeface="Arial" charset="0"/>
+            </a:endParaRPr>
+          </a:p>
+        </p:txBody>
+      </p:sp>
+      <p:pic>
+        <p:nvPicPr>
+          <p:cNvPr id="4" name="図 3"/>
+          <p:cNvPicPr>
+            <a:picLocks noChangeAspect="1"/>
+          </p:cNvPicPr>
+          <p:nvPr/>
+        </p:nvPicPr>
+        <p:blipFill>
+          <a:blip r:embed="rId2"/>
+          <a:stretch>
+            <a:fillRect/>
+          </a:stretch>
+        </p:blipFill>
+        <p:spPr>
+          <a:xfrm>
+            <a:off x="426196" y="1675094"/>
+            <a:ext cx="9186087" cy="4290804"/>
+          </a:xfrm>
+          <a:prstGeom prst="rect">
+            <a:avLst/>
+          </a:prstGeom>
+        </p:spPr>
+      </p:pic>
+    </p:spTree>
+    <p:extLst>
+      <p:ext uri="{BB962C8B-B14F-4D97-AF65-F5344CB8AC3E}">
+        <p14:creationId xmlns:p14="http://schemas.microsoft.com/office/powerpoint/2010/main" val="519102711"/>
       </p:ext>
     </p:extLst>
   </p:cSld>
@@ -10116,18 +8786,7 @@
                 <a:ea typeface="Arial" charset="0"/>
                 <a:cs typeface="Arial" charset="0"/>
               </a:rPr>
-              <a:t>Value </a:t>
-            </a:r>
-            <a:r>
-              <a:rPr kumimoji="1" lang="en-US" altLang="ja-JP" sz="3600" b="1" dirty="0" smtClean="0">
-                <a:solidFill>
-                  <a:srgbClr val="00B0F0"/>
-                </a:solidFill>
-                <a:latin typeface="Arial" charset="0"/>
-                <a:ea typeface="Arial" charset="0"/>
-                <a:cs typeface="Arial" charset="0"/>
-              </a:rPr>
-              <a:t>Proposition: GitHub Enterprise</a:t>
+              <a:t>Value Proposition: GitHub Enterprise</a:t>
             </a:r>
             <a:endParaRPr lang="en-US" altLang="ja-JP" sz="3600" b="1" dirty="0">
               <a:solidFill>
@@ -10264,15 +8923,7 @@
                           <a:ea typeface="Arial" charset="0"/>
                           <a:cs typeface="Arial" charset="0"/>
                         </a:rPr>
-                        <a:t>in-house Developers in internet </a:t>
-                      </a:r>
-                      <a:r>
-                        <a:rPr kumimoji="1" lang="en-US" altLang="ja-JP" sz="1700" dirty="0" smtClean="0">
-                          <a:latin typeface="Arial" charset="0"/>
-                          <a:ea typeface="Arial" charset="0"/>
-                          <a:cs typeface="Arial" charset="0"/>
-                        </a:rPr>
-                        <a:t>based companies</a:t>
+                        <a:t>in-house Developers in internet based companies</a:t>
                       </a:r>
                       <a:r>
                         <a:rPr kumimoji="1" lang="en-US" altLang="ja-JP" sz="1700" baseline="0" dirty="0" smtClean="0">
@@ -10686,25 +9337,7 @@
                           <a:ea typeface="Arial" charset="0"/>
                           <a:cs typeface="Arial" charset="0"/>
                         </a:rPr>
-                        <a:t> leading internet </a:t>
-                      </a:r>
-                      <a:r>
-                        <a:rPr kumimoji="1" lang="en-US" altLang="ja-JP" sz="1700" kern="1200" baseline="0" dirty="0" smtClean="0">
-                          <a:effectLst/>
-                          <a:latin typeface="Arial" charset="0"/>
-                          <a:ea typeface="Arial" charset="0"/>
-                          <a:cs typeface="Arial" charset="0"/>
-                        </a:rPr>
-                        <a:t>based companies </a:t>
-                      </a:r>
-                      <a:r>
-                        <a:rPr kumimoji="1" lang="en-US" altLang="ja-JP" sz="1700" kern="1200" baseline="0" dirty="0" smtClean="0">
-                          <a:effectLst/>
-                          <a:latin typeface="Arial" charset="0"/>
-                          <a:ea typeface="Arial" charset="0"/>
-                          <a:cs typeface="Arial" charset="0"/>
-                        </a:rPr>
-                        <a:t>such as GREE, Yahoo! JAPAN, </a:t>
+                        <a:t> leading internet based companies such as GREE, Yahoo! JAPAN, </a:t>
                       </a:r>
                       <a:r>
                         <a:rPr kumimoji="1" lang="en-US" altLang="ja-JP" sz="1700" kern="1200" baseline="0" dirty="0" err="1" smtClean="0">
@@ -10740,16 +9373,7 @@
                           <a:ea typeface="Arial" charset="0"/>
                           <a:cs typeface="Arial" charset="0"/>
                         </a:rPr>
-                        <a:t>, </a:t>
-                      </a:r>
-                      <a:r>
-                        <a:rPr kumimoji="1" lang="en-US" altLang="ja-JP" sz="1700" kern="1200" baseline="0" dirty="0" smtClean="0">
-                          <a:effectLst/>
-                          <a:latin typeface="Arial" charset="0"/>
-                          <a:ea typeface="Arial" charset="0"/>
-                          <a:cs typeface="Arial" charset="0"/>
-                        </a:rPr>
-                        <a:t>LINE and </a:t>
+                        <a:t>, LINE and </a:t>
                       </a:r>
                       <a:r>
                         <a:rPr kumimoji="1" lang="en-US" altLang="ja-JP" sz="1700" kern="1200" baseline="0" dirty="0" err="1" smtClean="0">
@@ -12124,18 +10748,7 @@
                 <a:ea typeface="Arial" charset="0"/>
                 <a:cs typeface="Arial" charset="0"/>
               </a:rPr>
-              <a:t>1,400 + </a:t>
-            </a:r>
-            <a:r>
-              <a:rPr lang="en-US" altLang="ja-JP" sz="1500" dirty="0" smtClean="0">
-                <a:solidFill>
-                  <a:schemeClr val="tx1"/>
-                </a:solidFill>
-                <a:latin typeface="Arial" charset="0"/>
-                <a:ea typeface="Arial" charset="0"/>
-                <a:cs typeface="Arial" charset="0"/>
-              </a:rPr>
-              <a:t>customers </a:t>
+              <a:t>1,400 + customers </a:t>
             </a:r>
             <a:r>
               <a:rPr lang="en-US" altLang="ja-JP" sz="1500" dirty="0">
@@ -12179,18 +10792,7 @@
                 <a:ea typeface="Arial" charset="0"/>
                 <a:cs typeface="Arial" charset="0"/>
               </a:rPr>
-              <a:t>300</a:t>
-            </a:r>
-            <a:r>
-              <a:rPr lang="en-US" altLang="ja-JP" sz="1500" dirty="0" smtClean="0">
-                <a:solidFill>
-                  <a:schemeClr val="tx1"/>
-                </a:solidFill>
-                <a:latin typeface="Arial" charset="0"/>
-                <a:ea typeface="Arial" charset="0"/>
-                <a:cs typeface="Arial" charset="0"/>
-              </a:rPr>
-              <a:t>,000 users on </a:t>
+              <a:t>300,000 users on </a:t>
             </a:r>
             <a:r>
               <a:rPr lang="en-US" altLang="ja-JP" sz="1500" dirty="0" err="1">
@@ -12395,29 +10997,7 @@
                 <a:ea typeface="Arial" charset="0"/>
                 <a:cs typeface="Arial" charset="0"/>
               </a:rPr>
-              <a:t>systems such as </a:t>
-            </a:r>
-            <a:r>
-              <a:rPr lang="en-US" altLang="ja-JP" sz="1500" dirty="0" smtClean="0">
-                <a:solidFill>
-                  <a:schemeClr val="tx1"/>
-                </a:solidFill>
-                <a:latin typeface="Arial" charset="0"/>
-                <a:ea typeface="Arial" charset="0"/>
-                <a:cs typeface="Arial" charset="0"/>
-              </a:rPr>
-              <a:t>subversion (</a:t>
-            </a:r>
-            <a:r>
-              <a:rPr lang="en-US" altLang="ja-JP" sz="1500" dirty="0" smtClean="0">
-                <a:solidFill>
-                  <a:schemeClr val="tx1"/>
-                </a:solidFill>
-                <a:latin typeface="Arial" charset="0"/>
-                <a:ea typeface="Arial" charset="0"/>
-                <a:cs typeface="Arial" charset="0"/>
-              </a:rPr>
-              <a:t>SVN).The other is direct competition, companies </a:t>
+              <a:t>systems such as subversion (SVN).The other is direct competition, companies </a:t>
             </a:r>
             <a:r>
               <a:rPr lang="en-US" altLang="ja-JP" sz="1500" dirty="0">
@@ -12497,29 +11077,7 @@
                 <a:ea typeface="Arial" charset="0"/>
                 <a:cs typeface="Arial" charset="0"/>
               </a:rPr>
-              <a:t>Legacy competition with </a:t>
-            </a:r>
-            <a:r>
-              <a:rPr lang="en-US" altLang="ja-JP" sz="1500" dirty="0" smtClean="0">
-                <a:solidFill>
-                  <a:schemeClr val="tx1"/>
-                </a:solidFill>
-                <a:latin typeface="Arial" charset="0"/>
-                <a:ea typeface="Arial" charset="0"/>
-                <a:cs typeface="Arial" charset="0"/>
-              </a:rPr>
-              <a:t>subversion (</a:t>
-            </a:r>
-            <a:r>
-              <a:rPr lang="en-US" altLang="ja-JP" sz="1500" dirty="0" smtClean="0">
-                <a:solidFill>
-                  <a:schemeClr val="tx1"/>
-                </a:solidFill>
-                <a:latin typeface="Arial" charset="0"/>
-                <a:ea typeface="Arial" charset="0"/>
-                <a:cs typeface="Arial" charset="0"/>
-              </a:rPr>
-              <a:t>SVN) shows a fierce battle. </a:t>
+              <a:t>Legacy competition with subversion (SVN) shows a fierce battle. </a:t>
             </a:r>
             <a:r>
               <a:rPr lang="en-US" altLang="ja-JP" sz="1500" dirty="0">
@@ -14566,39 +13124,7 @@
                 <a:ea typeface="Arial" charset="0"/>
                 <a:cs typeface="Arial" charset="0"/>
               </a:rPr>
-              <a:t>Internet </a:t>
-            </a:r>
-            <a:r>
-              <a:rPr lang="en-US" altLang="ja-JP" sz="1200" dirty="0" smtClean="0">
-                <a:latin typeface="Arial" charset="0"/>
-                <a:ea typeface="Arial" charset="0"/>
-                <a:cs typeface="Arial" charset="0"/>
-              </a:rPr>
-              <a:t>based Companies</a:t>
-            </a:r>
-            <a:r>
-              <a:rPr lang="en-US" altLang="ja-JP" sz="1200" dirty="0" smtClean="0">
-                <a:latin typeface="Arial" charset="0"/>
-                <a:ea typeface="Arial" charset="0"/>
-                <a:cs typeface="Arial" charset="0"/>
-              </a:rPr>
-              <a:t>, </a:t>
-            </a:r>
-            <a:r>
-              <a:rPr lang="en-US" altLang="ja-JP" sz="1200" dirty="0" smtClean="0">
-                <a:latin typeface="Arial" charset="0"/>
-                <a:ea typeface="Arial" charset="0"/>
-                <a:cs typeface="Arial" charset="0"/>
-              </a:rPr>
-              <a:t>companies based on software regardless of </a:t>
-            </a:r>
-            <a:r>
-              <a:rPr lang="en-US" altLang="ja-JP" sz="1200" dirty="0" smtClean="0">
-                <a:latin typeface="Arial" charset="0"/>
-                <a:ea typeface="Arial" charset="0"/>
-                <a:cs typeface="Arial" charset="0"/>
-              </a:rPr>
-              <a:t>industries</a:t>
+              <a:t>Internet based Companies, companies based on software regardless of industries</a:t>
             </a:r>
             <a:endParaRPr lang="en-US" altLang="ja-JP" sz="1200" dirty="0">
               <a:latin typeface="Arial" charset="0"/>
@@ -32681,15 +31207,7 @@
                 <a:ea typeface="Arial" charset="0"/>
                 <a:cs typeface="Arial" charset="0"/>
               </a:rPr>
-              <a:t>Tokyo 2017 Sponsorship </a:t>
-            </a:r>
-            <a:r>
-              <a:rPr lang="en-US" altLang="ja-JP" sz="1100" b="1" dirty="0" smtClean="0">
-                <a:latin typeface="Arial" charset="0"/>
-                <a:ea typeface="Arial" charset="0"/>
-                <a:cs typeface="Arial" charset="0"/>
-              </a:rPr>
-              <a:t>tapping start</a:t>
+              <a:t>Tokyo 2017 Sponsorship tapping start</a:t>
             </a:r>
           </a:p>
         </p:txBody>
@@ -33141,11 +31659,6 @@
               </a:rPr>
               <a:t>Patchwork Tokyo(May1)</a:t>
             </a:r>
-            <a:endParaRPr lang="en-US" altLang="ja-JP" sz="1100" b="1" dirty="0" smtClean="0">
-              <a:latin typeface="Arial" charset="0"/>
-              <a:ea typeface="Arial" charset="0"/>
-              <a:cs typeface="Arial" charset="0"/>
-            </a:endParaRPr>
           </a:p>
         </p:txBody>
       </p:sp>

--- a/GitHub Japan Marketing Strategy.pptx
+++ b/GitHub Japan Marketing Strategy.pptx
@@ -164,28 +164,12 @@
               </a:defRPr>
             </a:pPr>
             <a:r>
-              <a:rPr lang="en-US" dirty="0">
+              <a:rPr lang="en-US">
                 <a:latin typeface="Arial" charset="0"/>
                 <a:ea typeface="Arial" charset="0"/>
                 <a:cs typeface="Arial" charset="0"/>
               </a:rPr>
-              <a:t>3</a:t>
-            </a:r>
-            <a:r>
-              <a:rPr lang="en-US" dirty="0" smtClean="0">
-                <a:latin typeface="Arial" charset="0"/>
-                <a:ea typeface="Arial" charset="0"/>
-                <a:cs typeface="Arial" charset="0"/>
-              </a:rPr>
-              <a:t>Q </a:t>
-            </a:r>
-            <a:r>
-              <a:rPr lang="en-US" dirty="0">
-                <a:latin typeface="Arial" charset="0"/>
-                <a:ea typeface="Arial" charset="0"/>
-                <a:cs typeface="Arial" charset="0"/>
-              </a:rPr>
-              <a:t>Plan ($K)</a:t>
+              <a:t>3Q Plan ($K)</a:t>
             </a:r>
           </a:p>
         </c:rich>
@@ -209,11 +193,11 @@
           <c:order val="0"/>
           <c:tx>
             <c:strRef>
-              <c:f>Q2_Graph!$E$1</c:f>
+              <c:f>Q3_Graph!$F$1</c:f>
               <c:strCache>
                 <c:ptCount val="1"/>
                 <c:pt idx="0">
-                  <c:v>1Q Plan ($K)</c:v>
+                  <c:v>3Q Plan ($K)</c:v>
                 </c:pt>
               </c:strCache>
             </c:strRef>
@@ -322,7 +306,7 @@
               <a:lstStyle/>
               <a:p>
                 <a:pPr>
-                  <a:defRPr sz="900" b="0" i="0" u="none" strike="noStrike" kern="1200" baseline="0">
+                  <a:defRPr sz="1100" b="1" i="0" u="none" strike="noStrike" kern="1200" baseline="0">
                     <a:solidFill>
                       <a:schemeClr val="tx1">
                         <a:lumMod val="75000"/>
@@ -367,7 +351,7 @@
           </c:dLbls>
           <c:cat>
             <c:strRef>
-              <c:f>Q2_Graph!$D$2:$D$7</c:f>
+              <c:f>Q3_Graph!$E$2:$E$7</c:f>
               <c:strCache>
                 <c:ptCount val="6"/>
                 <c:pt idx="0">
@@ -393,27 +377,27 @@
           </c:cat>
           <c:val>
             <c:numRef>
-              <c:f>Q2_Graph!$E$2:$E$7</c:f>
+              <c:f>Q3_Graph!$F$2:$F$7</c:f>
               <c:numCache>
                 <c:formatCode>General</c:formatCode>
                 <c:ptCount val="6"/>
                 <c:pt idx="0">
-                  <c:v>95.0</c:v>
+                  <c:v>76.0</c:v>
                 </c:pt>
                 <c:pt idx="1">
-                  <c:v>67.5</c:v>
+                  <c:v>54.0</c:v>
                 </c:pt>
                 <c:pt idx="2">
-                  <c:v>13.0</c:v>
+                  <c:v>0.0</c:v>
                 </c:pt>
                 <c:pt idx="3">
-                  <c:v>13.0</c:v>
+                  <c:v>20.0</c:v>
                 </c:pt>
                 <c:pt idx="4">
-                  <c:v>58.0</c:v>
+                  <c:v>46.0</c:v>
                 </c:pt>
                 <c:pt idx="5">
-                  <c:v>5.0</c:v>
+                  <c:v>4.0</c:v>
                 </c:pt>
               </c:numCache>
             </c:numRef>
@@ -452,7 +436,7 @@
         <a:lstStyle/>
         <a:p>
           <a:pPr>
-            <a:defRPr sz="900" b="0" i="0" u="none" strike="noStrike" kern="1200" baseline="0">
+            <a:defRPr sz="1000" b="1" i="0" u="none" strike="noStrike" kern="1200" baseline="0">
               <a:solidFill>
                 <a:schemeClr val="tx1">
                   <a:lumMod val="65000"/>
@@ -4080,32 +4064,32 @@
       </p:sp>
       <p:graphicFrame>
         <p:nvGraphicFramePr>
-          <p:cNvPr id="5" name="表 4"/>
+          <p:cNvPr id="8" name="表 7"/>
           <p:cNvGraphicFramePr>
             <a:graphicFrameLocks noGrp="1"/>
           </p:cNvGraphicFramePr>
           <p:nvPr>
             <p:extLst>
               <p:ext uri="{D42A27DB-BD31-4B8C-83A1-F6EECF244321}">
-                <p14:modId xmlns:p14="http://schemas.microsoft.com/office/powerpoint/2010/main" val="1048721365"/>
+                <p14:modId xmlns:p14="http://schemas.microsoft.com/office/powerpoint/2010/main" val="1309452223"/>
               </p:ext>
             </p:extLst>
           </p:nvPr>
         </p:nvGraphicFramePr>
         <p:xfrm>
-          <a:off x="322023" y="2000804"/>
-          <a:ext cx="6674200" cy="3580130"/>
+          <a:off x="322022" y="2000804"/>
+          <a:ext cx="6844321" cy="3789640"/>
         </p:xfrm>
         <a:graphic>
           <a:graphicData uri="http://schemas.openxmlformats.org/drawingml/2006/table">
             <a:tbl>
               <a:tblPr/>
               <a:tblGrid>
-                <a:gridCol w="3834370"/>
-                <a:gridCol w="1543897"/>
-                <a:gridCol w="1295933"/>
+                <a:gridCol w="4175550"/>
+                <a:gridCol w="1396714"/>
+                <a:gridCol w="1272057"/>
               </a:tblGrid>
-              <a:tr h="419100">
+              <a:tr h="534539">
                 <a:tc>
                   <a:txBody>
                     <a:bodyPr/>
@@ -4113,7 +4097,7 @@
                     <a:p>
                       <a:pPr algn="ctr" rtl="0" fontAlgn="ctr"/>
                       <a:r>
-                        <a:rPr lang="en-US" sz="1400" b="1" i="0" u="none" strike="noStrike" dirty="0">
+                        <a:rPr lang="en-US" sz="1600" b="1" i="0" u="none" strike="noStrike" dirty="0">
                           <a:solidFill>
                             <a:srgbClr val="5A5A5A"/>
                           </a:solidFill>
@@ -4175,7 +4159,7 @@
                     <a:p>
                       <a:pPr algn="ctr" rtl="0" fontAlgn="ctr"/>
                       <a:r>
-                        <a:rPr lang="en-US" sz="1400" b="1" i="0" u="none" strike="noStrike" dirty="0">
+                        <a:rPr lang="en-US" sz="1600" b="1" i="0" u="none" strike="noStrike" dirty="0">
                           <a:solidFill>
                             <a:srgbClr val="5A5A5A"/>
                           </a:solidFill>
@@ -4184,34 +4168,10 @@
                           <a:ea typeface="Arial" charset="0"/>
                           <a:cs typeface="Arial" charset="0"/>
                         </a:rPr>
-                        <a:t>3</a:t>
-                      </a:r>
-                      <a:r>
-                        <a:rPr lang="en-US" sz="1400" b="1" i="0" u="none" strike="noStrike" dirty="0" smtClean="0">
-                          <a:solidFill>
-                            <a:srgbClr val="5A5A5A"/>
-                          </a:solidFill>
-                          <a:effectLst/>
-                          <a:latin typeface="Arial" charset="0"/>
-                          <a:ea typeface="Arial" charset="0"/>
-                          <a:cs typeface="Arial" charset="0"/>
-                        </a:rPr>
-                        <a:t>Q </a:t>
-                      </a:r>
-                      <a:r>
-                        <a:rPr lang="en-US" sz="1400" b="1" i="0" u="none" strike="noStrike" dirty="0">
-                          <a:solidFill>
-                            <a:srgbClr val="5A5A5A"/>
-                          </a:solidFill>
-                          <a:effectLst/>
-                          <a:latin typeface="Arial" charset="0"/>
-                          <a:ea typeface="Arial" charset="0"/>
-                          <a:cs typeface="Arial" charset="0"/>
-                        </a:rPr>
-                        <a:t>Budget</a:t>
+                        <a:t>3Q Budget</a:t>
                       </a:r>
                       <a:br>
-                        <a:rPr lang="en-US" sz="1400" b="1" i="0" u="none" strike="noStrike" dirty="0">
+                        <a:rPr lang="en-US" sz="1600" b="1" i="0" u="none" strike="noStrike" dirty="0">
                           <a:solidFill>
                             <a:srgbClr val="5A5A5A"/>
                           </a:solidFill>
@@ -4222,7 +4182,7 @@
                         </a:rPr>
                       </a:br>
                       <a:r>
-                        <a:rPr lang="en-US" sz="1400" b="1" i="0" u="none" strike="noStrike" dirty="0">
+                        <a:rPr lang="en-US" sz="1600" b="1" i="0" u="none" strike="noStrike" dirty="0">
                           <a:solidFill>
                             <a:srgbClr val="5A5A5A"/>
                           </a:solidFill>
@@ -4284,7 +4244,7 @@
                     <a:p>
                       <a:pPr algn="ctr" rtl="0" fontAlgn="ctr"/>
                       <a:r>
-                        <a:rPr lang="en-US" sz="1400" b="1" i="0" u="none" strike="noStrike" dirty="0">
+                        <a:rPr lang="en-US" sz="1600" b="1" i="0" u="none" strike="noStrike">
                           <a:solidFill>
                             <a:srgbClr val="5A5A5A"/>
                           </a:solidFill>
@@ -4340,7 +4300,7 @@
                   </a:tcPr>
                 </a:tc>
               </a:tr>
-              <a:tr h="203200">
+              <a:tr h="259171">
                 <a:tc>
                   <a:txBody>
                     <a:bodyPr/>
@@ -4348,7 +4308,7 @@
                     <a:p>
                       <a:pPr algn="l" rtl="0" fontAlgn="ctr"/>
                       <a:r>
-                        <a:rPr lang="en-US" sz="1400" b="0" i="0" u="none" strike="noStrike" dirty="0">
+                        <a:rPr lang="en-US" sz="1600" b="0" i="0" u="none" strike="noStrike">
                           <a:solidFill>
                             <a:srgbClr val="5A5A5A"/>
                           </a:solidFill>
@@ -4357,7 +4317,7 @@
                           <a:ea typeface="Arial" charset="0"/>
                           <a:cs typeface="Arial" charset="0"/>
                         </a:rPr>
-                        <a:t>SEM, MTI</a:t>
+                        <a:t>SEM</a:t>
                       </a:r>
                     </a:p>
                   </a:txBody>
@@ -4410,7 +4370,7 @@
                     <a:p>
                       <a:pPr algn="r" rtl="0" fontAlgn="ctr"/>
                       <a:r>
-                        <a:rPr lang="is-IS" sz="1400" b="0" i="0" u="none" strike="noStrike">
+                        <a:rPr lang="en-US" altLang="ja-JP" sz="1600" b="0" i="0" u="none" strike="noStrike" dirty="0">
                           <a:solidFill>
                             <a:srgbClr val="5A5A5A"/>
                           </a:solidFill>
@@ -4419,7 +4379,7 @@
                           <a:ea typeface="Arial" charset="0"/>
                           <a:cs typeface="Arial" charset="0"/>
                         </a:rPr>
-                        <a:t>13 </a:t>
+                        <a:t>0 </a:t>
                       </a:r>
                     </a:p>
                   </a:txBody>
@@ -4472,7 +4432,7 @@
                     <a:p>
                       <a:pPr algn="r" rtl="0" fontAlgn="ctr"/>
                       <a:r>
-                        <a:rPr lang="mr-IN" sz="1400" b="0" i="0" u="none" strike="noStrike">
+                        <a:rPr lang="mr-IN" sz="1600" b="0" i="0" u="none" strike="noStrike">
                           <a:solidFill>
                             <a:srgbClr val="5A5A5A"/>
                           </a:solidFill>
@@ -4481,7 +4441,7 @@
                           <a:ea typeface="Arial" charset="0"/>
                           <a:cs typeface="Arial" charset="0"/>
                         </a:rPr>
-                        <a:t>5%</a:t>
+                        <a:t>0%</a:t>
                       </a:r>
                     </a:p>
                   </a:txBody>
@@ -4528,7 +4488,7 @@
                   </a:tcPr>
                 </a:tc>
               </a:tr>
-              <a:tr h="190500">
+              <a:tr h="242972">
                 <a:tc>
                   <a:txBody>
                     <a:bodyPr/>
@@ -4536,7 +4496,7 @@
                     <a:p>
                       <a:pPr algn="l" rtl="0" fontAlgn="ctr"/>
                       <a:r>
-                        <a:rPr lang="en-US" sz="1400" b="0" i="0" u="none" strike="noStrike">
+                        <a:rPr lang="en-US" sz="1600" b="0" i="0" u="none" strike="noStrike">
                           <a:solidFill>
                             <a:srgbClr val="5A5A5A"/>
                           </a:solidFill>
@@ -4598,7 +4558,7 @@
                     <a:p>
                       <a:pPr algn="r" rtl="0" fontAlgn="ctr"/>
                       <a:r>
-                        <a:rPr lang="en-US" altLang="ja-JP" sz="1400" b="0" i="0" u="none" strike="noStrike" dirty="0">
+                        <a:rPr lang="en-US" altLang="ja-JP" sz="1600" b="0" i="0" u="none" strike="noStrike" dirty="0">
                           <a:solidFill>
                             <a:srgbClr val="5A5A5A"/>
                           </a:solidFill>
@@ -4607,7 +4567,7 @@
                           <a:ea typeface="Arial" charset="0"/>
                           <a:cs typeface="Arial" charset="0"/>
                         </a:rPr>
-                        <a:t>8 </a:t>
+                        <a:t>16 </a:t>
                       </a:r>
                     </a:p>
                   </a:txBody>
@@ -4660,7 +4620,7 @@
                     <a:p>
                       <a:pPr algn="r" rtl="0" fontAlgn="ctr"/>
                       <a:r>
-                        <a:rPr lang="mr-IN" sz="1400" b="0" i="0" u="none" strike="noStrike">
+                        <a:rPr lang="mr-IN" sz="1600" b="0" i="0" u="none" strike="noStrike">
                           <a:solidFill>
                             <a:srgbClr val="5A5A5A"/>
                           </a:solidFill>
@@ -4669,7 +4629,7 @@
                           <a:ea typeface="Arial" charset="0"/>
                           <a:cs typeface="Arial" charset="0"/>
                         </a:rPr>
-                        <a:t>3%</a:t>
+                        <a:t>8%</a:t>
                       </a:r>
                     </a:p>
                   </a:txBody>
@@ -4716,7 +4676,7 @@
                   </a:tcPr>
                 </a:tc>
               </a:tr>
-              <a:tr h="368300">
+              <a:tr h="469747">
                 <a:tc>
                   <a:txBody>
                     <a:bodyPr/>
@@ -4724,7 +4684,7 @@
                     <a:p>
                       <a:pPr algn="l" rtl="0" fontAlgn="ctr"/>
                       <a:r>
-                        <a:rPr lang="en-US" sz="1400" b="0" i="0" u="none" strike="noStrike">
+                        <a:rPr lang="en-US" sz="1600" b="0" i="0" u="none" strike="noStrike">
                           <a:solidFill>
                             <a:srgbClr val="5A5A5A"/>
                           </a:solidFill>
@@ -4733,7 +4693,7 @@
                           <a:ea typeface="Arial" charset="0"/>
                           <a:cs typeface="Arial" charset="0"/>
                         </a:rPr>
-                        <a:t>3rd Party Media, Web Seminars, Contents Syndication, Banners, SEM, MTI </a:t>
+                        <a:t>3rd Party Media, Web Seminars, Contents Syndication, Retargeting Ads</a:t>
                       </a:r>
                     </a:p>
                   </a:txBody>
@@ -4786,7 +4746,7 @@
                     <a:p>
                       <a:pPr algn="r" rtl="0" fontAlgn="ctr"/>
                       <a:r>
-                        <a:rPr lang="is-IS" sz="1400" b="0" i="0" u="none" strike="noStrike" dirty="0">
+                        <a:rPr lang="en-US" altLang="ja-JP" sz="1600" b="0" i="0" u="none" strike="noStrike">
                           <a:solidFill>
                             <a:srgbClr val="5A5A5A"/>
                           </a:solidFill>
@@ -4795,7 +4755,7 @@
                           <a:ea typeface="Arial" charset="0"/>
                           <a:cs typeface="Arial" charset="0"/>
                         </a:rPr>
-                        <a:t>63 </a:t>
+                        <a:t>60 </a:t>
                       </a:r>
                     </a:p>
                   </a:txBody>
@@ -4848,7 +4808,7 @@
                     <a:p>
                       <a:pPr algn="r" rtl="0" fontAlgn="ctr"/>
                       <a:r>
-                        <a:rPr lang="mr-IN" sz="1400" b="0" i="0" u="none" strike="noStrike">
+                        <a:rPr lang="mr-IN" sz="1600" b="0" i="0" u="none" strike="noStrike">
                           <a:solidFill>
                             <a:srgbClr val="5A5A5A"/>
                           </a:solidFill>
@@ -4857,7 +4817,7 @@
                           <a:ea typeface="Arial" charset="0"/>
                           <a:cs typeface="Arial" charset="0"/>
                         </a:rPr>
-                        <a:t>25%</a:t>
+                        <a:t>30%</a:t>
                       </a:r>
                     </a:p>
                   </a:txBody>
@@ -4904,7 +4864,7 @@
                   </a:tcPr>
                 </a:tc>
               </a:tr>
-              <a:tr h="368300">
+              <a:tr h="242972">
                 <a:tc>
                   <a:txBody>
                     <a:bodyPr/>
@@ -4912,7 +4872,7 @@
                     <a:p>
                       <a:pPr algn="l" rtl="0" fontAlgn="ctr"/>
                       <a:r>
-                        <a:rPr lang="en-US" sz="1400" b="0" i="0" u="none" strike="noStrike">
+                        <a:rPr lang="en-US" sz="1600" b="0" i="0" u="none" strike="noStrike">
                           <a:solidFill>
                             <a:srgbClr val="5A5A5A"/>
                           </a:solidFill>
@@ -4974,7 +4934,7 @@
                     <a:p>
                       <a:pPr algn="r" rtl="0" fontAlgn="ctr"/>
                       <a:r>
-                        <a:rPr lang="is-IS" sz="1400" b="0" i="0" u="none" strike="noStrike" dirty="0">
+                        <a:rPr lang="en-US" altLang="ja-JP" sz="1600" b="0" i="0" u="none" strike="noStrike" dirty="0">
                           <a:solidFill>
                             <a:srgbClr val="5A5A5A"/>
                           </a:solidFill>
@@ -4983,7 +4943,7 @@
                           <a:ea typeface="Arial" charset="0"/>
                           <a:cs typeface="Arial" charset="0"/>
                         </a:rPr>
-                        <a:t>13 </a:t>
+                        <a:t>0 </a:t>
                       </a:r>
                     </a:p>
                   </a:txBody>
@@ -5036,7 +4996,7 @@
                     <a:p>
                       <a:pPr algn="r" rtl="0" fontAlgn="ctr"/>
                       <a:r>
-                        <a:rPr lang="mr-IN" sz="1400" b="0" i="0" u="none" strike="noStrike">
+                        <a:rPr lang="mr-IN" sz="1600" b="0" i="0" u="none" strike="noStrike">
                           <a:solidFill>
                             <a:srgbClr val="5A5A5A"/>
                           </a:solidFill>
@@ -5045,7 +5005,7 @@
                           <a:ea typeface="Arial" charset="0"/>
                           <a:cs typeface="Arial" charset="0"/>
                         </a:rPr>
-                        <a:t>5%</a:t>
+                        <a:t>0%</a:t>
                       </a:r>
                     </a:p>
                   </a:txBody>
@@ -5092,7 +5052,7 @@
                   </a:tcPr>
                 </a:tc>
               </a:tr>
-              <a:tr h="190500">
+              <a:tr h="242972">
                 <a:tc>
                   <a:txBody>
                     <a:bodyPr/>
@@ -5100,7 +5060,7 @@
                     <a:p>
                       <a:pPr algn="l" rtl="0" fontAlgn="ctr"/>
                       <a:r>
-                        <a:rPr lang="en-US" sz="1400" b="0" i="0" u="none" strike="noStrike">
+                        <a:rPr lang="en-US" sz="1600" b="0" i="0" u="none" strike="noStrike">
                           <a:solidFill>
                             <a:srgbClr val="5A5A5A"/>
                           </a:solidFill>
@@ -5162,7 +5122,7 @@
                     <a:p>
                       <a:pPr algn="r" rtl="0" fontAlgn="ctr"/>
                       <a:r>
-                        <a:rPr lang="en-US" altLang="ja-JP" sz="1400" b="0" i="0" u="none" strike="noStrike">
+                        <a:rPr lang="en-US" altLang="ja-JP" sz="1600" b="0" i="0" u="none" strike="noStrike">
                           <a:solidFill>
                             <a:srgbClr val="5A5A5A"/>
                           </a:solidFill>
@@ -5171,7 +5131,7 @@
                           <a:ea typeface="Arial" charset="0"/>
                           <a:cs typeface="Arial" charset="0"/>
                         </a:rPr>
-                        <a:t>5 </a:t>
+                        <a:t>4 </a:t>
                       </a:r>
                     </a:p>
                   </a:txBody>
@@ -5224,7 +5184,7 @@
                     <a:p>
                       <a:pPr algn="r" rtl="0" fontAlgn="ctr"/>
                       <a:r>
-                        <a:rPr lang="mr-IN" sz="1400" b="0" i="0" u="none" strike="noStrike" dirty="0">
+                        <a:rPr lang="mr-IN" sz="1600" b="0" i="0" u="none" strike="noStrike" dirty="0">
                           <a:solidFill>
                             <a:srgbClr val="5A5A5A"/>
                           </a:solidFill>
@@ -5280,7 +5240,7 @@
                   </a:tcPr>
                 </a:tc>
               </a:tr>
-              <a:tr h="368300">
+              <a:tr h="242972">
                 <a:tc>
                   <a:txBody>
                     <a:bodyPr/>
@@ -5288,7 +5248,7 @@
                     <a:p>
                       <a:pPr algn="l" rtl="0" fontAlgn="ctr"/>
                       <a:r>
-                        <a:rPr lang="en-US" sz="1400" b="0" i="0" u="none" strike="noStrike">
+                        <a:rPr lang="en-US" sz="1600" b="0" i="0" u="none" strike="noStrike">
                           <a:solidFill>
                             <a:srgbClr val="5A5A5A"/>
                           </a:solidFill>
@@ -5350,7 +5310,7 @@
                     <a:p>
                       <a:pPr algn="r" rtl="0" fontAlgn="ctr"/>
                       <a:r>
-                        <a:rPr lang="en-US" altLang="ja-JP" sz="1400" b="0" i="0" u="none" strike="noStrike">
+                        <a:rPr lang="en-US" altLang="ja-JP" sz="1600" b="0" i="0" u="none" strike="noStrike">
                           <a:solidFill>
                             <a:srgbClr val="5A5A5A"/>
                           </a:solidFill>
@@ -5359,7 +5319,7 @@
                           <a:ea typeface="Arial" charset="0"/>
                           <a:cs typeface="Arial" charset="0"/>
                         </a:rPr>
-                        <a:t>38 </a:t>
+                        <a:t>30 </a:t>
                       </a:r>
                     </a:p>
                   </a:txBody>
@@ -5412,7 +5372,7 @@
                     <a:p>
                       <a:pPr algn="r" rtl="0" fontAlgn="ctr"/>
                       <a:r>
-                        <a:rPr lang="mr-IN" sz="1400" b="0" i="0" u="none" strike="noStrike">
+                        <a:rPr lang="mr-IN" sz="1600" b="0" i="0" u="none" strike="noStrike" dirty="0">
                           <a:solidFill>
                             <a:srgbClr val="5A5A5A"/>
                           </a:solidFill>
@@ -5468,7 +5428,7 @@
                   </a:tcPr>
                 </a:tc>
               </a:tr>
-              <a:tr h="190500">
+              <a:tr h="242972">
                 <a:tc>
                   <a:txBody>
                     <a:bodyPr/>
@@ -5476,7 +5436,7 @@
                     <a:p>
                       <a:pPr algn="l" rtl="0" fontAlgn="ctr"/>
                       <a:r>
-                        <a:rPr lang="en-US" sz="1400" b="0" i="0" u="none" strike="noStrike">
+                        <a:rPr lang="en-US" sz="1600" b="0" i="0" u="none" strike="noStrike">
                           <a:solidFill>
                             <a:srgbClr val="5A5A5A"/>
                           </a:solidFill>
@@ -5538,7 +5498,7 @@
                     <a:p>
                       <a:pPr algn="r" rtl="0" fontAlgn="ctr"/>
                       <a:r>
-                        <a:rPr lang="is-IS" sz="1400" b="0" i="0" u="none" strike="noStrike">
+                        <a:rPr lang="is-IS" sz="1600" b="0" i="0" u="none" strike="noStrike">
                           <a:solidFill>
                             <a:srgbClr val="5A5A5A"/>
                           </a:solidFill>
@@ -5547,7 +5507,7 @@
                           <a:ea typeface="Arial" charset="0"/>
                           <a:cs typeface="Arial" charset="0"/>
                         </a:rPr>
-                        <a:t>25 </a:t>
+                        <a:t>20 </a:t>
                       </a:r>
                     </a:p>
                   </a:txBody>
@@ -5600,7 +5560,7 @@
                     <a:p>
                       <a:pPr algn="r" rtl="0" fontAlgn="ctr"/>
                       <a:r>
-                        <a:rPr lang="mr-IN" sz="1400" b="0" i="0" u="none" strike="noStrike" dirty="0">
+                        <a:rPr lang="mr-IN" sz="1600" b="0" i="0" u="none" strike="noStrike" dirty="0">
                           <a:solidFill>
                             <a:srgbClr val="5A5A5A"/>
                           </a:solidFill>
@@ -5656,7 +5616,7 @@
                   </a:tcPr>
                 </a:tc>
               </a:tr>
-              <a:tr h="190500">
+              <a:tr h="242972">
                 <a:tc>
                   <a:txBody>
                     <a:bodyPr/>
@@ -5664,7 +5624,7 @@
                     <a:p>
                       <a:pPr algn="l" rtl="0" fontAlgn="ctr"/>
                       <a:r>
-                        <a:rPr lang="en-US" sz="1400" b="0" i="0" u="none" strike="noStrike">
+                        <a:rPr lang="en-US" sz="1600" b="0" i="0" u="none" strike="noStrike">
                           <a:solidFill>
                             <a:srgbClr val="5A5A5A"/>
                           </a:solidFill>
@@ -5726,7 +5686,7 @@
                     <a:p>
                       <a:pPr algn="r" rtl="0" fontAlgn="ctr"/>
                       <a:r>
-                        <a:rPr lang="is-IS" sz="1400" b="0" i="0" u="none" strike="noStrike">
+                        <a:rPr lang="is-IS" sz="1600" b="0" i="0" u="none" strike="noStrike">
                           <a:solidFill>
                             <a:srgbClr val="5A5A5A"/>
                           </a:solidFill>
@@ -5735,7 +5695,7 @@
                           <a:ea typeface="Arial" charset="0"/>
                           <a:cs typeface="Arial" charset="0"/>
                         </a:rPr>
-                        <a:t>13 </a:t>
+                        <a:t>20 </a:t>
                       </a:r>
                     </a:p>
                   </a:txBody>
@@ -5788,7 +5748,7 @@
                     <a:p>
                       <a:pPr algn="r" rtl="0" fontAlgn="ctr"/>
                       <a:r>
-                        <a:rPr lang="mr-IN" sz="1400" b="0" i="0" u="none" strike="noStrike" dirty="0">
+                        <a:rPr lang="mr-IN" sz="1600" b="0" i="0" u="none" strike="noStrike" dirty="0">
                           <a:solidFill>
                             <a:srgbClr val="5A5A5A"/>
                           </a:solidFill>
@@ -5797,7 +5757,7 @@
                           <a:ea typeface="Arial" charset="0"/>
                           <a:cs typeface="Arial" charset="0"/>
                         </a:rPr>
-                        <a:t>5%</a:t>
+                        <a:t>10%</a:t>
                       </a:r>
                     </a:p>
                   </a:txBody>
@@ -5844,7 +5804,7 @@
                   </a:tcPr>
                 </a:tc>
               </a:tr>
-              <a:tr h="190500">
+              <a:tr h="242972">
                 <a:tc>
                   <a:txBody>
                     <a:bodyPr/>
@@ -5852,7 +5812,7 @@
                     <a:p>
                       <a:pPr algn="l" rtl="0" fontAlgn="ctr"/>
                       <a:r>
-                        <a:rPr lang="en-US" sz="1400" b="0" i="0" u="none" strike="noStrike">
+                        <a:rPr lang="en-US" sz="1600" b="0" i="0" u="none" strike="noStrike">
                           <a:solidFill>
                             <a:srgbClr val="5A5A5A"/>
                           </a:solidFill>
@@ -5914,7 +5874,7 @@
                     <a:p>
                       <a:pPr algn="r" rtl="0" fontAlgn="ctr"/>
                       <a:r>
-                        <a:rPr lang="is-IS" sz="1400" b="0" i="0" u="none" strike="noStrike">
+                        <a:rPr lang="en-US" altLang="ja-JP" sz="1600" b="0" i="0" u="none" strike="noStrike">
                           <a:solidFill>
                             <a:srgbClr val="5A5A5A"/>
                           </a:solidFill>
@@ -5923,7 +5883,7 @@
                           <a:ea typeface="Arial" charset="0"/>
                           <a:cs typeface="Arial" charset="0"/>
                         </a:rPr>
-                        <a:t>13 </a:t>
+                        <a:t>0 </a:t>
                       </a:r>
                     </a:p>
                   </a:txBody>
@@ -5976,7 +5936,7 @@
                     <a:p>
                       <a:pPr algn="r" rtl="0" fontAlgn="ctr"/>
                       <a:r>
-                        <a:rPr lang="mr-IN" sz="1400" b="0" i="0" u="none" strike="noStrike" dirty="0">
+                        <a:rPr lang="mr-IN" sz="1600" b="0" i="0" u="none" strike="noStrike" dirty="0">
                           <a:solidFill>
                             <a:srgbClr val="5A5A5A"/>
                           </a:solidFill>
@@ -5985,7 +5945,7 @@
                           <a:ea typeface="Arial" charset="0"/>
                           <a:cs typeface="Arial" charset="0"/>
                         </a:rPr>
-                        <a:t>5%</a:t>
+                        <a:t>0%</a:t>
                       </a:r>
                     </a:p>
                   </a:txBody>
@@ -6032,7 +5992,7 @@
                   </a:tcPr>
                 </a:tc>
               </a:tr>
-              <a:tr h="190500">
+              <a:tr h="242972">
                 <a:tc>
                   <a:txBody>
                     <a:bodyPr/>
@@ -6040,7 +6000,7 @@
                     <a:p>
                       <a:pPr algn="l" rtl="0" fontAlgn="ctr"/>
                       <a:r>
-                        <a:rPr lang="en-US" sz="1400" b="0" i="0" u="none" strike="noStrike">
+                        <a:rPr lang="en-US" sz="1600" b="0" i="0" u="none" strike="noStrike">
                           <a:solidFill>
                             <a:srgbClr val="5A5A5A"/>
                           </a:solidFill>
@@ -6102,7 +6062,7 @@
                     <a:p>
                       <a:pPr algn="r" rtl="0" fontAlgn="ctr"/>
                       <a:r>
-                        <a:rPr lang="ru-RU" sz="1400" b="0" i="0" u="none" strike="noStrike">
+                        <a:rPr lang="en-US" altLang="ja-JP" sz="1600" b="0" i="0" u="none" strike="noStrike">
                           <a:solidFill>
                             <a:srgbClr val="5A5A5A"/>
                           </a:solidFill>
@@ -6111,7 +6071,7 @@
                           <a:ea typeface="Arial" charset="0"/>
                           <a:cs typeface="Arial" charset="0"/>
                         </a:rPr>
-                        <a:t>58 </a:t>
+                        <a:t>46 </a:t>
                       </a:r>
                     </a:p>
                   </a:txBody>
@@ -6164,7 +6124,7 @@
                     <a:p>
                       <a:pPr algn="r" rtl="0" fontAlgn="ctr"/>
                       <a:r>
-                        <a:rPr lang="mr-IN" sz="1400" b="0" i="0" u="none" strike="noStrike">
+                        <a:rPr lang="mr-IN" sz="1600" b="0" i="0" u="none" strike="noStrike" dirty="0">
                           <a:solidFill>
                             <a:srgbClr val="5A5A5A"/>
                           </a:solidFill>
@@ -6220,7 +6180,7 @@
                   </a:tcPr>
                 </a:tc>
               </a:tr>
-              <a:tr h="190500">
+              <a:tr h="242972">
                 <a:tc>
                   <a:txBody>
                     <a:bodyPr/>
@@ -6228,7 +6188,7 @@
                     <a:p>
                       <a:pPr algn="l" rtl="0" fontAlgn="ctr"/>
                       <a:r>
-                        <a:rPr lang="en-US" sz="1400" b="0" i="0" u="none" strike="noStrike">
+                        <a:rPr lang="en-US" sz="1600" b="0" i="0" u="none" strike="noStrike">
                           <a:solidFill>
                             <a:srgbClr val="5A5A5A"/>
                           </a:solidFill>
@@ -6237,7 +6197,7 @@
                           <a:ea typeface="Arial" charset="0"/>
                           <a:cs typeface="Arial" charset="0"/>
                         </a:rPr>
-                        <a:t>IOT tax used for miscellaneous activities</a:t>
+                        <a:t>Reserved for miscellaneous activities</a:t>
                       </a:r>
                     </a:p>
                   </a:txBody>
@@ -6290,7 +6250,7 @@
                     <a:p>
                       <a:pPr algn="r" rtl="0" fontAlgn="ctr"/>
                       <a:r>
-                        <a:rPr lang="en-US" altLang="ja-JP" sz="1400" b="0" i="0" u="none" strike="noStrike">
+                        <a:rPr lang="en-US" altLang="ja-JP" sz="1600" b="0" i="0" u="none" strike="noStrike">
                           <a:solidFill>
                             <a:srgbClr val="5A5A5A"/>
                           </a:solidFill>
@@ -6299,7 +6259,7 @@
                           <a:ea typeface="Arial" charset="0"/>
                           <a:cs typeface="Arial" charset="0"/>
                         </a:rPr>
-                        <a:t>5 </a:t>
+                        <a:t>4 </a:t>
                       </a:r>
                     </a:p>
                   </a:txBody>
@@ -6352,7 +6312,7 @@
                     <a:p>
                       <a:pPr algn="r" rtl="0" fontAlgn="ctr"/>
                       <a:r>
-                        <a:rPr lang="mr-IN" sz="1400" b="0" i="0" u="none" strike="noStrike" dirty="0">
+                        <a:rPr lang="mr-IN" sz="1600" b="0" i="0" u="none" strike="noStrike" dirty="0">
                           <a:solidFill>
                             <a:srgbClr val="5A5A5A"/>
                           </a:solidFill>
@@ -6408,7 +6368,7 @@
                   </a:tcPr>
                 </a:tc>
               </a:tr>
-              <a:tr h="177800">
+              <a:tr h="226774">
                 <a:tc>
                   <a:txBody>
                     <a:bodyPr/>
@@ -6416,7 +6376,7 @@
                     <a:p>
                       <a:pPr algn="ctr" rtl="0" fontAlgn="ctr"/>
                       <a:r>
-                        <a:rPr lang="ja-JP" altLang="en-US" sz="1400" b="1" i="0" u="none" strike="noStrike">
+                        <a:rPr lang="ja-JP" altLang="en-US" sz="1600" b="1" i="0" u="none" strike="noStrike">
                           <a:solidFill>
                             <a:srgbClr val="5A5A5A"/>
                           </a:solidFill>
@@ -6472,7 +6432,7 @@
                     <a:p>
                       <a:pPr algn="r" rtl="0" fontAlgn="ctr"/>
                       <a:r>
-                        <a:rPr lang="is-IS" sz="1400" b="1" i="0" u="none" strike="noStrike">
+                        <a:rPr lang="is-IS" sz="1600" b="1" i="0" u="none" strike="noStrike">
                           <a:solidFill>
                             <a:srgbClr val="5A5A5A"/>
                           </a:solidFill>
@@ -6481,7 +6441,7 @@
                           <a:ea typeface="Arial" charset="0"/>
                           <a:cs typeface="Arial" charset="0"/>
                         </a:rPr>
-                        <a:t>250</a:t>
+                        <a:t>200</a:t>
                       </a:r>
                     </a:p>
                   </a:txBody>
@@ -6534,7 +6494,7 @@
                     <a:p>
                       <a:pPr algn="r" rtl="0" fontAlgn="ctr"/>
                       <a:r>
-                        <a:rPr lang="mr-IN" sz="1400" b="1" i="0" u="none" strike="noStrike" dirty="0">
+                        <a:rPr lang="mr-IN" sz="1600" b="1" i="0" u="none" strike="noStrike" dirty="0">
                           <a:solidFill>
                             <a:srgbClr val="5A5A5A"/>
                           </a:solidFill>
@@ -6596,21 +6556,21 @@
       </p:graphicFrame>
       <p:graphicFrame>
         <p:nvGraphicFramePr>
-          <p:cNvPr id="12" name="グラフ 11"/>
+          <p:cNvPr id="10" name="グラフ 9"/>
           <p:cNvGraphicFramePr>
             <a:graphicFrameLocks/>
           </p:cNvGraphicFramePr>
           <p:nvPr>
             <p:extLst>
               <p:ext uri="{D42A27DB-BD31-4B8C-83A1-F6EECF244321}">
-                <p14:modId xmlns:p14="http://schemas.microsoft.com/office/powerpoint/2010/main" val="1474802948"/>
+                <p14:modId xmlns:p14="http://schemas.microsoft.com/office/powerpoint/2010/main" val="1500365193"/>
               </p:ext>
             </p:extLst>
           </p:nvPr>
         </p:nvGraphicFramePr>
         <p:xfrm>
-          <a:off x="7299434" y="2000804"/>
-          <a:ext cx="4568092" cy="2747108"/>
+          <a:off x="7416390" y="2000804"/>
+          <a:ext cx="4568093" cy="2747108"/>
         </p:xfrm>
         <a:graphic>
           <a:graphicData uri="http://schemas.openxmlformats.org/drawingml/2006/chart">
@@ -6618,64 +6578,6 @@
           </a:graphicData>
         </a:graphic>
       </p:graphicFrame>
-      <p:sp>
-        <p:nvSpPr>
-          <p:cNvPr id="7" name="角丸四角形 6"/>
-          <p:cNvSpPr/>
-          <p:nvPr/>
-        </p:nvSpPr>
-        <p:spPr>
-          <a:xfrm>
-            <a:off x="10302948" y="19943"/>
-            <a:ext cx="1889051" cy="716526"/>
-          </a:xfrm>
-          <a:prstGeom prst="roundRect">
-            <a:avLst/>
-          </a:prstGeom>
-          <a:solidFill>
-            <a:schemeClr val="accent2"/>
-          </a:solidFill>
-          <a:ln>
-            <a:noFill/>
-          </a:ln>
-        </p:spPr>
-        <p:style>
-          <a:lnRef idx="2">
-            <a:schemeClr val="accent1">
-              <a:shade val="50000"/>
-            </a:schemeClr>
-          </a:lnRef>
-          <a:fillRef idx="1">
-            <a:schemeClr val="accent1"/>
-          </a:fillRef>
-          <a:effectRef idx="0">
-            <a:schemeClr val="accent1"/>
-          </a:effectRef>
-          <a:fontRef idx="minor">
-            <a:schemeClr val="lt1"/>
-          </a:fontRef>
-        </p:style>
-        <p:txBody>
-          <a:bodyPr rtlCol="0" anchor="ctr"/>
-          <a:lstStyle/>
-          <a:p>
-            <a:pPr algn="ctr"/>
-            <a:r>
-              <a:rPr kumimoji="1" lang="en-US" altLang="ja-JP" sz="2800" dirty="0" smtClean="0">
-                <a:latin typeface="Arial" charset="0"/>
-                <a:ea typeface="Arial" charset="0"/>
-                <a:cs typeface="Arial" charset="0"/>
-              </a:rPr>
-              <a:t>WIP</a:t>
-            </a:r>
-            <a:endParaRPr kumimoji="1" lang="ja-JP" altLang="en-US" sz="2800" dirty="0">
-              <a:latin typeface="Arial" charset="0"/>
-              <a:ea typeface="Arial" charset="0"/>
-              <a:cs typeface="Arial" charset="0"/>
-            </a:endParaRPr>
-          </a:p>
-        </p:txBody>
-      </p:sp>
     </p:spTree>
     <p:extLst>
       <p:ext uri="{BB962C8B-B14F-4D97-AF65-F5344CB8AC3E}">
@@ -15703,64 +15605,6 @@
           </a:graphicData>
         </a:graphic>
       </p:graphicFrame>
-      <p:sp>
-        <p:nvSpPr>
-          <p:cNvPr id="21" name="角丸四角形 20"/>
-          <p:cNvSpPr/>
-          <p:nvPr/>
-        </p:nvSpPr>
-        <p:spPr>
-          <a:xfrm>
-            <a:off x="10302948" y="19943"/>
-            <a:ext cx="1889051" cy="716526"/>
-          </a:xfrm>
-          <a:prstGeom prst="roundRect">
-            <a:avLst/>
-          </a:prstGeom>
-          <a:solidFill>
-            <a:schemeClr val="accent2"/>
-          </a:solidFill>
-          <a:ln>
-            <a:noFill/>
-          </a:ln>
-        </p:spPr>
-        <p:style>
-          <a:lnRef idx="2">
-            <a:schemeClr val="accent1">
-              <a:shade val="50000"/>
-            </a:schemeClr>
-          </a:lnRef>
-          <a:fillRef idx="1">
-            <a:schemeClr val="accent1"/>
-          </a:fillRef>
-          <a:effectRef idx="0">
-            <a:schemeClr val="accent1"/>
-          </a:effectRef>
-          <a:fontRef idx="minor">
-            <a:schemeClr val="lt1"/>
-          </a:fontRef>
-        </p:style>
-        <p:txBody>
-          <a:bodyPr rtlCol="0" anchor="ctr"/>
-          <a:lstStyle/>
-          <a:p>
-            <a:pPr algn="ctr"/>
-            <a:r>
-              <a:rPr kumimoji="1" lang="en-US" altLang="ja-JP" sz="2800" dirty="0" smtClean="0">
-                <a:latin typeface="Arial" charset="0"/>
-                <a:ea typeface="Arial" charset="0"/>
-                <a:cs typeface="Arial" charset="0"/>
-              </a:rPr>
-              <a:t>WIP</a:t>
-            </a:r>
-            <a:endParaRPr kumimoji="1" lang="ja-JP" altLang="en-US" sz="2800" dirty="0">
-              <a:latin typeface="Arial" charset="0"/>
-              <a:ea typeface="Arial" charset="0"/>
-              <a:cs typeface="Arial" charset="0"/>
-            </a:endParaRPr>
-          </a:p>
-        </p:txBody>
-      </p:sp>
     </p:spTree>
     <p:extLst>
       <p:ext uri="{BB962C8B-B14F-4D97-AF65-F5344CB8AC3E}">
@@ -31101,7 +30945,23 @@
                 <a:ea typeface="Arial" charset="0"/>
                 <a:cs typeface="Arial" charset="0"/>
               </a:rPr>
-              <a:t>GitHub Constellation Tokyo 2017 Save </a:t>
+              <a:t>GitHub </a:t>
+            </a:r>
+            <a:r>
+              <a:rPr lang="en-US" altLang="ja-JP" sz="1100" b="1" dirty="0">
+                <a:latin typeface="Arial" charset="0"/>
+                <a:ea typeface="Arial" charset="0"/>
+                <a:cs typeface="Arial" charset="0"/>
+              </a:rPr>
+              <a:t>Satellite </a:t>
+            </a:r>
+            <a:r>
+              <a:rPr lang="en-US" altLang="ja-JP" sz="1100" b="1" dirty="0">
+                <a:latin typeface="Arial" charset="0"/>
+                <a:ea typeface="Arial" charset="0"/>
+                <a:cs typeface="Arial" charset="0"/>
+              </a:rPr>
+              <a:t>Tokyo 2017 Save </a:t>
             </a:r>
             <a:r>
               <a:rPr lang="en-US" altLang="ja-JP" sz="1100" b="1" dirty="0" smtClean="0">
@@ -31150,7 +31010,23 @@
                 <a:ea typeface="Arial" charset="0"/>
                 <a:cs typeface="Arial" charset="0"/>
               </a:rPr>
-              <a:t>GitHub Constellation Tokyo 2017 Registration </a:t>
+              <a:t>GitHub </a:t>
+            </a:r>
+            <a:r>
+              <a:rPr lang="en-US" altLang="ja-JP" sz="1100" b="1" dirty="0">
+                <a:latin typeface="Arial" charset="0"/>
+                <a:ea typeface="Arial" charset="0"/>
+                <a:cs typeface="Arial" charset="0"/>
+              </a:rPr>
+              <a:t>Satellite </a:t>
+            </a:r>
+            <a:r>
+              <a:rPr lang="en-US" altLang="ja-JP" sz="1100" b="1" dirty="0">
+                <a:latin typeface="Arial" charset="0"/>
+                <a:ea typeface="Arial" charset="0"/>
+                <a:cs typeface="Arial" charset="0"/>
+              </a:rPr>
+              <a:t>Tokyo 2017 Registration </a:t>
             </a:r>
             <a:r>
               <a:rPr lang="en-US" altLang="ja-JP" sz="1100" b="1" dirty="0" smtClean="0">
@@ -31172,7 +31048,7 @@
         <p:spPr>
           <a:xfrm>
             <a:off x="2946956" y="2022356"/>
-            <a:ext cx="1888213" cy="600164"/>
+            <a:ext cx="1888213" cy="615553"/>
           </a:xfrm>
           <a:prstGeom prst="rect">
             <a:avLst/>
@@ -31199,7 +31075,7 @@
                 <a:ea typeface="Arial" charset="0"/>
                 <a:cs typeface="Arial" charset="0"/>
               </a:rPr>
-              <a:t>GitHub Constellation </a:t>
+              <a:t>GitHub Satellite </a:t>
             </a:r>
             <a:r>
               <a:rPr lang="en-US" altLang="ja-JP" sz="1100" b="1" dirty="0" smtClean="0">
@@ -31248,7 +31124,23 @@
                 <a:ea typeface="Arial" charset="0"/>
                 <a:cs typeface="Arial" charset="0"/>
               </a:rPr>
-              <a:t>GitHub Constellation Tokyo 2017 Sponsorship </a:t>
+              <a:t>GitHub </a:t>
+            </a:r>
+            <a:r>
+              <a:rPr lang="en-US" altLang="ja-JP" sz="1100" b="1" dirty="0">
+                <a:latin typeface="Arial" charset="0"/>
+                <a:ea typeface="Arial" charset="0"/>
+                <a:cs typeface="Arial" charset="0"/>
+              </a:rPr>
+              <a:t>Satellite </a:t>
+            </a:r>
+            <a:r>
+              <a:rPr lang="en-US" altLang="ja-JP" sz="1100" b="1" dirty="0">
+                <a:latin typeface="Arial" charset="0"/>
+                <a:ea typeface="Arial" charset="0"/>
+                <a:cs typeface="Arial" charset="0"/>
+              </a:rPr>
+              <a:t>Tokyo 2017 Sponsorship </a:t>
             </a:r>
             <a:r>
               <a:rPr lang="en-US" altLang="ja-JP" sz="1100" b="1" dirty="0" smtClean="0">
@@ -31502,64 +31394,6 @@
               <a:t>2017 (May31-Jun2)</a:t>
             </a:r>
             <a:endParaRPr lang="en-US" altLang="ja-JP" sz="1100" b="1" dirty="0">
-              <a:latin typeface="Arial" charset="0"/>
-              <a:ea typeface="Arial" charset="0"/>
-              <a:cs typeface="Arial" charset="0"/>
-            </a:endParaRPr>
-          </a:p>
-        </p:txBody>
-      </p:sp>
-      <p:sp>
-        <p:nvSpPr>
-          <p:cNvPr id="31" name="角丸四角形 30"/>
-          <p:cNvSpPr/>
-          <p:nvPr/>
-        </p:nvSpPr>
-        <p:spPr>
-          <a:xfrm>
-            <a:off x="10302948" y="19943"/>
-            <a:ext cx="1889051" cy="716526"/>
-          </a:xfrm>
-          <a:prstGeom prst="roundRect">
-            <a:avLst/>
-          </a:prstGeom>
-          <a:solidFill>
-            <a:schemeClr val="accent2"/>
-          </a:solidFill>
-          <a:ln>
-            <a:noFill/>
-          </a:ln>
-        </p:spPr>
-        <p:style>
-          <a:lnRef idx="2">
-            <a:schemeClr val="accent1">
-              <a:shade val="50000"/>
-            </a:schemeClr>
-          </a:lnRef>
-          <a:fillRef idx="1">
-            <a:schemeClr val="accent1"/>
-          </a:fillRef>
-          <a:effectRef idx="0">
-            <a:schemeClr val="accent1"/>
-          </a:effectRef>
-          <a:fontRef idx="minor">
-            <a:schemeClr val="lt1"/>
-          </a:fontRef>
-        </p:style>
-        <p:txBody>
-          <a:bodyPr rtlCol="0" anchor="ctr"/>
-          <a:lstStyle/>
-          <a:p>
-            <a:pPr algn="ctr"/>
-            <a:r>
-              <a:rPr kumimoji="1" lang="en-US" altLang="ja-JP" sz="2800" dirty="0" smtClean="0">
-                <a:latin typeface="Arial" charset="0"/>
-                <a:ea typeface="Arial" charset="0"/>
-                <a:cs typeface="Arial" charset="0"/>
-              </a:rPr>
-              <a:t>WIP</a:t>
-            </a:r>
-            <a:endParaRPr kumimoji="1" lang="ja-JP" altLang="en-US" sz="2800" dirty="0">
               <a:latin typeface="Arial" charset="0"/>
               <a:ea typeface="Arial" charset="0"/>
               <a:cs typeface="Arial" charset="0"/>

--- a/GitHub Japan Marketing Strategy.pptx
+++ b/GitHub Japan Marketing Strategy.pptx
@@ -569,7 +569,7 @@
           <a:p>
             <a:fld id="{FFFEC453-E2FF-B741-A9EA-9192FC291631}" type="datetimeFigureOut">
               <a:rPr kumimoji="1" lang="ja-JP" altLang="en-US" smtClean="0"/>
-              <a:t>2017/5/16</a:t>
+              <a:t>2017/5/17</a:t>
             </a:fld>
             <a:endParaRPr kumimoji="1" lang="ja-JP" altLang="en-US"/>
           </a:p>
@@ -3088,7 +3088,7 @@
           <a:p>
             <a:fld id="{0AB07F87-E0B4-8949-A90A-54340C823909}" type="datetimeFigureOut">
               <a:rPr kumimoji="1" lang="ja-JP" altLang="en-US" smtClean="0"/>
-              <a:t>2017/5/16</a:t>
+              <a:t>2017/5/17</a:t>
             </a:fld>
             <a:endParaRPr kumimoji="1" lang="ja-JP" altLang="en-US"/>
           </a:p>
@@ -13928,17 +13928,6 @@
                         </a:rPr>
                         <a:t>Marketing</a:t>
                       </a:r>
-                      <a:endParaRPr kumimoji="0" lang="en-US" altLang="ja-JP" sz="1200" b="0" i="0" u="none" strike="noStrike" cap="none" normalizeH="0" baseline="0" dirty="0" smtClean="0">
-                        <a:ln>
-                          <a:noFill/>
-                        </a:ln>
-                        <a:solidFill>
-                          <a:schemeClr val="tx1"/>
-                        </a:solidFill>
-                        <a:effectLst/>
-                        <a:latin typeface="Arial" pitchFamily="34" charset="0"/>
-                        <a:ea typeface="ＭＳ Ｐゴシック" pitchFamily="50" charset="-128"/>
-                      </a:endParaRPr>
                     </a:p>
                   </a:txBody>
                   <a:tcPr marL="19050" marR="19050" marT="19050" marB="19050" anchor="ctr" horzOverflow="overflow"/>
@@ -19410,29 +19399,7 @@
                 <a:ea typeface="Arial" charset="0"/>
                 <a:cs typeface="Arial" charset="0"/>
               </a:rPr>
-              <a:t>2017-2018</a:t>
-            </a:r>
-            <a:r>
-              <a:rPr lang="en-US" altLang="ja-JP" sz="3200" b="1" dirty="0" smtClean="0">
-                <a:solidFill>
-                  <a:srgbClr val="00B0F0"/>
-                </a:solidFill>
-                <a:latin typeface="Arial" charset="0"/>
-                <a:ea typeface="Arial" charset="0"/>
-                <a:cs typeface="Arial" charset="0"/>
-              </a:rPr>
-              <a:t> </a:t>
-            </a:r>
-            <a:r>
-              <a:rPr lang="en-US" altLang="ja-JP" sz="3200" b="1" dirty="0" smtClean="0">
-                <a:solidFill>
-                  <a:srgbClr val="00B0F0"/>
-                </a:solidFill>
-                <a:latin typeface="Arial" charset="0"/>
-                <a:ea typeface="Arial" charset="0"/>
-                <a:cs typeface="Arial" charset="0"/>
-              </a:rPr>
-              <a:t>Timeline</a:t>
+              <a:t>2017-2018 Timeline</a:t>
             </a:r>
             <a:endParaRPr kumimoji="1" lang="en-US" altLang="ja-JP" sz="3200" b="1" dirty="0">
               <a:solidFill>
@@ -19641,11 +19608,6 @@
               </a:rPr>
               <a:t>&amp; Retargeting Ads</a:t>
             </a:r>
-            <a:endParaRPr lang="en-US" altLang="ja-JP" sz="1100" b="1" dirty="0" smtClean="0">
-              <a:latin typeface="Arial" charset="0"/>
-              <a:ea typeface="Arial" charset="0"/>
-              <a:cs typeface="Arial" charset="0"/>
-            </a:endParaRPr>
           </a:p>
         </p:txBody>
       </p:sp>
@@ -19777,37 +19739,8 @@
                 <a:ea typeface="Arial" charset="0"/>
                 <a:cs typeface="Arial" charset="0"/>
               </a:rPr>
-              <a:t>Universe </a:t>
-            </a:r>
-            <a:r>
-              <a:rPr lang="en-US" altLang="ja-JP" sz="1100" b="1" dirty="0" smtClean="0">
-                <a:latin typeface="Arial" charset="0"/>
-                <a:ea typeface="Arial" charset="0"/>
-                <a:cs typeface="Arial" charset="0"/>
-              </a:rPr>
-              <a:t>special </a:t>
-            </a:r>
-            <a:r>
-              <a:rPr lang="en-US" altLang="ja-JP" sz="1100" b="1" dirty="0" smtClean="0">
-                <a:latin typeface="Arial" charset="0"/>
-                <a:ea typeface="Arial" charset="0"/>
-                <a:cs typeface="Arial" charset="0"/>
-              </a:rPr>
-              <a:t>feature </a:t>
-            </a:r>
-            <a:r>
-              <a:rPr lang="en-US" altLang="ja-JP" sz="1100" b="1" dirty="0" smtClean="0">
-                <a:latin typeface="Arial" charset="0"/>
-                <a:ea typeface="Arial" charset="0"/>
-                <a:cs typeface="Arial" charset="0"/>
-              </a:rPr>
-              <a:t>article</a:t>
-            </a:r>
-            <a:endParaRPr lang="en-US" altLang="ja-JP" sz="1100" b="1" dirty="0" smtClean="0">
-              <a:latin typeface="Arial" charset="0"/>
-              <a:ea typeface="Arial" charset="0"/>
-              <a:cs typeface="Arial" charset="0"/>
-            </a:endParaRPr>
+              <a:t>Universe special feature article</a:t>
+            </a:r>
           </a:p>
         </p:txBody>
       </p:sp>
@@ -19896,23 +19829,7 @@
                 <a:ea typeface="Arial" charset="0"/>
                 <a:cs typeface="Arial" charset="0"/>
               </a:rPr>
-              <a:t>GitHub Universe 2017 Japan </a:t>
-            </a:r>
-            <a:r>
-              <a:rPr lang="en-US" altLang="ja-JP" sz="1100" b="1" dirty="0" smtClean="0">
-                <a:latin typeface="Arial" charset="0"/>
-                <a:ea typeface="Arial" charset="0"/>
-                <a:cs typeface="Arial" charset="0"/>
-              </a:rPr>
-              <a:t>Tour (</a:t>
-            </a:r>
-            <a:r>
-              <a:rPr lang="en-US" altLang="ja-JP" sz="1100" b="1" dirty="0" smtClean="0">
-                <a:latin typeface="Arial" charset="0"/>
-                <a:ea typeface="Arial" charset="0"/>
-                <a:cs typeface="Arial" charset="0"/>
-              </a:rPr>
-              <a:t>Client &amp; Media)</a:t>
+              <a:t>GitHub Universe 2017 Japan Tour (Client &amp; Media)</a:t>
             </a:r>
             <a:endParaRPr lang="en-US" altLang="ja-JP" sz="1100" b="1" dirty="0">
               <a:latin typeface="Arial" charset="0"/>
@@ -19980,7 +19897,7 @@
         <p:spPr>
           <a:xfrm>
             <a:off x="6406383" y="2593097"/>
-            <a:ext cx="3634328" cy="261610"/>
+            <a:ext cx="1431802" cy="261610"/>
           </a:xfrm>
           <a:prstGeom prst="rect">
             <a:avLst/>
@@ -20002,12 +19919,12 @@
               <a:t>★ </a:t>
             </a:r>
             <a:r>
-              <a:rPr kumimoji="1" lang="en-US" altLang="ja-JP" sz="1100" b="1" dirty="0" smtClean="0">
-                <a:latin typeface="Arial" charset="0"/>
-                <a:ea typeface="Arial" charset="0"/>
-                <a:cs typeface="Arial" charset="0"/>
-              </a:rPr>
-              <a:t>New Product Launch/Partnership announcement</a:t>
+              <a:rPr lang="en-US" altLang="ja-JP" sz="1100" b="1" dirty="0" smtClean="0">
+                <a:latin typeface="Arial" charset="0"/>
+                <a:ea typeface="Arial" charset="0"/>
+                <a:cs typeface="Arial" charset="0"/>
+              </a:rPr>
+              <a:t>Announcement</a:t>
             </a:r>
             <a:endParaRPr lang="en-US" altLang="ja-JP" sz="1100" b="1" dirty="0">
               <a:latin typeface="Arial" charset="0"/>
@@ -20053,23 +19970,7 @@
                 <a:ea typeface="Arial" charset="0"/>
                 <a:cs typeface="Arial" charset="0"/>
               </a:rPr>
-              <a:t>GitHub </a:t>
-            </a:r>
-            <a:r>
-              <a:rPr lang="en-US" altLang="ja-JP" sz="1100" b="1" dirty="0">
-                <a:latin typeface="Arial" charset="0"/>
-                <a:ea typeface="Arial" charset="0"/>
-                <a:cs typeface="Arial" charset="0"/>
-              </a:rPr>
-              <a:t>Satellite </a:t>
-            </a:r>
-            <a:r>
-              <a:rPr lang="en-US" altLang="ja-JP" sz="1100" b="1" dirty="0">
-                <a:latin typeface="Arial" charset="0"/>
-                <a:ea typeface="Arial" charset="0"/>
-                <a:cs typeface="Arial" charset="0"/>
-              </a:rPr>
-              <a:t>Tokyo 2017 Save </a:t>
+              <a:t>GitHub Satellite Tokyo 2017 Save </a:t>
             </a:r>
             <a:r>
               <a:rPr lang="en-US" altLang="ja-JP" sz="1100" b="1" dirty="0" smtClean="0">
@@ -20118,23 +20019,7 @@
                 <a:ea typeface="Arial" charset="0"/>
                 <a:cs typeface="Arial" charset="0"/>
               </a:rPr>
-              <a:t>GitHub </a:t>
-            </a:r>
-            <a:r>
-              <a:rPr lang="en-US" altLang="ja-JP" sz="1100" b="1" dirty="0">
-                <a:latin typeface="Arial" charset="0"/>
-                <a:ea typeface="Arial" charset="0"/>
-                <a:cs typeface="Arial" charset="0"/>
-              </a:rPr>
-              <a:t>Satellite </a:t>
-            </a:r>
-            <a:r>
-              <a:rPr lang="en-US" altLang="ja-JP" sz="1100" b="1" dirty="0">
-                <a:latin typeface="Arial" charset="0"/>
-                <a:ea typeface="Arial" charset="0"/>
-                <a:cs typeface="Arial" charset="0"/>
-              </a:rPr>
-              <a:t>Tokyo 2017 Registration </a:t>
+              <a:t>GitHub Satellite Tokyo 2017 Registration </a:t>
             </a:r>
             <a:r>
               <a:rPr lang="en-US" altLang="ja-JP" sz="1100" b="1" dirty="0" smtClean="0">
@@ -20232,23 +20117,7 @@
                 <a:ea typeface="Arial" charset="0"/>
                 <a:cs typeface="Arial" charset="0"/>
               </a:rPr>
-              <a:t>GitHub </a:t>
-            </a:r>
-            <a:r>
-              <a:rPr lang="en-US" altLang="ja-JP" sz="1100" b="1" dirty="0">
-                <a:latin typeface="Arial" charset="0"/>
-                <a:ea typeface="Arial" charset="0"/>
-                <a:cs typeface="Arial" charset="0"/>
-              </a:rPr>
-              <a:t>Satellite </a:t>
-            </a:r>
-            <a:r>
-              <a:rPr lang="en-US" altLang="ja-JP" sz="1100" b="1" dirty="0">
-                <a:latin typeface="Arial" charset="0"/>
-                <a:ea typeface="Arial" charset="0"/>
-                <a:cs typeface="Arial" charset="0"/>
-              </a:rPr>
-              <a:t>Tokyo 2017 Sponsorship </a:t>
+              <a:t>GitHub Satellite Tokyo 2017 Sponsorship </a:t>
             </a:r>
             <a:r>
               <a:rPr lang="en-US" altLang="ja-JP" sz="1100" b="1" dirty="0" smtClean="0">
@@ -20701,11 +20570,6 @@
               </a:rPr>
               <a:t>Patchwork</a:t>
             </a:r>
-            <a:endParaRPr lang="en-US" altLang="ja-JP" sz="1100" b="1" dirty="0" smtClean="0">
-              <a:latin typeface="Arial" charset="0"/>
-              <a:ea typeface="Arial" charset="0"/>
-              <a:cs typeface="Arial" charset="0"/>
-            </a:endParaRPr>
           </a:p>
         </p:txBody>
       </p:sp>
@@ -20747,11 +20611,6 @@
               </a:rPr>
               <a:t>Patchwork</a:t>
             </a:r>
-            <a:endParaRPr lang="en-US" altLang="ja-JP" sz="1100" b="1" dirty="0" smtClean="0">
-              <a:latin typeface="Arial" charset="0"/>
-              <a:ea typeface="Arial" charset="0"/>
-              <a:cs typeface="Arial" charset="0"/>
-            </a:endParaRPr>
           </a:p>
         </p:txBody>
       </p:sp>
@@ -20793,11 +20652,6 @@
               </a:rPr>
               <a:t>Patchwork</a:t>
             </a:r>
-            <a:endParaRPr lang="en-US" altLang="ja-JP" sz="1100" b="1" dirty="0" smtClean="0">
-              <a:latin typeface="Arial" charset="0"/>
-              <a:ea typeface="Arial" charset="0"/>
-              <a:cs typeface="Arial" charset="0"/>
-            </a:endParaRPr>
           </a:p>
         </p:txBody>
       </p:sp>
@@ -20855,29 +20709,8 @@
                 <a:ea typeface="Arial" charset="0"/>
                 <a:cs typeface="Arial" charset="0"/>
               </a:rPr>
-              <a:t>	special </a:t>
-            </a:r>
-            <a:r>
-              <a:rPr lang="en-US" altLang="ja-JP" sz="1100" b="1" dirty="0" smtClean="0">
-                <a:latin typeface="Arial" charset="0"/>
-                <a:ea typeface="Arial" charset="0"/>
-                <a:cs typeface="Arial" charset="0"/>
-              </a:rPr>
-              <a:t>feature </a:t>
-            </a:r>
-            <a:r>
-              <a:rPr lang="en-US" altLang="ja-JP" sz="1100" b="1" dirty="0" smtClean="0">
-                <a:latin typeface="Arial" charset="0"/>
-                <a:ea typeface="Arial" charset="0"/>
-                <a:cs typeface="Arial" charset="0"/>
-              </a:rPr>
-              <a:t>article </a:t>
-            </a:r>
-            <a:endParaRPr lang="en-US" altLang="ja-JP" sz="1100" b="1" dirty="0" smtClean="0">
-              <a:latin typeface="Arial" charset="0"/>
-              <a:ea typeface="Arial" charset="0"/>
-              <a:cs typeface="Arial" charset="0"/>
-            </a:endParaRPr>
+              <a:t>	special feature article </a:t>
+            </a:r>
           </a:p>
         </p:txBody>
       </p:sp>
@@ -20930,7 +20763,45 @@
                 <a:ea typeface="Arial" charset="0"/>
                 <a:cs typeface="Arial" charset="0"/>
               </a:rPr>
-              <a:t>Meetup </a:t>
+              <a:t>Meetup (June5)</a:t>
+            </a:r>
+            <a:endParaRPr lang="en-US" altLang="ja-JP" sz="1100" b="1" dirty="0">
+              <a:latin typeface="Arial" charset="0"/>
+              <a:ea typeface="Arial" charset="0"/>
+              <a:cs typeface="Arial" charset="0"/>
+            </a:endParaRPr>
+          </a:p>
+        </p:txBody>
+      </p:sp>
+      <p:sp>
+        <p:nvSpPr>
+          <p:cNvPr id="40" name="TextBox 31"/>
+          <p:cNvSpPr txBox="1"/>
+          <p:nvPr/>
+        </p:nvSpPr>
+        <p:spPr>
+          <a:xfrm>
+            <a:off x="3086803" y="2593097"/>
+            <a:ext cx="1431802" cy="261610"/>
+          </a:xfrm>
+          <a:prstGeom prst="rect">
+            <a:avLst/>
+          </a:prstGeom>
+          <a:noFill/>
+        </p:spPr>
+        <p:txBody>
+          <a:bodyPr wrap="none" rtlCol="0">
+            <a:spAutoFit/>
+          </a:bodyPr>
+          <a:lstStyle/>
+          <a:p>
+            <a:r>
+              <a:rPr kumimoji="1" lang="ja-JP" altLang="en-US" sz="1100" b="1" dirty="0" smtClean="0">
+                <a:latin typeface="Arial" charset="0"/>
+                <a:ea typeface="Arial" charset="0"/>
+                <a:cs typeface="Arial" charset="0"/>
+              </a:rPr>
+              <a:t>★ </a:t>
             </a:r>
             <a:r>
               <a:rPr lang="en-US" altLang="ja-JP" sz="1100" b="1" dirty="0" smtClean="0">
@@ -20938,7 +20809,53 @@
                 <a:ea typeface="Arial" charset="0"/>
                 <a:cs typeface="Arial" charset="0"/>
               </a:rPr>
-              <a:t>(June5)</a:t>
+              <a:t>Announcement</a:t>
+            </a:r>
+            <a:endParaRPr lang="en-US" altLang="ja-JP" sz="1100" b="1" dirty="0">
+              <a:latin typeface="Arial" charset="0"/>
+              <a:ea typeface="Arial" charset="0"/>
+              <a:cs typeface="Arial" charset="0"/>
+            </a:endParaRPr>
+          </a:p>
+        </p:txBody>
+      </p:sp>
+      <p:sp>
+        <p:nvSpPr>
+          <p:cNvPr id="41" name="TextBox 31"/>
+          <p:cNvSpPr txBox="1"/>
+          <p:nvPr/>
+        </p:nvSpPr>
+        <p:spPr>
+          <a:xfrm>
+            <a:off x="11150036" y="2590957"/>
+            <a:ext cx="1431802" cy="261610"/>
+          </a:xfrm>
+          <a:prstGeom prst="rect">
+            <a:avLst/>
+          </a:prstGeom>
+          <a:noFill/>
+        </p:spPr>
+        <p:txBody>
+          <a:bodyPr wrap="none" rtlCol="0">
+            <a:spAutoFit/>
+          </a:bodyPr>
+          <a:lstStyle/>
+          <a:p>
+            <a:r>
+              <a:rPr kumimoji="1" lang="ja-JP" altLang="en-US" sz="1100" b="1" dirty="0" smtClean="0">
+                <a:latin typeface="Arial" charset="0"/>
+                <a:ea typeface="Arial" charset="0"/>
+                <a:cs typeface="Arial" charset="0"/>
+              </a:rPr>
+              <a:t>★ </a:t>
+            </a:r>
+            <a:r>
+              <a:rPr lang="en-US" altLang="ja-JP" sz="1100" b="1" dirty="0" smtClean="0">
+                <a:latin typeface="Arial" charset="0"/>
+                <a:ea typeface="Arial" charset="0"/>
+                <a:cs typeface="Arial" charset="0"/>
+              </a:rPr>
+              <a:t>Announcement</a:t>
             </a:r>
             <a:endParaRPr lang="en-US" altLang="ja-JP" sz="1100" b="1" dirty="0">
               <a:latin typeface="Arial" charset="0"/>
@@ -28057,15 +27974,7 @@
                           <a:ea typeface="Arial" charset="0"/>
                           <a:cs typeface="Arial" charset="0"/>
                         </a:rPr>
-                        <a:t>(A</a:t>
-                      </a:r>
-                      <a:r>
-                        <a:rPr kumimoji="1" lang="en-US" altLang="ja-JP" sz="1000" b="1" dirty="0" smtClean="0">
-                          <a:latin typeface="Arial" charset="0"/>
-                          <a:ea typeface="Arial" charset="0"/>
-                          <a:cs typeface="Arial" charset="0"/>
-                        </a:rPr>
-                        <a:t>)</a:t>
+                        <a:t>(A)</a:t>
                       </a:r>
                     </a:p>
                     <a:p>
@@ -28312,15 +28221,7 @@
                           <a:ea typeface="Arial" charset="0"/>
                           <a:cs typeface="Arial" charset="0"/>
                         </a:rPr>
-                        <a:t>(B</a:t>
-                      </a:r>
-                      <a:r>
-                        <a:rPr kumimoji="1" lang="en-US" altLang="ja-JP" sz="1000" b="1" dirty="0" smtClean="0">
-                          <a:latin typeface="Arial" charset="0"/>
-                          <a:ea typeface="Arial" charset="0"/>
-                          <a:cs typeface="Arial" charset="0"/>
-                        </a:rPr>
-                        <a:t>)</a:t>
+                        <a:t>(B)</a:t>
                       </a:r>
                     </a:p>
                     <a:p>
@@ -29419,55 +29320,20 @@
                           <a:ea typeface="Arial" charset="0"/>
                           <a:cs typeface="Arial" charset="0"/>
                         </a:rPr>
-                        <a:t># Accounts: </a:t>
+                        <a:t># Accounts: 1</a:t>
                       </a:r>
+                    </a:p>
+                    <a:p>
                       <a:r>
                         <a:rPr kumimoji="1" lang="en-US" altLang="ja-JP" sz="1000" baseline="0" dirty="0" smtClean="0">
+                          <a:solidFill>
+                            <a:schemeClr val="tx1"/>
+                          </a:solidFill>
                           <a:latin typeface="Arial" charset="0"/>
                           <a:ea typeface="Arial" charset="0"/>
                           <a:cs typeface="Arial" charset="0"/>
                         </a:rPr>
-                        <a:t>1</a:t>
-                      </a:r>
-                      <a:endParaRPr kumimoji="1" lang="en-US" altLang="ja-JP" sz="1000" baseline="0" dirty="0" smtClean="0">
-                        <a:latin typeface="Arial" charset="0"/>
-                        <a:ea typeface="Arial" charset="0"/>
-                        <a:cs typeface="Arial" charset="0"/>
-                      </a:endParaRPr>
-                    </a:p>
-                    <a:p>
-                      <a:r>
-                        <a:rPr kumimoji="1" lang="en-US" altLang="ja-JP" sz="1000" baseline="0" dirty="0" smtClean="0">
-                          <a:solidFill>
-                            <a:schemeClr val="tx1"/>
-                          </a:solidFill>
-                          <a:latin typeface="Arial" charset="0"/>
-                          <a:ea typeface="Arial" charset="0"/>
-                          <a:cs typeface="Arial" charset="0"/>
-                        </a:rPr>
-                        <a:t>(Yahoo</a:t>
-                      </a:r>
-                      <a:r>
-                        <a:rPr kumimoji="1" lang="en-US" altLang="ja-JP" sz="1000" baseline="0" dirty="0" smtClean="0">
-                          <a:solidFill>
-                            <a:schemeClr val="tx1"/>
-                          </a:solidFill>
-                          <a:latin typeface="Arial" charset="0"/>
-                          <a:ea typeface="Arial" charset="0"/>
-                          <a:cs typeface="Arial" charset="0"/>
-                        </a:rPr>
-                        <a:t>! </a:t>
-                      </a:r>
-                      <a:r>
-                        <a:rPr kumimoji="1" lang="en-US" altLang="ja-JP" sz="1000" baseline="0" dirty="0" smtClean="0">
-                          <a:solidFill>
-                            <a:schemeClr val="tx1"/>
-                          </a:solidFill>
-                          <a:latin typeface="Arial" charset="0"/>
-                          <a:ea typeface="Arial" charset="0"/>
-                          <a:cs typeface="Arial" charset="0"/>
-                        </a:rPr>
-                        <a:t>Japan)</a:t>
+                        <a:t>(Yahoo! Japan)</a:t>
                       </a:r>
                       <a:endParaRPr kumimoji="1" lang="ja-JP" altLang="en-US" sz="1000" dirty="0">
                         <a:solidFill>
@@ -29509,15 +29375,7 @@
                           <a:ea typeface="Arial" charset="0"/>
                           <a:cs typeface="Arial" charset="0"/>
                         </a:rPr>
-                        <a:t># Accounts: </a:t>
-                      </a:r>
-                      <a:r>
-                        <a:rPr kumimoji="1" lang="en-US" altLang="ja-JP" sz="1000" baseline="0" dirty="0" smtClean="0">
-                          <a:latin typeface="Arial" charset="0"/>
-                          <a:ea typeface="Arial" charset="0"/>
-                          <a:cs typeface="Arial" charset="0"/>
-                        </a:rPr>
-                        <a:t>2</a:t>
+                        <a:t># Accounts: 2</a:t>
                       </a:r>
                     </a:p>
                     <a:p>
@@ -29672,15 +29530,7 @@
                           <a:ea typeface="Arial" charset="0"/>
                           <a:cs typeface="Arial" charset="0"/>
                         </a:rPr>
-                        <a:t># Accounts: </a:t>
-                      </a:r>
-                      <a:r>
-                        <a:rPr kumimoji="1" lang="en-US" altLang="ja-JP" sz="1000" baseline="0" dirty="0" smtClean="0">
-                          <a:latin typeface="Arial" charset="0"/>
-                          <a:ea typeface="Arial" charset="0"/>
-                          <a:cs typeface="Arial" charset="0"/>
-                        </a:rPr>
-                        <a:t>WIP </a:t>
+                        <a:t># Accounts: WIP </a:t>
                       </a:r>
                       <a:r>
                         <a:rPr kumimoji="1" lang="en-US" altLang="ja-JP" sz="1000" baseline="0" dirty="0" smtClean="0">
@@ -29819,21 +29669,8 @@
                           <a:ea typeface="Arial" charset="0"/>
                           <a:cs typeface="Arial" charset="0"/>
                         </a:rPr>
-                        <a:t># Accounts: </a:t>
+                        <a:t># Accounts: XX</a:t>
                       </a:r>
-                      <a:r>
-                        <a:rPr kumimoji="1" lang="en-US" altLang="ja-JP" sz="1000" baseline="0" dirty="0" smtClean="0">
-                          <a:latin typeface="Arial" charset="0"/>
-                          <a:ea typeface="Arial" charset="0"/>
-                          <a:cs typeface="Arial" charset="0"/>
-                        </a:rPr>
-                        <a:t>XX</a:t>
-                      </a:r>
-                      <a:endParaRPr kumimoji="1" lang="en-US" altLang="ja-JP" sz="1000" baseline="0" dirty="0" smtClean="0">
-                        <a:latin typeface="Arial" charset="0"/>
-                        <a:ea typeface="Arial" charset="0"/>
-                        <a:cs typeface="Arial" charset="0"/>
-                      </a:endParaRPr>
                     </a:p>
                     <a:p>
                       <a:pPr marL="0" marR="0" indent="0" algn="l" defTabSz="914400" rtl="0" eaLnBrk="1" fontAlgn="auto" latinLnBrk="0" hangingPunct="1">
@@ -30026,21 +29863,8 @@
                           <a:ea typeface="Arial" charset="0"/>
                           <a:cs typeface="Arial" charset="0"/>
                         </a:rPr>
-                        <a:t># Accounts: </a:t>
+                        <a:t># Accounts: WIP</a:t>
                       </a:r>
-                      <a:r>
-                        <a:rPr kumimoji="1" lang="en-US" altLang="ja-JP" sz="1000" baseline="0" dirty="0" smtClean="0">
-                          <a:latin typeface="Arial" charset="0"/>
-                          <a:ea typeface="Arial" charset="0"/>
-                          <a:cs typeface="Arial" charset="0"/>
-                        </a:rPr>
-                        <a:t>WIP</a:t>
-                      </a:r>
-                      <a:endParaRPr kumimoji="1" lang="en-US" altLang="ja-JP" sz="1000" baseline="0" dirty="0" smtClean="0">
-                        <a:latin typeface="Arial" charset="0"/>
-                        <a:ea typeface="Arial" charset="0"/>
-                        <a:cs typeface="Arial" charset="0"/>
-                      </a:endParaRPr>
                     </a:p>
                     <a:p>
                       <a:pPr algn="r"/>

--- a/GitHub Japan Marketing Strategy.pptx
+++ b/GitHub Japan Marketing Strategy.pptx
@@ -5,7 +5,7 @@
     <p:sldMasterId id="2147483717" r:id="rId1"/>
   </p:sldMasterIdLst>
   <p:notesMasterIdLst>
-    <p:notesMasterId r:id="rId18"/>
+    <p:notesMasterId r:id="rId19"/>
   </p:notesMasterIdLst>
   <p:sldIdLst>
     <p:sldId id="277" r:id="rId2"/>
@@ -18,12 +18,13 @@
     <p:sldId id="258" r:id="rId9"/>
     <p:sldId id="273" r:id="rId10"/>
     <p:sldId id="269" r:id="rId11"/>
-    <p:sldId id="279" r:id="rId12"/>
+    <p:sldId id="280" r:id="rId12"/>
     <p:sldId id="266" r:id="rId13"/>
     <p:sldId id="267" r:id="rId14"/>
-    <p:sldId id="274" r:id="rId15"/>
-    <p:sldId id="276" r:id="rId16"/>
-    <p:sldId id="271" r:id="rId17"/>
+    <p:sldId id="279" r:id="rId15"/>
+    <p:sldId id="274" r:id="rId16"/>
+    <p:sldId id="276" r:id="rId17"/>
+    <p:sldId id="271" r:id="rId18"/>
   </p:sldIdLst>
   <p:sldSz cx="12192000" cy="6858000"/>
   <p:notesSz cx="6858000" cy="9144000"/>
@@ -174,7 +175,6 @@
           </a:p>
         </c:rich>
       </c:tx>
-      <c:layout/>
       <c:overlay val="0"/>
       <c:spPr>
         <a:noFill/>
@@ -344,9 +344,7 @@
               </c:spPr>
             </c:leaderLines>
             <c:extLst>
-              <c:ext xmlns:c15="http://schemas.microsoft.com/office/drawing/2012/chart" uri="{CE6537A1-D6FC-4f65-9D91-7224C49458BB}">
-                <c15:layout/>
-              </c:ext>
+              <c:ext xmlns:c15="http://schemas.microsoft.com/office/drawing/2012/chart" uri="{CE6537A1-D6FC-4f65-9D91-7224C49458BB}"/>
             </c:extLst>
           </c:dLbls>
           <c:cat>
@@ -423,7 +421,6 @@
     </c:plotArea>
     <c:legend>
       <c:legendPos val="b"/>
-      <c:layout/>
       <c:overlay val="0"/>
       <c:spPr>
         <a:noFill/>
@@ -569,7 +566,7 @@
           <a:p>
             <a:fld id="{FFFEC453-E2FF-B741-A9EA-9192FC291631}" type="datetimeFigureOut">
               <a:rPr kumimoji="1" lang="ja-JP" altLang="en-US" smtClean="0"/>
-              <a:t>2017/5/17</a:t>
+              <a:t>2017/5/29</a:t>
             </a:fld>
             <a:endParaRPr kumimoji="1" lang="ja-JP" altLang="en-US"/>
           </a:p>
@@ -1568,7 +1565,7 @@
           <a:p>
             <a:fld id="{4CF00E19-F562-4142-A0E8-E8BCB60B6EB5}" type="slidenum">
               <a:rPr lang="en-US" smtClean="0"/>
-              <a:t>14</a:t>
+              <a:t>15</a:t>
             </a:fld>
             <a:endParaRPr lang="en-US" dirty="0"/>
           </a:p>
@@ -3088,7 +3085,7 @@
           <a:p>
             <a:fld id="{0AB07F87-E0B4-8949-A90A-54340C823909}" type="datetimeFigureOut">
               <a:rPr kumimoji="1" lang="ja-JP" altLang="en-US" smtClean="0"/>
-              <a:t>2017/5/17</a:t>
+              <a:t>2017/5/29</a:t>
             </a:fld>
             <a:endParaRPr kumimoji="1" lang="ja-JP" altLang="en-US"/>
           </a:p>
@@ -20955,6 +20952,1021 @@
                 <a:ea typeface="Arial" charset="0"/>
                 <a:cs typeface="Arial" charset="0"/>
               </a:rPr>
+              <a:t>Public Relations</a:t>
+            </a:r>
+            <a:endParaRPr kumimoji="1" lang="en-US" altLang="ja-JP" sz="3600" b="1" kern="0" dirty="0">
+              <a:solidFill>
+                <a:srgbClr val="00B0F0"/>
+              </a:solidFill>
+              <a:latin typeface="Arial" charset="0"/>
+              <a:ea typeface="Arial" charset="0"/>
+              <a:cs typeface="Arial" charset="0"/>
+            </a:endParaRPr>
+          </a:p>
+        </p:txBody>
+      </p:sp>
+      <p:sp>
+        <p:nvSpPr>
+          <p:cNvPr id="5" name="Text Placeholder 3"/>
+          <p:cNvSpPr txBox="1">
+            <a:spLocks/>
+          </p:cNvSpPr>
+          <p:nvPr/>
+        </p:nvSpPr>
+        <p:spPr>
+          <a:xfrm>
+            <a:off x="322023" y="1190847"/>
+            <a:ext cx="11426632" cy="5374340"/>
+          </a:xfrm>
+          <a:prstGeom prst="rect">
+            <a:avLst/>
+          </a:prstGeom>
+        </p:spPr>
+        <p:txBody>
+          <a:bodyPr/>
+          <a:lstStyle>
+            <a:lvl1pPr marL="228600" indent="-228600" algn="l" defTabSz="914400" rtl="0" eaLnBrk="1" latinLnBrk="0" hangingPunct="1">
+              <a:lnSpc>
+                <a:spcPct val="90000"/>
+              </a:lnSpc>
+              <a:spcBef>
+                <a:spcPts val="1000"/>
+              </a:spcBef>
+              <a:buFont typeface="Arial"/>
+              <a:buChar char="•"/>
+              <a:defRPr kumimoji="1" sz="2800" kern="1200">
+                <a:solidFill>
+                  <a:schemeClr val="tx1"/>
+                </a:solidFill>
+                <a:latin typeface="+mn-lt"/>
+                <a:ea typeface="+mn-ea"/>
+                <a:cs typeface="+mn-cs"/>
+              </a:defRPr>
+            </a:lvl1pPr>
+            <a:lvl2pPr marL="685800" indent="-228600" algn="l" defTabSz="914400" rtl="0" eaLnBrk="1" latinLnBrk="0" hangingPunct="1">
+              <a:lnSpc>
+                <a:spcPct val="90000"/>
+              </a:lnSpc>
+              <a:spcBef>
+                <a:spcPts val="500"/>
+              </a:spcBef>
+              <a:buFont typeface="Arial"/>
+              <a:buChar char="•"/>
+              <a:defRPr kumimoji="1" sz="2400" kern="1200">
+                <a:solidFill>
+                  <a:schemeClr val="tx1"/>
+                </a:solidFill>
+                <a:latin typeface="+mn-lt"/>
+                <a:ea typeface="+mn-ea"/>
+                <a:cs typeface="+mn-cs"/>
+              </a:defRPr>
+            </a:lvl2pPr>
+            <a:lvl3pPr marL="1143000" indent="-228600" algn="l" defTabSz="914400" rtl="0" eaLnBrk="1" latinLnBrk="0" hangingPunct="1">
+              <a:lnSpc>
+                <a:spcPct val="90000"/>
+              </a:lnSpc>
+              <a:spcBef>
+                <a:spcPts val="500"/>
+              </a:spcBef>
+              <a:buFont typeface="Arial"/>
+              <a:buChar char="•"/>
+              <a:defRPr kumimoji="1" sz="2000" kern="1200">
+                <a:solidFill>
+                  <a:schemeClr val="tx1"/>
+                </a:solidFill>
+                <a:latin typeface="+mn-lt"/>
+                <a:ea typeface="+mn-ea"/>
+                <a:cs typeface="+mn-cs"/>
+              </a:defRPr>
+            </a:lvl3pPr>
+            <a:lvl4pPr marL="1600200" indent="-228600" algn="l" defTabSz="914400" rtl="0" eaLnBrk="1" latinLnBrk="0" hangingPunct="1">
+              <a:lnSpc>
+                <a:spcPct val="90000"/>
+              </a:lnSpc>
+              <a:spcBef>
+                <a:spcPts val="500"/>
+              </a:spcBef>
+              <a:buFont typeface="Arial"/>
+              <a:buChar char="•"/>
+              <a:defRPr kumimoji="1" sz="1800" kern="1200">
+                <a:solidFill>
+                  <a:schemeClr val="tx1"/>
+                </a:solidFill>
+                <a:latin typeface="+mn-lt"/>
+                <a:ea typeface="+mn-ea"/>
+                <a:cs typeface="+mn-cs"/>
+              </a:defRPr>
+            </a:lvl4pPr>
+            <a:lvl5pPr marL="2057400" indent="-228600" algn="l" defTabSz="914400" rtl="0" eaLnBrk="1" latinLnBrk="0" hangingPunct="1">
+              <a:lnSpc>
+                <a:spcPct val="90000"/>
+              </a:lnSpc>
+              <a:spcBef>
+                <a:spcPts val="500"/>
+              </a:spcBef>
+              <a:buFont typeface="Arial"/>
+              <a:buChar char="•"/>
+              <a:defRPr kumimoji="1" sz="1800" kern="1200">
+                <a:solidFill>
+                  <a:schemeClr val="tx1"/>
+                </a:solidFill>
+                <a:latin typeface="+mn-lt"/>
+                <a:ea typeface="+mn-ea"/>
+                <a:cs typeface="+mn-cs"/>
+              </a:defRPr>
+            </a:lvl5pPr>
+            <a:lvl6pPr marL="2514600" indent="-228600" algn="l" defTabSz="914400" rtl="0" eaLnBrk="1" latinLnBrk="0" hangingPunct="1">
+              <a:lnSpc>
+                <a:spcPct val="90000"/>
+              </a:lnSpc>
+              <a:spcBef>
+                <a:spcPts val="500"/>
+              </a:spcBef>
+              <a:buFont typeface="Arial"/>
+              <a:buChar char="•"/>
+              <a:defRPr kumimoji="1" sz="1800" kern="1200">
+                <a:solidFill>
+                  <a:schemeClr val="tx1"/>
+                </a:solidFill>
+                <a:latin typeface="+mn-lt"/>
+                <a:ea typeface="+mn-ea"/>
+                <a:cs typeface="+mn-cs"/>
+              </a:defRPr>
+            </a:lvl6pPr>
+            <a:lvl7pPr marL="2971800" indent="-228600" algn="l" defTabSz="914400" rtl="0" eaLnBrk="1" latinLnBrk="0" hangingPunct="1">
+              <a:lnSpc>
+                <a:spcPct val="90000"/>
+              </a:lnSpc>
+              <a:spcBef>
+                <a:spcPts val="500"/>
+              </a:spcBef>
+              <a:buFont typeface="Arial"/>
+              <a:buChar char="•"/>
+              <a:defRPr kumimoji="1" sz="1800" kern="1200">
+                <a:solidFill>
+                  <a:schemeClr val="tx1"/>
+                </a:solidFill>
+                <a:latin typeface="+mn-lt"/>
+                <a:ea typeface="+mn-ea"/>
+                <a:cs typeface="+mn-cs"/>
+              </a:defRPr>
+            </a:lvl7pPr>
+            <a:lvl8pPr marL="3429000" indent="-228600" algn="l" defTabSz="914400" rtl="0" eaLnBrk="1" latinLnBrk="0" hangingPunct="1">
+              <a:lnSpc>
+                <a:spcPct val="90000"/>
+              </a:lnSpc>
+              <a:spcBef>
+                <a:spcPts val="500"/>
+              </a:spcBef>
+              <a:buFont typeface="Arial"/>
+              <a:buChar char="•"/>
+              <a:defRPr kumimoji="1" sz="1800" kern="1200">
+                <a:solidFill>
+                  <a:schemeClr val="tx1"/>
+                </a:solidFill>
+                <a:latin typeface="+mn-lt"/>
+                <a:ea typeface="+mn-ea"/>
+                <a:cs typeface="+mn-cs"/>
+              </a:defRPr>
+            </a:lvl8pPr>
+            <a:lvl9pPr marL="3886200" indent="-228600" algn="l" defTabSz="914400" rtl="0" eaLnBrk="1" latinLnBrk="0" hangingPunct="1">
+              <a:lnSpc>
+                <a:spcPct val="90000"/>
+              </a:lnSpc>
+              <a:spcBef>
+                <a:spcPts val="500"/>
+              </a:spcBef>
+              <a:buFont typeface="Arial"/>
+              <a:buChar char="•"/>
+              <a:defRPr kumimoji="1" sz="1800" kern="1200">
+                <a:solidFill>
+                  <a:schemeClr val="tx1"/>
+                </a:solidFill>
+                <a:latin typeface="+mn-lt"/>
+                <a:ea typeface="+mn-ea"/>
+                <a:cs typeface="+mn-cs"/>
+              </a:defRPr>
+            </a:lvl9pPr>
+          </a:lstStyle>
+          <a:p>
+            <a:pPr marL="0" indent="0">
+              <a:buNone/>
+            </a:pPr>
+            <a:r>
+              <a:rPr lang="en-US" altLang="ja-JP" sz="2400" b="1" dirty="0">
+                <a:latin typeface="Arial" charset="0"/>
+                <a:ea typeface="Arial" charset="0"/>
+                <a:cs typeface="Arial" charset="0"/>
+              </a:rPr>
+              <a:t>3 key PR activities</a:t>
+            </a:r>
+          </a:p>
+          <a:p>
+            <a:r>
+              <a:rPr lang="en-US" altLang="ja-JP" sz="2000" dirty="0">
+                <a:latin typeface="Arial" charset="0"/>
+                <a:ea typeface="Arial" charset="0"/>
+                <a:cs typeface="Arial" charset="0"/>
+              </a:rPr>
+              <a:t>News Release</a:t>
+            </a:r>
+          </a:p>
+          <a:p>
+            <a:r>
+              <a:rPr lang="en-US" altLang="ja-JP" sz="2000" dirty="0">
+                <a:latin typeface="Arial" charset="0"/>
+                <a:ea typeface="Arial" charset="0"/>
+                <a:cs typeface="Arial" charset="0"/>
+              </a:rPr>
+              <a:t>Interview</a:t>
+            </a:r>
+          </a:p>
+          <a:p>
+            <a:r>
+              <a:rPr lang="en-US" altLang="ja-JP" sz="2000" dirty="0">
+                <a:latin typeface="Arial" charset="0"/>
+                <a:ea typeface="Arial" charset="0"/>
+                <a:cs typeface="Arial" charset="0"/>
+              </a:rPr>
+              <a:t>Press </a:t>
+            </a:r>
+            <a:r>
+              <a:rPr lang="en-US" altLang="ja-JP" sz="2000" dirty="0" smtClean="0">
+                <a:latin typeface="Arial" charset="0"/>
+                <a:ea typeface="Arial" charset="0"/>
+                <a:cs typeface="Arial" charset="0"/>
+              </a:rPr>
+              <a:t>Conference</a:t>
+            </a:r>
+          </a:p>
+          <a:p>
+            <a:endParaRPr lang="en-US" altLang="ja-JP" sz="2000" b="1" dirty="0" smtClean="0">
+              <a:latin typeface="Arial" charset="0"/>
+              <a:ea typeface="Arial" charset="0"/>
+              <a:cs typeface="Arial" charset="0"/>
+            </a:endParaRPr>
+          </a:p>
+          <a:p>
+            <a:pPr marL="0" indent="0">
+              <a:buNone/>
+            </a:pPr>
+            <a:r>
+              <a:rPr lang="en-US" altLang="ja-JP" sz="2400" b="1" dirty="0">
+                <a:latin typeface="Arial" charset="0"/>
+                <a:ea typeface="Arial" charset="0"/>
+                <a:cs typeface="Arial" charset="0"/>
+              </a:rPr>
+              <a:t>Our Challenge</a:t>
+            </a:r>
+          </a:p>
+          <a:p>
+            <a:pPr marL="0" indent="0">
+              <a:buNone/>
+            </a:pPr>
+            <a:r>
+              <a:rPr lang="en-US" altLang="ja-JP" sz="2000" dirty="0">
+                <a:latin typeface="Arial" charset="0"/>
+                <a:ea typeface="Arial" charset="0"/>
+                <a:cs typeface="Arial" charset="0"/>
+              </a:rPr>
+              <a:t>Digital Transformation - How to cover </a:t>
+            </a:r>
+            <a:r>
+              <a:rPr lang="en-US" altLang="ja-JP" sz="2000" dirty="0" smtClean="0">
+                <a:latin typeface="Arial" charset="0"/>
+                <a:ea typeface="Arial" charset="0"/>
+                <a:cs typeface="Arial" charset="0"/>
+              </a:rPr>
+              <a:t>“Millennials”</a:t>
+            </a:r>
+            <a:endParaRPr lang="en-US" altLang="ja-JP" sz="2000" dirty="0" smtClean="0">
+              <a:latin typeface="Arial" charset="0"/>
+              <a:ea typeface="Arial" charset="0"/>
+              <a:cs typeface="Arial" charset="0"/>
+            </a:endParaRPr>
+          </a:p>
+          <a:p>
+            <a:pPr marL="0" indent="0">
+              <a:buFont typeface="Arial"/>
+              <a:buNone/>
+            </a:pPr>
+            <a:endParaRPr lang="en-US" altLang="ja-JP" sz="2000" b="1" dirty="0">
+              <a:latin typeface="Arial" charset="0"/>
+              <a:ea typeface="Arial" charset="0"/>
+              <a:cs typeface="Arial" charset="0"/>
+            </a:endParaRPr>
+          </a:p>
+          <a:p>
+            <a:pPr marL="0" indent="0">
+              <a:buNone/>
+            </a:pPr>
+            <a:r>
+              <a:rPr lang="en-US" altLang="ja-JP" sz="2400" b="1" dirty="0">
+                <a:latin typeface="Arial" charset="0"/>
+                <a:ea typeface="Arial" charset="0"/>
+                <a:cs typeface="Arial" charset="0"/>
+              </a:rPr>
+              <a:t>How to change</a:t>
+            </a:r>
+            <a:r>
+              <a:rPr lang="en-US" altLang="ja-JP" sz="2400" b="1" dirty="0" smtClean="0">
+                <a:latin typeface="Arial" charset="0"/>
+                <a:ea typeface="Arial" charset="0"/>
+                <a:cs typeface="Arial" charset="0"/>
+              </a:rPr>
+              <a:t>?</a:t>
+            </a:r>
+            <a:endParaRPr lang="en-US" altLang="ja-JP" sz="2400" b="1" dirty="0" smtClean="0">
+              <a:latin typeface="Arial" charset="0"/>
+              <a:ea typeface="Arial" charset="0"/>
+              <a:cs typeface="Arial" charset="0"/>
+            </a:endParaRPr>
+          </a:p>
+          <a:p>
+            <a:pPr marL="0" indent="0">
+              <a:buNone/>
+            </a:pPr>
+            <a:r>
+              <a:rPr lang="en-US" altLang="ja-JP" sz="2000" dirty="0" smtClean="0">
+                <a:latin typeface="Arial" charset="0"/>
+                <a:ea typeface="Arial" charset="0"/>
+                <a:cs typeface="Arial" charset="0"/>
+              </a:rPr>
+              <a:t>We </a:t>
+            </a:r>
+            <a:r>
+              <a:rPr lang="en-US" altLang="ja-JP" sz="2000" dirty="0">
+                <a:latin typeface="Arial" charset="0"/>
+                <a:ea typeface="Arial" charset="0"/>
+                <a:cs typeface="Arial" charset="0"/>
+              </a:rPr>
+              <a:t>need to build connections with bloggers and influencers, who are key players in the digital space leveraging Japan unique technical blogs such as </a:t>
+            </a:r>
+            <a:r>
+              <a:rPr lang="en-US" altLang="ja-JP" sz="2000" dirty="0" err="1">
+                <a:latin typeface="Arial" charset="0"/>
+                <a:ea typeface="Arial" charset="0"/>
+                <a:cs typeface="Arial" charset="0"/>
+              </a:rPr>
+              <a:t>Qiita</a:t>
+            </a:r>
+            <a:r>
+              <a:rPr lang="en-US" altLang="ja-JP" sz="2000" dirty="0">
+                <a:latin typeface="Arial" charset="0"/>
+                <a:ea typeface="Arial" charset="0"/>
+                <a:cs typeface="Arial" charset="0"/>
+              </a:rPr>
+              <a:t>, </a:t>
+            </a:r>
+            <a:r>
+              <a:rPr lang="en-US" altLang="ja-JP" sz="2000" dirty="0" err="1" smtClean="0">
+                <a:latin typeface="Arial" charset="0"/>
+                <a:ea typeface="Arial" charset="0"/>
+                <a:cs typeface="Arial" charset="0"/>
+              </a:rPr>
+              <a:t>Publickey</a:t>
+            </a:r>
+            <a:r>
+              <a:rPr lang="en-US" altLang="ja-JP" sz="2000" dirty="0" smtClean="0">
+                <a:latin typeface="Arial" charset="0"/>
+                <a:ea typeface="Arial" charset="0"/>
+                <a:cs typeface="Arial" charset="0"/>
+              </a:rPr>
+              <a:t> </a:t>
+            </a:r>
+            <a:r>
+              <a:rPr lang="en-US" altLang="ja-JP" sz="2000" dirty="0">
+                <a:latin typeface="Arial" charset="0"/>
+                <a:ea typeface="Arial" charset="0"/>
+                <a:cs typeface="Arial" charset="0"/>
+              </a:rPr>
+              <a:t>and 8. </a:t>
+            </a:r>
+            <a:endParaRPr lang="en-US" altLang="ja-JP" sz="2000" dirty="0" smtClean="0">
+              <a:latin typeface="Arial" charset="0"/>
+              <a:ea typeface="Arial" charset="0"/>
+              <a:cs typeface="Arial" charset="0"/>
+            </a:endParaRPr>
+          </a:p>
+          <a:p>
+            <a:pPr marL="0" indent="0">
+              <a:buNone/>
+            </a:pPr>
+            <a:r>
+              <a:rPr lang="en-US" altLang="ja-JP" sz="2000" dirty="0" smtClean="0">
+                <a:latin typeface="Arial" charset="0"/>
+                <a:ea typeface="Arial" charset="0"/>
+                <a:cs typeface="Arial" charset="0"/>
+              </a:rPr>
+              <a:t>We </a:t>
+            </a:r>
+            <a:r>
+              <a:rPr lang="en-US" altLang="ja-JP" sz="2000" dirty="0">
+                <a:latin typeface="Arial" charset="0"/>
+                <a:ea typeface="Arial" charset="0"/>
+                <a:cs typeface="Arial" charset="0"/>
+              </a:rPr>
+              <a:t>need to encourage them to write "How to use" rather than just a product specifications.</a:t>
+            </a:r>
+          </a:p>
+        </p:txBody>
+      </p:sp>
+    </p:spTree>
+    <p:extLst>
+      <p:ext uri="{BB962C8B-B14F-4D97-AF65-F5344CB8AC3E}">
+        <p14:creationId xmlns:p14="http://schemas.microsoft.com/office/powerpoint/2010/main" val="1446396535"/>
+      </p:ext>
+    </p:extLst>
+  </p:cSld>
+  <p:clrMapOvr>
+    <a:masterClrMapping/>
+  </p:clrMapOvr>
+  <p:timing>
+    <p:tnLst>
+      <p:par>
+        <p:cTn id="1" dur="indefinite" restart="never" nodeType="tmRoot"/>
+      </p:par>
+    </p:tnLst>
+  </p:timing>
+</p:sld>
+</file>
+
+<file path=ppt/slides/slide12.xml><?xml version="1.0" encoding="utf-8"?>
+<p:sld xmlns:a="http://schemas.openxmlformats.org/drawingml/2006/main" xmlns:r="http://schemas.openxmlformats.org/officeDocument/2006/relationships" xmlns:p="http://schemas.openxmlformats.org/presentationml/2006/main">
+  <p:cSld>
+    <p:spTree>
+      <p:nvGrpSpPr>
+        <p:cNvPr id="1" name=""/>
+        <p:cNvGrpSpPr/>
+        <p:nvPr/>
+      </p:nvGrpSpPr>
+      <p:grpSpPr>
+        <a:xfrm>
+          <a:off x="0" y="0"/>
+          <a:ext cx="0" cy="0"/>
+          <a:chOff x="0" y="0"/>
+          <a:chExt cx="0" cy="0"/>
+        </a:xfrm>
+      </p:grpSpPr>
+      <p:sp>
+        <p:nvSpPr>
+          <p:cNvPr id="2" name="Title 1"/>
+          <p:cNvSpPr>
+            <a:spLocks noGrp="1"/>
+          </p:cNvSpPr>
+          <p:nvPr>
+            <p:ph type="title"/>
+          </p:nvPr>
+        </p:nvSpPr>
+        <p:spPr>
+          <a:xfrm>
+            <a:off x="322023" y="374794"/>
+            <a:ext cx="11426632" cy="512961"/>
+          </a:xfrm>
+        </p:spPr>
+        <p:txBody>
+          <a:bodyPr/>
+          <a:lstStyle/>
+          <a:p>
+            <a:r>
+              <a:rPr kumimoji="1" lang="en-US" altLang="ja-JP" sz="3600" b="1" dirty="0" smtClean="0">
+                <a:solidFill>
+                  <a:srgbClr val="00B0F0"/>
+                </a:solidFill>
+                <a:latin typeface="Arial" charset="0"/>
+                <a:ea typeface="Arial" charset="0"/>
+                <a:cs typeface="Arial" charset="0"/>
+              </a:rPr>
+              <a:t>Questions</a:t>
+            </a:r>
+            <a:endParaRPr kumimoji="1" lang="ja-JP" altLang="en-US" sz="2933" b="1" dirty="0">
+              <a:solidFill>
+                <a:srgbClr val="00B0F0"/>
+              </a:solidFill>
+              <a:latin typeface="Arial" charset="0"/>
+              <a:ea typeface="Arial" charset="0"/>
+              <a:cs typeface="Arial" charset="0"/>
+            </a:endParaRPr>
+          </a:p>
+        </p:txBody>
+      </p:sp>
+      <p:sp>
+        <p:nvSpPr>
+          <p:cNvPr id="4" name="テキスト ボックス 3"/>
+          <p:cNvSpPr txBox="1"/>
+          <p:nvPr/>
+        </p:nvSpPr>
+        <p:spPr>
+          <a:xfrm>
+            <a:off x="322023" y="1309477"/>
+            <a:ext cx="11426632" cy="4801314"/>
+          </a:xfrm>
+          <a:prstGeom prst="rect">
+            <a:avLst/>
+          </a:prstGeom>
+          <a:noFill/>
+        </p:spPr>
+        <p:txBody>
+          <a:bodyPr wrap="square" rtlCol="0">
+            <a:spAutoFit/>
+          </a:bodyPr>
+          <a:lstStyle/>
+          <a:p>
+            <a:pPr marL="285750" indent="-285750">
+              <a:buFont typeface="Arial" charset="0"/>
+              <a:buChar char="•"/>
+            </a:pPr>
+            <a:r>
+              <a:rPr lang="en-US" altLang="ja-JP" sz="1700" b="1" dirty="0" smtClean="0">
+                <a:latin typeface="Arial" charset="0"/>
+                <a:ea typeface="Arial" charset="0"/>
+                <a:cs typeface="Arial" charset="0"/>
+              </a:rPr>
+              <a:t>Planning Cycle</a:t>
+            </a:r>
+          </a:p>
+          <a:p>
+            <a:pPr marL="742950" lvl="1" indent="-285750">
+              <a:buFont typeface="Arial" charset="0"/>
+              <a:buChar char="•"/>
+            </a:pPr>
+            <a:r>
+              <a:rPr lang="en-US" altLang="ja-JP" sz="1700" dirty="0" smtClean="0">
+                <a:latin typeface="Arial" charset="0"/>
+                <a:ea typeface="Arial" charset="0"/>
+                <a:cs typeface="Arial" charset="0"/>
+              </a:rPr>
+              <a:t>3 months(quarterly),6 months(half) or full year?</a:t>
+            </a:r>
+          </a:p>
+          <a:p>
+            <a:pPr marL="285750" indent="-285750">
+              <a:buFont typeface="Arial" charset="0"/>
+              <a:buChar char="•"/>
+            </a:pPr>
+            <a:r>
+              <a:rPr lang="en-US" altLang="ja-JP" sz="1700" b="1" dirty="0" smtClean="0">
+                <a:latin typeface="Arial" charset="0"/>
+                <a:ea typeface="Arial" charset="0"/>
+                <a:cs typeface="Arial" charset="0"/>
+              </a:rPr>
+              <a:t>Marketing Budget</a:t>
+            </a:r>
+          </a:p>
+          <a:p>
+            <a:pPr marL="742950" lvl="1" indent="-285750">
+              <a:buFont typeface="Arial" charset="0"/>
+              <a:buChar char="•"/>
+            </a:pPr>
+            <a:r>
+              <a:rPr lang="en-US" altLang="ja-JP" sz="1700" dirty="0" smtClean="0">
+                <a:latin typeface="Arial" charset="0"/>
+                <a:ea typeface="Arial" charset="0"/>
+                <a:cs typeface="Arial" charset="0"/>
+              </a:rPr>
+              <a:t>How much?</a:t>
+            </a:r>
+          </a:p>
+          <a:p>
+            <a:pPr marL="742950" lvl="1" indent="-285750">
+              <a:buFont typeface="Arial" charset="0"/>
+              <a:buChar char="•"/>
+            </a:pPr>
+            <a:r>
+              <a:rPr lang="en-US" altLang="ja-JP" sz="1700" dirty="0" smtClean="0">
+                <a:latin typeface="Arial" charset="0"/>
+                <a:ea typeface="Arial" charset="0"/>
+                <a:cs typeface="Arial" charset="0"/>
+              </a:rPr>
+              <a:t>Is there any spending skew related to planning cycle?</a:t>
+            </a:r>
+          </a:p>
+          <a:p>
+            <a:pPr marL="285750" indent="-285750">
+              <a:buFont typeface="Arial" charset="0"/>
+              <a:buChar char="•"/>
+            </a:pPr>
+            <a:r>
+              <a:rPr lang="en-US" altLang="ja-JP" sz="1700" b="1" dirty="0">
+                <a:latin typeface="Arial" charset="0"/>
+                <a:ea typeface="Arial" charset="0"/>
+                <a:cs typeface="Arial" charset="0"/>
+              </a:rPr>
+              <a:t>KPI</a:t>
+            </a:r>
+          </a:p>
+          <a:p>
+            <a:pPr marL="742950" lvl="1" indent="-285750">
+              <a:buFont typeface="Arial" charset="0"/>
+              <a:buChar char="•"/>
+            </a:pPr>
+            <a:r>
+              <a:rPr lang="en-US" altLang="ja-JP" sz="1700" dirty="0">
+                <a:latin typeface="Arial" charset="0"/>
+                <a:ea typeface="Arial" charset="0"/>
+                <a:cs typeface="Arial" charset="0"/>
+              </a:rPr>
+              <a:t>What is primary KPI for Marketing? </a:t>
+            </a:r>
+            <a:endParaRPr lang="en-US" altLang="ja-JP" sz="1700" dirty="0" smtClean="0">
+              <a:latin typeface="Arial" charset="0"/>
+              <a:ea typeface="Arial" charset="0"/>
+              <a:cs typeface="Arial" charset="0"/>
+            </a:endParaRPr>
+          </a:p>
+          <a:p>
+            <a:pPr marL="285750" indent="-285750">
+              <a:buFont typeface="Arial" charset="0"/>
+              <a:buChar char="•"/>
+            </a:pPr>
+            <a:r>
+              <a:rPr lang="en-US" altLang="ja-JP" sz="1700" b="1" dirty="0" smtClean="0">
+                <a:latin typeface="Arial" charset="0"/>
+                <a:ea typeface="Arial" charset="0"/>
+                <a:cs typeface="Arial" charset="0"/>
+              </a:rPr>
+              <a:t>Marketing Performance Report</a:t>
+            </a:r>
+          </a:p>
+          <a:p>
+            <a:pPr marL="742950" lvl="1" indent="-285750">
+              <a:buFont typeface="Arial" charset="0"/>
+              <a:buChar char="•"/>
+            </a:pPr>
+            <a:r>
+              <a:rPr lang="en-US" altLang="ja-JP" sz="1700" dirty="0" smtClean="0">
+                <a:latin typeface="Arial" charset="0"/>
+                <a:ea typeface="Arial" charset="0"/>
+                <a:cs typeface="Arial" charset="0"/>
+              </a:rPr>
+              <a:t>How do you capture Marketing performance? Do you use any reporting tools?</a:t>
+            </a:r>
+          </a:p>
+          <a:p>
+            <a:pPr marL="285750" indent="-285750">
+              <a:buFont typeface="Arial" charset="0"/>
+              <a:buChar char="•"/>
+            </a:pPr>
+            <a:r>
+              <a:rPr lang="en-US" altLang="ja-JP" sz="1700" b="1" dirty="0" smtClean="0">
+                <a:latin typeface="Arial" charset="0"/>
+                <a:ea typeface="Arial" charset="0"/>
+                <a:cs typeface="Arial" charset="0"/>
+              </a:rPr>
+              <a:t>Digital Marketing</a:t>
+            </a:r>
+          </a:p>
+          <a:p>
+            <a:pPr marL="742950" lvl="1" indent="-285750">
+              <a:buFont typeface="Arial" charset="0"/>
+              <a:buChar char="•"/>
+            </a:pPr>
+            <a:r>
+              <a:rPr lang="en-US" altLang="ja-JP" sz="1700" dirty="0" smtClean="0">
+                <a:latin typeface="Arial" charset="0"/>
+                <a:ea typeface="Arial" charset="0"/>
+                <a:cs typeface="Arial" charset="0"/>
+              </a:rPr>
+              <a:t>How do you buy paid medias such as display ads, paid </a:t>
+            </a:r>
+            <a:r>
+              <a:rPr lang="en-US" altLang="ja-JP" sz="1700" dirty="0">
+                <a:latin typeface="Arial" charset="0"/>
+                <a:ea typeface="Arial" charset="0"/>
+                <a:cs typeface="Arial" charset="0"/>
+              </a:rPr>
+              <a:t>s</a:t>
+            </a:r>
+            <a:r>
+              <a:rPr lang="en-US" altLang="ja-JP" sz="1700" dirty="0" smtClean="0">
+                <a:latin typeface="Arial" charset="0"/>
+                <a:ea typeface="Arial" charset="0"/>
+                <a:cs typeface="Arial" charset="0"/>
+              </a:rPr>
+              <a:t>earch and sponsorships? Do you do Central buying? </a:t>
+            </a:r>
+          </a:p>
+          <a:p>
+            <a:pPr marL="285750" indent="-285750">
+              <a:buFont typeface="Arial" charset="0"/>
+              <a:buChar char="•"/>
+            </a:pPr>
+            <a:r>
+              <a:rPr lang="en-US" altLang="ja-JP" sz="1700" b="1" dirty="0" smtClean="0">
+                <a:latin typeface="Arial" charset="0"/>
+                <a:ea typeface="Arial" charset="0"/>
+                <a:cs typeface="Arial" charset="0"/>
+              </a:rPr>
+              <a:t>Customer database</a:t>
+            </a:r>
+          </a:p>
+          <a:p>
+            <a:pPr marL="742950" lvl="1" indent="-285750">
+              <a:buFont typeface="Arial" charset="0"/>
+              <a:buChar char="•"/>
+            </a:pPr>
+            <a:r>
+              <a:rPr lang="en-US" altLang="ja-JP" sz="1700" dirty="0" smtClean="0">
+                <a:latin typeface="Arial" charset="0"/>
+                <a:ea typeface="Arial" charset="0"/>
+                <a:cs typeface="Arial" charset="0"/>
+              </a:rPr>
+              <a:t>How do you manage Geo specific customer data?  Any centralized database?</a:t>
+            </a:r>
+            <a:endParaRPr kumimoji="1" lang="en-US" altLang="ja-JP" sz="1700" dirty="0" smtClean="0">
+              <a:latin typeface="Arial" charset="0"/>
+              <a:ea typeface="Arial" charset="0"/>
+              <a:cs typeface="Arial" charset="0"/>
+            </a:endParaRPr>
+          </a:p>
+          <a:p>
+            <a:pPr marL="285750" indent="-285750">
+              <a:buFont typeface="Arial" charset="0"/>
+              <a:buChar char="•"/>
+            </a:pPr>
+            <a:r>
+              <a:rPr lang="en-US" altLang="ja-JP" sz="1700" b="1" dirty="0" smtClean="0">
+                <a:latin typeface="Arial" charset="0"/>
+                <a:ea typeface="Arial" charset="0"/>
+                <a:cs typeface="Arial" charset="0"/>
+              </a:rPr>
+              <a:t>Marketing Intelligence</a:t>
+            </a:r>
+          </a:p>
+          <a:p>
+            <a:pPr marL="742950" lvl="1" indent="-285750">
+              <a:buFont typeface="Arial" charset="0"/>
+              <a:buChar char="•"/>
+            </a:pPr>
+            <a:r>
+              <a:rPr lang="en-US" altLang="ja-JP" sz="1700" dirty="0" smtClean="0">
+                <a:latin typeface="Arial" charset="0"/>
+                <a:ea typeface="Arial" charset="0"/>
+                <a:cs typeface="Arial" charset="0"/>
+              </a:rPr>
+              <a:t>Is there any </a:t>
+            </a:r>
+            <a:r>
+              <a:rPr lang="en-US" altLang="ja-JP" sz="1700" dirty="0">
+                <a:latin typeface="Arial" charset="0"/>
+                <a:ea typeface="Arial" charset="0"/>
+                <a:cs typeface="Arial" charset="0"/>
+              </a:rPr>
+              <a:t>c</a:t>
+            </a:r>
+            <a:r>
+              <a:rPr lang="en-US" altLang="ja-JP" sz="1700" dirty="0" smtClean="0">
+                <a:latin typeface="Arial" charset="0"/>
+                <a:ea typeface="Arial" charset="0"/>
+                <a:cs typeface="Arial" charset="0"/>
+              </a:rPr>
+              <a:t>entralized function for MI? How do Geo marketing get local market </a:t>
+            </a:r>
+            <a:r>
+              <a:rPr lang="en-US" altLang="ja-JP" sz="1700" dirty="0">
+                <a:latin typeface="Arial" charset="0"/>
+                <a:ea typeface="Arial" charset="0"/>
+                <a:cs typeface="Arial" charset="0"/>
+              </a:rPr>
+              <a:t>Insights/research </a:t>
+            </a:r>
+            <a:r>
+              <a:rPr lang="en-US" altLang="ja-JP" sz="1700" dirty="0" smtClean="0">
+                <a:latin typeface="Arial" charset="0"/>
+                <a:ea typeface="Arial" charset="0"/>
+                <a:cs typeface="Arial" charset="0"/>
+              </a:rPr>
+              <a:t>information?</a:t>
+            </a:r>
+          </a:p>
+          <a:p>
+            <a:pPr marL="285750" indent="-285750">
+              <a:buFont typeface="Arial" charset="0"/>
+              <a:buChar char="•"/>
+            </a:pPr>
+            <a:r>
+              <a:rPr kumimoji="1" lang="en-US" altLang="ja-JP" sz="1700" b="1" dirty="0" smtClean="0">
+                <a:latin typeface="Arial" charset="0"/>
+                <a:ea typeface="Arial" charset="0"/>
+                <a:cs typeface="Arial" charset="0"/>
+              </a:rPr>
+              <a:t>Inside Sales</a:t>
+            </a:r>
+          </a:p>
+          <a:p>
+            <a:pPr marL="742950" lvl="1" indent="-285750">
+              <a:buFont typeface="Arial" charset="0"/>
+              <a:buChar char="•"/>
+            </a:pPr>
+            <a:r>
+              <a:rPr lang="en-US" altLang="ja-JP" sz="1700" dirty="0" smtClean="0">
+                <a:latin typeface="Arial" charset="0"/>
+                <a:ea typeface="Arial" charset="0"/>
+                <a:cs typeface="Arial" charset="0"/>
+              </a:rPr>
+              <a:t>Is there any inside sales functions?</a:t>
+            </a:r>
+            <a:endParaRPr kumimoji="1" lang="ja-JP" altLang="en-US" sz="1700" dirty="0">
+              <a:latin typeface="Arial" charset="0"/>
+              <a:ea typeface="Arial" charset="0"/>
+              <a:cs typeface="Arial" charset="0"/>
+            </a:endParaRPr>
+          </a:p>
+        </p:txBody>
+      </p:sp>
+    </p:spTree>
+    <p:extLst>
+      <p:ext uri="{BB962C8B-B14F-4D97-AF65-F5344CB8AC3E}">
+        <p14:creationId xmlns:p14="http://schemas.microsoft.com/office/powerpoint/2010/main" val="1749016565"/>
+      </p:ext>
+    </p:extLst>
+  </p:cSld>
+  <p:clrMapOvr>
+    <a:masterClrMapping/>
+  </p:clrMapOvr>
+  <p:timing>
+    <p:tnLst>
+      <p:par>
+        <p:cTn id="1" dur="indefinite" restart="never" nodeType="tmRoot"/>
+      </p:par>
+    </p:tnLst>
+  </p:timing>
+</p:sld>
+</file>
+
+<file path=ppt/slides/slide13.xml><?xml version="1.0" encoding="utf-8"?>
+<p:sld xmlns:a="http://schemas.openxmlformats.org/drawingml/2006/main" xmlns:r="http://schemas.openxmlformats.org/officeDocument/2006/relationships" xmlns:p="http://schemas.openxmlformats.org/presentationml/2006/main">
+  <p:cSld>
+    <p:spTree>
+      <p:nvGrpSpPr>
+        <p:cNvPr id="1" name=""/>
+        <p:cNvGrpSpPr/>
+        <p:nvPr/>
+      </p:nvGrpSpPr>
+      <p:grpSpPr>
+        <a:xfrm>
+          <a:off x="0" y="0"/>
+          <a:ext cx="0" cy="0"/>
+          <a:chOff x="0" y="0"/>
+          <a:chExt cx="0" cy="0"/>
+        </a:xfrm>
+      </p:grpSpPr>
+      <p:sp>
+        <p:nvSpPr>
+          <p:cNvPr id="3" name="Title 1"/>
+          <p:cNvSpPr txBox="1">
+            <a:spLocks/>
+          </p:cNvSpPr>
+          <p:nvPr/>
+        </p:nvSpPr>
+        <p:spPr>
+          <a:xfrm>
+            <a:off x="322023" y="374794"/>
+            <a:ext cx="11426632" cy="1538883"/>
+          </a:xfrm>
+          <a:prstGeom prst="rect">
+            <a:avLst/>
+          </a:prstGeom>
+        </p:spPr>
+        <p:txBody>
+          <a:bodyPr/>
+          <a:lstStyle>
+            <a:lvl1pPr algn="l" defTabSz="1219170" rtl="0" eaLnBrk="1" latinLnBrk="0" hangingPunct="1">
+              <a:spcBef>
+                <a:spcPct val="0"/>
+              </a:spcBef>
+              <a:buNone/>
+              <a:defRPr sz="5600" kern="1200" baseline="0">
+                <a:solidFill>
+                  <a:srgbClr val="FFFFFF"/>
+                </a:solidFill>
+                <a:latin typeface="+mj-lt"/>
+                <a:ea typeface="+mj-ea"/>
+                <a:cs typeface="+mj-cs"/>
+              </a:defRPr>
+            </a:lvl1pPr>
+          </a:lstStyle>
+          <a:p>
+            <a:pPr marL="0" lvl="1" algn="l" defTabSz="1219170" rtl="0">
+              <a:lnSpc>
+                <a:spcPts val="4000"/>
+              </a:lnSpc>
+              <a:spcBef>
+                <a:spcPct val="0"/>
+              </a:spcBef>
+            </a:pPr>
+            <a:r>
+              <a:rPr kumimoji="1" lang="en-US" altLang="ja-JP" sz="3600" b="1" kern="0" dirty="0" smtClean="0">
+                <a:solidFill>
+                  <a:srgbClr val="00B0F0"/>
+                </a:solidFill>
+                <a:latin typeface="Arial" charset="0"/>
+                <a:ea typeface="Arial" charset="0"/>
+                <a:cs typeface="Arial" charset="0"/>
+              </a:rPr>
+              <a:t>Appendix</a:t>
+            </a:r>
+            <a:endParaRPr kumimoji="1" lang="en-US" altLang="ja-JP" sz="3600" b="1" kern="0" dirty="0">
+              <a:solidFill>
+                <a:srgbClr val="00B0F0"/>
+              </a:solidFill>
+              <a:latin typeface="Arial" charset="0"/>
+              <a:ea typeface="Arial" charset="0"/>
+              <a:cs typeface="Arial" charset="0"/>
+            </a:endParaRPr>
+          </a:p>
+        </p:txBody>
+      </p:sp>
+    </p:spTree>
+    <p:extLst>
+      <p:ext uri="{BB962C8B-B14F-4D97-AF65-F5344CB8AC3E}">
+        <p14:creationId xmlns:p14="http://schemas.microsoft.com/office/powerpoint/2010/main" val="1572702477"/>
+      </p:ext>
+    </p:extLst>
+  </p:cSld>
+  <p:clrMapOvr>
+    <a:masterClrMapping/>
+  </p:clrMapOvr>
+  <p:timing>
+    <p:tnLst>
+      <p:par>
+        <p:cTn id="1" dur="indefinite" restart="never" nodeType="tmRoot"/>
+      </p:par>
+    </p:tnLst>
+  </p:timing>
+</p:sld>
+</file>
+
+<file path=ppt/slides/slide14.xml><?xml version="1.0" encoding="utf-8"?>
+<p:sld xmlns:a="http://schemas.openxmlformats.org/drawingml/2006/main" xmlns:r="http://schemas.openxmlformats.org/officeDocument/2006/relationships" xmlns:p="http://schemas.openxmlformats.org/presentationml/2006/main">
+  <p:cSld>
+    <p:spTree>
+      <p:nvGrpSpPr>
+        <p:cNvPr id="1" name=""/>
+        <p:cNvGrpSpPr/>
+        <p:nvPr/>
+      </p:nvGrpSpPr>
+      <p:grpSpPr>
+        <a:xfrm>
+          <a:off x="0" y="0"/>
+          <a:ext cx="0" cy="0"/>
+          <a:chOff x="0" y="0"/>
+          <a:chExt cx="0" cy="0"/>
+        </a:xfrm>
+      </p:grpSpPr>
+      <p:sp>
+        <p:nvSpPr>
+          <p:cNvPr id="3" name="Title 1"/>
+          <p:cNvSpPr txBox="1">
+            <a:spLocks/>
+          </p:cNvSpPr>
+          <p:nvPr/>
+        </p:nvSpPr>
+        <p:spPr>
+          <a:xfrm>
+            <a:off x="322023" y="374794"/>
+            <a:ext cx="11426632" cy="1538883"/>
+          </a:xfrm>
+          <a:prstGeom prst="rect">
+            <a:avLst/>
+          </a:prstGeom>
+        </p:spPr>
+        <p:txBody>
+          <a:bodyPr/>
+          <a:lstStyle>
+            <a:lvl1pPr algn="l" defTabSz="1219170" rtl="0" eaLnBrk="1" latinLnBrk="0" hangingPunct="1">
+              <a:spcBef>
+                <a:spcPct val="0"/>
+              </a:spcBef>
+              <a:buNone/>
+              <a:defRPr sz="5600" kern="1200" baseline="0">
+                <a:solidFill>
+                  <a:srgbClr val="FFFFFF"/>
+                </a:solidFill>
+                <a:latin typeface="+mj-lt"/>
+                <a:ea typeface="+mj-ea"/>
+                <a:cs typeface="+mj-cs"/>
+              </a:defRPr>
+            </a:lvl1pPr>
+          </a:lstStyle>
+          <a:p>
+            <a:pPr marL="0" lvl="1" algn="l" defTabSz="1219170" rtl="0">
+              <a:lnSpc>
+                <a:spcPts val="4000"/>
+              </a:lnSpc>
+              <a:spcBef>
+                <a:spcPct val="0"/>
+              </a:spcBef>
+            </a:pPr>
+            <a:r>
+              <a:rPr kumimoji="1" lang="en-US" altLang="ja-JP" sz="3600" b="1" kern="0" dirty="0" smtClean="0">
+                <a:solidFill>
+                  <a:srgbClr val="00B0F0"/>
+                </a:solidFill>
+                <a:latin typeface="Arial" charset="0"/>
+                <a:ea typeface="Arial" charset="0"/>
+                <a:cs typeface="Arial" charset="0"/>
+              </a:rPr>
               <a:t>Community Marketing</a:t>
             </a:r>
             <a:endParaRPr kumimoji="1" lang="en-US" altLang="ja-JP" sz="3600" b="1" kern="0" dirty="0">
@@ -21357,513 +22369,7 @@
 </p:sld>
 </file>
 
-<file path=ppt/slides/slide12.xml><?xml version="1.0" encoding="utf-8"?>
-<p:sld xmlns:a="http://schemas.openxmlformats.org/drawingml/2006/main" xmlns:r="http://schemas.openxmlformats.org/officeDocument/2006/relationships" xmlns:p="http://schemas.openxmlformats.org/presentationml/2006/main">
-  <p:cSld>
-    <p:spTree>
-      <p:nvGrpSpPr>
-        <p:cNvPr id="1" name=""/>
-        <p:cNvGrpSpPr/>
-        <p:nvPr/>
-      </p:nvGrpSpPr>
-      <p:grpSpPr>
-        <a:xfrm>
-          <a:off x="0" y="0"/>
-          <a:ext cx="0" cy="0"/>
-          <a:chOff x="0" y="0"/>
-          <a:chExt cx="0" cy="0"/>
-        </a:xfrm>
-      </p:grpSpPr>
-      <p:sp>
-        <p:nvSpPr>
-          <p:cNvPr id="2" name="Title 1"/>
-          <p:cNvSpPr>
-            <a:spLocks noGrp="1"/>
-          </p:cNvSpPr>
-          <p:nvPr>
-            <p:ph type="title"/>
-          </p:nvPr>
-        </p:nvSpPr>
-        <p:spPr>
-          <a:xfrm>
-            <a:off x="322023" y="374794"/>
-            <a:ext cx="11426632" cy="512961"/>
-          </a:xfrm>
-        </p:spPr>
-        <p:txBody>
-          <a:bodyPr/>
-          <a:lstStyle/>
-          <a:p>
-            <a:r>
-              <a:rPr kumimoji="1" lang="en-US" altLang="ja-JP" sz="3600" b="1" dirty="0" smtClean="0">
-                <a:solidFill>
-                  <a:srgbClr val="00B0F0"/>
-                </a:solidFill>
-                <a:latin typeface="Arial" charset="0"/>
-                <a:ea typeface="Arial" charset="0"/>
-                <a:cs typeface="Arial" charset="0"/>
-              </a:rPr>
-              <a:t>Questions</a:t>
-            </a:r>
-            <a:endParaRPr kumimoji="1" lang="ja-JP" altLang="en-US" sz="2933" b="1" dirty="0">
-              <a:solidFill>
-                <a:srgbClr val="00B0F0"/>
-              </a:solidFill>
-              <a:latin typeface="Arial" charset="0"/>
-              <a:ea typeface="Arial" charset="0"/>
-              <a:cs typeface="Arial" charset="0"/>
-            </a:endParaRPr>
-          </a:p>
-        </p:txBody>
-      </p:sp>
-      <p:sp>
-        <p:nvSpPr>
-          <p:cNvPr id="4" name="テキスト ボックス 3"/>
-          <p:cNvSpPr txBox="1"/>
-          <p:nvPr/>
-        </p:nvSpPr>
-        <p:spPr>
-          <a:xfrm>
-            <a:off x="322023" y="1309477"/>
-            <a:ext cx="11426632" cy="4801314"/>
-          </a:xfrm>
-          <a:prstGeom prst="rect">
-            <a:avLst/>
-          </a:prstGeom>
-          <a:noFill/>
-        </p:spPr>
-        <p:txBody>
-          <a:bodyPr wrap="square" rtlCol="0">
-            <a:spAutoFit/>
-          </a:bodyPr>
-          <a:lstStyle/>
-          <a:p>
-            <a:pPr marL="285750" indent="-285750">
-              <a:buFont typeface="Arial" charset="0"/>
-              <a:buChar char="•"/>
-            </a:pPr>
-            <a:r>
-              <a:rPr lang="en-US" altLang="ja-JP" sz="1700" b="1" dirty="0" smtClean="0">
-                <a:latin typeface="Arial" charset="0"/>
-                <a:ea typeface="Arial" charset="0"/>
-                <a:cs typeface="Arial" charset="0"/>
-              </a:rPr>
-              <a:t>Planning Cycle</a:t>
-            </a:r>
-          </a:p>
-          <a:p>
-            <a:pPr marL="742950" lvl="1" indent="-285750">
-              <a:buFont typeface="Arial" charset="0"/>
-              <a:buChar char="•"/>
-            </a:pPr>
-            <a:r>
-              <a:rPr lang="en-US" altLang="ja-JP" sz="1700" dirty="0" smtClean="0">
-                <a:latin typeface="Arial" charset="0"/>
-                <a:ea typeface="Arial" charset="0"/>
-                <a:cs typeface="Arial" charset="0"/>
-              </a:rPr>
-              <a:t>3 months(quarterly),6 months(half) or full year?</a:t>
-            </a:r>
-          </a:p>
-          <a:p>
-            <a:pPr marL="285750" indent="-285750">
-              <a:buFont typeface="Arial" charset="0"/>
-              <a:buChar char="•"/>
-            </a:pPr>
-            <a:r>
-              <a:rPr lang="en-US" altLang="ja-JP" sz="1700" b="1" dirty="0" smtClean="0">
-                <a:latin typeface="Arial" charset="0"/>
-                <a:ea typeface="Arial" charset="0"/>
-                <a:cs typeface="Arial" charset="0"/>
-              </a:rPr>
-              <a:t>Marketing Budget</a:t>
-            </a:r>
-          </a:p>
-          <a:p>
-            <a:pPr marL="742950" lvl="1" indent="-285750">
-              <a:buFont typeface="Arial" charset="0"/>
-              <a:buChar char="•"/>
-            </a:pPr>
-            <a:r>
-              <a:rPr lang="en-US" altLang="ja-JP" sz="1700" dirty="0" smtClean="0">
-                <a:latin typeface="Arial" charset="0"/>
-                <a:ea typeface="Arial" charset="0"/>
-                <a:cs typeface="Arial" charset="0"/>
-              </a:rPr>
-              <a:t>How much?</a:t>
-            </a:r>
-          </a:p>
-          <a:p>
-            <a:pPr marL="742950" lvl="1" indent="-285750">
-              <a:buFont typeface="Arial" charset="0"/>
-              <a:buChar char="•"/>
-            </a:pPr>
-            <a:r>
-              <a:rPr lang="en-US" altLang="ja-JP" sz="1700" dirty="0" smtClean="0">
-                <a:latin typeface="Arial" charset="0"/>
-                <a:ea typeface="Arial" charset="0"/>
-                <a:cs typeface="Arial" charset="0"/>
-              </a:rPr>
-              <a:t>Is there any spending skew related to planning cycle?</a:t>
-            </a:r>
-          </a:p>
-          <a:p>
-            <a:pPr marL="285750" indent="-285750">
-              <a:buFont typeface="Arial" charset="0"/>
-              <a:buChar char="•"/>
-            </a:pPr>
-            <a:r>
-              <a:rPr lang="en-US" altLang="ja-JP" sz="1700" b="1" dirty="0">
-                <a:latin typeface="Arial" charset="0"/>
-                <a:ea typeface="Arial" charset="0"/>
-                <a:cs typeface="Arial" charset="0"/>
-              </a:rPr>
-              <a:t>KPI</a:t>
-            </a:r>
-          </a:p>
-          <a:p>
-            <a:pPr marL="742950" lvl="1" indent="-285750">
-              <a:buFont typeface="Arial" charset="0"/>
-              <a:buChar char="•"/>
-            </a:pPr>
-            <a:r>
-              <a:rPr lang="en-US" altLang="ja-JP" sz="1700" dirty="0">
-                <a:latin typeface="Arial" charset="0"/>
-                <a:ea typeface="Arial" charset="0"/>
-                <a:cs typeface="Arial" charset="0"/>
-              </a:rPr>
-              <a:t>What is primary KPI for Marketing? </a:t>
-            </a:r>
-            <a:endParaRPr lang="en-US" altLang="ja-JP" sz="1700" dirty="0" smtClean="0">
-              <a:latin typeface="Arial" charset="0"/>
-              <a:ea typeface="Arial" charset="0"/>
-              <a:cs typeface="Arial" charset="0"/>
-            </a:endParaRPr>
-          </a:p>
-          <a:p>
-            <a:pPr marL="285750" indent="-285750">
-              <a:buFont typeface="Arial" charset="0"/>
-              <a:buChar char="•"/>
-            </a:pPr>
-            <a:r>
-              <a:rPr lang="en-US" altLang="ja-JP" sz="1700" b="1" dirty="0" smtClean="0">
-                <a:latin typeface="Arial" charset="0"/>
-                <a:ea typeface="Arial" charset="0"/>
-                <a:cs typeface="Arial" charset="0"/>
-              </a:rPr>
-              <a:t>Marketing Performance Report</a:t>
-            </a:r>
-          </a:p>
-          <a:p>
-            <a:pPr marL="742950" lvl="1" indent="-285750">
-              <a:buFont typeface="Arial" charset="0"/>
-              <a:buChar char="•"/>
-            </a:pPr>
-            <a:r>
-              <a:rPr lang="en-US" altLang="ja-JP" sz="1700" dirty="0" smtClean="0">
-                <a:latin typeface="Arial" charset="0"/>
-                <a:ea typeface="Arial" charset="0"/>
-                <a:cs typeface="Arial" charset="0"/>
-              </a:rPr>
-              <a:t>How do you capture Marketing performance? Do you use any reporting tools?</a:t>
-            </a:r>
-          </a:p>
-          <a:p>
-            <a:pPr marL="285750" indent="-285750">
-              <a:buFont typeface="Arial" charset="0"/>
-              <a:buChar char="•"/>
-            </a:pPr>
-            <a:r>
-              <a:rPr lang="en-US" altLang="ja-JP" sz="1700" b="1" dirty="0" smtClean="0">
-                <a:latin typeface="Arial" charset="0"/>
-                <a:ea typeface="Arial" charset="0"/>
-                <a:cs typeface="Arial" charset="0"/>
-              </a:rPr>
-              <a:t>Digital Marketing</a:t>
-            </a:r>
-          </a:p>
-          <a:p>
-            <a:pPr marL="742950" lvl="1" indent="-285750">
-              <a:buFont typeface="Arial" charset="0"/>
-              <a:buChar char="•"/>
-            </a:pPr>
-            <a:r>
-              <a:rPr lang="en-US" altLang="ja-JP" sz="1700" dirty="0" smtClean="0">
-                <a:latin typeface="Arial" charset="0"/>
-                <a:ea typeface="Arial" charset="0"/>
-                <a:cs typeface="Arial" charset="0"/>
-              </a:rPr>
-              <a:t>How do you buy paid medias such as display ads, paid </a:t>
-            </a:r>
-            <a:r>
-              <a:rPr lang="en-US" altLang="ja-JP" sz="1700" dirty="0">
-                <a:latin typeface="Arial" charset="0"/>
-                <a:ea typeface="Arial" charset="0"/>
-                <a:cs typeface="Arial" charset="0"/>
-              </a:rPr>
-              <a:t>s</a:t>
-            </a:r>
-            <a:r>
-              <a:rPr lang="en-US" altLang="ja-JP" sz="1700" dirty="0" smtClean="0">
-                <a:latin typeface="Arial" charset="0"/>
-                <a:ea typeface="Arial" charset="0"/>
-                <a:cs typeface="Arial" charset="0"/>
-              </a:rPr>
-              <a:t>earch and sponsorships? Do you do Central buying? </a:t>
-            </a:r>
-          </a:p>
-          <a:p>
-            <a:pPr marL="285750" indent="-285750">
-              <a:buFont typeface="Arial" charset="0"/>
-              <a:buChar char="•"/>
-            </a:pPr>
-            <a:r>
-              <a:rPr lang="en-US" altLang="ja-JP" sz="1700" b="1" dirty="0" smtClean="0">
-                <a:latin typeface="Arial" charset="0"/>
-                <a:ea typeface="Arial" charset="0"/>
-                <a:cs typeface="Arial" charset="0"/>
-              </a:rPr>
-              <a:t>Customer database</a:t>
-            </a:r>
-          </a:p>
-          <a:p>
-            <a:pPr marL="742950" lvl="1" indent="-285750">
-              <a:buFont typeface="Arial" charset="0"/>
-              <a:buChar char="•"/>
-            </a:pPr>
-            <a:r>
-              <a:rPr lang="en-US" altLang="ja-JP" sz="1700" dirty="0" smtClean="0">
-                <a:latin typeface="Arial" charset="0"/>
-                <a:ea typeface="Arial" charset="0"/>
-                <a:cs typeface="Arial" charset="0"/>
-              </a:rPr>
-              <a:t>How do you manage Geo specific customer data?  Any centralized database?</a:t>
-            </a:r>
-            <a:endParaRPr kumimoji="1" lang="en-US" altLang="ja-JP" sz="1700" dirty="0" smtClean="0">
-              <a:latin typeface="Arial" charset="0"/>
-              <a:ea typeface="Arial" charset="0"/>
-              <a:cs typeface="Arial" charset="0"/>
-            </a:endParaRPr>
-          </a:p>
-          <a:p>
-            <a:pPr marL="285750" indent="-285750">
-              <a:buFont typeface="Arial" charset="0"/>
-              <a:buChar char="•"/>
-            </a:pPr>
-            <a:r>
-              <a:rPr lang="en-US" altLang="ja-JP" sz="1700" b="1" dirty="0" smtClean="0">
-                <a:latin typeface="Arial" charset="0"/>
-                <a:ea typeface="Arial" charset="0"/>
-                <a:cs typeface="Arial" charset="0"/>
-              </a:rPr>
-              <a:t>Marketing Intelligence</a:t>
-            </a:r>
-          </a:p>
-          <a:p>
-            <a:pPr marL="742950" lvl="1" indent="-285750">
-              <a:buFont typeface="Arial" charset="0"/>
-              <a:buChar char="•"/>
-            </a:pPr>
-            <a:r>
-              <a:rPr lang="en-US" altLang="ja-JP" sz="1700" dirty="0" smtClean="0">
-                <a:latin typeface="Arial" charset="0"/>
-                <a:ea typeface="Arial" charset="0"/>
-                <a:cs typeface="Arial" charset="0"/>
-              </a:rPr>
-              <a:t>Is there any </a:t>
-            </a:r>
-            <a:r>
-              <a:rPr lang="en-US" altLang="ja-JP" sz="1700" dirty="0">
-                <a:latin typeface="Arial" charset="0"/>
-                <a:ea typeface="Arial" charset="0"/>
-                <a:cs typeface="Arial" charset="0"/>
-              </a:rPr>
-              <a:t>c</a:t>
-            </a:r>
-            <a:r>
-              <a:rPr lang="en-US" altLang="ja-JP" sz="1700" dirty="0" smtClean="0">
-                <a:latin typeface="Arial" charset="0"/>
-                <a:ea typeface="Arial" charset="0"/>
-                <a:cs typeface="Arial" charset="0"/>
-              </a:rPr>
-              <a:t>entralized function for MI? How do Geo marketing get local market </a:t>
-            </a:r>
-            <a:r>
-              <a:rPr lang="en-US" altLang="ja-JP" sz="1700" dirty="0">
-                <a:latin typeface="Arial" charset="0"/>
-                <a:ea typeface="Arial" charset="0"/>
-                <a:cs typeface="Arial" charset="0"/>
-              </a:rPr>
-              <a:t>Insights/research </a:t>
-            </a:r>
-            <a:r>
-              <a:rPr lang="en-US" altLang="ja-JP" sz="1700" dirty="0" smtClean="0">
-                <a:latin typeface="Arial" charset="0"/>
-                <a:ea typeface="Arial" charset="0"/>
-                <a:cs typeface="Arial" charset="0"/>
-              </a:rPr>
-              <a:t>information?</a:t>
-            </a:r>
-          </a:p>
-          <a:p>
-            <a:pPr marL="285750" indent="-285750">
-              <a:buFont typeface="Arial" charset="0"/>
-              <a:buChar char="•"/>
-            </a:pPr>
-            <a:r>
-              <a:rPr kumimoji="1" lang="en-US" altLang="ja-JP" sz="1700" b="1" dirty="0" smtClean="0">
-                <a:latin typeface="Arial" charset="0"/>
-                <a:ea typeface="Arial" charset="0"/>
-                <a:cs typeface="Arial" charset="0"/>
-              </a:rPr>
-              <a:t>Inside Sales</a:t>
-            </a:r>
-          </a:p>
-          <a:p>
-            <a:pPr marL="742950" lvl="1" indent="-285750">
-              <a:buFont typeface="Arial" charset="0"/>
-              <a:buChar char="•"/>
-            </a:pPr>
-            <a:r>
-              <a:rPr lang="en-US" altLang="ja-JP" sz="1700" dirty="0" smtClean="0">
-                <a:latin typeface="Arial" charset="0"/>
-                <a:ea typeface="Arial" charset="0"/>
-                <a:cs typeface="Arial" charset="0"/>
-              </a:rPr>
-              <a:t>Is there any inside sales functions?</a:t>
-            </a:r>
-            <a:endParaRPr kumimoji="1" lang="ja-JP" altLang="en-US" sz="1700" dirty="0">
-              <a:latin typeface="Arial" charset="0"/>
-              <a:ea typeface="Arial" charset="0"/>
-              <a:cs typeface="Arial" charset="0"/>
-            </a:endParaRPr>
-          </a:p>
-        </p:txBody>
-      </p:sp>
-    </p:spTree>
-    <p:extLst>
-      <p:ext uri="{BB962C8B-B14F-4D97-AF65-F5344CB8AC3E}">
-        <p14:creationId xmlns:p14="http://schemas.microsoft.com/office/powerpoint/2010/main" val="1749016565"/>
-      </p:ext>
-    </p:extLst>
-  </p:cSld>
-  <p:clrMapOvr>
-    <a:masterClrMapping/>
-  </p:clrMapOvr>
-  <p:timing>
-    <p:tnLst>
-      <p:par>
-        <p:cTn id="1" dur="indefinite" restart="never" nodeType="tmRoot"/>
-      </p:par>
-    </p:tnLst>
-  </p:timing>
-</p:sld>
-</file>
-
-<file path=ppt/slides/slide13.xml><?xml version="1.0" encoding="utf-8"?>
-<p:sld xmlns:a="http://schemas.openxmlformats.org/drawingml/2006/main" xmlns:r="http://schemas.openxmlformats.org/officeDocument/2006/relationships" xmlns:p="http://schemas.openxmlformats.org/presentationml/2006/main">
-  <p:cSld>
-    <p:spTree>
-      <p:nvGrpSpPr>
-        <p:cNvPr id="1" name=""/>
-        <p:cNvGrpSpPr/>
-        <p:nvPr/>
-      </p:nvGrpSpPr>
-      <p:grpSpPr>
-        <a:xfrm>
-          <a:off x="0" y="0"/>
-          <a:ext cx="0" cy="0"/>
-          <a:chOff x="0" y="0"/>
-          <a:chExt cx="0" cy="0"/>
-        </a:xfrm>
-      </p:grpSpPr>
-      <p:sp>
-        <p:nvSpPr>
-          <p:cNvPr id="3" name="Title 1"/>
-          <p:cNvSpPr txBox="1">
-            <a:spLocks/>
-          </p:cNvSpPr>
-          <p:nvPr/>
-        </p:nvSpPr>
-        <p:spPr>
-          <a:xfrm>
-            <a:off x="322023" y="374794"/>
-            <a:ext cx="11426632" cy="1538883"/>
-          </a:xfrm>
-          <a:prstGeom prst="rect">
-            <a:avLst/>
-          </a:prstGeom>
-        </p:spPr>
-        <p:txBody>
-          <a:bodyPr/>
-          <a:lstStyle>
-            <a:lvl1pPr algn="l" defTabSz="1219170" rtl="0" eaLnBrk="1" latinLnBrk="0" hangingPunct="1">
-              <a:spcBef>
-                <a:spcPct val="0"/>
-              </a:spcBef>
-              <a:buNone/>
-              <a:defRPr sz="5600" kern="1200" baseline="0">
-                <a:solidFill>
-                  <a:srgbClr val="FFFFFF"/>
-                </a:solidFill>
-                <a:latin typeface="+mj-lt"/>
-                <a:ea typeface="+mj-ea"/>
-                <a:cs typeface="+mj-cs"/>
-              </a:defRPr>
-            </a:lvl1pPr>
-          </a:lstStyle>
-          <a:p>
-            <a:pPr marL="0" lvl="1" algn="l" defTabSz="1219170" rtl="0">
-              <a:lnSpc>
-                <a:spcPts val="4000"/>
-              </a:lnSpc>
-              <a:spcBef>
-                <a:spcPct val="0"/>
-              </a:spcBef>
-            </a:pPr>
-            <a:r>
-              <a:rPr kumimoji="1" lang="en-US" altLang="ja-JP" sz="3600" b="1" kern="0" dirty="0" smtClean="0">
-                <a:solidFill>
-                  <a:srgbClr val="00B0F0"/>
-                </a:solidFill>
-                <a:latin typeface="Arial" charset="0"/>
-                <a:ea typeface="Arial" charset="0"/>
-                <a:cs typeface="Arial" charset="0"/>
-              </a:rPr>
-              <a:t>Appendix</a:t>
-            </a:r>
-            <a:endParaRPr kumimoji="1" lang="en-US" altLang="ja-JP" sz="3600" b="1" kern="0" dirty="0">
-              <a:solidFill>
-                <a:srgbClr val="00B0F0"/>
-              </a:solidFill>
-              <a:latin typeface="Arial" charset="0"/>
-              <a:ea typeface="Arial" charset="0"/>
-              <a:cs typeface="Arial" charset="0"/>
-            </a:endParaRPr>
-          </a:p>
-        </p:txBody>
-      </p:sp>
-    </p:spTree>
-    <p:extLst>
-      <p:ext uri="{BB962C8B-B14F-4D97-AF65-F5344CB8AC3E}">
-        <p14:creationId xmlns:p14="http://schemas.microsoft.com/office/powerpoint/2010/main" val="1572702477"/>
-      </p:ext>
-    </p:extLst>
-  </p:cSld>
-  <p:clrMapOvr>
-    <a:masterClrMapping/>
-  </p:clrMapOvr>
-  <p:timing>
-    <p:tnLst>
-      <p:par>
-        <p:cTn id="1" dur="indefinite" restart="never" nodeType="tmRoot"/>
-      </p:par>
-    </p:tnLst>
-  </p:timing>
-</p:sld>
-</file>
-
-<file path=ppt/slides/slide14.xml><?xml version="1.0" encoding="utf-8"?>
+<file path=ppt/slides/slide15.xml><?xml version="1.0" encoding="utf-8"?>
 <p:sld xmlns:a="http://schemas.openxmlformats.org/drawingml/2006/main" xmlns:r="http://schemas.openxmlformats.org/officeDocument/2006/relationships" xmlns:p="http://schemas.openxmlformats.org/presentationml/2006/main">
   <p:cSld>
     <p:spTree>
@@ -22410,7 +22916,7 @@
                 <a:cs typeface="Arial" charset="0"/>
               </a:rPr>
               <a:pPr/>
-              <a:t>14</a:t>
+              <a:t>15</a:t>
             </a:fld>
             <a:endParaRPr kumimoji="0" lang="en-US" sz="900" dirty="0">
               <a:solidFill>
@@ -22544,7 +23050,7 @@
 </p:sld>
 </file>
 
-<file path=ppt/slides/slide15.xml><?xml version="1.0" encoding="utf-8"?>
+<file path=ppt/slides/slide16.xml><?xml version="1.0" encoding="utf-8"?>
 <p:sld xmlns:a="http://schemas.openxmlformats.org/drawingml/2006/main" xmlns:r="http://schemas.openxmlformats.org/officeDocument/2006/relationships" xmlns:p="http://schemas.openxmlformats.org/presentationml/2006/main">
   <p:cSld>
     <p:spTree>
@@ -22611,7 +23117,7 @@
 </p:sld>
 </file>
 
-<file path=ppt/slides/slide16.xml><?xml version="1.0" encoding="utf-8"?>
+<file path=ppt/slides/slide17.xml><?xml version="1.0" encoding="utf-8"?>
 <p:sld xmlns:a="http://schemas.openxmlformats.org/drawingml/2006/main" xmlns:r="http://schemas.openxmlformats.org/officeDocument/2006/relationships" xmlns:p="http://schemas.openxmlformats.org/presentationml/2006/main">
   <p:cSld>
     <p:spTree>

--- a/GitHub Japan Marketing Strategy.pptx
+++ b/GitHub Japan Marketing Strategy.pptx
@@ -3950,7 +3950,7 @@
           <p:nvPr>
             <p:extLst>
               <p:ext uri="{D42A27DB-BD31-4B8C-83A1-F6EECF244321}">
-                <p14:modId xmlns:p14="http://schemas.microsoft.com/office/powerpoint/2010/main" val="1720019039"/>
+                <p14:modId xmlns:p14="http://schemas.microsoft.com/office/powerpoint/2010/main" val="426087100"/>
               </p:ext>
             </p:extLst>
           </p:nvPr>
@@ -8697,7 +8697,37 @@
                           <a:ea typeface="Arial" charset="0"/>
                           <a:cs typeface="Arial" charset="0"/>
                         </a:rPr>
-                        <a:t>GitHub Constellation Tokyo 2017</a:t>
+                        <a:t>GitHub </a:t>
+                      </a:r>
+                      <a:r>
+                        <a:rPr kumimoji="0" lang="en-US" altLang="ja-JP" sz="1200" b="1" i="0" u="none" strike="noStrike" cap="none" normalizeH="0" baseline="0" dirty="0" smtClean="0">
+                          <a:ln>
+                            <a:noFill/>
+                          </a:ln>
+                          <a:solidFill>
+                            <a:schemeClr val="tx1"/>
+                          </a:solidFill>
+                          <a:effectLst/>
+                          <a:latin typeface="Arial" charset="0"/>
+                          <a:ea typeface="Arial" charset="0"/>
+                          <a:cs typeface="Arial" charset="0"/>
+                        </a:rPr>
+                        <a:t>Satellite Tokyo </a:t>
+                      </a:r>
+                      <a:r>
+                        <a:rPr kumimoji="0" lang="en-US" altLang="ja-JP" sz="1200" b="1" i="0" u="none" strike="noStrike" cap="none" normalizeH="0" baseline="0" dirty="0" smtClean="0">
+                          <a:ln>
+                            <a:noFill/>
+                          </a:ln>
+                          <a:solidFill>
+                            <a:schemeClr val="tx1"/>
+                          </a:solidFill>
+                          <a:effectLst/>
+                          <a:latin typeface="Arial" charset="0"/>
+                          <a:ea typeface="Arial" charset="0"/>
+                          <a:cs typeface="Arial" charset="0"/>
+                        </a:rPr>
+                        <a:t>2017</a:t>
                       </a:r>
                     </a:p>
                   </a:txBody>
@@ -8830,7 +8860,7 @@
                           </a:ln>
                           <a:effectLst/>
                         </a:rPr>
-                        <a:t>PR/AR</a:t>
+                        <a:t>PR</a:t>
                       </a:r>
                       <a:endParaRPr kumimoji="0" lang="en-US" altLang="ja-JP" sz="1200" b="0" i="0" u="none" strike="noStrike" cap="none" normalizeH="0" baseline="0" dirty="0" smtClean="0">
                         <a:ln>
@@ -20862,6 +20892,68 @@
           </a:p>
         </p:txBody>
       </p:sp>
+      <p:sp>
+        <p:nvSpPr>
+          <p:cNvPr id="42" name="TextBox 31"/>
+          <p:cNvSpPr txBox="1"/>
+          <p:nvPr/>
+        </p:nvSpPr>
+        <p:spPr>
+          <a:xfrm>
+            <a:off x="10989297" y="4158623"/>
+            <a:ext cx="1116518" cy="600164"/>
+          </a:xfrm>
+          <a:prstGeom prst="rect">
+            <a:avLst/>
+          </a:prstGeom>
+          <a:noFill/>
+        </p:spPr>
+        <p:txBody>
+          <a:bodyPr wrap="square" rtlCol="0">
+            <a:spAutoFit/>
+          </a:bodyPr>
+          <a:lstStyle/>
+          <a:p>
+            <a:r>
+              <a:rPr kumimoji="1" lang="ja-JP" altLang="en-US" sz="1100" b="1" dirty="0" smtClean="0">
+                <a:latin typeface="Arial" charset="0"/>
+                <a:ea typeface="Arial" charset="0"/>
+                <a:cs typeface="Arial" charset="0"/>
+              </a:rPr>
+              <a:t>★ </a:t>
+            </a:r>
+            <a:r>
+              <a:rPr lang="en-US" altLang="ja-JP" sz="1100" b="1" dirty="0">
+                <a:latin typeface="Arial" charset="0"/>
+                <a:ea typeface="Arial" charset="0"/>
+                <a:cs typeface="Arial" charset="0"/>
+              </a:rPr>
+              <a:t>GitHub </a:t>
+            </a:r>
+            <a:r>
+              <a:rPr lang="en-US" altLang="ja-JP" sz="1100" b="1" dirty="0" smtClean="0">
+                <a:latin typeface="Arial" charset="0"/>
+                <a:ea typeface="Arial" charset="0"/>
+                <a:cs typeface="Arial" charset="0"/>
+              </a:rPr>
+              <a:t>Satellite</a:t>
+            </a:r>
+            <a:r>
+              <a:rPr lang="en-US" altLang="ja-JP" sz="1100" b="1" dirty="0" smtClean="0">
+                <a:latin typeface="Arial" charset="0"/>
+                <a:ea typeface="Arial" charset="0"/>
+                <a:cs typeface="Arial" charset="0"/>
+              </a:rPr>
+              <a:t> Meetup</a:t>
+            </a:r>
+            <a:endParaRPr lang="en-US" altLang="ja-JP" sz="1100" b="1" dirty="0">
+              <a:latin typeface="Arial" charset="0"/>
+              <a:ea typeface="Arial" charset="0"/>
+              <a:cs typeface="Arial" charset="0"/>
+            </a:endParaRPr>
+          </a:p>
+        </p:txBody>
+      </p:sp>
     </p:spTree>
     <p:extLst>
       <p:ext uri="{BB962C8B-B14F-4D97-AF65-F5344CB8AC3E}">
@@ -21162,6 +21254,10 @@
             </a:r>
           </a:p>
           <a:p>
+            <a:pPr marL="457200" indent="-457200">
+              <a:buFont typeface="+mj-lt"/>
+              <a:buAutoNum type="arabicPeriod"/>
+            </a:pPr>
             <a:r>
               <a:rPr lang="en-US" altLang="ja-JP" sz="2000" dirty="0">
                 <a:latin typeface="Arial" charset="0"/>
@@ -21172,6 +21268,10 @@
             </a:r>
           </a:p>
           <a:p>
+            <a:pPr marL="457200" indent="-457200">
+              <a:buFont typeface="+mj-lt"/>
+              <a:buAutoNum type="arabicPeriod"/>
+            </a:pPr>
             <a:r>
               <a:rPr lang="en-US" altLang="ja-JP" sz="2000" dirty="0">
                 <a:latin typeface="Arial" charset="0"/>
@@ -21182,6 +21282,10 @@
             </a:r>
           </a:p>
           <a:p>
+            <a:pPr marL="457200" indent="-457200">
+              <a:buFont typeface="+mj-lt"/>
+              <a:buAutoNum type="arabicPeriod"/>
+            </a:pPr>
             <a:r>
               <a:rPr lang="en-US" altLang="ja-JP" sz="2000" dirty="0">
                 <a:latin typeface="Arial" charset="0"/>
@@ -21237,7 +21341,15 @@
                 <a:ea typeface="Arial" charset="0"/>
                 <a:cs typeface="Arial" charset="0"/>
               </a:rPr>
-              <a:t>“Millennials”</a:t>
+              <a:t>“Millennials</a:t>
+            </a:r>
+            <a:r>
+              <a:rPr lang="en-US" altLang="ja-JP" sz="2000" dirty="0">
+                <a:latin typeface="Arial" charset="0"/>
+                <a:ea typeface="Arial" charset="0"/>
+                <a:cs typeface="Arial" charset="0"/>
+              </a:rPr>
+              <a:t>”, a person reaching young adulthood in the early 21st century.</a:t>
             </a:r>
             <a:endParaRPr lang="en-US" altLang="ja-JP" sz="2000" dirty="0" smtClean="0">
               <a:latin typeface="Arial" charset="0"/>
@@ -21276,15 +21388,11 @@
               </a:rPr>
               <a:t>?</a:t>
             </a:r>
-            <a:endParaRPr lang="en-US" altLang="ja-JP" sz="2400" b="1" dirty="0" smtClean="0">
-              <a:latin typeface="Arial" charset="0"/>
-              <a:ea typeface="Arial" charset="0"/>
-              <a:cs typeface="Arial" charset="0"/>
-            </a:endParaRPr>
           </a:p>
           <a:p>
-            <a:pPr marL="0" indent="0">
-              <a:buNone/>
+            <a:pPr>
+              <a:buFont typeface="Arial" charset="0"/>
+              <a:buChar char="•"/>
             </a:pPr>
             <a:r>
               <a:rPr lang="en-US" altLang="ja-JP" sz="2000" dirty="0" smtClean="0">
@@ -21300,7 +21408,101 @@
                 <a:ea typeface="Arial" charset="0"/>
                 <a:cs typeface="Arial" charset="0"/>
               </a:rPr>
-              <a:t>need to build connections with bloggers and influencers, who are key players in the digital space leveraging Japan unique technical blogs such as </a:t>
+              <a:t>need to build connections with bloggers and influencers, who are key players in the digital </a:t>
+            </a:r>
+            <a:r>
+              <a:rPr lang="en-US" altLang="ja-JP" sz="2000" dirty="0" smtClean="0">
+                <a:latin typeface="Arial" charset="0"/>
+                <a:ea typeface="Arial" charset="0"/>
+                <a:cs typeface="Arial" charset="0"/>
+              </a:rPr>
+              <a:t>space.</a:t>
+            </a:r>
+          </a:p>
+          <a:p>
+            <a:pPr>
+              <a:buFont typeface="Arial" charset="0"/>
+              <a:buChar char="•"/>
+            </a:pPr>
+            <a:r>
+              <a:rPr lang="en-US" altLang="ja-JP" sz="2000" dirty="0">
+                <a:latin typeface="Arial" charset="0"/>
+                <a:ea typeface="Arial" charset="0"/>
+                <a:cs typeface="Arial" charset="0"/>
+              </a:rPr>
+              <a:t>We need to </a:t>
+            </a:r>
+            <a:r>
+              <a:rPr lang="en-US" altLang="ja-JP" sz="2000" dirty="0" smtClean="0">
+                <a:latin typeface="Arial" charset="0"/>
+                <a:ea typeface="Arial" charset="0"/>
+                <a:cs typeface="Arial" charset="0"/>
+              </a:rPr>
+              <a:t>encourage them </a:t>
+            </a:r>
+            <a:r>
+              <a:rPr lang="en-US" altLang="ja-JP" sz="2000" dirty="0">
+                <a:latin typeface="Arial" charset="0"/>
+                <a:ea typeface="Arial" charset="0"/>
+                <a:cs typeface="Arial" charset="0"/>
+              </a:rPr>
+              <a:t>to write "How to </a:t>
+            </a:r>
+            <a:r>
+              <a:rPr lang="en-US" altLang="ja-JP" sz="2000" dirty="0" smtClean="0">
+                <a:latin typeface="Arial" charset="0"/>
+                <a:ea typeface="Arial" charset="0"/>
+                <a:cs typeface="Arial" charset="0"/>
+              </a:rPr>
+              <a:t>use our solutions" </a:t>
+            </a:r>
+            <a:r>
+              <a:rPr lang="en-US" altLang="ja-JP" sz="2000" dirty="0">
+                <a:latin typeface="Arial" charset="0"/>
+                <a:ea typeface="Arial" charset="0"/>
+                <a:cs typeface="Arial" charset="0"/>
+              </a:rPr>
+              <a:t>rather than just </a:t>
+            </a:r>
+            <a:r>
+              <a:rPr lang="en-US" altLang="ja-JP" sz="2000" dirty="0" smtClean="0">
+                <a:latin typeface="Arial" charset="0"/>
+                <a:ea typeface="Arial" charset="0"/>
+                <a:cs typeface="Arial" charset="0"/>
+              </a:rPr>
+              <a:t>write </a:t>
+            </a:r>
+            <a:r>
+              <a:rPr lang="en-US" altLang="ja-JP" sz="2000" dirty="0">
+                <a:latin typeface="Arial" charset="0"/>
+                <a:ea typeface="Arial" charset="0"/>
+                <a:cs typeface="Arial" charset="0"/>
+              </a:rPr>
+              <a:t>product </a:t>
+            </a:r>
+            <a:r>
+              <a:rPr lang="en-US" altLang="ja-JP" sz="2000" dirty="0" smtClean="0">
+                <a:latin typeface="Arial" charset="0"/>
+                <a:ea typeface="Arial" charset="0"/>
+                <a:cs typeface="Arial" charset="0"/>
+              </a:rPr>
+              <a:t>specifications by </a:t>
+            </a:r>
+            <a:r>
+              <a:rPr lang="en-US" altLang="ja-JP" sz="2000" dirty="0" smtClean="0">
+                <a:latin typeface="Arial" charset="0"/>
+                <a:ea typeface="Arial" charset="0"/>
+                <a:cs typeface="Arial" charset="0"/>
+              </a:rPr>
+              <a:t>leveraging Japan </a:t>
+            </a:r>
+            <a:r>
+              <a:rPr lang="en-US" altLang="ja-JP" sz="2000" dirty="0">
+                <a:latin typeface="Arial" charset="0"/>
+                <a:ea typeface="Arial" charset="0"/>
+                <a:cs typeface="Arial" charset="0"/>
+              </a:rPr>
+              <a:t>unique technical blogs such as </a:t>
             </a:r>
             <a:r>
               <a:rPr lang="en-US" altLang="ja-JP" sz="2000" dirty="0" err="1">
@@ -21347,27 +21549,6 @@
               <a:ea typeface="Arial" charset="0"/>
               <a:cs typeface="Arial" charset="0"/>
             </a:endParaRPr>
-          </a:p>
-          <a:p>
-            <a:pPr marL="0" indent="0">
-              <a:buNone/>
-            </a:pPr>
-            <a:r>
-              <a:rPr lang="en-US" altLang="ja-JP" sz="2000" dirty="0" smtClean="0">
-                <a:latin typeface="Arial" charset="0"/>
-                <a:ea typeface="Arial" charset="0"/>
-                <a:cs typeface="Arial" charset="0"/>
-              </a:rPr>
-              <a:t>We </a:t>
-            </a:r>
-            <a:r>
-              <a:rPr lang="en-US" altLang="ja-JP" sz="2000" dirty="0">
-                <a:latin typeface="Arial" charset="0"/>
-                <a:ea typeface="Arial" charset="0"/>
-                <a:cs typeface="Arial" charset="0"/>
-              </a:rPr>
-              <a:t>need to encourage them to write "How to use" rather than just a product specifications.</a:t>
-            </a:r>
           </a:p>
         </p:txBody>
       </p:sp>
